--- a/talks/MachineLearning101.pptx
+++ b/talks/MachineLearning101.pptx
@@ -8,6 +8,9 @@
     <p:sldId id="256" r:id="rId2"/>
     <p:sldId id="257" r:id="rId3"/>
     <p:sldId id="258" r:id="rId4"/>
+    <p:sldId id="260" r:id="rId5"/>
+    <p:sldId id="261" r:id="rId6"/>
+    <p:sldId id="262" r:id="rId7"/>
   </p:sldIdLst>
   <p:sldSz cx="12192000" cy="6858000"/>
   <p:notesSz cx="6858000" cy="9144000"/>
@@ -3815,7 +3818,10 @@
           <a:lstStyle/>
           <a:p>
             <a:r>
-              <a:rPr lang="en-US" dirty="0"/>
+              <a:rPr lang="en-US" dirty="0">
+                <a:latin typeface="UD Digi Kyokasho NP-B" panose="02020700000000000000" pitchFamily="18" charset="-128"/>
+                <a:ea typeface="UD Digi Kyokasho NP-B" panose="02020700000000000000" pitchFamily="18" charset="-128"/>
+              </a:rPr>
               <a:t>Machine Learning 101</a:t>
             </a:r>
           </a:p>
@@ -3956,7 +3962,9 @@
           </a:xfrm>
         </p:spPr>
         <p:txBody>
-          <a:bodyPr/>
+          <a:bodyPr>
+            <a:normAutofit fontScale="85000" lnSpcReduction="20000"/>
+          </a:bodyPr>
           <a:lstStyle/>
           <a:p>
             <a:r>
@@ -3979,12 +3987,6 @@
           <a:p>
             <a:r>
               <a:rPr lang="en-US" dirty="0"/>
-              <a:t>Data Science vs Machine Learning</a:t>
-            </a:r>
-          </a:p>
-          <a:p>
-            <a:r>
-              <a:rPr lang="en-US" dirty="0"/>
               <a:t>Example of “Machine Learning” – Logistic Regression</a:t>
             </a:r>
           </a:p>
@@ -4014,9 +4016,32 @@
           </a:p>
           <a:p>
             <a:r>
-              <a:rPr lang="en-US"/>
+              <a:rPr lang="en-US" dirty="0"/>
+              <a:t>State of AI (% of companies using it?  Google search graph ?)</a:t>
+            </a:r>
+          </a:p>
+          <a:p>
+            <a:r>
+              <a:rPr lang="en-US" dirty="0"/>
+              <a:t>Demo of Azure ML Studio</a:t>
+            </a:r>
+          </a:p>
+          <a:p>
+            <a:r>
+              <a:rPr lang="en-US" dirty="0"/>
               <a:t>Beware The Singularity ?</a:t>
             </a:r>
+          </a:p>
+          <a:p>
+            <a:r>
+              <a:rPr lang="en-US" dirty="0"/>
+              <a:t>(Optional) – My ML Story</a:t>
+            </a:r>
+          </a:p>
+          <a:p>
+            <a:pPr marL="0" indent="0">
+              <a:buNone/>
+            </a:pPr>
             <a:endParaRPr lang="en-US" dirty="0"/>
           </a:p>
         </p:txBody>
@@ -4067,12 +4092,20 @@
             <p:ph type="title"/>
           </p:nvPr>
         </p:nvSpPr>
-        <p:spPr/>
+        <p:spPr>
+          <a:xfrm>
+            <a:off x="1141560" y="196965"/>
+            <a:ext cx="9601200" cy="987729"/>
+          </a:xfrm>
+        </p:spPr>
         <p:txBody>
           <a:bodyPr/>
           <a:lstStyle/>
           <a:p>
-            <a:endParaRPr lang="en-US"/>
+            <a:r>
+              <a:rPr lang="en-US" dirty="0"/>
+              <a:t>What is Machine Learning</a:t>
+            </a:r>
           </a:p>
         </p:txBody>
       </p:sp>
@@ -4092,19 +4125,2345 @@
             <p:ph idx="1"/>
           </p:nvPr>
         </p:nvSpPr>
-        <p:spPr/>
+        <p:spPr>
+          <a:xfrm>
+            <a:off x="1227822" y="1023667"/>
+            <a:ext cx="5287993" cy="5348378"/>
+          </a:xfrm>
+        </p:spPr>
+        <p:style>
+          <a:lnRef idx="2">
+            <a:schemeClr val="accent2"/>
+          </a:lnRef>
+          <a:fillRef idx="1">
+            <a:schemeClr val="lt1"/>
+          </a:fillRef>
+          <a:effectRef idx="0">
+            <a:schemeClr val="accent2"/>
+          </a:effectRef>
+          <a:fontRef idx="minor">
+            <a:schemeClr val="dk1"/>
+          </a:fontRef>
+        </p:style>
         <p:txBody>
           <a:bodyPr/>
           <a:lstStyle/>
           <a:p>
-            <a:endParaRPr lang="en-US"/>
-          </a:p>
-        </p:txBody>
-      </p:sp>
+            <a:r>
+              <a:rPr lang="en-US" dirty="0"/>
+              <a:t>Software 1.0</a:t>
+            </a:r>
+          </a:p>
+        </p:txBody>
+      </p:sp>
+      <p:sp>
+        <p:nvSpPr>
+          <p:cNvPr id="4" name="Content Placeholder 2">
+            <a:extLst>
+              <a:ext uri="{FF2B5EF4-FFF2-40B4-BE49-F238E27FC236}">
+                <a16:creationId xmlns:a16="http://schemas.microsoft.com/office/drawing/2014/main" id="{CD97B703-0D68-4C3A-9692-C69CF75ED4AD}"/>
+              </a:ext>
+            </a:extLst>
+          </p:cNvPr>
+          <p:cNvSpPr txBox="1">
+            <a:spLocks/>
+          </p:cNvSpPr>
+          <p:nvPr/>
+        </p:nvSpPr>
+        <p:spPr>
+          <a:xfrm>
+            <a:off x="-215661" y="196965"/>
+            <a:ext cx="10550105" cy="5348378"/>
+          </a:xfrm>
+          <a:prstGeom prst="rect">
+            <a:avLst/>
+          </a:prstGeom>
+        </p:spPr>
+        <p:txBody>
+          <a:bodyPr vert="horz" lIns="91440" tIns="45720" rIns="91440" bIns="45720" rtlCol="0">
+            <a:normAutofit/>
+          </a:bodyPr>
+          <a:lstStyle>
+            <a:lvl1pPr marL="384048" indent="-384048" algn="l" defTabSz="914400" rtl="0" eaLnBrk="1" latinLnBrk="0" hangingPunct="1">
+              <a:lnSpc>
+                <a:spcPct val="94000"/>
+              </a:lnSpc>
+              <a:spcBef>
+                <a:spcPts val="1000"/>
+              </a:spcBef>
+              <a:spcAft>
+                <a:spcPts val="200"/>
+              </a:spcAft>
+              <a:buFont typeface="Franklin Gothic Book" panose="020B0503020102020204" pitchFamily="34" charset="0"/>
+              <a:buChar char="■"/>
+              <a:defRPr sz="2000" kern="1200" baseline="0">
+                <a:solidFill>
+                  <a:schemeClr val="tx2"/>
+                </a:solidFill>
+                <a:latin typeface="+mn-lt"/>
+                <a:ea typeface="+mn-ea"/>
+                <a:cs typeface="+mn-cs"/>
+              </a:defRPr>
+            </a:lvl1pPr>
+            <a:lvl2pPr marL="914400" indent="-384048" algn="l" defTabSz="914400" rtl="0" eaLnBrk="1" latinLnBrk="0" hangingPunct="1">
+              <a:lnSpc>
+                <a:spcPct val="94000"/>
+              </a:lnSpc>
+              <a:spcBef>
+                <a:spcPts val="500"/>
+              </a:spcBef>
+              <a:spcAft>
+                <a:spcPts val="200"/>
+              </a:spcAft>
+              <a:buFont typeface="Franklin Gothic Book" panose="020B0503020102020204" pitchFamily="34" charset="0"/>
+              <a:buChar char="–"/>
+              <a:defRPr sz="2000" i="1" kern="1200" baseline="0">
+                <a:solidFill>
+                  <a:schemeClr val="tx2"/>
+                </a:solidFill>
+                <a:latin typeface="+mn-lt"/>
+                <a:ea typeface="+mn-ea"/>
+                <a:cs typeface="+mn-cs"/>
+              </a:defRPr>
+            </a:lvl2pPr>
+            <a:lvl3pPr marL="1371600" indent="-384048" algn="l" defTabSz="914400" rtl="0" eaLnBrk="1" latinLnBrk="0" hangingPunct="1">
+              <a:lnSpc>
+                <a:spcPct val="94000"/>
+              </a:lnSpc>
+              <a:spcBef>
+                <a:spcPts val="500"/>
+              </a:spcBef>
+              <a:spcAft>
+                <a:spcPts val="200"/>
+              </a:spcAft>
+              <a:buFont typeface="Franklin Gothic Book" panose="020B0503020102020204" pitchFamily="34" charset="0"/>
+              <a:buChar char="■"/>
+              <a:defRPr sz="1800" kern="1200" baseline="0">
+                <a:solidFill>
+                  <a:schemeClr val="tx2"/>
+                </a:solidFill>
+                <a:latin typeface="+mn-lt"/>
+                <a:ea typeface="+mn-ea"/>
+                <a:cs typeface="+mn-cs"/>
+              </a:defRPr>
+            </a:lvl3pPr>
+            <a:lvl4pPr marL="1828800" indent="-384048" algn="l" defTabSz="914400" rtl="0" eaLnBrk="1" latinLnBrk="0" hangingPunct="1">
+              <a:lnSpc>
+                <a:spcPct val="94000"/>
+              </a:lnSpc>
+              <a:spcBef>
+                <a:spcPts val="500"/>
+              </a:spcBef>
+              <a:spcAft>
+                <a:spcPts val="200"/>
+              </a:spcAft>
+              <a:buFont typeface="Franklin Gothic Book" panose="020B0503020102020204" pitchFamily="34" charset="0"/>
+              <a:buChar char="–"/>
+              <a:defRPr sz="1800" i="1" kern="1200" baseline="0">
+                <a:solidFill>
+                  <a:schemeClr val="tx2"/>
+                </a:solidFill>
+                <a:latin typeface="+mn-lt"/>
+                <a:ea typeface="+mn-ea"/>
+                <a:cs typeface="+mn-cs"/>
+              </a:defRPr>
+            </a:lvl4pPr>
+            <a:lvl5pPr marL="2286000" indent="-384048" algn="l" defTabSz="914400" rtl="0" eaLnBrk="1" latinLnBrk="0" hangingPunct="1">
+              <a:lnSpc>
+                <a:spcPct val="94000"/>
+              </a:lnSpc>
+              <a:spcBef>
+                <a:spcPts val="500"/>
+              </a:spcBef>
+              <a:spcAft>
+                <a:spcPts val="200"/>
+              </a:spcAft>
+              <a:buFont typeface="Franklin Gothic Book" panose="020B0503020102020204" pitchFamily="34" charset="0"/>
+              <a:buChar char="■"/>
+              <a:defRPr sz="1600" kern="1200" baseline="0">
+                <a:solidFill>
+                  <a:schemeClr val="tx2"/>
+                </a:solidFill>
+                <a:latin typeface="+mn-lt"/>
+                <a:ea typeface="+mn-ea"/>
+                <a:cs typeface="+mn-cs"/>
+              </a:defRPr>
+            </a:lvl5pPr>
+            <a:lvl6pPr marL="2743200" indent="-384048" algn="l" defTabSz="914400" rtl="0" eaLnBrk="1" latinLnBrk="0" hangingPunct="1">
+              <a:lnSpc>
+                <a:spcPct val="94000"/>
+              </a:lnSpc>
+              <a:spcBef>
+                <a:spcPts val="500"/>
+              </a:spcBef>
+              <a:spcAft>
+                <a:spcPts val="200"/>
+              </a:spcAft>
+              <a:buFont typeface="Franklin Gothic Book" panose="020B0503020102020204" pitchFamily="34" charset="0"/>
+              <a:buChar char="–"/>
+              <a:defRPr sz="1600" i="1" kern="1200" baseline="0">
+                <a:solidFill>
+                  <a:schemeClr val="tx2"/>
+                </a:solidFill>
+                <a:latin typeface="+mn-lt"/>
+                <a:ea typeface="+mn-ea"/>
+                <a:cs typeface="+mn-cs"/>
+              </a:defRPr>
+            </a:lvl6pPr>
+            <a:lvl7pPr marL="3200400" indent="-384048" algn="l" defTabSz="914400" rtl="0" eaLnBrk="1" latinLnBrk="0" hangingPunct="1">
+              <a:lnSpc>
+                <a:spcPct val="94000"/>
+              </a:lnSpc>
+              <a:spcBef>
+                <a:spcPts val="500"/>
+              </a:spcBef>
+              <a:spcAft>
+                <a:spcPts val="200"/>
+              </a:spcAft>
+              <a:buFont typeface="Franklin Gothic Book" panose="020B0503020102020204" pitchFamily="34" charset="0"/>
+              <a:buChar char="■"/>
+              <a:defRPr sz="1400" kern="1200" baseline="0">
+                <a:solidFill>
+                  <a:schemeClr val="tx2"/>
+                </a:solidFill>
+                <a:latin typeface="+mn-lt"/>
+                <a:ea typeface="+mn-ea"/>
+                <a:cs typeface="+mn-cs"/>
+              </a:defRPr>
+            </a:lvl7pPr>
+            <a:lvl8pPr marL="3657600" indent="-384048" algn="l" defTabSz="914400" rtl="0" eaLnBrk="1" latinLnBrk="0" hangingPunct="1">
+              <a:lnSpc>
+                <a:spcPct val="94000"/>
+              </a:lnSpc>
+              <a:spcBef>
+                <a:spcPts val="500"/>
+              </a:spcBef>
+              <a:spcAft>
+                <a:spcPts val="200"/>
+              </a:spcAft>
+              <a:buFont typeface="Franklin Gothic Book" panose="020B0503020102020204" pitchFamily="34" charset="0"/>
+              <a:buChar char="–"/>
+              <a:defRPr sz="1400" i="1" kern="1200" baseline="0">
+                <a:solidFill>
+                  <a:schemeClr val="tx2"/>
+                </a:solidFill>
+                <a:latin typeface="+mn-lt"/>
+                <a:ea typeface="+mn-ea"/>
+                <a:cs typeface="+mn-cs"/>
+              </a:defRPr>
+            </a:lvl8pPr>
+            <a:lvl9pPr marL="4114800" indent="-384048" algn="l" defTabSz="914400" rtl="0" eaLnBrk="1" latinLnBrk="0" hangingPunct="1">
+              <a:lnSpc>
+                <a:spcPct val="94000"/>
+              </a:lnSpc>
+              <a:spcBef>
+                <a:spcPts val="500"/>
+              </a:spcBef>
+              <a:spcAft>
+                <a:spcPts val="200"/>
+              </a:spcAft>
+              <a:buFont typeface="Franklin Gothic Book" panose="020B0503020102020204" pitchFamily="34" charset="0"/>
+              <a:buChar char="■"/>
+              <a:defRPr sz="1400" kern="1200" baseline="0">
+                <a:solidFill>
+                  <a:schemeClr val="tx2"/>
+                </a:solidFill>
+                <a:latin typeface="+mn-lt"/>
+                <a:ea typeface="+mn-ea"/>
+                <a:cs typeface="+mn-cs"/>
+              </a:defRPr>
+            </a:lvl9pPr>
+          </a:lstStyle>
+          <a:p>
+            <a:endParaRPr lang="en-US" dirty="0"/>
+          </a:p>
+        </p:txBody>
+      </p:sp>
+      <p:sp>
+        <p:nvSpPr>
+          <p:cNvPr id="25" name="Content Placeholder 2">
+            <a:extLst>
+              <a:ext uri="{FF2B5EF4-FFF2-40B4-BE49-F238E27FC236}">
+                <a16:creationId xmlns:a16="http://schemas.microsoft.com/office/drawing/2014/main" id="{5A4C75E7-2FC2-4394-8D9A-BB33B2A87769}"/>
+              </a:ext>
+            </a:extLst>
+          </p:cNvPr>
+          <p:cNvSpPr txBox="1">
+            <a:spLocks/>
+          </p:cNvSpPr>
+          <p:nvPr/>
+        </p:nvSpPr>
+        <p:spPr>
+          <a:xfrm>
+            <a:off x="6668216" y="1023667"/>
+            <a:ext cx="5287993" cy="5348378"/>
+          </a:xfrm>
+          <a:prstGeom prst="rect">
+            <a:avLst/>
+          </a:prstGeom>
+        </p:spPr>
+        <p:style>
+          <a:lnRef idx="2">
+            <a:schemeClr val="dk1"/>
+          </a:lnRef>
+          <a:fillRef idx="1">
+            <a:schemeClr val="lt1"/>
+          </a:fillRef>
+          <a:effectRef idx="0">
+            <a:schemeClr val="dk1"/>
+          </a:effectRef>
+          <a:fontRef idx="minor">
+            <a:schemeClr val="dk1"/>
+          </a:fontRef>
+        </p:style>
+        <p:txBody>
+          <a:bodyPr vert="horz" lIns="91440" tIns="45720" rIns="91440" bIns="45720" rtlCol="0">
+            <a:normAutofit/>
+          </a:bodyPr>
+          <a:lstStyle>
+            <a:lvl1pPr marL="384048" indent="-384048" algn="l" defTabSz="914400" rtl="0" eaLnBrk="1" latinLnBrk="0" hangingPunct="1">
+              <a:lnSpc>
+                <a:spcPct val="94000"/>
+              </a:lnSpc>
+              <a:spcBef>
+                <a:spcPts val="1000"/>
+              </a:spcBef>
+              <a:spcAft>
+                <a:spcPts val="200"/>
+              </a:spcAft>
+              <a:buFont typeface="Franklin Gothic Book" panose="020B0503020102020204" pitchFamily="34" charset="0"/>
+              <a:buChar char="■"/>
+              <a:defRPr sz="2000" kern="1200" baseline="0">
+                <a:solidFill>
+                  <a:schemeClr val="tx2"/>
+                </a:solidFill>
+                <a:latin typeface="+mn-lt"/>
+                <a:ea typeface="+mn-ea"/>
+                <a:cs typeface="+mn-cs"/>
+              </a:defRPr>
+            </a:lvl1pPr>
+            <a:lvl2pPr marL="914400" indent="-384048" algn="l" defTabSz="914400" rtl="0" eaLnBrk="1" latinLnBrk="0" hangingPunct="1">
+              <a:lnSpc>
+                <a:spcPct val="94000"/>
+              </a:lnSpc>
+              <a:spcBef>
+                <a:spcPts val="500"/>
+              </a:spcBef>
+              <a:spcAft>
+                <a:spcPts val="200"/>
+              </a:spcAft>
+              <a:buFont typeface="Franklin Gothic Book" panose="020B0503020102020204" pitchFamily="34" charset="0"/>
+              <a:buChar char="–"/>
+              <a:defRPr sz="2000" i="1" kern="1200" baseline="0">
+                <a:solidFill>
+                  <a:schemeClr val="tx2"/>
+                </a:solidFill>
+                <a:latin typeface="+mn-lt"/>
+                <a:ea typeface="+mn-ea"/>
+                <a:cs typeface="+mn-cs"/>
+              </a:defRPr>
+            </a:lvl2pPr>
+            <a:lvl3pPr marL="1371600" indent="-384048" algn="l" defTabSz="914400" rtl="0" eaLnBrk="1" latinLnBrk="0" hangingPunct="1">
+              <a:lnSpc>
+                <a:spcPct val="94000"/>
+              </a:lnSpc>
+              <a:spcBef>
+                <a:spcPts val="500"/>
+              </a:spcBef>
+              <a:spcAft>
+                <a:spcPts val="200"/>
+              </a:spcAft>
+              <a:buFont typeface="Franklin Gothic Book" panose="020B0503020102020204" pitchFamily="34" charset="0"/>
+              <a:buChar char="■"/>
+              <a:defRPr sz="1800" kern="1200" baseline="0">
+                <a:solidFill>
+                  <a:schemeClr val="tx2"/>
+                </a:solidFill>
+                <a:latin typeface="+mn-lt"/>
+                <a:ea typeface="+mn-ea"/>
+                <a:cs typeface="+mn-cs"/>
+              </a:defRPr>
+            </a:lvl3pPr>
+            <a:lvl4pPr marL="1828800" indent="-384048" algn="l" defTabSz="914400" rtl="0" eaLnBrk="1" latinLnBrk="0" hangingPunct="1">
+              <a:lnSpc>
+                <a:spcPct val="94000"/>
+              </a:lnSpc>
+              <a:spcBef>
+                <a:spcPts val="500"/>
+              </a:spcBef>
+              <a:spcAft>
+                <a:spcPts val="200"/>
+              </a:spcAft>
+              <a:buFont typeface="Franklin Gothic Book" panose="020B0503020102020204" pitchFamily="34" charset="0"/>
+              <a:buChar char="–"/>
+              <a:defRPr sz="1800" i="1" kern="1200" baseline="0">
+                <a:solidFill>
+                  <a:schemeClr val="tx2"/>
+                </a:solidFill>
+                <a:latin typeface="+mn-lt"/>
+                <a:ea typeface="+mn-ea"/>
+                <a:cs typeface="+mn-cs"/>
+              </a:defRPr>
+            </a:lvl4pPr>
+            <a:lvl5pPr marL="2286000" indent="-384048" algn="l" defTabSz="914400" rtl="0" eaLnBrk="1" latinLnBrk="0" hangingPunct="1">
+              <a:lnSpc>
+                <a:spcPct val="94000"/>
+              </a:lnSpc>
+              <a:spcBef>
+                <a:spcPts val="500"/>
+              </a:spcBef>
+              <a:spcAft>
+                <a:spcPts val="200"/>
+              </a:spcAft>
+              <a:buFont typeface="Franklin Gothic Book" panose="020B0503020102020204" pitchFamily="34" charset="0"/>
+              <a:buChar char="■"/>
+              <a:defRPr sz="1600" kern="1200" baseline="0">
+                <a:solidFill>
+                  <a:schemeClr val="tx2"/>
+                </a:solidFill>
+                <a:latin typeface="+mn-lt"/>
+                <a:ea typeface="+mn-ea"/>
+                <a:cs typeface="+mn-cs"/>
+              </a:defRPr>
+            </a:lvl5pPr>
+            <a:lvl6pPr marL="2743200" indent="-384048" algn="l" defTabSz="914400" rtl="0" eaLnBrk="1" latinLnBrk="0" hangingPunct="1">
+              <a:lnSpc>
+                <a:spcPct val="94000"/>
+              </a:lnSpc>
+              <a:spcBef>
+                <a:spcPts val="500"/>
+              </a:spcBef>
+              <a:spcAft>
+                <a:spcPts val="200"/>
+              </a:spcAft>
+              <a:buFont typeface="Franklin Gothic Book" panose="020B0503020102020204" pitchFamily="34" charset="0"/>
+              <a:buChar char="–"/>
+              <a:defRPr sz="1600" i="1" kern="1200" baseline="0">
+                <a:solidFill>
+                  <a:schemeClr val="tx2"/>
+                </a:solidFill>
+                <a:latin typeface="+mn-lt"/>
+                <a:ea typeface="+mn-ea"/>
+                <a:cs typeface="+mn-cs"/>
+              </a:defRPr>
+            </a:lvl6pPr>
+            <a:lvl7pPr marL="3200400" indent="-384048" algn="l" defTabSz="914400" rtl="0" eaLnBrk="1" latinLnBrk="0" hangingPunct="1">
+              <a:lnSpc>
+                <a:spcPct val="94000"/>
+              </a:lnSpc>
+              <a:spcBef>
+                <a:spcPts val="500"/>
+              </a:spcBef>
+              <a:spcAft>
+                <a:spcPts val="200"/>
+              </a:spcAft>
+              <a:buFont typeface="Franklin Gothic Book" panose="020B0503020102020204" pitchFamily="34" charset="0"/>
+              <a:buChar char="■"/>
+              <a:defRPr sz="1400" kern="1200" baseline="0">
+                <a:solidFill>
+                  <a:schemeClr val="tx2"/>
+                </a:solidFill>
+                <a:latin typeface="+mn-lt"/>
+                <a:ea typeface="+mn-ea"/>
+                <a:cs typeface="+mn-cs"/>
+              </a:defRPr>
+            </a:lvl7pPr>
+            <a:lvl8pPr marL="3657600" indent="-384048" algn="l" defTabSz="914400" rtl="0" eaLnBrk="1" latinLnBrk="0" hangingPunct="1">
+              <a:lnSpc>
+                <a:spcPct val="94000"/>
+              </a:lnSpc>
+              <a:spcBef>
+                <a:spcPts val="500"/>
+              </a:spcBef>
+              <a:spcAft>
+                <a:spcPts val="200"/>
+              </a:spcAft>
+              <a:buFont typeface="Franklin Gothic Book" panose="020B0503020102020204" pitchFamily="34" charset="0"/>
+              <a:buChar char="–"/>
+              <a:defRPr sz="1400" i="1" kern="1200" baseline="0">
+                <a:solidFill>
+                  <a:schemeClr val="tx2"/>
+                </a:solidFill>
+                <a:latin typeface="+mn-lt"/>
+                <a:ea typeface="+mn-ea"/>
+                <a:cs typeface="+mn-cs"/>
+              </a:defRPr>
+            </a:lvl8pPr>
+            <a:lvl9pPr marL="4114800" indent="-384048" algn="l" defTabSz="914400" rtl="0" eaLnBrk="1" latinLnBrk="0" hangingPunct="1">
+              <a:lnSpc>
+                <a:spcPct val="94000"/>
+              </a:lnSpc>
+              <a:spcBef>
+                <a:spcPts val="500"/>
+              </a:spcBef>
+              <a:spcAft>
+                <a:spcPts val="200"/>
+              </a:spcAft>
+              <a:buFont typeface="Franklin Gothic Book" panose="020B0503020102020204" pitchFamily="34" charset="0"/>
+              <a:buChar char="■"/>
+              <a:defRPr sz="1400" kern="1200" baseline="0">
+                <a:solidFill>
+                  <a:schemeClr val="tx2"/>
+                </a:solidFill>
+                <a:latin typeface="+mn-lt"/>
+                <a:ea typeface="+mn-ea"/>
+                <a:cs typeface="+mn-cs"/>
+              </a:defRPr>
+            </a:lvl9pPr>
+          </a:lstStyle>
+          <a:p>
+            <a:r>
+              <a:rPr lang="en-US" dirty="0"/>
+              <a:t>Software 2.0</a:t>
+            </a:r>
+          </a:p>
+        </p:txBody>
+      </p:sp>
+      <p:sp>
+        <p:nvSpPr>
+          <p:cNvPr id="27" name="Rectangle 26">
+            <a:extLst>
+              <a:ext uri="{FF2B5EF4-FFF2-40B4-BE49-F238E27FC236}">
+                <a16:creationId xmlns:a16="http://schemas.microsoft.com/office/drawing/2014/main" id="{0C2CF4A7-0FAD-4A37-85D6-1391BE6C2585}"/>
+              </a:ext>
+            </a:extLst>
+          </p:cNvPr>
+          <p:cNvSpPr/>
+          <p:nvPr/>
+        </p:nvSpPr>
+        <p:spPr>
+          <a:xfrm>
+            <a:off x="1617453" y="1607396"/>
+            <a:ext cx="989163" cy="782128"/>
+          </a:xfrm>
+          <a:prstGeom prst="rect">
+            <a:avLst/>
+          </a:prstGeom>
+          <a:solidFill>
+            <a:srgbClr val="00B050"/>
+          </a:solidFill>
+        </p:spPr>
+        <p:style>
+          <a:lnRef idx="2">
+            <a:schemeClr val="accent1"/>
+          </a:lnRef>
+          <a:fillRef idx="1">
+            <a:schemeClr val="lt1"/>
+          </a:fillRef>
+          <a:effectRef idx="0">
+            <a:schemeClr val="accent1"/>
+          </a:effectRef>
+          <a:fontRef idx="minor">
+            <a:schemeClr val="dk1"/>
+          </a:fontRef>
+        </p:style>
+        <p:txBody>
+          <a:bodyPr rtlCol="0" anchor="ctr"/>
+          <a:lstStyle/>
+          <a:p>
+            <a:pPr algn="ctr"/>
+            <a:r>
+              <a:rPr lang="en-US" dirty="0"/>
+              <a:t>Input Data</a:t>
+            </a:r>
+          </a:p>
+        </p:txBody>
+      </p:sp>
+      <p:sp>
+        <p:nvSpPr>
+          <p:cNvPr id="28" name="Rectangle 27">
+            <a:extLst>
+              <a:ext uri="{FF2B5EF4-FFF2-40B4-BE49-F238E27FC236}">
+                <a16:creationId xmlns:a16="http://schemas.microsoft.com/office/drawing/2014/main" id="{14DAA544-B49D-479F-AF28-64EE5D331E22}"/>
+              </a:ext>
+            </a:extLst>
+          </p:cNvPr>
+          <p:cNvSpPr/>
+          <p:nvPr/>
+        </p:nvSpPr>
+        <p:spPr>
+          <a:xfrm>
+            <a:off x="1600203" y="2480090"/>
+            <a:ext cx="1006414" cy="782128"/>
+          </a:xfrm>
+          <a:prstGeom prst="rect">
+            <a:avLst/>
+          </a:prstGeom>
+          <a:solidFill>
+            <a:srgbClr val="00B0F0"/>
+          </a:solidFill>
+        </p:spPr>
+        <p:style>
+          <a:lnRef idx="2">
+            <a:schemeClr val="accent1"/>
+          </a:lnRef>
+          <a:fillRef idx="1">
+            <a:schemeClr val="lt1"/>
+          </a:fillRef>
+          <a:effectRef idx="0">
+            <a:schemeClr val="accent1"/>
+          </a:effectRef>
+          <a:fontRef idx="minor">
+            <a:schemeClr val="dk1"/>
+          </a:fontRef>
+        </p:style>
+        <p:txBody>
+          <a:bodyPr rtlCol="0" anchor="ctr"/>
+          <a:lstStyle/>
+          <a:p>
+            <a:pPr algn="ctr"/>
+            <a:r>
+              <a:rPr lang="en-US" dirty="0"/>
+              <a:t>Rules</a:t>
+            </a:r>
+          </a:p>
+        </p:txBody>
+      </p:sp>
+      <p:sp>
+        <p:nvSpPr>
+          <p:cNvPr id="29" name="Rectangle 28">
+            <a:extLst>
+              <a:ext uri="{FF2B5EF4-FFF2-40B4-BE49-F238E27FC236}">
+                <a16:creationId xmlns:a16="http://schemas.microsoft.com/office/drawing/2014/main" id="{2F026BD7-F9BE-4469-9346-B0CD4AF2177D}"/>
+              </a:ext>
+            </a:extLst>
+          </p:cNvPr>
+          <p:cNvSpPr/>
+          <p:nvPr/>
+        </p:nvSpPr>
+        <p:spPr>
+          <a:xfrm>
+            <a:off x="5046451" y="2011396"/>
+            <a:ext cx="1186132" cy="782128"/>
+          </a:xfrm>
+          <a:prstGeom prst="rect">
+            <a:avLst/>
+          </a:prstGeom>
+          <a:solidFill>
+            <a:schemeClr val="accent2"/>
+          </a:solidFill>
+        </p:spPr>
+        <p:style>
+          <a:lnRef idx="2">
+            <a:schemeClr val="accent1"/>
+          </a:lnRef>
+          <a:fillRef idx="1">
+            <a:schemeClr val="lt1"/>
+          </a:fillRef>
+          <a:effectRef idx="0">
+            <a:schemeClr val="accent1"/>
+          </a:effectRef>
+          <a:fontRef idx="minor">
+            <a:schemeClr val="dk1"/>
+          </a:fontRef>
+        </p:style>
+        <p:txBody>
+          <a:bodyPr rtlCol="0" anchor="ctr"/>
+          <a:lstStyle/>
+          <a:p>
+            <a:pPr algn="ctr"/>
+            <a:r>
+              <a:rPr lang="en-US" dirty="0"/>
+              <a:t>Output</a:t>
+            </a:r>
+          </a:p>
+          <a:p>
+            <a:pPr algn="ctr"/>
+            <a:r>
+              <a:rPr lang="en-US" dirty="0"/>
+              <a:t>Data</a:t>
+            </a:r>
+          </a:p>
+        </p:txBody>
+      </p:sp>
+      <p:cxnSp>
+        <p:nvCxnSpPr>
+          <p:cNvPr id="31" name="Straight Arrow Connector 30">
+            <a:extLst>
+              <a:ext uri="{FF2B5EF4-FFF2-40B4-BE49-F238E27FC236}">
+                <a16:creationId xmlns:a16="http://schemas.microsoft.com/office/drawing/2014/main" id="{DBD60050-D68B-45B3-9310-8A698E23F921}"/>
+              </a:ext>
+            </a:extLst>
+          </p:cNvPr>
+          <p:cNvCxnSpPr>
+            <a:cxnSpLocks/>
+            <a:stCxn id="27" idx="3"/>
+            <a:endCxn id="50" idx="1"/>
+          </p:cNvCxnSpPr>
+          <p:nvPr/>
+        </p:nvCxnSpPr>
+        <p:spPr>
+          <a:xfrm>
+            <a:off x="2606616" y="1998460"/>
+            <a:ext cx="733230" cy="404000"/>
+          </a:xfrm>
+          <a:prstGeom prst="straightConnector1">
+            <a:avLst/>
+          </a:prstGeom>
+          <a:ln>
+            <a:tailEnd type="triangle"/>
+          </a:ln>
+        </p:spPr>
+        <p:style>
+          <a:lnRef idx="2">
+            <a:schemeClr val="accent2"/>
+          </a:lnRef>
+          <a:fillRef idx="0">
+            <a:schemeClr val="accent2"/>
+          </a:fillRef>
+          <a:effectRef idx="1">
+            <a:schemeClr val="accent2"/>
+          </a:effectRef>
+          <a:fontRef idx="minor">
+            <a:schemeClr val="tx1"/>
+          </a:fontRef>
+        </p:style>
+      </p:cxnSp>
+      <p:cxnSp>
+        <p:nvCxnSpPr>
+          <p:cNvPr id="32" name="Straight Arrow Connector 31">
+            <a:extLst>
+              <a:ext uri="{FF2B5EF4-FFF2-40B4-BE49-F238E27FC236}">
+                <a16:creationId xmlns:a16="http://schemas.microsoft.com/office/drawing/2014/main" id="{FC5E59A8-FCFE-4F35-9654-A163A783228D}"/>
+              </a:ext>
+            </a:extLst>
+          </p:cNvPr>
+          <p:cNvCxnSpPr>
+            <a:cxnSpLocks/>
+            <a:stCxn id="28" idx="3"/>
+            <a:endCxn id="50" idx="1"/>
+          </p:cNvCxnSpPr>
+          <p:nvPr/>
+        </p:nvCxnSpPr>
+        <p:spPr>
+          <a:xfrm flipV="1">
+            <a:off x="2606617" y="2402460"/>
+            <a:ext cx="733229" cy="468694"/>
+          </a:xfrm>
+          <a:prstGeom prst="straightConnector1">
+            <a:avLst/>
+          </a:prstGeom>
+          <a:ln>
+            <a:tailEnd type="triangle"/>
+          </a:ln>
+        </p:spPr>
+        <p:style>
+          <a:lnRef idx="2">
+            <a:schemeClr val="accent2"/>
+          </a:lnRef>
+          <a:fillRef idx="0">
+            <a:schemeClr val="accent2"/>
+          </a:fillRef>
+          <a:effectRef idx="1">
+            <a:schemeClr val="accent2"/>
+          </a:effectRef>
+          <a:fontRef idx="minor">
+            <a:schemeClr val="tx1"/>
+          </a:fontRef>
+        </p:style>
+      </p:cxnSp>
+      <p:sp>
+        <p:nvSpPr>
+          <p:cNvPr id="36" name="Rectangle 35">
+            <a:extLst>
+              <a:ext uri="{FF2B5EF4-FFF2-40B4-BE49-F238E27FC236}">
+                <a16:creationId xmlns:a16="http://schemas.microsoft.com/office/drawing/2014/main" id="{36CB6CB6-6452-4679-9888-55DBCE5A2E47}"/>
+              </a:ext>
+            </a:extLst>
+          </p:cNvPr>
+          <p:cNvSpPr/>
+          <p:nvPr/>
+        </p:nvSpPr>
+        <p:spPr>
+          <a:xfrm>
+            <a:off x="6996016" y="1677841"/>
+            <a:ext cx="989163" cy="782128"/>
+          </a:xfrm>
+          <a:prstGeom prst="rect">
+            <a:avLst/>
+          </a:prstGeom>
+          <a:solidFill>
+            <a:srgbClr val="00B050"/>
+          </a:solidFill>
+        </p:spPr>
+        <p:style>
+          <a:lnRef idx="2">
+            <a:schemeClr val="accent1"/>
+          </a:lnRef>
+          <a:fillRef idx="1">
+            <a:schemeClr val="lt1"/>
+          </a:fillRef>
+          <a:effectRef idx="0">
+            <a:schemeClr val="accent1"/>
+          </a:effectRef>
+          <a:fontRef idx="minor">
+            <a:schemeClr val="dk1"/>
+          </a:fontRef>
+        </p:style>
+        <p:txBody>
+          <a:bodyPr rtlCol="0" anchor="ctr"/>
+          <a:lstStyle/>
+          <a:p>
+            <a:pPr algn="ctr"/>
+            <a:r>
+              <a:rPr lang="en-US" dirty="0"/>
+              <a:t>Input Data</a:t>
+            </a:r>
+          </a:p>
+        </p:txBody>
+      </p:sp>
+      <p:sp>
+        <p:nvSpPr>
+          <p:cNvPr id="37" name="Rectangle 36">
+            <a:extLst>
+              <a:ext uri="{FF2B5EF4-FFF2-40B4-BE49-F238E27FC236}">
+                <a16:creationId xmlns:a16="http://schemas.microsoft.com/office/drawing/2014/main" id="{FC101721-15FD-4B4F-81B4-2BD141CAA0D0}"/>
+              </a:ext>
+            </a:extLst>
+          </p:cNvPr>
+          <p:cNvSpPr/>
+          <p:nvPr/>
+        </p:nvSpPr>
+        <p:spPr>
+          <a:xfrm>
+            <a:off x="10489727" y="2068905"/>
+            <a:ext cx="1169597" cy="782128"/>
+          </a:xfrm>
+          <a:prstGeom prst="rect">
+            <a:avLst/>
+          </a:prstGeom>
+          <a:solidFill>
+            <a:srgbClr val="00B0F0"/>
+          </a:solidFill>
+        </p:spPr>
+        <p:style>
+          <a:lnRef idx="2">
+            <a:schemeClr val="accent1"/>
+          </a:lnRef>
+          <a:fillRef idx="1">
+            <a:schemeClr val="lt1"/>
+          </a:fillRef>
+          <a:effectRef idx="0">
+            <a:schemeClr val="accent1"/>
+          </a:effectRef>
+          <a:fontRef idx="minor">
+            <a:schemeClr val="dk1"/>
+          </a:fontRef>
+        </p:style>
+        <p:txBody>
+          <a:bodyPr rtlCol="0" anchor="ctr"/>
+          <a:lstStyle/>
+          <a:p>
+            <a:pPr algn="ctr"/>
+            <a:r>
+              <a:rPr lang="en-US" dirty="0"/>
+              <a:t>Rules</a:t>
+            </a:r>
+          </a:p>
+        </p:txBody>
+      </p:sp>
+      <p:sp>
+        <p:nvSpPr>
+          <p:cNvPr id="38" name="Rectangle 37">
+            <a:extLst>
+              <a:ext uri="{FF2B5EF4-FFF2-40B4-BE49-F238E27FC236}">
+                <a16:creationId xmlns:a16="http://schemas.microsoft.com/office/drawing/2014/main" id="{2A7EA153-ED19-43B1-B04C-A162A0A6ED0C}"/>
+              </a:ext>
+            </a:extLst>
+          </p:cNvPr>
+          <p:cNvSpPr/>
+          <p:nvPr/>
+        </p:nvSpPr>
+        <p:spPr>
+          <a:xfrm>
+            <a:off x="6996016" y="2562052"/>
+            <a:ext cx="989163" cy="782128"/>
+          </a:xfrm>
+          <a:prstGeom prst="rect">
+            <a:avLst/>
+          </a:prstGeom>
+          <a:solidFill>
+            <a:schemeClr val="accent2"/>
+          </a:solidFill>
+        </p:spPr>
+        <p:style>
+          <a:lnRef idx="2">
+            <a:schemeClr val="accent1"/>
+          </a:lnRef>
+          <a:fillRef idx="1">
+            <a:schemeClr val="lt1"/>
+          </a:fillRef>
+          <a:effectRef idx="0">
+            <a:schemeClr val="accent1"/>
+          </a:effectRef>
+          <a:fontRef idx="minor">
+            <a:schemeClr val="dk1"/>
+          </a:fontRef>
+        </p:style>
+        <p:txBody>
+          <a:bodyPr rtlCol="0" anchor="ctr"/>
+          <a:lstStyle/>
+          <a:p>
+            <a:pPr algn="ctr"/>
+            <a:r>
+              <a:rPr lang="en-US" dirty="0"/>
+              <a:t>Output</a:t>
+            </a:r>
+          </a:p>
+          <a:p>
+            <a:pPr algn="ctr"/>
+            <a:r>
+              <a:rPr lang="en-US" dirty="0"/>
+              <a:t>Data</a:t>
+            </a:r>
+          </a:p>
+        </p:txBody>
+      </p:sp>
+      <p:sp>
+        <p:nvSpPr>
+          <p:cNvPr id="50" name="Rectangle 49">
+            <a:extLst>
+              <a:ext uri="{FF2B5EF4-FFF2-40B4-BE49-F238E27FC236}">
+                <a16:creationId xmlns:a16="http://schemas.microsoft.com/office/drawing/2014/main" id="{5B16E4ED-66AD-44FB-98DD-15D78658F04C}"/>
+              </a:ext>
+            </a:extLst>
+          </p:cNvPr>
+          <p:cNvSpPr/>
+          <p:nvPr/>
+        </p:nvSpPr>
+        <p:spPr>
+          <a:xfrm>
+            <a:off x="3339846" y="2011396"/>
+            <a:ext cx="1186132" cy="782128"/>
+          </a:xfrm>
+          <a:prstGeom prst="rect">
+            <a:avLst/>
+          </a:prstGeom>
+          <a:solidFill>
+            <a:schemeClr val="accent2">
+              <a:lumMod val="20000"/>
+              <a:lumOff val="80000"/>
+            </a:schemeClr>
+          </a:solidFill>
+        </p:spPr>
+        <p:style>
+          <a:lnRef idx="2">
+            <a:schemeClr val="accent1"/>
+          </a:lnRef>
+          <a:fillRef idx="1">
+            <a:schemeClr val="lt1"/>
+          </a:fillRef>
+          <a:effectRef idx="0">
+            <a:schemeClr val="accent1"/>
+          </a:effectRef>
+          <a:fontRef idx="minor">
+            <a:schemeClr val="dk1"/>
+          </a:fontRef>
+        </p:style>
+        <p:txBody>
+          <a:bodyPr rtlCol="0" anchor="ctr"/>
+          <a:lstStyle/>
+          <a:p>
+            <a:pPr algn="ctr"/>
+            <a:r>
+              <a:rPr lang="en-US" dirty="0"/>
+              <a:t>Model</a:t>
+            </a:r>
+          </a:p>
+        </p:txBody>
+      </p:sp>
+      <p:cxnSp>
+        <p:nvCxnSpPr>
+          <p:cNvPr id="55" name="Straight Arrow Connector 54">
+            <a:extLst>
+              <a:ext uri="{FF2B5EF4-FFF2-40B4-BE49-F238E27FC236}">
+                <a16:creationId xmlns:a16="http://schemas.microsoft.com/office/drawing/2014/main" id="{D5EE3EBC-A083-473E-A172-A9E3622205A7}"/>
+              </a:ext>
+            </a:extLst>
+          </p:cNvPr>
+          <p:cNvCxnSpPr>
+            <a:cxnSpLocks/>
+            <a:endCxn id="29" idx="1"/>
+          </p:cNvCxnSpPr>
+          <p:nvPr/>
+        </p:nvCxnSpPr>
+        <p:spPr>
+          <a:xfrm>
+            <a:off x="4477105" y="2402460"/>
+            <a:ext cx="569346" cy="0"/>
+          </a:xfrm>
+          <a:prstGeom prst="straightConnector1">
+            <a:avLst/>
+          </a:prstGeom>
+          <a:ln>
+            <a:tailEnd type="triangle"/>
+          </a:ln>
+        </p:spPr>
+        <p:style>
+          <a:lnRef idx="2">
+            <a:schemeClr val="accent2"/>
+          </a:lnRef>
+          <a:fillRef idx="0">
+            <a:schemeClr val="accent2"/>
+          </a:fillRef>
+          <a:effectRef idx="1">
+            <a:schemeClr val="accent2"/>
+          </a:effectRef>
+          <a:fontRef idx="minor">
+            <a:schemeClr val="tx1"/>
+          </a:fontRef>
+        </p:style>
+      </p:cxnSp>
+      <p:sp>
+        <p:nvSpPr>
+          <p:cNvPr id="57" name="Rectangle 56">
+            <a:extLst>
+              <a:ext uri="{FF2B5EF4-FFF2-40B4-BE49-F238E27FC236}">
+                <a16:creationId xmlns:a16="http://schemas.microsoft.com/office/drawing/2014/main" id="{43AB9D0D-B1BF-4059-B41F-9681DCFC3521}"/>
+              </a:ext>
+            </a:extLst>
+          </p:cNvPr>
+          <p:cNvSpPr/>
+          <p:nvPr/>
+        </p:nvSpPr>
+        <p:spPr>
+          <a:xfrm>
+            <a:off x="8719147" y="2093342"/>
+            <a:ext cx="1186132" cy="782128"/>
+          </a:xfrm>
+          <a:prstGeom prst="rect">
+            <a:avLst/>
+          </a:prstGeom>
+          <a:solidFill>
+            <a:schemeClr val="accent2">
+              <a:lumMod val="20000"/>
+              <a:lumOff val="80000"/>
+            </a:schemeClr>
+          </a:solidFill>
+        </p:spPr>
+        <p:style>
+          <a:lnRef idx="2">
+            <a:schemeClr val="accent1"/>
+          </a:lnRef>
+          <a:fillRef idx="1">
+            <a:schemeClr val="lt1"/>
+          </a:fillRef>
+          <a:effectRef idx="0">
+            <a:schemeClr val="accent1"/>
+          </a:effectRef>
+          <a:fontRef idx="minor">
+            <a:schemeClr val="dk1"/>
+          </a:fontRef>
+        </p:style>
+        <p:txBody>
+          <a:bodyPr rtlCol="0" anchor="ctr"/>
+          <a:lstStyle/>
+          <a:p>
+            <a:pPr algn="ctr"/>
+            <a:r>
+              <a:rPr lang="en-US" dirty="0"/>
+              <a:t>Model</a:t>
+            </a:r>
+          </a:p>
+        </p:txBody>
+      </p:sp>
+      <p:cxnSp>
+        <p:nvCxnSpPr>
+          <p:cNvPr id="58" name="Straight Arrow Connector 57">
+            <a:extLst>
+              <a:ext uri="{FF2B5EF4-FFF2-40B4-BE49-F238E27FC236}">
+                <a16:creationId xmlns:a16="http://schemas.microsoft.com/office/drawing/2014/main" id="{DA3C4E97-6C9C-43F7-B3B5-51B557718D7E}"/>
+              </a:ext>
+            </a:extLst>
+          </p:cNvPr>
+          <p:cNvCxnSpPr>
+            <a:cxnSpLocks/>
+            <a:stCxn id="38" idx="3"/>
+            <a:endCxn id="57" idx="1"/>
+          </p:cNvCxnSpPr>
+          <p:nvPr/>
+        </p:nvCxnSpPr>
+        <p:spPr>
+          <a:xfrm flipV="1">
+            <a:off x="7985179" y="2484406"/>
+            <a:ext cx="733968" cy="468710"/>
+          </a:xfrm>
+          <a:prstGeom prst="straightConnector1">
+            <a:avLst/>
+          </a:prstGeom>
+          <a:ln>
+            <a:tailEnd type="triangle"/>
+          </a:ln>
+        </p:spPr>
+        <p:style>
+          <a:lnRef idx="2">
+            <a:schemeClr val="accent2"/>
+          </a:lnRef>
+          <a:fillRef idx="0">
+            <a:schemeClr val="accent2"/>
+          </a:fillRef>
+          <a:effectRef idx="1">
+            <a:schemeClr val="accent2"/>
+          </a:effectRef>
+          <a:fontRef idx="minor">
+            <a:schemeClr val="tx1"/>
+          </a:fontRef>
+        </p:style>
+      </p:cxnSp>
+      <p:cxnSp>
+        <p:nvCxnSpPr>
+          <p:cNvPr id="59" name="Straight Arrow Connector 58">
+            <a:extLst>
+              <a:ext uri="{FF2B5EF4-FFF2-40B4-BE49-F238E27FC236}">
+                <a16:creationId xmlns:a16="http://schemas.microsoft.com/office/drawing/2014/main" id="{D6639EE4-9749-456E-94E3-870FF61F5C5F}"/>
+              </a:ext>
+            </a:extLst>
+          </p:cNvPr>
+          <p:cNvCxnSpPr>
+            <a:cxnSpLocks/>
+            <a:stCxn id="36" idx="3"/>
+            <a:endCxn id="57" idx="1"/>
+          </p:cNvCxnSpPr>
+          <p:nvPr/>
+        </p:nvCxnSpPr>
+        <p:spPr>
+          <a:xfrm>
+            <a:off x="7985179" y="2068905"/>
+            <a:ext cx="733968" cy="415501"/>
+          </a:xfrm>
+          <a:prstGeom prst="straightConnector1">
+            <a:avLst/>
+          </a:prstGeom>
+          <a:ln>
+            <a:tailEnd type="triangle"/>
+          </a:ln>
+        </p:spPr>
+        <p:style>
+          <a:lnRef idx="2">
+            <a:schemeClr val="accent2"/>
+          </a:lnRef>
+          <a:fillRef idx="0">
+            <a:schemeClr val="accent2"/>
+          </a:fillRef>
+          <a:effectRef idx="1">
+            <a:schemeClr val="accent2"/>
+          </a:effectRef>
+          <a:fontRef idx="minor">
+            <a:schemeClr val="tx1"/>
+          </a:fontRef>
+        </p:style>
+      </p:cxnSp>
+      <p:cxnSp>
+        <p:nvCxnSpPr>
+          <p:cNvPr id="67" name="Straight Arrow Connector 66">
+            <a:extLst>
+              <a:ext uri="{FF2B5EF4-FFF2-40B4-BE49-F238E27FC236}">
+                <a16:creationId xmlns:a16="http://schemas.microsoft.com/office/drawing/2014/main" id="{15A294EF-B51B-4180-8AA4-69946CD492F0}"/>
+              </a:ext>
+            </a:extLst>
+          </p:cNvPr>
+          <p:cNvCxnSpPr>
+            <a:cxnSpLocks/>
+            <a:stCxn id="57" idx="3"/>
+            <a:endCxn id="37" idx="1"/>
+          </p:cNvCxnSpPr>
+          <p:nvPr/>
+        </p:nvCxnSpPr>
+        <p:spPr>
+          <a:xfrm flipV="1">
+            <a:off x="9905279" y="2459969"/>
+            <a:ext cx="584448" cy="24437"/>
+          </a:xfrm>
+          <a:prstGeom prst="straightConnector1">
+            <a:avLst/>
+          </a:prstGeom>
+          <a:ln>
+            <a:tailEnd type="triangle"/>
+          </a:ln>
+        </p:spPr>
+        <p:style>
+          <a:lnRef idx="2">
+            <a:schemeClr val="accent2"/>
+          </a:lnRef>
+          <a:fillRef idx="0">
+            <a:schemeClr val="accent2"/>
+          </a:fillRef>
+          <a:effectRef idx="1">
+            <a:schemeClr val="accent2"/>
+          </a:effectRef>
+          <a:fontRef idx="minor">
+            <a:schemeClr val="tx1"/>
+          </a:fontRef>
+        </p:style>
+      </p:cxnSp>
     </p:spTree>
     <p:extLst>
       <p:ext uri="{BB962C8B-B14F-4D97-AF65-F5344CB8AC3E}">
         <p14:creationId xmlns:p14="http://schemas.microsoft.com/office/powerpoint/2010/main" val="1813844798"/>
+      </p:ext>
+    </p:extLst>
+  </p:cSld>
+  <p:clrMapOvr>
+    <a:masterClrMapping/>
+  </p:clrMapOvr>
+</p:sld>
+</file>
+
+<file path=ppt/slides/slide4.xml><?xml version="1.0" encoding="utf-8"?>
+<p:sld xmlns:a="http://schemas.openxmlformats.org/drawingml/2006/main" xmlns:r="http://schemas.openxmlformats.org/officeDocument/2006/relationships" xmlns:p="http://schemas.openxmlformats.org/presentationml/2006/main">
+  <p:cSld>
+    <p:spTree>
+      <p:nvGrpSpPr>
+        <p:cNvPr id="1" name=""/>
+        <p:cNvGrpSpPr/>
+        <p:nvPr/>
+      </p:nvGrpSpPr>
+      <p:grpSpPr>
+        <a:xfrm>
+          <a:off x="0" y="0"/>
+          <a:ext cx="0" cy="0"/>
+          <a:chOff x="0" y="0"/>
+          <a:chExt cx="0" cy="0"/>
+        </a:xfrm>
+      </p:grpSpPr>
+      <p:sp>
+        <p:nvSpPr>
+          <p:cNvPr id="2" name="Title 1">
+            <a:extLst>
+              <a:ext uri="{FF2B5EF4-FFF2-40B4-BE49-F238E27FC236}">
+                <a16:creationId xmlns:a16="http://schemas.microsoft.com/office/drawing/2014/main" id="{D1EBA635-2F7F-4838-A23A-2C3E13E2F1D5}"/>
+              </a:ext>
+            </a:extLst>
+          </p:cNvPr>
+          <p:cNvSpPr>
+            <a:spLocks noGrp="1"/>
+          </p:cNvSpPr>
+          <p:nvPr>
+            <p:ph type="title"/>
+          </p:nvPr>
+        </p:nvSpPr>
+        <p:spPr>
+          <a:xfrm>
+            <a:off x="1141560" y="196965"/>
+            <a:ext cx="9601200" cy="987729"/>
+          </a:xfrm>
+        </p:spPr>
+        <p:txBody>
+          <a:bodyPr/>
+          <a:lstStyle/>
+          <a:p>
+            <a:r>
+              <a:rPr lang="en-US" dirty="0"/>
+              <a:t>History and Evolution of AI/ML</a:t>
+            </a:r>
+          </a:p>
+        </p:txBody>
+      </p:sp>
+      <p:sp>
+        <p:nvSpPr>
+          <p:cNvPr id="3" name="Content Placeholder 2">
+            <a:extLst>
+              <a:ext uri="{FF2B5EF4-FFF2-40B4-BE49-F238E27FC236}">
+                <a16:creationId xmlns:a16="http://schemas.microsoft.com/office/drawing/2014/main" id="{890E8DCC-CEBE-42F0-BEE6-20CE768757A8}"/>
+              </a:ext>
+            </a:extLst>
+          </p:cNvPr>
+          <p:cNvSpPr>
+            <a:spLocks noGrp="1"/>
+          </p:cNvSpPr>
+          <p:nvPr>
+            <p:ph idx="1"/>
+          </p:nvPr>
+        </p:nvSpPr>
+        <p:spPr>
+          <a:xfrm>
+            <a:off x="1187569" y="1023667"/>
+            <a:ext cx="10550105" cy="5348378"/>
+          </a:xfrm>
+        </p:spPr>
+        <p:txBody>
+          <a:bodyPr/>
+          <a:lstStyle/>
+          <a:p>
+            <a:r>
+              <a:rPr lang="en-US" dirty="0"/>
+              <a:t>Insert Graph of major milestones</a:t>
+            </a:r>
+          </a:p>
+        </p:txBody>
+      </p:sp>
+      <p:sp>
+        <p:nvSpPr>
+          <p:cNvPr id="4" name="Content Placeholder 2">
+            <a:extLst>
+              <a:ext uri="{FF2B5EF4-FFF2-40B4-BE49-F238E27FC236}">
+                <a16:creationId xmlns:a16="http://schemas.microsoft.com/office/drawing/2014/main" id="{CD97B703-0D68-4C3A-9692-C69CF75ED4AD}"/>
+              </a:ext>
+            </a:extLst>
+          </p:cNvPr>
+          <p:cNvSpPr txBox="1">
+            <a:spLocks/>
+          </p:cNvSpPr>
+          <p:nvPr/>
+        </p:nvSpPr>
+        <p:spPr>
+          <a:xfrm>
+            <a:off x="-215661" y="196965"/>
+            <a:ext cx="10550105" cy="5348378"/>
+          </a:xfrm>
+          <a:prstGeom prst="rect">
+            <a:avLst/>
+          </a:prstGeom>
+        </p:spPr>
+        <p:txBody>
+          <a:bodyPr vert="horz" lIns="91440" tIns="45720" rIns="91440" bIns="45720" rtlCol="0">
+            <a:normAutofit/>
+          </a:bodyPr>
+          <a:lstStyle>
+            <a:lvl1pPr marL="384048" indent="-384048" algn="l" defTabSz="914400" rtl="0" eaLnBrk="1" latinLnBrk="0" hangingPunct="1">
+              <a:lnSpc>
+                <a:spcPct val="94000"/>
+              </a:lnSpc>
+              <a:spcBef>
+                <a:spcPts val="1000"/>
+              </a:spcBef>
+              <a:spcAft>
+                <a:spcPts val="200"/>
+              </a:spcAft>
+              <a:buFont typeface="Franklin Gothic Book" panose="020B0503020102020204" pitchFamily="34" charset="0"/>
+              <a:buChar char="■"/>
+              <a:defRPr sz="2000" kern="1200" baseline="0">
+                <a:solidFill>
+                  <a:schemeClr val="tx2"/>
+                </a:solidFill>
+                <a:latin typeface="+mn-lt"/>
+                <a:ea typeface="+mn-ea"/>
+                <a:cs typeface="+mn-cs"/>
+              </a:defRPr>
+            </a:lvl1pPr>
+            <a:lvl2pPr marL="914400" indent="-384048" algn="l" defTabSz="914400" rtl="0" eaLnBrk="1" latinLnBrk="0" hangingPunct="1">
+              <a:lnSpc>
+                <a:spcPct val="94000"/>
+              </a:lnSpc>
+              <a:spcBef>
+                <a:spcPts val="500"/>
+              </a:spcBef>
+              <a:spcAft>
+                <a:spcPts val="200"/>
+              </a:spcAft>
+              <a:buFont typeface="Franklin Gothic Book" panose="020B0503020102020204" pitchFamily="34" charset="0"/>
+              <a:buChar char="–"/>
+              <a:defRPr sz="2000" i="1" kern="1200" baseline="0">
+                <a:solidFill>
+                  <a:schemeClr val="tx2"/>
+                </a:solidFill>
+                <a:latin typeface="+mn-lt"/>
+                <a:ea typeface="+mn-ea"/>
+                <a:cs typeface="+mn-cs"/>
+              </a:defRPr>
+            </a:lvl2pPr>
+            <a:lvl3pPr marL="1371600" indent="-384048" algn="l" defTabSz="914400" rtl="0" eaLnBrk="1" latinLnBrk="0" hangingPunct="1">
+              <a:lnSpc>
+                <a:spcPct val="94000"/>
+              </a:lnSpc>
+              <a:spcBef>
+                <a:spcPts val="500"/>
+              </a:spcBef>
+              <a:spcAft>
+                <a:spcPts val="200"/>
+              </a:spcAft>
+              <a:buFont typeface="Franklin Gothic Book" panose="020B0503020102020204" pitchFamily="34" charset="0"/>
+              <a:buChar char="■"/>
+              <a:defRPr sz="1800" kern="1200" baseline="0">
+                <a:solidFill>
+                  <a:schemeClr val="tx2"/>
+                </a:solidFill>
+                <a:latin typeface="+mn-lt"/>
+                <a:ea typeface="+mn-ea"/>
+                <a:cs typeface="+mn-cs"/>
+              </a:defRPr>
+            </a:lvl3pPr>
+            <a:lvl4pPr marL="1828800" indent="-384048" algn="l" defTabSz="914400" rtl="0" eaLnBrk="1" latinLnBrk="0" hangingPunct="1">
+              <a:lnSpc>
+                <a:spcPct val="94000"/>
+              </a:lnSpc>
+              <a:spcBef>
+                <a:spcPts val="500"/>
+              </a:spcBef>
+              <a:spcAft>
+                <a:spcPts val="200"/>
+              </a:spcAft>
+              <a:buFont typeface="Franklin Gothic Book" panose="020B0503020102020204" pitchFamily="34" charset="0"/>
+              <a:buChar char="–"/>
+              <a:defRPr sz="1800" i="1" kern="1200" baseline="0">
+                <a:solidFill>
+                  <a:schemeClr val="tx2"/>
+                </a:solidFill>
+                <a:latin typeface="+mn-lt"/>
+                <a:ea typeface="+mn-ea"/>
+                <a:cs typeface="+mn-cs"/>
+              </a:defRPr>
+            </a:lvl4pPr>
+            <a:lvl5pPr marL="2286000" indent="-384048" algn="l" defTabSz="914400" rtl="0" eaLnBrk="1" latinLnBrk="0" hangingPunct="1">
+              <a:lnSpc>
+                <a:spcPct val="94000"/>
+              </a:lnSpc>
+              <a:spcBef>
+                <a:spcPts val="500"/>
+              </a:spcBef>
+              <a:spcAft>
+                <a:spcPts val="200"/>
+              </a:spcAft>
+              <a:buFont typeface="Franklin Gothic Book" panose="020B0503020102020204" pitchFamily="34" charset="0"/>
+              <a:buChar char="■"/>
+              <a:defRPr sz="1600" kern="1200" baseline="0">
+                <a:solidFill>
+                  <a:schemeClr val="tx2"/>
+                </a:solidFill>
+                <a:latin typeface="+mn-lt"/>
+                <a:ea typeface="+mn-ea"/>
+                <a:cs typeface="+mn-cs"/>
+              </a:defRPr>
+            </a:lvl5pPr>
+            <a:lvl6pPr marL="2743200" indent="-384048" algn="l" defTabSz="914400" rtl="0" eaLnBrk="1" latinLnBrk="0" hangingPunct="1">
+              <a:lnSpc>
+                <a:spcPct val="94000"/>
+              </a:lnSpc>
+              <a:spcBef>
+                <a:spcPts val="500"/>
+              </a:spcBef>
+              <a:spcAft>
+                <a:spcPts val="200"/>
+              </a:spcAft>
+              <a:buFont typeface="Franklin Gothic Book" panose="020B0503020102020204" pitchFamily="34" charset="0"/>
+              <a:buChar char="–"/>
+              <a:defRPr sz="1600" i="1" kern="1200" baseline="0">
+                <a:solidFill>
+                  <a:schemeClr val="tx2"/>
+                </a:solidFill>
+                <a:latin typeface="+mn-lt"/>
+                <a:ea typeface="+mn-ea"/>
+                <a:cs typeface="+mn-cs"/>
+              </a:defRPr>
+            </a:lvl6pPr>
+            <a:lvl7pPr marL="3200400" indent="-384048" algn="l" defTabSz="914400" rtl="0" eaLnBrk="1" latinLnBrk="0" hangingPunct="1">
+              <a:lnSpc>
+                <a:spcPct val="94000"/>
+              </a:lnSpc>
+              <a:spcBef>
+                <a:spcPts val="500"/>
+              </a:spcBef>
+              <a:spcAft>
+                <a:spcPts val="200"/>
+              </a:spcAft>
+              <a:buFont typeface="Franklin Gothic Book" panose="020B0503020102020204" pitchFamily="34" charset="0"/>
+              <a:buChar char="■"/>
+              <a:defRPr sz="1400" kern="1200" baseline="0">
+                <a:solidFill>
+                  <a:schemeClr val="tx2"/>
+                </a:solidFill>
+                <a:latin typeface="+mn-lt"/>
+                <a:ea typeface="+mn-ea"/>
+                <a:cs typeface="+mn-cs"/>
+              </a:defRPr>
+            </a:lvl7pPr>
+            <a:lvl8pPr marL="3657600" indent="-384048" algn="l" defTabSz="914400" rtl="0" eaLnBrk="1" latinLnBrk="0" hangingPunct="1">
+              <a:lnSpc>
+                <a:spcPct val="94000"/>
+              </a:lnSpc>
+              <a:spcBef>
+                <a:spcPts val="500"/>
+              </a:spcBef>
+              <a:spcAft>
+                <a:spcPts val="200"/>
+              </a:spcAft>
+              <a:buFont typeface="Franklin Gothic Book" panose="020B0503020102020204" pitchFamily="34" charset="0"/>
+              <a:buChar char="–"/>
+              <a:defRPr sz="1400" i="1" kern="1200" baseline="0">
+                <a:solidFill>
+                  <a:schemeClr val="tx2"/>
+                </a:solidFill>
+                <a:latin typeface="+mn-lt"/>
+                <a:ea typeface="+mn-ea"/>
+                <a:cs typeface="+mn-cs"/>
+              </a:defRPr>
+            </a:lvl8pPr>
+            <a:lvl9pPr marL="4114800" indent="-384048" algn="l" defTabSz="914400" rtl="0" eaLnBrk="1" latinLnBrk="0" hangingPunct="1">
+              <a:lnSpc>
+                <a:spcPct val="94000"/>
+              </a:lnSpc>
+              <a:spcBef>
+                <a:spcPts val="500"/>
+              </a:spcBef>
+              <a:spcAft>
+                <a:spcPts val="200"/>
+              </a:spcAft>
+              <a:buFont typeface="Franklin Gothic Book" panose="020B0503020102020204" pitchFamily="34" charset="0"/>
+              <a:buChar char="■"/>
+              <a:defRPr sz="1400" kern="1200" baseline="0">
+                <a:solidFill>
+                  <a:schemeClr val="tx2"/>
+                </a:solidFill>
+                <a:latin typeface="+mn-lt"/>
+                <a:ea typeface="+mn-ea"/>
+                <a:cs typeface="+mn-cs"/>
+              </a:defRPr>
+            </a:lvl9pPr>
+          </a:lstStyle>
+          <a:p>
+            <a:endParaRPr lang="en-US" dirty="0"/>
+          </a:p>
+        </p:txBody>
+      </p:sp>
+    </p:spTree>
+    <p:extLst>
+      <p:ext uri="{BB962C8B-B14F-4D97-AF65-F5344CB8AC3E}">
+        <p14:creationId xmlns:p14="http://schemas.microsoft.com/office/powerpoint/2010/main" val="4248949367"/>
+      </p:ext>
+    </p:extLst>
+  </p:cSld>
+  <p:clrMapOvr>
+    <a:masterClrMapping/>
+  </p:clrMapOvr>
+</p:sld>
+</file>
+
+<file path=ppt/slides/slide5.xml><?xml version="1.0" encoding="utf-8"?>
+<p:sld xmlns:a="http://schemas.openxmlformats.org/drawingml/2006/main" xmlns:r="http://schemas.openxmlformats.org/officeDocument/2006/relationships" xmlns:p="http://schemas.openxmlformats.org/presentationml/2006/main">
+  <p:cSld>
+    <p:spTree>
+      <p:nvGrpSpPr>
+        <p:cNvPr id="1" name=""/>
+        <p:cNvGrpSpPr/>
+        <p:nvPr/>
+      </p:nvGrpSpPr>
+      <p:grpSpPr>
+        <a:xfrm>
+          <a:off x="0" y="0"/>
+          <a:ext cx="0" cy="0"/>
+          <a:chOff x="0" y="0"/>
+          <a:chExt cx="0" cy="0"/>
+        </a:xfrm>
+      </p:grpSpPr>
+      <p:sp>
+        <p:nvSpPr>
+          <p:cNvPr id="2" name="Title 1">
+            <a:extLst>
+              <a:ext uri="{FF2B5EF4-FFF2-40B4-BE49-F238E27FC236}">
+                <a16:creationId xmlns:a16="http://schemas.microsoft.com/office/drawing/2014/main" id="{D1EBA635-2F7F-4838-A23A-2C3E13E2F1D5}"/>
+              </a:ext>
+            </a:extLst>
+          </p:cNvPr>
+          <p:cNvSpPr>
+            <a:spLocks noGrp="1"/>
+          </p:cNvSpPr>
+          <p:nvPr>
+            <p:ph type="title"/>
+          </p:nvPr>
+        </p:nvSpPr>
+        <p:spPr>
+          <a:xfrm>
+            <a:off x="1141560" y="196965"/>
+            <a:ext cx="9601200" cy="987729"/>
+          </a:xfrm>
+        </p:spPr>
+        <p:txBody>
+          <a:bodyPr/>
+          <a:lstStyle/>
+          <a:p>
+            <a:r>
+              <a:rPr lang="en-US" dirty="0"/>
+              <a:t>Major Classes of ML</a:t>
+            </a:r>
+          </a:p>
+        </p:txBody>
+      </p:sp>
+      <p:sp>
+        <p:nvSpPr>
+          <p:cNvPr id="3" name="Content Placeholder 2">
+            <a:extLst>
+              <a:ext uri="{FF2B5EF4-FFF2-40B4-BE49-F238E27FC236}">
+                <a16:creationId xmlns:a16="http://schemas.microsoft.com/office/drawing/2014/main" id="{890E8DCC-CEBE-42F0-BEE6-20CE768757A8}"/>
+              </a:ext>
+            </a:extLst>
+          </p:cNvPr>
+          <p:cNvSpPr>
+            <a:spLocks noGrp="1"/>
+          </p:cNvSpPr>
+          <p:nvPr>
+            <p:ph idx="1"/>
+          </p:nvPr>
+        </p:nvSpPr>
+        <p:spPr>
+          <a:xfrm>
+            <a:off x="1187569" y="1023667"/>
+            <a:ext cx="10550105" cy="5348378"/>
+          </a:xfrm>
+        </p:spPr>
+        <p:txBody>
+          <a:bodyPr/>
+          <a:lstStyle/>
+          <a:p>
+            <a:r>
+              <a:rPr lang="en-US" dirty="0"/>
+              <a:t>Supervised Learning</a:t>
+            </a:r>
+          </a:p>
+          <a:p>
+            <a:r>
+              <a:rPr lang="en-US" dirty="0"/>
+              <a:t>Unsupervised Learning</a:t>
+            </a:r>
+          </a:p>
+          <a:p>
+            <a:r>
+              <a:rPr lang="en-US" dirty="0"/>
+              <a:t>Predictors</a:t>
+            </a:r>
+          </a:p>
+          <a:p>
+            <a:r>
+              <a:rPr lang="en-US" dirty="0"/>
+              <a:t>Classifiers</a:t>
+            </a:r>
+          </a:p>
+          <a:p>
+            <a:endParaRPr lang="en-US" dirty="0"/>
+          </a:p>
+          <a:p>
+            <a:r>
+              <a:rPr lang="en-US" dirty="0"/>
+              <a:t>Traditional methods (Statistics/Data Science)</a:t>
+            </a:r>
+          </a:p>
+          <a:p>
+            <a:pPr lvl="1"/>
+            <a:r>
+              <a:rPr lang="en-US" i="0" dirty="0"/>
+              <a:t>Linear and Logistic Regression</a:t>
+            </a:r>
+          </a:p>
+          <a:p>
+            <a:pPr lvl="1"/>
+            <a:r>
+              <a:rPr lang="en-US" i="0" dirty="0"/>
+              <a:t>Decision Trees</a:t>
+            </a:r>
+          </a:p>
+          <a:p>
+            <a:pPr lvl="1"/>
+            <a:r>
+              <a:rPr lang="en-US" i="0" dirty="0" err="1"/>
+              <a:t>Kmeans</a:t>
+            </a:r>
+            <a:endParaRPr lang="en-US" i="0" dirty="0"/>
+          </a:p>
+          <a:p>
+            <a:pPr lvl="1"/>
+            <a:r>
+              <a:rPr lang="en-US" i="0" dirty="0"/>
+              <a:t>Support Vector Machines</a:t>
+            </a:r>
+          </a:p>
+          <a:p>
+            <a:r>
+              <a:rPr lang="en-US" dirty="0"/>
+              <a:t>Cutting Edge Methods</a:t>
+            </a:r>
+          </a:p>
+          <a:p>
+            <a:pPr lvl="1"/>
+            <a:r>
+              <a:rPr lang="en-US" i="0" dirty="0"/>
+              <a:t>Neural Networks / Deep Learning</a:t>
+            </a:r>
+          </a:p>
+          <a:p>
+            <a:pPr marL="530352" lvl="1" indent="0">
+              <a:buNone/>
+            </a:pPr>
+            <a:endParaRPr lang="en-US" i="0" dirty="0"/>
+          </a:p>
+          <a:p>
+            <a:pPr lvl="1"/>
+            <a:endParaRPr lang="en-US" i="0" dirty="0"/>
+          </a:p>
+        </p:txBody>
+      </p:sp>
+      <p:sp>
+        <p:nvSpPr>
+          <p:cNvPr id="4" name="Content Placeholder 2">
+            <a:extLst>
+              <a:ext uri="{FF2B5EF4-FFF2-40B4-BE49-F238E27FC236}">
+                <a16:creationId xmlns:a16="http://schemas.microsoft.com/office/drawing/2014/main" id="{CD97B703-0D68-4C3A-9692-C69CF75ED4AD}"/>
+              </a:ext>
+            </a:extLst>
+          </p:cNvPr>
+          <p:cNvSpPr txBox="1">
+            <a:spLocks/>
+          </p:cNvSpPr>
+          <p:nvPr/>
+        </p:nvSpPr>
+        <p:spPr>
+          <a:xfrm>
+            <a:off x="-215661" y="196965"/>
+            <a:ext cx="10550105" cy="5348378"/>
+          </a:xfrm>
+          <a:prstGeom prst="rect">
+            <a:avLst/>
+          </a:prstGeom>
+        </p:spPr>
+        <p:txBody>
+          <a:bodyPr vert="horz" lIns="91440" tIns="45720" rIns="91440" bIns="45720" rtlCol="0">
+            <a:normAutofit/>
+          </a:bodyPr>
+          <a:lstStyle>
+            <a:lvl1pPr marL="384048" indent="-384048" algn="l" defTabSz="914400" rtl="0" eaLnBrk="1" latinLnBrk="0" hangingPunct="1">
+              <a:lnSpc>
+                <a:spcPct val="94000"/>
+              </a:lnSpc>
+              <a:spcBef>
+                <a:spcPts val="1000"/>
+              </a:spcBef>
+              <a:spcAft>
+                <a:spcPts val="200"/>
+              </a:spcAft>
+              <a:buFont typeface="Franklin Gothic Book" panose="020B0503020102020204" pitchFamily="34" charset="0"/>
+              <a:buChar char="■"/>
+              <a:defRPr sz="2000" kern="1200" baseline="0">
+                <a:solidFill>
+                  <a:schemeClr val="tx2"/>
+                </a:solidFill>
+                <a:latin typeface="+mn-lt"/>
+                <a:ea typeface="+mn-ea"/>
+                <a:cs typeface="+mn-cs"/>
+              </a:defRPr>
+            </a:lvl1pPr>
+            <a:lvl2pPr marL="914400" indent="-384048" algn="l" defTabSz="914400" rtl="0" eaLnBrk="1" latinLnBrk="0" hangingPunct="1">
+              <a:lnSpc>
+                <a:spcPct val="94000"/>
+              </a:lnSpc>
+              <a:spcBef>
+                <a:spcPts val="500"/>
+              </a:spcBef>
+              <a:spcAft>
+                <a:spcPts val="200"/>
+              </a:spcAft>
+              <a:buFont typeface="Franklin Gothic Book" panose="020B0503020102020204" pitchFamily="34" charset="0"/>
+              <a:buChar char="–"/>
+              <a:defRPr sz="2000" i="1" kern="1200" baseline="0">
+                <a:solidFill>
+                  <a:schemeClr val="tx2"/>
+                </a:solidFill>
+                <a:latin typeface="+mn-lt"/>
+                <a:ea typeface="+mn-ea"/>
+                <a:cs typeface="+mn-cs"/>
+              </a:defRPr>
+            </a:lvl2pPr>
+            <a:lvl3pPr marL="1371600" indent="-384048" algn="l" defTabSz="914400" rtl="0" eaLnBrk="1" latinLnBrk="0" hangingPunct="1">
+              <a:lnSpc>
+                <a:spcPct val="94000"/>
+              </a:lnSpc>
+              <a:spcBef>
+                <a:spcPts val="500"/>
+              </a:spcBef>
+              <a:spcAft>
+                <a:spcPts val="200"/>
+              </a:spcAft>
+              <a:buFont typeface="Franklin Gothic Book" panose="020B0503020102020204" pitchFamily="34" charset="0"/>
+              <a:buChar char="■"/>
+              <a:defRPr sz="1800" kern="1200" baseline="0">
+                <a:solidFill>
+                  <a:schemeClr val="tx2"/>
+                </a:solidFill>
+                <a:latin typeface="+mn-lt"/>
+                <a:ea typeface="+mn-ea"/>
+                <a:cs typeface="+mn-cs"/>
+              </a:defRPr>
+            </a:lvl3pPr>
+            <a:lvl4pPr marL="1828800" indent="-384048" algn="l" defTabSz="914400" rtl="0" eaLnBrk="1" latinLnBrk="0" hangingPunct="1">
+              <a:lnSpc>
+                <a:spcPct val="94000"/>
+              </a:lnSpc>
+              <a:spcBef>
+                <a:spcPts val="500"/>
+              </a:spcBef>
+              <a:spcAft>
+                <a:spcPts val="200"/>
+              </a:spcAft>
+              <a:buFont typeface="Franklin Gothic Book" panose="020B0503020102020204" pitchFamily="34" charset="0"/>
+              <a:buChar char="–"/>
+              <a:defRPr sz="1800" i="1" kern="1200" baseline="0">
+                <a:solidFill>
+                  <a:schemeClr val="tx2"/>
+                </a:solidFill>
+                <a:latin typeface="+mn-lt"/>
+                <a:ea typeface="+mn-ea"/>
+                <a:cs typeface="+mn-cs"/>
+              </a:defRPr>
+            </a:lvl4pPr>
+            <a:lvl5pPr marL="2286000" indent="-384048" algn="l" defTabSz="914400" rtl="0" eaLnBrk="1" latinLnBrk="0" hangingPunct="1">
+              <a:lnSpc>
+                <a:spcPct val="94000"/>
+              </a:lnSpc>
+              <a:spcBef>
+                <a:spcPts val="500"/>
+              </a:spcBef>
+              <a:spcAft>
+                <a:spcPts val="200"/>
+              </a:spcAft>
+              <a:buFont typeface="Franklin Gothic Book" panose="020B0503020102020204" pitchFamily="34" charset="0"/>
+              <a:buChar char="■"/>
+              <a:defRPr sz="1600" kern="1200" baseline="0">
+                <a:solidFill>
+                  <a:schemeClr val="tx2"/>
+                </a:solidFill>
+                <a:latin typeface="+mn-lt"/>
+                <a:ea typeface="+mn-ea"/>
+                <a:cs typeface="+mn-cs"/>
+              </a:defRPr>
+            </a:lvl5pPr>
+            <a:lvl6pPr marL="2743200" indent="-384048" algn="l" defTabSz="914400" rtl="0" eaLnBrk="1" latinLnBrk="0" hangingPunct="1">
+              <a:lnSpc>
+                <a:spcPct val="94000"/>
+              </a:lnSpc>
+              <a:spcBef>
+                <a:spcPts val="500"/>
+              </a:spcBef>
+              <a:spcAft>
+                <a:spcPts val="200"/>
+              </a:spcAft>
+              <a:buFont typeface="Franklin Gothic Book" panose="020B0503020102020204" pitchFamily="34" charset="0"/>
+              <a:buChar char="–"/>
+              <a:defRPr sz="1600" i="1" kern="1200" baseline="0">
+                <a:solidFill>
+                  <a:schemeClr val="tx2"/>
+                </a:solidFill>
+                <a:latin typeface="+mn-lt"/>
+                <a:ea typeface="+mn-ea"/>
+                <a:cs typeface="+mn-cs"/>
+              </a:defRPr>
+            </a:lvl6pPr>
+            <a:lvl7pPr marL="3200400" indent="-384048" algn="l" defTabSz="914400" rtl="0" eaLnBrk="1" latinLnBrk="0" hangingPunct="1">
+              <a:lnSpc>
+                <a:spcPct val="94000"/>
+              </a:lnSpc>
+              <a:spcBef>
+                <a:spcPts val="500"/>
+              </a:spcBef>
+              <a:spcAft>
+                <a:spcPts val="200"/>
+              </a:spcAft>
+              <a:buFont typeface="Franklin Gothic Book" panose="020B0503020102020204" pitchFamily="34" charset="0"/>
+              <a:buChar char="■"/>
+              <a:defRPr sz="1400" kern="1200" baseline="0">
+                <a:solidFill>
+                  <a:schemeClr val="tx2"/>
+                </a:solidFill>
+                <a:latin typeface="+mn-lt"/>
+                <a:ea typeface="+mn-ea"/>
+                <a:cs typeface="+mn-cs"/>
+              </a:defRPr>
+            </a:lvl7pPr>
+            <a:lvl8pPr marL="3657600" indent="-384048" algn="l" defTabSz="914400" rtl="0" eaLnBrk="1" latinLnBrk="0" hangingPunct="1">
+              <a:lnSpc>
+                <a:spcPct val="94000"/>
+              </a:lnSpc>
+              <a:spcBef>
+                <a:spcPts val="500"/>
+              </a:spcBef>
+              <a:spcAft>
+                <a:spcPts val="200"/>
+              </a:spcAft>
+              <a:buFont typeface="Franklin Gothic Book" panose="020B0503020102020204" pitchFamily="34" charset="0"/>
+              <a:buChar char="–"/>
+              <a:defRPr sz="1400" i="1" kern="1200" baseline="0">
+                <a:solidFill>
+                  <a:schemeClr val="tx2"/>
+                </a:solidFill>
+                <a:latin typeface="+mn-lt"/>
+                <a:ea typeface="+mn-ea"/>
+                <a:cs typeface="+mn-cs"/>
+              </a:defRPr>
+            </a:lvl8pPr>
+            <a:lvl9pPr marL="4114800" indent="-384048" algn="l" defTabSz="914400" rtl="0" eaLnBrk="1" latinLnBrk="0" hangingPunct="1">
+              <a:lnSpc>
+                <a:spcPct val="94000"/>
+              </a:lnSpc>
+              <a:spcBef>
+                <a:spcPts val="500"/>
+              </a:spcBef>
+              <a:spcAft>
+                <a:spcPts val="200"/>
+              </a:spcAft>
+              <a:buFont typeface="Franklin Gothic Book" panose="020B0503020102020204" pitchFamily="34" charset="0"/>
+              <a:buChar char="■"/>
+              <a:defRPr sz="1400" kern="1200" baseline="0">
+                <a:solidFill>
+                  <a:schemeClr val="tx2"/>
+                </a:solidFill>
+                <a:latin typeface="+mn-lt"/>
+                <a:ea typeface="+mn-ea"/>
+                <a:cs typeface="+mn-cs"/>
+              </a:defRPr>
+            </a:lvl9pPr>
+          </a:lstStyle>
+          <a:p>
+            <a:endParaRPr lang="en-US" dirty="0"/>
+          </a:p>
+        </p:txBody>
+      </p:sp>
+    </p:spTree>
+    <p:extLst>
+      <p:ext uri="{BB962C8B-B14F-4D97-AF65-F5344CB8AC3E}">
+        <p14:creationId xmlns:p14="http://schemas.microsoft.com/office/powerpoint/2010/main" val="1452440057"/>
+      </p:ext>
+    </p:extLst>
+  </p:cSld>
+  <p:clrMapOvr>
+    <a:masterClrMapping/>
+  </p:clrMapOvr>
+</p:sld>
+</file>
+
+<file path=ppt/slides/slide6.xml><?xml version="1.0" encoding="utf-8"?>
+<p:sld xmlns:a="http://schemas.openxmlformats.org/drawingml/2006/main" xmlns:r="http://schemas.openxmlformats.org/officeDocument/2006/relationships" xmlns:p="http://schemas.openxmlformats.org/presentationml/2006/main">
+  <p:cSld>
+    <p:spTree>
+      <p:nvGrpSpPr>
+        <p:cNvPr id="1" name=""/>
+        <p:cNvGrpSpPr/>
+        <p:nvPr/>
+      </p:nvGrpSpPr>
+      <p:grpSpPr>
+        <a:xfrm>
+          <a:off x="0" y="0"/>
+          <a:ext cx="0" cy="0"/>
+          <a:chOff x="0" y="0"/>
+          <a:chExt cx="0" cy="0"/>
+        </a:xfrm>
+      </p:grpSpPr>
+      <p:sp>
+        <p:nvSpPr>
+          <p:cNvPr id="2" name="Title 1">
+            <a:extLst>
+              <a:ext uri="{FF2B5EF4-FFF2-40B4-BE49-F238E27FC236}">
+                <a16:creationId xmlns:a16="http://schemas.microsoft.com/office/drawing/2014/main" id="{D1EBA635-2F7F-4838-A23A-2C3E13E2F1D5}"/>
+              </a:ext>
+            </a:extLst>
+          </p:cNvPr>
+          <p:cNvSpPr>
+            <a:spLocks noGrp="1"/>
+          </p:cNvSpPr>
+          <p:nvPr>
+            <p:ph type="title"/>
+          </p:nvPr>
+        </p:nvSpPr>
+        <p:spPr>
+          <a:xfrm>
+            <a:off x="1141560" y="196965"/>
+            <a:ext cx="9601200" cy="987729"/>
+          </a:xfrm>
+        </p:spPr>
+        <p:txBody>
+          <a:bodyPr/>
+          <a:lstStyle/>
+          <a:p>
+            <a:r>
+              <a:rPr lang="en-US" dirty="0"/>
+              <a:t>References</a:t>
+            </a:r>
+          </a:p>
+        </p:txBody>
+      </p:sp>
+      <p:sp>
+        <p:nvSpPr>
+          <p:cNvPr id="3" name="Content Placeholder 2">
+            <a:extLst>
+              <a:ext uri="{FF2B5EF4-FFF2-40B4-BE49-F238E27FC236}">
+                <a16:creationId xmlns:a16="http://schemas.microsoft.com/office/drawing/2014/main" id="{890E8DCC-CEBE-42F0-BEE6-20CE768757A8}"/>
+              </a:ext>
+            </a:extLst>
+          </p:cNvPr>
+          <p:cNvSpPr>
+            <a:spLocks noGrp="1"/>
+          </p:cNvSpPr>
+          <p:nvPr>
+            <p:ph idx="1"/>
+          </p:nvPr>
+        </p:nvSpPr>
+        <p:spPr>
+          <a:xfrm>
+            <a:off x="1187569" y="1023667"/>
+            <a:ext cx="10550105" cy="5348378"/>
+          </a:xfrm>
+        </p:spPr>
+        <p:txBody>
+          <a:bodyPr>
+            <a:normAutofit fontScale="85000" lnSpcReduction="20000"/>
+          </a:bodyPr>
+          <a:lstStyle/>
+          <a:p>
+            <a:pPr marL="0" indent="0">
+              <a:buNone/>
+            </a:pPr>
+            <a:r>
+              <a:rPr lang="en-US" dirty="0"/>
+              <a:t>History of ML</a:t>
+            </a:r>
+          </a:p>
+          <a:p>
+            <a:r>
+              <a:rPr lang="en-US" dirty="0">
+                <a:hlinkClick r:id="rId2"/>
+              </a:rPr>
+              <a:t>http://www.psych.utoronto.ca/users/reingold/courses/ai/cache/neural4.html</a:t>
+            </a:r>
+            <a:endParaRPr lang="en-US" dirty="0"/>
+          </a:p>
+          <a:p>
+            <a:r>
+              <a:rPr lang="en-US" dirty="0">
+                <a:hlinkClick r:id="rId3"/>
+              </a:rPr>
+              <a:t>https://cs.stanford.edu/people/eroberts/courses/soco/projects/neural-networks/History/history1.html</a:t>
+            </a:r>
+            <a:endParaRPr lang="en-US" dirty="0"/>
+          </a:p>
+          <a:p>
+            <a:r>
+              <a:rPr lang="en-US" dirty="0">
+                <a:hlinkClick r:id="rId4"/>
+              </a:rPr>
+              <a:t>https://www.import.io/post/history-of-deep-learning/</a:t>
+            </a:r>
+            <a:endParaRPr lang="en-US" dirty="0"/>
+          </a:p>
+          <a:p>
+            <a:r>
+              <a:rPr lang="en-US" dirty="0">
+                <a:hlinkClick r:id="rId5"/>
+              </a:rPr>
+              <a:t>https://en.wikipedia.org/wik/Timeline_of_machine_learning</a:t>
+            </a:r>
+            <a:endParaRPr lang="en-US" dirty="0"/>
+          </a:p>
+          <a:p>
+            <a:endParaRPr lang="en-US" dirty="0"/>
+          </a:p>
+          <a:p>
+            <a:pPr marL="0" indent="0">
+              <a:buNone/>
+            </a:pPr>
+            <a:r>
+              <a:rPr lang="en-US" dirty="0"/>
+              <a:t>Singularity </a:t>
+            </a:r>
+          </a:p>
+          <a:p>
+            <a:r>
+              <a:rPr lang="en-US" dirty="0"/>
+              <a:t>Ray Kurzweil – Singularity - </a:t>
+            </a:r>
+            <a:r>
+              <a:rPr lang="en-US" dirty="0">
+                <a:hlinkClick r:id="rId6"/>
+              </a:rPr>
+              <a:t>https://en.wikipedia.org/wiki/The_Singularity_Is_Near</a:t>
+            </a:r>
+            <a:endParaRPr lang="en-US" dirty="0"/>
+          </a:p>
+          <a:p>
+            <a:r>
+              <a:rPr lang="en-US" dirty="0"/>
+              <a:t>John Von Neumann - </a:t>
+            </a:r>
+            <a:r>
+              <a:rPr lang="en-US" dirty="0">
+                <a:hlinkClick r:id="rId7"/>
+              </a:rPr>
+              <a:t>https://en.wikipedia.org/wiki/The_Computer_and_the_Brain</a:t>
+            </a:r>
+            <a:endParaRPr lang="en-US" dirty="0"/>
+          </a:p>
+          <a:p>
+            <a:pPr marL="0" indent="0">
+              <a:buNone/>
+            </a:pPr>
+            <a:endParaRPr lang="en-US" dirty="0"/>
+          </a:p>
+          <a:p>
+            <a:pPr marL="0" indent="0">
+              <a:buNone/>
+            </a:pPr>
+            <a:r>
+              <a:rPr lang="en-US" dirty="0"/>
+              <a:t>Hardware</a:t>
+            </a:r>
+          </a:p>
+          <a:p>
+            <a:r>
+              <a:rPr lang="en-US" dirty="0"/>
+              <a:t>TPU diagram (scalar, vector, matrix) and perf chart:  </a:t>
+            </a:r>
+            <a:r>
+              <a:rPr lang="en-US" dirty="0">
+                <a:hlinkClick r:id="rId8"/>
+              </a:rPr>
+              <a:t>https://cloud.google.com/blog/big-data/2017/05/an-in-depth-look-at-googles-first-tensor-processing-unit-tpu#closeImag</a:t>
+            </a:r>
+            <a:endParaRPr lang="en-US" dirty="0"/>
+          </a:p>
+          <a:p>
+            <a:pPr marL="0" indent="0">
+              <a:buNone/>
+            </a:pPr>
+            <a:r>
+              <a:rPr lang="en-US" dirty="0"/>
+              <a:t>Other</a:t>
+            </a:r>
+          </a:p>
+          <a:p>
+            <a:r>
+              <a:rPr lang="en-US" dirty="0"/>
+              <a:t>Kaggle – Boosting 70% wins (article:  https://medium.com/syncedreview/tree-boosting-with-xgboost-why-does-xgboost-win-every-machine-learning-competition-ca8034c0b283)</a:t>
+            </a:r>
+          </a:p>
+          <a:p>
+            <a:pPr marL="0" indent="0">
+              <a:buNone/>
+            </a:pPr>
+            <a:endParaRPr lang="en-US" dirty="0"/>
+          </a:p>
+        </p:txBody>
+      </p:sp>
+      <p:sp>
+        <p:nvSpPr>
+          <p:cNvPr id="4" name="Content Placeholder 2">
+            <a:extLst>
+              <a:ext uri="{FF2B5EF4-FFF2-40B4-BE49-F238E27FC236}">
+                <a16:creationId xmlns:a16="http://schemas.microsoft.com/office/drawing/2014/main" id="{CD97B703-0D68-4C3A-9692-C69CF75ED4AD}"/>
+              </a:ext>
+            </a:extLst>
+          </p:cNvPr>
+          <p:cNvSpPr txBox="1">
+            <a:spLocks/>
+          </p:cNvSpPr>
+          <p:nvPr/>
+        </p:nvSpPr>
+        <p:spPr>
+          <a:xfrm>
+            <a:off x="-215661" y="196965"/>
+            <a:ext cx="10550105" cy="5348378"/>
+          </a:xfrm>
+          <a:prstGeom prst="rect">
+            <a:avLst/>
+          </a:prstGeom>
+        </p:spPr>
+        <p:txBody>
+          <a:bodyPr vert="horz" lIns="91440" tIns="45720" rIns="91440" bIns="45720" rtlCol="0">
+            <a:normAutofit/>
+          </a:bodyPr>
+          <a:lstStyle>
+            <a:lvl1pPr marL="384048" indent="-384048" algn="l" defTabSz="914400" rtl="0" eaLnBrk="1" latinLnBrk="0" hangingPunct="1">
+              <a:lnSpc>
+                <a:spcPct val="94000"/>
+              </a:lnSpc>
+              <a:spcBef>
+                <a:spcPts val="1000"/>
+              </a:spcBef>
+              <a:spcAft>
+                <a:spcPts val="200"/>
+              </a:spcAft>
+              <a:buFont typeface="Franklin Gothic Book" panose="020B0503020102020204" pitchFamily="34" charset="0"/>
+              <a:buChar char="■"/>
+              <a:defRPr sz="2000" kern="1200" baseline="0">
+                <a:solidFill>
+                  <a:schemeClr val="tx2"/>
+                </a:solidFill>
+                <a:latin typeface="+mn-lt"/>
+                <a:ea typeface="+mn-ea"/>
+                <a:cs typeface="+mn-cs"/>
+              </a:defRPr>
+            </a:lvl1pPr>
+            <a:lvl2pPr marL="914400" indent="-384048" algn="l" defTabSz="914400" rtl="0" eaLnBrk="1" latinLnBrk="0" hangingPunct="1">
+              <a:lnSpc>
+                <a:spcPct val="94000"/>
+              </a:lnSpc>
+              <a:spcBef>
+                <a:spcPts val="500"/>
+              </a:spcBef>
+              <a:spcAft>
+                <a:spcPts val="200"/>
+              </a:spcAft>
+              <a:buFont typeface="Franklin Gothic Book" panose="020B0503020102020204" pitchFamily="34" charset="0"/>
+              <a:buChar char="–"/>
+              <a:defRPr sz="2000" i="1" kern="1200" baseline="0">
+                <a:solidFill>
+                  <a:schemeClr val="tx2"/>
+                </a:solidFill>
+                <a:latin typeface="+mn-lt"/>
+                <a:ea typeface="+mn-ea"/>
+                <a:cs typeface="+mn-cs"/>
+              </a:defRPr>
+            </a:lvl2pPr>
+            <a:lvl3pPr marL="1371600" indent="-384048" algn="l" defTabSz="914400" rtl="0" eaLnBrk="1" latinLnBrk="0" hangingPunct="1">
+              <a:lnSpc>
+                <a:spcPct val="94000"/>
+              </a:lnSpc>
+              <a:spcBef>
+                <a:spcPts val="500"/>
+              </a:spcBef>
+              <a:spcAft>
+                <a:spcPts val="200"/>
+              </a:spcAft>
+              <a:buFont typeface="Franklin Gothic Book" panose="020B0503020102020204" pitchFamily="34" charset="0"/>
+              <a:buChar char="■"/>
+              <a:defRPr sz="1800" kern="1200" baseline="0">
+                <a:solidFill>
+                  <a:schemeClr val="tx2"/>
+                </a:solidFill>
+                <a:latin typeface="+mn-lt"/>
+                <a:ea typeface="+mn-ea"/>
+                <a:cs typeface="+mn-cs"/>
+              </a:defRPr>
+            </a:lvl3pPr>
+            <a:lvl4pPr marL="1828800" indent="-384048" algn="l" defTabSz="914400" rtl="0" eaLnBrk="1" latinLnBrk="0" hangingPunct="1">
+              <a:lnSpc>
+                <a:spcPct val="94000"/>
+              </a:lnSpc>
+              <a:spcBef>
+                <a:spcPts val="500"/>
+              </a:spcBef>
+              <a:spcAft>
+                <a:spcPts val="200"/>
+              </a:spcAft>
+              <a:buFont typeface="Franklin Gothic Book" panose="020B0503020102020204" pitchFamily="34" charset="0"/>
+              <a:buChar char="–"/>
+              <a:defRPr sz="1800" i="1" kern="1200" baseline="0">
+                <a:solidFill>
+                  <a:schemeClr val="tx2"/>
+                </a:solidFill>
+                <a:latin typeface="+mn-lt"/>
+                <a:ea typeface="+mn-ea"/>
+                <a:cs typeface="+mn-cs"/>
+              </a:defRPr>
+            </a:lvl4pPr>
+            <a:lvl5pPr marL="2286000" indent="-384048" algn="l" defTabSz="914400" rtl="0" eaLnBrk="1" latinLnBrk="0" hangingPunct="1">
+              <a:lnSpc>
+                <a:spcPct val="94000"/>
+              </a:lnSpc>
+              <a:spcBef>
+                <a:spcPts val="500"/>
+              </a:spcBef>
+              <a:spcAft>
+                <a:spcPts val="200"/>
+              </a:spcAft>
+              <a:buFont typeface="Franklin Gothic Book" panose="020B0503020102020204" pitchFamily="34" charset="0"/>
+              <a:buChar char="■"/>
+              <a:defRPr sz="1600" kern="1200" baseline="0">
+                <a:solidFill>
+                  <a:schemeClr val="tx2"/>
+                </a:solidFill>
+                <a:latin typeface="+mn-lt"/>
+                <a:ea typeface="+mn-ea"/>
+                <a:cs typeface="+mn-cs"/>
+              </a:defRPr>
+            </a:lvl5pPr>
+            <a:lvl6pPr marL="2743200" indent="-384048" algn="l" defTabSz="914400" rtl="0" eaLnBrk="1" latinLnBrk="0" hangingPunct="1">
+              <a:lnSpc>
+                <a:spcPct val="94000"/>
+              </a:lnSpc>
+              <a:spcBef>
+                <a:spcPts val="500"/>
+              </a:spcBef>
+              <a:spcAft>
+                <a:spcPts val="200"/>
+              </a:spcAft>
+              <a:buFont typeface="Franklin Gothic Book" panose="020B0503020102020204" pitchFamily="34" charset="0"/>
+              <a:buChar char="–"/>
+              <a:defRPr sz="1600" i="1" kern="1200" baseline="0">
+                <a:solidFill>
+                  <a:schemeClr val="tx2"/>
+                </a:solidFill>
+                <a:latin typeface="+mn-lt"/>
+                <a:ea typeface="+mn-ea"/>
+                <a:cs typeface="+mn-cs"/>
+              </a:defRPr>
+            </a:lvl6pPr>
+            <a:lvl7pPr marL="3200400" indent="-384048" algn="l" defTabSz="914400" rtl="0" eaLnBrk="1" latinLnBrk="0" hangingPunct="1">
+              <a:lnSpc>
+                <a:spcPct val="94000"/>
+              </a:lnSpc>
+              <a:spcBef>
+                <a:spcPts val="500"/>
+              </a:spcBef>
+              <a:spcAft>
+                <a:spcPts val="200"/>
+              </a:spcAft>
+              <a:buFont typeface="Franklin Gothic Book" panose="020B0503020102020204" pitchFamily="34" charset="0"/>
+              <a:buChar char="■"/>
+              <a:defRPr sz="1400" kern="1200" baseline="0">
+                <a:solidFill>
+                  <a:schemeClr val="tx2"/>
+                </a:solidFill>
+                <a:latin typeface="+mn-lt"/>
+                <a:ea typeface="+mn-ea"/>
+                <a:cs typeface="+mn-cs"/>
+              </a:defRPr>
+            </a:lvl7pPr>
+            <a:lvl8pPr marL="3657600" indent="-384048" algn="l" defTabSz="914400" rtl="0" eaLnBrk="1" latinLnBrk="0" hangingPunct="1">
+              <a:lnSpc>
+                <a:spcPct val="94000"/>
+              </a:lnSpc>
+              <a:spcBef>
+                <a:spcPts val="500"/>
+              </a:spcBef>
+              <a:spcAft>
+                <a:spcPts val="200"/>
+              </a:spcAft>
+              <a:buFont typeface="Franklin Gothic Book" panose="020B0503020102020204" pitchFamily="34" charset="0"/>
+              <a:buChar char="–"/>
+              <a:defRPr sz="1400" i="1" kern="1200" baseline="0">
+                <a:solidFill>
+                  <a:schemeClr val="tx2"/>
+                </a:solidFill>
+                <a:latin typeface="+mn-lt"/>
+                <a:ea typeface="+mn-ea"/>
+                <a:cs typeface="+mn-cs"/>
+              </a:defRPr>
+            </a:lvl8pPr>
+            <a:lvl9pPr marL="4114800" indent="-384048" algn="l" defTabSz="914400" rtl="0" eaLnBrk="1" latinLnBrk="0" hangingPunct="1">
+              <a:lnSpc>
+                <a:spcPct val="94000"/>
+              </a:lnSpc>
+              <a:spcBef>
+                <a:spcPts val="500"/>
+              </a:spcBef>
+              <a:spcAft>
+                <a:spcPts val="200"/>
+              </a:spcAft>
+              <a:buFont typeface="Franklin Gothic Book" panose="020B0503020102020204" pitchFamily="34" charset="0"/>
+              <a:buChar char="■"/>
+              <a:defRPr sz="1400" kern="1200" baseline="0">
+                <a:solidFill>
+                  <a:schemeClr val="tx2"/>
+                </a:solidFill>
+                <a:latin typeface="+mn-lt"/>
+                <a:ea typeface="+mn-ea"/>
+                <a:cs typeface="+mn-cs"/>
+              </a:defRPr>
+            </a:lvl9pPr>
+          </a:lstStyle>
+          <a:p>
+            <a:endParaRPr lang="en-US" dirty="0"/>
+          </a:p>
+        </p:txBody>
+      </p:sp>
+    </p:spTree>
+    <p:extLst>
+      <p:ext uri="{BB962C8B-B14F-4D97-AF65-F5344CB8AC3E}">
+        <p14:creationId xmlns:p14="http://schemas.microsoft.com/office/powerpoint/2010/main" val="4098846397"/>
       </p:ext>
     </p:extLst>
   </p:cSld>

--- a/talks/MachineLearning101.pptx
+++ b/talks/MachineLearning101.pptx
@@ -7,10 +7,20 @@
   <p:sldIdLst>
     <p:sldId id="256" r:id="rId2"/>
     <p:sldId id="257" r:id="rId3"/>
-    <p:sldId id="258" r:id="rId4"/>
-    <p:sldId id="260" r:id="rId5"/>
-    <p:sldId id="261" r:id="rId6"/>
-    <p:sldId id="262" r:id="rId7"/>
+    <p:sldId id="266" r:id="rId4"/>
+    <p:sldId id="258" r:id="rId5"/>
+    <p:sldId id="260" r:id="rId6"/>
+    <p:sldId id="261" r:id="rId7"/>
+    <p:sldId id="263" r:id="rId8"/>
+    <p:sldId id="264" r:id="rId9"/>
+    <p:sldId id="265" r:id="rId10"/>
+    <p:sldId id="267" r:id="rId11"/>
+    <p:sldId id="268" r:id="rId12"/>
+    <p:sldId id="269" r:id="rId13"/>
+    <p:sldId id="271" r:id="rId14"/>
+    <p:sldId id="270" r:id="rId15"/>
+    <p:sldId id="272" r:id="rId16"/>
+    <p:sldId id="262" r:id="rId17"/>
   </p:sldIdLst>
   <p:sldSz cx="12192000" cy="6858000"/>
   <p:notesSz cx="6858000" cy="9144000"/>
@@ -3888,6 +3898,2588 @@
 </p:sld>
 </file>
 
+<file path=ppt/slides/slide10.xml><?xml version="1.0" encoding="utf-8"?>
+<p:sld xmlns:a="http://schemas.openxmlformats.org/drawingml/2006/main" xmlns:r="http://schemas.openxmlformats.org/officeDocument/2006/relationships" xmlns:p="http://schemas.openxmlformats.org/presentationml/2006/main">
+  <p:cSld>
+    <p:spTree>
+      <p:nvGrpSpPr>
+        <p:cNvPr id="1" name=""/>
+        <p:cNvGrpSpPr/>
+        <p:nvPr/>
+      </p:nvGrpSpPr>
+      <p:grpSpPr>
+        <a:xfrm>
+          <a:off x="0" y="0"/>
+          <a:ext cx="0" cy="0"/>
+          <a:chOff x="0" y="0"/>
+          <a:chExt cx="0" cy="0"/>
+        </a:xfrm>
+      </p:grpSpPr>
+      <p:sp>
+        <p:nvSpPr>
+          <p:cNvPr id="2" name="Title 1">
+            <a:extLst>
+              <a:ext uri="{FF2B5EF4-FFF2-40B4-BE49-F238E27FC236}">
+                <a16:creationId xmlns:a16="http://schemas.microsoft.com/office/drawing/2014/main" id="{D1EBA635-2F7F-4838-A23A-2C3E13E2F1D5}"/>
+              </a:ext>
+            </a:extLst>
+          </p:cNvPr>
+          <p:cNvSpPr>
+            <a:spLocks noGrp="1"/>
+          </p:cNvSpPr>
+          <p:nvPr>
+            <p:ph type="title"/>
+          </p:nvPr>
+        </p:nvSpPr>
+        <p:spPr>
+          <a:xfrm>
+            <a:off x="1141560" y="196965"/>
+            <a:ext cx="9601200" cy="987729"/>
+          </a:xfrm>
+        </p:spPr>
+        <p:txBody>
+          <a:bodyPr>
+            <a:normAutofit/>
+          </a:bodyPr>
+          <a:lstStyle/>
+          <a:p>
+            <a:r>
+              <a:rPr lang="en-US" dirty="0"/>
+              <a:t>Neural Networks &amp; the Brain</a:t>
+            </a:r>
+          </a:p>
+        </p:txBody>
+      </p:sp>
+      <p:sp>
+        <p:nvSpPr>
+          <p:cNvPr id="3" name="Content Placeholder 2">
+            <a:extLst>
+              <a:ext uri="{FF2B5EF4-FFF2-40B4-BE49-F238E27FC236}">
+                <a16:creationId xmlns:a16="http://schemas.microsoft.com/office/drawing/2014/main" id="{890E8DCC-CEBE-42F0-BEE6-20CE768757A8}"/>
+              </a:ext>
+            </a:extLst>
+          </p:cNvPr>
+          <p:cNvSpPr>
+            <a:spLocks noGrp="1"/>
+          </p:cNvSpPr>
+          <p:nvPr>
+            <p:ph idx="1"/>
+          </p:nvPr>
+        </p:nvSpPr>
+        <p:spPr>
+          <a:xfrm>
+            <a:off x="1187569" y="1023667"/>
+            <a:ext cx="10550105" cy="5348378"/>
+          </a:xfrm>
+        </p:spPr>
+        <p:txBody>
+          <a:bodyPr/>
+          <a:lstStyle/>
+          <a:p>
+            <a:r>
+              <a:rPr lang="en-US" i="0" dirty="0"/>
+              <a:t>&lt;insert comparison of brain neurons &amp; synapses to </a:t>
+            </a:r>
+            <a:r>
+              <a:rPr lang="en-US" i="0" dirty="0" err="1"/>
+              <a:t>transisitors</a:t>
+            </a:r>
+            <a:r>
+              <a:rPr lang="en-US" i="0" dirty="0"/>
+              <a:t> today&gt;</a:t>
+            </a:r>
+          </a:p>
+          <a:p>
+            <a:endParaRPr lang="en-US" dirty="0"/>
+          </a:p>
+          <a:p>
+            <a:r>
+              <a:rPr lang="en-US" i="0" dirty="0"/>
+              <a:t>Von Neumann book – not so much similarity (quote Andrew Ng ?)</a:t>
+            </a:r>
+          </a:p>
+          <a:p>
+            <a:endParaRPr lang="en-US" dirty="0"/>
+          </a:p>
+          <a:p>
+            <a:r>
+              <a:rPr lang="en-US" i="0" dirty="0"/>
+              <a:t>Neural Networks &amp; Deep Learning big hype today (Deep Blue, Deep Mind, </a:t>
+            </a:r>
+            <a:r>
+              <a:rPr lang="en-US" i="0" dirty="0" err="1"/>
+              <a:t>etc</a:t>
+            </a:r>
+            <a:r>
+              <a:rPr lang="en-US" i="0" dirty="0"/>
+              <a:t>)</a:t>
+            </a:r>
+          </a:p>
+          <a:p>
+            <a:pPr lvl="1"/>
+            <a:r>
+              <a:rPr lang="en-US" i="0" dirty="0"/>
+              <a:t>Deep Learning == type of Neural Networks with many layers</a:t>
+            </a:r>
+          </a:p>
+          <a:p>
+            <a:endParaRPr lang="en-US" dirty="0"/>
+          </a:p>
+          <a:p>
+            <a:r>
+              <a:rPr lang="en-US" i="0" dirty="0"/>
+              <a:t>Example of NN next</a:t>
+            </a:r>
+          </a:p>
+          <a:p>
+            <a:endParaRPr lang="en-US" i="0" dirty="0"/>
+          </a:p>
+          <a:p>
+            <a:endParaRPr lang="en-US" dirty="0"/>
+          </a:p>
+          <a:p>
+            <a:pPr marL="0" indent="0">
+              <a:buNone/>
+            </a:pPr>
+            <a:endParaRPr lang="en-US" dirty="0"/>
+          </a:p>
+          <a:p>
+            <a:endParaRPr lang="en-US" i="0" baseline="30000" dirty="0"/>
+          </a:p>
+          <a:p>
+            <a:endParaRPr lang="en-US" i="0" baseline="30000" dirty="0"/>
+          </a:p>
+        </p:txBody>
+      </p:sp>
+      <p:sp>
+        <p:nvSpPr>
+          <p:cNvPr id="4" name="Content Placeholder 2">
+            <a:extLst>
+              <a:ext uri="{FF2B5EF4-FFF2-40B4-BE49-F238E27FC236}">
+                <a16:creationId xmlns:a16="http://schemas.microsoft.com/office/drawing/2014/main" id="{CD97B703-0D68-4C3A-9692-C69CF75ED4AD}"/>
+              </a:ext>
+            </a:extLst>
+          </p:cNvPr>
+          <p:cNvSpPr txBox="1">
+            <a:spLocks/>
+          </p:cNvSpPr>
+          <p:nvPr/>
+        </p:nvSpPr>
+        <p:spPr>
+          <a:xfrm>
+            <a:off x="-215661" y="196965"/>
+            <a:ext cx="10550105" cy="5348378"/>
+          </a:xfrm>
+          <a:prstGeom prst="rect">
+            <a:avLst/>
+          </a:prstGeom>
+        </p:spPr>
+        <p:txBody>
+          <a:bodyPr vert="horz" lIns="91440" tIns="45720" rIns="91440" bIns="45720" rtlCol="0">
+            <a:normAutofit/>
+          </a:bodyPr>
+          <a:lstStyle>
+            <a:lvl1pPr marL="384048" indent="-384048" algn="l" defTabSz="914400" rtl="0" eaLnBrk="1" latinLnBrk="0" hangingPunct="1">
+              <a:lnSpc>
+                <a:spcPct val="94000"/>
+              </a:lnSpc>
+              <a:spcBef>
+                <a:spcPts val="1000"/>
+              </a:spcBef>
+              <a:spcAft>
+                <a:spcPts val="200"/>
+              </a:spcAft>
+              <a:buFont typeface="Franklin Gothic Book" panose="020B0503020102020204" pitchFamily="34" charset="0"/>
+              <a:buChar char="■"/>
+              <a:defRPr sz="2000" kern="1200" baseline="0">
+                <a:solidFill>
+                  <a:schemeClr val="tx2"/>
+                </a:solidFill>
+                <a:latin typeface="+mn-lt"/>
+                <a:ea typeface="+mn-ea"/>
+                <a:cs typeface="+mn-cs"/>
+              </a:defRPr>
+            </a:lvl1pPr>
+            <a:lvl2pPr marL="914400" indent="-384048" algn="l" defTabSz="914400" rtl="0" eaLnBrk="1" latinLnBrk="0" hangingPunct="1">
+              <a:lnSpc>
+                <a:spcPct val="94000"/>
+              </a:lnSpc>
+              <a:spcBef>
+                <a:spcPts val="500"/>
+              </a:spcBef>
+              <a:spcAft>
+                <a:spcPts val="200"/>
+              </a:spcAft>
+              <a:buFont typeface="Franklin Gothic Book" panose="020B0503020102020204" pitchFamily="34" charset="0"/>
+              <a:buChar char="–"/>
+              <a:defRPr sz="2000" i="1" kern="1200" baseline="0">
+                <a:solidFill>
+                  <a:schemeClr val="tx2"/>
+                </a:solidFill>
+                <a:latin typeface="+mn-lt"/>
+                <a:ea typeface="+mn-ea"/>
+                <a:cs typeface="+mn-cs"/>
+              </a:defRPr>
+            </a:lvl2pPr>
+            <a:lvl3pPr marL="1371600" indent="-384048" algn="l" defTabSz="914400" rtl="0" eaLnBrk="1" latinLnBrk="0" hangingPunct="1">
+              <a:lnSpc>
+                <a:spcPct val="94000"/>
+              </a:lnSpc>
+              <a:spcBef>
+                <a:spcPts val="500"/>
+              </a:spcBef>
+              <a:spcAft>
+                <a:spcPts val="200"/>
+              </a:spcAft>
+              <a:buFont typeface="Franklin Gothic Book" panose="020B0503020102020204" pitchFamily="34" charset="0"/>
+              <a:buChar char="■"/>
+              <a:defRPr sz="1800" kern="1200" baseline="0">
+                <a:solidFill>
+                  <a:schemeClr val="tx2"/>
+                </a:solidFill>
+                <a:latin typeface="+mn-lt"/>
+                <a:ea typeface="+mn-ea"/>
+                <a:cs typeface="+mn-cs"/>
+              </a:defRPr>
+            </a:lvl3pPr>
+            <a:lvl4pPr marL="1828800" indent="-384048" algn="l" defTabSz="914400" rtl="0" eaLnBrk="1" latinLnBrk="0" hangingPunct="1">
+              <a:lnSpc>
+                <a:spcPct val="94000"/>
+              </a:lnSpc>
+              <a:spcBef>
+                <a:spcPts val="500"/>
+              </a:spcBef>
+              <a:spcAft>
+                <a:spcPts val="200"/>
+              </a:spcAft>
+              <a:buFont typeface="Franklin Gothic Book" panose="020B0503020102020204" pitchFamily="34" charset="0"/>
+              <a:buChar char="–"/>
+              <a:defRPr sz="1800" i="1" kern="1200" baseline="0">
+                <a:solidFill>
+                  <a:schemeClr val="tx2"/>
+                </a:solidFill>
+                <a:latin typeface="+mn-lt"/>
+                <a:ea typeface="+mn-ea"/>
+                <a:cs typeface="+mn-cs"/>
+              </a:defRPr>
+            </a:lvl4pPr>
+            <a:lvl5pPr marL="2286000" indent="-384048" algn="l" defTabSz="914400" rtl="0" eaLnBrk="1" latinLnBrk="0" hangingPunct="1">
+              <a:lnSpc>
+                <a:spcPct val="94000"/>
+              </a:lnSpc>
+              <a:spcBef>
+                <a:spcPts val="500"/>
+              </a:spcBef>
+              <a:spcAft>
+                <a:spcPts val="200"/>
+              </a:spcAft>
+              <a:buFont typeface="Franklin Gothic Book" panose="020B0503020102020204" pitchFamily="34" charset="0"/>
+              <a:buChar char="■"/>
+              <a:defRPr sz="1600" kern="1200" baseline="0">
+                <a:solidFill>
+                  <a:schemeClr val="tx2"/>
+                </a:solidFill>
+                <a:latin typeface="+mn-lt"/>
+                <a:ea typeface="+mn-ea"/>
+                <a:cs typeface="+mn-cs"/>
+              </a:defRPr>
+            </a:lvl5pPr>
+            <a:lvl6pPr marL="2743200" indent="-384048" algn="l" defTabSz="914400" rtl="0" eaLnBrk="1" latinLnBrk="0" hangingPunct="1">
+              <a:lnSpc>
+                <a:spcPct val="94000"/>
+              </a:lnSpc>
+              <a:spcBef>
+                <a:spcPts val="500"/>
+              </a:spcBef>
+              <a:spcAft>
+                <a:spcPts val="200"/>
+              </a:spcAft>
+              <a:buFont typeface="Franklin Gothic Book" panose="020B0503020102020204" pitchFamily="34" charset="0"/>
+              <a:buChar char="–"/>
+              <a:defRPr sz="1600" i="1" kern="1200" baseline="0">
+                <a:solidFill>
+                  <a:schemeClr val="tx2"/>
+                </a:solidFill>
+                <a:latin typeface="+mn-lt"/>
+                <a:ea typeface="+mn-ea"/>
+                <a:cs typeface="+mn-cs"/>
+              </a:defRPr>
+            </a:lvl6pPr>
+            <a:lvl7pPr marL="3200400" indent="-384048" algn="l" defTabSz="914400" rtl="0" eaLnBrk="1" latinLnBrk="0" hangingPunct="1">
+              <a:lnSpc>
+                <a:spcPct val="94000"/>
+              </a:lnSpc>
+              <a:spcBef>
+                <a:spcPts val="500"/>
+              </a:spcBef>
+              <a:spcAft>
+                <a:spcPts val="200"/>
+              </a:spcAft>
+              <a:buFont typeface="Franklin Gothic Book" panose="020B0503020102020204" pitchFamily="34" charset="0"/>
+              <a:buChar char="■"/>
+              <a:defRPr sz="1400" kern="1200" baseline="0">
+                <a:solidFill>
+                  <a:schemeClr val="tx2"/>
+                </a:solidFill>
+                <a:latin typeface="+mn-lt"/>
+                <a:ea typeface="+mn-ea"/>
+                <a:cs typeface="+mn-cs"/>
+              </a:defRPr>
+            </a:lvl7pPr>
+            <a:lvl8pPr marL="3657600" indent="-384048" algn="l" defTabSz="914400" rtl="0" eaLnBrk="1" latinLnBrk="0" hangingPunct="1">
+              <a:lnSpc>
+                <a:spcPct val="94000"/>
+              </a:lnSpc>
+              <a:spcBef>
+                <a:spcPts val="500"/>
+              </a:spcBef>
+              <a:spcAft>
+                <a:spcPts val="200"/>
+              </a:spcAft>
+              <a:buFont typeface="Franklin Gothic Book" panose="020B0503020102020204" pitchFamily="34" charset="0"/>
+              <a:buChar char="–"/>
+              <a:defRPr sz="1400" i="1" kern="1200" baseline="0">
+                <a:solidFill>
+                  <a:schemeClr val="tx2"/>
+                </a:solidFill>
+                <a:latin typeface="+mn-lt"/>
+                <a:ea typeface="+mn-ea"/>
+                <a:cs typeface="+mn-cs"/>
+              </a:defRPr>
+            </a:lvl8pPr>
+            <a:lvl9pPr marL="4114800" indent="-384048" algn="l" defTabSz="914400" rtl="0" eaLnBrk="1" latinLnBrk="0" hangingPunct="1">
+              <a:lnSpc>
+                <a:spcPct val="94000"/>
+              </a:lnSpc>
+              <a:spcBef>
+                <a:spcPts val="500"/>
+              </a:spcBef>
+              <a:spcAft>
+                <a:spcPts val="200"/>
+              </a:spcAft>
+              <a:buFont typeface="Franklin Gothic Book" panose="020B0503020102020204" pitchFamily="34" charset="0"/>
+              <a:buChar char="■"/>
+              <a:defRPr sz="1400" kern="1200" baseline="0">
+                <a:solidFill>
+                  <a:schemeClr val="tx2"/>
+                </a:solidFill>
+                <a:latin typeface="+mn-lt"/>
+                <a:ea typeface="+mn-ea"/>
+                <a:cs typeface="+mn-cs"/>
+              </a:defRPr>
+            </a:lvl9pPr>
+          </a:lstStyle>
+          <a:p>
+            <a:endParaRPr lang="en-US" dirty="0"/>
+          </a:p>
+        </p:txBody>
+      </p:sp>
+    </p:spTree>
+    <p:extLst>
+      <p:ext uri="{BB962C8B-B14F-4D97-AF65-F5344CB8AC3E}">
+        <p14:creationId xmlns:p14="http://schemas.microsoft.com/office/powerpoint/2010/main" val="1383117873"/>
+      </p:ext>
+    </p:extLst>
+  </p:cSld>
+  <p:clrMapOvr>
+    <a:masterClrMapping/>
+  </p:clrMapOvr>
+</p:sld>
+</file>
+
+<file path=ppt/slides/slide11.xml><?xml version="1.0" encoding="utf-8"?>
+<p:sld xmlns:a="http://schemas.openxmlformats.org/drawingml/2006/main" xmlns:r="http://schemas.openxmlformats.org/officeDocument/2006/relationships" xmlns:p="http://schemas.openxmlformats.org/presentationml/2006/main">
+  <p:cSld>
+    <p:spTree>
+      <p:nvGrpSpPr>
+        <p:cNvPr id="1" name=""/>
+        <p:cNvGrpSpPr/>
+        <p:nvPr/>
+      </p:nvGrpSpPr>
+      <p:grpSpPr>
+        <a:xfrm>
+          <a:off x="0" y="0"/>
+          <a:ext cx="0" cy="0"/>
+          <a:chOff x="0" y="0"/>
+          <a:chExt cx="0" cy="0"/>
+        </a:xfrm>
+      </p:grpSpPr>
+      <p:sp>
+        <p:nvSpPr>
+          <p:cNvPr id="2" name="Title 1">
+            <a:extLst>
+              <a:ext uri="{FF2B5EF4-FFF2-40B4-BE49-F238E27FC236}">
+                <a16:creationId xmlns:a16="http://schemas.microsoft.com/office/drawing/2014/main" id="{D1EBA635-2F7F-4838-A23A-2C3E13E2F1D5}"/>
+              </a:ext>
+            </a:extLst>
+          </p:cNvPr>
+          <p:cNvSpPr>
+            <a:spLocks noGrp="1"/>
+          </p:cNvSpPr>
+          <p:nvPr>
+            <p:ph type="title"/>
+          </p:nvPr>
+        </p:nvSpPr>
+        <p:spPr>
+          <a:xfrm>
+            <a:off x="1141560" y="196965"/>
+            <a:ext cx="9601200" cy="987729"/>
+          </a:xfrm>
+        </p:spPr>
+        <p:txBody>
+          <a:bodyPr>
+            <a:normAutofit fontScale="90000"/>
+          </a:bodyPr>
+          <a:lstStyle/>
+          <a:p>
+            <a:r>
+              <a:rPr lang="en-US" dirty="0"/>
+              <a:t>Neural Network – Trade Error Detector (v2)</a:t>
+            </a:r>
+          </a:p>
+        </p:txBody>
+      </p:sp>
+      <p:sp>
+        <p:nvSpPr>
+          <p:cNvPr id="3" name="Content Placeholder 2">
+            <a:extLst>
+              <a:ext uri="{FF2B5EF4-FFF2-40B4-BE49-F238E27FC236}">
+                <a16:creationId xmlns:a16="http://schemas.microsoft.com/office/drawing/2014/main" id="{890E8DCC-CEBE-42F0-BEE6-20CE768757A8}"/>
+              </a:ext>
+            </a:extLst>
+          </p:cNvPr>
+          <p:cNvSpPr>
+            <a:spLocks noGrp="1"/>
+          </p:cNvSpPr>
+          <p:nvPr>
+            <p:ph idx="1"/>
+          </p:nvPr>
+        </p:nvSpPr>
+        <p:spPr>
+          <a:xfrm>
+            <a:off x="1187569" y="1023667"/>
+            <a:ext cx="10550105" cy="5348378"/>
+          </a:xfrm>
+        </p:spPr>
+        <p:txBody>
+          <a:bodyPr/>
+          <a:lstStyle/>
+          <a:p>
+            <a:r>
+              <a:rPr lang="en-US" dirty="0"/>
+              <a:t>Recap Derivative “features”</a:t>
+            </a:r>
+          </a:p>
+          <a:p>
+            <a:pPr lvl="1"/>
+            <a:r>
+              <a:rPr lang="en-US" i="0" dirty="0"/>
+              <a:t>Type (IRS Swap, Future, FRA, Swaption, FX)</a:t>
+            </a:r>
+          </a:p>
+          <a:p>
+            <a:pPr lvl="1"/>
+            <a:r>
+              <a:rPr lang="en-US" i="0" dirty="0"/>
+              <a:t>Notional ($1m – $100m)</a:t>
+            </a:r>
+          </a:p>
+          <a:p>
+            <a:pPr lvl="1"/>
+            <a:r>
+              <a:rPr lang="en-US" i="0" dirty="0"/>
+              <a:t>Counterparty (ABN </a:t>
+            </a:r>
+            <a:r>
+              <a:rPr lang="en-US" i="0" dirty="0" err="1"/>
+              <a:t>Amuro</a:t>
+            </a:r>
+            <a:r>
+              <a:rPr lang="en-US" i="0" dirty="0"/>
+              <a:t>, General Electric, </a:t>
+            </a:r>
+            <a:r>
+              <a:rPr lang="en-US" i="0" dirty="0" err="1"/>
+              <a:t>etc</a:t>
+            </a:r>
+            <a:r>
+              <a:rPr lang="en-US" i="0" dirty="0"/>
+              <a:t>)</a:t>
+            </a:r>
+          </a:p>
+          <a:p>
+            <a:pPr lvl="1"/>
+            <a:r>
+              <a:rPr lang="en-US" i="0" dirty="0"/>
+              <a:t>Reference Index (LIBOR3m+spread, LIBOR6m+spread, </a:t>
+            </a:r>
+            <a:r>
+              <a:rPr lang="en-US" i="0" dirty="0" err="1"/>
+              <a:t>etc</a:t>
+            </a:r>
+            <a:r>
+              <a:rPr lang="en-US" i="0" dirty="0"/>
+              <a:t>)</a:t>
+            </a:r>
+          </a:p>
+          <a:p>
+            <a:pPr lvl="1"/>
+            <a:r>
+              <a:rPr lang="en-US" i="0" dirty="0"/>
+              <a:t># Legs in trade</a:t>
+            </a:r>
+          </a:p>
+          <a:p>
+            <a:r>
+              <a:rPr lang="en-US" dirty="0"/>
+              <a:t>&lt;insert 5x5x5x1 NN&gt;</a:t>
+            </a:r>
+          </a:p>
+          <a:p>
+            <a:r>
+              <a:rPr lang="en-US" i="0" dirty="0"/>
+              <a:t>Show relationships can be model</a:t>
+            </a:r>
+            <a:r>
+              <a:rPr lang="en-US" dirty="0"/>
+              <a:t>led (XOR for example) and hierarchies</a:t>
+            </a:r>
+          </a:p>
+          <a:p>
+            <a:r>
+              <a:rPr lang="en-US" i="0" dirty="0"/>
+              <a:t>Training the NN is much harder (GPU / ASIC required) – show # of weights to calculate</a:t>
+            </a:r>
+          </a:p>
+          <a:p>
+            <a:endParaRPr lang="en-US" i="0" dirty="0"/>
+          </a:p>
+        </p:txBody>
+      </p:sp>
+      <p:sp>
+        <p:nvSpPr>
+          <p:cNvPr id="4" name="Content Placeholder 2">
+            <a:extLst>
+              <a:ext uri="{FF2B5EF4-FFF2-40B4-BE49-F238E27FC236}">
+                <a16:creationId xmlns:a16="http://schemas.microsoft.com/office/drawing/2014/main" id="{CD97B703-0D68-4C3A-9692-C69CF75ED4AD}"/>
+              </a:ext>
+            </a:extLst>
+          </p:cNvPr>
+          <p:cNvSpPr txBox="1">
+            <a:spLocks/>
+          </p:cNvSpPr>
+          <p:nvPr/>
+        </p:nvSpPr>
+        <p:spPr>
+          <a:xfrm>
+            <a:off x="-215661" y="196965"/>
+            <a:ext cx="10550105" cy="5348378"/>
+          </a:xfrm>
+          <a:prstGeom prst="rect">
+            <a:avLst/>
+          </a:prstGeom>
+        </p:spPr>
+        <p:txBody>
+          <a:bodyPr vert="horz" lIns="91440" tIns="45720" rIns="91440" bIns="45720" rtlCol="0">
+            <a:normAutofit/>
+          </a:bodyPr>
+          <a:lstStyle>
+            <a:lvl1pPr marL="384048" indent="-384048" algn="l" defTabSz="914400" rtl="0" eaLnBrk="1" latinLnBrk="0" hangingPunct="1">
+              <a:lnSpc>
+                <a:spcPct val="94000"/>
+              </a:lnSpc>
+              <a:spcBef>
+                <a:spcPts val="1000"/>
+              </a:spcBef>
+              <a:spcAft>
+                <a:spcPts val="200"/>
+              </a:spcAft>
+              <a:buFont typeface="Franklin Gothic Book" panose="020B0503020102020204" pitchFamily="34" charset="0"/>
+              <a:buChar char="■"/>
+              <a:defRPr sz="2000" kern="1200" baseline="0">
+                <a:solidFill>
+                  <a:schemeClr val="tx2"/>
+                </a:solidFill>
+                <a:latin typeface="+mn-lt"/>
+                <a:ea typeface="+mn-ea"/>
+                <a:cs typeface="+mn-cs"/>
+              </a:defRPr>
+            </a:lvl1pPr>
+            <a:lvl2pPr marL="914400" indent="-384048" algn="l" defTabSz="914400" rtl="0" eaLnBrk="1" latinLnBrk="0" hangingPunct="1">
+              <a:lnSpc>
+                <a:spcPct val="94000"/>
+              </a:lnSpc>
+              <a:spcBef>
+                <a:spcPts val="500"/>
+              </a:spcBef>
+              <a:spcAft>
+                <a:spcPts val="200"/>
+              </a:spcAft>
+              <a:buFont typeface="Franklin Gothic Book" panose="020B0503020102020204" pitchFamily="34" charset="0"/>
+              <a:buChar char="–"/>
+              <a:defRPr sz="2000" i="1" kern="1200" baseline="0">
+                <a:solidFill>
+                  <a:schemeClr val="tx2"/>
+                </a:solidFill>
+                <a:latin typeface="+mn-lt"/>
+                <a:ea typeface="+mn-ea"/>
+                <a:cs typeface="+mn-cs"/>
+              </a:defRPr>
+            </a:lvl2pPr>
+            <a:lvl3pPr marL="1371600" indent="-384048" algn="l" defTabSz="914400" rtl="0" eaLnBrk="1" latinLnBrk="0" hangingPunct="1">
+              <a:lnSpc>
+                <a:spcPct val="94000"/>
+              </a:lnSpc>
+              <a:spcBef>
+                <a:spcPts val="500"/>
+              </a:spcBef>
+              <a:spcAft>
+                <a:spcPts val="200"/>
+              </a:spcAft>
+              <a:buFont typeface="Franklin Gothic Book" panose="020B0503020102020204" pitchFamily="34" charset="0"/>
+              <a:buChar char="■"/>
+              <a:defRPr sz="1800" kern="1200" baseline="0">
+                <a:solidFill>
+                  <a:schemeClr val="tx2"/>
+                </a:solidFill>
+                <a:latin typeface="+mn-lt"/>
+                <a:ea typeface="+mn-ea"/>
+                <a:cs typeface="+mn-cs"/>
+              </a:defRPr>
+            </a:lvl3pPr>
+            <a:lvl4pPr marL="1828800" indent="-384048" algn="l" defTabSz="914400" rtl="0" eaLnBrk="1" latinLnBrk="0" hangingPunct="1">
+              <a:lnSpc>
+                <a:spcPct val="94000"/>
+              </a:lnSpc>
+              <a:spcBef>
+                <a:spcPts val="500"/>
+              </a:spcBef>
+              <a:spcAft>
+                <a:spcPts val="200"/>
+              </a:spcAft>
+              <a:buFont typeface="Franklin Gothic Book" panose="020B0503020102020204" pitchFamily="34" charset="0"/>
+              <a:buChar char="–"/>
+              <a:defRPr sz="1800" i="1" kern="1200" baseline="0">
+                <a:solidFill>
+                  <a:schemeClr val="tx2"/>
+                </a:solidFill>
+                <a:latin typeface="+mn-lt"/>
+                <a:ea typeface="+mn-ea"/>
+                <a:cs typeface="+mn-cs"/>
+              </a:defRPr>
+            </a:lvl4pPr>
+            <a:lvl5pPr marL="2286000" indent="-384048" algn="l" defTabSz="914400" rtl="0" eaLnBrk="1" latinLnBrk="0" hangingPunct="1">
+              <a:lnSpc>
+                <a:spcPct val="94000"/>
+              </a:lnSpc>
+              <a:spcBef>
+                <a:spcPts val="500"/>
+              </a:spcBef>
+              <a:spcAft>
+                <a:spcPts val="200"/>
+              </a:spcAft>
+              <a:buFont typeface="Franklin Gothic Book" panose="020B0503020102020204" pitchFamily="34" charset="0"/>
+              <a:buChar char="■"/>
+              <a:defRPr sz="1600" kern="1200" baseline="0">
+                <a:solidFill>
+                  <a:schemeClr val="tx2"/>
+                </a:solidFill>
+                <a:latin typeface="+mn-lt"/>
+                <a:ea typeface="+mn-ea"/>
+                <a:cs typeface="+mn-cs"/>
+              </a:defRPr>
+            </a:lvl5pPr>
+            <a:lvl6pPr marL="2743200" indent="-384048" algn="l" defTabSz="914400" rtl="0" eaLnBrk="1" latinLnBrk="0" hangingPunct="1">
+              <a:lnSpc>
+                <a:spcPct val="94000"/>
+              </a:lnSpc>
+              <a:spcBef>
+                <a:spcPts val="500"/>
+              </a:spcBef>
+              <a:spcAft>
+                <a:spcPts val="200"/>
+              </a:spcAft>
+              <a:buFont typeface="Franklin Gothic Book" panose="020B0503020102020204" pitchFamily="34" charset="0"/>
+              <a:buChar char="–"/>
+              <a:defRPr sz="1600" i="1" kern="1200" baseline="0">
+                <a:solidFill>
+                  <a:schemeClr val="tx2"/>
+                </a:solidFill>
+                <a:latin typeface="+mn-lt"/>
+                <a:ea typeface="+mn-ea"/>
+                <a:cs typeface="+mn-cs"/>
+              </a:defRPr>
+            </a:lvl6pPr>
+            <a:lvl7pPr marL="3200400" indent="-384048" algn="l" defTabSz="914400" rtl="0" eaLnBrk="1" latinLnBrk="0" hangingPunct="1">
+              <a:lnSpc>
+                <a:spcPct val="94000"/>
+              </a:lnSpc>
+              <a:spcBef>
+                <a:spcPts val="500"/>
+              </a:spcBef>
+              <a:spcAft>
+                <a:spcPts val="200"/>
+              </a:spcAft>
+              <a:buFont typeface="Franklin Gothic Book" panose="020B0503020102020204" pitchFamily="34" charset="0"/>
+              <a:buChar char="■"/>
+              <a:defRPr sz="1400" kern="1200" baseline="0">
+                <a:solidFill>
+                  <a:schemeClr val="tx2"/>
+                </a:solidFill>
+                <a:latin typeface="+mn-lt"/>
+                <a:ea typeface="+mn-ea"/>
+                <a:cs typeface="+mn-cs"/>
+              </a:defRPr>
+            </a:lvl7pPr>
+            <a:lvl8pPr marL="3657600" indent="-384048" algn="l" defTabSz="914400" rtl="0" eaLnBrk="1" latinLnBrk="0" hangingPunct="1">
+              <a:lnSpc>
+                <a:spcPct val="94000"/>
+              </a:lnSpc>
+              <a:spcBef>
+                <a:spcPts val="500"/>
+              </a:spcBef>
+              <a:spcAft>
+                <a:spcPts val="200"/>
+              </a:spcAft>
+              <a:buFont typeface="Franklin Gothic Book" panose="020B0503020102020204" pitchFamily="34" charset="0"/>
+              <a:buChar char="–"/>
+              <a:defRPr sz="1400" i="1" kern="1200" baseline="0">
+                <a:solidFill>
+                  <a:schemeClr val="tx2"/>
+                </a:solidFill>
+                <a:latin typeface="+mn-lt"/>
+                <a:ea typeface="+mn-ea"/>
+                <a:cs typeface="+mn-cs"/>
+              </a:defRPr>
+            </a:lvl8pPr>
+            <a:lvl9pPr marL="4114800" indent="-384048" algn="l" defTabSz="914400" rtl="0" eaLnBrk="1" latinLnBrk="0" hangingPunct="1">
+              <a:lnSpc>
+                <a:spcPct val="94000"/>
+              </a:lnSpc>
+              <a:spcBef>
+                <a:spcPts val="500"/>
+              </a:spcBef>
+              <a:spcAft>
+                <a:spcPts val="200"/>
+              </a:spcAft>
+              <a:buFont typeface="Franklin Gothic Book" panose="020B0503020102020204" pitchFamily="34" charset="0"/>
+              <a:buChar char="■"/>
+              <a:defRPr sz="1400" kern="1200" baseline="0">
+                <a:solidFill>
+                  <a:schemeClr val="tx2"/>
+                </a:solidFill>
+                <a:latin typeface="+mn-lt"/>
+                <a:ea typeface="+mn-ea"/>
+                <a:cs typeface="+mn-cs"/>
+              </a:defRPr>
+            </a:lvl9pPr>
+          </a:lstStyle>
+          <a:p>
+            <a:endParaRPr lang="en-US" dirty="0"/>
+          </a:p>
+        </p:txBody>
+      </p:sp>
+    </p:spTree>
+    <p:extLst>
+      <p:ext uri="{BB962C8B-B14F-4D97-AF65-F5344CB8AC3E}">
+        <p14:creationId xmlns:p14="http://schemas.microsoft.com/office/powerpoint/2010/main" val="1876620663"/>
+      </p:ext>
+    </p:extLst>
+  </p:cSld>
+  <p:clrMapOvr>
+    <a:masterClrMapping/>
+  </p:clrMapOvr>
+</p:sld>
+</file>
+
+<file path=ppt/slides/slide12.xml><?xml version="1.0" encoding="utf-8"?>
+<p:sld xmlns:a="http://schemas.openxmlformats.org/drawingml/2006/main" xmlns:r="http://schemas.openxmlformats.org/officeDocument/2006/relationships" xmlns:p="http://schemas.openxmlformats.org/presentationml/2006/main">
+  <p:cSld>
+    <p:spTree>
+      <p:nvGrpSpPr>
+        <p:cNvPr id="1" name=""/>
+        <p:cNvGrpSpPr/>
+        <p:nvPr/>
+      </p:nvGrpSpPr>
+      <p:grpSpPr>
+        <a:xfrm>
+          <a:off x="0" y="0"/>
+          <a:ext cx="0" cy="0"/>
+          <a:chOff x="0" y="0"/>
+          <a:chExt cx="0" cy="0"/>
+        </a:xfrm>
+      </p:grpSpPr>
+      <p:sp>
+        <p:nvSpPr>
+          <p:cNvPr id="2" name="Title 1">
+            <a:extLst>
+              <a:ext uri="{FF2B5EF4-FFF2-40B4-BE49-F238E27FC236}">
+                <a16:creationId xmlns:a16="http://schemas.microsoft.com/office/drawing/2014/main" id="{D1EBA635-2F7F-4838-A23A-2C3E13E2F1D5}"/>
+              </a:ext>
+            </a:extLst>
+          </p:cNvPr>
+          <p:cNvSpPr>
+            <a:spLocks noGrp="1"/>
+          </p:cNvSpPr>
+          <p:nvPr>
+            <p:ph type="title"/>
+          </p:nvPr>
+        </p:nvSpPr>
+        <p:spPr>
+          <a:xfrm>
+            <a:off x="1141560" y="196965"/>
+            <a:ext cx="9601200" cy="987729"/>
+          </a:xfrm>
+        </p:spPr>
+        <p:txBody>
+          <a:bodyPr>
+            <a:normAutofit/>
+          </a:bodyPr>
+          <a:lstStyle/>
+          <a:p>
+            <a:r>
+              <a:rPr lang="en-US" dirty="0"/>
+              <a:t>Major ML Frameworks</a:t>
+            </a:r>
+          </a:p>
+        </p:txBody>
+      </p:sp>
+      <p:sp>
+        <p:nvSpPr>
+          <p:cNvPr id="3" name="Content Placeholder 2">
+            <a:extLst>
+              <a:ext uri="{FF2B5EF4-FFF2-40B4-BE49-F238E27FC236}">
+                <a16:creationId xmlns:a16="http://schemas.microsoft.com/office/drawing/2014/main" id="{890E8DCC-CEBE-42F0-BEE6-20CE768757A8}"/>
+              </a:ext>
+            </a:extLst>
+          </p:cNvPr>
+          <p:cNvSpPr>
+            <a:spLocks noGrp="1"/>
+          </p:cNvSpPr>
+          <p:nvPr>
+            <p:ph idx="1"/>
+          </p:nvPr>
+        </p:nvSpPr>
+        <p:spPr>
+          <a:xfrm>
+            <a:off x="1187569" y="1023667"/>
+            <a:ext cx="10550105" cy="5348378"/>
+          </a:xfrm>
+        </p:spPr>
+        <p:txBody>
+          <a:bodyPr/>
+          <a:lstStyle/>
+          <a:p>
+            <a:r>
+              <a:rPr lang="en-US" dirty="0"/>
+              <a:t>&lt;insert pic of the state of AI&gt;</a:t>
+            </a:r>
+          </a:p>
+          <a:p>
+            <a:r>
+              <a:rPr lang="en-US" dirty="0"/>
+              <a:t>Add top cloud offerings</a:t>
+            </a:r>
+          </a:p>
+          <a:p>
+            <a:r>
+              <a:rPr lang="en-US" i="0" dirty="0"/>
+              <a:t>Add independent offerings (Data Robot, </a:t>
+            </a:r>
+            <a:r>
+              <a:rPr lang="en-US" dirty="0"/>
+              <a:t>h2o </a:t>
+            </a:r>
+            <a:r>
+              <a:rPr lang="en-US" dirty="0" err="1"/>
+              <a:t>etc</a:t>
+            </a:r>
+            <a:r>
+              <a:rPr lang="en-US" dirty="0"/>
+              <a:t>)</a:t>
+            </a:r>
+          </a:p>
+          <a:p>
+            <a:endParaRPr lang="en-US" i="0" dirty="0"/>
+          </a:p>
+        </p:txBody>
+      </p:sp>
+      <p:sp>
+        <p:nvSpPr>
+          <p:cNvPr id="4" name="Content Placeholder 2">
+            <a:extLst>
+              <a:ext uri="{FF2B5EF4-FFF2-40B4-BE49-F238E27FC236}">
+                <a16:creationId xmlns:a16="http://schemas.microsoft.com/office/drawing/2014/main" id="{CD97B703-0D68-4C3A-9692-C69CF75ED4AD}"/>
+              </a:ext>
+            </a:extLst>
+          </p:cNvPr>
+          <p:cNvSpPr txBox="1">
+            <a:spLocks/>
+          </p:cNvSpPr>
+          <p:nvPr/>
+        </p:nvSpPr>
+        <p:spPr>
+          <a:xfrm>
+            <a:off x="-215661" y="196965"/>
+            <a:ext cx="10550105" cy="5348378"/>
+          </a:xfrm>
+          <a:prstGeom prst="rect">
+            <a:avLst/>
+          </a:prstGeom>
+        </p:spPr>
+        <p:txBody>
+          <a:bodyPr vert="horz" lIns="91440" tIns="45720" rIns="91440" bIns="45720" rtlCol="0">
+            <a:normAutofit/>
+          </a:bodyPr>
+          <a:lstStyle>
+            <a:lvl1pPr marL="384048" indent="-384048" algn="l" defTabSz="914400" rtl="0" eaLnBrk="1" latinLnBrk="0" hangingPunct="1">
+              <a:lnSpc>
+                <a:spcPct val="94000"/>
+              </a:lnSpc>
+              <a:spcBef>
+                <a:spcPts val="1000"/>
+              </a:spcBef>
+              <a:spcAft>
+                <a:spcPts val="200"/>
+              </a:spcAft>
+              <a:buFont typeface="Franklin Gothic Book" panose="020B0503020102020204" pitchFamily="34" charset="0"/>
+              <a:buChar char="■"/>
+              <a:defRPr sz="2000" kern="1200" baseline="0">
+                <a:solidFill>
+                  <a:schemeClr val="tx2"/>
+                </a:solidFill>
+                <a:latin typeface="+mn-lt"/>
+                <a:ea typeface="+mn-ea"/>
+                <a:cs typeface="+mn-cs"/>
+              </a:defRPr>
+            </a:lvl1pPr>
+            <a:lvl2pPr marL="914400" indent="-384048" algn="l" defTabSz="914400" rtl="0" eaLnBrk="1" latinLnBrk="0" hangingPunct="1">
+              <a:lnSpc>
+                <a:spcPct val="94000"/>
+              </a:lnSpc>
+              <a:spcBef>
+                <a:spcPts val="500"/>
+              </a:spcBef>
+              <a:spcAft>
+                <a:spcPts val="200"/>
+              </a:spcAft>
+              <a:buFont typeface="Franklin Gothic Book" panose="020B0503020102020204" pitchFamily="34" charset="0"/>
+              <a:buChar char="–"/>
+              <a:defRPr sz="2000" i="1" kern="1200" baseline="0">
+                <a:solidFill>
+                  <a:schemeClr val="tx2"/>
+                </a:solidFill>
+                <a:latin typeface="+mn-lt"/>
+                <a:ea typeface="+mn-ea"/>
+                <a:cs typeface="+mn-cs"/>
+              </a:defRPr>
+            </a:lvl2pPr>
+            <a:lvl3pPr marL="1371600" indent="-384048" algn="l" defTabSz="914400" rtl="0" eaLnBrk="1" latinLnBrk="0" hangingPunct="1">
+              <a:lnSpc>
+                <a:spcPct val="94000"/>
+              </a:lnSpc>
+              <a:spcBef>
+                <a:spcPts val="500"/>
+              </a:spcBef>
+              <a:spcAft>
+                <a:spcPts val="200"/>
+              </a:spcAft>
+              <a:buFont typeface="Franklin Gothic Book" panose="020B0503020102020204" pitchFamily="34" charset="0"/>
+              <a:buChar char="■"/>
+              <a:defRPr sz="1800" kern="1200" baseline="0">
+                <a:solidFill>
+                  <a:schemeClr val="tx2"/>
+                </a:solidFill>
+                <a:latin typeface="+mn-lt"/>
+                <a:ea typeface="+mn-ea"/>
+                <a:cs typeface="+mn-cs"/>
+              </a:defRPr>
+            </a:lvl3pPr>
+            <a:lvl4pPr marL="1828800" indent="-384048" algn="l" defTabSz="914400" rtl="0" eaLnBrk="1" latinLnBrk="0" hangingPunct="1">
+              <a:lnSpc>
+                <a:spcPct val="94000"/>
+              </a:lnSpc>
+              <a:spcBef>
+                <a:spcPts val="500"/>
+              </a:spcBef>
+              <a:spcAft>
+                <a:spcPts val="200"/>
+              </a:spcAft>
+              <a:buFont typeface="Franklin Gothic Book" panose="020B0503020102020204" pitchFamily="34" charset="0"/>
+              <a:buChar char="–"/>
+              <a:defRPr sz="1800" i="1" kern="1200" baseline="0">
+                <a:solidFill>
+                  <a:schemeClr val="tx2"/>
+                </a:solidFill>
+                <a:latin typeface="+mn-lt"/>
+                <a:ea typeface="+mn-ea"/>
+                <a:cs typeface="+mn-cs"/>
+              </a:defRPr>
+            </a:lvl4pPr>
+            <a:lvl5pPr marL="2286000" indent="-384048" algn="l" defTabSz="914400" rtl="0" eaLnBrk="1" latinLnBrk="0" hangingPunct="1">
+              <a:lnSpc>
+                <a:spcPct val="94000"/>
+              </a:lnSpc>
+              <a:spcBef>
+                <a:spcPts val="500"/>
+              </a:spcBef>
+              <a:spcAft>
+                <a:spcPts val="200"/>
+              </a:spcAft>
+              <a:buFont typeface="Franklin Gothic Book" panose="020B0503020102020204" pitchFamily="34" charset="0"/>
+              <a:buChar char="■"/>
+              <a:defRPr sz="1600" kern="1200" baseline="0">
+                <a:solidFill>
+                  <a:schemeClr val="tx2"/>
+                </a:solidFill>
+                <a:latin typeface="+mn-lt"/>
+                <a:ea typeface="+mn-ea"/>
+                <a:cs typeface="+mn-cs"/>
+              </a:defRPr>
+            </a:lvl5pPr>
+            <a:lvl6pPr marL="2743200" indent="-384048" algn="l" defTabSz="914400" rtl="0" eaLnBrk="1" latinLnBrk="0" hangingPunct="1">
+              <a:lnSpc>
+                <a:spcPct val="94000"/>
+              </a:lnSpc>
+              <a:spcBef>
+                <a:spcPts val="500"/>
+              </a:spcBef>
+              <a:spcAft>
+                <a:spcPts val="200"/>
+              </a:spcAft>
+              <a:buFont typeface="Franklin Gothic Book" panose="020B0503020102020204" pitchFamily="34" charset="0"/>
+              <a:buChar char="–"/>
+              <a:defRPr sz="1600" i="1" kern="1200" baseline="0">
+                <a:solidFill>
+                  <a:schemeClr val="tx2"/>
+                </a:solidFill>
+                <a:latin typeface="+mn-lt"/>
+                <a:ea typeface="+mn-ea"/>
+                <a:cs typeface="+mn-cs"/>
+              </a:defRPr>
+            </a:lvl6pPr>
+            <a:lvl7pPr marL="3200400" indent="-384048" algn="l" defTabSz="914400" rtl="0" eaLnBrk="1" latinLnBrk="0" hangingPunct="1">
+              <a:lnSpc>
+                <a:spcPct val="94000"/>
+              </a:lnSpc>
+              <a:spcBef>
+                <a:spcPts val="500"/>
+              </a:spcBef>
+              <a:spcAft>
+                <a:spcPts val="200"/>
+              </a:spcAft>
+              <a:buFont typeface="Franklin Gothic Book" panose="020B0503020102020204" pitchFamily="34" charset="0"/>
+              <a:buChar char="■"/>
+              <a:defRPr sz="1400" kern="1200" baseline="0">
+                <a:solidFill>
+                  <a:schemeClr val="tx2"/>
+                </a:solidFill>
+                <a:latin typeface="+mn-lt"/>
+                <a:ea typeface="+mn-ea"/>
+                <a:cs typeface="+mn-cs"/>
+              </a:defRPr>
+            </a:lvl7pPr>
+            <a:lvl8pPr marL="3657600" indent="-384048" algn="l" defTabSz="914400" rtl="0" eaLnBrk="1" latinLnBrk="0" hangingPunct="1">
+              <a:lnSpc>
+                <a:spcPct val="94000"/>
+              </a:lnSpc>
+              <a:spcBef>
+                <a:spcPts val="500"/>
+              </a:spcBef>
+              <a:spcAft>
+                <a:spcPts val="200"/>
+              </a:spcAft>
+              <a:buFont typeface="Franklin Gothic Book" panose="020B0503020102020204" pitchFamily="34" charset="0"/>
+              <a:buChar char="–"/>
+              <a:defRPr sz="1400" i="1" kern="1200" baseline="0">
+                <a:solidFill>
+                  <a:schemeClr val="tx2"/>
+                </a:solidFill>
+                <a:latin typeface="+mn-lt"/>
+                <a:ea typeface="+mn-ea"/>
+                <a:cs typeface="+mn-cs"/>
+              </a:defRPr>
+            </a:lvl8pPr>
+            <a:lvl9pPr marL="4114800" indent="-384048" algn="l" defTabSz="914400" rtl="0" eaLnBrk="1" latinLnBrk="0" hangingPunct="1">
+              <a:lnSpc>
+                <a:spcPct val="94000"/>
+              </a:lnSpc>
+              <a:spcBef>
+                <a:spcPts val="500"/>
+              </a:spcBef>
+              <a:spcAft>
+                <a:spcPts val="200"/>
+              </a:spcAft>
+              <a:buFont typeface="Franklin Gothic Book" panose="020B0503020102020204" pitchFamily="34" charset="0"/>
+              <a:buChar char="■"/>
+              <a:defRPr sz="1400" kern="1200" baseline="0">
+                <a:solidFill>
+                  <a:schemeClr val="tx2"/>
+                </a:solidFill>
+                <a:latin typeface="+mn-lt"/>
+                <a:ea typeface="+mn-ea"/>
+                <a:cs typeface="+mn-cs"/>
+              </a:defRPr>
+            </a:lvl9pPr>
+          </a:lstStyle>
+          <a:p>
+            <a:endParaRPr lang="en-US" dirty="0"/>
+          </a:p>
+        </p:txBody>
+      </p:sp>
+    </p:spTree>
+    <p:extLst>
+      <p:ext uri="{BB962C8B-B14F-4D97-AF65-F5344CB8AC3E}">
+        <p14:creationId xmlns:p14="http://schemas.microsoft.com/office/powerpoint/2010/main" val="1479279865"/>
+      </p:ext>
+    </p:extLst>
+  </p:cSld>
+  <p:clrMapOvr>
+    <a:masterClrMapping/>
+  </p:clrMapOvr>
+</p:sld>
+</file>
+
+<file path=ppt/slides/slide13.xml><?xml version="1.0" encoding="utf-8"?>
+<p:sld xmlns:a="http://schemas.openxmlformats.org/drawingml/2006/main" xmlns:r="http://schemas.openxmlformats.org/officeDocument/2006/relationships" xmlns:p="http://schemas.openxmlformats.org/presentationml/2006/main">
+  <p:cSld>
+    <p:spTree>
+      <p:nvGrpSpPr>
+        <p:cNvPr id="1" name=""/>
+        <p:cNvGrpSpPr/>
+        <p:nvPr/>
+      </p:nvGrpSpPr>
+      <p:grpSpPr>
+        <a:xfrm>
+          <a:off x="0" y="0"/>
+          <a:ext cx="0" cy="0"/>
+          <a:chOff x="0" y="0"/>
+          <a:chExt cx="0" cy="0"/>
+        </a:xfrm>
+      </p:grpSpPr>
+      <p:sp>
+        <p:nvSpPr>
+          <p:cNvPr id="2" name="Title 1">
+            <a:extLst>
+              <a:ext uri="{FF2B5EF4-FFF2-40B4-BE49-F238E27FC236}">
+                <a16:creationId xmlns:a16="http://schemas.microsoft.com/office/drawing/2014/main" id="{D1EBA635-2F7F-4838-A23A-2C3E13E2F1D5}"/>
+              </a:ext>
+            </a:extLst>
+          </p:cNvPr>
+          <p:cNvSpPr>
+            <a:spLocks noGrp="1"/>
+          </p:cNvSpPr>
+          <p:nvPr>
+            <p:ph type="title"/>
+          </p:nvPr>
+        </p:nvSpPr>
+        <p:spPr>
+          <a:xfrm>
+            <a:off x="1141560" y="196965"/>
+            <a:ext cx="9601200" cy="987729"/>
+          </a:xfrm>
+        </p:spPr>
+        <p:txBody>
+          <a:bodyPr>
+            <a:normAutofit/>
+          </a:bodyPr>
+          <a:lstStyle/>
+          <a:p>
+            <a:r>
+              <a:rPr lang="en-US" dirty="0"/>
+              <a:t>Azure Demo</a:t>
+            </a:r>
+          </a:p>
+        </p:txBody>
+      </p:sp>
+      <p:sp>
+        <p:nvSpPr>
+          <p:cNvPr id="3" name="Content Placeholder 2">
+            <a:extLst>
+              <a:ext uri="{FF2B5EF4-FFF2-40B4-BE49-F238E27FC236}">
+                <a16:creationId xmlns:a16="http://schemas.microsoft.com/office/drawing/2014/main" id="{890E8DCC-CEBE-42F0-BEE6-20CE768757A8}"/>
+              </a:ext>
+            </a:extLst>
+          </p:cNvPr>
+          <p:cNvSpPr>
+            <a:spLocks noGrp="1"/>
+          </p:cNvSpPr>
+          <p:nvPr>
+            <p:ph idx="1"/>
+          </p:nvPr>
+        </p:nvSpPr>
+        <p:spPr>
+          <a:xfrm>
+            <a:off x="1187569" y="1023667"/>
+            <a:ext cx="10550105" cy="5348378"/>
+          </a:xfrm>
+        </p:spPr>
+        <p:txBody>
+          <a:bodyPr/>
+          <a:lstStyle/>
+          <a:p>
+            <a:r>
+              <a:rPr lang="en-US" dirty="0"/>
+              <a:t>Wizard Cloud approach</a:t>
+            </a:r>
+            <a:endParaRPr lang="en-US" i="0" dirty="0"/>
+          </a:p>
+        </p:txBody>
+      </p:sp>
+      <p:sp>
+        <p:nvSpPr>
+          <p:cNvPr id="4" name="Content Placeholder 2">
+            <a:extLst>
+              <a:ext uri="{FF2B5EF4-FFF2-40B4-BE49-F238E27FC236}">
+                <a16:creationId xmlns:a16="http://schemas.microsoft.com/office/drawing/2014/main" id="{CD97B703-0D68-4C3A-9692-C69CF75ED4AD}"/>
+              </a:ext>
+            </a:extLst>
+          </p:cNvPr>
+          <p:cNvSpPr txBox="1">
+            <a:spLocks/>
+          </p:cNvSpPr>
+          <p:nvPr/>
+        </p:nvSpPr>
+        <p:spPr>
+          <a:xfrm>
+            <a:off x="-215661" y="196965"/>
+            <a:ext cx="10550105" cy="5348378"/>
+          </a:xfrm>
+          <a:prstGeom prst="rect">
+            <a:avLst/>
+          </a:prstGeom>
+        </p:spPr>
+        <p:txBody>
+          <a:bodyPr vert="horz" lIns="91440" tIns="45720" rIns="91440" bIns="45720" rtlCol="0">
+            <a:normAutofit/>
+          </a:bodyPr>
+          <a:lstStyle>
+            <a:lvl1pPr marL="384048" indent="-384048" algn="l" defTabSz="914400" rtl="0" eaLnBrk="1" latinLnBrk="0" hangingPunct="1">
+              <a:lnSpc>
+                <a:spcPct val="94000"/>
+              </a:lnSpc>
+              <a:spcBef>
+                <a:spcPts val="1000"/>
+              </a:spcBef>
+              <a:spcAft>
+                <a:spcPts val="200"/>
+              </a:spcAft>
+              <a:buFont typeface="Franklin Gothic Book" panose="020B0503020102020204" pitchFamily="34" charset="0"/>
+              <a:buChar char="■"/>
+              <a:defRPr sz="2000" kern="1200" baseline="0">
+                <a:solidFill>
+                  <a:schemeClr val="tx2"/>
+                </a:solidFill>
+                <a:latin typeface="+mn-lt"/>
+                <a:ea typeface="+mn-ea"/>
+                <a:cs typeface="+mn-cs"/>
+              </a:defRPr>
+            </a:lvl1pPr>
+            <a:lvl2pPr marL="914400" indent="-384048" algn="l" defTabSz="914400" rtl="0" eaLnBrk="1" latinLnBrk="0" hangingPunct="1">
+              <a:lnSpc>
+                <a:spcPct val="94000"/>
+              </a:lnSpc>
+              <a:spcBef>
+                <a:spcPts val="500"/>
+              </a:spcBef>
+              <a:spcAft>
+                <a:spcPts val="200"/>
+              </a:spcAft>
+              <a:buFont typeface="Franklin Gothic Book" panose="020B0503020102020204" pitchFamily="34" charset="0"/>
+              <a:buChar char="–"/>
+              <a:defRPr sz="2000" i="1" kern="1200" baseline="0">
+                <a:solidFill>
+                  <a:schemeClr val="tx2"/>
+                </a:solidFill>
+                <a:latin typeface="+mn-lt"/>
+                <a:ea typeface="+mn-ea"/>
+                <a:cs typeface="+mn-cs"/>
+              </a:defRPr>
+            </a:lvl2pPr>
+            <a:lvl3pPr marL="1371600" indent="-384048" algn="l" defTabSz="914400" rtl="0" eaLnBrk="1" latinLnBrk="0" hangingPunct="1">
+              <a:lnSpc>
+                <a:spcPct val="94000"/>
+              </a:lnSpc>
+              <a:spcBef>
+                <a:spcPts val="500"/>
+              </a:spcBef>
+              <a:spcAft>
+                <a:spcPts val="200"/>
+              </a:spcAft>
+              <a:buFont typeface="Franklin Gothic Book" panose="020B0503020102020204" pitchFamily="34" charset="0"/>
+              <a:buChar char="■"/>
+              <a:defRPr sz="1800" kern="1200" baseline="0">
+                <a:solidFill>
+                  <a:schemeClr val="tx2"/>
+                </a:solidFill>
+                <a:latin typeface="+mn-lt"/>
+                <a:ea typeface="+mn-ea"/>
+                <a:cs typeface="+mn-cs"/>
+              </a:defRPr>
+            </a:lvl3pPr>
+            <a:lvl4pPr marL="1828800" indent="-384048" algn="l" defTabSz="914400" rtl="0" eaLnBrk="1" latinLnBrk="0" hangingPunct="1">
+              <a:lnSpc>
+                <a:spcPct val="94000"/>
+              </a:lnSpc>
+              <a:spcBef>
+                <a:spcPts val="500"/>
+              </a:spcBef>
+              <a:spcAft>
+                <a:spcPts val="200"/>
+              </a:spcAft>
+              <a:buFont typeface="Franklin Gothic Book" panose="020B0503020102020204" pitchFamily="34" charset="0"/>
+              <a:buChar char="–"/>
+              <a:defRPr sz="1800" i="1" kern="1200" baseline="0">
+                <a:solidFill>
+                  <a:schemeClr val="tx2"/>
+                </a:solidFill>
+                <a:latin typeface="+mn-lt"/>
+                <a:ea typeface="+mn-ea"/>
+                <a:cs typeface="+mn-cs"/>
+              </a:defRPr>
+            </a:lvl4pPr>
+            <a:lvl5pPr marL="2286000" indent="-384048" algn="l" defTabSz="914400" rtl="0" eaLnBrk="1" latinLnBrk="0" hangingPunct="1">
+              <a:lnSpc>
+                <a:spcPct val="94000"/>
+              </a:lnSpc>
+              <a:spcBef>
+                <a:spcPts val="500"/>
+              </a:spcBef>
+              <a:spcAft>
+                <a:spcPts val="200"/>
+              </a:spcAft>
+              <a:buFont typeface="Franklin Gothic Book" panose="020B0503020102020204" pitchFamily="34" charset="0"/>
+              <a:buChar char="■"/>
+              <a:defRPr sz="1600" kern="1200" baseline="0">
+                <a:solidFill>
+                  <a:schemeClr val="tx2"/>
+                </a:solidFill>
+                <a:latin typeface="+mn-lt"/>
+                <a:ea typeface="+mn-ea"/>
+                <a:cs typeface="+mn-cs"/>
+              </a:defRPr>
+            </a:lvl5pPr>
+            <a:lvl6pPr marL="2743200" indent="-384048" algn="l" defTabSz="914400" rtl="0" eaLnBrk="1" latinLnBrk="0" hangingPunct="1">
+              <a:lnSpc>
+                <a:spcPct val="94000"/>
+              </a:lnSpc>
+              <a:spcBef>
+                <a:spcPts val="500"/>
+              </a:spcBef>
+              <a:spcAft>
+                <a:spcPts val="200"/>
+              </a:spcAft>
+              <a:buFont typeface="Franklin Gothic Book" panose="020B0503020102020204" pitchFamily="34" charset="0"/>
+              <a:buChar char="–"/>
+              <a:defRPr sz="1600" i="1" kern="1200" baseline="0">
+                <a:solidFill>
+                  <a:schemeClr val="tx2"/>
+                </a:solidFill>
+                <a:latin typeface="+mn-lt"/>
+                <a:ea typeface="+mn-ea"/>
+                <a:cs typeface="+mn-cs"/>
+              </a:defRPr>
+            </a:lvl6pPr>
+            <a:lvl7pPr marL="3200400" indent="-384048" algn="l" defTabSz="914400" rtl="0" eaLnBrk="1" latinLnBrk="0" hangingPunct="1">
+              <a:lnSpc>
+                <a:spcPct val="94000"/>
+              </a:lnSpc>
+              <a:spcBef>
+                <a:spcPts val="500"/>
+              </a:spcBef>
+              <a:spcAft>
+                <a:spcPts val="200"/>
+              </a:spcAft>
+              <a:buFont typeface="Franklin Gothic Book" panose="020B0503020102020204" pitchFamily="34" charset="0"/>
+              <a:buChar char="■"/>
+              <a:defRPr sz="1400" kern="1200" baseline="0">
+                <a:solidFill>
+                  <a:schemeClr val="tx2"/>
+                </a:solidFill>
+                <a:latin typeface="+mn-lt"/>
+                <a:ea typeface="+mn-ea"/>
+                <a:cs typeface="+mn-cs"/>
+              </a:defRPr>
+            </a:lvl7pPr>
+            <a:lvl8pPr marL="3657600" indent="-384048" algn="l" defTabSz="914400" rtl="0" eaLnBrk="1" latinLnBrk="0" hangingPunct="1">
+              <a:lnSpc>
+                <a:spcPct val="94000"/>
+              </a:lnSpc>
+              <a:spcBef>
+                <a:spcPts val="500"/>
+              </a:spcBef>
+              <a:spcAft>
+                <a:spcPts val="200"/>
+              </a:spcAft>
+              <a:buFont typeface="Franklin Gothic Book" panose="020B0503020102020204" pitchFamily="34" charset="0"/>
+              <a:buChar char="–"/>
+              <a:defRPr sz="1400" i="1" kern="1200" baseline="0">
+                <a:solidFill>
+                  <a:schemeClr val="tx2"/>
+                </a:solidFill>
+                <a:latin typeface="+mn-lt"/>
+                <a:ea typeface="+mn-ea"/>
+                <a:cs typeface="+mn-cs"/>
+              </a:defRPr>
+            </a:lvl8pPr>
+            <a:lvl9pPr marL="4114800" indent="-384048" algn="l" defTabSz="914400" rtl="0" eaLnBrk="1" latinLnBrk="0" hangingPunct="1">
+              <a:lnSpc>
+                <a:spcPct val="94000"/>
+              </a:lnSpc>
+              <a:spcBef>
+                <a:spcPts val="500"/>
+              </a:spcBef>
+              <a:spcAft>
+                <a:spcPts val="200"/>
+              </a:spcAft>
+              <a:buFont typeface="Franklin Gothic Book" panose="020B0503020102020204" pitchFamily="34" charset="0"/>
+              <a:buChar char="■"/>
+              <a:defRPr sz="1400" kern="1200" baseline="0">
+                <a:solidFill>
+                  <a:schemeClr val="tx2"/>
+                </a:solidFill>
+                <a:latin typeface="+mn-lt"/>
+                <a:ea typeface="+mn-ea"/>
+                <a:cs typeface="+mn-cs"/>
+              </a:defRPr>
+            </a:lvl9pPr>
+          </a:lstStyle>
+          <a:p>
+            <a:endParaRPr lang="en-US" dirty="0"/>
+          </a:p>
+        </p:txBody>
+      </p:sp>
+    </p:spTree>
+    <p:extLst>
+      <p:ext uri="{BB962C8B-B14F-4D97-AF65-F5344CB8AC3E}">
+        <p14:creationId xmlns:p14="http://schemas.microsoft.com/office/powerpoint/2010/main" val="2046080983"/>
+      </p:ext>
+    </p:extLst>
+  </p:cSld>
+  <p:clrMapOvr>
+    <a:masterClrMapping/>
+  </p:clrMapOvr>
+</p:sld>
+</file>
+
+<file path=ppt/slides/slide14.xml><?xml version="1.0" encoding="utf-8"?>
+<p:sld xmlns:a="http://schemas.openxmlformats.org/drawingml/2006/main" xmlns:r="http://schemas.openxmlformats.org/officeDocument/2006/relationships" xmlns:p="http://schemas.openxmlformats.org/presentationml/2006/main">
+  <p:cSld>
+    <p:spTree>
+      <p:nvGrpSpPr>
+        <p:cNvPr id="1" name=""/>
+        <p:cNvGrpSpPr/>
+        <p:nvPr/>
+      </p:nvGrpSpPr>
+      <p:grpSpPr>
+        <a:xfrm>
+          <a:off x="0" y="0"/>
+          <a:ext cx="0" cy="0"/>
+          <a:chOff x="0" y="0"/>
+          <a:chExt cx="0" cy="0"/>
+        </a:xfrm>
+      </p:grpSpPr>
+      <p:sp>
+        <p:nvSpPr>
+          <p:cNvPr id="2" name="Title 1">
+            <a:extLst>
+              <a:ext uri="{FF2B5EF4-FFF2-40B4-BE49-F238E27FC236}">
+                <a16:creationId xmlns:a16="http://schemas.microsoft.com/office/drawing/2014/main" id="{D1EBA635-2F7F-4838-A23A-2C3E13E2F1D5}"/>
+              </a:ext>
+            </a:extLst>
+          </p:cNvPr>
+          <p:cNvSpPr>
+            <a:spLocks noGrp="1"/>
+          </p:cNvSpPr>
+          <p:nvPr>
+            <p:ph type="title"/>
+          </p:nvPr>
+        </p:nvSpPr>
+        <p:spPr>
+          <a:xfrm>
+            <a:off x="1141560" y="196965"/>
+            <a:ext cx="9601200" cy="987729"/>
+          </a:xfrm>
+        </p:spPr>
+        <p:txBody>
+          <a:bodyPr>
+            <a:normAutofit/>
+          </a:bodyPr>
+          <a:lstStyle/>
+          <a:p>
+            <a:r>
+              <a:rPr lang="en-US" dirty="0"/>
+              <a:t>Current State of AI &amp; the Singularity</a:t>
+            </a:r>
+          </a:p>
+        </p:txBody>
+      </p:sp>
+      <p:sp>
+        <p:nvSpPr>
+          <p:cNvPr id="3" name="Content Placeholder 2">
+            <a:extLst>
+              <a:ext uri="{FF2B5EF4-FFF2-40B4-BE49-F238E27FC236}">
+                <a16:creationId xmlns:a16="http://schemas.microsoft.com/office/drawing/2014/main" id="{890E8DCC-CEBE-42F0-BEE6-20CE768757A8}"/>
+              </a:ext>
+            </a:extLst>
+          </p:cNvPr>
+          <p:cNvSpPr>
+            <a:spLocks noGrp="1"/>
+          </p:cNvSpPr>
+          <p:nvPr>
+            <p:ph idx="1"/>
+          </p:nvPr>
+        </p:nvSpPr>
+        <p:spPr>
+          <a:xfrm>
+            <a:off x="1187569" y="1023667"/>
+            <a:ext cx="10550105" cy="5348378"/>
+          </a:xfrm>
+        </p:spPr>
+        <p:txBody>
+          <a:bodyPr/>
+          <a:lstStyle/>
+          <a:p>
+            <a:r>
+              <a:rPr lang="en-US" dirty="0"/>
+              <a:t>Where we are, where we want to get to</a:t>
+            </a:r>
+          </a:p>
+          <a:p>
+            <a:r>
+              <a:rPr lang="en-US" i="0" dirty="0"/>
+              <a:t>The danger of </a:t>
+            </a:r>
+            <a:r>
+              <a:rPr lang="en-US" i="0" dirty="0" err="1"/>
+              <a:t>SkyNet</a:t>
+            </a:r>
+            <a:r>
+              <a:rPr lang="en-US" i="0" dirty="0"/>
+              <a:t> </a:t>
+            </a:r>
+          </a:p>
+          <a:p>
+            <a:r>
+              <a:rPr lang="en-US" dirty="0"/>
+              <a:t>The Singularity (Kurtzweil &amp; Von Neumann)</a:t>
+            </a:r>
+          </a:p>
+          <a:p>
+            <a:endParaRPr lang="en-US" i="0" dirty="0"/>
+          </a:p>
+          <a:p>
+            <a:endParaRPr lang="en-US" i="0" dirty="0"/>
+          </a:p>
+        </p:txBody>
+      </p:sp>
+      <p:sp>
+        <p:nvSpPr>
+          <p:cNvPr id="4" name="Content Placeholder 2">
+            <a:extLst>
+              <a:ext uri="{FF2B5EF4-FFF2-40B4-BE49-F238E27FC236}">
+                <a16:creationId xmlns:a16="http://schemas.microsoft.com/office/drawing/2014/main" id="{CD97B703-0D68-4C3A-9692-C69CF75ED4AD}"/>
+              </a:ext>
+            </a:extLst>
+          </p:cNvPr>
+          <p:cNvSpPr txBox="1">
+            <a:spLocks/>
+          </p:cNvSpPr>
+          <p:nvPr/>
+        </p:nvSpPr>
+        <p:spPr>
+          <a:xfrm>
+            <a:off x="-215661" y="196965"/>
+            <a:ext cx="10550105" cy="5348378"/>
+          </a:xfrm>
+          <a:prstGeom prst="rect">
+            <a:avLst/>
+          </a:prstGeom>
+        </p:spPr>
+        <p:txBody>
+          <a:bodyPr vert="horz" lIns="91440" tIns="45720" rIns="91440" bIns="45720" rtlCol="0">
+            <a:normAutofit/>
+          </a:bodyPr>
+          <a:lstStyle>
+            <a:lvl1pPr marL="384048" indent="-384048" algn="l" defTabSz="914400" rtl="0" eaLnBrk="1" latinLnBrk="0" hangingPunct="1">
+              <a:lnSpc>
+                <a:spcPct val="94000"/>
+              </a:lnSpc>
+              <a:spcBef>
+                <a:spcPts val="1000"/>
+              </a:spcBef>
+              <a:spcAft>
+                <a:spcPts val="200"/>
+              </a:spcAft>
+              <a:buFont typeface="Franklin Gothic Book" panose="020B0503020102020204" pitchFamily="34" charset="0"/>
+              <a:buChar char="■"/>
+              <a:defRPr sz="2000" kern="1200" baseline="0">
+                <a:solidFill>
+                  <a:schemeClr val="tx2"/>
+                </a:solidFill>
+                <a:latin typeface="+mn-lt"/>
+                <a:ea typeface="+mn-ea"/>
+                <a:cs typeface="+mn-cs"/>
+              </a:defRPr>
+            </a:lvl1pPr>
+            <a:lvl2pPr marL="914400" indent="-384048" algn="l" defTabSz="914400" rtl="0" eaLnBrk="1" latinLnBrk="0" hangingPunct="1">
+              <a:lnSpc>
+                <a:spcPct val="94000"/>
+              </a:lnSpc>
+              <a:spcBef>
+                <a:spcPts val="500"/>
+              </a:spcBef>
+              <a:spcAft>
+                <a:spcPts val="200"/>
+              </a:spcAft>
+              <a:buFont typeface="Franklin Gothic Book" panose="020B0503020102020204" pitchFamily="34" charset="0"/>
+              <a:buChar char="–"/>
+              <a:defRPr sz="2000" i="1" kern="1200" baseline="0">
+                <a:solidFill>
+                  <a:schemeClr val="tx2"/>
+                </a:solidFill>
+                <a:latin typeface="+mn-lt"/>
+                <a:ea typeface="+mn-ea"/>
+                <a:cs typeface="+mn-cs"/>
+              </a:defRPr>
+            </a:lvl2pPr>
+            <a:lvl3pPr marL="1371600" indent="-384048" algn="l" defTabSz="914400" rtl="0" eaLnBrk="1" latinLnBrk="0" hangingPunct="1">
+              <a:lnSpc>
+                <a:spcPct val="94000"/>
+              </a:lnSpc>
+              <a:spcBef>
+                <a:spcPts val="500"/>
+              </a:spcBef>
+              <a:spcAft>
+                <a:spcPts val="200"/>
+              </a:spcAft>
+              <a:buFont typeface="Franklin Gothic Book" panose="020B0503020102020204" pitchFamily="34" charset="0"/>
+              <a:buChar char="■"/>
+              <a:defRPr sz="1800" kern="1200" baseline="0">
+                <a:solidFill>
+                  <a:schemeClr val="tx2"/>
+                </a:solidFill>
+                <a:latin typeface="+mn-lt"/>
+                <a:ea typeface="+mn-ea"/>
+                <a:cs typeface="+mn-cs"/>
+              </a:defRPr>
+            </a:lvl3pPr>
+            <a:lvl4pPr marL="1828800" indent="-384048" algn="l" defTabSz="914400" rtl="0" eaLnBrk="1" latinLnBrk="0" hangingPunct="1">
+              <a:lnSpc>
+                <a:spcPct val="94000"/>
+              </a:lnSpc>
+              <a:spcBef>
+                <a:spcPts val="500"/>
+              </a:spcBef>
+              <a:spcAft>
+                <a:spcPts val="200"/>
+              </a:spcAft>
+              <a:buFont typeface="Franklin Gothic Book" panose="020B0503020102020204" pitchFamily="34" charset="0"/>
+              <a:buChar char="–"/>
+              <a:defRPr sz="1800" i="1" kern="1200" baseline="0">
+                <a:solidFill>
+                  <a:schemeClr val="tx2"/>
+                </a:solidFill>
+                <a:latin typeface="+mn-lt"/>
+                <a:ea typeface="+mn-ea"/>
+                <a:cs typeface="+mn-cs"/>
+              </a:defRPr>
+            </a:lvl4pPr>
+            <a:lvl5pPr marL="2286000" indent="-384048" algn="l" defTabSz="914400" rtl="0" eaLnBrk="1" latinLnBrk="0" hangingPunct="1">
+              <a:lnSpc>
+                <a:spcPct val="94000"/>
+              </a:lnSpc>
+              <a:spcBef>
+                <a:spcPts val="500"/>
+              </a:spcBef>
+              <a:spcAft>
+                <a:spcPts val="200"/>
+              </a:spcAft>
+              <a:buFont typeface="Franklin Gothic Book" panose="020B0503020102020204" pitchFamily="34" charset="0"/>
+              <a:buChar char="■"/>
+              <a:defRPr sz="1600" kern="1200" baseline="0">
+                <a:solidFill>
+                  <a:schemeClr val="tx2"/>
+                </a:solidFill>
+                <a:latin typeface="+mn-lt"/>
+                <a:ea typeface="+mn-ea"/>
+                <a:cs typeface="+mn-cs"/>
+              </a:defRPr>
+            </a:lvl5pPr>
+            <a:lvl6pPr marL="2743200" indent="-384048" algn="l" defTabSz="914400" rtl="0" eaLnBrk="1" latinLnBrk="0" hangingPunct="1">
+              <a:lnSpc>
+                <a:spcPct val="94000"/>
+              </a:lnSpc>
+              <a:spcBef>
+                <a:spcPts val="500"/>
+              </a:spcBef>
+              <a:spcAft>
+                <a:spcPts val="200"/>
+              </a:spcAft>
+              <a:buFont typeface="Franklin Gothic Book" panose="020B0503020102020204" pitchFamily="34" charset="0"/>
+              <a:buChar char="–"/>
+              <a:defRPr sz="1600" i="1" kern="1200" baseline="0">
+                <a:solidFill>
+                  <a:schemeClr val="tx2"/>
+                </a:solidFill>
+                <a:latin typeface="+mn-lt"/>
+                <a:ea typeface="+mn-ea"/>
+                <a:cs typeface="+mn-cs"/>
+              </a:defRPr>
+            </a:lvl6pPr>
+            <a:lvl7pPr marL="3200400" indent="-384048" algn="l" defTabSz="914400" rtl="0" eaLnBrk="1" latinLnBrk="0" hangingPunct="1">
+              <a:lnSpc>
+                <a:spcPct val="94000"/>
+              </a:lnSpc>
+              <a:spcBef>
+                <a:spcPts val="500"/>
+              </a:spcBef>
+              <a:spcAft>
+                <a:spcPts val="200"/>
+              </a:spcAft>
+              <a:buFont typeface="Franklin Gothic Book" panose="020B0503020102020204" pitchFamily="34" charset="0"/>
+              <a:buChar char="■"/>
+              <a:defRPr sz="1400" kern="1200" baseline="0">
+                <a:solidFill>
+                  <a:schemeClr val="tx2"/>
+                </a:solidFill>
+                <a:latin typeface="+mn-lt"/>
+                <a:ea typeface="+mn-ea"/>
+                <a:cs typeface="+mn-cs"/>
+              </a:defRPr>
+            </a:lvl7pPr>
+            <a:lvl8pPr marL="3657600" indent="-384048" algn="l" defTabSz="914400" rtl="0" eaLnBrk="1" latinLnBrk="0" hangingPunct="1">
+              <a:lnSpc>
+                <a:spcPct val="94000"/>
+              </a:lnSpc>
+              <a:spcBef>
+                <a:spcPts val="500"/>
+              </a:spcBef>
+              <a:spcAft>
+                <a:spcPts val="200"/>
+              </a:spcAft>
+              <a:buFont typeface="Franklin Gothic Book" panose="020B0503020102020204" pitchFamily="34" charset="0"/>
+              <a:buChar char="–"/>
+              <a:defRPr sz="1400" i="1" kern="1200" baseline="0">
+                <a:solidFill>
+                  <a:schemeClr val="tx2"/>
+                </a:solidFill>
+                <a:latin typeface="+mn-lt"/>
+                <a:ea typeface="+mn-ea"/>
+                <a:cs typeface="+mn-cs"/>
+              </a:defRPr>
+            </a:lvl8pPr>
+            <a:lvl9pPr marL="4114800" indent="-384048" algn="l" defTabSz="914400" rtl="0" eaLnBrk="1" latinLnBrk="0" hangingPunct="1">
+              <a:lnSpc>
+                <a:spcPct val="94000"/>
+              </a:lnSpc>
+              <a:spcBef>
+                <a:spcPts val="500"/>
+              </a:spcBef>
+              <a:spcAft>
+                <a:spcPts val="200"/>
+              </a:spcAft>
+              <a:buFont typeface="Franklin Gothic Book" panose="020B0503020102020204" pitchFamily="34" charset="0"/>
+              <a:buChar char="■"/>
+              <a:defRPr sz="1400" kern="1200" baseline="0">
+                <a:solidFill>
+                  <a:schemeClr val="tx2"/>
+                </a:solidFill>
+                <a:latin typeface="+mn-lt"/>
+                <a:ea typeface="+mn-ea"/>
+                <a:cs typeface="+mn-cs"/>
+              </a:defRPr>
+            </a:lvl9pPr>
+          </a:lstStyle>
+          <a:p>
+            <a:endParaRPr lang="en-US" dirty="0"/>
+          </a:p>
+        </p:txBody>
+      </p:sp>
+    </p:spTree>
+    <p:extLst>
+      <p:ext uri="{BB962C8B-B14F-4D97-AF65-F5344CB8AC3E}">
+        <p14:creationId xmlns:p14="http://schemas.microsoft.com/office/powerpoint/2010/main" val="3314840495"/>
+      </p:ext>
+    </p:extLst>
+  </p:cSld>
+  <p:clrMapOvr>
+    <a:masterClrMapping/>
+  </p:clrMapOvr>
+</p:sld>
+</file>
+
+<file path=ppt/slides/slide15.xml><?xml version="1.0" encoding="utf-8"?>
+<p:sld xmlns:a="http://schemas.openxmlformats.org/drawingml/2006/main" xmlns:r="http://schemas.openxmlformats.org/officeDocument/2006/relationships" xmlns:p="http://schemas.openxmlformats.org/presentationml/2006/main">
+  <p:cSld>
+    <p:spTree>
+      <p:nvGrpSpPr>
+        <p:cNvPr id="1" name=""/>
+        <p:cNvGrpSpPr/>
+        <p:nvPr/>
+      </p:nvGrpSpPr>
+      <p:grpSpPr>
+        <a:xfrm>
+          <a:off x="0" y="0"/>
+          <a:ext cx="0" cy="0"/>
+          <a:chOff x="0" y="0"/>
+          <a:chExt cx="0" cy="0"/>
+        </a:xfrm>
+      </p:grpSpPr>
+      <p:sp>
+        <p:nvSpPr>
+          <p:cNvPr id="2" name="Title 1">
+            <a:extLst>
+              <a:ext uri="{FF2B5EF4-FFF2-40B4-BE49-F238E27FC236}">
+                <a16:creationId xmlns:a16="http://schemas.microsoft.com/office/drawing/2014/main" id="{D1EBA635-2F7F-4838-A23A-2C3E13E2F1D5}"/>
+              </a:ext>
+            </a:extLst>
+          </p:cNvPr>
+          <p:cNvSpPr>
+            <a:spLocks noGrp="1"/>
+          </p:cNvSpPr>
+          <p:nvPr>
+            <p:ph type="title"/>
+          </p:nvPr>
+        </p:nvSpPr>
+        <p:spPr>
+          <a:xfrm>
+            <a:off x="1141560" y="196965"/>
+            <a:ext cx="9601200" cy="987729"/>
+          </a:xfrm>
+        </p:spPr>
+        <p:txBody>
+          <a:bodyPr>
+            <a:normAutofit/>
+          </a:bodyPr>
+          <a:lstStyle/>
+          <a:p>
+            <a:r>
+              <a:rPr lang="en-US" dirty="0"/>
+              <a:t>Why I care about AI / ML</a:t>
+            </a:r>
+          </a:p>
+        </p:txBody>
+      </p:sp>
+      <p:sp>
+        <p:nvSpPr>
+          <p:cNvPr id="3" name="Content Placeholder 2">
+            <a:extLst>
+              <a:ext uri="{FF2B5EF4-FFF2-40B4-BE49-F238E27FC236}">
+                <a16:creationId xmlns:a16="http://schemas.microsoft.com/office/drawing/2014/main" id="{890E8DCC-CEBE-42F0-BEE6-20CE768757A8}"/>
+              </a:ext>
+            </a:extLst>
+          </p:cNvPr>
+          <p:cNvSpPr>
+            <a:spLocks noGrp="1"/>
+          </p:cNvSpPr>
+          <p:nvPr>
+            <p:ph idx="1"/>
+          </p:nvPr>
+        </p:nvSpPr>
+        <p:spPr>
+          <a:xfrm>
+            <a:off x="1187569" y="1023667"/>
+            <a:ext cx="10550105" cy="5348378"/>
+          </a:xfrm>
+        </p:spPr>
+        <p:txBody>
+          <a:bodyPr/>
+          <a:lstStyle/>
+          <a:p>
+            <a:r>
+              <a:rPr lang="en-US"/>
+              <a:t>?</a:t>
+            </a:r>
+          </a:p>
+          <a:p>
+            <a:endParaRPr lang="en-US" i="0" dirty="0"/>
+          </a:p>
+        </p:txBody>
+      </p:sp>
+      <p:sp>
+        <p:nvSpPr>
+          <p:cNvPr id="4" name="Content Placeholder 2">
+            <a:extLst>
+              <a:ext uri="{FF2B5EF4-FFF2-40B4-BE49-F238E27FC236}">
+                <a16:creationId xmlns:a16="http://schemas.microsoft.com/office/drawing/2014/main" id="{CD97B703-0D68-4C3A-9692-C69CF75ED4AD}"/>
+              </a:ext>
+            </a:extLst>
+          </p:cNvPr>
+          <p:cNvSpPr txBox="1">
+            <a:spLocks/>
+          </p:cNvSpPr>
+          <p:nvPr/>
+        </p:nvSpPr>
+        <p:spPr>
+          <a:xfrm>
+            <a:off x="-215661" y="196965"/>
+            <a:ext cx="10550105" cy="5348378"/>
+          </a:xfrm>
+          <a:prstGeom prst="rect">
+            <a:avLst/>
+          </a:prstGeom>
+        </p:spPr>
+        <p:txBody>
+          <a:bodyPr vert="horz" lIns="91440" tIns="45720" rIns="91440" bIns="45720" rtlCol="0">
+            <a:normAutofit/>
+          </a:bodyPr>
+          <a:lstStyle>
+            <a:lvl1pPr marL="384048" indent="-384048" algn="l" defTabSz="914400" rtl="0" eaLnBrk="1" latinLnBrk="0" hangingPunct="1">
+              <a:lnSpc>
+                <a:spcPct val="94000"/>
+              </a:lnSpc>
+              <a:spcBef>
+                <a:spcPts val="1000"/>
+              </a:spcBef>
+              <a:spcAft>
+                <a:spcPts val="200"/>
+              </a:spcAft>
+              <a:buFont typeface="Franklin Gothic Book" panose="020B0503020102020204" pitchFamily="34" charset="0"/>
+              <a:buChar char="■"/>
+              <a:defRPr sz="2000" kern="1200" baseline="0">
+                <a:solidFill>
+                  <a:schemeClr val="tx2"/>
+                </a:solidFill>
+                <a:latin typeface="+mn-lt"/>
+                <a:ea typeface="+mn-ea"/>
+                <a:cs typeface="+mn-cs"/>
+              </a:defRPr>
+            </a:lvl1pPr>
+            <a:lvl2pPr marL="914400" indent="-384048" algn="l" defTabSz="914400" rtl="0" eaLnBrk="1" latinLnBrk="0" hangingPunct="1">
+              <a:lnSpc>
+                <a:spcPct val="94000"/>
+              </a:lnSpc>
+              <a:spcBef>
+                <a:spcPts val="500"/>
+              </a:spcBef>
+              <a:spcAft>
+                <a:spcPts val="200"/>
+              </a:spcAft>
+              <a:buFont typeface="Franklin Gothic Book" panose="020B0503020102020204" pitchFamily="34" charset="0"/>
+              <a:buChar char="–"/>
+              <a:defRPr sz="2000" i="1" kern="1200" baseline="0">
+                <a:solidFill>
+                  <a:schemeClr val="tx2"/>
+                </a:solidFill>
+                <a:latin typeface="+mn-lt"/>
+                <a:ea typeface="+mn-ea"/>
+                <a:cs typeface="+mn-cs"/>
+              </a:defRPr>
+            </a:lvl2pPr>
+            <a:lvl3pPr marL="1371600" indent="-384048" algn="l" defTabSz="914400" rtl="0" eaLnBrk="1" latinLnBrk="0" hangingPunct="1">
+              <a:lnSpc>
+                <a:spcPct val="94000"/>
+              </a:lnSpc>
+              <a:spcBef>
+                <a:spcPts val="500"/>
+              </a:spcBef>
+              <a:spcAft>
+                <a:spcPts val="200"/>
+              </a:spcAft>
+              <a:buFont typeface="Franklin Gothic Book" panose="020B0503020102020204" pitchFamily="34" charset="0"/>
+              <a:buChar char="■"/>
+              <a:defRPr sz="1800" kern="1200" baseline="0">
+                <a:solidFill>
+                  <a:schemeClr val="tx2"/>
+                </a:solidFill>
+                <a:latin typeface="+mn-lt"/>
+                <a:ea typeface="+mn-ea"/>
+                <a:cs typeface="+mn-cs"/>
+              </a:defRPr>
+            </a:lvl3pPr>
+            <a:lvl4pPr marL="1828800" indent="-384048" algn="l" defTabSz="914400" rtl="0" eaLnBrk="1" latinLnBrk="0" hangingPunct="1">
+              <a:lnSpc>
+                <a:spcPct val="94000"/>
+              </a:lnSpc>
+              <a:spcBef>
+                <a:spcPts val="500"/>
+              </a:spcBef>
+              <a:spcAft>
+                <a:spcPts val="200"/>
+              </a:spcAft>
+              <a:buFont typeface="Franklin Gothic Book" panose="020B0503020102020204" pitchFamily="34" charset="0"/>
+              <a:buChar char="–"/>
+              <a:defRPr sz="1800" i="1" kern="1200" baseline="0">
+                <a:solidFill>
+                  <a:schemeClr val="tx2"/>
+                </a:solidFill>
+                <a:latin typeface="+mn-lt"/>
+                <a:ea typeface="+mn-ea"/>
+                <a:cs typeface="+mn-cs"/>
+              </a:defRPr>
+            </a:lvl4pPr>
+            <a:lvl5pPr marL="2286000" indent="-384048" algn="l" defTabSz="914400" rtl="0" eaLnBrk="1" latinLnBrk="0" hangingPunct="1">
+              <a:lnSpc>
+                <a:spcPct val="94000"/>
+              </a:lnSpc>
+              <a:spcBef>
+                <a:spcPts val="500"/>
+              </a:spcBef>
+              <a:spcAft>
+                <a:spcPts val="200"/>
+              </a:spcAft>
+              <a:buFont typeface="Franklin Gothic Book" panose="020B0503020102020204" pitchFamily="34" charset="0"/>
+              <a:buChar char="■"/>
+              <a:defRPr sz="1600" kern="1200" baseline="0">
+                <a:solidFill>
+                  <a:schemeClr val="tx2"/>
+                </a:solidFill>
+                <a:latin typeface="+mn-lt"/>
+                <a:ea typeface="+mn-ea"/>
+                <a:cs typeface="+mn-cs"/>
+              </a:defRPr>
+            </a:lvl5pPr>
+            <a:lvl6pPr marL="2743200" indent="-384048" algn="l" defTabSz="914400" rtl="0" eaLnBrk="1" latinLnBrk="0" hangingPunct="1">
+              <a:lnSpc>
+                <a:spcPct val="94000"/>
+              </a:lnSpc>
+              <a:spcBef>
+                <a:spcPts val="500"/>
+              </a:spcBef>
+              <a:spcAft>
+                <a:spcPts val="200"/>
+              </a:spcAft>
+              <a:buFont typeface="Franklin Gothic Book" panose="020B0503020102020204" pitchFamily="34" charset="0"/>
+              <a:buChar char="–"/>
+              <a:defRPr sz="1600" i="1" kern="1200" baseline="0">
+                <a:solidFill>
+                  <a:schemeClr val="tx2"/>
+                </a:solidFill>
+                <a:latin typeface="+mn-lt"/>
+                <a:ea typeface="+mn-ea"/>
+                <a:cs typeface="+mn-cs"/>
+              </a:defRPr>
+            </a:lvl6pPr>
+            <a:lvl7pPr marL="3200400" indent="-384048" algn="l" defTabSz="914400" rtl="0" eaLnBrk="1" latinLnBrk="0" hangingPunct="1">
+              <a:lnSpc>
+                <a:spcPct val="94000"/>
+              </a:lnSpc>
+              <a:spcBef>
+                <a:spcPts val="500"/>
+              </a:spcBef>
+              <a:spcAft>
+                <a:spcPts val="200"/>
+              </a:spcAft>
+              <a:buFont typeface="Franklin Gothic Book" panose="020B0503020102020204" pitchFamily="34" charset="0"/>
+              <a:buChar char="■"/>
+              <a:defRPr sz="1400" kern="1200" baseline="0">
+                <a:solidFill>
+                  <a:schemeClr val="tx2"/>
+                </a:solidFill>
+                <a:latin typeface="+mn-lt"/>
+                <a:ea typeface="+mn-ea"/>
+                <a:cs typeface="+mn-cs"/>
+              </a:defRPr>
+            </a:lvl7pPr>
+            <a:lvl8pPr marL="3657600" indent="-384048" algn="l" defTabSz="914400" rtl="0" eaLnBrk="1" latinLnBrk="0" hangingPunct="1">
+              <a:lnSpc>
+                <a:spcPct val="94000"/>
+              </a:lnSpc>
+              <a:spcBef>
+                <a:spcPts val="500"/>
+              </a:spcBef>
+              <a:spcAft>
+                <a:spcPts val="200"/>
+              </a:spcAft>
+              <a:buFont typeface="Franklin Gothic Book" panose="020B0503020102020204" pitchFamily="34" charset="0"/>
+              <a:buChar char="–"/>
+              <a:defRPr sz="1400" i="1" kern="1200" baseline="0">
+                <a:solidFill>
+                  <a:schemeClr val="tx2"/>
+                </a:solidFill>
+                <a:latin typeface="+mn-lt"/>
+                <a:ea typeface="+mn-ea"/>
+                <a:cs typeface="+mn-cs"/>
+              </a:defRPr>
+            </a:lvl8pPr>
+            <a:lvl9pPr marL="4114800" indent="-384048" algn="l" defTabSz="914400" rtl="0" eaLnBrk="1" latinLnBrk="0" hangingPunct="1">
+              <a:lnSpc>
+                <a:spcPct val="94000"/>
+              </a:lnSpc>
+              <a:spcBef>
+                <a:spcPts val="500"/>
+              </a:spcBef>
+              <a:spcAft>
+                <a:spcPts val="200"/>
+              </a:spcAft>
+              <a:buFont typeface="Franklin Gothic Book" panose="020B0503020102020204" pitchFamily="34" charset="0"/>
+              <a:buChar char="■"/>
+              <a:defRPr sz="1400" kern="1200" baseline="0">
+                <a:solidFill>
+                  <a:schemeClr val="tx2"/>
+                </a:solidFill>
+                <a:latin typeface="+mn-lt"/>
+                <a:ea typeface="+mn-ea"/>
+                <a:cs typeface="+mn-cs"/>
+              </a:defRPr>
+            </a:lvl9pPr>
+          </a:lstStyle>
+          <a:p>
+            <a:endParaRPr lang="en-US" dirty="0"/>
+          </a:p>
+        </p:txBody>
+      </p:sp>
+    </p:spTree>
+    <p:extLst>
+      <p:ext uri="{BB962C8B-B14F-4D97-AF65-F5344CB8AC3E}">
+        <p14:creationId xmlns:p14="http://schemas.microsoft.com/office/powerpoint/2010/main" val="2638334633"/>
+      </p:ext>
+    </p:extLst>
+  </p:cSld>
+  <p:clrMapOvr>
+    <a:masterClrMapping/>
+  </p:clrMapOvr>
+</p:sld>
+</file>
+
+<file path=ppt/slides/slide16.xml><?xml version="1.0" encoding="utf-8"?>
+<p:sld xmlns:a="http://schemas.openxmlformats.org/drawingml/2006/main" xmlns:r="http://schemas.openxmlformats.org/officeDocument/2006/relationships" xmlns:p="http://schemas.openxmlformats.org/presentationml/2006/main">
+  <p:cSld>
+    <p:spTree>
+      <p:nvGrpSpPr>
+        <p:cNvPr id="1" name=""/>
+        <p:cNvGrpSpPr/>
+        <p:nvPr/>
+      </p:nvGrpSpPr>
+      <p:grpSpPr>
+        <a:xfrm>
+          <a:off x="0" y="0"/>
+          <a:ext cx="0" cy="0"/>
+          <a:chOff x="0" y="0"/>
+          <a:chExt cx="0" cy="0"/>
+        </a:xfrm>
+      </p:grpSpPr>
+      <p:sp>
+        <p:nvSpPr>
+          <p:cNvPr id="2" name="Title 1">
+            <a:extLst>
+              <a:ext uri="{FF2B5EF4-FFF2-40B4-BE49-F238E27FC236}">
+                <a16:creationId xmlns:a16="http://schemas.microsoft.com/office/drawing/2014/main" id="{D1EBA635-2F7F-4838-A23A-2C3E13E2F1D5}"/>
+              </a:ext>
+            </a:extLst>
+          </p:cNvPr>
+          <p:cNvSpPr>
+            <a:spLocks noGrp="1"/>
+          </p:cNvSpPr>
+          <p:nvPr>
+            <p:ph type="title"/>
+          </p:nvPr>
+        </p:nvSpPr>
+        <p:spPr>
+          <a:xfrm>
+            <a:off x="1141560" y="196965"/>
+            <a:ext cx="9601200" cy="987729"/>
+          </a:xfrm>
+        </p:spPr>
+        <p:txBody>
+          <a:bodyPr/>
+          <a:lstStyle/>
+          <a:p>
+            <a:r>
+              <a:rPr lang="en-US" dirty="0"/>
+              <a:t>References</a:t>
+            </a:r>
+          </a:p>
+        </p:txBody>
+      </p:sp>
+      <p:sp>
+        <p:nvSpPr>
+          <p:cNvPr id="3" name="Content Placeholder 2">
+            <a:extLst>
+              <a:ext uri="{FF2B5EF4-FFF2-40B4-BE49-F238E27FC236}">
+                <a16:creationId xmlns:a16="http://schemas.microsoft.com/office/drawing/2014/main" id="{890E8DCC-CEBE-42F0-BEE6-20CE768757A8}"/>
+              </a:ext>
+            </a:extLst>
+          </p:cNvPr>
+          <p:cNvSpPr>
+            <a:spLocks noGrp="1"/>
+          </p:cNvSpPr>
+          <p:nvPr>
+            <p:ph idx="1"/>
+          </p:nvPr>
+        </p:nvSpPr>
+        <p:spPr>
+          <a:xfrm>
+            <a:off x="1187569" y="1023667"/>
+            <a:ext cx="10550105" cy="5348378"/>
+          </a:xfrm>
+        </p:spPr>
+        <p:txBody>
+          <a:bodyPr>
+            <a:normAutofit fontScale="85000" lnSpcReduction="20000"/>
+          </a:bodyPr>
+          <a:lstStyle/>
+          <a:p>
+            <a:pPr marL="0" indent="0">
+              <a:buNone/>
+            </a:pPr>
+            <a:r>
+              <a:rPr lang="en-US" dirty="0"/>
+              <a:t>History of ML</a:t>
+            </a:r>
+          </a:p>
+          <a:p>
+            <a:r>
+              <a:rPr lang="en-US" dirty="0">
+                <a:hlinkClick r:id="rId2"/>
+              </a:rPr>
+              <a:t>http://www.psych.utoronto.ca/users/reingold/courses/ai/cache/neural4.html</a:t>
+            </a:r>
+            <a:endParaRPr lang="en-US" dirty="0"/>
+          </a:p>
+          <a:p>
+            <a:r>
+              <a:rPr lang="en-US" dirty="0">
+                <a:hlinkClick r:id="rId3"/>
+              </a:rPr>
+              <a:t>https://cs.stanford.edu/people/eroberts/courses/soco/projects/neural-networks/History/history1.html</a:t>
+            </a:r>
+            <a:endParaRPr lang="en-US" dirty="0"/>
+          </a:p>
+          <a:p>
+            <a:r>
+              <a:rPr lang="en-US" dirty="0">
+                <a:hlinkClick r:id="rId4"/>
+              </a:rPr>
+              <a:t>https://www.import.io/post/history-of-deep-learning/</a:t>
+            </a:r>
+            <a:endParaRPr lang="en-US" dirty="0"/>
+          </a:p>
+          <a:p>
+            <a:r>
+              <a:rPr lang="en-US" dirty="0">
+                <a:hlinkClick r:id="rId5"/>
+              </a:rPr>
+              <a:t>https://en.wikipedia.org/wik/Timeline_of_machine_learning</a:t>
+            </a:r>
+            <a:endParaRPr lang="en-US" dirty="0"/>
+          </a:p>
+          <a:p>
+            <a:endParaRPr lang="en-US" dirty="0"/>
+          </a:p>
+          <a:p>
+            <a:pPr marL="0" indent="0">
+              <a:buNone/>
+            </a:pPr>
+            <a:r>
+              <a:rPr lang="en-US" dirty="0"/>
+              <a:t>Singularity </a:t>
+            </a:r>
+          </a:p>
+          <a:p>
+            <a:r>
+              <a:rPr lang="en-US" dirty="0"/>
+              <a:t>Ray Kurzweil – Singularity - </a:t>
+            </a:r>
+            <a:r>
+              <a:rPr lang="en-US" dirty="0">
+                <a:hlinkClick r:id="rId6"/>
+              </a:rPr>
+              <a:t>https://en.wikipedia.org/wiki/The_Singularity_Is_Near</a:t>
+            </a:r>
+            <a:endParaRPr lang="en-US" dirty="0"/>
+          </a:p>
+          <a:p>
+            <a:r>
+              <a:rPr lang="en-US" dirty="0"/>
+              <a:t>John Von Neumann - </a:t>
+            </a:r>
+            <a:r>
+              <a:rPr lang="en-US" dirty="0">
+                <a:hlinkClick r:id="rId7"/>
+              </a:rPr>
+              <a:t>https://en.wikipedia.org/wiki/The_Computer_and_the_Brain</a:t>
+            </a:r>
+            <a:endParaRPr lang="en-US" dirty="0"/>
+          </a:p>
+          <a:p>
+            <a:pPr marL="0" indent="0">
+              <a:buNone/>
+            </a:pPr>
+            <a:endParaRPr lang="en-US" dirty="0"/>
+          </a:p>
+          <a:p>
+            <a:pPr marL="0" indent="0">
+              <a:buNone/>
+            </a:pPr>
+            <a:r>
+              <a:rPr lang="en-US" dirty="0"/>
+              <a:t>Hardware</a:t>
+            </a:r>
+          </a:p>
+          <a:p>
+            <a:r>
+              <a:rPr lang="en-US" dirty="0"/>
+              <a:t>TPU diagram (scalar, vector, matrix) and perf chart:  </a:t>
+            </a:r>
+            <a:r>
+              <a:rPr lang="en-US" dirty="0">
+                <a:hlinkClick r:id="rId8"/>
+              </a:rPr>
+              <a:t>https://cloud.google.com/blog/big-data/2017/05/an-in-depth-look-at-googles-first-tensor-processing-unit-tpu#closeImag</a:t>
+            </a:r>
+            <a:endParaRPr lang="en-US" dirty="0"/>
+          </a:p>
+          <a:p>
+            <a:pPr marL="0" indent="0">
+              <a:buNone/>
+            </a:pPr>
+            <a:r>
+              <a:rPr lang="en-US" dirty="0"/>
+              <a:t>Other</a:t>
+            </a:r>
+          </a:p>
+          <a:p>
+            <a:r>
+              <a:rPr lang="en-US" dirty="0"/>
+              <a:t>Kaggle – Boosting 70% wins (article:  https://medium.com/syncedreview/tree-boosting-with-xgboost-why-does-xgboost-win-every-machine-learning-competition-ca8034c0b283)</a:t>
+            </a:r>
+          </a:p>
+          <a:p>
+            <a:pPr marL="0" indent="0">
+              <a:buNone/>
+            </a:pPr>
+            <a:endParaRPr lang="en-US" dirty="0"/>
+          </a:p>
+        </p:txBody>
+      </p:sp>
+      <p:sp>
+        <p:nvSpPr>
+          <p:cNvPr id="4" name="Content Placeholder 2">
+            <a:extLst>
+              <a:ext uri="{FF2B5EF4-FFF2-40B4-BE49-F238E27FC236}">
+                <a16:creationId xmlns:a16="http://schemas.microsoft.com/office/drawing/2014/main" id="{CD97B703-0D68-4C3A-9692-C69CF75ED4AD}"/>
+              </a:ext>
+            </a:extLst>
+          </p:cNvPr>
+          <p:cNvSpPr txBox="1">
+            <a:spLocks/>
+          </p:cNvSpPr>
+          <p:nvPr/>
+        </p:nvSpPr>
+        <p:spPr>
+          <a:xfrm>
+            <a:off x="-215661" y="196965"/>
+            <a:ext cx="10550105" cy="5348378"/>
+          </a:xfrm>
+          <a:prstGeom prst="rect">
+            <a:avLst/>
+          </a:prstGeom>
+        </p:spPr>
+        <p:txBody>
+          <a:bodyPr vert="horz" lIns="91440" tIns="45720" rIns="91440" bIns="45720" rtlCol="0">
+            <a:normAutofit/>
+          </a:bodyPr>
+          <a:lstStyle>
+            <a:lvl1pPr marL="384048" indent="-384048" algn="l" defTabSz="914400" rtl="0" eaLnBrk="1" latinLnBrk="0" hangingPunct="1">
+              <a:lnSpc>
+                <a:spcPct val="94000"/>
+              </a:lnSpc>
+              <a:spcBef>
+                <a:spcPts val="1000"/>
+              </a:spcBef>
+              <a:spcAft>
+                <a:spcPts val="200"/>
+              </a:spcAft>
+              <a:buFont typeface="Franklin Gothic Book" panose="020B0503020102020204" pitchFamily="34" charset="0"/>
+              <a:buChar char="■"/>
+              <a:defRPr sz="2000" kern="1200" baseline="0">
+                <a:solidFill>
+                  <a:schemeClr val="tx2"/>
+                </a:solidFill>
+                <a:latin typeface="+mn-lt"/>
+                <a:ea typeface="+mn-ea"/>
+                <a:cs typeface="+mn-cs"/>
+              </a:defRPr>
+            </a:lvl1pPr>
+            <a:lvl2pPr marL="914400" indent="-384048" algn="l" defTabSz="914400" rtl="0" eaLnBrk="1" latinLnBrk="0" hangingPunct="1">
+              <a:lnSpc>
+                <a:spcPct val="94000"/>
+              </a:lnSpc>
+              <a:spcBef>
+                <a:spcPts val="500"/>
+              </a:spcBef>
+              <a:spcAft>
+                <a:spcPts val="200"/>
+              </a:spcAft>
+              <a:buFont typeface="Franklin Gothic Book" panose="020B0503020102020204" pitchFamily="34" charset="0"/>
+              <a:buChar char="–"/>
+              <a:defRPr sz="2000" i="1" kern="1200" baseline="0">
+                <a:solidFill>
+                  <a:schemeClr val="tx2"/>
+                </a:solidFill>
+                <a:latin typeface="+mn-lt"/>
+                <a:ea typeface="+mn-ea"/>
+                <a:cs typeface="+mn-cs"/>
+              </a:defRPr>
+            </a:lvl2pPr>
+            <a:lvl3pPr marL="1371600" indent="-384048" algn="l" defTabSz="914400" rtl="0" eaLnBrk="1" latinLnBrk="0" hangingPunct="1">
+              <a:lnSpc>
+                <a:spcPct val="94000"/>
+              </a:lnSpc>
+              <a:spcBef>
+                <a:spcPts val="500"/>
+              </a:spcBef>
+              <a:spcAft>
+                <a:spcPts val="200"/>
+              </a:spcAft>
+              <a:buFont typeface="Franklin Gothic Book" panose="020B0503020102020204" pitchFamily="34" charset="0"/>
+              <a:buChar char="■"/>
+              <a:defRPr sz="1800" kern="1200" baseline="0">
+                <a:solidFill>
+                  <a:schemeClr val="tx2"/>
+                </a:solidFill>
+                <a:latin typeface="+mn-lt"/>
+                <a:ea typeface="+mn-ea"/>
+                <a:cs typeface="+mn-cs"/>
+              </a:defRPr>
+            </a:lvl3pPr>
+            <a:lvl4pPr marL="1828800" indent="-384048" algn="l" defTabSz="914400" rtl="0" eaLnBrk="1" latinLnBrk="0" hangingPunct="1">
+              <a:lnSpc>
+                <a:spcPct val="94000"/>
+              </a:lnSpc>
+              <a:spcBef>
+                <a:spcPts val="500"/>
+              </a:spcBef>
+              <a:spcAft>
+                <a:spcPts val="200"/>
+              </a:spcAft>
+              <a:buFont typeface="Franklin Gothic Book" panose="020B0503020102020204" pitchFamily="34" charset="0"/>
+              <a:buChar char="–"/>
+              <a:defRPr sz="1800" i="1" kern="1200" baseline="0">
+                <a:solidFill>
+                  <a:schemeClr val="tx2"/>
+                </a:solidFill>
+                <a:latin typeface="+mn-lt"/>
+                <a:ea typeface="+mn-ea"/>
+                <a:cs typeface="+mn-cs"/>
+              </a:defRPr>
+            </a:lvl4pPr>
+            <a:lvl5pPr marL="2286000" indent="-384048" algn="l" defTabSz="914400" rtl="0" eaLnBrk="1" latinLnBrk="0" hangingPunct="1">
+              <a:lnSpc>
+                <a:spcPct val="94000"/>
+              </a:lnSpc>
+              <a:spcBef>
+                <a:spcPts val="500"/>
+              </a:spcBef>
+              <a:spcAft>
+                <a:spcPts val="200"/>
+              </a:spcAft>
+              <a:buFont typeface="Franklin Gothic Book" panose="020B0503020102020204" pitchFamily="34" charset="0"/>
+              <a:buChar char="■"/>
+              <a:defRPr sz="1600" kern="1200" baseline="0">
+                <a:solidFill>
+                  <a:schemeClr val="tx2"/>
+                </a:solidFill>
+                <a:latin typeface="+mn-lt"/>
+                <a:ea typeface="+mn-ea"/>
+                <a:cs typeface="+mn-cs"/>
+              </a:defRPr>
+            </a:lvl5pPr>
+            <a:lvl6pPr marL="2743200" indent="-384048" algn="l" defTabSz="914400" rtl="0" eaLnBrk="1" latinLnBrk="0" hangingPunct="1">
+              <a:lnSpc>
+                <a:spcPct val="94000"/>
+              </a:lnSpc>
+              <a:spcBef>
+                <a:spcPts val="500"/>
+              </a:spcBef>
+              <a:spcAft>
+                <a:spcPts val="200"/>
+              </a:spcAft>
+              <a:buFont typeface="Franklin Gothic Book" panose="020B0503020102020204" pitchFamily="34" charset="0"/>
+              <a:buChar char="–"/>
+              <a:defRPr sz="1600" i="1" kern="1200" baseline="0">
+                <a:solidFill>
+                  <a:schemeClr val="tx2"/>
+                </a:solidFill>
+                <a:latin typeface="+mn-lt"/>
+                <a:ea typeface="+mn-ea"/>
+                <a:cs typeface="+mn-cs"/>
+              </a:defRPr>
+            </a:lvl6pPr>
+            <a:lvl7pPr marL="3200400" indent="-384048" algn="l" defTabSz="914400" rtl="0" eaLnBrk="1" latinLnBrk="0" hangingPunct="1">
+              <a:lnSpc>
+                <a:spcPct val="94000"/>
+              </a:lnSpc>
+              <a:spcBef>
+                <a:spcPts val="500"/>
+              </a:spcBef>
+              <a:spcAft>
+                <a:spcPts val="200"/>
+              </a:spcAft>
+              <a:buFont typeface="Franklin Gothic Book" panose="020B0503020102020204" pitchFamily="34" charset="0"/>
+              <a:buChar char="■"/>
+              <a:defRPr sz="1400" kern="1200" baseline="0">
+                <a:solidFill>
+                  <a:schemeClr val="tx2"/>
+                </a:solidFill>
+                <a:latin typeface="+mn-lt"/>
+                <a:ea typeface="+mn-ea"/>
+                <a:cs typeface="+mn-cs"/>
+              </a:defRPr>
+            </a:lvl7pPr>
+            <a:lvl8pPr marL="3657600" indent="-384048" algn="l" defTabSz="914400" rtl="0" eaLnBrk="1" latinLnBrk="0" hangingPunct="1">
+              <a:lnSpc>
+                <a:spcPct val="94000"/>
+              </a:lnSpc>
+              <a:spcBef>
+                <a:spcPts val="500"/>
+              </a:spcBef>
+              <a:spcAft>
+                <a:spcPts val="200"/>
+              </a:spcAft>
+              <a:buFont typeface="Franklin Gothic Book" panose="020B0503020102020204" pitchFamily="34" charset="0"/>
+              <a:buChar char="–"/>
+              <a:defRPr sz="1400" i="1" kern="1200" baseline="0">
+                <a:solidFill>
+                  <a:schemeClr val="tx2"/>
+                </a:solidFill>
+                <a:latin typeface="+mn-lt"/>
+                <a:ea typeface="+mn-ea"/>
+                <a:cs typeface="+mn-cs"/>
+              </a:defRPr>
+            </a:lvl8pPr>
+            <a:lvl9pPr marL="4114800" indent="-384048" algn="l" defTabSz="914400" rtl="0" eaLnBrk="1" latinLnBrk="0" hangingPunct="1">
+              <a:lnSpc>
+                <a:spcPct val="94000"/>
+              </a:lnSpc>
+              <a:spcBef>
+                <a:spcPts val="500"/>
+              </a:spcBef>
+              <a:spcAft>
+                <a:spcPts val="200"/>
+              </a:spcAft>
+              <a:buFont typeface="Franklin Gothic Book" panose="020B0503020102020204" pitchFamily="34" charset="0"/>
+              <a:buChar char="■"/>
+              <a:defRPr sz="1400" kern="1200" baseline="0">
+                <a:solidFill>
+                  <a:schemeClr val="tx2"/>
+                </a:solidFill>
+                <a:latin typeface="+mn-lt"/>
+                <a:ea typeface="+mn-ea"/>
+                <a:cs typeface="+mn-cs"/>
+              </a:defRPr>
+            </a:lvl9pPr>
+          </a:lstStyle>
+          <a:p>
+            <a:endParaRPr lang="en-US" dirty="0"/>
+          </a:p>
+        </p:txBody>
+      </p:sp>
+    </p:spTree>
+    <p:extLst>
+      <p:ext uri="{BB962C8B-B14F-4D97-AF65-F5344CB8AC3E}">
+        <p14:creationId xmlns:p14="http://schemas.microsoft.com/office/powerpoint/2010/main" val="4098846397"/>
+      </p:ext>
+    </p:extLst>
+  </p:cSld>
+  <p:clrMapOvr>
+    <a:masterClrMapping/>
+  </p:clrMapOvr>
+</p:sld>
+</file>
+
 <file path=ppt/slides/slide2.xml><?xml version="1.0" encoding="utf-8"?>
 <p:sld xmlns:a="http://schemas.openxmlformats.org/drawingml/2006/main" xmlns:r="http://schemas.openxmlformats.org/officeDocument/2006/relationships" xmlns:p="http://schemas.openxmlformats.org/presentationml/2006/main">
   <p:cSld>
@@ -3981,7 +6573,13 @@
           <a:p>
             <a:r>
               <a:rPr lang="en-US" dirty="0"/>
-              <a:t>Types of Machine Learning</a:t>
+              <a:t>Classes of Machine Learning</a:t>
+            </a:r>
+          </a:p>
+          <a:p>
+            <a:r>
+              <a:rPr lang="en-US" dirty="0"/>
+              <a:t>Example of “Machine Learning” – Decision Tree / Forests / Boosting (?)</a:t>
             </a:r>
           </a:p>
           <a:p>
@@ -4017,19 +6615,13 @@
           <a:p>
             <a:r>
               <a:rPr lang="en-US" dirty="0"/>
-              <a:t>State of AI (% of companies using it?  Google search graph ?)</a:t>
-            </a:r>
-          </a:p>
-          <a:p>
-            <a:r>
-              <a:rPr lang="en-US" dirty="0"/>
               <a:t>Demo of Azure ML Studio</a:t>
             </a:r>
           </a:p>
           <a:p>
             <a:r>
               <a:rPr lang="en-US" dirty="0"/>
-              <a:t>Beware The Singularity ?</a:t>
+              <a:t>State of AI &amp; Beware The Singularity ?</a:t>
             </a:r>
           </a:p>
           <a:p>
@@ -4060,6 +6652,183 @@
 </file>
 
 <file path=ppt/slides/slide3.xml><?xml version="1.0" encoding="utf-8"?>
+<p:sld xmlns:a="http://schemas.openxmlformats.org/drawingml/2006/main" xmlns:r="http://schemas.openxmlformats.org/officeDocument/2006/relationships" xmlns:p="http://schemas.openxmlformats.org/presentationml/2006/main">
+  <p:cSld>
+    <p:spTree>
+      <p:nvGrpSpPr>
+        <p:cNvPr id="1" name=""/>
+        <p:cNvGrpSpPr/>
+        <p:nvPr/>
+      </p:nvGrpSpPr>
+      <p:grpSpPr>
+        <a:xfrm>
+          <a:off x="0" y="0"/>
+          <a:ext cx="0" cy="0"/>
+          <a:chOff x="0" y="0"/>
+          <a:chExt cx="0" cy="0"/>
+        </a:xfrm>
+      </p:grpSpPr>
+      <p:sp>
+        <p:nvSpPr>
+          <p:cNvPr id="2" name="Title 1">
+            <a:extLst>
+              <a:ext uri="{FF2B5EF4-FFF2-40B4-BE49-F238E27FC236}">
+                <a16:creationId xmlns:a16="http://schemas.microsoft.com/office/drawing/2014/main" id="{E3AE6D77-A7F8-4F3F-B32B-E74CD59F0F03}"/>
+              </a:ext>
+            </a:extLst>
+          </p:cNvPr>
+          <p:cNvSpPr>
+            <a:spLocks noGrp="1"/>
+          </p:cNvSpPr>
+          <p:nvPr>
+            <p:ph type="title"/>
+          </p:nvPr>
+        </p:nvSpPr>
+        <p:spPr>
+          <a:xfrm>
+            <a:off x="1371600" y="685800"/>
+            <a:ext cx="9601200" cy="820947"/>
+          </a:xfrm>
+        </p:spPr>
+        <p:txBody>
+          <a:bodyPr/>
+          <a:lstStyle/>
+          <a:p>
+            <a:r>
+              <a:rPr lang="en-US" dirty="0" err="1"/>
+              <a:t>ToC</a:t>
+            </a:r>
+            <a:endParaRPr lang="en-US" dirty="0"/>
+          </a:p>
+        </p:txBody>
+      </p:sp>
+      <p:sp>
+        <p:nvSpPr>
+          <p:cNvPr id="3" name="Content Placeholder 2">
+            <a:extLst>
+              <a:ext uri="{FF2B5EF4-FFF2-40B4-BE49-F238E27FC236}">
+                <a16:creationId xmlns:a16="http://schemas.microsoft.com/office/drawing/2014/main" id="{8B6CA1B8-CD69-4CE2-8665-69A20A8E5EDC}"/>
+              </a:ext>
+            </a:extLst>
+          </p:cNvPr>
+          <p:cNvSpPr>
+            <a:spLocks noGrp="1"/>
+          </p:cNvSpPr>
+          <p:nvPr>
+            <p:ph idx="1"/>
+          </p:nvPr>
+        </p:nvSpPr>
+        <p:spPr>
+          <a:xfrm>
+            <a:off x="1371600" y="1506747"/>
+            <a:ext cx="9601200" cy="4360653"/>
+          </a:xfrm>
+        </p:spPr>
+        <p:txBody>
+          <a:bodyPr>
+            <a:normAutofit fontScale="77500" lnSpcReduction="20000"/>
+          </a:bodyPr>
+          <a:lstStyle/>
+          <a:p>
+            <a:r>
+              <a:rPr lang="en-US" dirty="0"/>
+              <a:t>What is Machine Learning</a:t>
+            </a:r>
+          </a:p>
+          <a:p>
+            <a:r>
+              <a:rPr lang="en-US" dirty="0"/>
+              <a:t>History of AI / Machine Learning</a:t>
+            </a:r>
+          </a:p>
+          <a:p>
+            <a:r>
+              <a:rPr lang="en-US" dirty="0"/>
+              <a:t>Classes of Machine Learning</a:t>
+            </a:r>
+          </a:p>
+          <a:p>
+            <a:r>
+              <a:rPr lang="en-US" dirty="0"/>
+              <a:t>Example of “Machine Learning” – Decision Tree / Forests / Boosting (?)</a:t>
+            </a:r>
+          </a:p>
+          <a:p>
+            <a:r>
+              <a:rPr lang="en-US" dirty="0"/>
+              <a:t>Example of “Machine Learning” – Logistic Regression</a:t>
+            </a:r>
+          </a:p>
+          <a:p>
+            <a:r>
+              <a:rPr lang="en-US" dirty="0"/>
+              <a:t>Computers and the Brain (von Neuman)</a:t>
+            </a:r>
+          </a:p>
+          <a:p>
+            <a:r>
+              <a:rPr lang="en-US" dirty="0"/>
+              <a:t>Extended example of “Machine Learning” – Neural Network</a:t>
+            </a:r>
+          </a:p>
+          <a:p>
+            <a:r>
+              <a:rPr lang="en-US" dirty="0"/>
+              <a:t>Types of Neural Networks</a:t>
+            </a:r>
+          </a:p>
+          <a:p>
+            <a:r>
+              <a:rPr lang="en-US" dirty="0"/>
+              <a:t>Major ML Frameworks</a:t>
+            </a:r>
+          </a:p>
+          <a:p>
+            <a:r>
+              <a:rPr lang="en-US" dirty="0"/>
+              <a:t>State of AI (% of companies using it?  Google search graph ?)</a:t>
+            </a:r>
+          </a:p>
+          <a:p>
+            <a:r>
+              <a:rPr lang="en-US" dirty="0"/>
+              <a:t>Demo of Azure ML Studio</a:t>
+            </a:r>
+          </a:p>
+          <a:p>
+            <a:r>
+              <a:rPr lang="en-US" dirty="0"/>
+              <a:t>Beware The Singularity ?</a:t>
+            </a:r>
+          </a:p>
+          <a:p>
+            <a:r>
+              <a:rPr lang="en-US" dirty="0"/>
+              <a:t>(Optional) – My ML Story</a:t>
+            </a:r>
+          </a:p>
+          <a:p>
+            <a:pPr marL="0" indent="0">
+              <a:buNone/>
+            </a:pPr>
+            <a:endParaRPr lang="en-US" dirty="0"/>
+          </a:p>
+        </p:txBody>
+      </p:sp>
+    </p:spTree>
+    <p:extLst>
+      <p:ext uri="{BB962C8B-B14F-4D97-AF65-F5344CB8AC3E}">
+        <p14:creationId xmlns:p14="http://schemas.microsoft.com/office/powerpoint/2010/main" val="3727786283"/>
+      </p:ext>
+    </p:extLst>
+  </p:cSld>
+  <p:clrMapOvr>
+    <a:masterClrMapping/>
+  </p:clrMapOvr>
+</p:sld>
+</file>
+
+<file path=ppt/slides/slide4.xml><?xml version="1.0" encoding="utf-8"?>
 <p:sld xmlns:a="http://schemas.openxmlformats.org/drawingml/2006/main" xmlns:r="http://schemas.openxmlformats.org/officeDocument/2006/relationships" xmlns:p="http://schemas.openxmlformats.org/presentationml/2006/main">
   <p:cSld>
     <p:spTree>
@@ -5309,325 +8078,6 @@
 </p:sld>
 </file>
 
-<file path=ppt/slides/slide4.xml><?xml version="1.0" encoding="utf-8"?>
-<p:sld xmlns:a="http://schemas.openxmlformats.org/drawingml/2006/main" xmlns:r="http://schemas.openxmlformats.org/officeDocument/2006/relationships" xmlns:p="http://schemas.openxmlformats.org/presentationml/2006/main">
-  <p:cSld>
-    <p:spTree>
-      <p:nvGrpSpPr>
-        <p:cNvPr id="1" name=""/>
-        <p:cNvGrpSpPr/>
-        <p:nvPr/>
-      </p:nvGrpSpPr>
-      <p:grpSpPr>
-        <a:xfrm>
-          <a:off x="0" y="0"/>
-          <a:ext cx="0" cy="0"/>
-          <a:chOff x="0" y="0"/>
-          <a:chExt cx="0" cy="0"/>
-        </a:xfrm>
-      </p:grpSpPr>
-      <p:sp>
-        <p:nvSpPr>
-          <p:cNvPr id="2" name="Title 1">
-            <a:extLst>
-              <a:ext uri="{FF2B5EF4-FFF2-40B4-BE49-F238E27FC236}">
-                <a16:creationId xmlns:a16="http://schemas.microsoft.com/office/drawing/2014/main" id="{D1EBA635-2F7F-4838-A23A-2C3E13E2F1D5}"/>
-              </a:ext>
-            </a:extLst>
-          </p:cNvPr>
-          <p:cNvSpPr>
-            <a:spLocks noGrp="1"/>
-          </p:cNvSpPr>
-          <p:nvPr>
-            <p:ph type="title"/>
-          </p:nvPr>
-        </p:nvSpPr>
-        <p:spPr>
-          <a:xfrm>
-            <a:off x="1141560" y="196965"/>
-            <a:ext cx="9601200" cy="987729"/>
-          </a:xfrm>
-        </p:spPr>
-        <p:txBody>
-          <a:bodyPr/>
-          <a:lstStyle/>
-          <a:p>
-            <a:r>
-              <a:rPr lang="en-US" dirty="0"/>
-              <a:t>History and Evolution of AI/ML</a:t>
-            </a:r>
-          </a:p>
-        </p:txBody>
-      </p:sp>
-      <p:sp>
-        <p:nvSpPr>
-          <p:cNvPr id="3" name="Content Placeholder 2">
-            <a:extLst>
-              <a:ext uri="{FF2B5EF4-FFF2-40B4-BE49-F238E27FC236}">
-                <a16:creationId xmlns:a16="http://schemas.microsoft.com/office/drawing/2014/main" id="{890E8DCC-CEBE-42F0-BEE6-20CE768757A8}"/>
-              </a:ext>
-            </a:extLst>
-          </p:cNvPr>
-          <p:cNvSpPr>
-            <a:spLocks noGrp="1"/>
-          </p:cNvSpPr>
-          <p:nvPr>
-            <p:ph idx="1"/>
-          </p:nvPr>
-        </p:nvSpPr>
-        <p:spPr>
-          <a:xfrm>
-            <a:off x="1187569" y="1023667"/>
-            <a:ext cx="10550105" cy="5348378"/>
-          </a:xfrm>
-        </p:spPr>
-        <p:txBody>
-          <a:bodyPr/>
-          <a:lstStyle/>
-          <a:p>
-            <a:r>
-              <a:rPr lang="en-US" dirty="0"/>
-              <a:t>Insert Graph of major milestones</a:t>
-            </a:r>
-          </a:p>
-        </p:txBody>
-      </p:sp>
-      <p:sp>
-        <p:nvSpPr>
-          <p:cNvPr id="4" name="Content Placeholder 2">
-            <a:extLst>
-              <a:ext uri="{FF2B5EF4-FFF2-40B4-BE49-F238E27FC236}">
-                <a16:creationId xmlns:a16="http://schemas.microsoft.com/office/drawing/2014/main" id="{CD97B703-0D68-4C3A-9692-C69CF75ED4AD}"/>
-              </a:ext>
-            </a:extLst>
-          </p:cNvPr>
-          <p:cNvSpPr txBox="1">
-            <a:spLocks/>
-          </p:cNvSpPr>
-          <p:nvPr/>
-        </p:nvSpPr>
-        <p:spPr>
-          <a:xfrm>
-            <a:off x="-215661" y="196965"/>
-            <a:ext cx="10550105" cy="5348378"/>
-          </a:xfrm>
-          <a:prstGeom prst="rect">
-            <a:avLst/>
-          </a:prstGeom>
-        </p:spPr>
-        <p:txBody>
-          <a:bodyPr vert="horz" lIns="91440" tIns="45720" rIns="91440" bIns="45720" rtlCol="0">
-            <a:normAutofit/>
-          </a:bodyPr>
-          <a:lstStyle>
-            <a:lvl1pPr marL="384048" indent="-384048" algn="l" defTabSz="914400" rtl="0" eaLnBrk="1" latinLnBrk="0" hangingPunct="1">
-              <a:lnSpc>
-                <a:spcPct val="94000"/>
-              </a:lnSpc>
-              <a:spcBef>
-                <a:spcPts val="1000"/>
-              </a:spcBef>
-              <a:spcAft>
-                <a:spcPts val="200"/>
-              </a:spcAft>
-              <a:buFont typeface="Franklin Gothic Book" panose="020B0503020102020204" pitchFamily="34" charset="0"/>
-              <a:buChar char="■"/>
-              <a:defRPr sz="2000" kern="1200" baseline="0">
-                <a:solidFill>
-                  <a:schemeClr val="tx2"/>
-                </a:solidFill>
-                <a:latin typeface="+mn-lt"/>
-                <a:ea typeface="+mn-ea"/>
-                <a:cs typeface="+mn-cs"/>
-              </a:defRPr>
-            </a:lvl1pPr>
-            <a:lvl2pPr marL="914400" indent="-384048" algn="l" defTabSz="914400" rtl="0" eaLnBrk="1" latinLnBrk="0" hangingPunct="1">
-              <a:lnSpc>
-                <a:spcPct val="94000"/>
-              </a:lnSpc>
-              <a:spcBef>
-                <a:spcPts val="500"/>
-              </a:spcBef>
-              <a:spcAft>
-                <a:spcPts val="200"/>
-              </a:spcAft>
-              <a:buFont typeface="Franklin Gothic Book" panose="020B0503020102020204" pitchFamily="34" charset="0"/>
-              <a:buChar char="–"/>
-              <a:defRPr sz="2000" i="1" kern="1200" baseline="0">
-                <a:solidFill>
-                  <a:schemeClr val="tx2"/>
-                </a:solidFill>
-                <a:latin typeface="+mn-lt"/>
-                <a:ea typeface="+mn-ea"/>
-                <a:cs typeface="+mn-cs"/>
-              </a:defRPr>
-            </a:lvl2pPr>
-            <a:lvl3pPr marL="1371600" indent="-384048" algn="l" defTabSz="914400" rtl="0" eaLnBrk="1" latinLnBrk="0" hangingPunct="1">
-              <a:lnSpc>
-                <a:spcPct val="94000"/>
-              </a:lnSpc>
-              <a:spcBef>
-                <a:spcPts val="500"/>
-              </a:spcBef>
-              <a:spcAft>
-                <a:spcPts val="200"/>
-              </a:spcAft>
-              <a:buFont typeface="Franklin Gothic Book" panose="020B0503020102020204" pitchFamily="34" charset="0"/>
-              <a:buChar char="■"/>
-              <a:defRPr sz="1800" kern="1200" baseline="0">
-                <a:solidFill>
-                  <a:schemeClr val="tx2"/>
-                </a:solidFill>
-                <a:latin typeface="+mn-lt"/>
-                <a:ea typeface="+mn-ea"/>
-                <a:cs typeface="+mn-cs"/>
-              </a:defRPr>
-            </a:lvl3pPr>
-            <a:lvl4pPr marL="1828800" indent="-384048" algn="l" defTabSz="914400" rtl="0" eaLnBrk="1" latinLnBrk="0" hangingPunct="1">
-              <a:lnSpc>
-                <a:spcPct val="94000"/>
-              </a:lnSpc>
-              <a:spcBef>
-                <a:spcPts val="500"/>
-              </a:spcBef>
-              <a:spcAft>
-                <a:spcPts val="200"/>
-              </a:spcAft>
-              <a:buFont typeface="Franklin Gothic Book" panose="020B0503020102020204" pitchFamily="34" charset="0"/>
-              <a:buChar char="–"/>
-              <a:defRPr sz="1800" i="1" kern="1200" baseline="0">
-                <a:solidFill>
-                  <a:schemeClr val="tx2"/>
-                </a:solidFill>
-                <a:latin typeface="+mn-lt"/>
-                <a:ea typeface="+mn-ea"/>
-                <a:cs typeface="+mn-cs"/>
-              </a:defRPr>
-            </a:lvl4pPr>
-            <a:lvl5pPr marL="2286000" indent="-384048" algn="l" defTabSz="914400" rtl="0" eaLnBrk="1" latinLnBrk="0" hangingPunct="1">
-              <a:lnSpc>
-                <a:spcPct val="94000"/>
-              </a:lnSpc>
-              <a:spcBef>
-                <a:spcPts val="500"/>
-              </a:spcBef>
-              <a:spcAft>
-                <a:spcPts val="200"/>
-              </a:spcAft>
-              <a:buFont typeface="Franklin Gothic Book" panose="020B0503020102020204" pitchFamily="34" charset="0"/>
-              <a:buChar char="■"/>
-              <a:defRPr sz="1600" kern="1200" baseline="0">
-                <a:solidFill>
-                  <a:schemeClr val="tx2"/>
-                </a:solidFill>
-                <a:latin typeface="+mn-lt"/>
-                <a:ea typeface="+mn-ea"/>
-                <a:cs typeface="+mn-cs"/>
-              </a:defRPr>
-            </a:lvl5pPr>
-            <a:lvl6pPr marL="2743200" indent="-384048" algn="l" defTabSz="914400" rtl="0" eaLnBrk="1" latinLnBrk="0" hangingPunct="1">
-              <a:lnSpc>
-                <a:spcPct val="94000"/>
-              </a:lnSpc>
-              <a:spcBef>
-                <a:spcPts val="500"/>
-              </a:spcBef>
-              <a:spcAft>
-                <a:spcPts val="200"/>
-              </a:spcAft>
-              <a:buFont typeface="Franklin Gothic Book" panose="020B0503020102020204" pitchFamily="34" charset="0"/>
-              <a:buChar char="–"/>
-              <a:defRPr sz="1600" i="1" kern="1200" baseline="0">
-                <a:solidFill>
-                  <a:schemeClr val="tx2"/>
-                </a:solidFill>
-                <a:latin typeface="+mn-lt"/>
-                <a:ea typeface="+mn-ea"/>
-                <a:cs typeface="+mn-cs"/>
-              </a:defRPr>
-            </a:lvl6pPr>
-            <a:lvl7pPr marL="3200400" indent="-384048" algn="l" defTabSz="914400" rtl="0" eaLnBrk="1" latinLnBrk="0" hangingPunct="1">
-              <a:lnSpc>
-                <a:spcPct val="94000"/>
-              </a:lnSpc>
-              <a:spcBef>
-                <a:spcPts val="500"/>
-              </a:spcBef>
-              <a:spcAft>
-                <a:spcPts val="200"/>
-              </a:spcAft>
-              <a:buFont typeface="Franklin Gothic Book" panose="020B0503020102020204" pitchFamily="34" charset="0"/>
-              <a:buChar char="■"/>
-              <a:defRPr sz="1400" kern="1200" baseline="0">
-                <a:solidFill>
-                  <a:schemeClr val="tx2"/>
-                </a:solidFill>
-                <a:latin typeface="+mn-lt"/>
-                <a:ea typeface="+mn-ea"/>
-                <a:cs typeface="+mn-cs"/>
-              </a:defRPr>
-            </a:lvl7pPr>
-            <a:lvl8pPr marL="3657600" indent="-384048" algn="l" defTabSz="914400" rtl="0" eaLnBrk="1" latinLnBrk="0" hangingPunct="1">
-              <a:lnSpc>
-                <a:spcPct val="94000"/>
-              </a:lnSpc>
-              <a:spcBef>
-                <a:spcPts val="500"/>
-              </a:spcBef>
-              <a:spcAft>
-                <a:spcPts val="200"/>
-              </a:spcAft>
-              <a:buFont typeface="Franklin Gothic Book" panose="020B0503020102020204" pitchFamily="34" charset="0"/>
-              <a:buChar char="–"/>
-              <a:defRPr sz="1400" i="1" kern="1200" baseline="0">
-                <a:solidFill>
-                  <a:schemeClr val="tx2"/>
-                </a:solidFill>
-                <a:latin typeface="+mn-lt"/>
-                <a:ea typeface="+mn-ea"/>
-                <a:cs typeface="+mn-cs"/>
-              </a:defRPr>
-            </a:lvl8pPr>
-            <a:lvl9pPr marL="4114800" indent="-384048" algn="l" defTabSz="914400" rtl="0" eaLnBrk="1" latinLnBrk="0" hangingPunct="1">
-              <a:lnSpc>
-                <a:spcPct val="94000"/>
-              </a:lnSpc>
-              <a:spcBef>
-                <a:spcPts val="500"/>
-              </a:spcBef>
-              <a:spcAft>
-                <a:spcPts val="200"/>
-              </a:spcAft>
-              <a:buFont typeface="Franklin Gothic Book" panose="020B0503020102020204" pitchFamily="34" charset="0"/>
-              <a:buChar char="■"/>
-              <a:defRPr sz="1400" kern="1200" baseline="0">
-                <a:solidFill>
-                  <a:schemeClr val="tx2"/>
-                </a:solidFill>
-                <a:latin typeface="+mn-lt"/>
-                <a:ea typeface="+mn-ea"/>
-                <a:cs typeface="+mn-cs"/>
-              </a:defRPr>
-            </a:lvl9pPr>
-          </a:lstStyle>
-          <a:p>
-            <a:endParaRPr lang="en-US" dirty="0"/>
-          </a:p>
-        </p:txBody>
-      </p:sp>
-    </p:spTree>
-    <p:extLst>
-      <p:ext uri="{BB962C8B-B14F-4D97-AF65-F5344CB8AC3E}">
-        <p14:creationId xmlns:p14="http://schemas.microsoft.com/office/powerpoint/2010/main" val="4248949367"/>
-      </p:ext>
-    </p:extLst>
-  </p:cSld>
-  <p:clrMapOvr>
-    <a:masterClrMapping/>
-  </p:clrMapOvr>
-</p:sld>
-</file>
-
 <file path=ppt/slides/slide5.xml><?xml version="1.0" encoding="utf-8"?>
 <p:sld xmlns:a="http://schemas.openxmlformats.org/drawingml/2006/main" xmlns:r="http://schemas.openxmlformats.org/officeDocument/2006/relationships" xmlns:p="http://schemas.openxmlformats.org/presentationml/2006/main">
   <p:cSld>
@@ -5673,7 +8123,7 @@
           <a:p>
             <a:r>
               <a:rPr lang="en-US" dirty="0"/>
-              <a:t>Major Classes of ML</a:t>
+              <a:t>History and Evolution of AI/ML</a:t>
             </a:r>
           </a:p>
         </p:txBody>
@@ -5706,83 +8156,73 @@
           <a:p>
             <a:r>
               <a:rPr lang="en-US" dirty="0"/>
-              <a:t>Supervised Learning</a:t>
-            </a:r>
-          </a:p>
-          <a:p>
-            <a:r>
-              <a:rPr lang="en-US" dirty="0"/>
-              <a:t>Unsupervised Learning</a:t>
-            </a:r>
-          </a:p>
-          <a:p>
-            <a:r>
-              <a:rPr lang="en-US" dirty="0"/>
-              <a:t>Predictors</a:t>
-            </a:r>
-          </a:p>
-          <a:p>
-            <a:r>
-              <a:rPr lang="en-US" dirty="0"/>
-              <a:t>Classifiers</a:t>
-            </a:r>
-          </a:p>
-          <a:p>
-            <a:endParaRPr lang="en-US" dirty="0"/>
-          </a:p>
-          <a:p>
-            <a:r>
-              <a:rPr lang="en-US" dirty="0"/>
-              <a:t>Traditional methods (Statistics/Data Science)</a:t>
+              <a:t>Insert Graph of major milestones</a:t>
             </a:r>
           </a:p>
           <a:p>
             <a:pPr lvl="1"/>
             <a:r>
               <a:rPr lang="en-US" i="0" dirty="0"/>
-              <a:t>Linear and Logistic Regression</a:t>
+              <a:t>Dawn of AI – 50’s</a:t>
             </a:r>
           </a:p>
           <a:p>
             <a:pPr lvl="1"/>
             <a:r>
               <a:rPr lang="en-US" i="0" dirty="0"/>
-              <a:t>Decision Trees</a:t>
+              <a:t>Roots of Neural Networks 50’s</a:t>
             </a:r>
           </a:p>
           <a:p>
             <a:pPr lvl="1"/>
             <a:r>
+              <a:rPr lang="en-US" i="0" dirty="0"/>
+              <a:t>AI Winter #1 – 70’s</a:t>
+            </a:r>
+          </a:p>
+          <a:p>
+            <a:pPr lvl="1"/>
+            <a:r>
+              <a:rPr lang="en-US" i="0" dirty="0"/>
+              <a:t>NN comes back (1</a:t>
+            </a:r>
+            <a:r>
+              <a:rPr lang="en-US" i="0" baseline="30000" dirty="0"/>
+              <a:t>st</a:t>
+            </a:r>
+            <a:r>
+              <a:rPr lang="en-US" i="0" dirty="0"/>
+              <a:t> time) – 80’s, back prop</a:t>
+            </a:r>
+          </a:p>
+          <a:p>
+            <a:pPr lvl="1"/>
+            <a:r>
+              <a:rPr lang="en-US" i="0" dirty="0"/>
+              <a:t>AI Winter #2 – 90’s</a:t>
+            </a:r>
+          </a:p>
+          <a:p>
+            <a:pPr lvl="1"/>
+            <a:r>
+              <a:rPr lang="en-US" i="0" dirty="0"/>
+              <a:t>2000 -- ?</a:t>
+            </a:r>
+          </a:p>
+          <a:p>
+            <a:pPr lvl="1"/>
+            <a:r>
+              <a:rPr lang="en-US" i="0" dirty="0"/>
+              <a:t>NN resurge w/ GPU and </a:t>
+            </a:r>
+            <a:r>
               <a:rPr lang="en-US" i="0" dirty="0" err="1"/>
-              <a:t>Kmeans</a:t>
-            </a:r>
-            <a:endParaRPr lang="en-US" i="0" dirty="0"/>
-          </a:p>
-          <a:p>
-            <a:pPr lvl="1"/>
+              <a:t>BigDAta</a:t>
+            </a:r>
             <a:r>
               <a:rPr lang="en-US" i="0" dirty="0"/>
-              <a:t>Support Vector Machines</a:t>
-            </a:r>
-          </a:p>
-          <a:p>
-            <a:r>
-              <a:rPr lang="en-US" dirty="0"/>
-              <a:t>Cutting Edge Methods</a:t>
-            </a:r>
-          </a:p>
-          <a:p>
-            <a:pPr lvl="1"/>
-            <a:r>
-              <a:rPr lang="en-US" i="0" dirty="0"/>
-              <a:t>Neural Networks / Deep Learning</a:t>
-            </a:r>
-          </a:p>
-          <a:p>
-            <a:pPr marL="530352" lvl="1" indent="0">
-              <a:buNone/>
-            </a:pPr>
-            <a:endParaRPr lang="en-US" i="0" dirty="0"/>
+              <a:t> (2010)</a:t>
+            </a:r>
           </a:p>
           <a:p>
             <a:pPr lvl="1"/>
@@ -6016,7 +8456,7 @@
     </p:spTree>
     <p:extLst>
       <p:ext uri="{BB962C8B-B14F-4D97-AF65-F5344CB8AC3E}">
-        <p14:creationId xmlns:p14="http://schemas.microsoft.com/office/powerpoint/2010/main" val="1452440057"/>
+        <p14:creationId xmlns:p14="http://schemas.microsoft.com/office/powerpoint/2010/main" val="4248949367"/>
       </p:ext>
     </p:extLst>
   </p:cSld>
@@ -6071,7 +8511,7 @@
           <a:p>
             <a:r>
               <a:rPr lang="en-US" dirty="0"/>
-              <a:t>References</a:t>
+              <a:t>Major Classes of ML</a:t>
             </a:r>
           </a:p>
         </p:txBody>
@@ -6099,141 +8539,92 @@
           </a:xfrm>
         </p:spPr>
         <p:txBody>
-          <a:bodyPr>
-            <a:normAutofit fontScale="85000" lnSpcReduction="20000"/>
-          </a:bodyPr>
+          <a:bodyPr/>
           <a:lstStyle/>
           <a:p>
-            <a:pPr marL="0" indent="0">
+            <a:r>
+              <a:rPr lang="en-US" dirty="0"/>
+              <a:t>Supervised Learning</a:t>
+            </a:r>
+          </a:p>
+          <a:p>
+            <a:r>
+              <a:rPr lang="en-US" dirty="0"/>
+              <a:t>Unsupervised Learning</a:t>
+            </a:r>
+          </a:p>
+          <a:p>
+            <a:r>
+              <a:rPr lang="en-US" dirty="0"/>
+              <a:t>Predictors</a:t>
+            </a:r>
+          </a:p>
+          <a:p>
+            <a:r>
+              <a:rPr lang="en-US" dirty="0"/>
+              <a:t>Classifiers</a:t>
+            </a:r>
+          </a:p>
+          <a:p>
+            <a:endParaRPr lang="en-US" dirty="0"/>
+          </a:p>
+          <a:p>
+            <a:r>
+              <a:rPr lang="en-US" dirty="0"/>
+              <a:t>Traditional methods (Statistics/Data Science)</a:t>
+            </a:r>
+          </a:p>
+          <a:p>
+            <a:pPr lvl="1"/>
+            <a:r>
+              <a:rPr lang="en-US" i="0" dirty="0"/>
+              <a:t>Linear and Logistic Regression</a:t>
+            </a:r>
+          </a:p>
+          <a:p>
+            <a:pPr lvl="1"/>
+            <a:r>
+              <a:rPr lang="en-US" i="0" dirty="0"/>
+              <a:t>Decision Trees</a:t>
+            </a:r>
+          </a:p>
+          <a:p>
+            <a:pPr lvl="1"/>
+            <a:r>
+              <a:rPr lang="en-US" i="0" dirty="0" err="1"/>
+              <a:t>Kmeans</a:t>
+            </a:r>
+            <a:endParaRPr lang="en-US" i="0" dirty="0"/>
+          </a:p>
+          <a:p>
+            <a:pPr lvl="1"/>
+            <a:r>
+              <a:rPr lang="en-US" i="0" dirty="0"/>
+              <a:t>Support Vector Machines</a:t>
+            </a:r>
+          </a:p>
+          <a:p>
+            <a:r>
+              <a:rPr lang="en-US" dirty="0"/>
+              <a:t>Cutting Edge Methods</a:t>
+            </a:r>
+          </a:p>
+          <a:p>
+            <a:pPr lvl="1"/>
+            <a:r>
+              <a:rPr lang="en-US" i="0" dirty="0"/>
+              <a:t>Neural Networks / Deep Learning</a:t>
+            </a:r>
+          </a:p>
+          <a:p>
+            <a:pPr marL="530352" lvl="1" indent="0">
               <a:buNone/>
             </a:pPr>
-            <a:r>
-              <a:rPr lang="en-US" dirty="0"/>
-              <a:t>History of ML</a:t>
-            </a:r>
-          </a:p>
-          <a:p>
-            <a:r>
-              <a:rPr lang="en-US" dirty="0">
-                <a:hlinkClick r:id="rId2"/>
-              </a:rPr>
-              <a:t>http://www.psych.utoronto.ca/users/reingold/courses/ai/cache/neural4.html</a:t>
-            </a:r>
-            <a:endParaRPr lang="en-US" dirty="0"/>
-          </a:p>
-          <a:p>
-            <a:r>
-              <a:rPr lang="en-US" dirty="0">
-                <a:hlinkClick r:id="rId3"/>
-              </a:rPr>
-              <a:t>https://cs.stanford.edu/people/eroberts/courses/soco/projects/neural-networks/History/history1.html</a:t>
-            </a:r>
-            <a:endParaRPr lang="en-US" dirty="0"/>
-          </a:p>
-          <a:p>
-            <a:r>
-              <a:rPr lang="en-US" dirty="0">
-                <a:hlinkClick r:id="rId4"/>
-              </a:rPr>
-              <a:t>https://www.import.io/post/history-of-deep-learning/</a:t>
-            </a:r>
-            <a:endParaRPr lang="en-US" dirty="0"/>
-          </a:p>
-          <a:p>
-            <a:r>
-              <a:rPr lang="en-US" dirty="0">
-                <a:hlinkClick r:id="rId5"/>
-              </a:rPr>
-              <a:t>https://en.wikipedia.org/wik/Timeline_of_machine_learning</a:t>
-            </a:r>
-            <a:endParaRPr lang="en-US" dirty="0"/>
-          </a:p>
-          <a:p>
-            <a:endParaRPr lang="en-US" dirty="0"/>
-          </a:p>
-          <a:p>
-            <a:pPr marL="0" indent="0">
-              <a:buNone/>
-            </a:pPr>
-            <a:r>
-              <a:rPr lang="en-US" dirty="0"/>
-              <a:t>Singularity </a:t>
-            </a:r>
-          </a:p>
-          <a:p>
-            <a:r>
-              <a:rPr lang="en-US" dirty="0"/>
-              <a:t>Ray Kurzweil – Singularity - </a:t>
-            </a:r>
-            <a:r>
-              <a:rPr lang="en-US" dirty="0">
-                <a:hlinkClick r:id="rId6"/>
-              </a:rPr>
-              <a:t>https://en.wikipedia.org/wiki/The_Singularity_Is_Near</a:t>
-            </a:r>
-            <a:endParaRPr lang="en-US" dirty="0"/>
-          </a:p>
-          <a:p>
-            <a:r>
-              <a:rPr lang="en-US" dirty="0"/>
-              <a:t>John Von Neumann - </a:t>
-            </a:r>
-            <a:r>
-              <a:rPr lang="en-US" dirty="0">
-                <a:hlinkClick r:id="rId7"/>
-              </a:rPr>
-              <a:t>https://en.wikipedia.org/wiki/The_Computer_and_the_Brain</a:t>
-            </a:r>
-            <a:endParaRPr lang="en-US" dirty="0"/>
-          </a:p>
-          <a:p>
-            <a:pPr marL="0" indent="0">
-              <a:buNone/>
-            </a:pPr>
-            <a:endParaRPr lang="en-US" dirty="0"/>
-          </a:p>
-          <a:p>
-            <a:pPr marL="0" indent="0">
-              <a:buNone/>
-            </a:pPr>
-            <a:r>
-              <a:rPr lang="en-US" dirty="0"/>
-              <a:t>Hardware</a:t>
-            </a:r>
-          </a:p>
-          <a:p>
-            <a:r>
-              <a:rPr lang="en-US" dirty="0"/>
-              <a:t>TPU diagram (scalar, vector, matrix) and perf chart:  </a:t>
-            </a:r>
-            <a:r>
-              <a:rPr lang="en-US" dirty="0">
-                <a:hlinkClick r:id="rId8"/>
-              </a:rPr>
-              <a:t>https://cloud.google.com/blog/big-data/2017/05/an-in-depth-look-at-googles-first-tensor-processing-unit-tpu#closeImag</a:t>
-            </a:r>
-            <a:endParaRPr lang="en-US" dirty="0"/>
-          </a:p>
-          <a:p>
-            <a:pPr marL="0" indent="0">
-              <a:buNone/>
-            </a:pPr>
-            <a:r>
-              <a:rPr lang="en-US" dirty="0"/>
-              <a:t>Other</a:t>
-            </a:r>
-          </a:p>
-          <a:p>
-            <a:r>
-              <a:rPr lang="en-US" dirty="0"/>
-              <a:t>Kaggle – Boosting 70% wins (article:  https://medium.com/syncedreview/tree-boosting-with-xgboost-why-does-xgboost-win-every-machine-learning-competition-ca8034c0b283)</a:t>
-            </a:r>
-          </a:p>
-          <a:p>
-            <a:pPr marL="0" indent="0">
-              <a:buNone/>
-            </a:pPr>
-            <a:endParaRPr lang="en-US" dirty="0"/>
+            <a:endParaRPr lang="en-US" i="0" dirty="0"/>
+          </a:p>
+          <a:p>
+            <a:pPr lvl="1"/>
+            <a:endParaRPr lang="en-US" i="0" dirty="0"/>
           </a:p>
         </p:txBody>
       </p:sp>
@@ -6463,7 +8854,1199 @@
     </p:spTree>
     <p:extLst>
       <p:ext uri="{BB962C8B-B14F-4D97-AF65-F5344CB8AC3E}">
-        <p14:creationId xmlns:p14="http://schemas.microsoft.com/office/powerpoint/2010/main" val="4098846397"/>
+        <p14:creationId xmlns:p14="http://schemas.microsoft.com/office/powerpoint/2010/main" val="1452440057"/>
+      </p:ext>
+    </p:extLst>
+  </p:cSld>
+  <p:clrMapOvr>
+    <a:masterClrMapping/>
+  </p:clrMapOvr>
+</p:sld>
+</file>
+
+<file path=ppt/slides/slide7.xml><?xml version="1.0" encoding="utf-8"?>
+<p:sld xmlns:a="http://schemas.openxmlformats.org/drawingml/2006/main" xmlns:r="http://schemas.openxmlformats.org/officeDocument/2006/relationships" xmlns:p="http://schemas.openxmlformats.org/presentationml/2006/main">
+  <p:cSld>
+    <p:spTree>
+      <p:nvGrpSpPr>
+        <p:cNvPr id="1" name=""/>
+        <p:cNvGrpSpPr/>
+        <p:nvPr/>
+      </p:nvGrpSpPr>
+      <p:grpSpPr>
+        <a:xfrm>
+          <a:off x="0" y="0"/>
+          <a:ext cx="0" cy="0"/>
+          <a:chOff x="0" y="0"/>
+          <a:chExt cx="0" cy="0"/>
+        </a:xfrm>
+      </p:grpSpPr>
+      <p:sp>
+        <p:nvSpPr>
+          <p:cNvPr id="2" name="Title 1">
+            <a:extLst>
+              <a:ext uri="{FF2B5EF4-FFF2-40B4-BE49-F238E27FC236}">
+                <a16:creationId xmlns:a16="http://schemas.microsoft.com/office/drawing/2014/main" id="{D1EBA635-2F7F-4838-A23A-2C3E13E2F1D5}"/>
+              </a:ext>
+            </a:extLst>
+          </p:cNvPr>
+          <p:cNvSpPr>
+            <a:spLocks noGrp="1"/>
+          </p:cNvSpPr>
+          <p:nvPr>
+            <p:ph type="title"/>
+          </p:nvPr>
+        </p:nvSpPr>
+        <p:spPr>
+          <a:xfrm>
+            <a:off x="1141560" y="196965"/>
+            <a:ext cx="9601200" cy="987729"/>
+          </a:xfrm>
+        </p:spPr>
+        <p:txBody>
+          <a:bodyPr/>
+          <a:lstStyle/>
+          <a:p>
+            <a:r>
+              <a:rPr lang="en-US" dirty="0"/>
+              <a:t>Logistic Regression – Classification</a:t>
+            </a:r>
+          </a:p>
+        </p:txBody>
+      </p:sp>
+      <p:sp>
+        <p:nvSpPr>
+          <p:cNvPr id="3" name="Content Placeholder 2">
+            <a:extLst>
+              <a:ext uri="{FF2B5EF4-FFF2-40B4-BE49-F238E27FC236}">
+                <a16:creationId xmlns:a16="http://schemas.microsoft.com/office/drawing/2014/main" id="{890E8DCC-CEBE-42F0-BEE6-20CE768757A8}"/>
+              </a:ext>
+            </a:extLst>
+          </p:cNvPr>
+          <p:cNvSpPr>
+            <a:spLocks noGrp="1"/>
+          </p:cNvSpPr>
+          <p:nvPr>
+            <p:ph idx="1"/>
+          </p:nvPr>
+        </p:nvSpPr>
+        <p:spPr>
+          <a:xfrm>
+            <a:off x="1187569" y="1023667"/>
+            <a:ext cx="10550105" cy="5348378"/>
+          </a:xfrm>
+        </p:spPr>
+        <p:txBody>
+          <a:bodyPr/>
+          <a:lstStyle/>
+          <a:p>
+            <a:r>
+              <a:rPr lang="en-US" i="0" dirty="0"/>
+              <a:t>How to train a machine to detect if any given song (text) is from “The Beatles” or not ?</a:t>
+            </a:r>
+          </a:p>
+          <a:p>
+            <a:r>
+              <a:rPr lang="en-US" dirty="0"/>
+              <a:t>Input 500 sample Beatles songs, 500 songs from the Clash, train a model</a:t>
+            </a:r>
+          </a:p>
+          <a:p>
+            <a:r>
+              <a:rPr lang="en-US" i="0" dirty="0"/>
+              <a:t>How to turn song into trainable “features” – occurrence of each word (Bag of Words) ?</a:t>
+            </a:r>
+          </a:p>
+          <a:p>
+            <a:r>
+              <a:rPr lang="en-US" dirty="0"/>
+              <a:t>&lt;Insert table showing words, frequency&gt;</a:t>
+            </a:r>
+          </a:p>
+          <a:p>
+            <a:endParaRPr lang="en-US" i="0" dirty="0"/>
+          </a:p>
+          <a:p>
+            <a:r>
+              <a:rPr lang="en-US" dirty="0"/>
+              <a:t>Given n-top featured words, construct a model:</a:t>
+            </a:r>
+          </a:p>
+          <a:p>
+            <a:endParaRPr lang="en-US" i="0" dirty="0"/>
+          </a:p>
+          <a:p>
+            <a:r>
+              <a:rPr lang="en-US" dirty="0"/>
+              <a:t>&lt;insert 5 node Logistic Model&gt;</a:t>
+            </a:r>
+          </a:p>
+          <a:p>
+            <a:endParaRPr lang="en-US" i="0" dirty="0"/>
+          </a:p>
+          <a:p>
+            <a:r>
+              <a:rPr lang="en-US" dirty="0"/>
+              <a:t>Based on “score” +/-, convert to a probability 1 (true) or 0 (false)</a:t>
+            </a:r>
+          </a:p>
+          <a:p>
+            <a:r>
+              <a:rPr lang="en-US" i="0" dirty="0"/>
+              <a:t>Train/tune the “weights” of each word (</a:t>
+            </a:r>
+            <a:r>
+              <a:rPr lang="en-US" i="0" dirty="0">
+                <a:sym typeface="Wingdings" panose="05000000000000000000" pitchFamily="2" charset="2"/>
+              </a:rPr>
+              <a:t> this </a:t>
+            </a:r>
+            <a:r>
+              <a:rPr lang="en-US" i="0" dirty="0"/>
+              <a:t>machine learning/training)</a:t>
+            </a:r>
+          </a:p>
+          <a:p>
+            <a:r>
+              <a:rPr lang="en-US" i="0" dirty="0"/>
+              <a:t>Test the model vs real data (80% accuracy ?)</a:t>
+            </a:r>
+          </a:p>
+          <a:p>
+            <a:pPr marL="530352" lvl="1" indent="0">
+              <a:buNone/>
+            </a:pPr>
+            <a:endParaRPr lang="en-US" i="0" dirty="0"/>
+          </a:p>
+          <a:p>
+            <a:pPr lvl="1"/>
+            <a:endParaRPr lang="en-US" i="0" dirty="0"/>
+          </a:p>
+        </p:txBody>
+      </p:sp>
+      <p:sp>
+        <p:nvSpPr>
+          <p:cNvPr id="4" name="Content Placeholder 2">
+            <a:extLst>
+              <a:ext uri="{FF2B5EF4-FFF2-40B4-BE49-F238E27FC236}">
+                <a16:creationId xmlns:a16="http://schemas.microsoft.com/office/drawing/2014/main" id="{CD97B703-0D68-4C3A-9692-C69CF75ED4AD}"/>
+              </a:ext>
+            </a:extLst>
+          </p:cNvPr>
+          <p:cNvSpPr txBox="1">
+            <a:spLocks/>
+          </p:cNvSpPr>
+          <p:nvPr/>
+        </p:nvSpPr>
+        <p:spPr>
+          <a:xfrm>
+            <a:off x="-215661" y="196965"/>
+            <a:ext cx="10550105" cy="5348378"/>
+          </a:xfrm>
+          <a:prstGeom prst="rect">
+            <a:avLst/>
+          </a:prstGeom>
+        </p:spPr>
+        <p:txBody>
+          <a:bodyPr vert="horz" lIns="91440" tIns="45720" rIns="91440" bIns="45720" rtlCol="0">
+            <a:normAutofit/>
+          </a:bodyPr>
+          <a:lstStyle>
+            <a:lvl1pPr marL="384048" indent="-384048" algn="l" defTabSz="914400" rtl="0" eaLnBrk="1" latinLnBrk="0" hangingPunct="1">
+              <a:lnSpc>
+                <a:spcPct val="94000"/>
+              </a:lnSpc>
+              <a:spcBef>
+                <a:spcPts val="1000"/>
+              </a:spcBef>
+              <a:spcAft>
+                <a:spcPts val="200"/>
+              </a:spcAft>
+              <a:buFont typeface="Franklin Gothic Book" panose="020B0503020102020204" pitchFamily="34" charset="0"/>
+              <a:buChar char="■"/>
+              <a:defRPr sz="2000" kern="1200" baseline="0">
+                <a:solidFill>
+                  <a:schemeClr val="tx2"/>
+                </a:solidFill>
+                <a:latin typeface="+mn-lt"/>
+                <a:ea typeface="+mn-ea"/>
+                <a:cs typeface="+mn-cs"/>
+              </a:defRPr>
+            </a:lvl1pPr>
+            <a:lvl2pPr marL="914400" indent="-384048" algn="l" defTabSz="914400" rtl="0" eaLnBrk="1" latinLnBrk="0" hangingPunct="1">
+              <a:lnSpc>
+                <a:spcPct val="94000"/>
+              </a:lnSpc>
+              <a:spcBef>
+                <a:spcPts val="500"/>
+              </a:spcBef>
+              <a:spcAft>
+                <a:spcPts val="200"/>
+              </a:spcAft>
+              <a:buFont typeface="Franklin Gothic Book" panose="020B0503020102020204" pitchFamily="34" charset="0"/>
+              <a:buChar char="–"/>
+              <a:defRPr sz="2000" i="1" kern="1200" baseline="0">
+                <a:solidFill>
+                  <a:schemeClr val="tx2"/>
+                </a:solidFill>
+                <a:latin typeface="+mn-lt"/>
+                <a:ea typeface="+mn-ea"/>
+                <a:cs typeface="+mn-cs"/>
+              </a:defRPr>
+            </a:lvl2pPr>
+            <a:lvl3pPr marL="1371600" indent="-384048" algn="l" defTabSz="914400" rtl="0" eaLnBrk="1" latinLnBrk="0" hangingPunct="1">
+              <a:lnSpc>
+                <a:spcPct val="94000"/>
+              </a:lnSpc>
+              <a:spcBef>
+                <a:spcPts val="500"/>
+              </a:spcBef>
+              <a:spcAft>
+                <a:spcPts val="200"/>
+              </a:spcAft>
+              <a:buFont typeface="Franklin Gothic Book" panose="020B0503020102020204" pitchFamily="34" charset="0"/>
+              <a:buChar char="■"/>
+              <a:defRPr sz="1800" kern="1200" baseline="0">
+                <a:solidFill>
+                  <a:schemeClr val="tx2"/>
+                </a:solidFill>
+                <a:latin typeface="+mn-lt"/>
+                <a:ea typeface="+mn-ea"/>
+                <a:cs typeface="+mn-cs"/>
+              </a:defRPr>
+            </a:lvl3pPr>
+            <a:lvl4pPr marL="1828800" indent="-384048" algn="l" defTabSz="914400" rtl="0" eaLnBrk="1" latinLnBrk="0" hangingPunct="1">
+              <a:lnSpc>
+                <a:spcPct val="94000"/>
+              </a:lnSpc>
+              <a:spcBef>
+                <a:spcPts val="500"/>
+              </a:spcBef>
+              <a:spcAft>
+                <a:spcPts val="200"/>
+              </a:spcAft>
+              <a:buFont typeface="Franklin Gothic Book" panose="020B0503020102020204" pitchFamily="34" charset="0"/>
+              <a:buChar char="–"/>
+              <a:defRPr sz="1800" i="1" kern="1200" baseline="0">
+                <a:solidFill>
+                  <a:schemeClr val="tx2"/>
+                </a:solidFill>
+                <a:latin typeface="+mn-lt"/>
+                <a:ea typeface="+mn-ea"/>
+                <a:cs typeface="+mn-cs"/>
+              </a:defRPr>
+            </a:lvl4pPr>
+            <a:lvl5pPr marL="2286000" indent="-384048" algn="l" defTabSz="914400" rtl="0" eaLnBrk="1" latinLnBrk="0" hangingPunct="1">
+              <a:lnSpc>
+                <a:spcPct val="94000"/>
+              </a:lnSpc>
+              <a:spcBef>
+                <a:spcPts val="500"/>
+              </a:spcBef>
+              <a:spcAft>
+                <a:spcPts val="200"/>
+              </a:spcAft>
+              <a:buFont typeface="Franklin Gothic Book" panose="020B0503020102020204" pitchFamily="34" charset="0"/>
+              <a:buChar char="■"/>
+              <a:defRPr sz="1600" kern="1200" baseline="0">
+                <a:solidFill>
+                  <a:schemeClr val="tx2"/>
+                </a:solidFill>
+                <a:latin typeface="+mn-lt"/>
+                <a:ea typeface="+mn-ea"/>
+                <a:cs typeface="+mn-cs"/>
+              </a:defRPr>
+            </a:lvl5pPr>
+            <a:lvl6pPr marL="2743200" indent="-384048" algn="l" defTabSz="914400" rtl="0" eaLnBrk="1" latinLnBrk="0" hangingPunct="1">
+              <a:lnSpc>
+                <a:spcPct val="94000"/>
+              </a:lnSpc>
+              <a:spcBef>
+                <a:spcPts val="500"/>
+              </a:spcBef>
+              <a:spcAft>
+                <a:spcPts val="200"/>
+              </a:spcAft>
+              <a:buFont typeface="Franklin Gothic Book" panose="020B0503020102020204" pitchFamily="34" charset="0"/>
+              <a:buChar char="–"/>
+              <a:defRPr sz="1600" i="1" kern="1200" baseline="0">
+                <a:solidFill>
+                  <a:schemeClr val="tx2"/>
+                </a:solidFill>
+                <a:latin typeface="+mn-lt"/>
+                <a:ea typeface="+mn-ea"/>
+                <a:cs typeface="+mn-cs"/>
+              </a:defRPr>
+            </a:lvl6pPr>
+            <a:lvl7pPr marL="3200400" indent="-384048" algn="l" defTabSz="914400" rtl="0" eaLnBrk="1" latinLnBrk="0" hangingPunct="1">
+              <a:lnSpc>
+                <a:spcPct val="94000"/>
+              </a:lnSpc>
+              <a:spcBef>
+                <a:spcPts val="500"/>
+              </a:spcBef>
+              <a:spcAft>
+                <a:spcPts val="200"/>
+              </a:spcAft>
+              <a:buFont typeface="Franklin Gothic Book" panose="020B0503020102020204" pitchFamily="34" charset="0"/>
+              <a:buChar char="■"/>
+              <a:defRPr sz="1400" kern="1200" baseline="0">
+                <a:solidFill>
+                  <a:schemeClr val="tx2"/>
+                </a:solidFill>
+                <a:latin typeface="+mn-lt"/>
+                <a:ea typeface="+mn-ea"/>
+                <a:cs typeface="+mn-cs"/>
+              </a:defRPr>
+            </a:lvl7pPr>
+            <a:lvl8pPr marL="3657600" indent="-384048" algn="l" defTabSz="914400" rtl="0" eaLnBrk="1" latinLnBrk="0" hangingPunct="1">
+              <a:lnSpc>
+                <a:spcPct val="94000"/>
+              </a:lnSpc>
+              <a:spcBef>
+                <a:spcPts val="500"/>
+              </a:spcBef>
+              <a:spcAft>
+                <a:spcPts val="200"/>
+              </a:spcAft>
+              <a:buFont typeface="Franklin Gothic Book" panose="020B0503020102020204" pitchFamily="34" charset="0"/>
+              <a:buChar char="–"/>
+              <a:defRPr sz="1400" i="1" kern="1200" baseline="0">
+                <a:solidFill>
+                  <a:schemeClr val="tx2"/>
+                </a:solidFill>
+                <a:latin typeface="+mn-lt"/>
+                <a:ea typeface="+mn-ea"/>
+                <a:cs typeface="+mn-cs"/>
+              </a:defRPr>
+            </a:lvl8pPr>
+            <a:lvl9pPr marL="4114800" indent="-384048" algn="l" defTabSz="914400" rtl="0" eaLnBrk="1" latinLnBrk="0" hangingPunct="1">
+              <a:lnSpc>
+                <a:spcPct val="94000"/>
+              </a:lnSpc>
+              <a:spcBef>
+                <a:spcPts val="500"/>
+              </a:spcBef>
+              <a:spcAft>
+                <a:spcPts val="200"/>
+              </a:spcAft>
+              <a:buFont typeface="Franklin Gothic Book" panose="020B0503020102020204" pitchFamily="34" charset="0"/>
+              <a:buChar char="■"/>
+              <a:defRPr sz="1400" kern="1200" baseline="0">
+                <a:solidFill>
+                  <a:schemeClr val="tx2"/>
+                </a:solidFill>
+                <a:latin typeface="+mn-lt"/>
+                <a:ea typeface="+mn-ea"/>
+                <a:cs typeface="+mn-cs"/>
+              </a:defRPr>
+            </a:lvl9pPr>
+          </a:lstStyle>
+          <a:p>
+            <a:endParaRPr lang="en-US" dirty="0"/>
+          </a:p>
+        </p:txBody>
+      </p:sp>
+    </p:spTree>
+    <p:extLst>
+      <p:ext uri="{BB962C8B-B14F-4D97-AF65-F5344CB8AC3E}">
+        <p14:creationId xmlns:p14="http://schemas.microsoft.com/office/powerpoint/2010/main" val="4076811834"/>
+      </p:ext>
+    </p:extLst>
+  </p:cSld>
+  <p:clrMapOvr>
+    <a:masterClrMapping/>
+  </p:clrMapOvr>
+</p:sld>
+</file>
+
+<file path=ppt/slides/slide8.xml><?xml version="1.0" encoding="utf-8"?>
+<p:sld xmlns:a="http://schemas.openxmlformats.org/drawingml/2006/main" xmlns:r="http://schemas.openxmlformats.org/officeDocument/2006/relationships" xmlns:p="http://schemas.openxmlformats.org/presentationml/2006/main">
+  <p:cSld>
+    <p:spTree>
+      <p:nvGrpSpPr>
+        <p:cNvPr id="1" name=""/>
+        <p:cNvGrpSpPr/>
+        <p:nvPr/>
+      </p:nvGrpSpPr>
+      <p:grpSpPr>
+        <a:xfrm>
+          <a:off x="0" y="0"/>
+          <a:ext cx="0" cy="0"/>
+          <a:chOff x="0" y="0"/>
+          <a:chExt cx="0" cy="0"/>
+        </a:xfrm>
+      </p:grpSpPr>
+      <p:sp>
+        <p:nvSpPr>
+          <p:cNvPr id="2" name="Title 1">
+            <a:extLst>
+              <a:ext uri="{FF2B5EF4-FFF2-40B4-BE49-F238E27FC236}">
+                <a16:creationId xmlns:a16="http://schemas.microsoft.com/office/drawing/2014/main" id="{D1EBA635-2F7F-4838-A23A-2C3E13E2F1D5}"/>
+              </a:ext>
+            </a:extLst>
+          </p:cNvPr>
+          <p:cNvSpPr>
+            <a:spLocks noGrp="1"/>
+          </p:cNvSpPr>
+          <p:nvPr>
+            <p:ph type="title"/>
+          </p:nvPr>
+        </p:nvSpPr>
+        <p:spPr>
+          <a:xfrm>
+            <a:off x="1141560" y="196965"/>
+            <a:ext cx="9601200" cy="987729"/>
+          </a:xfrm>
+        </p:spPr>
+        <p:txBody>
+          <a:bodyPr>
+            <a:normAutofit fontScale="90000"/>
+          </a:bodyPr>
+          <a:lstStyle/>
+          <a:p>
+            <a:r>
+              <a:rPr lang="en-US" dirty="0"/>
+              <a:t>Logistic Regression – Trade Error Detector</a:t>
+            </a:r>
+          </a:p>
+        </p:txBody>
+      </p:sp>
+      <p:sp>
+        <p:nvSpPr>
+          <p:cNvPr id="3" name="Content Placeholder 2">
+            <a:extLst>
+              <a:ext uri="{FF2B5EF4-FFF2-40B4-BE49-F238E27FC236}">
+                <a16:creationId xmlns:a16="http://schemas.microsoft.com/office/drawing/2014/main" id="{890E8DCC-CEBE-42F0-BEE6-20CE768757A8}"/>
+              </a:ext>
+            </a:extLst>
+          </p:cNvPr>
+          <p:cNvSpPr>
+            <a:spLocks noGrp="1"/>
+          </p:cNvSpPr>
+          <p:nvPr>
+            <p:ph idx="1"/>
+          </p:nvPr>
+        </p:nvSpPr>
+        <p:spPr>
+          <a:xfrm>
+            <a:off x="1187569" y="1023667"/>
+            <a:ext cx="10550105" cy="5348378"/>
+          </a:xfrm>
+        </p:spPr>
+        <p:txBody>
+          <a:bodyPr/>
+          <a:lstStyle/>
+          <a:p>
+            <a:r>
+              <a:rPr lang="en-US" i="0" dirty="0"/>
+              <a:t>Can we use the same approach to detect errors in manual inputs to say, booking derivatives ?</a:t>
+            </a:r>
+          </a:p>
+          <a:p>
+            <a:r>
+              <a:rPr lang="en-US" dirty="0"/>
+              <a:t>Derivative “features”</a:t>
+            </a:r>
+          </a:p>
+          <a:p>
+            <a:pPr lvl="1"/>
+            <a:r>
+              <a:rPr lang="en-US" i="0" dirty="0"/>
+              <a:t>Type (IRS Swap, Future, FRA, Swaption, FX)</a:t>
+            </a:r>
+          </a:p>
+          <a:p>
+            <a:pPr lvl="1"/>
+            <a:r>
+              <a:rPr lang="en-US" i="0" dirty="0"/>
+              <a:t>Notional ($1m – $100m)</a:t>
+            </a:r>
+          </a:p>
+          <a:p>
+            <a:pPr lvl="1"/>
+            <a:r>
+              <a:rPr lang="en-US" i="0" dirty="0"/>
+              <a:t>Counterparty (ABN </a:t>
+            </a:r>
+            <a:r>
+              <a:rPr lang="en-US" i="0" dirty="0" err="1"/>
+              <a:t>Amuro</a:t>
+            </a:r>
+            <a:r>
+              <a:rPr lang="en-US" i="0" dirty="0"/>
+              <a:t>, General Electric, </a:t>
+            </a:r>
+            <a:r>
+              <a:rPr lang="en-US" i="0" dirty="0" err="1"/>
+              <a:t>etc</a:t>
+            </a:r>
+            <a:r>
+              <a:rPr lang="en-US" i="0" dirty="0"/>
+              <a:t>)</a:t>
+            </a:r>
+          </a:p>
+          <a:p>
+            <a:pPr lvl="1"/>
+            <a:r>
+              <a:rPr lang="en-US" i="0" dirty="0"/>
+              <a:t>Reference Index (LIBOR3m+spread, LIBOR6m+spread, </a:t>
+            </a:r>
+            <a:r>
+              <a:rPr lang="en-US" i="0" dirty="0" err="1"/>
+              <a:t>etc</a:t>
+            </a:r>
+            <a:r>
+              <a:rPr lang="en-US" i="0" dirty="0"/>
+              <a:t>)</a:t>
+            </a:r>
+          </a:p>
+          <a:p>
+            <a:pPr lvl="1"/>
+            <a:r>
+              <a:rPr lang="en-US" i="0" dirty="0"/>
+              <a:t># Legs in trade</a:t>
+            </a:r>
+          </a:p>
+          <a:p>
+            <a:r>
+              <a:rPr lang="en-US" dirty="0"/>
+              <a:t>How do we map these to numeric features (0.0-1.0) ???   </a:t>
+            </a:r>
+          </a:p>
+          <a:p>
+            <a:r>
+              <a:rPr lang="en-US" i="0" dirty="0"/>
+              <a:t>LR model may not work, luckily there are many other models.</a:t>
+            </a:r>
+          </a:p>
+          <a:p>
+            <a:r>
+              <a:rPr lang="en-US" dirty="0"/>
+              <a:t>&lt;insert 5 note LR model&gt;</a:t>
+            </a:r>
+          </a:p>
+          <a:p>
+            <a:r>
+              <a:rPr lang="en-US" dirty="0"/>
+              <a:t>Note # of weights to calculate /optimize</a:t>
+            </a:r>
+          </a:p>
+          <a:p>
+            <a:endParaRPr lang="en-US" i="0" dirty="0"/>
+          </a:p>
+        </p:txBody>
+      </p:sp>
+      <p:sp>
+        <p:nvSpPr>
+          <p:cNvPr id="4" name="Content Placeholder 2">
+            <a:extLst>
+              <a:ext uri="{FF2B5EF4-FFF2-40B4-BE49-F238E27FC236}">
+                <a16:creationId xmlns:a16="http://schemas.microsoft.com/office/drawing/2014/main" id="{CD97B703-0D68-4C3A-9692-C69CF75ED4AD}"/>
+              </a:ext>
+            </a:extLst>
+          </p:cNvPr>
+          <p:cNvSpPr txBox="1">
+            <a:spLocks/>
+          </p:cNvSpPr>
+          <p:nvPr/>
+        </p:nvSpPr>
+        <p:spPr>
+          <a:xfrm>
+            <a:off x="-215661" y="196965"/>
+            <a:ext cx="10550105" cy="5348378"/>
+          </a:xfrm>
+          <a:prstGeom prst="rect">
+            <a:avLst/>
+          </a:prstGeom>
+        </p:spPr>
+        <p:txBody>
+          <a:bodyPr vert="horz" lIns="91440" tIns="45720" rIns="91440" bIns="45720" rtlCol="0">
+            <a:normAutofit/>
+          </a:bodyPr>
+          <a:lstStyle>
+            <a:lvl1pPr marL="384048" indent="-384048" algn="l" defTabSz="914400" rtl="0" eaLnBrk="1" latinLnBrk="0" hangingPunct="1">
+              <a:lnSpc>
+                <a:spcPct val="94000"/>
+              </a:lnSpc>
+              <a:spcBef>
+                <a:spcPts val="1000"/>
+              </a:spcBef>
+              <a:spcAft>
+                <a:spcPts val="200"/>
+              </a:spcAft>
+              <a:buFont typeface="Franklin Gothic Book" panose="020B0503020102020204" pitchFamily="34" charset="0"/>
+              <a:buChar char="■"/>
+              <a:defRPr sz="2000" kern="1200" baseline="0">
+                <a:solidFill>
+                  <a:schemeClr val="tx2"/>
+                </a:solidFill>
+                <a:latin typeface="+mn-lt"/>
+                <a:ea typeface="+mn-ea"/>
+                <a:cs typeface="+mn-cs"/>
+              </a:defRPr>
+            </a:lvl1pPr>
+            <a:lvl2pPr marL="914400" indent="-384048" algn="l" defTabSz="914400" rtl="0" eaLnBrk="1" latinLnBrk="0" hangingPunct="1">
+              <a:lnSpc>
+                <a:spcPct val="94000"/>
+              </a:lnSpc>
+              <a:spcBef>
+                <a:spcPts val="500"/>
+              </a:spcBef>
+              <a:spcAft>
+                <a:spcPts val="200"/>
+              </a:spcAft>
+              <a:buFont typeface="Franklin Gothic Book" panose="020B0503020102020204" pitchFamily="34" charset="0"/>
+              <a:buChar char="–"/>
+              <a:defRPr sz="2000" i="1" kern="1200" baseline="0">
+                <a:solidFill>
+                  <a:schemeClr val="tx2"/>
+                </a:solidFill>
+                <a:latin typeface="+mn-lt"/>
+                <a:ea typeface="+mn-ea"/>
+                <a:cs typeface="+mn-cs"/>
+              </a:defRPr>
+            </a:lvl2pPr>
+            <a:lvl3pPr marL="1371600" indent="-384048" algn="l" defTabSz="914400" rtl="0" eaLnBrk="1" latinLnBrk="0" hangingPunct="1">
+              <a:lnSpc>
+                <a:spcPct val="94000"/>
+              </a:lnSpc>
+              <a:spcBef>
+                <a:spcPts val="500"/>
+              </a:spcBef>
+              <a:spcAft>
+                <a:spcPts val="200"/>
+              </a:spcAft>
+              <a:buFont typeface="Franklin Gothic Book" panose="020B0503020102020204" pitchFamily="34" charset="0"/>
+              <a:buChar char="■"/>
+              <a:defRPr sz="1800" kern="1200" baseline="0">
+                <a:solidFill>
+                  <a:schemeClr val="tx2"/>
+                </a:solidFill>
+                <a:latin typeface="+mn-lt"/>
+                <a:ea typeface="+mn-ea"/>
+                <a:cs typeface="+mn-cs"/>
+              </a:defRPr>
+            </a:lvl3pPr>
+            <a:lvl4pPr marL="1828800" indent="-384048" algn="l" defTabSz="914400" rtl="0" eaLnBrk="1" latinLnBrk="0" hangingPunct="1">
+              <a:lnSpc>
+                <a:spcPct val="94000"/>
+              </a:lnSpc>
+              <a:spcBef>
+                <a:spcPts val="500"/>
+              </a:spcBef>
+              <a:spcAft>
+                <a:spcPts val="200"/>
+              </a:spcAft>
+              <a:buFont typeface="Franklin Gothic Book" panose="020B0503020102020204" pitchFamily="34" charset="0"/>
+              <a:buChar char="–"/>
+              <a:defRPr sz="1800" i="1" kern="1200" baseline="0">
+                <a:solidFill>
+                  <a:schemeClr val="tx2"/>
+                </a:solidFill>
+                <a:latin typeface="+mn-lt"/>
+                <a:ea typeface="+mn-ea"/>
+                <a:cs typeface="+mn-cs"/>
+              </a:defRPr>
+            </a:lvl4pPr>
+            <a:lvl5pPr marL="2286000" indent="-384048" algn="l" defTabSz="914400" rtl="0" eaLnBrk="1" latinLnBrk="0" hangingPunct="1">
+              <a:lnSpc>
+                <a:spcPct val="94000"/>
+              </a:lnSpc>
+              <a:spcBef>
+                <a:spcPts val="500"/>
+              </a:spcBef>
+              <a:spcAft>
+                <a:spcPts val="200"/>
+              </a:spcAft>
+              <a:buFont typeface="Franklin Gothic Book" panose="020B0503020102020204" pitchFamily="34" charset="0"/>
+              <a:buChar char="■"/>
+              <a:defRPr sz="1600" kern="1200" baseline="0">
+                <a:solidFill>
+                  <a:schemeClr val="tx2"/>
+                </a:solidFill>
+                <a:latin typeface="+mn-lt"/>
+                <a:ea typeface="+mn-ea"/>
+                <a:cs typeface="+mn-cs"/>
+              </a:defRPr>
+            </a:lvl5pPr>
+            <a:lvl6pPr marL="2743200" indent="-384048" algn="l" defTabSz="914400" rtl="0" eaLnBrk="1" latinLnBrk="0" hangingPunct="1">
+              <a:lnSpc>
+                <a:spcPct val="94000"/>
+              </a:lnSpc>
+              <a:spcBef>
+                <a:spcPts val="500"/>
+              </a:spcBef>
+              <a:spcAft>
+                <a:spcPts val="200"/>
+              </a:spcAft>
+              <a:buFont typeface="Franklin Gothic Book" panose="020B0503020102020204" pitchFamily="34" charset="0"/>
+              <a:buChar char="–"/>
+              <a:defRPr sz="1600" i="1" kern="1200" baseline="0">
+                <a:solidFill>
+                  <a:schemeClr val="tx2"/>
+                </a:solidFill>
+                <a:latin typeface="+mn-lt"/>
+                <a:ea typeface="+mn-ea"/>
+                <a:cs typeface="+mn-cs"/>
+              </a:defRPr>
+            </a:lvl6pPr>
+            <a:lvl7pPr marL="3200400" indent="-384048" algn="l" defTabSz="914400" rtl="0" eaLnBrk="1" latinLnBrk="0" hangingPunct="1">
+              <a:lnSpc>
+                <a:spcPct val="94000"/>
+              </a:lnSpc>
+              <a:spcBef>
+                <a:spcPts val="500"/>
+              </a:spcBef>
+              <a:spcAft>
+                <a:spcPts val="200"/>
+              </a:spcAft>
+              <a:buFont typeface="Franklin Gothic Book" panose="020B0503020102020204" pitchFamily="34" charset="0"/>
+              <a:buChar char="■"/>
+              <a:defRPr sz="1400" kern="1200" baseline="0">
+                <a:solidFill>
+                  <a:schemeClr val="tx2"/>
+                </a:solidFill>
+                <a:latin typeface="+mn-lt"/>
+                <a:ea typeface="+mn-ea"/>
+                <a:cs typeface="+mn-cs"/>
+              </a:defRPr>
+            </a:lvl7pPr>
+            <a:lvl8pPr marL="3657600" indent="-384048" algn="l" defTabSz="914400" rtl="0" eaLnBrk="1" latinLnBrk="0" hangingPunct="1">
+              <a:lnSpc>
+                <a:spcPct val="94000"/>
+              </a:lnSpc>
+              <a:spcBef>
+                <a:spcPts val="500"/>
+              </a:spcBef>
+              <a:spcAft>
+                <a:spcPts val="200"/>
+              </a:spcAft>
+              <a:buFont typeface="Franklin Gothic Book" panose="020B0503020102020204" pitchFamily="34" charset="0"/>
+              <a:buChar char="–"/>
+              <a:defRPr sz="1400" i="1" kern="1200" baseline="0">
+                <a:solidFill>
+                  <a:schemeClr val="tx2"/>
+                </a:solidFill>
+                <a:latin typeface="+mn-lt"/>
+                <a:ea typeface="+mn-ea"/>
+                <a:cs typeface="+mn-cs"/>
+              </a:defRPr>
+            </a:lvl8pPr>
+            <a:lvl9pPr marL="4114800" indent="-384048" algn="l" defTabSz="914400" rtl="0" eaLnBrk="1" latinLnBrk="0" hangingPunct="1">
+              <a:lnSpc>
+                <a:spcPct val="94000"/>
+              </a:lnSpc>
+              <a:spcBef>
+                <a:spcPts val="500"/>
+              </a:spcBef>
+              <a:spcAft>
+                <a:spcPts val="200"/>
+              </a:spcAft>
+              <a:buFont typeface="Franklin Gothic Book" panose="020B0503020102020204" pitchFamily="34" charset="0"/>
+              <a:buChar char="■"/>
+              <a:defRPr sz="1400" kern="1200" baseline="0">
+                <a:solidFill>
+                  <a:schemeClr val="tx2"/>
+                </a:solidFill>
+                <a:latin typeface="+mn-lt"/>
+                <a:ea typeface="+mn-ea"/>
+                <a:cs typeface="+mn-cs"/>
+              </a:defRPr>
+            </a:lvl9pPr>
+          </a:lstStyle>
+          <a:p>
+            <a:endParaRPr lang="en-US" dirty="0"/>
+          </a:p>
+        </p:txBody>
+      </p:sp>
+    </p:spTree>
+    <p:extLst>
+      <p:ext uri="{BB962C8B-B14F-4D97-AF65-F5344CB8AC3E}">
+        <p14:creationId xmlns:p14="http://schemas.microsoft.com/office/powerpoint/2010/main" val="2564922533"/>
+      </p:ext>
+    </p:extLst>
+  </p:cSld>
+  <p:clrMapOvr>
+    <a:masterClrMapping/>
+  </p:clrMapOvr>
+</p:sld>
+</file>
+
+<file path=ppt/slides/slide9.xml><?xml version="1.0" encoding="utf-8"?>
+<p:sld xmlns:a="http://schemas.openxmlformats.org/drawingml/2006/main" xmlns:r="http://schemas.openxmlformats.org/officeDocument/2006/relationships" xmlns:p="http://schemas.openxmlformats.org/presentationml/2006/main">
+  <p:cSld>
+    <p:spTree>
+      <p:nvGrpSpPr>
+        <p:cNvPr id="1" name=""/>
+        <p:cNvGrpSpPr/>
+        <p:nvPr/>
+      </p:nvGrpSpPr>
+      <p:grpSpPr>
+        <a:xfrm>
+          <a:off x="0" y="0"/>
+          <a:ext cx="0" cy="0"/>
+          <a:chOff x="0" y="0"/>
+          <a:chExt cx="0" cy="0"/>
+        </a:xfrm>
+      </p:grpSpPr>
+      <p:sp>
+        <p:nvSpPr>
+          <p:cNvPr id="2" name="Title 1">
+            <a:extLst>
+              <a:ext uri="{FF2B5EF4-FFF2-40B4-BE49-F238E27FC236}">
+                <a16:creationId xmlns:a16="http://schemas.microsoft.com/office/drawing/2014/main" id="{D1EBA635-2F7F-4838-A23A-2C3E13E2F1D5}"/>
+              </a:ext>
+            </a:extLst>
+          </p:cNvPr>
+          <p:cNvSpPr>
+            <a:spLocks noGrp="1"/>
+          </p:cNvSpPr>
+          <p:nvPr>
+            <p:ph type="title"/>
+          </p:nvPr>
+        </p:nvSpPr>
+        <p:spPr>
+          <a:xfrm>
+            <a:off x="1141560" y="196965"/>
+            <a:ext cx="9601200" cy="987729"/>
+          </a:xfrm>
+        </p:spPr>
+        <p:txBody>
+          <a:bodyPr>
+            <a:normAutofit/>
+          </a:bodyPr>
+          <a:lstStyle/>
+          <a:p>
+            <a:r>
+              <a:rPr lang="en-US" dirty="0"/>
+              <a:t>Decision Trees + Forests &amp; Boosting</a:t>
+            </a:r>
+          </a:p>
+        </p:txBody>
+      </p:sp>
+      <p:sp>
+        <p:nvSpPr>
+          <p:cNvPr id="3" name="Content Placeholder 2">
+            <a:extLst>
+              <a:ext uri="{FF2B5EF4-FFF2-40B4-BE49-F238E27FC236}">
+                <a16:creationId xmlns:a16="http://schemas.microsoft.com/office/drawing/2014/main" id="{890E8DCC-CEBE-42F0-BEE6-20CE768757A8}"/>
+              </a:ext>
+            </a:extLst>
+          </p:cNvPr>
+          <p:cNvSpPr>
+            <a:spLocks noGrp="1"/>
+          </p:cNvSpPr>
+          <p:nvPr>
+            <p:ph idx="1"/>
+          </p:nvPr>
+        </p:nvSpPr>
+        <p:spPr>
+          <a:xfrm>
+            <a:off x="1187569" y="1023667"/>
+            <a:ext cx="10550105" cy="5348378"/>
+          </a:xfrm>
+        </p:spPr>
+        <p:txBody>
+          <a:bodyPr/>
+          <a:lstStyle/>
+          <a:p>
+            <a:r>
+              <a:rPr lang="en-US" i="0" dirty="0"/>
+              <a:t>&lt;insert Tree view of Booking problem&gt;</a:t>
+            </a:r>
+          </a:p>
+          <a:p>
+            <a:endParaRPr lang="en-US" dirty="0"/>
+          </a:p>
+          <a:p>
+            <a:r>
+              <a:rPr lang="en-US" dirty="0"/>
+              <a:t>More natural fit since Trees allow multiple data classes (text, strings, </a:t>
+            </a:r>
+            <a:r>
+              <a:rPr lang="en-US" dirty="0" err="1"/>
+              <a:t>etc</a:t>
+            </a:r>
+            <a:r>
+              <a:rPr lang="en-US" dirty="0"/>
+              <a:t>)</a:t>
+            </a:r>
+          </a:p>
+          <a:p>
+            <a:endParaRPr lang="en-US" i="0" dirty="0"/>
+          </a:p>
+          <a:p>
+            <a:r>
+              <a:rPr lang="en-US" dirty="0"/>
+              <a:t>Random Forests &amp; Boosting – ways to combine additional trees to improve accuracy</a:t>
+            </a:r>
+          </a:p>
+          <a:p>
+            <a:endParaRPr lang="en-US" i="0" dirty="0"/>
+          </a:p>
+          <a:p>
+            <a:r>
+              <a:rPr lang="en-US" dirty="0"/>
+              <a:t>Decision Trees with Boosting win 70% of </a:t>
+            </a:r>
+            <a:r>
+              <a:rPr lang="en-US" dirty="0" err="1"/>
+              <a:t>Kraggle</a:t>
+            </a:r>
+            <a:r>
+              <a:rPr lang="en-US" dirty="0"/>
+              <a:t> competitions</a:t>
+            </a:r>
+            <a:r>
+              <a:rPr lang="en-US" baseline="30000" dirty="0"/>
+              <a:t>[1]</a:t>
+            </a:r>
+          </a:p>
+          <a:p>
+            <a:endParaRPr lang="en-US" dirty="0"/>
+          </a:p>
+          <a:p>
+            <a:pPr marL="0" indent="0">
+              <a:buNone/>
+            </a:pPr>
+            <a:endParaRPr lang="en-US" dirty="0"/>
+          </a:p>
+          <a:p>
+            <a:endParaRPr lang="en-US" i="0" baseline="30000" dirty="0"/>
+          </a:p>
+          <a:p>
+            <a:endParaRPr lang="en-US" i="0" baseline="30000" dirty="0"/>
+          </a:p>
+        </p:txBody>
+      </p:sp>
+      <p:sp>
+        <p:nvSpPr>
+          <p:cNvPr id="4" name="Content Placeholder 2">
+            <a:extLst>
+              <a:ext uri="{FF2B5EF4-FFF2-40B4-BE49-F238E27FC236}">
+                <a16:creationId xmlns:a16="http://schemas.microsoft.com/office/drawing/2014/main" id="{CD97B703-0D68-4C3A-9692-C69CF75ED4AD}"/>
+              </a:ext>
+            </a:extLst>
+          </p:cNvPr>
+          <p:cNvSpPr txBox="1">
+            <a:spLocks/>
+          </p:cNvSpPr>
+          <p:nvPr/>
+        </p:nvSpPr>
+        <p:spPr>
+          <a:xfrm>
+            <a:off x="-215661" y="196965"/>
+            <a:ext cx="10550105" cy="5348378"/>
+          </a:xfrm>
+          <a:prstGeom prst="rect">
+            <a:avLst/>
+          </a:prstGeom>
+        </p:spPr>
+        <p:txBody>
+          <a:bodyPr vert="horz" lIns="91440" tIns="45720" rIns="91440" bIns="45720" rtlCol="0">
+            <a:normAutofit/>
+          </a:bodyPr>
+          <a:lstStyle>
+            <a:lvl1pPr marL="384048" indent="-384048" algn="l" defTabSz="914400" rtl="0" eaLnBrk="1" latinLnBrk="0" hangingPunct="1">
+              <a:lnSpc>
+                <a:spcPct val="94000"/>
+              </a:lnSpc>
+              <a:spcBef>
+                <a:spcPts val="1000"/>
+              </a:spcBef>
+              <a:spcAft>
+                <a:spcPts val="200"/>
+              </a:spcAft>
+              <a:buFont typeface="Franklin Gothic Book" panose="020B0503020102020204" pitchFamily="34" charset="0"/>
+              <a:buChar char="■"/>
+              <a:defRPr sz="2000" kern="1200" baseline="0">
+                <a:solidFill>
+                  <a:schemeClr val="tx2"/>
+                </a:solidFill>
+                <a:latin typeface="+mn-lt"/>
+                <a:ea typeface="+mn-ea"/>
+                <a:cs typeface="+mn-cs"/>
+              </a:defRPr>
+            </a:lvl1pPr>
+            <a:lvl2pPr marL="914400" indent="-384048" algn="l" defTabSz="914400" rtl="0" eaLnBrk="1" latinLnBrk="0" hangingPunct="1">
+              <a:lnSpc>
+                <a:spcPct val="94000"/>
+              </a:lnSpc>
+              <a:spcBef>
+                <a:spcPts val="500"/>
+              </a:spcBef>
+              <a:spcAft>
+                <a:spcPts val="200"/>
+              </a:spcAft>
+              <a:buFont typeface="Franklin Gothic Book" panose="020B0503020102020204" pitchFamily="34" charset="0"/>
+              <a:buChar char="–"/>
+              <a:defRPr sz="2000" i="1" kern="1200" baseline="0">
+                <a:solidFill>
+                  <a:schemeClr val="tx2"/>
+                </a:solidFill>
+                <a:latin typeface="+mn-lt"/>
+                <a:ea typeface="+mn-ea"/>
+                <a:cs typeface="+mn-cs"/>
+              </a:defRPr>
+            </a:lvl2pPr>
+            <a:lvl3pPr marL="1371600" indent="-384048" algn="l" defTabSz="914400" rtl="0" eaLnBrk="1" latinLnBrk="0" hangingPunct="1">
+              <a:lnSpc>
+                <a:spcPct val="94000"/>
+              </a:lnSpc>
+              <a:spcBef>
+                <a:spcPts val="500"/>
+              </a:spcBef>
+              <a:spcAft>
+                <a:spcPts val="200"/>
+              </a:spcAft>
+              <a:buFont typeface="Franklin Gothic Book" panose="020B0503020102020204" pitchFamily="34" charset="0"/>
+              <a:buChar char="■"/>
+              <a:defRPr sz="1800" kern="1200" baseline="0">
+                <a:solidFill>
+                  <a:schemeClr val="tx2"/>
+                </a:solidFill>
+                <a:latin typeface="+mn-lt"/>
+                <a:ea typeface="+mn-ea"/>
+                <a:cs typeface="+mn-cs"/>
+              </a:defRPr>
+            </a:lvl3pPr>
+            <a:lvl4pPr marL="1828800" indent="-384048" algn="l" defTabSz="914400" rtl="0" eaLnBrk="1" latinLnBrk="0" hangingPunct="1">
+              <a:lnSpc>
+                <a:spcPct val="94000"/>
+              </a:lnSpc>
+              <a:spcBef>
+                <a:spcPts val="500"/>
+              </a:spcBef>
+              <a:spcAft>
+                <a:spcPts val="200"/>
+              </a:spcAft>
+              <a:buFont typeface="Franklin Gothic Book" panose="020B0503020102020204" pitchFamily="34" charset="0"/>
+              <a:buChar char="–"/>
+              <a:defRPr sz="1800" i="1" kern="1200" baseline="0">
+                <a:solidFill>
+                  <a:schemeClr val="tx2"/>
+                </a:solidFill>
+                <a:latin typeface="+mn-lt"/>
+                <a:ea typeface="+mn-ea"/>
+                <a:cs typeface="+mn-cs"/>
+              </a:defRPr>
+            </a:lvl4pPr>
+            <a:lvl5pPr marL="2286000" indent="-384048" algn="l" defTabSz="914400" rtl="0" eaLnBrk="1" latinLnBrk="0" hangingPunct="1">
+              <a:lnSpc>
+                <a:spcPct val="94000"/>
+              </a:lnSpc>
+              <a:spcBef>
+                <a:spcPts val="500"/>
+              </a:spcBef>
+              <a:spcAft>
+                <a:spcPts val="200"/>
+              </a:spcAft>
+              <a:buFont typeface="Franklin Gothic Book" panose="020B0503020102020204" pitchFamily="34" charset="0"/>
+              <a:buChar char="■"/>
+              <a:defRPr sz="1600" kern="1200" baseline="0">
+                <a:solidFill>
+                  <a:schemeClr val="tx2"/>
+                </a:solidFill>
+                <a:latin typeface="+mn-lt"/>
+                <a:ea typeface="+mn-ea"/>
+                <a:cs typeface="+mn-cs"/>
+              </a:defRPr>
+            </a:lvl5pPr>
+            <a:lvl6pPr marL="2743200" indent="-384048" algn="l" defTabSz="914400" rtl="0" eaLnBrk="1" latinLnBrk="0" hangingPunct="1">
+              <a:lnSpc>
+                <a:spcPct val="94000"/>
+              </a:lnSpc>
+              <a:spcBef>
+                <a:spcPts val="500"/>
+              </a:spcBef>
+              <a:spcAft>
+                <a:spcPts val="200"/>
+              </a:spcAft>
+              <a:buFont typeface="Franklin Gothic Book" panose="020B0503020102020204" pitchFamily="34" charset="0"/>
+              <a:buChar char="–"/>
+              <a:defRPr sz="1600" i="1" kern="1200" baseline="0">
+                <a:solidFill>
+                  <a:schemeClr val="tx2"/>
+                </a:solidFill>
+                <a:latin typeface="+mn-lt"/>
+                <a:ea typeface="+mn-ea"/>
+                <a:cs typeface="+mn-cs"/>
+              </a:defRPr>
+            </a:lvl6pPr>
+            <a:lvl7pPr marL="3200400" indent="-384048" algn="l" defTabSz="914400" rtl="0" eaLnBrk="1" latinLnBrk="0" hangingPunct="1">
+              <a:lnSpc>
+                <a:spcPct val="94000"/>
+              </a:lnSpc>
+              <a:spcBef>
+                <a:spcPts val="500"/>
+              </a:spcBef>
+              <a:spcAft>
+                <a:spcPts val="200"/>
+              </a:spcAft>
+              <a:buFont typeface="Franklin Gothic Book" panose="020B0503020102020204" pitchFamily="34" charset="0"/>
+              <a:buChar char="■"/>
+              <a:defRPr sz="1400" kern="1200" baseline="0">
+                <a:solidFill>
+                  <a:schemeClr val="tx2"/>
+                </a:solidFill>
+                <a:latin typeface="+mn-lt"/>
+                <a:ea typeface="+mn-ea"/>
+                <a:cs typeface="+mn-cs"/>
+              </a:defRPr>
+            </a:lvl7pPr>
+            <a:lvl8pPr marL="3657600" indent="-384048" algn="l" defTabSz="914400" rtl="0" eaLnBrk="1" latinLnBrk="0" hangingPunct="1">
+              <a:lnSpc>
+                <a:spcPct val="94000"/>
+              </a:lnSpc>
+              <a:spcBef>
+                <a:spcPts val="500"/>
+              </a:spcBef>
+              <a:spcAft>
+                <a:spcPts val="200"/>
+              </a:spcAft>
+              <a:buFont typeface="Franklin Gothic Book" panose="020B0503020102020204" pitchFamily="34" charset="0"/>
+              <a:buChar char="–"/>
+              <a:defRPr sz="1400" i="1" kern="1200" baseline="0">
+                <a:solidFill>
+                  <a:schemeClr val="tx2"/>
+                </a:solidFill>
+                <a:latin typeface="+mn-lt"/>
+                <a:ea typeface="+mn-ea"/>
+                <a:cs typeface="+mn-cs"/>
+              </a:defRPr>
+            </a:lvl8pPr>
+            <a:lvl9pPr marL="4114800" indent="-384048" algn="l" defTabSz="914400" rtl="0" eaLnBrk="1" latinLnBrk="0" hangingPunct="1">
+              <a:lnSpc>
+                <a:spcPct val="94000"/>
+              </a:lnSpc>
+              <a:spcBef>
+                <a:spcPts val="500"/>
+              </a:spcBef>
+              <a:spcAft>
+                <a:spcPts val="200"/>
+              </a:spcAft>
+              <a:buFont typeface="Franklin Gothic Book" panose="020B0503020102020204" pitchFamily="34" charset="0"/>
+              <a:buChar char="■"/>
+              <a:defRPr sz="1400" kern="1200" baseline="0">
+                <a:solidFill>
+                  <a:schemeClr val="tx2"/>
+                </a:solidFill>
+                <a:latin typeface="+mn-lt"/>
+                <a:ea typeface="+mn-ea"/>
+                <a:cs typeface="+mn-cs"/>
+              </a:defRPr>
+            </a:lvl9pPr>
+          </a:lstStyle>
+          <a:p>
+            <a:endParaRPr lang="en-US" dirty="0"/>
+          </a:p>
+        </p:txBody>
+      </p:sp>
+    </p:spTree>
+    <p:extLst>
+      <p:ext uri="{BB962C8B-B14F-4D97-AF65-F5344CB8AC3E}">
+        <p14:creationId xmlns:p14="http://schemas.microsoft.com/office/powerpoint/2010/main" val="93520042"/>
       </p:ext>
     </p:extLst>
   </p:cSld>

--- a/talks/MachineLearning101.pptx
+++ b/talks/MachineLearning101.pptx
@@ -8,10 +8,10 @@
     <p:sldId id="256" r:id="rId2"/>
     <p:sldId id="257" r:id="rId3"/>
     <p:sldId id="258" r:id="rId4"/>
-    <p:sldId id="260" r:id="rId5"/>
-    <p:sldId id="273" r:id="rId6"/>
-    <p:sldId id="261" r:id="rId7"/>
-    <p:sldId id="263" r:id="rId8"/>
+    <p:sldId id="274" r:id="rId5"/>
+    <p:sldId id="261" r:id="rId6"/>
+    <p:sldId id="263" r:id="rId7"/>
+    <p:sldId id="275" r:id="rId8"/>
     <p:sldId id="264" r:id="rId9"/>
     <p:sldId id="265" r:id="rId10"/>
     <p:sldId id="267" r:id="rId11"/>
@@ -127,754 +127,900 @@
 </p:presentation>
 </file>
 
-<file path=ppt/diagrams/colors1.xml><?xml version="1.0" encoding="utf-8"?>
-<dgm:colorsDef xmlns:dgm="http://schemas.openxmlformats.org/drawingml/2006/diagram" xmlns:a="http://schemas.openxmlformats.org/drawingml/2006/main" uniqueId="urn:microsoft.com/office/officeart/2005/8/colors/accent1_2">
-  <dgm:title val=""/>
-  <dgm:desc val=""/>
-  <dgm:catLst>
-    <dgm:cat type="accent1" pri="11200"/>
-  </dgm:catLst>
-  <dgm:styleLbl name="node0">
-    <dgm:fillClrLst meth="repeat">
-      <a:schemeClr val="accent1"/>
-    </dgm:fillClrLst>
-    <dgm:linClrLst meth="repeat">
-      <a:schemeClr val="lt1"/>
-    </dgm:linClrLst>
-    <dgm:effectClrLst/>
-    <dgm:txLinClrLst/>
-    <dgm:txFillClrLst/>
-    <dgm:txEffectClrLst/>
-  </dgm:styleLbl>
-  <dgm:styleLbl name="alignNode1">
-    <dgm:fillClrLst meth="repeat">
-      <a:schemeClr val="accent1"/>
-    </dgm:fillClrLst>
-    <dgm:linClrLst meth="repeat">
-      <a:schemeClr val="accent1"/>
-    </dgm:linClrLst>
-    <dgm:effectClrLst/>
-    <dgm:txLinClrLst/>
-    <dgm:txFillClrLst/>
-    <dgm:txEffectClrLst/>
-  </dgm:styleLbl>
-  <dgm:styleLbl name="node1">
-    <dgm:fillClrLst meth="repeat">
-      <a:schemeClr val="accent1"/>
-    </dgm:fillClrLst>
-    <dgm:linClrLst meth="repeat">
-      <a:schemeClr val="lt1"/>
-    </dgm:linClrLst>
-    <dgm:effectClrLst/>
-    <dgm:txLinClrLst/>
-    <dgm:txFillClrLst/>
-    <dgm:txEffectClrLst/>
-  </dgm:styleLbl>
-  <dgm:styleLbl name="lnNode1">
-    <dgm:fillClrLst meth="repeat">
-      <a:schemeClr val="accent1"/>
-    </dgm:fillClrLst>
-    <dgm:linClrLst meth="repeat">
-      <a:schemeClr val="lt1"/>
-    </dgm:linClrLst>
-    <dgm:effectClrLst/>
-    <dgm:txLinClrLst/>
-    <dgm:txFillClrLst/>
-    <dgm:txEffectClrLst/>
-  </dgm:styleLbl>
-  <dgm:styleLbl name="vennNode1">
-    <dgm:fillClrLst meth="repeat">
-      <a:schemeClr val="accent1">
-        <a:alpha val="50000"/>
-      </a:schemeClr>
-    </dgm:fillClrLst>
-    <dgm:linClrLst meth="repeat">
-      <a:schemeClr val="lt1"/>
-    </dgm:linClrLst>
-    <dgm:effectClrLst/>
-    <dgm:txLinClrLst/>
-    <dgm:txFillClrLst/>
-    <dgm:txEffectClrLst/>
-  </dgm:styleLbl>
-  <dgm:styleLbl name="node2">
-    <dgm:fillClrLst meth="repeat">
-      <a:schemeClr val="accent1"/>
-    </dgm:fillClrLst>
-    <dgm:linClrLst meth="repeat">
-      <a:schemeClr val="lt1"/>
-    </dgm:linClrLst>
-    <dgm:effectClrLst/>
-    <dgm:txLinClrLst/>
-    <dgm:txFillClrLst/>
-    <dgm:txEffectClrLst/>
-  </dgm:styleLbl>
-  <dgm:styleLbl name="node3">
-    <dgm:fillClrLst meth="repeat">
-      <a:schemeClr val="accent1"/>
-    </dgm:fillClrLst>
-    <dgm:linClrLst meth="repeat">
-      <a:schemeClr val="lt1"/>
-    </dgm:linClrLst>
-    <dgm:effectClrLst/>
-    <dgm:txLinClrLst/>
-    <dgm:txFillClrLst/>
-    <dgm:txEffectClrLst/>
-  </dgm:styleLbl>
-  <dgm:styleLbl name="node4">
-    <dgm:fillClrLst meth="repeat">
-      <a:schemeClr val="accent1"/>
-    </dgm:fillClrLst>
-    <dgm:linClrLst meth="repeat">
-      <a:schemeClr val="lt1"/>
-    </dgm:linClrLst>
-    <dgm:effectClrLst/>
-    <dgm:txLinClrLst/>
-    <dgm:txFillClrLst/>
-    <dgm:txEffectClrLst/>
-  </dgm:styleLbl>
-  <dgm:styleLbl name="fgImgPlace1">
-    <dgm:fillClrLst meth="repeat">
-      <a:schemeClr val="accent1">
-        <a:tint val="50000"/>
-      </a:schemeClr>
-    </dgm:fillClrLst>
-    <dgm:linClrLst meth="repeat">
-      <a:schemeClr val="lt1"/>
-    </dgm:linClrLst>
-    <dgm:effectClrLst/>
-    <dgm:txLinClrLst/>
-    <dgm:txFillClrLst meth="repeat">
-      <a:schemeClr val="lt1"/>
-    </dgm:txFillClrLst>
-    <dgm:txEffectClrLst/>
-  </dgm:styleLbl>
-  <dgm:styleLbl name="alignImgPlace1">
-    <dgm:fillClrLst meth="repeat">
-      <a:schemeClr val="accent1">
-        <a:tint val="50000"/>
-      </a:schemeClr>
-    </dgm:fillClrLst>
-    <dgm:linClrLst meth="repeat">
-      <a:schemeClr val="lt1"/>
-    </dgm:linClrLst>
-    <dgm:effectClrLst/>
-    <dgm:txLinClrLst/>
-    <dgm:txFillClrLst meth="repeat">
-      <a:schemeClr val="lt1"/>
-    </dgm:txFillClrLst>
-    <dgm:txEffectClrLst/>
-  </dgm:styleLbl>
-  <dgm:styleLbl name="bgImgPlace1">
-    <dgm:fillClrLst meth="repeat">
-      <a:schemeClr val="accent1">
-        <a:tint val="50000"/>
-      </a:schemeClr>
-    </dgm:fillClrLst>
-    <dgm:linClrLst meth="repeat">
-      <a:schemeClr val="lt1"/>
-    </dgm:linClrLst>
-    <dgm:effectClrLst/>
-    <dgm:txLinClrLst/>
-    <dgm:txFillClrLst meth="repeat">
-      <a:schemeClr val="lt1"/>
-    </dgm:txFillClrLst>
-    <dgm:txEffectClrLst/>
-  </dgm:styleLbl>
-  <dgm:styleLbl name="sibTrans2D1">
-    <dgm:fillClrLst meth="repeat">
-      <a:schemeClr val="accent1">
-        <a:tint val="60000"/>
-      </a:schemeClr>
-    </dgm:fillClrLst>
-    <dgm:linClrLst meth="repeat">
-      <a:schemeClr val="accent1">
-        <a:tint val="60000"/>
-      </a:schemeClr>
-    </dgm:linClrLst>
-    <dgm:effectClrLst/>
-    <dgm:txLinClrLst/>
-    <dgm:txFillClrLst/>
-    <dgm:txEffectClrLst/>
-  </dgm:styleLbl>
-  <dgm:styleLbl name="fgSibTrans2D1">
-    <dgm:fillClrLst meth="repeat">
-      <a:schemeClr val="accent1">
-        <a:tint val="60000"/>
-      </a:schemeClr>
-    </dgm:fillClrLst>
-    <dgm:linClrLst meth="repeat">
-      <a:schemeClr val="accent1">
-        <a:tint val="60000"/>
-      </a:schemeClr>
-    </dgm:linClrLst>
-    <dgm:effectClrLst/>
-    <dgm:txLinClrLst/>
-    <dgm:txFillClrLst/>
-    <dgm:txEffectClrLst/>
-  </dgm:styleLbl>
-  <dgm:styleLbl name="bgSibTrans2D1">
-    <dgm:fillClrLst meth="repeat">
-      <a:schemeClr val="accent1">
-        <a:tint val="60000"/>
-      </a:schemeClr>
-    </dgm:fillClrLst>
-    <dgm:linClrLst meth="repeat">
-      <a:schemeClr val="accent1">
-        <a:tint val="60000"/>
-      </a:schemeClr>
-    </dgm:linClrLst>
-    <dgm:effectClrLst/>
-    <dgm:txLinClrLst/>
-    <dgm:txFillClrLst/>
-    <dgm:txEffectClrLst/>
-  </dgm:styleLbl>
-  <dgm:styleLbl name="sibTrans1D1">
-    <dgm:fillClrLst meth="repeat">
-      <a:schemeClr val="accent1"/>
-    </dgm:fillClrLst>
-    <dgm:linClrLst meth="repeat">
-      <a:schemeClr val="accent1"/>
-    </dgm:linClrLst>
-    <dgm:effectClrLst/>
-    <dgm:txLinClrLst/>
-    <dgm:txFillClrLst meth="repeat">
-      <a:schemeClr val="tx1"/>
-    </dgm:txFillClrLst>
-    <dgm:txEffectClrLst/>
-  </dgm:styleLbl>
-  <dgm:styleLbl name="callout">
-    <dgm:fillClrLst meth="repeat">
-      <a:schemeClr val="accent1"/>
-    </dgm:fillClrLst>
-    <dgm:linClrLst meth="repeat">
-      <a:schemeClr val="accent1">
-        <a:tint val="50000"/>
-      </a:schemeClr>
-    </dgm:linClrLst>
-    <dgm:effectClrLst/>
-    <dgm:txLinClrLst/>
-    <dgm:txFillClrLst meth="repeat">
-      <a:schemeClr val="tx1"/>
-    </dgm:txFillClrLst>
-    <dgm:txEffectClrLst/>
-  </dgm:styleLbl>
-  <dgm:styleLbl name="asst0">
-    <dgm:fillClrLst meth="repeat">
-      <a:schemeClr val="accent1"/>
-    </dgm:fillClrLst>
-    <dgm:linClrLst meth="repeat">
-      <a:schemeClr val="lt1"/>
-    </dgm:linClrLst>
-    <dgm:effectClrLst/>
-    <dgm:txLinClrLst/>
-    <dgm:txFillClrLst/>
-    <dgm:txEffectClrLst/>
-  </dgm:styleLbl>
-  <dgm:styleLbl name="asst1">
-    <dgm:fillClrLst meth="repeat">
-      <a:schemeClr val="accent1"/>
-    </dgm:fillClrLst>
-    <dgm:linClrLst meth="repeat">
-      <a:schemeClr val="lt1"/>
-    </dgm:linClrLst>
-    <dgm:effectClrLst/>
-    <dgm:txLinClrLst/>
-    <dgm:txFillClrLst/>
-    <dgm:txEffectClrLst/>
-  </dgm:styleLbl>
-  <dgm:styleLbl name="asst2">
-    <dgm:fillClrLst meth="repeat">
-      <a:schemeClr val="accent1"/>
-    </dgm:fillClrLst>
-    <dgm:linClrLst meth="repeat">
-      <a:schemeClr val="lt1"/>
-    </dgm:linClrLst>
-    <dgm:effectClrLst/>
-    <dgm:txLinClrLst/>
-    <dgm:txFillClrLst/>
-    <dgm:txEffectClrLst/>
-  </dgm:styleLbl>
-  <dgm:styleLbl name="asst3">
-    <dgm:fillClrLst meth="repeat">
-      <a:schemeClr val="accent1"/>
-    </dgm:fillClrLst>
-    <dgm:linClrLst meth="repeat">
-      <a:schemeClr val="lt1"/>
-    </dgm:linClrLst>
-    <dgm:effectClrLst/>
-    <dgm:txLinClrLst/>
-    <dgm:txFillClrLst/>
-    <dgm:txEffectClrLst/>
-  </dgm:styleLbl>
-  <dgm:styleLbl name="asst4">
-    <dgm:fillClrLst meth="repeat">
-      <a:schemeClr val="accent1"/>
-    </dgm:fillClrLst>
-    <dgm:linClrLst meth="repeat">
-      <a:schemeClr val="lt1"/>
-    </dgm:linClrLst>
-    <dgm:effectClrLst/>
-    <dgm:txLinClrLst/>
-    <dgm:txFillClrLst/>
-    <dgm:txEffectClrLst/>
-  </dgm:styleLbl>
-  <dgm:styleLbl name="parChTrans2D1">
-    <dgm:fillClrLst meth="repeat">
-      <a:schemeClr val="accent1">
-        <a:tint val="60000"/>
-      </a:schemeClr>
-    </dgm:fillClrLst>
-    <dgm:linClrLst meth="repeat">
-      <a:schemeClr val="accent1">
-        <a:tint val="60000"/>
-      </a:schemeClr>
-    </dgm:linClrLst>
-    <dgm:effectClrLst/>
-    <dgm:txLinClrLst/>
-    <dgm:txFillClrLst meth="repeat">
-      <a:schemeClr val="lt1"/>
-    </dgm:txFillClrLst>
-    <dgm:txEffectClrLst/>
-  </dgm:styleLbl>
-  <dgm:styleLbl name="parChTrans2D2">
-    <dgm:fillClrLst meth="repeat">
-      <a:schemeClr val="accent1"/>
-    </dgm:fillClrLst>
-    <dgm:linClrLst meth="repeat">
-      <a:schemeClr val="accent1"/>
-    </dgm:linClrLst>
-    <dgm:effectClrLst/>
-    <dgm:txLinClrLst/>
-    <dgm:txFillClrLst meth="repeat">
-      <a:schemeClr val="lt1"/>
-    </dgm:txFillClrLst>
-    <dgm:txEffectClrLst/>
-  </dgm:styleLbl>
-  <dgm:styleLbl name="parChTrans2D3">
-    <dgm:fillClrLst meth="repeat">
-      <a:schemeClr val="accent1"/>
-    </dgm:fillClrLst>
-    <dgm:linClrLst meth="repeat">
-      <a:schemeClr val="accent1"/>
-    </dgm:linClrLst>
-    <dgm:effectClrLst/>
-    <dgm:txLinClrLst/>
-    <dgm:txFillClrLst meth="repeat">
-      <a:schemeClr val="lt1"/>
-    </dgm:txFillClrLst>
-    <dgm:txEffectClrLst/>
-  </dgm:styleLbl>
-  <dgm:styleLbl name="parChTrans2D4">
-    <dgm:fillClrLst meth="repeat">
-      <a:schemeClr val="accent1"/>
-    </dgm:fillClrLst>
-    <dgm:linClrLst meth="repeat">
-      <a:schemeClr val="accent1"/>
-    </dgm:linClrLst>
-    <dgm:effectClrLst/>
-    <dgm:txLinClrLst/>
-    <dgm:txFillClrLst meth="repeat">
-      <a:schemeClr val="lt1"/>
-    </dgm:txFillClrLst>
-    <dgm:txEffectClrLst/>
-  </dgm:styleLbl>
-  <dgm:styleLbl name="parChTrans1D1">
-    <dgm:fillClrLst meth="repeat">
-      <a:schemeClr val="accent1"/>
-    </dgm:fillClrLst>
-    <dgm:linClrLst meth="repeat">
-      <a:schemeClr val="accent1">
-        <a:shade val="60000"/>
-      </a:schemeClr>
-    </dgm:linClrLst>
-    <dgm:effectClrLst/>
-    <dgm:txLinClrLst/>
-    <dgm:txFillClrLst meth="repeat">
-      <a:schemeClr val="tx1"/>
-    </dgm:txFillClrLst>
-    <dgm:txEffectClrLst/>
-  </dgm:styleLbl>
-  <dgm:styleLbl name="parChTrans1D2">
-    <dgm:fillClrLst meth="repeat">
-      <a:schemeClr val="accent1"/>
-    </dgm:fillClrLst>
-    <dgm:linClrLst meth="repeat">
-      <a:schemeClr val="accent1">
-        <a:shade val="60000"/>
-      </a:schemeClr>
-    </dgm:linClrLst>
-    <dgm:effectClrLst/>
-    <dgm:txLinClrLst/>
-    <dgm:txFillClrLst meth="repeat">
-      <a:schemeClr val="tx1"/>
-    </dgm:txFillClrLst>
-    <dgm:txEffectClrLst/>
-  </dgm:styleLbl>
-  <dgm:styleLbl name="parChTrans1D3">
-    <dgm:fillClrLst meth="repeat">
-      <a:schemeClr val="accent1"/>
-    </dgm:fillClrLst>
-    <dgm:linClrLst meth="repeat">
-      <a:schemeClr val="accent1">
-        <a:shade val="80000"/>
-      </a:schemeClr>
-    </dgm:linClrLst>
-    <dgm:effectClrLst/>
-    <dgm:txLinClrLst/>
-    <dgm:txFillClrLst meth="repeat">
-      <a:schemeClr val="tx1"/>
-    </dgm:txFillClrLst>
-    <dgm:txEffectClrLst/>
-  </dgm:styleLbl>
-  <dgm:styleLbl name="parChTrans1D4">
-    <dgm:fillClrLst meth="repeat">
-      <a:schemeClr val="accent1"/>
-    </dgm:fillClrLst>
-    <dgm:linClrLst meth="repeat">
-      <a:schemeClr val="accent1">
-        <a:shade val="80000"/>
-      </a:schemeClr>
-    </dgm:linClrLst>
-    <dgm:effectClrLst/>
-    <dgm:txLinClrLst/>
-    <dgm:txFillClrLst meth="repeat">
-      <a:schemeClr val="tx1"/>
-    </dgm:txFillClrLst>
-    <dgm:txEffectClrLst/>
-  </dgm:styleLbl>
-  <dgm:styleLbl name="fgAcc1">
-    <dgm:fillClrLst meth="repeat">
-      <a:schemeClr val="lt1">
-        <a:alpha val="90000"/>
-      </a:schemeClr>
-    </dgm:fillClrLst>
-    <dgm:linClrLst meth="repeat">
-      <a:schemeClr val="accent1"/>
-    </dgm:linClrLst>
-    <dgm:effectClrLst/>
-    <dgm:txLinClrLst/>
-    <dgm:txFillClrLst meth="repeat">
-      <a:schemeClr val="dk1"/>
-    </dgm:txFillClrLst>
-    <dgm:txEffectClrLst/>
-  </dgm:styleLbl>
-  <dgm:styleLbl name="conFgAcc1">
-    <dgm:fillClrLst meth="repeat">
-      <a:schemeClr val="lt1">
-        <a:alpha val="90000"/>
-      </a:schemeClr>
-    </dgm:fillClrLst>
-    <dgm:linClrLst meth="repeat">
-      <a:schemeClr val="accent1"/>
-    </dgm:linClrLst>
-    <dgm:effectClrLst/>
-    <dgm:txLinClrLst/>
-    <dgm:txFillClrLst meth="repeat">
-      <a:schemeClr val="dk1"/>
-    </dgm:txFillClrLst>
-    <dgm:txEffectClrLst/>
-  </dgm:styleLbl>
-  <dgm:styleLbl name="alignAcc1">
-    <dgm:fillClrLst meth="repeat">
-      <a:schemeClr val="lt1">
-        <a:alpha val="90000"/>
-      </a:schemeClr>
-    </dgm:fillClrLst>
-    <dgm:linClrLst meth="repeat">
-      <a:schemeClr val="accent1"/>
-    </dgm:linClrLst>
-    <dgm:effectClrLst/>
-    <dgm:txLinClrLst/>
-    <dgm:txFillClrLst meth="repeat">
-      <a:schemeClr val="dk1"/>
-    </dgm:txFillClrLst>
-    <dgm:txEffectClrLst/>
-  </dgm:styleLbl>
-  <dgm:styleLbl name="trAlignAcc1">
-    <dgm:fillClrLst meth="repeat">
-      <a:schemeClr val="lt1">
-        <a:alpha val="40000"/>
-      </a:schemeClr>
-    </dgm:fillClrLst>
-    <dgm:linClrLst meth="repeat">
-      <a:schemeClr val="accent1"/>
-    </dgm:linClrLst>
-    <dgm:effectClrLst/>
-    <dgm:txLinClrLst/>
-    <dgm:txFillClrLst meth="repeat">
-      <a:schemeClr val="dk1"/>
-    </dgm:txFillClrLst>
-    <dgm:txEffectClrLst/>
-  </dgm:styleLbl>
-  <dgm:styleLbl name="bgAcc1">
-    <dgm:fillClrLst meth="repeat">
-      <a:schemeClr val="lt1">
-        <a:alpha val="90000"/>
-      </a:schemeClr>
-    </dgm:fillClrLst>
-    <dgm:linClrLst meth="repeat">
-      <a:schemeClr val="accent1"/>
-    </dgm:linClrLst>
-    <dgm:effectClrLst/>
-    <dgm:txLinClrLst/>
-    <dgm:txFillClrLst meth="repeat">
-      <a:schemeClr val="dk1"/>
-    </dgm:txFillClrLst>
-    <dgm:txEffectClrLst/>
-  </dgm:styleLbl>
-  <dgm:styleLbl name="solidFgAcc1">
-    <dgm:fillClrLst meth="repeat">
-      <a:schemeClr val="lt1"/>
-    </dgm:fillClrLst>
-    <dgm:linClrLst meth="repeat">
-      <a:schemeClr val="accent1"/>
-    </dgm:linClrLst>
-    <dgm:effectClrLst/>
-    <dgm:txLinClrLst/>
-    <dgm:txFillClrLst meth="repeat">
-      <a:schemeClr val="dk1"/>
-    </dgm:txFillClrLst>
-    <dgm:txEffectClrLst/>
-  </dgm:styleLbl>
-  <dgm:styleLbl name="solidAlignAcc1">
-    <dgm:fillClrLst meth="repeat">
-      <a:schemeClr val="lt1"/>
-    </dgm:fillClrLst>
-    <dgm:linClrLst meth="repeat">
-      <a:schemeClr val="accent1"/>
-    </dgm:linClrLst>
-    <dgm:effectClrLst/>
-    <dgm:txLinClrLst/>
-    <dgm:txFillClrLst meth="repeat">
-      <a:schemeClr val="dk1"/>
-    </dgm:txFillClrLst>
-    <dgm:txEffectClrLst/>
-  </dgm:styleLbl>
-  <dgm:styleLbl name="solidBgAcc1">
-    <dgm:fillClrLst meth="repeat">
-      <a:schemeClr val="lt1"/>
-    </dgm:fillClrLst>
-    <dgm:linClrLst meth="repeat">
-      <a:schemeClr val="accent1"/>
-    </dgm:linClrLst>
-    <dgm:effectClrLst/>
-    <dgm:txLinClrLst/>
-    <dgm:txFillClrLst meth="repeat">
-      <a:schemeClr val="dk1"/>
-    </dgm:txFillClrLst>
-    <dgm:txEffectClrLst/>
-  </dgm:styleLbl>
-  <dgm:styleLbl name="fgAccFollowNode1">
-    <dgm:fillClrLst meth="repeat">
-      <a:schemeClr val="accent1">
-        <a:alpha val="90000"/>
-        <a:tint val="40000"/>
-      </a:schemeClr>
-    </dgm:fillClrLst>
-    <dgm:linClrLst meth="repeat">
-      <a:schemeClr val="accent1">
-        <a:alpha val="90000"/>
-        <a:tint val="40000"/>
-      </a:schemeClr>
-    </dgm:linClrLst>
-    <dgm:effectClrLst/>
-    <dgm:txLinClrLst/>
-    <dgm:txFillClrLst meth="repeat">
-      <a:schemeClr val="dk1"/>
-    </dgm:txFillClrLst>
-    <dgm:txEffectClrLst/>
-  </dgm:styleLbl>
-  <dgm:styleLbl name="alignAccFollowNode1">
-    <dgm:fillClrLst meth="repeat">
-      <a:schemeClr val="accent1">
-        <a:alpha val="90000"/>
-        <a:tint val="40000"/>
-      </a:schemeClr>
-    </dgm:fillClrLst>
-    <dgm:linClrLst meth="repeat">
-      <a:schemeClr val="accent1">
-        <a:alpha val="90000"/>
-        <a:tint val="40000"/>
-      </a:schemeClr>
-    </dgm:linClrLst>
-    <dgm:effectClrLst/>
-    <dgm:txLinClrLst/>
-    <dgm:txFillClrLst meth="repeat">
-      <a:schemeClr val="dk1"/>
-    </dgm:txFillClrLst>
-    <dgm:txEffectClrLst/>
-  </dgm:styleLbl>
-  <dgm:styleLbl name="bgAccFollowNode1">
-    <dgm:fillClrLst meth="repeat">
-      <a:schemeClr val="accent1">
-        <a:alpha val="90000"/>
-        <a:tint val="40000"/>
-      </a:schemeClr>
-    </dgm:fillClrLst>
-    <dgm:linClrLst meth="repeat">
-      <a:schemeClr val="accent1">
-        <a:alpha val="90000"/>
-        <a:tint val="40000"/>
-      </a:schemeClr>
-    </dgm:linClrLst>
-    <dgm:effectClrLst/>
-    <dgm:txLinClrLst/>
-    <dgm:txFillClrLst meth="repeat">
-      <a:schemeClr val="dk1"/>
-    </dgm:txFillClrLst>
-    <dgm:txEffectClrLst/>
-  </dgm:styleLbl>
-  <dgm:styleLbl name="fgAcc0">
-    <dgm:fillClrLst meth="repeat">
-      <a:schemeClr val="lt1">
-        <a:alpha val="90000"/>
-      </a:schemeClr>
-    </dgm:fillClrLst>
-    <dgm:linClrLst meth="repeat">
-      <a:schemeClr val="accent1"/>
-    </dgm:linClrLst>
-    <dgm:effectClrLst/>
-    <dgm:txLinClrLst/>
-    <dgm:txFillClrLst meth="repeat">
-      <a:schemeClr val="dk1"/>
-    </dgm:txFillClrLst>
-    <dgm:txEffectClrLst/>
-  </dgm:styleLbl>
-  <dgm:styleLbl name="fgAcc2">
-    <dgm:fillClrLst meth="repeat">
-      <a:schemeClr val="lt1">
-        <a:alpha val="90000"/>
-      </a:schemeClr>
-    </dgm:fillClrLst>
-    <dgm:linClrLst meth="repeat">
-      <a:schemeClr val="accent1"/>
-    </dgm:linClrLst>
-    <dgm:effectClrLst/>
-    <dgm:txLinClrLst/>
-    <dgm:txFillClrLst meth="repeat">
-      <a:schemeClr val="dk1"/>
-    </dgm:txFillClrLst>
-    <dgm:txEffectClrLst/>
-  </dgm:styleLbl>
-  <dgm:styleLbl name="fgAcc3">
-    <dgm:fillClrLst meth="repeat">
-      <a:schemeClr val="lt1">
-        <a:alpha val="90000"/>
-      </a:schemeClr>
-    </dgm:fillClrLst>
-    <dgm:linClrLst meth="repeat">
-      <a:schemeClr val="accent1"/>
-    </dgm:linClrLst>
-    <dgm:effectClrLst/>
-    <dgm:txLinClrLst/>
-    <dgm:txFillClrLst meth="repeat">
-      <a:schemeClr val="dk1"/>
-    </dgm:txFillClrLst>
-    <dgm:txEffectClrLst/>
-  </dgm:styleLbl>
-  <dgm:styleLbl name="fgAcc4">
-    <dgm:fillClrLst meth="repeat">
-      <a:schemeClr val="lt1">
-        <a:alpha val="90000"/>
-      </a:schemeClr>
-    </dgm:fillClrLst>
-    <dgm:linClrLst meth="repeat">
-      <a:schemeClr val="accent1"/>
-    </dgm:linClrLst>
-    <dgm:effectClrLst/>
-    <dgm:txLinClrLst/>
-    <dgm:txFillClrLst meth="repeat">
-      <a:schemeClr val="dk1"/>
-    </dgm:txFillClrLst>
-    <dgm:txEffectClrLst/>
-  </dgm:styleLbl>
-  <dgm:styleLbl name="bgShp">
-    <dgm:fillClrLst meth="repeat">
-      <a:schemeClr val="accent1">
-        <a:tint val="40000"/>
-      </a:schemeClr>
-    </dgm:fillClrLst>
-    <dgm:linClrLst meth="repeat">
-      <a:schemeClr val="accent1"/>
-    </dgm:linClrLst>
-    <dgm:effectClrLst/>
-    <dgm:txLinClrLst/>
-    <dgm:txFillClrLst meth="repeat">
-      <a:schemeClr val="dk1"/>
-    </dgm:txFillClrLst>
-    <dgm:txEffectClrLst/>
-  </dgm:styleLbl>
-  <dgm:styleLbl name="dkBgShp">
-    <dgm:fillClrLst meth="repeat">
-      <a:schemeClr val="accent1">
-        <a:shade val="80000"/>
-      </a:schemeClr>
-    </dgm:fillClrLst>
-    <dgm:linClrLst meth="repeat">
-      <a:schemeClr val="accent1"/>
-    </dgm:linClrLst>
-    <dgm:effectClrLst/>
-    <dgm:txLinClrLst/>
-    <dgm:txFillClrLst meth="repeat">
-      <a:schemeClr val="lt1"/>
-    </dgm:txFillClrLst>
-    <dgm:txEffectClrLst/>
-  </dgm:styleLbl>
-  <dgm:styleLbl name="trBgShp">
-    <dgm:fillClrLst meth="repeat">
-      <a:schemeClr val="accent1">
-        <a:tint val="50000"/>
-        <a:alpha val="40000"/>
-      </a:schemeClr>
-    </dgm:fillClrLst>
-    <dgm:linClrLst meth="repeat">
-      <a:schemeClr val="accent1"/>
-    </dgm:linClrLst>
-    <dgm:effectClrLst/>
-    <dgm:txLinClrLst/>
-    <dgm:txFillClrLst meth="repeat">
-      <a:schemeClr val="lt1"/>
-    </dgm:txFillClrLst>
-    <dgm:txEffectClrLst/>
-  </dgm:styleLbl>
-  <dgm:styleLbl name="fgShp">
-    <dgm:fillClrLst meth="repeat">
-      <a:schemeClr val="accent1">
-        <a:tint val="60000"/>
-      </a:schemeClr>
-    </dgm:fillClrLst>
-    <dgm:linClrLst meth="repeat">
-      <a:schemeClr val="lt1"/>
-    </dgm:linClrLst>
-    <dgm:effectClrLst/>
-    <dgm:txLinClrLst/>
-    <dgm:txFillClrLst meth="repeat">
-      <a:schemeClr val="dk1"/>
-    </dgm:txFillClrLst>
-    <dgm:txEffectClrLst/>
-  </dgm:styleLbl>
-  <dgm:styleLbl name="revTx">
-    <dgm:fillClrLst meth="repeat">
-      <a:schemeClr val="lt1">
-        <a:alpha val="0"/>
-      </a:schemeClr>
-    </dgm:fillClrLst>
-    <dgm:linClrLst meth="repeat">
-      <a:schemeClr val="dk1">
-        <a:alpha val="0"/>
-      </a:schemeClr>
-    </dgm:linClrLst>
-    <dgm:effectClrLst/>
-    <dgm:txLinClrLst/>
-    <dgm:txFillClrLst meth="repeat">
-      <a:schemeClr val="tx1"/>
-    </dgm:txFillClrLst>
-    <dgm:txEffectClrLst/>
-  </dgm:styleLbl>
-</dgm:colorsDef>
+<file path=ppt/charts/chart1.xml><?xml version="1.0" encoding="utf-8"?>
+<c:chartSpace xmlns:c="http://schemas.openxmlformats.org/drawingml/2006/chart" xmlns:a="http://schemas.openxmlformats.org/drawingml/2006/main" xmlns:r="http://schemas.openxmlformats.org/officeDocument/2006/relationships" xmlns:c16r2="http://schemas.microsoft.com/office/drawing/2015/06/chart">
+  <c:date1904 val="0"/>
+  <c:lang val="en-US"/>
+  <c:roundedCorners val="0"/>
+  <mc:AlternateContent xmlns:mc="http://schemas.openxmlformats.org/markup-compatibility/2006">
+    <mc:Choice xmlns:c14="http://schemas.microsoft.com/office/drawing/2007/8/2/chart" Requires="c14">
+      <c14:style val="102"/>
+    </mc:Choice>
+    <mc:Fallback>
+      <c:style val="2"/>
+    </mc:Fallback>
+  </mc:AlternateContent>
+  <c:chart>
+    <c:title>
+      <c:tx>
+        <c:rich>
+          <a:bodyPr rot="0" spcFirstLastPara="1" vertOverflow="ellipsis" vert="horz" wrap="square" anchor="ctr" anchorCtr="1"/>
+          <a:lstStyle/>
+          <a:p>
+            <a:pPr>
+              <a:defRPr sz="1862" b="0" i="0" u="none" strike="noStrike" kern="1200" spc="0" baseline="0">
+                <a:solidFill>
+                  <a:schemeClr val="tx1">
+                    <a:lumMod val="65000"/>
+                    <a:lumOff val="35000"/>
+                  </a:schemeClr>
+                </a:solidFill>
+                <a:latin typeface="+mn-lt"/>
+                <a:ea typeface="+mn-ea"/>
+                <a:cs typeface="+mn-cs"/>
+              </a:defRPr>
+            </a:pPr>
+            <a:r>
+              <a:rPr lang="en-US" dirty="0"/>
+              <a:t>House price predictor</a:t>
+            </a:r>
+          </a:p>
+        </c:rich>
+      </c:tx>
+      <c:overlay val="0"/>
+      <c:spPr>
+        <a:noFill/>
+        <a:ln>
+          <a:noFill/>
+        </a:ln>
+        <a:effectLst/>
+      </c:spPr>
+      <c:txPr>
+        <a:bodyPr rot="0" spcFirstLastPara="1" vertOverflow="ellipsis" vert="horz" wrap="square" anchor="ctr" anchorCtr="1"/>
+        <a:lstStyle/>
+        <a:p>
+          <a:pPr>
+            <a:defRPr sz="1862" b="0" i="0" u="none" strike="noStrike" kern="1200" spc="0" baseline="0">
+              <a:solidFill>
+                <a:schemeClr val="tx1">
+                  <a:lumMod val="65000"/>
+                  <a:lumOff val="35000"/>
+                </a:schemeClr>
+              </a:solidFill>
+              <a:latin typeface="+mn-lt"/>
+              <a:ea typeface="+mn-ea"/>
+              <a:cs typeface="+mn-cs"/>
+            </a:defRPr>
+          </a:pPr>
+          <a:endParaRPr lang="en-US"/>
+        </a:p>
+      </c:txPr>
+    </c:title>
+    <c:autoTitleDeleted val="0"/>
+    <c:plotArea>
+      <c:layout/>
+      <c:scatterChart>
+        <c:scatterStyle val="lineMarker"/>
+        <c:varyColors val="0"/>
+        <c:ser>
+          <c:idx val="0"/>
+          <c:order val="0"/>
+          <c:tx>
+            <c:strRef>
+              <c:f>Sheet1!$B$1</c:f>
+              <c:strCache>
+                <c:ptCount val="1"/>
+                <c:pt idx="0">
+                  <c:v>Price</c:v>
+                </c:pt>
+              </c:strCache>
+            </c:strRef>
+          </c:tx>
+          <c:spPr>
+            <a:ln w="19050" cap="rnd">
+              <a:noFill/>
+              <a:round/>
+            </a:ln>
+            <a:effectLst/>
+          </c:spPr>
+          <c:marker>
+            <c:symbol val="circle"/>
+            <c:size val="5"/>
+            <c:spPr>
+              <a:solidFill>
+                <a:schemeClr val="accent1"/>
+              </a:solidFill>
+              <a:ln w="9525">
+                <a:solidFill>
+                  <a:schemeClr val="accent1"/>
+                </a:solidFill>
+              </a:ln>
+              <a:effectLst/>
+            </c:spPr>
+          </c:marker>
+          <c:xVal>
+            <c:numRef>
+              <c:f>Sheet1!$A$2:$A$5</c:f>
+              <c:numCache>
+                <c:formatCode>General</c:formatCode>
+                <c:ptCount val="4"/>
+                <c:pt idx="0">
+                  <c:v>50</c:v>
+                </c:pt>
+                <c:pt idx="1">
+                  <c:v>100</c:v>
+                </c:pt>
+                <c:pt idx="2">
+                  <c:v>150</c:v>
+                </c:pt>
+                <c:pt idx="3">
+                  <c:v>200</c:v>
+                </c:pt>
+              </c:numCache>
+            </c:numRef>
+          </c:xVal>
+          <c:yVal>
+            <c:numRef>
+              <c:f>Sheet1!$B$2:$B$5</c:f>
+              <c:numCache>
+                <c:formatCode>General</c:formatCode>
+                <c:ptCount val="4"/>
+                <c:pt idx="0">
+                  <c:v>3</c:v>
+                </c:pt>
+                <c:pt idx="1">
+                  <c:v>4</c:v>
+                </c:pt>
+                <c:pt idx="2">
+                  <c:v>3</c:v>
+                </c:pt>
+                <c:pt idx="3">
+                  <c:v>5</c:v>
+                </c:pt>
+              </c:numCache>
+            </c:numRef>
+          </c:yVal>
+          <c:smooth val="0"/>
+          <c:extLst>
+            <c:ext xmlns:c16="http://schemas.microsoft.com/office/drawing/2014/chart" uri="{C3380CC4-5D6E-409C-BE32-E72D297353CC}">
+              <c16:uniqueId val="{00000000-2BD8-4392-A030-5291F5DA0D3D}"/>
+            </c:ext>
+          </c:extLst>
+        </c:ser>
+        <c:dLbls>
+          <c:showLegendKey val="0"/>
+          <c:showVal val="0"/>
+          <c:showCatName val="0"/>
+          <c:showSerName val="0"/>
+          <c:showPercent val="0"/>
+          <c:showBubbleSize val="0"/>
+        </c:dLbls>
+        <c:axId val="352031608"/>
+        <c:axId val="352032568"/>
+      </c:scatterChart>
+      <c:valAx>
+        <c:axId val="352031608"/>
+        <c:scaling>
+          <c:orientation val="minMax"/>
+        </c:scaling>
+        <c:delete val="0"/>
+        <c:axPos val="b"/>
+        <c:majorGridlines>
+          <c:spPr>
+            <a:ln w="9525" cap="flat" cmpd="sng" algn="ctr">
+              <a:solidFill>
+                <a:schemeClr val="tx1">
+                  <a:lumMod val="15000"/>
+                  <a:lumOff val="85000"/>
+                </a:schemeClr>
+              </a:solidFill>
+              <a:round/>
+            </a:ln>
+            <a:effectLst/>
+          </c:spPr>
+        </c:majorGridlines>
+        <c:numFmt formatCode="General" sourceLinked="1"/>
+        <c:majorTickMark val="none"/>
+        <c:minorTickMark val="none"/>
+        <c:tickLblPos val="nextTo"/>
+        <c:spPr>
+          <a:noFill/>
+          <a:ln w="9525" cap="flat" cmpd="sng" algn="ctr">
+            <a:solidFill>
+              <a:schemeClr val="tx1">
+                <a:lumMod val="25000"/>
+                <a:lumOff val="75000"/>
+              </a:schemeClr>
+            </a:solidFill>
+            <a:round/>
+          </a:ln>
+          <a:effectLst/>
+        </c:spPr>
+        <c:txPr>
+          <a:bodyPr rot="-60000000" spcFirstLastPara="1" vertOverflow="ellipsis" vert="horz" wrap="square" anchor="ctr" anchorCtr="1"/>
+          <a:lstStyle/>
+          <a:p>
+            <a:pPr>
+              <a:defRPr sz="1197" b="0" i="0" u="none" strike="noStrike" kern="1200" baseline="0">
+                <a:solidFill>
+                  <a:schemeClr val="tx1">
+                    <a:lumMod val="65000"/>
+                    <a:lumOff val="35000"/>
+                  </a:schemeClr>
+                </a:solidFill>
+                <a:latin typeface="+mn-lt"/>
+                <a:ea typeface="+mn-ea"/>
+                <a:cs typeface="+mn-cs"/>
+              </a:defRPr>
+            </a:pPr>
+            <a:endParaRPr lang="en-US"/>
+          </a:p>
+        </c:txPr>
+        <c:crossAx val="352032568"/>
+        <c:crosses val="autoZero"/>
+        <c:crossBetween val="midCat"/>
+      </c:valAx>
+      <c:valAx>
+        <c:axId val="352032568"/>
+        <c:scaling>
+          <c:orientation val="minMax"/>
+        </c:scaling>
+        <c:delete val="0"/>
+        <c:axPos val="l"/>
+        <c:majorGridlines>
+          <c:spPr>
+            <a:ln w="9525" cap="flat" cmpd="sng" algn="ctr">
+              <a:solidFill>
+                <a:schemeClr val="tx1">
+                  <a:lumMod val="15000"/>
+                  <a:lumOff val="85000"/>
+                </a:schemeClr>
+              </a:solidFill>
+              <a:round/>
+            </a:ln>
+            <a:effectLst/>
+          </c:spPr>
+        </c:majorGridlines>
+        <c:numFmt formatCode="General" sourceLinked="1"/>
+        <c:majorTickMark val="none"/>
+        <c:minorTickMark val="none"/>
+        <c:tickLblPos val="nextTo"/>
+        <c:spPr>
+          <a:noFill/>
+          <a:ln w="9525" cap="flat" cmpd="sng" algn="ctr">
+            <a:solidFill>
+              <a:schemeClr val="tx1">
+                <a:lumMod val="25000"/>
+                <a:lumOff val="75000"/>
+              </a:schemeClr>
+            </a:solidFill>
+            <a:round/>
+          </a:ln>
+          <a:effectLst/>
+        </c:spPr>
+        <c:txPr>
+          <a:bodyPr rot="-60000000" spcFirstLastPara="1" vertOverflow="ellipsis" vert="horz" wrap="square" anchor="ctr" anchorCtr="1"/>
+          <a:lstStyle/>
+          <a:p>
+            <a:pPr>
+              <a:defRPr sz="1197" b="0" i="0" u="none" strike="noStrike" kern="1200" baseline="0">
+                <a:solidFill>
+                  <a:schemeClr val="tx1">
+                    <a:lumMod val="65000"/>
+                    <a:lumOff val="35000"/>
+                  </a:schemeClr>
+                </a:solidFill>
+                <a:latin typeface="+mn-lt"/>
+                <a:ea typeface="+mn-ea"/>
+                <a:cs typeface="+mn-cs"/>
+              </a:defRPr>
+            </a:pPr>
+            <a:endParaRPr lang="en-US"/>
+          </a:p>
+        </c:txPr>
+        <c:crossAx val="352031608"/>
+        <c:crosses val="autoZero"/>
+        <c:crossBetween val="midCat"/>
+      </c:valAx>
+      <c:spPr>
+        <a:noFill/>
+        <a:ln w="25400">
+          <a:noFill/>
+        </a:ln>
+        <a:effectLst/>
+      </c:spPr>
+    </c:plotArea>
+    <c:plotVisOnly val="1"/>
+    <c:dispBlanksAs val="gap"/>
+    <c:extLst>
+      <c:ext xmlns:c16r3="http://schemas.microsoft.com/office/drawing/2017/03/chart" uri="{56B9EC1D-385E-4148-901F-78D8002777C0}">
+        <c16r3:dataDisplayOptions16>
+          <c16r3:dispNaAsBlank val="1"/>
+        </c16r3:dataDisplayOptions16>
+      </c:ext>
+    </c:extLst>
+    <c:showDLblsOverMax val="0"/>
+  </c:chart>
+  <c:spPr>
+    <a:noFill/>
+    <a:ln>
+      <a:noFill/>
+    </a:ln>
+    <a:effectLst/>
+  </c:spPr>
+  <c:txPr>
+    <a:bodyPr/>
+    <a:lstStyle/>
+    <a:p>
+      <a:pPr>
+        <a:defRPr/>
+      </a:pPr>
+      <a:endParaRPr lang="en-US"/>
+    </a:p>
+  </c:txPr>
+  <c:externalData r:id="rId3">
+    <c:autoUpdate val="0"/>
+  </c:externalData>
+</c:chartSpace>
 </file>
 
-<file path=ppt/diagrams/colors2.xml><?xml version="1.0" encoding="utf-8"?>
+<file path=ppt/charts/colors1.xml><?xml version="1.0" encoding="utf-8"?>
+<cs:colorStyle xmlns:cs="http://schemas.microsoft.com/office/drawing/2012/chartStyle" xmlns:a="http://schemas.openxmlformats.org/drawingml/2006/main" meth="cycle" id="10">
+  <a:schemeClr val="accent1"/>
+  <a:schemeClr val="accent2"/>
+  <a:schemeClr val="accent3"/>
+  <a:schemeClr val="accent4"/>
+  <a:schemeClr val="accent5"/>
+  <a:schemeClr val="accent6"/>
+  <cs:variation/>
+  <cs:variation>
+    <a:lumMod val="60000"/>
+  </cs:variation>
+  <cs:variation>
+    <a:lumMod val="80000"/>
+    <a:lumOff val="20000"/>
+  </cs:variation>
+  <cs:variation>
+    <a:lumMod val="80000"/>
+  </cs:variation>
+  <cs:variation>
+    <a:lumMod val="60000"/>
+    <a:lumOff val="40000"/>
+  </cs:variation>
+  <cs:variation>
+    <a:lumMod val="50000"/>
+  </cs:variation>
+  <cs:variation>
+    <a:lumMod val="70000"/>
+    <a:lumOff val="30000"/>
+  </cs:variation>
+  <cs:variation>
+    <a:lumMod val="70000"/>
+  </cs:variation>
+  <cs:variation>
+    <a:lumMod val="50000"/>
+    <a:lumOff val="50000"/>
+  </cs:variation>
+</cs:colorStyle>
+</file>
+
+<file path=ppt/charts/style1.xml><?xml version="1.0" encoding="utf-8"?>
+<cs:chartStyle xmlns:cs="http://schemas.microsoft.com/office/drawing/2012/chartStyle" xmlns:a="http://schemas.openxmlformats.org/drawingml/2006/main" id="240">
+  <cs:axisTitle>
+    <cs:lnRef idx="0"/>
+    <cs:fillRef idx="0"/>
+    <cs:effectRef idx="0"/>
+    <cs:fontRef idx="minor">
+      <a:schemeClr val="tx1">
+        <a:lumMod val="65000"/>
+        <a:lumOff val="35000"/>
+      </a:schemeClr>
+    </cs:fontRef>
+    <cs:defRPr sz="1330" kern="1200"/>
+  </cs:axisTitle>
+  <cs:categoryAxis>
+    <cs:lnRef idx="0"/>
+    <cs:fillRef idx="0"/>
+    <cs:effectRef idx="0"/>
+    <cs:fontRef idx="minor">
+      <a:schemeClr val="tx1">
+        <a:lumMod val="65000"/>
+        <a:lumOff val="35000"/>
+      </a:schemeClr>
+    </cs:fontRef>
+    <cs:spPr>
+      <a:ln w="9525" cap="flat" cmpd="sng" algn="ctr">
+        <a:solidFill>
+          <a:schemeClr val="tx1">
+            <a:lumMod val="25000"/>
+            <a:lumOff val="75000"/>
+          </a:schemeClr>
+        </a:solidFill>
+        <a:round/>
+      </a:ln>
+    </cs:spPr>
+    <cs:defRPr sz="1197" kern="1200"/>
+  </cs:categoryAxis>
+  <cs:chartArea mods="allowNoFillOverride allowNoLineOverride">
+    <cs:lnRef idx="0"/>
+    <cs:fillRef idx="0"/>
+    <cs:effectRef idx="0"/>
+    <cs:fontRef idx="minor">
+      <a:schemeClr val="tx1"/>
+    </cs:fontRef>
+    <cs:spPr>
+      <a:solidFill>
+        <a:schemeClr val="bg1"/>
+      </a:solidFill>
+      <a:ln w="9525" cap="flat" cmpd="sng" algn="ctr">
+        <a:solidFill>
+          <a:schemeClr val="tx1">
+            <a:lumMod val="15000"/>
+            <a:lumOff val="85000"/>
+          </a:schemeClr>
+        </a:solidFill>
+        <a:round/>
+      </a:ln>
+    </cs:spPr>
+    <cs:defRPr sz="1330" kern="1200"/>
+  </cs:chartArea>
+  <cs:dataLabel>
+    <cs:lnRef idx="0"/>
+    <cs:fillRef idx="0"/>
+    <cs:effectRef idx="0"/>
+    <cs:fontRef idx="minor">
+      <a:schemeClr val="tx1">
+        <a:lumMod val="75000"/>
+        <a:lumOff val="25000"/>
+      </a:schemeClr>
+    </cs:fontRef>
+    <cs:defRPr sz="1197" kern="1200"/>
+  </cs:dataLabel>
+  <cs:dataLabelCallout>
+    <cs:lnRef idx="0"/>
+    <cs:fillRef idx="0"/>
+    <cs:effectRef idx="0"/>
+    <cs:fontRef idx="minor">
+      <a:schemeClr val="dk1">
+        <a:lumMod val="65000"/>
+        <a:lumOff val="35000"/>
+      </a:schemeClr>
+    </cs:fontRef>
+    <cs:spPr>
+      <a:solidFill>
+        <a:schemeClr val="lt1"/>
+      </a:solidFill>
+      <a:ln>
+        <a:solidFill>
+          <a:schemeClr val="dk1">
+            <a:lumMod val="25000"/>
+            <a:lumOff val="75000"/>
+          </a:schemeClr>
+        </a:solidFill>
+      </a:ln>
+    </cs:spPr>
+    <cs:defRPr sz="1197" kern="1200"/>
+    <cs:bodyPr rot="0" spcFirstLastPara="1" vertOverflow="clip" horzOverflow="clip" vert="horz" wrap="square" lIns="36576" tIns="18288" rIns="36576" bIns="18288" anchor="ctr" anchorCtr="1">
+      <a:spAutoFit/>
+    </cs:bodyPr>
+  </cs:dataLabelCallout>
+  <cs:dataPoint>
+    <cs:lnRef idx="0"/>
+    <cs:fillRef idx="1">
+      <cs:styleClr val="auto"/>
+    </cs:fillRef>
+    <cs:effectRef idx="0"/>
+    <cs:fontRef idx="minor">
+      <a:schemeClr val="tx1"/>
+    </cs:fontRef>
+  </cs:dataPoint>
+  <cs:dataPoint3D>
+    <cs:lnRef idx="0"/>
+    <cs:fillRef idx="1">
+      <cs:styleClr val="auto"/>
+    </cs:fillRef>
+    <cs:effectRef idx="0"/>
+    <cs:fontRef idx="minor">
+      <a:schemeClr val="tx1"/>
+    </cs:fontRef>
+  </cs:dataPoint3D>
+  <cs:dataPointLine>
+    <cs:lnRef idx="0">
+      <cs:styleClr val="auto"/>
+    </cs:lnRef>
+    <cs:fillRef idx="1"/>
+    <cs:effectRef idx="0"/>
+    <cs:fontRef idx="minor">
+      <a:schemeClr val="tx1"/>
+    </cs:fontRef>
+    <cs:spPr>
+      <a:ln w="19050" cap="rnd">
+        <a:solidFill>
+          <a:schemeClr val="phClr"/>
+        </a:solidFill>
+        <a:round/>
+      </a:ln>
+    </cs:spPr>
+  </cs:dataPointLine>
+  <cs:dataPointMarker>
+    <cs:lnRef idx="0">
+      <cs:styleClr val="auto"/>
+    </cs:lnRef>
+    <cs:fillRef idx="1">
+      <cs:styleClr val="auto"/>
+    </cs:fillRef>
+    <cs:effectRef idx="0"/>
+    <cs:fontRef idx="minor">
+      <a:schemeClr val="tx1"/>
+    </cs:fontRef>
+    <cs:spPr>
+      <a:ln w="9525">
+        <a:solidFill>
+          <a:schemeClr val="phClr"/>
+        </a:solidFill>
+      </a:ln>
+    </cs:spPr>
+  </cs:dataPointMarker>
+  <cs:dataPointMarkerLayout symbol="circle" size="5"/>
+  <cs:dataPointWireframe>
+    <cs:lnRef idx="0">
+      <cs:styleClr val="auto"/>
+    </cs:lnRef>
+    <cs:fillRef idx="0"/>
+    <cs:effectRef idx="0"/>
+    <cs:fontRef idx="minor">
+      <a:schemeClr val="dk1"/>
+    </cs:fontRef>
+    <cs:spPr>
+      <a:ln w="9525" cap="rnd">
+        <a:solidFill>
+          <a:schemeClr val="phClr"/>
+        </a:solidFill>
+        <a:round/>
+      </a:ln>
+    </cs:spPr>
+  </cs:dataPointWireframe>
+  <cs:dataTable>
+    <cs:lnRef idx="0"/>
+    <cs:fillRef idx="0"/>
+    <cs:effectRef idx="0"/>
+    <cs:fontRef idx="minor">
+      <a:schemeClr val="tx1">
+        <a:lumMod val="65000"/>
+        <a:lumOff val="35000"/>
+      </a:schemeClr>
+    </cs:fontRef>
+    <cs:spPr>
+      <a:noFill/>
+      <a:ln w="9525" cap="flat" cmpd="sng" algn="ctr">
+        <a:solidFill>
+          <a:schemeClr val="tx1">
+            <a:lumMod val="15000"/>
+            <a:lumOff val="85000"/>
+          </a:schemeClr>
+        </a:solidFill>
+        <a:round/>
+      </a:ln>
+    </cs:spPr>
+    <cs:defRPr sz="1197" kern="1200"/>
+  </cs:dataTable>
+  <cs:downBar>
+    <cs:lnRef idx="0"/>
+    <cs:fillRef idx="0"/>
+    <cs:effectRef idx="0"/>
+    <cs:fontRef idx="minor">
+      <a:schemeClr val="tx1"/>
+    </cs:fontRef>
+    <cs:spPr>
+      <a:solidFill>
+        <a:schemeClr val="dk1">
+          <a:lumMod val="75000"/>
+          <a:lumOff val="25000"/>
+        </a:schemeClr>
+      </a:solidFill>
+      <a:ln w="9525" cap="flat" cmpd="sng" algn="ctr">
+        <a:solidFill>
+          <a:schemeClr val="tx1">
+            <a:lumMod val="65000"/>
+            <a:lumOff val="35000"/>
+          </a:schemeClr>
+        </a:solidFill>
+        <a:round/>
+      </a:ln>
+    </cs:spPr>
+  </cs:downBar>
+  <cs:dropLine>
+    <cs:lnRef idx="0"/>
+    <cs:fillRef idx="0"/>
+    <cs:effectRef idx="0"/>
+    <cs:fontRef idx="minor">
+      <a:schemeClr val="tx1"/>
+    </cs:fontRef>
+    <cs:spPr>
+      <a:ln w="9525" cap="flat" cmpd="sng" algn="ctr">
+        <a:solidFill>
+          <a:schemeClr val="tx1">
+            <a:lumMod val="35000"/>
+            <a:lumOff val="65000"/>
+          </a:schemeClr>
+        </a:solidFill>
+        <a:round/>
+      </a:ln>
+    </cs:spPr>
+  </cs:dropLine>
+  <cs:errorBar>
+    <cs:lnRef idx="0"/>
+    <cs:fillRef idx="0"/>
+    <cs:effectRef idx="0"/>
+    <cs:fontRef idx="minor">
+      <a:schemeClr val="tx1"/>
+    </cs:fontRef>
+    <cs:spPr>
+      <a:ln w="9525" cap="flat" cmpd="sng" algn="ctr">
+        <a:solidFill>
+          <a:schemeClr val="tx1">
+            <a:lumMod val="65000"/>
+            <a:lumOff val="35000"/>
+          </a:schemeClr>
+        </a:solidFill>
+        <a:round/>
+      </a:ln>
+    </cs:spPr>
+  </cs:errorBar>
+  <cs:floor>
+    <cs:lnRef idx="0"/>
+    <cs:fillRef idx="0"/>
+    <cs:effectRef idx="0"/>
+    <cs:fontRef idx="minor">
+      <a:schemeClr val="tx1"/>
+    </cs:fontRef>
+    <cs:spPr>
+      <a:noFill/>
+      <a:ln>
+        <a:noFill/>
+      </a:ln>
+    </cs:spPr>
+  </cs:floor>
+  <cs:gridlineMajor>
+    <cs:lnRef idx="0"/>
+    <cs:fillRef idx="0"/>
+    <cs:effectRef idx="0"/>
+    <cs:fontRef idx="minor">
+      <a:schemeClr val="tx1"/>
+    </cs:fontRef>
+    <cs:spPr>
+      <a:ln w="9525" cap="flat" cmpd="sng" algn="ctr">
+        <a:solidFill>
+          <a:schemeClr val="tx1">
+            <a:lumMod val="15000"/>
+            <a:lumOff val="85000"/>
+          </a:schemeClr>
+        </a:solidFill>
+        <a:round/>
+      </a:ln>
+    </cs:spPr>
+  </cs:gridlineMajor>
+  <cs:gridlineMinor>
+    <cs:lnRef idx="0"/>
+    <cs:fillRef idx="0"/>
+    <cs:effectRef idx="0"/>
+    <cs:fontRef idx="minor">
+      <a:schemeClr val="tx1"/>
+    </cs:fontRef>
+    <cs:spPr>
+      <a:ln w="9525" cap="flat" cmpd="sng" algn="ctr">
+        <a:solidFill>
+          <a:schemeClr val="tx1">
+            <a:lumMod val="5000"/>
+            <a:lumOff val="95000"/>
+          </a:schemeClr>
+        </a:solidFill>
+        <a:round/>
+      </a:ln>
+    </cs:spPr>
+  </cs:gridlineMinor>
+  <cs:hiLoLine>
+    <cs:lnRef idx="0"/>
+    <cs:fillRef idx="0"/>
+    <cs:effectRef idx="0"/>
+    <cs:fontRef idx="minor">
+      <a:schemeClr val="tx1"/>
+    </cs:fontRef>
+    <cs:spPr>
+      <a:ln w="9525" cap="flat" cmpd="sng" algn="ctr">
+        <a:solidFill>
+          <a:schemeClr val="tx1">
+            <a:lumMod val="50000"/>
+            <a:lumOff val="50000"/>
+          </a:schemeClr>
+        </a:solidFill>
+        <a:round/>
+      </a:ln>
+    </cs:spPr>
+  </cs:hiLoLine>
+  <cs:leaderLine>
+    <cs:lnRef idx="0"/>
+    <cs:fillRef idx="0"/>
+    <cs:effectRef idx="0"/>
+    <cs:fontRef idx="minor">
+      <a:schemeClr val="tx1"/>
+    </cs:fontRef>
+    <cs:spPr>
+      <a:ln w="9525" cap="flat" cmpd="sng" algn="ctr">
+        <a:solidFill>
+          <a:schemeClr val="tx1">
+            <a:lumMod val="35000"/>
+            <a:lumOff val="65000"/>
+          </a:schemeClr>
+        </a:solidFill>
+        <a:round/>
+      </a:ln>
+    </cs:spPr>
+  </cs:leaderLine>
+  <cs:legend>
+    <cs:lnRef idx="0"/>
+    <cs:fillRef idx="0"/>
+    <cs:effectRef idx="0"/>
+    <cs:fontRef idx="minor">
+      <a:schemeClr val="tx1">
+        <a:lumMod val="65000"/>
+        <a:lumOff val="35000"/>
+      </a:schemeClr>
+    </cs:fontRef>
+    <cs:defRPr sz="1197" kern="1200"/>
+  </cs:legend>
+  <cs:plotArea mods="allowNoFillOverride allowNoLineOverride">
+    <cs:lnRef idx="0"/>
+    <cs:fillRef idx="0"/>
+    <cs:effectRef idx="0"/>
+    <cs:fontRef idx="minor">
+      <a:schemeClr val="tx1"/>
+    </cs:fontRef>
+  </cs:plotArea>
+  <cs:plotArea3D mods="allowNoFillOverride allowNoLineOverride">
+    <cs:lnRef idx="0"/>
+    <cs:fillRef idx="0"/>
+    <cs:effectRef idx="0"/>
+    <cs:fontRef idx="minor">
+      <a:schemeClr val="tx1"/>
+    </cs:fontRef>
+  </cs:plotArea3D>
+  <cs:seriesAxis>
+    <cs:lnRef idx="0"/>
+    <cs:fillRef idx="0"/>
+    <cs:effectRef idx="0"/>
+    <cs:fontRef idx="minor">
+      <a:schemeClr val="tx1">
+        <a:lumMod val="65000"/>
+        <a:lumOff val="35000"/>
+      </a:schemeClr>
+    </cs:fontRef>
+    <cs:defRPr sz="1197" kern="1200"/>
+  </cs:seriesAxis>
+  <cs:seriesLine>
+    <cs:lnRef idx="0"/>
+    <cs:fillRef idx="0"/>
+    <cs:effectRef idx="0"/>
+    <cs:fontRef idx="minor">
+      <a:schemeClr val="tx1"/>
+    </cs:fontRef>
+    <cs:spPr>
+      <a:ln w="9525" cap="flat" cmpd="sng" algn="ctr">
+        <a:solidFill>
+          <a:schemeClr val="tx1">
+            <a:lumMod val="35000"/>
+            <a:lumOff val="65000"/>
+          </a:schemeClr>
+        </a:solidFill>
+        <a:round/>
+      </a:ln>
+    </cs:spPr>
+  </cs:seriesLine>
+  <cs:title>
+    <cs:lnRef idx="0"/>
+    <cs:fillRef idx="0"/>
+    <cs:effectRef idx="0"/>
+    <cs:fontRef idx="minor">
+      <a:schemeClr val="tx1">
+        <a:lumMod val="65000"/>
+        <a:lumOff val="35000"/>
+      </a:schemeClr>
+    </cs:fontRef>
+    <cs:defRPr sz="1862" b="0" kern="1200" spc="0" baseline="0"/>
+  </cs:title>
+  <cs:trendline>
+    <cs:lnRef idx="0">
+      <cs:styleClr val="auto"/>
+    </cs:lnRef>
+    <cs:fillRef idx="0"/>
+    <cs:effectRef idx="0"/>
+    <cs:fontRef idx="minor">
+      <a:schemeClr val="tx1"/>
+    </cs:fontRef>
+    <cs:spPr>
+      <a:ln w="19050" cap="rnd">
+        <a:solidFill>
+          <a:schemeClr val="phClr"/>
+        </a:solidFill>
+        <a:prstDash val="sysDot"/>
+      </a:ln>
+    </cs:spPr>
+  </cs:trendline>
+  <cs:trendlineLabel>
+    <cs:lnRef idx="0"/>
+    <cs:fillRef idx="0"/>
+    <cs:effectRef idx="0"/>
+    <cs:fontRef idx="minor">
+      <a:schemeClr val="tx1">
+        <a:lumMod val="65000"/>
+        <a:lumOff val="35000"/>
+      </a:schemeClr>
+    </cs:fontRef>
+    <cs:defRPr sz="1197" kern="1200"/>
+  </cs:trendlineLabel>
+  <cs:upBar>
+    <cs:lnRef idx="0"/>
+    <cs:fillRef idx="0"/>
+    <cs:effectRef idx="0"/>
+    <cs:fontRef idx="minor">
+      <a:schemeClr val="tx1"/>
+    </cs:fontRef>
+    <cs:spPr>
+      <a:solidFill>
+        <a:schemeClr val="lt1"/>
+      </a:solidFill>
+      <a:ln w="9525" cap="flat" cmpd="sng" algn="ctr">
+        <a:solidFill>
+          <a:schemeClr val="tx1">
+            <a:lumMod val="65000"/>
+            <a:lumOff val="35000"/>
+          </a:schemeClr>
+        </a:solidFill>
+        <a:round/>
+      </a:ln>
+    </cs:spPr>
+  </cs:upBar>
+  <cs:valueAxis>
+    <cs:lnRef idx="0"/>
+    <cs:fillRef idx="0"/>
+    <cs:effectRef idx="0"/>
+    <cs:fontRef idx="minor">
+      <a:schemeClr val="tx1">
+        <a:lumMod val="65000"/>
+        <a:lumOff val="35000"/>
+      </a:schemeClr>
+    </cs:fontRef>
+    <cs:spPr>
+      <a:ln w="9525" cap="flat" cmpd="sng" algn="ctr">
+        <a:solidFill>
+          <a:schemeClr val="tx1">
+            <a:lumMod val="25000"/>
+            <a:lumOff val="75000"/>
+          </a:schemeClr>
+        </a:solidFill>
+        <a:round/>
+      </a:ln>
+    </cs:spPr>
+    <cs:defRPr sz="1197" kern="1200"/>
+  </cs:valueAxis>
+  <cs:wall>
+    <cs:lnRef idx="0"/>
+    <cs:fillRef idx="0"/>
+    <cs:effectRef idx="0"/>
+    <cs:fontRef idx="minor">
+      <a:schemeClr val="tx1"/>
+    </cs:fontRef>
+    <cs:spPr>
+      <a:noFill/>
+      <a:ln>
+        <a:noFill/>
+      </a:ln>
+    </cs:spPr>
+  </cs:wall>
+</cs:chartStyle>
+</file>
+
+<file path=ppt/diagrams/colors1.xml><?xml version="1.0" encoding="utf-8"?>
 <dgm:colorsDef xmlns:dgm="http://schemas.openxmlformats.org/drawingml/2006/diagram" xmlns:a="http://schemas.openxmlformats.org/drawingml/2006/main" uniqueId="urn:microsoft.com/office/officeart/2005/8/colors/colorful5">
   <dgm:title val=""/>
   <dgm:desc val=""/>
@@ -1660,7 +1806,7 @@
 <dgm:dataModel xmlns:dgm="http://schemas.openxmlformats.org/drawingml/2006/diagram" xmlns:a="http://schemas.openxmlformats.org/drawingml/2006/main">
   <dgm:ptLst>
     <dgm:pt modelId="{605CE595-C330-4532-9B6D-028481D96469}" type="doc">
-      <dgm:prSet loTypeId="urn:microsoft.com/office/officeart/2008/layout/CircleAccentTimeline" loCatId="process" qsTypeId="urn:microsoft.com/office/officeart/2005/8/quickstyle/simple1" qsCatId="simple" csTypeId="urn:microsoft.com/office/officeart/2005/8/colors/accent1_2" csCatId="accent1" phldr="1"/>
+      <dgm:prSet loTypeId="urn:microsoft.com/office/officeart/2008/layout/CircleAccentTimeline" loCatId="process" qsTypeId="urn:microsoft.com/office/officeart/2005/8/quickstyle/simple1" qsCatId="simple" csTypeId="urn:microsoft.com/office/officeart/2005/8/colors/colorful5" csCatId="colorful" phldr="1"/>
       <dgm:spPr/>
       <dgm:t>
         <a:bodyPr/>
@@ -2704,743 +2850,6 @@
 </dgm:dataModel>
 </file>
 
-<file path=ppt/diagrams/data2.xml><?xml version="1.0" encoding="utf-8"?>
-<dgm:dataModel xmlns:dgm="http://schemas.openxmlformats.org/drawingml/2006/diagram" xmlns:a="http://schemas.openxmlformats.org/drawingml/2006/main">
-  <dgm:ptLst>
-    <dgm:pt modelId="{605CE595-C330-4532-9B6D-028481D96469}" type="doc">
-      <dgm:prSet loTypeId="urn:microsoft.com/office/officeart/2005/8/layout/hProcess11" loCatId="process" qsTypeId="urn:microsoft.com/office/officeart/2005/8/quickstyle/3d3" qsCatId="3D" csTypeId="urn:microsoft.com/office/officeart/2005/8/colors/colorful5" csCatId="colorful" phldr="1"/>
-      <dgm:spPr/>
-      <dgm:t>
-        <a:bodyPr/>
-        <a:lstStyle/>
-        <a:p>
-          <a:endParaRPr lang="en-US"/>
-        </a:p>
-      </dgm:t>
-    </dgm:pt>
-    <dgm:pt modelId="{00364AD6-064F-4DB1-8C6C-4306C6FC8E62}">
-      <dgm:prSet phldrT="[Text]"/>
-      <dgm:spPr/>
-      <dgm:t>
-        <a:bodyPr/>
-        <a:lstStyle/>
-        <a:p>
-          <a:r>
-            <a:rPr lang="en-US" dirty="0"/>
-            <a:t>1943 - Alan Turing (Imitation Game) &amp; John Von </a:t>
-          </a:r>
-          <a:r>
-            <a:rPr lang="en-US" dirty="0" err="1"/>
-            <a:t>Neumman</a:t>
-          </a:r>
-          <a:r>
-            <a:rPr lang="en-US" dirty="0"/>
-            <a:t> - fathers of modern computing</a:t>
-          </a:r>
-        </a:p>
-      </dgm:t>
-    </dgm:pt>
-    <dgm:pt modelId="{5AE5B9F9-26AC-43A5-B490-28E0D27A10A7}" type="parTrans" cxnId="{B0AD5790-7BD5-4CBA-A1A2-CD1C2766CFA0}">
-      <dgm:prSet/>
-      <dgm:spPr/>
-      <dgm:t>
-        <a:bodyPr/>
-        <a:lstStyle/>
-        <a:p>
-          <a:endParaRPr lang="en-US"/>
-        </a:p>
-      </dgm:t>
-    </dgm:pt>
-    <dgm:pt modelId="{F65D43D4-D40C-4264-86BC-47256D81C70E}" type="sibTrans" cxnId="{B0AD5790-7BD5-4CBA-A1A2-CD1C2766CFA0}">
-      <dgm:prSet/>
-      <dgm:spPr/>
-      <dgm:t>
-        <a:bodyPr/>
-        <a:lstStyle/>
-        <a:p>
-          <a:endParaRPr lang="en-US"/>
-        </a:p>
-      </dgm:t>
-    </dgm:pt>
-    <dgm:pt modelId="{3772326E-AC74-40AD-BDE6-807B586C42F2}">
-      <dgm:prSet/>
-      <dgm:spPr/>
-      <dgm:t>
-        <a:bodyPr/>
-        <a:lstStyle/>
-        <a:p>
-          <a:r>
-            <a:rPr lang="en-US" dirty="0"/>
-            <a:t>1956 - AI conference “</a:t>
-          </a:r>
-          <a:r>
-            <a:rPr lang="en-US" dirty="0" err="1"/>
-            <a:t>Minksy</a:t>
-          </a:r>
-          <a:r>
-            <a:rPr lang="en-US" dirty="0"/>
-            <a:t>/McCarthy” — focus on top-down rules (golden years 56-74)</a:t>
-          </a:r>
-        </a:p>
-      </dgm:t>
-    </dgm:pt>
-    <dgm:pt modelId="{7E232538-0E78-4A78-92BB-C9A3F5696CF3}" type="parTrans" cxnId="{C231BCDB-7A70-4AE6-BEE5-16E7FC77773B}">
-      <dgm:prSet/>
-      <dgm:spPr/>
-      <dgm:t>
-        <a:bodyPr/>
-        <a:lstStyle/>
-        <a:p>
-          <a:endParaRPr lang="en-US"/>
-        </a:p>
-      </dgm:t>
-    </dgm:pt>
-    <dgm:pt modelId="{87E2030F-FF56-4E8B-8A5B-C6D9C0C1B4A6}" type="sibTrans" cxnId="{C231BCDB-7A70-4AE6-BEE5-16E7FC77773B}">
-      <dgm:prSet/>
-      <dgm:spPr/>
-      <dgm:t>
-        <a:bodyPr/>
-        <a:lstStyle/>
-        <a:p>
-          <a:endParaRPr lang="en-US"/>
-        </a:p>
-      </dgm:t>
-    </dgm:pt>
-    <dgm:pt modelId="{63903C73-AB2D-4F7E-9142-A10499C7E9C7}">
-      <dgm:prSet/>
-      <dgm:spPr/>
-      <dgm:t>
-        <a:bodyPr/>
-        <a:lstStyle/>
-        <a:p>
-          <a:r>
-            <a:rPr lang="en-US" dirty="0"/>
-            <a:t>1970 - </a:t>
-          </a:r>
-          <a:r>
-            <a:rPr lang="en-US" dirty="0" err="1"/>
-            <a:t>Minksy</a:t>
-          </a:r>
-          <a:r>
-            <a:rPr lang="en-US" dirty="0"/>
-            <a:t> “ in 3-8 </a:t>
-          </a:r>
-          <a:r>
-            <a:rPr lang="en-US" dirty="0" err="1"/>
-            <a:t>yrs</a:t>
-          </a:r>
-          <a:r>
-            <a:rPr lang="en-US" dirty="0"/>
-            <a:t> we will have a machine w/ the general intelligence of an average human being” &lt;- bad claims all around</a:t>
-          </a:r>
-        </a:p>
-      </dgm:t>
-    </dgm:pt>
-    <dgm:pt modelId="{A7A11784-A69A-434E-9F75-1F92E1331DF3}" type="parTrans" cxnId="{1ED006AD-A69B-4B01-B62A-B81A92729290}">
-      <dgm:prSet/>
-      <dgm:spPr/>
-      <dgm:t>
-        <a:bodyPr/>
-        <a:lstStyle/>
-        <a:p>
-          <a:endParaRPr lang="en-US"/>
-        </a:p>
-      </dgm:t>
-    </dgm:pt>
-    <dgm:pt modelId="{61C32857-FB03-4635-B2D3-D25307FE16F1}" type="sibTrans" cxnId="{1ED006AD-A69B-4B01-B62A-B81A92729290}">
-      <dgm:prSet/>
-      <dgm:spPr/>
-      <dgm:t>
-        <a:bodyPr/>
-        <a:lstStyle/>
-        <a:p>
-          <a:endParaRPr lang="en-US"/>
-        </a:p>
-      </dgm:t>
-    </dgm:pt>
-    <dgm:pt modelId="{8CF95A2A-943B-45B1-8226-6AC8FCC59664}">
-      <dgm:prSet/>
-      <dgm:spPr/>
-      <dgm:t>
-        <a:bodyPr/>
-        <a:lstStyle/>
-        <a:p>
-          <a:r>
-            <a:rPr lang="en-US" dirty="0"/>
-            <a:t>1973 - “AI Winter” (1974-1980)</a:t>
-          </a:r>
-        </a:p>
-      </dgm:t>
-    </dgm:pt>
-    <dgm:pt modelId="{CDDB94FA-0E50-4D2E-B271-F7E71A12F304}" type="parTrans" cxnId="{E4A0A563-14F5-4BCB-A3D5-DF302AC1C0F4}">
-      <dgm:prSet/>
-      <dgm:spPr/>
-      <dgm:t>
-        <a:bodyPr/>
-        <a:lstStyle/>
-        <a:p>
-          <a:endParaRPr lang="en-US"/>
-        </a:p>
-      </dgm:t>
-    </dgm:pt>
-    <dgm:pt modelId="{EA8BE77D-67FD-41C3-901A-82527898785A}" type="sibTrans" cxnId="{E4A0A563-14F5-4BCB-A3D5-DF302AC1C0F4}">
-      <dgm:prSet/>
-      <dgm:spPr/>
-      <dgm:t>
-        <a:bodyPr/>
-        <a:lstStyle/>
-        <a:p>
-          <a:endParaRPr lang="en-US"/>
-        </a:p>
-      </dgm:t>
-    </dgm:pt>
-    <dgm:pt modelId="{2E906866-EBE8-49B0-A530-4D11CB40FBBC}">
-      <dgm:prSet/>
-      <dgm:spPr/>
-      <dgm:t>
-        <a:bodyPr/>
-        <a:lstStyle/>
-        <a:p>
-          <a:r>
-            <a:rPr lang="en-US" dirty="0"/>
-            <a:t>1980’s - “Expert Systems boom” - DEC RI ($40m annual saving success)</a:t>
-          </a:r>
-        </a:p>
-      </dgm:t>
-    </dgm:pt>
-    <dgm:pt modelId="{533C3739-8129-41FC-93AD-03A802E3C25A}" type="parTrans" cxnId="{B8FCC5A5-F1CA-471C-B06D-0C2FC6B55137}">
-      <dgm:prSet/>
-      <dgm:spPr/>
-      <dgm:t>
-        <a:bodyPr/>
-        <a:lstStyle/>
-        <a:p>
-          <a:endParaRPr lang="en-US"/>
-        </a:p>
-      </dgm:t>
-    </dgm:pt>
-    <dgm:pt modelId="{F0A20645-BA33-4220-898E-8428B0105D84}" type="sibTrans" cxnId="{B8FCC5A5-F1CA-471C-B06D-0C2FC6B55137}">
-      <dgm:prSet/>
-      <dgm:spPr/>
-      <dgm:t>
-        <a:bodyPr/>
-        <a:lstStyle/>
-        <a:p>
-          <a:endParaRPr lang="en-US"/>
-        </a:p>
-      </dgm:t>
-    </dgm:pt>
-    <dgm:pt modelId="{649D0C17-8D50-4495-B808-C2993ABFE01D}">
-      <dgm:prSet/>
-      <dgm:spPr/>
-      <dgm:t>
-        <a:bodyPr/>
-        <a:lstStyle/>
-        <a:p>
-          <a:r>
-            <a:rPr lang="en-US" dirty="0"/>
-            <a:t>1987 (AI winter #2 - 1987-1993)</a:t>
-          </a:r>
-        </a:p>
-      </dgm:t>
-    </dgm:pt>
-    <dgm:pt modelId="{9D19ED85-F21C-4134-B65F-5B527E4AA8CB}" type="parTrans" cxnId="{5C038745-7BD4-4409-91FA-558D9A7D036D}">
-      <dgm:prSet/>
-      <dgm:spPr/>
-      <dgm:t>
-        <a:bodyPr/>
-        <a:lstStyle/>
-        <a:p>
-          <a:endParaRPr lang="en-US"/>
-        </a:p>
-      </dgm:t>
-    </dgm:pt>
-    <dgm:pt modelId="{60D7B3E5-5CB4-462E-802A-66C6505C776C}" type="sibTrans" cxnId="{5C038745-7BD4-4409-91FA-558D9A7D036D}">
-      <dgm:prSet/>
-      <dgm:spPr/>
-      <dgm:t>
-        <a:bodyPr/>
-        <a:lstStyle/>
-        <a:p>
-          <a:endParaRPr lang="en-US"/>
-        </a:p>
-      </dgm:t>
-    </dgm:pt>
-    <dgm:pt modelId="{330F3E56-A46D-41DF-800A-883E0EEBCDE1}">
-      <dgm:prSet/>
-      <dgm:spPr/>
-      <dgm:t>
-        <a:bodyPr/>
-        <a:lstStyle/>
-        <a:p>
-          <a:r>
-            <a:rPr lang="en-US" dirty="0"/>
-            <a:t>1997 - Deep blue (beat </a:t>
-          </a:r>
-          <a:r>
-            <a:rPr lang="en-US" dirty="0" err="1"/>
-            <a:t>kasparov</a:t>
-          </a:r>
-          <a:r>
-            <a:rPr lang="en-US" dirty="0"/>
-            <a:t>) ? (Brute force + heuristics), </a:t>
-          </a:r>
-          <a:r>
-            <a:rPr lang="en-US" dirty="0" err="1"/>
-            <a:t>kasparov</a:t>
-          </a:r>
-          <a:r>
-            <a:rPr lang="en-US" dirty="0"/>
-            <a:t> big on AI now</a:t>
-          </a:r>
-        </a:p>
-      </dgm:t>
-    </dgm:pt>
-    <dgm:pt modelId="{EE15ECD3-D4B4-4059-897A-3F5B716EDD02}" type="parTrans" cxnId="{3C661086-C001-47EF-9186-73356E6E6582}">
-      <dgm:prSet/>
-      <dgm:spPr/>
-      <dgm:t>
-        <a:bodyPr/>
-        <a:lstStyle/>
-        <a:p>
-          <a:endParaRPr lang="en-US"/>
-        </a:p>
-      </dgm:t>
-    </dgm:pt>
-    <dgm:pt modelId="{3F68FEA0-8580-4758-9351-5E7E058D76E1}" type="sibTrans" cxnId="{3C661086-C001-47EF-9186-73356E6E6582}">
-      <dgm:prSet/>
-      <dgm:spPr/>
-      <dgm:t>
-        <a:bodyPr/>
-        <a:lstStyle/>
-        <a:p>
-          <a:endParaRPr lang="en-US"/>
-        </a:p>
-      </dgm:t>
-    </dgm:pt>
-    <dgm:pt modelId="{E0925546-681E-45BC-8389-674071027E96}">
-      <dgm:prSet/>
-      <dgm:spPr/>
-      <dgm:t>
-        <a:bodyPr/>
-        <a:lstStyle/>
-        <a:p>
-          <a:r>
-            <a:rPr lang="en-US" dirty="0"/>
-            <a:t>1999 - GPU invented (for games)</a:t>
-          </a:r>
-        </a:p>
-      </dgm:t>
-    </dgm:pt>
-    <dgm:pt modelId="{D7741237-13A9-4972-8624-F143D5E4B02B}" type="parTrans" cxnId="{061A01AB-C5F0-48DF-B3C8-A04B449531B1}">
-      <dgm:prSet/>
-      <dgm:spPr/>
-      <dgm:t>
-        <a:bodyPr/>
-        <a:lstStyle/>
-        <a:p>
-          <a:endParaRPr lang="en-US"/>
-        </a:p>
-      </dgm:t>
-    </dgm:pt>
-    <dgm:pt modelId="{699FFCDE-F157-4B3A-9AAA-D2CDDF91D899}" type="sibTrans" cxnId="{061A01AB-C5F0-48DF-B3C8-A04B449531B1}">
-      <dgm:prSet/>
-      <dgm:spPr/>
-      <dgm:t>
-        <a:bodyPr/>
-        <a:lstStyle/>
-        <a:p>
-          <a:endParaRPr lang="en-US"/>
-        </a:p>
-      </dgm:t>
-    </dgm:pt>
-    <dgm:pt modelId="{4263A6E8-9087-4305-A0CD-D9A3EFC1C051}">
-      <dgm:prSet/>
-      <dgm:spPr/>
-      <dgm:t>
-        <a:bodyPr/>
-        <a:lstStyle/>
-        <a:p>
-          <a:r>
-            <a:rPr lang="en-US" dirty="0"/>
-            <a:t>2007 - CUDA - GPU for non-games (finance/statistics)</a:t>
-          </a:r>
-        </a:p>
-      </dgm:t>
-    </dgm:pt>
-    <dgm:pt modelId="{2268C3AB-CE89-4A43-B4D7-2C9306F11E21}" type="parTrans" cxnId="{D6B0ADAF-9966-460B-8AAC-27C794CEB4B5}">
-      <dgm:prSet/>
-      <dgm:spPr/>
-      <dgm:t>
-        <a:bodyPr/>
-        <a:lstStyle/>
-        <a:p>
-          <a:endParaRPr lang="en-US"/>
-        </a:p>
-      </dgm:t>
-    </dgm:pt>
-    <dgm:pt modelId="{92FF0E61-25D9-4490-8C32-7A8E2F5F6E2D}" type="sibTrans" cxnId="{D6B0ADAF-9966-460B-8AAC-27C794CEB4B5}">
-      <dgm:prSet/>
-      <dgm:spPr/>
-      <dgm:t>
-        <a:bodyPr/>
-        <a:lstStyle/>
-        <a:p>
-          <a:endParaRPr lang="en-US"/>
-        </a:p>
-      </dgm:t>
-    </dgm:pt>
-    <dgm:pt modelId="{FC80E47A-B07E-4960-B28D-50970BEFDB66}">
-      <dgm:prSet/>
-      <dgm:spPr/>
-      <dgm:t>
-        <a:bodyPr/>
-        <a:lstStyle/>
-        <a:p>
-          <a:r>
-            <a:rPr lang="en-US" dirty="0"/>
-            <a:t>2010 - First GPU for NN/Deep Learning - Goodfellow ch12.2</a:t>
-          </a:r>
-        </a:p>
-      </dgm:t>
-    </dgm:pt>
-    <dgm:pt modelId="{525E875A-5DE7-4FF4-93BF-17DBBED558D1}" type="parTrans" cxnId="{BB848B06-451F-4867-BFC1-E3CB2334162A}">
-      <dgm:prSet/>
-      <dgm:spPr/>
-      <dgm:t>
-        <a:bodyPr/>
-        <a:lstStyle/>
-        <a:p>
-          <a:endParaRPr lang="en-US"/>
-        </a:p>
-      </dgm:t>
-    </dgm:pt>
-    <dgm:pt modelId="{8327CF1C-4543-45EB-8827-901112E5B2F6}" type="sibTrans" cxnId="{BB848B06-451F-4867-BFC1-E3CB2334162A}">
-      <dgm:prSet/>
-      <dgm:spPr/>
-      <dgm:t>
-        <a:bodyPr/>
-        <a:lstStyle/>
-        <a:p>
-          <a:endParaRPr lang="en-US"/>
-        </a:p>
-      </dgm:t>
-    </dgm:pt>
-    <dgm:pt modelId="{1AD076D2-FC95-4795-B868-396411F0BEEA}">
-      <dgm:prSet/>
-      <dgm:spPr/>
-      <dgm:t>
-        <a:bodyPr/>
-        <a:lstStyle/>
-        <a:p>
-          <a:r>
-            <a:rPr lang="en-US" dirty="0"/>
-            <a:t>2011 - IBM Watson Jeopardy - some ML (NLP)</a:t>
-          </a:r>
-        </a:p>
-      </dgm:t>
-    </dgm:pt>
-    <dgm:pt modelId="{E680187C-C95A-4FF4-BC06-01F3FC738F00}" type="parTrans" cxnId="{D219B7C8-63DA-4D5A-A6E6-31A09E1AB42F}">
-      <dgm:prSet/>
-      <dgm:spPr/>
-      <dgm:t>
-        <a:bodyPr/>
-        <a:lstStyle/>
-        <a:p>
-          <a:endParaRPr lang="en-US"/>
-        </a:p>
-      </dgm:t>
-    </dgm:pt>
-    <dgm:pt modelId="{AA9EA5F9-1C69-4236-9103-898F4A18A8DC}" type="sibTrans" cxnId="{D219B7C8-63DA-4D5A-A6E6-31A09E1AB42F}">
-      <dgm:prSet/>
-      <dgm:spPr/>
-      <dgm:t>
-        <a:bodyPr/>
-        <a:lstStyle/>
-        <a:p>
-          <a:endParaRPr lang="en-US"/>
-        </a:p>
-      </dgm:t>
-    </dgm:pt>
-    <dgm:pt modelId="{0E41FAC4-A735-460C-83EC-17A80B688FDB}">
-      <dgm:prSet/>
-      <dgm:spPr/>
-      <dgm:t>
-        <a:bodyPr/>
-        <a:lstStyle/>
-        <a:p>
-          <a:r>
-            <a:rPr lang="en-US" dirty="0"/>
-            <a:t>2016 - Alpha Go - Deep NN</a:t>
-          </a:r>
-        </a:p>
-      </dgm:t>
-    </dgm:pt>
-    <dgm:pt modelId="{B0664649-EE22-4B57-AE45-4F9881B46D3F}" type="parTrans" cxnId="{120C306A-321E-4853-A630-3F405C28616B}">
-      <dgm:prSet/>
-      <dgm:spPr/>
-      <dgm:t>
-        <a:bodyPr/>
-        <a:lstStyle/>
-        <a:p>
-          <a:endParaRPr lang="en-US"/>
-        </a:p>
-      </dgm:t>
-    </dgm:pt>
-    <dgm:pt modelId="{5BD5C6FC-A9F6-4708-9701-43AA11145CBD}" type="sibTrans" cxnId="{120C306A-321E-4853-A630-3F405C28616B}">
-      <dgm:prSet/>
-      <dgm:spPr/>
-      <dgm:t>
-        <a:bodyPr/>
-        <a:lstStyle/>
-        <a:p>
-          <a:endParaRPr lang="en-US"/>
-        </a:p>
-      </dgm:t>
-    </dgm:pt>
-    <dgm:pt modelId="{32B93D70-ECC3-4947-B207-EEB499A6124E}">
-      <dgm:prSet/>
-      <dgm:spPr/>
-      <dgm:t>
-        <a:bodyPr/>
-        <a:lstStyle/>
-        <a:p>
-          <a:r>
-            <a:rPr lang="en-US" dirty="0"/>
-            <a:t>2029 - </a:t>
-          </a:r>
-          <a:r>
-            <a:rPr lang="en-US" dirty="0" err="1"/>
-            <a:t>Kurtweil</a:t>
-          </a:r>
-          <a:r>
-            <a:rPr lang="en-US" dirty="0"/>
-            <a:t> Prediction!</a:t>
-          </a:r>
-        </a:p>
-      </dgm:t>
-    </dgm:pt>
-    <dgm:pt modelId="{F7B08D46-B1C5-4D5E-83F8-3EC6A7561A9B}" type="parTrans" cxnId="{E1F0EDD4-470B-45E2-9A4B-69A8555CD06C}">
-      <dgm:prSet/>
-      <dgm:spPr/>
-      <dgm:t>
-        <a:bodyPr/>
-        <a:lstStyle/>
-        <a:p>
-          <a:endParaRPr lang="en-US"/>
-        </a:p>
-      </dgm:t>
-    </dgm:pt>
-    <dgm:pt modelId="{E42C5B39-45C6-4E79-82AC-A6ACDDEAA58D}" type="sibTrans" cxnId="{E1F0EDD4-470B-45E2-9A4B-69A8555CD06C}">
-      <dgm:prSet/>
-      <dgm:spPr/>
-      <dgm:t>
-        <a:bodyPr/>
-        <a:lstStyle/>
-        <a:p>
-          <a:endParaRPr lang="en-US"/>
-        </a:p>
-      </dgm:t>
-    </dgm:pt>
-    <dgm:pt modelId="{E83F54D4-67D8-4E8A-A4C7-59EAD26D74BA}" type="pres">
-      <dgm:prSet presAssocID="{605CE595-C330-4532-9B6D-028481D96469}" presName="Name0" presStyleCnt="0">
-        <dgm:presLayoutVars>
-          <dgm:dir/>
-          <dgm:resizeHandles val="exact"/>
-        </dgm:presLayoutVars>
-      </dgm:prSet>
-      <dgm:spPr/>
-    </dgm:pt>
-    <dgm:pt modelId="{382F0878-1755-47A8-ABA4-D2B9E7974C12}" type="pres">
-      <dgm:prSet presAssocID="{605CE595-C330-4532-9B6D-028481D96469}" presName="arrow" presStyleLbl="bgShp" presStyleIdx="0" presStyleCnt="1"/>
-      <dgm:spPr/>
-    </dgm:pt>
-    <dgm:pt modelId="{B0FB66EE-5670-4ABA-B655-7AE3143B7C7D}" type="pres">
-      <dgm:prSet presAssocID="{605CE595-C330-4532-9B6D-028481D96469}" presName="points" presStyleCnt="0"/>
-      <dgm:spPr/>
-    </dgm:pt>
-    <dgm:pt modelId="{0161775B-DFBC-4A4B-B781-D96AD8BC6691}" type="pres">
-      <dgm:prSet presAssocID="{00364AD6-064F-4DB1-8C6C-4306C6FC8E62}" presName="compositeA" presStyleCnt="0"/>
-      <dgm:spPr/>
-    </dgm:pt>
-    <dgm:pt modelId="{1014F7A1-0081-4DC4-B486-F39D10408E53}" type="pres">
-      <dgm:prSet presAssocID="{00364AD6-064F-4DB1-8C6C-4306C6FC8E62}" presName="textA" presStyleLbl="revTx" presStyleIdx="0" presStyleCnt="5">
-        <dgm:presLayoutVars>
-          <dgm:bulletEnabled val="1"/>
-        </dgm:presLayoutVars>
-      </dgm:prSet>
-      <dgm:spPr/>
-    </dgm:pt>
-    <dgm:pt modelId="{51158F08-B74E-4848-9A5B-044E0F22A49C}" type="pres">
-      <dgm:prSet presAssocID="{00364AD6-064F-4DB1-8C6C-4306C6FC8E62}" presName="circleA" presStyleLbl="node1" presStyleIdx="0" presStyleCnt="5"/>
-      <dgm:spPr/>
-    </dgm:pt>
-    <dgm:pt modelId="{DAE3B927-0531-433F-AC0C-6C21FB667849}" type="pres">
-      <dgm:prSet presAssocID="{00364AD6-064F-4DB1-8C6C-4306C6FC8E62}" presName="spaceA" presStyleCnt="0"/>
-      <dgm:spPr/>
-    </dgm:pt>
-    <dgm:pt modelId="{7609F727-97BB-4CF2-B2EC-FAEE0BF623E9}" type="pres">
-      <dgm:prSet presAssocID="{F65D43D4-D40C-4264-86BC-47256D81C70E}" presName="space" presStyleCnt="0"/>
-      <dgm:spPr/>
-    </dgm:pt>
-    <dgm:pt modelId="{1269661C-97AE-4B42-808D-3ED23B952B6A}" type="pres">
-      <dgm:prSet presAssocID="{649D0C17-8D50-4495-B808-C2993ABFE01D}" presName="compositeB" presStyleCnt="0"/>
-      <dgm:spPr/>
-    </dgm:pt>
-    <dgm:pt modelId="{5109A1D6-63D5-402F-9EFF-3C0541D96188}" type="pres">
-      <dgm:prSet presAssocID="{649D0C17-8D50-4495-B808-C2993ABFE01D}" presName="textB" presStyleLbl="revTx" presStyleIdx="1" presStyleCnt="5">
-        <dgm:presLayoutVars>
-          <dgm:bulletEnabled val="1"/>
-        </dgm:presLayoutVars>
-      </dgm:prSet>
-      <dgm:spPr/>
-    </dgm:pt>
-    <dgm:pt modelId="{49A4D143-F730-49AB-BFA4-FBC4AB9B1DB9}" type="pres">
-      <dgm:prSet presAssocID="{649D0C17-8D50-4495-B808-C2993ABFE01D}" presName="circleB" presStyleLbl="node1" presStyleIdx="1" presStyleCnt="5"/>
-      <dgm:spPr/>
-    </dgm:pt>
-    <dgm:pt modelId="{902C0C30-104C-4430-81C6-BA45ABD62A21}" type="pres">
-      <dgm:prSet presAssocID="{649D0C17-8D50-4495-B808-C2993ABFE01D}" presName="spaceB" presStyleCnt="0"/>
-      <dgm:spPr/>
-    </dgm:pt>
-    <dgm:pt modelId="{627C900B-9A49-4316-B96E-F5784EB24036}" type="pres">
-      <dgm:prSet presAssocID="{60D7B3E5-5CB4-462E-802A-66C6505C776C}" presName="space" presStyleCnt="0"/>
-      <dgm:spPr/>
-    </dgm:pt>
-    <dgm:pt modelId="{1D325CF5-5810-48D8-BEA2-DAE1017AFEE7}" type="pres">
-      <dgm:prSet presAssocID="{330F3E56-A46D-41DF-800A-883E0EEBCDE1}" presName="compositeA" presStyleCnt="0"/>
-      <dgm:spPr/>
-    </dgm:pt>
-    <dgm:pt modelId="{0357C338-25E1-4E43-A231-3E89856DFEF4}" type="pres">
-      <dgm:prSet presAssocID="{330F3E56-A46D-41DF-800A-883E0EEBCDE1}" presName="textA" presStyleLbl="revTx" presStyleIdx="2" presStyleCnt="5">
-        <dgm:presLayoutVars>
-          <dgm:bulletEnabled val="1"/>
-        </dgm:presLayoutVars>
-      </dgm:prSet>
-      <dgm:spPr/>
-    </dgm:pt>
-    <dgm:pt modelId="{460A8920-A8EF-4E80-AC8C-C267A143982D}" type="pres">
-      <dgm:prSet presAssocID="{330F3E56-A46D-41DF-800A-883E0EEBCDE1}" presName="circleA" presStyleLbl="node1" presStyleIdx="2" presStyleCnt="5"/>
-      <dgm:spPr/>
-    </dgm:pt>
-    <dgm:pt modelId="{A06BE2A4-01D0-4462-945F-A331BA0C481C}" type="pres">
-      <dgm:prSet presAssocID="{330F3E56-A46D-41DF-800A-883E0EEBCDE1}" presName="spaceA" presStyleCnt="0"/>
-      <dgm:spPr/>
-    </dgm:pt>
-    <dgm:pt modelId="{9231A529-DEE1-4FFA-8E8A-EEC4D66D21C6}" type="pres">
-      <dgm:prSet presAssocID="{3F68FEA0-8580-4758-9351-5E7E058D76E1}" presName="space" presStyleCnt="0"/>
-      <dgm:spPr/>
-    </dgm:pt>
-    <dgm:pt modelId="{D5B84635-C5CA-482A-BA50-97181FD2021A}" type="pres">
-      <dgm:prSet presAssocID="{4263A6E8-9087-4305-A0CD-D9A3EFC1C051}" presName="compositeB" presStyleCnt="0"/>
-      <dgm:spPr/>
-    </dgm:pt>
-    <dgm:pt modelId="{FC59B6C5-9DC3-4D26-8976-32785C8EAAB2}" type="pres">
-      <dgm:prSet presAssocID="{4263A6E8-9087-4305-A0CD-D9A3EFC1C051}" presName="textB" presStyleLbl="revTx" presStyleIdx="3" presStyleCnt="5">
-        <dgm:presLayoutVars>
-          <dgm:bulletEnabled val="1"/>
-        </dgm:presLayoutVars>
-      </dgm:prSet>
-      <dgm:spPr/>
-    </dgm:pt>
-    <dgm:pt modelId="{595AB3A1-6612-405D-B6ED-3A503CF61BFC}" type="pres">
-      <dgm:prSet presAssocID="{4263A6E8-9087-4305-A0CD-D9A3EFC1C051}" presName="circleB" presStyleLbl="node1" presStyleIdx="3" presStyleCnt="5"/>
-      <dgm:spPr/>
-    </dgm:pt>
-    <dgm:pt modelId="{F61A2DE9-8F04-46F3-99B0-6D2A6C1A3192}" type="pres">
-      <dgm:prSet presAssocID="{4263A6E8-9087-4305-A0CD-D9A3EFC1C051}" presName="spaceB" presStyleCnt="0"/>
-      <dgm:spPr/>
-    </dgm:pt>
-    <dgm:pt modelId="{362945E2-A122-4417-B663-2910FC242E2C}" type="pres">
-      <dgm:prSet presAssocID="{92FF0E61-25D9-4490-8C32-7A8E2F5F6E2D}" presName="space" presStyleCnt="0"/>
-      <dgm:spPr/>
-    </dgm:pt>
-    <dgm:pt modelId="{38C19491-CE9E-4EAD-8BAC-73CCC6F8C625}" type="pres">
-      <dgm:prSet presAssocID="{32B93D70-ECC3-4947-B207-EEB499A6124E}" presName="compositeA" presStyleCnt="0"/>
-      <dgm:spPr/>
-    </dgm:pt>
-    <dgm:pt modelId="{24BD5AE3-ADFC-440A-B911-C241082DFDAA}" type="pres">
-      <dgm:prSet presAssocID="{32B93D70-ECC3-4947-B207-EEB499A6124E}" presName="textA" presStyleLbl="revTx" presStyleIdx="4" presStyleCnt="5">
-        <dgm:presLayoutVars>
-          <dgm:bulletEnabled val="1"/>
-        </dgm:presLayoutVars>
-      </dgm:prSet>
-      <dgm:spPr/>
-    </dgm:pt>
-    <dgm:pt modelId="{AA3E9408-1AA5-492B-9503-61C28BEFB9C9}" type="pres">
-      <dgm:prSet presAssocID="{32B93D70-ECC3-4947-B207-EEB499A6124E}" presName="circleA" presStyleLbl="node1" presStyleIdx="4" presStyleCnt="5"/>
-      <dgm:spPr/>
-    </dgm:pt>
-    <dgm:pt modelId="{CC9E2E1E-1A03-4690-A79D-D6418CFD55F1}" type="pres">
-      <dgm:prSet presAssocID="{32B93D70-ECC3-4947-B207-EEB499A6124E}" presName="spaceA" presStyleCnt="0"/>
-      <dgm:spPr/>
-    </dgm:pt>
-  </dgm:ptLst>
-  <dgm:cxnLst>
-    <dgm:cxn modelId="{BB848B06-451F-4867-BFC1-E3CB2334162A}" srcId="{4263A6E8-9087-4305-A0CD-D9A3EFC1C051}" destId="{FC80E47A-B07E-4960-B28D-50970BEFDB66}" srcOrd="0" destOrd="0" parTransId="{525E875A-5DE7-4FF4-93BF-17DBBED558D1}" sibTransId="{8327CF1C-4543-45EB-8827-901112E5B2F6}"/>
-    <dgm:cxn modelId="{36C2D60D-52FC-432E-9425-6F63F0AB6C25}" type="presOf" srcId="{63903C73-AB2D-4F7E-9142-A10499C7E9C7}" destId="{1014F7A1-0081-4DC4-B486-F39D10408E53}" srcOrd="0" destOrd="2" presId="urn:microsoft.com/office/officeart/2005/8/layout/hProcess11"/>
-    <dgm:cxn modelId="{2E1E4327-F0C3-4343-853F-73C8BBFE405A}" type="presOf" srcId="{605CE595-C330-4532-9B6D-028481D96469}" destId="{E83F54D4-67D8-4E8A-A4C7-59EAD26D74BA}" srcOrd="0" destOrd="0" presId="urn:microsoft.com/office/officeart/2005/8/layout/hProcess11"/>
-    <dgm:cxn modelId="{9D123F31-A950-4D97-99E3-8271FC29046B}" type="presOf" srcId="{FC80E47A-B07E-4960-B28D-50970BEFDB66}" destId="{FC59B6C5-9DC3-4D26-8976-32785C8EAAB2}" srcOrd="0" destOrd="1" presId="urn:microsoft.com/office/officeart/2005/8/layout/hProcess11"/>
-    <dgm:cxn modelId="{460E2139-2919-4149-BFA6-61C614B1EFDD}" type="presOf" srcId="{649D0C17-8D50-4495-B808-C2993ABFE01D}" destId="{5109A1D6-63D5-402F-9EFF-3C0541D96188}" srcOrd="0" destOrd="0" presId="urn:microsoft.com/office/officeart/2005/8/layout/hProcess11"/>
-    <dgm:cxn modelId="{A00A3B3F-DEE2-4554-8B91-8C7B698EB7EE}" type="presOf" srcId="{4263A6E8-9087-4305-A0CD-D9A3EFC1C051}" destId="{FC59B6C5-9DC3-4D26-8976-32785C8EAAB2}" srcOrd="0" destOrd="0" presId="urn:microsoft.com/office/officeart/2005/8/layout/hProcess11"/>
-    <dgm:cxn modelId="{3693AC5C-FACC-4C80-B39B-CCEADFBDA885}" type="presOf" srcId="{3772326E-AC74-40AD-BDE6-807B586C42F2}" destId="{1014F7A1-0081-4DC4-B486-F39D10408E53}" srcOrd="0" destOrd="1" presId="urn:microsoft.com/office/officeart/2005/8/layout/hProcess11"/>
-    <dgm:cxn modelId="{8CF02B43-3EC8-406E-AC95-7D5D4D923883}" type="presOf" srcId="{32B93D70-ECC3-4947-B207-EEB499A6124E}" destId="{24BD5AE3-ADFC-440A-B911-C241082DFDAA}" srcOrd="0" destOrd="0" presId="urn:microsoft.com/office/officeart/2005/8/layout/hProcess11"/>
-    <dgm:cxn modelId="{E4A0A563-14F5-4BCB-A3D5-DF302AC1C0F4}" srcId="{00364AD6-064F-4DB1-8C6C-4306C6FC8E62}" destId="{8CF95A2A-943B-45B1-8226-6AC8FCC59664}" srcOrd="2" destOrd="0" parTransId="{CDDB94FA-0E50-4D2E-B271-F7E71A12F304}" sibTransId="{EA8BE77D-67FD-41C3-901A-82527898785A}"/>
-    <dgm:cxn modelId="{5C038745-7BD4-4409-91FA-558D9A7D036D}" srcId="{605CE595-C330-4532-9B6D-028481D96469}" destId="{649D0C17-8D50-4495-B808-C2993ABFE01D}" srcOrd="1" destOrd="0" parTransId="{9D19ED85-F21C-4134-B65F-5B527E4AA8CB}" sibTransId="{60D7B3E5-5CB4-462E-802A-66C6505C776C}"/>
-    <dgm:cxn modelId="{120C306A-321E-4853-A630-3F405C28616B}" srcId="{4263A6E8-9087-4305-A0CD-D9A3EFC1C051}" destId="{0E41FAC4-A735-460C-83EC-17A80B688FDB}" srcOrd="2" destOrd="0" parTransId="{B0664649-EE22-4B57-AE45-4F9881B46D3F}" sibTransId="{5BD5C6FC-A9F6-4708-9701-43AA11145CBD}"/>
-    <dgm:cxn modelId="{46A3FE6B-B831-4DC8-82ED-ADA283564E7C}" type="presOf" srcId="{330F3E56-A46D-41DF-800A-883E0EEBCDE1}" destId="{0357C338-25E1-4E43-A231-3E89856DFEF4}" srcOrd="0" destOrd="0" presId="urn:microsoft.com/office/officeart/2005/8/layout/hProcess11"/>
-    <dgm:cxn modelId="{89442A4E-067E-4F65-8677-5FC66172AD74}" type="presOf" srcId="{2E906866-EBE8-49B0-A530-4D11CB40FBBC}" destId="{1014F7A1-0081-4DC4-B486-F39D10408E53}" srcOrd="0" destOrd="4" presId="urn:microsoft.com/office/officeart/2005/8/layout/hProcess11"/>
-    <dgm:cxn modelId="{736C556E-2F69-4C18-B4E4-99165E2AC20A}" type="presOf" srcId="{0E41FAC4-A735-460C-83EC-17A80B688FDB}" destId="{FC59B6C5-9DC3-4D26-8976-32785C8EAAB2}" srcOrd="0" destOrd="3" presId="urn:microsoft.com/office/officeart/2005/8/layout/hProcess11"/>
-    <dgm:cxn modelId="{5306BA4E-7D97-4ECB-A563-5CEEF2ACF4E4}" type="presOf" srcId="{1AD076D2-FC95-4795-B868-396411F0BEEA}" destId="{FC59B6C5-9DC3-4D26-8976-32785C8EAAB2}" srcOrd="0" destOrd="2" presId="urn:microsoft.com/office/officeart/2005/8/layout/hProcess11"/>
-    <dgm:cxn modelId="{43B0ED50-F40E-4E2B-8BC5-22E8EDE5FAE6}" type="presOf" srcId="{8CF95A2A-943B-45B1-8226-6AC8FCC59664}" destId="{1014F7A1-0081-4DC4-B486-F39D10408E53}" srcOrd="0" destOrd="3" presId="urn:microsoft.com/office/officeart/2005/8/layout/hProcess11"/>
-    <dgm:cxn modelId="{3C661086-C001-47EF-9186-73356E6E6582}" srcId="{605CE595-C330-4532-9B6D-028481D96469}" destId="{330F3E56-A46D-41DF-800A-883E0EEBCDE1}" srcOrd="2" destOrd="0" parTransId="{EE15ECD3-D4B4-4059-897A-3F5B716EDD02}" sibTransId="{3F68FEA0-8580-4758-9351-5E7E058D76E1}"/>
-    <dgm:cxn modelId="{B0AD5790-7BD5-4CBA-A1A2-CD1C2766CFA0}" srcId="{605CE595-C330-4532-9B6D-028481D96469}" destId="{00364AD6-064F-4DB1-8C6C-4306C6FC8E62}" srcOrd="0" destOrd="0" parTransId="{5AE5B9F9-26AC-43A5-B490-28E0D27A10A7}" sibTransId="{F65D43D4-D40C-4264-86BC-47256D81C70E}"/>
-    <dgm:cxn modelId="{5C7837A2-3C54-45B5-AE76-E7A3575F8D41}" type="presOf" srcId="{E0925546-681E-45BC-8389-674071027E96}" destId="{0357C338-25E1-4E43-A231-3E89856DFEF4}" srcOrd="0" destOrd="1" presId="urn:microsoft.com/office/officeart/2005/8/layout/hProcess11"/>
-    <dgm:cxn modelId="{B8FCC5A5-F1CA-471C-B06D-0C2FC6B55137}" srcId="{00364AD6-064F-4DB1-8C6C-4306C6FC8E62}" destId="{2E906866-EBE8-49B0-A530-4D11CB40FBBC}" srcOrd="3" destOrd="0" parTransId="{533C3739-8129-41FC-93AD-03A802E3C25A}" sibTransId="{F0A20645-BA33-4220-898E-8428B0105D84}"/>
-    <dgm:cxn modelId="{061A01AB-C5F0-48DF-B3C8-A04B449531B1}" srcId="{330F3E56-A46D-41DF-800A-883E0EEBCDE1}" destId="{E0925546-681E-45BC-8389-674071027E96}" srcOrd="0" destOrd="0" parTransId="{D7741237-13A9-4972-8624-F143D5E4B02B}" sibTransId="{699FFCDE-F157-4B3A-9AAA-D2CDDF91D899}"/>
-    <dgm:cxn modelId="{1ED006AD-A69B-4B01-B62A-B81A92729290}" srcId="{00364AD6-064F-4DB1-8C6C-4306C6FC8E62}" destId="{63903C73-AB2D-4F7E-9142-A10499C7E9C7}" srcOrd="1" destOrd="0" parTransId="{A7A11784-A69A-434E-9F75-1F92E1331DF3}" sibTransId="{61C32857-FB03-4635-B2D3-D25307FE16F1}"/>
-    <dgm:cxn modelId="{D6B0ADAF-9966-460B-8AAC-27C794CEB4B5}" srcId="{605CE595-C330-4532-9B6D-028481D96469}" destId="{4263A6E8-9087-4305-A0CD-D9A3EFC1C051}" srcOrd="3" destOrd="0" parTransId="{2268C3AB-CE89-4A43-B4D7-2C9306F11E21}" sibTransId="{92FF0E61-25D9-4490-8C32-7A8E2F5F6E2D}"/>
-    <dgm:cxn modelId="{D219B7C8-63DA-4D5A-A6E6-31A09E1AB42F}" srcId="{4263A6E8-9087-4305-A0CD-D9A3EFC1C051}" destId="{1AD076D2-FC95-4795-B868-396411F0BEEA}" srcOrd="1" destOrd="0" parTransId="{E680187C-C95A-4FF4-BC06-01F3FC738F00}" sibTransId="{AA9EA5F9-1C69-4236-9103-898F4A18A8DC}"/>
-    <dgm:cxn modelId="{E1F0EDD4-470B-45E2-9A4B-69A8555CD06C}" srcId="{605CE595-C330-4532-9B6D-028481D96469}" destId="{32B93D70-ECC3-4947-B207-EEB499A6124E}" srcOrd="4" destOrd="0" parTransId="{F7B08D46-B1C5-4D5E-83F8-3EC6A7561A9B}" sibTransId="{E42C5B39-45C6-4E79-82AC-A6ACDDEAA58D}"/>
-    <dgm:cxn modelId="{C231BCDB-7A70-4AE6-BEE5-16E7FC77773B}" srcId="{00364AD6-064F-4DB1-8C6C-4306C6FC8E62}" destId="{3772326E-AC74-40AD-BDE6-807B586C42F2}" srcOrd="0" destOrd="0" parTransId="{7E232538-0E78-4A78-92BB-C9A3F5696CF3}" sibTransId="{87E2030F-FF56-4E8B-8A5B-C6D9C0C1B4A6}"/>
-    <dgm:cxn modelId="{160AB7DE-E48E-4C27-B7BF-91ABC2813C8C}" type="presOf" srcId="{00364AD6-064F-4DB1-8C6C-4306C6FC8E62}" destId="{1014F7A1-0081-4DC4-B486-F39D10408E53}" srcOrd="0" destOrd="0" presId="urn:microsoft.com/office/officeart/2005/8/layout/hProcess11"/>
-    <dgm:cxn modelId="{70789ED6-ECDF-44B6-A973-E9D2C0E6AABD}" type="presParOf" srcId="{E83F54D4-67D8-4E8A-A4C7-59EAD26D74BA}" destId="{382F0878-1755-47A8-ABA4-D2B9E7974C12}" srcOrd="0" destOrd="0" presId="urn:microsoft.com/office/officeart/2005/8/layout/hProcess11"/>
-    <dgm:cxn modelId="{8FC36218-E6B9-47D2-AC0E-1FCF0C3DCAB6}" type="presParOf" srcId="{E83F54D4-67D8-4E8A-A4C7-59EAD26D74BA}" destId="{B0FB66EE-5670-4ABA-B655-7AE3143B7C7D}" srcOrd="1" destOrd="0" presId="urn:microsoft.com/office/officeart/2005/8/layout/hProcess11"/>
-    <dgm:cxn modelId="{7843B555-6725-4BCF-B6A4-BD39F994BD43}" type="presParOf" srcId="{B0FB66EE-5670-4ABA-B655-7AE3143B7C7D}" destId="{0161775B-DFBC-4A4B-B781-D96AD8BC6691}" srcOrd="0" destOrd="0" presId="urn:microsoft.com/office/officeart/2005/8/layout/hProcess11"/>
-    <dgm:cxn modelId="{9E60E209-3C8A-4EB7-BBFF-D87BE6EB4765}" type="presParOf" srcId="{0161775B-DFBC-4A4B-B781-D96AD8BC6691}" destId="{1014F7A1-0081-4DC4-B486-F39D10408E53}" srcOrd="0" destOrd="0" presId="urn:microsoft.com/office/officeart/2005/8/layout/hProcess11"/>
-    <dgm:cxn modelId="{31549960-B86C-417A-8E9F-0244882B729D}" type="presParOf" srcId="{0161775B-DFBC-4A4B-B781-D96AD8BC6691}" destId="{51158F08-B74E-4848-9A5B-044E0F22A49C}" srcOrd="1" destOrd="0" presId="urn:microsoft.com/office/officeart/2005/8/layout/hProcess11"/>
-    <dgm:cxn modelId="{E1BFD0BC-40F2-4904-A785-571F015CD9DB}" type="presParOf" srcId="{0161775B-DFBC-4A4B-B781-D96AD8BC6691}" destId="{DAE3B927-0531-433F-AC0C-6C21FB667849}" srcOrd="2" destOrd="0" presId="urn:microsoft.com/office/officeart/2005/8/layout/hProcess11"/>
-    <dgm:cxn modelId="{6BD369FE-4836-493C-BA02-225A76421F23}" type="presParOf" srcId="{B0FB66EE-5670-4ABA-B655-7AE3143B7C7D}" destId="{7609F727-97BB-4CF2-B2EC-FAEE0BF623E9}" srcOrd="1" destOrd="0" presId="urn:microsoft.com/office/officeart/2005/8/layout/hProcess11"/>
-    <dgm:cxn modelId="{78AFA95E-5C00-4BE5-AC01-28FFD8F4FCFC}" type="presParOf" srcId="{B0FB66EE-5670-4ABA-B655-7AE3143B7C7D}" destId="{1269661C-97AE-4B42-808D-3ED23B952B6A}" srcOrd="2" destOrd="0" presId="urn:microsoft.com/office/officeart/2005/8/layout/hProcess11"/>
-    <dgm:cxn modelId="{27CFE6B2-0238-44B6-8334-508D4B924CD2}" type="presParOf" srcId="{1269661C-97AE-4B42-808D-3ED23B952B6A}" destId="{5109A1D6-63D5-402F-9EFF-3C0541D96188}" srcOrd="0" destOrd="0" presId="urn:microsoft.com/office/officeart/2005/8/layout/hProcess11"/>
-    <dgm:cxn modelId="{F8F97DDC-6FA2-49B6-9C94-05E07C4CD1CE}" type="presParOf" srcId="{1269661C-97AE-4B42-808D-3ED23B952B6A}" destId="{49A4D143-F730-49AB-BFA4-FBC4AB9B1DB9}" srcOrd="1" destOrd="0" presId="urn:microsoft.com/office/officeart/2005/8/layout/hProcess11"/>
-    <dgm:cxn modelId="{678A7D34-C0F1-4172-A7E3-1459830C7E43}" type="presParOf" srcId="{1269661C-97AE-4B42-808D-3ED23B952B6A}" destId="{902C0C30-104C-4430-81C6-BA45ABD62A21}" srcOrd="2" destOrd="0" presId="urn:microsoft.com/office/officeart/2005/8/layout/hProcess11"/>
-    <dgm:cxn modelId="{D77F87C9-D978-4B52-8832-15310766C2B9}" type="presParOf" srcId="{B0FB66EE-5670-4ABA-B655-7AE3143B7C7D}" destId="{627C900B-9A49-4316-B96E-F5784EB24036}" srcOrd="3" destOrd="0" presId="urn:microsoft.com/office/officeart/2005/8/layout/hProcess11"/>
-    <dgm:cxn modelId="{F1F239A6-90C6-45EE-86D8-6D6FB7E54282}" type="presParOf" srcId="{B0FB66EE-5670-4ABA-B655-7AE3143B7C7D}" destId="{1D325CF5-5810-48D8-BEA2-DAE1017AFEE7}" srcOrd="4" destOrd="0" presId="urn:microsoft.com/office/officeart/2005/8/layout/hProcess11"/>
-    <dgm:cxn modelId="{5310572B-5D38-4E30-AE2D-C2AA5C16B0E5}" type="presParOf" srcId="{1D325CF5-5810-48D8-BEA2-DAE1017AFEE7}" destId="{0357C338-25E1-4E43-A231-3E89856DFEF4}" srcOrd="0" destOrd="0" presId="urn:microsoft.com/office/officeart/2005/8/layout/hProcess11"/>
-    <dgm:cxn modelId="{D51C948C-D14A-413E-B79A-34FE99FC65B4}" type="presParOf" srcId="{1D325CF5-5810-48D8-BEA2-DAE1017AFEE7}" destId="{460A8920-A8EF-4E80-AC8C-C267A143982D}" srcOrd="1" destOrd="0" presId="urn:microsoft.com/office/officeart/2005/8/layout/hProcess11"/>
-    <dgm:cxn modelId="{423934E3-F7CF-4A08-818F-9E4948FC29B0}" type="presParOf" srcId="{1D325CF5-5810-48D8-BEA2-DAE1017AFEE7}" destId="{A06BE2A4-01D0-4462-945F-A331BA0C481C}" srcOrd="2" destOrd="0" presId="urn:microsoft.com/office/officeart/2005/8/layout/hProcess11"/>
-    <dgm:cxn modelId="{773FABA6-4055-4031-BB46-BBAA9C8CE63A}" type="presParOf" srcId="{B0FB66EE-5670-4ABA-B655-7AE3143B7C7D}" destId="{9231A529-DEE1-4FFA-8E8A-EEC4D66D21C6}" srcOrd="5" destOrd="0" presId="urn:microsoft.com/office/officeart/2005/8/layout/hProcess11"/>
-    <dgm:cxn modelId="{70E2945E-3875-46AF-9BE1-90C101EE40A9}" type="presParOf" srcId="{B0FB66EE-5670-4ABA-B655-7AE3143B7C7D}" destId="{D5B84635-C5CA-482A-BA50-97181FD2021A}" srcOrd="6" destOrd="0" presId="urn:microsoft.com/office/officeart/2005/8/layout/hProcess11"/>
-    <dgm:cxn modelId="{7E482735-04E1-4CA1-A1EB-1A311783ACC1}" type="presParOf" srcId="{D5B84635-C5CA-482A-BA50-97181FD2021A}" destId="{FC59B6C5-9DC3-4D26-8976-32785C8EAAB2}" srcOrd="0" destOrd="0" presId="urn:microsoft.com/office/officeart/2005/8/layout/hProcess11"/>
-    <dgm:cxn modelId="{20960D3A-00DC-4FBD-8E41-A3EF44288246}" type="presParOf" srcId="{D5B84635-C5CA-482A-BA50-97181FD2021A}" destId="{595AB3A1-6612-405D-B6ED-3A503CF61BFC}" srcOrd="1" destOrd="0" presId="urn:microsoft.com/office/officeart/2005/8/layout/hProcess11"/>
-    <dgm:cxn modelId="{1D3BE383-66C8-4AF4-A653-8FBD5C153523}" type="presParOf" srcId="{D5B84635-C5CA-482A-BA50-97181FD2021A}" destId="{F61A2DE9-8F04-46F3-99B0-6D2A6C1A3192}" srcOrd="2" destOrd="0" presId="urn:microsoft.com/office/officeart/2005/8/layout/hProcess11"/>
-    <dgm:cxn modelId="{26BC6B68-E046-4C64-89D9-EB619C39384E}" type="presParOf" srcId="{B0FB66EE-5670-4ABA-B655-7AE3143B7C7D}" destId="{362945E2-A122-4417-B663-2910FC242E2C}" srcOrd="7" destOrd="0" presId="urn:microsoft.com/office/officeart/2005/8/layout/hProcess11"/>
-    <dgm:cxn modelId="{EF94A937-2D5E-4870-8988-4A959AFB3BF9}" type="presParOf" srcId="{B0FB66EE-5670-4ABA-B655-7AE3143B7C7D}" destId="{38C19491-CE9E-4EAD-8BAC-73CCC6F8C625}" srcOrd="8" destOrd="0" presId="urn:microsoft.com/office/officeart/2005/8/layout/hProcess11"/>
-    <dgm:cxn modelId="{A6DF0F16-50AE-4CC7-A5B3-F4C29D76D8E4}" type="presParOf" srcId="{38C19491-CE9E-4EAD-8BAC-73CCC6F8C625}" destId="{24BD5AE3-ADFC-440A-B911-C241082DFDAA}" srcOrd="0" destOrd="0" presId="urn:microsoft.com/office/officeart/2005/8/layout/hProcess11"/>
-    <dgm:cxn modelId="{1DD7FA19-9B3B-4B12-AF95-C3B03154369D}" type="presParOf" srcId="{38C19491-CE9E-4EAD-8BAC-73CCC6F8C625}" destId="{AA3E9408-1AA5-492B-9503-61C28BEFB9C9}" srcOrd="1" destOrd="0" presId="urn:microsoft.com/office/officeart/2005/8/layout/hProcess11"/>
-    <dgm:cxn modelId="{D5E72475-D8EE-4367-A177-617172581877}" type="presParOf" srcId="{38C19491-CE9E-4EAD-8BAC-73CCC6F8C625}" destId="{CC9E2E1E-1A03-4690-A79D-D6418CFD55F1}" srcOrd="2" destOrd="0" presId="urn:microsoft.com/office/officeart/2005/8/layout/hProcess11"/>
-  </dgm:cxnLst>
-  <dgm:bg/>
-  <dgm:whole/>
-  <dgm:extLst>
-    <a:ext uri="http://schemas.microsoft.com/office/drawing/2008/diagram">
-      <dsp:dataModelExt xmlns:dsp="http://schemas.microsoft.com/office/drawing/2008/diagram" relId="rId10" minVer="http://schemas.openxmlformats.org/drawingml/2006/diagram"/>
-    </a:ext>
-  </dgm:extLst>
-</dgm:dataModel>
-</file>
-
 <file path=ppt/diagrams/drawing1.xml><?xml version="1.0" encoding="utf-8"?>
 <dsp:drawing xmlns:dgm="http://schemas.openxmlformats.org/drawingml/2006/diagram" xmlns:dsp="http://schemas.microsoft.com/office/drawing/2008/diagram" xmlns:a="http://schemas.openxmlformats.org/drawingml/2006/main">
   <dsp:spTree>
@@ -3456,8 +2865,8 @@
       </dsp:nvSpPr>
       <dsp:spPr>
         <a:xfrm>
-          <a:off x="2497" y="2473483"/>
-          <a:ext cx="768922" cy="768922"/>
+          <a:off x="4975" y="2764553"/>
+          <a:ext cx="815692" cy="815692"/>
         </a:xfrm>
         <a:prstGeom prst="donut">
           <a:avLst>
@@ -3465,7 +2874,7 @@
           </a:avLst>
         </a:prstGeom>
         <a:solidFill>
-          <a:schemeClr val="accent1">
+          <a:schemeClr val="accent4">
             <a:hueOff val="0"/>
             <a:satOff val="0"/>
             <a:lumOff val="0"/>
@@ -3507,8 +2916,8 @@
       </dsp:nvSpPr>
       <dsp:spPr>
         <a:xfrm rot="17700000">
-          <a:off x="273430" y="1846654"/>
-          <a:ext cx="955856" cy="460648"/>
+          <a:off x="292388" y="2099597"/>
+          <a:ext cx="1013996" cy="488667"/>
         </a:xfrm>
         <a:prstGeom prst="rect">
           <a:avLst/>
@@ -3564,8 +2973,8 @@
         </a:p>
       </dsp:txBody>
       <dsp:txXfrm>
-        <a:off x="273430" y="1846654"/>
-        <a:ext cx="955856" cy="460648"/>
+        <a:off x="292388" y="2099597"/>
+        <a:ext cx="1013996" cy="488667"/>
       </dsp:txXfrm>
     </dsp:sp>
     <dsp:sp modelId="{9D2FF7B7-8706-4193-A23F-2C25C1DC0307}">
@@ -3575,14 +2984,14 @@
       </dsp:nvSpPr>
       <dsp:spPr>
         <a:xfrm>
-          <a:off x="829337" y="2658385"/>
-          <a:ext cx="399119" cy="399119"/>
+          <a:off x="882109" y="2960701"/>
+          <a:ext cx="423396" cy="423396"/>
         </a:xfrm>
         <a:prstGeom prst="ellipse">
           <a:avLst/>
         </a:prstGeom>
         <a:solidFill>
-          <a:schemeClr val="accent1">
+          <a:schemeClr val="accent5">
             <a:hueOff val="0"/>
             <a:satOff val="0"/>
             <a:lumOff val="0"/>
@@ -3624,8 +3033,8 @@
       </dsp:nvSpPr>
       <dsp:spPr>
         <a:xfrm rot="17700000">
-          <a:off x="356635" y="3213896"/>
-          <a:ext cx="826860" cy="398681"/>
+          <a:off x="380654" y="3550001"/>
+          <a:ext cx="877154" cy="422931"/>
         </a:xfrm>
         <a:prstGeom prst="rect">
           <a:avLst/>
@@ -3649,12 +3058,12 @@
         <a:fontRef idx="minor"/>
       </dsp:style>
       <dsp:txBody>
-        <a:bodyPr spcFirstLastPara="0" vert="horz" wrap="square" lIns="0" tIns="0" rIns="12700" bIns="0" numCol="1" spcCol="1270" anchor="ctr" anchorCtr="0">
+        <a:bodyPr spcFirstLastPara="0" vert="horz" wrap="square" lIns="0" tIns="0" rIns="15240" bIns="0" numCol="1" spcCol="1270" anchor="ctr" anchorCtr="0">
           <a:noAutofit/>
         </a:bodyPr>
         <a:lstStyle/>
         <a:p>
-          <a:pPr marL="0" lvl="0" indent="0" algn="r" defTabSz="222250">
+          <a:pPr marL="0" lvl="0" indent="0" algn="r" defTabSz="266700">
             <a:lnSpc>
               <a:spcPct val="90000"/>
             </a:lnSpc>
@@ -3667,22 +3076,22 @@
             <a:buNone/>
           </a:pPr>
           <a:r>
-            <a:rPr lang="en-US" sz="500" kern="1200" dirty="0"/>
+            <a:rPr lang="en-US" sz="600" kern="1200" dirty="0"/>
             <a:t>1956 - AI conference “</a:t>
           </a:r>
           <a:r>
-            <a:rPr lang="en-US" sz="500" kern="1200" dirty="0" err="1"/>
+            <a:rPr lang="en-US" sz="600" kern="1200" dirty="0" err="1"/>
             <a:t>Minksy</a:t>
           </a:r>
           <a:r>
-            <a:rPr lang="en-US" sz="500" kern="1200" dirty="0"/>
+            <a:rPr lang="en-US" sz="600" kern="1200" dirty="0"/>
             <a:t>/McCarthy” — focus on top-down rules (golden years 56-74)</a:t>
           </a:r>
         </a:p>
       </dsp:txBody>
       <dsp:txXfrm>
-        <a:off x="356635" y="3213896"/>
-        <a:ext cx="826860" cy="398681"/>
+        <a:off x="380654" y="3550001"/>
+        <a:ext cx="877154" cy="422931"/>
       </dsp:txXfrm>
     </dsp:sp>
     <dsp:sp modelId="{A770BB53-324E-41C3-82C1-2487F96AFB0B}">
@@ -3692,8 +3101,8 @@
       </dsp:nvSpPr>
       <dsp:spPr>
         <a:xfrm rot="17700000">
-          <a:off x="874299" y="2103312"/>
-          <a:ext cx="826860" cy="398681"/>
+          <a:off x="929805" y="2371865"/>
+          <a:ext cx="877154" cy="422931"/>
         </a:xfrm>
         <a:prstGeom prst="rect">
           <a:avLst/>
@@ -3724,17 +3133,17 @@
       </dsp:nvSpPr>
       <dsp:spPr>
         <a:xfrm>
-          <a:off x="1286314" y="2658385"/>
-          <a:ext cx="399119" cy="399119"/>
+          <a:off x="1366880" y="2960701"/>
+          <a:ext cx="423396" cy="423396"/>
         </a:xfrm>
         <a:prstGeom prst="ellipse">
           <a:avLst/>
         </a:prstGeom>
         <a:solidFill>
-          <a:schemeClr val="accent1">
-            <a:hueOff val="0"/>
-            <a:satOff val="0"/>
-            <a:lumOff val="0"/>
+          <a:schemeClr val="accent5">
+            <a:hueOff val="1261765"/>
+            <a:satOff val="4108"/>
+            <a:lumOff val="1429"/>
             <a:alphaOff val="0"/>
           </a:schemeClr>
         </a:solidFill>
@@ -3773,8 +3182,8 @@
       </dsp:nvSpPr>
       <dsp:spPr>
         <a:xfrm rot="17700000">
-          <a:off x="813611" y="3213896"/>
-          <a:ext cx="826860" cy="398681"/>
+          <a:off x="865426" y="3550001"/>
+          <a:ext cx="877154" cy="422931"/>
         </a:xfrm>
         <a:prstGeom prst="rect">
           <a:avLst/>
@@ -3798,12 +3207,12 @@
         <a:fontRef idx="minor"/>
       </dsp:style>
       <dsp:txBody>
-        <a:bodyPr spcFirstLastPara="0" vert="horz" wrap="square" lIns="0" tIns="0" rIns="12700" bIns="0" numCol="1" spcCol="1270" anchor="ctr" anchorCtr="0">
+        <a:bodyPr spcFirstLastPara="0" vert="horz" wrap="square" lIns="0" tIns="0" rIns="15240" bIns="0" numCol="1" spcCol="1270" anchor="ctr" anchorCtr="0">
           <a:noAutofit/>
         </a:bodyPr>
         <a:lstStyle/>
         <a:p>
-          <a:pPr marL="0" lvl="0" indent="0" algn="r" defTabSz="222250">
+          <a:pPr marL="0" lvl="0" indent="0" algn="r" defTabSz="266700">
             <a:lnSpc>
               <a:spcPct val="90000"/>
             </a:lnSpc>
@@ -3816,30 +3225,30 @@
             <a:buNone/>
           </a:pPr>
           <a:r>
-            <a:rPr lang="en-US" sz="500" kern="1200" dirty="0"/>
+            <a:rPr lang="en-US" sz="600" kern="1200" dirty="0"/>
             <a:t>1970 - </a:t>
           </a:r>
           <a:r>
-            <a:rPr lang="en-US" sz="500" kern="1200" dirty="0" err="1"/>
+            <a:rPr lang="en-US" sz="600" kern="1200" dirty="0" err="1"/>
             <a:t>Minksy</a:t>
           </a:r>
           <a:r>
-            <a:rPr lang="en-US" sz="500" kern="1200" dirty="0"/>
+            <a:rPr lang="en-US" sz="600" kern="1200" dirty="0"/>
             <a:t> “ in 3-8 </a:t>
           </a:r>
           <a:r>
-            <a:rPr lang="en-US" sz="500" kern="1200" dirty="0" err="1"/>
+            <a:rPr lang="en-US" sz="600" kern="1200" dirty="0" err="1"/>
             <a:t>yrs</a:t>
           </a:r>
           <a:r>
-            <a:rPr lang="en-US" sz="500" kern="1200" dirty="0"/>
+            <a:rPr lang="en-US" sz="600" kern="1200" dirty="0"/>
             <a:t> we will have a machine w/ the general intelligence of an average human being” &lt;- bad claims all around</a:t>
           </a:r>
         </a:p>
       </dsp:txBody>
       <dsp:txXfrm>
-        <a:off x="813611" y="3213896"/>
-        <a:ext cx="826860" cy="398681"/>
+        <a:off x="865426" y="3550001"/>
+        <a:ext cx="877154" cy="422931"/>
       </dsp:txXfrm>
     </dsp:sp>
     <dsp:sp modelId="{C330A890-2D2A-4BED-9249-28BA3395DAFD}">
@@ -3849,8 +3258,8 @@
       </dsp:nvSpPr>
       <dsp:spPr>
         <a:xfrm rot="17700000">
-          <a:off x="1331275" y="2103312"/>
-          <a:ext cx="826860" cy="398681"/>
+          <a:off x="1414576" y="2371865"/>
+          <a:ext cx="877154" cy="422931"/>
         </a:xfrm>
         <a:prstGeom prst="rect">
           <a:avLst/>
@@ -3881,17 +3290,17 @@
       </dsp:nvSpPr>
       <dsp:spPr>
         <a:xfrm>
-          <a:off x="1743290" y="2658385"/>
-          <a:ext cx="399119" cy="399119"/>
+          <a:off x="1851652" y="2960701"/>
+          <a:ext cx="423396" cy="423396"/>
         </a:xfrm>
         <a:prstGeom prst="ellipse">
           <a:avLst/>
         </a:prstGeom>
         <a:solidFill>
-          <a:schemeClr val="accent1">
-            <a:hueOff val="0"/>
-            <a:satOff val="0"/>
-            <a:lumOff val="0"/>
+          <a:schemeClr val="accent5">
+            <a:hueOff val="2523530"/>
+            <a:satOff val="8217"/>
+            <a:lumOff val="2857"/>
             <a:alphaOff val="0"/>
           </a:schemeClr>
         </a:solidFill>
@@ -3930,8 +3339,8 @@
       </dsp:nvSpPr>
       <dsp:spPr>
         <a:xfrm rot="17700000">
-          <a:off x="1270587" y="3213896"/>
-          <a:ext cx="826860" cy="398681"/>
+          <a:off x="1350197" y="3550001"/>
+          <a:ext cx="877154" cy="422931"/>
         </a:xfrm>
         <a:prstGeom prst="rect">
           <a:avLst/>
@@ -3955,12 +3364,12 @@
         <a:fontRef idx="minor"/>
       </dsp:style>
       <dsp:txBody>
-        <a:bodyPr spcFirstLastPara="0" vert="horz" wrap="square" lIns="0" tIns="0" rIns="12700" bIns="0" numCol="1" spcCol="1270" anchor="ctr" anchorCtr="0">
+        <a:bodyPr spcFirstLastPara="0" vert="horz" wrap="square" lIns="0" tIns="0" rIns="15240" bIns="0" numCol="1" spcCol="1270" anchor="ctr" anchorCtr="0">
           <a:noAutofit/>
         </a:bodyPr>
         <a:lstStyle/>
         <a:p>
-          <a:pPr marL="0" lvl="0" indent="0" algn="r" defTabSz="222250">
+          <a:pPr marL="0" lvl="0" indent="0" algn="r" defTabSz="266700">
             <a:lnSpc>
               <a:spcPct val="90000"/>
             </a:lnSpc>
@@ -3973,14 +3382,14 @@
             <a:buNone/>
           </a:pPr>
           <a:r>
-            <a:rPr lang="en-US" sz="500" kern="1200" dirty="0"/>
+            <a:rPr lang="en-US" sz="600" kern="1200" dirty="0"/>
             <a:t>1973 - “AI Winter” (1974-1980)</a:t>
           </a:r>
         </a:p>
       </dsp:txBody>
       <dsp:txXfrm>
-        <a:off x="1270587" y="3213896"/>
-        <a:ext cx="826860" cy="398681"/>
+        <a:off x="1350197" y="3550001"/>
+        <a:ext cx="877154" cy="422931"/>
       </dsp:txXfrm>
     </dsp:sp>
     <dsp:sp modelId="{4E99A923-929E-423C-9CD8-54229F08DBAA}">
@@ -3990,8 +3399,8 @@
       </dsp:nvSpPr>
       <dsp:spPr>
         <a:xfrm rot="17700000">
-          <a:off x="1788251" y="2103312"/>
-          <a:ext cx="826860" cy="398681"/>
+          <a:off x="1899348" y="2371865"/>
+          <a:ext cx="877154" cy="422931"/>
         </a:xfrm>
         <a:prstGeom prst="rect">
           <a:avLst/>
@@ -4022,17 +3431,17 @@
       </dsp:nvSpPr>
       <dsp:spPr>
         <a:xfrm>
-          <a:off x="2200266" y="2658385"/>
-          <a:ext cx="399119" cy="399119"/>
+          <a:off x="2336424" y="2960701"/>
+          <a:ext cx="423396" cy="423396"/>
         </a:xfrm>
         <a:prstGeom prst="ellipse">
           <a:avLst/>
         </a:prstGeom>
         <a:solidFill>
-          <a:schemeClr val="accent1">
-            <a:hueOff val="0"/>
-            <a:satOff val="0"/>
-            <a:lumOff val="0"/>
+          <a:schemeClr val="accent5">
+            <a:hueOff val="3785295"/>
+            <a:satOff val="12325"/>
+            <a:lumOff val="4286"/>
             <a:alphaOff val="0"/>
           </a:schemeClr>
         </a:solidFill>
@@ -4071,8 +3480,8 @@
       </dsp:nvSpPr>
       <dsp:spPr>
         <a:xfrm rot="17700000">
-          <a:off x="1727563" y="3213896"/>
-          <a:ext cx="826860" cy="398681"/>
+          <a:off x="1834969" y="3550001"/>
+          <a:ext cx="877154" cy="422931"/>
         </a:xfrm>
         <a:prstGeom prst="rect">
           <a:avLst/>
@@ -4096,12 +3505,12 @@
         <a:fontRef idx="minor"/>
       </dsp:style>
       <dsp:txBody>
-        <a:bodyPr spcFirstLastPara="0" vert="horz" wrap="square" lIns="0" tIns="0" rIns="12700" bIns="0" numCol="1" spcCol="1270" anchor="ctr" anchorCtr="0">
+        <a:bodyPr spcFirstLastPara="0" vert="horz" wrap="square" lIns="0" tIns="0" rIns="15240" bIns="0" numCol="1" spcCol="1270" anchor="ctr" anchorCtr="0">
           <a:noAutofit/>
         </a:bodyPr>
         <a:lstStyle/>
         <a:p>
-          <a:pPr marL="0" lvl="0" indent="0" algn="r" defTabSz="222250">
+          <a:pPr marL="0" lvl="0" indent="0" algn="r" defTabSz="266700">
             <a:lnSpc>
               <a:spcPct val="90000"/>
             </a:lnSpc>
@@ -4114,14 +3523,14 @@
             <a:buNone/>
           </a:pPr>
           <a:r>
-            <a:rPr lang="en-US" sz="500" kern="1200" dirty="0"/>
+            <a:rPr lang="en-US" sz="600" kern="1200" dirty="0"/>
             <a:t>1980’s - “Expert Systems boom” - DEC RI ($40m annual saving success)</a:t>
           </a:r>
         </a:p>
       </dsp:txBody>
       <dsp:txXfrm>
-        <a:off x="1727563" y="3213896"/>
-        <a:ext cx="826860" cy="398681"/>
+        <a:off x="1834969" y="3550001"/>
+        <a:ext cx="877154" cy="422931"/>
       </dsp:txXfrm>
     </dsp:sp>
     <dsp:sp modelId="{B1F0A585-182E-4486-9654-914F85F58277}">
@@ -4131,8 +3540,8 @@
       </dsp:nvSpPr>
       <dsp:spPr>
         <a:xfrm rot="17700000">
-          <a:off x="2245227" y="2103312"/>
-          <a:ext cx="826860" cy="398681"/>
+          <a:off x="2384120" y="2371865"/>
+          <a:ext cx="877154" cy="422931"/>
         </a:xfrm>
         <a:prstGeom prst="rect">
           <a:avLst/>
@@ -4163,8 +3572,8 @@
       </dsp:nvSpPr>
       <dsp:spPr>
         <a:xfrm>
-          <a:off x="2657303" y="2473483"/>
-          <a:ext cx="768922" cy="768922"/>
+          <a:off x="2821261" y="2764553"/>
+          <a:ext cx="815692" cy="815692"/>
         </a:xfrm>
         <a:prstGeom prst="donut">
           <a:avLst>
@@ -4172,7 +3581,7 @@
           </a:avLst>
         </a:prstGeom>
         <a:solidFill>
-          <a:schemeClr val="accent1">
+          <a:schemeClr val="accent4">
             <a:hueOff val="0"/>
             <a:satOff val="0"/>
             <a:lumOff val="0"/>
@@ -4214,8 +3623,8 @@
       </dsp:nvSpPr>
       <dsp:spPr>
         <a:xfrm rot="17700000">
-          <a:off x="2928237" y="1846654"/>
-          <a:ext cx="955856" cy="460648"/>
+          <a:off x="3108674" y="2099597"/>
+          <a:ext cx="1013996" cy="488667"/>
         </a:xfrm>
         <a:prstGeom prst="rect">
           <a:avLst/>
@@ -4263,8 +3672,8 @@
         </a:p>
       </dsp:txBody>
       <dsp:txXfrm>
-        <a:off x="2928237" y="1846654"/>
-        <a:ext cx="955856" cy="460648"/>
+        <a:off x="3108674" y="2099597"/>
+        <a:ext cx="1013996" cy="488667"/>
       </dsp:txXfrm>
     </dsp:sp>
     <dsp:sp modelId="{79A0F97A-EBE2-4BB2-ACBD-DC1E724E9CA8}">
@@ -4274,8 +3683,8 @@
       </dsp:nvSpPr>
       <dsp:spPr>
         <a:xfrm>
-          <a:off x="3484206" y="2473483"/>
-          <a:ext cx="768922" cy="768922"/>
+          <a:off x="3698459" y="2764553"/>
+          <a:ext cx="815692" cy="815692"/>
         </a:xfrm>
         <a:prstGeom prst="donut">
           <a:avLst>
@@ -4283,7 +3692,7 @@
           </a:avLst>
         </a:prstGeom>
         <a:solidFill>
-          <a:schemeClr val="accent1">
+          <a:schemeClr val="accent4">
             <a:hueOff val="0"/>
             <a:satOff val="0"/>
             <a:lumOff val="0"/>
@@ -4325,8 +3734,8 @@
       </dsp:nvSpPr>
       <dsp:spPr>
         <a:xfrm rot="17700000">
-          <a:off x="3755139" y="1846654"/>
-          <a:ext cx="955856" cy="460648"/>
+          <a:off x="3985872" y="2099597"/>
+          <a:ext cx="1013996" cy="488667"/>
         </a:xfrm>
         <a:prstGeom prst="rect">
           <a:avLst/>
@@ -4390,8 +3799,8 @@
         </a:p>
       </dsp:txBody>
       <dsp:txXfrm>
-        <a:off x="3755139" y="1846654"/>
-        <a:ext cx="955856" cy="460648"/>
+        <a:off x="3985872" y="2099597"/>
+        <a:ext cx="1013996" cy="488667"/>
       </dsp:txXfrm>
     </dsp:sp>
     <dsp:sp modelId="{505D7367-E7BC-46B3-9C45-6576D6EC0963}">
@@ -4401,17 +3810,17 @@
       </dsp:nvSpPr>
       <dsp:spPr>
         <a:xfrm>
-          <a:off x="4311046" y="2658385"/>
-          <a:ext cx="399119" cy="399119"/>
+          <a:off x="4575592" y="2960701"/>
+          <a:ext cx="423396" cy="423396"/>
         </a:xfrm>
         <a:prstGeom prst="ellipse">
           <a:avLst/>
         </a:prstGeom>
         <a:solidFill>
-          <a:schemeClr val="accent1">
-            <a:hueOff val="0"/>
-            <a:satOff val="0"/>
-            <a:lumOff val="0"/>
+          <a:schemeClr val="accent5">
+            <a:hueOff val="5047060"/>
+            <a:satOff val="16433"/>
+            <a:lumOff val="5714"/>
             <a:alphaOff val="0"/>
           </a:schemeClr>
         </a:solidFill>
@@ -4450,8 +3859,8 @@
       </dsp:nvSpPr>
       <dsp:spPr>
         <a:xfrm rot="17700000">
-          <a:off x="3838344" y="3213896"/>
-          <a:ext cx="826860" cy="398681"/>
+          <a:off x="4074138" y="3550001"/>
+          <a:ext cx="877154" cy="422931"/>
         </a:xfrm>
         <a:prstGeom prst="rect">
           <a:avLst/>
@@ -4475,12 +3884,12 @@
         <a:fontRef idx="minor"/>
       </dsp:style>
       <dsp:txBody>
-        <a:bodyPr spcFirstLastPara="0" vert="horz" wrap="square" lIns="0" tIns="0" rIns="12700" bIns="0" numCol="1" spcCol="1270" anchor="ctr" anchorCtr="0">
+        <a:bodyPr spcFirstLastPara="0" vert="horz" wrap="square" lIns="0" tIns="0" rIns="15240" bIns="0" numCol="1" spcCol="1270" anchor="ctr" anchorCtr="0">
           <a:noAutofit/>
         </a:bodyPr>
         <a:lstStyle/>
         <a:p>
-          <a:pPr marL="0" lvl="0" indent="0" algn="r" defTabSz="222250">
+          <a:pPr marL="0" lvl="0" indent="0" algn="r" defTabSz="266700">
             <a:lnSpc>
               <a:spcPct val="90000"/>
             </a:lnSpc>
@@ -4493,14 +3902,14 @@
             <a:buNone/>
           </a:pPr>
           <a:r>
-            <a:rPr lang="en-US" sz="500" kern="1200" dirty="0"/>
+            <a:rPr lang="en-US" sz="600" kern="1200" dirty="0"/>
             <a:t>1999 - GPU invented (for games)</a:t>
           </a:r>
         </a:p>
       </dsp:txBody>
       <dsp:txXfrm>
-        <a:off x="3838344" y="3213896"/>
-        <a:ext cx="826860" cy="398681"/>
+        <a:off x="4074138" y="3550001"/>
+        <a:ext cx="877154" cy="422931"/>
       </dsp:txXfrm>
     </dsp:sp>
     <dsp:sp modelId="{EC214082-5F4B-4EBA-AEE7-99F79D97609F}">
@@ -4510,8 +3919,8 @@
       </dsp:nvSpPr>
       <dsp:spPr>
         <a:xfrm rot="17700000">
-          <a:off x="4356008" y="2103312"/>
-          <a:ext cx="826860" cy="398681"/>
+          <a:off x="4623289" y="2371865"/>
+          <a:ext cx="877154" cy="422931"/>
         </a:xfrm>
         <a:prstGeom prst="rect">
           <a:avLst/>
@@ -4542,8 +3951,8 @@
       </dsp:nvSpPr>
       <dsp:spPr>
         <a:xfrm>
-          <a:off x="4768084" y="2473483"/>
-          <a:ext cx="768922" cy="768922"/>
+          <a:off x="5060429" y="2764553"/>
+          <a:ext cx="815692" cy="815692"/>
         </a:xfrm>
         <a:prstGeom prst="donut">
           <a:avLst>
@@ -4551,7 +3960,7 @@
           </a:avLst>
         </a:prstGeom>
         <a:solidFill>
-          <a:schemeClr val="accent1">
+          <a:schemeClr val="accent4">
             <a:hueOff val="0"/>
             <a:satOff val="0"/>
             <a:lumOff val="0"/>
@@ -4593,8 +4002,8 @@
       </dsp:nvSpPr>
       <dsp:spPr>
         <a:xfrm rot="17700000">
-          <a:off x="5039017" y="1846654"/>
-          <a:ext cx="955856" cy="460648"/>
+          <a:off x="5347842" y="2099597"/>
+          <a:ext cx="1013996" cy="488667"/>
         </a:xfrm>
         <a:prstGeom prst="rect">
           <a:avLst/>
@@ -4642,8 +4051,8 @@
         </a:p>
       </dsp:txBody>
       <dsp:txXfrm>
-        <a:off x="5039017" y="1846654"/>
-        <a:ext cx="955856" cy="460648"/>
+        <a:off x="5347842" y="2099597"/>
+        <a:ext cx="1013996" cy="488667"/>
       </dsp:txXfrm>
     </dsp:sp>
     <dsp:sp modelId="{89CDB1F0-C521-4AD5-9FD6-0182D45BD04C}">
@@ -4653,17 +4062,17 @@
       </dsp:nvSpPr>
       <dsp:spPr>
         <a:xfrm>
-          <a:off x="5594924" y="2658385"/>
-          <a:ext cx="399119" cy="399119"/>
+          <a:off x="5937563" y="2960701"/>
+          <a:ext cx="423396" cy="423396"/>
         </a:xfrm>
         <a:prstGeom prst="ellipse">
           <a:avLst/>
         </a:prstGeom>
         <a:solidFill>
-          <a:schemeClr val="accent1">
-            <a:hueOff val="0"/>
-            <a:satOff val="0"/>
-            <a:lumOff val="0"/>
+          <a:schemeClr val="accent5">
+            <a:hueOff val="6308825"/>
+            <a:satOff val="20541"/>
+            <a:lumOff val="7143"/>
             <a:alphaOff val="0"/>
           </a:schemeClr>
         </a:solidFill>
@@ -4702,8 +4111,8 @@
       </dsp:nvSpPr>
       <dsp:spPr>
         <a:xfrm rot="17700000">
-          <a:off x="5122222" y="3213896"/>
-          <a:ext cx="826860" cy="398681"/>
+          <a:off x="5436108" y="3550001"/>
+          <a:ext cx="877154" cy="422931"/>
         </a:xfrm>
         <a:prstGeom prst="rect">
           <a:avLst/>
@@ -4727,12 +4136,12 @@
         <a:fontRef idx="minor"/>
       </dsp:style>
       <dsp:txBody>
-        <a:bodyPr spcFirstLastPara="0" vert="horz" wrap="square" lIns="0" tIns="0" rIns="12700" bIns="0" numCol="1" spcCol="1270" anchor="ctr" anchorCtr="0">
+        <a:bodyPr spcFirstLastPara="0" vert="horz" wrap="square" lIns="0" tIns="0" rIns="15240" bIns="0" numCol="1" spcCol="1270" anchor="ctr" anchorCtr="0">
           <a:noAutofit/>
         </a:bodyPr>
         <a:lstStyle/>
         <a:p>
-          <a:pPr marL="0" lvl="0" indent="0" algn="r" defTabSz="222250">
+          <a:pPr marL="0" lvl="0" indent="0" algn="r" defTabSz="266700">
             <a:lnSpc>
               <a:spcPct val="90000"/>
             </a:lnSpc>
@@ -4745,14 +4154,14 @@
             <a:buNone/>
           </a:pPr>
           <a:r>
-            <a:rPr lang="en-US" sz="500" kern="1200" dirty="0"/>
+            <a:rPr lang="en-US" sz="600" kern="1200" dirty="0"/>
             <a:t>2010 - First GPU for NN/Deep Learning - Goodfellow ch12.2</a:t>
           </a:r>
         </a:p>
       </dsp:txBody>
       <dsp:txXfrm>
-        <a:off x="5122222" y="3213896"/>
-        <a:ext cx="826860" cy="398681"/>
+        <a:off x="5436108" y="3550001"/>
+        <a:ext cx="877154" cy="422931"/>
       </dsp:txXfrm>
     </dsp:sp>
     <dsp:sp modelId="{5CD61DE4-8F33-44E3-8866-C3CFFAC3BE34}">
@@ -4762,8 +4171,8 @@
       </dsp:nvSpPr>
       <dsp:spPr>
         <a:xfrm rot="17700000">
-          <a:off x="5639886" y="2103312"/>
-          <a:ext cx="826860" cy="398681"/>
+          <a:off x="5985259" y="2371865"/>
+          <a:ext cx="877154" cy="422931"/>
         </a:xfrm>
         <a:prstGeom prst="rect">
           <a:avLst/>
@@ -4794,17 +4203,17 @@
       </dsp:nvSpPr>
       <dsp:spPr>
         <a:xfrm>
-          <a:off x="6051901" y="2658385"/>
-          <a:ext cx="399119" cy="399119"/>
+          <a:off x="6422334" y="2960701"/>
+          <a:ext cx="423396" cy="423396"/>
         </a:xfrm>
         <a:prstGeom prst="ellipse">
           <a:avLst/>
         </a:prstGeom>
         <a:solidFill>
-          <a:schemeClr val="accent1">
-            <a:hueOff val="0"/>
-            <a:satOff val="0"/>
-            <a:lumOff val="0"/>
+          <a:schemeClr val="accent5">
+            <a:hueOff val="7570590"/>
+            <a:satOff val="24650"/>
+            <a:lumOff val="8571"/>
             <a:alphaOff val="0"/>
           </a:schemeClr>
         </a:solidFill>
@@ -4843,8 +4252,8 @@
       </dsp:nvSpPr>
       <dsp:spPr>
         <a:xfrm rot="17700000">
-          <a:off x="5579198" y="3213896"/>
-          <a:ext cx="826860" cy="398681"/>
+          <a:off x="5920880" y="3550001"/>
+          <a:ext cx="877154" cy="422931"/>
         </a:xfrm>
         <a:prstGeom prst="rect">
           <a:avLst/>
@@ -4868,12 +4277,12 @@
         <a:fontRef idx="minor"/>
       </dsp:style>
       <dsp:txBody>
-        <a:bodyPr spcFirstLastPara="0" vert="horz" wrap="square" lIns="0" tIns="0" rIns="12700" bIns="0" numCol="1" spcCol="1270" anchor="ctr" anchorCtr="0">
+        <a:bodyPr spcFirstLastPara="0" vert="horz" wrap="square" lIns="0" tIns="0" rIns="15240" bIns="0" numCol="1" spcCol="1270" anchor="ctr" anchorCtr="0">
           <a:noAutofit/>
         </a:bodyPr>
         <a:lstStyle/>
         <a:p>
-          <a:pPr marL="0" lvl="0" indent="0" algn="r" defTabSz="222250">
+          <a:pPr marL="0" lvl="0" indent="0" algn="r" defTabSz="266700">
             <a:lnSpc>
               <a:spcPct val="90000"/>
             </a:lnSpc>
@@ -4886,14 +4295,14 @@
             <a:buNone/>
           </a:pPr>
           <a:r>
-            <a:rPr lang="en-US" sz="500" kern="1200" dirty="0"/>
+            <a:rPr lang="en-US" sz="600" kern="1200" dirty="0"/>
             <a:t>2011 - IBM Watson Jeopardy - some ML (NLP)</a:t>
           </a:r>
         </a:p>
       </dsp:txBody>
       <dsp:txXfrm>
-        <a:off x="5579198" y="3213896"/>
-        <a:ext cx="826860" cy="398681"/>
+        <a:off x="5920880" y="3550001"/>
+        <a:ext cx="877154" cy="422931"/>
       </dsp:txXfrm>
     </dsp:sp>
     <dsp:sp modelId="{A45AEB82-7A50-4EEC-B160-C96BA1C2DBD0}">
@@ -4903,8 +4312,8 @@
       </dsp:nvSpPr>
       <dsp:spPr>
         <a:xfrm rot="17700000">
-          <a:off x="6096862" y="2103312"/>
-          <a:ext cx="826860" cy="398681"/>
+          <a:off x="6470030" y="2371865"/>
+          <a:ext cx="877154" cy="422931"/>
         </a:xfrm>
         <a:prstGeom prst="rect">
           <a:avLst/>
@@ -4935,17 +4344,17 @@
       </dsp:nvSpPr>
       <dsp:spPr>
         <a:xfrm>
-          <a:off x="6508877" y="2658385"/>
-          <a:ext cx="399119" cy="399119"/>
+          <a:off x="6907106" y="2960701"/>
+          <a:ext cx="423396" cy="423396"/>
         </a:xfrm>
         <a:prstGeom prst="ellipse">
           <a:avLst/>
         </a:prstGeom>
         <a:solidFill>
-          <a:schemeClr val="accent1">
-            <a:hueOff val="0"/>
-            <a:satOff val="0"/>
-            <a:lumOff val="0"/>
+          <a:schemeClr val="accent5">
+            <a:hueOff val="8832355"/>
+            <a:satOff val="28758"/>
+            <a:lumOff val="10000"/>
             <a:alphaOff val="0"/>
           </a:schemeClr>
         </a:solidFill>
@@ -4984,8 +4393,8 @@
       </dsp:nvSpPr>
       <dsp:spPr>
         <a:xfrm rot="17700000">
-          <a:off x="6036174" y="3213896"/>
-          <a:ext cx="826860" cy="398681"/>
+          <a:off x="6405651" y="3550001"/>
+          <a:ext cx="877154" cy="422931"/>
         </a:xfrm>
         <a:prstGeom prst="rect">
           <a:avLst/>
@@ -5009,12 +4418,12 @@
         <a:fontRef idx="minor"/>
       </dsp:style>
       <dsp:txBody>
-        <a:bodyPr spcFirstLastPara="0" vert="horz" wrap="square" lIns="0" tIns="0" rIns="12700" bIns="0" numCol="1" spcCol="1270" anchor="ctr" anchorCtr="0">
+        <a:bodyPr spcFirstLastPara="0" vert="horz" wrap="square" lIns="0" tIns="0" rIns="15240" bIns="0" numCol="1" spcCol="1270" anchor="ctr" anchorCtr="0">
           <a:noAutofit/>
         </a:bodyPr>
         <a:lstStyle/>
         <a:p>
-          <a:pPr marL="0" lvl="0" indent="0" algn="r" defTabSz="222250">
+          <a:pPr marL="0" lvl="0" indent="0" algn="r" defTabSz="266700">
             <a:lnSpc>
               <a:spcPct val="90000"/>
             </a:lnSpc>
@@ -5027,14 +4436,14 @@
             <a:buNone/>
           </a:pPr>
           <a:r>
-            <a:rPr lang="en-US" sz="500" kern="1200" dirty="0"/>
+            <a:rPr lang="en-US" sz="600" kern="1200" dirty="0"/>
             <a:t>2016 - Alpha Go - Deep NN</a:t>
           </a:r>
         </a:p>
       </dsp:txBody>
       <dsp:txXfrm>
-        <a:off x="6036174" y="3213896"/>
-        <a:ext cx="826860" cy="398681"/>
+        <a:off x="6405651" y="3550001"/>
+        <a:ext cx="877154" cy="422931"/>
       </dsp:txXfrm>
     </dsp:sp>
     <dsp:sp modelId="{58757B64-62DB-4E40-B9CD-D1940F9F5336}">
@@ -5044,8 +4453,8 @@
       </dsp:nvSpPr>
       <dsp:spPr>
         <a:xfrm rot="17700000">
-          <a:off x="6553838" y="2103312"/>
-          <a:ext cx="826860" cy="398681"/>
+          <a:off x="6954802" y="2371865"/>
+          <a:ext cx="877154" cy="422931"/>
         </a:xfrm>
         <a:prstGeom prst="rect">
           <a:avLst/>
@@ -5076,8 +4485,8 @@
       </dsp:nvSpPr>
       <dsp:spPr>
         <a:xfrm>
-          <a:off x="6965914" y="2473483"/>
-          <a:ext cx="768922" cy="768922"/>
+          <a:off x="7391943" y="2764553"/>
+          <a:ext cx="815692" cy="815692"/>
         </a:xfrm>
         <a:prstGeom prst="donut">
           <a:avLst>
@@ -5085,7 +4494,7 @@
           </a:avLst>
         </a:prstGeom>
         <a:solidFill>
-          <a:schemeClr val="accent1">
+          <a:schemeClr val="accent4">
             <a:hueOff val="0"/>
             <a:satOff val="0"/>
             <a:lumOff val="0"/>
@@ -5127,8 +4536,8 @@
       </dsp:nvSpPr>
       <dsp:spPr>
         <a:xfrm rot="17700000">
-          <a:off x="7236848" y="1846654"/>
-          <a:ext cx="955856" cy="460648"/>
+          <a:off x="7679356" y="2099597"/>
+          <a:ext cx="1013996" cy="488667"/>
         </a:xfrm>
         <a:prstGeom prst="rect">
           <a:avLst/>
@@ -5184,888 +4593,9 @@
         </a:p>
       </dsp:txBody>
       <dsp:txXfrm>
-        <a:off x="7236848" y="1846654"/>
-        <a:ext cx="955856" cy="460648"/>
+        <a:off x="7679356" y="2099597"/>
+        <a:ext cx="1013996" cy="488667"/>
       </dsp:txXfrm>
-    </dsp:sp>
-  </dsp:spTree>
-</dsp:drawing>
-</file>
-
-<file path=ppt/diagrams/drawing2.xml><?xml version="1.0" encoding="utf-8"?>
-<dsp:drawing xmlns:dgm="http://schemas.openxmlformats.org/drawingml/2006/diagram" xmlns:dsp="http://schemas.microsoft.com/office/drawing/2008/diagram" xmlns:a="http://schemas.openxmlformats.org/drawingml/2006/main">
-  <dsp:spTree>
-    <dsp:nvGrpSpPr>
-      <dsp:cNvPr id="0" name=""/>
-      <dsp:cNvGrpSpPr/>
-    </dsp:nvGrpSpPr>
-    <dsp:grpSpPr/>
-    <dsp:sp modelId="{382F0878-1755-47A8-ABA4-D2B9E7974C12}">
-      <dsp:nvSpPr>
-        <dsp:cNvPr id="0" name=""/>
-        <dsp:cNvSpPr/>
-      </dsp:nvSpPr>
-      <dsp:spPr>
-        <a:xfrm>
-          <a:off x="0" y="1625600"/>
-          <a:ext cx="8128000" cy="2167466"/>
-        </a:xfrm>
-        <a:prstGeom prst="notchedRightArrow">
-          <a:avLst/>
-        </a:prstGeom>
-        <a:solidFill>
-          <a:schemeClr val="accent5">
-            <a:tint val="40000"/>
-            <a:hueOff val="0"/>
-            <a:satOff val="0"/>
-            <a:lumOff val="0"/>
-            <a:alphaOff val="0"/>
-          </a:schemeClr>
-        </a:solidFill>
-        <a:ln w="6350" cap="flat" cmpd="sng" algn="in">
-          <a:solidFill>
-            <a:schemeClr val="dk1">
-              <a:hueOff val="0"/>
-              <a:satOff val="0"/>
-              <a:lumOff val="0"/>
-              <a:alphaOff val="0"/>
-            </a:schemeClr>
-          </a:solidFill>
-          <a:prstDash val="solid"/>
-        </a:ln>
-        <a:effectLst/>
-        <a:scene3d>
-          <a:camera prst="orthographicFront">
-            <a:rot lat="0" lon="0" rev="0"/>
-          </a:camera>
-          <a:lightRig rig="contrasting" dir="t">
-            <a:rot lat="0" lon="0" rev="1200000"/>
-          </a:lightRig>
-        </a:scene3d>
-        <a:sp3d z="-300000" prstMaterial="plastic"/>
-      </dsp:spPr>
-      <dsp:style>
-        <a:lnRef idx="1">
-          <a:scrgbClr r="0" g="0" b="0"/>
-        </a:lnRef>
-        <a:fillRef idx="1">
-          <a:scrgbClr r="0" g="0" b="0"/>
-        </a:fillRef>
-        <a:effectRef idx="0">
-          <a:scrgbClr r="0" g="0" b="0"/>
-        </a:effectRef>
-        <a:fontRef idx="minor"/>
-      </dsp:style>
-    </dsp:sp>
-    <dsp:sp modelId="{1014F7A1-0081-4DC4-B486-F39D10408E53}">
-      <dsp:nvSpPr>
-        <dsp:cNvPr id="0" name=""/>
-        <dsp:cNvSpPr/>
-      </dsp:nvSpPr>
-      <dsp:spPr>
-        <a:xfrm>
-          <a:off x="3214" y="0"/>
-          <a:ext cx="1405532" cy="2167466"/>
-        </a:xfrm>
-        <a:prstGeom prst="rect">
-          <a:avLst/>
-        </a:prstGeom>
-        <a:noFill/>
-        <a:ln w="6350" cap="flat" cmpd="sng" algn="in">
-          <a:solidFill>
-            <a:schemeClr val="dk1">
-              <a:alpha val="0"/>
-              <a:hueOff val="0"/>
-              <a:satOff val="0"/>
-              <a:lumOff val="0"/>
-              <a:alphaOff val="0"/>
-            </a:schemeClr>
-          </a:solidFill>
-          <a:prstDash val="solid"/>
-        </a:ln>
-        <a:effectLst/>
-      </dsp:spPr>
-      <dsp:style>
-        <a:lnRef idx="1">
-          <a:scrgbClr r="0" g="0" b="0"/>
-        </a:lnRef>
-        <a:fillRef idx="0">
-          <a:scrgbClr r="0" g="0" b="0"/>
-        </a:fillRef>
-        <a:effectRef idx="0">
-          <a:scrgbClr r="0" g="0" b="0"/>
-        </a:effectRef>
-        <a:fontRef idx="minor"/>
-      </dsp:style>
-      <dsp:txBody>
-        <a:bodyPr spcFirstLastPara="0" vert="horz" wrap="square" lIns="64008" tIns="64008" rIns="64008" bIns="64008" numCol="1" spcCol="1270" anchor="b" anchorCtr="1">
-          <a:noAutofit/>
-        </a:bodyPr>
-        <a:lstStyle/>
-        <a:p>
-          <a:pPr marL="0" lvl="0" indent="0" algn="l" defTabSz="400050">
-            <a:lnSpc>
-              <a:spcPct val="90000"/>
-            </a:lnSpc>
-            <a:spcBef>
-              <a:spcPct val="0"/>
-            </a:spcBef>
-            <a:spcAft>
-              <a:spcPct val="35000"/>
-            </a:spcAft>
-            <a:buNone/>
-          </a:pPr>
-          <a:r>
-            <a:rPr lang="en-US" sz="900" kern="1200" dirty="0"/>
-            <a:t>1943 - Alan Turing (Imitation Game) &amp; John Von </a:t>
-          </a:r>
-          <a:r>
-            <a:rPr lang="en-US" sz="900" kern="1200" dirty="0" err="1"/>
-            <a:t>Neumman</a:t>
-          </a:r>
-          <a:r>
-            <a:rPr lang="en-US" sz="900" kern="1200" dirty="0"/>
-            <a:t> - fathers of modern computing</a:t>
-          </a:r>
-        </a:p>
-        <a:p>
-          <a:pPr marL="57150" lvl="1" indent="-57150" algn="l" defTabSz="311150">
-            <a:lnSpc>
-              <a:spcPct val="90000"/>
-            </a:lnSpc>
-            <a:spcBef>
-              <a:spcPct val="0"/>
-            </a:spcBef>
-            <a:spcAft>
-              <a:spcPct val="15000"/>
-            </a:spcAft>
-            <a:buChar char="•"/>
-          </a:pPr>
-          <a:r>
-            <a:rPr lang="en-US" sz="700" kern="1200" dirty="0"/>
-            <a:t>1956 - AI conference “</a:t>
-          </a:r>
-          <a:r>
-            <a:rPr lang="en-US" sz="700" kern="1200" dirty="0" err="1"/>
-            <a:t>Minksy</a:t>
-          </a:r>
-          <a:r>
-            <a:rPr lang="en-US" sz="700" kern="1200" dirty="0"/>
-            <a:t>/McCarthy” — focus on top-down rules (golden years 56-74)</a:t>
-          </a:r>
-        </a:p>
-        <a:p>
-          <a:pPr marL="57150" lvl="1" indent="-57150" algn="l" defTabSz="311150">
-            <a:lnSpc>
-              <a:spcPct val="90000"/>
-            </a:lnSpc>
-            <a:spcBef>
-              <a:spcPct val="0"/>
-            </a:spcBef>
-            <a:spcAft>
-              <a:spcPct val="15000"/>
-            </a:spcAft>
-            <a:buChar char="•"/>
-          </a:pPr>
-          <a:r>
-            <a:rPr lang="en-US" sz="700" kern="1200" dirty="0"/>
-            <a:t>1970 - </a:t>
-          </a:r>
-          <a:r>
-            <a:rPr lang="en-US" sz="700" kern="1200" dirty="0" err="1"/>
-            <a:t>Minksy</a:t>
-          </a:r>
-          <a:r>
-            <a:rPr lang="en-US" sz="700" kern="1200" dirty="0"/>
-            <a:t> “ in 3-8 </a:t>
-          </a:r>
-          <a:r>
-            <a:rPr lang="en-US" sz="700" kern="1200" dirty="0" err="1"/>
-            <a:t>yrs</a:t>
-          </a:r>
-          <a:r>
-            <a:rPr lang="en-US" sz="700" kern="1200" dirty="0"/>
-            <a:t> we will have a machine w/ the general intelligence of an average human being” &lt;- bad claims all around</a:t>
-          </a:r>
-        </a:p>
-        <a:p>
-          <a:pPr marL="57150" lvl="1" indent="-57150" algn="l" defTabSz="311150">
-            <a:lnSpc>
-              <a:spcPct val="90000"/>
-            </a:lnSpc>
-            <a:spcBef>
-              <a:spcPct val="0"/>
-            </a:spcBef>
-            <a:spcAft>
-              <a:spcPct val="15000"/>
-            </a:spcAft>
-            <a:buChar char="•"/>
-          </a:pPr>
-          <a:r>
-            <a:rPr lang="en-US" sz="700" kern="1200" dirty="0"/>
-            <a:t>1973 - “AI Winter” (1974-1980)</a:t>
-          </a:r>
-        </a:p>
-        <a:p>
-          <a:pPr marL="57150" lvl="1" indent="-57150" algn="l" defTabSz="311150">
-            <a:lnSpc>
-              <a:spcPct val="90000"/>
-            </a:lnSpc>
-            <a:spcBef>
-              <a:spcPct val="0"/>
-            </a:spcBef>
-            <a:spcAft>
-              <a:spcPct val="15000"/>
-            </a:spcAft>
-            <a:buChar char="•"/>
-          </a:pPr>
-          <a:r>
-            <a:rPr lang="en-US" sz="700" kern="1200" dirty="0"/>
-            <a:t>1980’s - “Expert Systems boom” - DEC RI ($40m annual saving success)</a:t>
-          </a:r>
-        </a:p>
-      </dsp:txBody>
-      <dsp:txXfrm>
-        <a:off x="3214" y="0"/>
-        <a:ext cx="1405532" cy="2167466"/>
-      </dsp:txXfrm>
-    </dsp:sp>
-    <dsp:sp modelId="{51158F08-B74E-4848-9A5B-044E0F22A49C}">
-      <dsp:nvSpPr>
-        <dsp:cNvPr id="0" name=""/>
-        <dsp:cNvSpPr/>
-      </dsp:nvSpPr>
-      <dsp:spPr>
-        <a:xfrm>
-          <a:off x="435047" y="2438400"/>
-          <a:ext cx="541866" cy="541866"/>
-        </a:xfrm>
-        <a:prstGeom prst="ellipse">
-          <a:avLst/>
-        </a:prstGeom>
-        <a:solidFill>
-          <a:schemeClr val="accent5">
-            <a:hueOff val="0"/>
-            <a:satOff val="0"/>
-            <a:lumOff val="0"/>
-            <a:alphaOff val="0"/>
-          </a:schemeClr>
-        </a:solidFill>
-        <a:ln>
-          <a:noFill/>
-        </a:ln>
-        <a:effectLst/>
-        <a:scene3d>
-          <a:camera prst="orthographicFront">
-            <a:rot lat="0" lon="0" rev="0"/>
-          </a:camera>
-          <a:lightRig rig="contrasting" dir="t">
-            <a:rot lat="0" lon="0" rev="1200000"/>
-          </a:lightRig>
-        </a:scene3d>
-        <a:sp3d contourW="19050" prstMaterial="metal">
-          <a:bevelT w="88900" h="203200"/>
-          <a:bevelB w="165100" h="254000"/>
-        </a:sp3d>
-      </dsp:spPr>
-      <dsp:style>
-        <a:lnRef idx="0">
-          <a:scrgbClr r="0" g="0" b="0"/>
-        </a:lnRef>
-        <a:fillRef idx="1">
-          <a:scrgbClr r="0" g="0" b="0"/>
-        </a:fillRef>
-        <a:effectRef idx="2">
-          <a:scrgbClr r="0" g="0" b="0"/>
-        </a:effectRef>
-        <a:fontRef idx="minor">
-          <a:schemeClr val="lt1"/>
-        </a:fontRef>
-      </dsp:style>
-    </dsp:sp>
-    <dsp:sp modelId="{5109A1D6-63D5-402F-9EFF-3C0541D96188}">
-      <dsp:nvSpPr>
-        <dsp:cNvPr id="0" name=""/>
-        <dsp:cNvSpPr/>
-      </dsp:nvSpPr>
-      <dsp:spPr>
-        <a:xfrm>
-          <a:off x="1479024" y="3251200"/>
-          <a:ext cx="1405532" cy="2167466"/>
-        </a:xfrm>
-        <a:prstGeom prst="rect">
-          <a:avLst/>
-        </a:prstGeom>
-        <a:noFill/>
-        <a:ln w="6350" cap="flat" cmpd="sng" algn="in">
-          <a:solidFill>
-            <a:schemeClr val="dk1">
-              <a:alpha val="0"/>
-              <a:hueOff val="0"/>
-              <a:satOff val="0"/>
-              <a:lumOff val="0"/>
-              <a:alphaOff val="0"/>
-            </a:schemeClr>
-          </a:solidFill>
-          <a:prstDash val="solid"/>
-        </a:ln>
-        <a:effectLst/>
-      </dsp:spPr>
-      <dsp:style>
-        <a:lnRef idx="1">
-          <a:scrgbClr r="0" g="0" b="0"/>
-        </a:lnRef>
-        <a:fillRef idx="0">
-          <a:scrgbClr r="0" g="0" b="0"/>
-        </a:fillRef>
-        <a:effectRef idx="0">
-          <a:scrgbClr r="0" g="0" b="0"/>
-        </a:effectRef>
-        <a:fontRef idx="minor"/>
-      </dsp:style>
-      <dsp:txBody>
-        <a:bodyPr spcFirstLastPara="0" vert="horz" wrap="square" lIns="64008" tIns="64008" rIns="64008" bIns="64008" numCol="1" spcCol="1270" anchor="t" anchorCtr="0">
-          <a:noAutofit/>
-        </a:bodyPr>
-        <a:lstStyle/>
-        <a:p>
-          <a:pPr marL="0" lvl="0" indent="0" algn="ctr" defTabSz="400050">
-            <a:lnSpc>
-              <a:spcPct val="90000"/>
-            </a:lnSpc>
-            <a:spcBef>
-              <a:spcPct val="0"/>
-            </a:spcBef>
-            <a:spcAft>
-              <a:spcPct val="35000"/>
-            </a:spcAft>
-            <a:buNone/>
-          </a:pPr>
-          <a:r>
-            <a:rPr lang="en-US" sz="900" kern="1200" dirty="0"/>
-            <a:t>1987 (AI winter #2 - 1987-1993)</a:t>
-          </a:r>
-        </a:p>
-      </dsp:txBody>
-      <dsp:txXfrm>
-        <a:off x="1479024" y="3251200"/>
-        <a:ext cx="1405532" cy="2167466"/>
-      </dsp:txXfrm>
-    </dsp:sp>
-    <dsp:sp modelId="{49A4D143-F730-49AB-BFA4-FBC4AB9B1DB9}">
-      <dsp:nvSpPr>
-        <dsp:cNvPr id="0" name=""/>
-        <dsp:cNvSpPr/>
-      </dsp:nvSpPr>
-      <dsp:spPr>
-        <a:xfrm>
-          <a:off x="1910857" y="2438400"/>
-          <a:ext cx="541866" cy="541866"/>
-        </a:xfrm>
-        <a:prstGeom prst="ellipse">
-          <a:avLst/>
-        </a:prstGeom>
-        <a:solidFill>
-          <a:schemeClr val="accent5">
-            <a:hueOff val="2208089"/>
-            <a:satOff val="7189"/>
-            <a:lumOff val="2500"/>
-            <a:alphaOff val="0"/>
-          </a:schemeClr>
-        </a:solidFill>
-        <a:ln>
-          <a:noFill/>
-        </a:ln>
-        <a:effectLst/>
-        <a:scene3d>
-          <a:camera prst="orthographicFront">
-            <a:rot lat="0" lon="0" rev="0"/>
-          </a:camera>
-          <a:lightRig rig="contrasting" dir="t">
-            <a:rot lat="0" lon="0" rev="1200000"/>
-          </a:lightRig>
-        </a:scene3d>
-        <a:sp3d contourW="19050" prstMaterial="metal">
-          <a:bevelT w="88900" h="203200"/>
-          <a:bevelB w="165100" h="254000"/>
-        </a:sp3d>
-      </dsp:spPr>
-      <dsp:style>
-        <a:lnRef idx="0">
-          <a:scrgbClr r="0" g="0" b="0"/>
-        </a:lnRef>
-        <a:fillRef idx="1">
-          <a:scrgbClr r="0" g="0" b="0"/>
-        </a:fillRef>
-        <a:effectRef idx="2">
-          <a:scrgbClr r="0" g="0" b="0"/>
-        </a:effectRef>
-        <a:fontRef idx="minor">
-          <a:schemeClr val="lt1"/>
-        </a:fontRef>
-      </dsp:style>
-    </dsp:sp>
-    <dsp:sp modelId="{0357C338-25E1-4E43-A231-3E89856DFEF4}">
-      <dsp:nvSpPr>
-        <dsp:cNvPr id="0" name=""/>
-        <dsp:cNvSpPr/>
-      </dsp:nvSpPr>
-      <dsp:spPr>
-        <a:xfrm>
-          <a:off x="2954833" y="0"/>
-          <a:ext cx="1405532" cy="2167466"/>
-        </a:xfrm>
-        <a:prstGeom prst="rect">
-          <a:avLst/>
-        </a:prstGeom>
-        <a:noFill/>
-        <a:ln w="6350" cap="flat" cmpd="sng" algn="in">
-          <a:solidFill>
-            <a:schemeClr val="dk1">
-              <a:alpha val="0"/>
-              <a:hueOff val="0"/>
-              <a:satOff val="0"/>
-              <a:lumOff val="0"/>
-              <a:alphaOff val="0"/>
-            </a:schemeClr>
-          </a:solidFill>
-          <a:prstDash val="solid"/>
-        </a:ln>
-        <a:effectLst/>
-      </dsp:spPr>
-      <dsp:style>
-        <a:lnRef idx="1">
-          <a:scrgbClr r="0" g="0" b="0"/>
-        </a:lnRef>
-        <a:fillRef idx="0">
-          <a:scrgbClr r="0" g="0" b="0"/>
-        </a:fillRef>
-        <a:effectRef idx="0">
-          <a:scrgbClr r="0" g="0" b="0"/>
-        </a:effectRef>
-        <a:fontRef idx="minor"/>
-      </dsp:style>
-      <dsp:txBody>
-        <a:bodyPr spcFirstLastPara="0" vert="horz" wrap="square" lIns="64008" tIns="64008" rIns="64008" bIns="64008" numCol="1" spcCol="1270" anchor="b" anchorCtr="1">
-          <a:noAutofit/>
-        </a:bodyPr>
-        <a:lstStyle/>
-        <a:p>
-          <a:pPr marL="0" lvl="0" indent="0" algn="l" defTabSz="400050">
-            <a:lnSpc>
-              <a:spcPct val="90000"/>
-            </a:lnSpc>
-            <a:spcBef>
-              <a:spcPct val="0"/>
-            </a:spcBef>
-            <a:spcAft>
-              <a:spcPct val="35000"/>
-            </a:spcAft>
-            <a:buNone/>
-          </a:pPr>
-          <a:r>
-            <a:rPr lang="en-US" sz="900" kern="1200" dirty="0"/>
-            <a:t>1997 - Deep blue (beat </a:t>
-          </a:r>
-          <a:r>
-            <a:rPr lang="en-US" sz="900" kern="1200" dirty="0" err="1"/>
-            <a:t>kasparov</a:t>
-          </a:r>
-          <a:r>
-            <a:rPr lang="en-US" sz="900" kern="1200" dirty="0"/>
-            <a:t>) ? (Brute force + heuristics), </a:t>
-          </a:r>
-          <a:r>
-            <a:rPr lang="en-US" sz="900" kern="1200" dirty="0" err="1"/>
-            <a:t>kasparov</a:t>
-          </a:r>
-          <a:r>
-            <a:rPr lang="en-US" sz="900" kern="1200" dirty="0"/>
-            <a:t> big on AI now</a:t>
-          </a:r>
-        </a:p>
-        <a:p>
-          <a:pPr marL="57150" lvl="1" indent="-57150" algn="l" defTabSz="311150">
-            <a:lnSpc>
-              <a:spcPct val="90000"/>
-            </a:lnSpc>
-            <a:spcBef>
-              <a:spcPct val="0"/>
-            </a:spcBef>
-            <a:spcAft>
-              <a:spcPct val="15000"/>
-            </a:spcAft>
-            <a:buChar char="•"/>
-          </a:pPr>
-          <a:r>
-            <a:rPr lang="en-US" sz="700" kern="1200" dirty="0"/>
-            <a:t>1999 - GPU invented (for games)</a:t>
-          </a:r>
-        </a:p>
-      </dsp:txBody>
-      <dsp:txXfrm>
-        <a:off x="2954833" y="0"/>
-        <a:ext cx="1405532" cy="2167466"/>
-      </dsp:txXfrm>
-    </dsp:sp>
-    <dsp:sp modelId="{460A8920-A8EF-4E80-AC8C-C267A143982D}">
-      <dsp:nvSpPr>
-        <dsp:cNvPr id="0" name=""/>
-        <dsp:cNvSpPr/>
-      </dsp:nvSpPr>
-      <dsp:spPr>
-        <a:xfrm>
-          <a:off x="3386666" y="2438400"/>
-          <a:ext cx="541866" cy="541866"/>
-        </a:xfrm>
-        <a:prstGeom prst="ellipse">
-          <a:avLst/>
-        </a:prstGeom>
-        <a:solidFill>
-          <a:schemeClr val="accent5">
-            <a:hueOff val="4416178"/>
-            <a:satOff val="14379"/>
-            <a:lumOff val="5000"/>
-            <a:alphaOff val="0"/>
-          </a:schemeClr>
-        </a:solidFill>
-        <a:ln>
-          <a:noFill/>
-        </a:ln>
-        <a:effectLst/>
-        <a:scene3d>
-          <a:camera prst="orthographicFront">
-            <a:rot lat="0" lon="0" rev="0"/>
-          </a:camera>
-          <a:lightRig rig="contrasting" dir="t">
-            <a:rot lat="0" lon="0" rev="1200000"/>
-          </a:lightRig>
-        </a:scene3d>
-        <a:sp3d contourW="19050" prstMaterial="metal">
-          <a:bevelT w="88900" h="203200"/>
-          <a:bevelB w="165100" h="254000"/>
-        </a:sp3d>
-      </dsp:spPr>
-      <dsp:style>
-        <a:lnRef idx="0">
-          <a:scrgbClr r="0" g="0" b="0"/>
-        </a:lnRef>
-        <a:fillRef idx="1">
-          <a:scrgbClr r="0" g="0" b="0"/>
-        </a:fillRef>
-        <a:effectRef idx="2">
-          <a:scrgbClr r="0" g="0" b="0"/>
-        </a:effectRef>
-        <a:fontRef idx="minor">
-          <a:schemeClr val="lt1"/>
-        </a:fontRef>
-      </dsp:style>
-    </dsp:sp>
-    <dsp:sp modelId="{FC59B6C5-9DC3-4D26-8976-32785C8EAAB2}">
-      <dsp:nvSpPr>
-        <dsp:cNvPr id="0" name=""/>
-        <dsp:cNvSpPr/>
-      </dsp:nvSpPr>
-      <dsp:spPr>
-        <a:xfrm>
-          <a:off x="4430643" y="3251200"/>
-          <a:ext cx="1405532" cy="2167466"/>
-        </a:xfrm>
-        <a:prstGeom prst="rect">
-          <a:avLst/>
-        </a:prstGeom>
-        <a:noFill/>
-        <a:ln w="6350" cap="flat" cmpd="sng" algn="in">
-          <a:solidFill>
-            <a:schemeClr val="dk1">
-              <a:alpha val="0"/>
-              <a:hueOff val="0"/>
-              <a:satOff val="0"/>
-              <a:lumOff val="0"/>
-              <a:alphaOff val="0"/>
-            </a:schemeClr>
-          </a:solidFill>
-          <a:prstDash val="solid"/>
-        </a:ln>
-        <a:effectLst/>
-      </dsp:spPr>
-      <dsp:style>
-        <a:lnRef idx="1">
-          <a:scrgbClr r="0" g="0" b="0"/>
-        </a:lnRef>
-        <a:fillRef idx="0">
-          <a:scrgbClr r="0" g="0" b="0"/>
-        </a:fillRef>
-        <a:effectRef idx="0">
-          <a:scrgbClr r="0" g="0" b="0"/>
-        </a:effectRef>
-        <a:fontRef idx="minor"/>
-      </dsp:style>
-      <dsp:txBody>
-        <a:bodyPr spcFirstLastPara="0" vert="horz" wrap="square" lIns="64008" tIns="64008" rIns="64008" bIns="64008" numCol="1" spcCol="1270" anchor="t" anchorCtr="1">
-          <a:noAutofit/>
-        </a:bodyPr>
-        <a:lstStyle/>
-        <a:p>
-          <a:pPr marL="0" lvl="0" indent="0" algn="l" defTabSz="400050">
-            <a:lnSpc>
-              <a:spcPct val="90000"/>
-            </a:lnSpc>
-            <a:spcBef>
-              <a:spcPct val="0"/>
-            </a:spcBef>
-            <a:spcAft>
-              <a:spcPct val="35000"/>
-            </a:spcAft>
-            <a:buNone/>
-          </a:pPr>
-          <a:r>
-            <a:rPr lang="en-US" sz="900" kern="1200" dirty="0"/>
-            <a:t>2007 - CUDA - GPU for non-games (finance/statistics)</a:t>
-          </a:r>
-        </a:p>
-        <a:p>
-          <a:pPr marL="57150" lvl="1" indent="-57150" algn="l" defTabSz="311150">
-            <a:lnSpc>
-              <a:spcPct val="90000"/>
-            </a:lnSpc>
-            <a:spcBef>
-              <a:spcPct val="0"/>
-            </a:spcBef>
-            <a:spcAft>
-              <a:spcPct val="15000"/>
-            </a:spcAft>
-            <a:buChar char="•"/>
-          </a:pPr>
-          <a:r>
-            <a:rPr lang="en-US" sz="700" kern="1200" dirty="0"/>
-            <a:t>2010 - First GPU for NN/Deep Learning - Goodfellow ch12.2</a:t>
-          </a:r>
-        </a:p>
-        <a:p>
-          <a:pPr marL="57150" lvl="1" indent="-57150" algn="l" defTabSz="311150">
-            <a:lnSpc>
-              <a:spcPct val="90000"/>
-            </a:lnSpc>
-            <a:spcBef>
-              <a:spcPct val="0"/>
-            </a:spcBef>
-            <a:spcAft>
-              <a:spcPct val="15000"/>
-            </a:spcAft>
-            <a:buChar char="•"/>
-          </a:pPr>
-          <a:r>
-            <a:rPr lang="en-US" sz="700" kern="1200" dirty="0"/>
-            <a:t>2011 - IBM Watson Jeopardy - some ML (NLP)</a:t>
-          </a:r>
-        </a:p>
-        <a:p>
-          <a:pPr marL="57150" lvl="1" indent="-57150" algn="l" defTabSz="311150">
-            <a:lnSpc>
-              <a:spcPct val="90000"/>
-            </a:lnSpc>
-            <a:spcBef>
-              <a:spcPct val="0"/>
-            </a:spcBef>
-            <a:spcAft>
-              <a:spcPct val="15000"/>
-            </a:spcAft>
-            <a:buChar char="•"/>
-          </a:pPr>
-          <a:r>
-            <a:rPr lang="en-US" sz="700" kern="1200" dirty="0"/>
-            <a:t>2016 - Alpha Go - Deep NN</a:t>
-          </a:r>
-        </a:p>
-      </dsp:txBody>
-      <dsp:txXfrm>
-        <a:off x="4430643" y="3251200"/>
-        <a:ext cx="1405532" cy="2167466"/>
-      </dsp:txXfrm>
-    </dsp:sp>
-    <dsp:sp modelId="{595AB3A1-6612-405D-B6ED-3A503CF61BFC}">
-      <dsp:nvSpPr>
-        <dsp:cNvPr id="0" name=""/>
-        <dsp:cNvSpPr/>
-      </dsp:nvSpPr>
-      <dsp:spPr>
-        <a:xfrm>
-          <a:off x="4862476" y="2438400"/>
-          <a:ext cx="541866" cy="541866"/>
-        </a:xfrm>
-        <a:prstGeom prst="ellipse">
-          <a:avLst/>
-        </a:prstGeom>
-        <a:solidFill>
-          <a:schemeClr val="accent5">
-            <a:hueOff val="6624266"/>
-            <a:satOff val="21568"/>
-            <a:lumOff val="7500"/>
-            <a:alphaOff val="0"/>
-          </a:schemeClr>
-        </a:solidFill>
-        <a:ln>
-          <a:noFill/>
-        </a:ln>
-        <a:effectLst/>
-        <a:scene3d>
-          <a:camera prst="orthographicFront">
-            <a:rot lat="0" lon="0" rev="0"/>
-          </a:camera>
-          <a:lightRig rig="contrasting" dir="t">
-            <a:rot lat="0" lon="0" rev="1200000"/>
-          </a:lightRig>
-        </a:scene3d>
-        <a:sp3d contourW="19050" prstMaterial="metal">
-          <a:bevelT w="88900" h="203200"/>
-          <a:bevelB w="165100" h="254000"/>
-        </a:sp3d>
-      </dsp:spPr>
-      <dsp:style>
-        <a:lnRef idx="0">
-          <a:scrgbClr r="0" g="0" b="0"/>
-        </a:lnRef>
-        <a:fillRef idx="1">
-          <a:scrgbClr r="0" g="0" b="0"/>
-        </a:fillRef>
-        <a:effectRef idx="2">
-          <a:scrgbClr r="0" g="0" b="0"/>
-        </a:effectRef>
-        <a:fontRef idx="minor">
-          <a:schemeClr val="lt1"/>
-        </a:fontRef>
-      </dsp:style>
-    </dsp:sp>
-    <dsp:sp modelId="{24BD5AE3-ADFC-440A-B911-C241082DFDAA}">
-      <dsp:nvSpPr>
-        <dsp:cNvPr id="0" name=""/>
-        <dsp:cNvSpPr/>
-      </dsp:nvSpPr>
-      <dsp:spPr>
-        <a:xfrm>
-          <a:off x="5906452" y="0"/>
-          <a:ext cx="1405532" cy="2167466"/>
-        </a:xfrm>
-        <a:prstGeom prst="rect">
-          <a:avLst/>
-        </a:prstGeom>
-        <a:noFill/>
-        <a:ln w="6350" cap="flat" cmpd="sng" algn="in">
-          <a:solidFill>
-            <a:schemeClr val="dk1">
-              <a:alpha val="0"/>
-              <a:hueOff val="0"/>
-              <a:satOff val="0"/>
-              <a:lumOff val="0"/>
-              <a:alphaOff val="0"/>
-            </a:schemeClr>
-          </a:solidFill>
-          <a:prstDash val="solid"/>
-        </a:ln>
-        <a:effectLst/>
-      </dsp:spPr>
-      <dsp:style>
-        <a:lnRef idx="1">
-          <a:scrgbClr r="0" g="0" b="0"/>
-        </a:lnRef>
-        <a:fillRef idx="0">
-          <a:scrgbClr r="0" g="0" b="0"/>
-        </a:fillRef>
-        <a:effectRef idx="0">
-          <a:scrgbClr r="0" g="0" b="0"/>
-        </a:effectRef>
-        <a:fontRef idx="minor"/>
-      </dsp:style>
-      <dsp:txBody>
-        <a:bodyPr spcFirstLastPara="0" vert="horz" wrap="square" lIns="64008" tIns="64008" rIns="64008" bIns="64008" numCol="1" spcCol="1270" anchor="b" anchorCtr="0">
-          <a:noAutofit/>
-        </a:bodyPr>
-        <a:lstStyle/>
-        <a:p>
-          <a:pPr marL="0" lvl="0" indent="0" algn="ctr" defTabSz="400050">
-            <a:lnSpc>
-              <a:spcPct val="90000"/>
-            </a:lnSpc>
-            <a:spcBef>
-              <a:spcPct val="0"/>
-            </a:spcBef>
-            <a:spcAft>
-              <a:spcPct val="35000"/>
-            </a:spcAft>
-            <a:buNone/>
-          </a:pPr>
-          <a:r>
-            <a:rPr lang="en-US" sz="900" kern="1200" dirty="0"/>
-            <a:t>2029 - </a:t>
-          </a:r>
-          <a:r>
-            <a:rPr lang="en-US" sz="900" kern="1200" dirty="0" err="1"/>
-            <a:t>Kurtweil</a:t>
-          </a:r>
-          <a:r>
-            <a:rPr lang="en-US" sz="900" kern="1200" dirty="0"/>
-            <a:t> Prediction!</a:t>
-          </a:r>
-        </a:p>
-      </dsp:txBody>
-      <dsp:txXfrm>
-        <a:off x="5906452" y="0"/>
-        <a:ext cx="1405532" cy="2167466"/>
-      </dsp:txXfrm>
-    </dsp:sp>
-    <dsp:sp modelId="{AA3E9408-1AA5-492B-9503-61C28BEFB9C9}">
-      <dsp:nvSpPr>
-        <dsp:cNvPr id="0" name=""/>
-        <dsp:cNvSpPr/>
-      </dsp:nvSpPr>
-      <dsp:spPr>
-        <a:xfrm>
-          <a:off x="6338285" y="2438400"/>
-          <a:ext cx="541866" cy="541866"/>
-        </a:xfrm>
-        <a:prstGeom prst="ellipse">
-          <a:avLst/>
-        </a:prstGeom>
-        <a:solidFill>
-          <a:schemeClr val="accent5">
-            <a:hueOff val="8832355"/>
-            <a:satOff val="28758"/>
-            <a:lumOff val="10000"/>
-            <a:alphaOff val="0"/>
-          </a:schemeClr>
-        </a:solidFill>
-        <a:ln>
-          <a:noFill/>
-        </a:ln>
-        <a:effectLst/>
-        <a:scene3d>
-          <a:camera prst="orthographicFront">
-            <a:rot lat="0" lon="0" rev="0"/>
-          </a:camera>
-          <a:lightRig rig="contrasting" dir="t">
-            <a:rot lat="0" lon="0" rev="1200000"/>
-          </a:lightRig>
-        </a:scene3d>
-        <a:sp3d contourW="19050" prstMaterial="metal">
-          <a:bevelT w="88900" h="203200"/>
-          <a:bevelB w="165100" h="254000"/>
-        </a:sp3d>
-      </dsp:spPr>
-      <dsp:style>
-        <a:lnRef idx="0">
-          <a:scrgbClr r="0" g="0" b="0"/>
-        </a:lnRef>
-        <a:fillRef idx="1">
-          <a:scrgbClr r="0" g="0" b="0"/>
-        </a:fillRef>
-        <a:effectRef idx="2">
-          <a:scrgbClr r="0" g="0" b="0"/>
-        </a:effectRef>
-        <a:fontRef idx="minor">
-          <a:schemeClr val="lt1"/>
-        </a:fontRef>
-      </dsp:style>
     </dsp:sp>
   </dsp:spTree>
 </dsp:drawing>
@@ -6562,278 +5092,6 @@
         <dgm:else name="Name46"/>
       </dgm:choose>
     </dgm:forEach>
-  </dgm:layoutNode>
-</dgm:layoutDef>
-</file>
-
-<file path=ppt/diagrams/layout2.xml><?xml version="1.0" encoding="utf-8"?>
-<dgm:layoutDef xmlns:dgm="http://schemas.openxmlformats.org/drawingml/2006/diagram" xmlns:a="http://schemas.openxmlformats.org/drawingml/2006/main" uniqueId="urn:microsoft.com/office/officeart/2005/8/layout/hProcess11">
-  <dgm:title val=""/>
-  <dgm:desc val=""/>
-  <dgm:catLst>
-    <dgm:cat type="process" pri="8000"/>
-    <dgm:cat type="convert" pri="14000"/>
-  </dgm:catLst>
-  <dgm:sampData useDef="1">
-    <dgm:dataModel>
-      <dgm:ptLst/>
-      <dgm:bg/>
-      <dgm:whole/>
-    </dgm:dataModel>
-  </dgm:sampData>
-  <dgm:styleData>
-    <dgm:dataModel>
-      <dgm:ptLst>
-        <dgm:pt modelId="0" type="doc"/>
-        <dgm:pt modelId="1"/>
-        <dgm:pt modelId="2"/>
-      </dgm:ptLst>
-      <dgm:cxnLst>
-        <dgm:cxn modelId="4" srcId="0" destId="1" srcOrd="0" destOrd="0"/>
-        <dgm:cxn modelId="5" srcId="0" destId="2" srcOrd="1" destOrd="0"/>
-      </dgm:cxnLst>
-      <dgm:bg/>
-      <dgm:whole/>
-    </dgm:dataModel>
-  </dgm:styleData>
-  <dgm:clrData>
-    <dgm:dataModel>
-      <dgm:ptLst>
-        <dgm:pt modelId="0" type="doc"/>
-        <dgm:pt modelId="1"/>
-        <dgm:pt modelId="2"/>
-        <dgm:pt modelId="3"/>
-        <dgm:pt modelId="4"/>
-      </dgm:ptLst>
-      <dgm:cxnLst>
-        <dgm:cxn modelId="5" srcId="0" destId="1" srcOrd="0" destOrd="0"/>
-        <dgm:cxn modelId="6" srcId="0" destId="2" srcOrd="1" destOrd="0"/>
-        <dgm:cxn modelId="7" srcId="0" destId="3" srcOrd="2" destOrd="0"/>
-        <dgm:cxn modelId="8" srcId="0" destId="4" srcOrd="3" destOrd="0"/>
-      </dgm:cxnLst>
-      <dgm:bg/>
-      <dgm:whole/>
-    </dgm:dataModel>
-  </dgm:clrData>
-  <dgm:layoutNode name="Name0">
-    <dgm:varLst>
-      <dgm:dir/>
-      <dgm:resizeHandles val="exact"/>
-    </dgm:varLst>
-    <dgm:alg type="composite"/>
-    <dgm:shape xmlns:r="http://schemas.openxmlformats.org/officeDocument/2006/relationships" r:blip="">
-      <dgm:adjLst/>
-    </dgm:shape>
-    <dgm:presOf/>
-    <dgm:choose name="Name1">
-      <dgm:if name="Name2" func="var" arg="dir" op="equ" val="norm">
-        <dgm:constrLst>
-          <dgm:constr type="w" for="ch" forName="arrow" refType="w"/>
-          <dgm:constr type="h" for="ch" forName="arrow" refType="h" fact="0.4"/>
-          <dgm:constr type="ctrY" for="ch" forName="arrow" refType="h" fact="0.5"/>
-          <dgm:constr type="l" for="ch" forName="arrow"/>
-          <dgm:constr type="w" for="ch" forName="points" refType="w" fact="0.9"/>
-          <dgm:constr type="h" for="ch" forName="points" refType="h"/>
-          <dgm:constr type="t" for="ch" forName="points"/>
-          <dgm:constr type="l" for="ch" forName="points"/>
-        </dgm:constrLst>
-      </dgm:if>
-      <dgm:else name="Name3">
-        <dgm:constrLst>
-          <dgm:constr type="w" for="ch" forName="arrow" refType="w"/>
-          <dgm:constr type="h" for="ch" forName="arrow" refType="h" fact="0.4"/>
-          <dgm:constr type="ctrY" for="ch" forName="arrow" refType="h" fact="0.5"/>
-          <dgm:constr type="r" for="ch" forName="arrow" refType="w"/>
-          <dgm:constr type="w" for="ch" forName="points" refType="w" fact="0.9"/>
-          <dgm:constr type="h" for="ch" forName="points" refType="h"/>
-          <dgm:constr type="t" for="ch" forName="points"/>
-          <dgm:constr type="r" for="ch" forName="points" refType="w"/>
-        </dgm:constrLst>
-      </dgm:else>
-    </dgm:choose>
-    <dgm:ruleLst/>
-    <dgm:layoutNode name="arrow" styleLbl="bgShp">
-      <dgm:alg type="sp"/>
-      <dgm:choose name="Name4">
-        <dgm:if name="Name5" func="var" arg="dir" op="equ" val="norm">
-          <dgm:shape xmlns:r="http://schemas.openxmlformats.org/officeDocument/2006/relationships" type="notchedRightArrow" r:blip="">
-            <dgm:adjLst/>
-          </dgm:shape>
-        </dgm:if>
-        <dgm:else name="Name6">
-          <dgm:shape xmlns:r="http://schemas.openxmlformats.org/officeDocument/2006/relationships" rot="180" type="notchedRightArrow" r:blip="">
-            <dgm:adjLst/>
-          </dgm:shape>
-        </dgm:else>
-      </dgm:choose>
-      <dgm:presOf/>
-      <dgm:constrLst/>
-      <dgm:ruleLst/>
-    </dgm:layoutNode>
-    <dgm:layoutNode name="points">
-      <dgm:choose name="Name7">
-        <dgm:if name="Name8" func="var" arg="dir" op="equ" val="norm">
-          <dgm:alg type="lin">
-            <dgm:param type="linDir" val="fromL"/>
-          </dgm:alg>
-        </dgm:if>
-        <dgm:else name="Name9">
-          <dgm:alg type="lin">
-            <dgm:param type="linDir" val="fromR"/>
-          </dgm:alg>
-        </dgm:else>
-      </dgm:choose>
-      <dgm:shape xmlns:r="http://schemas.openxmlformats.org/officeDocument/2006/relationships" r:blip="">
-        <dgm:adjLst/>
-      </dgm:shape>
-      <dgm:presOf/>
-      <dgm:constrLst>
-        <dgm:constr type="w" for="ch" forName="compositeA" refType="w"/>
-        <dgm:constr type="h" for="ch" forName="compositeA" refType="h"/>
-        <dgm:constr type="w" for="ch" forName="compositeB" refType="w" refFor="ch" refForName="compositeA" op="equ"/>
-        <dgm:constr type="h" for="ch" forName="compositeB" refType="h" refFor="ch" refForName="compositeA" op="equ"/>
-        <dgm:constr type="primFontSz" for="des" ptType="node" op="equ" val="65"/>
-        <dgm:constr type="w" for="ch" forName="space" refType="w" refFor="ch" refForName="compositeA" op="equ" fact="0.05"/>
-      </dgm:constrLst>
-      <dgm:ruleLst/>
-      <dgm:forEach name="Name10" axis="ch" ptType="node">
-        <dgm:choose name="Name11">
-          <dgm:if name="Name12" axis="self" ptType="node" func="posOdd" op="equ" val="1">
-            <dgm:layoutNode name="compositeA">
-              <dgm:alg type="composite"/>
-              <dgm:shape xmlns:r="http://schemas.openxmlformats.org/officeDocument/2006/relationships" r:blip="">
-                <dgm:adjLst/>
-              </dgm:shape>
-              <dgm:presOf/>
-              <dgm:constrLst>
-                <dgm:constr type="w" for="ch" forName="textA" refType="w"/>
-                <dgm:constr type="h" for="ch" forName="textA" refType="h" fact="0.4"/>
-                <dgm:constr type="t" for="ch" forName="textA"/>
-                <dgm:constr type="l" for="ch" forName="textA"/>
-                <dgm:constr type="h" for="ch" forName="circleA" refType="h" fact="0.1"/>
-                <dgm:constr type="h" for="ch" forName="circleA" refType="w" op="lte"/>
-                <dgm:constr type="w" for="ch" forName="circleA" refType="h" refFor="ch" refForName="circleA" op="equ"/>
-                <dgm:constr type="ctrY" for="ch" forName="circleA" refType="h" fact="0.5"/>
-                <dgm:constr type="ctrX" for="ch" forName="circleA" refType="w" refFor="ch" refForName="textA" fact="0.5"/>
-                <dgm:constr type="w" for="ch" forName="spaceA" refType="w"/>
-                <dgm:constr type="h" for="ch" forName="spaceA" refType="h" fact="0.4"/>
-                <dgm:constr type="b" for="ch" forName="spaceA" refType="h"/>
-                <dgm:constr type="l" for="ch" forName="spaceA"/>
-              </dgm:constrLst>
-              <dgm:ruleLst/>
-              <dgm:layoutNode name="textA" styleLbl="revTx">
-                <dgm:varLst>
-                  <dgm:bulletEnabled val="1"/>
-                </dgm:varLst>
-                <dgm:alg type="tx">
-                  <dgm:param type="txAnchorVert" val="b"/>
-                  <dgm:param type="txAnchorVertCh" val="b"/>
-                  <dgm:param type="txAnchorHorzCh" val="ctr"/>
-                </dgm:alg>
-                <dgm:shape xmlns:r="http://schemas.openxmlformats.org/officeDocument/2006/relationships" type="rect" r:blip="">
-                  <dgm:adjLst/>
-                </dgm:shape>
-                <dgm:presOf axis="desOrSelf" ptType="node"/>
-                <dgm:constrLst/>
-                <dgm:ruleLst>
-                  <dgm:rule type="primFontSz" val="5" fact="NaN" max="NaN"/>
-                </dgm:ruleLst>
-              </dgm:layoutNode>
-              <dgm:layoutNode name="circleA">
-                <dgm:alg type="sp"/>
-                <dgm:shape xmlns:r="http://schemas.openxmlformats.org/officeDocument/2006/relationships" type="ellipse" r:blip="">
-                  <dgm:adjLst/>
-                </dgm:shape>
-                <dgm:presOf/>
-                <dgm:constrLst/>
-                <dgm:ruleLst/>
-              </dgm:layoutNode>
-              <dgm:layoutNode name="spaceA">
-                <dgm:alg type="sp"/>
-                <dgm:shape xmlns:r="http://schemas.openxmlformats.org/officeDocument/2006/relationships" r:blip="">
-                  <dgm:adjLst/>
-                </dgm:shape>
-                <dgm:presOf/>
-                <dgm:constrLst/>
-                <dgm:ruleLst/>
-              </dgm:layoutNode>
-            </dgm:layoutNode>
-          </dgm:if>
-          <dgm:else name="Name13">
-            <dgm:layoutNode name="compositeB">
-              <dgm:alg type="composite"/>
-              <dgm:shape xmlns:r="http://schemas.openxmlformats.org/officeDocument/2006/relationships" r:blip="">
-                <dgm:adjLst/>
-              </dgm:shape>
-              <dgm:presOf/>
-              <dgm:constrLst>
-                <dgm:constr type="w" for="ch" forName="textB" refType="w"/>
-                <dgm:constr type="h" for="ch" forName="textB" refType="h" fact="0.4"/>
-                <dgm:constr type="b" for="ch" forName="textB" refType="h"/>
-                <dgm:constr type="l" for="ch" forName="textB"/>
-                <dgm:constr type="h" for="ch" forName="circleB" refType="h" fact="0.1"/>
-                <dgm:constr type="w" for="ch" forName="circleB" refType="h" refFor="ch" refForName="circleB" op="equ"/>
-                <dgm:constr type="h" for="ch" forName="circleB" refType="w" op="lte"/>
-                <dgm:constr type="ctrY" for="ch" forName="circleB" refType="h" fact="0.5"/>
-                <dgm:constr type="ctrX" for="ch" forName="circleB" refType="w" refFor="ch" refForName="textB" fact="0.5"/>
-                <dgm:constr type="w" for="ch" forName="spaceB" refType="w"/>
-                <dgm:constr type="h" for="ch" forName="spaceB" refType="h" fact="0.4"/>
-                <dgm:constr type="t" for="ch" forName="spaceB"/>
-                <dgm:constr type="l" for="ch" forName="spaceB"/>
-              </dgm:constrLst>
-              <dgm:ruleLst/>
-              <dgm:layoutNode name="textB" styleLbl="revTx">
-                <dgm:varLst>
-                  <dgm:bulletEnabled val="1"/>
-                </dgm:varLst>
-                <dgm:alg type="tx">
-                  <dgm:param type="txAnchorVert" val="t"/>
-                  <dgm:param type="txAnchorVertCh" val="t"/>
-                  <dgm:param type="txAnchorHorzCh" val="ctr"/>
-                </dgm:alg>
-                <dgm:shape xmlns:r="http://schemas.openxmlformats.org/officeDocument/2006/relationships" type="rect" r:blip="">
-                  <dgm:adjLst/>
-                </dgm:shape>
-                <dgm:presOf axis="desOrSelf" ptType="node"/>
-                <dgm:constrLst/>
-                <dgm:ruleLst>
-                  <dgm:rule type="primFontSz" val="5" fact="NaN" max="NaN"/>
-                </dgm:ruleLst>
-              </dgm:layoutNode>
-              <dgm:layoutNode name="circleB">
-                <dgm:alg type="sp"/>
-                <dgm:shape xmlns:r="http://schemas.openxmlformats.org/officeDocument/2006/relationships" type="ellipse" r:blip="">
-                  <dgm:adjLst/>
-                </dgm:shape>
-                <dgm:presOf/>
-                <dgm:constrLst/>
-                <dgm:ruleLst/>
-              </dgm:layoutNode>
-              <dgm:layoutNode name="spaceB">
-                <dgm:alg type="sp"/>
-                <dgm:shape xmlns:r="http://schemas.openxmlformats.org/officeDocument/2006/relationships" r:blip="">
-                  <dgm:adjLst/>
-                </dgm:shape>
-                <dgm:presOf/>
-                <dgm:constrLst/>
-                <dgm:ruleLst/>
-              </dgm:layoutNode>
-            </dgm:layoutNode>
-          </dgm:else>
-        </dgm:choose>
-        <dgm:forEach name="Name14" axis="followSib" ptType="sibTrans" cnt="1">
-          <dgm:layoutNode name="space">
-            <dgm:alg type="sp"/>
-            <dgm:shape xmlns:r="http://schemas.openxmlformats.org/officeDocument/2006/relationships" r:blip="">
-              <dgm:adjLst/>
-            </dgm:shape>
-            <dgm:presOf/>
-            <dgm:constrLst/>
-            <dgm:ruleLst/>
-          </dgm:layoutNode>
-        </dgm:forEach>
-      </dgm:forEach>
-    </dgm:layoutNode>
   </dgm:layoutNode>
 </dgm:layoutDef>
 </file>
@@ -7872,1336 +6130,6 @@
 </dgm:styleDef>
 </file>
 
-<file path=ppt/diagrams/quickStyle2.xml><?xml version="1.0" encoding="utf-8"?>
-<dgm:styleDef xmlns:dgm="http://schemas.openxmlformats.org/drawingml/2006/diagram" xmlns:a="http://schemas.openxmlformats.org/drawingml/2006/main" uniqueId="urn:microsoft.com/office/officeart/2005/8/quickstyle/3d3">
-  <dgm:title val=""/>
-  <dgm:desc val=""/>
-  <dgm:catLst>
-    <dgm:cat type="3D" pri="11300"/>
-  </dgm:catLst>
-  <dgm:scene3d>
-    <a:camera prst="orthographicFront"/>
-    <a:lightRig rig="threePt" dir="t"/>
-  </dgm:scene3d>
-  <dgm:styleLbl name="node0">
-    <dgm:scene3d>
-      <a:camera prst="orthographicFront">
-        <a:rot lat="0" lon="0" rev="0"/>
-      </a:camera>
-      <a:lightRig rig="contrasting" dir="t">
-        <a:rot lat="0" lon="0" rev="1200000"/>
-      </a:lightRig>
-    </dgm:scene3d>
-    <dgm:sp3d contourW="19050" prstMaterial="metal">
-      <a:bevelT w="88900" h="203200"/>
-      <a:bevelB w="165100" h="254000"/>
-    </dgm:sp3d>
-    <dgm:txPr/>
-    <dgm:style>
-      <a:lnRef idx="0">
-        <a:scrgbClr r="0" g="0" b="0"/>
-      </a:lnRef>
-      <a:fillRef idx="1">
-        <a:scrgbClr r="0" g="0" b="0"/>
-      </a:fillRef>
-      <a:effectRef idx="1">
-        <a:scrgbClr r="0" g="0" b="0"/>
-      </a:effectRef>
-      <a:fontRef idx="minor">
-        <a:schemeClr val="lt1"/>
-      </a:fontRef>
-    </dgm:style>
-  </dgm:styleLbl>
-  <dgm:styleLbl name="lnNode1">
-    <dgm:scene3d>
-      <a:camera prst="orthographicFront">
-        <a:rot lat="0" lon="0" rev="0"/>
-      </a:camera>
-      <a:lightRig rig="contrasting" dir="t">
-        <a:rot lat="0" lon="0" rev="1200000"/>
-      </a:lightRig>
-    </dgm:scene3d>
-    <dgm:sp3d contourW="19050" prstMaterial="metal">
-      <a:bevelT w="88900" h="203200"/>
-      <a:bevelB w="165100" h="254000"/>
-    </dgm:sp3d>
-    <dgm:txPr/>
-    <dgm:style>
-      <a:lnRef idx="0">
-        <a:scrgbClr r="0" g="0" b="0"/>
-      </a:lnRef>
-      <a:fillRef idx="1">
-        <a:scrgbClr r="0" g="0" b="0"/>
-      </a:fillRef>
-      <a:effectRef idx="1">
-        <a:scrgbClr r="0" g="0" b="0"/>
-      </a:effectRef>
-      <a:fontRef idx="minor">
-        <a:schemeClr val="lt1"/>
-      </a:fontRef>
-    </dgm:style>
-  </dgm:styleLbl>
-  <dgm:styleLbl name="vennNode1">
-    <dgm:scene3d>
-      <a:camera prst="orthographicFront">
-        <a:rot lat="0" lon="0" rev="0"/>
-      </a:camera>
-      <a:lightRig rig="contrasting" dir="t">
-        <a:rot lat="0" lon="0" rev="1200000"/>
-      </a:lightRig>
-    </dgm:scene3d>
-    <dgm:sp3d contourW="12700" prstMaterial="clear">
-      <a:bevelT w="177800" h="254000"/>
-      <a:bevelB w="152400"/>
-    </dgm:sp3d>
-    <dgm:txPr/>
-    <dgm:style>
-      <a:lnRef idx="0">
-        <a:scrgbClr r="0" g="0" b="0"/>
-      </a:lnRef>
-      <a:fillRef idx="1">
-        <a:scrgbClr r="0" g="0" b="0"/>
-      </a:fillRef>
-      <a:effectRef idx="0">
-        <a:scrgbClr r="0" g="0" b="0"/>
-      </a:effectRef>
-      <a:fontRef idx="minor">
-        <a:schemeClr val="tx1"/>
-      </a:fontRef>
-    </dgm:style>
-  </dgm:styleLbl>
-  <dgm:styleLbl name="alignNode1">
-    <dgm:scene3d>
-      <a:camera prst="orthographicFront">
-        <a:rot lat="0" lon="0" rev="0"/>
-      </a:camera>
-      <a:lightRig rig="contrasting" dir="t">
-        <a:rot lat="0" lon="0" rev="1200000"/>
-      </a:lightRig>
-    </dgm:scene3d>
-    <dgm:sp3d contourW="19050" prstMaterial="metal">
-      <a:bevelT w="88900" h="203200"/>
-      <a:bevelB w="165100" h="254000"/>
-    </dgm:sp3d>
-    <dgm:txPr/>
-    <dgm:style>
-      <a:lnRef idx="0">
-        <a:scrgbClr r="0" g="0" b="0"/>
-      </a:lnRef>
-      <a:fillRef idx="1">
-        <a:scrgbClr r="0" g="0" b="0"/>
-      </a:fillRef>
-      <a:effectRef idx="2">
-        <a:scrgbClr r="0" g="0" b="0"/>
-      </a:effectRef>
-      <a:fontRef idx="minor">
-        <a:schemeClr val="lt1"/>
-      </a:fontRef>
-    </dgm:style>
-  </dgm:styleLbl>
-  <dgm:styleLbl name="node1">
-    <dgm:scene3d>
-      <a:camera prst="orthographicFront">
-        <a:rot lat="0" lon="0" rev="0"/>
-      </a:camera>
-      <a:lightRig rig="contrasting" dir="t">
-        <a:rot lat="0" lon="0" rev="1200000"/>
-      </a:lightRig>
-    </dgm:scene3d>
-    <dgm:sp3d contourW="19050" prstMaterial="metal">
-      <a:bevelT w="88900" h="203200"/>
-      <a:bevelB w="165100" h="254000"/>
-    </dgm:sp3d>
-    <dgm:txPr/>
-    <dgm:style>
-      <a:lnRef idx="0">
-        <a:scrgbClr r="0" g="0" b="0"/>
-      </a:lnRef>
-      <a:fillRef idx="1">
-        <a:scrgbClr r="0" g="0" b="0"/>
-      </a:fillRef>
-      <a:effectRef idx="2">
-        <a:scrgbClr r="0" g="0" b="0"/>
-      </a:effectRef>
-      <a:fontRef idx="minor">
-        <a:schemeClr val="lt1"/>
-      </a:fontRef>
-    </dgm:style>
-  </dgm:styleLbl>
-  <dgm:styleLbl name="node2">
-    <dgm:scene3d>
-      <a:camera prst="orthographicFront">
-        <a:rot lat="0" lon="0" rev="0"/>
-      </a:camera>
-      <a:lightRig rig="contrasting" dir="t">
-        <a:rot lat="0" lon="0" rev="1200000"/>
-      </a:lightRig>
-    </dgm:scene3d>
-    <dgm:sp3d contourW="19050" prstMaterial="metal">
-      <a:bevelT w="88900" h="203200"/>
-      <a:bevelB w="165100" h="254000"/>
-    </dgm:sp3d>
-    <dgm:txPr/>
-    <dgm:style>
-      <a:lnRef idx="0">
-        <a:scrgbClr r="0" g="0" b="0"/>
-      </a:lnRef>
-      <a:fillRef idx="1">
-        <a:scrgbClr r="0" g="0" b="0"/>
-      </a:fillRef>
-      <a:effectRef idx="1">
-        <a:scrgbClr r="0" g="0" b="0"/>
-      </a:effectRef>
-      <a:fontRef idx="minor">
-        <a:schemeClr val="lt1"/>
-      </a:fontRef>
-    </dgm:style>
-  </dgm:styleLbl>
-  <dgm:styleLbl name="node3">
-    <dgm:scene3d>
-      <a:camera prst="orthographicFront">
-        <a:rot lat="0" lon="0" rev="0"/>
-      </a:camera>
-      <a:lightRig rig="contrasting" dir="t">
-        <a:rot lat="0" lon="0" rev="1200000"/>
-      </a:lightRig>
-    </dgm:scene3d>
-    <dgm:sp3d contourW="19050" prstMaterial="metal">
-      <a:bevelT w="88900" h="203200"/>
-      <a:bevelB w="165100" h="254000"/>
-    </dgm:sp3d>
-    <dgm:txPr/>
-    <dgm:style>
-      <a:lnRef idx="0">
-        <a:scrgbClr r="0" g="0" b="0"/>
-      </a:lnRef>
-      <a:fillRef idx="1">
-        <a:scrgbClr r="0" g="0" b="0"/>
-      </a:fillRef>
-      <a:effectRef idx="1">
-        <a:scrgbClr r="0" g="0" b="0"/>
-      </a:effectRef>
-      <a:fontRef idx="minor">
-        <a:schemeClr val="lt1"/>
-      </a:fontRef>
-    </dgm:style>
-  </dgm:styleLbl>
-  <dgm:styleLbl name="node4">
-    <dgm:scene3d>
-      <a:camera prst="orthographicFront">
-        <a:rot lat="0" lon="0" rev="0"/>
-      </a:camera>
-      <a:lightRig rig="contrasting" dir="t">
-        <a:rot lat="0" lon="0" rev="1200000"/>
-      </a:lightRig>
-    </dgm:scene3d>
-    <dgm:sp3d contourW="19050" prstMaterial="metal">
-      <a:bevelT w="88900" h="203200"/>
-      <a:bevelB w="165100" h="254000"/>
-    </dgm:sp3d>
-    <dgm:txPr/>
-    <dgm:style>
-      <a:lnRef idx="0">
-        <a:scrgbClr r="0" g="0" b="0"/>
-      </a:lnRef>
-      <a:fillRef idx="1">
-        <a:scrgbClr r="0" g="0" b="0"/>
-      </a:fillRef>
-      <a:effectRef idx="1">
-        <a:scrgbClr r="0" g="0" b="0"/>
-      </a:effectRef>
-      <a:fontRef idx="minor">
-        <a:schemeClr val="lt1"/>
-      </a:fontRef>
-    </dgm:style>
-  </dgm:styleLbl>
-  <dgm:styleLbl name="fgImgPlace1">
-    <dgm:scene3d>
-      <a:camera prst="orthographicFront">
-        <a:rot lat="0" lon="0" rev="0"/>
-      </a:camera>
-      <a:lightRig rig="contrasting" dir="t">
-        <a:rot lat="0" lon="0" rev="1200000"/>
-      </a:lightRig>
-    </dgm:scene3d>
-    <dgm:sp3d z="300000" contourW="19050" prstMaterial="metal">
-      <a:bevelT w="88900" h="203200"/>
-      <a:bevelB w="165100" h="254000"/>
-    </dgm:sp3d>
-    <dgm:txPr/>
-    <dgm:style>
-      <a:lnRef idx="0">
-        <a:scrgbClr r="0" g="0" b="0"/>
-      </a:lnRef>
-      <a:fillRef idx="1">
-        <a:scrgbClr r="0" g="0" b="0"/>
-      </a:fillRef>
-      <a:effectRef idx="1">
-        <a:scrgbClr r="0" g="0" b="0"/>
-      </a:effectRef>
-      <a:fontRef idx="minor"/>
-    </dgm:style>
-  </dgm:styleLbl>
-  <dgm:styleLbl name="alignImgPlace1">
-    <dgm:scene3d>
-      <a:camera prst="orthographicFront">
-        <a:rot lat="0" lon="0" rev="0"/>
-      </a:camera>
-      <a:lightRig rig="contrasting" dir="t">
-        <a:rot lat="0" lon="0" rev="1200000"/>
-      </a:lightRig>
-    </dgm:scene3d>
-    <dgm:sp3d contourW="12700" prstMaterial="flat">
-      <a:bevelT w="177800" h="254000"/>
-      <a:bevelB w="152400"/>
-    </dgm:sp3d>
-    <dgm:txPr/>
-    <dgm:style>
-      <a:lnRef idx="0">
-        <a:scrgbClr r="0" g="0" b="0"/>
-      </a:lnRef>
-      <a:fillRef idx="1">
-        <a:scrgbClr r="0" g="0" b="0"/>
-      </a:fillRef>
-      <a:effectRef idx="1">
-        <a:scrgbClr r="0" g="0" b="0"/>
-      </a:effectRef>
-      <a:fontRef idx="minor"/>
-    </dgm:style>
-  </dgm:styleLbl>
-  <dgm:styleLbl name="bgImgPlace1">
-    <dgm:scene3d>
-      <a:camera prst="orthographicFront">
-        <a:rot lat="0" lon="0" rev="0"/>
-      </a:camera>
-      <a:lightRig rig="contrasting" dir="t">
-        <a:rot lat="0" lon="0" rev="1200000"/>
-      </a:lightRig>
-    </dgm:scene3d>
-    <dgm:sp3d z="-300000" contourW="19050" prstMaterial="metal">
-      <a:bevelT w="88900" h="203200"/>
-      <a:bevelB w="165100" h="254000"/>
-    </dgm:sp3d>
-    <dgm:txPr/>
-    <dgm:style>
-      <a:lnRef idx="0">
-        <a:scrgbClr r="0" g="0" b="0"/>
-      </a:lnRef>
-      <a:fillRef idx="1">
-        <a:scrgbClr r="0" g="0" b="0"/>
-      </a:fillRef>
-      <a:effectRef idx="1">
-        <a:scrgbClr r="0" g="0" b="0"/>
-      </a:effectRef>
-      <a:fontRef idx="minor"/>
-    </dgm:style>
-  </dgm:styleLbl>
-  <dgm:styleLbl name="sibTrans2D1">
-    <dgm:scene3d>
-      <a:camera prst="orthographicFront">
-        <a:rot lat="0" lon="0" rev="0"/>
-      </a:camera>
-      <a:lightRig rig="contrasting" dir="t">
-        <a:rot lat="0" lon="0" rev="1200000"/>
-      </a:lightRig>
-    </dgm:scene3d>
-    <dgm:sp3d z="-182000" contourW="19050" prstMaterial="metal">
-      <a:bevelT w="88900" h="203200"/>
-      <a:bevelB w="165100" h="254000"/>
-    </dgm:sp3d>
-    <dgm:txPr/>
-    <dgm:style>
-      <a:lnRef idx="0">
-        <a:scrgbClr r="0" g="0" b="0"/>
-      </a:lnRef>
-      <a:fillRef idx="1">
-        <a:scrgbClr r="0" g="0" b="0"/>
-      </a:fillRef>
-      <a:effectRef idx="0">
-        <a:scrgbClr r="0" g="0" b="0"/>
-      </a:effectRef>
-      <a:fontRef idx="minor">
-        <a:schemeClr val="lt1"/>
-      </a:fontRef>
-    </dgm:style>
-  </dgm:styleLbl>
-  <dgm:styleLbl name="fgSibTrans2D1">
-    <dgm:scene3d>
-      <a:camera prst="orthographicFront">
-        <a:rot lat="0" lon="0" rev="0"/>
-      </a:camera>
-      <a:lightRig rig="contrasting" dir="t">
-        <a:rot lat="0" lon="0" rev="1200000"/>
-      </a:lightRig>
-    </dgm:scene3d>
-    <dgm:sp3d z="300000" contourW="19050" prstMaterial="metal">
-      <a:bevelT w="88900" h="203200"/>
-      <a:bevelB w="165100" h="254000"/>
-    </dgm:sp3d>
-    <dgm:txPr/>
-    <dgm:style>
-      <a:lnRef idx="0">
-        <a:scrgbClr r="0" g="0" b="0"/>
-      </a:lnRef>
-      <a:fillRef idx="1">
-        <a:scrgbClr r="0" g="0" b="0"/>
-      </a:fillRef>
-      <a:effectRef idx="0">
-        <a:scrgbClr r="0" g="0" b="0"/>
-      </a:effectRef>
-      <a:fontRef idx="minor"/>
-    </dgm:style>
-  </dgm:styleLbl>
-  <dgm:styleLbl name="bgSibTrans2D1">
-    <dgm:scene3d>
-      <a:camera prst="orthographicFront">
-        <a:rot lat="0" lon="0" rev="0"/>
-      </a:camera>
-      <a:lightRig rig="contrasting" dir="t">
-        <a:rot lat="0" lon="0" rev="1200000"/>
-      </a:lightRig>
-    </dgm:scene3d>
-    <dgm:sp3d z="-300000" contourW="19050" prstMaterial="metal">
-      <a:bevelT w="88900" h="203200"/>
-      <a:bevelB w="165100" h="254000"/>
-    </dgm:sp3d>
-    <dgm:txPr/>
-    <dgm:style>
-      <a:lnRef idx="0">
-        <a:scrgbClr r="0" g="0" b="0"/>
-      </a:lnRef>
-      <a:fillRef idx="1">
-        <a:scrgbClr r="0" g="0" b="0"/>
-      </a:fillRef>
-      <a:effectRef idx="0">
-        <a:scrgbClr r="0" g="0" b="0"/>
-      </a:effectRef>
-      <a:fontRef idx="minor"/>
-    </dgm:style>
-  </dgm:styleLbl>
-  <dgm:styleLbl name="sibTrans1D1">
-    <dgm:scene3d>
-      <a:camera prst="orthographicFront">
-        <a:rot lat="0" lon="0" rev="0"/>
-      </a:camera>
-      <a:lightRig rig="contrasting" dir="t">
-        <a:rot lat="0" lon="0" rev="1200000"/>
-      </a:lightRig>
-    </dgm:scene3d>
-    <dgm:sp3d z="-110000"/>
-    <dgm:txPr/>
-    <dgm:style>
-      <a:lnRef idx="1">
-        <a:scrgbClr r="0" g="0" b="0"/>
-      </a:lnRef>
-      <a:fillRef idx="0">
-        <a:scrgbClr r="0" g="0" b="0"/>
-      </a:fillRef>
-      <a:effectRef idx="0">
-        <a:scrgbClr r="0" g="0" b="0"/>
-      </a:effectRef>
-      <a:fontRef idx="minor"/>
-    </dgm:style>
-  </dgm:styleLbl>
-  <dgm:styleLbl name="callout">
-    <dgm:scene3d>
-      <a:camera prst="orthographicFront">
-        <a:rot lat="0" lon="0" rev="0"/>
-      </a:camera>
-      <a:lightRig rig="contrasting" dir="t">
-        <a:rot lat="0" lon="0" rev="1200000"/>
-      </a:lightRig>
-    </dgm:scene3d>
-    <dgm:sp3d z="10000"/>
-    <dgm:txPr/>
-    <dgm:style>
-      <a:lnRef idx="2">
-        <a:scrgbClr r="0" g="0" b="0"/>
-      </a:lnRef>
-      <a:fillRef idx="1">
-        <a:scrgbClr r="0" g="0" b="0"/>
-      </a:fillRef>
-      <a:effectRef idx="0">
-        <a:scrgbClr r="0" g="0" b="0"/>
-      </a:effectRef>
-      <a:fontRef idx="minor"/>
-    </dgm:style>
-  </dgm:styleLbl>
-  <dgm:styleLbl name="asst0">
-    <dgm:scene3d>
-      <a:camera prst="orthographicFront">
-        <a:rot lat="0" lon="0" rev="0"/>
-      </a:camera>
-      <a:lightRig rig="contrasting" dir="t">
-        <a:rot lat="0" lon="0" rev="1200000"/>
-      </a:lightRig>
-    </dgm:scene3d>
-    <dgm:sp3d contourW="19050" prstMaterial="metal">
-      <a:bevelT w="88900" h="203200"/>
-      <a:bevelB w="165100" h="254000"/>
-    </dgm:sp3d>
-    <dgm:txPr/>
-    <dgm:style>
-      <a:lnRef idx="0">
-        <a:scrgbClr r="0" g="0" b="0"/>
-      </a:lnRef>
-      <a:fillRef idx="1">
-        <a:scrgbClr r="0" g="0" b="0"/>
-      </a:fillRef>
-      <a:effectRef idx="1">
-        <a:scrgbClr r="0" g="0" b="0"/>
-      </a:effectRef>
-      <a:fontRef idx="minor">
-        <a:schemeClr val="lt1"/>
-      </a:fontRef>
-    </dgm:style>
-  </dgm:styleLbl>
-  <dgm:styleLbl name="asst1">
-    <dgm:scene3d>
-      <a:camera prst="orthographicFront">
-        <a:rot lat="0" lon="0" rev="0"/>
-      </a:camera>
-      <a:lightRig rig="contrasting" dir="t">
-        <a:rot lat="0" lon="0" rev="1200000"/>
-      </a:lightRig>
-    </dgm:scene3d>
-    <dgm:sp3d contourW="19050" prstMaterial="metal">
-      <a:bevelT w="88900" h="203200"/>
-      <a:bevelB w="165100" h="254000"/>
-    </dgm:sp3d>
-    <dgm:txPr/>
-    <dgm:style>
-      <a:lnRef idx="0">
-        <a:scrgbClr r="0" g="0" b="0"/>
-      </a:lnRef>
-      <a:fillRef idx="1">
-        <a:scrgbClr r="0" g="0" b="0"/>
-      </a:fillRef>
-      <a:effectRef idx="1">
-        <a:scrgbClr r="0" g="0" b="0"/>
-      </a:effectRef>
-      <a:fontRef idx="minor">
-        <a:schemeClr val="lt1"/>
-      </a:fontRef>
-    </dgm:style>
-  </dgm:styleLbl>
-  <dgm:styleLbl name="asst2">
-    <dgm:scene3d>
-      <a:camera prst="orthographicFront">
-        <a:rot lat="0" lon="0" rev="0"/>
-      </a:camera>
-      <a:lightRig rig="contrasting" dir="t">
-        <a:rot lat="0" lon="0" rev="1200000"/>
-      </a:lightRig>
-    </dgm:scene3d>
-    <dgm:sp3d contourW="19050" prstMaterial="metal">
-      <a:bevelT w="88900" h="203200"/>
-      <a:bevelB w="165100" h="254000"/>
-    </dgm:sp3d>
-    <dgm:txPr/>
-    <dgm:style>
-      <a:lnRef idx="0">
-        <a:scrgbClr r="0" g="0" b="0"/>
-      </a:lnRef>
-      <a:fillRef idx="1">
-        <a:scrgbClr r="0" g="0" b="0"/>
-      </a:fillRef>
-      <a:effectRef idx="1">
-        <a:scrgbClr r="0" g="0" b="0"/>
-      </a:effectRef>
-      <a:fontRef idx="minor">
-        <a:schemeClr val="lt1"/>
-      </a:fontRef>
-    </dgm:style>
-  </dgm:styleLbl>
-  <dgm:styleLbl name="asst3">
-    <dgm:scene3d>
-      <a:camera prst="orthographicFront">
-        <a:rot lat="0" lon="0" rev="0"/>
-      </a:camera>
-      <a:lightRig rig="contrasting" dir="t">
-        <a:rot lat="0" lon="0" rev="1200000"/>
-      </a:lightRig>
-    </dgm:scene3d>
-    <dgm:sp3d contourW="19050" prstMaterial="metal">
-      <a:bevelT w="88900" h="203200"/>
-      <a:bevelB w="165100" h="254000"/>
-    </dgm:sp3d>
-    <dgm:txPr/>
-    <dgm:style>
-      <a:lnRef idx="0">
-        <a:scrgbClr r="0" g="0" b="0"/>
-      </a:lnRef>
-      <a:fillRef idx="1">
-        <a:scrgbClr r="0" g="0" b="0"/>
-      </a:fillRef>
-      <a:effectRef idx="1">
-        <a:scrgbClr r="0" g="0" b="0"/>
-      </a:effectRef>
-      <a:fontRef idx="minor">
-        <a:schemeClr val="lt1"/>
-      </a:fontRef>
-    </dgm:style>
-  </dgm:styleLbl>
-  <dgm:styleLbl name="asst4">
-    <dgm:scene3d>
-      <a:camera prst="orthographicFront"/>
-      <a:lightRig rig="threePt" dir="t"/>
-    </dgm:scene3d>
-    <dgm:sp3d contourW="19050" prstMaterial="metal">
-      <a:bevelT w="88900" h="203200"/>
-      <a:bevelB w="165100" h="254000"/>
-    </dgm:sp3d>
-    <dgm:txPr/>
-    <dgm:style>
-      <a:lnRef idx="0">
-        <a:scrgbClr r="0" g="0" b="0"/>
-      </a:lnRef>
-      <a:fillRef idx="1">
-        <a:scrgbClr r="0" g="0" b="0"/>
-      </a:fillRef>
-      <a:effectRef idx="1">
-        <a:scrgbClr r="0" g="0" b="0"/>
-      </a:effectRef>
-      <a:fontRef idx="minor">
-        <a:schemeClr val="lt1"/>
-      </a:fontRef>
-    </dgm:style>
-  </dgm:styleLbl>
-  <dgm:styleLbl name="parChTrans2D1">
-    <dgm:scene3d>
-      <a:camera prst="orthographicFront">
-        <a:rot lat="0" lon="0" rev="0"/>
-      </a:camera>
-      <a:lightRig rig="contrasting" dir="t">
-        <a:rot lat="0" lon="0" rev="1200000"/>
-      </a:lightRig>
-    </dgm:scene3d>
-    <dgm:sp3d contourW="19050" prstMaterial="metal">
-      <a:bevelT w="88900" h="203200"/>
-      <a:bevelB w="165100" h="254000"/>
-    </dgm:sp3d>
-    <dgm:txPr/>
-    <dgm:style>
-      <a:lnRef idx="0">
-        <a:scrgbClr r="0" g="0" b="0"/>
-      </a:lnRef>
-      <a:fillRef idx="1">
-        <a:scrgbClr r="0" g="0" b="0"/>
-      </a:fillRef>
-      <a:effectRef idx="0">
-        <a:scrgbClr r="0" g="0" b="0"/>
-      </a:effectRef>
-      <a:fontRef idx="minor"/>
-    </dgm:style>
-  </dgm:styleLbl>
-  <dgm:styleLbl name="parChTrans2D2">
-    <dgm:scene3d>
-      <a:camera prst="orthographicFront">
-        <a:rot lat="0" lon="0" rev="0"/>
-      </a:camera>
-      <a:lightRig rig="contrasting" dir="t">
-        <a:rot lat="0" lon="0" rev="1200000"/>
-      </a:lightRig>
-    </dgm:scene3d>
-    <dgm:sp3d contourW="19050" prstMaterial="metal">
-      <a:bevelT w="88900" h="203200"/>
-      <a:bevelB w="165100" h="254000"/>
-    </dgm:sp3d>
-    <dgm:txPr/>
-    <dgm:style>
-      <a:lnRef idx="0">
-        <a:scrgbClr r="0" g="0" b="0"/>
-      </a:lnRef>
-      <a:fillRef idx="1">
-        <a:scrgbClr r="0" g="0" b="0"/>
-      </a:fillRef>
-      <a:effectRef idx="0">
-        <a:scrgbClr r="0" g="0" b="0"/>
-      </a:effectRef>
-      <a:fontRef idx="minor"/>
-    </dgm:style>
-  </dgm:styleLbl>
-  <dgm:styleLbl name="parChTrans2D3">
-    <dgm:scene3d>
-      <a:camera prst="orthographicFront">
-        <a:rot lat="0" lon="0" rev="0"/>
-      </a:camera>
-      <a:lightRig rig="contrasting" dir="t">
-        <a:rot lat="0" lon="0" rev="1200000"/>
-      </a:lightRig>
-    </dgm:scene3d>
-    <dgm:sp3d contourW="19050" prstMaterial="metal">
-      <a:bevelT w="88900" h="203200"/>
-      <a:bevelB w="165100" h="254000"/>
-    </dgm:sp3d>
-    <dgm:txPr/>
-    <dgm:style>
-      <a:lnRef idx="0">
-        <a:scrgbClr r="0" g="0" b="0"/>
-      </a:lnRef>
-      <a:fillRef idx="1">
-        <a:scrgbClr r="0" g="0" b="0"/>
-      </a:fillRef>
-      <a:effectRef idx="0">
-        <a:scrgbClr r="0" g="0" b="0"/>
-      </a:effectRef>
-      <a:fontRef idx="minor"/>
-    </dgm:style>
-  </dgm:styleLbl>
-  <dgm:styleLbl name="parChTrans2D4">
-    <dgm:scene3d>
-      <a:camera prst="orthographicFront">
-        <a:rot lat="0" lon="0" rev="0"/>
-      </a:camera>
-      <a:lightRig rig="contrasting" dir="t">
-        <a:rot lat="0" lon="0" rev="1200000"/>
-      </a:lightRig>
-    </dgm:scene3d>
-    <dgm:sp3d contourW="19050" prstMaterial="metal">
-      <a:bevelT w="88900" h="203200"/>
-      <a:bevelB w="165100" h="254000"/>
-    </dgm:sp3d>
-    <dgm:txPr/>
-    <dgm:style>
-      <a:lnRef idx="0">
-        <a:scrgbClr r="0" g="0" b="0"/>
-      </a:lnRef>
-      <a:fillRef idx="1">
-        <a:scrgbClr r="0" g="0" b="0"/>
-      </a:fillRef>
-      <a:effectRef idx="0">
-        <a:scrgbClr r="0" g="0" b="0"/>
-      </a:effectRef>
-      <a:fontRef idx="minor"/>
-    </dgm:style>
-  </dgm:styleLbl>
-  <dgm:styleLbl name="parChTrans1D1">
-    <dgm:scene3d>
-      <a:camera prst="orthographicFront">
-        <a:rot lat="0" lon="0" rev="0"/>
-      </a:camera>
-      <a:lightRig rig="contrasting" dir="t">
-        <a:rot lat="0" lon="0" rev="1200000"/>
-      </a:lightRig>
-    </dgm:scene3d>
-    <dgm:sp3d z="-110000"/>
-    <dgm:txPr/>
-    <dgm:style>
-      <a:lnRef idx="2">
-        <a:scrgbClr r="0" g="0" b="0"/>
-      </a:lnRef>
-      <a:fillRef idx="0">
-        <a:scrgbClr r="0" g="0" b="0"/>
-      </a:fillRef>
-      <a:effectRef idx="0">
-        <a:scrgbClr r="0" g="0" b="0"/>
-      </a:effectRef>
-      <a:fontRef idx="minor"/>
-    </dgm:style>
-  </dgm:styleLbl>
-  <dgm:styleLbl name="parChTrans1D2">
-    <dgm:scene3d>
-      <a:camera prst="orthographicFront">
-        <a:rot lat="0" lon="0" rev="0"/>
-      </a:camera>
-      <a:lightRig rig="contrasting" dir="t">
-        <a:rot lat="0" lon="0" rev="1200000"/>
-      </a:lightRig>
-    </dgm:scene3d>
-    <dgm:sp3d z="-110000"/>
-    <dgm:txPr/>
-    <dgm:style>
-      <a:lnRef idx="2">
-        <a:scrgbClr r="0" g="0" b="0"/>
-      </a:lnRef>
-      <a:fillRef idx="0">
-        <a:scrgbClr r="0" g="0" b="0"/>
-      </a:fillRef>
-      <a:effectRef idx="0">
-        <a:scrgbClr r="0" g="0" b="0"/>
-      </a:effectRef>
-      <a:fontRef idx="minor"/>
-    </dgm:style>
-  </dgm:styleLbl>
-  <dgm:styleLbl name="parChTrans1D3">
-    <dgm:scene3d>
-      <a:camera prst="orthographicFront">
-        <a:rot lat="0" lon="0" rev="0"/>
-      </a:camera>
-      <a:lightRig rig="contrasting" dir="t">
-        <a:rot lat="0" lon="0" rev="1200000"/>
-      </a:lightRig>
-    </dgm:scene3d>
-    <dgm:sp3d z="-110000"/>
-    <dgm:txPr/>
-    <dgm:style>
-      <a:lnRef idx="2">
-        <a:scrgbClr r="0" g="0" b="0"/>
-      </a:lnRef>
-      <a:fillRef idx="0">
-        <a:scrgbClr r="0" g="0" b="0"/>
-      </a:fillRef>
-      <a:effectRef idx="0">
-        <a:scrgbClr r="0" g="0" b="0"/>
-      </a:effectRef>
-      <a:fontRef idx="minor"/>
-    </dgm:style>
-  </dgm:styleLbl>
-  <dgm:styleLbl name="parChTrans1D4">
-    <dgm:scene3d>
-      <a:camera prst="orthographicFront">
-        <a:rot lat="0" lon="0" rev="0"/>
-      </a:camera>
-      <a:lightRig rig="contrasting" dir="t">
-        <a:rot lat="0" lon="0" rev="1200000"/>
-      </a:lightRig>
-    </dgm:scene3d>
-    <dgm:sp3d z="-110000"/>
-    <dgm:txPr/>
-    <dgm:style>
-      <a:lnRef idx="2">
-        <a:scrgbClr r="0" g="0" b="0"/>
-      </a:lnRef>
-      <a:fillRef idx="0">
-        <a:scrgbClr r="0" g="0" b="0"/>
-      </a:fillRef>
-      <a:effectRef idx="0">
-        <a:scrgbClr r="0" g="0" b="0"/>
-      </a:effectRef>
-      <a:fontRef idx="minor"/>
-    </dgm:style>
-  </dgm:styleLbl>
-  <dgm:styleLbl name="fgAcc1">
-    <dgm:scene3d>
-      <a:camera prst="orthographicFront">
-        <a:rot lat="0" lon="0" rev="0"/>
-      </a:camera>
-      <a:lightRig rig="contrasting" dir="t">
-        <a:rot lat="0" lon="0" rev="1200000"/>
-      </a:lightRig>
-    </dgm:scene3d>
-    <dgm:sp3d z="300000" contourW="19050" prstMaterial="metal">
-      <a:bevelT w="88900" h="203200"/>
-      <a:bevelB w="165100" h="254000"/>
-    </dgm:sp3d>
-    <dgm:txPr/>
-    <dgm:style>
-      <a:lnRef idx="0">
-        <a:scrgbClr r="0" g="0" b="0"/>
-      </a:lnRef>
-      <a:fillRef idx="1">
-        <a:scrgbClr r="0" g="0" b="0"/>
-      </a:fillRef>
-      <a:effectRef idx="0">
-        <a:scrgbClr r="0" g="0" b="0"/>
-      </a:effectRef>
-      <a:fontRef idx="minor"/>
-    </dgm:style>
-  </dgm:styleLbl>
-  <dgm:styleLbl name="conFgAcc1">
-    <dgm:scene3d>
-      <a:camera prst="orthographicFront">
-        <a:rot lat="0" lon="0" rev="0"/>
-      </a:camera>
-      <a:lightRig rig="contrasting" dir="t">
-        <a:rot lat="0" lon="0" rev="1200000"/>
-      </a:lightRig>
-    </dgm:scene3d>
-    <dgm:sp3d z="300000" contourW="19050" prstMaterial="metal">
-      <a:bevelT w="88900" h="203200"/>
-      <a:bevelB w="165100" h="254000"/>
-    </dgm:sp3d>
-    <dgm:txPr/>
-    <dgm:style>
-      <a:lnRef idx="0">
-        <a:scrgbClr r="0" g="0" b="0"/>
-      </a:lnRef>
-      <a:fillRef idx="1">
-        <a:scrgbClr r="0" g="0" b="0"/>
-      </a:fillRef>
-      <a:effectRef idx="0">
-        <a:scrgbClr r="0" g="0" b="0"/>
-      </a:effectRef>
-      <a:fontRef idx="minor"/>
-    </dgm:style>
-  </dgm:styleLbl>
-  <dgm:styleLbl name="alignAcc1">
-    <dgm:scene3d>
-      <a:camera prst="orthographicFront">
-        <a:rot lat="0" lon="0" rev="0"/>
-      </a:camera>
-      <a:lightRig rig="contrasting" dir="t">
-        <a:rot lat="0" lon="0" rev="1200000"/>
-      </a:lightRig>
-    </dgm:scene3d>
-    <dgm:sp3d contourW="19050" prstMaterial="metal">
-      <a:bevelT w="88900" h="203200"/>
-      <a:bevelB w="165100" h="254000"/>
-    </dgm:sp3d>
-    <dgm:txPr/>
-    <dgm:style>
-      <a:lnRef idx="0">
-        <a:scrgbClr r="0" g="0" b="0"/>
-      </a:lnRef>
-      <a:fillRef idx="1">
-        <a:scrgbClr r="0" g="0" b="0"/>
-      </a:fillRef>
-      <a:effectRef idx="0">
-        <a:scrgbClr r="0" g="0" b="0"/>
-      </a:effectRef>
-      <a:fontRef idx="minor"/>
-    </dgm:style>
-  </dgm:styleLbl>
-  <dgm:styleLbl name="trAlignAcc1">
-    <dgm:scene3d>
-      <a:camera prst="orthographicFront">
-        <a:rot lat="0" lon="0" rev="0"/>
-      </a:camera>
-      <a:lightRig rig="contrasting" dir="t">
-        <a:rot lat="0" lon="0" rev="1200000"/>
-      </a:lightRig>
-    </dgm:scene3d>
-    <dgm:sp3d contourW="19050" prstMaterial="metal">
-      <a:bevelT w="88900" h="203200"/>
-      <a:bevelB w="165100" h="254000"/>
-    </dgm:sp3d>
-    <dgm:txPr/>
-    <dgm:style>
-      <a:lnRef idx="0">
-        <a:scrgbClr r="0" g="0" b="0"/>
-      </a:lnRef>
-      <a:fillRef idx="1">
-        <a:scrgbClr r="0" g="0" b="0"/>
-      </a:fillRef>
-      <a:effectRef idx="1">
-        <a:scrgbClr r="0" g="0" b="0"/>
-      </a:effectRef>
-      <a:fontRef idx="minor"/>
-    </dgm:style>
-  </dgm:styleLbl>
-  <dgm:styleLbl name="bgAcc1">
-    <dgm:scene3d>
-      <a:camera prst="orthographicFront">
-        <a:rot lat="0" lon="0" rev="0"/>
-      </a:camera>
-      <a:lightRig rig="contrasting" dir="t">
-        <a:rot lat="0" lon="0" rev="1200000"/>
-      </a:lightRig>
-    </dgm:scene3d>
-    <dgm:sp3d z="-300000" contourW="19050" prstMaterial="metal">
-      <a:bevelT w="88900" h="203200"/>
-      <a:bevelB w="165100" h="254000"/>
-    </dgm:sp3d>
-    <dgm:txPr/>
-    <dgm:style>
-      <a:lnRef idx="0">
-        <a:scrgbClr r="0" g="0" b="0"/>
-      </a:lnRef>
-      <a:fillRef idx="1">
-        <a:scrgbClr r="0" g="0" b="0"/>
-      </a:fillRef>
-      <a:effectRef idx="0">
-        <a:scrgbClr r="0" g="0" b="0"/>
-      </a:effectRef>
-      <a:fontRef idx="minor"/>
-    </dgm:style>
-  </dgm:styleLbl>
-  <dgm:styleLbl name="solidFgAcc1">
-    <dgm:scene3d>
-      <a:camera prst="orthographicFront">
-        <a:rot lat="0" lon="0" rev="0"/>
-      </a:camera>
-      <a:lightRig rig="contrasting" dir="t">
-        <a:rot lat="0" lon="0" rev="1200000"/>
-      </a:lightRig>
-    </dgm:scene3d>
-    <dgm:sp3d z="300000" contourW="12700" prstMaterial="flat">
-      <a:bevelT w="177800" h="254000"/>
-      <a:bevelB w="152400"/>
-    </dgm:sp3d>
-    <dgm:txPr/>
-    <dgm:style>
-      <a:lnRef idx="0">
-        <a:scrgbClr r="0" g="0" b="0"/>
-      </a:lnRef>
-      <a:fillRef idx="1">
-        <a:scrgbClr r="0" g="0" b="0"/>
-      </a:fillRef>
-      <a:effectRef idx="0">
-        <a:scrgbClr r="0" g="0" b="0"/>
-      </a:effectRef>
-      <a:fontRef idx="minor"/>
-    </dgm:style>
-  </dgm:styleLbl>
-  <dgm:styleLbl name="solidAlignAcc1">
-    <dgm:scene3d>
-      <a:camera prst="orthographicFront">
-        <a:rot lat="0" lon="0" rev="0"/>
-      </a:camera>
-      <a:lightRig rig="contrasting" dir="t">
-        <a:rot lat="0" lon="0" rev="1200000"/>
-      </a:lightRig>
-    </dgm:scene3d>
-    <dgm:sp3d contourW="19050" prstMaterial="metal">
-      <a:bevelT w="88900" h="203200"/>
-      <a:bevelB w="165100" h="254000"/>
-    </dgm:sp3d>
-    <dgm:txPr/>
-    <dgm:style>
-      <a:lnRef idx="0">
-        <a:scrgbClr r="0" g="0" b="0"/>
-      </a:lnRef>
-      <a:fillRef idx="1">
-        <a:scrgbClr r="0" g="0" b="0"/>
-      </a:fillRef>
-      <a:effectRef idx="0">
-        <a:scrgbClr r="0" g="0" b="0"/>
-      </a:effectRef>
-      <a:fontRef idx="minor"/>
-    </dgm:style>
-  </dgm:styleLbl>
-  <dgm:styleLbl name="solidBgAcc1">
-    <dgm:scene3d>
-      <a:camera prst="orthographicFront">
-        <a:rot lat="0" lon="0" rev="0"/>
-      </a:camera>
-      <a:lightRig rig="contrasting" dir="t">
-        <a:rot lat="0" lon="0" rev="1200000"/>
-      </a:lightRig>
-    </dgm:scene3d>
-    <dgm:sp3d z="-300000" contourW="19050" prstMaterial="metal">
-      <a:bevelT w="88900" h="203200"/>
-      <a:bevelB w="165100" h="254000"/>
-    </dgm:sp3d>
-    <dgm:txPr/>
-    <dgm:style>
-      <a:lnRef idx="0">
-        <a:scrgbClr r="0" g="0" b="0"/>
-      </a:lnRef>
-      <a:fillRef idx="1">
-        <a:scrgbClr r="0" g="0" b="0"/>
-      </a:fillRef>
-      <a:effectRef idx="0">
-        <a:scrgbClr r="0" g="0" b="0"/>
-      </a:effectRef>
-      <a:fontRef idx="minor"/>
-    </dgm:style>
-  </dgm:styleLbl>
-  <dgm:styleLbl name="fgAccFollowNode1">
-    <dgm:scene3d>
-      <a:camera prst="orthographicFront">
-        <a:rot lat="0" lon="0" rev="0"/>
-      </a:camera>
-      <a:lightRig rig="contrasting" dir="t">
-        <a:rot lat="0" lon="0" rev="1200000"/>
-      </a:lightRig>
-    </dgm:scene3d>
-    <dgm:sp3d z="300000" contourW="19050" prstMaterial="metal">
-      <a:bevelT w="88900" h="203200"/>
-      <a:bevelB w="165100" h="254000"/>
-    </dgm:sp3d>
-    <dgm:txPr/>
-    <dgm:style>
-      <a:lnRef idx="0">
-        <a:scrgbClr r="0" g="0" b="0"/>
-      </a:lnRef>
-      <a:fillRef idx="1">
-        <a:scrgbClr r="0" g="0" b="0"/>
-      </a:fillRef>
-      <a:effectRef idx="0">
-        <a:scrgbClr r="0" g="0" b="0"/>
-      </a:effectRef>
-      <a:fontRef idx="minor"/>
-    </dgm:style>
-  </dgm:styleLbl>
-  <dgm:styleLbl name="alignAccFollowNode1">
-    <dgm:scene3d>
-      <a:camera prst="orthographicFront">
-        <a:rot lat="0" lon="0" rev="0"/>
-      </a:camera>
-      <a:lightRig rig="contrasting" dir="t">
-        <a:rot lat="0" lon="0" rev="1200000"/>
-      </a:lightRig>
-    </dgm:scene3d>
-    <dgm:sp3d contourW="19050" prstMaterial="metal">
-      <a:bevelT w="88900" h="203200"/>
-      <a:bevelB w="165100" h="254000"/>
-    </dgm:sp3d>
-    <dgm:txPr/>
-    <dgm:style>
-      <a:lnRef idx="0">
-        <a:scrgbClr r="0" g="0" b="0"/>
-      </a:lnRef>
-      <a:fillRef idx="1">
-        <a:scrgbClr r="0" g="0" b="0"/>
-      </a:fillRef>
-      <a:effectRef idx="0">
-        <a:scrgbClr r="0" g="0" b="0"/>
-      </a:effectRef>
-      <a:fontRef idx="minor"/>
-    </dgm:style>
-  </dgm:styleLbl>
-  <dgm:styleLbl name="bgAccFollowNode1">
-    <dgm:scene3d>
-      <a:camera prst="orthographicFront">
-        <a:rot lat="0" lon="0" rev="0"/>
-      </a:camera>
-      <a:lightRig rig="contrasting" dir="t">
-        <a:rot lat="0" lon="0" rev="1200000"/>
-      </a:lightRig>
-    </dgm:scene3d>
-    <dgm:sp3d z="-300000" contourW="19050" prstMaterial="metal">
-      <a:bevelT w="88900" h="203200"/>
-      <a:bevelB w="165100" h="254000"/>
-    </dgm:sp3d>
-    <dgm:txPr/>
-    <dgm:style>
-      <a:lnRef idx="0">
-        <a:scrgbClr r="0" g="0" b="0"/>
-      </a:lnRef>
-      <a:fillRef idx="1">
-        <a:scrgbClr r="0" g="0" b="0"/>
-      </a:fillRef>
-      <a:effectRef idx="0">
-        <a:scrgbClr r="0" g="0" b="0"/>
-      </a:effectRef>
-      <a:fontRef idx="minor"/>
-    </dgm:style>
-  </dgm:styleLbl>
-  <dgm:styleLbl name="fgAcc0">
-    <dgm:scene3d>
-      <a:camera prst="orthographicFront">
-        <a:rot lat="0" lon="0" rev="0"/>
-      </a:camera>
-      <a:lightRig rig="contrasting" dir="t">
-        <a:rot lat="0" lon="0" rev="1200000"/>
-      </a:lightRig>
-    </dgm:scene3d>
-    <dgm:sp3d z="300000" contourW="19050" prstMaterial="metal">
-      <a:bevelT w="88900" h="203200"/>
-      <a:bevelB w="165100" h="254000"/>
-    </dgm:sp3d>
-    <dgm:txPr/>
-    <dgm:style>
-      <a:lnRef idx="0">
-        <a:scrgbClr r="0" g="0" b="0"/>
-      </a:lnRef>
-      <a:fillRef idx="1">
-        <a:scrgbClr r="0" g="0" b="0"/>
-      </a:fillRef>
-      <a:effectRef idx="0">
-        <a:scrgbClr r="0" g="0" b="0"/>
-      </a:effectRef>
-      <a:fontRef idx="minor"/>
-    </dgm:style>
-  </dgm:styleLbl>
-  <dgm:styleLbl name="fgAcc2">
-    <dgm:scene3d>
-      <a:camera prst="orthographicFront">
-        <a:rot lat="0" lon="0" rev="0"/>
-      </a:camera>
-      <a:lightRig rig="contrasting" dir="t">
-        <a:rot lat="0" lon="0" rev="1200000"/>
-      </a:lightRig>
-    </dgm:scene3d>
-    <dgm:sp3d z="300000" contourW="19050" prstMaterial="metal">
-      <a:bevelT w="88900" h="203200"/>
-      <a:bevelB w="165100" h="254000"/>
-    </dgm:sp3d>
-    <dgm:txPr/>
-    <dgm:style>
-      <a:lnRef idx="0">
-        <a:scrgbClr r="0" g="0" b="0"/>
-      </a:lnRef>
-      <a:fillRef idx="1">
-        <a:scrgbClr r="0" g="0" b="0"/>
-      </a:fillRef>
-      <a:effectRef idx="0">
-        <a:scrgbClr r="0" g="0" b="0"/>
-      </a:effectRef>
-      <a:fontRef idx="minor"/>
-    </dgm:style>
-  </dgm:styleLbl>
-  <dgm:styleLbl name="fgAcc3">
-    <dgm:scene3d>
-      <a:camera prst="orthographicFront">
-        <a:rot lat="0" lon="0" rev="0"/>
-      </a:camera>
-      <a:lightRig rig="contrasting" dir="t">
-        <a:rot lat="0" lon="0" rev="1200000"/>
-      </a:lightRig>
-    </dgm:scene3d>
-    <dgm:sp3d z="300000" contourW="19050" prstMaterial="metal">
-      <a:bevelT w="88900" h="203200"/>
-      <a:bevelB w="165100" h="254000"/>
-    </dgm:sp3d>
-    <dgm:txPr/>
-    <dgm:style>
-      <a:lnRef idx="0">
-        <a:scrgbClr r="0" g="0" b="0"/>
-      </a:lnRef>
-      <a:fillRef idx="1">
-        <a:scrgbClr r="0" g="0" b="0"/>
-      </a:fillRef>
-      <a:effectRef idx="0">
-        <a:scrgbClr r="0" g="0" b="0"/>
-      </a:effectRef>
-      <a:fontRef idx="minor"/>
-    </dgm:style>
-  </dgm:styleLbl>
-  <dgm:styleLbl name="fgAcc4">
-    <dgm:scene3d>
-      <a:camera prst="orthographicFront">
-        <a:rot lat="0" lon="0" rev="0"/>
-      </a:camera>
-      <a:lightRig rig="contrasting" dir="t">
-        <a:rot lat="0" lon="0" rev="1200000"/>
-      </a:lightRig>
-    </dgm:scene3d>
-    <dgm:sp3d z="300000" contourW="19050" prstMaterial="metal">
-      <a:bevelT w="88900" h="203200"/>
-      <a:bevelB w="165100" h="254000"/>
-    </dgm:sp3d>
-    <dgm:txPr/>
-    <dgm:style>
-      <a:lnRef idx="0">
-        <a:scrgbClr r="0" g="0" b="0"/>
-      </a:lnRef>
-      <a:fillRef idx="1">
-        <a:scrgbClr r="0" g="0" b="0"/>
-      </a:fillRef>
-      <a:effectRef idx="0">
-        <a:scrgbClr r="0" g="0" b="0"/>
-      </a:effectRef>
-      <a:fontRef idx="minor"/>
-    </dgm:style>
-  </dgm:styleLbl>
-  <dgm:styleLbl name="bgShp">
-    <dgm:scene3d>
-      <a:camera prst="orthographicFront">
-        <a:rot lat="0" lon="0" rev="0"/>
-      </a:camera>
-      <a:lightRig rig="contrasting" dir="t">
-        <a:rot lat="0" lon="0" rev="1200000"/>
-      </a:lightRig>
-    </dgm:scene3d>
-    <dgm:sp3d z="-300000" prstMaterial="plastic"/>
-    <dgm:txPr/>
-    <dgm:style>
-      <a:lnRef idx="1">
-        <a:scrgbClr r="0" g="0" b="0"/>
-      </a:lnRef>
-      <a:fillRef idx="1">
-        <a:scrgbClr r="0" g="0" b="0"/>
-      </a:fillRef>
-      <a:effectRef idx="0">
-        <a:scrgbClr r="0" g="0" b="0"/>
-      </a:effectRef>
-      <a:fontRef idx="minor"/>
-    </dgm:style>
-  </dgm:styleLbl>
-  <dgm:styleLbl name="dkBgShp">
-    <dgm:scene3d>
-      <a:camera prst="orthographicFront">
-        <a:rot lat="0" lon="0" rev="0"/>
-      </a:camera>
-      <a:lightRig rig="contrasting" dir="t">
-        <a:rot lat="0" lon="0" rev="1200000"/>
-      </a:lightRig>
-    </dgm:scene3d>
-    <dgm:sp3d contourW="12700" prstMaterial="flat">
-      <a:bevelT w="100800" h="154000"/>
-      <a:bevelB w="152400"/>
-    </dgm:sp3d>
-    <dgm:txPr/>
-    <dgm:style>
-      <a:lnRef idx="0">
-        <a:scrgbClr r="0" g="0" b="0"/>
-      </a:lnRef>
-      <a:fillRef idx="1">
-        <a:scrgbClr r="0" g="0" b="0"/>
-      </a:fillRef>
-      <a:effectRef idx="0">
-        <a:scrgbClr r="0" g="0" b="0"/>
-      </a:effectRef>
-      <a:fontRef idx="minor"/>
-    </dgm:style>
-  </dgm:styleLbl>
-  <dgm:styleLbl name="trBgShp">
-    <dgm:scene3d>
-      <a:camera prst="orthographicFront">
-        <a:rot lat="0" lon="0" rev="0"/>
-      </a:camera>
-      <a:lightRig rig="contrasting" dir="t">
-        <a:rot lat="0" lon="0" rev="1200000"/>
-      </a:lightRig>
-    </dgm:scene3d>
-    <dgm:sp3d z="-152400" prstMaterial="matte"/>
-    <dgm:txPr/>
-    <dgm:style>
-      <a:lnRef idx="1">
-        <a:scrgbClr r="0" g="0" b="0"/>
-      </a:lnRef>
-      <a:fillRef idx="1">
-        <a:scrgbClr r="0" g="0" b="0"/>
-      </a:fillRef>
-      <a:effectRef idx="0">
-        <a:scrgbClr r="0" g="0" b="0"/>
-      </a:effectRef>
-      <a:fontRef idx="minor"/>
-    </dgm:style>
-  </dgm:styleLbl>
-  <dgm:styleLbl name="fgShp">
-    <dgm:scene3d>
-      <a:camera prst="orthographicFront">
-        <a:rot lat="0" lon="0" rev="0"/>
-      </a:camera>
-      <a:lightRig rig="contrasting" dir="t">
-        <a:rot lat="0" lon="0" rev="1200000"/>
-      </a:lightRig>
-    </dgm:scene3d>
-    <dgm:sp3d z="300000" contourW="19050" prstMaterial="metal">
-      <a:bevelT w="88900" h="203200"/>
-      <a:bevelB w="165100" h="254000"/>
-    </dgm:sp3d>
-    <dgm:txPr/>
-    <dgm:style>
-      <a:lnRef idx="0">
-        <a:scrgbClr r="0" g="0" b="0"/>
-      </a:lnRef>
-      <a:fillRef idx="1">
-        <a:scrgbClr r="0" g="0" b="0"/>
-      </a:fillRef>
-      <a:effectRef idx="0">
-        <a:scrgbClr r="0" g="0" b="0"/>
-      </a:effectRef>
-      <a:fontRef idx="minor"/>
-    </dgm:style>
-  </dgm:styleLbl>
-  <dgm:styleLbl name="revTx">
-    <dgm:scene3d>
-      <a:camera prst="orthographicFront"/>
-      <a:lightRig rig="threePt" dir="t"/>
-    </dgm:scene3d>
-    <dgm:sp3d/>
-    <dgm:txPr/>
-    <dgm:style>
-      <a:lnRef idx="1">
-        <a:scrgbClr r="0" g="0" b="0"/>
-      </a:lnRef>
-      <a:fillRef idx="0">
-        <a:scrgbClr r="0" g="0" b="0"/>
-      </a:fillRef>
-      <a:effectRef idx="0">
-        <a:scrgbClr r="0" g="0" b="0"/>
-      </a:effectRef>
-      <a:fontRef idx="minor"/>
-    </dgm:style>
-  </dgm:styleLbl>
-</dgm:styleDef>
-</file>
-
 <file path=ppt/slideLayouts/slideLayout1.xml><?xml version="1.0" encoding="utf-8"?>
 <p:sldLayout xmlns:a="http://schemas.openxmlformats.org/drawingml/2006/main" xmlns:r="http://schemas.openxmlformats.org/officeDocument/2006/relationships" xmlns:p="http://schemas.openxmlformats.org/presentationml/2006/main" showMasterSp="0" type="title" preserve="1">
   <p:cSld name="Title Slide">
@@ -9372,7 +6300,7 @@
             <a:fld id="{87DE6118-2437-4B30-8E3C-4D2BE6020583}" type="datetimeFigureOut">
               <a:rPr lang="en-US" dirty="0"/>
               <a:pPr/>
-              <a:t>6/30/2018</a:t>
+              <a:t>7/29/2018</a:t>
             </a:fld>
             <a:endParaRPr lang="en-US" dirty="0"/>
           </a:p>
@@ -9698,7 +6626,7 @@
           <a:p>
             <a:fld id="{87DE6118-2437-4B30-8E3C-4D2BE6020583}" type="datetimeFigureOut">
               <a:rPr lang="en-US" dirty="0"/>
-              <a:t>6/30/2018</a:t>
+              <a:t>7/29/2018</a:t>
             </a:fld>
             <a:endParaRPr lang="en-US" dirty="0"/>
           </a:p>
@@ -9873,7 +6801,7 @@
           <a:p>
             <a:fld id="{87DE6118-2437-4B30-8E3C-4D2BE6020583}" type="datetimeFigureOut">
               <a:rPr lang="en-US" dirty="0"/>
-              <a:t>6/30/2018</a:t>
+              <a:t>7/29/2018</a:t>
             </a:fld>
             <a:endParaRPr lang="en-US" dirty="0"/>
           </a:p>
@@ -10038,7 +6966,7 @@
           <a:p>
             <a:fld id="{87DE6118-2437-4B30-8E3C-4D2BE6020583}" type="datetimeFigureOut">
               <a:rPr lang="en-US" dirty="0"/>
-              <a:t>6/30/2018</a:t>
+              <a:t>7/29/2018</a:t>
             </a:fld>
             <a:endParaRPr lang="en-US" dirty="0"/>
           </a:p>
@@ -10311,7 +7239,7 @@
             <a:fld id="{87DE6118-2437-4B30-8E3C-4D2BE6020583}" type="datetimeFigureOut">
               <a:rPr lang="en-US" dirty="0"/>
               <a:pPr/>
-              <a:t>6/30/2018</a:t>
+              <a:t>7/29/2018</a:t>
             </a:fld>
             <a:endParaRPr lang="en-US" dirty="0"/>
           </a:p>
@@ -10701,7 +7629,7 @@
           <a:p>
             <a:fld id="{87DE6118-2437-4B30-8E3C-4D2BE6020583}" type="datetimeFigureOut">
               <a:rPr lang="en-US" dirty="0"/>
-              <a:t>6/30/2018</a:t>
+              <a:t>7/29/2018</a:t>
             </a:fld>
             <a:endParaRPr lang="en-US" dirty="0"/>
           </a:p>
@@ -11173,7 +8101,7 @@
           <a:p>
             <a:fld id="{87DE6118-2437-4B30-8E3C-4D2BE6020583}" type="datetimeFigureOut">
               <a:rPr lang="en-US" dirty="0"/>
-              <a:t>6/30/2018</a:t>
+              <a:t>7/29/2018</a:t>
             </a:fld>
             <a:endParaRPr lang="en-US" dirty="0"/>
           </a:p>
@@ -11286,7 +8214,7 @@
           <a:p>
             <a:fld id="{87DE6118-2437-4B30-8E3C-4D2BE6020583}" type="datetimeFigureOut">
               <a:rPr lang="en-US" dirty="0"/>
-              <a:t>6/30/2018</a:t>
+              <a:t>7/29/2018</a:t>
             </a:fld>
             <a:endParaRPr lang="en-US" dirty="0"/>
           </a:p>
@@ -11376,7 +8304,7 @@
           <a:p>
             <a:fld id="{87DE6118-2437-4B30-8E3C-4D2BE6020583}" type="datetimeFigureOut">
               <a:rPr lang="en-US" dirty="0"/>
-              <a:t>6/30/2018</a:t>
+              <a:t>7/29/2018</a:t>
             </a:fld>
             <a:endParaRPr lang="en-US" dirty="0"/>
           </a:p>
@@ -11718,7 +8646,7 @@
             <a:fld id="{87DE6118-2437-4B30-8E3C-4D2BE6020583}" type="datetimeFigureOut">
               <a:rPr lang="en-US" dirty="0"/>
               <a:pPr/>
-              <a:t>6/30/2018</a:t>
+              <a:t>7/29/2018</a:t>
             </a:fld>
             <a:endParaRPr lang="en-US" dirty="0"/>
           </a:p>
@@ -12103,7 +9031,7 @@
             <a:fld id="{87DE6118-2437-4B30-8E3C-4D2BE6020583}" type="datetimeFigureOut">
               <a:rPr lang="en-US" dirty="0"/>
               <a:pPr/>
-              <a:t>6/30/2018</a:t>
+              <a:t>7/29/2018</a:t>
             </a:fld>
             <a:endParaRPr lang="en-US" dirty="0"/>
           </a:p>
@@ -12378,7 +9306,7 @@
             <a:fld id="{87DE6118-2437-4B30-8E3C-4D2BE6020583}" type="datetimeFigureOut">
               <a:rPr lang="en-US" dirty="0"/>
               <a:pPr/>
-              <a:t>6/30/2018</a:t>
+              <a:t>7/29/2018</a:t>
             </a:fld>
             <a:endParaRPr lang="en-US" dirty="0"/>
           </a:p>
@@ -15635,7 +12563,7 @@
         </p:spPr>
         <p:txBody>
           <a:bodyPr>
-            <a:normAutofit fontScale="85000" lnSpcReduction="20000"/>
+            <a:normAutofit fontScale="55000" lnSpcReduction="20000"/>
           </a:bodyPr>
           <a:lstStyle/>
           <a:p>
@@ -15659,6 +12587,12 @@
           <a:p>
             <a:r>
               <a:rPr lang="en-US" dirty="0"/>
+              <a:t>Example of “Machine Learning” – Linear Regression ? (the basics)</a:t>
+            </a:r>
+          </a:p>
+          <a:p>
+            <a:r>
+              <a:rPr lang="en-US" dirty="0"/>
               <a:t>Example of “Machine Learning” – Decision Tree / Forests / Boosting (?)</a:t>
             </a:r>
           </a:p>
@@ -15683,20 +12617,63 @@
           <a:p>
             <a:r>
               <a:rPr lang="en-US" dirty="0"/>
-              <a:t>Types of Neural Networks</a:t>
+              <a:t>Types of Neural Networks, CNN, RNN, </a:t>
             </a:r>
           </a:p>
           <a:p>
             <a:r>
               <a:rPr lang="en-US" dirty="0"/>
-              <a:t>Major ML Frameworks</a:t>
-            </a:r>
-          </a:p>
-          <a:p>
+              <a:t>ML Landscape</a:t>
+            </a:r>
+          </a:p>
+          <a:p>
+            <a:pPr lvl="1"/>
             <a:r>
               <a:rPr lang="en-US" dirty="0"/>
-              <a:t>Demo of Azure ML Studio</a:t>
-            </a:r>
+              <a:t>API Toolkits vs Full Stack Solutions vs Cloud Offerings vs </a:t>
+            </a:r>
+            <a:r>
+              <a:rPr lang="en-US" dirty="0" err="1"/>
+              <a:t>BIgData</a:t>
+            </a:r>
+            <a:endParaRPr lang="en-US" dirty="0"/>
+          </a:p>
+          <a:p>
+            <a:pPr lvl="1"/>
+            <a:r>
+              <a:rPr lang="en-US" dirty="0"/>
+              <a:t>Get </a:t>
+            </a:r>
+            <a:r>
+              <a:rPr lang="en-US" dirty="0" err="1"/>
+              <a:t>gartner</a:t>
+            </a:r>
+            <a:r>
+              <a:rPr lang="en-US" dirty="0"/>
+              <a:t> page, landscape pic, and bigdata pic</a:t>
+            </a:r>
+          </a:p>
+          <a:p>
+            <a:r>
+              <a:rPr lang="en-US" dirty="0"/>
+              <a:t>Demo of Azure ML Studio ?  - Rise of </a:t>
+            </a:r>
+            <a:r>
+              <a:rPr lang="en-US"/>
+              <a:t>Web-Toolkit wizards</a:t>
+            </a:r>
+            <a:endParaRPr lang="en-US" dirty="0"/>
+          </a:p>
+          <a:p>
+            <a:r>
+              <a:rPr lang="en-US" dirty="0"/>
+              <a:t>Demo of H20 ?  - Rise of </a:t>
+            </a:r>
+            <a:r>
+              <a:rPr lang="en-US" dirty="0" err="1"/>
+              <a:t>AutoML</a:t>
+            </a:r>
+            <a:endParaRPr lang="en-US" dirty="0"/>
           </a:p>
           <a:p>
             <a:r>
@@ -17274,7 +14251,7 @@
           <a:p>
             <a:r>
               <a:rPr lang="en-US" sz="800" dirty="0"/>
-              <a:t>Neumann’s book / Kurtzweil intro</a:t>
+              <a:t>Other key factors:</a:t>
             </a:r>
           </a:p>
           <a:p>
@@ -17302,6 +14279,12 @@
             <a:r>
               <a:rPr lang="en-US" sz="800" dirty="0"/>
               <a:t>- Richard Dawkins - natural selection w/ fitness function (similar to ML ?)</a:t>
+            </a:r>
+          </a:p>
+          <a:p>
+            <a:r>
+              <a:rPr lang="en-US" sz="800" dirty="0"/>
+              <a:t>Mention Kurtzweil and Von Neumann ?</a:t>
             </a:r>
           </a:p>
           <a:p>
@@ -17648,14 +14631,14 @@
           <p:nvPr>
             <p:extLst>
               <p:ext uri="{D42A27DB-BD31-4B8C-83A1-F6EECF244321}">
-                <p14:modId xmlns:p14="http://schemas.microsoft.com/office/powerpoint/2010/main" val="561349566"/>
+                <p14:modId xmlns:p14="http://schemas.microsoft.com/office/powerpoint/2010/main" val="2296001667"/>
               </p:ext>
             </p:extLst>
           </p:nvPr>
         </p:nvGraphicFramePr>
         <p:xfrm>
-          <a:off x="2032000" y="719666"/>
-          <a:ext cx="8128000" cy="5418667"/>
+          <a:off x="3064625" y="731520"/>
+          <a:ext cx="8627039" cy="6029497"/>
         </p:xfrm>
         <a:graphic>
           <a:graphicData uri="http://schemas.openxmlformats.org/drawingml/2006/diagram">
@@ -17666,7 +14649,7 @@
     </p:spTree>
     <p:extLst>
       <p:ext uri="{BB962C8B-B14F-4D97-AF65-F5344CB8AC3E}">
-        <p14:creationId xmlns:p14="http://schemas.microsoft.com/office/powerpoint/2010/main" val="4248949367"/>
+        <p14:creationId xmlns:p14="http://schemas.microsoft.com/office/powerpoint/2010/main" val="584887703"/>
       </p:ext>
     </p:extLst>
   </p:cSld>
@@ -17721,7 +14704,15 @@
           <a:p>
             <a:r>
               <a:rPr lang="en-US" dirty="0"/>
-              <a:t>History and Evolution of AI/ML</a:t>
+              <a:t>Major </a:t>
+            </a:r>
+            <a:r>
+              <a:rPr lang="en-US" dirty="0" err="1"/>
+              <a:t>BuzzWords</a:t>
+            </a:r>
+            <a:r>
+              <a:rPr lang="en-US" dirty="0"/>
+              <a:t> in ML</a:t>
             </a:r>
           </a:p>
         </p:txBody>
@@ -17750,47 +14741,127 @@
         </p:spPr>
         <p:txBody>
           <a:bodyPr>
-            <a:noAutofit/>
+            <a:normAutofit lnSpcReduction="10000"/>
           </a:bodyPr>
           <a:lstStyle/>
-          <a:p>
-            <a:r>
-              <a:rPr lang="en-US" sz="800" dirty="0"/>
-              <a:t>Neumann’s book / Kurtzweil intro</a:t>
-            </a:r>
-          </a:p>
-          <a:p>
-            <a:pPr lvl="0"/>
-            <a:r>
-              <a:rPr lang="en-US" sz="800" dirty="0"/>
-              <a:t>+ (Perf) - 97 Deep Blue - 10,000,000 x faster than 1950’s</a:t>
-            </a:r>
-          </a:p>
-          <a:p>
-            <a:pPr lvl="0"/>
-            <a:r>
-              <a:rPr lang="en-US" sz="800" dirty="0"/>
-              <a:t>+ (GPU) - 10-100x faster than CPU, TPU/ASIC 5-10x faster than GPU</a:t>
-            </a:r>
-          </a:p>
-          <a:p>
-            <a:pPr lvl="0"/>
-            <a:r>
-              <a:rPr lang="en-US" sz="800" dirty="0"/>
-              <a:t>+ Neural Network and Training (Backprop)</a:t>
-            </a:r>
-          </a:p>
-          <a:p>
-            <a:r>
-              <a:rPr lang="en-US" sz="800" dirty="0"/>
-              <a:t>- Richard Dawkins - natural selection w/ fitness function (similar to ML ?)</a:t>
-            </a:r>
-          </a:p>
           <a:p>
             <a:pPr marL="0" indent="0">
               <a:buNone/>
             </a:pPr>
-            <a:endParaRPr lang="en-US" sz="800" i="0" dirty="0"/>
+            <a:r>
+              <a:rPr lang="en-US" b="1" i="1" dirty="0"/>
+              <a:t>Use some word art splash</a:t>
+            </a:r>
+          </a:p>
+          <a:p>
+            <a:r>
+              <a:rPr lang="en-US" dirty="0"/>
+              <a:t>Supervised Learning (Labelled)</a:t>
+            </a:r>
+          </a:p>
+          <a:p>
+            <a:r>
+              <a:rPr lang="en-US" dirty="0"/>
+              <a:t>Unsupervised Learning (</a:t>
+            </a:r>
+            <a:r>
+              <a:rPr lang="en-US" dirty="0" err="1"/>
+              <a:t>Unlabelled</a:t>
+            </a:r>
+            <a:r>
+              <a:rPr lang="en-US" dirty="0"/>
+              <a:t>)</a:t>
+            </a:r>
+          </a:p>
+          <a:p>
+            <a:r>
+              <a:rPr lang="en-US" dirty="0"/>
+              <a:t>Predictors – Linear Regression </a:t>
+            </a:r>
+          </a:p>
+          <a:p>
+            <a:r>
+              <a:rPr lang="en-US" dirty="0"/>
+              <a:t>Classifiers – Logistical Regression, SVM, K-Means, </a:t>
+            </a:r>
+            <a:r>
+              <a:rPr lang="en-US" dirty="0" err="1"/>
+              <a:t>etc</a:t>
+            </a:r>
+            <a:endParaRPr lang="en-US" dirty="0"/>
+          </a:p>
+          <a:p>
+            <a:endParaRPr lang="en-US" dirty="0"/>
+          </a:p>
+          <a:p>
+            <a:r>
+              <a:rPr lang="en-US" dirty="0"/>
+              <a:t>Traditional methods (Statistics/Data Science)</a:t>
+            </a:r>
+          </a:p>
+          <a:p>
+            <a:pPr lvl="1"/>
+            <a:r>
+              <a:rPr lang="en-US" i="0" dirty="0"/>
+              <a:t>Linear and Logistic Regression</a:t>
+            </a:r>
+          </a:p>
+          <a:p>
+            <a:pPr lvl="1"/>
+            <a:r>
+              <a:rPr lang="en-US" i="0" dirty="0"/>
+              <a:t>Decision Trees</a:t>
+            </a:r>
+          </a:p>
+          <a:p>
+            <a:pPr lvl="1"/>
+            <a:r>
+              <a:rPr lang="en-US" i="0" dirty="0" err="1"/>
+              <a:t>Kmeans</a:t>
+            </a:r>
+            <a:endParaRPr lang="en-US" i="0" dirty="0"/>
+          </a:p>
+          <a:p>
+            <a:pPr lvl="1"/>
+            <a:r>
+              <a:rPr lang="en-US" i="0" dirty="0"/>
+              <a:t>Support Vector Machines</a:t>
+            </a:r>
+          </a:p>
+          <a:p>
+            <a:r>
+              <a:rPr lang="en-US" dirty="0"/>
+              <a:t>Cutting Edge Methods</a:t>
+            </a:r>
+          </a:p>
+          <a:p>
+            <a:pPr lvl="1"/>
+            <a:r>
+              <a:rPr lang="en-US" i="0" dirty="0"/>
+              <a:t>Neural Networks / Deep Learning</a:t>
+            </a:r>
+          </a:p>
+          <a:p>
+            <a:pPr lvl="1"/>
+            <a:r>
+              <a:rPr lang="en-US" i="0" dirty="0"/>
+              <a:t>Recurrent Neural Nets (RNN), Convolutional Nets (CNN), LSTM, GAN, </a:t>
+            </a:r>
+            <a:r>
+              <a:rPr lang="en-US" i="0" dirty="0" err="1"/>
+              <a:t>etc</a:t>
+            </a:r>
+            <a:endParaRPr lang="en-US" i="0" dirty="0"/>
+          </a:p>
+          <a:p>
+            <a:pPr marL="530352" lvl="1" indent="0">
+              <a:buNone/>
+            </a:pPr>
+            <a:endParaRPr lang="en-US" i="0" dirty="0"/>
+          </a:p>
+          <a:p>
+            <a:pPr lvl="1"/>
+            <a:endParaRPr lang="en-US" i="0" dirty="0"/>
           </a:p>
         </p:txBody>
       </p:sp>
@@ -18017,138 +15088,10 @@
           </a:p>
         </p:txBody>
       </p:sp>
-      <p:pic>
-        <p:nvPicPr>
-          <p:cNvPr id="5" name="Picture 4">
-            <a:extLst>
-              <a:ext uri="{FF2B5EF4-FFF2-40B4-BE49-F238E27FC236}">
-                <a16:creationId xmlns:a16="http://schemas.microsoft.com/office/drawing/2014/main" id="{14E47829-E615-488A-B9B5-E051799B05C3}"/>
-              </a:ext>
-            </a:extLst>
-          </p:cNvPr>
-          <p:cNvPicPr>
-            <a:picLocks noChangeAspect="1"/>
-          </p:cNvPicPr>
-          <p:nvPr/>
-        </p:nvPicPr>
-        <p:blipFill>
-          <a:blip r:embed="rId2"/>
-          <a:stretch>
-            <a:fillRect/>
-          </a:stretch>
-        </p:blipFill>
-        <p:spPr>
-          <a:xfrm>
-            <a:off x="7291294" y="4248100"/>
-            <a:ext cx="3808573" cy="2609900"/>
-          </a:xfrm>
-          <a:prstGeom prst="rect">
-            <a:avLst/>
-          </a:prstGeom>
-        </p:spPr>
-      </p:pic>
-      <p:sp>
-        <p:nvSpPr>
-          <p:cNvPr id="6" name="Rectangle 5">
-            <a:extLst>
-              <a:ext uri="{FF2B5EF4-FFF2-40B4-BE49-F238E27FC236}">
-                <a16:creationId xmlns:a16="http://schemas.microsoft.com/office/drawing/2014/main" id="{B8FA4FCF-C467-4CCD-814E-BDF635F72A5A}"/>
-              </a:ext>
-            </a:extLst>
-          </p:cNvPr>
-          <p:cNvSpPr/>
-          <p:nvPr/>
-        </p:nvSpPr>
-        <p:spPr>
-          <a:xfrm>
-            <a:off x="733545" y="6150114"/>
-            <a:ext cx="8516471" cy="707886"/>
-          </a:xfrm>
-          <a:prstGeom prst="rect">
-            <a:avLst/>
-          </a:prstGeom>
-        </p:spPr>
-        <p:txBody>
-          <a:bodyPr wrap="square">
-            <a:spAutoFit/>
-          </a:bodyPr>
-          <a:lstStyle/>
-          <a:p>
-            <a:r>
-              <a:rPr lang="en-US" sz="1000" dirty="0"/>
-              <a:t>https://trends.google.com/trends/explore?date=all&amp;q=machine%20learning,artificial%20intelligence </a:t>
-            </a:r>
-          </a:p>
-          <a:p>
-            <a:r>
-              <a:rPr lang="en-US" sz="1000" dirty="0">
-                <a:hlinkClick r:id="rId3"/>
-              </a:rPr>
-              <a:t>http://www.bbc.co.uk/timelines/zq376fr</a:t>
-            </a:r>
-            <a:r>
-              <a:rPr lang="en-US" sz="1000" dirty="0"/>
-              <a:t>  - “15 moments in story of AI”</a:t>
-            </a:r>
-          </a:p>
-          <a:p>
-            <a:r>
-              <a:rPr lang="en-US" sz="1000" dirty="0">
-                <a:hlinkClick r:id="rId4"/>
-              </a:rPr>
-              <a:t>http://en.wikipedia.org/wiki/History_of_artificial_intelligence</a:t>
-            </a:r>
-            <a:r>
-              <a:rPr lang="en-US" sz="1000" dirty="0"/>
-              <a:t>  </a:t>
-            </a:r>
-          </a:p>
-          <a:p>
-            <a:r>
-              <a:rPr lang="en-US" sz="1000" dirty="0">
-                <a:hlinkClick r:id="rId5"/>
-              </a:rPr>
-              <a:t>http://en.wikipedia.org/wiki/Infinite_monkey_theorem</a:t>
-            </a:r>
-            <a:r>
-              <a:rPr lang="en-US" sz="1000" dirty="0"/>
-              <a:t> - Infinite Monkey Theorem</a:t>
-            </a:r>
-          </a:p>
-        </p:txBody>
-      </p:sp>
-      <p:graphicFrame>
-        <p:nvGraphicFramePr>
-          <p:cNvPr id="7" name="Diagram 6">
-            <a:extLst>
-              <a:ext uri="{FF2B5EF4-FFF2-40B4-BE49-F238E27FC236}">
-                <a16:creationId xmlns:a16="http://schemas.microsoft.com/office/drawing/2014/main" id="{921A70EB-AE48-42B4-9161-CC2C230B6A83}"/>
-              </a:ext>
-            </a:extLst>
-          </p:cNvPr>
-          <p:cNvGraphicFramePr/>
-          <p:nvPr>
-            <p:extLst>
-              <p:ext uri="{D42A27DB-BD31-4B8C-83A1-F6EECF244321}">
-                <p14:modId xmlns:p14="http://schemas.microsoft.com/office/powerpoint/2010/main" val="725887629"/>
-              </p:ext>
-            </p:extLst>
-          </p:nvPr>
-        </p:nvGraphicFramePr>
-        <p:xfrm>
-          <a:off x="2032000" y="719666"/>
-          <a:ext cx="8128000" cy="5418667"/>
-        </p:xfrm>
-        <a:graphic>
-          <a:graphicData uri="http://schemas.openxmlformats.org/drawingml/2006/diagram">
-            <dgm:relIds xmlns:dgm="http://schemas.openxmlformats.org/drawingml/2006/diagram" xmlns:r="http://schemas.openxmlformats.org/officeDocument/2006/relationships" r:dm="rId6" r:lo="rId7" r:qs="rId8" r:cs="rId9"/>
-          </a:graphicData>
-        </a:graphic>
-      </p:graphicFrame>
     </p:spTree>
     <p:extLst>
       <p:ext uri="{BB962C8B-B14F-4D97-AF65-F5344CB8AC3E}">
-        <p14:creationId xmlns:p14="http://schemas.microsoft.com/office/powerpoint/2010/main" val="2589225717"/>
+        <p14:creationId xmlns:p14="http://schemas.microsoft.com/office/powerpoint/2010/main" val="1452440057"/>
       </p:ext>
     </p:extLst>
   </p:cSld>
@@ -18198,128 +15141,49 @@
           </a:xfrm>
         </p:spPr>
         <p:txBody>
-          <a:bodyPr/>
+          <a:bodyPr>
+            <a:noAutofit/>
+          </a:bodyPr>
           <a:lstStyle/>
           <a:p>
             <a:r>
-              <a:rPr lang="en-US" dirty="0"/>
-              <a:t>Major Classes of ML</a:t>
+              <a:rPr lang="en-US" sz="3600" dirty="0"/>
+              <a:t>How it really works - Linear Regression example</a:t>
             </a:r>
           </a:p>
         </p:txBody>
       </p:sp>
-      <p:sp>
-        <p:nvSpPr>
-          <p:cNvPr id="3" name="Content Placeholder 2">
+      <p:graphicFrame>
+        <p:nvGraphicFramePr>
+          <p:cNvPr id="7" name="Content Placeholder 6">
             <a:extLst>
               <a:ext uri="{FF2B5EF4-FFF2-40B4-BE49-F238E27FC236}">
-                <a16:creationId xmlns:a16="http://schemas.microsoft.com/office/drawing/2014/main" id="{890E8DCC-CEBE-42F0-BEE6-20CE768757A8}"/>
+                <a16:creationId xmlns:a16="http://schemas.microsoft.com/office/drawing/2014/main" id="{DCDCED4B-7EA5-4602-B6F0-224D40AC43CE}"/>
               </a:ext>
             </a:extLst>
           </p:cNvPr>
-          <p:cNvSpPr>
-            <a:spLocks noGrp="1"/>
-          </p:cNvSpPr>
+          <p:cNvGraphicFramePr>
+            <a:graphicFrameLocks noGrp="1"/>
+          </p:cNvGraphicFramePr>
           <p:nvPr>
             <p:ph idx="1"/>
+            <p:extLst>
+              <p:ext uri="{D42A27DB-BD31-4B8C-83A1-F6EECF244321}">
+                <p14:modId xmlns:p14="http://schemas.microsoft.com/office/powerpoint/2010/main" val="1283805548"/>
+              </p:ext>
+            </p:extLst>
           </p:nvPr>
-        </p:nvSpPr>
-        <p:spPr>
-          <a:xfrm>
-            <a:off x="1187569" y="1023667"/>
-            <a:ext cx="10550105" cy="5348378"/>
-          </a:xfrm>
-        </p:spPr>
-        <p:txBody>
-          <a:bodyPr/>
-          <a:lstStyle/>
-          <a:p>
-            <a:r>
-              <a:rPr lang="en-US" dirty="0"/>
-              <a:t>Supervised Learning</a:t>
-            </a:r>
-          </a:p>
-          <a:p>
-            <a:r>
-              <a:rPr lang="en-US" dirty="0"/>
-              <a:t>Unsupervised Learning</a:t>
-            </a:r>
-          </a:p>
-          <a:p>
-            <a:r>
-              <a:rPr lang="en-US" dirty="0"/>
-              <a:t>Predictors</a:t>
-            </a:r>
-          </a:p>
-          <a:p>
-            <a:r>
-              <a:rPr lang="en-US" dirty="0"/>
-              <a:t>Classifiers</a:t>
-            </a:r>
-          </a:p>
-          <a:p>
-            <a:endParaRPr lang="en-US" dirty="0"/>
-          </a:p>
-          <a:p>
-            <a:r>
-              <a:rPr lang="en-US" dirty="0"/>
-              <a:t>Traditional methods (Statistics/Data Science)</a:t>
-            </a:r>
-          </a:p>
-          <a:p>
-            <a:pPr lvl="1"/>
-            <a:r>
-              <a:rPr lang="en-US" i="0" dirty="0"/>
-              <a:t>Linear and Logistic Regression</a:t>
-            </a:r>
-          </a:p>
-          <a:p>
-            <a:pPr lvl="1"/>
-            <a:r>
-              <a:rPr lang="en-US" i="0" dirty="0"/>
-              <a:t>Decision Trees</a:t>
-            </a:r>
-          </a:p>
-          <a:p>
-            <a:pPr lvl="1"/>
-            <a:r>
-              <a:rPr lang="en-US" i="0" dirty="0" err="1"/>
-              <a:t>Kmeans</a:t>
-            </a:r>
-            <a:endParaRPr lang="en-US" i="0" dirty="0"/>
-          </a:p>
-          <a:p>
-            <a:pPr lvl="1"/>
-            <a:r>
-              <a:rPr lang="en-US" i="0" dirty="0"/>
-              <a:t>Support Vector Machines</a:t>
-            </a:r>
-          </a:p>
-          <a:p>
-            <a:r>
-              <a:rPr lang="en-US" dirty="0"/>
-              <a:t>Cutting Edge Methods</a:t>
-            </a:r>
-          </a:p>
-          <a:p>
-            <a:pPr lvl="1"/>
-            <a:r>
-              <a:rPr lang="en-US" i="0" dirty="0"/>
-              <a:t>Neural Networks / Deep Learning</a:t>
-            </a:r>
-          </a:p>
-          <a:p>
-            <a:pPr marL="530352" lvl="1" indent="0">
-              <a:buNone/>
-            </a:pPr>
-            <a:endParaRPr lang="en-US" i="0" dirty="0"/>
-          </a:p>
-          <a:p>
-            <a:pPr lvl="1"/>
-            <a:endParaRPr lang="en-US" i="0" dirty="0"/>
-          </a:p>
-        </p:txBody>
-      </p:sp>
+        </p:nvGraphicFramePr>
+        <p:xfrm>
+          <a:off x="1220700" y="852677"/>
+          <a:ext cx="4875300" cy="2512341"/>
+        </p:xfrm>
+        <a:graphic>
+          <a:graphicData uri="http://schemas.openxmlformats.org/drawingml/2006/chart">
+            <c:chart xmlns:c="http://schemas.openxmlformats.org/drawingml/2006/chart" xmlns:r="http://schemas.openxmlformats.org/officeDocument/2006/relationships" r:id="rId2"/>
+          </a:graphicData>
+        </a:graphic>
+      </p:graphicFrame>
       <p:sp>
         <p:nvSpPr>
           <p:cNvPr id="4" name="Content Placeholder 2">
@@ -18543,10 +15407,331 @@
           </a:p>
         </p:txBody>
       </p:sp>
+      <p:sp>
+        <p:nvSpPr>
+          <p:cNvPr id="8" name="TextBox 7">
+            <a:extLst>
+              <a:ext uri="{FF2B5EF4-FFF2-40B4-BE49-F238E27FC236}">
+                <a16:creationId xmlns:a16="http://schemas.microsoft.com/office/drawing/2014/main" id="{DA1EC543-1113-4EC4-B98F-317D59E16CCE}"/>
+              </a:ext>
+            </a:extLst>
+          </p:cNvPr>
+          <p:cNvSpPr txBox="1"/>
+          <p:nvPr/>
+        </p:nvSpPr>
+        <p:spPr>
+          <a:xfrm>
+            <a:off x="6183169" y="1123481"/>
+            <a:ext cx="4788131" cy="1477328"/>
+          </a:xfrm>
+          <a:prstGeom prst="rect">
+            <a:avLst/>
+          </a:prstGeom>
+          <a:noFill/>
+        </p:spPr>
+        <p:txBody>
+          <a:bodyPr wrap="square" rtlCol="0">
+            <a:spAutoFit/>
+          </a:bodyPr>
+          <a:lstStyle/>
+          <a:p>
+            <a:r>
+              <a:rPr lang="en-US" dirty="0"/>
+              <a:t>Linear price model </a:t>
+            </a:r>
+            <a:r>
+              <a:rPr lang="en-US" dirty="0" err="1"/>
+              <a:t>eg</a:t>
+            </a:r>
+            <a:r>
+              <a:rPr lang="en-US" dirty="0"/>
+              <a:t>:</a:t>
+            </a:r>
+          </a:p>
+          <a:p>
+            <a:r>
+              <a:rPr lang="en-US" dirty="0"/>
+              <a:t>  h(x) = X</a:t>
+            </a:r>
+            <a:r>
+              <a:rPr lang="en-US" baseline="-25000" dirty="0"/>
+              <a:t>0 </a:t>
+            </a:r>
+            <a:r>
+              <a:rPr lang="en-US" dirty="0"/>
+              <a:t>+  X</a:t>
+            </a:r>
+            <a:r>
+              <a:rPr lang="en-US" baseline="-25000" dirty="0"/>
+              <a:t>1</a:t>
+            </a:r>
+            <a:r>
+              <a:rPr lang="en-US" dirty="0"/>
+              <a:t>*</a:t>
+            </a:r>
+            <a:r>
+              <a:rPr lang="en-US" dirty="0" err="1"/>
+              <a:t>SqM</a:t>
+            </a:r>
+            <a:r>
+              <a:rPr lang="en-US" dirty="0"/>
+              <a:t>  +  X</a:t>
+            </a:r>
+            <a:r>
+              <a:rPr lang="en-US" baseline="-25000" dirty="0"/>
+              <a:t>2</a:t>
+            </a:r>
+            <a:r>
+              <a:rPr lang="en-US" dirty="0"/>
+              <a:t>*Loc  +  X</a:t>
+            </a:r>
+            <a:r>
+              <a:rPr lang="en-US" baseline="-25000" dirty="0"/>
+              <a:t>3</a:t>
+            </a:r>
+            <a:r>
+              <a:rPr lang="en-US" dirty="0"/>
+              <a:t>*BR + …</a:t>
+            </a:r>
+          </a:p>
+          <a:p>
+            <a:endParaRPr lang="en-US" dirty="0"/>
+          </a:p>
+          <a:p>
+            <a:r>
+              <a:rPr lang="en-US" dirty="0"/>
+              <a:t>Use data to solve for X</a:t>
+            </a:r>
+            <a:r>
+              <a:rPr lang="en-US" baseline="-25000" dirty="0"/>
+              <a:t>0 ,</a:t>
+            </a:r>
+            <a:r>
+              <a:rPr lang="en-US" dirty="0"/>
+              <a:t>X</a:t>
+            </a:r>
+            <a:r>
+              <a:rPr lang="en-US" baseline="-25000" dirty="0"/>
+              <a:t>1,</a:t>
+            </a:r>
+            <a:r>
+              <a:rPr lang="en-US" dirty="0"/>
+              <a:t>X</a:t>
+            </a:r>
+            <a:r>
+              <a:rPr lang="en-US" baseline="-25000" dirty="0"/>
+              <a:t>2 </a:t>
+            </a:r>
+            <a:r>
+              <a:rPr lang="en-US" dirty="0"/>
+              <a:t>…</a:t>
+            </a:r>
+          </a:p>
+          <a:p>
+            <a:endParaRPr lang="en-US" dirty="0"/>
+          </a:p>
+        </p:txBody>
+      </p:sp>
+      <p:sp>
+        <p:nvSpPr>
+          <p:cNvPr id="9" name="TextBox 8">
+            <a:extLst>
+              <a:ext uri="{FF2B5EF4-FFF2-40B4-BE49-F238E27FC236}">
+                <a16:creationId xmlns:a16="http://schemas.microsoft.com/office/drawing/2014/main" id="{91835F0D-A177-4686-AE9C-D6CC013A80F4}"/>
+              </a:ext>
+            </a:extLst>
+          </p:cNvPr>
+          <p:cNvSpPr txBox="1"/>
+          <p:nvPr/>
+        </p:nvSpPr>
+        <p:spPr>
+          <a:xfrm>
+            <a:off x="5891999" y="3103408"/>
+            <a:ext cx="2132329" cy="261610"/>
+          </a:xfrm>
+          <a:prstGeom prst="rect">
+            <a:avLst/>
+          </a:prstGeom>
+          <a:noFill/>
+        </p:spPr>
+        <p:txBody>
+          <a:bodyPr wrap="square" rtlCol="0">
+            <a:spAutoFit/>
+          </a:bodyPr>
+          <a:lstStyle/>
+          <a:p>
+            <a:r>
+              <a:rPr lang="en-US" sz="1100" u="sng" dirty="0" err="1"/>
+              <a:t>SqM</a:t>
+            </a:r>
+            <a:endParaRPr lang="en-US" sz="1100" u="sng" dirty="0"/>
+          </a:p>
+        </p:txBody>
+      </p:sp>
+      <p:sp>
+        <p:nvSpPr>
+          <p:cNvPr id="11" name="TextBox 10">
+            <a:extLst>
+              <a:ext uri="{FF2B5EF4-FFF2-40B4-BE49-F238E27FC236}">
+                <a16:creationId xmlns:a16="http://schemas.microsoft.com/office/drawing/2014/main" id="{AA3FEAE4-D6C9-460F-A140-EC49558C6721}"/>
+              </a:ext>
+            </a:extLst>
+          </p:cNvPr>
+          <p:cNvSpPr txBox="1"/>
+          <p:nvPr/>
+        </p:nvSpPr>
+        <p:spPr>
+          <a:xfrm rot="16200000">
+            <a:off x="110952" y="1181851"/>
+            <a:ext cx="2132329" cy="261610"/>
+          </a:xfrm>
+          <a:prstGeom prst="rect">
+            <a:avLst/>
+          </a:prstGeom>
+          <a:noFill/>
+        </p:spPr>
+        <p:txBody>
+          <a:bodyPr wrap="square" rtlCol="0">
+            <a:spAutoFit/>
+          </a:bodyPr>
+          <a:lstStyle/>
+          <a:p>
+            <a:r>
+              <a:rPr lang="en-US" sz="1100" u="sng" dirty="0"/>
+              <a:t>100’s $</a:t>
+            </a:r>
+          </a:p>
+        </p:txBody>
+      </p:sp>
+      <p:sp>
+        <p:nvSpPr>
+          <p:cNvPr id="12" name="TextBox 11">
+            <a:extLst>
+              <a:ext uri="{FF2B5EF4-FFF2-40B4-BE49-F238E27FC236}">
+                <a16:creationId xmlns:a16="http://schemas.microsoft.com/office/drawing/2014/main" id="{97072DA4-4D02-480C-BF22-44BD5895F9C8}"/>
+              </a:ext>
+            </a:extLst>
+          </p:cNvPr>
+          <p:cNvSpPr txBox="1"/>
+          <p:nvPr/>
+        </p:nvSpPr>
+        <p:spPr>
+          <a:xfrm>
+            <a:off x="1070854" y="3475978"/>
+            <a:ext cx="10007241" cy="1477328"/>
+          </a:xfrm>
+          <a:prstGeom prst="rect">
+            <a:avLst/>
+          </a:prstGeom>
+          <a:noFill/>
+        </p:spPr>
+        <p:txBody>
+          <a:bodyPr wrap="square" rtlCol="0">
+            <a:spAutoFit/>
+          </a:bodyPr>
+          <a:lstStyle/>
+          <a:p>
+            <a:r>
+              <a:rPr lang="en-US" dirty="0"/>
+              <a:t>Linear price model </a:t>
+            </a:r>
+            <a:r>
+              <a:rPr lang="en-US" dirty="0" err="1"/>
+              <a:t>eg</a:t>
+            </a:r>
+            <a:r>
+              <a:rPr lang="en-US" dirty="0"/>
+              <a:t>:</a:t>
+            </a:r>
+          </a:p>
+          <a:p>
+            <a:r>
+              <a:rPr lang="en-US" dirty="0"/>
+              <a:t>  h(x) = X</a:t>
+            </a:r>
+            <a:r>
+              <a:rPr lang="en-US" baseline="-25000" dirty="0"/>
+              <a:t>0 </a:t>
+            </a:r>
+            <a:r>
+              <a:rPr lang="en-US" dirty="0"/>
+              <a:t>+  X</a:t>
+            </a:r>
+            <a:r>
+              <a:rPr lang="en-US" baseline="-25000" dirty="0"/>
+              <a:t>1</a:t>
+            </a:r>
+            <a:r>
+              <a:rPr lang="en-US" dirty="0"/>
+              <a:t>*</a:t>
+            </a:r>
+            <a:r>
+              <a:rPr lang="en-US" dirty="0" err="1"/>
+              <a:t>SqM</a:t>
+            </a:r>
+            <a:r>
+              <a:rPr lang="en-US" dirty="0"/>
+              <a:t>  +  X</a:t>
+            </a:r>
+            <a:r>
+              <a:rPr lang="en-US" baseline="-25000" dirty="0"/>
+              <a:t>2</a:t>
+            </a:r>
+            <a:r>
+              <a:rPr lang="en-US" dirty="0"/>
+              <a:t>*Loc  +  X</a:t>
+            </a:r>
+            <a:r>
+              <a:rPr lang="en-US" baseline="-25000" dirty="0"/>
+              <a:t>3</a:t>
+            </a:r>
+            <a:r>
+              <a:rPr lang="en-US" dirty="0"/>
+              <a:t>*BR + …</a:t>
+            </a:r>
+          </a:p>
+          <a:p>
+            <a:endParaRPr lang="en-US" dirty="0"/>
+          </a:p>
+          <a:p>
+            <a:r>
+              <a:rPr lang="en-US" dirty="0"/>
+              <a:t>Use data to solve for X</a:t>
+            </a:r>
+            <a:r>
+              <a:rPr lang="en-US" baseline="-25000" dirty="0"/>
+              <a:t>0 ,</a:t>
+            </a:r>
+            <a:r>
+              <a:rPr lang="en-US" dirty="0"/>
+              <a:t>X</a:t>
+            </a:r>
+            <a:r>
+              <a:rPr lang="en-US" baseline="-25000" dirty="0"/>
+              <a:t>1,</a:t>
+            </a:r>
+            <a:r>
+              <a:rPr lang="en-US" dirty="0"/>
+              <a:t>X</a:t>
+            </a:r>
+            <a:r>
+              <a:rPr lang="en-US" baseline="-25000" dirty="0"/>
+              <a:t>2 </a:t>
+            </a:r>
+            <a:r>
+              <a:rPr lang="en-US" dirty="0"/>
+              <a:t>…</a:t>
+            </a:r>
+          </a:p>
+          <a:p>
+            <a:endParaRPr lang="en-US" dirty="0"/>
+          </a:p>
+        </p:txBody>
+      </p:sp>
     </p:spTree>
     <p:extLst>
       <p:ext uri="{BB962C8B-B14F-4D97-AF65-F5344CB8AC3E}">
-        <p14:creationId xmlns:p14="http://schemas.microsoft.com/office/powerpoint/2010/main" val="1452440057"/>
+        <p14:creationId xmlns:p14="http://schemas.microsoft.com/office/powerpoint/2010/main" val="4076811834"/>
       </p:ext>
     </p:extLst>
   </p:cSld>
@@ -18942,7 +16127,7 @@
     </p:spTree>
     <p:extLst>
       <p:ext uri="{BB962C8B-B14F-4D97-AF65-F5344CB8AC3E}">
-        <p14:creationId xmlns:p14="http://schemas.microsoft.com/office/powerpoint/2010/main" val="4076811834"/>
+        <p14:creationId xmlns:p14="http://schemas.microsoft.com/office/powerpoint/2010/main" val="4227514427"/>
       </p:ext>
     </p:extLst>
   </p:cSld>

--- a/talks/MachineLearning101.pptx
+++ b/talks/MachineLearning101.pptx
@@ -10,17 +10,18 @@
     <p:sldId id="258" r:id="rId4"/>
     <p:sldId id="274" r:id="rId5"/>
     <p:sldId id="261" r:id="rId6"/>
-    <p:sldId id="263" r:id="rId7"/>
-    <p:sldId id="275" r:id="rId8"/>
-    <p:sldId id="264" r:id="rId9"/>
-    <p:sldId id="265" r:id="rId10"/>
-    <p:sldId id="267" r:id="rId11"/>
-    <p:sldId id="268" r:id="rId12"/>
-    <p:sldId id="269" r:id="rId13"/>
-    <p:sldId id="271" r:id="rId14"/>
-    <p:sldId id="270" r:id="rId15"/>
-    <p:sldId id="272" r:id="rId16"/>
-    <p:sldId id="262" r:id="rId17"/>
+    <p:sldId id="276" r:id="rId7"/>
+    <p:sldId id="263" r:id="rId8"/>
+    <p:sldId id="275" r:id="rId9"/>
+    <p:sldId id="264" r:id="rId10"/>
+    <p:sldId id="265" r:id="rId11"/>
+    <p:sldId id="267" r:id="rId12"/>
+    <p:sldId id="268" r:id="rId13"/>
+    <p:sldId id="269" r:id="rId14"/>
+    <p:sldId id="271" r:id="rId15"/>
+    <p:sldId id="270" r:id="rId16"/>
+    <p:sldId id="272" r:id="rId17"/>
+    <p:sldId id="262" r:id="rId18"/>
   </p:sldIdLst>
   <p:sldSz cx="12192000" cy="6858000"/>
   <p:notesSz cx="6858000" cy="9144000"/>
@@ -245,16 +246,16 @@
                 <c:formatCode>General</c:formatCode>
                 <c:ptCount val="4"/>
                 <c:pt idx="0">
-                  <c:v>50</c:v>
+                  <c:v>5</c:v>
                 </c:pt>
                 <c:pt idx="1">
-                  <c:v>100</c:v>
+                  <c:v>10</c:v>
                 </c:pt>
                 <c:pt idx="2">
-                  <c:v>150</c:v>
+                  <c:v>15</c:v>
                 </c:pt>
                 <c:pt idx="3">
-                  <c:v>200</c:v>
+                  <c:v>20</c:v>
                 </c:pt>
               </c:numCache>
             </c:numRef>
@@ -1802,6 +1803,925 @@
 </dgm:colorsDef>
 </file>
 
+<file path=ppt/diagrams/colors2.xml><?xml version="1.0" encoding="utf-8"?>
+<dgm:colorsDef xmlns:dgm="http://schemas.openxmlformats.org/drawingml/2006/diagram" xmlns:a="http://schemas.openxmlformats.org/drawingml/2006/main" uniqueId="urn:microsoft.com/office/officeart/2005/8/colors/colorful1">
+  <dgm:title val=""/>
+  <dgm:desc val=""/>
+  <dgm:catLst>
+    <dgm:cat type="colorful" pri="10100"/>
+  </dgm:catLst>
+  <dgm:styleLbl name="node0">
+    <dgm:fillClrLst meth="repeat">
+      <a:schemeClr val="accent1"/>
+    </dgm:fillClrLst>
+    <dgm:linClrLst meth="repeat">
+      <a:schemeClr val="lt1"/>
+    </dgm:linClrLst>
+    <dgm:effectClrLst/>
+    <dgm:txLinClrLst/>
+    <dgm:txFillClrLst/>
+    <dgm:txEffectClrLst/>
+  </dgm:styleLbl>
+  <dgm:styleLbl name="node1">
+    <dgm:fillClrLst meth="repeat">
+      <a:schemeClr val="accent2"/>
+      <a:schemeClr val="accent3"/>
+      <a:schemeClr val="accent4"/>
+      <a:schemeClr val="accent5"/>
+      <a:schemeClr val="accent6"/>
+    </dgm:fillClrLst>
+    <dgm:linClrLst meth="repeat">
+      <a:schemeClr val="lt1"/>
+    </dgm:linClrLst>
+    <dgm:effectClrLst/>
+    <dgm:txLinClrLst/>
+    <dgm:txFillClrLst/>
+    <dgm:txEffectClrLst/>
+  </dgm:styleLbl>
+  <dgm:styleLbl name="alignNode1">
+    <dgm:fillClrLst meth="repeat">
+      <a:schemeClr val="accent2"/>
+      <a:schemeClr val="accent3"/>
+      <a:schemeClr val="accent4"/>
+      <a:schemeClr val="accent5"/>
+      <a:schemeClr val="accent6"/>
+    </dgm:fillClrLst>
+    <dgm:linClrLst meth="repeat">
+      <a:schemeClr val="accent2"/>
+      <a:schemeClr val="accent3"/>
+      <a:schemeClr val="accent4"/>
+      <a:schemeClr val="accent5"/>
+      <a:schemeClr val="accent6"/>
+    </dgm:linClrLst>
+    <dgm:effectClrLst/>
+    <dgm:txLinClrLst/>
+    <dgm:txFillClrLst/>
+    <dgm:txEffectClrLst/>
+  </dgm:styleLbl>
+  <dgm:styleLbl name="lnNode1">
+    <dgm:fillClrLst meth="repeat">
+      <a:schemeClr val="accent2"/>
+      <a:schemeClr val="accent3"/>
+      <a:schemeClr val="accent4"/>
+      <a:schemeClr val="accent5"/>
+      <a:schemeClr val="accent6"/>
+    </dgm:fillClrLst>
+    <dgm:linClrLst meth="repeat">
+      <a:schemeClr val="lt1"/>
+    </dgm:linClrLst>
+    <dgm:effectClrLst/>
+    <dgm:txLinClrLst/>
+    <dgm:txFillClrLst/>
+    <dgm:txEffectClrLst/>
+  </dgm:styleLbl>
+  <dgm:styleLbl name="vennNode1">
+    <dgm:fillClrLst meth="repeat">
+      <a:schemeClr val="accent2">
+        <a:alpha val="50000"/>
+      </a:schemeClr>
+      <a:schemeClr val="accent3">
+        <a:alpha val="50000"/>
+      </a:schemeClr>
+      <a:schemeClr val="accent4">
+        <a:alpha val="50000"/>
+      </a:schemeClr>
+      <a:schemeClr val="accent5">
+        <a:alpha val="50000"/>
+      </a:schemeClr>
+      <a:schemeClr val="accent6">
+        <a:alpha val="50000"/>
+      </a:schemeClr>
+    </dgm:fillClrLst>
+    <dgm:linClrLst meth="repeat">
+      <a:schemeClr val="lt1"/>
+    </dgm:linClrLst>
+    <dgm:effectClrLst/>
+    <dgm:txLinClrLst/>
+    <dgm:txFillClrLst/>
+    <dgm:txEffectClrLst/>
+  </dgm:styleLbl>
+  <dgm:styleLbl name="node2">
+    <dgm:fillClrLst>
+      <a:schemeClr val="accent2"/>
+    </dgm:fillClrLst>
+    <dgm:linClrLst meth="repeat">
+      <a:schemeClr val="lt1"/>
+    </dgm:linClrLst>
+    <dgm:effectClrLst/>
+    <dgm:txLinClrLst/>
+    <dgm:txFillClrLst/>
+    <dgm:txEffectClrLst/>
+  </dgm:styleLbl>
+  <dgm:styleLbl name="node3">
+    <dgm:fillClrLst>
+      <a:schemeClr val="accent3"/>
+    </dgm:fillClrLst>
+    <dgm:linClrLst meth="repeat">
+      <a:schemeClr val="lt1"/>
+    </dgm:linClrLst>
+    <dgm:effectClrLst/>
+    <dgm:txLinClrLst/>
+    <dgm:txFillClrLst/>
+    <dgm:txEffectClrLst/>
+  </dgm:styleLbl>
+  <dgm:styleLbl name="node4">
+    <dgm:fillClrLst>
+      <a:schemeClr val="accent4"/>
+    </dgm:fillClrLst>
+    <dgm:linClrLst meth="repeat">
+      <a:schemeClr val="lt1"/>
+    </dgm:linClrLst>
+    <dgm:effectClrLst/>
+    <dgm:txLinClrLst/>
+    <dgm:txFillClrLst/>
+    <dgm:txEffectClrLst/>
+  </dgm:styleLbl>
+  <dgm:styleLbl name="fgImgPlace1">
+    <dgm:fillClrLst meth="repeat">
+      <a:schemeClr val="accent2">
+        <a:tint val="50000"/>
+      </a:schemeClr>
+      <a:schemeClr val="accent3">
+        <a:tint val="50000"/>
+      </a:schemeClr>
+      <a:schemeClr val="accent4">
+        <a:tint val="50000"/>
+      </a:schemeClr>
+      <a:schemeClr val="accent5">
+        <a:tint val="50000"/>
+      </a:schemeClr>
+      <a:schemeClr val="accent6">
+        <a:tint val="50000"/>
+      </a:schemeClr>
+    </dgm:fillClrLst>
+    <dgm:linClrLst meth="repeat">
+      <a:schemeClr val="lt1"/>
+    </dgm:linClrLst>
+    <dgm:effectClrLst/>
+    <dgm:txLinClrLst/>
+    <dgm:txFillClrLst meth="repeat">
+      <a:schemeClr val="lt1"/>
+    </dgm:txFillClrLst>
+    <dgm:txEffectClrLst/>
+  </dgm:styleLbl>
+  <dgm:styleLbl name="alignImgPlace1">
+    <dgm:fillClrLst>
+      <a:schemeClr val="accent1">
+        <a:tint val="50000"/>
+      </a:schemeClr>
+      <a:schemeClr val="accent2">
+        <a:tint val="20000"/>
+      </a:schemeClr>
+    </dgm:fillClrLst>
+    <dgm:linClrLst meth="repeat">
+      <a:schemeClr val="lt1"/>
+    </dgm:linClrLst>
+    <dgm:effectClrLst/>
+    <dgm:txLinClrLst/>
+    <dgm:txFillClrLst meth="repeat">
+      <a:schemeClr val="lt1"/>
+    </dgm:txFillClrLst>
+    <dgm:txEffectClrLst/>
+  </dgm:styleLbl>
+  <dgm:styleLbl name="bgImgPlace1">
+    <dgm:fillClrLst>
+      <a:schemeClr val="accent1">
+        <a:tint val="50000"/>
+      </a:schemeClr>
+      <a:schemeClr val="accent2">
+        <a:tint val="20000"/>
+      </a:schemeClr>
+    </dgm:fillClrLst>
+    <dgm:linClrLst meth="repeat">
+      <a:schemeClr val="lt1"/>
+    </dgm:linClrLst>
+    <dgm:effectClrLst/>
+    <dgm:txLinClrLst/>
+    <dgm:txFillClrLst meth="repeat">
+      <a:schemeClr val="lt1"/>
+    </dgm:txFillClrLst>
+    <dgm:txEffectClrLst/>
+  </dgm:styleLbl>
+  <dgm:styleLbl name="sibTrans2D1">
+    <dgm:fillClrLst meth="repeat">
+      <a:schemeClr val="accent2"/>
+      <a:schemeClr val="accent3"/>
+      <a:schemeClr val="accent4"/>
+      <a:schemeClr val="accent5"/>
+      <a:schemeClr val="accent6"/>
+    </dgm:fillClrLst>
+    <dgm:linClrLst meth="cycle">
+      <a:schemeClr val="lt1"/>
+    </dgm:linClrLst>
+    <dgm:effectClrLst/>
+    <dgm:txLinClrLst/>
+    <dgm:txFillClrLst/>
+    <dgm:txEffectClrLst/>
+  </dgm:styleLbl>
+  <dgm:styleLbl name="fgSibTrans2D1">
+    <dgm:fillClrLst meth="repeat">
+      <a:schemeClr val="accent2"/>
+      <a:schemeClr val="accent3"/>
+      <a:schemeClr val="accent4"/>
+      <a:schemeClr val="accent5"/>
+      <a:schemeClr val="accent6"/>
+    </dgm:fillClrLst>
+    <dgm:linClrLst meth="cycle">
+      <a:schemeClr val="lt1"/>
+    </dgm:linClrLst>
+    <dgm:effectClrLst/>
+    <dgm:txLinClrLst/>
+    <dgm:txFillClrLst meth="repeat">
+      <a:schemeClr val="lt1"/>
+    </dgm:txFillClrLst>
+    <dgm:txEffectClrLst/>
+  </dgm:styleLbl>
+  <dgm:styleLbl name="bgSibTrans2D1">
+    <dgm:fillClrLst meth="repeat">
+      <a:schemeClr val="accent2"/>
+      <a:schemeClr val="accent3"/>
+      <a:schemeClr val="accent4"/>
+      <a:schemeClr val="accent5"/>
+      <a:schemeClr val="accent6"/>
+    </dgm:fillClrLst>
+    <dgm:linClrLst meth="cycle">
+      <a:schemeClr val="lt1"/>
+    </dgm:linClrLst>
+    <dgm:effectClrLst/>
+    <dgm:txLinClrLst/>
+    <dgm:txFillClrLst meth="repeat">
+      <a:schemeClr val="lt1"/>
+    </dgm:txFillClrLst>
+    <dgm:txEffectClrLst/>
+  </dgm:styleLbl>
+  <dgm:styleLbl name="sibTrans1D1">
+    <dgm:fillClrLst meth="repeat">
+      <a:schemeClr val="accent2"/>
+      <a:schemeClr val="accent3"/>
+      <a:schemeClr val="accent4"/>
+      <a:schemeClr val="accent5"/>
+      <a:schemeClr val="accent6"/>
+    </dgm:fillClrLst>
+    <dgm:linClrLst meth="repeat">
+      <a:schemeClr val="accent2"/>
+      <a:schemeClr val="accent3"/>
+      <a:schemeClr val="accent4"/>
+      <a:schemeClr val="accent5"/>
+      <a:schemeClr val="accent6"/>
+    </dgm:linClrLst>
+    <dgm:effectClrLst/>
+    <dgm:txLinClrLst/>
+    <dgm:txFillClrLst meth="repeat">
+      <a:schemeClr val="tx1"/>
+    </dgm:txFillClrLst>
+    <dgm:txEffectClrLst/>
+  </dgm:styleLbl>
+  <dgm:styleLbl name="callout">
+    <dgm:fillClrLst meth="repeat">
+      <a:schemeClr val="accent2"/>
+    </dgm:fillClrLst>
+    <dgm:linClrLst meth="repeat">
+      <a:schemeClr val="accent2">
+        <a:tint val="50000"/>
+      </a:schemeClr>
+    </dgm:linClrLst>
+    <dgm:effectClrLst/>
+    <dgm:txLinClrLst/>
+    <dgm:txFillClrLst meth="repeat">
+      <a:schemeClr val="tx1"/>
+    </dgm:txFillClrLst>
+    <dgm:txEffectClrLst/>
+  </dgm:styleLbl>
+  <dgm:styleLbl name="asst0">
+    <dgm:fillClrLst meth="repeat">
+      <a:schemeClr val="accent1"/>
+    </dgm:fillClrLst>
+    <dgm:linClrLst meth="repeat">
+      <a:schemeClr val="lt1"/>
+    </dgm:linClrLst>
+    <dgm:effectClrLst/>
+    <dgm:txLinClrLst/>
+    <dgm:txFillClrLst/>
+    <dgm:txEffectClrLst/>
+  </dgm:styleLbl>
+  <dgm:styleLbl name="asst1">
+    <dgm:fillClrLst meth="repeat">
+      <a:schemeClr val="accent2"/>
+    </dgm:fillClrLst>
+    <dgm:linClrLst meth="repeat">
+      <a:schemeClr val="lt1"/>
+    </dgm:linClrLst>
+    <dgm:effectClrLst/>
+    <dgm:txLinClrLst/>
+    <dgm:txFillClrLst/>
+    <dgm:txEffectClrLst/>
+  </dgm:styleLbl>
+  <dgm:styleLbl name="asst2">
+    <dgm:fillClrLst>
+      <a:schemeClr val="accent3"/>
+    </dgm:fillClrLst>
+    <dgm:linClrLst meth="repeat">
+      <a:schemeClr val="lt1"/>
+    </dgm:linClrLst>
+    <dgm:effectClrLst/>
+    <dgm:txLinClrLst/>
+    <dgm:txFillClrLst/>
+    <dgm:txEffectClrLst/>
+  </dgm:styleLbl>
+  <dgm:styleLbl name="asst3">
+    <dgm:fillClrLst>
+      <a:schemeClr val="accent4"/>
+    </dgm:fillClrLst>
+    <dgm:linClrLst meth="repeat">
+      <a:schemeClr val="lt1"/>
+    </dgm:linClrLst>
+    <dgm:effectClrLst/>
+    <dgm:txLinClrLst/>
+    <dgm:txFillClrLst/>
+    <dgm:txEffectClrLst/>
+  </dgm:styleLbl>
+  <dgm:styleLbl name="asst4">
+    <dgm:fillClrLst>
+      <a:schemeClr val="accent5"/>
+    </dgm:fillClrLst>
+    <dgm:linClrLst meth="repeat">
+      <a:schemeClr val="lt1"/>
+    </dgm:linClrLst>
+    <dgm:effectClrLst/>
+    <dgm:txLinClrLst/>
+    <dgm:txFillClrLst/>
+    <dgm:txEffectClrLst/>
+  </dgm:styleLbl>
+  <dgm:styleLbl name="parChTrans2D1">
+    <dgm:fillClrLst meth="repeat">
+      <a:schemeClr val="accent2"/>
+    </dgm:fillClrLst>
+    <dgm:linClrLst meth="repeat">
+      <a:schemeClr val="lt1"/>
+    </dgm:linClrLst>
+    <dgm:effectClrLst/>
+    <dgm:txLinClrLst/>
+    <dgm:txFillClrLst meth="repeat">
+      <a:schemeClr val="lt1"/>
+    </dgm:txFillClrLst>
+    <dgm:txEffectClrLst/>
+  </dgm:styleLbl>
+  <dgm:styleLbl name="parChTrans2D2">
+    <dgm:fillClrLst meth="repeat">
+      <a:schemeClr val="accent3"/>
+    </dgm:fillClrLst>
+    <dgm:linClrLst meth="repeat">
+      <a:schemeClr val="lt1"/>
+    </dgm:linClrLst>
+    <dgm:effectClrLst/>
+    <dgm:txLinClrLst/>
+    <dgm:txFillClrLst/>
+    <dgm:txEffectClrLst/>
+  </dgm:styleLbl>
+  <dgm:styleLbl name="parChTrans2D3">
+    <dgm:fillClrLst meth="repeat">
+      <a:schemeClr val="accent4"/>
+    </dgm:fillClrLst>
+    <dgm:linClrLst meth="repeat">
+      <a:schemeClr val="lt1"/>
+    </dgm:linClrLst>
+    <dgm:effectClrLst/>
+    <dgm:txLinClrLst/>
+    <dgm:txFillClrLst/>
+    <dgm:txEffectClrLst/>
+  </dgm:styleLbl>
+  <dgm:styleLbl name="parChTrans2D4">
+    <dgm:fillClrLst meth="repeat">
+      <a:schemeClr val="accent5"/>
+    </dgm:fillClrLst>
+    <dgm:linClrLst meth="repeat">
+      <a:schemeClr val="lt1"/>
+    </dgm:linClrLst>
+    <dgm:effectClrLst/>
+    <dgm:txLinClrLst/>
+    <dgm:txFillClrLst meth="repeat">
+      <a:schemeClr val="lt1"/>
+    </dgm:txFillClrLst>
+    <dgm:txEffectClrLst/>
+  </dgm:styleLbl>
+  <dgm:styleLbl name="parChTrans1D1">
+    <dgm:fillClrLst meth="repeat">
+      <a:schemeClr val="accent2"/>
+    </dgm:fillClrLst>
+    <dgm:linClrLst meth="repeat">
+      <a:schemeClr val="accent1"/>
+    </dgm:linClrLst>
+    <dgm:effectClrLst/>
+    <dgm:txLinClrLst/>
+    <dgm:txFillClrLst meth="repeat">
+      <a:schemeClr val="tx1"/>
+    </dgm:txFillClrLst>
+    <dgm:txEffectClrLst/>
+  </dgm:styleLbl>
+  <dgm:styleLbl name="parChTrans1D2">
+    <dgm:fillClrLst meth="repeat">
+      <a:schemeClr val="accent3">
+        <a:tint val="90000"/>
+      </a:schemeClr>
+    </dgm:fillClrLst>
+    <dgm:linClrLst meth="repeat">
+      <a:schemeClr val="accent2"/>
+    </dgm:linClrLst>
+    <dgm:effectClrLst/>
+    <dgm:txLinClrLst/>
+    <dgm:txFillClrLst meth="repeat">
+      <a:schemeClr val="tx1"/>
+    </dgm:txFillClrLst>
+    <dgm:txEffectClrLst/>
+  </dgm:styleLbl>
+  <dgm:styleLbl name="parChTrans1D3">
+    <dgm:fillClrLst meth="repeat">
+      <a:schemeClr val="accent4">
+        <a:tint val="70000"/>
+      </a:schemeClr>
+    </dgm:fillClrLst>
+    <dgm:linClrLst meth="repeat">
+      <a:schemeClr val="accent3"/>
+    </dgm:linClrLst>
+    <dgm:effectClrLst/>
+    <dgm:txLinClrLst/>
+    <dgm:txFillClrLst meth="repeat">
+      <a:schemeClr val="tx1"/>
+    </dgm:txFillClrLst>
+    <dgm:txEffectClrLst/>
+  </dgm:styleLbl>
+  <dgm:styleLbl name="parChTrans1D4">
+    <dgm:fillClrLst meth="repeat">
+      <a:schemeClr val="accent5">
+        <a:tint val="50000"/>
+      </a:schemeClr>
+    </dgm:fillClrLst>
+    <dgm:linClrLst meth="repeat">
+      <a:schemeClr val="accent4"/>
+    </dgm:linClrLst>
+    <dgm:effectClrLst/>
+    <dgm:txLinClrLst/>
+    <dgm:txFillClrLst meth="repeat">
+      <a:schemeClr val="tx1"/>
+    </dgm:txFillClrLst>
+    <dgm:txEffectClrLst/>
+  </dgm:styleLbl>
+  <dgm:styleLbl name="fgAcc1">
+    <dgm:fillClrLst meth="repeat">
+      <a:schemeClr val="lt1">
+        <a:alpha val="90000"/>
+      </a:schemeClr>
+    </dgm:fillClrLst>
+    <dgm:linClrLst meth="repeat">
+      <a:schemeClr val="accent2"/>
+      <a:schemeClr val="accent3"/>
+      <a:schemeClr val="accent4"/>
+      <a:schemeClr val="accent5"/>
+      <a:schemeClr val="accent6"/>
+    </dgm:linClrLst>
+    <dgm:effectClrLst/>
+    <dgm:txLinClrLst/>
+    <dgm:txFillClrLst meth="repeat">
+      <a:schemeClr val="dk1"/>
+    </dgm:txFillClrLst>
+    <dgm:txEffectClrLst/>
+  </dgm:styleLbl>
+  <dgm:styleLbl name="conFgAcc1">
+    <dgm:fillClrLst meth="repeat">
+      <a:schemeClr val="lt1">
+        <a:alpha val="90000"/>
+      </a:schemeClr>
+    </dgm:fillClrLst>
+    <dgm:linClrLst meth="repeat">
+      <a:schemeClr val="accent2"/>
+      <a:schemeClr val="accent3"/>
+      <a:schemeClr val="accent4"/>
+      <a:schemeClr val="accent5"/>
+      <a:schemeClr val="accent6"/>
+    </dgm:linClrLst>
+    <dgm:effectClrLst/>
+    <dgm:txLinClrLst/>
+    <dgm:txFillClrLst meth="repeat">
+      <a:schemeClr val="dk1"/>
+    </dgm:txFillClrLst>
+    <dgm:txEffectClrLst/>
+  </dgm:styleLbl>
+  <dgm:styleLbl name="alignAcc1">
+    <dgm:fillClrLst meth="repeat">
+      <a:schemeClr val="lt1">
+        <a:alpha val="90000"/>
+      </a:schemeClr>
+    </dgm:fillClrLst>
+    <dgm:linClrLst meth="repeat">
+      <a:schemeClr val="accent2"/>
+      <a:schemeClr val="accent3"/>
+      <a:schemeClr val="accent4"/>
+      <a:schemeClr val="accent5"/>
+      <a:schemeClr val="accent6"/>
+    </dgm:linClrLst>
+    <dgm:effectClrLst/>
+    <dgm:txLinClrLst/>
+    <dgm:txFillClrLst meth="repeat">
+      <a:schemeClr val="dk1"/>
+    </dgm:txFillClrLst>
+    <dgm:txEffectClrLst/>
+  </dgm:styleLbl>
+  <dgm:styleLbl name="trAlignAcc1">
+    <dgm:fillClrLst meth="repeat">
+      <a:schemeClr val="lt1">
+        <a:alpha val="40000"/>
+      </a:schemeClr>
+    </dgm:fillClrLst>
+    <dgm:linClrLst meth="repeat">
+      <a:schemeClr val="accent1"/>
+    </dgm:linClrLst>
+    <dgm:effectClrLst/>
+    <dgm:txLinClrLst/>
+    <dgm:txFillClrLst meth="repeat">
+      <a:schemeClr val="dk1"/>
+    </dgm:txFillClrLst>
+    <dgm:txEffectClrLst/>
+  </dgm:styleLbl>
+  <dgm:styleLbl name="bgAcc1">
+    <dgm:fillClrLst meth="repeat">
+      <a:schemeClr val="lt1">
+        <a:alpha val="90000"/>
+      </a:schemeClr>
+    </dgm:fillClrLst>
+    <dgm:linClrLst meth="repeat">
+      <a:schemeClr val="accent2"/>
+      <a:schemeClr val="accent3"/>
+      <a:schemeClr val="accent4"/>
+      <a:schemeClr val="accent5"/>
+      <a:schemeClr val="accent6"/>
+    </dgm:linClrLst>
+    <dgm:effectClrLst/>
+    <dgm:txLinClrLst/>
+    <dgm:txFillClrLst meth="repeat">
+      <a:schemeClr val="dk1"/>
+    </dgm:txFillClrLst>
+    <dgm:txEffectClrLst/>
+  </dgm:styleLbl>
+  <dgm:styleLbl name="solidFgAcc1">
+    <dgm:fillClrLst meth="repeat">
+      <a:schemeClr val="lt1"/>
+    </dgm:fillClrLst>
+    <dgm:linClrLst meth="repeat">
+      <a:schemeClr val="accent2"/>
+      <a:schemeClr val="accent3"/>
+      <a:schemeClr val="accent4"/>
+      <a:schemeClr val="accent5"/>
+      <a:schemeClr val="accent6"/>
+    </dgm:linClrLst>
+    <dgm:effectClrLst/>
+    <dgm:txLinClrLst/>
+    <dgm:txFillClrLst meth="repeat">
+      <a:schemeClr val="dk1"/>
+    </dgm:txFillClrLst>
+    <dgm:txEffectClrLst/>
+  </dgm:styleLbl>
+  <dgm:styleLbl name="solidAlignAcc1">
+    <dgm:fillClrLst meth="repeat">
+      <a:schemeClr val="lt1"/>
+    </dgm:fillClrLst>
+    <dgm:linClrLst meth="repeat">
+      <a:schemeClr val="accent2"/>
+      <a:schemeClr val="accent3"/>
+      <a:schemeClr val="accent4"/>
+      <a:schemeClr val="accent5"/>
+      <a:schemeClr val="accent6"/>
+    </dgm:linClrLst>
+    <dgm:effectClrLst/>
+    <dgm:txLinClrLst/>
+    <dgm:txFillClrLst meth="repeat">
+      <a:schemeClr val="dk1"/>
+    </dgm:txFillClrLst>
+    <dgm:txEffectClrLst/>
+  </dgm:styleLbl>
+  <dgm:styleLbl name="solidBgAcc1">
+    <dgm:fillClrLst meth="repeat">
+      <a:schemeClr val="lt1"/>
+    </dgm:fillClrLst>
+    <dgm:linClrLst meth="repeat">
+      <a:schemeClr val="accent2"/>
+      <a:schemeClr val="accent3"/>
+      <a:schemeClr val="accent4"/>
+      <a:schemeClr val="accent5"/>
+      <a:schemeClr val="accent6"/>
+    </dgm:linClrLst>
+    <dgm:effectClrLst/>
+    <dgm:txLinClrLst/>
+    <dgm:txFillClrLst meth="repeat">
+      <a:schemeClr val="dk1"/>
+    </dgm:txFillClrLst>
+    <dgm:txEffectClrLst/>
+  </dgm:styleLbl>
+  <dgm:styleLbl name="fgAccFollowNode1">
+    <dgm:fillClrLst meth="repeat">
+      <a:schemeClr val="accent2">
+        <a:tint val="40000"/>
+        <a:alpha val="90000"/>
+      </a:schemeClr>
+      <a:schemeClr val="accent3">
+        <a:tint val="40000"/>
+        <a:alpha val="90000"/>
+      </a:schemeClr>
+      <a:schemeClr val="accent4">
+        <a:tint val="40000"/>
+        <a:alpha val="90000"/>
+      </a:schemeClr>
+      <a:schemeClr val="accent5">
+        <a:tint val="40000"/>
+        <a:alpha val="90000"/>
+      </a:schemeClr>
+      <a:schemeClr val="accent6">
+        <a:tint val="40000"/>
+        <a:alpha val="90000"/>
+      </a:schemeClr>
+    </dgm:fillClrLst>
+    <dgm:linClrLst meth="repeat">
+      <a:schemeClr val="accent2">
+        <a:tint val="40000"/>
+        <a:alpha val="90000"/>
+      </a:schemeClr>
+      <a:schemeClr val="accent3">
+        <a:tint val="40000"/>
+        <a:alpha val="90000"/>
+      </a:schemeClr>
+      <a:schemeClr val="accent4">
+        <a:tint val="40000"/>
+        <a:alpha val="90000"/>
+      </a:schemeClr>
+      <a:schemeClr val="accent5">
+        <a:tint val="40000"/>
+        <a:alpha val="90000"/>
+      </a:schemeClr>
+      <a:schemeClr val="accent6">
+        <a:tint val="40000"/>
+        <a:alpha val="90000"/>
+      </a:schemeClr>
+    </dgm:linClrLst>
+    <dgm:effectClrLst/>
+    <dgm:txLinClrLst/>
+    <dgm:txFillClrLst meth="repeat">
+      <a:schemeClr val="dk1"/>
+    </dgm:txFillClrLst>
+    <dgm:txEffectClrLst/>
+  </dgm:styleLbl>
+  <dgm:styleLbl name="alignAccFollowNode1">
+    <dgm:fillClrLst meth="repeat">
+      <a:schemeClr val="accent2">
+        <a:tint val="40000"/>
+        <a:alpha val="90000"/>
+      </a:schemeClr>
+      <a:schemeClr val="accent3">
+        <a:tint val="40000"/>
+        <a:alpha val="90000"/>
+      </a:schemeClr>
+      <a:schemeClr val="accent4">
+        <a:tint val="40000"/>
+        <a:alpha val="90000"/>
+      </a:schemeClr>
+      <a:schemeClr val="accent5">
+        <a:tint val="40000"/>
+        <a:alpha val="90000"/>
+      </a:schemeClr>
+      <a:schemeClr val="accent6">
+        <a:tint val="40000"/>
+        <a:alpha val="90000"/>
+      </a:schemeClr>
+    </dgm:fillClrLst>
+    <dgm:linClrLst meth="repeat">
+      <a:schemeClr val="accent2">
+        <a:tint val="40000"/>
+        <a:alpha val="90000"/>
+      </a:schemeClr>
+      <a:schemeClr val="accent3">
+        <a:tint val="40000"/>
+        <a:alpha val="90000"/>
+      </a:schemeClr>
+      <a:schemeClr val="accent4">
+        <a:tint val="40000"/>
+        <a:alpha val="90000"/>
+      </a:schemeClr>
+      <a:schemeClr val="accent5">
+        <a:tint val="40000"/>
+        <a:alpha val="90000"/>
+      </a:schemeClr>
+      <a:schemeClr val="accent6">
+        <a:tint val="40000"/>
+        <a:alpha val="90000"/>
+      </a:schemeClr>
+    </dgm:linClrLst>
+    <dgm:effectClrLst/>
+    <dgm:txLinClrLst/>
+    <dgm:txFillClrLst meth="repeat">
+      <a:schemeClr val="dk1"/>
+    </dgm:txFillClrLst>
+    <dgm:txEffectClrLst/>
+  </dgm:styleLbl>
+  <dgm:styleLbl name="bgAccFollowNode1">
+    <dgm:fillClrLst meth="repeat">
+      <a:schemeClr val="accent2">
+        <a:tint val="40000"/>
+        <a:alpha val="90000"/>
+      </a:schemeClr>
+      <a:schemeClr val="accent3">
+        <a:tint val="40000"/>
+        <a:alpha val="90000"/>
+      </a:schemeClr>
+      <a:schemeClr val="accent4">
+        <a:tint val="40000"/>
+        <a:alpha val="90000"/>
+      </a:schemeClr>
+      <a:schemeClr val="accent5">
+        <a:tint val="40000"/>
+        <a:alpha val="90000"/>
+      </a:schemeClr>
+      <a:schemeClr val="accent6">
+        <a:tint val="40000"/>
+        <a:alpha val="90000"/>
+      </a:schemeClr>
+    </dgm:fillClrLst>
+    <dgm:linClrLst meth="repeat">
+      <a:schemeClr val="accent2">
+        <a:tint val="40000"/>
+        <a:alpha val="90000"/>
+      </a:schemeClr>
+      <a:schemeClr val="accent3">
+        <a:tint val="40000"/>
+        <a:alpha val="90000"/>
+      </a:schemeClr>
+      <a:schemeClr val="accent4">
+        <a:tint val="40000"/>
+        <a:alpha val="90000"/>
+      </a:schemeClr>
+      <a:schemeClr val="accent5">
+        <a:tint val="40000"/>
+        <a:alpha val="90000"/>
+      </a:schemeClr>
+      <a:schemeClr val="accent6">
+        <a:tint val="40000"/>
+        <a:alpha val="90000"/>
+      </a:schemeClr>
+    </dgm:linClrLst>
+    <dgm:effectClrLst/>
+    <dgm:txLinClrLst/>
+    <dgm:txFillClrLst meth="repeat">
+      <a:schemeClr val="dk1"/>
+    </dgm:txFillClrLst>
+    <dgm:txEffectClrLst/>
+  </dgm:styleLbl>
+  <dgm:styleLbl name="fgAcc0">
+    <dgm:fillClrLst meth="repeat">
+      <a:schemeClr val="lt1">
+        <a:alpha val="90000"/>
+      </a:schemeClr>
+    </dgm:fillClrLst>
+    <dgm:linClrLst>
+      <a:schemeClr val="accent1"/>
+    </dgm:linClrLst>
+    <dgm:effectClrLst/>
+    <dgm:txLinClrLst/>
+    <dgm:txFillClrLst meth="repeat">
+      <a:schemeClr val="dk1"/>
+    </dgm:txFillClrLst>
+    <dgm:txEffectClrLst/>
+  </dgm:styleLbl>
+  <dgm:styleLbl name="fgAcc2">
+    <dgm:fillClrLst meth="repeat">
+      <a:schemeClr val="lt1">
+        <a:alpha val="90000"/>
+      </a:schemeClr>
+    </dgm:fillClrLst>
+    <dgm:linClrLst>
+      <a:schemeClr val="accent2"/>
+    </dgm:linClrLst>
+    <dgm:effectClrLst/>
+    <dgm:txLinClrLst/>
+    <dgm:txFillClrLst meth="repeat">
+      <a:schemeClr val="dk1"/>
+    </dgm:txFillClrLst>
+    <dgm:txEffectClrLst/>
+  </dgm:styleLbl>
+  <dgm:styleLbl name="fgAcc3">
+    <dgm:fillClrLst meth="repeat">
+      <a:schemeClr val="lt1">
+        <a:alpha val="90000"/>
+      </a:schemeClr>
+    </dgm:fillClrLst>
+    <dgm:linClrLst>
+      <a:schemeClr val="accent3"/>
+    </dgm:linClrLst>
+    <dgm:effectClrLst/>
+    <dgm:txLinClrLst/>
+    <dgm:txFillClrLst meth="repeat">
+      <a:schemeClr val="dk1"/>
+    </dgm:txFillClrLst>
+    <dgm:txEffectClrLst/>
+  </dgm:styleLbl>
+  <dgm:styleLbl name="fgAcc4">
+    <dgm:fillClrLst meth="repeat">
+      <a:schemeClr val="lt1">
+        <a:alpha val="90000"/>
+      </a:schemeClr>
+    </dgm:fillClrLst>
+    <dgm:linClrLst>
+      <a:schemeClr val="accent4"/>
+    </dgm:linClrLst>
+    <dgm:effectClrLst/>
+    <dgm:txLinClrLst/>
+    <dgm:txFillClrLst meth="repeat">
+      <a:schemeClr val="dk1"/>
+    </dgm:txFillClrLst>
+    <dgm:txEffectClrLst/>
+  </dgm:styleLbl>
+  <dgm:styleLbl name="bgShp">
+    <dgm:fillClrLst meth="repeat">
+      <a:schemeClr val="accent2">
+        <a:tint val="40000"/>
+      </a:schemeClr>
+    </dgm:fillClrLst>
+    <dgm:linClrLst meth="repeat">
+      <a:schemeClr val="dk1"/>
+    </dgm:linClrLst>
+    <dgm:effectClrLst/>
+    <dgm:txLinClrLst/>
+    <dgm:txFillClrLst meth="repeat">
+      <a:schemeClr val="dk1"/>
+    </dgm:txFillClrLst>
+    <dgm:txEffectClrLst/>
+  </dgm:styleLbl>
+  <dgm:styleLbl name="dkBgShp">
+    <dgm:fillClrLst meth="repeat">
+      <a:schemeClr val="accent2">
+        <a:shade val="90000"/>
+      </a:schemeClr>
+    </dgm:fillClrLst>
+    <dgm:linClrLst meth="repeat">
+      <a:schemeClr val="dk1"/>
+    </dgm:linClrLst>
+    <dgm:effectClrLst/>
+    <dgm:txLinClrLst/>
+    <dgm:txFillClrLst meth="repeat">
+      <a:schemeClr val="lt1"/>
+    </dgm:txFillClrLst>
+    <dgm:txEffectClrLst/>
+  </dgm:styleLbl>
+  <dgm:styleLbl name="trBgShp">
+    <dgm:fillClrLst meth="repeat">
+      <a:schemeClr val="accent1">
+        <a:tint val="50000"/>
+        <a:alpha val="40000"/>
+      </a:schemeClr>
+    </dgm:fillClrLst>
+    <dgm:linClrLst meth="repeat">
+      <a:schemeClr val="accent2"/>
+    </dgm:linClrLst>
+    <dgm:effectClrLst/>
+    <dgm:txLinClrLst/>
+    <dgm:txFillClrLst meth="repeat">
+      <a:schemeClr val="lt1"/>
+    </dgm:txFillClrLst>
+    <dgm:txEffectClrLst/>
+  </dgm:styleLbl>
+  <dgm:styleLbl name="fgShp">
+    <dgm:fillClrLst meth="repeat">
+      <a:schemeClr val="accent2">
+        <a:tint val="40000"/>
+      </a:schemeClr>
+    </dgm:fillClrLst>
+    <dgm:linClrLst meth="repeat">
+      <a:schemeClr val="lt1"/>
+    </dgm:linClrLst>
+    <dgm:effectClrLst/>
+    <dgm:txLinClrLst/>
+    <dgm:txFillClrLst meth="repeat">
+      <a:schemeClr val="dk1"/>
+    </dgm:txFillClrLst>
+    <dgm:txEffectClrLst/>
+  </dgm:styleLbl>
+  <dgm:styleLbl name="revTx">
+    <dgm:fillClrLst meth="repeat">
+      <a:schemeClr val="lt1">
+        <a:alpha val="0"/>
+      </a:schemeClr>
+    </dgm:fillClrLst>
+    <dgm:linClrLst meth="repeat">
+      <a:schemeClr val="dk1">
+        <a:alpha val="0"/>
+      </a:schemeClr>
+    </dgm:linClrLst>
+    <dgm:effectClrLst/>
+    <dgm:txLinClrLst/>
+    <dgm:txFillClrLst meth="repeat">
+      <a:schemeClr val="tx1"/>
+    </dgm:txFillClrLst>
+    <dgm:txEffectClrLst/>
+  </dgm:styleLbl>
+</dgm:colorsDef>
+</file>
+
 <file path=ppt/diagrams/data1.xml><?xml version="1.0" encoding="utf-8"?>
 <dgm:dataModel xmlns:dgm="http://schemas.openxmlformats.org/drawingml/2006/diagram" xmlns:a="http://schemas.openxmlformats.org/drawingml/2006/main">
   <dgm:ptLst>
@@ -2845,6 +3765,1233 @@
   <dgm:extLst>
     <a:ext uri="http://schemas.microsoft.com/office/drawing/2008/diagram">
       <dsp:dataModelExt xmlns:dsp="http://schemas.microsoft.com/office/drawing/2008/diagram" relId="rId10" minVer="http://schemas.openxmlformats.org/drawingml/2006/diagram"/>
+    </a:ext>
+  </dgm:extLst>
+</dgm:dataModel>
+</file>
+
+<file path=ppt/diagrams/data2.xml><?xml version="1.0" encoding="utf-8"?>
+<dgm:dataModel xmlns:dgm="http://schemas.openxmlformats.org/drawingml/2006/diagram" xmlns:a="http://schemas.openxmlformats.org/drawingml/2006/main">
+  <dgm:ptLst>
+    <dgm:pt modelId="{7665D50C-BF6A-41B5-B3CA-29175E510B97}" type="doc">
+      <dgm:prSet loTypeId="urn:microsoft.com/office/officeart/2005/8/layout/hChevron3" loCatId="process" qsTypeId="urn:microsoft.com/office/officeart/2005/8/quickstyle/simple1" qsCatId="simple" csTypeId="urn:microsoft.com/office/officeart/2005/8/colors/colorful1" csCatId="colorful" phldr="1"/>
+      <dgm:spPr/>
+      <dgm:t>
+        <a:bodyPr/>
+        <a:lstStyle/>
+        <a:p>
+          <a:endParaRPr lang="en-US"/>
+        </a:p>
+      </dgm:t>
+    </dgm:pt>
+    <dgm:pt modelId="{DF7F9A6C-9356-4FF1-BAAE-351B819255DF}">
+      <dgm:prSet phldrT="[Text]"/>
+      <dgm:spPr>
+        <a:solidFill>
+          <a:schemeClr val="bg1">
+            <a:lumMod val="75000"/>
+          </a:schemeClr>
+        </a:solidFill>
+      </dgm:spPr>
+      <dgm:t>
+        <a:bodyPr/>
+        <a:lstStyle/>
+        <a:p>
+          <a:r>
+            <a:rPr lang="en-US" b="1" dirty="0">
+              <a:solidFill>
+                <a:schemeClr val="tx1"/>
+              </a:solidFill>
+            </a:rPr>
+            <a:t>Data Sourcing</a:t>
+          </a:r>
+        </a:p>
+      </dgm:t>
+    </dgm:pt>
+    <dgm:pt modelId="{7CA1F36F-97B2-41A6-8A0B-C086A3B29E02}" type="parTrans" cxnId="{C4FE0FE2-6E21-4AE2-A120-52BAF8E3BB73}">
+      <dgm:prSet/>
+      <dgm:spPr/>
+      <dgm:t>
+        <a:bodyPr/>
+        <a:lstStyle/>
+        <a:p>
+          <a:endParaRPr lang="en-US"/>
+        </a:p>
+      </dgm:t>
+    </dgm:pt>
+    <dgm:pt modelId="{1E3555AB-E2B7-4DB3-AAC8-2D95E4BBFD02}" type="sibTrans" cxnId="{C4FE0FE2-6E21-4AE2-A120-52BAF8E3BB73}">
+      <dgm:prSet/>
+      <dgm:spPr/>
+      <dgm:t>
+        <a:bodyPr/>
+        <a:lstStyle/>
+        <a:p>
+          <a:endParaRPr lang="en-US"/>
+        </a:p>
+      </dgm:t>
+    </dgm:pt>
+    <dgm:pt modelId="{FACBBF60-36E0-4A5F-82F6-D0B0EF800817}">
+      <dgm:prSet phldrT="[Text]"/>
+      <dgm:spPr>
+        <a:solidFill>
+          <a:schemeClr val="bg1">
+            <a:lumMod val="75000"/>
+          </a:schemeClr>
+        </a:solidFill>
+      </dgm:spPr>
+      <dgm:t>
+        <a:bodyPr/>
+        <a:lstStyle/>
+        <a:p>
+          <a:r>
+            <a:rPr lang="en-US" dirty="0"/>
+            <a:t>ETL</a:t>
+          </a:r>
+        </a:p>
+      </dgm:t>
+    </dgm:pt>
+    <dgm:pt modelId="{A451E96F-939D-4F1C-93F9-5840505BC597}" type="parTrans" cxnId="{C2B3367E-F9D0-42F7-BE18-753B6A1E3665}">
+      <dgm:prSet/>
+      <dgm:spPr/>
+      <dgm:t>
+        <a:bodyPr/>
+        <a:lstStyle/>
+        <a:p>
+          <a:endParaRPr lang="en-US"/>
+        </a:p>
+      </dgm:t>
+    </dgm:pt>
+    <dgm:pt modelId="{1A4AC378-D92F-4426-9AE0-703D4C983241}" type="sibTrans" cxnId="{C2B3367E-F9D0-42F7-BE18-753B6A1E3665}">
+      <dgm:prSet/>
+      <dgm:spPr/>
+      <dgm:t>
+        <a:bodyPr/>
+        <a:lstStyle/>
+        <a:p>
+          <a:endParaRPr lang="en-US"/>
+        </a:p>
+      </dgm:t>
+    </dgm:pt>
+    <dgm:pt modelId="{DE2C7616-0644-4F12-8597-125C0A720D82}">
+      <dgm:prSet phldrT="[Text]"/>
+      <dgm:spPr>
+        <a:solidFill>
+          <a:schemeClr val="bg1">
+            <a:lumMod val="75000"/>
+          </a:schemeClr>
+        </a:solidFill>
+      </dgm:spPr>
+      <dgm:t>
+        <a:bodyPr/>
+        <a:lstStyle/>
+        <a:p>
+          <a:r>
+            <a:rPr lang="en-US" dirty="0"/>
+            <a:t>Normalize</a:t>
+          </a:r>
+        </a:p>
+      </dgm:t>
+    </dgm:pt>
+    <dgm:pt modelId="{22CA5C31-C510-4915-8195-66EF37FA5C06}" type="parTrans" cxnId="{3F2D3DEC-C01F-4071-B067-DD9B7F8E5CFF}">
+      <dgm:prSet/>
+      <dgm:spPr/>
+      <dgm:t>
+        <a:bodyPr/>
+        <a:lstStyle/>
+        <a:p>
+          <a:endParaRPr lang="en-US"/>
+        </a:p>
+      </dgm:t>
+    </dgm:pt>
+    <dgm:pt modelId="{D9C13197-B505-41F1-B741-D8FF1D43CDFE}" type="sibTrans" cxnId="{3F2D3DEC-C01F-4071-B067-DD9B7F8E5CFF}">
+      <dgm:prSet/>
+      <dgm:spPr/>
+      <dgm:t>
+        <a:bodyPr/>
+        <a:lstStyle/>
+        <a:p>
+          <a:endParaRPr lang="en-US"/>
+        </a:p>
+      </dgm:t>
+    </dgm:pt>
+    <dgm:pt modelId="{DDB2E167-D0B5-4C65-ADC1-597AE56C7936}">
+      <dgm:prSet phldrT="[Text]"/>
+      <dgm:spPr>
+        <a:solidFill>
+          <a:schemeClr val="bg2">
+            <a:lumMod val="75000"/>
+          </a:schemeClr>
+        </a:solidFill>
+      </dgm:spPr>
+      <dgm:t>
+        <a:bodyPr/>
+        <a:lstStyle/>
+        <a:p>
+          <a:r>
+            <a:rPr lang="en-US" b="1" dirty="0">
+              <a:solidFill>
+                <a:schemeClr val="tx1"/>
+              </a:solidFill>
+            </a:rPr>
+            <a:t>(Big) Data Store</a:t>
+          </a:r>
+        </a:p>
+      </dgm:t>
+    </dgm:pt>
+    <dgm:pt modelId="{B7C71C03-2F6F-45E2-BFB7-E16A5F053FEC}" type="parTrans" cxnId="{A13162DE-0109-42EB-8EF1-0111EE573186}">
+      <dgm:prSet/>
+      <dgm:spPr/>
+      <dgm:t>
+        <a:bodyPr/>
+        <a:lstStyle/>
+        <a:p>
+          <a:endParaRPr lang="en-US"/>
+        </a:p>
+      </dgm:t>
+    </dgm:pt>
+    <dgm:pt modelId="{9F57F372-8CC6-40BF-A702-698E6779F61C}" type="sibTrans" cxnId="{A13162DE-0109-42EB-8EF1-0111EE573186}">
+      <dgm:prSet/>
+      <dgm:spPr/>
+      <dgm:t>
+        <a:bodyPr/>
+        <a:lstStyle/>
+        <a:p>
+          <a:endParaRPr lang="en-US"/>
+        </a:p>
+      </dgm:t>
+    </dgm:pt>
+    <dgm:pt modelId="{B0F80D5C-AC40-49C2-885D-D6EDCF05D8DF}">
+      <dgm:prSet phldrT="[Text]"/>
+      <dgm:spPr>
+        <a:solidFill>
+          <a:schemeClr val="bg2">
+            <a:lumMod val="75000"/>
+          </a:schemeClr>
+        </a:solidFill>
+      </dgm:spPr>
+      <dgm:t>
+        <a:bodyPr/>
+        <a:lstStyle/>
+        <a:p>
+          <a:r>
+            <a:rPr lang="en-US" dirty="0"/>
+            <a:t>RDBMS</a:t>
+          </a:r>
+        </a:p>
+      </dgm:t>
+    </dgm:pt>
+    <dgm:pt modelId="{B13850A8-857C-4D80-9A84-707D45C52392}" type="parTrans" cxnId="{A1CD55D0-E374-460A-9D2B-55A4660B0572}">
+      <dgm:prSet/>
+      <dgm:spPr/>
+      <dgm:t>
+        <a:bodyPr/>
+        <a:lstStyle/>
+        <a:p>
+          <a:endParaRPr lang="en-US"/>
+        </a:p>
+      </dgm:t>
+    </dgm:pt>
+    <dgm:pt modelId="{3C3C4B96-2624-4E30-BD69-F3CC368C3CCE}" type="sibTrans" cxnId="{A1CD55D0-E374-460A-9D2B-55A4660B0572}">
+      <dgm:prSet/>
+      <dgm:spPr/>
+      <dgm:t>
+        <a:bodyPr/>
+        <a:lstStyle/>
+        <a:p>
+          <a:endParaRPr lang="en-US"/>
+        </a:p>
+      </dgm:t>
+    </dgm:pt>
+    <dgm:pt modelId="{100B6406-A6AB-4553-AE36-7120A93D172C}">
+      <dgm:prSet phldrT="[Text]"/>
+      <dgm:spPr>
+        <a:solidFill>
+          <a:schemeClr val="bg2">
+            <a:lumMod val="75000"/>
+          </a:schemeClr>
+        </a:solidFill>
+      </dgm:spPr>
+      <dgm:t>
+        <a:bodyPr/>
+        <a:lstStyle/>
+        <a:p>
+          <a:r>
+            <a:rPr lang="en-US" dirty="0"/>
+            <a:t>KDB</a:t>
+          </a:r>
+        </a:p>
+      </dgm:t>
+    </dgm:pt>
+    <dgm:pt modelId="{98AE6D4C-B142-4020-8ACC-8480D41B315C}" type="parTrans" cxnId="{61576C28-78E7-4F09-B5D7-0A94DFC14967}">
+      <dgm:prSet/>
+      <dgm:spPr/>
+      <dgm:t>
+        <a:bodyPr/>
+        <a:lstStyle/>
+        <a:p>
+          <a:endParaRPr lang="en-US"/>
+        </a:p>
+      </dgm:t>
+    </dgm:pt>
+    <dgm:pt modelId="{0DEC7D75-93B2-4A22-91F2-5726D0C01D69}" type="sibTrans" cxnId="{61576C28-78E7-4F09-B5D7-0A94DFC14967}">
+      <dgm:prSet/>
+      <dgm:spPr/>
+      <dgm:t>
+        <a:bodyPr/>
+        <a:lstStyle/>
+        <a:p>
+          <a:endParaRPr lang="en-US"/>
+        </a:p>
+      </dgm:t>
+    </dgm:pt>
+    <dgm:pt modelId="{4FDC3992-7500-4612-979D-5A341BF86028}">
+      <dgm:prSet phldrT="[Text]"/>
+      <dgm:spPr/>
+      <dgm:t>
+        <a:bodyPr/>
+        <a:lstStyle/>
+        <a:p>
+          <a:r>
+            <a:rPr lang="en-US" b="1" dirty="0">
+              <a:solidFill>
+                <a:schemeClr val="tx1"/>
+              </a:solidFill>
+            </a:rPr>
+            <a:t>Feature Engineer/ Selection</a:t>
+          </a:r>
+        </a:p>
+      </dgm:t>
+    </dgm:pt>
+    <dgm:pt modelId="{AA11A064-08AD-4B8A-9577-C59A4C80EC32}" type="parTrans" cxnId="{E63C019A-165B-4B11-9E42-2544A2B0FA77}">
+      <dgm:prSet/>
+      <dgm:spPr/>
+      <dgm:t>
+        <a:bodyPr/>
+        <a:lstStyle/>
+        <a:p>
+          <a:endParaRPr lang="en-US"/>
+        </a:p>
+      </dgm:t>
+    </dgm:pt>
+    <dgm:pt modelId="{CCFFD39F-1708-4DF9-BB2F-E634B81181F4}" type="sibTrans" cxnId="{E63C019A-165B-4B11-9E42-2544A2B0FA77}">
+      <dgm:prSet/>
+      <dgm:spPr/>
+      <dgm:t>
+        <a:bodyPr/>
+        <a:lstStyle/>
+        <a:p>
+          <a:endParaRPr lang="en-US"/>
+        </a:p>
+      </dgm:t>
+    </dgm:pt>
+    <dgm:pt modelId="{3DD48D51-8C38-4910-8D0A-52DF9EDBAFE1}">
+      <dgm:prSet phldrT="[Text]"/>
+      <dgm:spPr/>
+      <dgm:t>
+        <a:bodyPr/>
+        <a:lstStyle/>
+        <a:p>
+          <a:r>
+            <a:rPr lang="en-US" dirty="0"/>
+            <a:t>Select</a:t>
+          </a:r>
+        </a:p>
+      </dgm:t>
+    </dgm:pt>
+    <dgm:pt modelId="{669CA49C-7C15-4AE7-B461-03D742F9863E}" type="parTrans" cxnId="{0B1CE17E-CB83-44E1-8A73-5E6075B5C89A}">
+      <dgm:prSet/>
+      <dgm:spPr/>
+      <dgm:t>
+        <a:bodyPr/>
+        <a:lstStyle/>
+        <a:p>
+          <a:endParaRPr lang="en-US"/>
+        </a:p>
+      </dgm:t>
+    </dgm:pt>
+    <dgm:pt modelId="{F2713468-315D-41CE-9BE8-20E811BAA5E5}" type="sibTrans" cxnId="{0B1CE17E-CB83-44E1-8A73-5E6075B5C89A}">
+      <dgm:prSet/>
+      <dgm:spPr/>
+      <dgm:t>
+        <a:bodyPr/>
+        <a:lstStyle/>
+        <a:p>
+          <a:endParaRPr lang="en-US"/>
+        </a:p>
+      </dgm:t>
+    </dgm:pt>
+    <dgm:pt modelId="{6F2A9C47-F0F1-4C9A-A586-59FE044D3A15}">
+      <dgm:prSet phldrT="[Text]"/>
+      <dgm:spPr>
+        <a:solidFill>
+          <a:schemeClr val="bg1">
+            <a:lumMod val="75000"/>
+          </a:schemeClr>
+        </a:solidFill>
+      </dgm:spPr>
+      <dgm:t>
+        <a:bodyPr/>
+        <a:lstStyle/>
+        <a:p>
+          <a:r>
+            <a:rPr lang="en-US" dirty="0"/>
+            <a:t>Cleanse</a:t>
+          </a:r>
+        </a:p>
+      </dgm:t>
+    </dgm:pt>
+    <dgm:pt modelId="{10D33F6C-1A86-43EC-B53F-C63A61D1BDFE}" type="parTrans" cxnId="{B35B1DBF-879F-4806-A44B-07101A457840}">
+      <dgm:prSet/>
+      <dgm:spPr/>
+      <dgm:t>
+        <a:bodyPr/>
+        <a:lstStyle/>
+        <a:p>
+          <a:endParaRPr lang="en-US"/>
+        </a:p>
+      </dgm:t>
+    </dgm:pt>
+    <dgm:pt modelId="{2810034C-57A1-4DCE-877D-9A6990465ACA}" type="sibTrans" cxnId="{B35B1DBF-879F-4806-A44B-07101A457840}">
+      <dgm:prSet/>
+      <dgm:spPr/>
+      <dgm:t>
+        <a:bodyPr/>
+        <a:lstStyle/>
+        <a:p>
+          <a:endParaRPr lang="en-US"/>
+        </a:p>
+      </dgm:t>
+    </dgm:pt>
+    <dgm:pt modelId="{35714DD5-4D7B-464A-860D-74EC9E1CDA9C}">
+      <dgm:prSet phldrT="[Text]"/>
+      <dgm:spPr>
+        <a:solidFill>
+          <a:schemeClr val="bg2">
+            <a:lumMod val="75000"/>
+          </a:schemeClr>
+        </a:solidFill>
+      </dgm:spPr>
+      <dgm:t>
+        <a:bodyPr/>
+        <a:lstStyle/>
+        <a:p>
+          <a:r>
+            <a:rPr lang="en-US" dirty="0"/>
+            <a:t>Data Warehouse</a:t>
+          </a:r>
+        </a:p>
+      </dgm:t>
+    </dgm:pt>
+    <dgm:pt modelId="{2A8BF73A-8844-4B4F-AFBD-9C311E424FC1}" type="parTrans" cxnId="{58E4DA16-03A8-4B47-8F76-9CDE05ADB5FB}">
+      <dgm:prSet/>
+      <dgm:spPr/>
+      <dgm:t>
+        <a:bodyPr/>
+        <a:lstStyle/>
+        <a:p>
+          <a:endParaRPr lang="en-US"/>
+        </a:p>
+      </dgm:t>
+    </dgm:pt>
+    <dgm:pt modelId="{AE4C7998-9FD7-49F1-A954-F251D5C2FAB6}" type="sibTrans" cxnId="{58E4DA16-03A8-4B47-8F76-9CDE05ADB5FB}">
+      <dgm:prSet/>
+      <dgm:spPr/>
+      <dgm:t>
+        <a:bodyPr/>
+        <a:lstStyle/>
+        <a:p>
+          <a:endParaRPr lang="en-US"/>
+        </a:p>
+      </dgm:t>
+    </dgm:pt>
+    <dgm:pt modelId="{84846429-1BC1-427A-A46D-5E84E4D5627D}">
+      <dgm:prSet phldrT="[Text]"/>
+      <dgm:spPr>
+        <a:solidFill>
+          <a:schemeClr val="bg2">
+            <a:lumMod val="75000"/>
+          </a:schemeClr>
+        </a:solidFill>
+      </dgm:spPr>
+      <dgm:t>
+        <a:bodyPr/>
+        <a:lstStyle/>
+        <a:p>
+          <a:r>
+            <a:rPr lang="en-US" dirty="0"/>
+            <a:t>Hadoop Data Lake</a:t>
+          </a:r>
+        </a:p>
+      </dgm:t>
+    </dgm:pt>
+    <dgm:pt modelId="{3435CD84-2C99-40EE-8767-91451DE0C1EF}" type="parTrans" cxnId="{ED065563-6A00-46B4-80B5-85FC2121835C}">
+      <dgm:prSet/>
+      <dgm:spPr/>
+      <dgm:t>
+        <a:bodyPr/>
+        <a:lstStyle/>
+        <a:p>
+          <a:endParaRPr lang="en-US"/>
+        </a:p>
+      </dgm:t>
+    </dgm:pt>
+    <dgm:pt modelId="{22102AF5-C477-410B-9A0F-E52A54636919}" type="sibTrans" cxnId="{ED065563-6A00-46B4-80B5-85FC2121835C}">
+      <dgm:prSet/>
+      <dgm:spPr/>
+      <dgm:t>
+        <a:bodyPr/>
+        <a:lstStyle/>
+        <a:p>
+          <a:endParaRPr lang="en-US"/>
+        </a:p>
+      </dgm:t>
+    </dgm:pt>
+    <dgm:pt modelId="{61933C13-E119-470F-A162-F36D59B9BF40}">
+      <dgm:prSet phldrT="[Text]"/>
+      <dgm:spPr>
+        <a:solidFill>
+          <a:schemeClr val="bg1">
+            <a:lumMod val="75000"/>
+          </a:schemeClr>
+        </a:solidFill>
+      </dgm:spPr>
+      <dgm:t>
+        <a:bodyPr/>
+        <a:lstStyle/>
+        <a:p>
+          <a:r>
+            <a:rPr lang="en-US" dirty="0"/>
+            <a:t>Load</a:t>
+          </a:r>
+        </a:p>
+      </dgm:t>
+    </dgm:pt>
+    <dgm:pt modelId="{39BDEBDA-F57E-4F24-A785-A01DB0AE98D5}" type="parTrans" cxnId="{45801093-3F48-43C1-B3FC-6A20F98680E0}">
+      <dgm:prSet/>
+      <dgm:spPr/>
+      <dgm:t>
+        <a:bodyPr/>
+        <a:lstStyle/>
+        <a:p>
+          <a:endParaRPr lang="en-US"/>
+        </a:p>
+      </dgm:t>
+    </dgm:pt>
+    <dgm:pt modelId="{3366BD7C-A6D3-48F1-8226-079F615CD0DC}" type="sibTrans" cxnId="{45801093-3F48-43C1-B3FC-6A20F98680E0}">
+      <dgm:prSet/>
+      <dgm:spPr/>
+      <dgm:t>
+        <a:bodyPr/>
+        <a:lstStyle/>
+        <a:p>
+          <a:endParaRPr lang="en-US"/>
+        </a:p>
+      </dgm:t>
+    </dgm:pt>
+    <dgm:pt modelId="{E8950E95-8A89-469D-917A-19EDBEB7E1E5}">
+      <dgm:prSet/>
+      <dgm:spPr/>
+      <dgm:t>
+        <a:bodyPr/>
+        <a:lstStyle/>
+        <a:p>
+          <a:r>
+            <a:rPr lang="en-US" b="1" dirty="0">
+              <a:solidFill>
+                <a:schemeClr val="tx1"/>
+              </a:solidFill>
+            </a:rPr>
+            <a:t>Model Selection</a:t>
+          </a:r>
+        </a:p>
+      </dgm:t>
+    </dgm:pt>
+    <dgm:pt modelId="{87D876F9-CA5D-4D43-81C6-662ED83BE82D}" type="parTrans" cxnId="{6173CA2B-0082-4DA7-BB69-27BFF48B3CDE}">
+      <dgm:prSet/>
+      <dgm:spPr/>
+      <dgm:t>
+        <a:bodyPr/>
+        <a:lstStyle/>
+        <a:p>
+          <a:endParaRPr lang="en-US"/>
+        </a:p>
+      </dgm:t>
+    </dgm:pt>
+    <dgm:pt modelId="{C92C8E07-4070-4256-B556-5977EAD2D28B}" type="sibTrans" cxnId="{6173CA2B-0082-4DA7-BB69-27BFF48B3CDE}">
+      <dgm:prSet/>
+      <dgm:spPr/>
+      <dgm:t>
+        <a:bodyPr/>
+        <a:lstStyle/>
+        <a:p>
+          <a:endParaRPr lang="en-US"/>
+        </a:p>
+      </dgm:t>
+    </dgm:pt>
+    <dgm:pt modelId="{C981B39D-24C4-4EED-8AAE-967F03BB911D}">
+      <dgm:prSet phldrT="[Text]"/>
+      <dgm:spPr/>
+      <dgm:t>
+        <a:bodyPr/>
+        <a:lstStyle/>
+        <a:p>
+          <a:r>
+            <a:rPr lang="en-US" dirty="0"/>
+            <a:t>Encode</a:t>
+          </a:r>
+        </a:p>
+      </dgm:t>
+    </dgm:pt>
+    <dgm:pt modelId="{525E282E-5EE6-4429-9755-9F9CEF942E7F}" type="sibTrans" cxnId="{2D36C957-F891-473E-A12D-82C9F77D15F5}">
+      <dgm:prSet/>
+      <dgm:spPr/>
+      <dgm:t>
+        <a:bodyPr/>
+        <a:lstStyle/>
+        <a:p>
+          <a:endParaRPr lang="en-US"/>
+        </a:p>
+      </dgm:t>
+    </dgm:pt>
+    <dgm:pt modelId="{6206783F-57D3-4AEF-9694-357DD37844D3}" type="parTrans" cxnId="{2D36C957-F891-473E-A12D-82C9F77D15F5}">
+      <dgm:prSet/>
+      <dgm:spPr/>
+      <dgm:t>
+        <a:bodyPr/>
+        <a:lstStyle/>
+        <a:p>
+          <a:endParaRPr lang="en-US"/>
+        </a:p>
+      </dgm:t>
+    </dgm:pt>
+    <dgm:pt modelId="{E57EB85C-B90C-491D-AE7E-91BD66DF8078}">
+      <dgm:prSet phldrT="[Text]"/>
+      <dgm:spPr/>
+      <dgm:t>
+        <a:bodyPr/>
+        <a:lstStyle/>
+        <a:p>
+          <a:r>
+            <a:rPr lang="en-US" dirty="0"/>
+            <a:t>Normalize</a:t>
+          </a:r>
+        </a:p>
+      </dgm:t>
+    </dgm:pt>
+    <dgm:pt modelId="{0294F8BD-FDCA-4518-98A2-AEB7F075B96F}" type="parTrans" cxnId="{FCD8CBB7-2D04-49F4-A51D-B4A9EFFD9DCF}">
+      <dgm:prSet/>
+      <dgm:spPr/>
+      <dgm:t>
+        <a:bodyPr/>
+        <a:lstStyle/>
+        <a:p>
+          <a:endParaRPr lang="en-US"/>
+        </a:p>
+      </dgm:t>
+    </dgm:pt>
+    <dgm:pt modelId="{01A0F382-16A1-477D-9CBB-09D838DD84B4}" type="sibTrans" cxnId="{FCD8CBB7-2D04-49F4-A51D-B4A9EFFD9DCF}">
+      <dgm:prSet/>
+      <dgm:spPr/>
+      <dgm:t>
+        <a:bodyPr/>
+        <a:lstStyle/>
+        <a:p>
+          <a:endParaRPr lang="en-US"/>
+        </a:p>
+      </dgm:t>
+    </dgm:pt>
+    <dgm:pt modelId="{61F9D2B7-8FF5-4D37-A08C-11B97AD12D56}">
+      <dgm:prSet/>
+      <dgm:spPr/>
+      <dgm:t>
+        <a:bodyPr/>
+        <a:lstStyle/>
+        <a:p>
+          <a:r>
+            <a:rPr lang="en-US" dirty="0" err="1"/>
+            <a:t>Kmeans</a:t>
+          </a:r>
+          <a:endParaRPr lang="en-US" dirty="0"/>
+        </a:p>
+      </dgm:t>
+    </dgm:pt>
+    <dgm:pt modelId="{F9C81E33-3F66-4857-B023-B594992B9F0E}" type="parTrans" cxnId="{7441C483-491F-45E5-835A-979203EDC480}">
+      <dgm:prSet/>
+      <dgm:spPr/>
+      <dgm:t>
+        <a:bodyPr/>
+        <a:lstStyle/>
+        <a:p>
+          <a:endParaRPr lang="en-US"/>
+        </a:p>
+      </dgm:t>
+    </dgm:pt>
+    <dgm:pt modelId="{E5097C3A-C330-4022-B385-7FA48E71F0A7}" type="sibTrans" cxnId="{7441C483-491F-45E5-835A-979203EDC480}">
+      <dgm:prSet/>
+      <dgm:spPr/>
+      <dgm:t>
+        <a:bodyPr/>
+        <a:lstStyle/>
+        <a:p>
+          <a:endParaRPr lang="en-US"/>
+        </a:p>
+      </dgm:t>
+    </dgm:pt>
+    <dgm:pt modelId="{8E13716D-15C9-49C3-9A4E-ABE1D507CFE3}">
+      <dgm:prSet/>
+      <dgm:spPr/>
+      <dgm:t>
+        <a:bodyPr/>
+        <a:lstStyle/>
+        <a:p>
+          <a:r>
+            <a:rPr lang="en-US" dirty="0"/>
+            <a:t>SVM</a:t>
+          </a:r>
+        </a:p>
+      </dgm:t>
+    </dgm:pt>
+    <dgm:pt modelId="{5D21C67D-B00E-4B4D-B901-E55DA6C348CD}" type="parTrans" cxnId="{5608850F-7876-403C-908C-20EDAE05223D}">
+      <dgm:prSet/>
+      <dgm:spPr/>
+      <dgm:t>
+        <a:bodyPr/>
+        <a:lstStyle/>
+        <a:p>
+          <a:endParaRPr lang="en-US"/>
+        </a:p>
+      </dgm:t>
+    </dgm:pt>
+    <dgm:pt modelId="{38BF9D7C-341B-44C9-A21D-258325D40E05}" type="sibTrans" cxnId="{5608850F-7876-403C-908C-20EDAE05223D}">
+      <dgm:prSet/>
+      <dgm:spPr/>
+      <dgm:t>
+        <a:bodyPr/>
+        <a:lstStyle/>
+        <a:p>
+          <a:endParaRPr lang="en-US"/>
+        </a:p>
+      </dgm:t>
+    </dgm:pt>
+    <dgm:pt modelId="{05ECA461-8239-4911-B115-95A40AEF93BC}">
+      <dgm:prSet/>
+      <dgm:spPr/>
+      <dgm:t>
+        <a:bodyPr/>
+        <a:lstStyle/>
+        <a:p>
+          <a:r>
+            <a:rPr lang="en-US" dirty="0"/>
+            <a:t>Neural Nets</a:t>
+          </a:r>
+        </a:p>
+      </dgm:t>
+    </dgm:pt>
+    <dgm:pt modelId="{77ED9F0B-E013-4E29-B60F-4DD1784D3F04}" type="parTrans" cxnId="{FB109E61-DE46-4F88-A57C-20DC6BE00570}">
+      <dgm:prSet/>
+      <dgm:spPr/>
+      <dgm:t>
+        <a:bodyPr/>
+        <a:lstStyle/>
+        <a:p>
+          <a:endParaRPr lang="en-US"/>
+        </a:p>
+      </dgm:t>
+    </dgm:pt>
+    <dgm:pt modelId="{CCFFDA5E-B6E8-4D3E-A152-A8DE8249AE4D}" type="sibTrans" cxnId="{FB109E61-DE46-4F88-A57C-20DC6BE00570}">
+      <dgm:prSet/>
+      <dgm:spPr/>
+      <dgm:t>
+        <a:bodyPr/>
+        <a:lstStyle/>
+        <a:p>
+          <a:endParaRPr lang="en-US"/>
+        </a:p>
+      </dgm:t>
+    </dgm:pt>
+    <dgm:pt modelId="{B10F4AC2-52F4-4CC9-93B0-8188E805228F}">
+      <dgm:prSet/>
+      <dgm:spPr/>
+      <dgm:t>
+        <a:bodyPr/>
+        <a:lstStyle/>
+        <a:p>
+          <a:r>
+            <a:rPr lang="en-US" b="1" dirty="0">
+              <a:solidFill>
+                <a:schemeClr val="tx1"/>
+              </a:solidFill>
+            </a:rPr>
+            <a:t>Training</a:t>
+          </a:r>
+        </a:p>
+      </dgm:t>
+    </dgm:pt>
+    <dgm:pt modelId="{1088EC2F-C924-4949-9A89-BA8473F4E496}" type="parTrans" cxnId="{B130C363-AD6B-4D6E-8233-825AB93BA0C8}">
+      <dgm:prSet/>
+      <dgm:spPr/>
+      <dgm:t>
+        <a:bodyPr/>
+        <a:lstStyle/>
+        <a:p>
+          <a:endParaRPr lang="en-US"/>
+        </a:p>
+      </dgm:t>
+    </dgm:pt>
+    <dgm:pt modelId="{7EF6698A-E111-4ABB-83EC-ADCD152BA812}" type="sibTrans" cxnId="{B130C363-AD6B-4D6E-8233-825AB93BA0C8}">
+      <dgm:prSet/>
+      <dgm:spPr/>
+      <dgm:t>
+        <a:bodyPr/>
+        <a:lstStyle/>
+        <a:p>
+          <a:endParaRPr lang="en-US"/>
+        </a:p>
+      </dgm:t>
+    </dgm:pt>
+    <dgm:pt modelId="{8DC97C43-D1CD-4C4C-AF08-1CCEB11055FB}">
+      <dgm:prSet/>
+      <dgm:spPr/>
+      <dgm:t>
+        <a:bodyPr/>
+        <a:lstStyle/>
+        <a:p>
+          <a:r>
+            <a:rPr lang="en-US" dirty="0"/>
+            <a:t>Parameter tuning</a:t>
+          </a:r>
+        </a:p>
+      </dgm:t>
+    </dgm:pt>
+    <dgm:pt modelId="{FA0F5B94-9EB1-4AA9-B350-C9014A631FA1}" type="parTrans" cxnId="{D5AE4B1A-A7E2-4D1E-B3F4-AD7AB6E67CBF}">
+      <dgm:prSet/>
+      <dgm:spPr/>
+      <dgm:t>
+        <a:bodyPr/>
+        <a:lstStyle/>
+        <a:p>
+          <a:endParaRPr lang="en-US"/>
+        </a:p>
+      </dgm:t>
+    </dgm:pt>
+    <dgm:pt modelId="{19976A7F-BD34-4D95-942F-55463905A897}" type="sibTrans" cxnId="{D5AE4B1A-A7E2-4D1E-B3F4-AD7AB6E67CBF}">
+      <dgm:prSet/>
+      <dgm:spPr/>
+      <dgm:t>
+        <a:bodyPr/>
+        <a:lstStyle/>
+        <a:p>
+          <a:endParaRPr lang="en-US"/>
+        </a:p>
+      </dgm:t>
+    </dgm:pt>
+    <dgm:pt modelId="{8DB5FA15-ECED-44B6-8141-D05EA7EE2EF6}">
+      <dgm:prSet/>
+      <dgm:spPr/>
+      <dgm:t>
+        <a:bodyPr/>
+        <a:lstStyle/>
+        <a:p>
+          <a:r>
+            <a:rPr lang="en-US" dirty="0"/>
+            <a:t>Cross Validation</a:t>
+          </a:r>
+        </a:p>
+      </dgm:t>
+    </dgm:pt>
+    <dgm:pt modelId="{61BA8D93-BD70-4D01-B8EC-6F54522E9B36}" type="parTrans" cxnId="{173D2102-0813-4C62-8C7F-FCB3BF70E9DB}">
+      <dgm:prSet/>
+      <dgm:spPr/>
+      <dgm:t>
+        <a:bodyPr/>
+        <a:lstStyle/>
+        <a:p>
+          <a:endParaRPr lang="en-US"/>
+        </a:p>
+      </dgm:t>
+    </dgm:pt>
+    <dgm:pt modelId="{9CF5C522-FF72-4833-A7A5-BB58B78F30A9}" type="sibTrans" cxnId="{173D2102-0813-4C62-8C7F-FCB3BF70E9DB}">
+      <dgm:prSet/>
+      <dgm:spPr/>
+      <dgm:t>
+        <a:bodyPr/>
+        <a:lstStyle/>
+        <a:p>
+          <a:endParaRPr lang="en-US"/>
+        </a:p>
+      </dgm:t>
+    </dgm:pt>
+    <dgm:pt modelId="{E8640E7D-7E8B-4284-9DF3-B5563D867416}">
+      <dgm:prSet/>
+      <dgm:spPr/>
+      <dgm:t>
+        <a:bodyPr/>
+        <a:lstStyle/>
+        <a:p>
+          <a:r>
+            <a:rPr lang="en-US" b="1" dirty="0">
+              <a:solidFill>
+                <a:schemeClr val="tx1"/>
+              </a:solidFill>
+            </a:rPr>
+            <a:t>Deploy</a:t>
+          </a:r>
+        </a:p>
+      </dgm:t>
+    </dgm:pt>
+    <dgm:pt modelId="{72A9416F-19AF-4C27-BB72-D24E23FB0148}" type="parTrans" cxnId="{2FBF7F66-4785-483C-A737-2979BE7BE215}">
+      <dgm:prSet/>
+      <dgm:spPr/>
+      <dgm:t>
+        <a:bodyPr/>
+        <a:lstStyle/>
+        <a:p>
+          <a:endParaRPr lang="en-US"/>
+        </a:p>
+      </dgm:t>
+    </dgm:pt>
+    <dgm:pt modelId="{6A744042-8108-41EE-9043-31226AA4D575}" type="sibTrans" cxnId="{2FBF7F66-4785-483C-A737-2979BE7BE215}">
+      <dgm:prSet/>
+      <dgm:spPr/>
+      <dgm:t>
+        <a:bodyPr/>
+        <a:lstStyle/>
+        <a:p>
+          <a:endParaRPr lang="en-US"/>
+        </a:p>
+      </dgm:t>
+    </dgm:pt>
+    <dgm:pt modelId="{FBA4A4C3-5DC0-42B3-8285-57CDCBDE42A4}">
+      <dgm:prSet/>
+      <dgm:spPr/>
+      <dgm:t>
+        <a:bodyPr/>
+        <a:lstStyle/>
+        <a:p>
+          <a:r>
+            <a:rPr lang="en-US" dirty="0"/>
+            <a:t>Prod Deployment</a:t>
+          </a:r>
+        </a:p>
+      </dgm:t>
+    </dgm:pt>
+    <dgm:pt modelId="{6A507E42-FED3-474D-A288-1BCFC3F1E471}" type="parTrans" cxnId="{8034B9A3-EFC9-4014-9F77-A60D7640E113}">
+      <dgm:prSet/>
+      <dgm:spPr/>
+      <dgm:t>
+        <a:bodyPr/>
+        <a:lstStyle/>
+        <a:p>
+          <a:endParaRPr lang="en-US"/>
+        </a:p>
+      </dgm:t>
+    </dgm:pt>
+    <dgm:pt modelId="{C9EC8E15-BBF4-462C-90BC-FC55F169D1EC}" type="sibTrans" cxnId="{8034B9A3-EFC9-4014-9F77-A60D7640E113}">
+      <dgm:prSet/>
+      <dgm:spPr/>
+      <dgm:t>
+        <a:bodyPr/>
+        <a:lstStyle/>
+        <a:p>
+          <a:endParaRPr lang="en-US"/>
+        </a:p>
+      </dgm:t>
+    </dgm:pt>
+    <dgm:pt modelId="{D5A3009F-2465-4144-BF1D-0DA996709013}">
+      <dgm:prSet/>
+      <dgm:spPr/>
+      <dgm:t>
+        <a:bodyPr/>
+        <a:lstStyle/>
+        <a:p>
+          <a:r>
+            <a:rPr lang="en-US" dirty="0"/>
+            <a:t>Monitoring</a:t>
+          </a:r>
+        </a:p>
+      </dgm:t>
+    </dgm:pt>
+    <dgm:pt modelId="{D2BA9073-C1F2-41A3-9FA5-BD30F1ADAFDD}" type="parTrans" cxnId="{D7BE4234-0F79-497D-921E-AFA854B22A14}">
+      <dgm:prSet/>
+      <dgm:spPr/>
+      <dgm:t>
+        <a:bodyPr/>
+        <a:lstStyle/>
+        <a:p>
+          <a:endParaRPr lang="en-US"/>
+        </a:p>
+      </dgm:t>
+    </dgm:pt>
+    <dgm:pt modelId="{14FF887F-DB85-4FD2-A08A-433445264338}" type="sibTrans" cxnId="{D7BE4234-0F79-497D-921E-AFA854B22A14}">
+      <dgm:prSet/>
+      <dgm:spPr/>
+      <dgm:t>
+        <a:bodyPr/>
+        <a:lstStyle/>
+        <a:p>
+          <a:endParaRPr lang="en-US"/>
+        </a:p>
+      </dgm:t>
+    </dgm:pt>
+    <dgm:pt modelId="{2DC368CC-D10E-4852-A663-7BC185E5BC40}">
+      <dgm:prSet/>
+      <dgm:spPr/>
+      <dgm:t>
+        <a:bodyPr/>
+        <a:lstStyle/>
+        <a:p>
+          <a:r>
+            <a:rPr lang="en-US" dirty="0"/>
+            <a:t>Refine and iterate</a:t>
+          </a:r>
+        </a:p>
+      </dgm:t>
+    </dgm:pt>
+    <dgm:pt modelId="{7E5A9A41-44BF-46C1-822B-7AE2A51CBABD}" type="parTrans" cxnId="{7C5EDDFA-C3BD-480E-BCF9-0A3D74609E55}">
+      <dgm:prSet/>
+      <dgm:spPr/>
+      <dgm:t>
+        <a:bodyPr/>
+        <a:lstStyle/>
+        <a:p>
+          <a:endParaRPr lang="en-US"/>
+        </a:p>
+      </dgm:t>
+    </dgm:pt>
+    <dgm:pt modelId="{CA319A41-E176-4BC4-9C2A-B3691C83CEDD}" type="sibTrans" cxnId="{7C5EDDFA-C3BD-480E-BCF9-0A3D74609E55}">
+      <dgm:prSet/>
+      <dgm:spPr/>
+      <dgm:t>
+        <a:bodyPr/>
+        <a:lstStyle/>
+        <a:p>
+          <a:endParaRPr lang="en-US"/>
+        </a:p>
+      </dgm:t>
+    </dgm:pt>
+    <dgm:pt modelId="{10F30B06-E1C3-47CA-9EF5-B0D007F8EBF6}">
+      <dgm:prSet/>
+      <dgm:spPr/>
+      <dgm:t>
+        <a:bodyPr/>
+        <a:lstStyle/>
+        <a:p>
+          <a:r>
+            <a:rPr lang="en-US" dirty="0"/>
+            <a:t>Refine and iterate</a:t>
+          </a:r>
+        </a:p>
+      </dgm:t>
+    </dgm:pt>
+    <dgm:pt modelId="{D091F90E-72FC-474C-8E5A-CDE1097AFFD8}" type="parTrans" cxnId="{747EC3A7-CBD2-455F-928C-41F5614A64D6}">
+      <dgm:prSet/>
+      <dgm:spPr/>
+      <dgm:t>
+        <a:bodyPr/>
+        <a:lstStyle/>
+        <a:p>
+          <a:endParaRPr lang="en-US"/>
+        </a:p>
+      </dgm:t>
+    </dgm:pt>
+    <dgm:pt modelId="{E3743B05-B1F0-4470-8F32-1D120A5D0981}" type="sibTrans" cxnId="{747EC3A7-CBD2-455F-928C-41F5614A64D6}">
+      <dgm:prSet/>
+      <dgm:spPr/>
+      <dgm:t>
+        <a:bodyPr/>
+        <a:lstStyle/>
+        <a:p>
+          <a:endParaRPr lang="en-US"/>
+        </a:p>
+      </dgm:t>
+    </dgm:pt>
+    <dgm:pt modelId="{AC5BA1A0-BEB9-48FB-86FE-42AAB784C6E0}">
+      <dgm:prSet/>
+      <dgm:spPr/>
+      <dgm:t>
+        <a:bodyPr/>
+        <a:lstStyle/>
+        <a:p>
+          <a:r>
+            <a:rPr lang="en-US" dirty="0"/>
+            <a:t>Evaluate Results</a:t>
+          </a:r>
+        </a:p>
+      </dgm:t>
+    </dgm:pt>
+    <dgm:pt modelId="{07C5CB79-C037-46A6-9639-8C65F2B2F367}" type="parTrans" cxnId="{C56E46FA-B655-4A04-B536-DE0594672A4A}">
+      <dgm:prSet/>
+      <dgm:spPr/>
+      <dgm:t>
+        <a:bodyPr/>
+        <a:lstStyle/>
+        <a:p>
+          <a:endParaRPr lang="en-US"/>
+        </a:p>
+      </dgm:t>
+    </dgm:pt>
+    <dgm:pt modelId="{B2707620-11D4-4155-B565-24770C17D41F}" type="sibTrans" cxnId="{C56E46FA-B655-4A04-B536-DE0594672A4A}">
+      <dgm:prSet/>
+      <dgm:spPr/>
+      <dgm:t>
+        <a:bodyPr/>
+        <a:lstStyle/>
+        <a:p>
+          <a:endParaRPr lang="en-US"/>
+        </a:p>
+      </dgm:t>
+    </dgm:pt>
+    <dgm:pt modelId="{4DBC3D66-7B8A-4068-B816-D5F5D40E7007}" type="pres">
+      <dgm:prSet presAssocID="{7665D50C-BF6A-41B5-B3CA-29175E510B97}" presName="Name0" presStyleCnt="0">
+        <dgm:presLayoutVars>
+          <dgm:dir/>
+          <dgm:resizeHandles val="exact"/>
+        </dgm:presLayoutVars>
+      </dgm:prSet>
+      <dgm:spPr/>
+    </dgm:pt>
+    <dgm:pt modelId="{D429DA03-23E8-47CF-AA71-3100C16E4D81}" type="pres">
+      <dgm:prSet presAssocID="{DF7F9A6C-9356-4FF1-BAAE-351B819255DF}" presName="parAndChTx" presStyleLbl="node1" presStyleIdx="0" presStyleCnt="6">
+        <dgm:presLayoutVars>
+          <dgm:bulletEnabled val="1"/>
+        </dgm:presLayoutVars>
+      </dgm:prSet>
+      <dgm:spPr/>
+    </dgm:pt>
+    <dgm:pt modelId="{5DCC72A6-8B48-4A41-A490-C2D4EE0E5211}" type="pres">
+      <dgm:prSet presAssocID="{1E3555AB-E2B7-4DB3-AAC8-2D95E4BBFD02}" presName="parAndChSpace" presStyleCnt="0"/>
+      <dgm:spPr/>
+    </dgm:pt>
+    <dgm:pt modelId="{4EA222C0-2C4C-4AC1-8B07-C334DD2B941E}" type="pres">
+      <dgm:prSet presAssocID="{DDB2E167-D0B5-4C65-ADC1-597AE56C7936}" presName="parAndChTx" presStyleLbl="node1" presStyleIdx="1" presStyleCnt="6">
+        <dgm:presLayoutVars>
+          <dgm:bulletEnabled val="1"/>
+        </dgm:presLayoutVars>
+      </dgm:prSet>
+      <dgm:spPr/>
+    </dgm:pt>
+    <dgm:pt modelId="{86C30FE4-E92B-45B2-A70A-D1EFE877472F}" type="pres">
+      <dgm:prSet presAssocID="{9F57F372-8CC6-40BF-A702-698E6779F61C}" presName="parAndChSpace" presStyleCnt="0"/>
+      <dgm:spPr/>
+    </dgm:pt>
+    <dgm:pt modelId="{64F7EEFE-B30F-49FB-8760-1C6A5BDF75C4}" type="pres">
+      <dgm:prSet presAssocID="{4FDC3992-7500-4612-979D-5A341BF86028}" presName="parAndChTx" presStyleLbl="node1" presStyleIdx="2" presStyleCnt="6">
+        <dgm:presLayoutVars>
+          <dgm:bulletEnabled val="1"/>
+        </dgm:presLayoutVars>
+      </dgm:prSet>
+      <dgm:spPr/>
+    </dgm:pt>
+    <dgm:pt modelId="{778F768A-B801-419B-A7CB-467BC4993449}" type="pres">
+      <dgm:prSet presAssocID="{CCFFD39F-1708-4DF9-BB2F-E634B81181F4}" presName="parAndChSpace" presStyleCnt="0"/>
+      <dgm:spPr/>
+    </dgm:pt>
+    <dgm:pt modelId="{6D49CCA1-9F50-4F59-AB3D-6484AF0B35BA}" type="pres">
+      <dgm:prSet presAssocID="{E8950E95-8A89-469D-917A-19EDBEB7E1E5}" presName="parAndChTx" presStyleLbl="node1" presStyleIdx="3" presStyleCnt="6">
+        <dgm:presLayoutVars>
+          <dgm:bulletEnabled val="1"/>
+        </dgm:presLayoutVars>
+      </dgm:prSet>
+      <dgm:spPr/>
+    </dgm:pt>
+    <dgm:pt modelId="{807117C4-42AF-4952-A043-EC2E1CED17D2}" type="pres">
+      <dgm:prSet presAssocID="{C92C8E07-4070-4256-B556-5977EAD2D28B}" presName="parAndChSpace" presStyleCnt="0"/>
+      <dgm:spPr/>
+    </dgm:pt>
+    <dgm:pt modelId="{505CA62F-1E90-459C-88C8-34B28041238C}" type="pres">
+      <dgm:prSet presAssocID="{B10F4AC2-52F4-4CC9-93B0-8188E805228F}" presName="parAndChTx" presStyleLbl="node1" presStyleIdx="4" presStyleCnt="6">
+        <dgm:presLayoutVars>
+          <dgm:bulletEnabled val="1"/>
+        </dgm:presLayoutVars>
+      </dgm:prSet>
+      <dgm:spPr/>
+    </dgm:pt>
+    <dgm:pt modelId="{64972F67-9332-4B1C-AD0A-C56D10258A12}" type="pres">
+      <dgm:prSet presAssocID="{7EF6698A-E111-4ABB-83EC-ADCD152BA812}" presName="parAndChSpace" presStyleCnt="0"/>
+      <dgm:spPr/>
+    </dgm:pt>
+    <dgm:pt modelId="{8E03C2A0-20F6-4EF9-8B1E-47EA3666D78A}" type="pres">
+      <dgm:prSet presAssocID="{E8640E7D-7E8B-4284-9DF3-B5563D867416}" presName="parAndChTx" presStyleLbl="node1" presStyleIdx="5" presStyleCnt="6">
+        <dgm:presLayoutVars>
+          <dgm:bulletEnabled val="1"/>
+        </dgm:presLayoutVars>
+      </dgm:prSet>
+      <dgm:spPr/>
+    </dgm:pt>
+  </dgm:ptLst>
+  <dgm:cxnLst>
+    <dgm:cxn modelId="{9A3F4F01-FECA-4261-A991-6420A9B1B3D9}" type="presOf" srcId="{84846429-1BC1-427A-A46D-5E84E4D5627D}" destId="{4EA222C0-2C4C-4AC1-8B07-C334DD2B941E}" srcOrd="0" destOrd="3" presId="urn:microsoft.com/office/officeart/2005/8/layout/hChevron3"/>
+    <dgm:cxn modelId="{173D2102-0813-4C62-8C7F-FCB3BF70E9DB}" srcId="{B10F4AC2-52F4-4CC9-93B0-8188E805228F}" destId="{8DB5FA15-ECED-44B6-8141-D05EA7EE2EF6}" srcOrd="1" destOrd="0" parTransId="{61BA8D93-BD70-4D01-B8EC-6F54522E9B36}" sibTransId="{9CF5C522-FF72-4833-A7A5-BB58B78F30A9}"/>
+    <dgm:cxn modelId="{5608850F-7876-403C-908C-20EDAE05223D}" srcId="{E8950E95-8A89-469D-917A-19EDBEB7E1E5}" destId="{8E13716D-15C9-49C3-9A4E-ABE1D507CFE3}" srcOrd="1" destOrd="0" parTransId="{5D21C67D-B00E-4B4D-B901-E55DA6C348CD}" sibTransId="{38BF9D7C-341B-44C9-A21D-258325D40E05}"/>
+    <dgm:cxn modelId="{58E4DA16-03A8-4B47-8F76-9CDE05ADB5FB}" srcId="{DDB2E167-D0B5-4C65-ADC1-597AE56C7936}" destId="{35714DD5-4D7B-464A-860D-74EC9E1CDA9C}" srcOrd="1" destOrd="0" parTransId="{2A8BF73A-8844-4B4F-AFBD-9C311E424FC1}" sibTransId="{AE4C7998-9FD7-49F1-A954-F251D5C2FAB6}"/>
+    <dgm:cxn modelId="{6168D918-46C4-4843-B56B-AD60BF695B21}" type="presOf" srcId="{100B6406-A6AB-4553-AE36-7120A93D172C}" destId="{4EA222C0-2C4C-4AC1-8B07-C334DD2B941E}" srcOrd="0" destOrd="4" presId="urn:microsoft.com/office/officeart/2005/8/layout/hChevron3"/>
+    <dgm:cxn modelId="{D5AE4B1A-A7E2-4D1E-B3F4-AD7AB6E67CBF}" srcId="{B10F4AC2-52F4-4CC9-93B0-8188E805228F}" destId="{8DC97C43-D1CD-4C4C-AF08-1CCEB11055FB}" srcOrd="0" destOrd="0" parTransId="{FA0F5B94-9EB1-4AA9-B350-C9014A631FA1}" sibTransId="{19976A7F-BD34-4D95-942F-55463905A897}"/>
+    <dgm:cxn modelId="{38EDC123-2673-4D22-9A00-772C5934A747}" type="presOf" srcId="{6F2A9C47-F0F1-4C9A-A586-59FE044D3A15}" destId="{D429DA03-23E8-47CF-AA71-3100C16E4D81}" srcOrd="0" destOrd="3" presId="urn:microsoft.com/office/officeart/2005/8/layout/hChevron3"/>
+    <dgm:cxn modelId="{61576C28-78E7-4F09-B5D7-0A94DFC14967}" srcId="{DDB2E167-D0B5-4C65-ADC1-597AE56C7936}" destId="{100B6406-A6AB-4553-AE36-7120A93D172C}" srcOrd="3" destOrd="0" parTransId="{98AE6D4C-B142-4020-8ACC-8480D41B315C}" sibTransId="{0DEC7D75-93B2-4A22-91F2-5726D0C01D69}"/>
+    <dgm:cxn modelId="{D9577628-F0FA-4CB5-8745-37FB2F437822}" type="presOf" srcId="{E8640E7D-7E8B-4284-9DF3-B5563D867416}" destId="{8E03C2A0-20F6-4EF9-8B1E-47EA3666D78A}" srcOrd="0" destOrd="0" presId="urn:microsoft.com/office/officeart/2005/8/layout/hChevron3"/>
+    <dgm:cxn modelId="{D41A0729-0E00-41BF-9200-2821F5008D38}" type="presOf" srcId="{8DB5FA15-ECED-44B6-8141-D05EA7EE2EF6}" destId="{505CA62F-1E90-459C-88C8-34B28041238C}" srcOrd="0" destOrd="2" presId="urn:microsoft.com/office/officeart/2005/8/layout/hChevron3"/>
+    <dgm:cxn modelId="{6173CA2B-0082-4DA7-BB69-27BFF48B3CDE}" srcId="{7665D50C-BF6A-41B5-B3CA-29175E510B97}" destId="{E8950E95-8A89-469D-917A-19EDBEB7E1E5}" srcOrd="3" destOrd="0" parTransId="{87D876F9-CA5D-4D43-81C6-662ED83BE82D}" sibTransId="{C92C8E07-4070-4256-B556-5977EAD2D28B}"/>
+    <dgm:cxn modelId="{D7BE4234-0F79-497D-921E-AFA854B22A14}" srcId="{E8640E7D-7E8B-4284-9DF3-B5563D867416}" destId="{D5A3009F-2465-4144-BF1D-0DA996709013}" srcOrd="1" destOrd="0" parTransId="{D2BA9073-C1F2-41A3-9FA5-BD30F1ADAFDD}" sibTransId="{14FF887F-DB85-4FD2-A08A-433445264338}"/>
+    <dgm:cxn modelId="{D973953A-35C7-4626-B609-6A85A283929A}" type="presOf" srcId="{61933C13-E119-470F-A162-F36D59B9BF40}" destId="{D429DA03-23E8-47CF-AA71-3100C16E4D81}" srcOrd="0" destOrd="2" presId="urn:microsoft.com/office/officeart/2005/8/layout/hChevron3"/>
+    <dgm:cxn modelId="{A0230F61-6E5E-44BE-B6F5-BD2598AE2E0A}" type="presOf" srcId="{61F9D2B7-8FF5-4D37-A08C-11B97AD12D56}" destId="{6D49CCA1-9F50-4F59-AB3D-6484AF0B35BA}" srcOrd="0" destOrd="1" presId="urn:microsoft.com/office/officeart/2005/8/layout/hChevron3"/>
+    <dgm:cxn modelId="{FB109E61-DE46-4F88-A57C-20DC6BE00570}" srcId="{E8950E95-8A89-469D-917A-19EDBEB7E1E5}" destId="{05ECA461-8239-4911-B115-95A40AEF93BC}" srcOrd="2" destOrd="0" parTransId="{77ED9F0B-E013-4E29-B60F-4DD1784D3F04}" sibTransId="{CCFFDA5E-B6E8-4D3E-A152-A8DE8249AE4D}"/>
+    <dgm:cxn modelId="{ED065563-6A00-46B4-80B5-85FC2121835C}" srcId="{DDB2E167-D0B5-4C65-ADC1-597AE56C7936}" destId="{84846429-1BC1-427A-A46D-5E84E4D5627D}" srcOrd="2" destOrd="0" parTransId="{3435CD84-2C99-40EE-8767-91451DE0C1EF}" sibTransId="{22102AF5-C477-410B-9A0F-E52A54636919}"/>
+    <dgm:cxn modelId="{B130C363-AD6B-4D6E-8233-825AB93BA0C8}" srcId="{7665D50C-BF6A-41B5-B3CA-29175E510B97}" destId="{B10F4AC2-52F4-4CC9-93B0-8188E805228F}" srcOrd="4" destOrd="0" parTransId="{1088EC2F-C924-4949-9A89-BA8473F4E496}" sibTransId="{7EF6698A-E111-4ABB-83EC-ADCD152BA812}"/>
+    <dgm:cxn modelId="{2FBF7F66-4785-483C-A737-2979BE7BE215}" srcId="{7665D50C-BF6A-41B5-B3CA-29175E510B97}" destId="{E8640E7D-7E8B-4284-9DF3-B5563D867416}" srcOrd="5" destOrd="0" parTransId="{72A9416F-19AF-4C27-BB72-D24E23FB0148}" sibTransId="{6A744042-8108-41EE-9043-31226AA4D575}"/>
+    <dgm:cxn modelId="{8B3E6468-DF93-48F3-B105-F341B433EC43}" type="presOf" srcId="{10F30B06-E1C3-47CA-9EF5-B0D007F8EBF6}" destId="{6D49CCA1-9F50-4F59-AB3D-6484AF0B35BA}" srcOrd="0" destOrd="4" presId="urn:microsoft.com/office/officeart/2005/8/layout/hChevron3"/>
+    <dgm:cxn modelId="{A4EB476E-4E84-48BA-B289-B7536AC55283}" type="presOf" srcId="{B10F4AC2-52F4-4CC9-93B0-8188E805228F}" destId="{505CA62F-1E90-459C-88C8-34B28041238C}" srcOrd="0" destOrd="0" presId="urn:microsoft.com/office/officeart/2005/8/layout/hChevron3"/>
+    <dgm:cxn modelId="{AB984E50-6EAC-4DEB-8DBE-85ED76C783BD}" type="presOf" srcId="{DDB2E167-D0B5-4C65-ADC1-597AE56C7936}" destId="{4EA222C0-2C4C-4AC1-8B07-C334DD2B941E}" srcOrd="0" destOrd="0" presId="urn:microsoft.com/office/officeart/2005/8/layout/hChevron3"/>
+    <dgm:cxn modelId="{15E83651-DFF2-4B85-A98A-B2ADF8A12144}" type="presOf" srcId="{C981B39D-24C4-4EED-8AAE-967F03BB911D}" destId="{64F7EEFE-B30F-49FB-8760-1C6A5BDF75C4}" srcOrd="0" destOrd="3" presId="urn:microsoft.com/office/officeart/2005/8/layout/hChevron3"/>
+    <dgm:cxn modelId="{8CBCF173-4DDF-4AD7-BF8C-3F7EFBC8EB61}" type="presOf" srcId="{8E13716D-15C9-49C3-9A4E-ABE1D507CFE3}" destId="{6D49CCA1-9F50-4F59-AB3D-6484AF0B35BA}" srcOrd="0" destOrd="2" presId="urn:microsoft.com/office/officeart/2005/8/layout/hChevron3"/>
+    <dgm:cxn modelId="{2D36C957-F891-473E-A12D-82C9F77D15F5}" srcId="{4FDC3992-7500-4612-979D-5A341BF86028}" destId="{C981B39D-24C4-4EED-8AAE-967F03BB911D}" srcOrd="2" destOrd="0" parTransId="{6206783F-57D3-4AEF-9694-357DD37844D3}" sibTransId="{525E282E-5EE6-4429-9755-9F9CEF942E7F}"/>
+    <dgm:cxn modelId="{C2B3367E-F9D0-42F7-BE18-753B6A1E3665}" srcId="{DF7F9A6C-9356-4FF1-BAAE-351B819255DF}" destId="{FACBBF60-36E0-4A5F-82F6-D0B0EF800817}" srcOrd="0" destOrd="0" parTransId="{A451E96F-939D-4F1C-93F9-5840505BC597}" sibTransId="{1A4AC378-D92F-4426-9AE0-703D4C983241}"/>
+    <dgm:cxn modelId="{0B1CE17E-CB83-44E1-8A73-5E6075B5C89A}" srcId="{4FDC3992-7500-4612-979D-5A341BF86028}" destId="{3DD48D51-8C38-4910-8D0A-52DF9EDBAFE1}" srcOrd="0" destOrd="0" parTransId="{669CA49C-7C15-4AE7-B461-03D742F9863E}" sibTransId="{F2713468-315D-41CE-9BE8-20E811BAA5E5}"/>
+    <dgm:cxn modelId="{3B8C0581-5DEE-4F5B-8F24-936356D0D70D}" type="presOf" srcId="{DF7F9A6C-9356-4FF1-BAAE-351B819255DF}" destId="{D429DA03-23E8-47CF-AA71-3100C16E4D81}" srcOrd="0" destOrd="0" presId="urn:microsoft.com/office/officeart/2005/8/layout/hChevron3"/>
+    <dgm:cxn modelId="{7441C483-491F-45E5-835A-979203EDC480}" srcId="{E8950E95-8A89-469D-917A-19EDBEB7E1E5}" destId="{61F9D2B7-8FF5-4D37-A08C-11B97AD12D56}" srcOrd="0" destOrd="0" parTransId="{F9C81E33-3F66-4857-B023-B594992B9F0E}" sibTransId="{E5097C3A-C330-4022-B385-7FA48E71F0A7}"/>
+    <dgm:cxn modelId="{599D8084-2885-4153-86E7-F735E2F18F6D}" type="presOf" srcId="{2DC368CC-D10E-4852-A663-7BC185E5BC40}" destId="{505CA62F-1E90-459C-88C8-34B28041238C}" srcOrd="0" destOrd="4" presId="urn:microsoft.com/office/officeart/2005/8/layout/hChevron3"/>
+    <dgm:cxn modelId="{44A00685-2DC3-4B09-B62D-BBDFD4BDA3EA}" type="presOf" srcId="{7665D50C-BF6A-41B5-B3CA-29175E510B97}" destId="{4DBC3D66-7B8A-4068-B816-D5F5D40E7007}" srcOrd="0" destOrd="0" presId="urn:microsoft.com/office/officeart/2005/8/layout/hChevron3"/>
+    <dgm:cxn modelId="{5AB7DE8B-E8D2-4DA1-9592-4DEA1473A849}" type="presOf" srcId="{D5A3009F-2465-4144-BF1D-0DA996709013}" destId="{8E03C2A0-20F6-4EF9-8B1E-47EA3666D78A}" srcOrd="0" destOrd="2" presId="urn:microsoft.com/office/officeart/2005/8/layout/hChevron3"/>
+    <dgm:cxn modelId="{45801093-3F48-43C1-B3FC-6A20F98680E0}" srcId="{FACBBF60-36E0-4A5F-82F6-D0B0EF800817}" destId="{61933C13-E119-470F-A162-F36D59B9BF40}" srcOrd="0" destOrd="0" parTransId="{39BDEBDA-F57E-4F24-A785-A01DB0AE98D5}" sibTransId="{3366BD7C-A6D3-48F1-8226-079F615CD0DC}"/>
+    <dgm:cxn modelId="{E63C019A-165B-4B11-9E42-2544A2B0FA77}" srcId="{7665D50C-BF6A-41B5-B3CA-29175E510B97}" destId="{4FDC3992-7500-4612-979D-5A341BF86028}" srcOrd="2" destOrd="0" parTransId="{AA11A064-08AD-4B8A-9577-C59A4C80EC32}" sibTransId="{CCFFD39F-1708-4DF9-BB2F-E634B81181F4}"/>
+    <dgm:cxn modelId="{9243399D-4938-48B6-8AD5-973C7A64BDE0}" type="presOf" srcId="{35714DD5-4D7B-464A-860D-74EC9E1CDA9C}" destId="{4EA222C0-2C4C-4AC1-8B07-C334DD2B941E}" srcOrd="0" destOrd="2" presId="urn:microsoft.com/office/officeart/2005/8/layout/hChevron3"/>
+    <dgm:cxn modelId="{0ECFC8A1-54AE-4551-85FF-7A1C2B640DAA}" type="presOf" srcId="{E8950E95-8A89-469D-917A-19EDBEB7E1E5}" destId="{6D49CCA1-9F50-4F59-AB3D-6484AF0B35BA}" srcOrd="0" destOrd="0" presId="urn:microsoft.com/office/officeart/2005/8/layout/hChevron3"/>
+    <dgm:cxn modelId="{7B8183A2-389B-4C1D-86D2-3346223DBEE7}" type="presOf" srcId="{DE2C7616-0644-4F12-8597-125C0A720D82}" destId="{D429DA03-23E8-47CF-AA71-3100C16E4D81}" srcOrd="0" destOrd="4" presId="urn:microsoft.com/office/officeart/2005/8/layout/hChevron3"/>
+    <dgm:cxn modelId="{8034B9A3-EFC9-4014-9F77-A60D7640E113}" srcId="{E8640E7D-7E8B-4284-9DF3-B5563D867416}" destId="{FBA4A4C3-5DC0-42B3-8285-57CDCBDE42A4}" srcOrd="0" destOrd="0" parTransId="{6A507E42-FED3-474D-A288-1BCFC3F1E471}" sibTransId="{C9EC8E15-BBF4-462C-90BC-FC55F169D1EC}"/>
+    <dgm:cxn modelId="{747EC3A7-CBD2-455F-928C-41F5614A64D6}" srcId="{E8950E95-8A89-469D-917A-19EDBEB7E1E5}" destId="{10F30B06-E1C3-47CA-9EF5-B0D007F8EBF6}" srcOrd="3" destOrd="0" parTransId="{D091F90E-72FC-474C-8E5A-CDE1097AFFD8}" sibTransId="{E3743B05-B1F0-4470-8F32-1D120A5D0981}"/>
+    <dgm:cxn modelId="{E28E38B7-07E3-4295-A0D4-0BD7C93EB817}" type="presOf" srcId="{8DC97C43-D1CD-4C4C-AF08-1CCEB11055FB}" destId="{505CA62F-1E90-459C-88C8-34B28041238C}" srcOrd="0" destOrd="1" presId="urn:microsoft.com/office/officeart/2005/8/layout/hChevron3"/>
+    <dgm:cxn modelId="{FCD8CBB7-2D04-49F4-A51D-B4A9EFFD9DCF}" srcId="{4FDC3992-7500-4612-979D-5A341BF86028}" destId="{E57EB85C-B90C-491D-AE7E-91BD66DF8078}" srcOrd="1" destOrd="0" parTransId="{0294F8BD-FDCA-4518-98A2-AEB7F075B96F}" sibTransId="{01A0F382-16A1-477D-9CBB-09D838DD84B4}"/>
+    <dgm:cxn modelId="{A2C0E5BB-6D3C-4D91-BD3D-C7ACE864549B}" type="presOf" srcId="{FBA4A4C3-5DC0-42B3-8285-57CDCBDE42A4}" destId="{8E03C2A0-20F6-4EF9-8B1E-47EA3666D78A}" srcOrd="0" destOrd="1" presId="urn:microsoft.com/office/officeart/2005/8/layout/hChevron3"/>
+    <dgm:cxn modelId="{44BA44BE-6D89-4BF7-BE2E-9CB0C784760D}" type="presOf" srcId="{AC5BA1A0-BEB9-48FB-86FE-42AAB784C6E0}" destId="{505CA62F-1E90-459C-88C8-34B28041238C}" srcOrd="0" destOrd="3" presId="urn:microsoft.com/office/officeart/2005/8/layout/hChevron3"/>
+    <dgm:cxn modelId="{B35B1DBF-879F-4806-A44B-07101A457840}" srcId="{FACBBF60-36E0-4A5F-82F6-D0B0EF800817}" destId="{6F2A9C47-F0F1-4C9A-A586-59FE044D3A15}" srcOrd="1" destOrd="0" parTransId="{10D33F6C-1A86-43EC-B53F-C63A61D1BDFE}" sibTransId="{2810034C-57A1-4DCE-877D-9A6990465ACA}"/>
+    <dgm:cxn modelId="{45615DBF-9FA6-4BA5-86DB-EC56A6ED16E1}" type="presOf" srcId="{3DD48D51-8C38-4910-8D0A-52DF9EDBAFE1}" destId="{64F7EEFE-B30F-49FB-8760-1C6A5BDF75C4}" srcOrd="0" destOrd="1" presId="urn:microsoft.com/office/officeart/2005/8/layout/hChevron3"/>
+    <dgm:cxn modelId="{3B3E37C1-057C-4014-A714-4C08695A5F5F}" type="presOf" srcId="{4FDC3992-7500-4612-979D-5A341BF86028}" destId="{64F7EEFE-B30F-49FB-8760-1C6A5BDF75C4}" srcOrd="0" destOrd="0" presId="urn:microsoft.com/office/officeart/2005/8/layout/hChevron3"/>
+    <dgm:cxn modelId="{DA2281CF-21F6-4364-AE02-F5EEF598291B}" type="presOf" srcId="{B0F80D5C-AC40-49C2-885D-D6EDCF05D8DF}" destId="{4EA222C0-2C4C-4AC1-8B07-C334DD2B941E}" srcOrd="0" destOrd="1" presId="urn:microsoft.com/office/officeart/2005/8/layout/hChevron3"/>
+    <dgm:cxn modelId="{A1CD55D0-E374-460A-9D2B-55A4660B0572}" srcId="{DDB2E167-D0B5-4C65-ADC1-597AE56C7936}" destId="{B0F80D5C-AC40-49C2-885D-D6EDCF05D8DF}" srcOrd="0" destOrd="0" parTransId="{B13850A8-857C-4D80-9A84-707D45C52392}" sibTransId="{3C3C4B96-2624-4E30-BD69-F3CC368C3CCE}"/>
+    <dgm:cxn modelId="{A13162DE-0109-42EB-8EF1-0111EE573186}" srcId="{7665D50C-BF6A-41B5-B3CA-29175E510B97}" destId="{DDB2E167-D0B5-4C65-ADC1-597AE56C7936}" srcOrd="1" destOrd="0" parTransId="{B7C71C03-2F6F-45E2-BFB7-E16A5F053FEC}" sibTransId="{9F57F372-8CC6-40BF-A702-698E6779F61C}"/>
+    <dgm:cxn modelId="{D1AB2EE0-67FC-4E1A-B5A0-9D895CB781B1}" type="presOf" srcId="{05ECA461-8239-4911-B115-95A40AEF93BC}" destId="{6D49CCA1-9F50-4F59-AB3D-6484AF0B35BA}" srcOrd="0" destOrd="3" presId="urn:microsoft.com/office/officeart/2005/8/layout/hChevron3"/>
+    <dgm:cxn modelId="{C4FE0FE2-6E21-4AE2-A120-52BAF8E3BB73}" srcId="{7665D50C-BF6A-41B5-B3CA-29175E510B97}" destId="{DF7F9A6C-9356-4FF1-BAAE-351B819255DF}" srcOrd="0" destOrd="0" parTransId="{7CA1F36F-97B2-41A6-8A0B-C086A3B29E02}" sibTransId="{1E3555AB-E2B7-4DB3-AAC8-2D95E4BBFD02}"/>
+    <dgm:cxn modelId="{068933EA-25C2-492B-877C-13E5AE8AFE7D}" type="presOf" srcId="{FACBBF60-36E0-4A5F-82F6-D0B0EF800817}" destId="{D429DA03-23E8-47CF-AA71-3100C16E4D81}" srcOrd="0" destOrd="1" presId="urn:microsoft.com/office/officeart/2005/8/layout/hChevron3"/>
+    <dgm:cxn modelId="{3F2D3DEC-C01F-4071-B067-DD9B7F8E5CFF}" srcId="{FACBBF60-36E0-4A5F-82F6-D0B0EF800817}" destId="{DE2C7616-0644-4F12-8597-125C0A720D82}" srcOrd="2" destOrd="0" parTransId="{22CA5C31-C510-4915-8195-66EF37FA5C06}" sibTransId="{D9C13197-B505-41F1-B741-D8FF1D43CDFE}"/>
+    <dgm:cxn modelId="{957B2AF3-2270-4108-9DDE-F7AB53FE1BF3}" type="presOf" srcId="{E57EB85C-B90C-491D-AE7E-91BD66DF8078}" destId="{64F7EEFE-B30F-49FB-8760-1C6A5BDF75C4}" srcOrd="0" destOrd="2" presId="urn:microsoft.com/office/officeart/2005/8/layout/hChevron3"/>
+    <dgm:cxn modelId="{C56E46FA-B655-4A04-B536-DE0594672A4A}" srcId="{B10F4AC2-52F4-4CC9-93B0-8188E805228F}" destId="{AC5BA1A0-BEB9-48FB-86FE-42AAB784C6E0}" srcOrd="2" destOrd="0" parTransId="{07C5CB79-C037-46A6-9639-8C65F2B2F367}" sibTransId="{B2707620-11D4-4155-B565-24770C17D41F}"/>
+    <dgm:cxn modelId="{7C5EDDFA-C3BD-480E-BCF9-0A3D74609E55}" srcId="{B10F4AC2-52F4-4CC9-93B0-8188E805228F}" destId="{2DC368CC-D10E-4852-A663-7BC185E5BC40}" srcOrd="3" destOrd="0" parTransId="{7E5A9A41-44BF-46C1-822B-7AE2A51CBABD}" sibTransId="{CA319A41-E176-4BC4-9C2A-B3691C83CEDD}"/>
+    <dgm:cxn modelId="{47018F34-B1B6-43D4-B4C4-99442A7EB64D}" type="presParOf" srcId="{4DBC3D66-7B8A-4068-B816-D5F5D40E7007}" destId="{D429DA03-23E8-47CF-AA71-3100C16E4D81}" srcOrd="0" destOrd="0" presId="urn:microsoft.com/office/officeart/2005/8/layout/hChevron3"/>
+    <dgm:cxn modelId="{FADDA3E4-6B6D-462C-833B-34E3388A3B05}" type="presParOf" srcId="{4DBC3D66-7B8A-4068-B816-D5F5D40E7007}" destId="{5DCC72A6-8B48-4A41-A490-C2D4EE0E5211}" srcOrd="1" destOrd="0" presId="urn:microsoft.com/office/officeart/2005/8/layout/hChevron3"/>
+    <dgm:cxn modelId="{7F57397B-F0BA-4DF7-B034-5D436711ECB5}" type="presParOf" srcId="{4DBC3D66-7B8A-4068-B816-D5F5D40E7007}" destId="{4EA222C0-2C4C-4AC1-8B07-C334DD2B941E}" srcOrd="2" destOrd="0" presId="urn:microsoft.com/office/officeart/2005/8/layout/hChevron3"/>
+    <dgm:cxn modelId="{5EA294A3-1CFE-454E-B0C7-607EDE9F4ABA}" type="presParOf" srcId="{4DBC3D66-7B8A-4068-B816-D5F5D40E7007}" destId="{86C30FE4-E92B-45B2-A70A-D1EFE877472F}" srcOrd="3" destOrd="0" presId="urn:microsoft.com/office/officeart/2005/8/layout/hChevron3"/>
+    <dgm:cxn modelId="{616CF1D0-F364-4285-8877-D926D4217388}" type="presParOf" srcId="{4DBC3D66-7B8A-4068-B816-D5F5D40E7007}" destId="{64F7EEFE-B30F-49FB-8760-1C6A5BDF75C4}" srcOrd="4" destOrd="0" presId="urn:microsoft.com/office/officeart/2005/8/layout/hChevron3"/>
+    <dgm:cxn modelId="{8DBF2A45-8977-46F8-9B52-5954CF9B3940}" type="presParOf" srcId="{4DBC3D66-7B8A-4068-B816-D5F5D40E7007}" destId="{778F768A-B801-419B-A7CB-467BC4993449}" srcOrd="5" destOrd="0" presId="urn:microsoft.com/office/officeart/2005/8/layout/hChevron3"/>
+    <dgm:cxn modelId="{C4E89D3D-2818-40C0-ACBD-BE9AE0E2C711}" type="presParOf" srcId="{4DBC3D66-7B8A-4068-B816-D5F5D40E7007}" destId="{6D49CCA1-9F50-4F59-AB3D-6484AF0B35BA}" srcOrd="6" destOrd="0" presId="urn:microsoft.com/office/officeart/2005/8/layout/hChevron3"/>
+    <dgm:cxn modelId="{D447EFF6-0901-489C-BD73-D1FDDE039D7B}" type="presParOf" srcId="{4DBC3D66-7B8A-4068-B816-D5F5D40E7007}" destId="{807117C4-42AF-4952-A043-EC2E1CED17D2}" srcOrd="7" destOrd="0" presId="urn:microsoft.com/office/officeart/2005/8/layout/hChevron3"/>
+    <dgm:cxn modelId="{A2D54A45-E62A-4ECA-9D14-08BFB13D70D2}" type="presParOf" srcId="{4DBC3D66-7B8A-4068-B816-D5F5D40E7007}" destId="{505CA62F-1E90-459C-88C8-34B28041238C}" srcOrd="8" destOrd="0" presId="urn:microsoft.com/office/officeart/2005/8/layout/hChevron3"/>
+    <dgm:cxn modelId="{D81F6DBE-D314-47C2-97F1-84CB0702C55F}" type="presParOf" srcId="{4DBC3D66-7B8A-4068-B816-D5F5D40E7007}" destId="{64972F67-9332-4B1C-AD0A-C56D10258A12}" srcOrd="9" destOrd="0" presId="urn:microsoft.com/office/officeart/2005/8/layout/hChevron3"/>
+    <dgm:cxn modelId="{04ACAE03-F038-414D-B995-47106FD615AA}" type="presParOf" srcId="{4DBC3D66-7B8A-4068-B816-D5F5D40E7007}" destId="{8E03C2A0-20F6-4EF9-8B1E-47EA3666D78A}" srcOrd="10" destOrd="0" presId="urn:microsoft.com/office/officeart/2005/8/layout/hChevron3"/>
+  </dgm:cxnLst>
+  <dgm:bg/>
+  <dgm:whole/>
+  <dgm:extLst>
+    <a:ext uri="http://schemas.microsoft.com/office/drawing/2008/diagram">
+      <dsp:dataModelExt xmlns:dsp="http://schemas.microsoft.com/office/drawing/2008/diagram" relId="rId6" minVer="http://schemas.openxmlformats.org/drawingml/2006/diagram"/>
     </a:ext>
   </dgm:extLst>
 </dgm:dataModel>
@@ -4601,6 +6748,889 @@
 </dsp:drawing>
 </file>
 
+<file path=ppt/diagrams/drawing2.xml><?xml version="1.0" encoding="utf-8"?>
+<dsp:drawing xmlns:dgm="http://schemas.openxmlformats.org/drawingml/2006/diagram" xmlns:dsp="http://schemas.microsoft.com/office/drawing/2008/diagram" xmlns:a="http://schemas.openxmlformats.org/drawingml/2006/main">
+  <dsp:spTree>
+    <dsp:nvGrpSpPr>
+      <dsp:cNvPr id="0" name=""/>
+      <dsp:cNvGrpSpPr/>
+    </dsp:nvGrpSpPr>
+    <dsp:grpSpPr/>
+    <dsp:sp modelId="{D429DA03-23E8-47CF-AA71-3100C16E4D81}">
+      <dsp:nvSpPr>
+        <dsp:cNvPr id="0" name=""/>
+        <dsp:cNvSpPr/>
+      </dsp:nvSpPr>
+      <dsp:spPr>
+        <a:xfrm>
+          <a:off x="1368" y="929813"/>
+          <a:ext cx="2241500" cy="1793200"/>
+        </a:xfrm>
+        <a:prstGeom prst="homePlate">
+          <a:avLst>
+            <a:gd name="adj" fmla="val 25000"/>
+          </a:avLst>
+        </a:prstGeom>
+        <a:solidFill>
+          <a:schemeClr val="bg1">
+            <a:lumMod val="75000"/>
+          </a:schemeClr>
+        </a:solidFill>
+        <a:ln w="34925" cap="flat" cmpd="sng" algn="in">
+          <a:solidFill>
+            <a:schemeClr val="lt1">
+              <a:hueOff val="0"/>
+              <a:satOff val="0"/>
+              <a:lumOff val="0"/>
+              <a:alphaOff val="0"/>
+            </a:schemeClr>
+          </a:solidFill>
+          <a:prstDash val="solid"/>
+        </a:ln>
+        <a:effectLst/>
+      </dsp:spPr>
+      <dsp:style>
+        <a:lnRef idx="2">
+          <a:scrgbClr r="0" g="0" b="0"/>
+        </a:lnRef>
+        <a:fillRef idx="1">
+          <a:scrgbClr r="0" g="0" b="0"/>
+        </a:fillRef>
+        <a:effectRef idx="0">
+          <a:scrgbClr r="0" g="0" b="0"/>
+        </a:effectRef>
+        <a:fontRef idx="minor">
+          <a:schemeClr val="lt1"/>
+        </a:fontRef>
+      </dsp:style>
+      <dsp:txBody>
+        <a:bodyPr spcFirstLastPara="0" vert="horz" wrap="square" lIns="79075" tIns="40640" rIns="316301" bIns="40640" numCol="1" spcCol="1270" anchor="t" anchorCtr="0">
+          <a:noAutofit/>
+        </a:bodyPr>
+        <a:lstStyle/>
+        <a:p>
+          <a:pPr marL="0" lvl="0" indent="0" algn="l" defTabSz="711200">
+            <a:lnSpc>
+              <a:spcPct val="90000"/>
+            </a:lnSpc>
+            <a:spcBef>
+              <a:spcPct val="0"/>
+            </a:spcBef>
+            <a:spcAft>
+              <a:spcPct val="35000"/>
+            </a:spcAft>
+            <a:buNone/>
+          </a:pPr>
+          <a:r>
+            <a:rPr lang="en-US" sz="1600" b="1" kern="1200" dirty="0">
+              <a:solidFill>
+                <a:schemeClr val="tx1"/>
+              </a:solidFill>
+            </a:rPr>
+            <a:t>Data Sourcing</a:t>
+          </a:r>
+        </a:p>
+        <a:p>
+          <a:pPr marL="114300" lvl="1" indent="-114300" algn="l" defTabSz="533400">
+            <a:lnSpc>
+              <a:spcPct val="90000"/>
+            </a:lnSpc>
+            <a:spcBef>
+              <a:spcPct val="0"/>
+            </a:spcBef>
+            <a:spcAft>
+              <a:spcPct val="15000"/>
+            </a:spcAft>
+            <a:buChar char="•"/>
+          </a:pPr>
+          <a:r>
+            <a:rPr lang="en-US" sz="1200" kern="1200" dirty="0"/>
+            <a:t>ETL</a:t>
+          </a:r>
+        </a:p>
+        <a:p>
+          <a:pPr marL="228600" lvl="2" indent="-114300" algn="l" defTabSz="533400">
+            <a:lnSpc>
+              <a:spcPct val="90000"/>
+            </a:lnSpc>
+            <a:spcBef>
+              <a:spcPct val="0"/>
+            </a:spcBef>
+            <a:spcAft>
+              <a:spcPct val="15000"/>
+            </a:spcAft>
+            <a:buChar char="•"/>
+          </a:pPr>
+          <a:r>
+            <a:rPr lang="en-US" sz="1200" kern="1200" dirty="0"/>
+            <a:t>Load</a:t>
+          </a:r>
+        </a:p>
+        <a:p>
+          <a:pPr marL="228600" lvl="2" indent="-114300" algn="l" defTabSz="533400">
+            <a:lnSpc>
+              <a:spcPct val="90000"/>
+            </a:lnSpc>
+            <a:spcBef>
+              <a:spcPct val="0"/>
+            </a:spcBef>
+            <a:spcAft>
+              <a:spcPct val="15000"/>
+            </a:spcAft>
+            <a:buChar char="•"/>
+          </a:pPr>
+          <a:r>
+            <a:rPr lang="en-US" sz="1200" kern="1200" dirty="0"/>
+            <a:t>Cleanse</a:t>
+          </a:r>
+        </a:p>
+        <a:p>
+          <a:pPr marL="228600" lvl="2" indent="-114300" algn="l" defTabSz="533400">
+            <a:lnSpc>
+              <a:spcPct val="90000"/>
+            </a:lnSpc>
+            <a:spcBef>
+              <a:spcPct val="0"/>
+            </a:spcBef>
+            <a:spcAft>
+              <a:spcPct val="15000"/>
+            </a:spcAft>
+            <a:buChar char="•"/>
+          </a:pPr>
+          <a:r>
+            <a:rPr lang="en-US" sz="1200" kern="1200" dirty="0"/>
+            <a:t>Normalize</a:t>
+          </a:r>
+        </a:p>
+      </dsp:txBody>
+      <dsp:txXfrm>
+        <a:off x="1368" y="929813"/>
+        <a:ext cx="2017350" cy="1793200"/>
+      </dsp:txXfrm>
+    </dsp:sp>
+    <dsp:sp modelId="{4EA222C0-2C4C-4AC1-8B07-C334DD2B941E}">
+      <dsp:nvSpPr>
+        <dsp:cNvPr id="0" name=""/>
+        <dsp:cNvSpPr/>
+      </dsp:nvSpPr>
+      <dsp:spPr>
+        <a:xfrm>
+          <a:off x="1794568" y="929813"/>
+          <a:ext cx="2241500" cy="1793200"/>
+        </a:xfrm>
+        <a:prstGeom prst="chevron">
+          <a:avLst>
+            <a:gd name="adj" fmla="val 25000"/>
+          </a:avLst>
+        </a:prstGeom>
+        <a:solidFill>
+          <a:schemeClr val="bg2">
+            <a:lumMod val="75000"/>
+          </a:schemeClr>
+        </a:solidFill>
+        <a:ln w="34925" cap="flat" cmpd="sng" algn="in">
+          <a:solidFill>
+            <a:schemeClr val="lt1">
+              <a:hueOff val="0"/>
+              <a:satOff val="0"/>
+              <a:lumOff val="0"/>
+              <a:alphaOff val="0"/>
+            </a:schemeClr>
+          </a:solidFill>
+          <a:prstDash val="solid"/>
+        </a:ln>
+        <a:effectLst/>
+      </dsp:spPr>
+      <dsp:style>
+        <a:lnRef idx="2">
+          <a:scrgbClr r="0" g="0" b="0"/>
+        </a:lnRef>
+        <a:fillRef idx="1">
+          <a:scrgbClr r="0" g="0" b="0"/>
+        </a:fillRef>
+        <a:effectRef idx="0">
+          <a:scrgbClr r="0" g="0" b="0"/>
+        </a:effectRef>
+        <a:fontRef idx="minor">
+          <a:schemeClr val="lt1"/>
+        </a:fontRef>
+      </dsp:style>
+      <dsp:txBody>
+        <a:bodyPr spcFirstLastPara="0" vert="horz" wrap="square" lIns="79075" tIns="40640" rIns="79075" bIns="40640" numCol="1" spcCol="1270" anchor="t" anchorCtr="0">
+          <a:noAutofit/>
+        </a:bodyPr>
+        <a:lstStyle/>
+        <a:p>
+          <a:pPr marL="0" lvl="0" indent="0" algn="l" defTabSz="711200">
+            <a:lnSpc>
+              <a:spcPct val="90000"/>
+            </a:lnSpc>
+            <a:spcBef>
+              <a:spcPct val="0"/>
+            </a:spcBef>
+            <a:spcAft>
+              <a:spcPct val="35000"/>
+            </a:spcAft>
+            <a:buNone/>
+          </a:pPr>
+          <a:r>
+            <a:rPr lang="en-US" sz="1600" b="1" kern="1200" dirty="0">
+              <a:solidFill>
+                <a:schemeClr val="tx1"/>
+              </a:solidFill>
+            </a:rPr>
+            <a:t>(Big) Data Store</a:t>
+          </a:r>
+        </a:p>
+        <a:p>
+          <a:pPr marL="114300" lvl="1" indent="-114300" algn="l" defTabSz="533400">
+            <a:lnSpc>
+              <a:spcPct val="90000"/>
+            </a:lnSpc>
+            <a:spcBef>
+              <a:spcPct val="0"/>
+            </a:spcBef>
+            <a:spcAft>
+              <a:spcPct val="15000"/>
+            </a:spcAft>
+            <a:buChar char="•"/>
+          </a:pPr>
+          <a:r>
+            <a:rPr lang="en-US" sz="1200" kern="1200" dirty="0"/>
+            <a:t>RDBMS</a:t>
+          </a:r>
+        </a:p>
+        <a:p>
+          <a:pPr marL="114300" lvl="1" indent="-114300" algn="l" defTabSz="533400">
+            <a:lnSpc>
+              <a:spcPct val="90000"/>
+            </a:lnSpc>
+            <a:spcBef>
+              <a:spcPct val="0"/>
+            </a:spcBef>
+            <a:spcAft>
+              <a:spcPct val="15000"/>
+            </a:spcAft>
+            <a:buChar char="•"/>
+          </a:pPr>
+          <a:r>
+            <a:rPr lang="en-US" sz="1200" kern="1200" dirty="0"/>
+            <a:t>Data Warehouse</a:t>
+          </a:r>
+        </a:p>
+        <a:p>
+          <a:pPr marL="114300" lvl="1" indent="-114300" algn="l" defTabSz="533400">
+            <a:lnSpc>
+              <a:spcPct val="90000"/>
+            </a:lnSpc>
+            <a:spcBef>
+              <a:spcPct val="0"/>
+            </a:spcBef>
+            <a:spcAft>
+              <a:spcPct val="15000"/>
+            </a:spcAft>
+            <a:buChar char="•"/>
+          </a:pPr>
+          <a:r>
+            <a:rPr lang="en-US" sz="1200" kern="1200" dirty="0"/>
+            <a:t>Hadoop Data Lake</a:t>
+          </a:r>
+        </a:p>
+        <a:p>
+          <a:pPr marL="114300" lvl="1" indent="-114300" algn="l" defTabSz="533400">
+            <a:lnSpc>
+              <a:spcPct val="90000"/>
+            </a:lnSpc>
+            <a:spcBef>
+              <a:spcPct val="0"/>
+            </a:spcBef>
+            <a:spcAft>
+              <a:spcPct val="15000"/>
+            </a:spcAft>
+            <a:buChar char="•"/>
+          </a:pPr>
+          <a:r>
+            <a:rPr lang="en-US" sz="1200" kern="1200" dirty="0"/>
+            <a:t>KDB</a:t>
+          </a:r>
+        </a:p>
+      </dsp:txBody>
+      <dsp:txXfrm>
+        <a:off x="2242868" y="929813"/>
+        <a:ext cx="1344900" cy="1793200"/>
+      </dsp:txXfrm>
+    </dsp:sp>
+    <dsp:sp modelId="{64F7EEFE-B30F-49FB-8760-1C6A5BDF75C4}">
+      <dsp:nvSpPr>
+        <dsp:cNvPr id="0" name=""/>
+        <dsp:cNvSpPr/>
+      </dsp:nvSpPr>
+      <dsp:spPr>
+        <a:xfrm>
+          <a:off x="3587768" y="929813"/>
+          <a:ext cx="2241500" cy="1793200"/>
+        </a:xfrm>
+        <a:prstGeom prst="chevron">
+          <a:avLst>
+            <a:gd name="adj" fmla="val 25000"/>
+          </a:avLst>
+        </a:prstGeom>
+        <a:solidFill>
+          <a:schemeClr val="accent4">
+            <a:hueOff val="0"/>
+            <a:satOff val="0"/>
+            <a:lumOff val="0"/>
+            <a:alphaOff val="0"/>
+          </a:schemeClr>
+        </a:solidFill>
+        <a:ln w="34925" cap="flat" cmpd="sng" algn="in">
+          <a:solidFill>
+            <a:schemeClr val="lt1">
+              <a:hueOff val="0"/>
+              <a:satOff val="0"/>
+              <a:lumOff val="0"/>
+              <a:alphaOff val="0"/>
+            </a:schemeClr>
+          </a:solidFill>
+          <a:prstDash val="solid"/>
+        </a:ln>
+        <a:effectLst/>
+      </dsp:spPr>
+      <dsp:style>
+        <a:lnRef idx="2">
+          <a:scrgbClr r="0" g="0" b="0"/>
+        </a:lnRef>
+        <a:fillRef idx="1">
+          <a:scrgbClr r="0" g="0" b="0"/>
+        </a:fillRef>
+        <a:effectRef idx="0">
+          <a:scrgbClr r="0" g="0" b="0"/>
+        </a:effectRef>
+        <a:fontRef idx="minor">
+          <a:schemeClr val="lt1"/>
+        </a:fontRef>
+      </dsp:style>
+      <dsp:txBody>
+        <a:bodyPr spcFirstLastPara="0" vert="horz" wrap="square" lIns="79075" tIns="40640" rIns="79075" bIns="40640" numCol="1" spcCol="1270" anchor="t" anchorCtr="0">
+          <a:noAutofit/>
+        </a:bodyPr>
+        <a:lstStyle/>
+        <a:p>
+          <a:pPr marL="0" lvl="0" indent="0" algn="l" defTabSz="711200">
+            <a:lnSpc>
+              <a:spcPct val="90000"/>
+            </a:lnSpc>
+            <a:spcBef>
+              <a:spcPct val="0"/>
+            </a:spcBef>
+            <a:spcAft>
+              <a:spcPct val="35000"/>
+            </a:spcAft>
+            <a:buNone/>
+          </a:pPr>
+          <a:r>
+            <a:rPr lang="en-US" sz="1600" b="1" kern="1200" dirty="0">
+              <a:solidFill>
+                <a:schemeClr val="tx1"/>
+              </a:solidFill>
+            </a:rPr>
+            <a:t>Feature Engineer/ Selection</a:t>
+          </a:r>
+        </a:p>
+        <a:p>
+          <a:pPr marL="114300" lvl="1" indent="-114300" algn="l" defTabSz="533400">
+            <a:lnSpc>
+              <a:spcPct val="90000"/>
+            </a:lnSpc>
+            <a:spcBef>
+              <a:spcPct val="0"/>
+            </a:spcBef>
+            <a:spcAft>
+              <a:spcPct val="15000"/>
+            </a:spcAft>
+            <a:buChar char="•"/>
+          </a:pPr>
+          <a:r>
+            <a:rPr lang="en-US" sz="1200" kern="1200" dirty="0"/>
+            <a:t>Select</a:t>
+          </a:r>
+        </a:p>
+        <a:p>
+          <a:pPr marL="114300" lvl="1" indent="-114300" algn="l" defTabSz="533400">
+            <a:lnSpc>
+              <a:spcPct val="90000"/>
+            </a:lnSpc>
+            <a:spcBef>
+              <a:spcPct val="0"/>
+            </a:spcBef>
+            <a:spcAft>
+              <a:spcPct val="15000"/>
+            </a:spcAft>
+            <a:buChar char="•"/>
+          </a:pPr>
+          <a:r>
+            <a:rPr lang="en-US" sz="1200" kern="1200" dirty="0"/>
+            <a:t>Normalize</a:t>
+          </a:r>
+        </a:p>
+        <a:p>
+          <a:pPr marL="114300" lvl="1" indent="-114300" algn="l" defTabSz="533400">
+            <a:lnSpc>
+              <a:spcPct val="90000"/>
+            </a:lnSpc>
+            <a:spcBef>
+              <a:spcPct val="0"/>
+            </a:spcBef>
+            <a:spcAft>
+              <a:spcPct val="15000"/>
+            </a:spcAft>
+            <a:buChar char="•"/>
+          </a:pPr>
+          <a:r>
+            <a:rPr lang="en-US" sz="1200" kern="1200" dirty="0"/>
+            <a:t>Encode</a:t>
+          </a:r>
+        </a:p>
+      </dsp:txBody>
+      <dsp:txXfrm>
+        <a:off x="4036068" y="929813"/>
+        <a:ext cx="1344900" cy="1793200"/>
+      </dsp:txXfrm>
+    </dsp:sp>
+    <dsp:sp modelId="{6D49CCA1-9F50-4F59-AB3D-6484AF0B35BA}">
+      <dsp:nvSpPr>
+        <dsp:cNvPr id="0" name=""/>
+        <dsp:cNvSpPr/>
+      </dsp:nvSpPr>
+      <dsp:spPr>
+        <a:xfrm>
+          <a:off x="5380968" y="929813"/>
+          <a:ext cx="2241500" cy="1793200"/>
+        </a:xfrm>
+        <a:prstGeom prst="chevron">
+          <a:avLst>
+            <a:gd name="adj" fmla="val 25000"/>
+          </a:avLst>
+        </a:prstGeom>
+        <a:solidFill>
+          <a:schemeClr val="accent5">
+            <a:hueOff val="0"/>
+            <a:satOff val="0"/>
+            <a:lumOff val="0"/>
+            <a:alphaOff val="0"/>
+          </a:schemeClr>
+        </a:solidFill>
+        <a:ln w="34925" cap="flat" cmpd="sng" algn="in">
+          <a:solidFill>
+            <a:schemeClr val="lt1">
+              <a:hueOff val="0"/>
+              <a:satOff val="0"/>
+              <a:lumOff val="0"/>
+              <a:alphaOff val="0"/>
+            </a:schemeClr>
+          </a:solidFill>
+          <a:prstDash val="solid"/>
+        </a:ln>
+        <a:effectLst/>
+      </dsp:spPr>
+      <dsp:style>
+        <a:lnRef idx="2">
+          <a:scrgbClr r="0" g="0" b="0"/>
+        </a:lnRef>
+        <a:fillRef idx="1">
+          <a:scrgbClr r="0" g="0" b="0"/>
+        </a:fillRef>
+        <a:effectRef idx="0">
+          <a:scrgbClr r="0" g="0" b="0"/>
+        </a:effectRef>
+        <a:fontRef idx="minor">
+          <a:schemeClr val="lt1"/>
+        </a:fontRef>
+      </dsp:style>
+      <dsp:txBody>
+        <a:bodyPr spcFirstLastPara="0" vert="horz" wrap="square" lIns="79075" tIns="40640" rIns="79075" bIns="40640" numCol="1" spcCol="1270" anchor="t" anchorCtr="0">
+          <a:noAutofit/>
+        </a:bodyPr>
+        <a:lstStyle/>
+        <a:p>
+          <a:pPr marL="0" lvl="0" indent="0" algn="l" defTabSz="711200">
+            <a:lnSpc>
+              <a:spcPct val="90000"/>
+            </a:lnSpc>
+            <a:spcBef>
+              <a:spcPct val="0"/>
+            </a:spcBef>
+            <a:spcAft>
+              <a:spcPct val="35000"/>
+            </a:spcAft>
+            <a:buNone/>
+          </a:pPr>
+          <a:r>
+            <a:rPr lang="en-US" sz="1600" b="1" kern="1200" dirty="0">
+              <a:solidFill>
+                <a:schemeClr val="tx1"/>
+              </a:solidFill>
+            </a:rPr>
+            <a:t>Model Selection</a:t>
+          </a:r>
+        </a:p>
+        <a:p>
+          <a:pPr marL="114300" lvl="1" indent="-114300" algn="l" defTabSz="533400">
+            <a:lnSpc>
+              <a:spcPct val="90000"/>
+            </a:lnSpc>
+            <a:spcBef>
+              <a:spcPct val="0"/>
+            </a:spcBef>
+            <a:spcAft>
+              <a:spcPct val="15000"/>
+            </a:spcAft>
+            <a:buChar char="•"/>
+          </a:pPr>
+          <a:r>
+            <a:rPr lang="en-US" sz="1200" kern="1200" dirty="0" err="1"/>
+            <a:t>Kmeans</a:t>
+          </a:r>
+          <a:endParaRPr lang="en-US" sz="1200" kern="1200" dirty="0"/>
+        </a:p>
+        <a:p>
+          <a:pPr marL="114300" lvl="1" indent="-114300" algn="l" defTabSz="533400">
+            <a:lnSpc>
+              <a:spcPct val="90000"/>
+            </a:lnSpc>
+            <a:spcBef>
+              <a:spcPct val="0"/>
+            </a:spcBef>
+            <a:spcAft>
+              <a:spcPct val="15000"/>
+            </a:spcAft>
+            <a:buChar char="•"/>
+          </a:pPr>
+          <a:r>
+            <a:rPr lang="en-US" sz="1200" kern="1200" dirty="0"/>
+            <a:t>SVM</a:t>
+          </a:r>
+        </a:p>
+        <a:p>
+          <a:pPr marL="114300" lvl="1" indent="-114300" algn="l" defTabSz="533400">
+            <a:lnSpc>
+              <a:spcPct val="90000"/>
+            </a:lnSpc>
+            <a:spcBef>
+              <a:spcPct val="0"/>
+            </a:spcBef>
+            <a:spcAft>
+              <a:spcPct val="15000"/>
+            </a:spcAft>
+            <a:buChar char="•"/>
+          </a:pPr>
+          <a:r>
+            <a:rPr lang="en-US" sz="1200" kern="1200" dirty="0"/>
+            <a:t>Neural Nets</a:t>
+          </a:r>
+        </a:p>
+        <a:p>
+          <a:pPr marL="114300" lvl="1" indent="-114300" algn="l" defTabSz="533400">
+            <a:lnSpc>
+              <a:spcPct val="90000"/>
+            </a:lnSpc>
+            <a:spcBef>
+              <a:spcPct val="0"/>
+            </a:spcBef>
+            <a:spcAft>
+              <a:spcPct val="15000"/>
+            </a:spcAft>
+            <a:buChar char="•"/>
+          </a:pPr>
+          <a:r>
+            <a:rPr lang="en-US" sz="1200" kern="1200" dirty="0"/>
+            <a:t>Refine and iterate</a:t>
+          </a:r>
+        </a:p>
+      </dsp:txBody>
+      <dsp:txXfrm>
+        <a:off x="5829268" y="929813"/>
+        <a:ext cx="1344900" cy="1793200"/>
+      </dsp:txXfrm>
+    </dsp:sp>
+    <dsp:sp modelId="{505CA62F-1E90-459C-88C8-34B28041238C}">
+      <dsp:nvSpPr>
+        <dsp:cNvPr id="0" name=""/>
+        <dsp:cNvSpPr/>
+      </dsp:nvSpPr>
+      <dsp:spPr>
+        <a:xfrm>
+          <a:off x="7174168" y="929813"/>
+          <a:ext cx="2241500" cy="1793200"/>
+        </a:xfrm>
+        <a:prstGeom prst="chevron">
+          <a:avLst>
+            <a:gd name="adj" fmla="val 25000"/>
+          </a:avLst>
+        </a:prstGeom>
+        <a:solidFill>
+          <a:schemeClr val="accent6">
+            <a:hueOff val="0"/>
+            <a:satOff val="0"/>
+            <a:lumOff val="0"/>
+            <a:alphaOff val="0"/>
+          </a:schemeClr>
+        </a:solidFill>
+        <a:ln w="34925" cap="flat" cmpd="sng" algn="in">
+          <a:solidFill>
+            <a:schemeClr val="lt1">
+              <a:hueOff val="0"/>
+              <a:satOff val="0"/>
+              <a:lumOff val="0"/>
+              <a:alphaOff val="0"/>
+            </a:schemeClr>
+          </a:solidFill>
+          <a:prstDash val="solid"/>
+        </a:ln>
+        <a:effectLst/>
+      </dsp:spPr>
+      <dsp:style>
+        <a:lnRef idx="2">
+          <a:scrgbClr r="0" g="0" b="0"/>
+        </a:lnRef>
+        <a:fillRef idx="1">
+          <a:scrgbClr r="0" g="0" b="0"/>
+        </a:fillRef>
+        <a:effectRef idx="0">
+          <a:scrgbClr r="0" g="0" b="0"/>
+        </a:effectRef>
+        <a:fontRef idx="minor">
+          <a:schemeClr val="lt1"/>
+        </a:fontRef>
+      </dsp:style>
+      <dsp:txBody>
+        <a:bodyPr spcFirstLastPara="0" vert="horz" wrap="square" lIns="79075" tIns="40640" rIns="79075" bIns="40640" numCol="1" spcCol="1270" anchor="t" anchorCtr="0">
+          <a:noAutofit/>
+        </a:bodyPr>
+        <a:lstStyle/>
+        <a:p>
+          <a:pPr marL="0" lvl="0" indent="0" algn="l" defTabSz="711200">
+            <a:lnSpc>
+              <a:spcPct val="90000"/>
+            </a:lnSpc>
+            <a:spcBef>
+              <a:spcPct val="0"/>
+            </a:spcBef>
+            <a:spcAft>
+              <a:spcPct val="35000"/>
+            </a:spcAft>
+            <a:buNone/>
+          </a:pPr>
+          <a:r>
+            <a:rPr lang="en-US" sz="1600" b="1" kern="1200" dirty="0">
+              <a:solidFill>
+                <a:schemeClr val="tx1"/>
+              </a:solidFill>
+            </a:rPr>
+            <a:t>Training</a:t>
+          </a:r>
+        </a:p>
+        <a:p>
+          <a:pPr marL="114300" lvl="1" indent="-114300" algn="l" defTabSz="533400">
+            <a:lnSpc>
+              <a:spcPct val="90000"/>
+            </a:lnSpc>
+            <a:spcBef>
+              <a:spcPct val="0"/>
+            </a:spcBef>
+            <a:spcAft>
+              <a:spcPct val="15000"/>
+            </a:spcAft>
+            <a:buChar char="•"/>
+          </a:pPr>
+          <a:r>
+            <a:rPr lang="en-US" sz="1200" kern="1200" dirty="0"/>
+            <a:t>Parameter tuning</a:t>
+          </a:r>
+        </a:p>
+        <a:p>
+          <a:pPr marL="114300" lvl="1" indent="-114300" algn="l" defTabSz="533400">
+            <a:lnSpc>
+              <a:spcPct val="90000"/>
+            </a:lnSpc>
+            <a:spcBef>
+              <a:spcPct val="0"/>
+            </a:spcBef>
+            <a:spcAft>
+              <a:spcPct val="15000"/>
+            </a:spcAft>
+            <a:buChar char="•"/>
+          </a:pPr>
+          <a:r>
+            <a:rPr lang="en-US" sz="1200" kern="1200" dirty="0"/>
+            <a:t>Cross Validation</a:t>
+          </a:r>
+        </a:p>
+        <a:p>
+          <a:pPr marL="114300" lvl="1" indent="-114300" algn="l" defTabSz="533400">
+            <a:lnSpc>
+              <a:spcPct val="90000"/>
+            </a:lnSpc>
+            <a:spcBef>
+              <a:spcPct val="0"/>
+            </a:spcBef>
+            <a:spcAft>
+              <a:spcPct val="15000"/>
+            </a:spcAft>
+            <a:buChar char="•"/>
+          </a:pPr>
+          <a:r>
+            <a:rPr lang="en-US" sz="1200" kern="1200" dirty="0"/>
+            <a:t>Evaluate Results</a:t>
+          </a:r>
+        </a:p>
+        <a:p>
+          <a:pPr marL="114300" lvl="1" indent="-114300" algn="l" defTabSz="533400">
+            <a:lnSpc>
+              <a:spcPct val="90000"/>
+            </a:lnSpc>
+            <a:spcBef>
+              <a:spcPct val="0"/>
+            </a:spcBef>
+            <a:spcAft>
+              <a:spcPct val="15000"/>
+            </a:spcAft>
+            <a:buChar char="•"/>
+          </a:pPr>
+          <a:r>
+            <a:rPr lang="en-US" sz="1200" kern="1200" dirty="0"/>
+            <a:t>Refine and iterate</a:t>
+          </a:r>
+        </a:p>
+      </dsp:txBody>
+      <dsp:txXfrm>
+        <a:off x="7622468" y="929813"/>
+        <a:ext cx="1344900" cy="1793200"/>
+      </dsp:txXfrm>
+    </dsp:sp>
+    <dsp:sp modelId="{8E03C2A0-20F6-4EF9-8B1E-47EA3666D78A}">
+      <dsp:nvSpPr>
+        <dsp:cNvPr id="0" name=""/>
+        <dsp:cNvSpPr/>
+      </dsp:nvSpPr>
+      <dsp:spPr>
+        <a:xfrm>
+          <a:off x="8967368" y="929813"/>
+          <a:ext cx="2241500" cy="1793200"/>
+        </a:xfrm>
+        <a:prstGeom prst="chevron">
+          <a:avLst>
+            <a:gd name="adj" fmla="val 25000"/>
+          </a:avLst>
+        </a:prstGeom>
+        <a:solidFill>
+          <a:schemeClr val="accent2">
+            <a:hueOff val="0"/>
+            <a:satOff val="0"/>
+            <a:lumOff val="0"/>
+            <a:alphaOff val="0"/>
+          </a:schemeClr>
+        </a:solidFill>
+        <a:ln w="34925" cap="flat" cmpd="sng" algn="in">
+          <a:solidFill>
+            <a:schemeClr val="lt1">
+              <a:hueOff val="0"/>
+              <a:satOff val="0"/>
+              <a:lumOff val="0"/>
+              <a:alphaOff val="0"/>
+            </a:schemeClr>
+          </a:solidFill>
+          <a:prstDash val="solid"/>
+        </a:ln>
+        <a:effectLst/>
+      </dsp:spPr>
+      <dsp:style>
+        <a:lnRef idx="2">
+          <a:scrgbClr r="0" g="0" b="0"/>
+        </a:lnRef>
+        <a:fillRef idx="1">
+          <a:scrgbClr r="0" g="0" b="0"/>
+        </a:fillRef>
+        <a:effectRef idx="0">
+          <a:scrgbClr r="0" g="0" b="0"/>
+        </a:effectRef>
+        <a:fontRef idx="minor">
+          <a:schemeClr val="lt1"/>
+        </a:fontRef>
+      </dsp:style>
+      <dsp:txBody>
+        <a:bodyPr spcFirstLastPara="0" vert="horz" wrap="square" lIns="79075" tIns="40640" rIns="79075" bIns="40640" numCol="1" spcCol="1270" anchor="t" anchorCtr="0">
+          <a:noAutofit/>
+        </a:bodyPr>
+        <a:lstStyle/>
+        <a:p>
+          <a:pPr marL="0" lvl="0" indent="0" algn="l" defTabSz="711200">
+            <a:lnSpc>
+              <a:spcPct val="90000"/>
+            </a:lnSpc>
+            <a:spcBef>
+              <a:spcPct val="0"/>
+            </a:spcBef>
+            <a:spcAft>
+              <a:spcPct val="35000"/>
+            </a:spcAft>
+            <a:buNone/>
+          </a:pPr>
+          <a:r>
+            <a:rPr lang="en-US" sz="1600" b="1" kern="1200" dirty="0">
+              <a:solidFill>
+                <a:schemeClr val="tx1"/>
+              </a:solidFill>
+            </a:rPr>
+            <a:t>Deploy</a:t>
+          </a:r>
+        </a:p>
+        <a:p>
+          <a:pPr marL="114300" lvl="1" indent="-114300" algn="l" defTabSz="533400">
+            <a:lnSpc>
+              <a:spcPct val="90000"/>
+            </a:lnSpc>
+            <a:spcBef>
+              <a:spcPct val="0"/>
+            </a:spcBef>
+            <a:spcAft>
+              <a:spcPct val="15000"/>
+            </a:spcAft>
+            <a:buChar char="•"/>
+          </a:pPr>
+          <a:r>
+            <a:rPr lang="en-US" sz="1200" kern="1200" dirty="0"/>
+            <a:t>Prod Deployment</a:t>
+          </a:r>
+        </a:p>
+        <a:p>
+          <a:pPr marL="114300" lvl="1" indent="-114300" algn="l" defTabSz="533400">
+            <a:lnSpc>
+              <a:spcPct val="90000"/>
+            </a:lnSpc>
+            <a:spcBef>
+              <a:spcPct val="0"/>
+            </a:spcBef>
+            <a:spcAft>
+              <a:spcPct val="15000"/>
+            </a:spcAft>
+            <a:buChar char="•"/>
+          </a:pPr>
+          <a:r>
+            <a:rPr lang="en-US" sz="1200" kern="1200" dirty="0"/>
+            <a:t>Monitoring</a:t>
+          </a:r>
+        </a:p>
+      </dsp:txBody>
+      <dsp:txXfrm>
+        <a:off x="9415668" y="929813"/>
+        <a:ext cx="1344900" cy="1793200"/>
+      </dsp:txXfrm>
+    </dsp:sp>
+  </dsp:spTree>
+</dsp:drawing>
+</file>
+
 <file path=ppt/diagrams/layout1.xml><?xml version="1.0" encoding="utf-8"?>
 <dgm:layoutDef xmlns:dgm="http://schemas.openxmlformats.org/drawingml/2006/diagram" xmlns:a="http://schemas.openxmlformats.org/drawingml/2006/main" uniqueId="urn:microsoft.com/office/officeart/2008/layout/CircleAccentTimeline">
   <dgm:title val=""/>
@@ -5096,7 +8126,1313 @@
 </dgm:layoutDef>
 </file>
 
+<file path=ppt/diagrams/layout2.xml><?xml version="1.0" encoding="utf-8"?>
+<dgm:layoutDef xmlns:dgm="http://schemas.openxmlformats.org/drawingml/2006/diagram" xmlns:a="http://schemas.openxmlformats.org/drawingml/2006/main" uniqueId="urn:microsoft.com/office/officeart/2005/8/layout/hChevron3">
+  <dgm:title val=""/>
+  <dgm:desc val=""/>
+  <dgm:catLst>
+    <dgm:cat type="process" pri="10000"/>
+  </dgm:catLst>
+  <dgm:sampData useDef="1">
+    <dgm:dataModel>
+      <dgm:ptLst/>
+      <dgm:bg/>
+      <dgm:whole/>
+    </dgm:dataModel>
+  </dgm:sampData>
+  <dgm:styleData>
+    <dgm:dataModel>
+      <dgm:ptLst>
+        <dgm:pt modelId="0" type="doc"/>
+        <dgm:pt modelId="1"/>
+        <dgm:pt modelId="2"/>
+      </dgm:ptLst>
+      <dgm:cxnLst>
+        <dgm:cxn modelId="3" srcId="0" destId="1" srcOrd="0" destOrd="0"/>
+        <dgm:cxn modelId="4" srcId="0" destId="2" srcOrd="1" destOrd="0"/>
+      </dgm:cxnLst>
+      <dgm:bg/>
+      <dgm:whole/>
+    </dgm:dataModel>
+  </dgm:styleData>
+  <dgm:clrData>
+    <dgm:dataModel>
+      <dgm:ptLst>
+        <dgm:pt modelId="0" type="doc"/>
+        <dgm:pt modelId="1"/>
+        <dgm:pt modelId="2"/>
+        <dgm:pt modelId="3"/>
+        <dgm:pt modelId="4"/>
+      </dgm:ptLst>
+      <dgm:cxnLst>
+        <dgm:cxn modelId="5" srcId="0" destId="1" srcOrd="0" destOrd="0"/>
+        <dgm:cxn modelId="6" srcId="0" destId="2" srcOrd="1" destOrd="0"/>
+        <dgm:cxn modelId="7" srcId="0" destId="3" srcOrd="2" destOrd="0"/>
+        <dgm:cxn modelId="8" srcId="0" destId="4" srcOrd="3" destOrd="0"/>
+      </dgm:cxnLst>
+      <dgm:bg/>
+      <dgm:whole/>
+    </dgm:dataModel>
+  </dgm:clrData>
+  <dgm:layoutNode name="Name0">
+    <dgm:varLst>
+      <dgm:dir/>
+      <dgm:resizeHandles val="exact"/>
+    </dgm:varLst>
+    <dgm:choose name="Name1">
+      <dgm:if name="Name2" func="var" arg="dir" op="equ" val="norm">
+        <dgm:alg type="lin"/>
+      </dgm:if>
+      <dgm:else name="Name3">
+        <dgm:alg type="lin">
+          <dgm:param type="linDir" val="fromR"/>
+        </dgm:alg>
+      </dgm:else>
+    </dgm:choose>
+    <dgm:shape xmlns:r="http://schemas.openxmlformats.org/officeDocument/2006/relationships" r:blip="">
+      <dgm:adjLst/>
+    </dgm:shape>
+    <dgm:presOf/>
+    <dgm:choose name="Name4">
+      <dgm:if name="Name5" axis="root des" func="maxDepth" op="gte" val="2">
+        <dgm:constrLst>
+          <dgm:constr type="w" for="ch" forName="parAndChTx" refType="w"/>
+          <dgm:constr type="primFontSz" for="ch" ptType="node" op="equ"/>
+          <dgm:constr type="w" for="ch" forName="parAndChSpace" refType="w" refFor="ch" refForName="parAndChTx" fact="-0.2"/>
+          <dgm:constr type="w" for="ch" ptType="sibTrans" op="equ"/>
+        </dgm:constrLst>
+        <dgm:ruleLst/>
+        <dgm:forEach name="Name6" axis="ch" ptType="node">
+          <dgm:layoutNode name="parAndChTx">
+            <dgm:varLst>
+              <dgm:bulletEnabled val="1"/>
+            </dgm:varLst>
+            <dgm:alg type="tx"/>
+            <dgm:choose name="Name7">
+              <dgm:if name="Name8" func="var" arg="dir" op="equ" val="norm">
+                <dgm:choose name="Name9">
+                  <dgm:if name="Name10" axis="self" ptType="node" func="pos" op="equ" val="1">
+                    <dgm:shape xmlns:r="http://schemas.openxmlformats.org/officeDocument/2006/relationships" type="homePlate" r:blip="">
+                      <dgm:adjLst>
+                        <dgm:adj idx="1" val="0.25"/>
+                      </dgm:adjLst>
+                    </dgm:shape>
+                    <dgm:presOf axis="desOrSelf" ptType="node"/>
+                    <dgm:constrLst>
+                      <dgm:constr type="h" refType="w" op="equ" fact="0.8"/>
+                      <dgm:constr type="primFontSz" val="65"/>
+                      <dgm:constr type="tMarg" refType="primFontSz" fact="0.2"/>
+                      <dgm:constr type="bMarg" refType="primFontSz" fact="0.2"/>
+                      <dgm:constr type="lMarg" refType="w" fact="0.1"/>
+                      <dgm:constr type="rMarg" refType="w" fact="0.4"/>
+                    </dgm:constrLst>
+                  </dgm:if>
+                  <dgm:else name="Name11">
+                    <dgm:shape xmlns:r="http://schemas.openxmlformats.org/officeDocument/2006/relationships" type="chevron" r:blip="">
+                      <dgm:adjLst>
+                        <dgm:adj idx="1" val="0.25"/>
+                      </dgm:adjLst>
+                    </dgm:shape>
+                    <dgm:presOf axis="desOrSelf" ptType="node"/>
+                    <dgm:constrLst>
+                      <dgm:constr type="h" refType="w" op="equ" fact="0.8"/>
+                      <dgm:constr type="primFontSz" val="65"/>
+                      <dgm:constr type="tMarg" refType="primFontSz" fact="0.2"/>
+                      <dgm:constr type="bMarg" refType="primFontSz" fact="0.2"/>
+                      <dgm:constr type="lMarg" refType="w" fact="0.1"/>
+                      <dgm:constr type="rMarg" refType="w" fact="0.1"/>
+                    </dgm:constrLst>
+                  </dgm:else>
+                </dgm:choose>
+              </dgm:if>
+              <dgm:else name="Name12">
+                <dgm:choose name="Name13">
+                  <dgm:if name="Name14" axis="self" ptType="node" func="pos" op="equ" val="1">
+                    <dgm:shape xmlns:r="http://schemas.openxmlformats.org/officeDocument/2006/relationships" rot="180" type="homePlate" r:blip="">
+                      <dgm:adjLst>
+                        <dgm:adj idx="1" val="0.25"/>
+                      </dgm:adjLst>
+                    </dgm:shape>
+                    <dgm:presOf axis="desOrSelf" ptType="node"/>
+                    <dgm:constrLst>
+                      <dgm:constr type="h" refType="w" op="equ" fact="0.8"/>
+                      <dgm:constr type="primFontSz" val="65"/>
+                      <dgm:constr type="tMarg" refType="primFontSz" fact="0.2"/>
+                      <dgm:constr type="bMarg" refType="primFontSz" fact="0.2"/>
+                      <dgm:constr type="lMarg" refType="w" fact="0.4"/>
+                      <dgm:constr type="rMarg" refType="w" fact="0.1"/>
+                    </dgm:constrLst>
+                  </dgm:if>
+                  <dgm:else name="Name15">
+                    <dgm:shape xmlns:r="http://schemas.openxmlformats.org/officeDocument/2006/relationships" rot="180" type="chevron" r:blip="">
+                      <dgm:adjLst>
+                        <dgm:adj idx="1" val="0.25"/>
+                      </dgm:adjLst>
+                    </dgm:shape>
+                    <dgm:presOf axis="desOrSelf" ptType="node"/>
+                    <dgm:constrLst>
+                      <dgm:constr type="h" refType="w" op="equ" fact="0.8"/>
+                      <dgm:constr type="primFontSz" val="65"/>
+                      <dgm:constr type="tMarg" refType="primFontSz" fact="0.2"/>
+                      <dgm:constr type="bMarg" refType="primFontSz" fact="0.2"/>
+                      <dgm:constr type="lMarg" refType="w" fact="0.1"/>
+                      <dgm:constr type="rMarg" refType="w" fact="0.1"/>
+                    </dgm:constrLst>
+                  </dgm:else>
+                </dgm:choose>
+              </dgm:else>
+            </dgm:choose>
+            <dgm:ruleLst>
+              <dgm:rule type="primFontSz" val="5" fact="NaN" max="NaN"/>
+            </dgm:ruleLst>
+          </dgm:layoutNode>
+          <dgm:forEach name="Name16" axis="followSib" ptType="sibTrans" cnt="1">
+            <dgm:layoutNode name="parAndChSpace">
+              <dgm:alg type="sp"/>
+              <dgm:shape xmlns:r="http://schemas.openxmlformats.org/officeDocument/2006/relationships" r:blip="">
+                <dgm:adjLst/>
+              </dgm:shape>
+              <dgm:presOf/>
+              <dgm:constrLst/>
+              <dgm:ruleLst/>
+            </dgm:layoutNode>
+          </dgm:forEach>
+        </dgm:forEach>
+      </dgm:if>
+      <dgm:else name="Name17">
+        <dgm:constrLst>
+          <dgm:constr type="w" for="ch" forName="parTxOnly" refType="w"/>
+          <dgm:constr type="primFontSz" for="ch" ptType="node" op="equ"/>
+          <dgm:constr type="w" for="ch" forName="parSpace" refType="w" refFor="ch" refForName="parTxOnly" fact="-0.2"/>
+          <dgm:constr type="w" for="ch" ptType="sibTrans" op="equ"/>
+        </dgm:constrLst>
+        <dgm:ruleLst/>
+        <dgm:forEach name="Name18" axis="ch" ptType="node">
+          <dgm:layoutNode name="parTxOnly">
+            <dgm:varLst>
+              <dgm:bulletEnabled val="1"/>
+            </dgm:varLst>
+            <dgm:alg type="tx"/>
+            <dgm:presOf axis="desOrSelf" ptType="node"/>
+            <dgm:choose name="Name19">
+              <dgm:if name="Name20" func="var" arg="dir" op="equ" val="norm">
+                <dgm:choose name="Name21">
+                  <dgm:if name="Name22" axis="self" ptType="node" func="pos" op="equ" val="1">
+                    <dgm:shape xmlns:r="http://schemas.openxmlformats.org/officeDocument/2006/relationships" type="homePlate" r:blip="">
+                      <dgm:adjLst/>
+                    </dgm:shape>
+                    <dgm:constrLst>
+                      <dgm:constr type="h" refType="w" op="equ" fact="0.4"/>
+                      <dgm:constr type="primFontSz" val="65"/>
+                      <dgm:constr type="tMarg" refType="primFontSz" fact="0.21"/>
+                      <dgm:constr type="bMarg" refType="primFontSz" fact="0.21"/>
+                      <dgm:constr type="lMarg" refType="primFontSz" fact="0.42"/>
+                      <dgm:constr type="rMarg" refType="primFontSz" fact="0.105"/>
+                    </dgm:constrLst>
+                  </dgm:if>
+                  <dgm:else name="Name23">
+                    <dgm:shape xmlns:r="http://schemas.openxmlformats.org/officeDocument/2006/relationships" type="chevron" r:blip="">
+                      <dgm:adjLst/>
+                    </dgm:shape>
+                    <dgm:constrLst>
+                      <dgm:constr type="h" refType="w" op="equ" fact="0.4"/>
+                      <dgm:constr type="primFontSz" val="65"/>
+                      <dgm:constr type="tMarg" refType="primFontSz" fact="0.21"/>
+                      <dgm:constr type="bMarg" refType="primFontSz" fact="0.21"/>
+                      <dgm:constr type="lMarg" refType="primFontSz" fact="0.315"/>
+                      <dgm:constr type="rMarg" refType="primFontSz" fact="0.105"/>
+                    </dgm:constrLst>
+                  </dgm:else>
+                </dgm:choose>
+              </dgm:if>
+              <dgm:else name="Name24">
+                <dgm:choose name="Name25">
+                  <dgm:if name="Name26" axis="self" ptType="node" func="pos" op="equ" val="1">
+                    <dgm:shape xmlns:r="http://schemas.openxmlformats.org/officeDocument/2006/relationships" rot="180" type="homePlate" r:blip="">
+                      <dgm:adjLst/>
+                    </dgm:shape>
+                    <dgm:constrLst>
+                      <dgm:constr type="h" refType="w" op="equ" fact="0.4"/>
+                      <dgm:constr type="primFontSz" val="65"/>
+                      <dgm:constr type="tMarg" refType="primFontSz" fact="0.21"/>
+                      <dgm:constr type="bMarg" refType="primFontSz" fact="0.21"/>
+                      <dgm:constr type="lMarg" refType="primFontSz" fact="0.105"/>
+                      <dgm:constr type="rMarg" refType="primFontSz" fact="0.42"/>
+                    </dgm:constrLst>
+                  </dgm:if>
+                  <dgm:else name="Name27">
+                    <dgm:shape xmlns:r="http://schemas.openxmlformats.org/officeDocument/2006/relationships" rot="180" type="chevron" r:blip="">
+                      <dgm:adjLst/>
+                    </dgm:shape>
+                    <dgm:constrLst>
+                      <dgm:constr type="h" refType="w" op="equ" fact="0.4"/>
+                      <dgm:constr type="primFontSz" val="65"/>
+                      <dgm:constr type="tMarg" refType="primFontSz" fact="0.21"/>
+                      <dgm:constr type="bMarg" refType="primFontSz" fact="0.21"/>
+                      <dgm:constr type="lMarg" refType="primFontSz" fact="0.105"/>
+                      <dgm:constr type="rMarg" refType="primFontSz" fact="0.315"/>
+                    </dgm:constrLst>
+                  </dgm:else>
+                </dgm:choose>
+              </dgm:else>
+            </dgm:choose>
+            <dgm:ruleLst>
+              <dgm:rule type="primFontSz" val="5" fact="NaN" max="NaN"/>
+            </dgm:ruleLst>
+          </dgm:layoutNode>
+          <dgm:forEach name="Name28" axis="followSib" ptType="sibTrans" cnt="1">
+            <dgm:layoutNode name="parSpace">
+              <dgm:alg type="sp"/>
+              <dgm:shape xmlns:r="http://schemas.openxmlformats.org/officeDocument/2006/relationships" r:blip="">
+                <dgm:adjLst/>
+              </dgm:shape>
+              <dgm:presOf/>
+              <dgm:constrLst/>
+              <dgm:ruleLst/>
+            </dgm:layoutNode>
+          </dgm:forEach>
+        </dgm:forEach>
+      </dgm:else>
+    </dgm:choose>
+  </dgm:layoutNode>
+</dgm:layoutDef>
+</file>
+
 <file path=ppt/diagrams/quickStyle1.xml><?xml version="1.0" encoding="utf-8"?>
+<dgm:styleDef xmlns:dgm="http://schemas.openxmlformats.org/drawingml/2006/diagram" xmlns:a="http://schemas.openxmlformats.org/drawingml/2006/main" uniqueId="urn:microsoft.com/office/officeart/2005/8/quickstyle/simple1">
+  <dgm:title val=""/>
+  <dgm:desc val=""/>
+  <dgm:catLst>
+    <dgm:cat type="simple" pri="10100"/>
+  </dgm:catLst>
+  <dgm:scene3d>
+    <a:camera prst="orthographicFront"/>
+    <a:lightRig rig="threePt" dir="t"/>
+  </dgm:scene3d>
+  <dgm:styleLbl name="node0">
+    <dgm:scene3d>
+      <a:camera prst="orthographicFront"/>
+      <a:lightRig rig="threePt" dir="t"/>
+    </dgm:scene3d>
+    <dgm:sp3d/>
+    <dgm:txPr/>
+    <dgm:style>
+      <a:lnRef idx="2">
+        <a:scrgbClr r="0" g="0" b="0"/>
+      </a:lnRef>
+      <a:fillRef idx="1">
+        <a:scrgbClr r="0" g="0" b="0"/>
+      </a:fillRef>
+      <a:effectRef idx="0">
+        <a:scrgbClr r="0" g="0" b="0"/>
+      </a:effectRef>
+      <a:fontRef idx="minor">
+        <a:schemeClr val="lt1"/>
+      </a:fontRef>
+    </dgm:style>
+  </dgm:styleLbl>
+  <dgm:styleLbl name="lnNode1">
+    <dgm:scene3d>
+      <a:camera prst="orthographicFront"/>
+      <a:lightRig rig="threePt" dir="t"/>
+    </dgm:scene3d>
+    <dgm:sp3d/>
+    <dgm:txPr/>
+    <dgm:style>
+      <a:lnRef idx="2">
+        <a:scrgbClr r="0" g="0" b="0"/>
+      </a:lnRef>
+      <a:fillRef idx="1">
+        <a:scrgbClr r="0" g="0" b="0"/>
+      </a:fillRef>
+      <a:effectRef idx="0">
+        <a:scrgbClr r="0" g="0" b="0"/>
+      </a:effectRef>
+      <a:fontRef idx="minor">
+        <a:schemeClr val="lt1"/>
+      </a:fontRef>
+    </dgm:style>
+  </dgm:styleLbl>
+  <dgm:styleLbl name="vennNode1">
+    <dgm:scene3d>
+      <a:camera prst="orthographicFront"/>
+      <a:lightRig rig="threePt" dir="t"/>
+    </dgm:scene3d>
+    <dgm:sp3d/>
+    <dgm:txPr/>
+    <dgm:style>
+      <a:lnRef idx="2">
+        <a:scrgbClr r="0" g="0" b="0"/>
+      </a:lnRef>
+      <a:fillRef idx="1">
+        <a:scrgbClr r="0" g="0" b="0"/>
+      </a:fillRef>
+      <a:effectRef idx="0">
+        <a:scrgbClr r="0" g="0" b="0"/>
+      </a:effectRef>
+      <a:fontRef idx="minor">
+        <a:schemeClr val="tx1"/>
+      </a:fontRef>
+    </dgm:style>
+  </dgm:styleLbl>
+  <dgm:styleLbl name="alignNode1">
+    <dgm:scene3d>
+      <a:camera prst="orthographicFront"/>
+      <a:lightRig rig="threePt" dir="t"/>
+    </dgm:scene3d>
+    <dgm:sp3d/>
+    <dgm:txPr/>
+    <dgm:style>
+      <a:lnRef idx="2">
+        <a:scrgbClr r="0" g="0" b="0"/>
+      </a:lnRef>
+      <a:fillRef idx="1">
+        <a:scrgbClr r="0" g="0" b="0"/>
+      </a:fillRef>
+      <a:effectRef idx="0">
+        <a:scrgbClr r="0" g="0" b="0"/>
+      </a:effectRef>
+      <a:fontRef idx="minor">
+        <a:schemeClr val="lt1"/>
+      </a:fontRef>
+    </dgm:style>
+  </dgm:styleLbl>
+  <dgm:styleLbl name="node1">
+    <dgm:scene3d>
+      <a:camera prst="orthographicFront"/>
+      <a:lightRig rig="threePt" dir="t"/>
+    </dgm:scene3d>
+    <dgm:sp3d/>
+    <dgm:txPr/>
+    <dgm:style>
+      <a:lnRef idx="2">
+        <a:scrgbClr r="0" g="0" b="0"/>
+      </a:lnRef>
+      <a:fillRef idx="1">
+        <a:scrgbClr r="0" g="0" b="0"/>
+      </a:fillRef>
+      <a:effectRef idx="0">
+        <a:scrgbClr r="0" g="0" b="0"/>
+      </a:effectRef>
+      <a:fontRef idx="minor">
+        <a:schemeClr val="lt1"/>
+      </a:fontRef>
+    </dgm:style>
+  </dgm:styleLbl>
+  <dgm:styleLbl name="node2">
+    <dgm:scene3d>
+      <a:camera prst="orthographicFront"/>
+      <a:lightRig rig="threePt" dir="t"/>
+    </dgm:scene3d>
+    <dgm:sp3d/>
+    <dgm:txPr/>
+    <dgm:style>
+      <a:lnRef idx="2">
+        <a:scrgbClr r="0" g="0" b="0"/>
+      </a:lnRef>
+      <a:fillRef idx="1">
+        <a:scrgbClr r="0" g="0" b="0"/>
+      </a:fillRef>
+      <a:effectRef idx="0">
+        <a:scrgbClr r="0" g="0" b="0"/>
+      </a:effectRef>
+      <a:fontRef idx="minor">
+        <a:schemeClr val="lt1"/>
+      </a:fontRef>
+    </dgm:style>
+  </dgm:styleLbl>
+  <dgm:styleLbl name="node3">
+    <dgm:scene3d>
+      <a:camera prst="orthographicFront"/>
+      <a:lightRig rig="threePt" dir="t"/>
+    </dgm:scene3d>
+    <dgm:sp3d/>
+    <dgm:txPr/>
+    <dgm:style>
+      <a:lnRef idx="2">
+        <a:scrgbClr r="0" g="0" b="0"/>
+      </a:lnRef>
+      <a:fillRef idx="1">
+        <a:scrgbClr r="0" g="0" b="0"/>
+      </a:fillRef>
+      <a:effectRef idx="0">
+        <a:scrgbClr r="0" g="0" b="0"/>
+      </a:effectRef>
+      <a:fontRef idx="minor">
+        <a:schemeClr val="lt1"/>
+      </a:fontRef>
+    </dgm:style>
+  </dgm:styleLbl>
+  <dgm:styleLbl name="node4">
+    <dgm:scene3d>
+      <a:camera prst="orthographicFront"/>
+      <a:lightRig rig="threePt" dir="t"/>
+    </dgm:scene3d>
+    <dgm:sp3d/>
+    <dgm:txPr/>
+    <dgm:style>
+      <a:lnRef idx="2">
+        <a:scrgbClr r="0" g="0" b="0"/>
+      </a:lnRef>
+      <a:fillRef idx="1">
+        <a:scrgbClr r="0" g="0" b="0"/>
+      </a:fillRef>
+      <a:effectRef idx="0">
+        <a:scrgbClr r="0" g="0" b="0"/>
+      </a:effectRef>
+      <a:fontRef idx="minor">
+        <a:schemeClr val="lt1"/>
+      </a:fontRef>
+    </dgm:style>
+  </dgm:styleLbl>
+  <dgm:styleLbl name="fgImgPlace1">
+    <dgm:scene3d>
+      <a:camera prst="orthographicFront"/>
+      <a:lightRig rig="threePt" dir="t"/>
+    </dgm:scene3d>
+    <dgm:sp3d/>
+    <dgm:txPr/>
+    <dgm:style>
+      <a:lnRef idx="2">
+        <a:scrgbClr r="0" g="0" b="0"/>
+      </a:lnRef>
+      <a:fillRef idx="1">
+        <a:scrgbClr r="0" g="0" b="0"/>
+      </a:fillRef>
+      <a:effectRef idx="0">
+        <a:scrgbClr r="0" g="0" b="0"/>
+      </a:effectRef>
+      <a:fontRef idx="minor"/>
+    </dgm:style>
+  </dgm:styleLbl>
+  <dgm:styleLbl name="alignImgPlace1">
+    <dgm:scene3d>
+      <a:camera prst="orthographicFront"/>
+      <a:lightRig rig="threePt" dir="t"/>
+    </dgm:scene3d>
+    <dgm:sp3d/>
+    <dgm:txPr/>
+    <dgm:style>
+      <a:lnRef idx="2">
+        <a:scrgbClr r="0" g="0" b="0"/>
+      </a:lnRef>
+      <a:fillRef idx="1">
+        <a:scrgbClr r="0" g="0" b="0"/>
+      </a:fillRef>
+      <a:effectRef idx="0">
+        <a:scrgbClr r="0" g="0" b="0"/>
+      </a:effectRef>
+      <a:fontRef idx="minor"/>
+    </dgm:style>
+  </dgm:styleLbl>
+  <dgm:styleLbl name="bgImgPlace1">
+    <dgm:scene3d>
+      <a:camera prst="orthographicFront"/>
+      <a:lightRig rig="threePt" dir="t"/>
+    </dgm:scene3d>
+    <dgm:sp3d/>
+    <dgm:txPr/>
+    <dgm:style>
+      <a:lnRef idx="2">
+        <a:scrgbClr r="0" g="0" b="0"/>
+      </a:lnRef>
+      <a:fillRef idx="1">
+        <a:scrgbClr r="0" g="0" b="0"/>
+      </a:fillRef>
+      <a:effectRef idx="0">
+        <a:scrgbClr r="0" g="0" b="0"/>
+      </a:effectRef>
+      <a:fontRef idx="minor"/>
+    </dgm:style>
+  </dgm:styleLbl>
+  <dgm:styleLbl name="sibTrans2D1">
+    <dgm:scene3d>
+      <a:camera prst="orthographicFront"/>
+      <a:lightRig rig="threePt" dir="t"/>
+    </dgm:scene3d>
+    <dgm:sp3d/>
+    <dgm:txPr/>
+    <dgm:style>
+      <a:lnRef idx="0">
+        <a:scrgbClr r="0" g="0" b="0"/>
+      </a:lnRef>
+      <a:fillRef idx="1">
+        <a:scrgbClr r="0" g="0" b="0"/>
+      </a:fillRef>
+      <a:effectRef idx="0">
+        <a:scrgbClr r="0" g="0" b="0"/>
+      </a:effectRef>
+      <a:fontRef idx="minor">
+        <a:schemeClr val="lt1"/>
+      </a:fontRef>
+    </dgm:style>
+  </dgm:styleLbl>
+  <dgm:styleLbl name="fgSibTrans2D1">
+    <dgm:scene3d>
+      <a:camera prst="orthographicFront"/>
+      <a:lightRig rig="threePt" dir="t"/>
+    </dgm:scene3d>
+    <dgm:sp3d/>
+    <dgm:txPr/>
+    <dgm:style>
+      <a:lnRef idx="0">
+        <a:scrgbClr r="0" g="0" b="0"/>
+      </a:lnRef>
+      <a:fillRef idx="1">
+        <a:scrgbClr r="0" g="0" b="0"/>
+      </a:fillRef>
+      <a:effectRef idx="0">
+        <a:scrgbClr r="0" g="0" b="0"/>
+      </a:effectRef>
+      <a:fontRef idx="minor">
+        <a:schemeClr val="lt1"/>
+      </a:fontRef>
+    </dgm:style>
+  </dgm:styleLbl>
+  <dgm:styleLbl name="bgSibTrans2D1">
+    <dgm:scene3d>
+      <a:camera prst="orthographicFront"/>
+      <a:lightRig rig="threePt" dir="t"/>
+    </dgm:scene3d>
+    <dgm:sp3d/>
+    <dgm:txPr/>
+    <dgm:style>
+      <a:lnRef idx="0">
+        <a:scrgbClr r="0" g="0" b="0"/>
+      </a:lnRef>
+      <a:fillRef idx="1">
+        <a:scrgbClr r="0" g="0" b="0"/>
+      </a:fillRef>
+      <a:effectRef idx="0">
+        <a:scrgbClr r="0" g="0" b="0"/>
+      </a:effectRef>
+      <a:fontRef idx="minor">
+        <a:schemeClr val="lt1"/>
+      </a:fontRef>
+    </dgm:style>
+  </dgm:styleLbl>
+  <dgm:styleLbl name="sibTrans1D1">
+    <dgm:scene3d>
+      <a:camera prst="orthographicFront"/>
+      <a:lightRig rig="threePt" dir="t"/>
+    </dgm:scene3d>
+    <dgm:sp3d/>
+    <dgm:txPr/>
+    <dgm:style>
+      <a:lnRef idx="1">
+        <a:scrgbClr r="0" g="0" b="0"/>
+      </a:lnRef>
+      <a:fillRef idx="0">
+        <a:scrgbClr r="0" g="0" b="0"/>
+      </a:fillRef>
+      <a:effectRef idx="0">
+        <a:scrgbClr r="0" g="0" b="0"/>
+      </a:effectRef>
+      <a:fontRef idx="minor"/>
+    </dgm:style>
+  </dgm:styleLbl>
+  <dgm:styleLbl name="callout">
+    <dgm:scene3d>
+      <a:camera prst="orthographicFront"/>
+      <a:lightRig rig="threePt" dir="t"/>
+    </dgm:scene3d>
+    <dgm:sp3d/>
+    <dgm:txPr/>
+    <dgm:style>
+      <a:lnRef idx="2">
+        <a:scrgbClr r="0" g="0" b="0"/>
+      </a:lnRef>
+      <a:fillRef idx="1">
+        <a:scrgbClr r="0" g="0" b="0"/>
+      </a:fillRef>
+      <a:effectRef idx="0">
+        <a:scrgbClr r="0" g="0" b="0"/>
+      </a:effectRef>
+      <a:fontRef idx="minor"/>
+    </dgm:style>
+  </dgm:styleLbl>
+  <dgm:styleLbl name="asst0">
+    <dgm:scene3d>
+      <a:camera prst="orthographicFront"/>
+      <a:lightRig rig="threePt" dir="t"/>
+    </dgm:scene3d>
+    <dgm:sp3d/>
+    <dgm:txPr/>
+    <dgm:style>
+      <a:lnRef idx="2">
+        <a:scrgbClr r="0" g="0" b="0"/>
+      </a:lnRef>
+      <a:fillRef idx="1">
+        <a:scrgbClr r="0" g="0" b="0"/>
+      </a:fillRef>
+      <a:effectRef idx="0">
+        <a:scrgbClr r="0" g="0" b="0"/>
+      </a:effectRef>
+      <a:fontRef idx="minor">
+        <a:schemeClr val="lt1"/>
+      </a:fontRef>
+    </dgm:style>
+  </dgm:styleLbl>
+  <dgm:styleLbl name="asst1">
+    <dgm:scene3d>
+      <a:camera prst="orthographicFront"/>
+      <a:lightRig rig="threePt" dir="t"/>
+    </dgm:scene3d>
+    <dgm:sp3d/>
+    <dgm:txPr/>
+    <dgm:style>
+      <a:lnRef idx="2">
+        <a:scrgbClr r="0" g="0" b="0"/>
+      </a:lnRef>
+      <a:fillRef idx="1">
+        <a:scrgbClr r="0" g="0" b="0"/>
+      </a:fillRef>
+      <a:effectRef idx="0">
+        <a:scrgbClr r="0" g="0" b="0"/>
+      </a:effectRef>
+      <a:fontRef idx="minor">
+        <a:schemeClr val="lt1"/>
+      </a:fontRef>
+    </dgm:style>
+  </dgm:styleLbl>
+  <dgm:styleLbl name="asst2">
+    <dgm:scene3d>
+      <a:camera prst="orthographicFront"/>
+      <a:lightRig rig="threePt" dir="t"/>
+    </dgm:scene3d>
+    <dgm:sp3d/>
+    <dgm:txPr/>
+    <dgm:style>
+      <a:lnRef idx="2">
+        <a:scrgbClr r="0" g="0" b="0"/>
+      </a:lnRef>
+      <a:fillRef idx="1">
+        <a:scrgbClr r="0" g="0" b="0"/>
+      </a:fillRef>
+      <a:effectRef idx="0">
+        <a:scrgbClr r="0" g="0" b="0"/>
+      </a:effectRef>
+      <a:fontRef idx="minor">
+        <a:schemeClr val="lt1"/>
+      </a:fontRef>
+    </dgm:style>
+  </dgm:styleLbl>
+  <dgm:styleLbl name="asst3">
+    <dgm:scene3d>
+      <a:camera prst="orthographicFront"/>
+      <a:lightRig rig="threePt" dir="t"/>
+    </dgm:scene3d>
+    <dgm:sp3d/>
+    <dgm:txPr/>
+    <dgm:style>
+      <a:lnRef idx="2">
+        <a:scrgbClr r="0" g="0" b="0"/>
+      </a:lnRef>
+      <a:fillRef idx="1">
+        <a:scrgbClr r="0" g="0" b="0"/>
+      </a:fillRef>
+      <a:effectRef idx="0">
+        <a:scrgbClr r="0" g="0" b="0"/>
+      </a:effectRef>
+      <a:fontRef idx="minor">
+        <a:schemeClr val="lt1"/>
+      </a:fontRef>
+    </dgm:style>
+  </dgm:styleLbl>
+  <dgm:styleLbl name="asst4">
+    <dgm:scene3d>
+      <a:camera prst="orthographicFront"/>
+      <a:lightRig rig="threePt" dir="t"/>
+    </dgm:scene3d>
+    <dgm:sp3d/>
+    <dgm:txPr/>
+    <dgm:style>
+      <a:lnRef idx="2">
+        <a:scrgbClr r="0" g="0" b="0"/>
+      </a:lnRef>
+      <a:fillRef idx="1">
+        <a:scrgbClr r="0" g="0" b="0"/>
+      </a:fillRef>
+      <a:effectRef idx="0">
+        <a:scrgbClr r="0" g="0" b="0"/>
+      </a:effectRef>
+      <a:fontRef idx="minor">
+        <a:schemeClr val="lt1"/>
+      </a:fontRef>
+    </dgm:style>
+  </dgm:styleLbl>
+  <dgm:styleLbl name="parChTrans2D1">
+    <dgm:scene3d>
+      <a:camera prst="orthographicFront"/>
+      <a:lightRig rig="threePt" dir="t"/>
+    </dgm:scene3d>
+    <dgm:sp3d/>
+    <dgm:txPr/>
+    <dgm:style>
+      <a:lnRef idx="2">
+        <a:scrgbClr r="0" g="0" b="0"/>
+      </a:lnRef>
+      <a:fillRef idx="1">
+        <a:scrgbClr r="0" g="0" b="0"/>
+      </a:fillRef>
+      <a:effectRef idx="0">
+        <a:scrgbClr r="0" g="0" b="0"/>
+      </a:effectRef>
+      <a:fontRef idx="minor">
+        <a:schemeClr val="lt1"/>
+      </a:fontRef>
+    </dgm:style>
+  </dgm:styleLbl>
+  <dgm:styleLbl name="parChTrans2D2">
+    <dgm:scene3d>
+      <a:camera prst="orthographicFront"/>
+      <a:lightRig rig="threePt" dir="t"/>
+    </dgm:scene3d>
+    <dgm:sp3d/>
+    <dgm:txPr/>
+    <dgm:style>
+      <a:lnRef idx="2">
+        <a:scrgbClr r="0" g="0" b="0"/>
+      </a:lnRef>
+      <a:fillRef idx="1">
+        <a:scrgbClr r="0" g="0" b="0"/>
+      </a:fillRef>
+      <a:effectRef idx="0">
+        <a:scrgbClr r="0" g="0" b="0"/>
+      </a:effectRef>
+      <a:fontRef idx="minor">
+        <a:schemeClr val="lt1"/>
+      </a:fontRef>
+    </dgm:style>
+  </dgm:styleLbl>
+  <dgm:styleLbl name="parChTrans2D3">
+    <dgm:scene3d>
+      <a:camera prst="orthographicFront"/>
+      <a:lightRig rig="threePt" dir="t"/>
+    </dgm:scene3d>
+    <dgm:sp3d/>
+    <dgm:txPr/>
+    <dgm:style>
+      <a:lnRef idx="2">
+        <a:scrgbClr r="0" g="0" b="0"/>
+      </a:lnRef>
+      <a:fillRef idx="1">
+        <a:scrgbClr r="0" g="0" b="0"/>
+      </a:fillRef>
+      <a:effectRef idx="0">
+        <a:scrgbClr r="0" g="0" b="0"/>
+      </a:effectRef>
+      <a:fontRef idx="minor">
+        <a:schemeClr val="lt1"/>
+      </a:fontRef>
+    </dgm:style>
+  </dgm:styleLbl>
+  <dgm:styleLbl name="parChTrans2D4">
+    <dgm:scene3d>
+      <a:camera prst="orthographicFront"/>
+      <a:lightRig rig="threePt" dir="t"/>
+    </dgm:scene3d>
+    <dgm:sp3d/>
+    <dgm:txPr/>
+    <dgm:style>
+      <a:lnRef idx="2">
+        <a:scrgbClr r="0" g="0" b="0"/>
+      </a:lnRef>
+      <a:fillRef idx="1">
+        <a:scrgbClr r="0" g="0" b="0"/>
+      </a:fillRef>
+      <a:effectRef idx="0">
+        <a:scrgbClr r="0" g="0" b="0"/>
+      </a:effectRef>
+      <a:fontRef idx="minor">
+        <a:schemeClr val="lt1"/>
+      </a:fontRef>
+    </dgm:style>
+  </dgm:styleLbl>
+  <dgm:styleLbl name="parChTrans1D1">
+    <dgm:scene3d>
+      <a:camera prst="orthographicFront"/>
+      <a:lightRig rig="threePt" dir="t"/>
+    </dgm:scene3d>
+    <dgm:sp3d/>
+    <dgm:txPr/>
+    <dgm:style>
+      <a:lnRef idx="2">
+        <a:scrgbClr r="0" g="0" b="0"/>
+      </a:lnRef>
+      <a:fillRef idx="0">
+        <a:scrgbClr r="0" g="0" b="0"/>
+      </a:fillRef>
+      <a:effectRef idx="0">
+        <a:scrgbClr r="0" g="0" b="0"/>
+      </a:effectRef>
+      <a:fontRef idx="minor"/>
+    </dgm:style>
+  </dgm:styleLbl>
+  <dgm:styleLbl name="parChTrans1D2">
+    <dgm:scene3d>
+      <a:camera prst="orthographicFront"/>
+      <a:lightRig rig="threePt" dir="t"/>
+    </dgm:scene3d>
+    <dgm:sp3d/>
+    <dgm:txPr/>
+    <dgm:style>
+      <a:lnRef idx="2">
+        <a:scrgbClr r="0" g="0" b="0"/>
+      </a:lnRef>
+      <a:fillRef idx="0">
+        <a:scrgbClr r="0" g="0" b="0"/>
+      </a:fillRef>
+      <a:effectRef idx="0">
+        <a:scrgbClr r="0" g="0" b="0"/>
+      </a:effectRef>
+      <a:fontRef idx="minor"/>
+    </dgm:style>
+  </dgm:styleLbl>
+  <dgm:styleLbl name="parChTrans1D3">
+    <dgm:scene3d>
+      <a:camera prst="orthographicFront"/>
+      <a:lightRig rig="threePt" dir="t"/>
+    </dgm:scene3d>
+    <dgm:sp3d/>
+    <dgm:txPr/>
+    <dgm:style>
+      <a:lnRef idx="2">
+        <a:scrgbClr r="0" g="0" b="0"/>
+      </a:lnRef>
+      <a:fillRef idx="0">
+        <a:scrgbClr r="0" g="0" b="0"/>
+      </a:fillRef>
+      <a:effectRef idx="0">
+        <a:scrgbClr r="0" g="0" b="0"/>
+      </a:effectRef>
+      <a:fontRef idx="minor"/>
+    </dgm:style>
+  </dgm:styleLbl>
+  <dgm:styleLbl name="parChTrans1D4">
+    <dgm:scene3d>
+      <a:camera prst="orthographicFront"/>
+      <a:lightRig rig="threePt" dir="t"/>
+    </dgm:scene3d>
+    <dgm:sp3d/>
+    <dgm:txPr/>
+    <dgm:style>
+      <a:lnRef idx="2">
+        <a:scrgbClr r="0" g="0" b="0"/>
+      </a:lnRef>
+      <a:fillRef idx="0">
+        <a:scrgbClr r="0" g="0" b="0"/>
+      </a:fillRef>
+      <a:effectRef idx="0">
+        <a:scrgbClr r="0" g="0" b="0"/>
+      </a:effectRef>
+      <a:fontRef idx="minor"/>
+    </dgm:style>
+  </dgm:styleLbl>
+  <dgm:styleLbl name="fgAcc1">
+    <dgm:scene3d>
+      <a:camera prst="orthographicFront"/>
+      <a:lightRig rig="threePt" dir="t"/>
+    </dgm:scene3d>
+    <dgm:sp3d/>
+    <dgm:txPr/>
+    <dgm:style>
+      <a:lnRef idx="2">
+        <a:scrgbClr r="0" g="0" b="0"/>
+      </a:lnRef>
+      <a:fillRef idx="1">
+        <a:scrgbClr r="0" g="0" b="0"/>
+      </a:fillRef>
+      <a:effectRef idx="0">
+        <a:scrgbClr r="0" g="0" b="0"/>
+      </a:effectRef>
+      <a:fontRef idx="minor"/>
+    </dgm:style>
+  </dgm:styleLbl>
+  <dgm:styleLbl name="conFgAcc1">
+    <dgm:scene3d>
+      <a:camera prst="orthographicFront"/>
+      <a:lightRig rig="threePt" dir="t"/>
+    </dgm:scene3d>
+    <dgm:sp3d/>
+    <dgm:txPr/>
+    <dgm:style>
+      <a:lnRef idx="2">
+        <a:scrgbClr r="0" g="0" b="0"/>
+      </a:lnRef>
+      <a:fillRef idx="1">
+        <a:scrgbClr r="0" g="0" b="0"/>
+      </a:fillRef>
+      <a:effectRef idx="0">
+        <a:scrgbClr r="0" g="0" b="0"/>
+      </a:effectRef>
+      <a:fontRef idx="minor"/>
+    </dgm:style>
+  </dgm:styleLbl>
+  <dgm:styleLbl name="alignAcc1">
+    <dgm:scene3d>
+      <a:camera prst="orthographicFront"/>
+      <a:lightRig rig="threePt" dir="t"/>
+    </dgm:scene3d>
+    <dgm:sp3d/>
+    <dgm:txPr/>
+    <dgm:style>
+      <a:lnRef idx="2">
+        <a:scrgbClr r="0" g="0" b="0"/>
+      </a:lnRef>
+      <a:fillRef idx="1">
+        <a:scrgbClr r="0" g="0" b="0"/>
+      </a:fillRef>
+      <a:effectRef idx="0">
+        <a:scrgbClr r="0" g="0" b="0"/>
+      </a:effectRef>
+      <a:fontRef idx="minor"/>
+    </dgm:style>
+  </dgm:styleLbl>
+  <dgm:styleLbl name="trAlignAcc1">
+    <dgm:scene3d>
+      <a:camera prst="orthographicFront"/>
+      <a:lightRig rig="threePt" dir="t"/>
+    </dgm:scene3d>
+    <dgm:sp3d/>
+    <dgm:txPr/>
+    <dgm:style>
+      <a:lnRef idx="1">
+        <a:scrgbClr r="0" g="0" b="0"/>
+      </a:lnRef>
+      <a:fillRef idx="1">
+        <a:scrgbClr r="0" g="0" b="0"/>
+      </a:fillRef>
+      <a:effectRef idx="0">
+        <a:scrgbClr r="0" g="0" b="0"/>
+      </a:effectRef>
+      <a:fontRef idx="minor"/>
+    </dgm:style>
+  </dgm:styleLbl>
+  <dgm:styleLbl name="bgAcc1">
+    <dgm:scene3d>
+      <a:camera prst="orthographicFront"/>
+      <a:lightRig rig="threePt" dir="t"/>
+    </dgm:scene3d>
+    <dgm:sp3d/>
+    <dgm:txPr/>
+    <dgm:style>
+      <a:lnRef idx="2">
+        <a:scrgbClr r="0" g="0" b="0"/>
+      </a:lnRef>
+      <a:fillRef idx="1">
+        <a:scrgbClr r="0" g="0" b="0"/>
+      </a:fillRef>
+      <a:effectRef idx="0">
+        <a:scrgbClr r="0" g="0" b="0"/>
+      </a:effectRef>
+      <a:fontRef idx="minor"/>
+    </dgm:style>
+  </dgm:styleLbl>
+  <dgm:styleLbl name="solidFgAcc1">
+    <dgm:scene3d>
+      <a:camera prst="orthographicFront"/>
+      <a:lightRig rig="threePt" dir="t"/>
+    </dgm:scene3d>
+    <dgm:sp3d/>
+    <dgm:txPr/>
+    <dgm:style>
+      <a:lnRef idx="2">
+        <a:scrgbClr r="0" g="0" b="0"/>
+      </a:lnRef>
+      <a:fillRef idx="1">
+        <a:scrgbClr r="0" g="0" b="0"/>
+      </a:fillRef>
+      <a:effectRef idx="0">
+        <a:scrgbClr r="0" g="0" b="0"/>
+      </a:effectRef>
+      <a:fontRef idx="minor"/>
+    </dgm:style>
+  </dgm:styleLbl>
+  <dgm:styleLbl name="solidAlignAcc1">
+    <dgm:scene3d>
+      <a:camera prst="orthographicFront"/>
+      <a:lightRig rig="threePt" dir="t"/>
+    </dgm:scene3d>
+    <dgm:sp3d/>
+    <dgm:txPr/>
+    <dgm:style>
+      <a:lnRef idx="2">
+        <a:scrgbClr r="0" g="0" b="0"/>
+      </a:lnRef>
+      <a:fillRef idx="1">
+        <a:scrgbClr r="0" g="0" b="0"/>
+      </a:fillRef>
+      <a:effectRef idx="0">
+        <a:scrgbClr r="0" g="0" b="0"/>
+      </a:effectRef>
+      <a:fontRef idx="minor"/>
+    </dgm:style>
+  </dgm:styleLbl>
+  <dgm:styleLbl name="solidBgAcc1">
+    <dgm:scene3d>
+      <a:camera prst="orthographicFront"/>
+      <a:lightRig rig="threePt" dir="t"/>
+    </dgm:scene3d>
+    <dgm:sp3d/>
+    <dgm:txPr/>
+    <dgm:style>
+      <a:lnRef idx="2">
+        <a:scrgbClr r="0" g="0" b="0"/>
+      </a:lnRef>
+      <a:fillRef idx="1">
+        <a:scrgbClr r="0" g="0" b="0"/>
+      </a:fillRef>
+      <a:effectRef idx="0">
+        <a:scrgbClr r="0" g="0" b="0"/>
+      </a:effectRef>
+      <a:fontRef idx="minor"/>
+    </dgm:style>
+  </dgm:styleLbl>
+  <dgm:styleLbl name="fgAccFollowNode1">
+    <dgm:scene3d>
+      <a:camera prst="orthographicFront"/>
+      <a:lightRig rig="threePt" dir="t"/>
+    </dgm:scene3d>
+    <dgm:sp3d/>
+    <dgm:txPr/>
+    <dgm:style>
+      <a:lnRef idx="2">
+        <a:scrgbClr r="0" g="0" b="0"/>
+      </a:lnRef>
+      <a:fillRef idx="1">
+        <a:scrgbClr r="0" g="0" b="0"/>
+      </a:fillRef>
+      <a:effectRef idx="0">
+        <a:scrgbClr r="0" g="0" b="0"/>
+      </a:effectRef>
+      <a:fontRef idx="minor"/>
+    </dgm:style>
+  </dgm:styleLbl>
+  <dgm:styleLbl name="alignAccFollowNode1">
+    <dgm:scene3d>
+      <a:camera prst="orthographicFront"/>
+      <a:lightRig rig="threePt" dir="t"/>
+    </dgm:scene3d>
+    <dgm:sp3d/>
+    <dgm:txPr/>
+    <dgm:style>
+      <a:lnRef idx="2">
+        <a:scrgbClr r="0" g="0" b="0"/>
+      </a:lnRef>
+      <a:fillRef idx="1">
+        <a:scrgbClr r="0" g="0" b="0"/>
+      </a:fillRef>
+      <a:effectRef idx="0">
+        <a:scrgbClr r="0" g="0" b="0"/>
+      </a:effectRef>
+      <a:fontRef idx="minor"/>
+    </dgm:style>
+  </dgm:styleLbl>
+  <dgm:styleLbl name="bgAccFollowNode1">
+    <dgm:scene3d>
+      <a:camera prst="orthographicFront"/>
+      <a:lightRig rig="threePt" dir="t"/>
+    </dgm:scene3d>
+    <dgm:sp3d/>
+    <dgm:txPr/>
+    <dgm:style>
+      <a:lnRef idx="2">
+        <a:scrgbClr r="0" g="0" b="0"/>
+      </a:lnRef>
+      <a:fillRef idx="1">
+        <a:scrgbClr r="0" g="0" b="0"/>
+      </a:fillRef>
+      <a:effectRef idx="0">
+        <a:scrgbClr r="0" g="0" b="0"/>
+      </a:effectRef>
+      <a:fontRef idx="minor"/>
+    </dgm:style>
+  </dgm:styleLbl>
+  <dgm:styleLbl name="fgAcc0">
+    <dgm:scene3d>
+      <a:camera prst="orthographicFront"/>
+      <a:lightRig rig="threePt" dir="t"/>
+    </dgm:scene3d>
+    <dgm:sp3d/>
+    <dgm:txPr/>
+    <dgm:style>
+      <a:lnRef idx="2">
+        <a:scrgbClr r="0" g="0" b="0"/>
+      </a:lnRef>
+      <a:fillRef idx="1">
+        <a:scrgbClr r="0" g="0" b="0"/>
+      </a:fillRef>
+      <a:effectRef idx="0">
+        <a:scrgbClr r="0" g="0" b="0"/>
+      </a:effectRef>
+      <a:fontRef idx="minor"/>
+    </dgm:style>
+  </dgm:styleLbl>
+  <dgm:styleLbl name="fgAcc2">
+    <dgm:scene3d>
+      <a:camera prst="orthographicFront"/>
+      <a:lightRig rig="threePt" dir="t"/>
+    </dgm:scene3d>
+    <dgm:sp3d/>
+    <dgm:txPr/>
+    <dgm:style>
+      <a:lnRef idx="2">
+        <a:scrgbClr r="0" g="0" b="0"/>
+      </a:lnRef>
+      <a:fillRef idx="1">
+        <a:scrgbClr r="0" g="0" b="0"/>
+      </a:fillRef>
+      <a:effectRef idx="0">
+        <a:scrgbClr r="0" g="0" b="0"/>
+      </a:effectRef>
+      <a:fontRef idx="minor"/>
+    </dgm:style>
+  </dgm:styleLbl>
+  <dgm:styleLbl name="fgAcc3">
+    <dgm:scene3d>
+      <a:camera prst="orthographicFront"/>
+      <a:lightRig rig="threePt" dir="t"/>
+    </dgm:scene3d>
+    <dgm:sp3d/>
+    <dgm:txPr/>
+    <dgm:style>
+      <a:lnRef idx="2">
+        <a:scrgbClr r="0" g="0" b="0"/>
+      </a:lnRef>
+      <a:fillRef idx="1">
+        <a:scrgbClr r="0" g="0" b="0"/>
+      </a:fillRef>
+      <a:effectRef idx="0">
+        <a:scrgbClr r="0" g="0" b="0"/>
+      </a:effectRef>
+      <a:fontRef idx="minor"/>
+    </dgm:style>
+  </dgm:styleLbl>
+  <dgm:styleLbl name="fgAcc4">
+    <dgm:scene3d>
+      <a:camera prst="orthographicFront"/>
+      <a:lightRig rig="threePt" dir="t"/>
+    </dgm:scene3d>
+    <dgm:sp3d/>
+    <dgm:txPr/>
+    <dgm:style>
+      <a:lnRef idx="2">
+        <a:scrgbClr r="0" g="0" b="0"/>
+      </a:lnRef>
+      <a:fillRef idx="1">
+        <a:scrgbClr r="0" g="0" b="0"/>
+      </a:fillRef>
+      <a:effectRef idx="0">
+        <a:scrgbClr r="0" g="0" b="0"/>
+      </a:effectRef>
+      <a:fontRef idx="minor"/>
+    </dgm:style>
+  </dgm:styleLbl>
+  <dgm:styleLbl name="bgShp">
+    <dgm:scene3d>
+      <a:camera prst="orthographicFront"/>
+      <a:lightRig rig="threePt" dir="t"/>
+    </dgm:scene3d>
+    <dgm:sp3d/>
+    <dgm:txPr/>
+    <dgm:style>
+      <a:lnRef idx="0">
+        <a:scrgbClr r="0" g="0" b="0"/>
+      </a:lnRef>
+      <a:fillRef idx="1">
+        <a:scrgbClr r="0" g="0" b="0"/>
+      </a:fillRef>
+      <a:effectRef idx="0">
+        <a:scrgbClr r="0" g="0" b="0"/>
+      </a:effectRef>
+      <a:fontRef idx="minor"/>
+    </dgm:style>
+  </dgm:styleLbl>
+  <dgm:styleLbl name="dkBgShp">
+    <dgm:scene3d>
+      <a:camera prst="orthographicFront"/>
+      <a:lightRig rig="threePt" dir="t"/>
+    </dgm:scene3d>
+    <dgm:sp3d/>
+    <dgm:txPr/>
+    <dgm:style>
+      <a:lnRef idx="0">
+        <a:scrgbClr r="0" g="0" b="0"/>
+      </a:lnRef>
+      <a:fillRef idx="1">
+        <a:scrgbClr r="0" g="0" b="0"/>
+      </a:fillRef>
+      <a:effectRef idx="0">
+        <a:scrgbClr r="0" g="0" b="0"/>
+      </a:effectRef>
+      <a:fontRef idx="minor"/>
+    </dgm:style>
+  </dgm:styleLbl>
+  <dgm:styleLbl name="trBgShp">
+    <dgm:scene3d>
+      <a:camera prst="orthographicFront"/>
+      <a:lightRig rig="threePt" dir="t"/>
+    </dgm:scene3d>
+    <dgm:sp3d/>
+    <dgm:txPr/>
+    <dgm:style>
+      <a:lnRef idx="0">
+        <a:scrgbClr r="0" g="0" b="0"/>
+      </a:lnRef>
+      <a:fillRef idx="1">
+        <a:scrgbClr r="0" g="0" b="0"/>
+      </a:fillRef>
+      <a:effectRef idx="0">
+        <a:scrgbClr r="0" g="0" b="0"/>
+      </a:effectRef>
+      <a:fontRef idx="minor"/>
+    </dgm:style>
+  </dgm:styleLbl>
+  <dgm:styleLbl name="fgShp">
+    <dgm:scene3d>
+      <a:camera prst="orthographicFront"/>
+      <a:lightRig rig="threePt" dir="t"/>
+    </dgm:scene3d>
+    <dgm:sp3d/>
+    <dgm:txPr/>
+    <dgm:style>
+      <a:lnRef idx="2">
+        <a:scrgbClr r="0" g="0" b="0"/>
+      </a:lnRef>
+      <a:fillRef idx="1">
+        <a:scrgbClr r="0" g="0" b="0"/>
+      </a:fillRef>
+      <a:effectRef idx="0">
+        <a:scrgbClr r="0" g="0" b="0"/>
+      </a:effectRef>
+      <a:fontRef idx="minor"/>
+    </dgm:style>
+  </dgm:styleLbl>
+  <dgm:styleLbl name="revTx">
+    <dgm:scene3d>
+      <a:camera prst="orthographicFront"/>
+      <a:lightRig rig="threePt" dir="t"/>
+    </dgm:scene3d>
+    <dgm:sp3d/>
+    <dgm:txPr/>
+    <dgm:style>
+      <a:lnRef idx="0">
+        <a:scrgbClr r="0" g="0" b="0"/>
+      </a:lnRef>
+      <a:fillRef idx="0">
+        <a:scrgbClr r="0" g="0" b="0"/>
+      </a:fillRef>
+      <a:effectRef idx="0">
+        <a:scrgbClr r="0" g="0" b="0"/>
+      </a:effectRef>
+      <a:fontRef idx="minor"/>
+    </dgm:style>
+  </dgm:styleLbl>
+</dgm:styleDef>
+</file>
+
+<file path=ppt/diagrams/quickStyle2.xml><?xml version="1.0" encoding="utf-8"?>
 <dgm:styleDef xmlns:dgm="http://schemas.openxmlformats.org/drawingml/2006/diagram" xmlns:a="http://schemas.openxmlformats.org/drawingml/2006/main" uniqueId="urn:microsoft.com/office/officeart/2005/8/quickstyle/simple1">
   <dgm:title val=""/>
   <dgm:desc val=""/>
@@ -9953,7 +14289,7 @@
           <a:p>
             <a:r>
               <a:rPr lang="en-US" dirty="0"/>
-              <a:t>Neural Networks &amp; the Brain</a:t>
+              <a:t>Decision Trees + Forests &amp; Boosting</a:t>
             </a:r>
           </a:p>
         </p:txBody>
@@ -9986,15 +14322,7 @@
           <a:p>
             <a:r>
               <a:rPr lang="en-US" i="0" dirty="0"/>
-              <a:t>&lt;insert comparison of brain neurons &amp; synapses to </a:t>
-            </a:r>
-            <a:r>
-              <a:rPr lang="en-US" i="0" dirty="0" err="1"/>
-              <a:t>transisitors</a:t>
-            </a:r>
-            <a:r>
-              <a:rPr lang="en-US" i="0" dirty="0"/>
-              <a:t> today&gt;</a:t>
+              <a:t>&lt;insert Tree view of Booking problem&gt;</a:t>
             </a:r>
           </a:p>
           <a:p>
@@ -10002,45 +14330,47 @@
           </a:p>
           <a:p>
             <a:r>
-              <a:rPr lang="en-US" i="0" dirty="0"/>
-              <a:t>Von Neumann book – not so much similarity (quote Andrew Ng ?)</a:t>
-            </a:r>
-          </a:p>
-          <a:p>
-            <a:endParaRPr lang="en-US" dirty="0"/>
-          </a:p>
-          <a:p>
-            <a:r>
-              <a:rPr lang="en-US" i="0" dirty="0"/>
-              <a:t>Neural Networks &amp; Deep Learning big hype today (Deep Blue, Deep Mind, </a:t>
-            </a:r>
-            <a:r>
-              <a:rPr lang="en-US" i="0" dirty="0" err="1"/>
+              <a:rPr lang="en-US" dirty="0"/>
+              <a:t>More natural fit since Trees allow multiple data classes (text, strings, </a:t>
+            </a:r>
+            <a:r>
+              <a:rPr lang="en-US" dirty="0" err="1"/>
               <a:t>etc</a:t>
             </a:r>
             <a:r>
-              <a:rPr lang="en-US" i="0" dirty="0"/>
+              <a:rPr lang="en-US" dirty="0"/>
               <a:t>)</a:t>
             </a:r>
           </a:p>
           <a:p>
-            <a:pPr lvl="1"/>
-            <a:r>
-              <a:rPr lang="en-US" i="0" dirty="0"/>
-              <a:t>Deep Learning == type of Neural Networks with many layers</a:t>
-            </a:r>
-          </a:p>
-          <a:p>
-            <a:endParaRPr lang="en-US" dirty="0"/>
-          </a:p>
-          <a:p>
-            <a:r>
-              <a:rPr lang="en-US" i="0" dirty="0"/>
-              <a:t>Example of NN next</a:t>
-            </a:r>
-          </a:p>
-          <a:p>
             <a:endParaRPr lang="en-US" i="0" dirty="0"/>
+          </a:p>
+          <a:p>
+            <a:r>
+              <a:rPr lang="en-US" dirty="0"/>
+              <a:t>Random Forests &amp; Boosting – ways to combine additional trees to improve accuracy</a:t>
+            </a:r>
+          </a:p>
+          <a:p>
+            <a:endParaRPr lang="en-US" i="0" dirty="0"/>
+          </a:p>
+          <a:p>
+            <a:r>
+              <a:rPr lang="en-US" dirty="0"/>
+              <a:t>Decision Trees with Boosting win 70% of </a:t>
+            </a:r>
+            <a:r>
+              <a:rPr lang="en-US" dirty="0" err="1"/>
+              <a:t>Kraggle</a:t>
+            </a:r>
+            <a:r>
+              <a:rPr lang="en-US" dirty="0"/>
+              <a:t> competitions</a:t>
+            </a:r>
+            <a:r>
+              <a:rPr lang="en-US" baseline="30000" dirty="0"/>
+              <a:t>[1]</a:t>
+            </a:r>
           </a:p>
           <a:p>
             <a:endParaRPr lang="en-US" dirty="0"/>
@@ -10285,7 +14615,7 @@
     </p:spTree>
     <p:extLst>
       <p:ext uri="{BB962C8B-B14F-4D97-AF65-F5344CB8AC3E}">
-        <p14:creationId xmlns:p14="http://schemas.microsoft.com/office/powerpoint/2010/main" val="1383117873"/>
+        <p14:creationId xmlns:p14="http://schemas.microsoft.com/office/powerpoint/2010/main" val="93520042"/>
       </p:ext>
     </p:extLst>
   </p:cSld>
@@ -10336,13 +14666,13 @@
         </p:spPr>
         <p:txBody>
           <a:bodyPr>
-            <a:normAutofit fontScale="90000"/>
+            <a:normAutofit/>
           </a:bodyPr>
           <a:lstStyle/>
           <a:p>
             <a:r>
               <a:rPr lang="en-US" dirty="0"/>
-              <a:t>Neural Network – Trade Error Detector (v2)</a:t>
+              <a:t>Neural Networks &amp; the Brain</a:t>
             </a:r>
           </a:p>
         </p:txBody>
@@ -10374,37 +14704,34 @@
           <a:lstStyle/>
           <a:p>
             <a:r>
-              <a:rPr lang="en-US" dirty="0"/>
-              <a:t>Recap Derivative “features”</a:t>
-            </a:r>
-          </a:p>
-          <a:p>
-            <a:pPr lvl="1"/>
-            <a:r>
               <a:rPr lang="en-US" i="0" dirty="0"/>
-              <a:t>Type (IRS Swap, Future, FRA, Swaption, FX)</a:t>
-            </a:r>
-          </a:p>
-          <a:p>
-            <a:pPr lvl="1"/>
+              <a:t>&lt;insert comparison of brain neurons &amp; synapses to </a:t>
+            </a:r>
+            <a:r>
+              <a:rPr lang="en-US" i="0" dirty="0" err="1"/>
+              <a:t>transisitors</a:t>
+            </a:r>
             <a:r>
               <a:rPr lang="en-US" i="0" dirty="0"/>
-              <a:t>Notional ($1m – $100m)</a:t>
-            </a:r>
-          </a:p>
-          <a:p>
-            <a:pPr lvl="1"/>
+              <a:t> today&gt;</a:t>
+            </a:r>
+          </a:p>
+          <a:p>
+            <a:endParaRPr lang="en-US" dirty="0"/>
+          </a:p>
+          <a:p>
             <a:r>
               <a:rPr lang="en-US" i="0" dirty="0"/>
-              <a:t>Counterparty (ABN </a:t>
-            </a:r>
-            <a:r>
-              <a:rPr lang="en-US" i="0" dirty="0" err="1"/>
-              <a:t>Amuro</a:t>
-            </a:r>
+              <a:t>Von Neumann book – not so much similarity (quote Andrew Ng ?)</a:t>
+            </a:r>
+          </a:p>
+          <a:p>
+            <a:endParaRPr lang="en-US" dirty="0"/>
+          </a:p>
+          <a:p>
             <a:r>
               <a:rPr lang="en-US" i="0" dirty="0"/>
-              <a:t>, General Electric, </a:t>
+              <a:t>Neural Networks &amp; Deep Learning big hype today (Deep Blue, Deep Mind, </a:t>
             </a:r>
             <a:r>
               <a:rPr lang="en-US" i="0" dirty="0" err="1"/>
@@ -10419,48 +14746,35 @@
             <a:pPr lvl="1"/>
             <a:r>
               <a:rPr lang="en-US" i="0" dirty="0"/>
-              <a:t>Reference Index (LIBOR3m+spread, LIBOR6m+spread, </a:t>
-            </a:r>
-            <a:r>
-              <a:rPr lang="en-US" i="0" dirty="0" err="1"/>
-              <a:t>etc</a:t>
-            </a:r>
+              <a:t>Deep Learning == type of Neural Networks with many layers</a:t>
+            </a:r>
+          </a:p>
+          <a:p>
+            <a:endParaRPr lang="en-US" dirty="0"/>
+          </a:p>
+          <a:p>
             <a:r>
               <a:rPr lang="en-US" i="0" dirty="0"/>
-              <a:t>)</a:t>
-            </a:r>
-          </a:p>
-          <a:p>
-            <a:pPr lvl="1"/>
-            <a:r>
-              <a:rPr lang="en-US" i="0" dirty="0"/>
-              <a:t># Legs in trade</a:t>
-            </a:r>
-          </a:p>
-          <a:p>
-            <a:r>
-              <a:rPr lang="en-US" dirty="0"/>
-              <a:t>&lt;insert 5x5x5x1 NN&gt;</a:t>
-            </a:r>
-          </a:p>
-          <a:p>
-            <a:r>
-              <a:rPr lang="en-US" i="0" dirty="0"/>
-              <a:t>Show relationships can be model</a:t>
-            </a:r>
-            <a:r>
-              <a:rPr lang="en-US" dirty="0"/>
-              <a:t>led (XOR for example) and hierarchies</a:t>
-            </a:r>
-          </a:p>
-          <a:p>
-            <a:r>
-              <a:rPr lang="en-US" i="0" dirty="0"/>
-              <a:t>Training the NN is much harder (GPU / ASIC required) – show # of weights to calculate</a:t>
+              <a:t>Example of NN next</a:t>
             </a:r>
           </a:p>
           <a:p>
             <a:endParaRPr lang="en-US" i="0" dirty="0"/>
+          </a:p>
+          <a:p>
+            <a:endParaRPr lang="en-US" dirty="0"/>
+          </a:p>
+          <a:p>
+            <a:pPr marL="0" indent="0">
+              <a:buNone/>
+            </a:pPr>
+            <a:endParaRPr lang="en-US" dirty="0"/>
+          </a:p>
+          <a:p>
+            <a:endParaRPr lang="en-US" i="0" baseline="30000" dirty="0"/>
+          </a:p>
+          <a:p>
+            <a:endParaRPr lang="en-US" i="0" baseline="30000" dirty="0"/>
           </a:p>
         </p:txBody>
       </p:sp>
@@ -10690,7 +15004,7 @@
     </p:spTree>
     <p:extLst>
       <p:ext uri="{BB962C8B-B14F-4D97-AF65-F5344CB8AC3E}">
-        <p14:creationId xmlns:p14="http://schemas.microsoft.com/office/powerpoint/2010/main" val="1876620663"/>
+        <p14:creationId xmlns:p14="http://schemas.microsoft.com/office/powerpoint/2010/main" val="1383117873"/>
       </p:ext>
     </p:extLst>
   </p:cSld>
@@ -10741,13 +15055,13 @@
         </p:spPr>
         <p:txBody>
           <a:bodyPr>
-            <a:normAutofit/>
+            <a:normAutofit fontScale="90000"/>
           </a:bodyPr>
           <a:lstStyle/>
           <a:p>
             <a:r>
               <a:rPr lang="en-US" dirty="0"/>
-              <a:t>Major ML Frameworks</a:t>
+              <a:t>Neural Network – Trade Error Detector (v2)</a:t>
             </a:r>
           </a:p>
         </p:txBody>
@@ -10780,31 +15094,88 @@
           <a:p>
             <a:r>
               <a:rPr lang="en-US" dirty="0"/>
-              <a:t>&lt;insert pic of the state of AI&gt;</a:t>
+              <a:t>Recap Derivative “features”</a:t>
+            </a:r>
+          </a:p>
+          <a:p>
+            <a:pPr lvl="1"/>
+            <a:r>
+              <a:rPr lang="en-US" i="0" dirty="0"/>
+              <a:t>Type (IRS Swap, Future, FRA, Swaption, FX)</a:t>
+            </a:r>
+          </a:p>
+          <a:p>
+            <a:pPr lvl="1"/>
+            <a:r>
+              <a:rPr lang="en-US" i="0" dirty="0"/>
+              <a:t>Notional ($1m – $100m)</a:t>
+            </a:r>
+          </a:p>
+          <a:p>
+            <a:pPr lvl="1"/>
+            <a:r>
+              <a:rPr lang="en-US" i="0" dirty="0"/>
+              <a:t>Counterparty (ABN </a:t>
+            </a:r>
+            <a:r>
+              <a:rPr lang="en-US" i="0" dirty="0" err="1"/>
+              <a:t>Amuro</a:t>
+            </a:r>
+            <a:r>
+              <a:rPr lang="en-US" i="0" dirty="0"/>
+              <a:t>, General Electric, </a:t>
+            </a:r>
+            <a:r>
+              <a:rPr lang="en-US" i="0" dirty="0" err="1"/>
+              <a:t>etc</a:t>
+            </a:r>
+            <a:r>
+              <a:rPr lang="en-US" i="0" dirty="0"/>
+              <a:t>)</a:t>
+            </a:r>
+          </a:p>
+          <a:p>
+            <a:pPr lvl="1"/>
+            <a:r>
+              <a:rPr lang="en-US" i="0" dirty="0"/>
+              <a:t>Reference Index (LIBOR3m+spread, LIBOR6m+spread, </a:t>
+            </a:r>
+            <a:r>
+              <a:rPr lang="en-US" i="0" dirty="0" err="1"/>
+              <a:t>etc</a:t>
+            </a:r>
+            <a:r>
+              <a:rPr lang="en-US" i="0" dirty="0"/>
+              <a:t>)</a:t>
+            </a:r>
+          </a:p>
+          <a:p>
+            <a:pPr lvl="1"/>
+            <a:r>
+              <a:rPr lang="en-US" i="0" dirty="0"/>
+              <a:t># Legs in trade</a:t>
             </a:r>
           </a:p>
           <a:p>
             <a:r>
               <a:rPr lang="en-US" dirty="0"/>
-              <a:t>Add top cloud offerings</a:t>
+              <a:t>&lt;insert 5x5x5x1 NN&gt;</a:t>
             </a:r>
           </a:p>
           <a:p>
             <a:r>
               <a:rPr lang="en-US" i="0" dirty="0"/>
-              <a:t>Add independent offerings (Data Robot, </a:t>
+              <a:t>Show relationships can be model</a:t>
             </a:r>
             <a:r>
               <a:rPr lang="en-US" dirty="0"/>
-              <a:t>h2o </a:t>
-            </a:r>
-            <a:r>
-              <a:rPr lang="en-US" dirty="0" err="1"/>
-              <a:t>etc</a:t>
-            </a:r>
-            <a:r>
-              <a:rPr lang="en-US" dirty="0"/>
-              <a:t>)</a:t>
+              <a:t>led (XOR for example) and hierarchies</a:t>
+            </a:r>
+          </a:p>
+          <a:p>
+            <a:r>
+              <a:rPr lang="en-US" i="0" dirty="0"/>
+              <a:t>Training the NN is much harder (GPU / ASIC required) – show # of weights to calculate</a:t>
             </a:r>
           </a:p>
           <a:p>
@@ -11038,7 +15409,7 @@
     </p:spTree>
     <p:extLst>
       <p:ext uri="{BB962C8B-B14F-4D97-AF65-F5344CB8AC3E}">
-        <p14:creationId xmlns:p14="http://schemas.microsoft.com/office/powerpoint/2010/main" val="1479279865"/>
+        <p14:creationId xmlns:p14="http://schemas.microsoft.com/office/powerpoint/2010/main" val="1876620663"/>
       </p:ext>
     </p:extLst>
   </p:cSld>
@@ -11095,7 +15466,7 @@
           <a:p>
             <a:r>
               <a:rPr lang="en-US" dirty="0"/>
-              <a:t>Azure Demo</a:t>
+              <a:t>Major ML Frameworks</a:t>
             </a:r>
           </a:p>
         </p:txBody>
@@ -11128,8 +15499,34 @@
           <a:p>
             <a:r>
               <a:rPr lang="en-US" dirty="0"/>
-              <a:t>Wizard Cloud approach</a:t>
-            </a:r>
+              <a:t>&lt;insert pic of the state of AI&gt;</a:t>
+            </a:r>
+          </a:p>
+          <a:p>
+            <a:r>
+              <a:rPr lang="en-US" dirty="0"/>
+              <a:t>Add top cloud offerings</a:t>
+            </a:r>
+          </a:p>
+          <a:p>
+            <a:r>
+              <a:rPr lang="en-US" i="0" dirty="0"/>
+              <a:t>Add independent offerings (Data Robot, </a:t>
+            </a:r>
+            <a:r>
+              <a:rPr lang="en-US" dirty="0"/>
+              <a:t>h2o </a:t>
+            </a:r>
+            <a:r>
+              <a:rPr lang="en-US" dirty="0" err="1"/>
+              <a:t>etc</a:t>
+            </a:r>
+            <a:r>
+              <a:rPr lang="en-US" dirty="0"/>
+              <a:t>)</a:t>
+            </a:r>
+          </a:p>
+          <a:p>
             <a:endParaRPr lang="en-US" i="0" dirty="0"/>
           </a:p>
         </p:txBody>
@@ -11360,7 +15757,7 @@
     </p:spTree>
     <p:extLst>
       <p:ext uri="{BB962C8B-B14F-4D97-AF65-F5344CB8AC3E}">
-        <p14:creationId xmlns:p14="http://schemas.microsoft.com/office/powerpoint/2010/main" val="2046080983"/>
+        <p14:creationId xmlns:p14="http://schemas.microsoft.com/office/powerpoint/2010/main" val="1479279865"/>
       </p:ext>
     </p:extLst>
   </p:cSld>
@@ -11417,7 +15814,7 @@
           <a:p>
             <a:r>
               <a:rPr lang="en-US" dirty="0"/>
-              <a:t>Current State of AI &amp; the Singularity</a:t>
+              <a:t>Azure Demo</a:t>
             </a:r>
           </a:p>
         </p:txBody>
@@ -11450,33 +15847,8 @@
           <a:p>
             <a:r>
               <a:rPr lang="en-US" dirty="0"/>
-              <a:t>Where we are, where we want to get to</a:t>
-            </a:r>
-          </a:p>
-          <a:p>
-            <a:r>
-              <a:rPr lang="en-US" i="0" dirty="0"/>
-              <a:t>The danger of </a:t>
-            </a:r>
-            <a:r>
-              <a:rPr lang="en-US" i="0" dirty="0" err="1"/>
-              <a:t>SkyNet</a:t>
-            </a:r>
-            <a:r>
-              <a:rPr lang="en-US" i="0" dirty="0"/>
-              <a:t> </a:t>
-            </a:r>
-          </a:p>
-          <a:p>
-            <a:r>
-              <a:rPr lang="en-US" dirty="0"/>
-              <a:t>The Singularity (Kurtzweil &amp; Von Neumann)</a:t>
-            </a:r>
-          </a:p>
-          <a:p>
-            <a:endParaRPr lang="en-US" i="0" dirty="0"/>
-          </a:p>
-          <a:p>
+              <a:t>Wizard Cloud approach</a:t>
+            </a:r>
             <a:endParaRPr lang="en-US" i="0" dirty="0"/>
           </a:p>
         </p:txBody>
@@ -11707,7 +16079,7 @@
     </p:spTree>
     <p:extLst>
       <p:ext uri="{BB962C8B-B14F-4D97-AF65-F5344CB8AC3E}">
-        <p14:creationId xmlns:p14="http://schemas.microsoft.com/office/powerpoint/2010/main" val="3314840495"/>
+        <p14:creationId xmlns:p14="http://schemas.microsoft.com/office/powerpoint/2010/main" val="2046080983"/>
       </p:ext>
     </p:extLst>
   </p:cSld>
@@ -11764,7 +16136,7 @@
           <a:p>
             <a:r>
               <a:rPr lang="en-US" dirty="0"/>
-              <a:t>Why I care about AI / ML</a:t>
+              <a:t>Current State of AI &amp; the Singularity</a:t>
             </a:r>
           </a:p>
         </p:txBody>
@@ -11796,9 +16168,32 @@
           <a:lstStyle/>
           <a:p>
             <a:r>
-              <a:rPr lang="en-US"/>
-              <a:t>?</a:t>
-            </a:r>
+              <a:rPr lang="en-US" dirty="0"/>
+              <a:t>Where we are, where we want to get to</a:t>
+            </a:r>
+          </a:p>
+          <a:p>
+            <a:r>
+              <a:rPr lang="en-US" i="0" dirty="0"/>
+              <a:t>The danger of </a:t>
+            </a:r>
+            <a:r>
+              <a:rPr lang="en-US" i="0" dirty="0" err="1"/>
+              <a:t>SkyNet</a:t>
+            </a:r>
+            <a:r>
+              <a:rPr lang="en-US" i="0" dirty="0"/>
+              <a:t> </a:t>
+            </a:r>
+          </a:p>
+          <a:p>
+            <a:r>
+              <a:rPr lang="en-US" dirty="0"/>
+              <a:t>The Singularity (Kurtzweil &amp; Von Neumann)</a:t>
+            </a:r>
+          </a:p>
+          <a:p>
+            <a:endParaRPr lang="en-US" i="0" dirty="0"/>
           </a:p>
           <a:p>
             <a:endParaRPr lang="en-US" i="0" dirty="0"/>
@@ -12031,7 +16426,7 @@
     </p:spTree>
     <p:extLst>
       <p:ext uri="{BB962C8B-B14F-4D97-AF65-F5344CB8AC3E}">
-        <p14:creationId xmlns:p14="http://schemas.microsoft.com/office/powerpoint/2010/main" val="2638334633"/>
+        <p14:creationId xmlns:p14="http://schemas.microsoft.com/office/powerpoint/2010/main" val="3314840495"/>
       </p:ext>
     </p:extLst>
   </p:cSld>
@@ -12081,12 +16476,14 @@
           </a:xfrm>
         </p:spPr>
         <p:txBody>
-          <a:bodyPr/>
+          <a:bodyPr>
+            <a:normAutofit/>
+          </a:bodyPr>
           <a:lstStyle/>
           <a:p>
             <a:r>
               <a:rPr lang="en-US" dirty="0"/>
-              <a:t>References</a:t>
+              <a:t>Why I care about AI / ML</a:t>
             </a:r>
           </a:p>
         </p:txBody>
@@ -12114,141 +16511,16 @@
           </a:xfrm>
         </p:spPr>
         <p:txBody>
-          <a:bodyPr>
-            <a:normAutofit fontScale="85000" lnSpcReduction="20000"/>
-          </a:bodyPr>
+          <a:bodyPr/>
           <a:lstStyle/>
           <a:p>
-            <a:pPr marL="0" indent="0">
-              <a:buNone/>
-            </a:pPr>
-            <a:r>
-              <a:rPr lang="en-US" dirty="0"/>
-              <a:t>History of ML</a:t>
-            </a:r>
-          </a:p>
-          <a:p>
-            <a:r>
-              <a:rPr lang="en-US" dirty="0">
-                <a:hlinkClick r:id="rId2"/>
-              </a:rPr>
-              <a:t>http://www.psych.utoronto.ca/users/reingold/courses/ai/cache/neural4.html</a:t>
-            </a:r>
-            <a:endParaRPr lang="en-US" dirty="0"/>
-          </a:p>
-          <a:p>
-            <a:r>
-              <a:rPr lang="en-US" dirty="0">
-                <a:hlinkClick r:id="rId3"/>
-              </a:rPr>
-              <a:t>https://cs.stanford.edu/people/eroberts/courses/soco/projects/neural-networks/History/history1.html</a:t>
-            </a:r>
-            <a:endParaRPr lang="en-US" dirty="0"/>
-          </a:p>
-          <a:p>
-            <a:r>
-              <a:rPr lang="en-US" dirty="0">
-                <a:hlinkClick r:id="rId4"/>
-              </a:rPr>
-              <a:t>https://www.import.io/post/history-of-deep-learning/</a:t>
-            </a:r>
-            <a:endParaRPr lang="en-US" dirty="0"/>
-          </a:p>
-          <a:p>
-            <a:r>
-              <a:rPr lang="en-US" dirty="0">
-                <a:hlinkClick r:id="rId5"/>
-              </a:rPr>
-              <a:t>https://en.wikipedia.org/wik/Timeline_of_machine_learning</a:t>
-            </a:r>
-            <a:endParaRPr lang="en-US" dirty="0"/>
-          </a:p>
-          <a:p>
-            <a:endParaRPr lang="en-US" dirty="0"/>
-          </a:p>
-          <a:p>
-            <a:pPr marL="0" indent="0">
-              <a:buNone/>
-            </a:pPr>
-            <a:r>
-              <a:rPr lang="en-US" dirty="0"/>
-              <a:t>Singularity </a:t>
-            </a:r>
-          </a:p>
-          <a:p>
-            <a:r>
-              <a:rPr lang="en-US" dirty="0"/>
-              <a:t>Ray Kurzweil – Singularity - </a:t>
-            </a:r>
-            <a:r>
-              <a:rPr lang="en-US" dirty="0">
-                <a:hlinkClick r:id="rId6"/>
-              </a:rPr>
-              <a:t>https://en.wikipedia.org/wiki/The_Singularity_Is_Near</a:t>
-            </a:r>
-            <a:endParaRPr lang="en-US" dirty="0"/>
-          </a:p>
-          <a:p>
-            <a:r>
-              <a:rPr lang="en-US" dirty="0"/>
-              <a:t>John Von Neumann - </a:t>
-            </a:r>
-            <a:r>
-              <a:rPr lang="en-US" dirty="0">
-                <a:hlinkClick r:id="rId7"/>
-              </a:rPr>
-              <a:t>https://en.wikipedia.org/wiki/The_Computer_and_the_Brain</a:t>
-            </a:r>
-            <a:endParaRPr lang="en-US" dirty="0"/>
-          </a:p>
-          <a:p>
-            <a:pPr marL="0" indent="0">
-              <a:buNone/>
-            </a:pPr>
-            <a:endParaRPr lang="en-US" dirty="0"/>
-          </a:p>
-          <a:p>
-            <a:pPr marL="0" indent="0">
-              <a:buNone/>
-            </a:pPr>
-            <a:r>
-              <a:rPr lang="en-US" dirty="0"/>
-              <a:t>Hardware</a:t>
-            </a:r>
-          </a:p>
-          <a:p>
-            <a:r>
-              <a:rPr lang="en-US" dirty="0"/>
-              <a:t>TPU diagram (scalar, vector, matrix) and perf chart:  </a:t>
-            </a:r>
-            <a:r>
-              <a:rPr lang="en-US" dirty="0">
-                <a:hlinkClick r:id="rId8"/>
-              </a:rPr>
-              <a:t>https://cloud.google.com/blog/big-data/2017/05/an-in-depth-look-at-googles-first-tensor-processing-unit-tpu#closeImag</a:t>
-            </a:r>
-            <a:endParaRPr lang="en-US" dirty="0"/>
-          </a:p>
-          <a:p>
-            <a:pPr marL="0" indent="0">
-              <a:buNone/>
-            </a:pPr>
-            <a:r>
-              <a:rPr lang="en-US" dirty="0"/>
-              <a:t>Other</a:t>
-            </a:r>
-          </a:p>
-          <a:p>
-            <a:r>
-              <a:rPr lang="en-US" dirty="0"/>
-              <a:t>Kaggle – Boosting 70% wins (article:  https://medium.com/syncedreview/tree-boosting-with-xgboost-why-does-xgboost-win-every-machine-learning-competition-ca8034c0b283)</a:t>
-            </a:r>
-          </a:p>
-          <a:p>
-            <a:pPr marL="0" indent="0">
-              <a:buNone/>
-            </a:pPr>
-            <a:endParaRPr lang="en-US" dirty="0"/>
+            <a:r>
+              <a:rPr lang="en-US"/>
+              <a:t>?</a:t>
+            </a:r>
+          </a:p>
+          <a:p>
+            <a:endParaRPr lang="en-US" i="0" dirty="0"/>
           </a:p>
         </p:txBody>
       </p:sp>
@@ -12478,6 +16750,453 @@
     </p:spTree>
     <p:extLst>
       <p:ext uri="{BB962C8B-B14F-4D97-AF65-F5344CB8AC3E}">
+        <p14:creationId xmlns:p14="http://schemas.microsoft.com/office/powerpoint/2010/main" val="2638334633"/>
+      </p:ext>
+    </p:extLst>
+  </p:cSld>
+  <p:clrMapOvr>
+    <a:masterClrMapping/>
+  </p:clrMapOvr>
+</p:sld>
+</file>
+
+<file path=ppt/slides/slide17.xml><?xml version="1.0" encoding="utf-8"?>
+<p:sld xmlns:a="http://schemas.openxmlformats.org/drawingml/2006/main" xmlns:r="http://schemas.openxmlformats.org/officeDocument/2006/relationships" xmlns:p="http://schemas.openxmlformats.org/presentationml/2006/main">
+  <p:cSld>
+    <p:spTree>
+      <p:nvGrpSpPr>
+        <p:cNvPr id="1" name=""/>
+        <p:cNvGrpSpPr/>
+        <p:nvPr/>
+      </p:nvGrpSpPr>
+      <p:grpSpPr>
+        <a:xfrm>
+          <a:off x="0" y="0"/>
+          <a:ext cx="0" cy="0"/>
+          <a:chOff x="0" y="0"/>
+          <a:chExt cx="0" cy="0"/>
+        </a:xfrm>
+      </p:grpSpPr>
+      <p:sp>
+        <p:nvSpPr>
+          <p:cNvPr id="2" name="Title 1">
+            <a:extLst>
+              <a:ext uri="{FF2B5EF4-FFF2-40B4-BE49-F238E27FC236}">
+                <a16:creationId xmlns:a16="http://schemas.microsoft.com/office/drawing/2014/main" id="{D1EBA635-2F7F-4838-A23A-2C3E13E2F1D5}"/>
+              </a:ext>
+            </a:extLst>
+          </p:cNvPr>
+          <p:cNvSpPr>
+            <a:spLocks noGrp="1"/>
+          </p:cNvSpPr>
+          <p:nvPr>
+            <p:ph type="title"/>
+          </p:nvPr>
+        </p:nvSpPr>
+        <p:spPr>
+          <a:xfrm>
+            <a:off x="1141560" y="196965"/>
+            <a:ext cx="9601200" cy="987729"/>
+          </a:xfrm>
+        </p:spPr>
+        <p:txBody>
+          <a:bodyPr/>
+          <a:lstStyle/>
+          <a:p>
+            <a:r>
+              <a:rPr lang="en-US" dirty="0"/>
+              <a:t>References</a:t>
+            </a:r>
+          </a:p>
+        </p:txBody>
+      </p:sp>
+      <p:sp>
+        <p:nvSpPr>
+          <p:cNvPr id="3" name="Content Placeholder 2">
+            <a:extLst>
+              <a:ext uri="{FF2B5EF4-FFF2-40B4-BE49-F238E27FC236}">
+                <a16:creationId xmlns:a16="http://schemas.microsoft.com/office/drawing/2014/main" id="{890E8DCC-CEBE-42F0-BEE6-20CE768757A8}"/>
+              </a:ext>
+            </a:extLst>
+          </p:cNvPr>
+          <p:cNvSpPr>
+            <a:spLocks noGrp="1"/>
+          </p:cNvSpPr>
+          <p:nvPr>
+            <p:ph idx="1"/>
+          </p:nvPr>
+        </p:nvSpPr>
+        <p:spPr>
+          <a:xfrm>
+            <a:off x="1187569" y="1023667"/>
+            <a:ext cx="10550105" cy="5348378"/>
+          </a:xfrm>
+        </p:spPr>
+        <p:txBody>
+          <a:bodyPr>
+            <a:normAutofit fontScale="85000" lnSpcReduction="20000"/>
+          </a:bodyPr>
+          <a:lstStyle/>
+          <a:p>
+            <a:pPr marL="0" indent="0">
+              <a:buNone/>
+            </a:pPr>
+            <a:r>
+              <a:rPr lang="en-US" dirty="0"/>
+              <a:t>History of ML</a:t>
+            </a:r>
+          </a:p>
+          <a:p>
+            <a:r>
+              <a:rPr lang="en-US" dirty="0">
+                <a:hlinkClick r:id="rId2"/>
+              </a:rPr>
+              <a:t>http://www.psych.utoronto.ca/users/reingold/courses/ai/cache/neural4.html</a:t>
+            </a:r>
+            <a:endParaRPr lang="en-US" dirty="0"/>
+          </a:p>
+          <a:p>
+            <a:r>
+              <a:rPr lang="en-US" dirty="0">
+                <a:hlinkClick r:id="rId3"/>
+              </a:rPr>
+              <a:t>https://cs.stanford.edu/people/eroberts/courses/soco/projects/neural-networks/History/history1.html</a:t>
+            </a:r>
+            <a:endParaRPr lang="en-US" dirty="0"/>
+          </a:p>
+          <a:p>
+            <a:r>
+              <a:rPr lang="en-US" dirty="0">
+                <a:hlinkClick r:id="rId4"/>
+              </a:rPr>
+              <a:t>https://www.import.io/post/history-of-deep-learning/</a:t>
+            </a:r>
+            <a:endParaRPr lang="en-US" dirty="0"/>
+          </a:p>
+          <a:p>
+            <a:r>
+              <a:rPr lang="en-US" dirty="0">
+                <a:hlinkClick r:id="rId5"/>
+              </a:rPr>
+              <a:t>https://en.wikipedia.org/wik/Timeline_of_machine_learning</a:t>
+            </a:r>
+            <a:endParaRPr lang="en-US" dirty="0"/>
+          </a:p>
+          <a:p>
+            <a:endParaRPr lang="en-US" dirty="0"/>
+          </a:p>
+          <a:p>
+            <a:pPr marL="0" indent="0">
+              <a:buNone/>
+            </a:pPr>
+            <a:r>
+              <a:rPr lang="en-US" dirty="0"/>
+              <a:t>Singularity </a:t>
+            </a:r>
+          </a:p>
+          <a:p>
+            <a:r>
+              <a:rPr lang="en-US" dirty="0"/>
+              <a:t>Ray Kurzweil – Singularity - </a:t>
+            </a:r>
+            <a:r>
+              <a:rPr lang="en-US" dirty="0">
+                <a:hlinkClick r:id="rId6"/>
+              </a:rPr>
+              <a:t>https://en.wikipedia.org/wiki/The_Singularity_Is_Near</a:t>
+            </a:r>
+            <a:endParaRPr lang="en-US" dirty="0"/>
+          </a:p>
+          <a:p>
+            <a:r>
+              <a:rPr lang="en-US" dirty="0"/>
+              <a:t>John Von Neumann - </a:t>
+            </a:r>
+            <a:r>
+              <a:rPr lang="en-US" dirty="0">
+                <a:hlinkClick r:id="rId7"/>
+              </a:rPr>
+              <a:t>https://en.wikipedia.org/wiki/The_Computer_and_the_Brain</a:t>
+            </a:r>
+            <a:endParaRPr lang="en-US" dirty="0"/>
+          </a:p>
+          <a:p>
+            <a:pPr marL="0" indent="0">
+              <a:buNone/>
+            </a:pPr>
+            <a:endParaRPr lang="en-US" dirty="0"/>
+          </a:p>
+          <a:p>
+            <a:pPr marL="0" indent="0">
+              <a:buNone/>
+            </a:pPr>
+            <a:r>
+              <a:rPr lang="en-US" dirty="0"/>
+              <a:t>Hardware</a:t>
+            </a:r>
+          </a:p>
+          <a:p>
+            <a:r>
+              <a:rPr lang="en-US" dirty="0"/>
+              <a:t>TPU diagram (scalar, vector, matrix) and perf chart:  </a:t>
+            </a:r>
+            <a:r>
+              <a:rPr lang="en-US" dirty="0">
+                <a:hlinkClick r:id="rId8"/>
+              </a:rPr>
+              <a:t>https://cloud.google.com/blog/big-data/2017/05/an-in-depth-look-at-googles-first-tensor-processing-unit-tpu#closeImag</a:t>
+            </a:r>
+            <a:endParaRPr lang="en-US" dirty="0"/>
+          </a:p>
+          <a:p>
+            <a:pPr marL="0" indent="0">
+              <a:buNone/>
+            </a:pPr>
+            <a:r>
+              <a:rPr lang="en-US" dirty="0"/>
+              <a:t>Other</a:t>
+            </a:r>
+          </a:p>
+          <a:p>
+            <a:r>
+              <a:rPr lang="en-US" dirty="0"/>
+              <a:t>Kaggle – Boosting 70% wins (article:  https://medium.com/syncedreview/tree-boosting-with-xgboost-why-does-xgboost-win-every-machine-learning-competition-ca8034c0b283)</a:t>
+            </a:r>
+          </a:p>
+          <a:p>
+            <a:pPr marL="0" indent="0">
+              <a:buNone/>
+            </a:pPr>
+            <a:endParaRPr lang="en-US" dirty="0"/>
+          </a:p>
+        </p:txBody>
+      </p:sp>
+      <p:sp>
+        <p:nvSpPr>
+          <p:cNvPr id="4" name="Content Placeholder 2">
+            <a:extLst>
+              <a:ext uri="{FF2B5EF4-FFF2-40B4-BE49-F238E27FC236}">
+                <a16:creationId xmlns:a16="http://schemas.microsoft.com/office/drawing/2014/main" id="{CD97B703-0D68-4C3A-9692-C69CF75ED4AD}"/>
+              </a:ext>
+            </a:extLst>
+          </p:cNvPr>
+          <p:cNvSpPr txBox="1">
+            <a:spLocks/>
+          </p:cNvSpPr>
+          <p:nvPr/>
+        </p:nvSpPr>
+        <p:spPr>
+          <a:xfrm>
+            <a:off x="-215661" y="196965"/>
+            <a:ext cx="10550105" cy="5348378"/>
+          </a:xfrm>
+          <a:prstGeom prst="rect">
+            <a:avLst/>
+          </a:prstGeom>
+        </p:spPr>
+        <p:txBody>
+          <a:bodyPr vert="horz" lIns="91440" tIns="45720" rIns="91440" bIns="45720" rtlCol="0">
+            <a:normAutofit/>
+          </a:bodyPr>
+          <a:lstStyle>
+            <a:lvl1pPr marL="384048" indent="-384048" algn="l" defTabSz="914400" rtl="0" eaLnBrk="1" latinLnBrk="0" hangingPunct="1">
+              <a:lnSpc>
+                <a:spcPct val="94000"/>
+              </a:lnSpc>
+              <a:spcBef>
+                <a:spcPts val="1000"/>
+              </a:spcBef>
+              <a:spcAft>
+                <a:spcPts val="200"/>
+              </a:spcAft>
+              <a:buFont typeface="Franklin Gothic Book" panose="020B0503020102020204" pitchFamily="34" charset="0"/>
+              <a:buChar char="■"/>
+              <a:defRPr sz="2000" kern="1200" baseline="0">
+                <a:solidFill>
+                  <a:schemeClr val="tx2"/>
+                </a:solidFill>
+                <a:latin typeface="+mn-lt"/>
+                <a:ea typeface="+mn-ea"/>
+                <a:cs typeface="+mn-cs"/>
+              </a:defRPr>
+            </a:lvl1pPr>
+            <a:lvl2pPr marL="914400" indent="-384048" algn="l" defTabSz="914400" rtl="0" eaLnBrk="1" latinLnBrk="0" hangingPunct="1">
+              <a:lnSpc>
+                <a:spcPct val="94000"/>
+              </a:lnSpc>
+              <a:spcBef>
+                <a:spcPts val="500"/>
+              </a:spcBef>
+              <a:spcAft>
+                <a:spcPts val="200"/>
+              </a:spcAft>
+              <a:buFont typeface="Franklin Gothic Book" panose="020B0503020102020204" pitchFamily="34" charset="0"/>
+              <a:buChar char="–"/>
+              <a:defRPr sz="2000" i="1" kern="1200" baseline="0">
+                <a:solidFill>
+                  <a:schemeClr val="tx2"/>
+                </a:solidFill>
+                <a:latin typeface="+mn-lt"/>
+                <a:ea typeface="+mn-ea"/>
+                <a:cs typeface="+mn-cs"/>
+              </a:defRPr>
+            </a:lvl2pPr>
+            <a:lvl3pPr marL="1371600" indent="-384048" algn="l" defTabSz="914400" rtl="0" eaLnBrk="1" latinLnBrk="0" hangingPunct="1">
+              <a:lnSpc>
+                <a:spcPct val="94000"/>
+              </a:lnSpc>
+              <a:spcBef>
+                <a:spcPts val="500"/>
+              </a:spcBef>
+              <a:spcAft>
+                <a:spcPts val="200"/>
+              </a:spcAft>
+              <a:buFont typeface="Franklin Gothic Book" panose="020B0503020102020204" pitchFamily="34" charset="0"/>
+              <a:buChar char="■"/>
+              <a:defRPr sz="1800" kern="1200" baseline="0">
+                <a:solidFill>
+                  <a:schemeClr val="tx2"/>
+                </a:solidFill>
+                <a:latin typeface="+mn-lt"/>
+                <a:ea typeface="+mn-ea"/>
+                <a:cs typeface="+mn-cs"/>
+              </a:defRPr>
+            </a:lvl3pPr>
+            <a:lvl4pPr marL="1828800" indent="-384048" algn="l" defTabSz="914400" rtl="0" eaLnBrk="1" latinLnBrk="0" hangingPunct="1">
+              <a:lnSpc>
+                <a:spcPct val="94000"/>
+              </a:lnSpc>
+              <a:spcBef>
+                <a:spcPts val="500"/>
+              </a:spcBef>
+              <a:spcAft>
+                <a:spcPts val="200"/>
+              </a:spcAft>
+              <a:buFont typeface="Franklin Gothic Book" panose="020B0503020102020204" pitchFamily="34" charset="0"/>
+              <a:buChar char="–"/>
+              <a:defRPr sz="1800" i="1" kern="1200" baseline="0">
+                <a:solidFill>
+                  <a:schemeClr val="tx2"/>
+                </a:solidFill>
+                <a:latin typeface="+mn-lt"/>
+                <a:ea typeface="+mn-ea"/>
+                <a:cs typeface="+mn-cs"/>
+              </a:defRPr>
+            </a:lvl4pPr>
+            <a:lvl5pPr marL="2286000" indent="-384048" algn="l" defTabSz="914400" rtl="0" eaLnBrk="1" latinLnBrk="0" hangingPunct="1">
+              <a:lnSpc>
+                <a:spcPct val="94000"/>
+              </a:lnSpc>
+              <a:spcBef>
+                <a:spcPts val="500"/>
+              </a:spcBef>
+              <a:spcAft>
+                <a:spcPts val="200"/>
+              </a:spcAft>
+              <a:buFont typeface="Franklin Gothic Book" panose="020B0503020102020204" pitchFamily="34" charset="0"/>
+              <a:buChar char="■"/>
+              <a:defRPr sz="1600" kern="1200" baseline="0">
+                <a:solidFill>
+                  <a:schemeClr val="tx2"/>
+                </a:solidFill>
+                <a:latin typeface="+mn-lt"/>
+                <a:ea typeface="+mn-ea"/>
+                <a:cs typeface="+mn-cs"/>
+              </a:defRPr>
+            </a:lvl5pPr>
+            <a:lvl6pPr marL="2743200" indent="-384048" algn="l" defTabSz="914400" rtl="0" eaLnBrk="1" latinLnBrk="0" hangingPunct="1">
+              <a:lnSpc>
+                <a:spcPct val="94000"/>
+              </a:lnSpc>
+              <a:spcBef>
+                <a:spcPts val="500"/>
+              </a:spcBef>
+              <a:spcAft>
+                <a:spcPts val="200"/>
+              </a:spcAft>
+              <a:buFont typeface="Franklin Gothic Book" panose="020B0503020102020204" pitchFamily="34" charset="0"/>
+              <a:buChar char="–"/>
+              <a:defRPr sz="1600" i="1" kern="1200" baseline="0">
+                <a:solidFill>
+                  <a:schemeClr val="tx2"/>
+                </a:solidFill>
+                <a:latin typeface="+mn-lt"/>
+                <a:ea typeface="+mn-ea"/>
+                <a:cs typeface="+mn-cs"/>
+              </a:defRPr>
+            </a:lvl6pPr>
+            <a:lvl7pPr marL="3200400" indent="-384048" algn="l" defTabSz="914400" rtl="0" eaLnBrk="1" latinLnBrk="0" hangingPunct="1">
+              <a:lnSpc>
+                <a:spcPct val="94000"/>
+              </a:lnSpc>
+              <a:spcBef>
+                <a:spcPts val="500"/>
+              </a:spcBef>
+              <a:spcAft>
+                <a:spcPts val="200"/>
+              </a:spcAft>
+              <a:buFont typeface="Franklin Gothic Book" panose="020B0503020102020204" pitchFamily="34" charset="0"/>
+              <a:buChar char="■"/>
+              <a:defRPr sz="1400" kern="1200" baseline="0">
+                <a:solidFill>
+                  <a:schemeClr val="tx2"/>
+                </a:solidFill>
+                <a:latin typeface="+mn-lt"/>
+                <a:ea typeface="+mn-ea"/>
+                <a:cs typeface="+mn-cs"/>
+              </a:defRPr>
+            </a:lvl7pPr>
+            <a:lvl8pPr marL="3657600" indent="-384048" algn="l" defTabSz="914400" rtl="0" eaLnBrk="1" latinLnBrk="0" hangingPunct="1">
+              <a:lnSpc>
+                <a:spcPct val="94000"/>
+              </a:lnSpc>
+              <a:spcBef>
+                <a:spcPts val="500"/>
+              </a:spcBef>
+              <a:spcAft>
+                <a:spcPts val="200"/>
+              </a:spcAft>
+              <a:buFont typeface="Franklin Gothic Book" panose="020B0503020102020204" pitchFamily="34" charset="0"/>
+              <a:buChar char="–"/>
+              <a:defRPr sz="1400" i="1" kern="1200" baseline="0">
+                <a:solidFill>
+                  <a:schemeClr val="tx2"/>
+                </a:solidFill>
+                <a:latin typeface="+mn-lt"/>
+                <a:ea typeface="+mn-ea"/>
+                <a:cs typeface="+mn-cs"/>
+              </a:defRPr>
+            </a:lvl8pPr>
+            <a:lvl9pPr marL="4114800" indent="-384048" algn="l" defTabSz="914400" rtl="0" eaLnBrk="1" latinLnBrk="0" hangingPunct="1">
+              <a:lnSpc>
+                <a:spcPct val="94000"/>
+              </a:lnSpc>
+              <a:spcBef>
+                <a:spcPts val="500"/>
+              </a:spcBef>
+              <a:spcAft>
+                <a:spcPts val="200"/>
+              </a:spcAft>
+              <a:buFont typeface="Franklin Gothic Book" panose="020B0503020102020204" pitchFamily="34" charset="0"/>
+              <a:buChar char="■"/>
+              <a:defRPr sz="1400" kern="1200" baseline="0">
+                <a:solidFill>
+                  <a:schemeClr val="tx2"/>
+                </a:solidFill>
+                <a:latin typeface="+mn-lt"/>
+                <a:ea typeface="+mn-ea"/>
+                <a:cs typeface="+mn-cs"/>
+              </a:defRPr>
+            </a:lvl9pPr>
+          </a:lstStyle>
+          <a:p>
+            <a:endParaRPr lang="en-US" dirty="0"/>
+          </a:p>
+        </p:txBody>
+      </p:sp>
+    </p:spTree>
+    <p:extLst>
+      <p:ext uri="{BB962C8B-B14F-4D97-AF65-F5344CB8AC3E}">
         <p14:creationId xmlns:p14="http://schemas.microsoft.com/office/powerpoint/2010/main" val="4098846397"/>
       </p:ext>
     </p:extLst>
@@ -12563,7 +17282,7 @@
         </p:spPr>
         <p:txBody>
           <a:bodyPr>
-            <a:normAutofit fontScale="55000" lnSpcReduction="20000"/>
+            <a:normAutofit fontScale="47500" lnSpcReduction="20000"/>
           </a:bodyPr>
           <a:lstStyle/>
           <a:p>
@@ -12587,6 +17306,12 @@
           <a:p>
             <a:r>
               <a:rPr lang="en-US" dirty="0"/>
+              <a:t>Machine learning pipeline</a:t>
+            </a:r>
+          </a:p>
+          <a:p>
+            <a:r>
+              <a:rPr lang="en-US" dirty="0"/>
               <a:t>Example of “Machine Learning” – Linear Regression ? (the basics)</a:t>
             </a:r>
           </a:p>
@@ -12656,13 +17381,8 @@
           <a:p>
             <a:r>
               <a:rPr lang="en-US" dirty="0"/>
-              <a:t>Demo of Azure ML Studio ?  - Rise of </a:t>
-            </a:r>
-            <a:r>
-              <a:rPr lang="en-US"/>
-              <a:t>Web-Toolkit wizards</a:t>
-            </a:r>
-            <a:endParaRPr lang="en-US" dirty="0"/>
+              <a:t>Demo of Azure ML Studio ?  - Rise of Web-Toolkit wizards</a:t>
+            </a:r>
           </a:p>
           <a:p>
             <a:r>
@@ -14703,10 +19423,6 @@
           <a:lstStyle/>
           <a:p>
             <a:r>
-              <a:rPr lang="en-US" dirty="0"/>
-              <a:t>Major </a:t>
-            </a:r>
-            <a:r>
               <a:rPr lang="en-US" dirty="0" err="1"/>
               <a:t>BuzzWords</a:t>
             </a:r>
@@ -14741,7 +19457,7 @@
         </p:spPr>
         <p:txBody>
           <a:bodyPr>
-            <a:normAutofit lnSpcReduction="10000"/>
+            <a:normAutofit/>
           </a:bodyPr>
           <a:lstStyle/>
           <a:p>
@@ -14755,103 +19471,103 @@
           </a:p>
           <a:p>
             <a:r>
-              <a:rPr lang="en-US" dirty="0"/>
+              <a:rPr lang="en-US" sz="1100" dirty="0"/>
               <a:t>Supervised Learning (Labelled)</a:t>
             </a:r>
           </a:p>
           <a:p>
             <a:r>
-              <a:rPr lang="en-US" dirty="0"/>
+              <a:rPr lang="en-US" sz="1100" dirty="0"/>
               <a:t>Unsupervised Learning (</a:t>
             </a:r>
             <a:r>
-              <a:rPr lang="en-US" dirty="0" err="1"/>
+              <a:rPr lang="en-US" sz="1100" dirty="0" err="1"/>
               <a:t>Unlabelled</a:t>
             </a:r>
             <a:r>
-              <a:rPr lang="en-US" dirty="0"/>
+              <a:rPr lang="en-US" sz="1100" dirty="0"/>
               <a:t>)</a:t>
             </a:r>
           </a:p>
           <a:p>
             <a:r>
-              <a:rPr lang="en-US" dirty="0"/>
+              <a:rPr lang="en-US" sz="1100" dirty="0"/>
               <a:t>Predictors – Linear Regression </a:t>
             </a:r>
           </a:p>
           <a:p>
             <a:r>
-              <a:rPr lang="en-US" dirty="0"/>
+              <a:rPr lang="en-US" sz="1100" dirty="0"/>
               <a:t>Classifiers – Logistical Regression, SVM, K-Means, </a:t>
             </a:r>
             <a:r>
-              <a:rPr lang="en-US" dirty="0" err="1"/>
+              <a:rPr lang="en-US" sz="1100" dirty="0" err="1"/>
               <a:t>etc</a:t>
             </a:r>
-            <a:endParaRPr lang="en-US" dirty="0"/>
-          </a:p>
-          <a:p>
-            <a:endParaRPr lang="en-US" dirty="0"/>
-          </a:p>
-          <a:p>
-            <a:r>
-              <a:rPr lang="en-US" dirty="0"/>
+            <a:endParaRPr lang="en-US" sz="1100" dirty="0"/>
+          </a:p>
+          <a:p>
+            <a:endParaRPr lang="en-US" sz="1100" dirty="0"/>
+          </a:p>
+          <a:p>
+            <a:r>
+              <a:rPr lang="en-US" sz="1100" dirty="0"/>
               <a:t>Traditional methods (Statistics/Data Science)</a:t>
             </a:r>
           </a:p>
           <a:p>
             <a:pPr lvl="1"/>
             <a:r>
-              <a:rPr lang="en-US" i="0" dirty="0"/>
+              <a:rPr lang="en-US" sz="1100" i="0" dirty="0"/>
               <a:t>Linear and Logistic Regression</a:t>
             </a:r>
           </a:p>
           <a:p>
             <a:pPr lvl="1"/>
             <a:r>
-              <a:rPr lang="en-US" i="0" dirty="0"/>
+              <a:rPr lang="en-US" sz="1100" i="0" dirty="0"/>
               <a:t>Decision Trees</a:t>
             </a:r>
           </a:p>
           <a:p>
             <a:pPr lvl="1"/>
             <a:r>
-              <a:rPr lang="en-US" i="0" dirty="0" err="1"/>
+              <a:rPr lang="en-US" sz="1100" i="0" dirty="0" err="1"/>
               <a:t>Kmeans</a:t>
             </a:r>
-            <a:endParaRPr lang="en-US" i="0" dirty="0"/>
+            <a:endParaRPr lang="en-US" sz="1100" i="0" dirty="0"/>
           </a:p>
           <a:p>
             <a:pPr lvl="1"/>
             <a:r>
-              <a:rPr lang="en-US" i="0" dirty="0"/>
+              <a:rPr lang="en-US" sz="1100" i="0" dirty="0"/>
               <a:t>Support Vector Machines</a:t>
             </a:r>
           </a:p>
           <a:p>
             <a:r>
-              <a:rPr lang="en-US" dirty="0"/>
+              <a:rPr lang="en-US" sz="1100" dirty="0"/>
               <a:t>Cutting Edge Methods</a:t>
             </a:r>
           </a:p>
           <a:p>
             <a:pPr lvl="1"/>
             <a:r>
-              <a:rPr lang="en-US" i="0" dirty="0"/>
+              <a:rPr lang="en-US" sz="1100" i="0" dirty="0"/>
               <a:t>Neural Networks / Deep Learning</a:t>
             </a:r>
           </a:p>
           <a:p>
             <a:pPr lvl="1"/>
             <a:r>
-              <a:rPr lang="en-US" i="0" dirty="0"/>
+              <a:rPr lang="en-US" sz="1100" i="0" dirty="0"/>
               <a:t>Recurrent Neural Nets (RNN), Convolutional Nets (CNN), LSTM, GAN, </a:t>
             </a:r>
             <a:r>
-              <a:rPr lang="en-US" i="0" dirty="0" err="1"/>
+              <a:rPr lang="en-US" sz="1100" i="0" dirty="0" err="1"/>
               <a:t>etc</a:t>
             </a:r>
-            <a:endParaRPr lang="en-US" i="0" dirty="0"/>
+            <a:endParaRPr lang="en-US" sz="1100" i="0" dirty="0"/>
           </a:p>
           <a:p>
             <a:pPr marL="530352" lvl="1" indent="0">
@@ -15141,6 +19857,518 @@
           </a:xfrm>
         </p:spPr>
         <p:txBody>
+          <a:bodyPr/>
+          <a:lstStyle/>
+          <a:p>
+            <a:r>
+              <a:rPr lang="en-US" dirty="0"/>
+              <a:t>Machine Learning Pipeline</a:t>
+            </a:r>
+          </a:p>
+        </p:txBody>
+      </p:sp>
+      <p:sp>
+        <p:nvSpPr>
+          <p:cNvPr id="3" name="Content Placeholder 2">
+            <a:extLst>
+              <a:ext uri="{FF2B5EF4-FFF2-40B4-BE49-F238E27FC236}">
+                <a16:creationId xmlns:a16="http://schemas.microsoft.com/office/drawing/2014/main" id="{890E8DCC-CEBE-42F0-BEE6-20CE768757A8}"/>
+              </a:ext>
+            </a:extLst>
+          </p:cNvPr>
+          <p:cNvSpPr>
+            <a:spLocks noGrp="1"/>
+          </p:cNvSpPr>
+          <p:nvPr>
+            <p:ph idx="1"/>
+          </p:nvPr>
+        </p:nvSpPr>
+        <p:spPr>
+          <a:xfrm>
+            <a:off x="1187569" y="1023667"/>
+            <a:ext cx="10550105" cy="5348378"/>
+          </a:xfrm>
+        </p:spPr>
+        <p:txBody>
+          <a:bodyPr>
+            <a:normAutofit/>
+          </a:bodyPr>
+          <a:lstStyle/>
+          <a:p>
+            <a:pPr marL="0" indent="0">
+              <a:buNone/>
+            </a:pPr>
+            <a:r>
+              <a:rPr lang="en-US" b="1" i="1" dirty="0"/>
+              <a:t>End to End Flow</a:t>
+            </a:r>
+          </a:p>
+          <a:p>
+            <a:pPr marL="530352" lvl="1" indent="0">
+              <a:buNone/>
+            </a:pPr>
+            <a:endParaRPr lang="en-US" i="0" dirty="0"/>
+          </a:p>
+          <a:p>
+            <a:pPr lvl="1"/>
+            <a:endParaRPr lang="en-US" i="0" dirty="0"/>
+          </a:p>
+        </p:txBody>
+      </p:sp>
+      <p:sp>
+        <p:nvSpPr>
+          <p:cNvPr id="4" name="Content Placeholder 2">
+            <a:extLst>
+              <a:ext uri="{FF2B5EF4-FFF2-40B4-BE49-F238E27FC236}">
+                <a16:creationId xmlns:a16="http://schemas.microsoft.com/office/drawing/2014/main" id="{CD97B703-0D68-4C3A-9692-C69CF75ED4AD}"/>
+              </a:ext>
+            </a:extLst>
+          </p:cNvPr>
+          <p:cNvSpPr txBox="1">
+            <a:spLocks/>
+          </p:cNvSpPr>
+          <p:nvPr/>
+        </p:nvSpPr>
+        <p:spPr>
+          <a:xfrm>
+            <a:off x="-215661" y="196965"/>
+            <a:ext cx="10550105" cy="5348378"/>
+          </a:xfrm>
+          <a:prstGeom prst="rect">
+            <a:avLst/>
+          </a:prstGeom>
+        </p:spPr>
+        <p:txBody>
+          <a:bodyPr vert="horz" lIns="91440" tIns="45720" rIns="91440" bIns="45720" rtlCol="0">
+            <a:normAutofit/>
+          </a:bodyPr>
+          <a:lstStyle>
+            <a:lvl1pPr marL="384048" indent="-384048" algn="l" defTabSz="914400" rtl="0" eaLnBrk="1" latinLnBrk="0" hangingPunct="1">
+              <a:lnSpc>
+                <a:spcPct val="94000"/>
+              </a:lnSpc>
+              <a:spcBef>
+                <a:spcPts val="1000"/>
+              </a:spcBef>
+              <a:spcAft>
+                <a:spcPts val="200"/>
+              </a:spcAft>
+              <a:buFont typeface="Franklin Gothic Book" panose="020B0503020102020204" pitchFamily="34" charset="0"/>
+              <a:buChar char="■"/>
+              <a:defRPr sz="2000" kern="1200" baseline="0">
+                <a:solidFill>
+                  <a:schemeClr val="tx2"/>
+                </a:solidFill>
+                <a:latin typeface="+mn-lt"/>
+                <a:ea typeface="+mn-ea"/>
+                <a:cs typeface="+mn-cs"/>
+              </a:defRPr>
+            </a:lvl1pPr>
+            <a:lvl2pPr marL="914400" indent="-384048" algn="l" defTabSz="914400" rtl="0" eaLnBrk="1" latinLnBrk="0" hangingPunct="1">
+              <a:lnSpc>
+                <a:spcPct val="94000"/>
+              </a:lnSpc>
+              <a:spcBef>
+                <a:spcPts val="500"/>
+              </a:spcBef>
+              <a:spcAft>
+                <a:spcPts val="200"/>
+              </a:spcAft>
+              <a:buFont typeface="Franklin Gothic Book" panose="020B0503020102020204" pitchFamily="34" charset="0"/>
+              <a:buChar char="–"/>
+              <a:defRPr sz="2000" i="1" kern="1200" baseline="0">
+                <a:solidFill>
+                  <a:schemeClr val="tx2"/>
+                </a:solidFill>
+                <a:latin typeface="+mn-lt"/>
+                <a:ea typeface="+mn-ea"/>
+                <a:cs typeface="+mn-cs"/>
+              </a:defRPr>
+            </a:lvl2pPr>
+            <a:lvl3pPr marL="1371600" indent="-384048" algn="l" defTabSz="914400" rtl="0" eaLnBrk="1" latinLnBrk="0" hangingPunct="1">
+              <a:lnSpc>
+                <a:spcPct val="94000"/>
+              </a:lnSpc>
+              <a:spcBef>
+                <a:spcPts val="500"/>
+              </a:spcBef>
+              <a:spcAft>
+                <a:spcPts val="200"/>
+              </a:spcAft>
+              <a:buFont typeface="Franklin Gothic Book" panose="020B0503020102020204" pitchFamily="34" charset="0"/>
+              <a:buChar char="■"/>
+              <a:defRPr sz="1800" kern="1200" baseline="0">
+                <a:solidFill>
+                  <a:schemeClr val="tx2"/>
+                </a:solidFill>
+                <a:latin typeface="+mn-lt"/>
+                <a:ea typeface="+mn-ea"/>
+                <a:cs typeface="+mn-cs"/>
+              </a:defRPr>
+            </a:lvl3pPr>
+            <a:lvl4pPr marL="1828800" indent="-384048" algn="l" defTabSz="914400" rtl="0" eaLnBrk="1" latinLnBrk="0" hangingPunct="1">
+              <a:lnSpc>
+                <a:spcPct val="94000"/>
+              </a:lnSpc>
+              <a:spcBef>
+                <a:spcPts val="500"/>
+              </a:spcBef>
+              <a:spcAft>
+                <a:spcPts val="200"/>
+              </a:spcAft>
+              <a:buFont typeface="Franklin Gothic Book" panose="020B0503020102020204" pitchFamily="34" charset="0"/>
+              <a:buChar char="–"/>
+              <a:defRPr sz="1800" i="1" kern="1200" baseline="0">
+                <a:solidFill>
+                  <a:schemeClr val="tx2"/>
+                </a:solidFill>
+                <a:latin typeface="+mn-lt"/>
+                <a:ea typeface="+mn-ea"/>
+                <a:cs typeface="+mn-cs"/>
+              </a:defRPr>
+            </a:lvl4pPr>
+            <a:lvl5pPr marL="2286000" indent="-384048" algn="l" defTabSz="914400" rtl="0" eaLnBrk="1" latinLnBrk="0" hangingPunct="1">
+              <a:lnSpc>
+                <a:spcPct val="94000"/>
+              </a:lnSpc>
+              <a:spcBef>
+                <a:spcPts val="500"/>
+              </a:spcBef>
+              <a:spcAft>
+                <a:spcPts val="200"/>
+              </a:spcAft>
+              <a:buFont typeface="Franklin Gothic Book" panose="020B0503020102020204" pitchFamily="34" charset="0"/>
+              <a:buChar char="■"/>
+              <a:defRPr sz="1600" kern="1200" baseline="0">
+                <a:solidFill>
+                  <a:schemeClr val="tx2"/>
+                </a:solidFill>
+                <a:latin typeface="+mn-lt"/>
+                <a:ea typeface="+mn-ea"/>
+                <a:cs typeface="+mn-cs"/>
+              </a:defRPr>
+            </a:lvl5pPr>
+            <a:lvl6pPr marL="2743200" indent="-384048" algn="l" defTabSz="914400" rtl="0" eaLnBrk="1" latinLnBrk="0" hangingPunct="1">
+              <a:lnSpc>
+                <a:spcPct val="94000"/>
+              </a:lnSpc>
+              <a:spcBef>
+                <a:spcPts val="500"/>
+              </a:spcBef>
+              <a:spcAft>
+                <a:spcPts val="200"/>
+              </a:spcAft>
+              <a:buFont typeface="Franklin Gothic Book" panose="020B0503020102020204" pitchFamily="34" charset="0"/>
+              <a:buChar char="–"/>
+              <a:defRPr sz="1600" i="1" kern="1200" baseline="0">
+                <a:solidFill>
+                  <a:schemeClr val="tx2"/>
+                </a:solidFill>
+                <a:latin typeface="+mn-lt"/>
+                <a:ea typeface="+mn-ea"/>
+                <a:cs typeface="+mn-cs"/>
+              </a:defRPr>
+            </a:lvl6pPr>
+            <a:lvl7pPr marL="3200400" indent="-384048" algn="l" defTabSz="914400" rtl="0" eaLnBrk="1" latinLnBrk="0" hangingPunct="1">
+              <a:lnSpc>
+                <a:spcPct val="94000"/>
+              </a:lnSpc>
+              <a:spcBef>
+                <a:spcPts val="500"/>
+              </a:spcBef>
+              <a:spcAft>
+                <a:spcPts val="200"/>
+              </a:spcAft>
+              <a:buFont typeface="Franklin Gothic Book" panose="020B0503020102020204" pitchFamily="34" charset="0"/>
+              <a:buChar char="■"/>
+              <a:defRPr sz="1400" kern="1200" baseline="0">
+                <a:solidFill>
+                  <a:schemeClr val="tx2"/>
+                </a:solidFill>
+                <a:latin typeface="+mn-lt"/>
+                <a:ea typeface="+mn-ea"/>
+                <a:cs typeface="+mn-cs"/>
+              </a:defRPr>
+            </a:lvl7pPr>
+            <a:lvl8pPr marL="3657600" indent="-384048" algn="l" defTabSz="914400" rtl="0" eaLnBrk="1" latinLnBrk="0" hangingPunct="1">
+              <a:lnSpc>
+                <a:spcPct val="94000"/>
+              </a:lnSpc>
+              <a:spcBef>
+                <a:spcPts val="500"/>
+              </a:spcBef>
+              <a:spcAft>
+                <a:spcPts val="200"/>
+              </a:spcAft>
+              <a:buFont typeface="Franklin Gothic Book" panose="020B0503020102020204" pitchFamily="34" charset="0"/>
+              <a:buChar char="–"/>
+              <a:defRPr sz="1400" i="1" kern="1200" baseline="0">
+                <a:solidFill>
+                  <a:schemeClr val="tx2"/>
+                </a:solidFill>
+                <a:latin typeface="+mn-lt"/>
+                <a:ea typeface="+mn-ea"/>
+                <a:cs typeface="+mn-cs"/>
+              </a:defRPr>
+            </a:lvl8pPr>
+            <a:lvl9pPr marL="4114800" indent="-384048" algn="l" defTabSz="914400" rtl="0" eaLnBrk="1" latinLnBrk="0" hangingPunct="1">
+              <a:lnSpc>
+                <a:spcPct val="94000"/>
+              </a:lnSpc>
+              <a:spcBef>
+                <a:spcPts val="500"/>
+              </a:spcBef>
+              <a:spcAft>
+                <a:spcPts val="200"/>
+              </a:spcAft>
+              <a:buFont typeface="Franklin Gothic Book" panose="020B0503020102020204" pitchFamily="34" charset="0"/>
+              <a:buChar char="■"/>
+              <a:defRPr sz="1400" kern="1200" baseline="0">
+                <a:solidFill>
+                  <a:schemeClr val="tx2"/>
+                </a:solidFill>
+                <a:latin typeface="+mn-lt"/>
+                <a:ea typeface="+mn-ea"/>
+                <a:cs typeface="+mn-cs"/>
+              </a:defRPr>
+            </a:lvl9pPr>
+          </a:lstStyle>
+          <a:p>
+            <a:endParaRPr lang="en-US" dirty="0"/>
+          </a:p>
+        </p:txBody>
+      </p:sp>
+      <p:graphicFrame>
+        <p:nvGraphicFramePr>
+          <p:cNvPr id="18" name="Diagram 17">
+            <a:extLst>
+              <a:ext uri="{FF2B5EF4-FFF2-40B4-BE49-F238E27FC236}">
+                <a16:creationId xmlns:a16="http://schemas.microsoft.com/office/drawing/2014/main" id="{C3F87DA4-9B9F-4992-92FC-F29D4CF05D87}"/>
+              </a:ext>
+            </a:extLst>
+          </p:cNvPr>
+          <p:cNvGraphicFramePr/>
+          <p:nvPr>
+            <p:extLst>
+              <p:ext uri="{D42A27DB-BD31-4B8C-83A1-F6EECF244321}">
+                <p14:modId xmlns:p14="http://schemas.microsoft.com/office/powerpoint/2010/main" val="1925076120"/>
+              </p:ext>
+            </p:extLst>
+          </p:nvPr>
+        </p:nvGraphicFramePr>
+        <p:xfrm>
+          <a:off x="981762" y="786169"/>
+          <a:ext cx="11210237" cy="3652828"/>
+        </p:xfrm>
+        <a:graphic>
+          <a:graphicData uri="http://schemas.openxmlformats.org/drawingml/2006/diagram">
+            <dgm:relIds xmlns:dgm="http://schemas.openxmlformats.org/drawingml/2006/diagram" xmlns:r="http://schemas.openxmlformats.org/officeDocument/2006/relationships" r:dm="rId2" r:lo="rId3" r:qs="rId4" r:cs="rId5"/>
+          </a:graphicData>
+        </a:graphic>
+      </p:graphicFrame>
+      <p:sp>
+        <p:nvSpPr>
+          <p:cNvPr id="22" name="Arrow: U-Turn 21">
+            <a:extLst>
+              <a:ext uri="{FF2B5EF4-FFF2-40B4-BE49-F238E27FC236}">
+                <a16:creationId xmlns:a16="http://schemas.microsoft.com/office/drawing/2014/main" id="{BD1A2FB7-72C4-43A0-BC93-540D71D87B6A}"/>
+              </a:ext>
+            </a:extLst>
+          </p:cNvPr>
+          <p:cNvSpPr/>
+          <p:nvPr/>
+        </p:nvSpPr>
+        <p:spPr>
+          <a:xfrm flipH="1" flipV="1">
+            <a:off x="5558155" y="3499441"/>
+            <a:ext cx="1773670" cy="709354"/>
+          </a:xfrm>
+          <a:prstGeom prst="uturnArrow">
+            <a:avLst/>
+          </a:prstGeom>
+        </p:spPr>
+        <p:style>
+          <a:lnRef idx="2">
+            <a:schemeClr val="accent1">
+              <a:shade val="50000"/>
+            </a:schemeClr>
+          </a:lnRef>
+          <a:fillRef idx="1">
+            <a:schemeClr val="accent1"/>
+          </a:fillRef>
+          <a:effectRef idx="0">
+            <a:schemeClr val="accent1"/>
+          </a:effectRef>
+          <a:fontRef idx="minor">
+            <a:schemeClr val="lt1"/>
+          </a:fontRef>
+        </p:style>
+        <p:txBody>
+          <a:bodyPr rtlCol="0" anchor="ctr"/>
+          <a:lstStyle/>
+          <a:p>
+            <a:pPr algn="ctr"/>
+            <a:endParaRPr lang="en-US">
+              <a:solidFill>
+                <a:schemeClr val="tx1"/>
+              </a:solidFill>
+            </a:endParaRPr>
+          </a:p>
+        </p:txBody>
+      </p:sp>
+      <p:sp>
+        <p:nvSpPr>
+          <p:cNvPr id="23" name="Arrow: U-Turn 22">
+            <a:extLst>
+              <a:ext uri="{FF2B5EF4-FFF2-40B4-BE49-F238E27FC236}">
+                <a16:creationId xmlns:a16="http://schemas.microsoft.com/office/drawing/2014/main" id="{715946FC-6A8B-4724-A1AD-DA450668EA88}"/>
+              </a:ext>
+            </a:extLst>
+          </p:cNvPr>
+          <p:cNvSpPr/>
+          <p:nvPr/>
+        </p:nvSpPr>
+        <p:spPr>
+          <a:xfrm flipH="1">
+            <a:off x="5491942" y="1001688"/>
+            <a:ext cx="3933830" cy="709353"/>
+          </a:xfrm>
+          <a:prstGeom prst="uturnArrow">
+            <a:avLst/>
+          </a:prstGeom>
+        </p:spPr>
+        <p:style>
+          <a:lnRef idx="2">
+            <a:schemeClr val="accent1">
+              <a:shade val="50000"/>
+            </a:schemeClr>
+          </a:lnRef>
+          <a:fillRef idx="1">
+            <a:schemeClr val="accent1"/>
+          </a:fillRef>
+          <a:effectRef idx="0">
+            <a:schemeClr val="accent1"/>
+          </a:effectRef>
+          <a:fontRef idx="minor">
+            <a:schemeClr val="lt1"/>
+          </a:fontRef>
+        </p:style>
+        <p:txBody>
+          <a:bodyPr rtlCol="0" anchor="ctr"/>
+          <a:lstStyle/>
+          <a:p>
+            <a:pPr algn="ctr"/>
+            <a:endParaRPr lang="en-US">
+              <a:solidFill>
+                <a:schemeClr val="tx1"/>
+              </a:solidFill>
+            </a:endParaRPr>
+          </a:p>
+        </p:txBody>
+      </p:sp>
+      <p:sp>
+        <p:nvSpPr>
+          <p:cNvPr id="20" name="Arrow: U-Turn 19">
+            <a:extLst>
+              <a:ext uri="{FF2B5EF4-FFF2-40B4-BE49-F238E27FC236}">
+                <a16:creationId xmlns:a16="http://schemas.microsoft.com/office/drawing/2014/main" id="{F80451D5-54E8-44F8-99E3-E429C9A68F54}"/>
+              </a:ext>
+            </a:extLst>
+          </p:cNvPr>
+          <p:cNvSpPr/>
+          <p:nvPr/>
+        </p:nvSpPr>
+        <p:spPr>
+          <a:xfrm flipH="1">
+            <a:off x="7376160" y="1001688"/>
+            <a:ext cx="2037601" cy="709353"/>
+          </a:xfrm>
+          <a:prstGeom prst="uturnArrow">
+            <a:avLst/>
+          </a:prstGeom>
+        </p:spPr>
+        <p:style>
+          <a:lnRef idx="2">
+            <a:schemeClr val="accent1">
+              <a:shade val="50000"/>
+            </a:schemeClr>
+          </a:lnRef>
+          <a:fillRef idx="1">
+            <a:schemeClr val="accent1"/>
+          </a:fillRef>
+          <a:effectRef idx="0">
+            <a:schemeClr val="accent1"/>
+          </a:effectRef>
+          <a:fontRef idx="minor">
+            <a:schemeClr val="lt1"/>
+          </a:fontRef>
+        </p:style>
+        <p:txBody>
+          <a:bodyPr rtlCol="0" anchor="ctr"/>
+          <a:lstStyle/>
+          <a:p>
+            <a:pPr algn="ctr"/>
+            <a:endParaRPr lang="en-US">
+              <a:solidFill>
+                <a:schemeClr val="tx1"/>
+              </a:solidFill>
+            </a:endParaRPr>
+          </a:p>
+        </p:txBody>
+      </p:sp>
+    </p:spTree>
+    <p:extLst>
+      <p:ext uri="{BB962C8B-B14F-4D97-AF65-F5344CB8AC3E}">
+        <p14:creationId xmlns:p14="http://schemas.microsoft.com/office/powerpoint/2010/main" val="1381545590"/>
+      </p:ext>
+    </p:extLst>
+  </p:cSld>
+  <p:clrMapOvr>
+    <a:masterClrMapping/>
+  </p:clrMapOvr>
+</p:sld>
+</file>
+
+<file path=ppt/slides/slide7.xml><?xml version="1.0" encoding="utf-8"?>
+<p:sld xmlns:a="http://schemas.openxmlformats.org/drawingml/2006/main" xmlns:r="http://schemas.openxmlformats.org/officeDocument/2006/relationships" xmlns:p="http://schemas.openxmlformats.org/presentationml/2006/main">
+  <p:cSld>
+    <p:spTree>
+      <p:nvGrpSpPr>
+        <p:cNvPr id="1" name=""/>
+        <p:cNvGrpSpPr/>
+        <p:nvPr/>
+      </p:nvGrpSpPr>
+      <p:grpSpPr>
+        <a:xfrm>
+          <a:off x="0" y="0"/>
+          <a:ext cx="0" cy="0"/>
+          <a:chOff x="0" y="0"/>
+          <a:chExt cx="0" cy="0"/>
+        </a:xfrm>
+      </p:grpSpPr>
+      <p:sp>
+        <p:nvSpPr>
+          <p:cNvPr id="2" name="Title 1">
+            <a:extLst>
+              <a:ext uri="{FF2B5EF4-FFF2-40B4-BE49-F238E27FC236}">
+                <a16:creationId xmlns:a16="http://schemas.microsoft.com/office/drawing/2014/main" id="{D1EBA635-2F7F-4838-A23A-2C3E13E2F1D5}"/>
+              </a:ext>
+            </a:extLst>
+          </p:cNvPr>
+          <p:cNvSpPr>
+            <a:spLocks noGrp="1"/>
+          </p:cNvSpPr>
+          <p:nvPr>
+            <p:ph type="title"/>
+          </p:nvPr>
+        </p:nvSpPr>
+        <p:spPr>
+          <a:xfrm>
+            <a:off x="1141560" y="196965"/>
+            <a:ext cx="9601200" cy="987729"/>
+          </a:xfrm>
+        </p:spPr>
+        <p:txBody>
           <a:bodyPr>
             <a:noAutofit/>
           </a:bodyPr>
@@ -15169,7 +20397,7 @@
             <p:ph idx="1"/>
             <p:extLst>
               <p:ext uri="{D42A27DB-BD31-4B8C-83A1-F6EECF244321}">
-                <p14:modId xmlns:p14="http://schemas.microsoft.com/office/powerpoint/2010/main" val="1283805548"/>
+                <p14:modId xmlns:p14="http://schemas.microsoft.com/office/powerpoint/2010/main" val="3882537994"/>
               </p:ext>
             </p:extLst>
           </p:nvPr>
@@ -15422,7 +20650,7 @@
         <p:spPr>
           <a:xfrm>
             <a:off x="6183169" y="1123481"/>
-            <a:ext cx="4788131" cy="1477328"/>
+            <a:ext cx="4788131" cy="2585323"/>
           </a:xfrm>
           <a:prstGeom prst="rect">
             <a:avLst/>
@@ -15437,21 +20665,13 @@
           <a:p>
             <a:r>
               <a:rPr lang="en-US" dirty="0"/>
-              <a:t>Linear price model </a:t>
-            </a:r>
-            <a:r>
-              <a:rPr lang="en-US" dirty="0" err="1"/>
-              <a:t>eg</a:t>
-            </a:r>
+              <a:t>Linear price model:</a:t>
+            </a:r>
+          </a:p>
+          <a:p>
             <a:r>
               <a:rPr lang="en-US" dirty="0"/>
-              <a:t>:</a:t>
-            </a:r>
-          </a:p>
-          <a:p>
-            <a:r>
-              <a:rPr lang="en-US" dirty="0"/>
-              <a:t>  h(x) = X</a:t>
+              <a:t>  h(x) = W</a:t>
             </a:r>
             <a:r>
               <a:rPr lang="en-US" baseline="-25000" dirty="0"/>
@@ -15459,7 +20679,7 @@
             </a:r>
             <a:r>
               <a:rPr lang="en-US" dirty="0"/>
-              <a:t>+  X</a:t>
+              <a:t>+  W</a:t>
             </a:r>
             <a:r>
               <a:rPr lang="en-US" baseline="-25000" dirty="0"/>
@@ -15475,7 +20695,7 @@
             </a:r>
             <a:r>
               <a:rPr lang="en-US" dirty="0"/>
-              <a:t>  +  X</a:t>
+              <a:t>  +  W</a:t>
             </a:r>
             <a:r>
               <a:rPr lang="en-US" baseline="-25000" dirty="0"/>
@@ -15483,7 +20703,7 @@
             </a:r>
             <a:r>
               <a:rPr lang="en-US" dirty="0"/>
-              <a:t>*Loc  +  X</a:t>
+              <a:t>*Loc + W</a:t>
             </a:r>
             <a:r>
               <a:rPr lang="en-US" baseline="-25000" dirty="0"/>
@@ -15500,32 +20720,123 @@
           <a:p>
             <a:r>
               <a:rPr lang="en-US" dirty="0"/>
-              <a:t>Use data to solve for X</a:t>
+              <a:t>General form:</a:t>
+            </a:r>
+          </a:p>
+          <a:p>
+            <a:r>
+              <a:rPr lang="en-US" dirty="0"/>
+              <a:t>  h(x) = W</a:t>
             </a:r>
             <a:r>
               <a:rPr lang="en-US" baseline="-25000" dirty="0"/>
-              <a:t>0 ,</a:t>
+              <a:t>0 </a:t>
             </a:r>
             <a:r>
               <a:rPr lang="en-US" dirty="0"/>
+              <a:t>+  W</a:t>
+            </a:r>
+            <a:r>
+              <a:rPr lang="en-US" baseline="-25000" dirty="0"/>
+              <a:t>1</a:t>
+            </a:r>
+            <a:r>
+              <a:rPr lang="en-US" dirty="0"/>
+              <a:t>*X</a:t>
+            </a:r>
+            <a:r>
+              <a:rPr lang="en-US" baseline="-25000" dirty="0"/>
+              <a:t>1</a:t>
+            </a:r>
+            <a:r>
+              <a:rPr lang="en-US" dirty="0"/>
+              <a:t>  +  W</a:t>
+            </a:r>
+            <a:r>
+              <a:rPr lang="en-US" baseline="-25000" dirty="0"/>
+              <a:t>2</a:t>
+            </a:r>
+            <a:r>
+              <a:rPr lang="en-US" dirty="0"/>
+              <a:t>*X</a:t>
+            </a:r>
+            <a:r>
+              <a:rPr lang="en-US" baseline="-25000" dirty="0"/>
+              <a:t>2</a:t>
+            </a:r>
+            <a:r>
+              <a:rPr lang="en-US" dirty="0"/>
+              <a:t> + W</a:t>
+            </a:r>
+            <a:r>
+              <a:rPr lang="en-US" baseline="-25000" dirty="0"/>
+              <a:t>3</a:t>
+            </a:r>
+            <a:r>
+              <a:rPr lang="en-US" dirty="0"/>
+              <a:t>*X</a:t>
+            </a:r>
+            <a:r>
+              <a:rPr lang="en-US" baseline="-25000" dirty="0"/>
+              <a:t>3 </a:t>
+            </a:r>
+            <a:r>
+              <a:rPr lang="en-US" dirty="0"/>
+              <a:t>+ …</a:t>
+            </a:r>
+          </a:p>
+          <a:p>
+            <a:endParaRPr lang="en-US" dirty="0"/>
+          </a:p>
+          <a:p>
+            <a:r>
+              <a:rPr lang="en-US" dirty="0"/>
+              <a:t>Use </a:t>
+            </a:r>
+            <a:r>
+              <a:rPr lang="en-US" dirty="0" err="1"/>
               <a:t>X</a:t>
             </a:r>
             <a:r>
-              <a:rPr lang="en-US" baseline="-25000" dirty="0"/>
-              <a:t>1,</a:t>
+              <a:rPr lang="en-US" baseline="30000" dirty="0" err="1"/>
+              <a:t>n</a:t>
             </a:r>
             <a:r>
               <a:rPr lang="en-US" dirty="0"/>
-              <a:t>X</a:t>
-            </a:r>
-            <a:r>
-              <a:rPr lang="en-US" baseline="-25000" dirty="0"/>
-              <a:t>2 </a:t>
+              <a:t> </a:t>
+            </a:r>
+            <a:r>
+              <a:rPr lang="en-US" b="1" i="1" dirty="0"/>
+              <a:t>samples</a:t>
+            </a:r>
+            <a:r>
+              <a:rPr lang="en-US" i="1" dirty="0"/>
+              <a:t> </a:t>
             </a:r>
             <a:r>
               <a:rPr lang="en-US" dirty="0"/>
-              <a:t>…</a:t>
-            </a:r>
+              <a:t>to </a:t>
+            </a:r>
+            <a:r>
+              <a:rPr lang="en-US" b="1" i="1" dirty="0"/>
+              <a:t>learn </a:t>
+            </a:r>
+            <a:r>
+              <a:rPr lang="en-US" dirty="0"/>
+              <a:t>“weights” </a:t>
+            </a:r>
+            <a:r>
+              <a:rPr lang="en-US" dirty="0" err="1"/>
+              <a:t>W</a:t>
+            </a:r>
+            <a:r>
+              <a:rPr lang="en-US" baseline="-25000" dirty="0" err="1"/>
+              <a:t>n</a:t>
+            </a:r>
+            <a:endParaRPr lang="en-US" dirty="0"/>
+          </a:p>
+          <a:p>
+            <a:endParaRPr lang="en-US" dirty="0"/>
           </a:p>
           <a:p>
             <a:endParaRPr lang="en-US" dirty="0"/>
@@ -15561,6 +20872,10 @@
           <a:lstStyle/>
           <a:p>
             <a:r>
+              <a:rPr lang="en-US" sz="1100" u="sng" dirty="0"/>
+              <a:t>10 </a:t>
+            </a:r>
+            <a:r>
               <a:rPr lang="en-US" sz="1100" u="sng" dirty="0" err="1"/>
               <a:t>SqM</a:t>
             </a:r>
@@ -15618,7 +20933,7 @@
         <p:spPr>
           <a:xfrm>
             <a:off x="1070854" y="3475978"/>
-            <a:ext cx="10007241" cy="1477328"/>
+            <a:ext cx="10007241" cy="1754326"/>
           </a:xfrm>
           <a:prstGeom prst="rect">
             <a:avLst/>
@@ -15633,21 +20948,13 @@
           <a:p>
             <a:r>
               <a:rPr lang="en-US" dirty="0"/>
-              <a:t>Linear price model </a:t>
-            </a:r>
-            <a:r>
-              <a:rPr lang="en-US" dirty="0" err="1"/>
-              <a:t>eg</a:t>
-            </a:r>
+              <a:t>Simplified Model example</a:t>
+            </a:r>
+          </a:p>
+          <a:p>
             <a:r>
               <a:rPr lang="en-US" dirty="0"/>
-              <a:t>:</a:t>
-            </a:r>
-          </a:p>
-          <a:p>
-            <a:r>
-              <a:rPr lang="en-US" dirty="0"/>
-              <a:t>  h(x) = X</a:t>
+              <a:t>  h(x) = W</a:t>
             </a:r>
             <a:r>
               <a:rPr lang="en-US" baseline="-25000" dirty="0"/>
@@ -15655,7 +20962,7 @@
             </a:r>
             <a:r>
               <a:rPr lang="en-US" dirty="0"/>
-              <a:t>+  X</a:t>
+              <a:t>+  W</a:t>
             </a:r>
             <a:r>
               <a:rPr lang="en-US" baseline="-25000" dirty="0"/>
@@ -15669,26 +20976,62 @@
               <a:rPr lang="en-US" dirty="0" err="1"/>
               <a:t>SqM</a:t>
             </a:r>
+            <a:endParaRPr lang="en-US" dirty="0"/>
+          </a:p>
+          <a:p>
             <a:r>
               <a:rPr lang="en-US" dirty="0"/>
-              <a:t>  +  X</a:t>
+              <a:t>  </a:t>
+            </a:r>
+            <a:r>
+              <a:rPr lang="en-US" dirty="0" err="1"/>
+              <a:t>ie</a:t>
+            </a:r>
+            <a:r>
+              <a:rPr lang="en-US" dirty="0"/>
+              <a:t>, y = B</a:t>
             </a:r>
             <a:r>
               <a:rPr lang="en-US" baseline="-25000" dirty="0"/>
-              <a:t>2</a:t>
+              <a:t> </a:t>
             </a:r>
             <a:r>
               <a:rPr lang="en-US" dirty="0"/>
-              <a:t>*Loc  +  X</a:t>
-            </a:r>
-            <a:r>
-              <a:rPr lang="en-US" baseline="-25000" dirty="0"/>
-              <a:t>3</a:t>
+              <a:t>+  A * </a:t>
+            </a:r>
+            <a:r>
+              <a:rPr lang="en-US" dirty="0" err="1"/>
+              <a:t>X</a:t>
+            </a:r>
+            <a:r>
+              <a:rPr lang="en-US" baseline="30000" dirty="0" err="1"/>
+              <a:t>n</a:t>
+            </a:r>
+            <a:r>
+              <a:rPr lang="en-US" baseline="30000" dirty="0"/>
+              <a:t>          </a:t>
             </a:r>
             <a:r>
               <a:rPr lang="en-US" dirty="0"/>
-              <a:t>*BR + …</a:t>
-            </a:r>
+              <a:t>(</a:t>
+            </a:r>
+            <a:r>
+              <a:rPr lang="en-US" dirty="0" err="1"/>
+              <a:t>ie</a:t>
+            </a:r>
+            <a:r>
+              <a:rPr lang="en-US" dirty="0"/>
+              <a:t>, y=</a:t>
+            </a:r>
+            <a:r>
+              <a:rPr lang="en-US" dirty="0" err="1"/>
+              <a:t>mx+b</a:t>
+            </a:r>
+            <a:r>
+              <a:rPr lang="en-US" dirty="0"/>
+              <a:t>)</a:t>
+            </a:r>
+            <a:endParaRPr lang="en-US" baseline="30000" dirty="0"/>
           </a:p>
           <a:p>
             <a:endParaRPr lang="en-US" dirty="0"/>
@@ -15696,31 +21039,7 @@
           <a:p>
             <a:r>
               <a:rPr lang="en-US" dirty="0"/>
-              <a:t>Use data to solve for X</a:t>
-            </a:r>
-            <a:r>
-              <a:rPr lang="en-US" baseline="-25000" dirty="0"/>
-              <a:t>0 ,</a:t>
-            </a:r>
-            <a:r>
-              <a:rPr lang="en-US" dirty="0"/>
-              <a:t>X</a:t>
-            </a:r>
-            <a:r>
-              <a:rPr lang="en-US" baseline="-25000" dirty="0"/>
-              <a:t>1,</a:t>
-            </a:r>
-            <a:r>
-              <a:rPr lang="en-US" dirty="0"/>
-              <a:t>X</a:t>
-            </a:r>
-            <a:r>
-              <a:rPr lang="en-US" baseline="-25000" dirty="0"/>
-              <a:t>2 </a:t>
-            </a:r>
-            <a:r>
-              <a:rPr lang="en-US" dirty="0"/>
-              <a:t>…</a:t>
+              <a:t>Solve for A,B given x {5,10,15,20]; y=[3,4,3,5]</a:t>
             </a:r>
           </a:p>
           <a:p>
@@ -15741,7 +21060,7 @@
 </p:sld>
 </file>
 
-<file path=ppt/slides/slide7.xml><?xml version="1.0" encoding="utf-8"?>
+<file path=ppt/slides/slide8.xml><?xml version="1.0" encoding="utf-8"?>
 <p:sld xmlns:a="http://schemas.openxmlformats.org/drawingml/2006/main" xmlns:r="http://schemas.openxmlformats.org/officeDocument/2006/relationships" xmlns:p="http://schemas.openxmlformats.org/presentationml/2006/main">
   <p:cSld>
     <p:spTree>
@@ -16137,7 +21456,7 @@
 </p:sld>
 </file>
 
-<file path=ppt/slides/slide8.xml><?xml version="1.0" encoding="utf-8"?>
+<file path=ppt/slides/slide9.xml><?xml version="1.0" encoding="utf-8"?>
 <p:sld xmlns:a="http://schemas.openxmlformats.org/drawingml/2006/main" xmlns:r="http://schemas.openxmlformats.org/officeDocument/2006/relationships" xmlns:p="http://schemas.openxmlformats.org/presentationml/2006/main">
   <p:cSld>
     <p:spTree>
@@ -16541,389 +21860,6 @@
     <p:extLst>
       <p:ext uri="{BB962C8B-B14F-4D97-AF65-F5344CB8AC3E}">
         <p14:creationId xmlns:p14="http://schemas.microsoft.com/office/powerpoint/2010/main" val="2564922533"/>
-      </p:ext>
-    </p:extLst>
-  </p:cSld>
-  <p:clrMapOvr>
-    <a:masterClrMapping/>
-  </p:clrMapOvr>
-</p:sld>
-</file>
-
-<file path=ppt/slides/slide9.xml><?xml version="1.0" encoding="utf-8"?>
-<p:sld xmlns:a="http://schemas.openxmlformats.org/drawingml/2006/main" xmlns:r="http://schemas.openxmlformats.org/officeDocument/2006/relationships" xmlns:p="http://schemas.openxmlformats.org/presentationml/2006/main">
-  <p:cSld>
-    <p:spTree>
-      <p:nvGrpSpPr>
-        <p:cNvPr id="1" name=""/>
-        <p:cNvGrpSpPr/>
-        <p:nvPr/>
-      </p:nvGrpSpPr>
-      <p:grpSpPr>
-        <a:xfrm>
-          <a:off x="0" y="0"/>
-          <a:ext cx="0" cy="0"/>
-          <a:chOff x="0" y="0"/>
-          <a:chExt cx="0" cy="0"/>
-        </a:xfrm>
-      </p:grpSpPr>
-      <p:sp>
-        <p:nvSpPr>
-          <p:cNvPr id="2" name="Title 1">
-            <a:extLst>
-              <a:ext uri="{FF2B5EF4-FFF2-40B4-BE49-F238E27FC236}">
-                <a16:creationId xmlns:a16="http://schemas.microsoft.com/office/drawing/2014/main" id="{D1EBA635-2F7F-4838-A23A-2C3E13E2F1D5}"/>
-              </a:ext>
-            </a:extLst>
-          </p:cNvPr>
-          <p:cNvSpPr>
-            <a:spLocks noGrp="1"/>
-          </p:cNvSpPr>
-          <p:nvPr>
-            <p:ph type="title"/>
-          </p:nvPr>
-        </p:nvSpPr>
-        <p:spPr>
-          <a:xfrm>
-            <a:off x="1141560" y="196965"/>
-            <a:ext cx="9601200" cy="987729"/>
-          </a:xfrm>
-        </p:spPr>
-        <p:txBody>
-          <a:bodyPr>
-            <a:normAutofit/>
-          </a:bodyPr>
-          <a:lstStyle/>
-          <a:p>
-            <a:r>
-              <a:rPr lang="en-US" dirty="0"/>
-              <a:t>Decision Trees + Forests &amp; Boosting</a:t>
-            </a:r>
-          </a:p>
-        </p:txBody>
-      </p:sp>
-      <p:sp>
-        <p:nvSpPr>
-          <p:cNvPr id="3" name="Content Placeholder 2">
-            <a:extLst>
-              <a:ext uri="{FF2B5EF4-FFF2-40B4-BE49-F238E27FC236}">
-                <a16:creationId xmlns:a16="http://schemas.microsoft.com/office/drawing/2014/main" id="{890E8DCC-CEBE-42F0-BEE6-20CE768757A8}"/>
-              </a:ext>
-            </a:extLst>
-          </p:cNvPr>
-          <p:cNvSpPr>
-            <a:spLocks noGrp="1"/>
-          </p:cNvSpPr>
-          <p:nvPr>
-            <p:ph idx="1"/>
-          </p:nvPr>
-        </p:nvSpPr>
-        <p:spPr>
-          <a:xfrm>
-            <a:off x="1187569" y="1023667"/>
-            <a:ext cx="10550105" cy="5348378"/>
-          </a:xfrm>
-        </p:spPr>
-        <p:txBody>
-          <a:bodyPr/>
-          <a:lstStyle/>
-          <a:p>
-            <a:r>
-              <a:rPr lang="en-US" i="0" dirty="0"/>
-              <a:t>&lt;insert Tree view of Booking problem&gt;</a:t>
-            </a:r>
-          </a:p>
-          <a:p>
-            <a:endParaRPr lang="en-US" dirty="0"/>
-          </a:p>
-          <a:p>
-            <a:r>
-              <a:rPr lang="en-US" dirty="0"/>
-              <a:t>More natural fit since Trees allow multiple data classes (text, strings, </a:t>
-            </a:r>
-            <a:r>
-              <a:rPr lang="en-US" dirty="0" err="1"/>
-              <a:t>etc</a:t>
-            </a:r>
-            <a:r>
-              <a:rPr lang="en-US" dirty="0"/>
-              <a:t>)</a:t>
-            </a:r>
-          </a:p>
-          <a:p>
-            <a:endParaRPr lang="en-US" i="0" dirty="0"/>
-          </a:p>
-          <a:p>
-            <a:r>
-              <a:rPr lang="en-US" dirty="0"/>
-              <a:t>Random Forests &amp; Boosting – ways to combine additional trees to improve accuracy</a:t>
-            </a:r>
-          </a:p>
-          <a:p>
-            <a:endParaRPr lang="en-US" i="0" dirty="0"/>
-          </a:p>
-          <a:p>
-            <a:r>
-              <a:rPr lang="en-US" dirty="0"/>
-              <a:t>Decision Trees with Boosting win 70% of </a:t>
-            </a:r>
-            <a:r>
-              <a:rPr lang="en-US" dirty="0" err="1"/>
-              <a:t>Kraggle</a:t>
-            </a:r>
-            <a:r>
-              <a:rPr lang="en-US" dirty="0"/>
-              <a:t> competitions</a:t>
-            </a:r>
-            <a:r>
-              <a:rPr lang="en-US" baseline="30000" dirty="0"/>
-              <a:t>[1]</a:t>
-            </a:r>
-          </a:p>
-          <a:p>
-            <a:endParaRPr lang="en-US" dirty="0"/>
-          </a:p>
-          <a:p>
-            <a:pPr marL="0" indent="0">
-              <a:buNone/>
-            </a:pPr>
-            <a:endParaRPr lang="en-US" dirty="0"/>
-          </a:p>
-          <a:p>
-            <a:endParaRPr lang="en-US" i="0" baseline="30000" dirty="0"/>
-          </a:p>
-          <a:p>
-            <a:endParaRPr lang="en-US" i="0" baseline="30000" dirty="0"/>
-          </a:p>
-        </p:txBody>
-      </p:sp>
-      <p:sp>
-        <p:nvSpPr>
-          <p:cNvPr id="4" name="Content Placeholder 2">
-            <a:extLst>
-              <a:ext uri="{FF2B5EF4-FFF2-40B4-BE49-F238E27FC236}">
-                <a16:creationId xmlns:a16="http://schemas.microsoft.com/office/drawing/2014/main" id="{CD97B703-0D68-4C3A-9692-C69CF75ED4AD}"/>
-              </a:ext>
-            </a:extLst>
-          </p:cNvPr>
-          <p:cNvSpPr txBox="1">
-            <a:spLocks/>
-          </p:cNvSpPr>
-          <p:nvPr/>
-        </p:nvSpPr>
-        <p:spPr>
-          <a:xfrm>
-            <a:off x="-215661" y="196965"/>
-            <a:ext cx="10550105" cy="5348378"/>
-          </a:xfrm>
-          <a:prstGeom prst="rect">
-            <a:avLst/>
-          </a:prstGeom>
-        </p:spPr>
-        <p:txBody>
-          <a:bodyPr vert="horz" lIns="91440" tIns="45720" rIns="91440" bIns="45720" rtlCol="0">
-            <a:normAutofit/>
-          </a:bodyPr>
-          <a:lstStyle>
-            <a:lvl1pPr marL="384048" indent="-384048" algn="l" defTabSz="914400" rtl="0" eaLnBrk="1" latinLnBrk="0" hangingPunct="1">
-              <a:lnSpc>
-                <a:spcPct val="94000"/>
-              </a:lnSpc>
-              <a:spcBef>
-                <a:spcPts val="1000"/>
-              </a:spcBef>
-              <a:spcAft>
-                <a:spcPts val="200"/>
-              </a:spcAft>
-              <a:buFont typeface="Franklin Gothic Book" panose="020B0503020102020204" pitchFamily="34" charset="0"/>
-              <a:buChar char="■"/>
-              <a:defRPr sz="2000" kern="1200" baseline="0">
-                <a:solidFill>
-                  <a:schemeClr val="tx2"/>
-                </a:solidFill>
-                <a:latin typeface="+mn-lt"/>
-                <a:ea typeface="+mn-ea"/>
-                <a:cs typeface="+mn-cs"/>
-              </a:defRPr>
-            </a:lvl1pPr>
-            <a:lvl2pPr marL="914400" indent="-384048" algn="l" defTabSz="914400" rtl="0" eaLnBrk="1" latinLnBrk="0" hangingPunct="1">
-              <a:lnSpc>
-                <a:spcPct val="94000"/>
-              </a:lnSpc>
-              <a:spcBef>
-                <a:spcPts val="500"/>
-              </a:spcBef>
-              <a:spcAft>
-                <a:spcPts val="200"/>
-              </a:spcAft>
-              <a:buFont typeface="Franklin Gothic Book" panose="020B0503020102020204" pitchFamily="34" charset="0"/>
-              <a:buChar char="–"/>
-              <a:defRPr sz="2000" i="1" kern="1200" baseline="0">
-                <a:solidFill>
-                  <a:schemeClr val="tx2"/>
-                </a:solidFill>
-                <a:latin typeface="+mn-lt"/>
-                <a:ea typeface="+mn-ea"/>
-                <a:cs typeface="+mn-cs"/>
-              </a:defRPr>
-            </a:lvl2pPr>
-            <a:lvl3pPr marL="1371600" indent="-384048" algn="l" defTabSz="914400" rtl="0" eaLnBrk="1" latinLnBrk="0" hangingPunct="1">
-              <a:lnSpc>
-                <a:spcPct val="94000"/>
-              </a:lnSpc>
-              <a:spcBef>
-                <a:spcPts val="500"/>
-              </a:spcBef>
-              <a:spcAft>
-                <a:spcPts val="200"/>
-              </a:spcAft>
-              <a:buFont typeface="Franklin Gothic Book" panose="020B0503020102020204" pitchFamily="34" charset="0"/>
-              <a:buChar char="■"/>
-              <a:defRPr sz="1800" kern="1200" baseline="0">
-                <a:solidFill>
-                  <a:schemeClr val="tx2"/>
-                </a:solidFill>
-                <a:latin typeface="+mn-lt"/>
-                <a:ea typeface="+mn-ea"/>
-                <a:cs typeface="+mn-cs"/>
-              </a:defRPr>
-            </a:lvl3pPr>
-            <a:lvl4pPr marL="1828800" indent="-384048" algn="l" defTabSz="914400" rtl="0" eaLnBrk="1" latinLnBrk="0" hangingPunct="1">
-              <a:lnSpc>
-                <a:spcPct val="94000"/>
-              </a:lnSpc>
-              <a:spcBef>
-                <a:spcPts val="500"/>
-              </a:spcBef>
-              <a:spcAft>
-                <a:spcPts val="200"/>
-              </a:spcAft>
-              <a:buFont typeface="Franklin Gothic Book" panose="020B0503020102020204" pitchFamily="34" charset="0"/>
-              <a:buChar char="–"/>
-              <a:defRPr sz="1800" i="1" kern="1200" baseline="0">
-                <a:solidFill>
-                  <a:schemeClr val="tx2"/>
-                </a:solidFill>
-                <a:latin typeface="+mn-lt"/>
-                <a:ea typeface="+mn-ea"/>
-                <a:cs typeface="+mn-cs"/>
-              </a:defRPr>
-            </a:lvl4pPr>
-            <a:lvl5pPr marL="2286000" indent="-384048" algn="l" defTabSz="914400" rtl="0" eaLnBrk="1" latinLnBrk="0" hangingPunct="1">
-              <a:lnSpc>
-                <a:spcPct val="94000"/>
-              </a:lnSpc>
-              <a:spcBef>
-                <a:spcPts val="500"/>
-              </a:spcBef>
-              <a:spcAft>
-                <a:spcPts val="200"/>
-              </a:spcAft>
-              <a:buFont typeface="Franklin Gothic Book" panose="020B0503020102020204" pitchFamily="34" charset="0"/>
-              <a:buChar char="■"/>
-              <a:defRPr sz="1600" kern="1200" baseline="0">
-                <a:solidFill>
-                  <a:schemeClr val="tx2"/>
-                </a:solidFill>
-                <a:latin typeface="+mn-lt"/>
-                <a:ea typeface="+mn-ea"/>
-                <a:cs typeface="+mn-cs"/>
-              </a:defRPr>
-            </a:lvl5pPr>
-            <a:lvl6pPr marL="2743200" indent="-384048" algn="l" defTabSz="914400" rtl="0" eaLnBrk="1" latinLnBrk="0" hangingPunct="1">
-              <a:lnSpc>
-                <a:spcPct val="94000"/>
-              </a:lnSpc>
-              <a:spcBef>
-                <a:spcPts val="500"/>
-              </a:spcBef>
-              <a:spcAft>
-                <a:spcPts val="200"/>
-              </a:spcAft>
-              <a:buFont typeface="Franklin Gothic Book" panose="020B0503020102020204" pitchFamily="34" charset="0"/>
-              <a:buChar char="–"/>
-              <a:defRPr sz="1600" i="1" kern="1200" baseline="0">
-                <a:solidFill>
-                  <a:schemeClr val="tx2"/>
-                </a:solidFill>
-                <a:latin typeface="+mn-lt"/>
-                <a:ea typeface="+mn-ea"/>
-                <a:cs typeface="+mn-cs"/>
-              </a:defRPr>
-            </a:lvl6pPr>
-            <a:lvl7pPr marL="3200400" indent="-384048" algn="l" defTabSz="914400" rtl="0" eaLnBrk="1" latinLnBrk="0" hangingPunct="1">
-              <a:lnSpc>
-                <a:spcPct val="94000"/>
-              </a:lnSpc>
-              <a:spcBef>
-                <a:spcPts val="500"/>
-              </a:spcBef>
-              <a:spcAft>
-                <a:spcPts val="200"/>
-              </a:spcAft>
-              <a:buFont typeface="Franklin Gothic Book" panose="020B0503020102020204" pitchFamily="34" charset="0"/>
-              <a:buChar char="■"/>
-              <a:defRPr sz="1400" kern="1200" baseline="0">
-                <a:solidFill>
-                  <a:schemeClr val="tx2"/>
-                </a:solidFill>
-                <a:latin typeface="+mn-lt"/>
-                <a:ea typeface="+mn-ea"/>
-                <a:cs typeface="+mn-cs"/>
-              </a:defRPr>
-            </a:lvl7pPr>
-            <a:lvl8pPr marL="3657600" indent="-384048" algn="l" defTabSz="914400" rtl="0" eaLnBrk="1" latinLnBrk="0" hangingPunct="1">
-              <a:lnSpc>
-                <a:spcPct val="94000"/>
-              </a:lnSpc>
-              <a:spcBef>
-                <a:spcPts val="500"/>
-              </a:spcBef>
-              <a:spcAft>
-                <a:spcPts val="200"/>
-              </a:spcAft>
-              <a:buFont typeface="Franklin Gothic Book" panose="020B0503020102020204" pitchFamily="34" charset="0"/>
-              <a:buChar char="–"/>
-              <a:defRPr sz="1400" i="1" kern="1200" baseline="0">
-                <a:solidFill>
-                  <a:schemeClr val="tx2"/>
-                </a:solidFill>
-                <a:latin typeface="+mn-lt"/>
-                <a:ea typeface="+mn-ea"/>
-                <a:cs typeface="+mn-cs"/>
-              </a:defRPr>
-            </a:lvl8pPr>
-            <a:lvl9pPr marL="4114800" indent="-384048" algn="l" defTabSz="914400" rtl="0" eaLnBrk="1" latinLnBrk="0" hangingPunct="1">
-              <a:lnSpc>
-                <a:spcPct val="94000"/>
-              </a:lnSpc>
-              <a:spcBef>
-                <a:spcPts val="500"/>
-              </a:spcBef>
-              <a:spcAft>
-                <a:spcPts val="200"/>
-              </a:spcAft>
-              <a:buFont typeface="Franklin Gothic Book" panose="020B0503020102020204" pitchFamily="34" charset="0"/>
-              <a:buChar char="■"/>
-              <a:defRPr sz="1400" kern="1200" baseline="0">
-                <a:solidFill>
-                  <a:schemeClr val="tx2"/>
-                </a:solidFill>
-                <a:latin typeface="+mn-lt"/>
-                <a:ea typeface="+mn-ea"/>
-                <a:cs typeface="+mn-cs"/>
-              </a:defRPr>
-            </a:lvl9pPr>
-          </a:lstStyle>
-          <a:p>
-            <a:endParaRPr lang="en-US" dirty="0"/>
-          </a:p>
-        </p:txBody>
-      </p:sp>
-    </p:spTree>
-    <p:extLst>
-      <p:ext uri="{BB962C8B-B14F-4D97-AF65-F5344CB8AC3E}">
-        <p14:creationId xmlns:p14="http://schemas.microsoft.com/office/powerpoint/2010/main" val="93520042"/>
       </p:ext>
     </p:extLst>
   </p:cSld>

--- a/talks/MachineLearning101.pptx
+++ b/talks/MachineLearning101.pptx
@@ -7446,7 +7446,7 @@
         <a:p>
           <a:r>
             <a:rPr lang="en-US" sz="1600" dirty="0"/>
-            <a:t>ETL</a:t>
+            <a:t>ETL / ELT</a:t>
           </a:r>
         </a:p>
       </dgm:t>
@@ -12902,7 +12902,7 @@
           </a:pPr>
           <a:r>
             <a:rPr lang="en-US" sz="1600" kern="1200" dirty="0"/>
-            <a:t>ETL</a:t>
+            <a:t>ETL / ELT</a:t>
           </a:r>
         </a:p>
         <a:p>
@@ -21978,7 +21978,7 @@
             <a:fld id="{87DE6118-2437-4B30-8E3C-4D2BE6020583}" type="datetimeFigureOut">
               <a:rPr lang="en-US" dirty="0"/>
               <a:pPr/>
-              <a:t>7/29/2018</a:t>
+              <a:t>8/19/2018</a:t>
             </a:fld>
             <a:endParaRPr lang="en-US" dirty="0"/>
           </a:p>
@@ -22304,7 +22304,7 @@
           <a:p>
             <a:fld id="{87DE6118-2437-4B30-8E3C-4D2BE6020583}" type="datetimeFigureOut">
               <a:rPr lang="en-US" dirty="0"/>
-              <a:t>7/29/2018</a:t>
+              <a:t>8/19/2018</a:t>
             </a:fld>
             <a:endParaRPr lang="en-US" dirty="0"/>
           </a:p>
@@ -22479,7 +22479,7 @@
           <a:p>
             <a:fld id="{87DE6118-2437-4B30-8E3C-4D2BE6020583}" type="datetimeFigureOut">
               <a:rPr lang="en-US" dirty="0"/>
-              <a:t>7/29/2018</a:t>
+              <a:t>8/19/2018</a:t>
             </a:fld>
             <a:endParaRPr lang="en-US" dirty="0"/>
           </a:p>
@@ -22644,7 +22644,7 @@
           <a:p>
             <a:fld id="{87DE6118-2437-4B30-8E3C-4D2BE6020583}" type="datetimeFigureOut">
               <a:rPr lang="en-US" dirty="0"/>
-              <a:t>7/29/2018</a:t>
+              <a:t>8/19/2018</a:t>
             </a:fld>
             <a:endParaRPr lang="en-US" dirty="0"/>
           </a:p>
@@ -22917,7 +22917,7 @@
             <a:fld id="{87DE6118-2437-4B30-8E3C-4D2BE6020583}" type="datetimeFigureOut">
               <a:rPr lang="en-US" dirty="0"/>
               <a:pPr/>
-              <a:t>7/29/2018</a:t>
+              <a:t>8/19/2018</a:t>
             </a:fld>
             <a:endParaRPr lang="en-US" dirty="0"/>
           </a:p>
@@ -23307,7 +23307,7 @@
           <a:p>
             <a:fld id="{87DE6118-2437-4B30-8E3C-4D2BE6020583}" type="datetimeFigureOut">
               <a:rPr lang="en-US" dirty="0"/>
-              <a:t>7/29/2018</a:t>
+              <a:t>8/19/2018</a:t>
             </a:fld>
             <a:endParaRPr lang="en-US" dirty="0"/>
           </a:p>
@@ -23779,7 +23779,7 @@
           <a:p>
             <a:fld id="{87DE6118-2437-4B30-8E3C-4D2BE6020583}" type="datetimeFigureOut">
               <a:rPr lang="en-US" dirty="0"/>
-              <a:t>7/29/2018</a:t>
+              <a:t>8/19/2018</a:t>
             </a:fld>
             <a:endParaRPr lang="en-US" dirty="0"/>
           </a:p>
@@ -23892,7 +23892,7 @@
           <a:p>
             <a:fld id="{87DE6118-2437-4B30-8E3C-4D2BE6020583}" type="datetimeFigureOut">
               <a:rPr lang="en-US" dirty="0"/>
-              <a:t>7/29/2018</a:t>
+              <a:t>8/19/2018</a:t>
             </a:fld>
             <a:endParaRPr lang="en-US" dirty="0"/>
           </a:p>
@@ -23982,7 +23982,7 @@
           <a:p>
             <a:fld id="{87DE6118-2437-4B30-8E3C-4D2BE6020583}" type="datetimeFigureOut">
               <a:rPr lang="en-US" dirty="0"/>
-              <a:t>7/29/2018</a:t>
+              <a:t>8/19/2018</a:t>
             </a:fld>
             <a:endParaRPr lang="en-US" dirty="0"/>
           </a:p>
@@ -24324,7 +24324,7 @@
             <a:fld id="{87DE6118-2437-4B30-8E3C-4D2BE6020583}" type="datetimeFigureOut">
               <a:rPr lang="en-US" dirty="0"/>
               <a:pPr/>
-              <a:t>7/29/2018</a:t>
+              <a:t>8/19/2018</a:t>
             </a:fld>
             <a:endParaRPr lang="en-US" dirty="0"/>
           </a:p>
@@ -24709,7 +24709,7 @@
             <a:fld id="{87DE6118-2437-4B30-8E3C-4D2BE6020583}" type="datetimeFigureOut">
               <a:rPr lang="en-US" dirty="0"/>
               <a:pPr/>
-              <a:t>7/29/2018</a:t>
+              <a:t>8/19/2018</a:t>
             </a:fld>
             <a:endParaRPr lang="en-US" dirty="0"/>
           </a:p>
@@ -24984,7 +24984,7 @@
             <a:fld id="{87DE6118-2437-4B30-8E3C-4D2BE6020583}" type="datetimeFigureOut">
               <a:rPr lang="en-US" dirty="0"/>
               <a:pPr/>
-              <a:t>7/29/2018</a:t>
+              <a:t>8/19/2018</a:t>
             </a:fld>
             <a:endParaRPr lang="en-US" dirty="0"/>
           </a:p>
@@ -26060,7 +26060,9 @@
           </a:xfrm>
         </p:spPr>
         <p:txBody>
-          <a:bodyPr/>
+          <a:bodyPr>
+            <a:normAutofit fontScale="92500" lnSpcReduction="10000"/>
+          </a:bodyPr>
           <a:lstStyle/>
           <a:p>
             <a:r>
@@ -26075,8 +26077,6 @@
               <a:rPr lang="en-US" i="0" dirty="0"/>
               <a:t> today&gt;</a:t>
             </a:r>
-          </a:p>
-          <a:p>
             <a:endParaRPr lang="en-US" dirty="0"/>
           </a:p>
           <a:p>
@@ -26134,6 +26134,30 @@
             <a:endParaRPr lang="en-US" i="0" baseline="30000" dirty="0"/>
           </a:p>
           <a:p>
+            <a:r>
+              <a:rPr lang="en-US" dirty="0"/>
+              <a:t>Side-by-side illustrations of biological and artificial neurons, via </a:t>
+            </a:r>
+            <a:r>
+              <a:rPr lang="en-US" dirty="0">
+                <a:hlinkClick r:id="rId2"/>
+              </a:rPr>
+              <a:t>Stanford’s CS231n</a:t>
+            </a:r>
+            <a:r>
+              <a:rPr lang="en-US" dirty="0"/>
+              <a:t>. This analogy can’t be taken too literally — biological neurons can do things that artificial neurons can’t, and vice versa — but it’s useful to understand the biological inspiration. See Wikipedia’s description of </a:t>
+            </a:r>
+            <a:r>
+              <a:rPr lang="en-US" dirty="0">
+                <a:hlinkClick r:id="rId3"/>
+              </a:rPr>
+              <a:t>biological vs. artificial neurons</a:t>
+            </a:r>
+            <a:r>
+              <a:rPr lang="en-US" dirty="0"/>
+              <a:t> for more detail.</a:t>
+            </a:r>
             <a:endParaRPr lang="en-US" i="0" baseline="30000" dirty="0"/>
           </a:p>
         </p:txBody>
@@ -26361,6 +26385,36 @@
           </a:p>
         </p:txBody>
       </p:sp>
+      <p:pic>
+        <p:nvPicPr>
+          <p:cNvPr id="6" name="Picture 5">
+            <a:extLst>
+              <a:ext uri="{FF2B5EF4-FFF2-40B4-BE49-F238E27FC236}">
+                <a16:creationId xmlns:a16="http://schemas.microsoft.com/office/drawing/2014/main" id="{E98A7D6B-DB9F-4D04-9660-6314C2A3EFC6}"/>
+              </a:ext>
+            </a:extLst>
+          </p:cNvPr>
+          <p:cNvPicPr>
+            <a:picLocks noChangeAspect="1"/>
+          </p:cNvPicPr>
+          <p:nvPr/>
+        </p:nvPicPr>
+        <p:blipFill>
+          <a:blip r:embed="rId4"/>
+          <a:stretch>
+            <a:fillRect/>
+          </a:stretch>
+        </p:blipFill>
+        <p:spPr>
+          <a:xfrm>
+            <a:off x="5711991" y="2443036"/>
+            <a:ext cx="5953536" cy="2894907"/>
+          </a:xfrm>
+          <a:prstGeom prst="rect">
+            <a:avLst/>
+          </a:prstGeom>
+        </p:spPr>
+      </p:pic>
     </p:spTree>
     <p:extLst>
       <p:ext uri="{BB962C8B-B14F-4D97-AF65-F5344CB8AC3E}">
@@ -26537,6 +26591,20 @@
               <a:rPr lang="en-US" i="0" dirty="0"/>
               <a:t>Training the NN is much harder (GPU / ASIC required) – show # of weights to calculate</a:t>
             </a:r>
+          </a:p>
+          <a:p>
+            <a:endParaRPr lang="en-US" dirty="0"/>
+          </a:p>
+          <a:p>
+            <a:r>
+              <a:rPr lang="en-US" i="0" dirty="0"/>
+              <a:t>&lt;Insert std </a:t>
+            </a:r>
+            <a:r>
+              <a:rPr lang="en-US" i="0"/>
+              <a:t>NN diagram&gt;</a:t>
+            </a:r>
+            <a:endParaRPr lang="en-US" i="0" dirty="0"/>
           </a:p>
           <a:p>
             <a:endParaRPr lang="en-US" i="0" dirty="0"/>
@@ -27254,610 +27322,302 @@
           </a:p>
         </p:txBody>
       </p:sp>
-      <p:grpSp>
-        <p:nvGrpSpPr>
-          <p:cNvPr id="6" name="Group 5">
+      <p:sp>
+        <p:nvSpPr>
+          <p:cNvPr id="24" name="Partial Circle 4">
             <a:extLst>
               <a:ext uri="{FF2B5EF4-FFF2-40B4-BE49-F238E27FC236}">
-                <a16:creationId xmlns:a16="http://schemas.microsoft.com/office/drawing/2014/main" id="{4C05940E-0FD9-4B9A-A3B0-2722AA205942}"/>
+                <a16:creationId xmlns:a16="http://schemas.microsoft.com/office/drawing/2014/main" id="{C28B5EFB-1308-4898-8A87-4770F32CFF55}"/>
               </a:ext>
             </a:extLst>
           </p:cNvPr>
-          <p:cNvGrpSpPr/>
+          <p:cNvSpPr txBox="1"/>
           <p:nvPr/>
-        </p:nvGrpSpPr>
-        <p:grpSpPr>
+        </p:nvSpPr>
+        <p:spPr>
           <a:xfrm>
-            <a:off x="797147" y="4071935"/>
-            <a:ext cx="2346282" cy="2447051"/>
-            <a:chOff x="734434" y="4858897"/>
-            <a:chExt cx="2346282" cy="2447051"/>
+            <a:off x="1691857" y="3763031"/>
+            <a:ext cx="1659072" cy="1659072"/>
           </a:xfrm>
-        </p:grpSpPr>
-        <p:sp>
-          <p:nvSpPr>
-            <p:cNvPr id="21" name="Partial Circle 20">
-              <a:extLst>
-                <a:ext uri="{FF2B5EF4-FFF2-40B4-BE49-F238E27FC236}">
-                  <a16:creationId xmlns:a16="http://schemas.microsoft.com/office/drawing/2014/main" id="{1FD11D93-E7C2-4B4E-94CC-40BC2BBDE4F1}"/>
-                </a:ext>
-              </a:extLst>
-            </p:cNvPr>
-            <p:cNvSpPr/>
-            <p:nvPr/>
-          </p:nvSpPr>
-          <p:spPr>
-            <a:xfrm>
-              <a:off x="734434" y="4858897"/>
-              <a:ext cx="2346282" cy="2346282"/>
-            </a:xfrm>
-            <a:prstGeom prst="pieWedge">
-              <a:avLst/>
-            </a:prstGeom>
-            <a:scene3d>
-              <a:camera prst="orthographicFront"/>
-              <a:lightRig rig="flat" dir="t"/>
-            </a:scene3d>
-            <a:sp3d prstMaterial="dkEdge">
-              <a:bevelT w="8200" h="38100"/>
-            </a:sp3d>
-          </p:spPr>
-          <p:style>
-            <a:lnRef idx="0">
-              <a:schemeClr val="lt1">
-                <a:hueOff val="0"/>
-                <a:satOff val="0"/>
-                <a:lumOff val="0"/>
-                <a:alphaOff val="0"/>
-              </a:schemeClr>
-            </a:lnRef>
-            <a:fillRef idx="2">
-              <a:schemeClr val="accent5">
-                <a:hueOff val="0"/>
-                <a:satOff val="0"/>
-                <a:lumOff val="0"/>
-                <a:alphaOff val="0"/>
-              </a:schemeClr>
-            </a:fillRef>
-            <a:effectRef idx="1">
-              <a:schemeClr val="accent5">
-                <a:hueOff val="0"/>
-                <a:satOff val="0"/>
-                <a:lumOff val="0"/>
-                <a:alphaOff val="0"/>
-              </a:schemeClr>
-            </a:effectRef>
-            <a:fontRef idx="minor">
-              <a:schemeClr val="dk1"/>
-            </a:fontRef>
-          </p:style>
-        </p:sp>
-        <p:sp>
-          <p:nvSpPr>
-            <p:cNvPr id="24" name="Partial Circle 4">
-              <a:extLst>
-                <a:ext uri="{FF2B5EF4-FFF2-40B4-BE49-F238E27FC236}">
-                  <a16:creationId xmlns:a16="http://schemas.microsoft.com/office/drawing/2014/main" id="{C28B5EFB-1308-4898-8A87-4770F32CFF55}"/>
-                </a:ext>
-              </a:extLst>
-            </p:cNvPr>
-            <p:cNvSpPr txBox="1"/>
-            <p:nvPr/>
-          </p:nvSpPr>
-          <p:spPr>
-            <a:xfrm>
-              <a:off x="1298692" y="5646876"/>
-              <a:ext cx="1659072" cy="1659072"/>
-            </a:xfrm>
-            <a:prstGeom prst="rect">
-              <a:avLst/>
-            </a:prstGeom>
-            <a:scene3d>
-              <a:camera prst="orthographicFront"/>
-              <a:lightRig rig="flat" dir="t"/>
-            </a:scene3d>
-            <a:sp3d/>
-          </p:spPr>
-          <p:style>
-            <a:lnRef idx="0">
-              <a:scrgbClr r="0" g="0" b="0"/>
-            </a:lnRef>
-            <a:fillRef idx="0">
-              <a:scrgbClr r="0" g="0" b="0"/>
-            </a:fillRef>
-            <a:effectRef idx="0">
-              <a:scrgbClr r="0" g="0" b="0"/>
-            </a:effectRef>
-            <a:fontRef idx="minor">
-              <a:schemeClr val="dk1"/>
-            </a:fontRef>
-          </p:style>
-          <p:txBody>
-            <a:bodyPr spcFirstLastPara="0" vert="horz" wrap="square" lIns="149352" tIns="149352" rIns="149352" bIns="149352" numCol="1" spcCol="1270" anchor="ctr" anchorCtr="0">
-              <a:noAutofit/>
-            </a:bodyPr>
-            <a:lstStyle/>
-            <a:p>
-              <a:pPr marL="0" lvl="0" indent="0" algn="ctr" defTabSz="933450">
-                <a:lnSpc>
-                  <a:spcPct val="90000"/>
-                </a:lnSpc>
-                <a:spcBef>
-                  <a:spcPct val="0"/>
-                </a:spcBef>
-                <a:spcAft>
-                  <a:spcPct val="35000"/>
-                </a:spcAft>
-                <a:buNone/>
-              </a:pPr>
-              <a:r>
-                <a:rPr lang="en-US" sz="2100" b="1" kern="1200" dirty="0"/>
-                <a:t>Big Data &amp;</a:t>
-              </a:r>
-            </a:p>
-            <a:p>
-              <a:pPr marL="0" lvl="0" indent="0" algn="ctr" defTabSz="933450">
-                <a:lnSpc>
-                  <a:spcPct val="90000"/>
-                </a:lnSpc>
-                <a:spcBef>
-                  <a:spcPct val="0"/>
-                </a:spcBef>
-                <a:spcAft>
-                  <a:spcPct val="35000"/>
-                </a:spcAft>
-                <a:buNone/>
-              </a:pPr>
-              <a:r>
-                <a:rPr lang="en-US" sz="2100" b="1" kern="1200" dirty="0"/>
-                <a:t>Database Vendors</a:t>
-              </a:r>
-            </a:p>
-          </p:txBody>
-        </p:sp>
-      </p:grpSp>
-      <p:grpSp>
-        <p:nvGrpSpPr>
-          <p:cNvPr id="10" name="Group 9">
-            <a:extLst>
-              <a:ext uri="{FF2B5EF4-FFF2-40B4-BE49-F238E27FC236}">
-                <a16:creationId xmlns:a16="http://schemas.microsoft.com/office/drawing/2014/main" id="{6F7E8183-5104-4332-A5CE-AC9FE77FF4FD}"/>
-              </a:ext>
-            </a:extLst>
-          </p:cNvPr>
-          <p:cNvGrpSpPr/>
-          <p:nvPr/>
-        </p:nvGrpSpPr>
-        <p:grpSpPr>
-          <a:xfrm>
-            <a:off x="3560102" y="4071935"/>
-            <a:ext cx="2346282" cy="2346282"/>
-            <a:chOff x="4516274" y="308864"/>
-            <a:chExt cx="2346282" cy="2346282"/>
-          </a:xfrm>
+          <a:prstGeom prst="rect">
+            <a:avLst/>
+          </a:prstGeom>
           <a:scene3d>
             <a:camera prst="orthographicFront"/>
             <a:lightRig rig="flat" dir="t"/>
           </a:scene3d>
-        </p:grpSpPr>
-        <p:sp>
-          <p:nvSpPr>
-            <p:cNvPr id="17" name="Partial Circle 16">
-              <a:extLst>
-                <a:ext uri="{FF2B5EF4-FFF2-40B4-BE49-F238E27FC236}">
-                  <a16:creationId xmlns:a16="http://schemas.microsoft.com/office/drawing/2014/main" id="{763A8DA8-46DD-4F9A-A3E4-AFB1D496CE4C}"/>
-                </a:ext>
-              </a:extLst>
-            </p:cNvPr>
-            <p:cNvSpPr/>
-            <p:nvPr/>
-          </p:nvSpPr>
-          <p:spPr>
-            <a:xfrm rot="5400000">
-              <a:off x="4516274" y="308864"/>
-              <a:ext cx="2346282" cy="2346282"/>
-            </a:xfrm>
-            <a:prstGeom prst="pieWedge">
-              <a:avLst/>
-            </a:prstGeom>
-            <a:sp3d prstMaterial="dkEdge">
-              <a:bevelT w="8200" h="38100"/>
-            </a:sp3d>
-          </p:spPr>
-          <p:style>
-            <a:lnRef idx="0">
-              <a:schemeClr val="lt1">
-                <a:hueOff val="0"/>
-                <a:satOff val="0"/>
-                <a:lumOff val="0"/>
-                <a:alphaOff val="0"/>
-              </a:schemeClr>
-            </a:lnRef>
-            <a:fillRef idx="2">
-              <a:schemeClr val="accent5">
-                <a:hueOff val="2944118"/>
-                <a:satOff val="9586"/>
-                <a:lumOff val="3333"/>
-                <a:alphaOff val="0"/>
-              </a:schemeClr>
-            </a:fillRef>
-            <a:effectRef idx="1">
-              <a:schemeClr val="accent5">
-                <a:hueOff val="2944118"/>
-                <a:satOff val="9586"/>
-                <a:lumOff val="3333"/>
-                <a:alphaOff val="0"/>
-              </a:schemeClr>
-            </a:effectRef>
-            <a:fontRef idx="minor">
-              <a:schemeClr val="dk1"/>
-            </a:fontRef>
-          </p:style>
-        </p:sp>
-        <p:sp>
-          <p:nvSpPr>
-            <p:cNvPr id="19" name="Partial Circle 6">
-              <a:extLst>
-                <a:ext uri="{FF2B5EF4-FFF2-40B4-BE49-F238E27FC236}">
-                  <a16:creationId xmlns:a16="http://schemas.microsoft.com/office/drawing/2014/main" id="{6BEAAC08-6E8A-49E4-9754-C2D230D1B856}"/>
-                </a:ext>
-              </a:extLst>
-            </p:cNvPr>
-            <p:cNvSpPr txBox="1"/>
-            <p:nvPr/>
-          </p:nvSpPr>
-          <p:spPr>
-            <a:xfrm>
-              <a:off x="4516274" y="996074"/>
-              <a:ext cx="1659072" cy="1659072"/>
-            </a:xfrm>
-            <a:prstGeom prst="rect">
-              <a:avLst/>
-            </a:prstGeom>
-            <a:sp3d/>
-          </p:spPr>
-          <p:style>
-            <a:lnRef idx="0">
-              <a:scrgbClr r="0" g="0" b="0"/>
-            </a:lnRef>
-            <a:fillRef idx="0">
-              <a:scrgbClr r="0" g="0" b="0"/>
-            </a:fillRef>
-            <a:effectRef idx="0">
-              <a:scrgbClr r="0" g="0" b="0"/>
-            </a:effectRef>
-            <a:fontRef idx="minor">
-              <a:schemeClr val="dk1"/>
-            </a:fontRef>
-          </p:style>
-          <p:txBody>
-            <a:bodyPr spcFirstLastPara="0" vert="horz" wrap="square" lIns="149352" tIns="149352" rIns="149352" bIns="149352" numCol="1" spcCol="1270" anchor="ctr" anchorCtr="0">
-              <a:noAutofit/>
-            </a:bodyPr>
-            <a:lstStyle/>
-            <a:p>
-              <a:pPr marL="0" lvl="0" indent="0" algn="ctr" defTabSz="933450">
-                <a:lnSpc>
-                  <a:spcPct val="90000"/>
-                </a:lnSpc>
-                <a:spcBef>
-                  <a:spcPct val="0"/>
-                </a:spcBef>
-                <a:spcAft>
-                  <a:spcPct val="35000"/>
-                </a:spcAft>
-                <a:buNone/>
-              </a:pPr>
-              <a:r>
-                <a:rPr lang="en-US" sz="2100" b="1" kern="1200" dirty="0"/>
-                <a:t>API/Analytic Toolkits</a:t>
-              </a:r>
-            </a:p>
-          </p:txBody>
-        </p:sp>
-      </p:grpSp>
-      <p:grpSp>
-        <p:nvGrpSpPr>
-          <p:cNvPr id="11" name="Group 10">
+          <a:sp3d/>
+        </p:spPr>
+        <p:style>
+          <a:lnRef idx="0">
+            <a:scrgbClr r="0" g="0" b="0"/>
+          </a:lnRef>
+          <a:fillRef idx="0">
+            <a:scrgbClr r="0" g="0" b="0"/>
+          </a:fillRef>
+          <a:effectRef idx="0">
+            <a:scrgbClr r="0" g="0" b="0"/>
+          </a:effectRef>
+          <a:fontRef idx="minor">
+            <a:schemeClr val="dk1"/>
+          </a:fontRef>
+        </p:style>
+        <p:txBody>
+          <a:bodyPr spcFirstLastPara="0" vert="horz" wrap="square" lIns="149352" tIns="149352" rIns="149352" bIns="149352" numCol="1" spcCol="1270" anchor="ctr" anchorCtr="0">
+            <a:noAutofit/>
+          </a:bodyPr>
+          <a:lstStyle/>
+          <a:p>
+            <a:pPr marL="0" lvl="0" indent="0" algn="ctr" defTabSz="933450">
+              <a:lnSpc>
+                <a:spcPct val="90000"/>
+              </a:lnSpc>
+              <a:spcBef>
+                <a:spcPct val="0"/>
+              </a:spcBef>
+              <a:spcAft>
+                <a:spcPct val="35000"/>
+              </a:spcAft>
+              <a:buNone/>
+            </a:pPr>
+            <a:r>
+              <a:rPr lang="en-US" sz="2100" b="1" kern="1200" dirty="0"/>
+              <a:t>Big Data &amp;</a:t>
+            </a:r>
+          </a:p>
+          <a:p>
+            <a:pPr marL="0" lvl="0" indent="0" algn="ctr" defTabSz="933450">
+              <a:lnSpc>
+                <a:spcPct val="90000"/>
+              </a:lnSpc>
+              <a:spcBef>
+                <a:spcPct val="0"/>
+              </a:spcBef>
+              <a:spcAft>
+                <a:spcPct val="35000"/>
+              </a:spcAft>
+              <a:buNone/>
+            </a:pPr>
+            <a:r>
+              <a:rPr lang="en-US" sz="2100" b="1" kern="1200" dirty="0"/>
+              <a:t>Database Vendors</a:t>
+            </a:r>
+          </a:p>
+        </p:txBody>
+      </p:sp>
+      <p:sp>
+        <p:nvSpPr>
+          <p:cNvPr id="19" name="Partial Circle 6">
             <a:extLst>
               <a:ext uri="{FF2B5EF4-FFF2-40B4-BE49-F238E27FC236}">
-                <a16:creationId xmlns:a16="http://schemas.microsoft.com/office/drawing/2014/main" id="{4CDB3AD6-5F2E-46B6-A544-929704BC275C}"/>
+                <a16:creationId xmlns:a16="http://schemas.microsoft.com/office/drawing/2014/main" id="{6BEAAC08-6E8A-49E4-9754-C2D230D1B856}"/>
               </a:ext>
             </a:extLst>
           </p:cNvPr>
-          <p:cNvGrpSpPr/>
+          <p:cNvSpPr txBox="1"/>
           <p:nvPr/>
-        </p:nvGrpSpPr>
-        <p:grpSpPr>
+        </p:nvSpPr>
+        <p:spPr>
           <a:xfrm>
-            <a:off x="6323057" y="4172704"/>
-            <a:ext cx="2346282" cy="2346282"/>
-            <a:chOff x="4516274" y="2763520"/>
-            <a:chExt cx="2346282" cy="2346282"/>
+            <a:off x="6661264" y="4168771"/>
+            <a:ext cx="1659072" cy="1659072"/>
           </a:xfrm>
+          <a:prstGeom prst="rect">
+            <a:avLst/>
+          </a:prstGeom>
           <a:scene3d>
             <a:camera prst="orthographicFront"/>
             <a:lightRig rig="flat" dir="t"/>
           </a:scene3d>
-        </p:grpSpPr>
-        <p:sp>
-          <p:nvSpPr>
-            <p:cNvPr id="15" name="Partial Circle 14">
-              <a:extLst>
-                <a:ext uri="{FF2B5EF4-FFF2-40B4-BE49-F238E27FC236}">
-                  <a16:creationId xmlns:a16="http://schemas.microsoft.com/office/drawing/2014/main" id="{D613F14B-808A-4A5C-8D63-D6E9AE3C9248}"/>
-                </a:ext>
-              </a:extLst>
-            </p:cNvPr>
-            <p:cNvSpPr/>
-            <p:nvPr/>
-          </p:nvSpPr>
-          <p:spPr>
-            <a:xfrm rot="10800000">
-              <a:off x="4516274" y="2763520"/>
-              <a:ext cx="2346282" cy="2346282"/>
-            </a:xfrm>
-            <a:prstGeom prst="pieWedge">
-              <a:avLst/>
-            </a:prstGeom>
-            <a:sp3d prstMaterial="dkEdge">
-              <a:bevelT w="8200" h="38100"/>
-            </a:sp3d>
-          </p:spPr>
-          <p:style>
-            <a:lnRef idx="0">
-              <a:schemeClr val="lt1">
-                <a:hueOff val="0"/>
-                <a:satOff val="0"/>
-                <a:lumOff val="0"/>
-                <a:alphaOff val="0"/>
-              </a:schemeClr>
-            </a:lnRef>
-            <a:fillRef idx="2">
-              <a:schemeClr val="accent5">
-                <a:hueOff val="5888237"/>
-                <a:satOff val="19172"/>
-                <a:lumOff val="6667"/>
-                <a:alphaOff val="0"/>
-              </a:schemeClr>
-            </a:fillRef>
-            <a:effectRef idx="1">
-              <a:schemeClr val="accent5">
-                <a:hueOff val="5888237"/>
-                <a:satOff val="19172"/>
-                <a:lumOff val="6667"/>
-                <a:alphaOff val="0"/>
-              </a:schemeClr>
-            </a:effectRef>
-            <a:fontRef idx="minor">
-              <a:schemeClr val="dk1"/>
-            </a:fontRef>
-          </p:style>
-        </p:sp>
-        <p:sp>
-          <p:nvSpPr>
-            <p:cNvPr id="16" name="Partial Circle 8">
-              <a:extLst>
-                <a:ext uri="{FF2B5EF4-FFF2-40B4-BE49-F238E27FC236}">
-                  <a16:creationId xmlns:a16="http://schemas.microsoft.com/office/drawing/2014/main" id="{2B68384A-DEFB-48A0-BB2E-4A37BDC68D4A}"/>
-                </a:ext>
-              </a:extLst>
-            </p:cNvPr>
-            <p:cNvSpPr txBox="1"/>
-            <p:nvPr/>
-          </p:nvSpPr>
-          <p:spPr>
-            <a:xfrm rot="21600000">
-              <a:off x="4516274" y="2763520"/>
-              <a:ext cx="1659072" cy="1659072"/>
-            </a:xfrm>
-            <a:prstGeom prst="rect">
-              <a:avLst/>
-            </a:prstGeom>
-            <a:sp3d/>
-          </p:spPr>
-          <p:style>
-            <a:lnRef idx="0">
-              <a:scrgbClr r="0" g="0" b="0"/>
-            </a:lnRef>
-            <a:fillRef idx="0">
-              <a:scrgbClr r="0" g="0" b="0"/>
-            </a:fillRef>
-            <a:effectRef idx="0">
-              <a:scrgbClr r="0" g="0" b="0"/>
-            </a:effectRef>
-            <a:fontRef idx="minor">
-              <a:schemeClr val="dk1"/>
-            </a:fontRef>
-          </p:style>
-          <p:txBody>
-            <a:bodyPr spcFirstLastPara="0" vert="horz" wrap="square" lIns="149352" tIns="149352" rIns="149352" bIns="149352" numCol="1" spcCol="1270" anchor="ctr" anchorCtr="0">
-              <a:noAutofit/>
-            </a:bodyPr>
-            <a:lstStyle/>
-            <a:p>
-              <a:pPr marL="0" lvl="0" indent="0" algn="ctr" defTabSz="933450">
-                <a:lnSpc>
-                  <a:spcPct val="90000"/>
-                </a:lnSpc>
-                <a:spcBef>
-                  <a:spcPct val="0"/>
-                </a:spcBef>
-                <a:spcAft>
-                  <a:spcPct val="35000"/>
-                </a:spcAft>
-                <a:buNone/>
-              </a:pPr>
-              <a:r>
-                <a:rPr lang="en-US" sz="2100" b="1" kern="1200" dirty="0"/>
-                <a:t>Full Stack Vendors</a:t>
-              </a:r>
-            </a:p>
-          </p:txBody>
-        </p:sp>
-      </p:grpSp>
-      <p:grpSp>
-        <p:nvGrpSpPr>
-          <p:cNvPr id="7" name="Group 6">
+          <a:sp3d/>
+        </p:spPr>
+        <p:style>
+          <a:lnRef idx="0">
+            <a:scrgbClr r="0" g="0" b="0"/>
+          </a:lnRef>
+          <a:fillRef idx="0">
+            <a:scrgbClr r="0" g="0" b="0"/>
+          </a:fillRef>
+          <a:effectRef idx="0">
+            <a:scrgbClr r="0" g="0" b="0"/>
+          </a:effectRef>
+          <a:fontRef idx="minor">
+            <a:schemeClr val="dk1"/>
+          </a:fontRef>
+        </p:style>
+        <p:txBody>
+          <a:bodyPr spcFirstLastPara="0" vert="horz" wrap="square" lIns="149352" tIns="149352" rIns="149352" bIns="149352" numCol="1" spcCol="1270" anchor="ctr" anchorCtr="0">
+            <a:noAutofit/>
+          </a:bodyPr>
+          <a:lstStyle/>
+          <a:p>
+            <a:pPr marL="0" lvl="0" indent="0" algn="ctr" defTabSz="933450">
+              <a:lnSpc>
+                <a:spcPct val="90000"/>
+              </a:lnSpc>
+              <a:spcBef>
+                <a:spcPct val="0"/>
+              </a:spcBef>
+              <a:spcAft>
+                <a:spcPct val="35000"/>
+              </a:spcAft>
+              <a:buNone/>
+            </a:pPr>
+            <a:r>
+              <a:rPr lang="en-US" sz="2100" b="1" kern="1200" dirty="0"/>
+              <a:t>API/Analytic Toolkits</a:t>
+            </a:r>
+          </a:p>
+        </p:txBody>
+      </p:sp>
+      <p:sp>
+        <p:nvSpPr>
+          <p:cNvPr id="16" name="Partial Circle 8">
             <a:extLst>
               <a:ext uri="{FF2B5EF4-FFF2-40B4-BE49-F238E27FC236}">
-                <a16:creationId xmlns:a16="http://schemas.microsoft.com/office/drawing/2014/main" id="{82941285-1E80-41E9-9F53-44799145EEF8}"/>
+                <a16:creationId xmlns:a16="http://schemas.microsoft.com/office/drawing/2014/main" id="{2B68384A-DEFB-48A0-BB2E-4A37BDC68D4A}"/>
               </a:ext>
             </a:extLst>
           </p:cNvPr>
-          <p:cNvGrpSpPr/>
+          <p:cNvSpPr txBox="1"/>
           <p:nvPr/>
-        </p:nvGrpSpPr>
-        <p:grpSpPr>
+        </p:nvSpPr>
+        <p:spPr>
           <a:xfrm>
-            <a:off x="9086012" y="4172704"/>
-            <a:ext cx="2346282" cy="2346282"/>
-            <a:chOff x="9187298" y="4938388"/>
-            <a:chExt cx="2346282" cy="2346282"/>
+            <a:off x="4425843" y="5124895"/>
+            <a:ext cx="1659072" cy="1659072"/>
           </a:xfrm>
-        </p:grpSpPr>
-        <p:sp>
-          <p:nvSpPr>
-            <p:cNvPr id="13" name="Partial Circle 12">
-              <a:extLst>
-                <a:ext uri="{FF2B5EF4-FFF2-40B4-BE49-F238E27FC236}">
-                  <a16:creationId xmlns:a16="http://schemas.microsoft.com/office/drawing/2014/main" id="{93A475EA-D5A6-4E9F-B0CF-1594E702FD33}"/>
-                </a:ext>
-              </a:extLst>
-            </p:cNvPr>
-            <p:cNvSpPr/>
-            <p:nvPr/>
-          </p:nvSpPr>
-          <p:spPr>
-            <a:xfrm rot="16200000">
-              <a:off x="9187298" y="4938388"/>
-              <a:ext cx="2346282" cy="2346282"/>
-            </a:xfrm>
-            <a:prstGeom prst="pieWedge">
-              <a:avLst/>
-            </a:prstGeom>
-            <a:scene3d>
-              <a:camera prst="orthographicFront"/>
-              <a:lightRig rig="flat" dir="t"/>
-            </a:scene3d>
-            <a:sp3d prstMaterial="dkEdge">
-              <a:bevelT w="8200" h="38100"/>
-            </a:sp3d>
-          </p:spPr>
-          <p:style>
-            <a:lnRef idx="0">
-              <a:schemeClr val="lt1">
-                <a:hueOff val="0"/>
-                <a:satOff val="0"/>
-                <a:lumOff val="0"/>
-                <a:alphaOff val="0"/>
-              </a:schemeClr>
-            </a:lnRef>
-            <a:fillRef idx="2">
-              <a:schemeClr val="accent5">
-                <a:hueOff val="8832355"/>
-                <a:satOff val="28758"/>
-                <a:lumOff val="10000"/>
-                <a:alphaOff val="0"/>
-              </a:schemeClr>
-            </a:fillRef>
-            <a:effectRef idx="1">
-              <a:schemeClr val="accent5">
-                <a:hueOff val="8832355"/>
-                <a:satOff val="28758"/>
-                <a:lumOff val="10000"/>
-                <a:alphaOff val="0"/>
-              </a:schemeClr>
-            </a:effectRef>
-            <a:fontRef idx="minor">
-              <a:schemeClr val="dk1"/>
-            </a:fontRef>
-          </p:style>
-        </p:sp>
-        <p:sp>
-          <p:nvSpPr>
-            <p:cNvPr id="14" name="Partial Circle 10">
-              <a:extLst>
-                <a:ext uri="{FF2B5EF4-FFF2-40B4-BE49-F238E27FC236}">
-                  <a16:creationId xmlns:a16="http://schemas.microsoft.com/office/drawing/2014/main" id="{FDC9A934-DA21-456D-B5F7-71FE1FED3575}"/>
-                </a:ext>
-              </a:extLst>
-            </p:cNvPr>
-            <p:cNvSpPr txBox="1"/>
-            <p:nvPr/>
-          </p:nvSpPr>
-          <p:spPr>
-            <a:xfrm>
-              <a:off x="9735781" y="5131380"/>
-              <a:ext cx="1659072" cy="1659072"/>
-            </a:xfrm>
-            <a:prstGeom prst="rect">
-              <a:avLst/>
-            </a:prstGeom>
-            <a:scene3d>
-              <a:camera prst="orthographicFront"/>
-              <a:lightRig rig="flat" dir="t"/>
-            </a:scene3d>
-            <a:sp3d/>
-          </p:spPr>
-          <p:style>
-            <a:lnRef idx="0">
-              <a:scrgbClr r="0" g="0" b="0"/>
-            </a:lnRef>
-            <a:fillRef idx="0">
-              <a:scrgbClr r="0" g="0" b="0"/>
-            </a:fillRef>
-            <a:effectRef idx="0">
-              <a:scrgbClr r="0" g="0" b="0"/>
-            </a:effectRef>
-            <a:fontRef idx="minor">
-              <a:schemeClr val="dk1"/>
-            </a:fontRef>
-          </p:style>
-          <p:txBody>
-            <a:bodyPr spcFirstLastPara="0" vert="horz" wrap="square" lIns="149352" tIns="149352" rIns="149352" bIns="149352" numCol="1" spcCol="1270" anchor="ctr" anchorCtr="0">
-              <a:noAutofit/>
-            </a:bodyPr>
-            <a:lstStyle/>
-            <a:p>
-              <a:pPr marL="0" lvl="0" indent="0" algn="ctr" defTabSz="933450">
-                <a:lnSpc>
-                  <a:spcPct val="90000"/>
-                </a:lnSpc>
-                <a:spcBef>
-                  <a:spcPct val="0"/>
-                </a:spcBef>
-                <a:spcAft>
-                  <a:spcPct val="35000"/>
-                </a:spcAft>
-                <a:buNone/>
-              </a:pPr>
-              <a:r>
-                <a:rPr lang="en-US" sz="2100" b="0" kern="1200" dirty="0"/>
-                <a:t>Cloud</a:t>
-              </a:r>
-            </a:p>
-            <a:p>
-              <a:pPr marL="0" lvl="0" indent="0" algn="ctr" defTabSz="933450">
-                <a:lnSpc>
-                  <a:spcPct val="90000"/>
-                </a:lnSpc>
-                <a:spcBef>
-                  <a:spcPct val="0"/>
-                </a:spcBef>
-                <a:spcAft>
-                  <a:spcPct val="35000"/>
-                </a:spcAft>
-                <a:buNone/>
-              </a:pPr>
-              <a:r>
-                <a:rPr lang="en-US" sz="2100" b="0" kern="1200" dirty="0"/>
-                <a:t>Providers</a:t>
-              </a:r>
-            </a:p>
-          </p:txBody>
-        </p:sp>
-      </p:grpSp>
+          <a:prstGeom prst="rect">
+            <a:avLst/>
+          </a:prstGeom>
+          <a:scene3d>
+            <a:camera prst="orthographicFront"/>
+            <a:lightRig rig="flat" dir="t"/>
+          </a:scene3d>
+          <a:sp3d/>
+        </p:spPr>
+        <p:style>
+          <a:lnRef idx="0">
+            <a:scrgbClr r="0" g="0" b="0"/>
+          </a:lnRef>
+          <a:fillRef idx="0">
+            <a:scrgbClr r="0" g="0" b="0"/>
+          </a:fillRef>
+          <a:effectRef idx="0">
+            <a:scrgbClr r="0" g="0" b="0"/>
+          </a:effectRef>
+          <a:fontRef idx="minor">
+            <a:schemeClr val="dk1"/>
+          </a:fontRef>
+        </p:style>
+        <p:txBody>
+          <a:bodyPr spcFirstLastPara="0" vert="horz" wrap="square" lIns="149352" tIns="149352" rIns="149352" bIns="149352" numCol="1" spcCol="1270" anchor="ctr" anchorCtr="0">
+            <a:noAutofit/>
+          </a:bodyPr>
+          <a:lstStyle/>
+          <a:p>
+            <a:pPr marL="0" lvl="0" indent="0" algn="ctr" defTabSz="933450">
+              <a:lnSpc>
+                <a:spcPct val="90000"/>
+              </a:lnSpc>
+              <a:spcBef>
+                <a:spcPct val="0"/>
+              </a:spcBef>
+              <a:spcAft>
+                <a:spcPct val="35000"/>
+              </a:spcAft>
+              <a:buNone/>
+            </a:pPr>
+            <a:r>
+              <a:rPr lang="en-US" sz="2100" b="1" kern="1200" dirty="0"/>
+              <a:t>Full Stack Vendors</a:t>
+            </a:r>
+          </a:p>
+        </p:txBody>
+      </p:sp>
+      <p:sp>
+        <p:nvSpPr>
+          <p:cNvPr id="14" name="Partial Circle 10">
+            <a:extLst>
+              <a:ext uri="{FF2B5EF4-FFF2-40B4-BE49-F238E27FC236}">
+                <a16:creationId xmlns:a16="http://schemas.microsoft.com/office/drawing/2014/main" id="{FDC9A934-DA21-456D-B5F7-71FE1FED3575}"/>
+              </a:ext>
+            </a:extLst>
+          </p:cNvPr>
+          <p:cNvSpPr txBox="1"/>
+          <p:nvPr/>
+        </p:nvSpPr>
+        <p:spPr>
+          <a:xfrm>
+            <a:off x="9268735" y="3656343"/>
+            <a:ext cx="1659072" cy="1659072"/>
+          </a:xfrm>
+          <a:prstGeom prst="rect">
+            <a:avLst/>
+          </a:prstGeom>
+          <a:scene3d>
+            <a:camera prst="orthographicFront"/>
+            <a:lightRig rig="flat" dir="t"/>
+          </a:scene3d>
+          <a:sp3d/>
+        </p:spPr>
+        <p:style>
+          <a:lnRef idx="0">
+            <a:scrgbClr r="0" g="0" b="0"/>
+          </a:lnRef>
+          <a:fillRef idx="0">
+            <a:scrgbClr r="0" g="0" b="0"/>
+          </a:fillRef>
+          <a:effectRef idx="0">
+            <a:scrgbClr r="0" g="0" b="0"/>
+          </a:effectRef>
+          <a:fontRef idx="minor">
+            <a:schemeClr val="dk1"/>
+          </a:fontRef>
+        </p:style>
+        <p:txBody>
+          <a:bodyPr spcFirstLastPara="0" vert="horz" wrap="square" lIns="149352" tIns="149352" rIns="149352" bIns="149352" numCol="1" spcCol="1270" anchor="ctr" anchorCtr="0">
+            <a:noAutofit/>
+          </a:bodyPr>
+          <a:lstStyle/>
+          <a:p>
+            <a:pPr marL="0" lvl="0" indent="0" algn="ctr" defTabSz="933450">
+              <a:lnSpc>
+                <a:spcPct val="90000"/>
+              </a:lnSpc>
+              <a:spcBef>
+                <a:spcPct val="0"/>
+              </a:spcBef>
+              <a:spcAft>
+                <a:spcPct val="35000"/>
+              </a:spcAft>
+              <a:buNone/>
+            </a:pPr>
+            <a:r>
+              <a:rPr lang="en-US" sz="2100" b="0" kern="1200" dirty="0"/>
+              <a:t>Cloud</a:t>
+            </a:r>
+          </a:p>
+          <a:p>
+            <a:pPr marL="0" lvl="0" indent="0" algn="ctr" defTabSz="933450">
+              <a:lnSpc>
+                <a:spcPct val="90000"/>
+              </a:lnSpc>
+              <a:spcBef>
+                <a:spcPct val="0"/>
+              </a:spcBef>
+              <a:spcAft>
+                <a:spcPct val="35000"/>
+              </a:spcAft>
+              <a:buNone/>
+            </a:pPr>
+            <a:r>
+              <a:rPr lang="en-US" sz="2100" b="0" kern="1200" dirty="0"/>
+              <a:t>Providers</a:t>
+            </a:r>
+          </a:p>
+        </p:txBody>
+      </p:sp>
     </p:spTree>
     <p:extLst>
       <p:ext uri="{BB962C8B-B14F-4D97-AF65-F5344CB8AC3E}">
@@ -28710,28 +28470,41 @@
           <a:p>
             <a:r>
               <a:rPr lang="en-US" dirty="0"/>
-              <a:t>Oracle</a:t>
+              <a:t>Google GCP &amp; </a:t>
+            </a:r>
+            <a:r>
+              <a:rPr lang="en-US" dirty="0" err="1"/>
+              <a:t>Tensorflow</a:t>
+            </a:r>
+            <a:r>
+              <a:rPr lang="en-US" dirty="0"/>
+              <a:t> </a:t>
             </a:r>
           </a:p>
           <a:p>
             <a:r>
               <a:rPr lang="en-US" dirty="0"/>
-              <a:t>Sony (??)</a:t>
+              <a:t>Oracle Cloud</a:t>
             </a:r>
           </a:p>
           <a:p>
             <a:r>
               <a:rPr lang="en-US" dirty="0"/>
-              <a:t>Google GCP &amp; </a:t>
-            </a:r>
-            <a:r>
-              <a:rPr lang="en-US" dirty="0" err="1"/>
-              <a:t>Tensorflow</a:t>
+              <a:t>Sony Cloud (??) (</a:t>
+            </a:r>
+            <a:r>
+              <a:rPr lang="en-US" dirty="0">
+                <a:hlinkClick r:id="rId2"/>
+              </a:rPr>
+              <a:t>http://dl.sony.com</a:t>
             </a:r>
             <a:r>
               <a:rPr lang="en-US" dirty="0"/>
-              <a:t> </a:t>
-            </a:r>
+              <a:t>)</a:t>
+            </a:r>
+          </a:p>
+          <a:p>
+            <a:endParaRPr lang="en-US" dirty="0"/>
           </a:p>
         </p:txBody>
       </p:sp>
@@ -29260,8 +29033,8 @@
         </p:nvSpPr>
         <p:spPr>
           <a:xfrm>
-            <a:off x="1747448" y="6488668"/>
-            <a:ext cx="11580284" cy="369332"/>
+            <a:off x="2833645" y="6377832"/>
+            <a:ext cx="11580284" cy="738664"/>
           </a:xfrm>
           <a:prstGeom prst="rect">
             <a:avLst/>
@@ -29274,9 +29047,24 @@
           <a:lstStyle/>
           <a:p>
             <a:r>
-              <a:rPr lang="en-US" dirty="0"/>
+              <a:rPr lang="en-US" sz="1400" dirty="0">
+                <a:hlinkClick r:id="rId2"/>
+              </a:rPr>
               <a:t>https://medium.com/@rpradeepmenon/demystifying-data-lake-architecture-30cf4ac8aa07</a:t>
             </a:r>
+            <a:endParaRPr lang="en-US" sz="1400" dirty="0"/>
+          </a:p>
+          <a:p>
+            <a:r>
+              <a:rPr lang="en-US" sz="1400" dirty="0">
+                <a:hlinkClick r:id="rId3"/>
+              </a:rPr>
+              <a:t>https://www.jamesserra.com/archive/2015/04/what-is-a-data-lake/</a:t>
+            </a:r>
+            <a:endParaRPr lang="en-US" sz="1400" dirty="0"/>
+          </a:p>
+          <a:p>
+            <a:endParaRPr lang="en-US" sz="1400" dirty="0"/>
           </a:p>
         </p:txBody>
       </p:sp>
@@ -29295,7 +29083,7 @@
           <p:nvPr/>
         </p:nvPicPr>
         <p:blipFill>
-          <a:blip r:embed="rId2">
+          <a:blip r:embed="rId4">
             <a:extLst>
               <a:ext uri="{28A0092B-C50C-407E-A947-70E740481C1C}">
                 <a14:useLocalDpi xmlns:a14="http://schemas.microsoft.com/office/drawing/2010/main" val="0"/>
@@ -32772,7 +32560,7 @@
           <a:p>
             <a:pPr algn="ctr"/>
             <a:r>
-              <a:rPr lang="en-US" sz="3200" b="1" cap="none" spc="0" dirty="0">
+              <a:rPr lang="en-US" sz="3200" b="1" u="sng" cap="none" spc="0" dirty="0">
                 <a:ln/>
                 <a:solidFill>
                   <a:srgbClr val="FF0000"/>
@@ -32785,7 +32573,7 @@
           <a:p>
             <a:pPr algn="ctr"/>
             <a:r>
-              <a:rPr lang="en-US" sz="3200" b="1" cap="none" spc="0" dirty="0">
+              <a:rPr lang="en-US" sz="3200" b="1" u="sng" cap="none" spc="0" dirty="0">
                 <a:ln/>
                 <a:solidFill>
                   <a:srgbClr val="FF0000"/>
@@ -33014,7 +32802,7 @@
           <a:p>
             <a:pPr algn="ctr"/>
             <a:r>
-              <a:rPr lang="en-US" sz="3200" b="1" dirty="0">
+              <a:rPr lang="en-US" sz="3200" b="1" u="sng" dirty="0">
                 <a:ln/>
                 <a:solidFill>
                   <a:srgbClr val="FF0000"/>
@@ -33022,7 +32810,7 @@
               </a:rPr>
               <a:t>Neural Networks</a:t>
             </a:r>
-            <a:endParaRPr lang="en-US" sz="3200" b="1" cap="none" spc="0" dirty="0">
+            <a:endParaRPr lang="en-US" sz="3200" b="1" u="sng" cap="none" spc="0" dirty="0">
               <a:ln/>
               <a:solidFill>
                 <a:srgbClr val="FF0000"/>
@@ -33377,7 +33165,7 @@
         </p:nvSpPr>
         <p:spPr>
           <a:xfrm>
-            <a:off x="2098692" y="5681543"/>
+            <a:off x="1335173" y="5711153"/>
             <a:ext cx="3209532" cy="584775"/>
           </a:xfrm>
           <a:prstGeom prst="rect">
@@ -33402,7 +33190,7 @@
           <a:p>
             <a:pPr algn="ctr"/>
             <a:r>
-              <a:rPr lang="en-US" sz="3200" b="1" dirty="0">
+              <a:rPr lang="en-US" sz="3200" b="1" u="sng" dirty="0">
                 <a:ln/>
                 <a:solidFill>
                   <a:srgbClr val="FF0000"/>
@@ -33410,7 +33198,7 @@
               </a:rPr>
               <a:t>Gradient Descent</a:t>
             </a:r>
-            <a:endParaRPr lang="en-US" sz="3200" b="1" cap="none" spc="0" dirty="0">
+            <a:endParaRPr lang="en-US" sz="3200" b="1" u="sng" cap="none" spc="0" dirty="0">
               <a:ln/>
               <a:solidFill>
                 <a:srgbClr val="FF0000"/>
@@ -33479,7 +33267,7 @@
             <a:p>
               <a:pPr algn="ctr"/>
               <a:r>
-                <a:rPr lang="en-US" sz="4000" b="1" cap="none" spc="0" dirty="0">
+                <a:rPr lang="en-US" sz="4000" b="1" u="sng" cap="none" spc="0" dirty="0">
                   <a:ln/>
                   <a:solidFill>
                     <a:srgbClr val="FF0000"/>
@@ -33670,7 +33458,7 @@
             <a:p>
               <a:pPr algn="ctr"/>
               <a:r>
-                <a:rPr lang="en-US" sz="4000" b="1" cap="none" spc="0" dirty="0" err="1">
+                <a:rPr lang="en-US" sz="4000" b="1" u="sng" cap="none" spc="0" dirty="0" err="1">
                   <a:ln/>
                   <a:solidFill>
                     <a:schemeClr val="accent6">
@@ -34055,7 +33843,7 @@
         <p:spPr>
           <a:xfrm>
             <a:off x="2125305" y="5363391"/>
-            <a:ext cx="1578153" cy="318152"/>
+            <a:ext cx="814634" cy="347762"/>
           </a:xfrm>
           <a:prstGeom prst="straightConnector1">
             <a:avLst/>
@@ -34216,7 +34004,7 @@
         </p:nvSpPr>
         <p:spPr>
           <a:xfrm>
-            <a:off x="4688770" y="6167347"/>
+            <a:off x="4492249" y="6167347"/>
             <a:ext cx="1489511" cy="584775"/>
           </a:xfrm>
           <a:prstGeom prst="rect">
@@ -34303,7 +34091,7 @@
           <a:p>
             <a:pPr algn="ctr"/>
             <a:r>
-              <a:rPr lang="en-US" sz="3200" b="1" cap="none" spc="0" dirty="0">
+              <a:rPr lang="en-US" sz="3200" b="1" u="sng" cap="none" spc="0" dirty="0">
                 <a:ln/>
                 <a:solidFill>
                   <a:srgbClr val="FF0000"/>
@@ -34316,7 +34104,7 @@
           <a:p>
             <a:pPr algn="ctr"/>
             <a:r>
-              <a:rPr lang="en-US" sz="3200" b="1" cap="none" spc="0" dirty="0">
+              <a:rPr lang="en-US" sz="3200" b="1" u="sng" cap="none" spc="0" dirty="0">
                 <a:ln/>
                 <a:solidFill>
                   <a:srgbClr val="FF0000"/>
@@ -34324,6 +34112,60 @@
                 <a:effectLst/>
               </a:rPr>
               <a:t>Regression</a:t>
+            </a:r>
+          </a:p>
+        </p:txBody>
+      </p:sp>
+      <p:sp>
+        <p:nvSpPr>
+          <p:cNvPr id="91" name="Rectangle 90">
+            <a:extLst>
+              <a:ext uri="{FF2B5EF4-FFF2-40B4-BE49-F238E27FC236}">
+                <a16:creationId xmlns:a16="http://schemas.microsoft.com/office/drawing/2014/main" id="{70E35043-62EC-424D-B9C8-EA1D90C7B0A6}"/>
+              </a:ext>
+            </a:extLst>
+          </p:cNvPr>
+          <p:cNvSpPr/>
+          <p:nvPr/>
+        </p:nvSpPr>
+        <p:spPr>
+          <a:xfrm>
+            <a:off x="4545194" y="5711153"/>
+            <a:ext cx="2660728" cy="584775"/>
+          </a:xfrm>
+          <a:prstGeom prst="rect">
+            <a:avLst/>
+          </a:prstGeom>
+          <a:noFill/>
+        </p:spPr>
+        <p:txBody>
+          <a:bodyPr wrap="none" lIns="91440" tIns="45720" rIns="91440" bIns="45720">
+            <a:spAutoFit/>
+            <a:scene3d>
+              <a:camera prst="orthographicFront"/>
+              <a:lightRig rig="soft" dir="t">
+                <a:rot lat="0" lon="0" rev="15600000"/>
+              </a:lightRig>
+            </a:scene3d>
+            <a:sp3d extrusionH="57150" prstMaterial="softEdge">
+              <a:bevelT w="25400" h="38100"/>
+            </a:sp3d>
+          </a:bodyPr>
+          <a:lstStyle/>
+          <a:p>
+            <a:pPr algn="ctr"/>
+            <a:r>
+              <a:rPr lang="en-US" sz="3200" b="1" cap="none" spc="0" dirty="0">
+                <a:ln/>
+                <a:solidFill>
+                  <a:schemeClr val="accent6">
+                    <a:lumMod val="60000"/>
+                    <a:lumOff val="40000"/>
+                  </a:schemeClr>
+                </a:solidFill>
+                <a:effectLst/>
+              </a:rPr>
+              <a:t>Regularization</a:t>
             </a:r>
           </a:p>
         </p:txBody>
@@ -34452,7 +34294,7 @@
           <p:nvPr>
             <p:extLst>
               <p:ext uri="{D42A27DB-BD31-4B8C-83A1-F6EECF244321}">
-                <p14:modId xmlns:p14="http://schemas.microsoft.com/office/powerpoint/2010/main" val="385285488"/>
+                <p14:modId xmlns:p14="http://schemas.microsoft.com/office/powerpoint/2010/main" val="3638791489"/>
               </p:ext>
             </p:extLst>
           </p:nvPr>
@@ -34631,8 +34473,8 @@
         </p:nvSpPr>
         <p:spPr>
           <a:xfrm>
-            <a:off x="1078693" y="6111529"/>
-            <a:ext cx="10854802" cy="369332"/>
+            <a:off x="2006138" y="6318905"/>
+            <a:ext cx="9110749" cy="461665"/>
           </a:xfrm>
           <a:prstGeom prst="rect">
             <a:avLst/>
@@ -34645,7 +34487,61 @@
           </a:bodyPr>
           <a:lstStyle/>
           <a:p>
-            <a:endParaRPr lang="en-US" dirty="0"/>
+            <a:pPr algn="ctr"/>
+            <a:r>
+              <a:rPr lang="en-US" sz="2400" i="1" dirty="0"/>
+              <a:t>End to end a long, iterative process</a:t>
+            </a:r>
+          </a:p>
+        </p:txBody>
+      </p:sp>
+      <p:sp>
+        <p:nvSpPr>
+          <p:cNvPr id="27" name="Arrow: U-Turn 26">
+            <a:extLst>
+              <a:ext uri="{FF2B5EF4-FFF2-40B4-BE49-F238E27FC236}">
+                <a16:creationId xmlns:a16="http://schemas.microsoft.com/office/drawing/2014/main" id="{E6F5F8C5-6A79-4B70-A16F-94505C11D415}"/>
+              </a:ext>
+            </a:extLst>
+          </p:cNvPr>
+          <p:cNvSpPr/>
+          <p:nvPr/>
+        </p:nvSpPr>
+        <p:spPr>
+          <a:xfrm flipH="1" flipV="1">
+            <a:off x="1443355" y="4408297"/>
+            <a:ext cx="1773670" cy="709354"/>
+          </a:xfrm>
+          <a:prstGeom prst="uturnArrow">
+            <a:avLst/>
+          </a:prstGeom>
+        </p:spPr>
+        <p:style>
+          <a:lnRef idx="2">
+            <a:schemeClr val="accent1">
+              <a:shade val="50000"/>
+            </a:schemeClr>
+          </a:lnRef>
+          <a:fillRef idx="1">
+            <a:schemeClr val="accent1"/>
+          </a:fillRef>
+          <a:effectRef idx="0">
+            <a:schemeClr val="accent1"/>
+          </a:effectRef>
+          <a:fontRef idx="minor">
+            <a:schemeClr val="lt1"/>
+          </a:fontRef>
+        </p:style>
+        <p:txBody>
+          <a:bodyPr rtlCol="0" anchor="ctr"/>
+          <a:lstStyle/>
+          <a:p>
+            <a:pPr algn="ctr"/>
+            <a:endParaRPr lang="en-US">
+              <a:solidFill>
+                <a:schemeClr val="tx1"/>
+              </a:solidFill>
+            </a:endParaRPr>
           </a:p>
         </p:txBody>
       </p:sp>
@@ -35965,8 +35861,8 @@
           </a:p>
         </p:txBody>
       </p:sp>
-      <mc:AlternateContent xmlns:mc="http://schemas.openxmlformats.org/markup-compatibility/2006">
-        <mc:Choice xmlns:a14="http://schemas.microsoft.com/office/drawing/2010/main" Requires="a14">
+      <mc:AlternateContent xmlns:mc="http://schemas.openxmlformats.org/markup-compatibility/2006" xmlns:a14="http://schemas.microsoft.com/office/drawing/2010/main">
+        <mc:Choice Requires="a14">
           <p:sp>
             <p:nvSpPr>
               <p:cNvPr id="12" name="TextBox 11">
@@ -36274,7 +36170,7 @@
             </p:txBody>
           </p:sp>
         </mc:Choice>
-        <mc:Fallback>
+        <mc:Fallback xmlns="">
           <p:sp>
             <p:nvSpPr>
               <p:cNvPr id="12" name="TextBox 11">
@@ -38415,8 +38311,8 @@
           </a:p>
         </p:txBody>
       </p:sp>
-      <mc:AlternateContent xmlns:mc="http://schemas.openxmlformats.org/markup-compatibility/2006">
-        <mc:Choice xmlns:a14="http://schemas.microsoft.com/office/drawing/2010/main" Requires="a14">
+      <mc:AlternateContent xmlns:mc="http://schemas.openxmlformats.org/markup-compatibility/2006" xmlns:a14="http://schemas.microsoft.com/office/drawing/2010/main">
+        <mc:Choice Requires="a14">
           <p:sp>
             <p:nvSpPr>
               <p:cNvPr id="82" name="Content Placeholder 2">
@@ -38722,47 +38618,65 @@
                     <m:f>
                       <m:fPr>
                         <m:ctrlPr>
-                          <a:rPr lang="en-US" sz="1600" dirty="0"/>
+                          <a:rPr lang="en-US" sz="1600" i="1" dirty="0">
+                            <a:latin typeface="Cambria Math" panose="02040503050406030204" pitchFamily="18" charset="0"/>
+                          </a:rPr>
                         </m:ctrlPr>
                       </m:fPr>
                       <m:num>
                         <m:r>
-                          <a:rPr lang="en-US" sz="1600" dirty="0"/>
+                          <a:rPr lang="en-US" sz="1600" dirty="0">
+                            <a:latin typeface="Cambria Math" panose="02040503050406030204" pitchFamily="18" charset="0"/>
+                          </a:rPr>
                           <m:t>1</m:t>
                         </m:r>
                       </m:num>
                       <m:den>
                         <m:r>
-                          <a:rPr lang="en-US" sz="1600" dirty="0"/>
+                          <a:rPr lang="en-US" sz="1600" dirty="0">
+                            <a:latin typeface="Cambria Math" panose="02040503050406030204" pitchFamily="18" charset="0"/>
+                          </a:rPr>
                           <m:t>1−</m:t>
                         </m:r>
                         <m:sSup>
                           <m:sSupPr>
                             <m:ctrlPr>
-                              <a:rPr lang="en-US" sz="1600" dirty="0"/>
+                              <a:rPr lang="en-US" sz="1600" i="1" dirty="0">
+                                <a:latin typeface="Cambria Math" panose="02040503050406030204" pitchFamily="18" charset="0"/>
+                              </a:rPr>
                             </m:ctrlPr>
                           </m:sSupPr>
                           <m:e>
                             <m:r>
-                              <a:rPr lang="en-US" sz="1600" dirty="0"/>
+                              <a:rPr lang="en-US" sz="1600" dirty="0">
+                                <a:latin typeface="Cambria Math" panose="02040503050406030204" pitchFamily="18" charset="0"/>
+                              </a:rPr>
                               <m:t>ⅇ</m:t>
                             </m:r>
                           </m:e>
                           <m:sup>
                             <m:r>
-                              <a:rPr lang="en-US" sz="1600" dirty="0"/>
+                              <a:rPr lang="en-US" sz="1600" dirty="0">
+                                <a:latin typeface="Cambria Math" panose="02040503050406030204" pitchFamily="18" charset="0"/>
+                              </a:rPr>
                               <m:t>h</m:t>
                             </m:r>
                             <m:r>
-                              <a:rPr lang="en-US" sz="1600" dirty="0"/>
+                              <a:rPr lang="en-US" sz="1600" dirty="0">
+                                <a:latin typeface="Cambria Math" panose="02040503050406030204" pitchFamily="18" charset="0"/>
+                              </a:rPr>
                               <m:t>(</m:t>
                             </m:r>
                             <m:r>
-                              <a:rPr lang="en-US" sz="1600" dirty="0"/>
+                              <a:rPr lang="en-US" sz="1600" dirty="0">
+                                <a:latin typeface="Cambria Math" panose="02040503050406030204" pitchFamily="18" charset="0"/>
+                              </a:rPr>
                               <m:t>𝑥</m:t>
                             </m:r>
                             <m:r>
-                              <a:rPr lang="en-US" sz="1600" dirty="0"/>
+                              <a:rPr lang="en-US" sz="1600" dirty="0">
+                                <a:latin typeface="Cambria Math" panose="02040503050406030204" pitchFamily="18" charset="0"/>
+                              </a:rPr>
                               <m:t>)</m:t>
                             </m:r>
                           </m:sup>
@@ -38770,7 +38684,9 @@
                       </m:den>
                     </m:f>
                     <m:r>
-                      <a:rPr lang="en-US" sz="1600" dirty="0"/>
+                      <a:rPr lang="en-US" sz="1600" dirty="0">
+                        <a:latin typeface="Cambria Math" panose="02040503050406030204" pitchFamily="18" charset="0"/>
+                      </a:rPr>
                       <m:t>)</m:t>
                     </m:r>
                   </m:oMath>
@@ -38806,7 +38722,7 @@
             </p:txBody>
           </p:sp>
         </mc:Choice>
-        <mc:Fallback>
+        <mc:Fallback xmlns="">
           <p:sp>
             <p:nvSpPr>
               <p:cNvPr id="82" name="Content Placeholder 2">

--- a/talks/MachineLearning101.pptx
+++ b/talks/MachineLearning101.pptx
@@ -5,31 +5,32 @@
     <p:sldMasterId id="2147483648" r:id="rId1"/>
   </p:sldMasterIdLst>
   <p:notesMasterIdLst>
-    <p:notesMasterId r:id="rId24"/>
+    <p:notesMasterId r:id="rId25"/>
   </p:notesMasterIdLst>
   <p:sldIdLst>
     <p:sldId id="256" r:id="rId2"/>
     <p:sldId id="257" r:id="rId3"/>
     <p:sldId id="258" r:id="rId4"/>
     <p:sldId id="281" r:id="rId5"/>
-    <p:sldId id="274" r:id="rId6"/>
-    <p:sldId id="261" r:id="rId7"/>
-    <p:sldId id="282" r:id="rId8"/>
-    <p:sldId id="276" r:id="rId9"/>
-    <p:sldId id="263" r:id="rId10"/>
-    <p:sldId id="277" r:id="rId11"/>
-    <p:sldId id="275" r:id="rId12"/>
-    <p:sldId id="264" r:id="rId13"/>
+    <p:sldId id="284" r:id="rId6"/>
+    <p:sldId id="274" r:id="rId7"/>
+    <p:sldId id="261" r:id="rId8"/>
+    <p:sldId id="282" r:id="rId9"/>
+    <p:sldId id="276" r:id="rId10"/>
+    <p:sldId id="263" r:id="rId11"/>
+    <p:sldId id="277" r:id="rId12"/>
+    <p:sldId id="275" r:id="rId13"/>
     <p:sldId id="267" r:id="rId14"/>
     <p:sldId id="268" r:id="rId15"/>
-    <p:sldId id="270" r:id="rId16"/>
-    <p:sldId id="280" r:id="rId17"/>
-    <p:sldId id="269" r:id="rId18"/>
-    <p:sldId id="271" r:id="rId19"/>
-    <p:sldId id="278" r:id="rId20"/>
-    <p:sldId id="279" r:id="rId21"/>
-    <p:sldId id="272" r:id="rId22"/>
-    <p:sldId id="262" r:id="rId23"/>
+    <p:sldId id="264" r:id="rId16"/>
+    <p:sldId id="270" r:id="rId17"/>
+    <p:sldId id="283" r:id="rId18"/>
+    <p:sldId id="269" r:id="rId19"/>
+    <p:sldId id="271" r:id="rId20"/>
+    <p:sldId id="278" r:id="rId21"/>
+    <p:sldId id="279" r:id="rId22"/>
+    <p:sldId id="285" r:id="rId23"/>
+    <p:sldId id="262" r:id="rId24"/>
   </p:sldIdLst>
   <p:sldSz cx="12192000" cy="6858000"/>
   <p:notesSz cx="6858000" cy="9144000"/>
@@ -7907,7 +7908,7 @@
         <a:p>
           <a:r>
             <a:rPr lang="en-US" sz="1600" dirty="0"/>
-            <a:t>Encode</a:t>
+            <a:t>Encoding</a:t>
           </a:r>
         </a:p>
       </dgm:t>
@@ -7978,10 +7979,9 @@
         <a:lstStyle/>
         <a:p>
           <a:r>
-            <a:rPr lang="en-US" sz="1600" dirty="0" err="1"/>
-            <a:t>Kmeans</a:t>
+            <a:rPr lang="en-US" sz="1600" dirty="0"/>
+            <a:t>L-Regress</a:t>
           </a:r>
-          <a:endParaRPr lang="en-US" sz="1600" dirty="0"/>
         </a:p>
       </dgm:t>
     </dgm:pt>
@@ -8052,7 +8052,7 @@
         <a:p>
           <a:r>
             <a:rPr lang="en-US" sz="1600" dirty="0"/>
-            <a:t>Neural Nets</a:t>
+            <a:t>NN, CNN, RNN</a:t>
           </a:r>
         </a:p>
       </dgm:t>
@@ -8384,7 +8384,7 @@
         <a:p>
           <a:r>
             <a:rPr lang="en-US" sz="1600" dirty="0"/>
-            <a:t>Select</a:t>
+            <a:t>Selection</a:t>
           </a:r>
         </a:p>
       </dgm:t>
@@ -9777,90 +9777,6 @@
         </a:p>
       </dgm:t>
     </dgm:pt>
-    <dgm:pt modelId="{FACBBF60-36E0-4A5F-82F6-D0B0EF800817}">
-      <dgm:prSet phldrT="[Text]" custT="1"/>
-      <dgm:spPr>
-        <a:solidFill>
-          <a:schemeClr val="bg1">
-            <a:lumMod val="75000"/>
-          </a:schemeClr>
-        </a:solidFill>
-      </dgm:spPr>
-      <dgm:t>
-        <a:bodyPr/>
-        <a:lstStyle/>
-        <a:p>
-          <a:r>
-            <a:rPr lang="en-US" sz="1600" dirty="0"/>
-            <a:t>ETL</a:t>
-          </a:r>
-        </a:p>
-      </dgm:t>
-    </dgm:pt>
-    <dgm:pt modelId="{A451E96F-939D-4F1C-93F9-5840505BC597}" type="parTrans" cxnId="{C2B3367E-F9D0-42F7-BE18-753B6A1E3665}">
-      <dgm:prSet/>
-      <dgm:spPr/>
-      <dgm:t>
-        <a:bodyPr/>
-        <a:lstStyle/>
-        <a:p>
-          <a:endParaRPr lang="en-US"/>
-        </a:p>
-      </dgm:t>
-    </dgm:pt>
-    <dgm:pt modelId="{1A4AC378-D92F-4426-9AE0-703D4C983241}" type="sibTrans" cxnId="{C2B3367E-F9D0-42F7-BE18-753B6A1E3665}">
-      <dgm:prSet/>
-      <dgm:spPr/>
-      <dgm:t>
-        <a:bodyPr/>
-        <a:lstStyle/>
-        <a:p>
-          <a:endParaRPr lang="en-US"/>
-        </a:p>
-      </dgm:t>
-    </dgm:pt>
-    <dgm:pt modelId="{DE2C7616-0644-4F12-8597-125C0A720D82}">
-      <dgm:prSet phldrT="[Text]" custT="1"/>
-      <dgm:spPr>
-        <a:solidFill>
-          <a:schemeClr val="bg1">
-            <a:lumMod val="75000"/>
-          </a:schemeClr>
-        </a:solidFill>
-      </dgm:spPr>
-      <dgm:t>
-        <a:bodyPr/>
-        <a:lstStyle/>
-        <a:p>
-          <a:r>
-            <a:rPr lang="en-US" sz="1600" dirty="0"/>
-            <a:t>Normalize</a:t>
-          </a:r>
-        </a:p>
-      </dgm:t>
-    </dgm:pt>
-    <dgm:pt modelId="{22CA5C31-C510-4915-8195-66EF37FA5C06}" type="parTrans" cxnId="{3F2D3DEC-C01F-4071-B067-DD9B7F8E5CFF}">
-      <dgm:prSet/>
-      <dgm:spPr/>
-      <dgm:t>
-        <a:bodyPr/>
-        <a:lstStyle/>
-        <a:p>
-          <a:endParaRPr lang="en-US"/>
-        </a:p>
-      </dgm:t>
-    </dgm:pt>
-    <dgm:pt modelId="{D9C13197-B505-41F1-B741-D8FF1D43CDFE}" type="sibTrans" cxnId="{3F2D3DEC-C01F-4071-B067-DD9B7F8E5CFF}">
-      <dgm:prSet/>
-      <dgm:spPr/>
-      <dgm:t>
-        <a:bodyPr/>
-        <a:lstStyle/>
-        <a:p>
-          <a:endParaRPr lang="en-US"/>
-        </a:p>
-      </dgm:t>
-    </dgm:pt>
     <dgm:pt modelId="{DDB2E167-D0B5-4C65-ADC1-597AE56C7936}">
       <dgm:prSet phldrT="[Text]" custT="1"/>
       <dgm:spPr>
@@ -9897,90 +9813,6 @@
       </dgm:t>
     </dgm:pt>
     <dgm:pt modelId="{9F57F372-8CC6-40BF-A702-698E6779F61C}" type="sibTrans" cxnId="{A13162DE-0109-42EB-8EF1-0111EE573186}">
-      <dgm:prSet/>
-      <dgm:spPr/>
-      <dgm:t>
-        <a:bodyPr/>
-        <a:lstStyle/>
-        <a:p>
-          <a:endParaRPr lang="en-US"/>
-        </a:p>
-      </dgm:t>
-    </dgm:pt>
-    <dgm:pt modelId="{B0F80D5C-AC40-49C2-885D-D6EDCF05D8DF}">
-      <dgm:prSet phldrT="[Text]" custT="1"/>
-      <dgm:spPr>
-        <a:solidFill>
-          <a:schemeClr val="bg2">
-            <a:lumMod val="75000"/>
-          </a:schemeClr>
-        </a:solidFill>
-      </dgm:spPr>
-      <dgm:t>
-        <a:bodyPr/>
-        <a:lstStyle/>
-        <a:p>
-          <a:r>
-            <a:rPr lang="en-US" sz="1600" dirty="0"/>
-            <a:t>RDBMS</a:t>
-          </a:r>
-        </a:p>
-      </dgm:t>
-    </dgm:pt>
-    <dgm:pt modelId="{B13850A8-857C-4D80-9A84-707D45C52392}" type="parTrans" cxnId="{A1CD55D0-E374-460A-9D2B-55A4660B0572}">
-      <dgm:prSet/>
-      <dgm:spPr/>
-      <dgm:t>
-        <a:bodyPr/>
-        <a:lstStyle/>
-        <a:p>
-          <a:endParaRPr lang="en-US"/>
-        </a:p>
-      </dgm:t>
-    </dgm:pt>
-    <dgm:pt modelId="{3C3C4B96-2624-4E30-BD69-F3CC368C3CCE}" type="sibTrans" cxnId="{A1CD55D0-E374-460A-9D2B-55A4660B0572}">
-      <dgm:prSet/>
-      <dgm:spPr/>
-      <dgm:t>
-        <a:bodyPr/>
-        <a:lstStyle/>
-        <a:p>
-          <a:endParaRPr lang="en-US"/>
-        </a:p>
-      </dgm:t>
-    </dgm:pt>
-    <dgm:pt modelId="{100B6406-A6AB-4553-AE36-7120A93D172C}">
-      <dgm:prSet phldrT="[Text]" custT="1"/>
-      <dgm:spPr>
-        <a:solidFill>
-          <a:schemeClr val="bg2">
-            <a:lumMod val="75000"/>
-          </a:schemeClr>
-        </a:solidFill>
-      </dgm:spPr>
-      <dgm:t>
-        <a:bodyPr/>
-        <a:lstStyle/>
-        <a:p>
-          <a:r>
-            <a:rPr lang="en-US" sz="1600" dirty="0"/>
-            <a:t>KDB</a:t>
-          </a:r>
-        </a:p>
-      </dgm:t>
-    </dgm:pt>
-    <dgm:pt modelId="{98AE6D4C-B142-4020-8ACC-8480D41B315C}" type="parTrans" cxnId="{61576C28-78E7-4F09-B5D7-0A94DFC14967}">
-      <dgm:prSet/>
-      <dgm:spPr/>
-      <dgm:t>
-        <a:bodyPr/>
-        <a:lstStyle/>
-        <a:p>
-          <a:endParaRPr lang="en-US"/>
-        </a:p>
-      </dgm:t>
-    </dgm:pt>
-    <dgm:pt modelId="{0DEC7D75-93B2-4A22-91F2-5726D0C01D69}" type="sibTrans" cxnId="{61576C28-78E7-4F09-B5D7-0A94DFC14967}">
       <dgm:prSet/>
       <dgm:spPr/>
       <dgm:t>
@@ -10031,174 +9863,6 @@
         </a:p>
       </dgm:t>
     </dgm:pt>
-    <dgm:pt modelId="{6F2A9C47-F0F1-4C9A-A586-59FE044D3A15}">
-      <dgm:prSet phldrT="[Text]" custT="1"/>
-      <dgm:spPr>
-        <a:solidFill>
-          <a:schemeClr val="bg1">
-            <a:lumMod val="75000"/>
-          </a:schemeClr>
-        </a:solidFill>
-      </dgm:spPr>
-      <dgm:t>
-        <a:bodyPr/>
-        <a:lstStyle/>
-        <a:p>
-          <a:r>
-            <a:rPr lang="en-US" sz="1600" dirty="0"/>
-            <a:t>Cleanse</a:t>
-          </a:r>
-        </a:p>
-      </dgm:t>
-    </dgm:pt>
-    <dgm:pt modelId="{10D33F6C-1A86-43EC-B53F-C63A61D1BDFE}" type="parTrans" cxnId="{B35B1DBF-879F-4806-A44B-07101A457840}">
-      <dgm:prSet/>
-      <dgm:spPr/>
-      <dgm:t>
-        <a:bodyPr/>
-        <a:lstStyle/>
-        <a:p>
-          <a:endParaRPr lang="en-US"/>
-        </a:p>
-      </dgm:t>
-    </dgm:pt>
-    <dgm:pt modelId="{2810034C-57A1-4DCE-877D-9A6990465ACA}" type="sibTrans" cxnId="{B35B1DBF-879F-4806-A44B-07101A457840}">
-      <dgm:prSet/>
-      <dgm:spPr/>
-      <dgm:t>
-        <a:bodyPr/>
-        <a:lstStyle/>
-        <a:p>
-          <a:endParaRPr lang="en-US"/>
-        </a:p>
-      </dgm:t>
-    </dgm:pt>
-    <dgm:pt modelId="{35714DD5-4D7B-464A-860D-74EC9E1CDA9C}">
-      <dgm:prSet phldrT="[Text]" custT="1"/>
-      <dgm:spPr>
-        <a:solidFill>
-          <a:schemeClr val="bg2">
-            <a:lumMod val="75000"/>
-          </a:schemeClr>
-        </a:solidFill>
-      </dgm:spPr>
-      <dgm:t>
-        <a:bodyPr/>
-        <a:lstStyle/>
-        <a:p>
-          <a:r>
-            <a:rPr lang="en-US" sz="1600" dirty="0"/>
-            <a:t>Data Warehouse</a:t>
-          </a:r>
-        </a:p>
-      </dgm:t>
-    </dgm:pt>
-    <dgm:pt modelId="{2A8BF73A-8844-4B4F-AFBD-9C311E424FC1}" type="parTrans" cxnId="{58E4DA16-03A8-4B47-8F76-9CDE05ADB5FB}">
-      <dgm:prSet/>
-      <dgm:spPr/>
-      <dgm:t>
-        <a:bodyPr/>
-        <a:lstStyle/>
-        <a:p>
-          <a:endParaRPr lang="en-US"/>
-        </a:p>
-      </dgm:t>
-    </dgm:pt>
-    <dgm:pt modelId="{AE4C7998-9FD7-49F1-A954-F251D5C2FAB6}" type="sibTrans" cxnId="{58E4DA16-03A8-4B47-8F76-9CDE05ADB5FB}">
-      <dgm:prSet/>
-      <dgm:spPr/>
-      <dgm:t>
-        <a:bodyPr/>
-        <a:lstStyle/>
-        <a:p>
-          <a:endParaRPr lang="en-US"/>
-        </a:p>
-      </dgm:t>
-    </dgm:pt>
-    <dgm:pt modelId="{84846429-1BC1-427A-A46D-5E84E4D5627D}">
-      <dgm:prSet phldrT="[Text]" custT="1"/>
-      <dgm:spPr>
-        <a:solidFill>
-          <a:schemeClr val="bg2">
-            <a:lumMod val="75000"/>
-          </a:schemeClr>
-        </a:solidFill>
-      </dgm:spPr>
-      <dgm:t>
-        <a:bodyPr/>
-        <a:lstStyle/>
-        <a:p>
-          <a:r>
-            <a:rPr lang="en-US" sz="1600" dirty="0"/>
-            <a:t>Hadoop Data Lake</a:t>
-          </a:r>
-        </a:p>
-      </dgm:t>
-    </dgm:pt>
-    <dgm:pt modelId="{3435CD84-2C99-40EE-8767-91451DE0C1EF}" type="parTrans" cxnId="{ED065563-6A00-46B4-80B5-85FC2121835C}">
-      <dgm:prSet/>
-      <dgm:spPr/>
-      <dgm:t>
-        <a:bodyPr/>
-        <a:lstStyle/>
-        <a:p>
-          <a:endParaRPr lang="en-US"/>
-        </a:p>
-      </dgm:t>
-    </dgm:pt>
-    <dgm:pt modelId="{22102AF5-C477-410B-9A0F-E52A54636919}" type="sibTrans" cxnId="{ED065563-6A00-46B4-80B5-85FC2121835C}">
-      <dgm:prSet/>
-      <dgm:spPr/>
-      <dgm:t>
-        <a:bodyPr/>
-        <a:lstStyle/>
-        <a:p>
-          <a:endParaRPr lang="en-US"/>
-        </a:p>
-      </dgm:t>
-    </dgm:pt>
-    <dgm:pt modelId="{61933C13-E119-470F-A162-F36D59B9BF40}">
-      <dgm:prSet phldrT="[Text]" custT="1"/>
-      <dgm:spPr>
-        <a:solidFill>
-          <a:schemeClr val="bg1">
-            <a:lumMod val="75000"/>
-          </a:schemeClr>
-        </a:solidFill>
-      </dgm:spPr>
-      <dgm:t>
-        <a:bodyPr/>
-        <a:lstStyle/>
-        <a:p>
-          <a:r>
-            <a:rPr lang="en-US" sz="1600" dirty="0"/>
-            <a:t>Load</a:t>
-          </a:r>
-        </a:p>
-      </dgm:t>
-    </dgm:pt>
-    <dgm:pt modelId="{39BDEBDA-F57E-4F24-A785-A01DB0AE98D5}" type="parTrans" cxnId="{45801093-3F48-43C1-B3FC-6A20F98680E0}">
-      <dgm:prSet/>
-      <dgm:spPr/>
-      <dgm:t>
-        <a:bodyPr/>
-        <a:lstStyle/>
-        <a:p>
-          <a:endParaRPr lang="en-US"/>
-        </a:p>
-      </dgm:t>
-    </dgm:pt>
-    <dgm:pt modelId="{3366BD7C-A6D3-48F1-8226-079F615CD0DC}" type="sibTrans" cxnId="{45801093-3F48-43C1-B3FC-6A20F98680E0}">
-      <dgm:prSet/>
-      <dgm:spPr/>
-      <dgm:t>
-        <a:bodyPr/>
-        <a:lstStyle/>
-        <a:p>
-          <a:endParaRPr lang="en-US"/>
-        </a:p>
-      </dgm:t>
-    </dgm:pt>
     <dgm:pt modelId="{E8950E95-8A89-469D-917A-19EDBEB7E1E5}">
       <dgm:prSet custT="1"/>
       <dgm:spPr/>
@@ -10229,187 +9893,6 @@
       </dgm:t>
     </dgm:pt>
     <dgm:pt modelId="{C92C8E07-4070-4256-B556-5977EAD2D28B}" type="sibTrans" cxnId="{6173CA2B-0082-4DA7-BB69-27BFF48B3CDE}">
-      <dgm:prSet/>
-      <dgm:spPr/>
-      <dgm:t>
-        <a:bodyPr/>
-        <a:lstStyle/>
-        <a:p>
-          <a:endParaRPr lang="en-US"/>
-        </a:p>
-      </dgm:t>
-    </dgm:pt>
-    <dgm:pt modelId="{C981B39D-24C4-4EED-8AAE-967F03BB911D}">
-      <dgm:prSet phldrT="[Text]" custT="1"/>
-      <dgm:spPr/>
-      <dgm:t>
-        <a:bodyPr/>
-        <a:lstStyle/>
-        <a:p>
-          <a:r>
-            <a:rPr lang="en-US" sz="1600" dirty="0"/>
-            <a:t>Encode</a:t>
-          </a:r>
-        </a:p>
-      </dgm:t>
-    </dgm:pt>
-    <dgm:pt modelId="{525E282E-5EE6-4429-9755-9F9CEF942E7F}" type="sibTrans" cxnId="{2D36C957-F891-473E-A12D-82C9F77D15F5}">
-      <dgm:prSet/>
-      <dgm:spPr/>
-      <dgm:t>
-        <a:bodyPr/>
-        <a:lstStyle/>
-        <a:p>
-          <a:endParaRPr lang="en-US"/>
-        </a:p>
-      </dgm:t>
-    </dgm:pt>
-    <dgm:pt modelId="{6206783F-57D3-4AEF-9694-357DD37844D3}" type="parTrans" cxnId="{2D36C957-F891-473E-A12D-82C9F77D15F5}">
-      <dgm:prSet/>
-      <dgm:spPr/>
-      <dgm:t>
-        <a:bodyPr/>
-        <a:lstStyle/>
-        <a:p>
-          <a:endParaRPr lang="en-US"/>
-        </a:p>
-      </dgm:t>
-    </dgm:pt>
-    <dgm:pt modelId="{E57EB85C-B90C-491D-AE7E-91BD66DF8078}">
-      <dgm:prSet phldrT="[Text]" custT="1"/>
-      <dgm:spPr/>
-      <dgm:t>
-        <a:bodyPr/>
-        <a:lstStyle/>
-        <a:p>
-          <a:r>
-            <a:rPr lang="en-US" sz="1600" dirty="0"/>
-            <a:t>Normalize</a:t>
-          </a:r>
-        </a:p>
-      </dgm:t>
-    </dgm:pt>
-    <dgm:pt modelId="{0294F8BD-FDCA-4518-98A2-AEB7F075B96F}" type="parTrans" cxnId="{FCD8CBB7-2D04-49F4-A51D-B4A9EFFD9DCF}">
-      <dgm:prSet/>
-      <dgm:spPr/>
-      <dgm:t>
-        <a:bodyPr/>
-        <a:lstStyle/>
-        <a:p>
-          <a:endParaRPr lang="en-US"/>
-        </a:p>
-      </dgm:t>
-    </dgm:pt>
-    <dgm:pt modelId="{01A0F382-16A1-477D-9CBB-09D838DD84B4}" type="sibTrans" cxnId="{FCD8CBB7-2D04-49F4-A51D-B4A9EFFD9DCF}">
-      <dgm:prSet/>
-      <dgm:spPr/>
-      <dgm:t>
-        <a:bodyPr/>
-        <a:lstStyle/>
-        <a:p>
-          <a:endParaRPr lang="en-US"/>
-        </a:p>
-      </dgm:t>
-    </dgm:pt>
-    <dgm:pt modelId="{61F9D2B7-8FF5-4D37-A08C-11B97AD12D56}">
-      <dgm:prSet custT="1"/>
-      <dgm:spPr/>
-      <dgm:t>
-        <a:bodyPr/>
-        <a:lstStyle/>
-        <a:p>
-          <a:r>
-            <a:rPr lang="en-US" sz="1600" dirty="0" err="1"/>
-            <a:t>Kmeans</a:t>
-          </a:r>
-          <a:endParaRPr lang="en-US" sz="1600" dirty="0"/>
-        </a:p>
-      </dgm:t>
-    </dgm:pt>
-    <dgm:pt modelId="{F9C81E33-3F66-4857-B023-B594992B9F0E}" type="parTrans" cxnId="{7441C483-491F-45E5-835A-979203EDC480}">
-      <dgm:prSet/>
-      <dgm:spPr/>
-      <dgm:t>
-        <a:bodyPr/>
-        <a:lstStyle/>
-        <a:p>
-          <a:endParaRPr lang="en-US"/>
-        </a:p>
-      </dgm:t>
-    </dgm:pt>
-    <dgm:pt modelId="{E5097C3A-C330-4022-B385-7FA48E71F0A7}" type="sibTrans" cxnId="{7441C483-491F-45E5-835A-979203EDC480}">
-      <dgm:prSet/>
-      <dgm:spPr/>
-      <dgm:t>
-        <a:bodyPr/>
-        <a:lstStyle/>
-        <a:p>
-          <a:endParaRPr lang="en-US"/>
-        </a:p>
-      </dgm:t>
-    </dgm:pt>
-    <dgm:pt modelId="{8E13716D-15C9-49C3-9A4E-ABE1D507CFE3}">
-      <dgm:prSet custT="1"/>
-      <dgm:spPr/>
-      <dgm:t>
-        <a:bodyPr/>
-        <a:lstStyle/>
-        <a:p>
-          <a:r>
-            <a:rPr lang="en-US" sz="1600" dirty="0"/>
-            <a:t>SVM</a:t>
-          </a:r>
-        </a:p>
-      </dgm:t>
-    </dgm:pt>
-    <dgm:pt modelId="{5D21C67D-B00E-4B4D-B901-E55DA6C348CD}" type="parTrans" cxnId="{5608850F-7876-403C-908C-20EDAE05223D}">
-      <dgm:prSet/>
-      <dgm:spPr/>
-      <dgm:t>
-        <a:bodyPr/>
-        <a:lstStyle/>
-        <a:p>
-          <a:endParaRPr lang="en-US"/>
-        </a:p>
-      </dgm:t>
-    </dgm:pt>
-    <dgm:pt modelId="{38BF9D7C-341B-44C9-A21D-258325D40E05}" type="sibTrans" cxnId="{5608850F-7876-403C-908C-20EDAE05223D}">
-      <dgm:prSet/>
-      <dgm:spPr/>
-      <dgm:t>
-        <a:bodyPr/>
-        <a:lstStyle/>
-        <a:p>
-          <a:endParaRPr lang="en-US"/>
-        </a:p>
-      </dgm:t>
-    </dgm:pt>
-    <dgm:pt modelId="{05ECA461-8239-4911-B115-95A40AEF93BC}">
-      <dgm:prSet custT="1"/>
-      <dgm:spPr/>
-      <dgm:t>
-        <a:bodyPr/>
-        <a:lstStyle/>
-        <a:p>
-          <a:r>
-            <a:rPr lang="en-US" sz="1600" dirty="0"/>
-            <a:t>Neural Nets</a:t>
-          </a:r>
-        </a:p>
-      </dgm:t>
-    </dgm:pt>
-    <dgm:pt modelId="{77ED9F0B-E013-4E29-B60F-4DD1784D3F04}" type="parTrans" cxnId="{FB109E61-DE46-4F88-A57C-20DC6BE00570}">
-      <dgm:prSet/>
-      <dgm:spPr/>
-      <dgm:t>
-        <a:bodyPr/>
-        <a:lstStyle/>
-        <a:p>
-          <a:endParaRPr lang="en-US"/>
-        </a:p>
-      </dgm:t>
-    </dgm:pt>
-    <dgm:pt modelId="{CCFFDA5E-B6E8-4D3E-A152-A8DE8249AE4D}" type="sibTrans" cxnId="{FB109E61-DE46-4F88-A57C-20DC6BE00570}">
       <dgm:prSet/>
       <dgm:spPr/>
       <dgm:t>
@@ -10460,78 +9943,6 @@
         </a:p>
       </dgm:t>
     </dgm:pt>
-    <dgm:pt modelId="{8DC97C43-D1CD-4C4C-AF08-1CCEB11055FB}">
-      <dgm:prSet custT="1"/>
-      <dgm:spPr/>
-      <dgm:t>
-        <a:bodyPr/>
-        <a:lstStyle/>
-        <a:p>
-          <a:r>
-            <a:rPr lang="en-US" sz="1600" dirty="0"/>
-            <a:t>Param tuning</a:t>
-          </a:r>
-        </a:p>
-      </dgm:t>
-    </dgm:pt>
-    <dgm:pt modelId="{FA0F5B94-9EB1-4AA9-B350-C9014A631FA1}" type="parTrans" cxnId="{D5AE4B1A-A7E2-4D1E-B3F4-AD7AB6E67CBF}">
-      <dgm:prSet/>
-      <dgm:spPr/>
-      <dgm:t>
-        <a:bodyPr/>
-        <a:lstStyle/>
-        <a:p>
-          <a:endParaRPr lang="en-US"/>
-        </a:p>
-      </dgm:t>
-    </dgm:pt>
-    <dgm:pt modelId="{19976A7F-BD34-4D95-942F-55463905A897}" type="sibTrans" cxnId="{D5AE4B1A-A7E2-4D1E-B3F4-AD7AB6E67CBF}">
-      <dgm:prSet/>
-      <dgm:spPr/>
-      <dgm:t>
-        <a:bodyPr/>
-        <a:lstStyle/>
-        <a:p>
-          <a:endParaRPr lang="en-US"/>
-        </a:p>
-      </dgm:t>
-    </dgm:pt>
-    <dgm:pt modelId="{8DB5FA15-ECED-44B6-8141-D05EA7EE2EF6}">
-      <dgm:prSet custT="1"/>
-      <dgm:spPr/>
-      <dgm:t>
-        <a:bodyPr/>
-        <a:lstStyle/>
-        <a:p>
-          <a:r>
-            <a:rPr lang="en-US" sz="1600" dirty="0"/>
-            <a:t>Cross Validate</a:t>
-          </a:r>
-        </a:p>
-      </dgm:t>
-    </dgm:pt>
-    <dgm:pt modelId="{61BA8D93-BD70-4D01-B8EC-6F54522E9B36}" type="parTrans" cxnId="{173D2102-0813-4C62-8C7F-FCB3BF70E9DB}">
-      <dgm:prSet/>
-      <dgm:spPr/>
-      <dgm:t>
-        <a:bodyPr/>
-        <a:lstStyle/>
-        <a:p>
-          <a:endParaRPr lang="en-US"/>
-        </a:p>
-      </dgm:t>
-    </dgm:pt>
-    <dgm:pt modelId="{9CF5C522-FF72-4833-A7A5-BB58B78F30A9}" type="sibTrans" cxnId="{173D2102-0813-4C62-8C7F-FCB3BF70E9DB}">
-      <dgm:prSet/>
-      <dgm:spPr/>
-      <dgm:t>
-        <a:bodyPr/>
-        <a:lstStyle/>
-        <a:p>
-          <a:endParaRPr lang="en-US"/>
-        </a:p>
-      </dgm:t>
-    </dgm:pt>
     <dgm:pt modelId="{E8640E7D-7E8B-4284-9DF3-B5563D867416}">
       <dgm:prSet custT="1"/>
       <dgm:spPr/>
@@ -10572,387 +9983,6 @@
         </a:p>
       </dgm:t>
     </dgm:pt>
-    <dgm:pt modelId="{D5A3009F-2465-4144-BF1D-0DA996709013}">
-      <dgm:prSet custT="1"/>
-      <dgm:spPr/>
-      <dgm:t>
-        <a:bodyPr/>
-        <a:lstStyle/>
-        <a:p>
-          <a:r>
-            <a:rPr lang="en-US" sz="1600" dirty="0"/>
-            <a:t>Monitor</a:t>
-          </a:r>
-        </a:p>
-      </dgm:t>
-    </dgm:pt>
-    <dgm:pt modelId="{D2BA9073-C1F2-41A3-9FA5-BD30F1ADAFDD}" type="parTrans" cxnId="{D7BE4234-0F79-497D-921E-AFA854B22A14}">
-      <dgm:prSet/>
-      <dgm:spPr/>
-      <dgm:t>
-        <a:bodyPr/>
-        <a:lstStyle/>
-        <a:p>
-          <a:endParaRPr lang="en-US"/>
-        </a:p>
-      </dgm:t>
-    </dgm:pt>
-    <dgm:pt modelId="{14FF887F-DB85-4FD2-A08A-433445264338}" type="sibTrans" cxnId="{D7BE4234-0F79-497D-921E-AFA854B22A14}">
-      <dgm:prSet/>
-      <dgm:spPr/>
-      <dgm:t>
-        <a:bodyPr/>
-        <a:lstStyle/>
-        <a:p>
-          <a:endParaRPr lang="en-US"/>
-        </a:p>
-      </dgm:t>
-    </dgm:pt>
-    <dgm:pt modelId="{2DC368CC-D10E-4852-A663-7BC185E5BC40}">
-      <dgm:prSet custT="1"/>
-      <dgm:spPr/>
-      <dgm:t>
-        <a:bodyPr/>
-        <a:lstStyle/>
-        <a:p>
-          <a:r>
-            <a:rPr lang="en-US" sz="1600" dirty="0"/>
-            <a:t>Refine and iterate</a:t>
-          </a:r>
-        </a:p>
-      </dgm:t>
-    </dgm:pt>
-    <dgm:pt modelId="{7E5A9A41-44BF-46C1-822B-7AE2A51CBABD}" type="parTrans" cxnId="{7C5EDDFA-C3BD-480E-BCF9-0A3D74609E55}">
-      <dgm:prSet/>
-      <dgm:spPr/>
-      <dgm:t>
-        <a:bodyPr/>
-        <a:lstStyle/>
-        <a:p>
-          <a:endParaRPr lang="en-US"/>
-        </a:p>
-      </dgm:t>
-    </dgm:pt>
-    <dgm:pt modelId="{CA319A41-E176-4BC4-9C2A-B3691C83CEDD}" type="sibTrans" cxnId="{7C5EDDFA-C3BD-480E-BCF9-0A3D74609E55}">
-      <dgm:prSet/>
-      <dgm:spPr/>
-      <dgm:t>
-        <a:bodyPr/>
-        <a:lstStyle/>
-        <a:p>
-          <a:endParaRPr lang="en-US"/>
-        </a:p>
-      </dgm:t>
-    </dgm:pt>
-    <dgm:pt modelId="{10F30B06-E1C3-47CA-9EF5-B0D007F8EBF6}">
-      <dgm:prSet custT="1"/>
-      <dgm:spPr/>
-      <dgm:t>
-        <a:bodyPr/>
-        <a:lstStyle/>
-        <a:p>
-          <a:r>
-            <a:rPr lang="en-US" sz="1600" dirty="0"/>
-            <a:t>Refine and iterate</a:t>
-          </a:r>
-        </a:p>
-      </dgm:t>
-    </dgm:pt>
-    <dgm:pt modelId="{D091F90E-72FC-474C-8E5A-CDE1097AFFD8}" type="parTrans" cxnId="{747EC3A7-CBD2-455F-928C-41F5614A64D6}">
-      <dgm:prSet/>
-      <dgm:spPr/>
-      <dgm:t>
-        <a:bodyPr/>
-        <a:lstStyle/>
-        <a:p>
-          <a:endParaRPr lang="en-US"/>
-        </a:p>
-      </dgm:t>
-    </dgm:pt>
-    <dgm:pt modelId="{E3743B05-B1F0-4470-8F32-1D120A5D0981}" type="sibTrans" cxnId="{747EC3A7-CBD2-455F-928C-41F5614A64D6}">
-      <dgm:prSet/>
-      <dgm:spPr/>
-      <dgm:t>
-        <a:bodyPr/>
-        <a:lstStyle/>
-        <a:p>
-          <a:endParaRPr lang="en-US"/>
-        </a:p>
-      </dgm:t>
-    </dgm:pt>
-    <dgm:pt modelId="{AC5BA1A0-BEB9-48FB-86FE-42AAB784C6E0}">
-      <dgm:prSet custT="1"/>
-      <dgm:spPr/>
-      <dgm:t>
-        <a:bodyPr/>
-        <a:lstStyle/>
-        <a:p>
-          <a:r>
-            <a:rPr lang="en-US" sz="1600" dirty="0"/>
-            <a:t>Evaluate Results</a:t>
-          </a:r>
-        </a:p>
-      </dgm:t>
-    </dgm:pt>
-    <dgm:pt modelId="{07C5CB79-C037-46A6-9639-8C65F2B2F367}" type="parTrans" cxnId="{C56E46FA-B655-4A04-B536-DE0594672A4A}">
-      <dgm:prSet/>
-      <dgm:spPr/>
-      <dgm:t>
-        <a:bodyPr/>
-        <a:lstStyle/>
-        <a:p>
-          <a:endParaRPr lang="en-US"/>
-        </a:p>
-      </dgm:t>
-    </dgm:pt>
-    <dgm:pt modelId="{B2707620-11D4-4155-B565-24770C17D41F}" type="sibTrans" cxnId="{C56E46FA-B655-4A04-B536-DE0594672A4A}">
-      <dgm:prSet/>
-      <dgm:spPr/>
-      <dgm:t>
-        <a:bodyPr/>
-        <a:lstStyle/>
-        <a:p>
-          <a:endParaRPr lang="en-US"/>
-        </a:p>
-      </dgm:t>
-    </dgm:pt>
-    <dgm:pt modelId="{3DD48D51-8C38-4910-8D0A-52DF9EDBAFE1}">
-      <dgm:prSet phldrT="[Text]" custT="1"/>
-      <dgm:spPr/>
-      <dgm:t>
-        <a:bodyPr/>
-        <a:lstStyle/>
-        <a:p>
-          <a:r>
-            <a:rPr lang="en-US" sz="1600" dirty="0"/>
-            <a:t>Select</a:t>
-          </a:r>
-        </a:p>
-      </dgm:t>
-    </dgm:pt>
-    <dgm:pt modelId="{F2713468-315D-41CE-9BE8-20E811BAA5E5}" type="sibTrans" cxnId="{0B1CE17E-CB83-44E1-8A73-5E6075B5C89A}">
-      <dgm:prSet/>
-      <dgm:spPr/>
-      <dgm:t>
-        <a:bodyPr/>
-        <a:lstStyle/>
-        <a:p>
-          <a:endParaRPr lang="en-US"/>
-        </a:p>
-      </dgm:t>
-    </dgm:pt>
-    <dgm:pt modelId="{669CA49C-7C15-4AE7-B461-03D742F9863E}" type="parTrans" cxnId="{0B1CE17E-CB83-44E1-8A73-5E6075B5C89A}">
-      <dgm:prSet/>
-      <dgm:spPr/>
-      <dgm:t>
-        <a:bodyPr/>
-        <a:lstStyle/>
-        <a:p>
-          <a:endParaRPr lang="en-US"/>
-        </a:p>
-      </dgm:t>
-    </dgm:pt>
-    <dgm:pt modelId="{28C57C50-D772-46D3-AA7B-0B30C23EE489}">
-      <dgm:prSet custT="1"/>
-      <dgm:spPr/>
-      <dgm:t>
-        <a:bodyPr/>
-        <a:lstStyle/>
-        <a:p>
-          <a:endParaRPr lang="en-US" sz="1600" dirty="0"/>
-        </a:p>
-      </dgm:t>
-    </dgm:pt>
-    <dgm:pt modelId="{C43ECAFE-0844-4A9B-AA88-A1396397A90E}" type="parTrans" cxnId="{1C58C3CE-7DB2-4AF2-86CA-A921D8995975}">
-      <dgm:prSet/>
-      <dgm:spPr/>
-      <dgm:t>
-        <a:bodyPr/>
-        <a:lstStyle/>
-        <a:p>
-          <a:endParaRPr lang="en-US"/>
-        </a:p>
-      </dgm:t>
-    </dgm:pt>
-    <dgm:pt modelId="{8A448EFA-7DA1-430F-9FA1-3577039A7BA8}" type="sibTrans" cxnId="{1C58C3CE-7DB2-4AF2-86CA-A921D8995975}">
-      <dgm:prSet/>
-      <dgm:spPr/>
-      <dgm:t>
-        <a:bodyPr/>
-        <a:lstStyle/>
-        <a:p>
-          <a:endParaRPr lang="en-US"/>
-        </a:p>
-      </dgm:t>
-    </dgm:pt>
-    <dgm:pt modelId="{38741061-6A55-4A80-B16B-589C9DCDCDF7}">
-      <dgm:prSet custT="1"/>
-      <dgm:spPr/>
-      <dgm:t>
-        <a:bodyPr/>
-        <a:lstStyle/>
-        <a:p>
-          <a:endParaRPr lang="en-US" sz="1600" dirty="0"/>
-        </a:p>
-      </dgm:t>
-    </dgm:pt>
-    <dgm:pt modelId="{872935E8-1D28-41D6-839F-607ED5BE26B2}" type="parTrans" cxnId="{1F423945-8AAA-4248-8C8B-8538E13A7E73}">
-      <dgm:prSet/>
-      <dgm:spPr/>
-      <dgm:t>
-        <a:bodyPr/>
-        <a:lstStyle/>
-        <a:p>
-          <a:endParaRPr lang="en-US"/>
-        </a:p>
-      </dgm:t>
-    </dgm:pt>
-    <dgm:pt modelId="{4C0F98AA-8550-4DFA-A92A-EF1404EC1EDA}" type="sibTrans" cxnId="{1F423945-8AAA-4248-8C8B-8538E13A7E73}">
-      <dgm:prSet/>
-      <dgm:spPr/>
-      <dgm:t>
-        <a:bodyPr/>
-        <a:lstStyle/>
-        <a:p>
-          <a:endParaRPr lang="en-US"/>
-        </a:p>
-      </dgm:t>
-    </dgm:pt>
-    <dgm:pt modelId="{B8957210-7FC8-4597-A48C-40CA880DE30D}">
-      <dgm:prSet custT="1"/>
-      <dgm:spPr/>
-      <dgm:t>
-        <a:bodyPr/>
-        <a:lstStyle/>
-        <a:p>
-          <a:endParaRPr lang="en-US" sz="1600" dirty="0"/>
-        </a:p>
-      </dgm:t>
-    </dgm:pt>
-    <dgm:pt modelId="{89819263-1661-4340-BF9E-C10F3A075CAD}" type="parTrans" cxnId="{9525261C-A815-4ACD-8792-2D8FEBA8EE8C}">
-      <dgm:prSet/>
-      <dgm:spPr/>
-      <dgm:t>
-        <a:bodyPr/>
-        <a:lstStyle/>
-        <a:p>
-          <a:endParaRPr lang="en-US"/>
-        </a:p>
-      </dgm:t>
-    </dgm:pt>
-    <dgm:pt modelId="{5D5A03D7-611F-4AF9-A7DF-286DCFA1B277}" type="sibTrans" cxnId="{9525261C-A815-4ACD-8792-2D8FEBA8EE8C}">
-      <dgm:prSet/>
-      <dgm:spPr/>
-      <dgm:t>
-        <a:bodyPr/>
-        <a:lstStyle/>
-        <a:p>
-          <a:endParaRPr lang="en-US"/>
-        </a:p>
-      </dgm:t>
-    </dgm:pt>
-    <dgm:pt modelId="{6A010EFB-99DD-4132-85D1-A4DE8704B870}">
-      <dgm:prSet custT="1"/>
-      <dgm:spPr/>
-      <dgm:t>
-        <a:bodyPr/>
-        <a:lstStyle/>
-        <a:p>
-          <a:r>
-            <a:rPr lang="en-US" sz="1600" dirty="0"/>
-            <a:t>Release</a:t>
-          </a:r>
-        </a:p>
-      </dgm:t>
-    </dgm:pt>
-    <dgm:pt modelId="{98B4F055-6C25-4765-84A5-CB4590B55FDF}" type="parTrans" cxnId="{EB01E30B-0EE8-4EEB-99EF-63C8B41DEBD9}">
-      <dgm:prSet/>
-      <dgm:spPr/>
-      <dgm:t>
-        <a:bodyPr/>
-        <a:lstStyle/>
-        <a:p>
-          <a:endParaRPr lang="en-US"/>
-        </a:p>
-      </dgm:t>
-    </dgm:pt>
-    <dgm:pt modelId="{C0C25151-D61A-4DD7-A7CA-16B4EF90037F}" type="sibTrans" cxnId="{EB01E30B-0EE8-4EEB-99EF-63C8B41DEBD9}">
-      <dgm:prSet/>
-      <dgm:spPr/>
-      <dgm:t>
-        <a:bodyPr/>
-        <a:lstStyle/>
-        <a:p>
-          <a:endParaRPr lang="en-US"/>
-        </a:p>
-      </dgm:t>
-    </dgm:pt>
-    <dgm:pt modelId="{E061C080-B60F-47C0-B179-34B02ED8E8A9}">
-      <dgm:prSet custT="1"/>
-      <dgm:spPr/>
-      <dgm:t>
-        <a:bodyPr/>
-        <a:lstStyle/>
-        <a:p>
-          <a:endParaRPr lang="en-US" sz="1600" dirty="0"/>
-        </a:p>
-      </dgm:t>
-    </dgm:pt>
-    <dgm:pt modelId="{739C9B5C-7C9B-4278-B07D-A44BB64EF0C0}" type="parTrans" cxnId="{490CF54F-B5D0-4A5C-AE4C-B09D9184326D}">
-      <dgm:prSet/>
-      <dgm:spPr/>
-      <dgm:t>
-        <a:bodyPr/>
-        <a:lstStyle/>
-        <a:p>
-          <a:endParaRPr lang="en-US"/>
-        </a:p>
-      </dgm:t>
-    </dgm:pt>
-    <dgm:pt modelId="{C68E5BAA-E263-49BF-B44D-0B0BB73E7FD3}" type="sibTrans" cxnId="{490CF54F-B5D0-4A5C-AE4C-B09D9184326D}">
-      <dgm:prSet/>
-      <dgm:spPr/>
-      <dgm:t>
-        <a:bodyPr/>
-        <a:lstStyle/>
-        <a:p>
-          <a:endParaRPr lang="en-US"/>
-        </a:p>
-      </dgm:t>
-    </dgm:pt>
-    <dgm:pt modelId="{707E3071-23A7-4381-BC12-A5868E6B0279}">
-      <dgm:prSet phldrT="[Text]" custT="1"/>
-      <dgm:spPr/>
-      <dgm:t>
-        <a:bodyPr/>
-        <a:lstStyle/>
-        <a:p>
-          <a:endParaRPr lang="en-US" sz="1600" dirty="0"/>
-        </a:p>
-      </dgm:t>
-    </dgm:pt>
-    <dgm:pt modelId="{EDA3EC07-5CB1-43C1-B55F-215A42188239}" type="parTrans" cxnId="{356CD178-D2AF-460E-AD5A-04A1300E335C}">
-      <dgm:prSet/>
-      <dgm:spPr/>
-      <dgm:t>
-        <a:bodyPr/>
-        <a:lstStyle/>
-        <a:p>
-          <a:endParaRPr lang="en-US"/>
-        </a:p>
-      </dgm:t>
-    </dgm:pt>
-    <dgm:pt modelId="{1E4238BA-FB7A-4EA1-8B98-DAF0921923C0}" type="sibTrans" cxnId="{356CD178-D2AF-460E-AD5A-04A1300E335C}">
-      <dgm:prSet/>
-      <dgm:spPr/>
-      <dgm:t>
-        <a:bodyPr/>
-        <a:lstStyle/>
-        <a:p>
-          <a:endParaRPr lang="en-US"/>
-        </a:p>
-      </dgm:t>
-    </dgm:pt>
     <dgm:pt modelId="{4DBC3D66-7B8A-4068-B816-D5F5D40E7007}" type="pres">
       <dgm:prSet presAssocID="{7665D50C-BF6A-41B5-B3CA-29175E510B97}" presName="Name0" presStyleCnt="0">
         <dgm:presLayoutVars>
@@ -10962,68 +9992,68 @@
       </dgm:prSet>
       <dgm:spPr/>
     </dgm:pt>
-    <dgm:pt modelId="{D429DA03-23E8-47CF-AA71-3100C16E4D81}" type="pres">
-      <dgm:prSet presAssocID="{DF7F9A6C-9356-4FF1-BAAE-351B819255DF}" presName="parAndChTx" presStyleLbl="node1" presStyleIdx="0" presStyleCnt="6" custScaleX="87216" custScaleY="140323" custLinFactNeighborX="13444" custLinFactNeighborY="2472">
+    <dgm:pt modelId="{F6999B92-31FA-41F1-990D-34484715EBF7}" type="pres">
+      <dgm:prSet presAssocID="{DF7F9A6C-9356-4FF1-BAAE-351B819255DF}" presName="parTxOnly" presStyleLbl="node1" presStyleIdx="0" presStyleCnt="6">
         <dgm:presLayoutVars>
           <dgm:bulletEnabled val="1"/>
         </dgm:presLayoutVars>
       </dgm:prSet>
       <dgm:spPr/>
     </dgm:pt>
-    <dgm:pt modelId="{5DCC72A6-8B48-4A41-A490-C2D4EE0E5211}" type="pres">
-      <dgm:prSet presAssocID="{1E3555AB-E2B7-4DB3-AAC8-2D95E4BBFD02}" presName="parAndChSpace" presStyleCnt="0"/>
+    <dgm:pt modelId="{6BC2BC36-1655-498D-8386-0CA4C8B46C87}" type="pres">
+      <dgm:prSet presAssocID="{1E3555AB-E2B7-4DB3-AAC8-2D95E4BBFD02}" presName="parSpace" presStyleCnt="0"/>
       <dgm:spPr/>
     </dgm:pt>
-    <dgm:pt modelId="{4EA222C0-2C4C-4AC1-8B07-C334DD2B941E}" type="pres">
-      <dgm:prSet presAssocID="{DDB2E167-D0B5-4C65-ADC1-597AE56C7936}" presName="parAndChTx" presStyleLbl="node1" presStyleIdx="1" presStyleCnt="6" custScaleX="116486" custScaleY="140323" custLinFactNeighborX="13444" custLinFactNeighborY="2472">
+    <dgm:pt modelId="{5B21BBC8-AB53-4F70-B78B-46FE856E4842}" type="pres">
+      <dgm:prSet presAssocID="{DDB2E167-D0B5-4C65-ADC1-597AE56C7936}" presName="parTxOnly" presStyleLbl="node1" presStyleIdx="1" presStyleCnt="6">
         <dgm:presLayoutVars>
           <dgm:bulletEnabled val="1"/>
         </dgm:presLayoutVars>
       </dgm:prSet>
       <dgm:spPr/>
     </dgm:pt>
-    <dgm:pt modelId="{86C30FE4-E92B-45B2-A70A-D1EFE877472F}" type="pres">
-      <dgm:prSet presAssocID="{9F57F372-8CC6-40BF-A702-698E6779F61C}" presName="parAndChSpace" presStyleCnt="0"/>
+    <dgm:pt modelId="{481BCBB7-6009-4CD3-B483-F1B40D39FD53}" type="pres">
+      <dgm:prSet presAssocID="{9F57F372-8CC6-40BF-A702-698E6779F61C}" presName="parSpace" presStyleCnt="0"/>
       <dgm:spPr/>
     </dgm:pt>
-    <dgm:pt modelId="{64F7EEFE-B30F-49FB-8760-1C6A5BDF75C4}" type="pres">
-      <dgm:prSet presAssocID="{4FDC3992-7500-4612-979D-5A341BF86028}" presName="parAndChTx" presStyleLbl="node1" presStyleIdx="2" presStyleCnt="6" custScaleX="119079" custScaleY="140323" custLinFactNeighborX="13444" custLinFactNeighborY="2472">
+    <dgm:pt modelId="{1DA0F926-FA92-4DED-B76C-A74F45C29669}" type="pres">
+      <dgm:prSet presAssocID="{4FDC3992-7500-4612-979D-5A341BF86028}" presName="parTxOnly" presStyleLbl="node1" presStyleIdx="2" presStyleCnt="6">
         <dgm:presLayoutVars>
           <dgm:bulletEnabled val="1"/>
         </dgm:presLayoutVars>
       </dgm:prSet>
       <dgm:spPr/>
     </dgm:pt>
-    <dgm:pt modelId="{778F768A-B801-419B-A7CB-467BC4993449}" type="pres">
-      <dgm:prSet presAssocID="{CCFFD39F-1708-4DF9-BB2F-E634B81181F4}" presName="parAndChSpace" presStyleCnt="0"/>
+    <dgm:pt modelId="{1D1211FA-44C5-4832-AE15-E84EBA5B3FB3}" type="pres">
+      <dgm:prSet presAssocID="{CCFFD39F-1708-4DF9-BB2F-E634B81181F4}" presName="parSpace" presStyleCnt="0"/>
       <dgm:spPr/>
     </dgm:pt>
-    <dgm:pt modelId="{6D49CCA1-9F50-4F59-AB3D-6484AF0B35BA}" type="pres">
-      <dgm:prSet presAssocID="{E8950E95-8A89-469D-917A-19EDBEB7E1E5}" presName="parAndChTx" presStyleLbl="node1" presStyleIdx="3" presStyleCnt="6" custScaleX="110924" custScaleY="140323" custLinFactNeighborX="13444" custLinFactNeighborY="2472">
+    <dgm:pt modelId="{00104B89-FFC6-403C-B750-24D573A335F7}" type="pres">
+      <dgm:prSet presAssocID="{E8950E95-8A89-469D-917A-19EDBEB7E1E5}" presName="parTxOnly" presStyleLbl="node1" presStyleIdx="3" presStyleCnt="6">
         <dgm:presLayoutVars>
           <dgm:bulletEnabled val="1"/>
         </dgm:presLayoutVars>
       </dgm:prSet>
       <dgm:spPr/>
     </dgm:pt>
-    <dgm:pt modelId="{807117C4-42AF-4952-A043-EC2E1CED17D2}" type="pres">
-      <dgm:prSet presAssocID="{C92C8E07-4070-4256-B556-5977EAD2D28B}" presName="parAndChSpace" presStyleCnt="0"/>
+    <dgm:pt modelId="{2D8615CF-7E29-48EA-8E0A-11FBB037E200}" type="pres">
+      <dgm:prSet presAssocID="{C92C8E07-4070-4256-B556-5977EAD2D28B}" presName="parSpace" presStyleCnt="0"/>
       <dgm:spPr/>
     </dgm:pt>
-    <dgm:pt modelId="{505CA62F-1E90-459C-88C8-34B28041238C}" type="pres">
-      <dgm:prSet presAssocID="{B10F4AC2-52F4-4CC9-93B0-8188E805228F}" presName="parAndChTx" presStyleLbl="node1" presStyleIdx="4" presStyleCnt="6" custScaleY="140323" custLinFactNeighborX="13444" custLinFactNeighborY="2472">
+    <dgm:pt modelId="{6FCEE9BB-B071-4475-97AE-F2268F9D0BEE}" type="pres">
+      <dgm:prSet presAssocID="{B10F4AC2-52F4-4CC9-93B0-8188E805228F}" presName="parTxOnly" presStyleLbl="node1" presStyleIdx="4" presStyleCnt="6">
         <dgm:presLayoutVars>
           <dgm:bulletEnabled val="1"/>
         </dgm:presLayoutVars>
       </dgm:prSet>
       <dgm:spPr/>
     </dgm:pt>
-    <dgm:pt modelId="{64972F67-9332-4B1C-AD0A-C56D10258A12}" type="pres">
-      <dgm:prSet presAssocID="{7EF6698A-E111-4ABB-83EC-ADCD152BA812}" presName="parAndChSpace" presStyleCnt="0"/>
+    <dgm:pt modelId="{5EF0EB22-2BB9-48AF-BF90-2CEFBF615211}" type="pres">
+      <dgm:prSet presAssocID="{7EF6698A-E111-4ABB-83EC-ADCD152BA812}" presName="parSpace" presStyleCnt="0"/>
       <dgm:spPr/>
     </dgm:pt>
-    <dgm:pt modelId="{8E03C2A0-20F6-4EF9-8B1E-47EA3666D78A}" type="pres">
-      <dgm:prSet presAssocID="{E8640E7D-7E8B-4284-9DF3-B5563D867416}" presName="parAndChTx" presStyleLbl="node1" presStyleIdx="5" presStyleCnt="6" custScaleY="140323" custLinFactNeighborX="-4463" custLinFactNeighborY="2472">
+    <dgm:pt modelId="{24A6F778-CBB5-4B95-91CB-DC74A38BAE13}" type="pres">
+      <dgm:prSet presAssocID="{E8640E7D-7E8B-4284-9DF3-B5563D867416}" presName="parTxOnly" presStyleLbl="node1" presStyleIdx="5" presStyleCnt="6">
         <dgm:presLayoutVars>
           <dgm:bulletEnabled val="1"/>
         </dgm:presLayoutVars>
@@ -11032,82 +10062,30 @@
     </dgm:pt>
   </dgm:ptLst>
   <dgm:cxnLst>
-    <dgm:cxn modelId="{9A3F4F01-FECA-4261-A991-6420A9B1B3D9}" type="presOf" srcId="{84846429-1BC1-427A-A46D-5E84E4D5627D}" destId="{4EA222C0-2C4C-4AC1-8B07-C334DD2B941E}" srcOrd="0" destOrd="3" presId="urn:microsoft.com/office/officeart/2005/8/layout/hChevron3"/>
-    <dgm:cxn modelId="{173D2102-0813-4C62-8C7F-FCB3BF70E9DB}" srcId="{B10F4AC2-52F4-4CC9-93B0-8188E805228F}" destId="{8DB5FA15-ECED-44B6-8141-D05EA7EE2EF6}" srcOrd="1" destOrd="0" parTransId="{61BA8D93-BD70-4D01-B8EC-6F54522E9B36}" sibTransId="{9CF5C522-FF72-4833-A7A5-BB58B78F30A9}"/>
-    <dgm:cxn modelId="{EB01E30B-0EE8-4EEB-99EF-63C8B41DEBD9}" srcId="{E8640E7D-7E8B-4284-9DF3-B5563D867416}" destId="{6A010EFB-99DD-4132-85D1-A4DE8704B870}" srcOrd="2" destOrd="0" parTransId="{98B4F055-6C25-4765-84A5-CB4590B55FDF}" sibTransId="{C0C25151-D61A-4DD7-A7CA-16B4EF90037F}"/>
-    <dgm:cxn modelId="{5608850F-7876-403C-908C-20EDAE05223D}" srcId="{E8950E95-8A89-469D-917A-19EDBEB7E1E5}" destId="{8E13716D-15C9-49C3-9A4E-ABE1D507CFE3}" srcOrd="1" destOrd="0" parTransId="{5D21C67D-B00E-4B4D-B901-E55DA6C348CD}" sibTransId="{38BF9D7C-341B-44C9-A21D-258325D40E05}"/>
-    <dgm:cxn modelId="{F4273D10-6AF0-40DA-8CF7-58040635ABC0}" type="presOf" srcId="{28C57C50-D772-46D3-AA7B-0B30C23EE489}" destId="{8E03C2A0-20F6-4EF9-8B1E-47EA3666D78A}" srcOrd="0" destOrd="6" presId="urn:microsoft.com/office/officeart/2005/8/layout/hChevron3"/>
-    <dgm:cxn modelId="{58E4DA16-03A8-4B47-8F76-9CDE05ADB5FB}" srcId="{DDB2E167-D0B5-4C65-ADC1-597AE56C7936}" destId="{35714DD5-4D7B-464A-860D-74EC9E1CDA9C}" srcOrd="1" destOrd="0" parTransId="{2A8BF73A-8844-4B4F-AFBD-9C311E424FC1}" sibTransId="{AE4C7998-9FD7-49F1-A954-F251D5C2FAB6}"/>
-    <dgm:cxn modelId="{6168D918-46C4-4843-B56B-AD60BF695B21}" type="presOf" srcId="{100B6406-A6AB-4553-AE36-7120A93D172C}" destId="{4EA222C0-2C4C-4AC1-8B07-C334DD2B941E}" srcOrd="0" destOrd="4" presId="urn:microsoft.com/office/officeart/2005/8/layout/hChevron3"/>
-    <dgm:cxn modelId="{D5AE4B1A-A7E2-4D1E-B3F4-AD7AB6E67CBF}" srcId="{B10F4AC2-52F4-4CC9-93B0-8188E805228F}" destId="{8DC97C43-D1CD-4C4C-AF08-1CCEB11055FB}" srcOrd="0" destOrd="0" parTransId="{FA0F5B94-9EB1-4AA9-B350-C9014A631FA1}" sibTransId="{19976A7F-BD34-4D95-942F-55463905A897}"/>
-    <dgm:cxn modelId="{9525261C-A815-4ACD-8792-2D8FEBA8EE8C}" srcId="{E8640E7D-7E8B-4284-9DF3-B5563D867416}" destId="{B8957210-7FC8-4597-A48C-40CA880DE30D}" srcOrd="1" destOrd="0" parTransId="{89819263-1661-4340-BF9E-C10F3A075CAD}" sibTransId="{5D5A03D7-611F-4AF9-A7DF-286DCFA1B277}"/>
-    <dgm:cxn modelId="{AEEA541F-324E-4AB3-B573-86F553ECB49B}" type="presOf" srcId="{38741061-6A55-4A80-B16B-589C9DCDCDF7}" destId="{8E03C2A0-20F6-4EF9-8B1E-47EA3666D78A}" srcOrd="0" destOrd="1" presId="urn:microsoft.com/office/officeart/2005/8/layout/hChevron3"/>
-    <dgm:cxn modelId="{38EDC123-2673-4D22-9A00-772C5934A747}" type="presOf" srcId="{6F2A9C47-F0F1-4C9A-A586-59FE044D3A15}" destId="{D429DA03-23E8-47CF-AA71-3100C16E4D81}" srcOrd="0" destOrd="3" presId="urn:microsoft.com/office/officeart/2005/8/layout/hChevron3"/>
-    <dgm:cxn modelId="{61576C28-78E7-4F09-B5D7-0A94DFC14967}" srcId="{DDB2E167-D0B5-4C65-ADC1-597AE56C7936}" destId="{100B6406-A6AB-4553-AE36-7120A93D172C}" srcOrd="3" destOrd="0" parTransId="{98AE6D4C-B142-4020-8ACC-8480D41B315C}" sibTransId="{0DEC7D75-93B2-4A22-91F2-5726D0C01D69}"/>
-    <dgm:cxn modelId="{D9577628-F0FA-4CB5-8745-37FB2F437822}" type="presOf" srcId="{E8640E7D-7E8B-4284-9DF3-B5563D867416}" destId="{8E03C2A0-20F6-4EF9-8B1E-47EA3666D78A}" srcOrd="0" destOrd="0" presId="urn:microsoft.com/office/officeart/2005/8/layout/hChevron3"/>
-    <dgm:cxn modelId="{D41A0729-0E00-41BF-9200-2821F5008D38}" type="presOf" srcId="{8DB5FA15-ECED-44B6-8141-D05EA7EE2EF6}" destId="{505CA62F-1E90-459C-88C8-34B28041238C}" srcOrd="0" destOrd="2" presId="urn:microsoft.com/office/officeart/2005/8/layout/hChevron3"/>
+    <dgm:cxn modelId="{2AB35609-D84D-4E18-8F86-BCA0D6883B77}" type="presOf" srcId="{DF7F9A6C-9356-4FF1-BAAE-351B819255DF}" destId="{F6999B92-31FA-41F1-990D-34484715EBF7}" srcOrd="0" destOrd="0" presId="urn:microsoft.com/office/officeart/2005/8/layout/hChevron3"/>
     <dgm:cxn modelId="{6173CA2B-0082-4DA7-BB69-27BFF48B3CDE}" srcId="{7665D50C-BF6A-41B5-B3CA-29175E510B97}" destId="{E8950E95-8A89-469D-917A-19EDBEB7E1E5}" srcOrd="3" destOrd="0" parTransId="{87D876F9-CA5D-4D43-81C6-662ED83BE82D}" sibTransId="{C92C8E07-4070-4256-B556-5977EAD2D28B}"/>
-    <dgm:cxn modelId="{D7BE4234-0F79-497D-921E-AFA854B22A14}" srcId="{E8640E7D-7E8B-4284-9DF3-B5563D867416}" destId="{D5A3009F-2465-4144-BF1D-0DA996709013}" srcOrd="4" destOrd="0" parTransId="{D2BA9073-C1F2-41A3-9FA5-BD30F1ADAFDD}" sibTransId="{14FF887F-DB85-4FD2-A08A-433445264338}"/>
-    <dgm:cxn modelId="{D973953A-35C7-4626-B609-6A85A283929A}" type="presOf" srcId="{61933C13-E119-470F-A162-F36D59B9BF40}" destId="{D429DA03-23E8-47CF-AA71-3100C16E4D81}" srcOrd="0" destOrd="2" presId="urn:microsoft.com/office/officeart/2005/8/layout/hChevron3"/>
-    <dgm:cxn modelId="{A0230F61-6E5E-44BE-B6F5-BD2598AE2E0A}" type="presOf" srcId="{61F9D2B7-8FF5-4D37-A08C-11B97AD12D56}" destId="{6D49CCA1-9F50-4F59-AB3D-6484AF0B35BA}" srcOrd="0" destOrd="1" presId="urn:microsoft.com/office/officeart/2005/8/layout/hChevron3"/>
-    <dgm:cxn modelId="{FB109E61-DE46-4F88-A57C-20DC6BE00570}" srcId="{E8950E95-8A89-469D-917A-19EDBEB7E1E5}" destId="{05ECA461-8239-4911-B115-95A40AEF93BC}" srcOrd="2" destOrd="0" parTransId="{77ED9F0B-E013-4E29-B60F-4DD1784D3F04}" sibTransId="{CCFFDA5E-B6E8-4D3E-A152-A8DE8249AE4D}"/>
-    <dgm:cxn modelId="{ED065563-6A00-46B4-80B5-85FC2121835C}" srcId="{DDB2E167-D0B5-4C65-ADC1-597AE56C7936}" destId="{84846429-1BC1-427A-A46D-5E84E4D5627D}" srcOrd="2" destOrd="0" parTransId="{3435CD84-2C99-40EE-8767-91451DE0C1EF}" sibTransId="{22102AF5-C477-410B-9A0F-E52A54636919}"/>
     <dgm:cxn modelId="{B130C363-AD6B-4D6E-8233-825AB93BA0C8}" srcId="{7665D50C-BF6A-41B5-B3CA-29175E510B97}" destId="{B10F4AC2-52F4-4CC9-93B0-8188E805228F}" srcOrd="4" destOrd="0" parTransId="{1088EC2F-C924-4949-9A89-BA8473F4E496}" sibTransId="{7EF6698A-E111-4ABB-83EC-ADCD152BA812}"/>
-    <dgm:cxn modelId="{1F423945-8AAA-4248-8C8B-8538E13A7E73}" srcId="{E8640E7D-7E8B-4284-9DF3-B5563D867416}" destId="{38741061-6A55-4A80-B16B-589C9DCDCDF7}" srcOrd="0" destOrd="0" parTransId="{872935E8-1D28-41D6-839F-607ED5BE26B2}" sibTransId="{4C0F98AA-8550-4DFA-A92A-EF1404EC1EDA}"/>
     <dgm:cxn modelId="{2FBF7F66-4785-483C-A737-2979BE7BE215}" srcId="{7665D50C-BF6A-41B5-B3CA-29175E510B97}" destId="{E8640E7D-7E8B-4284-9DF3-B5563D867416}" srcOrd="5" destOrd="0" parTransId="{72A9416F-19AF-4C27-BB72-D24E23FB0148}" sibTransId="{6A744042-8108-41EE-9043-31226AA4D575}"/>
-    <dgm:cxn modelId="{8B3E6468-DF93-48F3-B105-F341B433EC43}" type="presOf" srcId="{10F30B06-E1C3-47CA-9EF5-B0D007F8EBF6}" destId="{6D49CCA1-9F50-4F59-AB3D-6484AF0B35BA}" srcOrd="0" destOrd="4" presId="urn:microsoft.com/office/officeart/2005/8/layout/hChevron3"/>
-    <dgm:cxn modelId="{A9FB7B6D-3FF1-4FB1-9A91-4FE6567DE35B}" type="presOf" srcId="{707E3071-23A7-4381-BC12-A5868E6B0279}" destId="{64F7EEFE-B30F-49FB-8760-1C6A5BDF75C4}" srcOrd="0" destOrd="1" presId="urn:microsoft.com/office/officeart/2005/8/layout/hChevron3"/>
-    <dgm:cxn modelId="{A4EB476E-4E84-48BA-B289-B7536AC55283}" type="presOf" srcId="{B10F4AC2-52F4-4CC9-93B0-8188E805228F}" destId="{505CA62F-1E90-459C-88C8-34B28041238C}" srcOrd="0" destOrd="0" presId="urn:microsoft.com/office/officeart/2005/8/layout/hChevron3"/>
-    <dgm:cxn modelId="{490CF54F-B5D0-4A5C-AE4C-B09D9184326D}" srcId="{E8640E7D-7E8B-4284-9DF3-B5563D867416}" destId="{E061C080-B60F-47C0-B179-34B02ED8E8A9}" srcOrd="3" destOrd="0" parTransId="{739C9B5C-7C9B-4278-B07D-A44BB64EF0C0}" sibTransId="{C68E5BAA-E263-49BF-B44D-0B0BB73E7FD3}"/>
-    <dgm:cxn modelId="{AB984E50-6EAC-4DEB-8DBE-85ED76C783BD}" type="presOf" srcId="{DDB2E167-D0B5-4C65-ADC1-597AE56C7936}" destId="{4EA222C0-2C4C-4AC1-8B07-C334DD2B941E}" srcOrd="0" destOrd="0" presId="urn:microsoft.com/office/officeart/2005/8/layout/hChevron3"/>
-    <dgm:cxn modelId="{15E83651-DFF2-4B85-A98A-B2ADF8A12144}" type="presOf" srcId="{C981B39D-24C4-4EED-8AAE-967F03BB911D}" destId="{64F7EEFE-B30F-49FB-8760-1C6A5BDF75C4}" srcOrd="0" destOrd="4" presId="urn:microsoft.com/office/officeart/2005/8/layout/hChevron3"/>
-    <dgm:cxn modelId="{C901F752-0F04-4308-88FC-5DB614659D26}" type="presOf" srcId="{E061C080-B60F-47C0-B179-34B02ED8E8A9}" destId="{8E03C2A0-20F6-4EF9-8B1E-47EA3666D78A}" srcOrd="0" destOrd="4" presId="urn:microsoft.com/office/officeart/2005/8/layout/hChevron3"/>
-    <dgm:cxn modelId="{8CBCF173-4DDF-4AD7-BF8C-3F7EFBC8EB61}" type="presOf" srcId="{8E13716D-15C9-49C3-9A4E-ABE1D507CFE3}" destId="{6D49CCA1-9F50-4F59-AB3D-6484AF0B35BA}" srcOrd="0" destOrd="2" presId="urn:microsoft.com/office/officeart/2005/8/layout/hChevron3"/>
-    <dgm:cxn modelId="{2D36C957-F891-473E-A12D-82C9F77D15F5}" srcId="{4FDC3992-7500-4612-979D-5A341BF86028}" destId="{C981B39D-24C4-4EED-8AAE-967F03BB911D}" srcOrd="3" destOrd="0" parTransId="{6206783F-57D3-4AEF-9694-357DD37844D3}" sibTransId="{525E282E-5EE6-4429-9755-9F9CEF942E7F}"/>
-    <dgm:cxn modelId="{356CD178-D2AF-460E-AD5A-04A1300E335C}" srcId="{4FDC3992-7500-4612-979D-5A341BF86028}" destId="{707E3071-23A7-4381-BC12-A5868E6B0279}" srcOrd="0" destOrd="0" parTransId="{EDA3EC07-5CB1-43C1-B55F-215A42188239}" sibTransId="{1E4238BA-FB7A-4EA1-8B98-DAF0921923C0}"/>
-    <dgm:cxn modelId="{C2B3367E-F9D0-42F7-BE18-753B6A1E3665}" srcId="{DF7F9A6C-9356-4FF1-BAAE-351B819255DF}" destId="{FACBBF60-36E0-4A5F-82F6-D0B0EF800817}" srcOrd="0" destOrd="0" parTransId="{A451E96F-939D-4F1C-93F9-5840505BC597}" sibTransId="{1A4AC378-D92F-4426-9AE0-703D4C983241}"/>
-    <dgm:cxn modelId="{0B1CE17E-CB83-44E1-8A73-5E6075B5C89A}" srcId="{4FDC3992-7500-4612-979D-5A341BF86028}" destId="{3DD48D51-8C38-4910-8D0A-52DF9EDBAFE1}" srcOrd="1" destOrd="0" parTransId="{669CA49C-7C15-4AE7-B461-03D742F9863E}" sibTransId="{F2713468-315D-41CE-9BE8-20E811BAA5E5}"/>
-    <dgm:cxn modelId="{3B8C0581-5DEE-4F5B-8F24-936356D0D70D}" type="presOf" srcId="{DF7F9A6C-9356-4FF1-BAAE-351B819255DF}" destId="{D429DA03-23E8-47CF-AA71-3100C16E4D81}" srcOrd="0" destOrd="0" presId="urn:microsoft.com/office/officeart/2005/8/layout/hChevron3"/>
-    <dgm:cxn modelId="{7441C483-491F-45E5-835A-979203EDC480}" srcId="{E8950E95-8A89-469D-917A-19EDBEB7E1E5}" destId="{61F9D2B7-8FF5-4D37-A08C-11B97AD12D56}" srcOrd="0" destOrd="0" parTransId="{F9C81E33-3F66-4857-B023-B594992B9F0E}" sibTransId="{E5097C3A-C330-4022-B385-7FA48E71F0A7}"/>
-    <dgm:cxn modelId="{599D8084-2885-4153-86E7-F735E2F18F6D}" type="presOf" srcId="{2DC368CC-D10E-4852-A663-7BC185E5BC40}" destId="{505CA62F-1E90-459C-88C8-34B28041238C}" srcOrd="0" destOrd="4" presId="urn:microsoft.com/office/officeart/2005/8/layout/hChevron3"/>
+    <dgm:cxn modelId="{F583BA7A-D41E-4903-BC79-3BDF16C77115}" type="presOf" srcId="{B10F4AC2-52F4-4CC9-93B0-8188E805228F}" destId="{6FCEE9BB-B071-4475-97AE-F2268F9D0BEE}" srcOrd="0" destOrd="0" presId="urn:microsoft.com/office/officeart/2005/8/layout/hChevron3"/>
     <dgm:cxn modelId="{44A00685-2DC3-4B09-B62D-BBDFD4BDA3EA}" type="presOf" srcId="{7665D50C-BF6A-41B5-B3CA-29175E510B97}" destId="{4DBC3D66-7B8A-4068-B816-D5F5D40E7007}" srcOrd="0" destOrd="0" presId="urn:microsoft.com/office/officeart/2005/8/layout/hChevron3"/>
-    <dgm:cxn modelId="{5AB7DE8B-E8D2-4DA1-9592-4DEA1473A849}" type="presOf" srcId="{D5A3009F-2465-4144-BF1D-0DA996709013}" destId="{8E03C2A0-20F6-4EF9-8B1E-47EA3666D78A}" srcOrd="0" destOrd="5" presId="urn:microsoft.com/office/officeart/2005/8/layout/hChevron3"/>
-    <dgm:cxn modelId="{45801093-3F48-43C1-B3FC-6A20F98680E0}" srcId="{FACBBF60-36E0-4A5F-82F6-D0B0EF800817}" destId="{61933C13-E119-470F-A162-F36D59B9BF40}" srcOrd="0" destOrd="0" parTransId="{39BDEBDA-F57E-4F24-A785-A01DB0AE98D5}" sibTransId="{3366BD7C-A6D3-48F1-8226-079F615CD0DC}"/>
+    <dgm:cxn modelId="{0AA8418D-9F16-41BF-A8BA-7A65042E5E87}" type="presOf" srcId="{DDB2E167-D0B5-4C65-ADC1-597AE56C7936}" destId="{5B21BBC8-AB53-4F70-B78B-46FE856E4842}" srcOrd="0" destOrd="0" presId="urn:microsoft.com/office/officeart/2005/8/layout/hChevron3"/>
     <dgm:cxn modelId="{E63C019A-165B-4B11-9E42-2544A2B0FA77}" srcId="{7665D50C-BF6A-41B5-B3CA-29175E510B97}" destId="{4FDC3992-7500-4612-979D-5A341BF86028}" srcOrd="2" destOrd="0" parTransId="{AA11A064-08AD-4B8A-9577-C59A4C80EC32}" sibTransId="{CCFFD39F-1708-4DF9-BB2F-E634B81181F4}"/>
-    <dgm:cxn modelId="{9243399D-4938-48B6-8AD5-973C7A64BDE0}" type="presOf" srcId="{35714DD5-4D7B-464A-860D-74EC9E1CDA9C}" destId="{4EA222C0-2C4C-4AC1-8B07-C334DD2B941E}" srcOrd="0" destOrd="2" presId="urn:microsoft.com/office/officeart/2005/8/layout/hChevron3"/>
-    <dgm:cxn modelId="{0ECFC8A1-54AE-4551-85FF-7A1C2B640DAA}" type="presOf" srcId="{E8950E95-8A89-469D-917A-19EDBEB7E1E5}" destId="{6D49CCA1-9F50-4F59-AB3D-6484AF0B35BA}" srcOrd="0" destOrd="0" presId="urn:microsoft.com/office/officeart/2005/8/layout/hChevron3"/>
-    <dgm:cxn modelId="{7B8183A2-389B-4C1D-86D2-3346223DBEE7}" type="presOf" srcId="{DE2C7616-0644-4F12-8597-125C0A720D82}" destId="{D429DA03-23E8-47CF-AA71-3100C16E4D81}" srcOrd="0" destOrd="4" presId="urn:microsoft.com/office/officeart/2005/8/layout/hChevron3"/>
-    <dgm:cxn modelId="{9AEFBEA6-3681-4FDA-927B-D55D942A5310}" type="presOf" srcId="{B8957210-7FC8-4597-A48C-40CA880DE30D}" destId="{8E03C2A0-20F6-4EF9-8B1E-47EA3666D78A}" srcOrd="0" destOrd="2" presId="urn:microsoft.com/office/officeart/2005/8/layout/hChevron3"/>
-    <dgm:cxn modelId="{747EC3A7-CBD2-455F-928C-41F5614A64D6}" srcId="{E8950E95-8A89-469D-917A-19EDBEB7E1E5}" destId="{10F30B06-E1C3-47CA-9EF5-B0D007F8EBF6}" srcOrd="3" destOrd="0" parTransId="{D091F90E-72FC-474C-8E5A-CDE1097AFFD8}" sibTransId="{E3743B05-B1F0-4470-8F32-1D120A5D0981}"/>
-    <dgm:cxn modelId="{E28E38B7-07E3-4295-A0D4-0BD7C93EB817}" type="presOf" srcId="{8DC97C43-D1CD-4C4C-AF08-1CCEB11055FB}" destId="{505CA62F-1E90-459C-88C8-34B28041238C}" srcOrd="0" destOrd="1" presId="urn:microsoft.com/office/officeart/2005/8/layout/hChevron3"/>
-    <dgm:cxn modelId="{FCD8CBB7-2D04-49F4-A51D-B4A9EFFD9DCF}" srcId="{4FDC3992-7500-4612-979D-5A341BF86028}" destId="{E57EB85C-B90C-491D-AE7E-91BD66DF8078}" srcOrd="2" destOrd="0" parTransId="{0294F8BD-FDCA-4518-98A2-AEB7F075B96F}" sibTransId="{01A0F382-16A1-477D-9CBB-09D838DD84B4}"/>
-    <dgm:cxn modelId="{44BA44BE-6D89-4BF7-BE2E-9CB0C784760D}" type="presOf" srcId="{AC5BA1A0-BEB9-48FB-86FE-42AAB784C6E0}" destId="{505CA62F-1E90-459C-88C8-34B28041238C}" srcOrd="0" destOrd="3" presId="urn:microsoft.com/office/officeart/2005/8/layout/hChevron3"/>
-    <dgm:cxn modelId="{B35B1DBF-879F-4806-A44B-07101A457840}" srcId="{FACBBF60-36E0-4A5F-82F6-D0B0EF800817}" destId="{6F2A9C47-F0F1-4C9A-A586-59FE044D3A15}" srcOrd="1" destOrd="0" parTransId="{10D33F6C-1A86-43EC-B53F-C63A61D1BDFE}" sibTransId="{2810034C-57A1-4DCE-877D-9A6990465ACA}"/>
-    <dgm:cxn modelId="{45615DBF-9FA6-4BA5-86DB-EC56A6ED16E1}" type="presOf" srcId="{3DD48D51-8C38-4910-8D0A-52DF9EDBAFE1}" destId="{64F7EEFE-B30F-49FB-8760-1C6A5BDF75C4}" srcOrd="0" destOrd="2" presId="urn:microsoft.com/office/officeart/2005/8/layout/hChevron3"/>
-    <dgm:cxn modelId="{3B3E37C1-057C-4014-A714-4C08695A5F5F}" type="presOf" srcId="{4FDC3992-7500-4612-979D-5A341BF86028}" destId="{64F7EEFE-B30F-49FB-8760-1C6A5BDF75C4}" srcOrd="0" destOrd="0" presId="urn:microsoft.com/office/officeart/2005/8/layout/hChevron3"/>
-    <dgm:cxn modelId="{1C58C3CE-7DB2-4AF2-86CA-A921D8995975}" srcId="{E8640E7D-7E8B-4284-9DF3-B5563D867416}" destId="{28C57C50-D772-46D3-AA7B-0B30C23EE489}" srcOrd="5" destOrd="0" parTransId="{C43ECAFE-0844-4A9B-AA88-A1396397A90E}" sibTransId="{8A448EFA-7DA1-430F-9FA1-3577039A7BA8}"/>
-    <dgm:cxn modelId="{DA2281CF-21F6-4364-AE02-F5EEF598291B}" type="presOf" srcId="{B0F80D5C-AC40-49C2-885D-D6EDCF05D8DF}" destId="{4EA222C0-2C4C-4AC1-8B07-C334DD2B941E}" srcOrd="0" destOrd="1" presId="urn:microsoft.com/office/officeart/2005/8/layout/hChevron3"/>
-    <dgm:cxn modelId="{A1CD55D0-E374-460A-9D2B-55A4660B0572}" srcId="{DDB2E167-D0B5-4C65-ADC1-597AE56C7936}" destId="{B0F80D5C-AC40-49C2-885D-D6EDCF05D8DF}" srcOrd="0" destOrd="0" parTransId="{B13850A8-857C-4D80-9A84-707D45C52392}" sibTransId="{3C3C4B96-2624-4E30-BD69-F3CC368C3CCE}"/>
-    <dgm:cxn modelId="{763A46D9-6515-47E7-90B1-0EC85DC97EEA}" type="presOf" srcId="{6A010EFB-99DD-4132-85D1-A4DE8704B870}" destId="{8E03C2A0-20F6-4EF9-8B1E-47EA3666D78A}" srcOrd="0" destOrd="3" presId="urn:microsoft.com/office/officeart/2005/8/layout/hChevron3"/>
+    <dgm:cxn modelId="{8540C5CF-5850-4F00-9E75-C33752DBC86B}" type="presOf" srcId="{4FDC3992-7500-4612-979D-5A341BF86028}" destId="{1DA0F926-FA92-4DED-B76C-A74F45C29669}" srcOrd="0" destOrd="0" presId="urn:microsoft.com/office/officeart/2005/8/layout/hChevron3"/>
     <dgm:cxn modelId="{A13162DE-0109-42EB-8EF1-0111EE573186}" srcId="{7665D50C-BF6A-41B5-B3CA-29175E510B97}" destId="{DDB2E167-D0B5-4C65-ADC1-597AE56C7936}" srcOrd="1" destOrd="0" parTransId="{B7C71C03-2F6F-45E2-BFB7-E16A5F053FEC}" sibTransId="{9F57F372-8CC6-40BF-A702-698E6779F61C}"/>
-    <dgm:cxn modelId="{D1AB2EE0-67FC-4E1A-B5A0-9D895CB781B1}" type="presOf" srcId="{05ECA461-8239-4911-B115-95A40AEF93BC}" destId="{6D49CCA1-9F50-4F59-AB3D-6484AF0B35BA}" srcOrd="0" destOrd="3" presId="urn:microsoft.com/office/officeart/2005/8/layout/hChevron3"/>
+    <dgm:cxn modelId="{5ED259E0-640B-4936-A9CD-D4534298EA41}" type="presOf" srcId="{E8950E95-8A89-469D-917A-19EDBEB7E1E5}" destId="{00104B89-FFC6-403C-B750-24D573A335F7}" srcOrd="0" destOrd="0" presId="urn:microsoft.com/office/officeart/2005/8/layout/hChevron3"/>
     <dgm:cxn modelId="{C4FE0FE2-6E21-4AE2-A120-52BAF8E3BB73}" srcId="{7665D50C-BF6A-41B5-B3CA-29175E510B97}" destId="{DF7F9A6C-9356-4FF1-BAAE-351B819255DF}" srcOrd="0" destOrd="0" parTransId="{7CA1F36F-97B2-41A6-8A0B-C086A3B29E02}" sibTransId="{1E3555AB-E2B7-4DB3-AAC8-2D95E4BBFD02}"/>
-    <dgm:cxn modelId="{068933EA-25C2-492B-877C-13E5AE8AFE7D}" type="presOf" srcId="{FACBBF60-36E0-4A5F-82F6-D0B0EF800817}" destId="{D429DA03-23E8-47CF-AA71-3100C16E4D81}" srcOrd="0" destOrd="1" presId="urn:microsoft.com/office/officeart/2005/8/layout/hChevron3"/>
-    <dgm:cxn modelId="{3F2D3DEC-C01F-4071-B067-DD9B7F8E5CFF}" srcId="{FACBBF60-36E0-4A5F-82F6-D0B0EF800817}" destId="{DE2C7616-0644-4F12-8597-125C0A720D82}" srcOrd="2" destOrd="0" parTransId="{22CA5C31-C510-4915-8195-66EF37FA5C06}" sibTransId="{D9C13197-B505-41F1-B741-D8FF1D43CDFE}"/>
-    <dgm:cxn modelId="{957B2AF3-2270-4108-9DDE-F7AB53FE1BF3}" type="presOf" srcId="{E57EB85C-B90C-491D-AE7E-91BD66DF8078}" destId="{64F7EEFE-B30F-49FB-8760-1C6A5BDF75C4}" srcOrd="0" destOrd="3" presId="urn:microsoft.com/office/officeart/2005/8/layout/hChevron3"/>
-    <dgm:cxn modelId="{C56E46FA-B655-4A04-B536-DE0594672A4A}" srcId="{B10F4AC2-52F4-4CC9-93B0-8188E805228F}" destId="{AC5BA1A0-BEB9-48FB-86FE-42AAB784C6E0}" srcOrd="2" destOrd="0" parTransId="{07C5CB79-C037-46A6-9639-8C65F2B2F367}" sibTransId="{B2707620-11D4-4155-B565-24770C17D41F}"/>
-    <dgm:cxn modelId="{7C5EDDFA-C3BD-480E-BCF9-0A3D74609E55}" srcId="{B10F4AC2-52F4-4CC9-93B0-8188E805228F}" destId="{2DC368CC-D10E-4852-A663-7BC185E5BC40}" srcOrd="3" destOrd="0" parTransId="{7E5A9A41-44BF-46C1-822B-7AE2A51CBABD}" sibTransId="{CA319A41-E176-4BC4-9C2A-B3691C83CEDD}"/>
-    <dgm:cxn modelId="{47018F34-B1B6-43D4-B4C4-99442A7EB64D}" type="presParOf" srcId="{4DBC3D66-7B8A-4068-B816-D5F5D40E7007}" destId="{D429DA03-23E8-47CF-AA71-3100C16E4D81}" srcOrd="0" destOrd="0" presId="urn:microsoft.com/office/officeart/2005/8/layout/hChevron3"/>
-    <dgm:cxn modelId="{FADDA3E4-6B6D-462C-833B-34E3388A3B05}" type="presParOf" srcId="{4DBC3D66-7B8A-4068-B816-D5F5D40E7007}" destId="{5DCC72A6-8B48-4A41-A490-C2D4EE0E5211}" srcOrd="1" destOrd="0" presId="urn:microsoft.com/office/officeart/2005/8/layout/hChevron3"/>
-    <dgm:cxn modelId="{7F57397B-F0BA-4DF7-B034-5D436711ECB5}" type="presParOf" srcId="{4DBC3D66-7B8A-4068-B816-D5F5D40E7007}" destId="{4EA222C0-2C4C-4AC1-8B07-C334DD2B941E}" srcOrd="2" destOrd="0" presId="urn:microsoft.com/office/officeart/2005/8/layout/hChevron3"/>
-    <dgm:cxn modelId="{5EA294A3-1CFE-454E-B0C7-607EDE9F4ABA}" type="presParOf" srcId="{4DBC3D66-7B8A-4068-B816-D5F5D40E7007}" destId="{86C30FE4-E92B-45B2-A70A-D1EFE877472F}" srcOrd="3" destOrd="0" presId="urn:microsoft.com/office/officeart/2005/8/layout/hChevron3"/>
-    <dgm:cxn modelId="{616CF1D0-F364-4285-8877-D926D4217388}" type="presParOf" srcId="{4DBC3D66-7B8A-4068-B816-D5F5D40E7007}" destId="{64F7EEFE-B30F-49FB-8760-1C6A5BDF75C4}" srcOrd="4" destOrd="0" presId="urn:microsoft.com/office/officeart/2005/8/layout/hChevron3"/>
-    <dgm:cxn modelId="{8DBF2A45-8977-46F8-9B52-5954CF9B3940}" type="presParOf" srcId="{4DBC3D66-7B8A-4068-B816-D5F5D40E7007}" destId="{778F768A-B801-419B-A7CB-467BC4993449}" srcOrd="5" destOrd="0" presId="urn:microsoft.com/office/officeart/2005/8/layout/hChevron3"/>
-    <dgm:cxn modelId="{C4E89D3D-2818-40C0-ACBD-BE9AE0E2C711}" type="presParOf" srcId="{4DBC3D66-7B8A-4068-B816-D5F5D40E7007}" destId="{6D49CCA1-9F50-4F59-AB3D-6484AF0B35BA}" srcOrd="6" destOrd="0" presId="urn:microsoft.com/office/officeart/2005/8/layout/hChevron3"/>
-    <dgm:cxn modelId="{D447EFF6-0901-489C-BD73-D1FDDE039D7B}" type="presParOf" srcId="{4DBC3D66-7B8A-4068-B816-D5F5D40E7007}" destId="{807117C4-42AF-4952-A043-EC2E1CED17D2}" srcOrd="7" destOrd="0" presId="urn:microsoft.com/office/officeart/2005/8/layout/hChevron3"/>
-    <dgm:cxn modelId="{A2D54A45-E62A-4ECA-9D14-08BFB13D70D2}" type="presParOf" srcId="{4DBC3D66-7B8A-4068-B816-D5F5D40E7007}" destId="{505CA62F-1E90-459C-88C8-34B28041238C}" srcOrd="8" destOrd="0" presId="urn:microsoft.com/office/officeart/2005/8/layout/hChevron3"/>
-    <dgm:cxn modelId="{D81F6DBE-D314-47C2-97F1-84CB0702C55F}" type="presParOf" srcId="{4DBC3D66-7B8A-4068-B816-D5F5D40E7007}" destId="{64972F67-9332-4B1C-AD0A-C56D10258A12}" srcOrd="9" destOrd="0" presId="urn:microsoft.com/office/officeart/2005/8/layout/hChevron3"/>
-    <dgm:cxn modelId="{04ACAE03-F038-414D-B995-47106FD615AA}" type="presParOf" srcId="{4DBC3D66-7B8A-4068-B816-D5F5D40E7007}" destId="{8E03C2A0-20F6-4EF9-8B1E-47EA3666D78A}" srcOrd="10" destOrd="0" presId="urn:microsoft.com/office/officeart/2005/8/layout/hChevron3"/>
+    <dgm:cxn modelId="{9F7BCAE2-3E1E-4059-9E7B-99B2A7EEC2DD}" type="presOf" srcId="{E8640E7D-7E8B-4284-9DF3-B5563D867416}" destId="{24A6F778-CBB5-4B95-91CB-DC74A38BAE13}" srcOrd="0" destOrd="0" presId="urn:microsoft.com/office/officeart/2005/8/layout/hChevron3"/>
+    <dgm:cxn modelId="{5D33A9CB-F20C-4854-B6D5-485D3016267D}" type="presParOf" srcId="{4DBC3D66-7B8A-4068-B816-D5F5D40E7007}" destId="{F6999B92-31FA-41F1-990D-34484715EBF7}" srcOrd="0" destOrd="0" presId="urn:microsoft.com/office/officeart/2005/8/layout/hChevron3"/>
+    <dgm:cxn modelId="{5FF26DA6-0F46-4450-8FCE-EA0A1353759B}" type="presParOf" srcId="{4DBC3D66-7B8A-4068-B816-D5F5D40E7007}" destId="{6BC2BC36-1655-498D-8386-0CA4C8B46C87}" srcOrd="1" destOrd="0" presId="urn:microsoft.com/office/officeart/2005/8/layout/hChevron3"/>
+    <dgm:cxn modelId="{B1A10DBE-2752-4BC4-BE8E-724B65CE7BD3}" type="presParOf" srcId="{4DBC3D66-7B8A-4068-B816-D5F5D40E7007}" destId="{5B21BBC8-AB53-4F70-B78B-46FE856E4842}" srcOrd="2" destOrd="0" presId="urn:microsoft.com/office/officeart/2005/8/layout/hChevron3"/>
+    <dgm:cxn modelId="{CA86C3F5-6EC6-458A-951C-88E7A953F790}" type="presParOf" srcId="{4DBC3D66-7B8A-4068-B816-D5F5D40E7007}" destId="{481BCBB7-6009-4CD3-B483-F1B40D39FD53}" srcOrd="3" destOrd="0" presId="urn:microsoft.com/office/officeart/2005/8/layout/hChevron3"/>
+    <dgm:cxn modelId="{D937E129-8051-4149-A6B5-54D1230EB847}" type="presParOf" srcId="{4DBC3D66-7B8A-4068-B816-D5F5D40E7007}" destId="{1DA0F926-FA92-4DED-B76C-A74F45C29669}" srcOrd="4" destOrd="0" presId="urn:microsoft.com/office/officeart/2005/8/layout/hChevron3"/>
+    <dgm:cxn modelId="{74BBFF9A-DD3D-4772-972D-996B4E5C31FC}" type="presParOf" srcId="{4DBC3D66-7B8A-4068-B816-D5F5D40E7007}" destId="{1D1211FA-44C5-4832-AE15-E84EBA5B3FB3}" srcOrd="5" destOrd="0" presId="urn:microsoft.com/office/officeart/2005/8/layout/hChevron3"/>
+    <dgm:cxn modelId="{6416D8E2-7A15-40C8-BC80-E9F23BFEF265}" type="presParOf" srcId="{4DBC3D66-7B8A-4068-B816-D5F5D40E7007}" destId="{00104B89-FFC6-403C-B750-24D573A335F7}" srcOrd="6" destOrd="0" presId="urn:microsoft.com/office/officeart/2005/8/layout/hChevron3"/>
+    <dgm:cxn modelId="{17FFFB4D-762D-48EA-9025-C3C1CFA51D8C}" type="presParOf" srcId="{4DBC3D66-7B8A-4068-B816-D5F5D40E7007}" destId="{2D8615CF-7E29-48EA-8E0A-11FBB037E200}" srcOrd="7" destOrd="0" presId="urn:microsoft.com/office/officeart/2005/8/layout/hChevron3"/>
+    <dgm:cxn modelId="{26A29635-9D3E-4BC9-A7D3-72C1F3691A4B}" type="presParOf" srcId="{4DBC3D66-7B8A-4068-B816-D5F5D40E7007}" destId="{6FCEE9BB-B071-4475-97AE-F2268F9D0BEE}" srcOrd="8" destOrd="0" presId="urn:microsoft.com/office/officeart/2005/8/layout/hChevron3"/>
+    <dgm:cxn modelId="{7188BEE4-92DE-4BC4-8B5F-12AE608DB32E}" type="presParOf" srcId="{4DBC3D66-7B8A-4068-B816-D5F5D40E7007}" destId="{5EF0EB22-2BB9-48AF-BF90-2CEFBF615211}" srcOrd="9" destOrd="0" presId="urn:microsoft.com/office/officeart/2005/8/layout/hChevron3"/>
+    <dgm:cxn modelId="{0DCE1249-FF50-46CC-8575-BF74B112B8A9}" type="presParOf" srcId="{4DBC3D66-7B8A-4068-B816-D5F5D40E7007}" destId="{24A6F778-CBB5-4B95-91CB-DC74A38BAE13}" srcOrd="10" destOrd="0" presId="urn:microsoft.com/office/officeart/2005/8/layout/hChevron3"/>
   </dgm:cxnLst>
   <dgm:bg/>
   <dgm:whole/>
@@ -12825,8 +11803,8 @@
       </dsp:nvSpPr>
       <dsp:spPr>
         <a:xfrm>
-          <a:off x="62063" y="1320384"/>
-          <a:ext cx="1898844" cy="2444060"/>
+          <a:off x="61064" y="1339362"/>
+          <a:ext cx="1868279" cy="2404719"/>
         </a:xfrm>
         <a:prstGeom prst="homePlate">
           <a:avLst>
@@ -12866,7 +11844,7 @@
         </a:fontRef>
       </dsp:style>
       <dsp:txBody>
-        <a:bodyPr spcFirstLastPara="0" vert="horz" wrap="square" lIns="76806" tIns="50800" rIns="307223" bIns="50800" numCol="1" spcCol="1270" anchor="t" anchorCtr="0">
+        <a:bodyPr spcFirstLastPara="0" vert="horz" wrap="square" lIns="75570" tIns="50800" rIns="302278" bIns="50800" numCol="1" spcCol="1270" anchor="t" anchorCtr="0">
           <a:noAutofit/>
         </a:bodyPr>
         <a:lstStyle/>
@@ -12966,8 +11944,8 @@
         </a:p>
       </dsp:txBody>
       <dsp:txXfrm>
-        <a:off x="62063" y="1320384"/>
-        <a:ext cx="1661489" cy="2444060"/>
+        <a:off x="61064" y="1339362"/>
+        <a:ext cx="1634744" cy="2404719"/>
       </dsp:txXfrm>
     </dsp:sp>
     <dsp:sp modelId="{4EA222C0-2C4C-4AC1-8B07-C334DD2B941E}">
@@ -12977,8 +11955,8 @@
       </dsp:nvSpPr>
       <dsp:spPr>
         <a:xfrm>
-          <a:off x="1525472" y="1320384"/>
-          <a:ext cx="2536103" cy="2444060"/>
+          <a:off x="1500917" y="1339362"/>
+          <a:ext cx="2495280" cy="2404719"/>
         </a:xfrm>
         <a:prstGeom prst="chevron">
           <a:avLst>
@@ -13018,7 +11996,7 @@
         </a:fontRef>
       </dsp:style>
       <dsp:txBody>
-        <a:bodyPr spcFirstLastPara="0" vert="horz" wrap="square" lIns="76806" tIns="50800" rIns="76806" bIns="50800" numCol="1" spcCol="1270" anchor="t" anchorCtr="0">
+        <a:bodyPr spcFirstLastPara="0" vert="horz" wrap="square" lIns="75570" tIns="50800" rIns="75570" bIns="50800" numCol="1" spcCol="1270" anchor="t" anchorCtr="0">
           <a:noAutofit/>
         </a:bodyPr>
         <a:lstStyle/>
@@ -13118,8 +12096,8 @@
         </a:p>
       </dsp:txBody>
       <dsp:txXfrm>
-        <a:off x="2136487" y="1320384"/>
-        <a:ext cx="1314073" cy="2444060"/>
+        <a:off x="2102097" y="1339362"/>
+        <a:ext cx="1292920" cy="2404719"/>
       </dsp:txXfrm>
     </dsp:sp>
     <dsp:sp modelId="{64F7EEFE-B30F-49FB-8760-1C6A5BDF75C4}">
@@ -13129,8 +12107,8 @@
       </dsp:nvSpPr>
       <dsp:spPr>
         <a:xfrm>
-          <a:off x="3626141" y="1320384"/>
-          <a:ext cx="2592557" cy="2444060"/>
+          <a:off x="3567772" y="1339362"/>
+          <a:ext cx="2550825" cy="2404719"/>
         </a:xfrm>
         <a:prstGeom prst="chevron">
           <a:avLst>
@@ -13173,7 +12151,7 @@
         </a:fontRef>
       </dsp:style>
       <dsp:txBody>
-        <a:bodyPr spcFirstLastPara="0" vert="horz" wrap="square" lIns="76806" tIns="50800" rIns="76806" bIns="50800" numCol="1" spcCol="1270" anchor="t" anchorCtr="0">
+        <a:bodyPr spcFirstLastPara="0" vert="horz" wrap="square" lIns="75570" tIns="50800" rIns="75570" bIns="50800" numCol="1" spcCol="1270" anchor="t" anchorCtr="0">
           <a:noAutofit/>
         </a:bodyPr>
         <a:lstStyle/>
@@ -13229,7 +12207,7 @@
           </a:pPr>
           <a:r>
             <a:rPr lang="en-US" sz="1600" kern="1200" dirty="0"/>
-            <a:t>Select</a:t>
+            <a:t>Selection</a:t>
           </a:r>
         </a:p>
         <a:p>
@@ -13265,13 +12243,13 @@
           </a:pPr>
           <a:r>
             <a:rPr lang="en-US" sz="1600" kern="1200" dirty="0"/>
-            <a:t>Encode</a:t>
+            <a:t>Encoding</a:t>
           </a:r>
         </a:p>
       </dsp:txBody>
       <dsp:txXfrm>
-        <a:off x="4237156" y="1320384"/>
-        <a:ext cx="1370527" cy="2444060"/>
+        <a:off x="4168952" y="1339362"/>
+        <a:ext cx="1348465" cy="2404719"/>
       </dsp:txXfrm>
     </dsp:sp>
     <dsp:sp modelId="{6D49CCA1-9F50-4F59-AB3D-6484AF0B35BA}">
@@ -13281,8 +12259,8 @@
       </dsp:nvSpPr>
       <dsp:spPr>
         <a:xfrm>
-          <a:off x="5783263" y="1320384"/>
-          <a:ext cx="2415008" cy="2444060"/>
+          <a:off x="5690171" y="1339362"/>
+          <a:ext cx="2376134" cy="2404719"/>
         </a:xfrm>
         <a:prstGeom prst="chevron">
           <a:avLst>
@@ -13325,7 +12303,7 @@
         </a:fontRef>
       </dsp:style>
       <dsp:txBody>
-        <a:bodyPr spcFirstLastPara="0" vert="horz" wrap="square" lIns="76806" tIns="50800" rIns="76806" bIns="50800" numCol="1" spcCol="1270" anchor="t" anchorCtr="0">
+        <a:bodyPr spcFirstLastPara="0" vert="horz" wrap="square" lIns="75570" tIns="50800" rIns="75570" bIns="50800" numCol="1" spcCol="1270" anchor="t" anchorCtr="0">
           <a:noAutofit/>
         </a:bodyPr>
         <a:lstStyle/>
@@ -13365,10 +12343,9 @@
             <a:buChar char="•"/>
           </a:pPr>
           <a:r>
-            <a:rPr lang="en-US" sz="1600" kern="1200" dirty="0" err="1"/>
-            <a:t>Kmeans</a:t>
+            <a:rPr lang="en-US" sz="1600" kern="1200" dirty="0"/>
+            <a:t>L-Regress</a:t>
           </a:r>
-          <a:endParaRPr lang="en-US" sz="1600" kern="1200" dirty="0"/>
         </a:p>
         <a:p>
           <a:pPr marL="171450" lvl="1" indent="-171450" algn="l" defTabSz="711200">
@@ -13403,7 +12380,7 @@
           </a:pPr>
           <a:r>
             <a:rPr lang="en-US" sz="1600" kern="1200" dirty="0"/>
-            <a:t>Neural Nets</a:t>
+            <a:t>NN, CNN, RNN</a:t>
           </a:r>
         </a:p>
         <a:p>
@@ -13426,8 +12403,8 @@
         </a:p>
       </dsp:txBody>
       <dsp:txXfrm>
-        <a:off x="6387015" y="1320384"/>
-        <a:ext cx="1207504" cy="2444060"/>
+        <a:off x="6284205" y="1339362"/>
+        <a:ext cx="1188067" cy="2404719"/>
       </dsp:txXfrm>
     </dsp:sp>
     <dsp:sp modelId="{505CA62F-1E90-459C-88C8-34B28041238C}">
@@ -13437,8 +12414,8 @@
       </dsp:nvSpPr>
       <dsp:spPr>
         <a:xfrm>
-          <a:off x="7762837" y="1320384"/>
-          <a:ext cx="2177174" cy="2444060"/>
+          <a:off x="7637880" y="1339362"/>
+          <a:ext cx="2142128" cy="2404719"/>
         </a:xfrm>
         <a:prstGeom prst="chevron">
           <a:avLst>
@@ -13481,7 +12458,7 @@
         </a:fontRef>
       </dsp:style>
       <dsp:txBody>
-        <a:bodyPr spcFirstLastPara="0" vert="horz" wrap="square" lIns="76806" tIns="50800" rIns="76806" bIns="50800" numCol="1" spcCol="1270" anchor="t" anchorCtr="0">
+        <a:bodyPr spcFirstLastPara="0" vert="horz" wrap="square" lIns="75570" tIns="50800" rIns="75570" bIns="50800" numCol="1" spcCol="1270" anchor="t" anchorCtr="0">
           <a:noAutofit/>
         </a:bodyPr>
         <a:lstStyle/>
@@ -13581,8 +12558,8 @@
         </a:p>
       </dsp:txBody>
       <dsp:txXfrm>
-        <a:off x="8307131" y="1320384"/>
-        <a:ext cx="1088587" cy="2444060"/>
+        <a:off x="8173412" y="1339362"/>
+        <a:ext cx="1071064" cy="2404719"/>
       </dsp:txXfrm>
     </dsp:sp>
     <dsp:sp modelId="{8E03C2A0-20F6-4EF9-8B1E-47EA3666D78A}">
@@ -13592,8 +12569,8 @@
       </dsp:nvSpPr>
       <dsp:spPr>
         <a:xfrm>
-          <a:off x="9426603" y="1320384"/>
-          <a:ext cx="2177174" cy="2444060"/>
+          <a:off x="9274865" y="1339362"/>
+          <a:ext cx="2142128" cy="2404719"/>
         </a:xfrm>
         <a:prstGeom prst="chevron">
           <a:avLst>
@@ -13636,7 +12613,7 @@
         </a:fontRef>
       </dsp:style>
       <dsp:txBody>
-        <a:bodyPr spcFirstLastPara="0" vert="horz" wrap="square" lIns="76806" tIns="50800" rIns="76806" bIns="50800" numCol="1" spcCol="1270" anchor="t" anchorCtr="0">
+        <a:bodyPr spcFirstLastPara="0" vert="horz" wrap="square" lIns="75570" tIns="50800" rIns="75570" bIns="50800" numCol="1" spcCol="1270" anchor="t" anchorCtr="0">
           <a:noAutofit/>
         </a:bodyPr>
         <a:lstStyle/>
@@ -13760,8 +12737,8 @@
         </a:p>
       </dsp:txBody>
       <dsp:txXfrm>
-        <a:off x="9970897" y="1320384"/>
-        <a:ext cx="1088587" cy="2444060"/>
+        <a:off x="9810397" y="1339362"/>
+        <a:ext cx="1071064" cy="2404719"/>
       </dsp:txXfrm>
     </dsp:sp>
   </dsp:spTree>
@@ -14937,20 +13914,18 @@
       <dsp:cNvGrpSpPr/>
     </dsp:nvGrpSpPr>
     <dsp:grpSpPr/>
-    <dsp:sp modelId="{D429DA03-23E8-47CF-AA71-3100C16E4D81}">
+    <dsp:sp modelId="{F6999B92-31FA-41F1-990D-34484715EBF7}">
       <dsp:nvSpPr>
         <dsp:cNvPr id="0" name=""/>
         <dsp:cNvSpPr/>
       </dsp:nvSpPr>
       <dsp:spPr>
         <a:xfrm>
-          <a:off x="62063" y="1320384"/>
-          <a:ext cx="1898844" cy="2444060"/>
+          <a:off x="1396" y="1200588"/>
+          <a:ext cx="2287357" cy="914943"/>
         </a:xfrm>
         <a:prstGeom prst="homePlate">
-          <a:avLst>
-            <a:gd name="adj" fmla="val 25000"/>
-          </a:avLst>
+          <a:avLst/>
         </a:prstGeom>
         <a:solidFill>
           <a:schemeClr val="bg1">
@@ -14985,12 +13960,12 @@
         </a:fontRef>
       </dsp:style>
       <dsp:txBody>
-        <a:bodyPr spcFirstLastPara="0" vert="horz" wrap="square" lIns="76806" tIns="50800" rIns="307223" bIns="50800" numCol="1" spcCol="1270" anchor="t" anchorCtr="0">
+        <a:bodyPr spcFirstLastPara="0" vert="horz" wrap="square" lIns="106680" tIns="53340" rIns="26670" bIns="53340" numCol="1" spcCol="1270" anchor="ctr" anchorCtr="0">
           <a:noAutofit/>
         </a:bodyPr>
         <a:lstStyle/>
         <a:p>
-          <a:pPr marL="0" lvl="0" indent="0" algn="l" defTabSz="889000">
+          <a:pPr marL="0" lvl="0" indent="0" algn="ctr" defTabSz="889000">
             <a:lnSpc>
               <a:spcPct val="90000"/>
             </a:lnSpc>
@@ -15011,98 +13986,24 @@
             <a:t>Data Sourcing</a:t>
           </a:r>
         </a:p>
-        <a:p>
-          <a:pPr marL="171450" lvl="1" indent="-171450" algn="l" defTabSz="711200">
-            <a:lnSpc>
-              <a:spcPct val="90000"/>
-            </a:lnSpc>
-            <a:spcBef>
-              <a:spcPct val="0"/>
-            </a:spcBef>
-            <a:spcAft>
-              <a:spcPct val="15000"/>
-            </a:spcAft>
-            <a:buChar char="•"/>
-          </a:pPr>
-          <a:r>
-            <a:rPr lang="en-US" sz="1600" kern="1200" dirty="0"/>
-            <a:t>ETL</a:t>
-          </a:r>
-        </a:p>
-        <a:p>
-          <a:pPr marL="342900" lvl="2" indent="-171450" algn="l" defTabSz="711200">
-            <a:lnSpc>
-              <a:spcPct val="90000"/>
-            </a:lnSpc>
-            <a:spcBef>
-              <a:spcPct val="0"/>
-            </a:spcBef>
-            <a:spcAft>
-              <a:spcPct val="15000"/>
-            </a:spcAft>
-            <a:buChar char="•"/>
-          </a:pPr>
-          <a:r>
-            <a:rPr lang="en-US" sz="1600" kern="1200" dirty="0"/>
-            <a:t>Load</a:t>
-          </a:r>
-        </a:p>
-        <a:p>
-          <a:pPr marL="342900" lvl="2" indent="-171450" algn="l" defTabSz="711200">
-            <a:lnSpc>
-              <a:spcPct val="90000"/>
-            </a:lnSpc>
-            <a:spcBef>
-              <a:spcPct val="0"/>
-            </a:spcBef>
-            <a:spcAft>
-              <a:spcPct val="15000"/>
-            </a:spcAft>
-            <a:buChar char="•"/>
-          </a:pPr>
-          <a:r>
-            <a:rPr lang="en-US" sz="1600" kern="1200" dirty="0"/>
-            <a:t>Cleanse</a:t>
-          </a:r>
-        </a:p>
-        <a:p>
-          <a:pPr marL="342900" lvl="2" indent="-171450" algn="l" defTabSz="711200">
-            <a:lnSpc>
-              <a:spcPct val="90000"/>
-            </a:lnSpc>
-            <a:spcBef>
-              <a:spcPct val="0"/>
-            </a:spcBef>
-            <a:spcAft>
-              <a:spcPct val="15000"/>
-            </a:spcAft>
-            <a:buChar char="•"/>
-          </a:pPr>
-          <a:r>
-            <a:rPr lang="en-US" sz="1600" kern="1200" dirty="0"/>
-            <a:t>Normalize</a:t>
-          </a:r>
-        </a:p>
       </dsp:txBody>
       <dsp:txXfrm>
-        <a:off x="62063" y="1320384"/>
-        <a:ext cx="1661489" cy="2444060"/>
+        <a:off x="1396" y="1200588"/>
+        <a:ext cx="2058621" cy="914943"/>
       </dsp:txXfrm>
     </dsp:sp>
-    <dsp:sp modelId="{4EA222C0-2C4C-4AC1-8B07-C334DD2B941E}">
+    <dsp:sp modelId="{5B21BBC8-AB53-4F70-B78B-46FE856E4842}">
       <dsp:nvSpPr>
         <dsp:cNvPr id="0" name=""/>
         <dsp:cNvSpPr/>
       </dsp:nvSpPr>
       <dsp:spPr>
         <a:xfrm>
-          <a:off x="1525472" y="1320384"/>
-          <a:ext cx="2536103" cy="2444060"/>
+          <a:off x="1831282" y="1200588"/>
+          <a:ext cx="2287357" cy="914943"/>
         </a:xfrm>
         <a:prstGeom prst="chevron">
-          <a:avLst>
-            <a:gd name="adj" fmla="val 25000"/>
-          </a:avLst>
+          <a:avLst/>
         </a:prstGeom>
         <a:solidFill>
           <a:schemeClr val="bg2">
@@ -15137,12 +14038,12 @@
         </a:fontRef>
       </dsp:style>
       <dsp:txBody>
-        <a:bodyPr spcFirstLastPara="0" vert="horz" wrap="square" lIns="76806" tIns="50800" rIns="76806" bIns="50800" numCol="1" spcCol="1270" anchor="t" anchorCtr="0">
+        <a:bodyPr spcFirstLastPara="0" vert="horz" wrap="square" lIns="80010" tIns="53340" rIns="26670" bIns="53340" numCol="1" spcCol="1270" anchor="ctr" anchorCtr="0">
           <a:noAutofit/>
         </a:bodyPr>
         <a:lstStyle/>
         <a:p>
-          <a:pPr marL="0" lvl="0" indent="0" algn="l" defTabSz="889000">
+          <a:pPr marL="0" lvl="0" indent="0" algn="ctr" defTabSz="889000">
             <a:lnSpc>
               <a:spcPct val="90000"/>
             </a:lnSpc>
@@ -15163,98 +14064,24 @@
             <a:t>Data Store</a:t>
           </a:r>
         </a:p>
-        <a:p>
-          <a:pPr marL="171450" lvl="1" indent="-171450" algn="l" defTabSz="711200">
-            <a:lnSpc>
-              <a:spcPct val="90000"/>
-            </a:lnSpc>
-            <a:spcBef>
-              <a:spcPct val="0"/>
-            </a:spcBef>
-            <a:spcAft>
-              <a:spcPct val="15000"/>
-            </a:spcAft>
-            <a:buChar char="•"/>
-          </a:pPr>
-          <a:r>
-            <a:rPr lang="en-US" sz="1600" kern="1200" dirty="0"/>
-            <a:t>RDBMS</a:t>
-          </a:r>
-        </a:p>
-        <a:p>
-          <a:pPr marL="171450" lvl="1" indent="-171450" algn="l" defTabSz="711200">
-            <a:lnSpc>
-              <a:spcPct val="90000"/>
-            </a:lnSpc>
-            <a:spcBef>
-              <a:spcPct val="0"/>
-            </a:spcBef>
-            <a:spcAft>
-              <a:spcPct val="15000"/>
-            </a:spcAft>
-            <a:buChar char="•"/>
-          </a:pPr>
-          <a:r>
-            <a:rPr lang="en-US" sz="1600" kern="1200" dirty="0"/>
-            <a:t>Data Warehouse</a:t>
-          </a:r>
-        </a:p>
-        <a:p>
-          <a:pPr marL="171450" lvl="1" indent="-171450" algn="l" defTabSz="711200">
-            <a:lnSpc>
-              <a:spcPct val="90000"/>
-            </a:lnSpc>
-            <a:spcBef>
-              <a:spcPct val="0"/>
-            </a:spcBef>
-            <a:spcAft>
-              <a:spcPct val="15000"/>
-            </a:spcAft>
-            <a:buChar char="•"/>
-          </a:pPr>
-          <a:r>
-            <a:rPr lang="en-US" sz="1600" kern="1200" dirty="0"/>
-            <a:t>Hadoop Data Lake</a:t>
-          </a:r>
-        </a:p>
-        <a:p>
-          <a:pPr marL="171450" lvl="1" indent="-171450" algn="l" defTabSz="711200">
-            <a:lnSpc>
-              <a:spcPct val="90000"/>
-            </a:lnSpc>
-            <a:spcBef>
-              <a:spcPct val="0"/>
-            </a:spcBef>
-            <a:spcAft>
-              <a:spcPct val="15000"/>
-            </a:spcAft>
-            <a:buChar char="•"/>
-          </a:pPr>
-          <a:r>
-            <a:rPr lang="en-US" sz="1600" kern="1200" dirty="0"/>
-            <a:t>KDB</a:t>
-          </a:r>
-        </a:p>
       </dsp:txBody>
       <dsp:txXfrm>
-        <a:off x="2136487" y="1320384"/>
-        <a:ext cx="1314073" cy="2444060"/>
+        <a:off x="2288754" y="1200588"/>
+        <a:ext cx="1372414" cy="914943"/>
       </dsp:txXfrm>
     </dsp:sp>
-    <dsp:sp modelId="{64F7EEFE-B30F-49FB-8760-1C6A5BDF75C4}">
+    <dsp:sp modelId="{1DA0F926-FA92-4DED-B76C-A74F45C29669}">
       <dsp:nvSpPr>
         <dsp:cNvPr id="0" name=""/>
         <dsp:cNvSpPr/>
       </dsp:nvSpPr>
       <dsp:spPr>
         <a:xfrm>
-          <a:off x="3626141" y="1320384"/>
-          <a:ext cx="2592557" cy="2444060"/>
+          <a:off x="3661168" y="1200588"/>
+          <a:ext cx="2287357" cy="914943"/>
         </a:xfrm>
         <a:prstGeom prst="chevron">
-          <a:avLst>
-            <a:gd name="adj" fmla="val 25000"/>
-          </a:avLst>
+          <a:avLst/>
         </a:prstGeom>
         <a:solidFill>
           <a:schemeClr val="accent4">
@@ -15292,12 +14119,12 @@
         </a:fontRef>
       </dsp:style>
       <dsp:txBody>
-        <a:bodyPr spcFirstLastPara="0" vert="horz" wrap="square" lIns="76806" tIns="50800" rIns="76806" bIns="50800" numCol="1" spcCol="1270" anchor="t" anchorCtr="0">
+        <a:bodyPr spcFirstLastPara="0" vert="horz" wrap="square" lIns="80010" tIns="53340" rIns="26670" bIns="53340" numCol="1" spcCol="1270" anchor="ctr" anchorCtr="0">
           <a:noAutofit/>
         </a:bodyPr>
         <a:lstStyle/>
         <a:p>
-          <a:pPr marL="0" lvl="0" indent="0" algn="l" defTabSz="889000">
+          <a:pPr marL="0" lvl="0" indent="0" algn="ctr" defTabSz="889000">
             <a:lnSpc>
               <a:spcPct val="90000"/>
             </a:lnSpc>
@@ -15318,95 +14145,24 @@
             <a:t>Feature Engineer</a:t>
           </a:r>
         </a:p>
-        <a:p>
-          <a:pPr marL="171450" lvl="1" indent="-171450" algn="l" defTabSz="711200">
-            <a:lnSpc>
-              <a:spcPct val="90000"/>
-            </a:lnSpc>
-            <a:spcBef>
-              <a:spcPct val="0"/>
-            </a:spcBef>
-            <a:spcAft>
-              <a:spcPct val="15000"/>
-            </a:spcAft>
-            <a:buChar char="•"/>
-          </a:pPr>
-          <a:endParaRPr lang="en-US" sz="1600" kern="1200" dirty="0"/>
-        </a:p>
-        <a:p>
-          <a:pPr marL="171450" lvl="1" indent="-171450" algn="l" defTabSz="711200">
-            <a:lnSpc>
-              <a:spcPct val="90000"/>
-            </a:lnSpc>
-            <a:spcBef>
-              <a:spcPct val="0"/>
-            </a:spcBef>
-            <a:spcAft>
-              <a:spcPct val="15000"/>
-            </a:spcAft>
-            <a:buChar char="•"/>
-          </a:pPr>
-          <a:r>
-            <a:rPr lang="en-US" sz="1600" kern="1200" dirty="0"/>
-            <a:t>Select</a:t>
-          </a:r>
-        </a:p>
-        <a:p>
-          <a:pPr marL="171450" lvl="1" indent="-171450" algn="l" defTabSz="711200">
-            <a:lnSpc>
-              <a:spcPct val="90000"/>
-            </a:lnSpc>
-            <a:spcBef>
-              <a:spcPct val="0"/>
-            </a:spcBef>
-            <a:spcAft>
-              <a:spcPct val="15000"/>
-            </a:spcAft>
-            <a:buChar char="•"/>
-          </a:pPr>
-          <a:r>
-            <a:rPr lang="en-US" sz="1600" kern="1200" dirty="0"/>
-            <a:t>Normalize</a:t>
-          </a:r>
-        </a:p>
-        <a:p>
-          <a:pPr marL="171450" lvl="1" indent="-171450" algn="l" defTabSz="711200">
-            <a:lnSpc>
-              <a:spcPct val="90000"/>
-            </a:lnSpc>
-            <a:spcBef>
-              <a:spcPct val="0"/>
-            </a:spcBef>
-            <a:spcAft>
-              <a:spcPct val="15000"/>
-            </a:spcAft>
-            <a:buChar char="•"/>
-          </a:pPr>
-          <a:r>
-            <a:rPr lang="en-US" sz="1600" kern="1200" dirty="0"/>
-            <a:t>Encode</a:t>
-          </a:r>
-        </a:p>
       </dsp:txBody>
       <dsp:txXfrm>
-        <a:off x="4237156" y="1320384"/>
-        <a:ext cx="1370527" cy="2444060"/>
+        <a:off x="4118640" y="1200588"/>
+        <a:ext cx="1372414" cy="914943"/>
       </dsp:txXfrm>
     </dsp:sp>
-    <dsp:sp modelId="{6D49CCA1-9F50-4F59-AB3D-6484AF0B35BA}">
+    <dsp:sp modelId="{00104B89-FFC6-403C-B750-24D573A335F7}">
       <dsp:nvSpPr>
         <dsp:cNvPr id="0" name=""/>
         <dsp:cNvSpPr/>
       </dsp:nvSpPr>
       <dsp:spPr>
         <a:xfrm>
-          <a:off x="5783263" y="1320384"/>
-          <a:ext cx="2415008" cy="2444060"/>
+          <a:off x="5491055" y="1200588"/>
+          <a:ext cx="2287357" cy="914943"/>
         </a:xfrm>
         <a:prstGeom prst="chevron">
-          <a:avLst>
-            <a:gd name="adj" fmla="val 25000"/>
-          </a:avLst>
+          <a:avLst/>
         </a:prstGeom>
         <a:solidFill>
           <a:schemeClr val="accent5">
@@ -15444,12 +14200,12 @@
         </a:fontRef>
       </dsp:style>
       <dsp:txBody>
-        <a:bodyPr spcFirstLastPara="0" vert="horz" wrap="square" lIns="76806" tIns="50800" rIns="76806" bIns="50800" numCol="1" spcCol="1270" anchor="t" anchorCtr="0">
+        <a:bodyPr spcFirstLastPara="0" vert="horz" wrap="square" lIns="80010" tIns="53340" rIns="26670" bIns="53340" numCol="1" spcCol="1270" anchor="ctr" anchorCtr="0">
           <a:noAutofit/>
         </a:bodyPr>
         <a:lstStyle/>
         <a:p>
-          <a:pPr marL="0" lvl="0" indent="0" algn="l" defTabSz="889000">
+          <a:pPr marL="0" lvl="0" indent="0" algn="ctr" defTabSz="889000">
             <a:lnSpc>
               <a:spcPct val="90000"/>
             </a:lnSpc>
@@ -15470,99 +14226,24 @@
             <a:t>Model Selection</a:t>
           </a:r>
         </a:p>
-        <a:p>
-          <a:pPr marL="171450" lvl="1" indent="-171450" algn="l" defTabSz="711200">
-            <a:lnSpc>
-              <a:spcPct val="90000"/>
-            </a:lnSpc>
-            <a:spcBef>
-              <a:spcPct val="0"/>
-            </a:spcBef>
-            <a:spcAft>
-              <a:spcPct val="15000"/>
-            </a:spcAft>
-            <a:buChar char="•"/>
-          </a:pPr>
-          <a:r>
-            <a:rPr lang="en-US" sz="1600" kern="1200" dirty="0" err="1"/>
-            <a:t>Kmeans</a:t>
-          </a:r>
-          <a:endParaRPr lang="en-US" sz="1600" kern="1200" dirty="0"/>
-        </a:p>
-        <a:p>
-          <a:pPr marL="171450" lvl="1" indent="-171450" algn="l" defTabSz="711200">
-            <a:lnSpc>
-              <a:spcPct val="90000"/>
-            </a:lnSpc>
-            <a:spcBef>
-              <a:spcPct val="0"/>
-            </a:spcBef>
-            <a:spcAft>
-              <a:spcPct val="15000"/>
-            </a:spcAft>
-            <a:buChar char="•"/>
-          </a:pPr>
-          <a:r>
-            <a:rPr lang="en-US" sz="1600" kern="1200" dirty="0"/>
-            <a:t>SVM</a:t>
-          </a:r>
-        </a:p>
-        <a:p>
-          <a:pPr marL="171450" lvl="1" indent="-171450" algn="l" defTabSz="711200">
-            <a:lnSpc>
-              <a:spcPct val="90000"/>
-            </a:lnSpc>
-            <a:spcBef>
-              <a:spcPct val="0"/>
-            </a:spcBef>
-            <a:spcAft>
-              <a:spcPct val="15000"/>
-            </a:spcAft>
-            <a:buChar char="•"/>
-          </a:pPr>
-          <a:r>
-            <a:rPr lang="en-US" sz="1600" kern="1200" dirty="0"/>
-            <a:t>Neural Nets</a:t>
-          </a:r>
-        </a:p>
-        <a:p>
-          <a:pPr marL="171450" lvl="1" indent="-171450" algn="l" defTabSz="711200">
-            <a:lnSpc>
-              <a:spcPct val="90000"/>
-            </a:lnSpc>
-            <a:spcBef>
-              <a:spcPct val="0"/>
-            </a:spcBef>
-            <a:spcAft>
-              <a:spcPct val="15000"/>
-            </a:spcAft>
-            <a:buChar char="•"/>
-          </a:pPr>
-          <a:r>
-            <a:rPr lang="en-US" sz="1600" kern="1200" dirty="0"/>
-            <a:t>Refine and iterate</a:t>
-          </a:r>
-        </a:p>
       </dsp:txBody>
       <dsp:txXfrm>
-        <a:off x="6387015" y="1320384"/>
-        <a:ext cx="1207504" cy="2444060"/>
+        <a:off x="5948527" y="1200588"/>
+        <a:ext cx="1372414" cy="914943"/>
       </dsp:txXfrm>
     </dsp:sp>
-    <dsp:sp modelId="{505CA62F-1E90-459C-88C8-34B28041238C}">
+    <dsp:sp modelId="{6FCEE9BB-B071-4475-97AE-F2268F9D0BEE}">
       <dsp:nvSpPr>
         <dsp:cNvPr id="0" name=""/>
         <dsp:cNvSpPr/>
       </dsp:nvSpPr>
       <dsp:spPr>
         <a:xfrm>
-          <a:off x="7762837" y="1320384"/>
-          <a:ext cx="2177174" cy="2444060"/>
+          <a:off x="7320941" y="1200588"/>
+          <a:ext cx="2287357" cy="914943"/>
         </a:xfrm>
         <a:prstGeom prst="chevron">
-          <a:avLst>
-            <a:gd name="adj" fmla="val 25000"/>
-          </a:avLst>
+          <a:avLst/>
         </a:prstGeom>
         <a:solidFill>
           <a:schemeClr val="accent6">
@@ -15600,12 +14281,12 @@
         </a:fontRef>
       </dsp:style>
       <dsp:txBody>
-        <a:bodyPr spcFirstLastPara="0" vert="horz" wrap="square" lIns="76806" tIns="50800" rIns="76806" bIns="50800" numCol="1" spcCol="1270" anchor="t" anchorCtr="0">
+        <a:bodyPr spcFirstLastPara="0" vert="horz" wrap="square" lIns="80010" tIns="53340" rIns="26670" bIns="53340" numCol="1" spcCol="1270" anchor="ctr" anchorCtr="0">
           <a:noAutofit/>
         </a:bodyPr>
         <a:lstStyle/>
         <a:p>
-          <a:pPr marL="0" lvl="0" indent="0" algn="l" defTabSz="889000">
+          <a:pPr marL="0" lvl="0" indent="0" algn="ctr" defTabSz="889000">
             <a:lnSpc>
               <a:spcPct val="90000"/>
             </a:lnSpc>
@@ -15626,98 +14307,24 @@
             <a:t>Train</a:t>
           </a:r>
         </a:p>
-        <a:p>
-          <a:pPr marL="171450" lvl="1" indent="-171450" algn="l" defTabSz="711200">
-            <a:lnSpc>
-              <a:spcPct val="90000"/>
-            </a:lnSpc>
-            <a:spcBef>
-              <a:spcPct val="0"/>
-            </a:spcBef>
-            <a:spcAft>
-              <a:spcPct val="15000"/>
-            </a:spcAft>
-            <a:buChar char="•"/>
-          </a:pPr>
-          <a:r>
-            <a:rPr lang="en-US" sz="1600" kern="1200" dirty="0"/>
-            <a:t>Param tuning</a:t>
-          </a:r>
-        </a:p>
-        <a:p>
-          <a:pPr marL="171450" lvl="1" indent="-171450" algn="l" defTabSz="711200">
-            <a:lnSpc>
-              <a:spcPct val="90000"/>
-            </a:lnSpc>
-            <a:spcBef>
-              <a:spcPct val="0"/>
-            </a:spcBef>
-            <a:spcAft>
-              <a:spcPct val="15000"/>
-            </a:spcAft>
-            <a:buChar char="•"/>
-          </a:pPr>
-          <a:r>
-            <a:rPr lang="en-US" sz="1600" kern="1200" dirty="0"/>
-            <a:t>Cross Validate</a:t>
-          </a:r>
-        </a:p>
-        <a:p>
-          <a:pPr marL="171450" lvl="1" indent="-171450" algn="l" defTabSz="711200">
-            <a:lnSpc>
-              <a:spcPct val="90000"/>
-            </a:lnSpc>
-            <a:spcBef>
-              <a:spcPct val="0"/>
-            </a:spcBef>
-            <a:spcAft>
-              <a:spcPct val="15000"/>
-            </a:spcAft>
-            <a:buChar char="•"/>
-          </a:pPr>
-          <a:r>
-            <a:rPr lang="en-US" sz="1600" kern="1200" dirty="0"/>
-            <a:t>Evaluate Results</a:t>
-          </a:r>
-        </a:p>
-        <a:p>
-          <a:pPr marL="171450" lvl="1" indent="-171450" algn="l" defTabSz="711200">
-            <a:lnSpc>
-              <a:spcPct val="90000"/>
-            </a:lnSpc>
-            <a:spcBef>
-              <a:spcPct val="0"/>
-            </a:spcBef>
-            <a:spcAft>
-              <a:spcPct val="15000"/>
-            </a:spcAft>
-            <a:buChar char="•"/>
-          </a:pPr>
-          <a:r>
-            <a:rPr lang="en-US" sz="1600" kern="1200" dirty="0"/>
-            <a:t>Refine and iterate</a:t>
-          </a:r>
-        </a:p>
       </dsp:txBody>
       <dsp:txXfrm>
-        <a:off x="8307131" y="1320384"/>
-        <a:ext cx="1088587" cy="2444060"/>
+        <a:off x="7778413" y="1200588"/>
+        <a:ext cx="1372414" cy="914943"/>
       </dsp:txXfrm>
     </dsp:sp>
-    <dsp:sp modelId="{8E03C2A0-20F6-4EF9-8B1E-47EA3666D78A}">
+    <dsp:sp modelId="{24A6F778-CBB5-4B95-91CB-DC74A38BAE13}">
       <dsp:nvSpPr>
         <dsp:cNvPr id="0" name=""/>
         <dsp:cNvSpPr/>
       </dsp:nvSpPr>
       <dsp:spPr>
         <a:xfrm>
-          <a:off x="9426603" y="1320384"/>
-          <a:ext cx="2177174" cy="2444060"/>
+          <a:off x="9150827" y="1200588"/>
+          <a:ext cx="2287357" cy="914943"/>
         </a:xfrm>
         <a:prstGeom prst="chevron">
-          <a:avLst>
-            <a:gd name="adj" fmla="val 25000"/>
-          </a:avLst>
+          <a:avLst/>
         </a:prstGeom>
         <a:solidFill>
           <a:schemeClr val="accent2">
@@ -15755,12 +14362,12 @@
         </a:fontRef>
       </dsp:style>
       <dsp:txBody>
-        <a:bodyPr spcFirstLastPara="0" vert="horz" wrap="square" lIns="76806" tIns="50800" rIns="76806" bIns="50800" numCol="1" spcCol="1270" anchor="t" anchorCtr="0">
+        <a:bodyPr spcFirstLastPara="0" vert="horz" wrap="square" lIns="80010" tIns="53340" rIns="26670" bIns="53340" numCol="1" spcCol="1270" anchor="ctr" anchorCtr="0">
           <a:noAutofit/>
         </a:bodyPr>
         <a:lstStyle/>
         <a:p>
-          <a:pPr marL="0" lvl="0" indent="0" algn="l" defTabSz="889000">
+          <a:pPr marL="0" lvl="0" indent="0" algn="ctr" defTabSz="889000">
             <a:lnSpc>
               <a:spcPct val="90000"/>
             </a:lnSpc>
@@ -15781,106 +14388,10 @@
             <a:t>Deploy</a:t>
           </a:r>
         </a:p>
-        <a:p>
-          <a:pPr marL="171450" lvl="1" indent="-171450" algn="l" defTabSz="711200">
-            <a:lnSpc>
-              <a:spcPct val="90000"/>
-            </a:lnSpc>
-            <a:spcBef>
-              <a:spcPct val="0"/>
-            </a:spcBef>
-            <a:spcAft>
-              <a:spcPct val="15000"/>
-            </a:spcAft>
-            <a:buChar char="•"/>
-          </a:pPr>
-          <a:endParaRPr lang="en-US" sz="1600" kern="1200" dirty="0"/>
-        </a:p>
-        <a:p>
-          <a:pPr marL="171450" lvl="1" indent="-171450" algn="l" defTabSz="711200">
-            <a:lnSpc>
-              <a:spcPct val="90000"/>
-            </a:lnSpc>
-            <a:spcBef>
-              <a:spcPct val="0"/>
-            </a:spcBef>
-            <a:spcAft>
-              <a:spcPct val="15000"/>
-            </a:spcAft>
-            <a:buChar char="•"/>
-          </a:pPr>
-          <a:endParaRPr lang="en-US" sz="1600" kern="1200" dirty="0"/>
-        </a:p>
-        <a:p>
-          <a:pPr marL="171450" lvl="1" indent="-171450" algn="l" defTabSz="711200">
-            <a:lnSpc>
-              <a:spcPct val="90000"/>
-            </a:lnSpc>
-            <a:spcBef>
-              <a:spcPct val="0"/>
-            </a:spcBef>
-            <a:spcAft>
-              <a:spcPct val="15000"/>
-            </a:spcAft>
-            <a:buChar char="•"/>
-          </a:pPr>
-          <a:r>
-            <a:rPr lang="en-US" sz="1600" kern="1200" dirty="0"/>
-            <a:t>Release</a:t>
-          </a:r>
-        </a:p>
-        <a:p>
-          <a:pPr marL="171450" lvl="1" indent="-171450" algn="l" defTabSz="711200">
-            <a:lnSpc>
-              <a:spcPct val="90000"/>
-            </a:lnSpc>
-            <a:spcBef>
-              <a:spcPct val="0"/>
-            </a:spcBef>
-            <a:spcAft>
-              <a:spcPct val="15000"/>
-            </a:spcAft>
-            <a:buChar char="•"/>
-          </a:pPr>
-          <a:endParaRPr lang="en-US" sz="1600" kern="1200" dirty="0"/>
-        </a:p>
-        <a:p>
-          <a:pPr marL="171450" lvl="1" indent="-171450" algn="l" defTabSz="711200">
-            <a:lnSpc>
-              <a:spcPct val="90000"/>
-            </a:lnSpc>
-            <a:spcBef>
-              <a:spcPct val="0"/>
-            </a:spcBef>
-            <a:spcAft>
-              <a:spcPct val="15000"/>
-            </a:spcAft>
-            <a:buChar char="•"/>
-          </a:pPr>
-          <a:r>
-            <a:rPr lang="en-US" sz="1600" kern="1200" dirty="0"/>
-            <a:t>Monitor</a:t>
-          </a:r>
-        </a:p>
-        <a:p>
-          <a:pPr marL="171450" lvl="1" indent="-171450" algn="l" defTabSz="711200">
-            <a:lnSpc>
-              <a:spcPct val="90000"/>
-            </a:lnSpc>
-            <a:spcBef>
-              <a:spcPct val="0"/>
-            </a:spcBef>
-            <a:spcAft>
-              <a:spcPct val="15000"/>
-            </a:spcAft>
-            <a:buChar char="•"/>
-          </a:pPr>
-          <a:endParaRPr lang="en-US" sz="1600" kern="1200" dirty="0"/>
-        </a:p>
       </dsp:txBody>
       <dsp:txXfrm>
-        <a:off x="9970897" y="1320384"/>
-        <a:ext cx="1088587" cy="2444060"/>
+        <a:off x="9608299" y="1200588"/>
+        <a:ext cx="1372414" cy="914943"/>
       </dsp:txXfrm>
     </dsp:sp>
   </dsp:spTree>
@@ -22227,7 +20738,7 @@
           <a:p>
             <a:fld id="{1AC99D4D-39B6-46EF-A86A-B16C7DEB27F1}" type="slidenum">
               <a:rPr lang="en-US" smtClean="0"/>
-              <a:t>6</a:t>
+              <a:t>7</a:t>
             </a:fld>
             <a:endParaRPr lang="en-US"/>
           </a:p>
@@ -26057,6 +24568,869 @@
         </p:nvSpPr>
         <p:spPr>
           <a:xfrm>
+            <a:off x="1141560" y="196965"/>
+            <a:ext cx="10374338" cy="987729"/>
+          </a:xfrm>
+        </p:spPr>
+        <p:txBody>
+          <a:bodyPr>
+            <a:noAutofit/>
+          </a:bodyPr>
+          <a:lstStyle/>
+          <a:p>
+            <a:r>
+              <a:rPr lang="en-US" sz="3600" u="sng" dirty="0"/>
+              <a:t>How it really works - Linear Regression example (1)</a:t>
+            </a:r>
+          </a:p>
+        </p:txBody>
+      </p:sp>
+      <p:graphicFrame>
+        <p:nvGraphicFramePr>
+          <p:cNvPr id="7" name="Content Placeholder 6">
+            <a:extLst>
+              <a:ext uri="{FF2B5EF4-FFF2-40B4-BE49-F238E27FC236}">
+                <a16:creationId xmlns:a16="http://schemas.microsoft.com/office/drawing/2014/main" id="{DCDCED4B-7EA5-4602-B6F0-224D40AC43CE}"/>
+              </a:ext>
+            </a:extLst>
+          </p:cNvPr>
+          <p:cNvGraphicFramePr>
+            <a:graphicFrameLocks noGrp="1"/>
+          </p:cNvGraphicFramePr>
+          <p:nvPr>
+            <p:ph idx="1"/>
+            <p:extLst>
+              <p:ext uri="{D42A27DB-BD31-4B8C-83A1-F6EECF244321}">
+                <p14:modId xmlns:p14="http://schemas.microsoft.com/office/powerpoint/2010/main" val="3882537994"/>
+              </p:ext>
+            </p:extLst>
+          </p:nvPr>
+        </p:nvGraphicFramePr>
+        <p:xfrm>
+          <a:off x="1220700" y="852677"/>
+          <a:ext cx="4875300" cy="2512341"/>
+        </p:xfrm>
+        <a:graphic>
+          <a:graphicData uri="http://schemas.openxmlformats.org/drawingml/2006/chart">
+            <c:chart xmlns:c="http://schemas.openxmlformats.org/drawingml/2006/chart" xmlns:r="http://schemas.openxmlformats.org/officeDocument/2006/relationships" r:id="rId2"/>
+          </a:graphicData>
+        </a:graphic>
+      </p:graphicFrame>
+      <p:sp>
+        <p:nvSpPr>
+          <p:cNvPr id="4" name="Content Placeholder 2">
+            <a:extLst>
+              <a:ext uri="{FF2B5EF4-FFF2-40B4-BE49-F238E27FC236}">
+                <a16:creationId xmlns:a16="http://schemas.microsoft.com/office/drawing/2014/main" id="{CD97B703-0D68-4C3A-9692-C69CF75ED4AD}"/>
+              </a:ext>
+            </a:extLst>
+          </p:cNvPr>
+          <p:cNvSpPr txBox="1">
+            <a:spLocks/>
+          </p:cNvSpPr>
+          <p:nvPr/>
+        </p:nvSpPr>
+        <p:spPr>
+          <a:xfrm>
+            <a:off x="-215661" y="196965"/>
+            <a:ext cx="10550105" cy="5348378"/>
+          </a:xfrm>
+          <a:prstGeom prst="rect">
+            <a:avLst/>
+          </a:prstGeom>
+        </p:spPr>
+        <p:txBody>
+          <a:bodyPr vert="horz" lIns="91440" tIns="45720" rIns="91440" bIns="45720" rtlCol="0">
+            <a:normAutofit/>
+          </a:bodyPr>
+          <a:lstStyle>
+            <a:lvl1pPr marL="384048" indent="-384048" algn="l" defTabSz="914400" rtl="0" eaLnBrk="1" latinLnBrk="0" hangingPunct="1">
+              <a:lnSpc>
+                <a:spcPct val="94000"/>
+              </a:lnSpc>
+              <a:spcBef>
+                <a:spcPts val="1000"/>
+              </a:spcBef>
+              <a:spcAft>
+                <a:spcPts val="200"/>
+              </a:spcAft>
+              <a:buFont typeface="Franklin Gothic Book" panose="020B0503020102020204" pitchFamily="34" charset="0"/>
+              <a:buChar char="■"/>
+              <a:defRPr sz="2000" kern="1200" baseline="0">
+                <a:solidFill>
+                  <a:schemeClr val="tx2"/>
+                </a:solidFill>
+                <a:latin typeface="+mn-lt"/>
+                <a:ea typeface="+mn-ea"/>
+                <a:cs typeface="+mn-cs"/>
+              </a:defRPr>
+            </a:lvl1pPr>
+            <a:lvl2pPr marL="914400" indent="-384048" algn="l" defTabSz="914400" rtl="0" eaLnBrk="1" latinLnBrk="0" hangingPunct="1">
+              <a:lnSpc>
+                <a:spcPct val="94000"/>
+              </a:lnSpc>
+              <a:spcBef>
+                <a:spcPts val="500"/>
+              </a:spcBef>
+              <a:spcAft>
+                <a:spcPts val="200"/>
+              </a:spcAft>
+              <a:buFont typeface="Franklin Gothic Book" panose="020B0503020102020204" pitchFamily="34" charset="0"/>
+              <a:buChar char="–"/>
+              <a:defRPr sz="2000" i="1" kern="1200" baseline="0">
+                <a:solidFill>
+                  <a:schemeClr val="tx2"/>
+                </a:solidFill>
+                <a:latin typeface="+mn-lt"/>
+                <a:ea typeface="+mn-ea"/>
+                <a:cs typeface="+mn-cs"/>
+              </a:defRPr>
+            </a:lvl2pPr>
+            <a:lvl3pPr marL="1371600" indent="-384048" algn="l" defTabSz="914400" rtl="0" eaLnBrk="1" latinLnBrk="0" hangingPunct="1">
+              <a:lnSpc>
+                <a:spcPct val="94000"/>
+              </a:lnSpc>
+              <a:spcBef>
+                <a:spcPts val="500"/>
+              </a:spcBef>
+              <a:spcAft>
+                <a:spcPts val="200"/>
+              </a:spcAft>
+              <a:buFont typeface="Franklin Gothic Book" panose="020B0503020102020204" pitchFamily="34" charset="0"/>
+              <a:buChar char="■"/>
+              <a:defRPr sz="1800" kern="1200" baseline="0">
+                <a:solidFill>
+                  <a:schemeClr val="tx2"/>
+                </a:solidFill>
+                <a:latin typeface="+mn-lt"/>
+                <a:ea typeface="+mn-ea"/>
+                <a:cs typeface="+mn-cs"/>
+              </a:defRPr>
+            </a:lvl3pPr>
+            <a:lvl4pPr marL="1828800" indent="-384048" algn="l" defTabSz="914400" rtl="0" eaLnBrk="1" latinLnBrk="0" hangingPunct="1">
+              <a:lnSpc>
+                <a:spcPct val="94000"/>
+              </a:lnSpc>
+              <a:spcBef>
+                <a:spcPts val="500"/>
+              </a:spcBef>
+              <a:spcAft>
+                <a:spcPts val="200"/>
+              </a:spcAft>
+              <a:buFont typeface="Franklin Gothic Book" panose="020B0503020102020204" pitchFamily="34" charset="0"/>
+              <a:buChar char="–"/>
+              <a:defRPr sz="1800" i="1" kern="1200" baseline="0">
+                <a:solidFill>
+                  <a:schemeClr val="tx2"/>
+                </a:solidFill>
+                <a:latin typeface="+mn-lt"/>
+                <a:ea typeface="+mn-ea"/>
+                <a:cs typeface="+mn-cs"/>
+              </a:defRPr>
+            </a:lvl4pPr>
+            <a:lvl5pPr marL="2286000" indent="-384048" algn="l" defTabSz="914400" rtl="0" eaLnBrk="1" latinLnBrk="0" hangingPunct="1">
+              <a:lnSpc>
+                <a:spcPct val="94000"/>
+              </a:lnSpc>
+              <a:spcBef>
+                <a:spcPts val="500"/>
+              </a:spcBef>
+              <a:spcAft>
+                <a:spcPts val="200"/>
+              </a:spcAft>
+              <a:buFont typeface="Franklin Gothic Book" panose="020B0503020102020204" pitchFamily="34" charset="0"/>
+              <a:buChar char="■"/>
+              <a:defRPr sz="1600" kern="1200" baseline="0">
+                <a:solidFill>
+                  <a:schemeClr val="tx2"/>
+                </a:solidFill>
+                <a:latin typeface="+mn-lt"/>
+                <a:ea typeface="+mn-ea"/>
+                <a:cs typeface="+mn-cs"/>
+              </a:defRPr>
+            </a:lvl5pPr>
+            <a:lvl6pPr marL="2743200" indent="-384048" algn="l" defTabSz="914400" rtl="0" eaLnBrk="1" latinLnBrk="0" hangingPunct="1">
+              <a:lnSpc>
+                <a:spcPct val="94000"/>
+              </a:lnSpc>
+              <a:spcBef>
+                <a:spcPts val="500"/>
+              </a:spcBef>
+              <a:spcAft>
+                <a:spcPts val="200"/>
+              </a:spcAft>
+              <a:buFont typeface="Franklin Gothic Book" panose="020B0503020102020204" pitchFamily="34" charset="0"/>
+              <a:buChar char="–"/>
+              <a:defRPr sz="1600" i="1" kern="1200" baseline="0">
+                <a:solidFill>
+                  <a:schemeClr val="tx2"/>
+                </a:solidFill>
+                <a:latin typeface="+mn-lt"/>
+                <a:ea typeface="+mn-ea"/>
+                <a:cs typeface="+mn-cs"/>
+              </a:defRPr>
+            </a:lvl6pPr>
+            <a:lvl7pPr marL="3200400" indent="-384048" algn="l" defTabSz="914400" rtl="0" eaLnBrk="1" latinLnBrk="0" hangingPunct="1">
+              <a:lnSpc>
+                <a:spcPct val="94000"/>
+              </a:lnSpc>
+              <a:spcBef>
+                <a:spcPts val="500"/>
+              </a:spcBef>
+              <a:spcAft>
+                <a:spcPts val="200"/>
+              </a:spcAft>
+              <a:buFont typeface="Franklin Gothic Book" panose="020B0503020102020204" pitchFamily="34" charset="0"/>
+              <a:buChar char="■"/>
+              <a:defRPr sz="1400" kern="1200" baseline="0">
+                <a:solidFill>
+                  <a:schemeClr val="tx2"/>
+                </a:solidFill>
+                <a:latin typeface="+mn-lt"/>
+                <a:ea typeface="+mn-ea"/>
+                <a:cs typeface="+mn-cs"/>
+              </a:defRPr>
+            </a:lvl7pPr>
+            <a:lvl8pPr marL="3657600" indent="-384048" algn="l" defTabSz="914400" rtl="0" eaLnBrk="1" latinLnBrk="0" hangingPunct="1">
+              <a:lnSpc>
+                <a:spcPct val="94000"/>
+              </a:lnSpc>
+              <a:spcBef>
+                <a:spcPts val="500"/>
+              </a:spcBef>
+              <a:spcAft>
+                <a:spcPts val="200"/>
+              </a:spcAft>
+              <a:buFont typeface="Franklin Gothic Book" panose="020B0503020102020204" pitchFamily="34" charset="0"/>
+              <a:buChar char="–"/>
+              <a:defRPr sz="1400" i="1" kern="1200" baseline="0">
+                <a:solidFill>
+                  <a:schemeClr val="tx2"/>
+                </a:solidFill>
+                <a:latin typeface="+mn-lt"/>
+                <a:ea typeface="+mn-ea"/>
+                <a:cs typeface="+mn-cs"/>
+              </a:defRPr>
+            </a:lvl8pPr>
+            <a:lvl9pPr marL="4114800" indent="-384048" algn="l" defTabSz="914400" rtl="0" eaLnBrk="1" latinLnBrk="0" hangingPunct="1">
+              <a:lnSpc>
+                <a:spcPct val="94000"/>
+              </a:lnSpc>
+              <a:spcBef>
+                <a:spcPts val="500"/>
+              </a:spcBef>
+              <a:spcAft>
+                <a:spcPts val="200"/>
+              </a:spcAft>
+              <a:buFont typeface="Franklin Gothic Book" panose="020B0503020102020204" pitchFamily="34" charset="0"/>
+              <a:buChar char="■"/>
+              <a:defRPr sz="1400" kern="1200" baseline="0">
+                <a:solidFill>
+                  <a:schemeClr val="tx2"/>
+                </a:solidFill>
+                <a:latin typeface="+mn-lt"/>
+                <a:ea typeface="+mn-ea"/>
+                <a:cs typeface="+mn-cs"/>
+              </a:defRPr>
+            </a:lvl9pPr>
+          </a:lstStyle>
+          <a:p>
+            <a:endParaRPr lang="en-US" dirty="0"/>
+          </a:p>
+        </p:txBody>
+      </p:sp>
+      <p:sp>
+        <p:nvSpPr>
+          <p:cNvPr id="8" name="TextBox 7">
+            <a:extLst>
+              <a:ext uri="{FF2B5EF4-FFF2-40B4-BE49-F238E27FC236}">
+                <a16:creationId xmlns:a16="http://schemas.microsoft.com/office/drawing/2014/main" id="{DA1EC543-1113-4EC4-B98F-317D59E16CCE}"/>
+              </a:ext>
+            </a:extLst>
+          </p:cNvPr>
+          <p:cNvSpPr txBox="1"/>
+          <p:nvPr/>
+        </p:nvSpPr>
+        <p:spPr>
+          <a:xfrm>
+            <a:off x="6183169" y="1123481"/>
+            <a:ext cx="4788131" cy="2585323"/>
+          </a:xfrm>
+          <a:prstGeom prst="rect">
+            <a:avLst/>
+          </a:prstGeom>
+          <a:noFill/>
+        </p:spPr>
+        <p:txBody>
+          <a:bodyPr wrap="square" rtlCol="0">
+            <a:spAutoFit/>
+          </a:bodyPr>
+          <a:lstStyle/>
+          <a:p>
+            <a:r>
+              <a:rPr lang="en-US" dirty="0"/>
+              <a:t>Linear price model:</a:t>
+            </a:r>
+          </a:p>
+          <a:p>
+            <a:r>
+              <a:rPr lang="en-US" dirty="0"/>
+              <a:t>  h(x) = W</a:t>
+            </a:r>
+            <a:r>
+              <a:rPr lang="en-US" baseline="-25000" dirty="0"/>
+              <a:t>0 </a:t>
+            </a:r>
+            <a:r>
+              <a:rPr lang="en-US" dirty="0"/>
+              <a:t>+  W</a:t>
+            </a:r>
+            <a:r>
+              <a:rPr lang="en-US" baseline="-25000" dirty="0"/>
+              <a:t>1</a:t>
+            </a:r>
+            <a:r>
+              <a:rPr lang="en-US" dirty="0"/>
+              <a:t>*</a:t>
+            </a:r>
+            <a:r>
+              <a:rPr lang="en-US" dirty="0" err="1"/>
+              <a:t>SqM</a:t>
+            </a:r>
+            <a:r>
+              <a:rPr lang="en-US" dirty="0"/>
+              <a:t>  +  W</a:t>
+            </a:r>
+            <a:r>
+              <a:rPr lang="en-US" baseline="-25000" dirty="0"/>
+              <a:t>2</a:t>
+            </a:r>
+            <a:r>
+              <a:rPr lang="en-US" dirty="0"/>
+              <a:t>*Loc + W</a:t>
+            </a:r>
+            <a:r>
+              <a:rPr lang="en-US" baseline="-25000" dirty="0"/>
+              <a:t>3</a:t>
+            </a:r>
+            <a:r>
+              <a:rPr lang="en-US" dirty="0"/>
+              <a:t>*BR + …</a:t>
+            </a:r>
+          </a:p>
+          <a:p>
+            <a:endParaRPr lang="en-US" dirty="0"/>
+          </a:p>
+          <a:p>
+            <a:r>
+              <a:rPr lang="en-US" dirty="0"/>
+              <a:t>General form:</a:t>
+            </a:r>
+          </a:p>
+          <a:p>
+            <a:r>
+              <a:rPr lang="en-US" dirty="0"/>
+              <a:t>   h(x) = W</a:t>
+            </a:r>
+            <a:r>
+              <a:rPr lang="en-US" baseline="-25000" dirty="0"/>
+              <a:t>0</a:t>
+            </a:r>
+            <a:r>
+              <a:rPr lang="en-US" dirty="0"/>
+              <a:t> + W</a:t>
+            </a:r>
+            <a:r>
+              <a:rPr lang="en-US" baseline="-25000" dirty="0"/>
+              <a:t>1</a:t>
+            </a:r>
+            <a:r>
+              <a:rPr lang="en-US" dirty="0"/>
+              <a:t>*X</a:t>
+            </a:r>
+            <a:r>
+              <a:rPr lang="en-US" baseline="-25000" dirty="0"/>
+              <a:t>1</a:t>
+            </a:r>
+            <a:r>
+              <a:rPr lang="en-US" dirty="0"/>
+              <a:t> + W</a:t>
+            </a:r>
+            <a:r>
+              <a:rPr lang="en-US" baseline="-25000" dirty="0"/>
+              <a:t>2</a:t>
+            </a:r>
+            <a:r>
+              <a:rPr lang="en-US" dirty="0"/>
+              <a:t>*X</a:t>
+            </a:r>
+            <a:r>
+              <a:rPr lang="en-US" baseline="-25000" dirty="0"/>
+              <a:t>2</a:t>
+            </a:r>
+            <a:r>
+              <a:rPr lang="en-US" dirty="0"/>
+              <a:t> + W</a:t>
+            </a:r>
+            <a:r>
+              <a:rPr lang="en-US" baseline="-25000" dirty="0"/>
+              <a:t>3</a:t>
+            </a:r>
+            <a:r>
+              <a:rPr lang="en-US" dirty="0"/>
+              <a:t>*X</a:t>
+            </a:r>
+            <a:r>
+              <a:rPr lang="en-US" baseline="-25000" dirty="0"/>
+              <a:t>3 </a:t>
+            </a:r>
+            <a:r>
+              <a:rPr lang="en-US" dirty="0"/>
+              <a:t>+ ….</a:t>
+            </a:r>
+          </a:p>
+          <a:p>
+            <a:endParaRPr lang="en-US" dirty="0"/>
+          </a:p>
+          <a:p>
+            <a:r>
+              <a:rPr lang="en-US" dirty="0"/>
+              <a:t>Use </a:t>
+            </a:r>
+            <a:r>
+              <a:rPr lang="en-US" dirty="0" err="1"/>
+              <a:t>X</a:t>
+            </a:r>
+            <a:r>
+              <a:rPr lang="en-US" baseline="30000" dirty="0" err="1"/>
+              <a:t>n</a:t>
+            </a:r>
+            <a:r>
+              <a:rPr lang="en-US" dirty="0"/>
+              <a:t> </a:t>
+            </a:r>
+            <a:r>
+              <a:rPr lang="en-US" b="1" i="1" dirty="0"/>
+              <a:t>samples</a:t>
+            </a:r>
+            <a:r>
+              <a:rPr lang="en-US" i="1" dirty="0"/>
+              <a:t> </a:t>
+            </a:r>
+            <a:r>
+              <a:rPr lang="en-US" dirty="0"/>
+              <a:t>to </a:t>
+            </a:r>
+            <a:r>
+              <a:rPr lang="en-US" b="1" i="1" dirty="0"/>
+              <a:t>learn </a:t>
+            </a:r>
+            <a:r>
+              <a:rPr lang="en-US" dirty="0"/>
+              <a:t>“weights” </a:t>
+            </a:r>
+            <a:r>
+              <a:rPr lang="en-US" dirty="0" err="1"/>
+              <a:t>W</a:t>
+            </a:r>
+            <a:r>
+              <a:rPr lang="en-US" baseline="-25000" dirty="0" err="1"/>
+              <a:t>n</a:t>
+            </a:r>
+            <a:endParaRPr lang="en-US" dirty="0"/>
+          </a:p>
+          <a:p>
+            <a:endParaRPr lang="en-US" dirty="0"/>
+          </a:p>
+          <a:p>
+            <a:endParaRPr lang="en-US" dirty="0"/>
+          </a:p>
+        </p:txBody>
+      </p:sp>
+      <p:sp>
+        <p:nvSpPr>
+          <p:cNvPr id="9" name="TextBox 8">
+            <a:extLst>
+              <a:ext uri="{FF2B5EF4-FFF2-40B4-BE49-F238E27FC236}">
+                <a16:creationId xmlns:a16="http://schemas.microsoft.com/office/drawing/2014/main" id="{91835F0D-A177-4686-AE9C-D6CC013A80F4}"/>
+              </a:ext>
+            </a:extLst>
+          </p:cNvPr>
+          <p:cNvSpPr txBox="1"/>
+          <p:nvPr/>
+        </p:nvSpPr>
+        <p:spPr>
+          <a:xfrm>
+            <a:off x="5891999" y="3103408"/>
+            <a:ext cx="2132329" cy="261610"/>
+          </a:xfrm>
+          <a:prstGeom prst="rect">
+            <a:avLst/>
+          </a:prstGeom>
+          <a:noFill/>
+        </p:spPr>
+        <p:txBody>
+          <a:bodyPr wrap="square" rtlCol="0">
+            <a:spAutoFit/>
+          </a:bodyPr>
+          <a:lstStyle/>
+          <a:p>
+            <a:r>
+              <a:rPr lang="en-US" sz="1100" u="sng" dirty="0"/>
+              <a:t>10 </a:t>
+            </a:r>
+            <a:r>
+              <a:rPr lang="en-US" sz="1100" u="sng" dirty="0" err="1"/>
+              <a:t>SqM</a:t>
+            </a:r>
+            <a:endParaRPr lang="en-US" sz="1100" u="sng" dirty="0"/>
+          </a:p>
+        </p:txBody>
+      </p:sp>
+      <p:sp>
+        <p:nvSpPr>
+          <p:cNvPr id="11" name="TextBox 10">
+            <a:extLst>
+              <a:ext uri="{FF2B5EF4-FFF2-40B4-BE49-F238E27FC236}">
+                <a16:creationId xmlns:a16="http://schemas.microsoft.com/office/drawing/2014/main" id="{AA3FEAE4-D6C9-460F-A140-EC49558C6721}"/>
+              </a:ext>
+            </a:extLst>
+          </p:cNvPr>
+          <p:cNvSpPr txBox="1"/>
+          <p:nvPr/>
+        </p:nvSpPr>
+        <p:spPr>
+          <a:xfrm rot="16200000">
+            <a:off x="110952" y="1181851"/>
+            <a:ext cx="2132329" cy="261610"/>
+          </a:xfrm>
+          <a:prstGeom prst="rect">
+            <a:avLst/>
+          </a:prstGeom>
+          <a:noFill/>
+        </p:spPr>
+        <p:txBody>
+          <a:bodyPr wrap="square" rtlCol="0">
+            <a:spAutoFit/>
+          </a:bodyPr>
+          <a:lstStyle/>
+          <a:p>
+            <a:r>
+              <a:rPr lang="en-US" sz="1100" u="sng" dirty="0"/>
+              <a:t>100’s $</a:t>
+            </a:r>
+          </a:p>
+        </p:txBody>
+      </p:sp>
+      <p:sp>
+        <p:nvSpPr>
+          <p:cNvPr id="12" name="TextBox 11">
+            <a:extLst>
+              <a:ext uri="{FF2B5EF4-FFF2-40B4-BE49-F238E27FC236}">
+                <a16:creationId xmlns:a16="http://schemas.microsoft.com/office/drawing/2014/main" id="{97072DA4-4D02-480C-BF22-44BD5895F9C8}"/>
+              </a:ext>
+            </a:extLst>
+          </p:cNvPr>
+          <p:cNvSpPr txBox="1"/>
+          <p:nvPr/>
+        </p:nvSpPr>
+        <p:spPr>
+          <a:xfrm>
+            <a:off x="1070854" y="3475978"/>
+            <a:ext cx="10007241" cy="3139321"/>
+          </a:xfrm>
+          <a:prstGeom prst="rect">
+            <a:avLst/>
+          </a:prstGeom>
+          <a:noFill/>
+        </p:spPr>
+        <p:txBody>
+          <a:bodyPr wrap="square" rtlCol="0">
+            <a:spAutoFit/>
+          </a:bodyPr>
+          <a:lstStyle/>
+          <a:p>
+            <a:r>
+              <a:rPr lang="en-US" dirty="0"/>
+              <a:t>Simplified Model example using just 1 variable/feature.</a:t>
+            </a:r>
+          </a:p>
+          <a:p>
+            <a:r>
+              <a:rPr lang="en-US" dirty="0"/>
+              <a:t>  h(x) = W</a:t>
+            </a:r>
+            <a:r>
+              <a:rPr lang="en-US" baseline="-25000" dirty="0"/>
+              <a:t>0 </a:t>
+            </a:r>
+            <a:r>
+              <a:rPr lang="en-US" dirty="0"/>
+              <a:t>+  W</a:t>
+            </a:r>
+            <a:r>
+              <a:rPr lang="en-US" baseline="-25000" dirty="0"/>
+              <a:t>1</a:t>
+            </a:r>
+            <a:r>
+              <a:rPr lang="en-US" dirty="0"/>
+              <a:t>*</a:t>
+            </a:r>
+            <a:r>
+              <a:rPr lang="en-US" dirty="0" err="1"/>
+              <a:t>SqM</a:t>
+            </a:r>
+            <a:endParaRPr lang="en-US" dirty="0"/>
+          </a:p>
+          <a:p>
+            <a:r>
+              <a:rPr lang="en-US" dirty="0"/>
+              <a:t>  </a:t>
+            </a:r>
+            <a:r>
+              <a:rPr lang="en-US" dirty="0" err="1"/>
+              <a:t>ie</a:t>
+            </a:r>
+            <a:r>
+              <a:rPr lang="en-US" dirty="0"/>
+              <a:t>, y = mx+ b (solve for the regression line)</a:t>
+            </a:r>
+            <a:endParaRPr lang="en-US" baseline="30000" dirty="0"/>
+          </a:p>
+          <a:p>
+            <a:endParaRPr lang="en-US" dirty="0"/>
+          </a:p>
+          <a:p>
+            <a:r>
+              <a:rPr lang="en-US" dirty="0"/>
+              <a:t>Solve for W</a:t>
+            </a:r>
+            <a:r>
+              <a:rPr lang="en-US" baseline="-25000" dirty="0"/>
+              <a:t>0</a:t>
+            </a:r>
+            <a:r>
+              <a:rPr lang="en-US" dirty="0"/>
+              <a:t>,W</a:t>
+            </a:r>
+            <a:r>
+              <a:rPr lang="en-US" baseline="-25000" dirty="0"/>
+              <a:t>1  </a:t>
+            </a:r>
+            <a:r>
+              <a:rPr lang="en-US" dirty="0"/>
+              <a:t>given x samples {5,10,15,20]; y labels=[3,4,3,5]</a:t>
+            </a:r>
+          </a:p>
+          <a:p>
+            <a:endParaRPr lang="en-US" dirty="0"/>
+          </a:p>
+          <a:p>
+            <a:r>
+              <a:rPr lang="en-US" b="1" dirty="0"/>
+              <a:t>Algorithm</a:t>
+            </a:r>
+            <a:r>
+              <a:rPr lang="en-US" dirty="0"/>
+              <a:t>:</a:t>
+            </a:r>
+          </a:p>
+          <a:p>
+            <a:pPr marL="285750" indent="-285750">
+              <a:buFontTx/>
+              <a:buChar char="-"/>
+            </a:pPr>
+            <a:r>
+              <a:rPr lang="en-US" dirty="0"/>
+              <a:t>Choose random W</a:t>
+            </a:r>
+            <a:r>
+              <a:rPr lang="en-US" baseline="-25000" dirty="0"/>
+              <a:t>0</a:t>
+            </a:r>
+            <a:r>
+              <a:rPr lang="en-US" dirty="0"/>
+              <a:t>,W</a:t>
+            </a:r>
+            <a:r>
+              <a:rPr lang="en-US" baseline="-25000" dirty="0"/>
+              <a:t>1 </a:t>
+            </a:r>
+            <a:endParaRPr lang="en-US" dirty="0"/>
+          </a:p>
+          <a:p>
+            <a:pPr marL="285750" indent="-285750">
+              <a:buFontTx/>
+              <a:buChar char="-"/>
+            </a:pPr>
+            <a:r>
+              <a:rPr lang="en-US" dirty="0"/>
+              <a:t>Calculate Error (MSE - Mean Square Error)</a:t>
+            </a:r>
+          </a:p>
+          <a:p>
+            <a:pPr marL="285750" indent="-285750">
+              <a:buFontTx/>
+              <a:buChar char="-"/>
+            </a:pPr>
+            <a:r>
+              <a:rPr lang="en-US" dirty="0"/>
+              <a:t>Adjust W to minimize MSE (Gradient Descent)</a:t>
+            </a:r>
+          </a:p>
+          <a:p>
+            <a:pPr marL="285750" indent="-285750">
+              <a:buFontTx/>
+              <a:buChar char="-"/>
+            </a:pPr>
+            <a:r>
+              <a:rPr lang="en-US" dirty="0"/>
+              <a:t>Iterate until minimum error</a:t>
+            </a:r>
+          </a:p>
+        </p:txBody>
+      </p:sp>
+      <p:sp>
+        <p:nvSpPr>
+          <p:cNvPr id="14" name="TextBox 13">
+            <a:extLst>
+              <a:ext uri="{FF2B5EF4-FFF2-40B4-BE49-F238E27FC236}">
+                <a16:creationId xmlns:a16="http://schemas.microsoft.com/office/drawing/2014/main" id="{A031A613-E9B2-4DB2-A2D5-DC8CB0E4F9C3}"/>
+              </a:ext>
+            </a:extLst>
+          </p:cNvPr>
+          <p:cNvSpPr txBox="1"/>
+          <p:nvPr/>
+        </p:nvSpPr>
+        <p:spPr>
+          <a:xfrm>
+            <a:off x="4928696" y="6504000"/>
+            <a:ext cx="7297075" cy="276999"/>
+          </a:xfrm>
+          <a:prstGeom prst="rect">
+            <a:avLst/>
+          </a:prstGeom>
+          <a:noFill/>
+        </p:spPr>
+        <p:txBody>
+          <a:bodyPr wrap="square" rtlCol="0">
+            <a:spAutoFit/>
+          </a:bodyPr>
+          <a:lstStyle/>
+          <a:p>
+            <a:r>
+              <a:rPr lang="en-US" sz="1200" i="1" dirty="0"/>
+              <a:t>Adapted from Andrew Ng’s Machine Learning course:  </a:t>
+            </a:r>
+            <a:r>
+              <a:rPr lang="en-US" sz="1200" i="1" dirty="0">
+                <a:hlinkClick r:id="rId3"/>
+              </a:rPr>
+              <a:t>https://www.coursera.org/learn/machine-learning</a:t>
+            </a:r>
+            <a:r>
+              <a:rPr lang="en-US" sz="1200" i="1" dirty="0"/>
+              <a:t> )</a:t>
+            </a:r>
+          </a:p>
+        </p:txBody>
+      </p:sp>
+      <p:sp>
+        <p:nvSpPr>
+          <p:cNvPr id="10" name="Rectangle 9">
+            <a:extLst>
+              <a:ext uri="{FF2B5EF4-FFF2-40B4-BE49-F238E27FC236}">
+                <a16:creationId xmlns:a16="http://schemas.microsoft.com/office/drawing/2014/main" id="{2B212F9C-5F54-490A-AE01-501AF4F79847}"/>
+              </a:ext>
+            </a:extLst>
+          </p:cNvPr>
+          <p:cNvSpPr/>
+          <p:nvPr/>
+        </p:nvSpPr>
+        <p:spPr>
+          <a:xfrm rot="1956828">
+            <a:off x="3715390" y="2525278"/>
+            <a:ext cx="5849291" cy="1569660"/>
+          </a:xfrm>
+          <a:prstGeom prst="rect">
+            <a:avLst/>
+          </a:prstGeom>
+          <a:noFill/>
+        </p:spPr>
+        <p:txBody>
+          <a:bodyPr wrap="square" lIns="91440" tIns="45720" rIns="91440" bIns="45720">
+            <a:spAutoFit/>
+          </a:bodyPr>
+          <a:lstStyle/>
+          <a:p>
+            <a:pPr algn="ctr"/>
+            <a:r>
+              <a:rPr lang="en-US" sz="9600" b="0" cap="none" spc="0" dirty="0">
+                <a:ln w="0"/>
+                <a:solidFill>
+                  <a:srgbClr val="FF0000"/>
+                </a:solidFill>
+                <a:effectLst>
+                  <a:outerShdw blurRad="38100" dist="25400" dir="5400000" algn="ctr" rotWithShape="0">
+                    <a:srgbClr val="6E747A">
+                      <a:alpha val="43000"/>
+                    </a:srgbClr>
+                  </a:outerShdw>
+                </a:effectLst>
+              </a:rPr>
+              <a:t>Redo</a:t>
+            </a:r>
+          </a:p>
+        </p:txBody>
+      </p:sp>
+    </p:spTree>
+    <p:extLst>
+      <p:ext uri="{BB962C8B-B14F-4D97-AF65-F5344CB8AC3E}">
+        <p14:creationId xmlns:p14="http://schemas.microsoft.com/office/powerpoint/2010/main" val="4076811834"/>
+      </p:ext>
+    </p:extLst>
+  </p:cSld>
+  <p:clrMapOvr>
+    <a:masterClrMapping/>
+  </p:clrMapOvr>
+</p:sld>
+</file>
+
+<file path=ppt/slides/slide11.xml><?xml version="1.0" encoding="utf-8"?>
+<p:sld xmlns:a="http://schemas.openxmlformats.org/drawingml/2006/main" xmlns:r="http://schemas.openxmlformats.org/officeDocument/2006/relationships" xmlns:p="http://schemas.openxmlformats.org/presentationml/2006/main">
+  <p:cSld>
+    <p:spTree>
+      <p:nvGrpSpPr>
+        <p:cNvPr id="1" name=""/>
+        <p:cNvGrpSpPr/>
+        <p:nvPr/>
+      </p:nvGrpSpPr>
+      <p:grpSpPr>
+        <a:xfrm>
+          <a:off x="0" y="0"/>
+          <a:ext cx="0" cy="0"/>
+          <a:chOff x="0" y="0"/>
+          <a:chExt cx="0" cy="0"/>
+        </a:xfrm>
+      </p:grpSpPr>
+      <p:sp>
+        <p:nvSpPr>
+          <p:cNvPr id="2" name="Title 1">
+            <a:extLst>
+              <a:ext uri="{FF2B5EF4-FFF2-40B4-BE49-F238E27FC236}">
+                <a16:creationId xmlns:a16="http://schemas.microsoft.com/office/drawing/2014/main" id="{D1EBA635-2F7F-4838-A23A-2C3E13E2F1D5}"/>
+              </a:ext>
+            </a:extLst>
+          </p:cNvPr>
+          <p:cNvSpPr>
+            <a:spLocks noGrp="1"/>
+          </p:cNvSpPr>
+          <p:nvPr>
+            <p:ph type="title"/>
+          </p:nvPr>
+        </p:nvSpPr>
+        <p:spPr>
+          <a:xfrm>
             <a:off x="1141559" y="196965"/>
             <a:ext cx="10285669" cy="987729"/>
           </a:xfrm>
@@ -26907,7 +26281,7 @@
 </p:sld>
 </file>
 
-<file path=ppt/slides/slide11.xml><?xml version="1.0" encoding="utf-8"?>
+<file path=ppt/slides/slide12.xml><?xml version="1.0" encoding="utf-8"?>
 <p:sld xmlns:a="http://schemas.openxmlformats.org/drawingml/2006/main" xmlns:r="http://schemas.openxmlformats.org/officeDocument/2006/relationships" xmlns:p="http://schemas.openxmlformats.org/presentationml/2006/main">
   <p:cSld>
     <p:spTree>
@@ -29534,7 +28908,7 @@
 </p:sld>
 </file>
 
-<file path=ppt/slides/slide12.xml><?xml version="1.0" encoding="utf-8"?>
+<file path=ppt/slides/slide13.xml><?xml version="1.0" encoding="utf-8"?>
 <p:sld xmlns:a="http://schemas.openxmlformats.org/drawingml/2006/main" xmlns:r="http://schemas.openxmlformats.org/officeDocument/2006/relationships" xmlns:p="http://schemas.openxmlformats.org/presentationml/2006/main">
   <p:cSld>
     <p:spTree>
@@ -29551,6 +28925,36 @@
           <a:chExt cx="0" cy="0"/>
         </a:xfrm>
       </p:grpSpPr>
+      <p:pic>
+        <p:nvPicPr>
+          <p:cNvPr id="6" name="Picture 5">
+            <a:extLst>
+              <a:ext uri="{FF2B5EF4-FFF2-40B4-BE49-F238E27FC236}">
+                <a16:creationId xmlns:a16="http://schemas.microsoft.com/office/drawing/2014/main" id="{E98A7D6B-DB9F-4D04-9660-6314C2A3EFC6}"/>
+              </a:ext>
+            </a:extLst>
+          </p:cNvPr>
+          <p:cNvPicPr>
+            <a:picLocks noChangeAspect="1"/>
+          </p:cNvPicPr>
+          <p:nvPr/>
+        </p:nvPicPr>
+        <p:blipFill>
+          <a:blip r:embed="rId2"/>
+          <a:stretch>
+            <a:fillRect/>
+          </a:stretch>
+        </p:blipFill>
+        <p:spPr>
+          <a:xfrm>
+            <a:off x="4852086" y="2499045"/>
+            <a:ext cx="7273469" cy="3994866"/>
+          </a:xfrm>
+          <a:prstGeom prst="rect">
+            <a:avLst/>
+          </a:prstGeom>
+        </p:spPr>
+      </p:pic>
       <p:sp>
         <p:nvSpPr>
           <p:cNvPr id="2" name="Title 1">
@@ -29575,13 +28979,13 @@
         </p:spPr>
         <p:txBody>
           <a:bodyPr>
-            <a:normAutofit fontScale="90000"/>
+            <a:normAutofit/>
           </a:bodyPr>
           <a:lstStyle/>
           <a:p>
             <a:r>
               <a:rPr lang="en-US" dirty="0"/>
-              <a:t>Logistic Regression – Trade Error Detector</a:t>
+              <a:t>Neural Networks &amp; the Brain</a:t>
             </a:r>
           </a:p>
         </p:txBody>
@@ -29609,93 +29013,102 @@
           </a:xfrm>
         </p:spPr>
         <p:txBody>
-          <a:bodyPr/>
+          <a:bodyPr>
+            <a:normAutofit/>
+          </a:bodyPr>
           <a:lstStyle/>
           <a:p>
             <a:r>
               <a:rPr lang="en-US" i="0" dirty="0"/>
-              <a:t>Can we use the same approach to detect errors in manual inputs to say, booking derivatives ?</a:t>
-            </a:r>
-          </a:p>
-          <a:p>
+              <a:t>The </a:t>
+            </a:r>
             <a:r>
               <a:rPr lang="en-US" dirty="0"/>
-              <a:t>Derivative “features”</a:t>
+              <a:t>Computer and the Brain – John </a:t>
+            </a:r>
+            <a:r>
+              <a:rPr lang="en-US" i="0" dirty="0"/>
+              <a:t>Von Neumann 1958</a:t>
             </a:r>
           </a:p>
           <a:p>
             <a:pPr lvl="1"/>
             <a:r>
               <a:rPr lang="en-US" i="0" dirty="0"/>
-              <a:t>Type (IRS Swap, Future, FRA, Swaption, FX)</a:t>
+              <a:t>First concept of an Artificial Neural Network (Human Brain) was 1943 – Pitts &amp; McCullough</a:t>
             </a:r>
           </a:p>
           <a:p>
             <a:pPr lvl="1"/>
             <a:r>
               <a:rPr lang="en-US" i="0" dirty="0"/>
-              <a:t>Notional ($1m – $100m)</a:t>
-            </a:r>
-          </a:p>
-          <a:p>
-            <a:pPr lvl="1"/>
+              <a:t>Biology doesn’t really match, but it sounds great “Deep Learning” (hype)</a:t>
+            </a:r>
+          </a:p>
+          <a:p>
+            <a:endParaRPr lang="en-US" dirty="0"/>
+          </a:p>
+          <a:p>
+            <a:pPr marL="0" indent="0">
+              <a:buNone/>
+            </a:pPr>
+            <a:r>
+              <a:rPr lang="en-US" b="1" i="0" dirty="0"/>
+              <a:t>Interesting facts:</a:t>
+            </a:r>
+          </a:p>
+          <a:p>
             <a:r>
               <a:rPr lang="en-US" i="0" dirty="0"/>
-              <a:t>Counterparty (ABN </a:t>
-            </a:r>
-            <a:r>
-              <a:rPr lang="en-US" i="0" dirty="0" err="1"/>
-              <a:t>Amuro</a:t>
-            </a:r>
+              <a:t>Worm C Elegans – 300 Neurons</a:t>
+            </a:r>
+          </a:p>
+          <a:p>
             <a:r>
               <a:rPr lang="en-US" i="0" dirty="0"/>
-              <a:t>, General Electric, </a:t>
-            </a:r>
-            <a:r>
-              <a:rPr lang="en-US" i="0" dirty="0" err="1"/>
-              <a:t>etc</a:t>
-            </a:r>
-            <a:r>
-              <a:rPr lang="en-US" i="0" dirty="0"/>
-              <a:t>)</a:t>
-            </a:r>
-          </a:p>
-          <a:p>
-            <a:pPr lvl="1"/>
-            <a:r>
-              <a:rPr lang="en-US" i="0" dirty="0"/>
-              <a:t>Reference Index (LIBOR3m+spread, LIBOR6m+spread, </a:t>
-            </a:r>
-            <a:r>
-              <a:rPr lang="en-US" i="0" dirty="0" err="1"/>
-              <a:t>etc</a:t>
-            </a:r>
-            <a:r>
-              <a:rPr lang="en-US" i="0" dirty="0"/>
-              <a:t>)</a:t>
-            </a:r>
-          </a:p>
-          <a:p>
-            <a:pPr lvl="1"/>
-            <a:r>
-              <a:rPr lang="en-US" i="0" dirty="0"/>
-              <a:t># Legs in trade</a:t>
+              <a:t>Fruit Fly – 135k Neurons</a:t>
             </a:r>
           </a:p>
           <a:p>
             <a:r>
               <a:rPr lang="en-US" dirty="0"/>
-              <a:t>How do we map these to numeric features (0.0-1.0) ???   </a:t>
-            </a:r>
-          </a:p>
-          <a:p>
-            <a:r>
-              <a:rPr lang="en-US" i="0" dirty="0"/>
-              <a:t>LR model may not work, luckily there are many other models.</a:t>
-            </a:r>
-          </a:p>
-          <a:p>
+              <a:t>Human – 80B-100B Neurons</a:t>
+            </a:r>
             <a:endParaRPr lang="en-US" i="0" dirty="0"/>
+          </a:p>
+          <a:p>
+            <a:endParaRPr lang="en-US" i="0" dirty="0"/>
+          </a:p>
+          <a:p>
+            <a:pPr marL="0" indent="0">
+              <a:buNone/>
+            </a:pPr>
+            <a:r>
+              <a:rPr lang="en-US" dirty="0"/>
+              <a:t>Modelling AI / ANN this way is </a:t>
+            </a:r>
+          </a:p>
+          <a:p>
+            <a:pPr marL="0" indent="0">
+              <a:buNone/>
+            </a:pPr>
+            <a:r>
+              <a:rPr lang="en-US" dirty="0"/>
+              <a:t>   not going to work… !!</a:t>
+            </a:r>
+            <a:endParaRPr lang="en-US" i="0" dirty="0"/>
+          </a:p>
+          <a:p>
+            <a:endParaRPr lang="en-US" dirty="0"/>
+          </a:p>
+          <a:p>
+            <a:pPr marL="0" indent="0">
+              <a:buNone/>
+            </a:pPr>
+            <a:endParaRPr lang="en-US" dirty="0"/>
+          </a:p>
+          <a:p>
+            <a:endParaRPr lang="en-US" i="0" baseline="30000" dirty="0"/>
           </a:p>
         </p:txBody>
       </p:sp>
@@ -29922,10 +29335,59 @@
           </a:p>
         </p:txBody>
       </p:sp>
+      <p:sp>
+        <p:nvSpPr>
+          <p:cNvPr id="5" name="Rectangle 4">
+            <a:extLst>
+              <a:ext uri="{FF2B5EF4-FFF2-40B4-BE49-F238E27FC236}">
+                <a16:creationId xmlns:a16="http://schemas.microsoft.com/office/drawing/2014/main" id="{9B91E3C2-7014-41CF-8155-11044437BD64}"/>
+              </a:ext>
+            </a:extLst>
+          </p:cNvPr>
+          <p:cNvSpPr/>
+          <p:nvPr/>
+        </p:nvSpPr>
+        <p:spPr>
+          <a:xfrm>
+            <a:off x="799688" y="6291703"/>
+            <a:ext cx="5435975" cy="738664"/>
+          </a:xfrm>
+          <a:prstGeom prst="rect">
+            <a:avLst/>
+          </a:prstGeom>
+        </p:spPr>
+        <p:txBody>
+          <a:bodyPr wrap="none">
+            <a:spAutoFit/>
+          </a:bodyPr>
+          <a:lstStyle/>
+          <a:p>
+            <a:r>
+              <a:rPr lang="en-US" sz="1400" dirty="0">
+                <a:hlinkClick r:id="rId3"/>
+              </a:rPr>
+              <a:t>https://en.wikipedia.org/wiki/Artificial_neural_network</a:t>
+            </a:r>
+            <a:endParaRPr lang="en-US" sz="1400" dirty="0"/>
+          </a:p>
+          <a:p>
+            <a:r>
+              <a:rPr lang="en-US" sz="1400" dirty="0">
+                <a:hlinkClick r:id="rId4"/>
+              </a:rPr>
+              <a:t>http://cs231n.stanford.edu/slides/2017/cs231n_2017_lecture4.pdf</a:t>
+            </a:r>
+            <a:endParaRPr lang="en-US" sz="1400" dirty="0"/>
+          </a:p>
+          <a:p>
+            <a:endParaRPr lang="en-US" sz="1400" dirty="0"/>
+          </a:p>
+        </p:txBody>
+      </p:sp>
     </p:spTree>
     <p:extLst>
       <p:ext uri="{BB962C8B-B14F-4D97-AF65-F5344CB8AC3E}">
-        <p14:creationId xmlns:p14="http://schemas.microsoft.com/office/powerpoint/2010/main" val="2564922533"/>
+        <p14:creationId xmlns:p14="http://schemas.microsoft.com/office/powerpoint/2010/main" val="1383117873"/>
       </p:ext>
     </p:extLst>
   </p:cSld>
@@ -29935,7 +29397,7 @@
 </p:sld>
 </file>
 
-<file path=ppt/slides/slide13.xml><?xml version="1.0" encoding="utf-8"?>
+<file path=ppt/slides/slide14.xml><?xml version="1.0" encoding="utf-8"?>
 <p:sld xmlns:a="http://schemas.openxmlformats.org/drawingml/2006/main" xmlns:r="http://schemas.openxmlformats.org/officeDocument/2006/relationships" xmlns:p="http://schemas.openxmlformats.org/presentationml/2006/main">
   <p:cSld>
     <p:spTree>
@@ -29982,133 +29444,8 @@
           <a:p>
             <a:r>
               <a:rPr lang="en-US" dirty="0"/>
-              <a:t>Neural Networks &amp; the Brain</a:t>
-            </a:r>
-          </a:p>
-        </p:txBody>
-      </p:sp>
-      <p:sp>
-        <p:nvSpPr>
-          <p:cNvPr id="3" name="Content Placeholder 2">
-            <a:extLst>
-              <a:ext uri="{FF2B5EF4-FFF2-40B4-BE49-F238E27FC236}">
-                <a16:creationId xmlns:a16="http://schemas.microsoft.com/office/drawing/2014/main" id="{890E8DCC-CEBE-42F0-BEE6-20CE768757A8}"/>
-              </a:ext>
-            </a:extLst>
-          </p:cNvPr>
-          <p:cNvSpPr>
-            <a:spLocks noGrp="1"/>
-          </p:cNvSpPr>
-          <p:nvPr>
-            <p:ph idx="1"/>
-          </p:nvPr>
-        </p:nvSpPr>
-        <p:spPr>
-          <a:xfrm>
-            <a:off x="1187569" y="1023667"/>
-            <a:ext cx="10550105" cy="5348378"/>
-          </a:xfrm>
-        </p:spPr>
-        <p:txBody>
-          <a:bodyPr>
-            <a:normAutofit fontScale="92500" lnSpcReduction="10000"/>
-          </a:bodyPr>
-          <a:lstStyle/>
-          <a:p>
-            <a:r>
-              <a:rPr lang="en-US" i="0" dirty="0"/>
-              <a:t>&lt;insert comparison of brain neurons &amp; synapses to </a:t>
-            </a:r>
-            <a:r>
-              <a:rPr lang="en-US" i="0" dirty="0" err="1"/>
-              <a:t>transisitors</a:t>
-            </a:r>
-            <a:r>
-              <a:rPr lang="en-US" i="0" dirty="0"/>
-              <a:t> today&gt;</a:t>
-            </a:r>
-            <a:endParaRPr lang="en-US" dirty="0"/>
-          </a:p>
-          <a:p>
-            <a:r>
-              <a:rPr lang="en-US" i="0" dirty="0"/>
-              <a:t>Von Neumann book – not so much similarity (quote Andrew Ng ?)</a:t>
-            </a:r>
-          </a:p>
-          <a:p>
-            <a:endParaRPr lang="en-US" dirty="0"/>
-          </a:p>
-          <a:p>
-            <a:r>
-              <a:rPr lang="en-US" i="0" dirty="0"/>
-              <a:t>Neural Networks &amp; Deep Learning big hype today (Deep Blue, Deep Mind, </a:t>
-            </a:r>
-            <a:r>
-              <a:rPr lang="en-US" i="0" dirty="0" err="1"/>
-              <a:t>etc</a:t>
-            </a:r>
-            <a:r>
-              <a:rPr lang="en-US" i="0" dirty="0"/>
-              <a:t>)</a:t>
-            </a:r>
-          </a:p>
-          <a:p>
-            <a:pPr lvl="1"/>
-            <a:r>
-              <a:rPr lang="en-US" i="0" dirty="0"/>
-              <a:t>Deep Learning == type of Neural Networks with many layers</a:t>
-            </a:r>
-          </a:p>
-          <a:p>
-            <a:endParaRPr lang="en-US" dirty="0"/>
-          </a:p>
-          <a:p>
-            <a:r>
-              <a:rPr lang="en-US" i="0" dirty="0"/>
-              <a:t>Example of NN next</a:t>
-            </a:r>
-          </a:p>
-          <a:p>
-            <a:endParaRPr lang="en-US" i="0" dirty="0"/>
-          </a:p>
-          <a:p>
-            <a:endParaRPr lang="en-US" dirty="0"/>
-          </a:p>
-          <a:p>
-            <a:pPr marL="0" indent="0">
-              <a:buNone/>
-            </a:pPr>
-            <a:endParaRPr lang="en-US" dirty="0"/>
-          </a:p>
-          <a:p>
-            <a:endParaRPr lang="en-US" i="0" baseline="30000" dirty="0"/>
-          </a:p>
-          <a:p>
-            <a:r>
-              <a:rPr lang="en-US" dirty="0"/>
-              <a:t>Side-by-side illustrations of biological and artificial neurons, via </a:t>
-            </a:r>
-            <a:r>
-              <a:rPr lang="en-US" dirty="0">
-                <a:hlinkClick r:id="rId2"/>
-              </a:rPr>
-              <a:t>Stanford’s CS231n</a:t>
-            </a:r>
-            <a:r>
-              <a:rPr lang="en-US" dirty="0"/>
-              <a:t>. This analogy can’t be taken too literally — biological neurons can do things that artificial neurons can’t, and vice versa — but it’s useful to understand the biological inspiration. See Wikipedia’s description of </a:t>
-            </a:r>
-            <a:r>
-              <a:rPr lang="en-US" dirty="0">
-                <a:hlinkClick r:id="rId3"/>
-              </a:rPr>
-              <a:t>biological vs. artificial neurons</a:t>
-            </a:r>
-            <a:r>
-              <a:rPr lang="en-US" dirty="0"/>
-              <a:t> for more detail.</a:t>
-            </a:r>
-            <a:endParaRPr lang="en-US" i="0" baseline="30000" dirty="0"/>
+              <a:t>Neural Network Types</a:t>
+            </a:r>
           </a:p>
         </p:txBody>
       </p:sp>
@@ -30335,12 +29672,106 @@
           </a:p>
         </p:txBody>
       </p:sp>
+      <p:sp>
+        <p:nvSpPr>
+          <p:cNvPr id="5" name="Rectangle 4">
+            <a:extLst>
+              <a:ext uri="{FF2B5EF4-FFF2-40B4-BE49-F238E27FC236}">
+                <a16:creationId xmlns:a16="http://schemas.microsoft.com/office/drawing/2014/main" id="{EE20061C-3D6F-49DF-A7FA-F44B236CD315}"/>
+              </a:ext>
+            </a:extLst>
+          </p:cNvPr>
+          <p:cNvSpPr/>
+          <p:nvPr/>
+        </p:nvSpPr>
+        <p:spPr>
+          <a:xfrm>
+            <a:off x="718050" y="6507146"/>
+            <a:ext cx="8682681" cy="307777"/>
+          </a:xfrm>
+          <a:prstGeom prst="rect">
+            <a:avLst/>
+          </a:prstGeom>
+        </p:spPr>
+        <p:txBody>
+          <a:bodyPr wrap="square">
+            <a:spAutoFit/>
+          </a:bodyPr>
+          <a:lstStyle/>
+          <a:p>
+            <a:r>
+              <a:rPr lang="en-US" sz="1400" dirty="0"/>
+              <a:t>https://towardsdatascience.com/the-mostly-complete-chart-of-neural-networks-explained-3fb6f2367464</a:t>
+            </a:r>
+          </a:p>
+        </p:txBody>
+      </p:sp>
       <p:pic>
         <p:nvPicPr>
           <p:cNvPr id="6" name="Picture 5">
             <a:extLst>
               <a:ext uri="{FF2B5EF4-FFF2-40B4-BE49-F238E27FC236}">
-                <a16:creationId xmlns:a16="http://schemas.microsoft.com/office/drawing/2014/main" id="{E98A7D6B-DB9F-4D04-9660-6314C2A3EFC6}"/>
+                <a16:creationId xmlns:a16="http://schemas.microsoft.com/office/drawing/2014/main" id="{BC6615FB-E988-4B09-A76A-99C70FCB2E66}"/>
+              </a:ext>
+            </a:extLst>
+          </p:cNvPr>
+          <p:cNvPicPr>
+            <a:picLocks noChangeAspect="1"/>
+          </p:cNvPicPr>
+          <p:nvPr/>
+        </p:nvPicPr>
+        <p:blipFill>
+          <a:blip r:embed="rId2"/>
+          <a:stretch>
+            <a:fillRect/>
+          </a:stretch>
+        </p:blipFill>
+        <p:spPr>
+          <a:xfrm>
+            <a:off x="3040266" y="1267451"/>
+            <a:ext cx="1781175" cy="1409700"/>
+          </a:xfrm>
+          <a:prstGeom prst="rect">
+            <a:avLst/>
+          </a:prstGeom>
+        </p:spPr>
+      </p:pic>
+      <p:pic>
+        <p:nvPicPr>
+          <p:cNvPr id="7" name="Picture 6">
+            <a:extLst>
+              <a:ext uri="{FF2B5EF4-FFF2-40B4-BE49-F238E27FC236}">
+                <a16:creationId xmlns:a16="http://schemas.microsoft.com/office/drawing/2014/main" id="{94DCA169-B355-4723-BC05-EC0C6D2AB362}"/>
+              </a:ext>
+            </a:extLst>
+          </p:cNvPr>
+          <p:cNvPicPr>
+            <a:picLocks noChangeAspect="1"/>
+          </p:cNvPicPr>
+          <p:nvPr/>
+        </p:nvPicPr>
+        <p:blipFill>
+          <a:blip r:embed="rId3"/>
+          <a:stretch>
+            <a:fillRect/>
+          </a:stretch>
+        </p:blipFill>
+        <p:spPr>
+          <a:xfrm>
+            <a:off x="5165998" y="1114425"/>
+            <a:ext cx="2400300" cy="2314575"/>
+          </a:xfrm>
+          <a:prstGeom prst="rect">
+            <a:avLst/>
+          </a:prstGeom>
+        </p:spPr>
+      </p:pic>
+      <p:pic>
+        <p:nvPicPr>
+          <p:cNvPr id="8" name="Picture 7">
+            <a:extLst>
+              <a:ext uri="{FF2B5EF4-FFF2-40B4-BE49-F238E27FC236}">
+                <a16:creationId xmlns:a16="http://schemas.microsoft.com/office/drawing/2014/main" id="{B310D4A6-0E5A-4807-91C8-E0E1095F1FAD}"/>
               </a:ext>
             </a:extLst>
           </p:cNvPr>
@@ -30357,8 +29788,98 @@
         </p:blipFill>
         <p:spPr>
           <a:xfrm>
-            <a:off x="5711991" y="2443036"/>
-            <a:ext cx="5953536" cy="2894907"/>
+            <a:off x="2233812" y="4114175"/>
+            <a:ext cx="2990850" cy="1962150"/>
+          </a:xfrm>
+          <a:prstGeom prst="rect">
+            <a:avLst/>
+          </a:prstGeom>
+        </p:spPr>
+      </p:pic>
+      <p:pic>
+        <p:nvPicPr>
+          <p:cNvPr id="9" name="Picture 8">
+            <a:extLst>
+              <a:ext uri="{FF2B5EF4-FFF2-40B4-BE49-F238E27FC236}">
+                <a16:creationId xmlns:a16="http://schemas.microsoft.com/office/drawing/2014/main" id="{AB37DD6D-D6D4-44BC-A227-59ED0B6F3C1B}"/>
+              </a:ext>
+            </a:extLst>
+          </p:cNvPr>
+          <p:cNvPicPr>
+            <a:picLocks noChangeAspect="1"/>
+          </p:cNvPicPr>
+          <p:nvPr/>
+        </p:nvPicPr>
+        <p:blipFill>
+          <a:blip r:embed="rId5"/>
+          <a:stretch>
+            <a:fillRect/>
+          </a:stretch>
+        </p:blipFill>
+        <p:spPr>
+          <a:xfrm>
+            <a:off x="7910855" y="996918"/>
+            <a:ext cx="4010025" cy="2819400"/>
+          </a:xfrm>
+          <a:prstGeom prst="rect">
+            <a:avLst/>
+          </a:prstGeom>
+        </p:spPr>
+      </p:pic>
+      <p:pic>
+        <p:nvPicPr>
+          <p:cNvPr id="10" name="Picture 9">
+            <a:extLst>
+              <a:ext uri="{FF2B5EF4-FFF2-40B4-BE49-F238E27FC236}">
+                <a16:creationId xmlns:a16="http://schemas.microsoft.com/office/drawing/2014/main" id="{AD729ED1-3B84-4B1A-BFD9-D0EDF11317BF}"/>
+              </a:ext>
+            </a:extLst>
+          </p:cNvPr>
+          <p:cNvPicPr>
+            <a:picLocks noChangeAspect="1"/>
+          </p:cNvPicPr>
+          <p:nvPr/>
+        </p:nvPicPr>
+        <p:blipFill>
+          <a:blip r:embed="rId6"/>
+          <a:stretch>
+            <a:fillRect/>
+          </a:stretch>
+        </p:blipFill>
+        <p:spPr>
+          <a:xfrm>
+            <a:off x="6830560" y="4114175"/>
+            <a:ext cx="3590925" cy="2162175"/>
+          </a:xfrm>
+          <a:prstGeom prst="rect">
+            <a:avLst/>
+          </a:prstGeom>
+        </p:spPr>
+      </p:pic>
+      <p:pic>
+        <p:nvPicPr>
+          <p:cNvPr id="11" name="Picture 10">
+            <a:extLst>
+              <a:ext uri="{FF2B5EF4-FFF2-40B4-BE49-F238E27FC236}">
+                <a16:creationId xmlns:a16="http://schemas.microsoft.com/office/drawing/2014/main" id="{13AFC95D-3E7C-4B33-9A0E-1762D3D490A2}"/>
+              </a:ext>
+            </a:extLst>
+          </p:cNvPr>
+          <p:cNvPicPr>
+            <a:picLocks noChangeAspect="1"/>
+          </p:cNvPicPr>
+          <p:nvPr/>
+        </p:nvPicPr>
+        <p:blipFill>
+          <a:blip r:embed="rId7"/>
+          <a:stretch>
+            <a:fillRect/>
+          </a:stretch>
+        </p:blipFill>
+        <p:spPr>
+          <a:xfrm>
+            <a:off x="1215701" y="1267451"/>
+            <a:ext cx="1524000" cy="1476375"/>
           </a:xfrm>
           <a:prstGeom prst="rect">
             <a:avLst/>
@@ -30368,7 +29889,7 @@
     </p:spTree>
     <p:extLst>
       <p:ext uri="{BB962C8B-B14F-4D97-AF65-F5344CB8AC3E}">
-        <p14:creationId xmlns:p14="http://schemas.microsoft.com/office/powerpoint/2010/main" val="1383117873"/>
+        <p14:creationId xmlns:p14="http://schemas.microsoft.com/office/powerpoint/2010/main" val="1876620663"/>
       </p:ext>
     </p:extLst>
   </p:cSld>
@@ -30378,7 +29899,7 @@
 </p:sld>
 </file>
 
-<file path=ppt/slides/slide14.xml><?xml version="1.0" encoding="utf-8"?>
+<file path=ppt/slides/slide15.xml><?xml version="1.0" encoding="utf-8"?>
 <p:sld xmlns:a="http://schemas.openxmlformats.org/drawingml/2006/main" xmlns:r="http://schemas.openxmlformats.org/officeDocument/2006/relationships" xmlns:p="http://schemas.openxmlformats.org/presentationml/2006/main">
   <p:cSld>
     <p:spTree>
@@ -30419,13 +29940,13 @@
         </p:spPr>
         <p:txBody>
           <a:bodyPr>
-            <a:normAutofit fontScale="90000"/>
+            <a:normAutofit/>
           </a:bodyPr>
           <a:lstStyle/>
           <a:p>
             <a:r>
               <a:rPr lang="en-US" dirty="0"/>
-              <a:t>Neural Network – Trade Error Detector (v2)</a:t>
+              <a:t>Digression– Challenges to think about</a:t>
             </a:r>
           </a:p>
         </p:txBody>
@@ -30457,103 +29978,85 @@
           <a:lstStyle/>
           <a:p>
             <a:r>
+              <a:rPr lang="en-US" i="0" dirty="0"/>
+              <a:t>Feature Growth – (Imagine 1 for every word in the dictionary ???)</a:t>
+            </a:r>
+          </a:p>
+          <a:p>
+            <a:pPr lvl="1"/>
+            <a:r>
+              <a:rPr lang="en-US" i="0" dirty="0"/>
+              <a:t>Slow to train</a:t>
+            </a:r>
+          </a:p>
+          <a:p>
+            <a:pPr lvl="1"/>
+            <a:r>
+              <a:rPr lang="en-US" i="0" dirty="0"/>
+              <a:t>Hard to determine valuable features vs junk</a:t>
+            </a:r>
+          </a:p>
+          <a:p>
+            <a:r>
               <a:rPr lang="en-US" dirty="0"/>
-              <a:t>Recap Derivative “features”</a:t>
+              <a:t>Non-Numeric Features</a:t>
             </a:r>
           </a:p>
           <a:p>
             <a:pPr lvl="1"/>
             <a:r>
               <a:rPr lang="en-US" i="0" dirty="0"/>
-              <a:t>Type (IRS Swap, Future, FRA, Swaption, FX)</a:t>
+              <a:t>How to encode Trade Type = “Swap, Bond, Future” into digits ?</a:t>
             </a:r>
           </a:p>
           <a:p>
             <a:pPr lvl="1"/>
             <a:r>
               <a:rPr lang="en-US" i="0" dirty="0"/>
-              <a:t>Notional ($1m – $100m)</a:t>
+              <a:t>How to normalize across numbers of various ranges (Notional $100m’s vs Gender M/F)</a:t>
+            </a:r>
+            <a:br>
+              <a:rPr lang="en-US" i="0" dirty="0"/>
+            </a:br>
+            <a:endParaRPr lang="en-US" i="0" dirty="0"/>
+          </a:p>
+          <a:p>
+            <a:r>
+              <a:rPr lang="en-US" i="0" dirty="0"/>
+              <a:t>Which model to use – there are so many ….</a:t>
+            </a:r>
+          </a:p>
+          <a:p>
+            <a:endParaRPr lang="en-US" i="0" dirty="0"/>
+          </a:p>
+          <a:p>
+            <a:r>
+              <a:rPr lang="en-US" dirty="0"/>
+              <a:t>Training takes time (can take days/weeks on hundreds of CPU to train an AI)</a:t>
             </a:r>
           </a:p>
           <a:p>
             <a:pPr lvl="1"/>
             <a:r>
               <a:rPr lang="en-US" i="0" dirty="0"/>
-              <a:t>Counterparty (ABN </a:t>
-            </a:r>
-            <a:r>
-              <a:rPr lang="en-US" i="0" dirty="0" err="1"/>
-              <a:t>Amuro</a:t>
-            </a:r>
+              <a:t>Game AI Dota2 (open.ai 2017)  Months w/ 256 GPUs and 128,000 CPU cores !!    </a:t>
+            </a:r>
+          </a:p>
+          <a:p>
+            <a:pPr lvl="1"/>
             <a:r>
               <a:rPr lang="en-US" i="0" dirty="0"/>
-              <a:t>, General Electric, </a:t>
-            </a:r>
-            <a:r>
-              <a:rPr lang="en-US" i="0" dirty="0" err="1"/>
-              <a:t>etc</a:t>
-            </a:r>
+              <a:t>Alpha Go (Google 2015) – 40 days w/ 176 GPU</a:t>
+            </a:r>
+          </a:p>
+          <a:p>
+            <a:pPr lvl="1"/>
             <a:r>
               <a:rPr lang="en-US" i="0" dirty="0"/>
-              <a:t>)</a:t>
-            </a:r>
-          </a:p>
-          <a:p>
-            <a:pPr lvl="1"/>
-            <a:r>
-              <a:rPr lang="en-US" i="0" dirty="0"/>
-              <a:t>Reference Index (LIBOR3m+spread, LIBOR6m+spread, </a:t>
-            </a:r>
-            <a:r>
-              <a:rPr lang="en-US" i="0" dirty="0" err="1"/>
-              <a:t>etc</a:t>
-            </a:r>
-            <a:r>
-              <a:rPr lang="en-US" i="0" dirty="0"/>
-              <a:t>)</a:t>
-            </a:r>
-          </a:p>
-          <a:p>
-            <a:pPr lvl="1"/>
-            <a:r>
-              <a:rPr lang="en-US" i="0" dirty="0"/>
-              <a:t># Legs in trade</a:t>
-            </a:r>
-          </a:p>
-          <a:p>
-            <a:r>
-              <a:rPr lang="en-US" dirty="0"/>
-              <a:t>&lt;insert 5x5x5x1 NN&gt;</a:t>
-            </a:r>
-          </a:p>
-          <a:p>
-            <a:r>
-              <a:rPr lang="en-US" i="0" dirty="0"/>
-              <a:t>Show relationships can be model</a:t>
-            </a:r>
-            <a:r>
-              <a:rPr lang="en-US" dirty="0"/>
-              <a:t>led (XOR for example) and hierarchies</a:t>
-            </a:r>
-          </a:p>
-          <a:p>
-            <a:r>
-              <a:rPr lang="en-US" i="0" dirty="0"/>
-              <a:t>Training the NN is much harder (GPU / ASIC required) – show # of weights to calculate</a:t>
-            </a:r>
-          </a:p>
-          <a:p>
-            <a:endParaRPr lang="en-US" dirty="0"/>
-          </a:p>
-          <a:p>
-            <a:r>
-              <a:rPr lang="en-US" i="0" dirty="0"/>
-              <a:t>&lt;Insert std </a:t>
-            </a:r>
-            <a:r>
-              <a:rPr lang="en-US" i="0"/>
-              <a:t>NN diagram&gt;</a:t>
-            </a:r>
+              <a:t>Alpha Go Zero (2017) – 3 days w/ just 4 TPU !!</a:t>
+            </a:r>
+          </a:p>
+          <a:p>
             <a:endParaRPr lang="en-US" i="0" dirty="0"/>
           </a:p>
           <a:p>
@@ -30784,10 +30287,71 @@
           </a:p>
         </p:txBody>
       </p:sp>
+      <p:sp>
+        <p:nvSpPr>
+          <p:cNvPr id="5" name="Rectangle 4">
+            <a:extLst>
+              <a:ext uri="{FF2B5EF4-FFF2-40B4-BE49-F238E27FC236}">
+                <a16:creationId xmlns:a16="http://schemas.microsoft.com/office/drawing/2014/main" id="{6DA7B5F2-1DCF-4D5C-A016-46F6A2DEC5FD}"/>
+              </a:ext>
+            </a:extLst>
+          </p:cNvPr>
+          <p:cNvSpPr/>
+          <p:nvPr/>
+        </p:nvSpPr>
+        <p:spPr>
+          <a:xfrm>
+            <a:off x="783004" y="6080952"/>
+            <a:ext cx="4693849" cy="954107"/>
+          </a:xfrm>
+          <a:prstGeom prst="rect">
+            <a:avLst/>
+          </a:prstGeom>
+        </p:spPr>
+        <p:txBody>
+          <a:bodyPr wrap="none">
+            <a:spAutoFit/>
+          </a:bodyPr>
+          <a:lstStyle/>
+          <a:p>
+            <a:r>
+              <a:rPr lang="en-US" sz="1400" dirty="0">
+                <a:latin typeface="Calibri" panose="020F0502020204030204" pitchFamily="34" charset="0"/>
+                <a:hlinkClick r:id="rId2"/>
+              </a:rPr>
+              <a:t>https://blog.openai.com/openai-five/</a:t>
+            </a:r>
+            <a:endParaRPr lang="en-US" sz="1400" dirty="0">
+              <a:latin typeface="Calibri" panose="020F0502020204030204" pitchFamily="34" charset="0"/>
+            </a:endParaRPr>
+          </a:p>
+          <a:p>
+            <a:r>
+              <a:rPr lang="en-US" sz="1400" dirty="0">
+                <a:hlinkClick r:id="rId3"/>
+              </a:rPr>
+              <a:t>https://en.wikipedia.org/wiki/AlphaGo</a:t>
+            </a:r>
+            <a:endParaRPr lang="en-US" sz="1400" dirty="0"/>
+          </a:p>
+          <a:p>
+            <a:r>
+              <a:rPr lang="en-US" sz="1400" dirty="0">
+                <a:hlinkClick r:id="rId4"/>
+              </a:rPr>
+              <a:t>https://deepmind.com/blog/alphago-zero-learning-scratch/</a:t>
+            </a:r>
+            <a:endParaRPr lang="en-US" sz="1400" dirty="0"/>
+          </a:p>
+          <a:p>
+            <a:endParaRPr lang="en-US" sz="1400" dirty="0"/>
+          </a:p>
+        </p:txBody>
+      </p:sp>
     </p:spTree>
     <p:extLst>
       <p:ext uri="{BB962C8B-B14F-4D97-AF65-F5344CB8AC3E}">
-        <p14:creationId xmlns:p14="http://schemas.microsoft.com/office/powerpoint/2010/main" val="1876620663"/>
+        <p14:creationId xmlns:p14="http://schemas.microsoft.com/office/powerpoint/2010/main" val="2564922533"/>
       </p:ext>
     </p:extLst>
   </p:cSld>
@@ -30797,7 +30361,7 @@
 </p:sld>
 </file>
 
-<file path=ppt/slides/slide15.xml><?xml version="1.0" encoding="utf-8"?>
+<file path=ppt/slides/slide16.xml><?xml version="1.0" encoding="utf-8"?>
 <p:sld xmlns:a="http://schemas.openxmlformats.org/drawingml/2006/main" xmlns:r="http://schemas.openxmlformats.org/officeDocument/2006/relationships" xmlns:p="http://schemas.openxmlformats.org/presentationml/2006/main">
   <p:cSld>
     <p:spTree>
@@ -30844,7 +30408,7 @@
           <a:p>
             <a:r>
               <a:rPr lang="en-US" dirty="0"/>
-              <a:t>Current State of AI/ML - Showdown</a:t>
+              <a:t>State of AI/ML – Platform Showdown</a:t>
             </a:r>
           </a:p>
         </p:txBody>
@@ -31162,7 +30726,7 @@
 </p:sld>
 </file>
 
-<file path=ppt/slides/slide16.xml><?xml version="1.0" encoding="utf-8"?>
+<file path=ppt/slides/slide17.xml><?xml version="1.0" encoding="utf-8"?>
 <p:sld xmlns:a="http://schemas.openxmlformats.org/drawingml/2006/main" xmlns:r="http://schemas.openxmlformats.org/officeDocument/2006/relationships" xmlns:p="http://schemas.openxmlformats.org/presentationml/2006/main">
   <p:cSld>
     <p:spTree>
@@ -31207,7 +30771,7 @@
           <a:p>
             <a:r>
               <a:rPr lang="en-US" dirty="0"/>
-              <a:t>Machine Learning Pipeline</a:t>
+              <a:t>Machine Learning Workflow</a:t>
             </a:r>
           </a:p>
         </p:txBody>
@@ -31225,14 +30789,14 @@
           <p:nvPr>
             <p:extLst>
               <p:ext uri="{D42A27DB-BD31-4B8C-83A1-F6EECF244321}">
-                <p14:modId xmlns:p14="http://schemas.microsoft.com/office/powerpoint/2010/main" val="797200104"/>
+                <p14:modId xmlns:p14="http://schemas.microsoft.com/office/powerpoint/2010/main" val="694463542"/>
               </p:ext>
             </p:extLst>
           </p:nvPr>
         </p:nvGraphicFramePr>
         <p:xfrm>
-          <a:off x="692726" y="128717"/>
-          <a:ext cx="11626735" cy="4998719"/>
+          <a:off x="752419" y="962350"/>
+          <a:ext cx="11439582" cy="3316121"/>
         </p:xfrm>
         <a:graphic>
           <a:graphicData uri="http://schemas.openxmlformats.org/drawingml/2006/diagram">
@@ -31242,10 +30806,110 @@
       </p:graphicFrame>
       <p:sp>
         <p:nvSpPr>
-          <p:cNvPr id="25" name="TextBox 24">
+          <p:cNvPr id="23" name="Arrow: U-Turn 22">
             <a:extLst>
               <a:ext uri="{FF2B5EF4-FFF2-40B4-BE49-F238E27FC236}">
-                <a16:creationId xmlns:a16="http://schemas.microsoft.com/office/drawing/2014/main" id="{4B957AE0-4089-4B15-A67D-54E4F82C88F3}"/>
+                <a16:creationId xmlns:a16="http://schemas.microsoft.com/office/drawing/2014/main" id="{715946FC-6A8B-4724-A1AD-DA450668EA88}"/>
+              </a:ext>
+            </a:extLst>
+          </p:cNvPr>
+          <p:cNvSpPr/>
+          <p:nvPr/>
+        </p:nvSpPr>
+        <p:spPr>
+          <a:xfrm flipH="1">
+            <a:off x="5458691" y="1443029"/>
+            <a:ext cx="3933830" cy="709353"/>
+          </a:xfrm>
+          <a:prstGeom prst="uturnArrow">
+            <a:avLst/>
+          </a:prstGeom>
+        </p:spPr>
+        <p:style>
+          <a:lnRef idx="2">
+            <a:schemeClr val="accent1">
+              <a:shade val="50000"/>
+            </a:schemeClr>
+          </a:lnRef>
+          <a:fillRef idx="1">
+            <a:schemeClr val="accent1"/>
+          </a:fillRef>
+          <a:effectRef idx="0">
+            <a:schemeClr val="accent1"/>
+          </a:effectRef>
+          <a:fontRef idx="minor">
+            <a:schemeClr val="lt1"/>
+          </a:fontRef>
+        </p:style>
+        <p:txBody>
+          <a:bodyPr rtlCol="0" anchor="ctr"/>
+          <a:lstStyle/>
+          <a:p>
+            <a:pPr algn="ctr"/>
+            <a:endParaRPr lang="en-US">
+              <a:solidFill>
+                <a:schemeClr val="tx1"/>
+              </a:solidFill>
+            </a:endParaRPr>
+          </a:p>
+        </p:txBody>
+      </p:sp>
+      <p:sp>
+        <p:nvSpPr>
+          <p:cNvPr id="20" name="Arrow: U-Turn 19">
+            <a:extLst>
+              <a:ext uri="{FF2B5EF4-FFF2-40B4-BE49-F238E27FC236}">
+                <a16:creationId xmlns:a16="http://schemas.microsoft.com/office/drawing/2014/main" id="{F80451D5-54E8-44F8-99E3-E429C9A68F54}"/>
+              </a:ext>
+            </a:extLst>
+          </p:cNvPr>
+          <p:cNvSpPr/>
+          <p:nvPr/>
+        </p:nvSpPr>
+        <p:spPr>
+          <a:xfrm flipH="1">
+            <a:off x="7342909" y="1448571"/>
+            <a:ext cx="2037601" cy="709353"/>
+          </a:xfrm>
+          <a:prstGeom prst="uturnArrow">
+            <a:avLst/>
+          </a:prstGeom>
+        </p:spPr>
+        <p:style>
+          <a:lnRef idx="2">
+            <a:schemeClr val="accent1">
+              <a:shade val="50000"/>
+            </a:schemeClr>
+          </a:lnRef>
+          <a:fillRef idx="1">
+            <a:schemeClr val="accent1"/>
+          </a:fillRef>
+          <a:effectRef idx="0">
+            <a:schemeClr val="accent1"/>
+          </a:effectRef>
+          <a:fontRef idx="minor">
+            <a:schemeClr val="lt1"/>
+          </a:fontRef>
+        </p:style>
+        <p:txBody>
+          <a:bodyPr rtlCol="0" anchor="ctr"/>
+          <a:lstStyle/>
+          <a:p>
+            <a:pPr algn="ctr"/>
+            <a:endParaRPr lang="en-US" dirty="0">
+              <a:solidFill>
+                <a:schemeClr val="tx1"/>
+              </a:solidFill>
+            </a:endParaRPr>
+          </a:p>
+        </p:txBody>
+      </p:sp>
+      <p:sp>
+        <p:nvSpPr>
+          <p:cNvPr id="10" name="TextBox 9">
+            <a:extLst>
+              <a:ext uri="{FF2B5EF4-FFF2-40B4-BE49-F238E27FC236}">
+                <a16:creationId xmlns:a16="http://schemas.microsoft.com/office/drawing/2014/main" id="{ED0B6220-1AE7-4B1C-807A-17605CD634D9}"/>
               </a:ext>
             </a:extLst>
           </p:cNvPr>
@@ -31254,8 +30918,8 @@
         </p:nvSpPr>
         <p:spPr>
           <a:xfrm>
-            <a:off x="1078693" y="6111529"/>
-            <a:ext cx="10854802" cy="369332"/>
+            <a:off x="395695" y="3068817"/>
+            <a:ext cx="2312360" cy="400110"/>
           </a:xfrm>
           <a:prstGeom prst="rect">
             <a:avLst/>
@@ -31268,16 +30932,580 @@
           </a:bodyPr>
           <a:lstStyle/>
           <a:p>
-            <a:endParaRPr lang="en-US" dirty="0"/>
+            <a:pPr algn="ctr"/>
+            <a:r>
+              <a:rPr lang="en-US" sz="2000" b="1" i="1" u="sng" dirty="0"/>
+              <a:t>Durations</a:t>
+            </a:r>
           </a:p>
         </p:txBody>
       </p:sp>
       <p:sp>
         <p:nvSpPr>
-          <p:cNvPr id="24" name="Partial Circle 4">
+          <p:cNvPr id="12" name="Arrow: U-Turn 11">
             <a:extLst>
               <a:ext uri="{FF2B5EF4-FFF2-40B4-BE49-F238E27FC236}">
-                <a16:creationId xmlns:a16="http://schemas.microsoft.com/office/drawing/2014/main" id="{C28B5EFB-1308-4898-8A87-4770F32CFF55}"/>
+                <a16:creationId xmlns:a16="http://schemas.microsoft.com/office/drawing/2014/main" id="{A2FDA694-87BA-4E51-B7A4-D9302811F3D3}"/>
+              </a:ext>
+            </a:extLst>
+          </p:cNvPr>
+          <p:cNvSpPr/>
+          <p:nvPr/>
+        </p:nvSpPr>
+        <p:spPr>
+          <a:xfrm flipH="1">
+            <a:off x="1460179" y="1586420"/>
+            <a:ext cx="2037601" cy="583606"/>
+          </a:xfrm>
+          <a:prstGeom prst="uturnArrow">
+            <a:avLst/>
+          </a:prstGeom>
+        </p:spPr>
+        <p:style>
+          <a:lnRef idx="2">
+            <a:schemeClr val="accent1">
+              <a:shade val="50000"/>
+            </a:schemeClr>
+          </a:lnRef>
+          <a:fillRef idx="1">
+            <a:schemeClr val="accent1"/>
+          </a:fillRef>
+          <a:effectRef idx="0">
+            <a:schemeClr val="accent1"/>
+          </a:effectRef>
+          <a:fontRef idx="minor">
+            <a:schemeClr val="lt1"/>
+          </a:fontRef>
+        </p:style>
+        <p:txBody>
+          <a:bodyPr rtlCol="0" anchor="ctr"/>
+          <a:lstStyle/>
+          <a:p>
+            <a:pPr algn="ctr"/>
+            <a:endParaRPr lang="en-US" dirty="0">
+              <a:solidFill>
+                <a:schemeClr val="tx1"/>
+              </a:solidFill>
+            </a:endParaRPr>
+          </a:p>
+        </p:txBody>
+      </p:sp>
+      <p:sp>
+        <p:nvSpPr>
+          <p:cNvPr id="3" name="ddSubTitle">
+            <a:extLst>
+              <a:ext uri="{FF2B5EF4-FFF2-40B4-BE49-F238E27FC236}">
+                <a16:creationId xmlns:a16="http://schemas.microsoft.com/office/drawing/2014/main" id="{890E8DCC-CEBE-42F0-BEE6-20CE768757A8}"/>
+              </a:ext>
+            </a:extLst>
+          </p:cNvPr>
+          <p:cNvSpPr>
+            <a:spLocks noGrp="1"/>
+          </p:cNvSpPr>
+          <p:nvPr>
+            <p:ph idx="1"/>
+          </p:nvPr>
+        </p:nvSpPr>
+        <p:spPr>
+          <a:xfrm>
+            <a:off x="1092319" y="1276588"/>
+            <a:ext cx="2920883" cy="461666"/>
+          </a:xfrm>
+        </p:spPr>
+        <p:txBody>
+          <a:bodyPr>
+            <a:normAutofit/>
+          </a:bodyPr>
+          <a:lstStyle/>
+          <a:p>
+            <a:pPr marL="0" indent="0" algn="ctr">
+              <a:buNone/>
+            </a:pPr>
+            <a:r>
+              <a:rPr lang="en-US" b="1" i="1" dirty="0"/>
+              <a:t>I. Load/Cleanup Data</a:t>
+            </a:r>
+            <a:endParaRPr lang="en-US" i="0" dirty="0"/>
+          </a:p>
+        </p:txBody>
+      </p:sp>
+      <p:sp>
+        <p:nvSpPr>
+          <p:cNvPr id="14" name="ddSubTitle">
+            <a:extLst>
+              <a:ext uri="{FF2B5EF4-FFF2-40B4-BE49-F238E27FC236}">
+                <a16:creationId xmlns:a16="http://schemas.microsoft.com/office/drawing/2014/main" id="{5574BA87-2165-45A9-9D74-6DABA821BFBA}"/>
+              </a:ext>
+            </a:extLst>
+          </p:cNvPr>
+          <p:cNvSpPr txBox="1">
+            <a:spLocks/>
+          </p:cNvSpPr>
+          <p:nvPr/>
+        </p:nvSpPr>
+        <p:spPr>
+          <a:xfrm>
+            <a:off x="5889182" y="1121251"/>
+            <a:ext cx="3131250" cy="461666"/>
+          </a:xfrm>
+          <a:prstGeom prst="rect">
+            <a:avLst/>
+          </a:prstGeom>
+        </p:spPr>
+        <p:txBody>
+          <a:bodyPr vert="horz" lIns="91440" tIns="45720" rIns="91440" bIns="45720" rtlCol="0">
+            <a:normAutofit/>
+          </a:bodyPr>
+          <a:lstStyle>
+            <a:lvl1pPr marL="384048" indent="-384048" algn="l" defTabSz="914400" rtl="0" eaLnBrk="1" latinLnBrk="0" hangingPunct="1">
+              <a:lnSpc>
+                <a:spcPct val="94000"/>
+              </a:lnSpc>
+              <a:spcBef>
+                <a:spcPts val="1000"/>
+              </a:spcBef>
+              <a:spcAft>
+                <a:spcPts val="200"/>
+              </a:spcAft>
+              <a:buFont typeface="Franklin Gothic Book" panose="020B0503020102020204" pitchFamily="34" charset="0"/>
+              <a:buChar char="■"/>
+              <a:defRPr sz="2000" kern="1200" baseline="0">
+                <a:solidFill>
+                  <a:schemeClr val="tx2"/>
+                </a:solidFill>
+                <a:latin typeface="+mn-lt"/>
+                <a:ea typeface="+mn-ea"/>
+                <a:cs typeface="+mn-cs"/>
+              </a:defRPr>
+            </a:lvl1pPr>
+            <a:lvl2pPr marL="914400" indent="-384048" algn="l" defTabSz="914400" rtl="0" eaLnBrk="1" latinLnBrk="0" hangingPunct="1">
+              <a:lnSpc>
+                <a:spcPct val="94000"/>
+              </a:lnSpc>
+              <a:spcBef>
+                <a:spcPts val="500"/>
+              </a:spcBef>
+              <a:spcAft>
+                <a:spcPts val="200"/>
+              </a:spcAft>
+              <a:buFont typeface="Franklin Gothic Book" panose="020B0503020102020204" pitchFamily="34" charset="0"/>
+              <a:buChar char="–"/>
+              <a:defRPr sz="2000" i="1" kern="1200" baseline="0">
+                <a:solidFill>
+                  <a:schemeClr val="tx2"/>
+                </a:solidFill>
+                <a:latin typeface="+mn-lt"/>
+                <a:ea typeface="+mn-ea"/>
+                <a:cs typeface="+mn-cs"/>
+              </a:defRPr>
+            </a:lvl2pPr>
+            <a:lvl3pPr marL="1371600" indent="-384048" algn="l" defTabSz="914400" rtl="0" eaLnBrk="1" latinLnBrk="0" hangingPunct="1">
+              <a:lnSpc>
+                <a:spcPct val="94000"/>
+              </a:lnSpc>
+              <a:spcBef>
+                <a:spcPts val="500"/>
+              </a:spcBef>
+              <a:spcAft>
+                <a:spcPts val="200"/>
+              </a:spcAft>
+              <a:buFont typeface="Franklin Gothic Book" panose="020B0503020102020204" pitchFamily="34" charset="0"/>
+              <a:buChar char="■"/>
+              <a:defRPr sz="1800" kern="1200" baseline="0">
+                <a:solidFill>
+                  <a:schemeClr val="tx2"/>
+                </a:solidFill>
+                <a:latin typeface="+mn-lt"/>
+                <a:ea typeface="+mn-ea"/>
+                <a:cs typeface="+mn-cs"/>
+              </a:defRPr>
+            </a:lvl3pPr>
+            <a:lvl4pPr marL="1828800" indent="-384048" algn="l" defTabSz="914400" rtl="0" eaLnBrk="1" latinLnBrk="0" hangingPunct="1">
+              <a:lnSpc>
+                <a:spcPct val="94000"/>
+              </a:lnSpc>
+              <a:spcBef>
+                <a:spcPts val="500"/>
+              </a:spcBef>
+              <a:spcAft>
+                <a:spcPts val="200"/>
+              </a:spcAft>
+              <a:buFont typeface="Franklin Gothic Book" panose="020B0503020102020204" pitchFamily="34" charset="0"/>
+              <a:buChar char="–"/>
+              <a:defRPr sz="1800" i="1" kern="1200" baseline="0">
+                <a:solidFill>
+                  <a:schemeClr val="tx2"/>
+                </a:solidFill>
+                <a:latin typeface="+mn-lt"/>
+                <a:ea typeface="+mn-ea"/>
+                <a:cs typeface="+mn-cs"/>
+              </a:defRPr>
+            </a:lvl4pPr>
+            <a:lvl5pPr marL="2286000" indent="-384048" algn="l" defTabSz="914400" rtl="0" eaLnBrk="1" latinLnBrk="0" hangingPunct="1">
+              <a:lnSpc>
+                <a:spcPct val="94000"/>
+              </a:lnSpc>
+              <a:spcBef>
+                <a:spcPts val="500"/>
+              </a:spcBef>
+              <a:spcAft>
+                <a:spcPts val="200"/>
+              </a:spcAft>
+              <a:buFont typeface="Franklin Gothic Book" panose="020B0503020102020204" pitchFamily="34" charset="0"/>
+              <a:buChar char="■"/>
+              <a:defRPr sz="1600" kern="1200" baseline="0">
+                <a:solidFill>
+                  <a:schemeClr val="tx2"/>
+                </a:solidFill>
+                <a:latin typeface="+mn-lt"/>
+                <a:ea typeface="+mn-ea"/>
+                <a:cs typeface="+mn-cs"/>
+              </a:defRPr>
+            </a:lvl5pPr>
+            <a:lvl6pPr marL="2743200" indent="-384048" algn="l" defTabSz="914400" rtl="0" eaLnBrk="1" latinLnBrk="0" hangingPunct="1">
+              <a:lnSpc>
+                <a:spcPct val="94000"/>
+              </a:lnSpc>
+              <a:spcBef>
+                <a:spcPts val="500"/>
+              </a:spcBef>
+              <a:spcAft>
+                <a:spcPts val="200"/>
+              </a:spcAft>
+              <a:buFont typeface="Franklin Gothic Book" panose="020B0503020102020204" pitchFamily="34" charset="0"/>
+              <a:buChar char="–"/>
+              <a:defRPr sz="1600" i="1" kern="1200" baseline="0">
+                <a:solidFill>
+                  <a:schemeClr val="tx2"/>
+                </a:solidFill>
+                <a:latin typeface="+mn-lt"/>
+                <a:ea typeface="+mn-ea"/>
+                <a:cs typeface="+mn-cs"/>
+              </a:defRPr>
+            </a:lvl6pPr>
+            <a:lvl7pPr marL="3200400" indent="-384048" algn="l" defTabSz="914400" rtl="0" eaLnBrk="1" latinLnBrk="0" hangingPunct="1">
+              <a:lnSpc>
+                <a:spcPct val="94000"/>
+              </a:lnSpc>
+              <a:spcBef>
+                <a:spcPts val="500"/>
+              </a:spcBef>
+              <a:spcAft>
+                <a:spcPts val="200"/>
+              </a:spcAft>
+              <a:buFont typeface="Franklin Gothic Book" panose="020B0503020102020204" pitchFamily="34" charset="0"/>
+              <a:buChar char="■"/>
+              <a:defRPr sz="1400" kern="1200" baseline="0">
+                <a:solidFill>
+                  <a:schemeClr val="tx2"/>
+                </a:solidFill>
+                <a:latin typeface="+mn-lt"/>
+                <a:ea typeface="+mn-ea"/>
+                <a:cs typeface="+mn-cs"/>
+              </a:defRPr>
+            </a:lvl7pPr>
+            <a:lvl8pPr marL="3657600" indent="-384048" algn="l" defTabSz="914400" rtl="0" eaLnBrk="1" latinLnBrk="0" hangingPunct="1">
+              <a:lnSpc>
+                <a:spcPct val="94000"/>
+              </a:lnSpc>
+              <a:spcBef>
+                <a:spcPts val="500"/>
+              </a:spcBef>
+              <a:spcAft>
+                <a:spcPts val="200"/>
+              </a:spcAft>
+              <a:buFont typeface="Franklin Gothic Book" panose="020B0503020102020204" pitchFamily="34" charset="0"/>
+              <a:buChar char="–"/>
+              <a:defRPr sz="1400" i="1" kern="1200" baseline="0">
+                <a:solidFill>
+                  <a:schemeClr val="tx2"/>
+                </a:solidFill>
+                <a:latin typeface="+mn-lt"/>
+                <a:ea typeface="+mn-ea"/>
+                <a:cs typeface="+mn-cs"/>
+              </a:defRPr>
+            </a:lvl8pPr>
+            <a:lvl9pPr marL="4114800" indent="-384048" algn="l" defTabSz="914400" rtl="0" eaLnBrk="1" latinLnBrk="0" hangingPunct="1">
+              <a:lnSpc>
+                <a:spcPct val="94000"/>
+              </a:lnSpc>
+              <a:spcBef>
+                <a:spcPts val="500"/>
+              </a:spcBef>
+              <a:spcAft>
+                <a:spcPts val="200"/>
+              </a:spcAft>
+              <a:buFont typeface="Franklin Gothic Book" panose="020B0503020102020204" pitchFamily="34" charset="0"/>
+              <a:buChar char="■"/>
+              <a:defRPr sz="1400" kern="1200" baseline="0">
+                <a:solidFill>
+                  <a:schemeClr val="tx2"/>
+                </a:solidFill>
+                <a:latin typeface="+mn-lt"/>
+                <a:ea typeface="+mn-ea"/>
+                <a:cs typeface="+mn-cs"/>
+              </a:defRPr>
+            </a:lvl9pPr>
+          </a:lstStyle>
+          <a:p>
+            <a:pPr marL="0" indent="0" algn="ctr">
+              <a:buFont typeface="Franklin Gothic Book" panose="020B0503020102020204" pitchFamily="34" charset="0"/>
+              <a:buNone/>
+            </a:pPr>
+            <a:r>
+              <a:rPr lang="en-US" b="1" i="1" dirty="0"/>
+              <a:t>II. Refine Features &amp; Model</a:t>
+            </a:r>
+            <a:endParaRPr lang="en-US" dirty="0"/>
+          </a:p>
+        </p:txBody>
+      </p:sp>
+      <p:sp>
+        <p:nvSpPr>
+          <p:cNvPr id="7" name="Arrow: Striped Right 6">
+            <a:extLst>
+              <a:ext uri="{FF2B5EF4-FFF2-40B4-BE49-F238E27FC236}">
+                <a16:creationId xmlns:a16="http://schemas.microsoft.com/office/drawing/2014/main" id="{E4AA650D-3BF5-4A75-BE5B-B28B3ADF26B7}"/>
+              </a:ext>
+            </a:extLst>
+          </p:cNvPr>
+          <p:cNvSpPr/>
+          <p:nvPr/>
+        </p:nvSpPr>
+        <p:spPr>
+          <a:xfrm>
+            <a:off x="752420" y="3726651"/>
+            <a:ext cx="3911270" cy="484632"/>
+          </a:xfrm>
+          <a:prstGeom prst="stripedRightArrow">
+            <a:avLst/>
+          </a:prstGeom>
+          <a:solidFill>
+            <a:schemeClr val="bg2">
+              <a:lumMod val="90000"/>
+            </a:schemeClr>
+          </a:solidFill>
+          <a:ln>
+            <a:noFill/>
+          </a:ln>
+        </p:spPr>
+        <p:style>
+          <a:lnRef idx="2">
+            <a:schemeClr val="accent1">
+              <a:shade val="50000"/>
+            </a:schemeClr>
+          </a:lnRef>
+          <a:fillRef idx="1">
+            <a:schemeClr val="accent1"/>
+          </a:fillRef>
+          <a:effectRef idx="0">
+            <a:schemeClr val="accent1"/>
+          </a:effectRef>
+          <a:fontRef idx="minor">
+            <a:schemeClr val="lt1"/>
+          </a:fontRef>
+        </p:style>
+        <p:txBody>
+          <a:bodyPr rtlCol="0" anchor="ctr"/>
+          <a:lstStyle/>
+          <a:p>
+            <a:pPr algn="ctr"/>
+            <a:r>
+              <a:rPr lang="en-US" dirty="0">
+                <a:solidFill>
+                  <a:schemeClr val="tx1"/>
+                </a:solidFill>
+              </a:rPr>
+              <a:t>9 months+ – 80%</a:t>
+            </a:r>
+          </a:p>
+        </p:txBody>
+      </p:sp>
+      <p:sp>
+        <p:nvSpPr>
+          <p:cNvPr id="19" name="Arrow: Striped Right 18">
+            <a:extLst>
+              <a:ext uri="{FF2B5EF4-FFF2-40B4-BE49-F238E27FC236}">
+                <a16:creationId xmlns:a16="http://schemas.microsoft.com/office/drawing/2014/main" id="{F485D3C4-FF55-4658-9FCD-51EC5F3535AB}"/>
+              </a:ext>
+            </a:extLst>
+          </p:cNvPr>
+          <p:cNvSpPr/>
+          <p:nvPr/>
+        </p:nvSpPr>
+        <p:spPr>
+          <a:xfrm>
+            <a:off x="752419" y="3393837"/>
+            <a:ext cx="11433993" cy="484632"/>
+          </a:xfrm>
+          <a:prstGeom prst="stripedRightArrow">
+            <a:avLst/>
+          </a:prstGeom>
+          <a:solidFill>
+            <a:schemeClr val="bg2">
+              <a:lumMod val="75000"/>
+            </a:schemeClr>
+          </a:solidFill>
+          <a:ln>
+            <a:noFill/>
+          </a:ln>
+        </p:spPr>
+        <p:style>
+          <a:lnRef idx="2">
+            <a:schemeClr val="accent1">
+              <a:shade val="50000"/>
+            </a:schemeClr>
+          </a:lnRef>
+          <a:fillRef idx="1">
+            <a:schemeClr val="accent1"/>
+          </a:fillRef>
+          <a:effectRef idx="0">
+            <a:schemeClr val="accent1"/>
+          </a:effectRef>
+          <a:fontRef idx="minor">
+            <a:schemeClr val="lt1"/>
+          </a:fontRef>
+        </p:style>
+        <p:txBody>
+          <a:bodyPr rtlCol="0" anchor="ctr"/>
+          <a:lstStyle/>
+          <a:p>
+            <a:pPr algn="ctr"/>
+            <a:r>
+              <a:rPr lang="en-US" dirty="0"/>
+              <a:t>12 month project</a:t>
+            </a:r>
+          </a:p>
+        </p:txBody>
+      </p:sp>
+      <p:sp>
+        <p:nvSpPr>
+          <p:cNvPr id="21" name="Arrow: Striped Right 20">
+            <a:extLst>
+              <a:ext uri="{FF2B5EF4-FFF2-40B4-BE49-F238E27FC236}">
+                <a16:creationId xmlns:a16="http://schemas.microsoft.com/office/drawing/2014/main" id="{DA4A0CF0-A5C0-4B9F-83FD-C11E495B4018}"/>
+              </a:ext>
+            </a:extLst>
+          </p:cNvPr>
+          <p:cNvSpPr/>
+          <p:nvPr/>
+        </p:nvSpPr>
+        <p:spPr>
+          <a:xfrm>
+            <a:off x="4295660" y="4097253"/>
+            <a:ext cx="2469204" cy="484632"/>
+          </a:xfrm>
+          <a:prstGeom prst="stripedRightArrow">
+            <a:avLst/>
+          </a:prstGeom>
+          <a:solidFill>
+            <a:schemeClr val="bg2">
+              <a:lumMod val="90000"/>
+            </a:schemeClr>
+          </a:solidFill>
+          <a:ln>
+            <a:noFill/>
+          </a:ln>
+        </p:spPr>
+        <p:style>
+          <a:lnRef idx="2">
+            <a:schemeClr val="accent1">
+              <a:shade val="50000"/>
+            </a:schemeClr>
+          </a:lnRef>
+          <a:fillRef idx="1">
+            <a:schemeClr val="accent1"/>
+          </a:fillRef>
+          <a:effectRef idx="0">
+            <a:schemeClr val="accent1"/>
+          </a:effectRef>
+          <a:fontRef idx="minor">
+            <a:schemeClr val="lt1"/>
+          </a:fontRef>
+        </p:style>
+        <p:txBody>
+          <a:bodyPr rtlCol="0" anchor="ctr"/>
+          <a:lstStyle/>
+          <a:p>
+            <a:pPr algn="ctr"/>
+            <a:r>
+              <a:rPr lang="en-US" dirty="0">
+                <a:solidFill>
+                  <a:schemeClr val="tx1"/>
+                </a:solidFill>
+              </a:rPr>
+              <a:t>2-3 months+ – 15%</a:t>
+            </a:r>
+          </a:p>
+        </p:txBody>
+      </p:sp>
+      <p:sp>
+        <p:nvSpPr>
+          <p:cNvPr id="24" name="Arrow: Striped Right 23">
+            <a:extLst>
+              <a:ext uri="{FF2B5EF4-FFF2-40B4-BE49-F238E27FC236}">
+                <a16:creationId xmlns:a16="http://schemas.microsoft.com/office/drawing/2014/main" id="{4966F5FF-6107-46AA-A919-AAE7CFF12A26}"/>
+              </a:ext>
+            </a:extLst>
+          </p:cNvPr>
+          <p:cNvSpPr/>
+          <p:nvPr/>
+        </p:nvSpPr>
+        <p:spPr>
+          <a:xfrm>
+            <a:off x="6198202" y="4451323"/>
+            <a:ext cx="5988209" cy="484632"/>
+          </a:xfrm>
+          <a:prstGeom prst="stripedRightArrow">
+            <a:avLst/>
+          </a:prstGeom>
+          <a:solidFill>
+            <a:schemeClr val="bg2">
+              <a:lumMod val="90000"/>
+            </a:schemeClr>
+          </a:solidFill>
+          <a:ln>
+            <a:noFill/>
+          </a:ln>
+        </p:spPr>
+        <p:style>
+          <a:lnRef idx="2">
+            <a:schemeClr val="accent1">
+              <a:shade val="50000"/>
+            </a:schemeClr>
+          </a:lnRef>
+          <a:fillRef idx="1">
+            <a:schemeClr val="accent1"/>
+          </a:fillRef>
+          <a:effectRef idx="0">
+            <a:schemeClr val="accent1"/>
+          </a:effectRef>
+          <a:fontRef idx="minor">
+            <a:schemeClr val="lt1"/>
+          </a:fontRef>
+        </p:style>
+        <p:txBody>
+          <a:bodyPr rtlCol="0" anchor="ctr"/>
+          <a:lstStyle/>
+          <a:p>
+            <a:pPr algn="ctr"/>
+            <a:r>
+              <a:rPr lang="en-US" dirty="0">
+                <a:solidFill>
+                  <a:schemeClr val="tx1"/>
+                </a:solidFill>
+              </a:rPr>
+              <a:t>1-2 months+ – 5%</a:t>
+            </a:r>
+          </a:p>
+        </p:txBody>
+      </p:sp>
+      <p:sp>
+        <p:nvSpPr>
+          <p:cNvPr id="28" name="TextBox 27">
+            <a:extLst>
+              <a:ext uri="{FF2B5EF4-FFF2-40B4-BE49-F238E27FC236}">
+                <a16:creationId xmlns:a16="http://schemas.microsoft.com/office/drawing/2014/main" id="{FADA6608-2573-47D5-84A9-1333B1A371C2}"/>
               </a:ext>
             </a:extLst>
           </p:cNvPr>
@@ -31286,81 +31514,34 @@
         </p:nvSpPr>
         <p:spPr>
           <a:xfrm>
-            <a:off x="1691857" y="3763031"/>
-            <a:ext cx="1659072" cy="1659072"/>
+            <a:off x="460022" y="872892"/>
+            <a:ext cx="2584736" cy="400110"/>
           </a:xfrm>
           <a:prstGeom prst="rect">
             <a:avLst/>
           </a:prstGeom>
-          <a:scene3d>
-            <a:camera prst="orthographicFront"/>
-            <a:lightRig rig="flat" dir="t"/>
-          </a:scene3d>
-          <a:sp3d/>
+          <a:noFill/>
         </p:spPr>
-        <p:style>
-          <a:lnRef idx="0">
-            <a:scrgbClr r="0" g="0" b="0"/>
-          </a:lnRef>
-          <a:fillRef idx="0">
-            <a:scrgbClr r="0" g="0" b="0"/>
-          </a:fillRef>
-          <a:effectRef idx="0">
-            <a:scrgbClr r="0" g="0" b="0"/>
-          </a:effectRef>
-          <a:fontRef idx="minor">
-            <a:schemeClr val="dk1"/>
-          </a:fontRef>
-        </p:style>
         <p:txBody>
-          <a:bodyPr spcFirstLastPara="0" vert="horz" wrap="square" lIns="149352" tIns="149352" rIns="149352" bIns="149352" numCol="1" spcCol="1270" anchor="ctr" anchorCtr="0">
-            <a:noAutofit/>
+          <a:bodyPr wrap="square" rtlCol="0">
+            <a:spAutoFit/>
           </a:bodyPr>
           <a:lstStyle/>
           <a:p>
-            <a:pPr marL="0" lvl="0" indent="0" algn="ctr" defTabSz="933450">
-              <a:lnSpc>
-                <a:spcPct val="90000"/>
-              </a:lnSpc>
-              <a:spcBef>
-                <a:spcPct val="0"/>
-              </a:spcBef>
-              <a:spcAft>
-                <a:spcPct val="35000"/>
-              </a:spcAft>
-              <a:buNone/>
-            </a:pPr>
-            <a:r>
-              <a:rPr lang="en-US" sz="2100" b="1" kern="1200" dirty="0"/>
-              <a:t>Big Data &amp;</a:t>
-            </a:r>
-          </a:p>
-          <a:p>
-            <a:pPr marL="0" lvl="0" indent="0" algn="ctr" defTabSz="933450">
-              <a:lnSpc>
-                <a:spcPct val="90000"/>
-              </a:lnSpc>
-              <a:spcBef>
-                <a:spcPct val="0"/>
-              </a:spcBef>
-              <a:spcAft>
-                <a:spcPct val="35000"/>
-              </a:spcAft>
-              <a:buNone/>
-            </a:pPr>
-            <a:r>
-              <a:rPr lang="en-US" sz="2100" b="1" kern="1200" dirty="0"/>
-              <a:t>Database Vendors</a:t>
+            <a:pPr algn="ctr"/>
+            <a:r>
+              <a:rPr lang="en-US" sz="2000" b="1" i="1" u="sng" dirty="0"/>
+              <a:t>Typical Workflow</a:t>
             </a:r>
           </a:p>
         </p:txBody>
       </p:sp>
       <p:sp>
         <p:nvSpPr>
-          <p:cNvPr id="19" name="Partial Circle 6">
+          <p:cNvPr id="15" name="TextBox 14">
             <a:extLst>
               <a:ext uri="{FF2B5EF4-FFF2-40B4-BE49-F238E27FC236}">
-                <a16:creationId xmlns:a16="http://schemas.microsoft.com/office/drawing/2014/main" id="{6BEAAC08-6E8A-49E4-9754-C2D230D1B856}"/>
+                <a16:creationId xmlns:a16="http://schemas.microsoft.com/office/drawing/2014/main" id="{912D7232-42A1-4638-A755-69B515C2C4B4}"/>
               </a:ext>
             </a:extLst>
           </p:cNvPr>
@@ -31369,201 +31550,309 @@
         </p:nvSpPr>
         <p:spPr>
           <a:xfrm>
-            <a:off x="6661264" y="4168771"/>
-            <a:ext cx="1659072" cy="1659072"/>
+            <a:off x="901533" y="4834929"/>
+            <a:ext cx="2312360" cy="400110"/>
           </a:xfrm>
           <a:prstGeom prst="rect">
             <a:avLst/>
           </a:prstGeom>
-          <a:scene3d>
-            <a:camera prst="orthographicFront"/>
-            <a:lightRig rig="flat" dir="t"/>
-          </a:scene3d>
-          <a:sp3d/>
+          <a:noFill/>
         </p:spPr>
-        <p:style>
-          <a:lnRef idx="0">
-            <a:scrgbClr r="0" g="0" b="0"/>
-          </a:lnRef>
-          <a:fillRef idx="0">
-            <a:scrgbClr r="0" g="0" b="0"/>
-          </a:fillRef>
-          <a:effectRef idx="0">
-            <a:scrgbClr r="0" g="0" b="0"/>
-          </a:effectRef>
-          <a:fontRef idx="minor">
-            <a:schemeClr val="dk1"/>
-          </a:fontRef>
-        </p:style>
         <p:txBody>
-          <a:bodyPr spcFirstLastPara="0" vert="horz" wrap="square" lIns="149352" tIns="149352" rIns="149352" bIns="149352" numCol="1" spcCol="1270" anchor="ctr" anchorCtr="0">
-            <a:noAutofit/>
+          <a:bodyPr wrap="square" rtlCol="0">
+            <a:spAutoFit/>
           </a:bodyPr>
           <a:lstStyle/>
           <a:p>
-            <a:pPr marL="0" lvl="0" indent="0" algn="ctr" defTabSz="933450">
-              <a:lnSpc>
-                <a:spcPct val="90000"/>
-              </a:lnSpc>
-              <a:spcBef>
-                <a:spcPct val="0"/>
-              </a:spcBef>
-              <a:spcAft>
-                <a:spcPct val="35000"/>
-              </a:spcAft>
-              <a:buNone/>
-            </a:pPr>
-            <a:r>
-              <a:rPr lang="en-US" sz="2100" b="1" kern="1200" dirty="0"/>
-              <a:t>API/Analytic Toolkits</a:t>
+            <a:pPr algn="ctr"/>
+            <a:r>
+              <a:rPr lang="en-US" sz="2000" b="1" i="1" u="sng" dirty="0"/>
+              <a:t>Platform Strengths</a:t>
             </a:r>
           </a:p>
         </p:txBody>
       </p:sp>
       <p:sp>
         <p:nvSpPr>
-          <p:cNvPr id="16" name="Partial Circle 8">
+          <p:cNvPr id="4" name="Arrow: Left-Right 3">
             <a:extLst>
               <a:ext uri="{FF2B5EF4-FFF2-40B4-BE49-F238E27FC236}">
-                <a16:creationId xmlns:a16="http://schemas.microsoft.com/office/drawing/2014/main" id="{2B68384A-DEFB-48A0-BB2E-4A37BDC68D4A}"/>
+                <a16:creationId xmlns:a16="http://schemas.microsoft.com/office/drawing/2014/main" id="{70EC499D-635A-4E6B-A779-D9884D1CE7C5}"/>
               </a:ext>
             </a:extLst>
           </p:cNvPr>
-          <p:cNvSpPr txBox="1"/>
+          <p:cNvSpPr/>
           <p:nvPr/>
         </p:nvSpPr>
         <p:spPr>
           <a:xfrm>
-            <a:off x="4425843" y="5124895"/>
-            <a:ext cx="1659072" cy="1659072"/>
+            <a:off x="752419" y="5181302"/>
+            <a:ext cx="3911271" cy="427732"/>
           </a:xfrm>
-          <a:prstGeom prst="rect">
+          <a:prstGeom prst="leftRightArrow">
             <a:avLst/>
           </a:prstGeom>
-          <a:scene3d>
-            <a:camera prst="orthographicFront"/>
-            <a:lightRig rig="flat" dir="t"/>
-          </a:scene3d>
-          <a:sp3d/>
+          <a:solidFill>
+            <a:schemeClr val="accent5">
+              <a:lumMod val="60000"/>
+              <a:lumOff val="40000"/>
+            </a:schemeClr>
+          </a:solidFill>
+          <a:ln>
+            <a:noFill/>
+          </a:ln>
         </p:spPr>
         <p:style>
-          <a:lnRef idx="0">
-            <a:scrgbClr r="0" g="0" b="0"/>
+          <a:lnRef idx="2">
+            <a:schemeClr val="accent1">
+              <a:shade val="50000"/>
+            </a:schemeClr>
           </a:lnRef>
-          <a:fillRef idx="0">
-            <a:scrgbClr r="0" g="0" b="0"/>
+          <a:fillRef idx="1">
+            <a:schemeClr val="accent1"/>
           </a:fillRef>
           <a:effectRef idx="0">
-            <a:scrgbClr r="0" g="0" b="0"/>
+            <a:schemeClr val="accent1"/>
           </a:effectRef>
           <a:fontRef idx="minor">
-            <a:schemeClr val="dk1"/>
+            <a:schemeClr val="lt1"/>
           </a:fontRef>
         </p:style>
         <p:txBody>
-          <a:bodyPr spcFirstLastPara="0" vert="horz" wrap="square" lIns="149352" tIns="149352" rIns="149352" bIns="149352" numCol="1" spcCol="1270" anchor="ctr" anchorCtr="0">
+          <a:bodyPr rot="0" spcFirstLastPara="0" vertOverflow="overflow" horzOverflow="overflow" vert="horz" wrap="square" lIns="91440" tIns="45720" rIns="91440" bIns="45720" numCol="1" spcCol="0" rtlCol="0" fromWordArt="0" anchor="ctr" anchorCtr="0" forceAA="0" compatLnSpc="1">
+            <a:prstTxWarp prst="textNoShape">
+              <a:avLst/>
+            </a:prstTxWarp>
             <a:noAutofit/>
           </a:bodyPr>
           <a:lstStyle/>
           <a:p>
-            <a:pPr marL="0" lvl="0" indent="0" algn="ctr" defTabSz="933450">
-              <a:lnSpc>
-                <a:spcPct val="90000"/>
-              </a:lnSpc>
-              <a:spcBef>
-                <a:spcPct val="0"/>
-              </a:spcBef>
-              <a:spcAft>
-                <a:spcPct val="35000"/>
-              </a:spcAft>
-              <a:buNone/>
-            </a:pPr>
-            <a:r>
-              <a:rPr lang="en-US" sz="2100" b="1" kern="1200" dirty="0"/>
-              <a:t>Full Stack Vendors</a:t>
+            <a:pPr algn="ctr"/>
+            <a:r>
+              <a:rPr lang="en-US" dirty="0">
+                <a:solidFill>
+                  <a:schemeClr val="tx1"/>
+                </a:solidFill>
+              </a:rPr>
+              <a:t>Big Data Vendors</a:t>
             </a:r>
           </a:p>
         </p:txBody>
       </p:sp>
       <p:sp>
         <p:nvSpPr>
-          <p:cNvPr id="14" name="Partial Circle 10">
+          <p:cNvPr id="22" name="Arrow: Left-Right 21">
             <a:extLst>
               <a:ext uri="{FF2B5EF4-FFF2-40B4-BE49-F238E27FC236}">
-                <a16:creationId xmlns:a16="http://schemas.microsoft.com/office/drawing/2014/main" id="{FDC9A934-DA21-456D-B5F7-71FE1FED3575}"/>
+                <a16:creationId xmlns:a16="http://schemas.microsoft.com/office/drawing/2014/main" id="{3F8DD0F8-B2BC-416D-B1DD-7A5FA42926CE}"/>
               </a:ext>
             </a:extLst>
           </p:cNvPr>
-          <p:cNvSpPr txBox="1"/>
+          <p:cNvSpPr/>
           <p:nvPr/>
         </p:nvSpPr>
         <p:spPr>
           <a:xfrm>
-            <a:off x="9268735" y="3656343"/>
-            <a:ext cx="1659072" cy="1659072"/>
+            <a:off x="7587048" y="5903739"/>
+            <a:ext cx="4332899" cy="427732"/>
           </a:xfrm>
-          <a:prstGeom prst="rect">
+          <a:prstGeom prst="leftRightArrow">
             <a:avLst/>
           </a:prstGeom>
-          <a:scene3d>
-            <a:camera prst="orthographicFront"/>
-            <a:lightRig rig="flat" dir="t"/>
-          </a:scene3d>
-          <a:sp3d/>
+          <a:solidFill>
+            <a:schemeClr val="accent5">
+              <a:lumMod val="60000"/>
+              <a:lumOff val="40000"/>
+            </a:schemeClr>
+          </a:solidFill>
+          <a:ln>
+            <a:noFill/>
+          </a:ln>
         </p:spPr>
         <p:style>
-          <a:lnRef idx="0">
-            <a:scrgbClr r="0" g="0" b="0"/>
+          <a:lnRef idx="2">
+            <a:schemeClr val="accent1">
+              <a:shade val="50000"/>
+            </a:schemeClr>
           </a:lnRef>
-          <a:fillRef idx="0">
-            <a:scrgbClr r="0" g="0" b="0"/>
+          <a:fillRef idx="1">
+            <a:schemeClr val="accent1"/>
           </a:fillRef>
           <a:effectRef idx="0">
-            <a:scrgbClr r="0" g="0" b="0"/>
+            <a:schemeClr val="accent1"/>
           </a:effectRef>
           <a:fontRef idx="minor">
-            <a:schemeClr val="dk1"/>
+            <a:schemeClr val="lt1"/>
           </a:fontRef>
         </p:style>
         <p:txBody>
-          <a:bodyPr spcFirstLastPara="0" vert="horz" wrap="square" lIns="149352" tIns="149352" rIns="149352" bIns="149352" numCol="1" spcCol="1270" anchor="ctr" anchorCtr="0">
+          <a:bodyPr rot="0" spcFirstLastPara="0" vertOverflow="overflow" horzOverflow="overflow" vert="horz" wrap="square" lIns="91440" tIns="45720" rIns="91440" bIns="45720" numCol="1" spcCol="0" rtlCol="0" fromWordArt="0" anchor="ctr" anchorCtr="0" forceAA="0" compatLnSpc="1">
+            <a:prstTxWarp prst="textNoShape">
+              <a:avLst/>
+            </a:prstTxWarp>
             <a:noAutofit/>
           </a:bodyPr>
           <a:lstStyle/>
           <a:p>
-            <a:pPr marL="0" lvl="0" indent="0" algn="ctr" defTabSz="933450">
-              <a:lnSpc>
-                <a:spcPct val="90000"/>
-              </a:lnSpc>
-              <a:spcBef>
-                <a:spcPct val="0"/>
-              </a:spcBef>
-              <a:spcAft>
-                <a:spcPct val="35000"/>
-              </a:spcAft>
-              <a:buNone/>
-            </a:pPr>
-            <a:r>
-              <a:rPr lang="en-US" sz="2100" b="0" kern="1200" dirty="0"/>
-              <a:t>Cloud</a:t>
-            </a:r>
-          </a:p>
-          <a:p>
-            <a:pPr marL="0" lvl="0" indent="0" algn="ctr" defTabSz="933450">
-              <a:lnSpc>
-                <a:spcPct val="90000"/>
-              </a:lnSpc>
-              <a:spcBef>
-                <a:spcPct val="0"/>
-              </a:spcBef>
-              <a:spcAft>
-                <a:spcPct val="35000"/>
-              </a:spcAft>
-              <a:buNone/>
-            </a:pPr>
-            <a:r>
-              <a:rPr lang="en-US" sz="2100" b="0" kern="1200" dirty="0"/>
-              <a:t>Providers</a:t>
+            <a:pPr algn="ctr"/>
+            <a:r>
+              <a:rPr lang="en-US" dirty="0">
+                <a:solidFill>
+                  <a:schemeClr val="tx1"/>
+                </a:solidFill>
+              </a:rPr>
+              <a:t>Cloud Vendors</a:t>
+            </a:r>
+          </a:p>
+        </p:txBody>
+      </p:sp>
+      <p:sp>
+        <p:nvSpPr>
+          <p:cNvPr id="25" name="Arrow: Left-Right 24">
+            <a:extLst>
+              <a:ext uri="{FF2B5EF4-FFF2-40B4-BE49-F238E27FC236}">
+                <a16:creationId xmlns:a16="http://schemas.microsoft.com/office/drawing/2014/main" id="{3E983678-057C-4455-AAE5-24B444C4DABE}"/>
+              </a:ext>
+            </a:extLst>
+          </p:cNvPr>
+          <p:cNvSpPr/>
+          <p:nvPr/>
+        </p:nvSpPr>
+        <p:spPr>
+          <a:xfrm>
+            <a:off x="3316800" y="5517853"/>
+            <a:ext cx="5875506" cy="427732"/>
+          </a:xfrm>
+          <a:prstGeom prst="leftRightArrow">
+            <a:avLst/>
+          </a:prstGeom>
+          <a:gradFill flip="none" rotWithShape="1">
+            <a:gsLst>
+              <a:gs pos="0">
+                <a:schemeClr val="accent5">
+                  <a:lumMod val="67000"/>
+                </a:schemeClr>
+              </a:gs>
+              <a:gs pos="48000">
+                <a:schemeClr val="accent5">
+                  <a:lumMod val="97000"/>
+                  <a:lumOff val="3000"/>
+                </a:schemeClr>
+              </a:gs>
+              <a:gs pos="100000">
+                <a:schemeClr val="accent5">
+                  <a:lumMod val="60000"/>
+                  <a:lumOff val="40000"/>
+                </a:schemeClr>
+              </a:gs>
+            </a:gsLst>
+            <a:lin ang="16200000" scaled="1"/>
+            <a:tileRect/>
+          </a:gradFill>
+          <a:ln>
+            <a:noFill/>
+          </a:ln>
+        </p:spPr>
+        <p:style>
+          <a:lnRef idx="2">
+            <a:schemeClr val="accent1">
+              <a:shade val="50000"/>
+            </a:schemeClr>
+          </a:lnRef>
+          <a:fillRef idx="1">
+            <a:schemeClr val="accent1"/>
+          </a:fillRef>
+          <a:effectRef idx="0">
+            <a:schemeClr val="accent1"/>
+          </a:effectRef>
+          <a:fontRef idx="minor">
+            <a:schemeClr val="lt1"/>
+          </a:fontRef>
+        </p:style>
+        <p:txBody>
+          <a:bodyPr rot="0" spcFirstLastPara="0" vertOverflow="overflow" horzOverflow="overflow" vert="horz" wrap="square" lIns="91440" tIns="45720" rIns="91440" bIns="45720" numCol="1" spcCol="0" rtlCol="0" fromWordArt="0" anchor="ctr" anchorCtr="0" forceAA="0" compatLnSpc="1">
+            <a:prstTxWarp prst="textNoShape">
+              <a:avLst/>
+            </a:prstTxWarp>
+            <a:noAutofit/>
+          </a:bodyPr>
+          <a:lstStyle/>
+          <a:p>
+            <a:pPr algn="ctr"/>
+            <a:r>
+              <a:rPr lang="en-US" dirty="0">
+                <a:solidFill>
+                  <a:schemeClr val="tx1"/>
+                </a:solidFill>
+              </a:rPr>
+              <a:t>Full Stack Vendors</a:t>
+            </a:r>
+          </a:p>
+        </p:txBody>
+      </p:sp>
+      <p:sp>
+        <p:nvSpPr>
+          <p:cNvPr id="26" name="Arrow: Left-Right 25">
+            <a:extLst>
+              <a:ext uri="{FF2B5EF4-FFF2-40B4-BE49-F238E27FC236}">
+                <a16:creationId xmlns:a16="http://schemas.microsoft.com/office/drawing/2014/main" id="{E2DC1D3C-B74E-4B6D-8BB4-1B4A151D9E81}"/>
+              </a:ext>
+            </a:extLst>
+          </p:cNvPr>
+          <p:cNvSpPr/>
+          <p:nvPr/>
+        </p:nvSpPr>
+        <p:spPr>
+          <a:xfrm>
+            <a:off x="5313881" y="6307445"/>
+            <a:ext cx="4559168" cy="427732"/>
+          </a:xfrm>
+          <a:prstGeom prst="leftRightArrow">
+            <a:avLst/>
+          </a:prstGeom>
+          <a:solidFill>
+            <a:schemeClr val="accent5">
+              <a:lumMod val="60000"/>
+              <a:lumOff val="40000"/>
+            </a:schemeClr>
+          </a:solidFill>
+          <a:ln>
+            <a:noFill/>
+          </a:ln>
+        </p:spPr>
+        <p:style>
+          <a:lnRef idx="2">
+            <a:schemeClr val="accent1">
+              <a:shade val="50000"/>
+            </a:schemeClr>
+          </a:lnRef>
+          <a:fillRef idx="1">
+            <a:schemeClr val="accent1"/>
+          </a:fillRef>
+          <a:effectRef idx="0">
+            <a:schemeClr val="accent1"/>
+          </a:effectRef>
+          <a:fontRef idx="minor">
+            <a:schemeClr val="lt1"/>
+          </a:fontRef>
+        </p:style>
+        <p:txBody>
+          <a:bodyPr rot="0" spcFirstLastPara="0" vertOverflow="overflow" horzOverflow="overflow" vert="horz" wrap="square" lIns="91440" tIns="45720" rIns="91440" bIns="45720" numCol="1" spcCol="0" rtlCol="0" fromWordArt="0" anchor="ctr" anchorCtr="0" forceAA="0" compatLnSpc="1">
+            <a:prstTxWarp prst="textNoShape">
+              <a:avLst/>
+            </a:prstTxWarp>
+            <a:noAutofit/>
+          </a:bodyPr>
+          <a:lstStyle/>
+          <a:p>
+            <a:pPr algn="ctr"/>
+            <a:r>
+              <a:rPr lang="en-US" dirty="0">
+                <a:solidFill>
+                  <a:schemeClr val="tx1"/>
+                </a:solidFill>
+              </a:rPr>
+              <a:t>API Vendors</a:t>
             </a:r>
           </a:p>
         </p:txBody>
@@ -31571,7 +31860,7 @@
     </p:spTree>
     <p:extLst>
       <p:ext uri="{BB962C8B-B14F-4D97-AF65-F5344CB8AC3E}">
-        <p14:creationId xmlns:p14="http://schemas.microsoft.com/office/powerpoint/2010/main" val="707772768"/>
+        <p14:creationId xmlns:p14="http://schemas.microsoft.com/office/powerpoint/2010/main" val="4140591090"/>
       </p:ext>
     </p:extLst>
   </p:cSld>
@@ -31581,7 +31870,7 @@
 </p:sld>
 </file>
 
-<file path=ppt/slides/slide17.xml><?xml version="1.0" encoding="utf-8"?>
+<file path=ppt/slides/slide18.xml><?xml version="1.0" encoding="utf-8"?>
 <p:sld xmlns:a="http://schemas.openxmlformats.org/drawingml/2006/main" xmlns:r="http://schemas.openxmlformats.org/officeDocument/2006/relationships" xmlns:p="http://schemas.openxmlformats.org/presentationml/2006/main">
   <p:cSld>
     <p:spTree>
@@ -31651,44 +31940,82 @@
         </p:nvSpPr>
         <p:spPr>
           <a:xfrm>
-            <a:off x="1187569" y="1023667"/>
-            <a:ext cx="10550105" cy="5348378"/>
+            <a:off x="1187570" y="1023666"/>
+            <a:ext cx="4134074" cy="5348377"/>
           </a:xfrm>
         </p:spPr>
         <p:txBody>
-          <a:bodyPr/>
+          <a:bodyPr>
+            <a:normAutofit/>
+          </a:bodyPr>
           <a:lstStyle/>
           <a:p>
             <a:r>
+              <a:rPr lang="en-US" i="0" dirty="0"/>
+              <a:t>Summary of Gartner Magic Quadrant Analysis</a:t>
+            </a:r>
+          </a:p>
+          <a:p>
+            <a:r>
               <a:rPr lang="en-US" dirty="0"/>
-              <a:t>&lt;insert pic of the state of AI&gt;</a:t>
+              <a:t>“Full Stack Vendors” offer a E2E solution – </a:t>
+            </a:r>
+          </a:p>
+          <a:p>
+            <a:pPr lvl="1"/>
+            <a:r>
+              <a:rPr lang="en-US" i="0" dirty="0"/>
+              <a:t>Some Data Loading ETL tools</a:t>
+            </a:r>
+          </a:p>
+          <a:p>
+            <a:pPr lvl="1"/>
+            <a:r>
+              <a:rPr lang="en-US" i="0" dirty="0"/>
+              <a:t>Some Data Storage</a:t>
+            </a:r>
+          </a:p>
+          <a:p>
+            <a:pPr lvl="1"/>
+            <a:r>
+              <a:rPr lang="en-US" i="0" dirty="0"/>
+              <a:t>Feature Selection Tools</a:t>
+            </a:r>
+          </a:p>
+          <a:p>
+            <a:pPr lvl="1"/>
+            <a:r>
+              <a:rPr lang="en-US" b="1" i="0" dirty="0"/>
+              <a:t>Strong DS Test Env &amp; Auto-ML </a:t>
+            </a:r>
+          </a:p>
+          <a:p>
+            <a:pPr lvl="1"/>
+            <a:r>
+              <a:rPr lang="en-US" i="0" dirty="0"/>
+              <a:t>Deployment tools</a:t>
+            </a:r>
+          </a:p>
+          <a:p>
+            <a:pPr lvl="1"/>
+            <a:r>
+              <a:rPr lang="en-US" i="0" dirty="0"/>
+              <a:t>Visualization/Dashboards</a:t>
             </a:r>
           </a:p>
           <a:p>
             <a:r>
               <a:rPr lang="en-US" dirty="0"/>
-              <a:t>Add top cloud offerings</a:t>
-            </a:r>
-          </a:p>
-          <a:p>
-            <a:r>
-              <a:rPr lang="en-US" i="0" dirty="0"/>
-              <a:t>Add independent offerings (Data Robot, </a:t>
+              <a:t>Where is </a:t>
+            </a:r>
+            <a:r>
+              <a:rPr lang="en-US" b="1" dirty="0"/>
+              <a:t>Data Robot</a:t>
             </a:r>
             <a:r>
               <a:rPr lang="en-US" dirty="0"/>
-              <a:t>h2o </a:t>
-            </a:r>
-            <a:r>
-              <a:rPr lang="en-US" dirty="0" err="1"/>
-              <a:t>etc</a:t>
-            </a:r>
-            <a:r>
-              <a:rPr lang="en-US" dirty="0"/>
-              <a:t>)</a:t>
-            </a:r>
-          </a:p>
-          <a:p>
+              <a:t>??</a:t>
+            </a:r>
             <a:endParaRPr lang="en-US" i="0" dirty="0"/>
           </a:p>
         </p:txBody>
@@ -31963,6 +32290,40 @@
           </a:extLst>
         </p:spPr>
       </p:pic>
+      <p:sp>
+        <p:nvSpPr>
+          <p:cNvPr id="5" name="Rectangle 4">
+            <a:extLst>
+              <a:ext uri="{FF2B5EF4-FFF2-40B4-BE49-F238E27FC236}">
+                <a16:creationId xmlns:a16="http://schemas.microsoft.com/office/drawing/2014/main" id="{1BFBBBC1-F46F-4932-A36C-C4261BE40B6A}"/>
+              </a:ext>
+            </a:extLst>
+          </p:cNvPr>
+          <p:cNvSpPr/>
+          <p:nvPr/>
+        </p:nvSpPr>
+        <p:spPr>
+          <a:xfrm>
+            <a:off x="716690" y="6507146"/>
+            <a:ext cx="8155459" cy="307777"/>
+          </a:xfrm>
+          <a:prstGeom prst="rect">
+            <a:avLst/>
+          </a:prstGeom>
+        </p:spPr>
+        <p:txBody>
+          <a:bodyPr wrap="square">
+            <a:spAutoFit/>
+          </a:bodyPr>
+          <a:lstStyle/>
+          <a:p>
+            <a:r>
+              <a:rPr lang="en-US" sz="1400" dirty="0"/>
+              <a:t>https://www.gartner.com/doc/3860063/magic-quadrant-data-science-machinelearning</a:t>
+            </a:r>
+          </a:p>
+        </p:txBody>
+      </p:sp>
     </p:spTree>
     <p:extLst>
       <p:ext uri="{BB962C8B-B14F-4D97-AF65-F5344CB8AC3E}">
@@ -31976,7 +32337,7 @@
 </p:sld>
 </file>
 
-<file path=ppt/slides/slide18.xml><?xml version="1.0" encoding="utf-8"?>
+<file path=ppt/slides/slide19.xml><?xml version="1.0" encoding="utf-8"?>
 <p:sld xmlns:a="http://schemas.openxmlformats.org/drawingml/2006/main" xmlns:r="http://schemas.openxmlformats.org/officeDocument/2006/relationships" xmlns:p="http://schemas.openxmlformats.org/presentationml/2006/main">
   <p:cSld>
     <p:spTree>
@@ -32023,7 +32384,7 @@
           <a:p>
             <a:r>
               <a:rPr lang="en-US" dirty="0"/>
-              <a:t>Major ML Frameworks 2</a:t>
+              <a:t>API/Analytic Toolkits</a:t>
             </a:r>
           </a:p>
         </p:txBody>
@@ -32046,18 +32407,68 @@
         </p:nvSpPr>
         <p:spPr>
           <a:xfrm>
-            <a:off x="1187569" y="1023667"/>
-            <a:ext cx="10550105" cy="5348378"/>
+            <a:off x="1187569" y="1023666"/>
+            <a:ext cx="3302053" cy="5261803"/>
           </a:xfrm>
         </p:spPr>
         <p:txBody>
-          <a:bodyPr/>
+          <a:bodyPr>
+            <a:normAutofit/>
+          </a:bodyPr>
           <a:lstStyle/>
           <a:p>
             <a:r>
               <a:rPr lang="en-US" dirty="0"/>
               <a:t>API and Analytic Libraries</a:t>
             </a:r>
+          </a:p>
+          <a:p>
+            <a:r>
+              <a:rPr lang="en-US" dirty="0"/>
+              <a:t>Low level Libraries</a:t>
+            </a:r>
+          </a:p>
+          <a:p>
+            <a:r>
+              <a:rPr lang="en-US" i="0" dirty="0"/>
+              <a:t>All do the same thing (diff GPU/</a:t>
+            </a:r>
+            <a:r>
+              <a:rPr lang="en-US" dirty="0"/>
+              <a:t>OS support)</a:t>
+            </a:r>
+          </a:p>
+          <a:p>
+            <a:r>
+              <a:rPr lang="en-US" dirty="0"/>
+              <a:t>Good for highly technical teams just needing an API library</a:t>
+            </a:r>
+          </a:p>
+          <a:p>
+            <a:endParaRPr lang="en-US" i="0" dirty="0"/>
+          </a:p>
+          <a:p>
+            <a:r>
+              <a:rPr lang="en-US" i="0" dirty="0"/>
+              <a:t>They are all similar.. And seem to be converging (TensorFlow, PyTorch, </a:t>
+            </a:r>
+            <a:r>
+              <a:rPr lang="en-US" i="0" dirty="0" err="1"/>
+              <a:t>Keras</a:t>
+            </a:r>
+            <a:r>
+              <a:rPr lang="en-US" dirty="0"/>
+              <a:t> are winning ?)</a:t>
+            </a:r>
+            <a:r>
+              <a:rPr lang="en-US" i="0" dirty="0"/>
+              <a:t>..</a:t>
+            </a:r>
+          </a:p>
+          <a:p>
+            <a:endParaRPr lang="en-US" i="0" dirty="0"/>
+          </a:p>
+          <a:p>
             <a:endParaRPr lang="en-US" i="0" dirty="0"/>
           </a:p>
         </p:txBody>
@@ -32307,14 +32718,48 @@
         </p:blipFill>
         <p:spPr>
           <a:xfrm>
-            <a:off x="2377417" y="1535083"/>
-            <a:ext cx="8658642" cy="6858000"/>
+            <a:off x="4588476" y="779238"/>
+            <a:ext cx="7426127" cy="5881797"/>
           </a:xfrm>
           <a:prstGeom prst="rect">
             <a:avLst/>
           </a:prstGeom>
         </p:spPr>
       </p:pic>
+      <p:sp>
+        <p:nvSpPr>
+          <p:cNvPr id="5" name="Rectangle 4">
+            <a:extLst>
+              <a:ext uri="{FF2B5EF4-FFF2-40B4-BE49-F238E27FC236}">
+                <a16:creationId xmlns:a16="http://schemas.microsoft.com/office/drawing/2014/main" id="{D44DFF36-F2D7-4C65-8C3B-069992359353}"/>
+              </a:ext>
+            </a:extLst>
+          </p:cNvPr>
+          <p:cNvSpPr/>
+          <p:nvPr/>
+        </p:nvSpPr>
+        <p:spPr>
+          <a:xfrm>
+            <a:off x="796310" y="6507146"/>
+            <a:ext cx="8526162" cy="307777"/>
+          </a:xfrm>
+          <a:prstGeom prst="rect">
+            <a:avLst/>
+          </a:prstGeom>
+        </p:spPr>
+        <p:txBody>
+          <a:bodyPr wrap="square">
+            <a:spAutoFit/>
+          </a:bodyPr>
+          <a:lstStyle/>
+          <a:p>
+            <a:r>
+              <a:rPr lang="en-US" sz="1400" dirty="0"/>
+              <a:t>https://towardsdatascience.com/battle-of-the-deep-learning-frameworks-part-i-cff0e3841750</a:t>
+            </a:r>
+          </a:p>
+        </p:txBody>
+      </p:sp>
     </p:spTree>
     <p:extLst>
       <p:ext uri="{BB962C8B-B14F-4D97-AF65-F5344CB8AC3E}">
@@ -32328,7 +32773,7 @@
 </p:sld>
 </file>
 
-<file path=ppt/slides/slide19.xml><?xml version="1.0" encoding="utf-8"?>
+<file path=ppt/slides/slide2.xml><?xml version="1.0" encoding="utf-8"?>
 <p:sld xmlns:a="http://schemas.openxmlformats.org/drawingml/2006/main" xmlns:r="http://schemas.openxmlformats.org/officeDocument/2006/relationships" xmlns:p="http://schemas.openxmlformats.org/presentationml/2006/main">
   <p:cSld>
     <p:spTree>
@@ -32345,6 +32790,222 @@
           <a:chExt cx="0" cy="0"/>
         </a:xfrm>
       </p:grpSpPr>
+      <p:sp>
+        <p:nvSpPr>
+          <p:cNvPr id="2" name="Title 1">
+            <a:extLst>
+              <a:ext uri="{FF2B5EF4-FFF2-40B4-BE49-F238E27FC236}">
+                <a16:creationId xmlns:a16="http://schemas.microsoft.com/office/drawing/2014/main" id="{E3AE6D77-A7F8-4F3F-B32B-E74CD59F0F03}"/>
+              </a:ext>
+            </a:extLst>
+          </p:cNvPr>
+          <p:cNvSpPr>
+            <a:spLocks noGrp="1"/>
+          </p:cNvSpPr>
+          <p:nvPr>
+            <p:ph type="title"/>
+          </p:nvPr>
+        </p:nvSpPr>
+        <p:spPr>
+          <a:xfrm>
+            <a:off x="1371600" y="685800"/>
+            <a:ext cx="9601200" cy="820947"/>
+          </a:xfrm>
+        </p:spPr>
+        <p:txBody>
+          <a:bodyPr/>
+          <a:lstStyle/>
+          <a:p>
+            <a:r>
+              <a:rPr lang="en-US" dirty="0" err="1"/>
+              <a:t>ToC</a:t>
+            </a:r>
+            <a:r>
+              <a:rPr lang="en-US" dirty="0"/>
+              <a:t> </a:t>
+            </a:r>
+          </a:p>
+        </p:txBody>
+      </p:sp>
+      <p:sp>
+        <p:nvSpPr>
+          <p:cNvPr id="3" name="Content Placeholder 2">
+            <a:extLst>
+              <a:ext uri="{FF2B5EF4-FFF2-40B4-BE49-F238E27FC236}">
+                <a16:creationId xmlns:a16="http://schemas.microsoft.com/office/drawing/2014/main" id="{8B6CA1B8-CD69-4CE2-8665-69A20A8E5EDC}"/>
+              </a:ext>
+            </a:extLst>
+          </p:cNvPr>
+          <p:cNvSpPr>
+            <a:spLocks noGrp="1"/>
+          </p:cNvSpPr>
+          <p:nvPr>
+            <p:ph idx="1"/>
+          </p:nvPr>
+        </p:nvSpPr>
+        <p:spPr>
+          <a:xfrm>
+            <a:off x="1371600" y="1506747"/>
+            <a:ext cx="10366310" cy="5677824"/>
+          </a:xfrm>
+        </p:spPr>
+        <p:txBody>
+          <a:bodyPr>
+            <a:normAutofit fontScale="92500" lnSpcReduction="10000"/>
+          </a:bodyPr>
+          <a:lstStyle/>
+          <a:p>
+            <a:r>
+              <a:rPr lang="en-US" dirty="0"/>
+              <a:t>AI 101</a:t>
+            </a:r>
+          </a:p>
+          <a:p>
+            <a:r>
+              <a:rPr lang="en-US" dirty="0"/>
+              <a:t>What is Machine Learning</a:t>
+            </a:r>
+          </a:p>
+          <a:p>
+            <a:r>
+              <a:rPr lang="en-US" dirty="0"/>
+              <a:t>History of AI / Machine Learning</a:t>
+            </a:r>
+          </a:p>
+          <a:p>
+            <a:r>
+              <a:rPr lang="en-US" dirty="0"/>
+              <a:t>Why ML So Hot Today ?</a:t>
+            </a:r>
+          </a:p>
+          <a:p>
+            <a:r>
+              <a:rPr lang="en-US" dirty="0"/>
+              <a:t>Classes of Machine Learning</a:t>
+            </a:r>
+          </a:p>
+          <a:p>
+            <a:r>
+              <a:rPr lang="en-US" dirty="0"/>
+              <a:t>Machine learning workflow</a:t>
+            </a:r>
+          </a:p>
+          <a:p>
+            <a:r>
+              <a:rPr lang="en-US" dirty="0"/>
+              <a:t>Example of “Machine Learning” – Linear Regression ? (the basics)</a:t>
+            </a:r>
+          </a:p>
+          <a:p>
+            <a:r>
+              <a:rPr lang="en-US" dirty="0"/>
+              <a:t>Example of “Machine Learning” – pt2</a:t>
+            </a:r>
+          </a:p>
+          <a:p>
+            <a:r>
+              <a:rPr lang="en-US" dirty="0"/>
+              <a:t>Example of “Machine Learning” – Logistic Regression</a:t>
+            </a:r>
+          </a:p>
+          <a:p>
+            <a:r>
+              <a:rPr lang="en-US" dirty="0"/>
+              <a:t>Computers and the Brain (von Neuman)</a:t>
+            </a:r>
+          </a:p>
+          <a:p>
+            <a:r>
+              <a:rPr lang="en-US" dirty="0"/>
+              <a:t>Extended example of “Machine Learning” – Neural Network</a:t>
+            </a:r>
+          </a:p>
+          <a:p>
+            <a:r>
+              <a:rPr lang="en-US" dirty="0"/>
+              <a:t>Types of Neural Networks, FF, CNN, RNN, </a:t>
+            </a:r>
+          </a:p>
+          <a:p>
+            <a:r>
+              <a:rPr lang="en-US" dirty="0"/>
+              <a:t>ML Landscape</a:t>
+            </a:r>
+          </a:p>
+          <a:p>
+            <a:r>
+              <a:rPr lang="en-US" dirty="0"/>
+              <a:t>State of AI &amp; Beware The Singularity ?</a:t>
+            </a:r>
+          </a:p>
+          <a:p>
+            <a:pPr marL="0" indent="0">
+              <a:buNone/>
+            </a:pPr>
+            <a:endParaRPr lang="en-US" dirty="0"/>
+          </a:p>
+        </p:txBody>
+      </p:sp>
+    </p:spTree>
+    <p:extLst>
+      <p:ext uri="{BB962C8B-B14F-4D97-AF65-F5344CB8AC3E}">
+        <p14:creationId xmlns:p14="http://schemas.microsoft.com/office/powerpoint/2010/main" val="3831731426"/>
+      </p:ext>
+    </p:extLst>
+  </p:cSld>
+  <p:clrMapOvr>
+    <a:masterClrMapping/>
+  </p:clrMapOvr>
+</p:sld>
+</file>
+
+<file path=ppt/slides/slide20.xml><?xml version="1.0" encoding="utf-8"?>
+<p:sld xmlns:a="http://schemas.openxmlformats.org/drawingml/2006/main" xmlns:r="http://schemas.openxmlformats.org/officeDocument/2006/relationships" xmlns:p="http://schemas.openxmlformats.org/presentationml/2006/main">
+  <p:cSld>
+    <p:spTree>
+      <p:nvGrpSpPr>
+        <p:cNvPr id="1" name=""/>
+        <p:cNvGrpSpPr/>
+        <p:nvPr/>
+      </p:nvGrpSpPr>
+      <p:grpSpPr>
+        <a:xfrm>
+          <a:off x="0" y="0"/>
+          <a:ext cx="0" cy="0"/>
+          <a:chOff x="0" y="0"/>
+          <a:chExt cx="0" cy="0"/>
+        </a:xfrm>
+      </p:grpSpPr>
+      <p:pic>
+        <p:nvPicPr>
+          <p:cNvPr id="5" name="Picture 4">
+            <a:extLst>
+              <a:ext uri="{FF2B5EF4-FFF2-40B4-BE49-F238E27FC236}">
+                <a16:creationId xmlns:a16="http://schemas.microsoft.com/office/drawing/2014/main" id="{4A1BB02A-30D4-4EE2-935B-83D23A55DA6A}"/>
+              </a:ext>
+            </a:extLst>
+          </p:cNvPr>
+          <p:cNvPicPr>
+            <a:picLocks noChangeAspect="1"/>
+          </p:cNvPicPr>
+          <p:nvPr/>
+        </p:nvPicPr>
+        <p:blipFill>
+          <a:blip r:embed="rId2"/>
+          <a:stretch>
+            <a:fillRect/>
+          </a:stretch>
+        </p:blipFill>
+        <p:spPr>
+          <a:xfrm>
+            <a:off x="5076930" y="1425146"/>
+            <a:ext cx="6923130" cy="5235889"/>
+          </a:xfrm>
+          <a:prstGeom prst="rect">
+            <a:avLst/>
+          </a:prstGeom>
+        </p:spPr>
+      </p:pic>
       <p:sp>
         <p:nvSpPr>
           <p:cNvPr id="2" name="Title 1">
@@ -32434,27 +33095,50 @@
           <a:p>
             <a:r>
               <a:rPr lang="en-US" dirty="0"/>
-              <a:t>Oracle Cloud</a:t>
+              <a:t>Oracle Cloud Platform (GCP)</a:t>
             </a:r>
           </a:p>
           <a:p>
             <a:r>
               <a:rPr lang="en-US" dirty="0"/>
-              <a:t>Sony Cloud (??) (</a:t>
-            </a:r>
-            <a:r>
-              <a:rPr lang="en-US" dirty="0">
-                <a:hlinkClick r:id="rId2"/>
-              </a:rPr>
-              <a:t>http://dl.sony.com</a:t>
-            </a:r>
+              <a:t>Sony Cloud</a:t>
+            </a:r>
+          </a:p>
+          <a:p>
+            <a:endParaRPr lang="en-US" dirty="0"/>
+          </a:p>
+          <a:p>
+            <a:pPr marL="0" indent="0">
+              <a:buNone/>
+            </a:pPr>
+            <a:r>
+              <a:rPr lang="en-US" b="1" dirty="0"/>
+              <a:t>Features:</a:t>
+            </a:r>
+          </a:p>
+          <a:p>
             <a:r>
               <a:rPr lang="en-US" dirty="0"/>
-              <a:t>)</a:t>
-            </a:r>
-          </a:p>
-          <a:p>
-            <a:endParaRPr lang="en-US" dirty="0"/>
+              <a:t>CPU/GPU/TPU on demand</a:t>
+            </a:r>
+          </a:p>
+          <a:p>
+            <a:r>
+              <a:rPr lang="en-US" dirty="0"/>
+              <a:t>Some have GUI’s</a:t>
+            </a:r>
+          </a:p>
+          <a:p>
+            <a:r>
+              <a:rPr lang="en-US" dirty="0"/>
+              <a:t>Good Data backend integration</a:t>
+            </a:r>
+          </a:p>
+          <a:p>
+            <a:r>
+              <a:rPr lang="en-US" dirty="0"/>
+              <a:t>Strong deployment tools</a:t>
+            </a:r>
           </a:p>
         </p:txBody>
       </p:sp>
@@ -32694,193 +33378,7 @@
 </p:sld>
 </file>
 
-<file path=ppt/slides/slide2.xml><?xml version="1.0" encoding="utf-8"?>
-<p:sld xmlns:a="http://schemas.openxmlformats.org/drawingml/2006/main" xmlns:r="http://schemas.openxmlformats.org/officeDocument/2006/relationships" xmlns:p="http://schemas.openxmlformats.org/presentationml/2006/main">
-  <p:cSld>
-    <p:spTree>
-      <p:nvGrpSpPr>
-        <p:cNvPr id="1" name=""/>
-        <p:cNvGrpSpPr/>
-        <p:nvPr/>
-      </p:nvGrpSpPr>
-      <p:grpSpPr>
-        <a:xfrm>
-          <a:off x="0" y="0"/>
-          <a:ext cx="0" cy="0"/>
-          <a:chOff x="0" y="0"/>
-          <a:chExt cx="0" cy="0"/>
-        </a:xfrm>
-      </p:grpSpPr>
-      <p:sp>
-        <p:nvSpPr>
-          <p:cNvPr id="2" name="Title 1">
-            <a:extLst>
-              <a:ext uri="{FF2B5EF4-FFF2-40B4-BE49-F238E27FC236}">
-                <a16:creationId xmlns:a16="http://schemas.microsoft.com/office/drawing/2014/main" id="{E3AE6D77-A7F8-4F3F-B32B-E74CD59F0F03}"/>
-              </a:ext>
-            </a:extLst>
-          </p:cNvPr>
-          <p:cNvSpPr>
-            <a:spLocks noGrp="1"/>
-          </p:cNvSpPr>
-          <p:nvPr>
-            <p:ph type="title"/>
-          </p:nvPr>
-        </p:nvSpPr>
-        <p:spPr>
-          <a:xfrm>
-            <a:off x="1371600" y="685800"/>
-            <a:ext cx="9601200" cy="820947"/>
-          </a:xfrm>
-        </p:spPr>
-        <p:txBody>
-          <a:bodyPr/>
-          <a:lstStyle/>
-          <a:p>
-            <a:r>
-              <a:rPr lang="en-US" dirty="0" err="1"/>
-              <a:t>ToC</a:t>
-            </a:r>
-            <a:r>
-              <a:rPr lang="en-US" dirty="0"/>
-              <a:t> </a:t>
-            </a:r>
-          </a:p>
-        </p:txBody>
-      </p:sp>
-      <p:sp>
-        <p:nvSpPr>
-          <p:cNvPr id="3" name="Content Placeholder 2">
-            <a:extLst>
-              <a:ext uri="{FF2B5EF4-FFF2-40B4-BE49-F238E27FC236}">
-                <a16:creationId xmlns:a16="http://schemas.microsoft.com/office/drawing/2014/main" id="{8B6CA1B8-CD69-4CE2-8665-69A20A8E5EDC}"/>
-              </a:ext>
-            </a:extLst>
-          </p:cNvPr>
-          <p:cNvSpPr>
-            <a:spLocks noGrp="1"/>
-          </p:cNvSpPr>
-          <p:nvPr>
-            <p:ph idx="1"/>
-          </p:nvPr>
-        </p:nvSpPr>
-        <p:spPr>
-          <a:xfrm>
-            <a:off x="1371600" y="1506747"/>
-            <a:ext cx="10366310" cy="5677824"/>
-          </a:xfrm>
-        </p:spPr>
-        <p:txBody>
-          <a:bodyPr>
-            <a:normAutofit fontScale="92500" lnSpcReduction="10000"/>
-          </a:bodyPr>
-          <a:lstStyle/>
-          <a:p>
-            <a:r>
-              <a:rPr lang="en-US" dirty="0"/>
-              <a:t>AI 101</a:t>
-            </a:r>
-          </a:p>
-          <a:p>
-            <a:r>
-              <a:rPr lang="en-US" dirty="0"/>
-              <a:t>What is Machine Learning</a:t>
-            </a:r>
-          </a:p>
-          <a:p>
-            <a:r>
-              <a:rPr lang="en-US" dirty="0"/>
-              <a:t>History of AI / Machine Learning</a:t>
-            </a:r>
-          </a:p>
-          <a:p>
-            <a:r>
-              <a:rPr lang="en-US" dirty="0"/>
-              <a:t>Why ML So Hot Today ?</a:t>
-            </a:r>
-          </a:p>
-          <a:p>
-            <a:r>
-              <a:rPr lang="en-US" dirty="0"/>
-              <a:t>Classes of Machine Learning</a:t>
-            </a:r>
-          </a:p>
-          <a:p>
-            <a:r>
-              <a:rPr lang="en-US" dirty="0"/>
-              <a:t>Machine learning workflow</a:t>
-            </a:r>
-          </a:p>
-          <a:p>
-            <a:r>
-              <a:rPr lang="en-US" dirty="0"/>
-              <a:t>Example of “Machine Learning” – Linear Regression ? (the basics)</a:t>
-            </a:r>
-          </a:p>
-          <a:p>
-            <a:r>
-              <a:rPr lang="en-US" dirty="0"/>
-              <a:t>Example of “Machine Learning” – pt2</a:t>
-            </a:r>
-          </a:p>
-          <a:p>
-            <a:r>
-              <a:rPr lang="en-US" dirty="0"/>
-              <a:t>Example of “Machine Learning” – Logistic Regression</a:t>
-            </a:r>
-          </a:p>
-          <a:p>
-            <a:r>
-              <a:rPr lang="en-US" dirty="0"/>
-              <a:t>Computers and the Brain (von Neuman)</a:t>
-            </a:r>
-          </a:p>
-          <a:p>
-            <a:r>
-              <a:rPr lang="en-US" dirty="0"/>
-              <a:t>Extended example of “Machine Learning” – Neural Network</a:t>
-            </a:r>
-          </a:p>
-          <a:p>
-            <a:r>
-              <a:rPr lang="en-US" dirty="0"/>
-              <a:t>Types of Neural Networks, FF, CNN, RNN, </a:t>
-            </a:r>
-          </a:p>
-          <a:p>
-            <a:r>
-              <a:rPr lang="en-US" dirty="0"/>
-              <a:t>ML Landscape</a:t>
-            </a:r>
-          </a:p>
-          <a:p>
-            <a:r>
-              <a:rPr lang="en-US" dirty="0"/>
-              <a:t>State of AI &amp; Beware The Singularity ?</a:t>
-            </a:r>
-          </a:p>
-          <a:p>
-            <a:pPr marL="0" indent="0">
-              <a:buNone/>
-            </a:pPr>
-            <a:endParaRPr lang="en-US" dirty="0"/>
-          </a:p>
-        </p:txBody>
-      </p:sp>
-    </p:spTree>
-    <p:extLst>
-      <p:ext uri="{BB962C8B-B14F-4D97-AF65-F5344CB8AC3E}">
-        <p14:creationId xmlns:p14="http://schemas.microsoft.com/office/powerpoint/2010/main" val="3831731426"/>
-      </p:ext>
-    </p:extLst>
-  </p:cSld>
-  <p:clrMapOvr>
-    <a:masterClrMapping/>
-  </p:clrMapOvr>
-</p:sld>
-</file>
-
-<file path=ppt/slides/slide20.xml><?xml version="1.0" encoding="utf-8"?>
+<file path=ppt/slides/slide21.xml><?xml version="1.0" encoding="utf-8"?>
 <p:sld xmlns:a="http://schemas.openxmlformats.org/drawingml/2006/main" xmlns:r="http://schemas.openxmlformats.org/officeDocument/2006/relationships" xmlns:p="http://schemas.openxmlformats.org/presentationml/2006/main">
   <p:cSld>
     <p:spTree>
@@ -33169,7 +33667,7 @@
         </p:nvSpPr>
         <p:spPr>
           <a:xfrm>
-            <a:off x="2833645" y="6377832"/>
+            <a:off x="811898" y="6291703"/>
             <a:ext cx="11580284" cy="738664"/>
           </a:xfrm>
           <a:prstGeom prst="rect">
@@ -33233,8 +33731,8 @@
         </p:blipFill>
         <p:spPr bwMode="auto">
           <a:xfrm>
-            <a:off x="2530378" y="863979"/>
-            <a:ext cx="9508228" cy="5348378"/>
+            <a:off x="4647355" y="1711354"/>
+            <a:ext cx="7315750" cy="4115109"/>
           </a:xfrm>
           <a:prstGeom prst="rect">
             <a:avLst/>
@@ -33251,6 +33749,81 @@
           </a:extLst>
         </p:spPr>
       </p:pic>
+      <p:sp>
+        <p:nvSpPr>
+          <p:cNvPr id="6" name="Content Placeholder 2">
+            <a:extLst>
+              <a:ext uri="{FF2B5EF4-FFF2-40B4-BE49-F238E27FC236}">
+                <a16:creationId xmlns:a16="http://schemas.microsoft.com/office/drawing/2014/main" id="{999366DC-ABD4-4798-8F3F-1C2309E742AE}"/>
+              </a:ext>
+            </a:extLst>
+          </p:cNvPr>
+          <p:cNvSpPr>
+            <a:spLocks noGrp="1"/>
+          </p:cNvSpPr>
+          <p:nvPr>
+            <p:ph idx="1"/>
+          </p:nvPr>
+        </p:nvSpPr>
+        <p:spPr>
+          <a:xfrm>
+            <a:off x="1187569" y="1312657"/>
+            <a:ext cx="3384431" cy="5059388"/>
+          </a:xfrm>
+        </p:spPr>
+        <p:txBody>
+          <a:bodyPr>
+            <a:normAutofit/>
+          </a:bodyPr>
+          <a:lstStyle/>
+          <a:p>
+            <a:pPr lvl="0"/>
+            <a:r>
+              <a:rPr lang="en-US" dirty="0"/>
+              <a:t>Apache Spark &amp; Hadoop</a:t>
+            </a:r>
+          </a:p>
+          <a:p>
+            <a:pPr lvl="0"/>
+            <a:r>
+              <a:rPr lang="en-US" dirty="0"/>
+              <a:t>KDB</a:t>
+            </a:r>
+          </a:p>
+          <a:p>
+            <a:pPr lvl="0"/>
+            <a:r>
+              <a:rPr lang="en-US" dirty="0"/>
+              <a:t>Oracle</a:t>
+            </a:r>
+          </a:p>
+          <a:p>
+            <a:endParaRPr lang="en-US" dirty="0"/>
+          </a:p>
+          <a:p>
+            <a:r>
+              <a:rPr lang="en-US" dirty="0"/>
+              <a:t>Bring ML to the data</a:t>
+            </a:r>
+          </a:p>
+          <a:p>
+            <a:pPr lvl="1"/>
+            <a:r>
+              <a:rPr lang="en-US" dirty="0"/>
+              <a:t>(Data being the hardest part ?)</a:t>
+            </a:r>
+          </a:p>
+          <a:p>
+            <a:endParaRPr lang="en-US" dirty="0"/>
+          </a:p>
+          <a:p>
+            <a:endParaRPr lang="en-US" dirty="0"/>
+          </a:p>
+          <a:p>
+            <a:endParaRPr lang="en-US" dirty="0"/>
+          </a:p>
+        </p:txBody>
+      </p:sp>
     </p:spTree>
     <p:extLst>
       <p:ext uri="{BB962C8B-B14F-4D97-AF65-F5344CB8AC3E}">
@@ -33264,7 +33837,7 @@
 </p:sld>
 </file>
 
-<file path=ppt/slides/slide21.xml><?xml version="1.0" encoding="utf-8"?>
+<file path=ppt/slides/slide22.xml><?xml version="1.0" encoding="utf-8"?>
 <p:sld xmlns:a="http://schemas.openxmlformats.org/drawingml/2006/main" xmlns:r="http://schemas.openxmlformats.org/officeDocument/2006/relationships" xmlns:p="http://schemas.openxmlformats.org/presentationml/2006/main">
   <p:cSld>
     <p:spTree>
@@ -33311,44 +33884,8 @@
           <a:p>
             <a:r>
               <a:rPr lang="en-US" dirty="0"/>
-              <a:t>Why I care about AI / ML</a:t>
-            </a:r>
-          </a:p>
-        </p:txBody>
-      </p:sp>
-      <p:sp>
-        <p:nvSpPr>
-          <p:cNvPr id="3" name="Content Placeholder 2">
-            <a:extLst>
-              <a:ext uri="{FF2B5EF4-FFF2-40B4-BE49-F238E27FC236}">
-                <a16:creationId xmlns:a16="http://schemas.microsoft.com/office/drawing/2014/main" id="{890E8DCC-CEBE-42F0-BEE6-20CE768757A8}"/>
-              </a:ext>
-            </a:extLst>
-          </p:cNvPr>
-          <p:cNvSpPr>
-            <a:spLocks noGrp="1"/>
-          </p:cNvSpPr>
-          <p:nvPr>
-            <p:ph idx="1"/>
-          </p:nvPr>
-        </p:nvSpPr>
-        <p:spPr>
-          <a:xfrm>
-            <a:off x="1187569" y="1023667"/>
-            <a:ext cx="10550105" cy="5348378"/>
-          </a:xfrm>
-        </p:spPr>
-        <p:txBody>
-          <a:bodyPr/>
-          <a:lstStyle/>
-          <a:p>
-            <a:r>
-              <a:rPr lang="en-US"/>
-              <a:t>?</a:t>
-            </a:r>
-          </a:p>
-          <a:p>
-            <a:endParaRPr lang="en-US" i="0" dirty="0"/>
+              <a:t>Final Words</a:t>
+            </a:r>
           </a:p>
         </p:txBody>
       </p:sp>
@@ -33575,10 +34112,236 @@
           </a:p>
         </p:txBody>
       </p:sp>
+      <p:sp>
+        <p:nvSpPr>
+          <p:cNvPr id="5" name="Rectangle 4">
+            <a:extLst>
+              <a:ext uri="{FF2B5EF4-FFF2-40B4-BE49-F238E27FC236}">
+                <a16:creationId xmlns:a16="http://schemas.microsoft.com/office/drawing/2014/main" id="{3679BEF2-47AD-4E23-BA83-3D7EC430E67C}"/>
+              </a:ext>
+            </a:extLst>
+          </p:cNvPr>
+          <p:cNvSpPr/>
+          <p:nvPr/>
+        </p:nvSpPr>
+        <p:spPr>
+          <a:xfrm>
+            <a:off x="811898" y="6291703"/>
+            <a:ext cx="11580284" cy="738664"/>
+          </a:xfrm>
+          <a:prstGeom prst="rect">
+            <a:avLst/>
+          </a:prstGeom>
+        </p:spPr>
+        <p:txBody>
+          <a:bodyPr wrap="square">
+            <a:spAutoFit/>
+          </a:bodyPr>
+          <a:lstStyle/>
+          <a:p>
+            <a:r>
+              <a:rPr lang="en-US" sz="1400" dirty="0">
+                <a:hlinkClick r:id="rId2"/>
+              </a:rPr>
+              <a:t>https://en.wikipedia.org/wiki/Technological_singularity</a:t>
+            </a:r>
+            <a:endParaRPr lang="en-US" sz="1400" dirty="0"/>
+          </a:p>
+          <a:p>
+            <a:r>
+              <a:rPr lang="en-US" sz="1400" dirty="0"/>
+              <a:t>“Singularity” term comes from Ray Kurtzweil, who says he came up with this from reading works by John Von Neumann</a:t>
+            </a:r>
+          </a:p>
+          <a:p>
+            <a:endParaRPr lang="en-US" sz="1400" dirty="0"/>
+          </a:p>
+        </p:txBody>
+      </p:sp>
+      <p:sp>
+        <p:nvSpPr>
+          <p:cNvPr id="6" name="Content Placeholder 2">
+            <a:extLst>
+              <a:ext uri="{FF2B5EF4-FFF2-40B4-BE49-F238E27FC236}">
+                <a16:creationId xmlns:a16="http://schemas.microsoft.com/office/drawing/2014/main" id="{999366DC-ABD4-4798-8F3F-1C2309E742AE}"/>
+              </a:ext>
+            </a:extLst>
+          </p:cNvPr>
+          <p:cNvSpPr>
+            <a:spLocks noGrp="1"/>
+          </p:cNvSpPr>
+          <p:nvPr>
+            <p:ph idx="1"/>
+          </p:nvPr>
+        </p:nvSpPr>
+        <p:spPr>
+          <a:xfrm>
+            <a:off x="1141560" y="871117"/>
+            <a:ext cx="10674917" cy="5059388"/>
+          </a:xfrm>
+        </p:spPr>
+        <p:txBody>
+          <a:bodyPr>
+            <a:normAutofit lnSpcReduction="10000"/>
+          </a:bodyPr>
+          <a:lstStyle/>
+          <a:p>
+            <a:endParaRPr lang="en-US" dirty="0"/>
+          </a:p>
+          <a:p>
+            <a:r>
+              <a:rPr lang="en-US" dirty="0">
+                <a:hlinkClick r:id="rId3"/>
+              </a:rPr>
+              <a:t>“Stephen Hawking warns artificial intelligence could end mankind ...”</a:t>
+            </a:r>
+          </a:p>
+          <a:p>
+            <a:r>
+              <a:rPr lang="en-US" dirty="0">
+                <a:hlinkClick r:id="rId3"/>
+              </a:rPr>
+              <a:t>“</a:t>
+            </a:r>
+            <a:r>
+              <a:rPr lang="en-US" dirty="0">
+                <a:hlinkClick r:id="rId4"/>
+              </a:rPr>
+              <a:t>Beware the singularity, says Skype founder | Stuff.co.nz”</a:t>
+            </a:r>
+          </a:p>
+          <a:p>
+            <a:r>
+              <a:rPr lang="en-US" u="sng" dirty="0">
+                <a:hlinkClick r:id="rId5"/>
+              </a:rPr>
+              <a:t>The "Father of Artificial Intelligence" Says Singularity Is 30 Years Away ...</a:t>
+            </a:r>
+          </a:p>
+          <a:p>
+            <a:pPr marL="0" indent="0">
+              <a:buNone/>
+            </a:pPr>
+            <a:endParaRPr lang="en-US" b="1" dirty="0">
+              <a:hlinkClick r:id="rId3"/>
+            </a:endParaRPr>
+          </a:p>
+          <a:p>
+            <a:pPr marL="0" indent="0">
+              <a:buNone/>
+            </a:pPr>
+            <a:r>
+              <a:rPr lang="en-US" b="1" u="sng" dirty="0"/>
+              <a:t>The Singularity..</a:t>
+            </a:r>
+            <a:endParaRPr lang="en-US" dirty="0">
+              <a:hlinkClick r:id="rId3"/>
+            </a:endParaRPr>
+          </a:p>
+          <a:p>
+            <a:r>
+              <a:rPr lang="en-US" dirty="0"/>
+              <a:t>Theory/Logic </a:t>
+            </a:r>
+          </a:p>
+          <a:p>
+            <a:pPr lvl="1"/>
+            <a:r>
+              <a:rPr lang="en-US" dirty="0"/>
+              <a:t>If we can train a machine to be “smarter” than us (the creators) – “the singularity”</a:t>
+            </a:r>
+          </a:p>
+          <a:p>
+            <a:pPr lvl="1"/>
+            <a:r>
+              <a:rPr lang="en-US" dirty="0"/>
+              <a:t>Then the machine can train another machine to be smarter than itself</a:t>
+            </a:r>
+          </a:p>
+          <a:p>
+            <a:pPr lvl="1"/>
+            <a:r>
+              <a:rPr lang="en-US" dirty="0"/>
+              <a:t>Recursively – it can evolve into a super-intelligence</a:t>
+            </a:r>
+          </a:p>
+          <a:p>
+            <a:pPr lvl="1"/>
+            <a:r>
+              <a:rPr lang="en-US" dirty="0"/>
+              <a:t>What this sometime for fun: </a:t>
+            </a:r>
+            <a:r>
+              <a:rPr lang="en-US" dirty="0">
+                <a:hlinkClick r:id="rId6"/>
+              </a:rPr>
+              <a:t>https://www.youtube.com/watch?v=ye5C-zlCAyM&amp;t=211s</a:t>
+            </a:r>
+            <a:endParaRPr lang="en-US" dirty="0"/>
+          </a:p>
+          <a:p>
+            <a:r>
+              <a:rPr lang="en-US" b="1" i="0" dirty="0"/>
+              <a:t>In Practice..</a:t>
+            </a:r>
+            <a:r>
+              <a:rPr lang="en-US" i="0" dirty="0"/>
+              <a:t> we are nowhere near this for “Artificial General Intelligence” – all applications so far are “Narrow Intelligence”…  Kurtzweil thought we are &lt; 30yr away (See: </a:t>
+            </a:r>
+            <a:r>
+              <a:rPr lang="en-US" i="0" dirty="0">
+                <a:hlinkClick r:id="rId7"/>
+              </a:rPr>
+              <a:t>AI Winter</a:t>
+            </a:r>
+            <a:r>
+              <a:rPr lang="en-US" i="0" dirty="0"/>
+              <a:t>)</a:t>
+            </a:r>
+            <a:endParaRPr lang="en-US" b="1" i="0" dirty="0"/>
+          </a:p>
+          <a:p>
+            <a:pPr marL="530352" lvl="1" indent="0">
+              <a:buNone/>
+            </a:pPr>
+            <a:endParaRPr lang="en-US" dirty="0"/>
+          </a:p>
+        </p:txBody>
+      </p:sp>
+      <p:pic>
+        <p:nvPicPr>
+          <p:cNvPr id="3" name="Picture 2">
+            <a:extLst>
+              <a:ext uri="{FF2B5EF4-FFF2-40B4-BE49-F238E27FC236}">
+                <a16:creationId xmlns:a16="http://schemas.microsoft.com/office/drawing/2014/main" id="{E4F15C1C-EC9A-459F-AEFB-F0C5A5211FD2}"/>
+              </a:ext>
+            </a:extLst>
+          </p:cNvPr>
+          <p:cNvPicPr>
+            <a:picLocks noChangeAspect="1"/>
+          </p:cNvPicPr>
+          <p:nvPr/>
+        </p:nvPicPr>
+        <p:blipFill>
+          <a:blip r:embed="rId8"/>
+          <a:stretch>
+            <a:fillRect/>
+          </a:stretch>
+        </p:blipFill>
+        <p:spPr>
+          <a:xfrm>
+            <a:off x="8475718" y="125626"/>
+            <a:ext cx="3624263" cy="1933575"/>
+          </a:xfrm>
+          <a:prstGeom prst="rect">
+            <a:avLst/>
+          </a:prstGeom>
+        </p:spPr>
+      </p:pic>
     </p:spTree>
     <p:extLst>
       <p:ext uri="{BB962C8B-B14F-4D97-AF65-F5344CB8AC3E}">
-        <p14:creationId xmlns:p14="http://schemas.microsoft.com/office/powerpoint/2010/main" val="2638334633"/>
+        <p14:creationId xmlns:p14="http://schemas.microsoft.com/office/powerpoint/2010/main" val="3487146519"/>
       </p:ext>
     </p:extLst>
   </p:cSld>
@@ -33588,7 +34351,7 @@
 </p:sld>
 </file>
 
-<file path=ppt/slides/slide22.xml><?xml version="1.0" encoding="utf-8"?>
+<file path=ppt/slides/slide23.xml><?xml version="1.0" encoding="utf-8"?>
 <p:sld xmlns:a="http://schemas.openxmlformats.org/drawingml/2006/main" xmlns:r="http://schemas.openxmlformats.org/officeDocument/2006/relationships" xmlns:p="http://schemas.openxmlformats.org/presentationml/2006/main">
   <p:cSld>
     <p:spTree>
@@ -34110,7 +34873,7 @@
           <a:p>
             <a:r>
               <a:rPr lang="en-US" dirty="0"/>
-              <a:t>Artificial Intelligence 101</a:t>
+              <a:t>What is Artificial Intelligence ?</a:t>
             </a:r>
           </a:p>
         </p:txBody>
@@ -34507,6 +35270,356 @@
           <a:p>
             <a:r>
               <a:rPr lang="en-US" dirty="0"/>
+              <a:t>What is Data Science ?</a:t>
+            </a:r>
+          </a:p>
+        </p:txBody>
+      </p:sp>
+      <p:sp>
+        <p:nvSpPr>
+          <p:cNvPr id="4" name="Content Placeholder 2">
+            <a:extLst>
+              <a:ext uri="{FF2B5EF4-FFF2-40B4-BE49-F238E27FC236}">
+                <a16:creationId xmlns:a16="http://schemas.microsoft.com/office/drawing/2014/main" id="{CD97B703-0D68-4C3A-9692-C69CF75ED4AD}"/>
+              </a:ext>
+            </a:extLst>
+          </p:cNvPr>
+          <p:cNvSpPr txBox="1">
+            <a:spLocks/>
+          </p:cNvSpPr>
+          <p:nvPr/>
+        </p:nvSpPr>
+        <p:spPr>
+          <a:xfrm>
+            <a:off x="-215661" y="281021"/>
+            <a:ext cx="10550105" cy="5348378"/>
+          </a:xfrm>
+          <a:prstGeom prst="rect">
+            <a:avLst/>
+          </a:prstGeom>
+        </p:spPr>
+        <p:txBody>
+          <a:bodyPr vert="horz" lIns="91440" tIns="45720" rIns="91440" bIns="45720" rtlCol="0">
+            <a:normAutofit/>
+          </a:bodyPr>
+          <a:lstStyle>
+            <a:lvl1pPr marL="384048" indent="-384048" algn="l" defTabSz="914400" rtl="0" eaLnBrk="1" latinLnBrk="0" hangingPunct="1">
+              <a:lnSpc>
+                <a:spcPct val="94000"/>
+              </a:lnSpc>
+              <a:spcBef>
+                <a:spcPts val="1000"/>
+              </a:spcBef>
+              <a:spcAft>
+                <a:spcPts val="200"/>
+              </a:spcAft>
+              <a:buFont typeface="Franklin Gothic Book" panose="020B0503020102020204" pitchFamily="34" charset="0"/>
+              <a:buChar char="■"/>
+              <a:defRPr sz="2000" kern="1200" baseline="0">
+                <a:solidFill>
+                  <a:schemeClr val="tx2"/>
+                </a:solidFill>
+                <a:latin typeface="+mn-lt"/>
+                <a:ea typeface="+mn-ea"/>
+                <a:cs typeface="+mn-cs"/>
+              </a:defRPr>
+            </a:lvl1pPr>
+            <a:lvl2pPr marL="914400" indent="-384048" algn="l" defTabSz="914400" rtl="0" eaLnBrk="1" latinLnBrk="0" hangingPunct="1">
+              <a:lnSpc>
+                <a:spcPct val="94000"/>
+              </a:lnSpc>
+              <a:spcBef>
+                <a:spcPts val="500"/>
+              </a:spcBef>
+              <a:spcAft>
+                <a:spcPts val="200"/>
+              </a:spcAft>
+              <a:buFont typeface="Franklin Gothic Book" panose="020B0503020102020204" pitchFamily="34" charset="0"/>
+              <a:buChar char="–"/>
+              <a:defRPr sz="2000" i="1" kern="1200" baseline="0">
+                <a:solidFill>
+                  <a:schemeClr val="tx2"/>
+                </a:solidFill>
+                <a:latin typeface="+mn-lt"/>
+                <a:ea typeface="+mn-ea"/>
+                <a:cs typeface="+mn-cs"/>
+              </a:defRPr>
+            </a:lvl2pPr>
+            <a:lvl3pPr marL="1371600" indent="-384048" algn="l" defTabSz="914400" rtl="0" eaLnBrk="1" latinLnBrk="0" hangingPunct="1">
+              <a:lnSpc>
+                <a:spcPct val="94000"/>
+              </a:lnSpc>
+              <a:spcBef>
+                <a:spcPts val="500"/>
+              </a:spcBef>
+              <a:spcAft>
+                <a:spcPts val="200"/>
+              </a:spcAft>
+              <a:buFont typeface="Franklin Gothic Book" panose="020B0503020102020204" pitchFamily="34" charset="0"/>
+              <a:buChar char="■"/>
+              <a:defRPr sz="1800" kern="1200" baseline="0">
+                <a:solidFill>
+                  <a:schemeClr val="tx2"/>
+                </a:solidFill>
+                <a:latin typeface="+mn-lt"/>
+                <a:ea typeface="+mn-ea"/>
+                <a:cs typeface="+mn-cs"/>
+              </a:defRPr>
+            </a:lvl3pPr>
+            <a:lvl4pPr marL="1828800" indent="-384048" algn="l" defTabSz="914400" rtl="0" eaLnBrk="1" latinLnBrk="0" hangingPunct="1">
+              <a:lnSpc>
+                <a:spcPct val="94000"/>
+              </a:lnSpc>
+              <a:spcBef>
+                <a:spcPts val="500"/>
+              </a:spcBef>
+              <a:spcAft>
+                <a:spcPts val="200"/>
+              </a:spcAft>
+              <a:buFont typeface="Franklin Gothic Book" panose="020B0503020102020204" pitchFamily="34" charset="0"/>
+              <a:buChar char="–"/>
+              <a:defRPr sz="1800" i="1" kern="1200" baseline="0">
+                <a:solidFill>
+                  <a:schemeClr val="tx2"/>
+                </a:solidFill>
+                <a:latin typeface="+mn-lt"/>
+                <a:ea typeface="+mn-ea"/>
+                <a:cs typeface="+mn-cs"/>
+              </a:defRPr>
+            </a:lvl4pPr>
+            <a:lvl5pPr marL="2286000" indent="-384048" algn="l" defTabSz="914400" rtl="0" eaLnBrk="1" latinLnBrk="0" hangingPunct="1">
+              <a:lnSpc>
+                <a:spcPct val="94000"/>
+              </a:lnSpc>
+              <a:spcBef>
+                <a:spcPts val="500"/>
+              </a:spcBef>
+              <a:spcAft>
+                <a:spcPts val="200"/>
+              </a:spcAft>
+              <a:buFont typeface="Franklin Gothic Book" panose="020B0503020102020204" pitchFamily="34" charset="0"/>
+              <a:buChar char="■"/>
+              <a:defRPr sz="1600" kern="1200" baseline="0">
+                <a:solidFill>
+                  <a:schemeClr val="tx2"/>
+                </a:solidFill>
+                <a:latin typeface="+mn-lt"/>
+                <a:ea typeface="+mn-ea"/>
+                <a:cs typeface="+mn-cs"/>
+              </a:defRPr>
+            </a:lvl5pPr>
+            <a:lvl6pPr marL="2743200" indent="-384048" algn="l" defTabSz="914400" rtl="0" eaLnBrk="1" latinLnBrk="0" hangingPunct="1">
+              <a:lnSpc>
+                <a:spcPct val="94000"/>
+              </a:lnSpc>
+              <a:spcBef>
+                <a:spcPts val="500"/>
+              </a:spcBef>
+              <a:spcAft>
+                <a:spcPts val="200"/>
+              </a:spcAft>
+              <a:buFont typeface="Franklin Gothic Book" panose="020B0503020102020204" pitchFamily="34" charset="0"/>
+              <a:buChar char="–"/>
+              <a:defRPr sz="1600" i="1" kern="1200" baseline="0">
+                <a:solidFill>
+                  <a:schemeClr val="tx2"/>
+                </a:solidFill>
+                <a:latin typeface="+mn-lt"/>
+                <a:ea typeface="+mn-ea"/>
+                <a:cs typeface="+mn-cs"/>
+              </a:defRPr>
+            </a:lvl6pPr>
+            <a:lvl7pPr marL="3200400" indent="-384048" algn="l" defTabSz="914400" rtl="0" eaLnBrk="1" latinLnBrk="0" hangingPunct="1">
+              <a:lnSpc>
+                <a:spcPct val="94000"/>
+              </a:lnSpc>
+              <a:spcBef>
+                <a:spcPts val="500"/>
+              </a:spcBef>
+              <a:spcAft>
+                <a:spcPts val="200"/>
+              </a:spcAft>
+              <a:buFont typeface="Franklin Gothic Book" panose="020B0503020102020204" pitchFamily="34" charset="0"/>
+              <a:buChar char="■"/>
+              <a:defRPr sz="1400" kern="1200" baseline="0">
+                <a:solidFill>
+                  <a:schemeClr val="tx2"/>
+                </a:solidFill>
+                <a:latin typeface="+mn-lt"/>
+                <a:ea typeface="+mn-ea"/>
+                <a:cs typeface="+mn-cs"/>
+              </a:defRPr>
+            </a:lvl7pPr>
+            <a:lvl8pPr marL="3657600" indent="-384048" algn="l" defTabSz="914400" rtl="0" eaLnBrk="1" latinLnBrk="0" hangingPunct="1">
+              <a:lnSpc>
+                <a:spcPct val="94000"/>
+              </a:lnSpc>
+              <a:spcBef>
+                <a:spcPts val="500"/>
+              </a:spcBef>
+              <a:spcAft>
+                <a:spcPts val="200"/>
+              </a:spcAft>
+              <a:buFont typeface="Franklin Gothic Book" panose="020B0503020102020204" pitchFamily="34" charset="0"/>
+              <a:buChar char="–"/>
+              <a:defRPr sz="1400" i="1" kern="1200" baseline="0">
+                <a:solidFill>
+                  <a:schemeClr val="tx2"/>
+                </a:solidFill>
+                <a:latin typeface="+mn-lt"/>
+                <a:ea typeface="+mn-ea"/>
+                <a:cs typeface="+mn-cs"/>
+              </a:defRPr>
+            </a:lvl8pPr>
+            <a:lvl9pPr marL="4114800" indent="-384048" algn="l" defTabSz="914400" rtl="0" eaLnBrk="1" latinLnBrk="0" hangingPunct="1">
+              <a:lnSpc>
+                <a:spcPct val="94000"/>
+              </a:lnSpc>
+              <a:spcBef>
+                <a:spcPts val="500"/>
+              </a:spcBef>
+              <a:spcAft>
+                <a:spcPts val="200"/>
+              </a:spcAft>
+              <a:buFont typeface="Franklin Gothic Book" panose="020B0503020102020204" pitchFamily="34" charset="0"/>
+              <a:buChar char="■"/>
+              <a:defRPr sz="1400" kern="1200" baseline="0">
+                <a:solidFill>
+                  <a:schemeClr val="tx2"/>
+                </a:solidFill>
+                <a:latin typeface="+mn-lt"/>
+                <a:ea typeface="+mn-ea"/>
+                <a:cs typeface="+mn-cs"/>
+              </a:defRPr>
+            </a:lvl9pPr>
+          </a:lstStyle>
+          <a:p>
+            <a:endParaRPr lang="en-US" dirty="0"/>
+          </a:p>
+        </p:txBody>
+      </p:sp>
+      <p:sp>
+        <p:nvSpPr>
+          <p:cNvPr id="1036" name="Rectangle 1035">
+            <a:extLst>
+              <a:ext uri="{FF2B5EF4-FFF2-40B4-BE49-F238E27FC236}">
+                <a16:creationId xmlns:a16="http://schemas.microsoft.com/office/drawing/2014/main" id="{F0D59B0B-0F4B-400A-8C76-9FEB0C0CECB5}"/>
+              </a:ext>
+            </a:extLst>
+          </p:cNvPr>
+          <p:cNvSpPr/>
+          <p:nvPr/>
+        </p:nvSpPr>
+        <p:spPr>
+          <a:xfrm>
+            <a:off x="833434" y="6423090"/>
+            <a:ext cx="9864811" cy="307777"/>
+          </a:xfrm>
+          <a:prstGeom prst="rect">
+            <a:avLst/>
+          </a:prstGeom>
+        </p:spPr>
+        <p:txBody>
+          <a:bodyPr wrap="square">
+            <a:spAutoFit/>
+          </a:bodyPr>
+          <a:lstStyle/>
+          <a:p>
+            <a:r>
+              <a:rPr lang="en-US" sz="1400" dirty="0"/>
+              <a:t>https://www.kdnuggets.com/2016/10/battle-data-science-venn-diagrams.html</a:t>
+            </a:r>
+          </a:p>
+        </p:txBody>
+      </p:sp>
+      <p:pic>
+        <p:nvPicPr>
+          <p:cNvPr id="1037" name="Picture 1036">
+            <a:extLst>
+              <a:ext uri="{FF2B5EF4-FFF2-40B4-BE49-F238E27FC236}">
+                <a16:creationId xmlns:a16="http://schemas.microsoft.com/office/drawing/2014/main" id="{82F4F8DC-521C-435E-9362-8DE7435EBAB1}"/>
+              </a:ext>
+            </a:extLst>
+          </p:cNvPr>
+          <p:cNvPicPr>
+            <a:picLocks noChangeAspect="1"/>
+          </p:cNvPicPr>
+          <p:nvPr/>
+        </p:nvPicPr>
+        <p:blipFill>
+          <a:blip r:embed="rId2"/>
+          <a:stretch>
+            <a:fillRect/>
+          </a:stretch>
+        </p:blipFill>
+        <p:spPr>
+          <a:xfrm>
+            <a:off x="2717234" y="877330"/>
+            <a:ext cx="7837871" cy="5609560"/>
+          </a:xfrm>
+          <a:prstGeom prst="rect">
+            <a:avLst/>
+          </a:prstGeom>
+        </p:spPr>
+      </p:pic>
+    </p:spTree>
+    <p:extLst>
+      <p:ext uri="{BB962C8B-B14F-4D97-AF65-F5344CB8AC3E}">
+        <p14:creationId xmlns:p14="http://schemas.microsoft.com/office/powerpoint/2010/main" val="3214138073"/>
+      </p:ext>
+    </p:extLst>
+  </p:cSld>
+  <p:clrMapOvr>
+    <a:masterClrMapping/>
+  </p:clrMapOvr>
+</p:sld>
+</file>
+
+<file path=ppt/slides/slide5.xml><?xml version="1.0" encoding="utf-8"?>
+<p:sld xmlns:a="http://schemas.openxmlformats.org/drawingml/2006/main" xmlns:r="http://schemas.openxmlformats.org/officeDocument/2006/relationships" xmlns:p="http://schemas.openxmlformats.org/presentationml/2006/main">
+  <p:cSld>
+    <p:spTree>
+      <p:nvGrpSpPr>
+        <p:cNvPr id="1" name=""/>
+        <p:cNvGrpSpPr/>
+        <p:nvPr/>
+      </p:nvGrpSpPr>
+      <p:grpSpPr>
+        <a:xfrm>
+          <a:off x="0" y="0"/>
+          <a:ext cx="0" cy="0"/>
+          <a:chOff x="0" y="0"/>
+          <a:chExt cx="0" cy="0"/>
+        </a:xfrm>
+      </p:grpSpPr>
+      <p:sp>
+        <p:nvSpPr>
+          <p:cNvPr id="2" name="Title 1">
+            <a:extLst>
+              <a:ext uri="{FF2B5EF4-FFF2-40B4-BE49-F238E27FC236}">
+                <a16:creationId xmlns:a16="http://schemas.microsoft.com/office/drawing/2014/main" id="{D1EBA635-2F7F-4838-A23A-2C3E13E2F1D5}"/>
+              </a:ext>
+            </a:extLst>
+          </p:cNvPr>
+          <p:cNvSpPr>
+            <a:spLocks noGrp="1"/>
+          </p:cNvSpPr>
+          <p:nvPr>
+            <p:ph type="title"/>
+          </p:nvPr>
+        </p:nvSpPr>
+        <p:spPr>
+          <a:xfrm>
+            <a:off x="1097045" y="281021"/>
+            <a:ext cx="9601200" cy="987729"/>
+          </a:xfrm>
+        </p:spPr>
+        <p:txBody>
+          <a:bodyPr/>
+          <a:lstStyle/>
+          <a:p>
+            <a:r>
+              <a:rPr lang="en-US" dirty="0"/>
               <a:t>What is Machine Learning</a:t>
             </a:r>
           </a:p>
@@ -35454,7 +36567,7 @@
             </a:r>
             <a:r>
               <a:rPr lang="en-US" sz="1100" dirty="0"/>
-              <a:t> – Tesla Direct of AI</a:t>
+              <a:t> – Tesla Director of AI</a:t>
             </a:r>
           </a:p>
         </p:txBody>
@@ -35754,7 +36867,7 @@
     </p:spTree>
     <p:extLst>
       <p:ext uri="{BB962C8B-B14F-4D97-AF65-F5344CB8AC3E}">
-        <p14:creationId xmlns:p14="http://schemas.microsoft.com/office/powerpoint/2010/main" val="3214138073"/>
+        <p14:creationId xmlns:p14="http://schemas.microsoft.com/office/powerpoint/2010/main" val="1417886782"/>
       </p:ext>
     </p:extLst>
   </p:cSld>
@@ -35764,7 +36877,7 @@
 </p:sld>
 </file>
 
-<file path=ppt/slides/slide5.xml><?xml version="1.0" encoding="utf-8"?>
+<file path=ppt/slides/slide6.xml><?xml version="1.0" encoding="utf-8"?>
 <p:sld xmlns:a="http://schemas.openxmlformats.org/drawingml/2006/main" xmlns:r="http://schemas.openxmlformats.org/officeDocument/2006/relationships" xmlns:p="http://schemas.openxmlformats.org/presentationml/2006/main">
   <p:cSld>
     <p:spTree>
@@ -36242,6 +37355,54 @@
           </a:graphicData>
         </a:graphic>
       </p:graphicFrame>
+      <p:sp>
+        <p:nvSpPr>
+          <p:cNvPr id="8" name="Rectangle 7">
+            <a:extLst>
+              <a:ext uri="{FF2B5EF4-FFF2-40B4-BE49-F238E27FC236}">
+                <a16:creationId xmlns:a16="http://schemas.microsoft.com/office/drawing/2014/main" id="{C1898BBB-64EB-44B8-907A-021F18BA6AAB}"/>
+              </a:ext>
+            </a:extLst>
+          </p:cNvPr>
+          <p:cNvSpPr/>
+          <p:nvPr/>
+        </p:nvSpPr>
+        <p:spPr>
+          <a:xfrm rot="1956828">
+            <a:off x="3715390" y="2525278"/>
+            <a:ext cx="5849291" cy="1569660"/>
+          </a:xfrm>
+          <a:prstGeom prst="rect">
+            <a:avLst/>
+          </a:prstGeom>
+          <a:noFill/>
+        </p:spPr>
+        <p:txBody>
+          <a:bodyPr wrap="square" lIns="91440" tIns="45720" rIns="91440" bIns="45720">
+            <a:spAutoFit/>
+          </a:bodyPr>
+          <a:lstStyle/>
+          <a:p>
+            <a:pPr algn="ctr"/>
+            <a:r>
+              <a:rPr lang="en-US" sz="9600" b="0" cap="none" spc="0" dirty="0">
+                <a:ln w="0"/>
+                <a:solidFill>
+                  <a:srgbClr val="FF0000"/>
+                </a:solidFill>
+                <a:effectLst>
+                  <a:outerShdw blurRad="38100" dist="25400" dir="5400000" algn="ctr" rotWithShape="0">
+                    <a:srgbClr val="6E747A">
+                      <a:alpha val="43000"/>
+                    </a:srgbClr>
+                  </a:outerShdw>
+                </a:effectLst>
+              </a:rPr>
+              <a:t>Redo</a:t>
+            </a:r>
+          </a:p>
+        </p:txBody>
+      </p:sp>
     </p:spTree>
     <p:extLst>
       <p:ext uri="{BB962C8B-B14F-4D97-AF65-F5344CB8AC3E}">
@@ -36255,7 +37416,7 @@
 </p:sld>
 </file>
 
-<file path=ppt/slides/slide6.xml><?xml version="1.0" encoding="utf-8"?>
+<file path=ppt/slides/slide7.xml><?xml version="1.0" encoding="utf-8"?>
 <p:sld xmlns:a="http://schemas.openxmlformats.org/drawingml/2006/main" xmlns:r="http://schemas.openxmlformats.org/officeDocument/2006/relationships" xmlns:p="http://schemas.openxmlformats.org/presentationml/2006/main">
   <p:cSld>
     <p:spTree>
@@ -36842,55 +38003,6 @@
           </a:prstGeom>
         </p:spPr>
       </p:pic>
-      <p:sp>
-        <p:nvSpPr>
-          <p:cNvPr id="17" name="Rectangle 16">
-            <a:extLst>
-              <a:ext uri="{FF2B5EF4-FFF2-40B4-BE49-F238E27FC236}">
-                <a16:creationId xmlns:a16="http://schemas.microsoft.com/office/drawing/2014/main" id="{E39C9B36-EBC3-48FF-AB86-43F0D9E8F79F}"/>
-              </a:ext>
-            </a:extLst>
-          </p:cNvPr>
-          <p:cNvSpPr/>
-          <p:nvPr/>
-        </p:nvSpPr>
-        <p:spPr>
-          <a:xfrm>
-            <a:off x="805658" y="6372494"/>
-            <a:ext cx="6096000" cy="577081"/>
-          </a:xfrm>
-          <a:prstGeom prst="rect">
-            <a:avLst/>
-          </a:prstGeom>
-        </p:spPr>
-        <p:txBody>
-          <a:bodyPr>
-            <a:spAutoFit/>
-          </a:bodyPr>
-          <a:lstStyle/>
-          <a:p>
-            <a:r>
-              <a:rPr lang="en-US" sz="1050" dirty="0">
-                <a:hlinkClick r:id="rId4"/>
-              </a:rPr>
-              <a:t>https://static.googleusercontent.com/media/research.google.com/en//pubs/archive/35179.pdf</a:t>
-            </a:r>
-            <a:endParaRPr lang="en-US" sz="1050" dirty="0"/>
-          </a:p>
-          <a:p>
-            <a:r>
-              <a:rPr lang="en-US" sz="1050" dirty="0">
-                <a:hlinkClick r:id="rId5"/>
-              </a:rPr>
-              <a:t>https://cloud.google.com/blog/products/gcp/an-in-depth-look-at-googles-first-tensor-processing-unit-tpu</a:t>
-            </a:r>
-            <a:endParaRPr lang="en-US" sz="1050" dirty="0"/>
-          </a:p>
-          <a:p>
-            <a:endParaRPr lang="en-US" sz="1050" dirty="0"/>
-          </a:p>
-        </p:txBody>
-      </p:sp>
       <p:pic>
         <p:nvPicPr>
           <p:cNvPr id="21" name="Picture 20">
@@ -36906,7 +38018,7 @@
           <p:nvPr/>
         </p:nvPicPr>
         <p:blipFill>
-          <a:blip r:embed="rId6"/>
+          <a:blip r:embed="rId4"/>
           <a:stretch>
             <a:fillRect/>
           </a:stretch>
@@ -36936,7 +38048,7 @@
           <p:nvPr/>
         </p:nvPicPr>
         <p:blipFill>
-          <a:blip r:embed="rId7"/>
+          <a:blip r:embed="rId5"/>
           <a:stretch>
             <a:fillRect/>
           </a:stretch>
@@ -36951,6 +38063,64 @@
           </a:prstGeom>
         </p:spPr>
       </p:pic>
+      <p:sp>
+        <p:nvSpPr>
+          <p:cNvPr id="17" name="Rectangle 16">
+            <a:extLst>
+              <a:ext uri="{FF2B5EF4-FFF2-40B4-BE49-F238E27FC236}">
+                <a16:creationId xmlns:a16="http://schemas.microsoft.com/office/drawing/2014/main" id="{E39C9B36-EBC3-48FF-AB86-43F0D9E8F79F}"/>
+              </a:ext>
+            </a:extLst>
+          </p:cNvPr>
+          <p:cNvSpPr/>
+          <p:nvPr/>
+        </p:nvSpPr>
+        <p:spPr>
+          <a:xfrm>
+            <a:off x="666192" y="6140296"/>
+            <a:ext cx="9845866" cy="954107"/>
+          </a:xfrm>
+          <a:prstGeom prst="rect">
+            <a:avLst/>
+          </a:prstGeom>
+        </p:spPr>
+        <p:txBody>
+          <a:bodyPr wrap="square">
+            <a:spAutoFit/>
+          </a:bodyPr>
+          <a:lstStyle/>
+          <a:p>
+            <a:r>
+              <a:rPr lang="en-US" sz="1400" dirty="0">
+                <a:hlinkClick r:id="rId6"/>
+              </a:rPr>
+              <a:t>https://static.googleusercontent.com/media/research.google.com/en//pubs/archive/35179.pdf</a:t>
+            </a:r>
+            <a:endParaRPr lang="en-US" sz="1400" dirty="0"/>
+          </a:p>
+          <a:p>
+            <a:r>
+              <a:rPr lang="en-US" sz="1400" dirty="0">
+                <a:hlinkClick r:id="rId7"/>
+              </a:rPr>
+              <a:t>https://cloud.google.com/blog/products/gcp/an-in-depth-look-at-googles-first-tensor-processing-unit-tpu</a:t>
+            </a:r>
+            <a:endParaRPr lang="en-US" sz="1400" dirty="0"/>
+          </a:p>
+          <a:p>
+            <a:r>
+              <a:rPr lang="en-US" sz="1400" dirty="0">
+                <a:hlinkClick r:id="rId8"/>
+              </a:rPr>
+              <a:t>https://www.kdnuggets.com/2015/06/machine-learning-more-data-better-algorithms.html</a:t>
+            </a:r>
+            <a:endParaRPr lang="en-US" sz="1400" dirty="0"/>
+          </a:p>
+          <a:p>
+            <a:endParaRPr lang="en-US" sz="1400" dirty="0"/>
+          </a:p>
+        </p:txBody>
+      </p:sp>
     </p:spTree>
     <p:extLst>
       <p:ext uri="{BB962C8B-B14F-4D97-AF65-F5344CB8AC3E}">
@@ -36964,7 +38134,7 @@
 </p:sld>
 </file>
 
-<file path=ppt/slides/slide7.xml><?xml version="1.0" encoding="utf-8"?>
+<file path=ppt/slides/slide8.xml><?xml version="1.0" encoding="utf-8"?>
 <p:sld xmlns:a="http://schemas.openxmlformats.org/drawingml/2006/main" xmlns:r="http://schemas.openxmlformats.org/officeDocument/2006/relationships" xmlns:p="http://schemas.openxmlformats.org/presentationml/2006/main">
   <p:cSld>
     <p:spTree>
@@ -37767,7 +38937,7 @@
 </p:sld>
 </file>
 
-<file path=ppt/slides/slide8.xml><?xml version="1.0" encoding="utf-8"?>
+<file path=ppt/slides/slide9.xml><?xml version="1.0" encoding="utf-8"?>
 <p:sld xmlns:a="http://schemas.openxmlformats.org/drawingml/2006/main" xmlns:r="http://schemas.openxmlformats.org/officeDocument/2006/relationships" xmlns:p="http://schemas.openxmlformats.org/presentationml/2006/main">
   <p:cSld>
     <p:spTree>
@@ -37812,56 +38982,8 @@
           <a:p>
             <a:r>
               <a:rPr lang="en-US" dirty="0"/>
-              <a:t>Machine Learning Pipeline</a:t>
-            </a:r>
-          </a:p>
-        </p:txBody>
-      </p:sp>
-      <p:sp>
-        <p:nvSpPr>
-          <p:cNvPr id="3" name="Content Placeholder 2">
-            <a:extLst>
-              <a:ext uri="{FF2B5EF4-FFF2-40B4-BE49-F238E27FC236}">
-                <a16:creationId xmlns:a16="http://schemas.microsoft.com/office/drawing/2014/main" id="{890E8DCC-CEBE-42F0-BEE6-20CE768757A8}"/>
-              </a:ext>
-            </a:extLst>
-          </p:cNvPr>
-          <p:cNvSpPr>
-            <a:spLocks noGrp="1"/>
-          </p:cNvSpPr>
-          <p:nvPr>
-            <p:ph idx="1"/>
-          </p:nvPr>
-        </p:nvSpPr>
-        <p:spPr>
-          <a:xfrm>
-            <a:off x="1187569" y="1023667"/>
-            <a:ext cx="10550105" cy="5348378"/>
-          </a:xfrm>
-        </p:spPr>
-        <p:txBody>
-          <a:bodyPr>
-            <a:normAutofit/>
-          </a:bodyPr>
-          <a:lstStyle/>
-          <a:p>
-            <a:pPr marL="0" indent="0">
-              <a:buNone/>
-            </a:pPr>
-            <a:r>
-              <a:rPr lang="en-US" b="1" i="1" dirty="0"/>
-              <a:t>End to End Flow</a:t>
-            </a:r>
-          </a:p>
-          <a:p>
-            <a:pPr marL="530352" lvl="1" indent="0">
-              <a:buNone/>
-            </a:pPr>
-            <a:endParaRPr lang="en-US" i="0" dirty="0"/>
-          </a:p>
-          <a:p>
-            <a:pPr lvl="1"/>
-            <a:endParaRPr lang="en-US" i="0" dirty="0"/>
+              <a:t>Machine Learning Workflow</a:t>
+            </a:r>
           </a:p>
         </p:txBody>
       </p:sp>
@@ -37878,14 +39000,14 @@
           <p:nvPr>
             <p:extLst>
               <p:ext uri="{D42A27DB-BD31-4B8C-83A1-F6EECF244321}">
-                <p14:modId xmlns:p14="http://schemas.microsoft.com/office/powerpoint/2010/main" val="3638791489"/>
+                <p14:modId xmlns:p14="http://schemas.microsoft.com/office/powerpoint/2010/main" val="3615227774"/>
               </p:ext>
             </p:extLst>
           </p:nvPr>
         </p:nvGraphicFramePr>
         <p:xfrm>
-          <a:off x="692727" y="615142"/>
-          <a:ext cx="11626735" cy="4998719"/>
+          <a:off x="752419" y="829000"/>
+          <a:ext cx="11439582" cy="4998719"/>
         </p:xfrm>
         <a:graphic>
           <a:graphicData uri="http://schemas.openxmlformats.org/drawingml/2006/diagram">
@@ -37893,56 +39015,6 @@
           </a:graphicData>
         </a:graphic>
       </p:graphicFrame>
-      <p:sp>
-        <p:nvSpPr>
-          <p:cNvPr id="22" name="Arrow: U-Turn 21">
-            <a:extLst>
-              <a:ext uri="{FF2B5EF4-FFF2-40B4-BE49-F238E27FC236}">
-                <a16:creationId xmlns:a16="http://schemas.microsoft.com/office/drawing/2014/main" id="{BD1A2FB7-72C4-43A0-BC93-540D71D87B6A}"/>
-              </a:ext>
-            </a:extLst>
-          </p:cNvPr>
-          <p:cNvSpPr/>
-          <p:nvPr/>
-        </p:nvSpPr>
-        <p:spPr>
-          <a:xfrm flipH="1" flipV="1">
-            <a:off x="5569239" y="4408297"/>
-            <a:ext cx="1773670" cy="709354"/>
-          </a:xfrm>
-          <a:prstGeom prst="uturnArrow">
-            <a:avLst/>
-          </a:prstGeom>
-        </p:spPr>
-        <p:style>
-          <a:lnRef idx="2">
-            <a:schemeClr val="accent1">
-              <a:shade val="50000"/>
-            </a:schemeClr>
-          </a:lnRef>
-          <a:fillRef idx="1">
-            <a:schemeClr val="accent1"/>
-          </a:fillRef>
-          <a:effectRef idx="0">
-            <a:schemeClr val="accent1"/>
-          </a:effectRef>
-          <a:fontRef idx="minor">
-            <a:schemeClr val="lt1"/>
-          </a:fontRef>
-        </p:style>
-        <p:txBody>
-          <a:bodyPr rtlCol="0" anchor="ctr"/>
-          <a:lstStyle/>
-          <a:p>
-            <a:pPr algn="ctr"/>
-            <a:endParaRPr lang="en-US">
-              <a:solidFill>
-                <a:schemeClr val="tx1"/>
-              </a:solidFill>
-            </a:endParaRPr>
-          </a:p>
-        </p:txBody>
-      </p:sp>
       <p:sp>
         <p:nvSpPr>
           <p:cNvPr id="23" name="Arrow: U-Turn 22">
@@ -37957,7 +39029,7 @@
         </p:nvSpPr>
         <p:spPr>
           <a:xfrm flipH="1">
-            <a:off x="5458691" y="1190109"/>
+            <a:off x="5458691" y="1443029"/>
             <a:ext cx="3933830" cy="709353"/>
           </a:xfrm>
           <a:prstGeom prst="uturnArrow">
@@ -38007,7 +39079,7 @@
         </p:nvSpPr>
         <p:spPr>
           <a:xfrm flipH="1">
-            <a:off x="7342909" y="1195651"/>
+            <a:off x="7342909" y="1448571"/>
             <a:ext cx="2037601" cy="709353"/>
           </a:xfrm>
           <a:prstGeom prst="uturnArrow">
@@ -38035,7 +39107,7 @@
           <a:lstStyle/>
           <a:p>
             <a:pPr algn="ctr"/>
-            <a:endParaRPr lang="en-US">
+            <a:endParaRPr lang="en-US" dirty="0">
               <a:solidFill>
                 <a:schemeClr val="tx1"/>
               </a:solidFill>
@@ -38045,10 +39117,10 @@
       </p:sp>
       <p:sp>
         <p:nvSpPr>
-          <p:cNvPr id="25" name="TextBox 24">
+          <p:cNvPr id="10" name="TextBox 9">
             <a:extLst>
               <a:ext uri="{FF2B5EF4-FFF2-40B4-BE49-F238E27FC236}">
-                <a16:creationId xmlns:a16="http://schemas.microsoft.com/office/drawing/2014/main" id="{4B957AE0-4089-4B15-A67D-54E4F82C88F3}"/>
+                <a16:creationId xmlns:a16="http://schemas.microsoft.com/office/drawing/2014/main" id="{ED0B6220-1AE7-4B1C-807A-17605CD634D9}"/>
               </a:ext>
             </a:extLst>
           </p:cNvPr>
@@ -38057,8 +39129,8 @@
         </p:nvSpPr>
         <p:spPr>
           <a:xfrm>
-            <a:off x="2006138" y="6318905"/>
-            <a:ext cx="9110749" cy="461665"/>
+            <a:off x="284925" y="4668936"/>
+            <a:ext cx="2312360" cy="400110"/>
           </a:xfrm>
           <a:prstGeom prst="rect">
             <a:avLst/>
@@ -38073,18 +39145,18 @@
           <a:p>
             <a:pPr algn="ctr"/>
             <a:r>
-              <a:rPr lang="en-US" sz="2400" i="1" dirty="0"/>
-              <a:t>End to end a long, iterative process</a:t>
+              <a:rPr lang="en-US" sz="2000" b="1" i="1" u="sng" dirty="0"/>
+              <a:t>Durations ?</a:t>
             </a:r>
           </a:p>
         </p:txBody>
       </p:sp>
       <p:sp>
         <p:nvSpPr>
-          <p:cNvPr id="27" name="Arrow: U-Turn 26">
+          <p:cNvPr id="12" name="Arrow: U-Turn 11">
             <a:extLst>
               <a:ext uri="{FF2B5EF4-FFF2-40B4-BE49-F238E27FC236}">
-                <a16:creationId xmlns:a16="http://schemas.microsoft.com/office/drawing/2014/main" id="{E6F5F8C5-6A79-4B70-A16F-94505C11D415}"/>
+                <a16:creationId xmlns:a16="http://schemas.microsoft.com/office/drawing/2014/main" id="{A2FDA694-87BA-4E51-B7A4-D9302811F3D3}"/>
               </a:ext>
             </a:extLst>
           </p:cNvPr>
@@ -38092,9 +39164,9 @@
           <p:nvPr/>
         </p:nvSpPr>
         <p:spPr>
-          <a:xfrm flipH="1" flipV="1">
-            <a:off x="1443355" y="4408297"/>
-            <a:ext cx="1773670" cy="709354"/>
+          <a:xfrm flipH="1">
+            <a:off x="1460179" y="1586420"/>
+            <a:ext cx="2037601" cy="583606"/>
           </a:xfrm>
           <a:prstGeom prst="uturnArrow">
             <a:avLst/>
@@ -38121,7 +39193,7 @@
           <a:lstStyle/>
           <a:p>
             <a:pPr algn="ctr"/>
-            <a:endParaRPr lang="en-US">
+            <a:endParaRPr lang="en-US" dirty="0">
               <a:solidFill>
                 <a:schemeClr val="tx1"/>
               </a:solidFill>
@@ -38129,42 +39201,12 @@
           </a:p>
         </p:txBody>
       </p:sp>
-    </p:spTree>
-    <p:extLst>
-      <p:ext uri="{BB962C8B-B14F-4D97-AF65-F5344CB8AC3E}">
-        <p14:creationId xmlns:p14="http://schemas.microsoft.com/office/powerpoint/2010/main" val="1381545590"/>
-      </p:ext>
-    </p:extLst>
-  </p:cSld>
-  <p:clrMapOvr>
-    <a:masterClrMapping/>
-  </p:clrMapOvr>
-</p:sld>
-</file>
-
-<file path=ppt/slides/slide9.xml><?xml version="1.0" encoding="utf-8"?>
-<p:sld xmlns:a="http://schemas.openxmlformats.org/drawingml/2006/main" xmlns:r="http://schemas.openxmlformats.org/officeDocument/2006/relationships" xmlns:p="http://schemas.openxmlformats.org/presentationml/2006/main">
-  <p:cSld>
-    <p:spTree>
-      <p:nvGrpSpPr>
-        <p:cNvPr id="1" name=""/>
-        <p:cNvGrpSpPr/>
-        <p:nvPr/>
-      </p:nvGrpSpPr>
-      <p:grpSpPr>
-        <a:xfrm>
-          <a:off x="0" y="0"/>
-          <a:ext cx="0" cy="0"/>
-          <a:chOff x="0" y="0"/>
-          <a:chExt cx="0" cy="0"/>
-        </a:xfrm>
-      </p:grpSpPr>
       <p:sp>
         <p:nvSpPr>
-          <p:cNvPr id="2" name="Title 1">
+          <p:cNvPr id="3" name="ddSubTitle">
             <a:extLst>
               <a:ext uri="{FF2B5EF4-FFF2-40B4-BE49-F238E27FC236}">
-                <a16:creationId xmlns:a16="http://schemas.microsoft.com/office/drawing/2014/main" id="{D1EBA635-2F7F-4838-A23A-2C3E13E2F1D5}"/>
+                <a16:creationId xmlns:a16="http://schemas.microsoft.com/office/drawing/2014/main" id="{890E8DCC-CEBE-42F0-BEE6-20CE768757A8}"/>
               </a:ext>
             </a:extLst>
           </p:cNvPr>
@@ -38172,65 +39214,38 @@
             <a:spLocks noGrp="1"/>
           </p:cNvSpPr>
           <p:nvPr>
-            <p:ph type="title"/>
+            <p:ph idx="1"/>
           </p:nvPr>
         </p:nvSpPr>
         <p:spPr>
           <a:xfrm>
-            <a:off x="1141560" y="196965"/>
-            <a:ext cx="10374338" cy="987729"/>
+            <a:off x="1092319" y="1276588"/>
+            <a:ext cx="2920883" cy="461666"/>
           </a:xfrm>
         </p:spPr>
         <p:txBody>
           <a:bodyPr>
-            <a:noAutofit/>
+            <a:normAutofit/>
           </a:bodyPr>
           <a:lstStyle/>
           <a:p>
-            <a:r>
-              <a:rPr lang="en-US" sz="3600" u="sng" dirty="0"/>
-              <a:t>How it really works - Linear Regression example (1)</a:t>
-            </a:r>
+            <a:pPr marL="0" indent="0" algn="ctr">
+              <a:buNone/>
+            </a:pPr>
+            <a:r>
+              <a:rPr lang="en-US" b="1" i="1" dirty="0"/>
+              <a:t>I. Load/Cleanup Data</a:t>
+            </a:r>
+            <a:endParaRPr lang="en-US" i="0" dirty="0"/>
           </a:p>
         </p:txBody>
       </p:sp>
-      <p:graphicFrame>
-        <p:nvGraphicFramePr>
-          <p:cNvPr id="7" name="Content Placeholder 6">
+      <p:sp>
+        <p:nvSpPr>
+          <p:cNvPr id="14" name="ddSubTitle">
             <a:extLst>
               <a:ext uri="{FF2B5EF4-FFF2-40B4-BE49-F238E27FC236}">
-                <a16:creationId xmlns:a16="http://schemas.microsoft.com/office/drawing/2014/main" id="{DCDCED4B-7EA5-4602-B6F0-224D40AC43CE}"/>
-              </a:ext>
-            </a:extLst>
-          </p:cNvPr>
-          <p:cNvGraphicFramePr>
-            <a:graphicFrameLocks noGrp="1"/>
-          </p:cNvGraphicFramePr>
-          <p:nvPr>
-            <p:ph idx="1"/>
-            <p:extLst>
-              <p:ext uri="{D42A27DB-BD31-4B8C-83A1-F6EECF244321}">
-                <p14:modId xmlns:p14="http://schemas.microsoft.com/office/powerpoint/2010/main" val="3882537994"/>
-              </p:ext>
-            </p:extLst>
-          </p:nvPr>
-        </p:nvGraphicFramePr>
-        <p:xfrm>
-          <a:off x="1220700" y="852677"/>
-          <a:ext cx="4875300" cy="2512341"/>
-        </p:xfrm>
-        <a:graphic>
-          <a:graphicData uri="http://schemas.openxmlformats.org/drawingml/2006/chart">
-            <c:chart xmlns:c="http://schemas.openxmlformats.org/drawingml/2006/chart" xmlns:r="http://schemas.openxmlformats.org/officeDocument/2006/relationships" r:id="rId2"/>
-          </a:graphicData>
-        </a:graphic>
-      </p:graphicFrame>
-      <p:sp>
-        <p:nvSpPr>
-          <p:cNvPr id="4" name="Content Placeholder 2">
-            <a:extLst>
-              <a:ext uri="{FF2B5EF4-FFF2-40B4-BE49-F238E27FC236}">
-                <a16:creationId xmlns:a16="http://schemas.microsoft.com/office/drawing/2014/main" id="{CD97B703-0D68-4C3A-9692-C69CF75ED4AD}"/>
+                <a16:creationId xmlns:a16="http://schemas.microsoft.com/office/drawing/2014/main" id="{5574BA87-2165-45A9-9D74-6DABA821BFBA}"/>
               </a:ext>
             </a:extLst>
           </p:cNvPr>
@@ -38241,8 +39256,8 @@
         </p:nvSpPr>
         <p:spPr>
           <a:xfrm>
-            <a:off x="-215661" y="196965"/>
-            <a:ext cx="10550105" cy="5348378"/>
+            <a:off x="5893668" y="1098566"/>
+            <a:ext cx="3208335" cy="461666"/>
           </a:xfrm>
           <a:prstGeom prst="rect">
             <a:avLst/>
@@ -38444,16 +39459,264 @@
             </a:lvl9pPr>
           </a:lstStyle>
           <a:p>
+            <a:pPr marL="0" indent="0" algn="ctr">
+              <a:buFont typeface="Franklin Gothic Book" panose="020B0503020102020204" pitchFamily="34" charset="0"/>
+              <a:buNone/>
+            </a:pPr>
+            <a:r>
+              <a:rPr lang="en-US" b="1" i="1" dirty="0"/>
+              <a:t>II. Refine Features &amp; Model</a:t>
+            </a:r>
             <a:endParaRPr lang="en-US" dirty="0"/>
           </a:p>
         </p:txBody>
       </p:sp>
       <p:sp>
         <p:nvSpPr>
-          <p:cNvPr id="8" name="TextBox 7">
+          <p:cNvPr id="7" name="Arrow: Striped Right 6">
             <a:extLst>
               <a:ext uri="{FF2B5EF4-FFF2-40B4-BE49-F238E27FC236}">
-                <a16:creationId xmlns:a16="http://schemas.microsoft.com/office/drawing/2014/main" id="{DA1EC543-1113-4EC4-B98F-317D59E16CCE}"/>
+                <a16:creationId xmlns:a16="http://schemas.microsoft.com/office/drawing/2014/main" id="{E4AA650D-3BF5-4A75-BE5B-B28B3ADF26B7}"/>
+              </a:ext>
+            </a:extLst>
+          </p:cNvPr>
+          <p:cNvSpPr/>
+          <p:nvPr/>
+        </p:nvSpPr>
+        <p:spPr>
+          <a:xfrm>
+            <a:off x="758007" y="5279226"/>
+            <a:ext cx="3911270" cy="484632"/>
+          </a:xfrm>
+          <a:prstGeom prst="stripedRightArrow">
+            <a:avLst/>
+          </a:prstGeom>
+          <a:solidFill>
+            <a:schemeClr val="bg2">
+              <a:lumMod val="90000"/>
+            </a:schemeClr>
+          </a:solidFill>
+          <a:ln>
+            <a:noFill/>
+          </a:ln>
+        </p:spPr>
+        <p:style>
+          <a:lnRef idx="2">
+            <a:schemeClr val="accent1">
+              <a:shade val="50000"/>
+            </a:schemeClr>
+          </a:lnRef>
+          <a:fillRef idx="1">
+            <a:schemeClr val="accent1"/>
+          </a:fillRef>
+          <a:effectRef idx="0">
+            <a:schemeClr val="accent1"/>
+          </a:effectRef>
+          <a:fontRef idx="minor">
+            <a:schemeClr val="lt1"/>
+          </a:fontRef>
+        </p:style>
+        <p:txBody>
+          <a:bodyPr rtlCol="0" anchor="ctr"/>
+          <a:lstStyle/>
+          <a:p>
+            <a:pPr algn="ctr"/>
+            <a:r>
+              <a:rPr lang="en-US" dirty="0">
+                <a:solidFill>
+                  <a:schemeClr val="tx1"/>
+                </a:solidFill>
+              </a:rPr>
+              <a:t>9 months+ – 80%</a:t>
+            </a:r>
+          </a:p>
+        </p:txBody>
+      </p:sp>
+      <p:sp>
+        <p:nvSpPr>
+          <p:cNvPr id="19" name="Arrow: Striped Right 18">
+            <a:extLst>
+              <a:ext uri="{FF2B5EF4-FFF2-40B4-BE49-F238E27FC236}">
+                <a16:creationId xmlns:a16="http://schemas.microsoft.com/office/drawing/2014/main" id="{F485D3C4-FF55-4658-9FCD-51EC5F3535AB}"/>
+              </a:ext>
+            </a:extLst>
+          </p:cNvPr>
+          <p:cNvSpPr/>
+          <p:nvPr/>
+        </p:nvSpPr>
+        <p:spPr>
+          <a:xfrm>
+            <a:off x="758006" y="4946412"/>
+            <a:ext cx="11433993" cy="484632"/>
+          </a:xfrm>
+          <a:prstGeom prst="stripedRightArrow">
+            <a:avLst/>
+          </a:prstGeom>
+          <a:solidFill>
+            <a:schemeClr val="bg2">
+              <a:lumMod val="75000"/>
+            </a:schemeClr>
+          </a:solidFill>
+          <a:ln>
+            <a:noFill/>
+          </a:ln>
+        </p:spPr>
+        <p:style>
+          <a:lnRef idx="2">
+            <a:schemeClr val="accent1">
+              <a:shade val="50000"/>
+            </a:schemeClr>
+          </a:lnRef>
+          <a:fillRef idx="1">
+            <a:schemeClr val="accent1"/>
+          </a:fillRef>
+          <a:effectRef idx="0">
+            <a:schemeClr val="accent1"/>
+          </a:effectRef>
+          <a:fontRef idx="minor">
+            <a:schemeClr val="lt1"/>
+          </a:fontRef>
+        </p:style>
+        <p:txBody>
+          <a:bodyPr rtlCol="0" anchor="ctr"/>
+          <a:lstStyle/>
+          <a:p>
+            <a:pPr algn="ctr"/>
+            <a:r>
+              <a:rPr lang="en-US" dirty="0"/>
+              <a:t>12 month project</a:t>
+            </a:r>
+          </a:p>
+        </p:txBody>
+      </p:sp>
+      <p:sp>
+        <p:nvSpPr>
+          <p:cNvPr id="21" name="Arrow: Striped Right 20">
+            <a:extLst>
+              <a:ext uri="{FF2B5EF4-FFF2-40B4-BE49-F238E27FC236}">
+                <a16:creationId xmlns:a16="http://schemas.microsoft.com/office/drawing/2014/main" id="{DA4A0CF0-A5C0-4B9F-83FD-C11E495B4018}"/>
+              </a:ext>
+            </a:extLst>
+          </p:cNvPr>
+          <p:cNvSpPr/>
+          <p:nvPr/>
+        </p:nvSpPr>
+        <p:spPr>
+          <a:xfrm>
+            <a:off x="4301247" y="5649828"/>
+            <a:ext cx="2469204" cy="484632"/>
+          </a:xfrm>
+          <a:prstGeom prst="stripedRightArrow">
+            <a:avLst/>
+          </a:prstGeom>
+          <a:solidFill>
+            <a:schemeClr val="bg2">
+              <a:lumMod val="90000"/>
+            </a:schemeClr>
+          </a:solidFill>
+          <a:ln>
+            <a:noFill/>
+          </a:ln>
+        </p:spPr>
+        <p:style>
+          <a:lnRef idx="2">
+            <a:schemeClr val="accent1">
+              <a:shade val="50000"/>
+            </a:schemeClr>
+          </a:lnRef>
+          <a:fillRef idx="1">
+            <a:schemeClr val="accent1"/>
+          </a:fillRef>
+          <a:effectRef idx="0">
+            <a:schemeClr val="accent1"/>
+          </a:effectRef>
+          <a:fontRef idx="minor">
+            <a:schemeClr val="lt1"/>
+          </a:fontRef>
+        </p:style>
+        <p:txBody>
+          <a:bodyPr rtlCol="0" anchor="ctr"/>
+          <a:lstStyle/>
+          <a:p>
+            <a:pPr algn="ctr"/>
+            <a:r>
+              <a:rPr lang="en-US" dirty="0">
+                <a:solidFill>
+                  <a:schemeClr val="tx1"/>
+                </a:solidFill>
+              </a:rPr>
+              <a:t>2-3 months+ – 15%</a:t>
+            </a:r>
+          </a:p>
+        </p:txBody>
+      </p:sp>
+      <p:sp>
+        <p:nvSpPr>
+          <p:cNvPr id="24" name="Arrow: Striped Right 23">
+            <a:extLst>
+              <a:ext uri="{FF2B5EF4-FFF2-40B4-BE49-F238E27FC236}">
+                <a16:creationId xmlns:a16="http://schemas.microsoft.com/office/drawing/2014/main" id="{4966F5FF-6107-46AA-A919-AAE7CFF12A26}"/>
+              </a:ext>
+            </a:extLst>
+          </p:cNvPr>
+          <p:cNvSpPr/>
+          <p:nvPr/>
+        </p:nvSpPr>
+        <p:spPr>
+          <a:xfrm>
+            <a:off x="6203789" y="6003898"/>
+            <a:ext cx="5988209" cy="484632"/>
+          </a:xfrm>
+          <a:prstGeom prst="stripedRightArrow">
+            <a:avLst/>
+          </a:prstGeom>
+          <a:solidFill>
+            <a:schemeClr val="bg2">
+              <a:lumMod val="90000"/>
+            </a:schemeClr>
+          </a:solidFill>
+          <a:ln>
+            <a:noFill/>
+          </a:ln>
+        </p:spPr>
+        <p:style>
+          <a:lnRef idx="2">
+            <a:schemeClr val="accent1">
+              <a:shade val="50000"/>
+            </a:schemeClr>
+          </a:lnRef>
+          <a:fillRef idx="1">
+            <a:schemeClr val="accent1"/>
+          </a:fillRef>
+          <a:effectRef idx="0">
+            <a:schemeClr val="accent1"/>
+          </a:effectRef>
+          <a:fontRef idx="minor">
+            <a:schemeClr val="lt1"/>
+          </a:fontRef>
+        </p:style>
+        <p:txBody>
+          <a:bodyPr rtlCol="0" anchor="ctr"/>
+          <a:lstStyle/>
+          <a:p>
+            <a:pPr algn="ctr"/>
+            <a:r>
+              <a:rPr lang="en-US" dirty="0">
+                <a:solidFill>
+                  <a:schemeClr val="tx1"/>
+                </a:solidFill>
+              </a:rPr>
+              <a:t>1-2 months+ – 5%</a:t>
+            </a:r>
+          </a:p>
+        </p:txBody>
+      </p:sp>
+      <p:sp>
+        <p:nvSpPr>
+          <p:cNvPr id="28" name="TextBox 27">
+            <a:extLst>
+              <a:ext uri="{FF2B5EF4-FFF2-40B4-BE49-F238E27FC236}">
+                <a16:creationId xmlns:a16="http://schemas.microsoft.com/office/drawing/2014/main" id="{FADA6608-2573-47D5-84A9-1333B1A371C2}"/>
               </a:ext>
             </a:extLst>
           </p:cNvPr>
@@ -38462,8 +39725,8 @@
         </p:nvSpPr>
         <p:spPr>
           <a:xfrm>
-            <a:off x="6183169" y="1123481"/>
-            <a:ext cx="4788131" cy="2585323"/>
+            <a:off x="460022" y="872892"/>
+            <a:ext cx="2584736" cy="400110"/>
           </a:xfrm>
           <a:prstGeom prst="rect">
             <a:avLst/>
@@ -38476,470 +39739,44 @@
           </a:bodyPr>
           <a:lstStyle/>
           <a:p>
-            <a:r>
-              <a:rPr lang="en-US" dirty="0"/>
-              <a:t>Linear price model:</a:t>
-            </a:r>
-          </a:p>
-          <a:p>
-            <a:r>
-              <a:rPr lang="en-US" dirty="0"/>
-              <a:t>  h(x) = W</a:t>
-            </a:r>
-            <a:r>
-              <a:rPr lang="en-US" baseline="-25000" dirty="0"/>
-              <a:t>0 </a:t>
-            </a:r>
-            <a:r>
-              <a:rPr lang="en-US" dirty="0"/>
-              <a:t>+  W</a:t>
-            </a:r>
-            <a:r>
-              <a:rPr lang="en-US" baseline="-25000" dirty="0"/>
-              <a:t>1</a:t>
-            </a:r>
-            <a:r>
-              <a:rPr lang="en-US" dirty="0"/>
-              <a:t>*</a:t>
-            </a:r>
-            <a:r>
-              <a:rPr lang="en-US" dirty="0" err="1"/>
-              <a:t>SqM</a:t>
-            </a:r>
-            <a:r>
-              <a:rPr lang="en-US" dirty="0"/>
-              <a:t>  +  W</a:t>
-            </a:r>
-            <a:r>
-              <a:rPr lang="en-US" baseline="-25000" dirty="0"/>
-              <a:t>2</a:t>
-            </a:r>
-            <a:r>
-              <a:rPr lang="en-US" dirty="0"/>
-              <a:t>*Loc + W</a:t>
-            </a:r>
-            <a:r>
-              <a:rPr lang="en-US" baseline="-25000" dirty="0"/>
-              <a:t>3</a:t>
-            </a:r>
-            <a:r>
-              <a:rPr lang="en-US" dirty="0"/>
-              <a:t>*BR + …</a:t>
-            </a:r>
-          </a:p>
-          <a:p>
-            <a:endParaRPr lang="en-US" dirty="0"/>
-          </a:p>
-          <a:p>
-            <a:r>
-              <a:rPr lang="en-US" dirty="0"/>
-              <a:t>General form:</a:t>
-            </a:r>
-          </a:p>
-          <a:p>
-            <a:r>
-              <a:rPr lang="en-US" dirty="0"/>
-              <a:t>   h(x) = W</a:t>
-            </a:r>
-            <a:r>
-              <a:rPr lang="en-US" baseline="-25000" dirty="0"/>
-              <a:t>0</a:t>
-            </a:r>
-            <a:r>
-              <a:rPr lang="en-US" dirty="0"/>
-              <a:t> + W</a:t>
-            </a:r>
-            <a:r>
-              <a:rPr lang="en-US" baseline="-25000" dirty="0"/>
-              <a:t>1</a:t>
-            </a:r>
-            <a:r>
-              <a:rPr lang="en-US" dirty="0"/>
-              <a:t>*X</a:t>
-            </a:r>
-            <a:r>
-              <a:rPr lang="en-US" baseline="-25000" dirty="0"/>
-              <a:t>1</a:t>
-            </a:r>
-            <a:r>
-              <a:rPr lang="en-US" dirty="0"/>
-              <a:t> + W</a:t>
-            </a:r>
-            <a:r>
-              <a:rPr lang="en-US" baseline="-25000" dirty="0"/>
-              <a:t>2</a:t>
-            </a:r>
-            <a:r>
-              <a:rPr lang="en-US" dirty="0"/>
-              <a:t>*X</a:t>
-            </a:r>
-            <a:r>
-              <a:rPr lang="en-US" baseline="-25000" dirty="0"/>
-              <a:t>2</a:t>
-            </a:r>
-            <a:r>
-              <a:rPr lang="en-US" dirty="0"/>
-              <a:t> + W</a:t>
-            </a:r>
-            <a:r>
-              <a:rPr lang="en-US" baseline="-25000" dirty="0"/>
-              <a:t>3</a:t>
-            </a:r>
-            <a:r>
-              <a:rPr lang="en-US" dirty="0"/>
-              <a:t>*X</a:t>
-            </a:r>
-            <a:r>
-              <a:rPr lang="en-US" baseline="-25000" dirty="0"/>
-              <a:t>3 </a:t>
-            </a:r>
-            <a:r>
-              <a:rPr lang="en-US" dirty="0"/>
-              <a:t>+ ….</a:t>
-            </a:r>
-          </a:p>
-          <a:p>
-            <a:endParaRPr lang="en-US" dirty="0"/>
-          </a:p>
-          <a:p>
-            <a:r>
-              <a:rPr lang="en-US" dirty="0"/>
-              <a:t>Use </a:t>
-            </a:r>
-            <a:r>
-              <a:rPr lang="en-US" dirty="0" err="1"/>
-              <a:t>X</a:t>
-            </a:r>
-            <a:r>
-              <a:rPr lang="en-US" baseline="30000" dirty="0" err="1"/>
-              <a:t>n</a:t>
-            </a:r>
-            <a:r>
-              <a:rPr lang="en-US" dirty="0"/>
-              <a:t> </a:t>
-            </a:r>
-            <a:r>
-              <a:rPr lang="en-US" b="1" i="1" dirty="0"/>
-              <a:t>samples</a:t>
-            </a:r>
-            <a:r>
-              <a:rPr lang="en-US" i="1" dirty="0"/>
-              <a:t> </a:t>
-            </a:r>
-            <a:r>
-              <a:rPr lang="en-US" dirty="0"/>
-              <a:t>to </a:t>
-            </a:r>
-            <a:r>
-              <a:rPr lang="en-US" b="1" i="1" dirty="0"/>
-              <a:t>learn </a:t>
-            </a:r>
-            <a:r>
-              <a:rPr lang="en-US" dirty="0"/>
-              <a:t>“weights” </a:t>
-            </a:r>
-            <a:r>
-              <a:rPr lang="en-US" dirty="0" err="1"/>
-              <a:t>W</a:t>
-            </a:r>
-            <a:r>
-              <a:rPr lang="en-US" baseline="-25000" dirty="0" err="1"/>
-              <a:t>n</a:t>
-            </a:r>
-            <a:endParaRPr lang="en-US" dirty="0"/>
-          </a:p>
-          <a:p>
-            <a:endParaRPr lang="en-US" dirty="0"/>
-          </a:p>
-          <a:p>
-            <a:endParaRPr lang="en-US" dirty="0"/>
+            <a:pPr algn="ctr"/>
+            <a:r>
+              <a:rPr lang="en-US" sz="2000" b="1" i="1" u="sng" dirty="0"/>
+              <a:t>Typical Workflow</a:t>
+            </a:r>
           </a:p>
         </p:txBody>
       </p:sp>
       <p:sp>
         <p:nvSpPr>
-          <p:cNvPr id="9" name="TextBox 8">
+          <p:cNvPr id="8" name="Rectangle 7">
             <a:extLst>
               <a:ext uri="{FF2B5EF4-FFF2-40B4-BE49-F238E27FC236}">
-                <a16:creationId xmlns:a16="http://schemas.microsoft.com/office/drawing/2014/main" id="{91835F0D-A177-4686-AE9C-D6CC013A80F4}"/>
+                <a16:creationId xmlns:a16="http://schemas.microsoft.com/office/drawing/2014/main" id="{D6693B00-1BBF-49A6-BDB7-83E3B7B7320A}"/>
               </a:ext>
             </a:extLst>
           </p:cNvPr>
-          <p:cNvSpPr txBox="1"/>
+          <p:cNvSpPr/>
           <p:nvPr/>
         </p:nvSpPr>
         <p:spPr>
           <a:xfrm>
-            <a:off x="5891999" y="3103408"/>
-            <a:ext cx="2132329" cy="261610"/>
+            <a:off x="752419" y="6537924"/>
+            <a:ext cx="8151587" cy="307777"/>
           </a:xfrm>
           <a:prstGeom prst="rect">
             <a:avLst/>
           </a:prstGeom>
-          <a:noFill/>
         </p:spPr>
         <p:txBody>
-          <a:bodyPr wrap="square" rtlCol="0">
+          <a:bodyPr wrap="square">
             <a:spAutoFit/>
           </a:bodyPr>
           <a:lstStyle/>
           <a:p>
             <a:r>
-              <a:rPr lang="en-US" sz="1100" u="sng" dirty="0"/>
-              <a:t>10 </a:t>
-            </a:r>
-            <a:r>
-              <a:rPr lang="en-US" sz="1100" u="sng" dirty="0" err="1"/>
-              <a:t>SqM</a:t>
-            </a:r>
-            <a:endParaRPr lang="en-US" sz="1100" u="sng" dirty="0"/>
-          </a:p>
-        </p:txBody>
-      </p:sp>
-      <p:sp>
-        <p:nvSpPr>
-          <p:cNvPr id="11" name="TextBox 10">
-            <a:extLst>
-              <a:ext uri="{FF2B5EF4-FFF2-40B4-BE49-F238E27FC236}">
-                <a16:creationId xmlns:a16="http://schemas.microsoft.com/office/drawing/2014/main" id="{AA3FEAE4-D6C9-460F-A140-EC49558C6721}"/>
-              </a:ext>
-            </a:extLst>
-          </p:cNvPr>
-          <p:cNvSpPr txBox="1"/>
-          <p:nvPr/>
-        </p:nvSpPr>
-        <p:spPr>
-          <a:xfrm rot="16200000">
-            <a:off x="110952" y="1181851"/>
-            <a:ext cx="2132329" cy="261610"/>
-          </a:xfrm>
-          <a:prstGeom prst="rect">
-            <a:avLst/>
-          </a:prstGeom>
-          <a:noFill/>
-        </p:spPr>
-        <p:txBody>
-          <a:bodyPr wrap="square" rtlCol="0">
-            <a:spAutoFit/>
-          </a:bodyPr>
-          <a:lstStyle/>
-          <a:p>
-            <a:r>
-              <a:rPr lang="en-US" sz="1100" u="sng" dirty="0"/>
-              <a:t>100’s $</a:t>
-            </a:r>
-          </a:p>
-        </p:txBody>
-      </p:sp>
-      <p:sp>
-        <p:nvSpPr>
-          <p:cNvPr id="12" name="TextBox 11">
-            <a:extLst>
-              <a:ext uri="{FF2B5EF4-FFF2-40B4-BE49-F238E27FC236}">
-                <a16:creationId xmlns:a16="http://schemas.microsoft.com/office/drawing/2014/main" id="{97072DA4-4D02-480C-BF22-44BD5895F9C8}"/>
-              </a:ext>
-            </a:extLst>
-          </p:cNvPr>
-          <p:cNvSpPr txBox="1"/>
-          <p:nvPr/>
-        </p:nvSpPr>
-        <p:spPr>
-          <a:xfrm>
-            <a:off x="1070854" y="3475978"/>
-            <a:ext cx="10007241" cy="3139321"/>
-          </a:xfrm>
-          <a:prstGeom prst="rect">
-            <a:avLst/>
-          </a:prstGeom>
-          <a:noFill/>
-        </p:spPr>
-        <p:txBody>
-          <a:bodyPr wrap="square" rtlCol="0">
-            <a:spAutoFit/>
-          </a:bodyPr>
-          <a:lstStyle/>
-          <a:p>
-            <a:r>
-              <a:rPr lang="en-US" dirty="0"/>
-              <a:t>Simplified Model example using just 1 variable/feature.</a:t>
-            </a:r>
-          </a:p>
-          <a:p>
-            <a:r>
-              <a:rPr lang="en-US" dirty="0"/>
-              <a:t>  h(x) = W</a:t>
-            </a:r>
-            <a:r>
-              <a:rPr lang="en-US" baseline="-25000" dirty="0"/>
-              <a:t>0 </a:t>
-            </a:r>
-            <a:r>
-              <a:rPr lang="en-US" dirty="0"/>
-              <a:t>+  W</a:t>
-            </a:r>
-            <a:r>
-              <a:rPr lang="en-US" baseline="-25000" dirty="0"/>
-              <a:t>1</a:t>
-            </a:r>
-            <a:r>
-              <a:rPr lang="en-US" dirty="0"/>
-              <a:t>*</a:t>
-            </a:r>
-            <a:r>
-              <a:rPr lang="en-US" dirty="0" err="1"/>
-              <a:t>SqM</a:t>
-            </a:r>
-            <a:endParaRPr lang="en-US" dirty="0"/>
-          </a:p>
-          <a:p>
-            <a:r>
-              <a:rPr lang="en-US" dirty="0"/>
-              <a:t>  </a:t>
-            </a:r>
-            <a:r>
-              <a:rPr lang="en-US" dirty="0" err="1"/>
-              <a:t>ie</a:t>
-            </a:r>
-            <a:r>
-              <a:rPr lang="en-US" dirty="0"/>
-              <a:t>, y = mx+ b (solve for the regression line)</a:t>
-            </a:r>
-            <a:endParaRPr lang="en-US" baseline="30000" dirty="0"/>
-          </a:p>
-          <a:p>
-            <a:endParaRPr lang="en-US" dirty="0"/>
-          </a:p>
-          <a:p>
-            <a:r>
-              <a:rPr lang="en-US" dirty="0"/>
-              <a:t>Solve for W</a:t>
-            </a:r>
-            <a:r>
-              <a:rPr lang="en-US" baseline="-25000" dirty="0"/>
-              <a:t>0</a:t>
-            </a:r>
-            <a:r>
-              <a:rPr lang="en-US" dirty="0"/>
-              <a:t>,W</a:t>
-            </a:r>
-            <a:r>
-              <a:rPr lang="en-US" baseline="-25000" dirty="0"/>
-              <a:t>1  </a:t>
-            </a:r>
-            <a:r>
-              <a:rPr lang="en-US" dirty="0"/>
-              <a:t>given x samples {5,10,15,20]; y labels=[3,4,3,5]</a:t>
-            </a:r>
-          </a:p>
-          <a:p>
-            <a:endParaRPr lang="en-US" dirty="0"/>
-          </a:p>
-          <a:p>
-            <a:r>
-              <a:rPr lang="en-US" b="1" dirty="0"/>
-              <a:t>Algorithm</a:t>
-            </a:r>
-            <a:r>
-              <a:rPr lang="en-US" dirty="0"/>
-              <a:t>:</a:t>
-            </a:r>
-          </a:p>
-          <a:p>
-            <a:pPr marL="285750" indent="-285750">
-              <a:buFontTx/>
-              <a:buChar char="-"/>
-            </a:pPr>
-            <a:r>
-              <a:rPr lang="en-US" dirty="0"/>
-              <a:t>Choose random W</a:t>
-            </a:r>
-            <a:r>
-              <a:rPr lang="en-US" baseline="-25000" dirty="0"/>
-              <a:t>0</a:t>
-            </a:r>
-            <a:r>
-              <a:rPr lang="en-US" dirty="0"/>
-              <a:t>,W</a:t>
-            </a:r>
-            <a:r>
-              <a:rPr lang="en-US" baseline="-25000" dirty="0"/>
-              <a:t>1 </a:t>
-            </a:r>
-            <a:endParaRPr lang="en-US" dirty="0"/>
-          </a:p>
-          <a:p>
-            <a:pPr marL="285750" indent="-285750">
-              <a:buFontTx/>
-              <a:buChar char="-"/>
-            </a:pPr>
-            <a:r>
-              <a:rPr lang="en-US" dirty="0"/>
-              <a:t>Calculate Error (MSE - Mean Square Error)</a:t>
-            </a:r>
-          </a:p>
-          <a:p>
-            <a:pPr marL="285750" indent="-285750">
-              <a:buFontTx/>
-              <a:buChar char="-"/>
-            </a:pPr>
-            <a:r>
-              <a:rPr lang="en-US" dirty="0"/>
-              <a:t>Adjust W to minimize MSE (Gradient Descent)</a:t>
-            </a:r>
-          </a:p>
-          <a:p>
-            <a:pPr marL="285750" indent="-285750">
-              <a:buFontTx/>
-              <a:buChar char="-"/>
-            </a:pPr>
-            <a:r>
-              <a:rPr lang="en-US" dirty="0"/>
-              <a:t>Iterate until minimum error</a:t>
-            </a:r>
-          </a:p>
-        </p:txBody>
-      </p:sp>
-      <p:sp>
-        <p:nvSpPr>
-          <p:cNvPr id="14" name="TextBox 13">
-            <a:extLst>
-              <a:ext uri="{FF2B5EF4-FFF2-40B4-BE49-F238E27FC236}">
-                <a16:creationId xmlns:a16="http://schemas.microsoft.com/office/drawing/2014/main" id="{A031A613-E9B2-4DB2-A2D5-DC8CB0E4F9C3}"/>
-              </a:ext>
-            </a:extLst>
-          </p:cNvPr>
-          <p:cNvSpPr txBox="1"/>
-          <p:nvPr/>
-        </p:nvSpPr>
-        <p:spPr>
-          <a:xfrm>
-            <a:off x="4928696" y="6504000"/>
-            <a:ext cx="7297075" cy="276999"/>
-          </a:xfrm>
-          <a:prstGeom prst="rect">
-            <a:avLst/>
-          </a:prstGeom>
-          <a:noFill/>
-        </p:spPr>
-        <p:txBody>
-          <a:bodyPr wrap="square" rtlCol="0">
-            <a:spAutoFit/>
-          </a:bodyPr>
-          <a:lstStyle/>
-          <a:p>
-            <a:r>
-              <a:rPr lang="en-US" sz="1200" i="1" dirty="0"/>
-              <a:t>Adapted from Andrew Ng’s Machine Learning course:  </a:t>
-            </a:r>
-            <a:r>
-              <a:rPr lang="en-US" sz="1200" i="1" dirty="0">
-                <a:hlinkClick r:id="rId3"/>
-              </a:rPr>
-              <a:t>https://www.coursera.org/learn/machine-learning</a:t>
-            </a:r>
-            <a:r>
-              <a:rPr lang="en-US" sz="1200" i="1" dirty="0"/>
-              <a:t> )</a:t>
+              <a:rPr lang="en-US" sz="1400" dirty="0"/>
+              <a:t>https://www.kaggle.com/willkoehrsen/start-here-a-gentle-introduction</a:t>
             </a:r>
           </a:p>
         </p:txBody>
@@ -38947,7 +39784,7 @@
     </p:spTree>
     <p:extLst>
       <p:ext uri="{BB962C8B-B14F-4D97-AF65-F5344CB8AC3E}">
-        <p14:creationId xmlns:p14="http://schemas.microsoft.com/office/powerpoint/2010/main" val="4076811834"/>
+        <p14:creationId xmlns:p14="http://schemas.microsoft.com/office/powerpoint/2010/main" val="1381545590"/>
       </p:ext>
     </p:extLst>
   </p:cSld>

--- a/talks/MachineLearning101.pptx
+++ b/talks/MachineLearning101.pptx
@@ -5,7 +5,7 @@
     <p:sldMasterId id="2147483648" r:id="rId1"/>
   </p:sldMasterIdLst>
   <p:notesMasterIdLst>
-    <p:notesMasterId r:id="rId25"/>
+    <p:notesMasterId r:id="rId27"/>
   </p:notesMasterIdLst>
   <p:sldIdLst>
     <p:sldId id="256" r:id="rId2"/>
@@ -18,19 +18,21 @@
     <p:sldId id="282" r:id="rId9"/>
     <p:sldId id="276" r:id="rId10"/>
     <p:sldId id="263" r:id="rId11"/>
-    <p:sldId id="277" r:id="rId12"/>
-    <p:sldId id="275" r:id="rId13"/>
-    <p:sldId id="267" r:id="rId14"/>
-    <p:sldId id="268" r:id="rId15"/>
-    <p:sldId id="264" r:id="rId16"/>
-    <p:sldId id="270" r:id="rId17"/>
-    <p:sldId id="283" r:id="rId18"/>
-    <p:sldId id="269" r:id="rId19"/>
-    <p:sldId id="271" r:id="rId20"/>
-    <p:sldId id="278" r:id="rId21"/>
-    <p:sldId id="279" r:id="rId22"/>
-    <p:sldId id="285" r:id="rId23"/>
-    <p:sldId id="262" r:id="rId24"/>
+    <p:sldId id="275" r:id="rId12"/>
+    <p:sldId id="267" r:id="rId13"/>
+    <p:sldId id="268" r:id="rId14"/>
+    <p:sldId id="264" r:id="rId15"/>
+    <p:sldId id="270" r:id="rId16"/>
+    <p:sldId id="283" r:id="rId17"/>
+    <p:sldId id="269" r:id="rId18"/>
+    <p:sldId id="271" r:id="rId19"/>
+    <p:sldId id="278" r:id="rId20"/>
+    <p:sldId id="279" r:id="rId21"/>
+    <p:sldId id="285" r:id="rId22"/>
+    <p:sldId id="262" r:id="rId23"/>
+    <p:sldId id="287" r:id="rId24"/>
+    <p:sldId id="286" r:id="rId25"/>
+    <p:sldId id="277" r:id="rId26"/>
   </p:sldIdLst>
   <p:sldSz cx="12192000" cy="6858000"/>
   <p:notesSz cx="6858000" cy="9144000"/>
@@ -6413,8 +6415,12 @@
         <a:lstStyle/>
         <a:p>
           <a:r>
+            <a:rPr lang="en-US" b="1" dirty="0"/>
+            <a:t>1956 - AI conference</a:t>
+          </a:r>
+          <a:r>
             <a:rPr lang="en-US" dirty="0"/>
-            <a:t>1956 - AI conference “</a:t>
+            <a:t> “</a:t>
           </a:r>
           <a:r>
             <a:rPr lang="en-US" dirty="0" err="1"/>
@@ -6509,8 +6515,12 @@
         <a:lstStyle/>
         <a:p>
           <a:r>
+            <a:rPr lang="en-US" b="1" dirty="0"/>
+            <a:t>1973</a:t>
+          </a:r>
+          <a:r>
             <a:rPr lang="en-US" dirty="0"/>
-            <a:t>1973 - “AI Winter” (1974-1980)</a:t>
+            <a:t> - “AI Winter” (1974-1980)</a:t>
           </a:r>
         </a:p>
       </dgm:t>
@@ -6545,8 +6555,12 @@
         <a:lstStyle/>
         <a:p>
           <a:r>
+            <a:rPr lang="en-US" b="1" dirty="0"/>
+            <a:t>1980’s</a:t>
+          </a:r>
+          <a:r>
             <a:rPr lang="en-US" dirty="0"/>
-            <a:t>1980’s - “Expert Systems boom” - DEC RI ($40m annual saving success)</a:t>
+            <a:t> - “Expert Systems boom” - DEC RI ($40m annual saving success)</a:t>
           </a:r>
         </a:p>
       </dgm:t>
@@ -6581,8 +6595,18 @@
         <a:lstStyle/>
         <a:p>
           <a:r>
+            <a:rPr lang="en-US" b="1" dirty="0"/>
+            <a:t>1986 – Hinton Backprop</a:t>
+          </a:r>
+        </a:p>
+        <a:p>
+          <a:r>
+            <a:rPr lang="en-US" b="1" dirty="0"/>
+            <a:t>1987</a:t>
+          </a:r>
+          <a:r>
             <a:rPr lang="en-US" dirty="0"/>
-            <a:t>1987 (AI winter #2 - 1987-1993)</a:t>
+            <a:t> (AI winter #2 - 1987-1993)</a:t>
           </a:r>
         </a:p>
       </dgm:t>
@@ -6778,7 +6802,54 @@
         <a:p>
           <a:r>
             <a:rPr lang="en-US" dirty="0"/>
-            <a:t>2011 - IBM Watson Jeopardy - some ML (NLP)</a:t>
+            <a:t>2010 </a:t>
+          </a:r>
+          <a:r>
+            <a:rPr lang="en-US" dirty="0" err="1"/>
+            <a:t>SciKit</a:t>
+          </a:r>
+          <a:r>
+            <a:rPr lang="en-US" dirty="0"/>
+            <a:t> initial release</a:t>
+          </a:r>
+        </a:p>
+        <a:p>
+          <a:r>
+            <a:rPr lang="en-US" dirty="0"/>
+            <a:t>2011 - IBM Watson Jeopardy .</a:t>
+          </a:r>
+        </a:p>
+        <a:p>
+          <a:r>
+            <a:rPr lang="en-US" dirty="0"/>
+            <a:t>   – h20 &amp; </a:t>
+          </a:r>
+          <a:r>
+            <a:rPr lang="en-US" dirty="0" err="1"/>
+            <a:t>alteryx</a:t>
+          </a:r>
+          <a:r>
+            <a:rPr lang="en-US" dirty="0"/>
+            <a:t>  </a:t>
+          </a:r>
+          <a:r>
+            <a:rPr lang="en-US" dirty="0" err="1"/>
+            <a:t>foundedt</a:t>
+          </a:r>
+          <a:endParaRPr lang="en-US" dirty="0"/>
+        </a:p>
+        <a:p>
+          <a:r>
+            <a:rPr lang="en-US" dirty="0"/>
+            <a:t>2012 – </a:t>
+          </a:r>
+          <a:r>
+            <a:rPr lang="en-US" dirty="0" err="1"/>
+            <a:t>DataRobot</a:t>
+          </a:r>
+          <a:r>
+            <a:rPr lang="en-US" dirty="0"/>
+            <a:t> founded</a:t>
           </a:r>
         </a:p>
       </dgm:t>
@@ -6814,8 +6885,39 @@
         <a:p>
           <a:r>
             <a:rPr lang="en-US" dirty="0"/>
-            <a:t>2016 - Alpha Go - Deep NN</a:t>
+            <a:t>2015 MSFT Azure ML</a:t>
           </a:r>
+        </a:p>
+        <a:p>
+          <a:r>
+            <a:rPr lang="en-US" dirty="0"/>
+            <a:t>2016 PyTorch released </a:t>
+          </a:r>
+        </a:p>
+        <a:p>
+          <a:r>
+            <a:rPr lang="en-US" dirty="0"/>
+            <a:t>2017  - </a:t>
+          </a:r>
+          <a:r>
+            <a:rPr lang="en-US" dirty="0" err="1"/>
+            <a:t>TensorFloww</a:t>
+          </a:r>
+          <a:r>
+            <a:rPr lang="en-US" dirty="0"/>
+            <a:t> 1.0</a:t>
+          </a:r>
+        </a:p>
+        <a:p>
+          <a:r>
+            <a:rPr lang="en-US" dirty="0"/>
+            <a:t>2018 AWS </a:t>
+          </a:r>
+          <a:r>
+            <a:rPr lang="en-US" dirty="0" err="1"/>
+            <a:t>Sagemaker</a:t>
+          </a:r>
+          <a:endParaRPr lang="en-US" dirty="0"/>
         </a:p>
       </dgm:t>
     </dgm:pt>
@@ -6850,7 +6952,7 @@
         <a:p>
           <a:r>
             <a:rPr lang="en-US" dirty="0"/>
-            <a:t>2029 - </a:t>
+            <a:t>2045 - </a:t>
           </a:r>
           <a:r>
             <a:rPr lang="en-US" dirty="0" err="1"/>
@@ -6898,11 +7000,18 @@
       <dgm:spPr/>
     </dgm:pt>
     <dgm:pt modelId="{96B0509F-B622-408F-96BE-7F48FCB4C822}" type="pres">
-      <dgm:prSet presAssocID="{00364AD6-064F-4DB1-8C6C-4306C6FC8E62}" presName="parBigCircle" presStyleLbl="node0" presStyleIdx="0" presStyleCnt="7"/>
-      <dgm:spPr/>
+      <dgm:prSet presAssocID="{00364AD6-064F-4DB1-8C6C-4306C6FC8E62}" presName="parBigCircle" presStyleLbl="node0" presStyleIdx="0" presStyleCnt="7" custScaleX="38285" custScaleY="37446" custLinFactY="11010" custLinFactNeighborX="-25668" custLinFactNeighborY="100000"/>
+      <dgm:spPr>
+        <a:prstGeom prst="ellipse">
+          <a:avLst/>
+        </a:prstGeom>
+        <a:solidFill>
+          <a:srgbClr val="00B050"/>
+        </a:solidFill>
+      </dgm:spPr>
     </dgm:pt>
     <dgm:pt modelId="{4C1406BB-CFD9-4FD7-8A0D-E7CF780DECFD}" type="pres">
-      <dgm:prSet presAssocID="{00364AD6-064F-4DB1-8C6C-4306C6FC8E62}" presName="parTx" presStyleLbl="revTx" presStyleIdx="0" presStyleCnt="19"/>
+      <dgm:prSet presAssocID="{00364AD6-064F-4DB1-8C6C-4306C6FC8E62}" presName="parTx" presStyleLbl="revTx" presStyleIdx="0" presStyleCnt="19" custLinFactNeighborX="-33030" custLinFactNeighborY="95530"/>
       <dgm:spPr/>
     </dgm:pt>
     <dgm:pt modelId="{93BCB09C-665B-48BF-863C-D81480453632}" type="pres">
@@ -6922,11 +7031,11 @@
       <dgm:spPr/>
     </dgm:pt>
     <dgm:pt modelId="{CF849AD4-9058-44E3-B5AB-8F1D9F5464BB}" type="pres">
-      <dgm:prSet presAssocID="{3772326E-AC74-40AD-BDE6-807B586C42F2}" presName="parBigCircle" presStyleLbl="node0" presStyleIdx="1" presStyleCnt="7"/>
+      <dgm:prSet presAssocID="{3772326E-AC74-40AD-BDE6-807B586C42F2}" presName="parBigCircle" presStyleLbl="node0" presStyleIdx="1" presStyleCnt="7" custScaleX="59034" custScaleY="56682" custLinFactNeighborX="-32084" custLinFactNeighborY="41271"/>
       <dgm:spPr/>
     </dgm:pt>
     <dgm:pt modelId="{5E0F7FF0-2F6B-4698-A3AD-20102CBD9DDE}" type="pres">
-      <dgm:prSet presAssocID="{3772326E-AC74-40AD-BDE6-807B586C42F2}" presName="parTx" presStyleLbl="revTx" presStyleIdx="1" presStyleCnt="19"/>
+      <dgm:prSet presAssocID="{3772326E-AC74-40AD-BDE6-807B586C42F2}" presName="parTx" presStyleLbl="revTx" presStyleIdx="1" presStyleCnt="19" custLinFactNeighborX="-36815" custLinFactNeighborY="45644"/>
       <dgm:spPr/>
     </dgm:pt>
     <dgm:pt modelId="{9796B60B-0712-4675-ACFD-2AF4B1E27210}" type="pres">
@@ -6950,11 +7059,20 @@
       <dgm:spPr/>
     </dgm:pt>
     <dgm:pt modelId="{6AE25A36-1642-45E7-A54A-9C03CD8E9061}" type="pres">
-      <dgm:prSet presAssocID="{63903C73-AB2D-4F7E-9142-A10499C7E9C7}" presName="desCircle" presStyleLbl="node1" presStyleIdx="0" presStyleCnt="6"/>
-      <dgm:spPr/>
+      <dgm:prSet presAssocID="{63903C73-AB2D-4F7E-9142-A10499C7E9C7}" presName="desCircle" presStyleLbl="node1" presStyleIdx="0" presStyleCnt="6" custLinFactNeighborX="-7588" custLinFactNeighborY="-94666"/>
+      <dgm:spPr>
+        <a:solidFill>
+          <a:schemeClr val="accent5">
+            <a:hueOff val="0"/>
+            <a:satOff val="0"/>
+            <a:lumOff val="0"/>
+            <a:alpha val="70000"/>
+          </a:schemeClr>
+        </a:solidFill>
+      </dgm:spPr>
     </dgm:pt>
     <dgm:pt modelId="{C4283E14-BBCB-40CB-9502-8A62A9521BA6}" type="pres">
-      <dgm:prSet presAssocID="{63903C73-AB2D-4F7E-9142-A10499C7E9C7}" presName="chTx" presStyleLbl="revTx" presStyleIdx="2" presStyleCnt="19"/>
+      <dgm:prSet presAssocID="{63903C73-AB2D-4F7E-9142-A10499C7E9C7}" presName="chTx" presStyleLbl="revTx" presStyleIdx="2" presStyleCnt="19" custLinFactY="-62293" custLinFactNeighborX="74904" custLinFactNeighborY="-100000"/>
       <dgm:spPr/>
     </dgm:pt>
     <dgm:pt modelId="{C330A890-2D2A-4BED-9249-28BA3395DAFD}" type="pres">
@@ -6978,11 +7096,17 @@
       <dgm:spPr/>
     </dgm:pt>
     <dgm:pt modelId="{4613E425-BD1C-4B4E-9AE2-CC8453A9CB09}" type="pres">
-      <dgm:prSet presAssocID="{8CF95A2A-943B-45B1-8226-6AC8FCC59664}" presName="parBigCircle" presStyleLbl="node0" presStyleIdx="2" presStyleCnt="7"/>
-      <dgm:spPr/>
+      <dgm:prSet presAssocID="{8CF95A2A-943B-45B1-8226-6AC8FCC59664}" presName="parBigCircle" presStyleLbl="node0" presStyleIdx="2" presStyleCnt="7" custLinFactNeighborX="-37357" custLinFactNeighborY="73110"/>
+      <dgm:spPr>
+        <a:solidFill>
+          <a:schemeClr val="accent6">
+            <a:lumMod val="75000"/>
+          </a:schemeClr>
+        </a:solidFill>
+      </dgm:spPr>
     </dgm:pt>
     <dgm:pt modelId="{E7B3B27E-12A9-49E2-9434-3237B1AD32F1}" type="pres">
-      <dgm:prSet presAssocID="{8CF95A2A-943B-45B1-8226-6AC8FCC59664}" presName="parTx" presStyleLbl="revTx" presStyleIdx="4" presStyleCnt="19"/>
+      <dgm:prSet presAssocID="{8CF95A2A-943B-45B1-8226-6AC8FCC59664}" presName="parTx" presStyleLbl="revTx" presStyleIdx="4" presStyleCnt="19" custLinFactNeighborX="-27970" custLinFactNeighborY="53196"/>
       <dgm:spPr/>
     </dgm:pt>
     <dgm:pt modelId="{08DECFB2-1EDA-4625-8C74-0AB1413819BC}" type="pres">
@@ -7006,11 +7130,11 @@
       <dgm:spPr/>
     </dgm:pt>
     <dgm:pt modelId="{53032991-8D79-45F8-B74D-93F5794F5C61}" type="pres">
-      <dgm:prSet presAssocID="{2E906866-EBE8-49B0-A530-4D11CB40FBBC}" presName="desCircle" presStyleLbl="node1" presStyleIdx="1" presStyleCnt="6"/>
+      <dgm:prSet presAssocID="{2E906866-EBE8-49B0-A530-4D11CB40FBBC}" presName="desCircle" presStyleLbl="node1" presStyleIdx="1" presStyleCnt="6" custLinFactNeighborX="-52541" custLinFactNeighborY="49021"/>
       <dgm:spPr/>
     </dgm:pt>
     <dgm:pt modelId="{B78541EB-2E38-4432-81F7-155A92CC1802}" type="pres">
-      <dgm:prSet presAssocID="{2E906866-EBE8-49B0-A530-4D11CB40FBBC}" presName="chTx" presStyleLbl="revTx" presStyleIdx="5" presStyleCnt="19"/>
+      <dgm:prSet presAssocID="{2E906866-EBE8-49B0-A530-4D11CB40FBBC}" presName="chTx" presStyleLbl="revTx" presStyleIdx="5" presStyleCnt="19" custLinFactNeighborX="53799" custLinFactNeighborY="-99087"/>
       <dgm:spPr/>
     </dgm:pt>
     <dgm:pt modelId="{B1F0A585-182E-4486-9654-914F85F58277}" type="pres">
@@ -7034,11 +7158,15 @@
       <dgm:spPr/>
     </dgm:pt>
     <dgm:pt modelId="{B19B7D9C-FF3C-4C90-80EB-04973FD2C3D2}" type="pres">
-      <dgm:prSet presAssocID="{649D0C17-8D50-4495-B808-C2993ABFE01D}" presName="parBigCircle" presStyleLbl="node0" presStyleIdx="3" presStyleCnt="7"/>
-      <dgm:spPr/>
+      <dgm:prSet presAssocID="{649D0C17-8D50-4495-B808-C2993ABFE01D}" presName="parBigCircle" presStyleLbl="node0" presStyleIdx="3" presStyleCnt="7" custScaleX="71427" custScaleY="72281" custLinFactNeighborX="-38986" custLinFactNeighborY="88766"/>
+      <dgm:spPr>
+        <a:solidFill>
+          <a:srgbClr val="FFC000"/>
+        </a:solidFill>
+      </dgm:spPr>
     </dgm:pt>
     <dgm:pt modelId="{FDD02982-09A7-467C-AA44-F1E0D21F0AF5}" type="pres">
-      <dgm:prSet presAssocID="{649D0C17-8D50-4495-B808-C2993ABFE01D}" presName="parTx" presStyleLbl="revTx" presStyleIdx="7" presStyleCnt="19"/>
+      <dgm:prSet presAssocID="{649D0C17-8D50-4495-B808-C2993ABFE01D}" presName="parTx" presStyleLbl="revTx" presStyleIdx="7" presStyleCnt="19" custLinFactNeighborX="-34853" custLinFactNeighborY="66269"/>
       <dgm:spPr/>
     </dgm:pt>
     <dgm:pt modelId="{41C91B04-8E6A-4F90-B4FB-D09DC0DF74A2}" type="pres">
@@ -7062,11 +7190,11 @@
       <dgm:spPr/>
     </dgm:pt>
     <dgm:pt modelId="{65A4AA73-BFA1-40CA-8AF9-CB448CE22536}" type="pres">
-      <dgm:prSet presAssocID="{330F3E56-A46D-41DF-800A-883E0EEBCDE1}" presName="desCircle" presStyleLbl="node1" presStyleIdx="2" presStyleCnt="6"/>
+      <dgm:prSet presAssocID="{330F3E56-A46D-41DF-800A-883E0EEBCDE1}" presName="desCircle" presStyleLbl="node1" presStyleIdx="2" presStyleCnt="6" custLinFactNeighborX="-19574" custLinFactNeighborY="49021"/>
       <dgm:spPr/>
     </dgm:pt>
     <dgm:pt modelId="{457FB15E-6FCB-4C92-9826-562453FA49B8}" type="pres">
-      <dgm:prSet presAssocID="{330F3E56-A46D-41DF-800A-883E0EEBCDE1}" presName="chTx" presStyleLbl="revTx" presStyleIdx="8" presStyleCnt="19"/>
+      <dgm:prSet presAssocID="{330F3E56-A46D-41DF-800A-883E0EEBCDE1}" presName="chTx" presStyleLbl="revTx" presStyleIdx="8" presStyleCnt="19" custLinFactNeighborX="-15789" custLinFactNeighborY="26497"/>
       <dgm:spPr/>
     </dgm:pt>
     <dgm:pt modelId="{AEA8C181-1E0A-411F-BD1E-80492D5FFC48}" type="pres">
@@ -7094,11 +7222,34 @@
       <dgm:spPr/>
     </dgm:pt>
     <dgm:pt modelId="{505D7367-E7BC-46B3-9C45-6576D6EC0963}" type="pres">
-      <dgm:prSet presAssocID="{E0925546-681E-45BC-8389-674071027E96}" presName="desCircle" presStyleLbl="node1" presStyleIdx="3" presStyleCnt="6"/>
-      <dgm:spPr/>
+      <dgm:prSet presAssocID="{E0925546-681E-45BC-8389-674071027E96}" presName="desCircle" presStyleLbl="node1" presStyleIdx="3" presStyleCnt="6" custScaleX="170223" custScaleY="168097" custLinFactNeighborX="6181" custLinFactNeighborY="-14249"/>
+      <dgm:spPr>
+        <a:xfrm>
+          <a:off x="5780343" y="2142697"/>
+          <a:ext cx="493108" cy="493108"/>
+        </a:xfrm>
+        <a:prstGeom prst="ellipse">
+          <a:avLst/>
+        </a:prstGeom>
+        <a:solidFill>
+          <a:schemeClr val="accent2"/>
+        </a:solidFill>
+        <a:ln w="34925" cap="flat" cmpd="sng" algn="in">
+          <a:solidFill>
+            <a:prstClr val="white">
+              <a:hueOff val="0"/>
+              <a:satOff val="0"/>
+              <a:lumOff val="0"/>
+              <a:alphaOff val="0"/>
+            </a:prstClr>
+          </a:solidFill>
+          <a:prstDash val="solid"/>
+        </a:ln>
+        <a:effectLst/>
+      </dgm:spPr>
     </dgm:pt>
     <dgm:pt modelId="{F00324DA-D4BD-48DA-9AFA-D672F5E8507F}" type="pres">
-      <dgm:prSet presAssocID="{E0925546-681E-45BC-8389-674071027E96}" presName="chTx" presStyleLbl="revTx" presStyleIdx="10" presStyleCnt="19"/>
+      <dgm:prSet presAssocID="{E0925546-681E-45BC-8389-674071027E96}" presName="chTx" presStyleLbl="revTx" presStyleIdx="10" presStyleCnt="19" custLinFactNeighborX="-422" custLinFactNeighborY="8776"/>
       <dgm:spPr/>
     </dgm:pt>
     <dgm:pt modelId="{EC214082-5F4B-4EBA-AEE7-99F79D97609F}" type="pres">
@@ -7122,11 +7273,15 @@
       <dgm:spPr/>
     </dgm:pt>
     <dgm:pt modelId="{C7D3709B-004E-415E-B3C4-3FC7FDA2C803}" type="pres">
-      <dgm:prSet presAssocID="{4263A6E8-9087-4305-A0CD-D9A3EFC1C051}" presName="parBigCircle" presStyleLbl="node0" presStyleIdx="4" presStyleCnt="7"/>
-      <dgm:spPr/>
+      <dgm:prSet presAssocID="{4263A6E8-9087-4305-A0CD-D9A3EFC1C051}" presName="parBigCircle" presStyleLbl="node0" presStyleIdx="4" presStyleCnt="7" custScaleX="62555" custScaleY="63300" custLinFactNeighborX="1070" custLinFactNeighborY="-33276"/>
+      <dgm:spPr>
+        <a:prstGeom prst="flowChartConnector">
+          <a:avLst/>
+        </a:prstGeom>
+      </dgm:spPr>
     </dgm:pt>
     <dgm:pt modelId="{E93E0100-D323-4572-A9ED-7AF639C6E60F}" type="pres">
-      <dgm:prSet presAssocID="{4263A6E8-9087-4305-A0CD-D9A3EFC1C051}" presName="parTx" presStyleLbl="revTx" presStyleIdx="12" presStyleCnt="19"/>
+      <dgm:prSet presAssocID="{4263A6E8-9087-4305-A0CD-D9A3EFC1C051}" presName="parTx" presStyleLbl="revTx" presStyleIdx="12" presStyleCnt="19" custLinFactNeighborX="-7508" custLinFactNeighborY="-12832"/>
       <dgm:spPr/>
     </dgm:pt>
     <dgm:pt modelId="{1BEBDD1B-B318-457C-9D1F-CAD65899AD7D}" type="pres">
@@ -7150,11 +7305,11 @@
       <dgm:spPr/>
     </dgm:pt>
     <dgm:pt modelId="{89CDB1F0-C521-4AD5-9FD6-0182D45BD04C}" type="pres">
-      <dgm:prSet presAssocID="{FC80E47A-B07E-4960-B28D-50970BEFDB66}" presName="desCircle" presStyleLbl="node1" presStyleIdx="4" presStyleCnt="6"/>
+      <dgm:prSet presAssocID="{FC80E47A-B07E-4960-B28D-50970BEFDB66}" presName="desCircle" presStyleLbl="node1" presStyleIdx="4" presStyleCnt="6" custLinFactY="-14107" custLinFactNeighborX="28846" custLinFactNeighborY="-100000"/>
       <dgm:spPr/>
     </dgm:pt>
     <dgm:pt modelId="{35541147-3A1D-4C9F-A402-4F99E273369F}" type="pres">
-      <dgm:prSet presAssocID="{FC80E47A-B07E-4960-B28D-50970BEFDB66}" presName="chTx" presStyleLbl="revTx" presStyleIdx="13" presStyleCnt="19"/>
+      <dgm:prSet presAssocID="{FC80E47A-B07E-4960-B28D-50970BEFDB66}" presName="chTx" presStyleLbl="revTx" presStyleIdx="13" presStyleCnt="19" custLinFactNeighborX="15041" custLinFactNeighborY="-44824"/>
       <dgm:spPr/>
     </dgm:pt>
     <dgm:pt modelId="{5CD61DE4-8F33-44E3-8866-C3CFFAC3BE34}" type="pres">
@@ -7178,11 +7333,18 @@
       <dgm:spPr/>
     </dgm:pt>
     <dgm:pt modelId="{D9823407-95E9-4883-9C3C-AE4E3F4C9DFE}" type="pres">
-      <dgm:prSet presAssocID="{1AD076D2-FC95-4795-B868-396411F0BEEA}" presName="parBigCircle" presStyleLbl="node0" presStyleIdx="5" presStyleCnt="7"/>
-      <dgm:spPr/>
+      <dgm:prSet presAssocID="{1AD076D2-FC95-4795-B868-396411F0BEEA}" presName="parBigCircle" presStyleLbl="node0" presStyleIdx="5" presStyleCnt="7" custScaleX="81112" custScaleY="79587" custLinFactNeighborX="1070" custLinFactNeighborY="-74328"/>
+      <dgm:spPr>
+        <a:prstGeom prst="ellipse">
+          <a:avLst/>
+        </a:prstGeom>
+        <a:solidFill>
+          <a:schemeClr val="accent2"/>
+        </a:solidFill>
+      </dgm:spPr>
     </dgm:pt>
     <dgm:pt modelId="{A128494A-88E4-4906-89AC-B3E46206ECF7}" type="pres">
-      <dgm:prSet presAssocID="{1AD076D2-FC95-4795-B868-396411F0BEEA}" presName="parTx" presStyleLbl="revTx" presStyleIdx="15" presStyleCnt="19"/>
+      <dgm:prSet presAssocID="{1AD076D2-FC95-4795-B868-396411F0BEEA}" presName="parTx" presStyleLbl="revTx" presStyleIdx="15" presStyleCnt="19" custLinFactNeighborX="804" custLinFactNeighborY="-47016"/>
       <dgm:spPr/>
     </dgm:pt>
     <dgm:pt modelId="{2B2BE56F-BF6C-4987-AF17-58CC238BE9ED}" type="pres">
@@ -7206,11 +7368,11 @@
       <dgm:spPr/>
     </dgm:pt>
     <dgm:pt modelId="{D912E5C2-E5BE-4EDA-863E-5F32E38355FD}" type="pres">
-      <dgm:prSet presAssocID="{0E41FAC4-A735-460C-83EC-17A80B688FDB}" presName="desCircle" presStyleLbl="node1" presStyleIdx="5" presStyleCnt="6"/>
+      <dgm:prSet presAssocID="{0E41FAC4-A735-460C-83EC-17A80B688FDB}" presName="desCircle" presStyleLbl="node1" presStyleIdx="5" presStyleCnt="6" custLinFactY="-98829" custLinFactNeighborX="8715" custLinFactNeighborY="-100000"/>
       <dgm:spPr/>
     </dgm:pt>
     <dgm:pt modelId="{3476ECBC-7F92-4E68-BF3C-9C581D295E01}" type="pres">
-      <dgm:prSet presAssocID="{0E41FAC4-A735-460C-83EC-17A80B688FDB}" presName="chTx" presStyleLbl="revTx" presStyleIdx="16" presStyleCnt="19"/>
+      <dgm:prSet presAssocID="{0E41FAC4-A735-460C-83EC-17A80B688FDB}" presName="chTx" presStyleLbl="revTx" presStyleIdx="16" presStyleCnt="19" custLinFactNeighborX="8654" custLinFactNeighborY="-82666"/>
       <dgm:spPr/>
     </dgm:pt>
     <dgm:pt modelId="{58757B64-62DB-4E40-B9CD-D1940F9F5336}" type="pres">
@@ -7234,11 +7396,15 @@
       <dgm:spPr/>
     </dgm:pt>
     <dgm:pt modelId="{743ACB65-1E61-4A74-B738-510AC1B9C1E1}" type="pres">
-      <dgm:prSet presAssocID="{32B93D70-ECC3-4947-B207-EEB499A6124E}" presName="parBigCircle" presStyleLbl="node0" presStyleIdx="6" presStyleCnt="7"/>
-      <dgm:spPr/>
+      <dgm:prSet presAssocID="{32B93D70-ECC3-4947-B207-EEB499A6124E}" presName="parBigCircle" presStyleLbl="node0" presStyleIdx="6" presStyleCnt="7" custLinFactY="-39567" custLinFactNeighborX="30818" custLinFactNeighborY="-100000"/>
+      <dgm:spPr>
+        <a:solidFill>
+          <a:srgbClr val="FF0000"/>
+        </a:solidFill>
+      </dgm:spPr>
     </dgm:pt>
     <dgm:pt modelId="{A0AE1FCC-CB9D-495F-B3D6-7A00CB1A08DC}" type="pres">
-      <dgm:prSet presAssocID="{32B93D70-ECC3-4947-B207-EEB499A6124E}" presName="parTx" presStyleLbl="revTx" presStyleIdx="18" presStyleCnt="19"/>
+      <dgm:prSet presAssocID="{32B93D70-ECC3-4947-B207-EEB499A6124E}" presName="parTx" presStyleLbl="revTx" presStyleIdx="18" presStyleCnt="19" custLinFactNeighborX="-55516" custLinFactNeighborY="49492"/>
       <dgm:spPr/>
     </dgm:pt>
     <dgm:pt modelId="{EF63D9F2-70B7-4A2B-A742-DA1290459A8B}" type="pres">
@@ -10112,21 +10278,14 @@
       </dsp:nvSpPr>
       <dsp:spPr>
         <a:xfrm>
-          <a:off x="126" y="1914252"/>
-          <a:ext cx="949997" cy="949997"/>
+          <a:off x="49426" y="3265975"/>
+          <a:ext cx="363706" cy="355736"/>
         </a:xfrm>
-        <a:prstGeom prst="donut">
-          <a:avLst>
-            <a:gd name="adj" fmla="val 20000"/>
-          </a:avLst>
+        <a:prstGeom prst="ellipse">
+          <a:avLst/>
         </a:prstGeom>
         <a:solidFill>
-          <a:schemeClr val="accent4">
-            <a:hueOff val="0"/>
-            <a:satOff val="0"/>
-            <a:lumOff val="0"/>
-            <a:alphaOff val="0"/>
-          </a:schemeClr>
+          <a:srgbClr val="00B050"/>
         </a:solidFill>
         <a:ln w="34925" cap="flat" cmpd="sng" algn="in">
           <a:solidFill>
@@ -10163,7 +10322,7 @@
       </dsp:nvSpPr>
       <dsp:spPr>
         <a:xfrm rot="17700000">
-          <a:off x="334862" y="1139810"/>
+          <a:off x="-358" y="2392047"/>
           <a:ext cx="1180952" cy="569127"/>
         </a:xfrm>
         <a:prstGeom prst="rect">
@@ -10188,12 +10347,12 @@
         <a:fontRef idx="minor"/>
       </dsp:style>
       <dsp:txBody>
-        <a:bodyPr spcFirstLastPara="0" vert="horz" wrap="square" lIns="20320" tIns="0" rIns="0" bIns="0" numCol="1" spcCol="1270" anchor="ctr" anchorCtr="0">
+        <a:bodyPr spcFirstLastPara="0" vert="horz" wrap="square" lIns="17780" tIns="0" rIns="0" bIns="0" numCol="1" spcCol="1270" anchor="ctr" anchorCtr="0">
           <a:noAutofit/>
         </a:bodyPr>
         <a:lstStyle/>
         <a:p>
-          <a:pPr marL="0" lvl="0" indent="0" algn="l" defTabSz="355600">
+          <a:pPr marL="0" lvl="0" indent="0" algn="l" defTabSz="311150">
             <a:lnSpc>
               <a:spcPct val="90000"/>
             </a:lnSpc>
@@ -10206,21 +10365,21 @@
             <a:buNone/>
           </a:pPr>
           <a:r>
-            <a:rPr lang="en-US" sz="800" kern="1200" dirty="0"/>
+            <a:rPr lang="en-US" sz="700" kern="1200" dirty="0"/>
             <a:t>1943 - Alan Turing (Imitation Game) &amp; John Von </a:t>
           </a:r>
           <a:r>
-            <a:rPr lang="en-US" sz="800" kern="1200" dirty="0" err="1"/>
+            <a:rPr lang="en-US" sz="700" kern="1200" dirty="0" err="1"/>
             <a:t>Neumman</a:t>
           </a:r>
           <a:r>
-            <a:rPr lang="en-US" sz="800" kern="1200" dirty="0"/>
+            <a:rPr lang="en-US" sz="700" kern="1200" dirty="0"/>
             <a:t> - fathers of modern computing</a:t>
           </a:r>
         </a:p>
       </dsp:txBody>
       <dsp:txXfrm>
-        <a:off x="334862" y="1139810"/>
+        <a:off x="-358" y="2392047"/>
         <a:ext cx="1180952" cy="569127"/>
       </dsp:txXfrm>
     </dsp:sp>
@@ -10231,8 +10390,8 @@
       </dsp:nvSpPr>
       <dsp:spPr>
         <a:xfrm>
-          <a:off x="1021756" y="1914252"/>
-          <a:ext cx="949997" cy="949997"/>
+          <a:off x="911547" y="2512086"/>
+          <a:ext cx="560821" cy="538477"/>
         </a:xfrm>
         <a:prstGeom prst="donut">
           <a:avLst>
@@ -10282,7 +10441,7 @@
       </dsp:nvSpPr>
       <dsp:spPr>
         <a:xfrm rot="17700000">
-          <a:off x="1356492" y="1139810"/>
+          <a:off x="982858" y="1738126"/>
           <a:ext cx="1180952" cy="569127"/>
         </a:xfrm>
         <a:prstGeom prst="rect">
@@ -10307,12 +10466,12 @@
         <a:fontRef idx="minor"/>
       </dsp:style>
       <dsp:txBody>
-        <a:bodyPr spcFirstLastPara="0" vert="horz" wrap="square" lIns="20320" tIns="0" rIns="0" bIns="0" numCol="1" spcCol="1270" anchor="ctr" anchorCtr="0">
+        <a:bodyPr spcFirstLastPara="0" vert="horz" wrap="square" lIns="17780" tIns="0" rIns="0" bIns="0" numCol="1" spcCol="1270" anchor="ctr" anchorCtr="0">
           <a:noAutofit/>
         </a:bodyPr>
         <a:lstStyle/>
         <a:p>
-          <a:pPr marL="0" lvl="0" indent="0" algn="l" defTabSz="355600">
+          <a:pPr marL="0" lvl="0" indent="0" algn="l" defTabSz="311150">
             <a:lnSpc>
               <a:spcPct val="90000"/>
             </a:lnSpc>
@@ -10325,21 +10484,25 @@
             <a:buNone/>
           </a:pPr>
           <a:r>
-            <a:rPr lang="en-US" sz="800" kern="1200" dirty="0"/>
-            <a:t>1956 - AI conference “</a:t>
+            <a:rPr lang="en-US" sz="700" b="1" kern="1200" dirty="0"/>
+            <a:t>1956 - AI conference</a:t>
           </a:r>
           <a:r>
-            <a:rPr lang="en-US" sz="800" kern="1200" dirty="0" err="1"/>
+            <a:rPr lang="en-US" sz="700" kern="1200" dirty="0"/>
+            <a:t> “</a:t>
+          </a:r>
+          <a:r>
+            <a:rPr lang="en-US" sz="700" kern="1200" dirty="0" err="1"/>
             <a:t>Minksy</a:t>
           </a:r>
           <a:r>
-            <a:rPr lang="en-US" sz="800" kern="1200" dirty="0"/>
+            <a:rPr lang="en-US" sz="700" kern="1200" dirty="0"/>
             <a:t>/McCarthy” — focus on top-down rules (golden years 56-74)</a:t>
           </a:r>
         </a:p>
       </dsp:txBody>
       <dsp:txXfrm>
-        <a:off x="1356492" y="1139810"/>
+        <a:off x="982858" y="1738126"/>
         <a:ext cx="1180952" cy="569127"/>
       </dsp:txXfrm>
     </dsp:sp>
@@ -10350,7 +10513,7 @@
       </dsp:nvSpPr>
       <dsp:spPr>
         <a:xfrm>
-          <a:off x="2043311" y="2142697"/>
+          <a:off x="2005894" y="1675890"/>
           <a:ext cx="493108" cy="493108"/>
         </a:xfrm>
         <a:prstGeom prst="ellipse">
@@ -10361,7 +10524,7 @@
             <a:hueOff val="0"/>
             <a:satOff val="0"/>
             <a:lumOff val="0"/>
-            <a:alphaOff val="0"/>
+            <a:alpha val="70000"/>
           </a:schemeClr>
         </a:solidFill>
         <a:ln w="34925" cap="flat" cmpd="sng" algn="in">
@@ -10399,7 +10562,7 @@
       </dsp:nvSpPr>
       <dsp:spPr>
         <a:xfrm rot="17700000">
-          <a:off x="1459291" y="2829026"/>
+          <a:off x="2117065" y="988570"/>
           <a:ext cx="1021579" cy="492567"/>
         </a:xfrm>
         <a:prstGeom prst="rect">
@@ -10464,7 +10627,7 @@
         </a:p>
       </dsp:txBody>
       <dsp:txXfrm>
-        <a:off x="1459291" y="2829026"/>
+        <a:off x="2117065" y="988570"/>
         <a:ext cx="1021579" cy="492567"/>
       </dsp:txXfrm>
     </dsp:sp>
@@ -10507,7 +10670,7 @@
       </dsp:nvSpPr>
       <dsp:spPr>
         <a:xfrm>
-          <a:off x="2607977" y="1914252"/>
+          <a:off x="2253086" y="2608796"/>
           <a:ext cx="949997" cy="949997"/>
         </a:xfrm>
         <a:prstGeom prst="donut">
@@ -10516,11 +10679,8 @@
           </a:avLst>
         </a:prstGeom>
         <a:solidFill>
-          <a:schemeClr val="accent4">
-            <a:hueOff val="0"/>
-            <a:satOff val="0"/>
-            <a:lumOff val="0"/>
-            <a:alphaOff val="0"/>
+          <a:schemeClr val="accent6">
+            <a:lumMod val="75000"/>
           </a:schemeClr>
         </a:solidFill>
         <a:ln w="34925" cap="flat" cmpd="sng" algn="in">
@@ -10558,7 +10718,7 @@
       </dsp:nvSpPr>
       <dsp:spPr>
         <a:xfrm rot="17700000">
-          <a:off x="2942713" y="1139810"/>
+          <a:off x="2658846" y="1837120"/>
           <a:ext cx="1180952" cy="569127"/>
         </a:xfrm>
         <a:prstGeom prst="rect">
@@ -10583,12 +10743,12 @@
         <a:fontRef idx="minor"/>
       </dsp:style>
       <dsp:txBody>
-        <a:bodyPr spcFirstLastPara="0" vert="horz" wrap="square" lIns="20320" tIns="0" rIns="0" bIns="0" numCol="1" spcCol="1270" anchor="ctr" anchorCtr="0">
+        <a:bodyPr spcFirstLastPara="0" vert="horz" wrap="square" lIns="17780" tIns="0" rIns="0" bIns="0" numCol="1" spcCol="1270" anchor="ctr" anchorCtr="0">
           <a:noAutofit/>
         </a:bodyPr>
         <a:lstStyle/>
         <a:p>
-          <a:pPr marL="0" lvl="0" indent="0" algn="l" defTabSz="355600">
+          <a:pPr marL="0" lvl="0" indent="0" algn="l" defTabSz="311150">
             <a:lnSpc>
               <a:spcPct val="90000"/>
             </a:lnSpc>
@@ -10601,13 +10761,17 @@
             <a:buNone/>
           </a:pPr>
           <a:r>
-            <a:rPr lang="en-US" sz="800" kern="1200" dirty="0"/>
-            <a:t>1973 - “AI Winter” (1974-1980)</a:t>
+            <a:rPr lang="en-US" sz="700" b="1" kern="1200" dirty="0"/>
+            <a:t>1973</a:t>
+          </a:r>
+          <a:r>
+            <a:rPr lang="en-US" sz="700" kern="1200" dirty="0"/>
+            <a:t> - “AI Winter” (1974-1980)</a:t>
           </a:r>
         </a:p>
       </dsp:txBody>
       <dsp:txXfrm>
-        <a:off x="2942713" y="1139810"/>
+        <a:off x="2658846" y="1837120"/>
         <a:ext cx="1180952" cy="569127"/>
       </dsp:txXfrm>
     </dsp:sp>
@@ -10618,7 +10782,7 @@
       </dsp:nvSpPr>
       <dsp:spPr>
         <a:xfrm>
-          <a:off x="3629532" y="2142697"/>
+          <a:off x="3370447" y="2384424"/>
           <a:ext cx="493108" cy="493108"/>
         </a:xfrm>
         <a:prstGeom prst="ellipse">
@@ -10667,7 +10831,7 @@
       </dsp:nvSpPr>
       <dsp:spPr>
         <a:xfrm rot="17700000">
-          <a:off x="3045512" y="2829026"/>
+          <a:off x="3517951" y="1705347"/>
           <a:ext cx="1021579" cy="492567"/>
         </a:xfrm>
         <a:prstGeom prst="rect">
@@ -10710,13 +10874,17 @@
             <a:buNone/>
           </a:pPr>
           <a:r>
+            <a:rPr lang="en-US" sz="700" b="1" kern="1200" dirty="0"/>
+            <a:t>1980’s</a:t>
+          </a:r>
+          <a:r>
             <a:rPr lang="en-US" sz="700" kern="1200" dirty="0"/>
-            <a:t>1980’s - “Expert Systems boom” - DEC RI ($40m annual saving success)</a:t>
+            <a:t> - “Expert Systems boom” - DEC RI ($40m annual saving success)</a:t>
           </a:r>
         </a:p>
       </dsp:txBody>
       <dsp:txXfrm>
-        <a:off x="3045512" y="2829026"/>
+        <a:off x="3517951" y="1705347"/>
         <a:ext cx="1021579" cy="492567"/>
       </dsp:txXfrm>
     </dsp:sp>
@@ -10759,8 +10927,8 @@
       </dsp:nvSpPr>
       <dsp:spPr>
         <a:xfrm>
-          <a:off x="4194198" y="1914252"/>
-          <a:ext cx="949997" cy="949997"/>
+          <a:off x="3959553" y="2889192"/>
+          <a:ext cx="678554" cy="686667"/>
         </a:xfrm>
         <a:prstGeom prst="donut">
           <a:avLst>
@@ -10768,12 +10936,7 @@
           </a:avLst>
         </a:prstGeom>
         <a:solidFill>
-          <a:schemeClr val="accent4">
-            <a:hueOff val="0"/>
-            <a:satOff val="0"/>
-            <a:lumOff val="0"/>
-            <a:alphaOff val="0"/>
-          </a:schemeClr>
+          <a:srgbClr val="FFC000"/>
         </a:solidFill>
         <a:ln w="34925" cap="flat" cmpd="sng" algn="in">
           <a:solidFill>
@@ -10810,7 +10973,7 @@
       </dsp:nvSpPr>
       <dsp:spPr>
         <a:xfrm rot="17700000">
-          <a:off x="4528934" y="1139810"/>
+          <a:off x="4175212" y="2008485"/>
           <a:ext cx="1180952" cy="569127"/>
         </a:xfrm>
         <a:prstGeom prst="rect">
@@ -10835,12 +10998,12 @@
         <a:fontRef idx="minor"/>
       </dsp:style>
       <dsp:txBody>
-        <a:bodyPr spcFirstLastPara="0" vert="horz" wrap="square" lIns="20320" tIns="0" rIns="0" bIns="0" numCol="1" spcCol="1270" anchor="ctr" anchorCtr="0">
+        <a:bodyPr spcFirstLastPara="0" vert="horz" wrap="square" lIns="17780" tIns="0" rIns="0" bIns="0" numCol="1" spcCol="1270" anchor="ctr" anchorCtr="0">
           <a:noAutofit/>
         </a:bodyPr>
         <a:lstStyle/>
         <a:p>
-          <a:pPr marL="0" lvl="0" indent="0" algn="l" defTabSz="355600">
+          <a:pPr marL="0" lvl="0" indent="0" algn="l" defTabSz="311150">
             <a:lnSpc>
               <a:spcPct val="90000"/>
             </a:lnSpc>
@@ -10853,13 +11016,35 @@
             <a:buNone/>
           </a:pPr>
           <a:r>
-            <a:rPr lang="en-US" sz="800" kern="1200" dirty="0"/>
-            <a:t>1987 (AI winter #2 - 1987-1993)</a:t>
+            <a:rPr lang="en-US" sz="700" b="1" kern="1200" dirty="0"/>
+            <a:t>1986 – Hinton Backprop</a:t>
+          </a:r>
+        </a:p>
+        <a:p>
+          <a:pPr marL="0" lvl="0" indent="0" algn="l" defTabSz="311150">
+            <a:lnSpc>
+              <a:spcPct val="90000"/>
+            </a:lnSpc>
+            <a:spcBef>
+              <a:spcPct val="0"/>
+            </a:spcBef>
+            <a:spcAft>
+              <a:spcPct val="35000"/>
+            </a:spcAft>
+            <a:buNone/>
+          </a:pPr>
+          <a:r>
+            <a:rPr lang="en-US" sz="700" b="1" kern="1200" dirty="0"/>
+            <a:t>1987</a:t>
+          </a:r>
+          <a:r>
+            <a:rPr lang="en-US" sz="700" kern="1200" dirty="0"/>
+            <a:t> (AI winter #2 - 1987-1993)</a:t>
           </a:r>
         </a:p>
       </dsp:txBody>
       <dsp:txXfrm>
-        <a:off x="4528934" y="1139810"/>
+        <a:off x="4175212" y="2008485"/>
         <a:ext cx="1180952" cy="569127"/>
       </dsp:txXfrm>
     </dsp:sp>
@@ -10870,7 +11055,7 @@
       </dsp:nvSpPr>
       <dsp:spPr>
         <a:xfrm>
-          <a:off x="5215752" y="2142697"/>
+          <a:off x="5119231" y="2384424"/>
           <a:ext cx="493108" cy="493108"/>
         </a:xfrm>
         <a:prstGeom prst="ellipse">
@@ -10919,7 +11104,7 @@
       </dsp:nvSpPr>
       <dsp:spPr>
         <a:xfrm rot="17700000">
-          <a:off x="4631733" y="2829026"/>
+          <a:off x="4493080" y="3129511"/>
           <a:ext cx="1021579" cy="492567"/>
         </a:xfrm>
         <a:prstGeom prst="rect">
@@ -10984,7 +11169,7 @@
         </a:p>
       </dsp:txBody>
       <dsp:txXfrm>
-        <a:off x="4631733" y="2829026"/>
+        <a:off x="4493080" y="3129511"/>
         <a:ext cx="1021579" cy="492567"/>
       </dsp:txXfrm>
     </dsp:sp>
@@ -11027,28 +11212,23 @@
       </dsp:nvSpPr>
       <dsp:spPr>
         <a:xfrm>
-          <a:off x="5780343" y="2142697"/>
-          <a:ext cx="493108" cy="493108"/>
+          <a:off x="5637684" y="1904537"/>
+          <a:ext cx="839384" cy="828901"/>
         </a:xfrm>
         <a:prstGeom prst="ellipse">
           <a:avLst/>
         </a:prstGeom>
         <a:solidFill>
-          <a:schemeClr val="accent5">
-            <a:hueOff val="5299413"/>
-            <a:satOff val="17255"/>
-            <a:lumOff val="6000"/>
-            <a:alphaOff val="0"/>
-          </a:schemeClr>
+          <a:schemeClr val="accent2"/>
         </a:solidFill>
         <a:ln w="34925" cap="flat" cmpd="sng" algn="in">
           <a:solidFill>
-            <a:schemeClr val="lt1">
+            <a:prstClr val="white">
               <a:hueOff val="0"/>
               <a:satOff val="0"/>
               <a:lumOff val="0"/>
               <a:alphaOff val="0"/>
-            </a:schemeClr>
+            </a:prstClr>
           </a:solidFill>
           <a:prstDash val="solid"/>
         </a:ln>
@@ -11076,7 +11256,7 @@
       </dsp:nvSpPr>
       <dsp:spPr>
         <a:xfrm rot="17700000">
-          <a:off x="5196323" y="2829026"/>
+          <a:off x="5192617" y="2928549"/>
           <a:ext cx="1021579" cy="492567"/>
         </a:xfrm>
         <a:prstGeom prst="rect">
@@ -11125,7 +11305,7 @@
         </a:p>
       </dsp:txBody>
       <dsp:txXfrm>
-        <a:off x="5196323" y="2829026"/>
+        <a:off x="5192617" y="2928549"/>
         <a:ext cx="1021579" cy="492567"/>
       </dsp:txXfrm>
     </dsp:sp>
@@ -11168,13 +11348,11 @@
       </dsp:nvSpPr>
       <dsp:spPr>
         <a:xfrm>
-          <a:off x="6345009" y="1914252"/>
-          <a:ext cx="949997" cy="949997"/>
+          <a:off x="6533037" y="1772456"/>
+          <a:ext cx="594270" cy="601348"/>
         </a:xfrm>
-        <a:prstGeom prst="donut">
-          <a:avLst>
-            <a:gd name="adj" fmla="val 20000"/>
-          </a:avLst>
+        <a:prstGeom prst="flowChartConnector">
+          <a:avLst/>
         </a:prstGeom>
         <a:solidFill>
           <a:schemeClr val="accent4">
@@ -11219,7 +11397,7 @@
       </dsp:nvSpPr>
       <dsp:spPr>
         <a:xfrm rot="17700000">
-          <a:off x="6679745" y="1139810"/>
+          <a:off x="6603547" y="971605"/>
           <a:ext cx="1180952" cy="569127"/>
         </a:xfrm>
         <a:prstGeom prst="rect">
@@ -11244,12 +11422,12 @@
         <a:fontRef idx="minor"/>
       </dsp:style>
       <dsp:txBody>
-        <a:bodyPr spcFirstLastPara="0" vert="horz" wrap="square" lIns="20320" tIns="0" rIns="0" bIns="0" numCol="1" spcCol="1270" anchor="ctr" anchorCtr="0">
+        <a:bodyPr spcFirstLastPara="0" vert="horz" wrap="square" lIns="17780" tIns="0" rIns="0" bIns="0" numCol="1" spcCol="1270" anchor="ctr" anchorCtr="0">
           <a:noAutofit/>
         </a:bodyPr>
         <a:lstStyle/>
         <a:p>
-          <a:pPr marL="0" lvl="0" indent="0" algn="l" defTabSz="355600">
+          <a:pPr marL="0" lvl="0" indent="0" algn="l" defTabSz="311150">
             <a:lnSpc>
               <a:spcPct val="90000"/>
             </a:lnSpc>
@@ -11262,13 +11440,13 @@
             <a:buNone/>
           </a:pPr>
           <a:r>
-            <a:rPr lang="en-US" sz="800" kern="1200" dirty="0"/>
+            <a:rPr lang="en-US" sz="700" kern="1200" dirty="0"/>
             <a:t>2007 - CUDA - GPU for non-games (finance/statistics)</a:t>
           </a:r>
         </a:p>
       </dsp:txBody>
       <dsp:txXfrm>
-        <a:off x="6679745" y="1139810"/>
+        <a:off x="6603547" y="971605"/>
         <a:ext cx="1180952" cy="569127"/>
       </dsp:txXfrm>
     </dsp:sp>
@@ -11279,7 +11457,7 @@
       </dsp:nvSpPr>
       <dsp:spPr>
         <a:xfrm>
-          <a:off x="7366564" y="2142697"/>
+          <a:off x="7508806" y="1580025"/>
           <a:ext cx="493108" cy="493108"/>
         </a:xfrm>
         <a:prstGeom prst="ellipse">
@@ -11328,7 +11506,7 @@
       </dsp:nvSpPr>
       <dsp:spPr>
         <a:xfrm rot="17700000">
-          <a:off x="6782544" y="2829026"/>
+          <a:off x="6914627" y="2320707"/>
           <a:ext cx="1021579" cy="492567"/>
         </a:xfrm>
         <a:prstGeom prst="rect">
@@ -11377,7 +11555,7 @@
         </a:p>
       </dsp:txBody>
       <dsp:txXfrm>
-        <a:off x="6782544" y="2829026"/>
+        <a:off x="6914627" y="2320707"/>
         <a:ext cx="1021579" cy="492567"/>
       </dsp:txXfrm>
     </dsp:sp>
@@ -11420,21 +11598,14 @@
       </dsp:nvSpPr>
       <dsp:spPr>
         <a:xfrm>
-          <a:off x="7931230" y="1914252"/>
-          <a:ext cx="949997" cy="949997"/>
+          <a:off x="8031112" y="1305100"/>
+          <a:ext cx="770562" cy="756074"/>
         </a:xfrm>
-        <a:prstGeom prst="donut">
-          <a:avLst>
-            <a:gd name="adj" fmla="val 20000"/>
-          </a:avLst>
+        <a:prstGeom prst="ellipse">
+          <a:avLst/>
         </a:prstGeom>
         <a:solidFill>
-          <a:schemeClr val="accent4">
-            <a:hueOff val="0"/>
-            <a:satOff val="0"/>
-            <a:lumOff val="0"/>
-            <a:alphaOff val="0"/>
-          </a:schemeClr>
+          <a:schemeClr val="accent2"/>
         </a:solidFill>
         <a:ln w="34925" cap="flat" cmpd="sng" algn="in">
           <a:solidFill>
@@ -11471,7 +11642,7 @@
       </dsp:nvSpPr>
       <dsp:spPr>
         <a:xfrm rot="17700000">
-          <a:off x="8265966" y="1139810"/>
+          <a:off x="8274126" y="523510"/>
           <a:ext cx="1180952" cy="569127"/>
         </a:xfrm>
         <a:prstGeom prst="rect">
@@ -11496,12 +11667,12 @@
         <a:fontRef idx="minor"/>
       </dsp:style>
       <dsp:txBody>
-        <a:bodyPr spcFirstLastPara="0" vert="horz" wrap="square" lIns="20320" tIns="0" rIns="0" bIns="0" numCol="1" spcCol="1270" anchor="ctr" anchorCtr="0">
+        <a:bodyPr spcFirstLastPara="0" vert="horz" wrap="square" lIns="17780" tIns="0" rIns="0" bIns="0" numCol="1" spcCol="1270" anchor="ctr" anchorCtr="0">
           <a:noAutofit/>
         </a:bodyPr>
         <a:lstStyle/>
         <a:p>
-          <a:pPr marL="0" lvl="0" indent="0" algn="l" defTabSz="355600">
+          <a:pPr marL="0" lvl="0" indent="0" algn="l" defTabSz="311150">
             <a:lnSpc>
               <a:spcPct val="90000"/>
             </a:lnSpc>
@@ -11514,13 +11685,96 @@
             <a:buNone/>
           </a:pPr>
           <a:r>
-            <a:rPr lang="en-US" sz="800" kern="1200" dirty="0"/>
-            <a:t>2011 - IBM Watson Jeopardy - some ML (NLP)</a:t>
+            <a:rPr lang="en-US" sz="700" kern="1200" dirty="0"/>
+            <a:t>2010 </a:t>
+          </a:r>
+          <a:r>
+            <a:rPr lang="en-US" sz="700" kern="1200" dirty="0" err="1"/>
+            <a:t>SciKit</a:t>
+          </a:r>
+          <a:r>
+            <a:rPr lang="en-US" sz="700" kern="1200" dirty="0"/>
+            <a:t> initial release</a:t>
+          </a:r>
+        </a:p>
+        <a:p>
+          <a:pPr marL="0" lvl="0" indent="0" algn="l" defTabSz="311150">
+            <a:lnSpc>
+              <a:spcPct val="90000"/>
+            </a:lnSpc>
+            <a:spcBef>
+              <a:spcPct val="0"/>
+            </a:spcBef>
+            <a:spcAft>
+              <a:spcPct val="35000"/>
+            </a:spcAft>
+            <a:buNone/>
+          </a:pPr>
+          <a:r>
+            <a:rPr lang="en-US" sz="700" kern="1200" dirty="0"/>
+            <a:t>2011 - IBM Watson Jeopardy .</a:t>
+          </a:r>
+        </a:p>
+        <a:p>
+          <a:pPr marL="0" lvl="0" indent="0" algn="l" defTabSz="311150">
+            <a:lnSpc>
+              <a:spcPct val="90000"/>
+            </a:lnSpc>
+            <a:spcBef>
+              <a:spcPct val="0"/>
+            </a:spcBef>
+            <a:spcAft>
+              <a:spcPct val="35000"/>
+            </a:spcAft>
+            <a:buNone/>
+          </a:pPr>
+          <a:r>
+            <a:rPr lang="en-US" sz="700" kern="1200" dirty="0"/>
+            <a:t>   – h20 &amp; </a:t>
+          </a:r>
+          <a:r>
+            <a:rPr lang="en-US" sz="700" kern="1200" dirty="0" err="1"/>
+            <a:t>alteryx</a:t>
+          </a:r>
+          <a:r>
+            <a:rPr lang="en-US" sz="700" kern="1200" dirty="0"/>
+            <a:t>  </a:t>
+          </a:r>
+          <a:r>
+            <a:rPr lang="en-US" sz="700" kern="1200" dirty="0" err="1"/>
+            <a:t>foundedt</a:t>
+          </a:r>
+          <a:endParaRPr lang="en-US" sz="700" kern="1200" dirty="0"/>
+        </a:p>
+        <a:p>
+          <a:pPr marL="0" lvl="0" indent="0" algn="l" defTabSz="311150">
+            <a:lnSpc>
+              <a:spcPct val="90000"/>
+            </a:lnSpc>
+            <a:spcBef>
+              <a:spcPct val="0"/>
+            </a:spcBef>
+            <a:spcAft>
+              <a:spcPct val="35000"/>
+            </a:spcAft>
+            <a:buNone/>
+          </a:pPr>
+          <a:r>
+            <a:rPr lang="en-US" sz="700" kern="1200" dirty="0"/>
+            <a:t>2012 – </a:t>
+          </a:r>
+          <a:r>
+            <a:rPr lang="en-US" sz="700" kern="1200" dirty="0" err="1"/>
+            <a:t>DataRobot</a:t>
+          </a:r>
+          <a:r>
+            <a:rPr lang="en-US" sz="700" kern="1200" dirty="0"/>
+            <a:t> founded</a:t>
           </a:r>
         </a:p>
       </dsp:txBody>
       <dsp:txXfrm>
-        <a:off x="8265966" y="1139810"/>
+        <a:off x="8274126" y="523510"/>
         <a:ext cx="1180952" cy="569127"/>
       </dsp:txXfrm>
     </dsp:sp>
@@ -11531,7 +11785,7 @@
       </dsp:nvSpPr>
       <dsp:spPr>
         <a:xfrm>
-          <a:off x="8952784" y="2142697"/>
+          <a:off x="8995759" y="1162253"/>
           <a:ext cx="493108" cy="493108"/>
         </a:xfrm>
         <a:prstGeom prst="ellipse">
@@ -11580,7 +11834,7 @@
       </dsp:nvSpPr>
       <dsp:spPr>
         <a:xfrm rot="17700000">
-          <a:off x="8368764" y="2829026"/>
+          <a:off x="8444760" y="1891566"/>
           <a:ext cx="1021579" cy="492567"/>
         </a:xfrm>
         <a:prstGeom prst="rect">
@@ -11624,12 +11878,79 @@
           </a:pPr>
           <a:r>
             <a:rPr lang="en-US" sz="700" kern="1200" dirty="0"/>
-            <a:t>2016 - Alpha Go - Deep NN</a:t>
+            <a:t>2015 MSFT Azure ML</a:t>
           </a:r>
+        </a:p>
+        <a:p>
+          <a:pPr marL="0" lvl="0" indent="0" algn="r" defTabSz="311150">
+            <a:lnSpc>
+              <a:spcPct val="90000"/>
+            </a:lnSpc>
+            <a:spcBef>
+              <a:spcPct val="0"/>
+            </a:spcBef>
+            <a:spcAft>
+              <a:spcPct val="35000"/>
+            </a:spcAft>
+            <a:buNone/>
+          </a:pPr>
+          <a:r>
+            <a:rPr lang="en-US" sz="700" kern="1200" dirty="0"/>
+            <a:t>2016 PyTorch released </a:t>
+          </a:r>
+        </a:p>
+        <a:p>
+          <a:pPr marL="0" lvl="0" indent="0" algn="r" defTabSz="311150">
+            <a:lnSpc>
+              <a:spcPct val="90000"/>
+            </a:lnSpc>
+            <a:spcBef>
+              <a:spcPct val="0"/>
+            </a:spcBef>
+            <a:spcAft>
+              <a:spcPct val="35000"/>
+            </a:spcAft>
+            <a:buNone/>
+          </a:pPr>
+          <a:r>
+            <a:rPr lang="en-US" sz="700" kern="1200" dirty="0"/>
+            <a:t>2017  - </a:t>
+          </a:r>
+          <a:r>
+            <a:rPr lang="en-US" sz="700" kern="1200" dirty="0" err="1"/>
+            <a:t>TensorFloww</a:t>
+          </a:r>
+          <a:r>
+            <a:rPr lang="en-US" sz="700" kern="1200" dirty="0"/>
+            <a:t> 1.0</a:t>
+          </a:r>
+        </a:p>
+        <a:p>
+          <a:pPr marL="0" lvl="0" indent="0" algn="r" defTabSz="311150">
+            <a:lnSpc>
+              <a:spcPct val="90000"/>
+            </a:lnSpc>
+            <a:spcBef>
+              <a:spcPct val="0"/>
+            </a:spcBef>
+            <a:spcAft>
+              <a:spcPct val="35000"/>
+            </a:spcAft>
+            <a:buNone/>
+          </a:pPr>
+          <a:r>
+            <a:rPr lang="en-US" sz="700" kern="1200" dirty="0"/>
+            <a:t>2018 AWS </a:t>
+          </a:r>
+          <a:r>
+            <a:rPr lang="en-US" sz="700" kern="1200" dirty="0" err="1"/>
+            <a:t>Sagemaker</a:t>
+          </a:r>
+          <a:endParaRPr lang="en-US" sz="700" kern="1200" dirty="0"/>
         </a:p>
       </dsp:txBody>
       <dsp:txXfrm>
-        <a:off x="8368764" y="2829026"/>
+        <a:off x="8444760" y="1891566"/>
         <a:ext cx="1021579" cy="492567"/>
       </dsp:txXfrm>
     </dsp:sp>
@@ -11672,7 +11993,7 @@
       </dsp:nvSpPr>
       <dsp:spPr>
         <a:xfrm>
-          <a:off x="9517450" y="1914252"/>
+          <a:off x="9810221" y="588369"/>
           <a:ext cx="949997" cy="949997"/>
         </a:xfrm>
         <a:prstGeom prst="donut">
@@ -11681,12 +12002,7 @@
           </a:avLst>
         </a:prstGeom>
         <a:solidFill>
-          <a:schemeClr val="accent4">
-            <a:hueOff val="0"/>
-            <a:satOff val="0"/>
-            <a:lumOff val="0"/>
-            <a:alphaOff val="0"/>
-          </a:schemeClr>
+          <a:srgbClr val="FF0000"/>
         </a:solidFill>
         <a:ln w="34925" cap="flat" cmpd="sng" algn="in">
           <a:solidFill>
@@ -11723,7 +12039,7 @@
       </dsp:nvSpPr>
       <dsp:spPr>
         <a:xfrm rot="17700000">
-          <a:off x="9852187" y="1139810"/>
+          <a:off x="9288756" y="1788567"/>
           <a:ext cx="1180952" cy="569127"/>
         </a:xfrm>
         <a:prstGeom prst="rect">
@@ -11748,12 +12064,12 @@
         <a:fontRef idx="minor"/>
       </dsp:style>
       <dsp:txBody>
-        <a:bodyPr spcFirstLastPara="0" vert="horz" wrap="square" lIns="20320" tIns="0" rIns="0" bIns="0" numCol="1" spcCol="1270" anchor="ctr" anchorCtr="0">
+        <a:bodyPr spcFirstLastPara="0" vert="horz" wrap="square" lIns="17780" tIns="0" rIns="0" bIns="0" numCol="1" spcCol="1270" anchor="ctr" anchorCtr="0">
           <a:noAutofit/>
         </a:bodyPr>
         <a:lstStyle/>
         <a:p>
-          <a:pPr marL="0" lvl="0" indent="0" algn="l" defTabSz="355600">
+          <a:pPr marL="0" lvl="0" indent="0" algn="l" defTabSz="311150">
             <a:lnSpc>
               <a:spcPct val="90000"/>
             </a:lnSpc>
@@ -11766,21 +12082,21 @@
             <a:buNone/>
           </a:pPr>
           <a:r>
-            <a:rPr lang="en-US" sz="800" kern="1200" dirty="0"/>
-            <a:t>2029 - </a:t>
+            <a:rPr lang="en-US" sz="700" kern="1200" dirty="0"/>
+            <a:t>2045 - </a:t>
           </a:r>
           <a:r>
-            <a:rPr lang="en-US" sz="800" kern="1200" dirty="0" err="1"/>
+            <a:rPr lang="en-US" sz="700" kern="1200" dirty="0" err="1"/>
             <a:t>Kurtweil</a:t>
           </a:r>
           <a:r>
-            <a:rPr lang="en-US" sz="800" kern="1200" dirty="0"/>
+            <a:rPr lang="en-US" sz="700" kern="1200" dirty="0"/>
             <a:t> Prediction!</a:t>
           </a:r>
         </a:p>
       </dsp:txBody>
       <dsp:txXfrm>
-        <a:off x="9852187" y="1139810"/>
+        <a:off x="9288756" y="1788567"/>
         <a:ext cx="1180952" cy="569127"/>
       </dsp:txXfrm>
     </dsp:sp>
@@ -24579,43 +24895,16 @@
           <a:lstStyle/>
           <a:p>
             <a:r>
+              <a:rPr lang="en-US" sz="3600" b="1" u="sng" dirty="0"/>
+              <a:t>Training a Simple Linear Model - </a:t>
+            </a:r>
+            <a:r>
               <a:rPr lang="en-US" sz="3600" u="sng" dirty="0"/>
-              <a:t>How it really works - Linear Regression example (1)</a:t>
+              <a:t>example (0)</a:t>
             </a:r>
           </a:p>
         </p:txBody>
       </p:sp>
-      <p:graphicFrame>
-        <p:nvGraphicFramePr>
-          <p:cNvPr id="7" name="Content Placeholder 6">
-            <a:extLst>
-              <a:ext uri="{FF2B5EF4-FFF2-40B4-BE49-F238E27FC236}">
-                <a16:creationId xmlns:a16="http://schemas.microsoft.com/office/drawing/2014/main" id="{DCDCED4B-7EA5-4602-B6F0-224D40AC43CE}"/>
-              </a:ext>
-            </a:extLst>
-          </p:cNvPr>
-          <p:cNvGraphicFramePr>
-            <a:graphicFrameLocks noGrp="1"/>
-          </p:cNvGraphicFramePr>
-          <p:nvPr>
-            <p:ph idx="1"/>
-            <p:extLst>
-              <p:ext uri="{D42A27DB-BD31-4B8C-83A1-F6EECF244321}">
-                <p14:modId xmlns:p14="http://schemas.microsoft.com/office/powerpoint/2010/main" val="3882537994"/>
-              </p:ext>
-            </p:extLst>
-          </p:nvPr>
-        </p:nvGraphicFramePr>
-        <p:xfrm>
-          <a:off x="1220700" y="852677"/>
-          <a:ext cx="4875300" cy="2512341"/>
-        </p:xfrm>
-        <a:graphic>
-          <a:graphicData uri="http://schemas.openxmlformats.org/drawingml/2006/chart">
-            <c:chart xmlns:c="http://schemas.openxmlformats.org/drawingml/2006/chart" xmlns:r="http://schemas.openxmlformats.org/officeDocument/2006/relationships" r:id="rId2"/>
-          </a:graphicData>
-        </a:graphic>
-      </p:graphicFrame>
       <p:sp>
         <p:nvSpPr>
           <p:cNvPr id="4" name="Content Placeholder 2">
@@ -24853,8 +25142,8 @@
         </p:nvSpPr>
         <p:spPr>
           <a:xfrm>
-            <a:off x="6183169" y="1123481"/>
-            <a:ext cx="4788131" cy="2585323"/>
+            <a:off x="6598772" y="980302"/>
+            <a:ext cx="5092893" cy="2862322"/>
           </a:xfrm>
           <a:prstGeom prst="rect">
             <a:avLst/>
@@ -24868,22 +25157,94 @@
           <a:lstStyle/>
           <a:p>
             <a:r>
+              <a:rPr lang="en-US" b="1" dirty="0"/>
+              <a:t>Try a Linear price model:</a:t>
+            </a:r>
+          </a:p>
+          <a:p>
+            <a:r>
               <a:rPr lang="en-US" dirty="0"/>
-              <a:t>Linear price model:</a:t>
-            </a:r>
-          </a:p>
-          <a:p>
+              <a:t>  p(X) =  A*X</a:t>
+            </a:r>
+            <a:r>
+              <a:rPr lang="en-US" baseline="-25000" dirty="0"/>
+              <a:t>1 </a:t>
+            </a:r>
             <a:r>
               <a:rPr lang="en-US" dirty="0"/>
-              <a:t>  h(x) = W</a:t>
+              <a:t>(</a:t>
+            </a:r>
+            <a:r>
+              <a:rPr lang="en-US" dirty="0" err="1"/>
+              <a:t>SqFt</a:t>
+            </a:r>
+            <a:r>
+              <a:rPr lang="en-US" dirty="0"/>
+              <a:t> Building) + B*X</a:t>
             </a:r>
             <a:r>
               <a:rPr lang="en-US" baseline="-25000" dirty="0"/>
-              <a:t>0 </a:t>
+              <a:t>2 </a:t>
             </a:r>
             <a:r>
               <a:rPr lang="en-US" dirty="0"/>
-              <a:t>+  W</a:t>
+              <a:t>(</a:t>
+            </a:r>
+            <a:r>
+              <a:rPr lang="en-US" dirty="0" err="1"/>
+              <a:t>SqFt</a:t>
+            </a:r>
+            <a:r>
+              <a:rPr lang="en-US" dirty="0"/>
+              <a:t> Land) + C*X</a:t>
+            </a:r>
+            <a:r>
+              <a:rPr lang="en-US" baseline="-25000" dirty="0"/>
+              <a:t>3 </a:t>
+            </a:r>
+            <a:r>
+              <a:rPr lang="en-US" dirty="0"/>
+              <a:t>(# Bedrooms) + D*X</a:t>
+            </a:r>
+            <a:r>
+              <a:rPr lang="en-US" baseline="-25000" dirty="0"/>
+              <a:t>4 </a:t>
+            </a:r>
+            <a:r>
+              <a:rPr lang="en-US" dirty="0"/>
+              <a:t>(School Rating)</a:t>
+            </a:r>
+          </a:p>
+          <a:p>
+            <a:endParaRPr lang="en-US" dirty="0"/>
+          </a:p>
+          <a:p>
+            <a:r>
+              <a:rPr lang="en-US" dirty="0"/>
+              <a:t>Where A,B,C,D are some “weights” on each input</a:t>
+            </a:r>
+          </a:p>
+          <a:p>
+            <a:endParaRPr lang="en-US" dirty="0"/>
+          </a:p>
+          <a:p>
+            <a:r>
+              <a:rPr lang="en-US" dirty="0"/>
+              <a:t>General form:</a:t>
+            </a:r>
+          </a:p>
+          <a:p>
+            <a:r>
+              <a:rPr lang="en-US" dirty="0"/>
+              <a:t>   p(X) = W</a:t>
+            </a:r>
+            <a:r>
+              <a:rPr lang="en-US" baseline="-25000" dirty="0"/>
+              <a:t>0</a:t>
+            </a:r>
+            <a:r>
+              <a:rPr lang="en-US" dirty="0"/>
+              <a:t> + W</a:t>
             </a:r>
             <a:r>
               <a:rPr lang="en-US" baseline="-25000" dirty="0"/>
@@ -24891,15 +25252,15 @@
             </a:r>
             <a:r>
               <a:rPr lang="en-US" dirty="0"/>
-              <a:t>*</a:t>
-            </a:r>
-            <a:r>
-              <a:rPr lang="en-US" dirty="0" err="1"/>
-              <a:t>SqM</a:t>
+              <a:t>*X</a:t>
+            </a:r>
+            <a:r>
+              <a:rPr lang="en-US" baseline="-25000" dirty="0"/>
+              <a:t>1</a:t>
             </a:r>
             <a:r>
               <a:rPr lang="en-US" dirty="0"/>
-              <a:t>  +  W</a:t>
+              <a:t> + W</a:t>
             </a:r>
             <a:r>
               <a:rPr lang="en-US" baseline="-25000" dirty="0"/>
@@ -24907,7 +25268,15 @@
             </a:r>
             <a:r>
               <a:rPr lang="en-US" dirty="0"/>
-              <a:t>*Loc + W</a:t>
+              <a:t>*X</a:t>
+            </a:r>
+            <a:r>
+              <a:rPr lang="en-US" baseline="-25000" dirty="0"/>
+              <a:t>2</a:t>
+            </a:r>
+            <a:r>
+              <a:rPr lang="en-US" dirty="0"/>
+              <a:t> + W</a:t>
             </a:r>
             <a:r>
               <a:rPr lang="en-US" baseline="-25000" dirty="0"/>
@@ -24915,69 +25284,6 @@
             </a:r>
             <a:r>
               <a:rPr lang="en-US" dirty="0"/>
-              <a:t>*BR + …</a:t>
-            </a:r>
-          </a:p>
-          <a:p>
-            <a:endParaRPr lang="en-US" dirty="0"/>
-          </a:p>
-          <a:p>
-            <a:r>
-              <a:rPr lang="en-US" dirty="0"/>
-              <a:t>General form:</a:t>
-            </a:r>
-          </a:p>
-          <a:p>
-            <a:r>
-              <a:rPr lang="en-US" dirty="0"/>
-              <a:t>   h(x) = W</a:t>
-            </a:r>
-            <a:r>
-              <a:rPr lang="en-US" baseline="-25000" dirty="0"/>
-              <a:t>0</a:t>
-            </a:r>
-            <a:r>
-              <a:rPr lang="en-US" dirty="0"/>
-              <a:t> + W</a:t>
-            </a:r>
-            <a:r>
-              <a:rPr lang="en-US" baseline="-25000" dirty="0"/>
-              <a:t>1</a:t>
-            </a:r>
-            <a:r>
-              <a:rPr lang="en-US" dirty="0"/>
-              <a:t>*X</a:t>
-            </a:r>
-            <a:r>
-              <a:rPr lang="en-US" baseline="-25000" dirty="0"/>
-              <a:t>1</a:t>
-            </a:r>
-            <a:r>
-              <a:rPr lang="en-US" dirty="0"/>
-              <a:t> + W</a:t>
-            </a:r>
-            <a:r>
-              <a:rPr lang="en-US" baseline="-25000" dirty="0"/>
-              <a:t>2</a:t>
-            </a:r>
-            <a:r>
-              <a:rPr lang="en-US" dirty="0"/>
-              <a:t>*X</a:t>
-            </a:r>
-            <a:r>
-              <a:rPr lang="en-US" baseline="-25000" dirty="0"/>
-              <a:t>2</a:t>
-            </a:r>
-            <a:r>
-              <a:rPr lang="en-US" dirty="0"/>
-              <a:t> + W</a:t>
-            </a:r>
-            <a:r>
-              <a:rPr lang="en-US" baseline="-25000" dirty="0"/>
-              <a:t>3</a:t>
-            </a:r>
-            <a:r>
-              <a:rPr lang="en-US" dirty="0"/>
               <a:t>*X</a:t>
             </a:r>
             <a:r>
@@ -24988,56 +25294,6 @@
               <a:rPr lang="en-US" dirty="0"/>
               <a:t>+ ….</a:t>
             </a:r>
-          </a:p>
-          <a:p>
-            <a:endParaRPr lang="en-US" dirty="0"/>
-          </a:p>
-          <a:p>
-            <a:r>
-              <a:rPr lang="en-US" dirty="0"/>
-              <a:t>Use </a:t>
-            </a:r>
-            <a:r>
-              <a:rPr lang="en-US" dirty="0" err="1"/>
-              <a:t>X</a:t>
-            </a:r>
-            <a:r>
-              <a:rPr lang="en-US" baseline="30000" dirty="0" err="1"/>
-              <a:t>n</a:t>
-            </a:r>
-            <a:r>
-              <a:rPr lang="en-US" dirty="0"/>
-              <a:t> </a:t>
-            </a:r>
-            <a:r>
-              <a:rPr lang="en-US" b="1" i="1" dirty="0"/>
-              <a:t>samples</a:t>
-            </a:r>
-            <a:r>
-              <a:rPr lang="en-US" i="1" dirty="0"/>
-              <a:t> </a:t>
-            </a:r>
-            <a:r>
-              <a:rPr lang="en-US" dirty="0"/>
-              <a:t>to </a:t>
-            </a:r>
-            <a:r>
-              <a:rPr lang="en-US" b="1" i="1" dirty="0"/>
-              <a:t>learn </a:t>
-            </a:r>
-            <a:r>
-              <a:rPr lang="en-US" dirty="0"/>
-              <a:t>“weights” </a:t>
-            </a:r>
-            <a:r>
-              <a:rPr lang="en-US" dirty="0" err="1"/>
-              <a:t>W</a:t>
-            </a:r>
-            <a:r>
-              <a:rPr lang="en-US" baseline="-25000" dirty="0" err="1"/>
-              <a:t>n</a:t>
-            </a:r>
-            <a:endParaRPr lang="en-US" dirty="0"/>
           </a:p>
           <a:p>
             <a:endParaRPr lang="en-US" dirty="0"/>
@@ -25049,10 +25305,10 @@
       </p:sp>
       <p:sp>
         <p:nvSpPr>
-          <p:cNvPr id="9" name="TextBox 8">
+          <p:cNvPr id="5" name="TextBox 4">
             <a:extLst>
               <a:ext uri="{FF2B5EF4-FFF2-40B4-BE49-F238E27FC236}">
-                <a16:creationId xmlns:a16="http://schemas.microsoft.com/office/drawing/2014/main" id="{91835F0D-A177-4686-AE9C-D6CC013A80F4}"/>
+                <a16:creationId xmlns:a16="http://schemas.microsoft.com/office/drawing/2014/main" id="{4A41B682-4AEE-4489-B14F-959A7598F4CE}"/>
               </a:ext>
             </a:extLst>
           </p:cNvPr>
@@ -25061,8 +25317,8 @@
         </p:nvSpPr>
         <p:spPr>
           <a:xfrm>
-            <a:off x="5891999" y="3103408"/>
-            <a:ext cx="2132329" cy="261610"/>
+            <a:off x="1141560" y="980302"/>
+            <a:ext cx="3787136" cy="2031325"/>
           </a:xfrm>
           <a:prstGeom prst="rect">
             <a:avLst/>
@@ -25076,271 +25332,126 @@
           <a:lstStyle/>
           <a:p>
             <a:r>
-              <a:rPr lang="en-US" sz="1100" u="sng" dirty="0"/>
-              <a:t>10 </a:t>
-            </a:r>
-            <a:r>
-              <a:rPr lang="en-US" sz="1100" u="sng" dirty="0" err="1"/>
-              <a:t>SqM</a:t>
-            </a:r>
-            <a:endParaRPr lang="en-US" sz="1100" u="sng" dirty="0"/>
+              <a:rPr lang="en-US" b="1" dirty="0"/>
+              <a:t>Example:</a:t>
+            </a:r>
+          </a:p>
+          <a:p>
+            <a:r>
+              <a:rPr lang="en-US" dirty="0"/>
+              <a:t>How to build a house price predictor?</a:t>
+            </a:r>
+          </a:p>
+          <a:p>
+            <a:r>
+              <a:rPr lang="en-US" dirty="0"/>
+              <a:t>Using </a:t>
+            </a:r>
+            <a:r>
+              <a:rPr lang="en-US" b="1" u="sng" dirty="0"/>
+              <a:t>inputs (features)</a:t>
+            </a:r>
+            <a:r>
+              <a:rPr lang="en-US" dirty="0"/>
+              <a:t>…</a:t>
+            </a:r>
+          </a:p>
+          <a:p>
+            <a:pPr marL="285750" indent="-285750">
+              <a:buFont typeface="Arial" panose="020B0604020202020204" pitchFamily="34" charset="0"/>
+              <a:buChar char="•"/>
+            </a:pPr>
+            <a:r>
+              <a:rPr lang="en-US" dirty="0"/>
+              <a:t>X</a:t>
+            </a:r>
+            <a:r>
+              <a:rPr lang="en-US" baseline="-25000" dirty="0"/>
+              <a:t>1 </a:t>
+            </a:r>
+            <a:r>
+              <a:rPr lang="en-US" dirty="0"/>
+              <a:t>– </a:t>
+            </a:r>
+            <a:r>
+              <a:rPr lang="en-US" dirty="0" err="1"/>
+              <a:t>SqFt</a:t>
+            </a:r>
+            <a:r>
+              <a:rPr lang="en-US" dirty="0"/>
+              <a:t> Building</a:t>
+            </a:r>
+          </a:p>
+          <a:p>
+            <a:pPr marL="285750" indent="-285750">
+              <a:buFont typeface="Arial" panose="020B0604020202020204" pitchFamily="34" charset="0"/>
+              <a:buChar char="•"/>
+            </a:pPr>
+            <a:r>
+              <a:rPr lang="en-US" dirty="0"/>
+              <a:t>X</a:t>
+            </a:r>
+            <a:r>
+              <a:rPr lang="en-US" baseline="-25000" dirty="0"/>
+              <a:t>2 </a:t>
+            </a:r>
+            <a:r>
+              <a:rPr lang="en-US" dirty="0"/>
+              <a:t>– </a:t>
+            </a:r>
+            <a:r>
+              <a:rPr lang="en-US" dirty="0" err="1"/>
+              <a:t>SqFt</a:t>
+            </a:r>
+            <a:r>
+              <a:rPr lang="en-US" dirty="0"/>
+              <a:t> Land</a:t>
+            </a:r>
+          </a:p>
+          <a:p>
+            <a:pPr marL="285750" indent="-285750">
+              <a:buFont typeface="Arial" panose="020B0604020202020204" pitchFamily="34" charset="0"/>
+              <a:buChar char="•"/>
+            </a:pPr>
+            <a:r>
+              <a:rPr lang="en-US" dirty="0"/>
+              <a:t>X</a:t>
+            </a:r>
+            <a:r>
+              <a:rPr lang="en-US" baseline="-25000" dirty="0"/>
+              <a:t>3 </a:t>
+            </a:r>
+            <a:r>
+              <a:rPr lang="en-US" dirty="0"/>
+              <a:t>– # Bedrooms</a:t>
+            </a:r>
+          </a:p>
+          <a:p>
+            <a:pPr marL="285750" indent="-285750">
+              <a:buFont typeface="Arial" panose="020B0604020202020204" pitchFamily="34" charset="0"/>
+              <a:buChar char="•"/>
+            </a:pPr>
+            <a:r>
+              <a:rPr lang="en-US" dirty="0"/>
+              <a:t>X</a:t>
+            </a:r>
+            <a:r>
+              <a:rPr lang="en-US" baseline="-25000" dirty="0"/>
+              <a:t>4 </a:t>
+            </a:r>
+            <a:r>
+              <a:rPr lang="en-US" dirty="0"/>
+              <a:t>– Local School Rating</a:t>
+            </a:r>
           </a:p>
         </p:txBody>
       </p:sp>
       <p:sp>
         <p:nvSpPr>
-          <p:cNvPr id="11" name="TextBox 10">
+          <p:cNvPr id="6" name="Arrow: Right 5">
             <a:extLst>
               <a:ext uri="{FF2B5EF4-FFF2-40B4-BE49-F238E27FC236}">
-                <a16:creationId xmlns:a16="http://schemas.microsoft.com/office/drawing/2014/main" id="{AA3FEAE4-D6C9-460F-A140-EC49558C6721}"/>
-              </a:ext>
-            </a:extLst>
-          </p:cNvPr>
-          <p:cNvSpPr txBox="1"/>
-          <p:nvPr/>
-        </p:nvSpPr>
-        <p:spPr>
-          <a:xfrm rot="16200000">
-            <a:off x="110952" y="1181851"/>
-            <a:ext cx="2132329" cy="261610"/>
-          </a:xfrm>
-          <a:prstGeom prst="rect">
-            <a:avLst/>
-          </a:prstGeom>
-          <a:noFill/>
-        </p:spPr>
-        <p:txBody>
-          <a:bodyPr wrap="square" rtlCol="0">
-            <a:spAutoFit/>
-          </a:bodyPr>
-          <a:lstStyle/>
-          <a:p>
-            <a:r>
-              <a:rPr lang="en-US" sz="1100" u="sng" dirty="0"/>
-              <a:t>100’s $</a:t>
-            </a:r>
-          </a:p>
-        </p:txBody>
-      </p:sp>
-      <p:sp>
-        <p:nvSpPr>
-          <p:cNvPr id="12" name="TextBox 11">
-            <a:extLst>
-              <a:ext uri="{FF2B5EF4-FFF2-40B4-BE49-F238E27FC236}">
-                <a16:creationId xmlns:a16="http://schemas.microsoft.com/office/drawing/2014/main" id="{97072DA4-4D02-480C-BF22-44BD5895F9C8}"/>
-              </a:ext>
-            </a:extLst>
-          </p:cNvPr>
-          <p:cNvSpPr txBox="1"/>
-          <p:nvPr/>
-        </p:nvSpPr>
-        <p:spPr>
-          <a:xfrm>
-            <a:off x="1070854" y="3475978"/>
-            <a:ext cx="10007241" cy="3139321"/>
-          </a:xfrm>
-          <a:prstGeom prst="rect">
-            <a:avLst/>
-          </a:prstGeom>
-          <a:noFill/>
-        </p:spPr>
-        <p:txBody>
-          <a:bodyPr wrap="square" rtlCol="0">
-            <a:spAutoFit/>
-          </a:bodyPr>
-          <a:lstStyle/>
-          <a:p>
-            <a:r>
-              <a:rPr lang="en-US" dirty="0"/>
-              <a:t>Simplified Model example using just 1 variable/feature.</a:t>
-            </a:r>
-          </a:p>
-          <a:p>
-            <a:r>
-              <a:rPr lang="en-US" dirty="0"/>
-              <a:t>  h(x) = W</a:t>
-            </a:r>
-            <a:r>
-              <a:rPr lang="en-US" baseline="-25000" dirty="0"/>
-              <a:t>0 </a:t>
-            </a:r>
-            <a:r>
-              <a:rPr lang="en-US" dirty="0"/>
-              <a:t>+  W</a:t>
-            </a:r>
-            <a:r>
-              <a:rPr lang="en-US" baseline="-25000" dirty="0"/>
-              <a:t>1</a:t>
-            </a:r>
-            <a:r>
-              <a:rPr lang="en-US" dirty="0"/>
-              <a:t>*</a:t>
-            </a:r>
-            <a:r>
-              <a:rPr lang="en-US" dirty="0" err="1"/>
-              <a:t>SqM</a:t>
-            </a:r>
-            <a:endParaRPr lang="en-US" dirty="0"/>
-          </a:p>
-          <a:p>
-            <a:r>
-              <a:rPr lang="en-US" dirty="0"/>
-              <a:t>  </a:t>
-            </a:r>
-            <a:r>
-              <a:rPr lang="en-US" dirty="0" err="1"/>
-              <a:t>ie</a:t>
-            </a:r>
-            <a:r>
-              <a:rPr lang="en-US" dirty="0"/>
-              <a:t>, y = mx+ b (solve for the regression line)</a:t>
-            </a:r>
-            <a:endParaRPr lang="en-US" baseline="30000" dirty="0"/>
-          </a:p>
-          <a:p>
-            <a:endParaRPr lang="en-US" dirty="0"/>
-          </a:p>
-          <a:p>
-            <a:r>
-              <a:rPr lang="en-US" dirty="0"/>
-              <a:t>Solve for W</a:t>
-            </a:r>
-            <a:r>
-              <a:rPr lang="en-US" baseline="-25000" dirty="0"/>
-              <a:t>0</a:t>
-            </a:r>
-            <a:r>
-              <a:rPr lang="en-US" dirty="0"/>
-              <a:t>,W</a:t>
-            </a:r>
-            <a:r>
-              <a:rPr lang="en-US" baseline="-25000" dirty="0"/>
-              <a:t>1  </a:t>
-            </a:r>
-            <a:r>
-              <a:rPr lang="en-US" dirty="0"/>
-              <a:t>given x samples {5,10,15,20]; y labels=[3,4,3,5]</a:t>
-            </a:r>
-          </a:p>
-          <a:p>
-            <a:endParaRPr lang="en-US" dirty="0"/>
-          </a:p>
-          <a:p>
-            <a:r>
-              <a:rPr lang="en-US" b="1" dirty="0"/>
-              <a:t>Algorithm</a:t>
-            </a:r>
-            <a:r>
-              <a:rPr lang="en-US" dirty="0"/>
-              <a:t>:</a:t>
-            </a:r>
-          </a:p>
-          <a:p>
-            <a:pPr marL="285750" indent="-285750">
-              <a:buFontTx/>
-              <a:buChar char="-"/>
-            </a:pPr>
-            <a:r>
-              <a:rPr lang="en-US" dirty="0"/>
-              <a:t>Choose random W</a:t>
-            </a:r>
-            <a:r>
-              <a:rPr lang="en-US" baseline="-25000" dirty="0"/>
-              <a:t>0</a:t>
-            </a:r>
-            <a:r>
-              <a:rPr lang="en-US" dirty="0"/>
-              <a:t>,W</a:t>
-            </a:r>
-            <a:r>
-              <a:rPr lang="en-US" baseline="-25000" dirty="0"/>
-              <a:t>1 </a:t>
-            </a:r>
-            <a:endParaRPr lang="en-US" dirty="0"/>
-          </a:p>
-          <a:p>
-            <a:pPr marL="285750" indent="-285750">
-              <a:buFontTx/>
-              <a:buChar char="-"/>
-            </a:pPr>
-            <a:r>
-              <a:rPr lang="en-US" dirty="0"/>
-              <a:t>Calculate Error (MSE - Mean Square Error)</a:t>
-            </a:r>
-          </a:p>
-          <a:p>
-            <a:pPr marL="285750" indent="-285750">
-              <a:buFontTx/>
-              <a:buChar char="-"/>
-            </a:pPr>
-            <a:r>
-              <a:rPr lang="en-US" dirty="0"/>
-              <a:t>Adjust W to minimize MSE (Gradient Descent)</a:t>
-            </a:r>
-          </a:p>
-          <a:p>
-            <a:pPr marL="285750" indent="-285750">
-              <a:buFontTx/>
-              <a:buChar char="-"/>
-            </a:pPr>
-            <a:r>
-              <a:rPr lang="en-US" dirty="0"/>
-              <a:t>Iterate until minimum error</a:t>
-            </a:r>
-          </a:p>
-        </p:txBody>
-      </p:sp>
-      <p:sp>
-        <p:nvSpPr>
-          <p:cNvPr id="14" name="TextBox 13">
-            <a:extLst>
-              <a:ext uri="{FF2B5EF4-FFF2-40B4-BE49-F238E27FC236}">
-                <a16:creationId xmlns:a16="http://schemas.microsoft.com/office/drawing/2014/main" id="{A031A613-E9B2-4DB2-A2D5-DC8CB0E4F9C3}"/>
-              </a:ext>
-            </a:extLst>
-          </p:cNvPr>
-          <p:cNvSpPr txBox="1"/>
-          <p:nvPr/>
-        </p:nvSpPr>
-        <p:spPr>
-          <a:xfrm>
-            <a:off x="4928696" y="6504000"/>
-            <a:ext cx="7297075" cy="276999"/>
-          </a:xfrm>
-          <a:prstGeom prst="rect">
-            <a:avLst/>
-          </a:prstGeom>
-          <a:noFill/>
-        </p:spPr>
-        <p:txBody>
-          <a:bodyPr wrap="square" rtlCol="0">
-            <a:spAutoFit/>
-          </a:bodyPr>
-          <a:lstStyle/>
-          <a:p>
-            <a:r>
-              <a:rPr lang="en-US" sz="1200" i="1" dirty="0"/>
-              <a:t>Adapted from Andrew Ng’s Machine Learning course:  </a:t>
-            </a:r>
-            <a:r>
-              <a:rPr lang="en-US" sz="1200" i="1" dirty="0">
-                <a:hlinkClick r:id="rId3"/>
-              </a:rPr>
-              <a:t>https://www.coursera.org/learn/machine-learning</a:t>
-            </a:r>
-            <a:r>
-              <a:rPr lang="en-US" sz="1200" i="1" dirty="0"/>
-              <a:t> )</a:t>
-            </a:r>
-          </a:p>
-        </p:txBody>
-      </p:sp>
-      <p:sp>
-        <p:nvSpPr>
-          <p:cNvPr id="10" name="Rectangle 9">
-            <a:extLst>
-              <a:ext uri="{FF2B5EF4-FFF2-40B4-BE49-F238E27FC236}">
-                <a16:creationId xmlns:a16="http://schemas.microsoft.com/office/drawing/2014/main" id="{2B212F9C-5F54-490A-AE01-501AF4F79847}"/>
+                <a16:creationId xmlns:a16="http://schemas.microsoft.com/office/drawing/2014/main" id="{B21F3510-22DC-4695-8F20-85609EA1D4B9}"/>
               </a:ext>
             </a:extLst>
           </p:cNvPr>
@@ -25348,38 +25459,250 @@
           <p:nvPr/>
         </p:nvSpPr>
         <p:spPr>
-          <a:xfrm rot="1956828">
-            <a:off x="3715390" y="2525278"/>
-            <a:ext cx="5849291" cy="1569660"/>
+          <a:xfrm>
+            <a:off x="4141996" y="1710823"/>
+            <a:ext cx="2199109" cy="409612"/>
+          </a:xfrm>
+          <a:prstGeom prst="rightArrow">
+            <a:avLst/>
+          </a:prstGeom>
+        </p:spPr>
+        <p:style>
+          <a:lnRef idx="2">
+            <a:schemeClr val="accent1">
+              <a:shade val="50000"/>
+            </a:schemeClr>
+          </a:lnRef>
+          <a:fillRef idx="1">
+            <a:schemeClr val="accent1"/>
+          </a:fillRef>
+          <a:effectRef idx="0">
+            <a:schemeClr val="accent1"/>
+          </a:effectRef>
+          <a:fontRef idx="minor">
+            <a:schemeClr val="lt1"/>
+          </a:fontRef>
+        </p:style>
+        <p:txBody>
+          <a:bodyPr rtlCol="0" anchor="ctr"/>
+          <a:lstStyle/>
+          <a:p>
+            <a:pPr algn="ctr"/>
+            <a:endParaRPr lang="en-US"/>
+          </a:p>
+        </p:txBody>
+      </p:sp>
+      <p:sp>
+        <p:nvSpPr>
+          <p:cNvPr id="15" name="Arrow: Right 14">
+            <a:extLst>
+              <a:ext uri="{FF2B5EF4-FFF2-40B4-BE49-F238E27FC236}">
+                <a16:creationId xmlns:a16="http://schemas.microsoft.com/office/drawing/2014/main" id="{6791543F-281A-4DB8-BEA8-5A7907B56005}"/>
+              </a:ext>
+            </a:extLst>
+          </p:cNvPr>
+          <p:cNvSpPr/>
+          <p:nvPr/>
+        </p:nvSpPr>
+        <p:spPr>
+          <a:xfrm rot="8963687">
+            <a:off x="4086808" y="3427350"/>
+            <a:ext cx="2199109" cy="409612"/>
+          </a:xfrm>
+          <a:prstGeom prst="rightArrow">
+            <a:avLst/>
+          </a:prstGeom>
+        </p:spPr>
+        <p:style>
+          <a:lnRef idx="2">
+            <a:schemeClr val="accent1">
+              <a:shade val="50000"/>
+            </a:schemeClr>
+          </a:lnRef>
+          <a:fillRef idx="1">
+            <a:schemeClr val="accent1"/>
+          </a:fillRef>
+          <a:effectRef idx="0">
+            <a:schemeClr val="accent1"/>
+          </a:effectRef>
+          <a:fontRef idx="minor">
+            <a:schemeClr val="lt1"/>
+          </a:fontRef>
+        </p:style>
+        <p:txBody>
+          <a:bodyPr rtlCol="0" anchor="ctr"/>
+          <a:lstStyle/>
+          <a:p>
+            <a:pPr algn="ctr"/>
+            <a:endParaRPr lang="en-US"/>
+          </a:p>
+        </p:txBody>
+      </p:sp>
+      <p:sp>
+        <p:nvSpPr>
+          <p:cNvPr id="13" name="Rectangle 12">
+            <a:extLst>
+              <a:ext uri="{FF2B5EF4-FFF2-40B4-BE49-F238E27FC236}">
+                <a16:creationId xmlns:a16="http://schemas.microsoft.com/office/drawing/2014/main" id="{AEA3C909-F57B-43B9-A7E8-F506DB7878EA}"/>
+              </a:ext>
+            </a:extLst>
+          </p:cNvPr>
+          <p:cNvSpPr/>
+          <p:nvPr/>
+        </p:nvSpPr>
+        <p:spPr>
+          <a:xfrm>
+            <a:off x="1257173" y="4252681"/>
+            <a:ext cx="10374338" cy="3416320"/>
           </a:xfrm>
           <a:prstGeom prst="rect">
             <a:avLst/>
           </a:prstGeom>
-          <a:noFill/>
         </p:spPr>
         <p:txBody>
-          <a:bodyPr wrap="square" lIns="91440" tIns="45720" rIns="91440" bIns="45720">
+          <a:bodyPr wrap="square">
             <a:spAutoFit/>
           </a:bodyPr>
           <a:lstStyle/>
           <a:p>
-            <a:pPr algn="ctr"/>
-            <a:r>
-              <a:rPr lang="en-US" sz="9600" b="0" cap="none" spc="0" dirty="0">
-                <a:ln w="0"/>
+            <a:r>
+              <a:rPr lang="en-US" b="1" dirty="0">
                 <a:solidFill>
                   <a:srgbClr val="FF0000"/>
                 </a:solidFill>
-                <a:effectLst>
-                  <a:outerShdw blurRad="38100" dist="25400" dir="5400000" algn="ctr" rotWithShape="0">
-                    <a:srgbClr val="6E747A">
-                      <a:alpha val="43000"/>
-                    </a:srgbClr>
-                  </a:outerShdw>
-                </a:effectLst>
               </a:rPr>
-              <a:t>Redo</a:t>
-            </a:r>
+              <a:t>How do we set Weights?</a:t>
+            </a:r>
+          </a:p>
+          <a:p>
+            <a:endParaRPr lang="en-US" dirty="0"/>
+          </a:p>
+          <a:p>
+            <a:r>
+              <a:rPr lang="en-US" i="1" dirty="0"/>
+              <a:t>(Remember the Monkeys writing </a:t>
+            </a:r>
+            <a:r>
+              <a:rPr lang="en-US" i="1" dirty="0" err="1"/>
+              <a:t>Shakepeare</a:t>
+            </a:r>
+            <a:r>
+              <a:rPr lang="en-US" i="1" dirty="0"/>
+              <a:t>?  -- we can keep guessing until we find optimal one ?)</a:t>
+            </a:r>
+          </a:p>
+          <a:p>
+            <a:endParaRPr lang="en-US" i="1" dirty="0"/>
+          </a:p>
+          <a:p>
+            <a:r>
+              <a:rPr lang="en-US" dirty="0"/>
+              <a:t>Or – use real </a:t>
+            </a:r>
+            <a:r>
+              <a:rPr lang="en-US" b="1" dirty="0"/>
+              <a:t>ex</a:t>
+            </a:r>
+            <a:r>
+              <a:rPr lang="en-US" b="1" i="1" dirty="0"/>
+              <a:t>amples</a:t>
+            </a:r>
+            <a:r>
+              <a:rPr lang="en-US" i="1" dirty="0"/>
+              <a:t> </a:t>
+            </a:r>
+            <a:r>
+              <a:rPr lang="en-US" dirty="0"/>
+              <a:t>to </a:t>
+            </a:r>
+            <a:r>
+              <a:rPr lang="en-US" b="1" i="1" dirty="0"/>
+              <a:t>learn </a:t>
+            </a:r>
+            <a:r>
+              <a:rPr lang="en-US" dirty="0"/>
+              <a:t>“weights” </a:t>
+            </a:r>
+            <a:r>
+              <a:rPr lang="en-US" dirty="0" err="1"/>
+              <a:t>W</a:t>
+            </a:r>
+            <a:r>
+              <a:rPr lang="en-US" baseline="-25000" dirty="0" err="1"/>
+              <a:t>n</a:t>
+            </a:r>
+            <a:r>
+              <a:rPr lang="en-US" dirty="0"/>
+              <a:t> – </a:t>
+            </a:r>
+            <a:r>
+              <a:rPr lang="en-US" dirty="0" err="1"/>
+              <a:t>ie</a:t>
+            </a:r>
+            <a:r>
+              <a:rPr lang="en-US" dirty="0"/>
+              <a:t>, based on actual data !!</a:t>
+            </a:r>
+          </a:p>
+          <a:p>
+            <a:endParaRPr lang="en-US" i="1" dirty="0"/>
+          </a:p>
+          <a:p>
+            <a:r>
+              <a:rPr lang="en-US" i="1" dirty="0"/>
+              <a:t>This process is called </a:t>
+            </a:r>
+            <a:r>
+              <a:rPr lang="en-US" b="1" i="1" dirty="0"/>
+              <a:t>Training the model !!!</a:t>
+            </a:r>
+          </a:p>
+          <a:p>
+            <a:r>
+              <a:rPr lang="en-US" b="1" i="1" dirty="0"/>
+              <a:t>	</a:t>
+            </a:r>
+          </a:p>
+          <a:p>
+            <a:r>
+              <a:rPr lang="en-US" b="1" i="1" dirty="0"/>
+              <a:t>			Eventually solve the optimization problem, p(X) = 155 + 0.22*</a:t>
+            </a:r>
+            <a:r>
+              <a:rPr lang="en-US" b="1" dirty="0"/>
+              <a:t>X</a:t>
+            </a:r>
+            <a:r>
+              <a:rPr lang="en-US" b="1" baseline="-25000" dirty="0"/>
+              <a:t>1</a:t>
+            </a:r>
+            <a:r>
+              <a:rPr lang="en-US" b="1" dirty="0"/>
+              <a:t> + -0.08*X</a:t>
+            </a:r>
+            <a:r>
+              <a:rPr lang="en-US" b="1" baseline="-25000" dirty="0"/>
+              <a:t>2</a:t>
+            </a:r>
+            <a:r>
+              <a:rPr lang="en-US" b="1" dirty="0"/>
+              <a:t> + 0.87*X</a:t>
+            </a:r>
+            <a:r>
+              <a:rPr lang="en-US" b="1" baseline="-25000" dirty="0"/>
+              <a:t>3 </a:t>
+            </a:r>
+            <a:r>
+              <a:rPr lang="en-US" b="1" dirty="0"/>
+              <a:t>+ ….</a:t>
+            </a:r>
+            <a:endParaRPr lang="en-US" b="1" i="1" dirty="0"/>
+          </a:p>
+          <a:p>
+            <a:endParaRPr lang="en-US" i="1" dirty="0"/>
+          </a:p>
+          <a:p>
+            <a:endParaRPr lang="en-US" i="1" dirty="0"/>
           </a:p>
         </p:txBody>
       </p:sp>
@@ -25397,891 +25720,6 @@
 </file>
 
 <file path=ppt/slides/slide11.xml><?xml version="1.0" encoding="utf-8"?>
-<p:sld xmlns:a="http://schemas.openxmlformats.org/drawingml/2006/main" xmlns:r="http://schemas.openxmlformats.org/officeDocument/2006/relationships" xmlns:p="http://schemas.openxmlformats.org/presentationml/2006/main">
-  <p:cSld>
-    <p:spTree>
-      <p:nvGrpSpPr>
-        <p:cNvPr id="1" name=""/>
-        <p:cNvGrpSpPr/>
-        <p:nvPr/>
-      </p:nvGrpSpPr>
-      <p:grpSpPr>
-        <a:xfrm>
-          <a:off x="0" y="0"/>
-          <a:ext cx="0" cy="0"/>
-          <a:chOff x="0" y="0"/>
-          <a:chExt cx="0" cy="0"/>
-        </a:xfrm>
-      </p:grpSpPr>
-      <p:sp>
-        <p:nvSpPr>
-          <p:cNvPr id="2" name="Title 1">
-            <a:extLst>
-              <a:ext uri="{FF2B5EF4-FFF2-40B4-BE49-F238E27FC236}">
-                <a16:creationId xmlns:a16="http://schemas.microsoft.com/office/drawing/2014/main" id="{D1EBA635-2F7F-4838-A23A-2C3E13E2F1D5}"/>
-              </a:ext>
-            </a:extLst>
-          </p:cNvPr>
-          <p:cNvSpPr>
-            <a:spLocks noGrp="1"/>
-          </p:cNvSpPr>
-          <p:nvPr>
-            <p:ph type="title"/>
-          </p:nvPr>
-        </p:nvSpPr>
-        <p:spPr>
-          <a:xfrm>
-            <a:off x="1141559" y="196965"/>
-            <a:ext cx="10285669" cy="987729"/>
-          </a:xfrm>
-        </p:spPr>
-        <p:txBody>
-          <a:bodyPr>
-            <a:noAutofit/>
-          </a:bodyPr>
-          <a:lstStyle/>
-          <a:p>
-            <a:r>
-              <a:rPr lang="en-US" sz="3600" u="sng" dirty="0"/>
-              <a:t>How it really works - Linear Regression example (2)</a:t>
-            </a:r>
-          </a:p>
-        </p:txBody>
-      </p:sp>
-      <p:graphicFrame>
-        <p:nvGraphicFramePr>
-          <p:cNvPr id="7" name="Content Placeholder 6">
-            <a:extLst>
-              <a:ext uri="{FF2B5EF4-FFF2-40B4-BE49-F238E27FC236}">
-                <a16:creationId xmlns:a16="http://schemas.microsoft.com/office/drawing/2014/main" id="{DCDCED4B-7EA5-4602-B6F0-224D40AC43CE}"/>
-              </a:ext>
-            </a:extLst>
-          </p:cNvPr>
-          <p:cNvGraphicFramePr>
-            <a:graphicFrameLocks noGrp="1"/>
-          </p:cNvGraphicFramePr>
-          <p:nvPr>
-            <p:ph idx="1"/>
-          </p:nvPr>
-        </p:nvGraphicFramePr>
-        <p:xfrm>
-          <a:off x="1220700" y="852677"/>
-          <a:ext cx="4875300" cy="2512341"/>
-        </p:xfrm>
-        <a:graphic>
-          <a:graphicData uri="http://schemas.openxmlformats.org/drawingml/2006/chart">
-            <c:chart xmlns:c="http://schemas.openxmlformats.org/drawingml/2006/chart" xmlns:r="http://schemas.openxmlformats.org/officeDocument/2006/relationships" r:id="rId2"/>
-          </a:graphicData>
-        </a:graphic>
-      </p:graphicFrame>
-      <p:sp>
-        <p:nvSpPr>
-          <p:cNvPr id="4" name="Content Placeholder 2">
-            <a:extLst>
-              <a:ext uri="{FF2B5EF4-FFF2-40B4-BE49-F238E27FC236}">
-                <a16:creationId xmlns:a16="http://schemas.microsoft.com/office/drawing/2014/main" id="{CD97B703-0D68-4C3A-9692-C69CF75ED4AD}"/>
-              </a:ext>
-            </a:extLst>
-          </p:cNvPr>
-          <p:cNvSpPr txBox="1">
-            <a:spLocks/>
-          </p:cNvSpPr>
-          <p:nvPr/>
-        </p:nvSpPr>
-        <p:spPr>
-          <a:xfrm>
-            <a:off x="-215661" y="196965"/>
-            <a:ext cx="10550105" cy="5348378"/>
-          </a:xfrm>
-          <a:prstGeom prst="rect">
-            <a:avLst/>
-          </a:prstGeom>
-        </p:spPr>
-        <p:txBody>
-          <a:bodyPr vert="horz" lIns="91440" tIns="45720" rIns="91440" bIns="45720" rtlCol="0">
-            <a:normAutofit/>
-          </a:bodyPr>
-          <a:lstStyle>
-            <a:lvl1pPr marL="384048" indent="-384048" algn="l" defTabSz="914400" rtl="0" eaLnBrk="1" latinLnBrk="0" hangingPunct="1">
-              <a:lnSpc>
-                <a:spcPct val="94000"/>
-              </a:lnSpc>
-              <a:spcBef>
-                <a:spcPts val="1000"/>
-              </a:spcBef>
-              <a:spcAft>
-                <a:spcPts val="200"/>
-              </a:spcAft>
-              <a:buFont typeface="Franklin Gothic Book" panose="020B0503020102020204" pitchFamily="34" charset="0"/>
-              <a:buChar char="■"/>
-              <a:defRPr sz="2000" kern="1200" baseline="0">
-                <a:solidFill>
-                  <a:schemeClr val="tx2"/>
-                </a:solidFill>
-                <a:latin typeface="+mn-lt"/>
-                <a:ea typeface="+mn-ea"/>
-                <a:cs typeface="+mn-cs"/>
-              </a:defRPr>
-            </a:lvl1pPr>
-            <a:lvl2pPr marL="914400" indent="-384048" algn="l" defTabSz="914400" rtl="0" eaLnBrk="1" latinLnBrk="0" hangingPunct="1">
-              <a:lnSpc>
-                <a:spcPct val="94000"/>
-              </a:lnSpc>
-              <a:spcBef>
-                <a:spcPts val="500"/>
-              </a:spcBef>
-              <a:spcAft>
-                <a:spcPts val="200"/>
-              </a:spcAft>
-              <a:buFont typeface="Franklin Gothic Book" panose="020B0503020102020204" pitchFamily="34" charset="0"/>
-              <a:buChar char="–"/>
-              <a:defRPr sz="2000" i="1" kern="1200" baseline="0">
-                <a:solidFill>
-                  <a:schemeClr val="tx2"/>
-                </a:solidFill>
-                <a:latin typeface="+mn-lt"/>
-                <a:ea typeface="+mn-ea"/>
-                <a:cs typeface="+mn-cs"/>
-              </a:defRPr>
-            </a:lvl2pPr>
-            <a:lvl3pPr marL="1371600" indent="-384048" algn="l" defTabSz="914400" rtl="0" eaLnBrk="1" latinLnBrk="0" hangingPunct="1">
-              <a:lnSpc>
-                <a:spcPct val="94000"/>
-              </a:lnSpc>
-              <a:spcBef>
-                <a:spcPts val="500"/>
-              </a:spcBef>
-              <a:spcAft>
-                <a:spcPts val="200"/>
-              </a:spcAft>
-              <a:buFont typeface="Franklin Gothic Book" panose="020B0503020102020204" pitchFamily="34" charset="0"/>
-              <a:buChar char="■"/>
-              <a:defRPr sz="1800" kern="1200" baseline="0">
-                <a:solidFill>
-                  <a:schemeClr val="tx2"/>
-                </a:solidFill>
-                <a:latin typeface="+mn-lt"/>
-                <a:ea typeface="+mn-ea"/>
-                <a:cs typeface="+mn-cs"/>
-              </a:defRPr>
-            </a:lvl3pPr>
-            <a:lvl4pPr marL="1828800" indent="-384048" algn="l" defTabSz="914400" rtl="0" eaLnBrk="1" latinLnBrk="0" hangingPunct="1">
-              <a:lnSpc>
-                <a:spcPct val="94000"/>
-              </a:lnSpc>
-              <a:spcBef>
-                <a:spcPts val="500"/>
-              </a:spcBef>
-              <a:spcAft>
-                <a:spcPts val="200"/>
-              </a:spcAft>
-              <a:buFont typeface="Franklin Gothic Book" panose="020B0503020102020204" pitchFamily="34" charset="0"/>
-              <a:buChar char="–"/>
-              <a:defRPr sz="1800" i="1" kern="1200" baseline="0">
-                <a:solidFill>
-                  <a:schemeClr val="tx2"/>
-                </a:solidFill>
-                <a:latin typeface="+mn-lt"/>
-                <a:ea typeface="+mn-ea"/>
-                <a:cs typeface="+mn-cs"/>
-              </a:defRPr>
-            </a:lvl4pPr>
-            <a:lvl5pPr marL="2286000" indent="-384048" algn="l" defTabSz="914400" rtl="0" eaLnBrk="1" latinLnBrk="0" hangingPunct="1">
-              <a:lnSpc>
-                <a:spcPct val="94000"/>
-              </a:lnSpc>
-              <a:spcBef>
-                <a:spcPts val="500"/>
-              </a:spcBef>
-              <a:spcAft>
-                <a:spcPts val="200"/>
-              </a:spcAft>
-              <a:buFont typeface="Franklin Gothic Book" panose="020B0503020102020204" pitchFamily="34" charset="0"/>
-              <a:buChar char="■"/>
-              <a:defRPr sz="1600" kern="1200" baseline="0">
-                <a:solidFill>
-                  <a:schemeClr val="tx2"/>
-                </a:solidFill>
-                <a:latin typeface="+mn-lt"/>
-                <a:ea typeface="+mn-ea"/>
-                <a:cs typeface="+mn-cs"/>
-              </a:defRPr>
-            </a:lvl5pPr>
-            <a:lvl6pPr marL="2743200" indent="-384048" algn="l" defTabSz="914400" rtl="0" eaLnBrk="1" latinLnBrk="0" hangingPunct="1">
-              <a:lnSpc>
-                <a:spcPct val="94000"/>
-              </a:lnSpc>
-              <a:spcBef>
-                <a:spcPts val="500"/>
-              </a:spcBef>
-              <a:spcAft>
-                <a:spcPts val="200"/>
-              </a:spcAft>
-              <a:buFont typeface="Franklin Gothic Book" panose="020B0503020102020204" pitchFamily="34" charset="0"/>
-              <a:buChar char="–"/>
-              <a:defRPr sz="1600" i="1" kern="1200" baseline="0">
-                <a:solidFill>
-                  <a:schemeClr val="tx2"/>
-                </a:solidFill>
-                <a:latin typeface="+mn-lt"/>
-                <a:ea typeface="+mn-ea"/>
-                <a:cs typeface="+mn-cs"/>
-              </a:defRPr>
-            </a:lvl6pPr>
-            <a:lvl7pPr marL="3200400" indent="-384048" algn="l" defTabSz="914400" rtl="0" eaLnBrk="1" latinLnBrk="0" hangingPunct="1">
-              <a:lnSpc>
-                <a:spcPct val="94000"/>
-              </a:lnSpc>
-              <a:spcBef>
-                <a:spcPts val="500"/>
-              </a:spcBef>
-              <a:spcAft>
-                <a:spcPts val="200"/>
-              </a:spcAft>
-              <a:buFont typeface="Franklin Gothic Book" panose="020B0503020102020204" pitchFamily="34" charset="0"/>
-              <a:buChar char="■"/>
-              <a:defRPr sz="1400" kern="1200" baseline="0">
-                <a:solidFill>
-                  <a:schemeClr val="tx2"/>
-                </a:solidFill>
-                <a:latin typeface="+mn-lt"/>
-                <a:ea typeface="+mn-ea"/>
-                <a:cs typeface="+mn-cs"/>
-              </a:defRPr>
-            </a:lvl7pPr>
-            <a:lvl8pPr marL="3657600" indent="-384048" algn="l" defTabSz="914400" rtl="0" eaLnBrk="1" latinLnBrk="0" hangingPunct="1">
-              <a:lnSpc>
-                <a:spcPct val="94000"/>
-              </a:lnSpc>
-              <a:spcBef>
-                <a:spcPts val="500"/>
-              </a:spcBef>
-              <a:spcAft>
-                <a:spcPts val="200"/>
-              </a:spcAft>
-              <a:buFont typeface="Franklin Gothic Book" panose="020B0503020102020204" pitchFamily="34" charset="0"/>
-              <a:buChar char="–"/>
-              <a:defRPr sz="1400" i="1" kern="1200" baseline="0">
-                <a:solidFill>
-                  <a:schemeClr val="tx2"/>
-                </a:solidFill>
-                <a:latin typeface="+mn-lt"/>
-                <a:ea typeface="+mn-ea"/>
-                <a:cs typeface="+mn-cs"/>
-              </a:defRPr>
-            </a:lvl8pPr>
-            <a:lvl9pPr marL="4114800" indent="-384048" algn="l" defTabSz="914400" rtl="0" eaLnBrk="1" latinLnBrk="0" hangingPunct="1">
-              <a:lnSpc>
-                <a:spcPct val="94000"/>
-              </a:lnSpc>
-              <a:spcBef>
-                <a:spcPts val="500"/>
-              </a:spcBef>
-              <a:spcAft>
-                <a:spcPts val="200"/>
-              </a:spcAft>
-              <a:buFont typeface="Franklin Gothic Book" panose="020B0503020102020204" pitchFamily="34" charset="0"/>
-              <a:buChar char="■"/>
-              <a:defRPr sz="1400" kern="1200" baseline="0">
-                <a:solidFill>
-                  <a:schemeClr val="tx2"/>
-                </a:solidFill>
-                <a:latin typeface="+mn-lt"/>
-                <a:ea typeface="+mn-ea"/>
-                <a:cs typeface="+mn-cs"/>
-              </a:defRPr>
-            </a:lvl9pPr>
-          </a:lstStyle>
-          <a:p>
-            <a:endParaRPr lang="en-US" dirty="0"/>
-          </a:p>
-        </p:txBody>
-      </p:sp>
-      <p:sp>
-        <p:nvSpPr>
-          <p:cNvPr id="8" name="TextBox 7">
-            <a:extLst>
-              <a:ext uri="{FF2B5EF4-FFF2-40B4-BE49-F238E27FC236}">
-                <a16:creationId xmlns:a16="http://schemas.microsoft.com/office/drawing/2014/main" id="{DA1EC543-1113-4EC4-B98F-317D59E16CCE}"/>
-              </a:ext>
-            </a:extLst>
-          </p:cNvPr>
-          <p:cNvSpPr txBox="1"/>
-          <p:nvPr/>
-        </p:nvSpPr>
-        <p:spPr>
-          <a:xfrm>
-            <a:off x="6425961" y="1068743"/>
-            <a:ext cx="5001267" cy="2308324"/>
-          </a:xfrm>
-          <a:prstGeom prst="rect">
-            <a:avLst/>
-          </a:prstGeom>
-          <a:noFill/>
-        </p:spPr>
-        <p:txBody>
-          <a:bodyPr wrap="square" rtlCol="0">
-            <a:spAutoFit/>
-          </a:bodyPr>
-          <a:lstStyle/>
-          <a:p>
-            <a:r>
-              <a:rPr lang="en-US" i="1" dirty="0"/>
-              <a:t>x samples {5,10,15,20]; y labels=[3,4,3,5]</a:t>
-            </a:r>
-          </a:p>
-          <a:p>
-            <a:endParaRPr lang="en-US" b="1" dirty="0"/>
-          </a:p>
-          <a:p>
-            <a:r>
-              <a:rPr lang="en-US" b="1" dirty="0"/>
-              <a:t>Algorithm</a:t>
-            </a:r>
-            <a:r>
-              <a:rPr lang="en-US" dirty="0"/>
-              <a:t>:</a:t>
-            </a:r>
-          </a:p>
-          <a:p>
-            <a:pPr marL="285750" indent="-285750">
-              <a:buFontTx/>
-              <a:buChar char="-"/>
-            </a:pPr>
-            <a:r>
-              <a:rPr lang="en-US" dirty="0"/>
-              <a:t>Choose random W</a:t>
-            </a:r>
-            <a:r>
-              <a:rPr lang="en-US" baseline="-25000" dirty="0"/>
-              <a:t>0</a:t>
-            </a:r>
-            <a:r>
-              <a:rPr lang="en-US" dirty="0"/>
-              <a:t>,W</a:t>
-            </a:r>
-            <a:r>
-              <a:rPr lang="en-US" baseline="-25000" dirty="0"/>
-              <a:t>1 </a:t>
-            </a:r>
-            <a:endParaRPr lang="en-US" dirty="0"/>
-          </a:p>
-          <a:p>
-            <a:pPr marL="285750" indent="-285750">
-              <a:buFontTx/>
-              <a:buChar char="-"/>
-            </a:pPr>
-            <a:r>
-              <a:rPr lang="en-US" dirty="0"/>
-              <a:t>Calculate Error (MSE - Mean Square Error)</a:t>
-            </a:r>
-          </a:p>
-          <a:p>
-            <a:pPr marL="285750" indent="-285750">
-              <a:buFontTx/>
-              <a:buChar char="-"/>
-            </a:pPr>
-            <a:r>
-              <a:rPr lang="en-US" dirty="0"/>
-              <a:t>Adjust W to minimize MSE (</a:t>
-            </a:r>
-            <a:r>
-              <a:rPr lang="en-US" b="1" dirty="0"/>
-              <a:t>Gradient Descent</a:t>
-            </a:r>
-            <a:r>
-              <a:rPr lang="en-US" dirty="0"/>
-              <a:t>)</a:t>
-            </a:r>
-          </a:p>
-          <a:p>
-            <a:pPr marL="285750" indent="-285750">
-              <a:buFontTx/>
-              <a:buChar char="-"/>
-            </a:pPr>
-            <a:r>
-              <a:rPr lang="en-US" dirty="0"/>
-              <a:t>Iterate until minimum error</a:t>
-            </a:r>
-          </a:p>
-          <a:p>
-            <a:endParaRPr lang="en-US" dirty="0"/>
-          </a:p>
-        </p:txBody>
-      </p:sp>
-      <p:sp>
-        <p:nvSpPr>
-          <p:cNvPr id="9" name="TextBox 8">
-            <a:extLst>
-              <a:ext uri="{FF2B5EF4-FFF2-40B4-BE49-F238E27FC236}">
-                <a16:creationId xmlns:a16="http://schemas.microsoft.com/office/drawing/2014/main" id="{91835F0D-A177-4686-AE9C-D6CC013A80F4}"/>
-              </a:ext>
-            </a:extLst>
-          </p:cNvPr>
-          <p:cNvSpPr txBox="1"/>
-          <p:nvPr/>
-        </p:nvSpPr>
-        <p:spPr>
-          <a:xfrm>
-            <a:off x="5891999" y="3103408"/>
-            <a:ext cx="2132329" cy="261610"/>
-          </a:xfrm>
-          <a:prstGeom prst="rect">
-            <a:avLst/>
-          </a:prstGeom>
-          <a:noFill/>
-        </p:spPr>
-        <p:txBody>
-          <a:bodyPr wrap="square" rtlCol="0">
-            <a:spAutoFit/>
-          </a:bodyPr>
-          <a:lstStyle/>
-          <a:p>
-            <a:r>
-              <a:rPr lang="en-US" sz="1100" u="sng" dirty="0"/>
-              <a:t>10 </a:t>
-            </a:r>
-            <a:r>
-              <a:rPr lang="en-US" sz="1100" u="sng" dirty="0" err="1"/>
-              <a:t>SqM</a:t>
-            </a:r>
-            <a:endParaRPr lang="en-US" sz="1100" u="sng" dirty="0"/>
-          </a:p>
-        </p:txBody>
-      </p:sp>
-      <p:sp>
-        <p:nvSpPr>
-          <p:cNvPr id="11" name="TextBox 10">
-            <a:extLst>
-              <a:ext uri="{FF2B5EF4-FFF2-40B4-BE49-F238E27FC236}">
-                <a16:creationId xmlns:a16="http://schemas.microsoft.com/office/drawing/2014/main" id="{AA3FEAE4-D6C9-460F-A140-EC49558C6721}"/>
-              </a:ext>
-            </a:extLst>
-          </p:cNvPr>
-          <p:cNvSpPr txBox="1"/>
-          <p:nvPr/>
-        </p:nvSpPr>
-        <p:spPr>
-          <a:xfrm rot="16200000">
-            <a:off x="110951" y="1160135"/>
-            <a:ext cx="2132329" cy="261610"/>
-          </a:xfrm>
-          <a:prstGeom prst="rect">
-            <a:avLst/>
-          </a:prstGeom>
-          <a:noFill/>
-        </p:spPr>
-        <p:txBody>
-          <a:bodyPr wrap="square" rtlCol="0">
-            <a:spAutoFit/>
-          </a:bodyPr>
-          <a:lstStyle/>
-          <a:p>
-            <a:r>
-              <a:rPr lang="en-US" sz="1100" u="sng" dirty="0"/>
-              <a:t>100’s $</a:t>
-            </a:r>
-          </a:p>
-        </p:txBody>
-      </p:sp>
-      <mc:AlternateContent xmlns:mc="http://schemas.openxmlformats.org/markup-compatibility/2006" xmlns:a14="http://schemas.microsoft.com/office/drawing/2010/main">
-        <mc:Choice Requires="a14">
-          <p:sp>
-            <p:nvSpPr>
-              <p:cNvPr id="12" name="TextBox 11">
-                <a:extLst>
-                  <a:ext uri="{FF2B5EF4-FFF2-40B4-BE49-F238E27FC236}">
-                    <a16:creationId xmlns:a16="http://schemas.microsoft.com/office/drawing/2014/main" id="{97072DA4-4D02-480C-BF22-44BD5895F9C8}"/>
-                  </a:ext>
-                </a:extLst>
-              </p:cNvPr>
-              <p:cNvSpPr txBox="1"/>
-              <p:nvPr/>
-            </p:nvSpPr>
-            <p:spPr>
-              <a:xfrm>
-                <a:off x="1065313" y="3481520"/>
-                <a:ext cx="4238208" cy="2715552"/>
-              </a:xfrm>
-              <a:prstGeom prst="rect">
-                <a:avLst/>
-              </a:prstGeom>
-              <a:noFill/>
-            </p:spPr>
-            <p:txBody>
-              <a:bodyPr wrap="square" rtlCol="0">
-                <a:spAutoFit/>
-              </a:bodyPr>
-              <a:lstStyle/>
-              <a:p>
-                <a:r>
-                  <a:rPr lang="en-US" b="1" dirty="0"/>
-                  <a:t>Iteration:</a:t>
-                </a:r>
-              </a:p>
-              <a:p>
-                <a:pPr marL="285750" indent="-285750">
-                  <a:buFontTx/>
-                  <a:buChar char="-"/>
-                </a:pPr>
-                <a:r>
-                  <a:rPr lang="en-US" dirty="0"/>
-                  <a:t>Set W</a:t>
-                </a:r>
-                <a:r>
-                  <a:rPr lang="en-US" baseline="-25000" dirty="0"/>
-                  <a:t>0</a:t>
-                </a:r>
-                <a:r>
-                  <a:rPr lang="en-US" dirty="0"/>
-                  <a:t>,W</a:t>
-                </a:r>
-                <a:r>
-                  <a:rPr lang="en-US" baseline="-25000" dirty="0"/>
-                  <a:t>1</a:t>
-                </a:r>
-                <a:r>
-                  <a:rPr lang="en-US" dirty="0"/>
-                  <a:t> = 1,1 </a:t>
-                </a:r>
-                <a:r>
-                  <a:rPr lang="en-US" dirty="0" err="1"/>
-                  <a:t>ie</a:t>
-                </a:r>
-                <a:r>
-                  <a:rPr lang="en-US" dirty="0"/>
-                  <a:t>, y = x + 1</a:t>
-                </a:r>
-              </a:p>
-              <a:p>
-                <a:pPr marL="285750" indent="-285750">
-                  <a:buFontTx/>
-                  <a:buChar char="-"/>
-                </a:pPr>
-                <a:r>
-                  <a:rPr lang="en-US" dirty="0"/>
-                  <a:t>Calculate Error(E) - MSE = </a:t>
-                </a:r>
-                <a14:m>
-                  <m:oMath xmlns:m="http://schemas.openxmlformats.org/officeDocument/2006/math">
-                    <m:r>
-                      <m:rPr>
-                        <m:sty m:val="p"/>
-                      </m:rPr>
-                      <a:rPr lang="el-GR" i="0" dirty="0" smtClean="0">
-                        <a:latin typeface="Cambria Math" panose="02040503050406030204" pitchFamily="18" charset="0"/>
-                      </a:rPr>
-                      <m:t>Σ</m:t>
-                    </m:r>
-                  </m:oMath>
-                </a14:m>
-                <a:r>
-                  <a:rPr lang="en-US" dirty="0"/>
-                  <a:t>(</a:t>
-                </a:r>
-                <a:r>
-                  <a:rPr lang="en-US" dirty="0" err="1"/>
-                  <a:t>y</a:t>
-                </a:r>
-                <a:r>
-                  <a:rPr lang="en-US" baseline="30000" dirty="0" err="1"/>
-                  <a:t>i</a:t>
-                </a:r>
-                <a:r>
-                  <a:rPr lang="en-US" dirty="0"/>
-                  <a:t> – f(x</a:t>
-                </a:r>
-                <a:r>
-                  <a:rPr lang="en-US" baseline="30000" dirty="0"/>
-                  <a:t>i</a:t>
-                </a:r>
-                <a:r>
-                  <a:rPr lang="en-US" dirty="0"/>
-                  <a:t>))</a:t>
-                </a:r>
-              </a:p>
-              <a:p>
-                <a:pPr marL="285750" indent="-285750">
-                  <a:buFontTx/>
-                  <a:buChar char="-"/>
-                </a:pPr>
-                <a:r>
-                  <a:rPr lang="en-US" dirty="0"/>
-                  <a:t>Calculate Gradients - </a:t>
-                </a:r>
-                <a14:m>
-                  <m:oMath xmlns:m="http://schemas.openxmlformats.org/officeDocument/2006/math">
-                    <m:f>
-                      <m:fPr>
-                        <m:ctrlPr>
-                          <a:rPr lang="en-US" i="1">
-                            <a:latin typeface="Cambria Math" panose="02040503050406030204" pitchFamily="18" charset="0"/>
-                          </a:rPr>
-                        </m:ctrlPr>
-                      </m:fPr>
-                      <m:num>
-                        <m:r>
-                          <a:rPr lang="en-US" i="1">
-                            <a:latin typeface="Cambria Math" panose="02040503050406030204" pitchFamily="18" charset="0"/>
-                          </a:rPr>
-                          <m:t>𝜕</m:t>
-                        </m:r>
-                        <m:r>
-                          <a:rPr lang="en-US" i="1">
-                            <a:latin typeface="Cambria Math" panose="02040503050406030204" pitchFamily="18" charset="0"/>
-                          </a:rPr>
-                          <m:t>𝐸</m:t>
-                        </m:r>
-                      </m:num>
-                      <m:den>
-                        <m:r>
-                          <a:rPr lang="en-US" i="1">
-                            <a:latin typeface="Cambria Math" panose="02040503050406030204" pitchFamily="18" charset="0"/>
-                          </a:rPr>
-                          <m:t>𝜕</m:t>
-                        </m:r>
-                        <m:r>
-                          <m:rPr>
-                            <m:nor/>
-                          </m:rPr>
-                          <a:rPr lang="en-US" i="1" dirty="0">
-                            <a:latin typeface="Cambria Math" panose="02040503050406030204" pitchFamily="18" charset="0"/>
-                          </a:rPr>
-                          <m:t>W</m:t>
-                        </m:r>
-                        <m:r>
-                          <m:rPr>
-                            <m:nor/>
-                          </m:rPr>
-                          <a:rPr lang="en-US" i="1" baseline="-25000" dirty="0">
-                            <a:latin typeface="Cambria Math" panose="02040503050406030204" pitchFamily="18" charset="0"/>
-                          </a:rPr>
-                          <m:t>0</m:t>
-                        </m:r>
-                      </m:den>
-                    </m:f>
-                  </m:oMath>
-                </a14:m>
-                <a:r>
-                  <a:rPr lang="en-US" i="1" dirty="0">
-                    <a:latin typeface="Cambria Math" panose="02040503050406030204" pitchFamily="18" charset="0"/>
-                  </a:rPr>
-                  <a:t> </a:t>
-                </a:r>
-                <a:r>
-                  <a:rPr lang="en-US" dirty="0">
-                    <a:latin typeface="Cambria Math" panose="02040503050406030204" pitchFamily="18" charset="0"/>
-                  </a:rPr>
-                  <a:t>and </a:t>
-                </a:r>
-                <a14:m>
-                  <m:oMath xmlns:m="http://schemas.openxmlformats.org/officeDocument/2006/math">
-                    <m:f>
-                      <m:fPr>
-                        <m:ctrlPr>
-                          <a:rPr lang="en-US" i="1">
-                            <a:latin typeface="Cambria Math" panose="02040503050406030204" pitchFamily="18" charset="0"/>
-                          </a:rPr>
-                        </m:ctrlPr>
-                      </m:fPr>
-                      <m:num>
-                        <m:r>
-                          <a:rPr lang="en-US" i="1">
-                            <a:latin typeface="Cambria Math" panose="02040503050406030204" pitchFamily="18" charset="0"/>
-                          </a:rPr>
-                          <m:t>𝜕</m:t>
-                        </m:r>
-                        <m:r>
-                          <a:rPr lang="en-US" i="1">
-                            <a:latin typeface="Cambria Math" panose="02040503050406030204" pitchFamily="18" charset="0"/>
-                          </a:rPr>
-                          <m:t>𝐸</m:t>
-                        </m:r>
-                      </m:num>
-                      <m:den>
-                        <m:r>
-                          <a:rPr lang="en-US" i="1">
-                            <a:latin typeface="Cambria Math" panose="02040503050406030204" pitchFamily="18" charset="0"/>
-                          </a:rPr>
-                          <m:t>𝜕</m:t>
-                        </m:r>
-                        <m:r>
-                          <m:rPr>
-                            <m:nor/>
-                          </m:rPr>
-                          <a:rPr lang="en-US" i="1" dirty="0">
-                            <a:latin typeface="Cambria Math" panose="02040503050406030204" pitchFamily="18" charset="0"/>
-                          </a:rPr>
-                          <m:t>W</m:t>
-                        </m:r>
-                        <m:r>
-                          <m:rPr>
-                            <m:nor/>
-                          </m:rPr>
-                          <a:rPr lang="en-US" b="0" i="1" baseline="-25000" dirty="0" smtClean="0">
-                            <a:latin typeface="Cambria Math" panose="02040503050406030204" pitchFamily="18" charset="0"/>
-                          </a:rPr>
-                          <m:t>1</m:t>
-                        </m:r>
-                      </m:den>
-                    </m:f>
-                  </m:oMath>
-                </a14:m>
-                <a:r>
-                  <a:rPr lang="en-US" i="1" dirty="0">
-                    <a:latin typeface="Cambria Math" panose="02040503050406030204" pitchFamily="18" charset="0"/>
-                  </a:rPr>
-                  <a:t> </a:t>
-                </a:r>
-                <a:endParaRPr lang="en-US" dirty="0">
-                  <a:latin typeface="Cambria Math" panose="02040503050406030204" pitchFamily="18" charset="0"/>
-                </a:endParaRPr>
-              </a:p>
-              <a:p>
-                <a:pPr marL="285750" indent="-285750">
-                  <a:buFontTx/>
-                  <a:buChar char="-"/>
-                </a:pPr>
-                <a:r>
-                  <a:rPr lang="en-US" dirty="0"/>
-                  <a:t>Adjust W</a:t>
-                </a:r>
-                <a:r>
-                  <a:rPr lang="en-US" baseline="-25000" dirty="0"/>
-                  <a:t>0</a:t>
-                </a:r>
-                <a:r>
-                  <a:rPr lang="en-US" dirty="0"/>
-                  <a:t>,W</a:t>
-                </a:r>
-                <a:r>
-                  <a:rPr lang="en-US" baseline="-25000" dirty="0"/>
-                  <a:t>1</a:t>
-                </a:r>
-                <a:r>
-                  <a:rPr lang="en-US" dirty="0"/>
-                  <a:t> by Gradients</a:t>
-                </a:r>
-              </a:p>
-              <a:p>
-                <a:pPr marL="285750" indent="-285750">
-                  <a:buFontTx/>
-                  <a:buChar char="-"/>
-                </a:pPr>
-                <a:r>
-                  <a:rPr lang="en-US" dirty="0"/>
-                  <a:t>Iterate until Error is </a:t>
-                </a:r>
-                <a:r>
-                  <a:rPr lang="en-US" dirty="0" err="1"/>
-                  <a:t>mimimized</a:t>
-                </a:r>
-                <a:endParaRPr lang="en-US" dirty="0"/>
-              </a:p>
-              <a:p>
-                <a:r>
-                  <a:rPr lang="en-US" dirty="0"/>
-                  <a:t> </a:t>
-                </a:r>
-              </a:p>
-              <a:p>
-                <a:endParaRPr lang="en-US" dirty="0"/>
-              </a:p>
-              <a:p>
-                <a:endParaRPr lang="en-US" dirty="0"/>
-              </a:p>
-            </p:txBody>
-          </p:sp>
-        </mc:Choice>
-        <mc:Fallback xmlns="">
-          <p:sp>
-            <p:nvSpPr>
-              <p:cNvPr id="12" name="TextBox 11">
-                <a:extLst>
-                  <a:ext uri="{FF2B5EF4-FFF2-40B4-BE49-F238E27FC236}">
-                    <a16:creationId xmlns:a16="http://schemas.microsoft.com/office/drawing/2014/main" id="{97072DA4-4D02-480C-BF22-44BD5895F9C8}"/>
-                  </a:ext>
-                </a:extLst>
-              </p:cNvPr>
-              <p:cNvSpPr txBox="1">
-                <a:spLocks noRot="1" noChangeAspect="1" noMove="1" noResize="1" noEditPoints="1" noAdjustHandles="1" noChangeArrowheads="1" noChangeShapeType="1" noTextEdit="1"/>
-              </p:cNvSpPr>
-              <p:nvPr/>
-            </p:nvSpPr>
-            <p:spPr>
-              <a:xfrm>
-                <a:off x="1065313" y="3481520"/>
-                <a:ext cx="4238208" cy="2715552"/>
-              </a:xfrm>
-              <a:prstGeom prst="rect">
-                <a:avLst/>
-              </a:prstGeom>
-              <a:blipFill>
-                <a:blip r:embed="rId3"/>
-                <a:stretch>
-                  <a:fillRect l="-1295" t="-1121"/>
-                </a:stretch>
-              </a:blipFill>
-            </p:spPr>
-            <p:txBody>
-              <a:bodyPr/>
-              <a:lstStyle/>
-              <a:p>
-                <a:r>
-                  <a:rPr lang="en-US">
-                    <a:noFill/>
-                  </a:rPr>
-                  <a:t> </a:t>
-                </a:r>
-              </a:p>
-            </p:txBody>
-          </p:sp>
-        </mc:Fallback>
-      </mc:AlternateContent>
-      <p:graphicFrame>
-        <p:nvGraphicFramePr>
-          <p:cNvPr id="10" name="Content Placeholder 6">
-            <a:extLst>
-              <a:ext uri="{FF2B5EF4-FFF2-40B4-BE49-F238E27FC236}">
-                <a16:creationId xmlns:a16="http://schemas.microsoft.com/office/drawing/2014/main" id="{BA4F4E91-13F5-4668-A92D-800B3C02DA3A}"/>
-              </a:ext>
-            </a:extLst>
-          </p:cNvPr>
-          <p:cNvGraphicFramePr>
-            <a:graphicFrameLocks/>
-          </p:cNvGraphicFramePr>
-          <p:nvPr>
-            <p:extLst>
-              <p:ext uri="{D42A27DB-BD31-4B8C-83A1-F6EECF244321}">
-                <p14:modId xmlns:p14="http://schemas.microsoft.com/office/powerpoint/2010/main" val="945767141"/>
-              </p:ext>
-            </p:extLst>
-          </p:nvPr>
-        </p:nvGraphicFramePr>
-        <p:xfrm>
-          <a:off x="6183168" y="3654066"/>
-          <a:ext cx="5698489" cy="3090327"/>
-        </p:xfrm>
-        <a:graphic>
-          <a:graphicData uri="http://schemas.openxmlformats.org/drawingml/2006/chart">
-            <c:chart xmlns:c="http://schemas.openxmlformats.org/drawingml/2006/chart" xmlns:r="http://schemas.openxmlformats.org/officeDocument/2006/relationships" r:id="rId4"/>
-          </a:graphicData>
-        </a:graphic>
-      </p:graphicFrame>
-    </p:spTree>
-    <p:extLst>
-      <p:ext uri="{BB962C8B-B14F-4D97-AF65-F5344CB8AC3E}">
-        <p14:creationId xmlns:p14="http://schemas.microsoft.com/office/powerpoint/2010/main" val="2191367291"/>
-      </p:ext>
-    </p:extLst>
-  </p:cSld>
-  <p:clrMapOvr>
-    <a:masterClrMapping/>
-  </p:clrMapOvr>
-</p:sld>
-</file>
-
-<file path=ppt/slides/slide12.xml><?xml version="1.0" encoding="utf-8"?>
 <p:sld xmlns:a="http://schemas.openxmlformats.org/drawingml/2006/main" xmlns:r="http://schemas.openxmlformats.org/officeDocument/2006/relationships" xmlns:p="http://schemas.openxmlformats.org/presentationml/2006/main">
   <p:cSld>
     <p:spTree>
@@ -28908,7 +28346,7 @@
 </p:sld>
 </file>
 
-<file path=ppt/slides/slide13.xml><?xml version="1.0" encoding="utf-8"?>
+<file path=ppt/slides/slide12.xml><?xml version="1.0" encoding="utf-8"?>
 <p:sld xmlns:a="http://schemas.openxmlformats.org/drawingml/2006/main" xmlns:r="http://schemas.openxmlformats.org/officeDocument/2006/relationships" xmlns:p="http://schemas.openxmlformats.org/presentationml/2006/main">
   <p:cSld>
     <p:spTree>
@@ -29397,7 +28835,7 @@
 </p:sld>
 </file>
 
-<file path=ppt/slides/slide14.xml><?xml version="1.0" encoding="utf-8"?>
+<file path=ppt/slides/slide13.xml><?xml version="1.0" encoding="utf-8"?>
 <p:sld xmlns:a="http://schemas.openxmlformats.org/drawingml/2006/main" xmlns:r="http://schemas.openxmlformats.org/officeDocument/2006/relationships" xmlns:p="http://schemas.openxmlformats.org/presentationml/2006/main">
   <p:cSld>
     <p:spTree>
@@ -29899,7 +29337,7 @@
 </p:sld>
 </file>
 
-<file path=ppt/slides/slide15.xml><?xml version="1.0" encoding="utf-8"?>
+<file path=ppt/slides/slide14.xml><?xml version="1.0" encoding="utf-8"?>
 <p:sld xmlns:a="http://schemas.openxmlformats.org/drawingml/2006/main" xmlns:r="http://schemas.openxmlformats.org/officeDocument/2006/relationships" xmlns:p="http://schemas.openxmlformats.org/presentationml/2006/main">
   <p:cSld>
     <p:spTree>
@@ -30361,7 +29799,7 @@
 </p:sld>
 </file>
 
-<file path=ppt/slides/slide16.xml><?xml version="1.0" encoding="utf-8"?>
+<file path=ppt/slides/slide15.xml><?xml version="1.0" encoding="utf-8"?>
 <p:sld xmlns:a="http://schemas.openxmlformats.org/drawingml/2006/main" xmlns:r="http://schemas.openxmlformats.org/officeDocument/2006/relationships" xmlns:p="http://schemas.openxmlformats.org/presentationml/2006/main">
   <p:cSld>
     <p:spTree>
@@ -30726,7 +30164,7 @@
 </p:sld>
 </file>
 
-<file path=ppt/slides/slide17.xml><?xml version="1.0" encoding="utf-8"?>
+<file path=ppt/slides/slide16.xml><?xml version="1.0" encoding="utf-8"?>
 <p:sld xmlns:a="http://schemas.openxmlformats.org/drawingml/2006/main" xmlns:r="http://schemas.openxmlformats.org/officeDocument/2006/relationships" xmlns:p="http://schemas.openxmlformats.org/presentationml/2006/main">
   <p:cSld>
     <p:spTree>
@@ -31870,7 +31308,7 @@
 </p:sld>
 </file>
 
-<file path=ppt/slides/slide18.xml><?xml version="1.0" encoding="utf-8"?>
+<file path=ppt/slides/slide17.xml><?xml version="1.0" encoding="utf-8"?>
 <p:sld xmlns:a="http://schemas.openxmlformats.org/drawingml/2006/main" xmlns:r="http://schemas.openxmlformats.org/officeDocument/2006/relationships" xmlns:p="http://schemas.openxmlformats.org/presentationml/2006/main">
   <p:cSld>
     <p:spTree>
@@ -32337,7 +31775,7 @@
 </p:sld>
 </file>
 
-<file path=ppt/slides/slide19.xml><?xml version="1.0" encoding="utf-8"?>
+<file path=ppt/slides/slide18.xml><?xml version="1.0" encoding="utf-8"?>
 <p:sld xmlns:a="http://schemas.openxmlformats.org/drawingml/2006/main" xmlns:r="http://schemas.openxmlformats.org/officeDocument/2006/relationships" xmlns:p="http://schemas.openxmlformats.org/presentationml/2006/main">
   <p:cSld>
     <p:spTree>
@@ -32773,193 +32211,7 @@
 </p:sld>
 </file>
 
-<file path=ppt/slides/slide2.xml><?xml version="1.0" encoding="utf-8"?>
-<p:sld xmlns:a="http://schemas.openxmlformats.org/drawingml/2006/main" xmlns:r="http://schemas.openxmlformats.org/officeDocument/2006/relationships" xmlns:p="http://schemas.openxmlformats.org/presentationml/2006/main">
-  <p:cSld>
-    <p:spTree>
-      <p:nvGrpSpPr>
-        <p:cNvPr id="1" name=""/>
-        <p:cNvGrpSpPr/>
-        <p:nvPr/>
-      </p:nvGrpSpPr>
-      <p:grpSpPr>
-        <a:xfrm>
-          <a:off x="0" y="0"/>
-          <a:ext cx="0" cy="0"/>
-          <a:chOff x="0" y="0"/>
-          <a:chExt cx="0" cy="0"/>
-        </a:xfrm>
-      </p:grpSpPr>
-      <p:sp>
-        <p:nvSpPr>
-          <p:cNvPr id="2" name="Title 1">
-            <a:extLst>
-              <a:ext uri="{FF2B5EF4-FFF2-40B4-BE49-F238E27FC236}">
-                <a16:creationId xmlns:a16="http://schemas.microsoft.com/office/drawing/2014/main" id="{E3AE6D77-A7F8-4F3F-B32B-E74CD59F0F03}"/>
-              </a:ext>
-            </a:extLst>
-          </p:cNvPr>
-          <p:cNvSpPr>
-            <a:spLocks noGrp="1"/>
-          </p:cNvSpPr>
-          <p:nvPr>
-            <p:ph type="title"/>
-          </p:nvPr>
-        </p:nvSpPr>
-        <p:spPr>
-          <a:xfrm>
-            <a:off x="1371600" y="685800"/>
-            <a:ext cx="9601200" cy="820947"/>
-          </a:xfrm>
-        </p:spPr>
-        <p:txBody>
-          <a:bodyPr/>
-          <a:lstStyle/>
-          <a:p>
-            <a:r>
-              <a:rPr lang="en-US" dirty="0" err="1"/>
-              <a:t>ToC</a:t>
-            </a:r>
-            <a:r>
-              <a:rPr lang="en-US" dirty="0"/>
-              <a:t> </a:t>
-            </a:r>
-          </a:p>
-        </p:txBody>
-      </p:sp>
-      <p:sp>
-        <p:nvSpPr>
-          <p:cNvPr id="3" name="Content Placeholder 2">
-            <a:extLst>
-              <a:ext uri="{FF2B5EF4-FFF2-40B4-BE49-F238E27FC236}">
-                <a16:creationId xmlns:a16="http://schemas.microsoft.com/office/drawing/2014/main" id="{8B6CA1B8-CD69-4CE2-8665-69A20A8E5EDC}"/>
-              </a:ext>
-            </a:extLst>
-          </p:cNvPr>
-          <p:cNvSpPr>
-            <a:spLocks noGrp="1"/>
-          </p:cNvSpPr>
-          <p:nvPr>
-            <p:ph idx="1"/>
-          </p:nvPr>
-        </p:nvSpPr>
-        <p:spPr>
-          <a:xfrm>
-            <a:off x="1371600" y="1506747"/>
-            <a:ext cx="10366310" cy="5677824"/>
-          </a:xfrm>
-        </p:spPr>
-        <p:txBody>
-          <a:bodyPr>
-            <a:normAutofit fontScale="92500" lnSpcReduction="10000"/>
-          </a:bodyPr>
-          <a:lstStyle/>
-          <a:p>
-            <a:r>
-              <a:rPr lang="en-US" dirty="0"/>
-              <a:t>AI 101</a:t>
-            </a:r>
-          </a:p>
-          <a:p>
-            <a:r>
-              <a:rPr lang="en-US" dirty="0"/>
-              <a:t>What is Machine Learning</a:t>
-            </a:r>
-          </a:p>
-          <a:p>
-            <a:r>
-              <a:rPr lang="en-US" dirty="0"/>
-              <a:t>History of AI / Machine Learning</a:t>
-            </a:r>
-          </a:p>
-          <a:p>
-            <a:r>
-              <a:rPr lang="en-US" dirty="0"/>
-              <a:t>Why ML So Hot Today ?</a:t>
-            </a:r>
-          </a:p>
-          <a:p>
-            <a:r>
-              <a:rPr lang="en-US" dirty="0"/>
-              <a:t>Classes of Machine Learning</a:t>
-            </a:r>
-          </a:p>
-          <a:p>
-            <a:r>
-              <a:rPr lang="en-US" dirty="0"/>
-              <a:t>Machine learning workflow</a:t>
-            </a:r>
-          </a:p>
-          <a:p>
-            <a:r>
-              <a:rPr lang="en-US" dirty="0"/>
-              <a:t>Example of “Machine Learning” – Linear Regression ? (the basics)</a:t>
-            </a:r>
-          </a:p>
-          <a:p>
-            <a:r>
-              <a:rPr lang="en-US" dirty="0"/>
-              <a:t>Example of “Machine Learning” – pt2</a:t>
-            </a:r>
-          </a:p>
-          <a:p>
-            <a:r>
-              <a:rPr lang="en-US" dirty="0"/>
-              <a:t>Example of “Machine Learning” – Logistic Regression</a:t>
-            </a:r>
-          </a:p>
-          <a:p>
-            <a:r>
-              <a:rPr lang="en-US" dirty="0"/>
-              <a:t>Computers and the Brain (von Neuman)</a:t>
-            </a:r>
-          </a:p>
-          <a:p>
-            <a:r>
-              <a:rPr lang="en-US" dirty="0"/>
-              <a:t>Extended example of “Machine Learning” – Neural Network</a:t>
-            </a:r>
-          </a:p>
-          <a:p>
-            <a:r>
-              <a:rPr lang="en-US" dirty="0"/>
-              <a:t>Types of Neural Networks, FF, CNN, RNN, </a:t>
-            </a:r>
-          </a:p>
-          <a:p>
-            <a:r>
-              <a:rPr lang="en-US" dirty="0"/>
-              <a:t>ML Landscape</a:t>
-            </a:r>
-          </a:p>
-          <a:p>
-            <a:r>
-              <a:rPr lang="en-US" dirty="0"/>
-              <a:t>State of AI &amp; Beware The Singularity ?</a:t>
-            </a:r>
-          </a:p>
-          <a:p>
-            <a:pPr marL="0" indent="0">
-              <a:buNone/>
-            </a:pPr>
-            <a:endParaRPr lang="en-US" dirty="0"/>
-          </a:p>
-        </p:txBody>
-      </p:sp>
-    </p:spTree>
-    <p:extLst>
-      <p:ext uri="{BB962C8B-B14F-4D97-AF65-F5344CB8AC3E}">
-        <p14:creationId xmlns:p14="http://schemas.microsoft.com/office/powerpoint/2010/main" val="3831731426"/>
-      </p:ext>
-    </p:extLst>
-  </p:cSld>
-  <p:clrMapOvr>
-    <a:masterClrMapping/>
-  </p:clrMapOvr>
-</p:sld>
-</file>
-
-<file path=ppt/slides/slide20.xml><?xml version="1.0" encoding="utf-8"?>
+<file path=ppt/slides/slide19.xml><?xml version="1.0" encoding="utf-8"?>
 <p:sld xmlns:a="http://schemas.openxmlformats.org/drawingml/2006/main" xmlns:r="http://schemas.openxmlformats.org/officeDocument/2006/relationships" xmlns:p="http://schemas.openxmlformats.org/presentationml/2006/main">
   <p:cSld>
     <p:spTree>
@@ -33378,7 +32630,193 @@
 </p:sld>
 </file>
 
-<file path=ppt/slides/slide21.xml><?xml version="1.0" encoding="utf-8"?>
+<file path=ppt/slides/slide2.xml><?xml version="1.0" encoding="utf-8"?>
+<p:sld xmlns:a="http://schemas.openxmlformats.org/drawingml/2006/main" xmlns:r="http://schemas.openxmlformats.org/officeDocument/2006/relationships" xmlns:p="http://schemas.openxmlformats.org/presentationml/2006/main">
+  <p:cSld>
+    <p:spTree>
+      <p:nvGrpSpPr>
+        <p:cNvPr id="1" name=""/>
+        <p:cNvGrpSpPr/>
+        <p:nvPr/>
+      </p:nvGrpSpPr>
+      <p:grpSpPr>
+        <a:xfrm>
+          <a:off x="0" y="0"/>
+          <a:ext cx="0" cy="0"/>
+          <a:chOff x="0" y="0"/>
+          <a:chExt cx="0" cy="0"/>
+        </a:xfrm>
+      </p:grpSpPr>
+      <p:sp>
+        <p:nvSpPr>
+          <p:cNvPr id="2" name="Title 1">
+            <a:extLst>
+              <a:ext uri="{FF2B5EF4-FFF2-40B4-BE49-F238E27FC236}">
+                <a16:creationId xmlns:a16="http://schemas.microsoft.com/office/drawing/2014/main" id="{E3AE6D77-A7F8-4F3F-B32B-E74CD59F0F03}"/>
+              </a:ext>
+            </a:extLst>
+          </p:cNvPr>
+          <p:cNvSpPr>
+            <a:spLocks noGrp="1"/>
+          </p:cNvSpPr>
+          <p:nvPr>
+            <p:ph type="title"/>
+          </p:nvPr>
+        </p:nvSpPr>
+        <p:spPr>
+          <a:xfrm>
+            <a:off x="1371600" y="685800"/>
+            <a:ext cx="9601200" cy="820947"/>
+          </a:xfrm>
+        </p:spPr>
+        <p:txBody>
+          <a:bodyPr/>
+          <a:lstStyle/>
+          <a:p>
+            <a:r>
+              <a:rPr lang="en-US" dirty="0" err="1"/>
+              <a:t>ToC</a:t>
+            </a:r>
+            <a:r>
+              <a:rPr lang="en-US" dirty="0"/>
+              <a:t> </a:t>
+            </a:r>
+          </a:p>
+        </p:txBody>
+      </p:sp>
+      <p:sp>
+        <p:nvSpPr>
+          <p:cNvPr id="3" name="Content Placeholder 2">
+            <a:extLst>
+              <a:ext uri="{FF2B5EF4-FFF2-40B4-BE49-F238E27FC236}">
+                <a16:creationId xmlns:a16="http://schemas.microsoft.com/office/drawing/2014/main" id="{8B6CA1B8-CD69-4CE2-8665-69A20A8E5EDC}"/>
+              </a:ext>
+            </a:extLst>
+          </p:cNvPr>
+          <p:cNvSpPr>
+            <a:spLocks noGrp="1"/>
+          </p:cNvSpPr>
+          <p:nvPr>
+            <p:ph idx="1"/>
+          </p:nvPr>
+        </p:nvSpPr>
+        <p:spPr>
+          <a:xfrm>
+            <a:off x="1371600" y="1506747"/>
+            <a:ext cx="10366310" cy="5677824"/>
+          </a:xfrm>
+        </p:spPr>
+        <p:txBody>
+          <a:bodyPr>
+            <a:normAutofit fontScale="92500" lnSpcReduction="10000"/>
+          </a:bodyPr>
+          <a:lstStyle/>
+          <a:p>
+            <a:r>
+              <a:rPr lang="en-US" dirty="0"/>
+              <a:t>AI 101</a:t>
+            </a:r>
+          </a:p>
+          <a:p>
+            <a:r>
+              <a:rPr lang="en-US" dirty="0"/>
+              <a:t>What is Machine Learning</a:t>
+            </a:r>
+          </a:p>
+          <a:p>
+            <a:r>
+              <a:rPr lang="en-US" dirty="0"/>
+              <a:t>History of AI / Machine Learning</a:t>
+            </a:r>
+          </a:p>
+          <a:p>
+            <a:r>
+              <a:rPr lang="en-US" dirty="0"/>
+              <a:t>Why ML So Hot Today ?</a:t>
+            </a:r>
+          </a:p>
+          <a:p>
+            <a:r>
+              <a:rPr lang="en-US" dirty="0"/>
+              <a:t>Classes of Machine Learning</a:t>
+            </a:r>
+          </a:p>
+          <a:p>
+            <a:r>
+              <a:rPr lang="en-US" dirty="0"/>
+              <a:t>Machine learning workflow</a:t>
+            </a:r>
+          </a:p>
+          <a:p>
+            <a:r>
+              <a:rPr lang="en-US" dirty="0"/>
+              <a:t>Example of “Machine Learning” – Linear Regression ? (the basics)</a:t>
+            </a:r>
+          </a:p>
+          <a:p>
+            <a:r>
+              <a:rPr lang="en-US" dirty="0"/>
+              <a:t>Example of “Machine Learning” – pt2</a:t>
+            </a:r>
+          </a:p>
+          <a:p>
+            <a:r>
+              <a:rPr lang="en-US" dirty="0"/>
+              <a:t>Example of “Machine Learning” – Logistic Regression</a:t>
+            </a:r>
+          </a:p>
+          <a:p>
+            <a:r>
+              <a:rPr lang="en-US" dirty="0"/>
+              <a:t>Computers and the Brain (von Neuman)</a:t>
+            </a:r>
+          </a:p>
+          <a:p>
+            <a:r>
+              <a:rPr lang="en-US" dirty="0"/>
+              <a:t>Extended example of “Machine Learning” – Neural Network</a:t>
+            </a:r>
+          </a:p>
+          <a:p>
+            <a:r>
+              <a:rPr lang="en-US" dirty="0"/>
+              <a:t>Types of Neural Networks, FF, CNN, RNN, </a:t>
+            </a:r>
+          </a:p>
+          <a:p>
+            <a:r>
+              <a:rPr lang="en-US" dirty="0"/>
+              <a:t>ML Landscape</a:t>
+            </a:r>
+          </a:p>
+          <a:p>
+            <a:r>
+              <a:rPr lang="en-US" dirty="0"/>
+              <a:t>State of AI &amp; Beware The Singularity ?</a:t>
+            </a:r>
+          </a:p>
+          <a:p>
+            <a:pPr marL="0" indent="0">
+              <a:buNone/>
+            </a:pPr>
+            <a:endParaRPr lang="en-US" dirty="0"/>
+          </a:p>
+        </p:txBody>
+      </p:sp>
+    </p:spTree>
+    <p:extLst>
+      <p:ext uri="{BB962C8B-B14F-4D97-AF65-F5344CB8AC3E}">
+        <p14:creationId xmlns:p14="http://schemas.microsoft.com/office/powerpoint/2010/main" val="3831731426"/>
+      </p:ext>
+    </p:extLst>
+  </p:cSld>
+  <p:clrMapOvr>
+    <a:masterClrMapping/>
+  </p:clrMapOvr>
+</p:sld>
+</file>
+
+<file path=ppt/slides/slide20.xml><?xml version="1.0" encoding="utf-8"?>
 <p:sld xmlns:a="http://schemas.openxmlformats.org/drawingml/2006/main" xmlns:r="http://schemas.openxmlformats.org/officeDocument/2006/relationships" xmlns:p="http://schemas.openxmlformats.org/presentationml/2006/main">
   <p:cSld>
     <p:spTree>
@@ -33837,7 +33275,7 @@
 </p:sld>
 </file>
 
-<file path=ppt/slides/slide22.xml><?xml version="1.0" encoding="utf-8"?>
+<file path=ppt/slides/slide21.xml><?xml version="1.0" encoding="utf-8"?>
 <p:sld xmlns:a="http://schemas.openxmlformats.org/drawingml/2006/main" xmlns:r="http://schemas.openxmlformats.org/officeDocument/2006/relationships" xmlns:p="http://schemas.openxmlformats.org/presentationml/2006/main">
   <p:cSld>
     <p:spTree>
@@ -34126,7 +33564,7 @@
         </p:nvSpPr>
         <p:spPr>
           <a:xfrm>
-            <a:off x="811898" y="6291703"/>
+            <a:off x="793237" y="6119336"/>
             <a:ext cx="11580284" cy="738664"/>
           </a:xfrm>
           <a:prstGeom prst="rect">
@@ -34154,6 +33592,12 @@
             </a:r>
           </a:p>
           <a:p>
+            <a:r>
+              <a:rPr lang="en-US" sz="1400" dirty="0">
+                <a:hlinkClick r:id="rId3"/>
+              </a:rPr>
+              <a:t>https://www.technologyreview.com/s/608911/is-ai-riding-a-one-trick-pony/</a:t>
+            </a:r>
             <a:endParaRPr lang="en-US" sz="1400" dirty="0"/>
           </a:p>
         </p:txBody>
@@ -34191,29 +33635,29 @@
           <a:p>
             <a:r>
               <a:rPr lang="en-US" dirty="0">
-                <a:hlinkClick r:id="rId3"/>
+                <a:hlinkClick r:id="rId4"/>
               </a:rPr>
               <a:t>“Stephen Hawking warns artificial intelligence could end mankind ...”</a:t>
             </a:r>
           </a:p>
           <a:p>
-            <a:r>
-              <a:rPr lang="en-US" dirty="0">
-                <a:hlinkClick r:id="rId3"/>
-              </a:rPr>
-              <a:t>“</a:t>
-            </a:r>
             <a:r>
               <a:rPr lang="en-US" dirty="0">
                 <a:hlinkClick r:id="rId4"/>
               </a:rPr>
+              <a:t>“</a:t>
+            </a:r>
+            <a:r>
+              <a:rPr lang="en-US" dirty="0">
+                <a:hlinkClick r:id="rId5"/>
+              </a:rPr>
               <a:t>Beware the singularity, says Skype founder | Stuff.co.nz”</a:t>
             </a:r>
           </a:p>
           <a:p>
             <a:r>
               <a:rPr lang="en-US" u="sng" dirty="0">
-                <a:hlinkClick r:id="rId5"/>
+                <a:hlinkClick r:id="rId6"/>
               </a:rPr>
               <a:t>The "Father of Artificial Intelligence" Says Singularity Is 30 Years Away ...</a:t>
             </a:r>
@@ -34223,7 +33667,7 @@
               <a:buNone/>
             </a:pPr>
             <a:endParaRPr lang="en-US" b="1" dirty="0">
-              <a:hlinkClick r:id="rId3"/>
+              <a:hlinkClick r:id="rId4"/>
             </a:endParaRPr>
           </a:p>
           <a:p>
@@ -34235,7 +33679,7 @@
               <a:t>The Singularity..</a:t>
             </a:r>
             <a:endParaRPr lang="en-US" dirty="0">
-              <a:hlinkClick r:id="rId3"/>
+              <a:hlinkClick r:id="rId4"/>
             </a:endParaRPr>
           </a:p>
           <a:p>
@@ -34273,7 +33717,7 @@
             </a:r>
             <a:r>
               <a:rPr lang="en-US" dirty="0">
-                <a:hlinkClick r:id="rId6"/>
+                <a:hlinkClick r:id="rId7"/>
               </a:rPr>
               <a:t>https://www.youtube.com/watch?v=ye5C-zlCAyM&amp;t=211s</a:t>
             </a:r>
@@ -34290,7 +33734,7 @@
             </a:r>
             <a:r>
               <a:rPr lang="en-US" i="0" dirty="0">
-                <a:hlinkClick r:id="rId7"/>
+                <a:hlinkClick r:id="rId8"/>
               </a:rPr>
               <a:t>AI Winter</a:t>
             </a:r>
@@ -34323,7 +33767,7 @@
           <p:nvPr/>
         </p:nvPicPr>
         <p:blipFill>
-          <a:blip r:embed="rId8"/>
+          <a:blip r:embed="rId9"/>
           <a:stretch>
             <a:fillRect/>
           </a:stretch>
@@ -34351,7 +33795,7 @@
 </p:sld>
 </file>
 
-<file path=ppt/slides/slide23.xml><?xml version="1.0" encoding="utf-8"?>
+<file path=ppt/slides/slide22.xml><?xml version="1.0" encoding="utf-8"?>
 <p:sld xmlns:a="http://schemas.openxmlformats.org/drawingml/2006/main" xmlns:r="http://schemas.openxmlformats.org/officeDocument/2006/relationships" xmlns:p="http://schemas.openxmlformats.org/presentationml/2006/main">
   <p:cSld>
     <p:spTree>
@@ -34798,6 +34242,1756 @@
 </p:sld>
 </file>
 
+<file path=ppt/slides/slide23.xml><?xml version="1.0" encoding="utf-8"?>
+<p:sld xmlns:a="http://schemas.openxmlformats.org/drawingml/2006/main" xmlns:r="http://schemas.openxmlformats.org/officeDocument/2006/relationships" xmlns:p="http://schemas.openxmlformats.org/presentationml/2006/main">
+  <p:cSld>
+    <p:spTree>
+      <p:nvGrpSpPr>
+        <p:cNvPr id="1" name=""/>
+        <p:cNvGrpSpPr/>
+        <p:nvPr/>
+      </p:nvGrpSpPr>
+      <p:grpSpPr>
+        <a:xfrm>
+          <a:off x="0" y="0"/>
+          <a:ext cx="0" cy="0"/>
+          <a:chOff x="0" y="0"/>
+          <a:chExt cx="0" cy="0"/>
+        </a:xfrm>
+      </p:grpSpPr>
+      <p:sp>
+        <p:nvSpPr>
+          <p:cNvPr id="2" name="Title 1">
+            <a:extLst>
+              <a:ext uri="{FF2B5EF4-FFF2-40B4-BE49-F238E27FC236}">
+                <a16:creationId xmlns:a16="http://schemas.microsoft.com/office/drawing/2014/main" id="{77ABA03D-7290-467D-BA6F-14B014A53C1D}"/>
+              </a:ext>
+            </a:extLst>
+          </p:cNvPr>
+          <p:cNvSpPr>
+            <a:spLocks noGrp="1"/>
+          </p:cNvSpPr>
+          <p:nvPr>
+            <p:ph type="title"/>
+          </p:nvPr>
+        </p:nvSpPr>
+        <p:spPr/>
+        <p:txBody>
+          <a:bodyPr/>
+          <a:lstStyle/>
+          <a:p>
+            <a:r>
+              <a:rPr lang="en-US" dirty="0"/>
+              <a:t>Appendix</a:t>
+            </a:r>
+          </a:p>
+        </p:txBody>
+      </p:sp>
+    </p:spTree>
+    <p:extLst>
+      <p:ext uri="{BB962C8B-B14F-4D97-AF65-F5344CB8AC3E}">
+        <p14:creationId xmlns:p14="http://schemas.microsoft.com/office/powerpoint/2010/main" val="2866472723"/>
+      </p:ext>
+    </p:extLst>
+  </p:cSld>
+  <p:clrMapOvr>
+    <a:masterClrMapping/>
+  </p:clrMapOvr>
+</p:sld>
+</file>
+
+<file path=ppt/slides/slide24.xml><?xml version="1.0" encoding="utf-8"?>
+<p:sld xmlns:a="http://schemas.openxmlformats.org/drawingml/2006/main" xmlns:r="http://schemas.openxmlformats.org/officeDocument/2006/relationships" xmlns:p="http://schemas.openxmlformats.org/presentationml/2006/main">
+  <p:cSld>
+    <p:spTree>
+      <p:nvGrpSpPr>
+        <p:cNvPr id="1" name=""/>
+        <p:cNvGrpSpPr/>
+        <p:nvPr/>
+      </p:nvGrpSpPr>
+      <p:grpSpPr>
+        <a:xfrm>
+          <a:off x="0" y="0"/>
+          <a:ext cx="0" cy="0"/>
+          <a:chOff x="0" y="0"/>
+          <a:chExt cx="0" cy="0"/>
+        </a:xfrm>
+      </p:grpSpPr>
+      <p:sp>
+        <p:nvSpPr>
+          <p:cNvPr id="2" name="Title 1">
+            <a:extLst>
+              <a:ext uri="{FF2B5EF4-FFF2-40B4-BE49-F238E27FC236}">
+                <a16:creationId xmlns:a16="http://schemas.microsoft.com/office/drawing/2014/main" id="{D1EBA635-2F7F-4838-A23A-2C3E13E2F1D5}"/>
+              </a:ext>
+            </a:extLst>
+          </p:cNvPr>
+          <p:cNvSpPr>
+            <a:spLocks noGrp="1"/>
+          </p:cNvSpPr>
+          <p:nvPr>
+            <p:ph type="title"/>
+          </p:nvPr>
+        </p:nvSpPr>
+        <p:spPr>
+          <a:xfrm>
+            <a:off x="1141560" y="196965"/>
+            <a:ext cx="10374338" cy="987729"/>
+          </a:xfrm>
+        </p:spPr>
+        <p:txBody>
+          <a:bodyPr>
+            <a:noAutofit/>
+          </a:bodyPr>
+          <a:lstStyle/>
+          <a:p>
+            <a:r>
+              <a:rPr lang="en-US" sz="3600" u="sng" dirty="0"/>
+              <a:t>How it really works - Linear Regression example (1)</a:t>
+            </a:r>
+          </a:p>
+        </p:txBody>
+      </p:sp>
+      <p:graphicFrame>
+        <p:nvGraphicFramePr>
+          <p:cNvPr id="7" name="Content Placeholder 6">
+            <a:extLst>
+              <a:ext uri="{FF2B5EF4-FFF2-40B4-BE49-F238E27FC236}">
+                <a16:creationId xmlns:a16="http://schemas.microsoft.com/office/drawing/2014/main" id="{DCDCED4B-7EA5-4602-B6F0-224D40AC43CE}"/>
+              </a:ext>
+            </a:extLst>
+          </p:cNvPr>
+          <p:cNvGraphicFramePr>
+            <a:graphicFrameLocks noGrp="1"/>
+          </p:cNvGraphicFramePr>
+          <p:nvPr>
+            <p:ph idx="1"/>
+            <p:extLst/>
+          </p:nvPr>
+        </p:nvGraphicFramePr>
+        <p:xfrm>
+          <a:off x="1220700" y="852677"/>
+          <a:ext cx="4875300" cy="2512341"/>
+        </p:xfrm>
+        <a:graphic>
+          <a:graphicData uri="http://schemas.openxmlformats.org/drawingml/2006/chart">
+            <c:chart xmlns:c="http://schemas.openxmlformats.org/drawingml/2006/chart" xmlns:r="http://schemas.openxmlformats.org/officeDocument/2006/relationships" r:id="rId2"/>
+          </a:graphicData>
+        </a:graphic>
+      </p:graphicFrame>
+      <p:sp>
+        <p:nvSpPr>
+          <p:cNvPr id="4" name="Content Placeholder 2">
+            <a:extLst>
+              <a:ext uri="{FF2B5EF4-FFF2-40B4-BE49-F238E27FC236}">
+                <a16:creationId xmlns:a16="http://schemas.microsoft.com/office/drawing/2014/main" id="{CD97B703-0D68-4C3A-9692-C69CF75ED4AD}"/>
+              </a:ext>
+            </a:extLst>
+          </p:cNvPr>
+          <p:cNvSpPr txBox="1">
+            <a:spLocks/>
+          </p:cNvSpPr>
+          <p:nvPr/>
+        </p:nvSpPr>
+        <p:spPr>
+          <a:xfrm>
+            <a:off x="-215661" y="196965"/>
+            <a:ext cx="10550105" cy="5348378"/>
+          </a:xfrm>
+          <a:prstGeom prst="rect">
+            <a:avLst/>
+          </a:prstGeom>
+        </p:spPr>
+        <p:txBody>
+          <a:bodyPr vert="horz" lIns="91440" tIns="45720" rIns="91440" bIns="45720" rtlCol="0">
+            <a:normAutofit/>
+          </a:bodyPr>
+          <a:lstStyle>
+            <a:lvl1pPr marL="384048" indent="-384048" algn="l" defTabSz="914400" rtl="0" eaLnBrk="1" latinLnBrk="0" hangingPunct="1">
+              <a:lnSpc>
+                <a:spcPct val="94000"/>
+              </a:lnSpc>
+              <a:spcBef>
+                <a:spcPts val="1000"/>
+              </a:spcBef>
+              <a:spcAft>
+                <a:spcPts val="200"/>
+              </a:spcAft>
+              <a:buFont typeface="Franklin Gothic Book" panose="020B0503020102020204" pitchFamily="34" charset="0"/>
+              <a:buChar char="■"/>
+              <a:defRPr sz="2000" kern="1200" baseline="0">
+                <a:solidFill>
+                  <a:schemeClr val="tx2"/>
+                </a:solidFill>
+                <a:latin typeface="+mn-lt"/>
+                <a:ea typeface="+mn-ea"/>
+                <a:cs typeface="+mn-cs"/>
+              </a:defRPr>
+            </a:lvl1pPr>
+            <a:lvl2pPr marL="914400" indent="-384048" algn="l" defTabSz="914400" rtl="0" eaLnBrk="1" latinLnBrk="0" hangingPunct="1">
+              <a:lnSpc>
+                <a:spcPct val="94000"/>
+              </a:lnSpc>
+              <a:spcBef>
+                <a:spcPts val="500"/>
+              </a:spcBef>
+              <a:spcAft>
+                <a:spcPts val="200"/>
+              </a:spcAft>
+              <a:buFont typeface="Franklin Gothic Book" panose="020B0503020102020204" pitchFamily="34" charset="0"/>
+              <a:buChar char="–"/>
+              <a:defRPr sz="2000" i="1" kern="1200" baseline="0">
+                <a:solidFill>
+                  <a:schemeClr val="tx2"/>
+                </a:solidFill>
+                <a:latin typeface="+mn-lt"/>
+                <a:ea typeface="+mn-ea"/>
+                <a:cs typeface="+mn-cs"/>
+              </a:defRPr>
+            </a:lvl2pPr>
+            <a:lvl3pPr marL="1371600" indent="-384048" algn="l" defTabSz="914400" rtl="0" eaLnBrk="1" latinLnBrk="0" hangingPunct="1">
+              <a:lnSpc>
+                <a:spcPct val="94000"/>
+              </a:lnSpc>
+              <a:spcBef>
+                <a:spcPts val="500"/>
+              </a:spcBef>
+              <a:spcAft>
+                <a:spcPts val="200"/>
+              </a:spcAft>
+              <a:buFont typeface="Franklin Gothic Book" panose="020B0503020102020204" pitchFamily="34" charset="0"/>
+              <a:buChar char="■"/>
+              <a:defRPr sz="1800" kern="1200" baseline="0">
+                <a:solidFill>
+                  <a:schemeClr val="tx2"/>
+                </a:solidFill>
+                <a:latin typeface="+mn-lt"/>
+                <a:ea typeface="+mn-ea"/>
+                <a:cs typeface="+mn-cs"/>
+              </a:defRPr>
+            </a:lvl3pPr>
+            <a:lvl4pPr marL="1828800" indent="-384048" algn="l" defTabSz="914400" rtl="0" eaLnBrk="1" latinLnBrk="0" hangingPunct="1">
+              <a:lnSpc>
+                <a:spcPct val="94000"/>
+              </a:lnSpc>
+              <a:spcBef>
+                <a:spcPts val="500"/>
+              </a:spcBef>
+              <a:spcAft>
+                <a:spcPts val="200"/>
+              </a:spcAft>
+              <a:buFont typeface="Franklin Gothic Book" panose="020B0503020102020204" pitchFamily="34" charset="0"/>
+              <a:buChar char="–"/>
+              <a:defRPr sz="1800" i="1" kern="1200" baseline="0">
+                <a:solidFill>
+                  <a:schemeClr val="tx2"/>
+                </a:solidFill>
+                <a:latin typeface="+mn-lt"/>
+                <a:ea typeface="+mn-ea"/>
+                <a:cs typeface="+mn-cs"/>
+              </a:defRPr>
+            </a:lvl4pPr>
+            <a:lvl5pPr marL="2286000" indent="-384048" algn="l" defTabSz="914400" rtl="0" eaLnBrk="1" latinLnBrk="0" hangingPunct="1">
+              <a:lnSpc>
+                <a:spcPct val="94000"/>
+              </a:lnSpc>
+              <a:spcBef>
+                <a:spcPts val="500"/>
+              </a:spcBef>
+              <a:spcAft>
+                <a:spcPts val="200"/>
+              </a:spcAft>
+              <a:buFont typeface="Franklin Gothic Book" panose="020B0503020102020204" pitchFamily="34" charset="0"/>
+              <a:buChar char="■"/>
+              <a:defRPr sz="1600" kern="1200" baseline="0">
+                <a:solidFill>
+                  <a:schemeClr val="tx2"/>
+                </a:solidFill>
+                <a:latin typeface="+mn-lt"/>
+                <a:ea typeface="+mn-ea"/>
+                <a:cs typeface="+mn-cs"/>
+              </a:defRPr>
+            </a:lvl5pPr>
+            <a:lvl6pPr marL="2743200" indent="-384048" algn="l" defTabSz="914400" rtl="0" eaLnBrk="1" latinLnBrk="0" hangingPunct="1">
+              <a:lnSpc>
+                <a:spcPct val="94000"/>
+              </a:lnSpc>
+              <a:spcBef>
+                <a:spcPts val="500"/>
+              </a:spcBef>
+              <a:spcAft>
+                <a:spcPts val="200"/>
+              </a:spcAft>
+              <a:buFont typeface="Franklin Gothic Book" panose="020B0503020102020204" pitchFamily="34" charset="0"/>
+              <a:buChar char="–"/>
+              <a:defRPr sz="1600" i="1" kern="1200" baseline="0">
+                <a:solidFill>
+                  <a:schemeClr val="tx2"/>
+                </a:solidFill>
+                <a:latin typeface="+mn-lt"/>
+                <a:ea typeface="+mn-ea"/>
+                <a:cs typeface="+mn-cs"/>
+              </a:defRPr>
+            </a:lvl6pPr>
+            <a:lvl7pPr marL="3200400" indent="-384048" algn="l" defTabSz="914400" rtl="0" eaLnBrk="1" latinLnBrk="0" hangingPunct="1">
+              <a:lnSpc>
+                <a:spcPct val="94000"/>
+              </a:lnSpc>
+              <a:spcBef>
+                <a:spcPts val="500"/>
+              </a:spcBef>
+              <a:spcAft>
+                <a:spcPts val="200"/>
+              </a:spcAft>
+              <a:buFont typeface="Franklin Gothic Book" panose="020B0503020102020204" pitchFamily="34" charset="0"/>
+              <a:buChar char="■"/>
+              <a:defRPr sz="1400" kern="1200" baseline="0">
+                <a:solidFill>
+                  <a:schemeClr val="tx2"/>
+                </a:solidFill>
+                <a:latin typeface="+mn-lt"/>
+                <a:ea typeface="+mn-ea"/>
+                <a:cs typeface="+mn-cs"/>
+              </a:defRPr>
+            </a:lvl7pPr>
+            <a:lvl8pPr marL="3657600" indent="-384048" algn="l" defTabSz="914400" rtl="0" eaLnBrk="1" latinLnBrk="0" hangingPunct="1">
+              <a:lnSpc>
+                <a:spcPct val="94000"/>
+              </a:lnSpc>
+              <a:spcBef>
+                <a:spcPts val="500"/>
+              </a:spcBef>
+              <a:spcAft>
+                <a:spcPts val="200"/>
+              </a:spcAft>
+              <a:buFont typeface="Franklin Gothic Book" panose="020B0503020102020204" pitchFamily="34" charset="0"/>
+              <a:buChar char="–"/>
+              <a:defRPr sz="1400" i="1" kern="1200" baseline="0">
+                <a:solidFill>
+                  <a:schemeClr val="tx2"/>
+                </a:solidFill>
+                <a:latin typeface="+mn-lt"/>
+                <a:ea typeface="+mn-ea"/>
+                <a:cs typeface="+mn-cs"/>
+              </a:defRPr>
+            </a:lvl8pPr>
+            <a:lvl9pPr marL="4114800" indent="-384048" algn="l" defTabSz="914400" rtl="0" eaLnBrk="1" latinLnBrk="0" hangingPunct="1">
+              <a:lnSpc>
+                <a:spcPct val="94000"/>
+              </a:lnSpc>
+              <a:spcBef>
+                <a:spcPts val="500"/>
+              </a:spcBef>
+              <a:spcAft>
+                <a:spcPts val="200"/>
+              </a:spcAft>
+              <a:buFont typeface="Franklin Gothic Book" panose="020B0503020102020204" pitchFamily="34" charset="0"/>
+              <a:buChar char="■"/>
+              <a:defRPr sz="1400" kern="1200" baseline="0">
+                <a:solidFill>
+                  <a:schemeClr val="tx2"/>
+                </a:solidFill>
+                <a:latin typeface="+mn-lt"/>
+                <a:ea typeface="+mn-ea"/>
+                <a:cs typeface="+mn-cs"/>
+              </a:defRPr>
+            </a:lvl9pPr>
+          </a:lstStyle>
+          <a:p>
+            <a:endParaRPr lang="en-US" dirty="0"/>
+          </a:p>
+        </p:txBody>
+      </p:sp>
+      <p:sp>
+        <p:nvSpPr>
+          <p:cNvPr id="8" name="TextBox 7">
+            <a:extLst>
+              <a:ext uri="{FF2B5EF4-FFF2-40B4-BE49-F238E27FC236}">
+                <a16:creationId xmlns:a16="http://schemas.microsoft.com/office/drawing/2014/main" id="{DA1EC543-1113-4EC4-B98F-317D59E16CCE}"/>
+              </a:ext>
+            </a:extLst>
+          </p:cNvPr>
+          <p:cNvSpPr txBox="1"/>
+          <p:nvPr/>
+        </p:nvSpPr>
+        <p:spPr>
+          <a:xfrm>
+            <a:off x="6183169" y="1123481"/>
+            <a:ext cx="4788131" cy="2585323"/>
+          </a:xfrm>
+          <a:prstGeom prst="rect">
+            <a:avLst/>
+          </a:prstGeom>
+          <a:noFill/>
+        </p:spPr>
+        <p:txBody>
+          <a:bodyPr wrap="square" rtlCol="0">
+            <a:spAutoFit/>
+          </a:bodyPr>
+          <a:lstStyle/>
+          <a:p>
+            <a:r>
+              <a:rPr lang="en-US" dirty="0"/>
+              <a:t>Linear price model:</a:t>
+            </a:r>
+          </a:p>
+          <a:p>
+            <a:r>
+              <a:rPr lang="en-US" dirty="0"/>
+              <a:t>  h(x) = W</a:t>
+            </a:r>
+            <a:r>
+              <a:rPr lang="en-US" baseline="-25000" dirty="0"/>
+              <a:t>0 </a:t>
+            </a:r>
+            <a:r>
+              <a:rPr lang="en-US" dirty="0"/>
+              <a:t>+  W</a:t>
+            </a:r>
+            <a:r>
+              <a:rPr lang="en-US" baseline="-25000" dirty="0"/>
+              <a:t>1</a:t>
+            </a:r>
+            <a:r>
+              <a:rPr lang="en-US" dirty="0"/>
+              <a:t>*</a:t>
+            </a:r>
+            <a:r>
+              <a:rPr lang="en-US" dirty="0" err="1"/>
+              <a:t>SqM</a:t>
+            </a:r>
+            <a:r>
+              <a:rPr lang="en-US" dirty="0"/>
+              <a:t>  +  W</a:t>
+            </a:r>
+            <a:r>
+              <a:rPr lang="en-US" baseline="-25000" dirty="0"/>
+              <a:t>2</a:t>
+            </a:r>
+            <a:r>
+              <a:rPr lang="en-US" dirty="0"/>
+              <a:t>*Loc + W</a:t>
+            </a:r>
+            <a:r>
+              <a:rPr lang="en-US" baseline="-25000" dirty="0"/>
+              <a:t>3</a:t>
+            </a:r>
+            <a:r>
+              <a:rPr lang="en-US" dirty="0"/>
+              <a:t>*BR + …</a:t>
+            </a:r>
+          </a:p>
+          <a:p>
+            <a:endParaRPr lang="en-US" dirty="0"/>
+          </a:p>
+          <a:p>
+            <a:r>
+              <a:rPr lang="en-US" dirty="0"/>
+              <a:t>General form:</a:t>
+            </a:r>
+          </a:p>
+          <a:p>
+            <a:r>
+              <a:rPr lang="en-US" dirty="0"/>
+              <a:t>   h(x) = W</a:t>
+            </a:r>
+            <a:r>
+              <a:rPr lang="en-US" baseline="-25000" dirty="0"/>
+              <a:t>0</a:t>
+            </a:r>
+            <a:r>
+              <a:rPr lang="en-US" dirty="0"/>
+              <a:t> + W</a:t>
+            </a:r>
+            <a:r>
+              <a:rPr lang="en-US" baseline="-25000" dirty="0"/>
+              <a:t>1</a:t>
+            </a:r>
+            <a:r>
+              <a:rPr lang="en-US" dirty="0"/>
+              <a:t>*X</a:t>
+            </a:r>
+            <a:r>
+              <a:rPr lang="en-US" baseline="-25000" dirty="0"/>
+              <a:t>1</a:t>
+            </a:r>
+            <a:r>
+              <a:rPr lang="en-US" dirty="0"/>
+              <a:t> + W</a:t>
+            </a:r>
+            <a:r>
+              <a:rPr lang="en-US" baseline="-25000" dirty="0"/>
+              <a:t>2</a:t>
+            </a:r>
+            <a:r>
+              <a:rPr lang="en-US" dirty="0"/>
+              <a:t>*X</a:t>
+            </a:r>
+            <a:r>
+              <a:rPr lang="en-US" baseline="-25000" dirty="0"/>
+              <a:t>2</a:t>
+            </a:r>
+            <a:r>
+              <a:rPr lang="en-US" dirty="0"/>
+              <a:t> + W</a:t>
+            </a:r>
+            <a:r>
+              <a:rPr lang="en-US" baseline="-25000" dirty="0"/>
+              <a:t>3</a:t>
+            </a:r>
+            <a:r>
+              <a:rPr lang="en-US" dirty="0"/>
+              <a:t>*X</a:t>
+            </a:r>
+            <a:r>
+              <a:rPr lang="en-US" baseline="-25000" dirty="0"/>
+              <a:t>3 </a:t>
+            </a:r>
+            <a:r>
+              <a:rPr lang="en-US" dirty="0"/>
+              <a:t>+ ….</a:t>
+            </a:r>
+          </a:p>
+          <a:p>
+            <a:endParaRPr lang="en-US" dirty="0"/>
+          </a:p>
+          <a:p>
+            <a:r>
+              <a:rPr lang="en-US" dirty="0"/>
+              <a:t>Use </a:t>
+            </a:r>
+            <a:r>
+              <a:rPr lang="en-US" dirty="0" err="1"/>
+              <a:t>X</a:t>
+            </a:r>
+            <a:r>
+              <a:rPr lang="en-US" baseline="30000" dirty="0" err="1"/>
+              <a:t>n</a:t>
+            </a:r>
+            <a:r>
+              <a:rPr lang="en-US" dirty="0"/>
+              <a:t> </a:t>
+            </a:r>
+            <a:r>
+              <a:rPr lang="en-US" b="1" i="1" dirty="0"/>
+              <a:t>samples</a:t>
+            </a:r>
+            <a:r>
+              <a:rPr lang="en-US" i="1" dirty="0"/>
+              <a:t> </a:t>
+            </a:r>
+            <a:r>
+              <a:rPr lang="en-US" dirty="0"/>
+              <a:t>to </a:t>
+            </a:r>
+            <a:r>
+              <a:rPr lang="en-US" b="1" i="1" dirty="0"/>
+              <a:t>learn </a:t>
+            </a:r>
+            <a:r>
+              <a:rPr lang="en-US" dirty="0"/>
+              <a:t>“weights” </a:t>
+            </a:r>
+            <a:r>
+              <a:rPr lang="en-US" dirty="0" err="1"/>
+              <a:t>W</a:t>
+            </a:r>
+            <a:r>
+              <a:rPr lang="en-US" baseline="-25000" dirty="0" err="1"/>
+              <a:t>n</a:t>
+            </a:r>
+            <a:endParaRPr lang="en-US" dirty="0"/>
+          </a:p>
+          <a:p>
+            <a:endParaRPr lang="en-US" dirty="0"/>
+          </a:p>
+          <a:p>
+            <a:endParaRPr lang="en-US" dirty="0"/>
+          </a:p>
+        </p:txBody>
+      </p:sp>
+      <p:sp>
+        <p:nvSpPr>
+          <p:cNvPr id="9" name="TextBox 8">
+            <a:extLst>
+              <a:ext uri="{FF2B5EF4-FFF2-40B4-BE49-F238E27FC236}">
+                <a16:creationId xmlns:a16="http://schemas.microsoft.com/office/drawing/2014/main" id="{91835F0D-A177-4686-AE9C-D6CC013A80F4}"/>
+              </a:ext>
+            </a:extLst>
+          </p:cNvPr>
+          <p:cNvSpPr txBox="1"/>
+          <p:nvPr/>
+        </p:nvSpPr>
+        <p:spPr>
+          <a:xfrm>
+            <a:off x="5891999" y="3103408"/>
+            <a:ext cx="2132329" cy="261610"/>
+          </a:xfrm>
+          <a:prstGeom prst="rect">
+            <a:avLst/>
+          </a:prstGeom>
+          <a:noFill/>
+        </p:spPr>
+        <p:txBody>
+          <a:bodyPr wrap="square" rtlCol="0">
+            <a:spAutoFit/>
+          </a:bodyPr>
+          <a:lstStyle/>
+          <a:p>
+            <a:r>
+              <a:rPr lang="en-US" sz="1100" u="sng" dirty="0"/>
+              <a:t>10 </a:t>
+            </a:r>
+            <a:r>
+              <a:rPr lang="en-US" sz="1100" u="sng" dirty="0" err="1"/>
+              <a:t>SqM</a:t>
+            </a:r>
+            <a:endParaRPr lang="en-US" sz="1100" u="sng" dirty="0"/>
+          </a:p>
+        </p:txBody>
+      </p:sp>
+      <p:sp>
+        <p:nvSpPr>
+          <p:cNvPr id="11" name="TextBox 10">
+            <a:extLst>
+              <a:ext uri="{FF2B5EF4-FFF2-40B4-BE49-F238E27FC236}">
+                <a16:creationId xmlns:a16="http://schemas.microsoft.com/office/drawing/2014/main" id="{AA3FEAE4-D6C9-460F-A140-EC49558C6721}"/>
+              </a:ext>
+            </a:extLst>
+          </p:cNvPr>
+          <p:cNvSpPr txBox="1"/>
+          <p:nvPr/>
+        </p:nvSpPr>
+        <p:spPr>
+          <a:xfrm rot="16200000">
+            <a:off x="110952" y="1181851"/>
+            <a:ext cx="2132329" cy="261610"/>
+          </a:xfrm>
+          <a:prstGeom prst="rect">
+            <a:avLst/>
+          </a:prstGeom>
+          <a:noFill/>
+        </p:spPr>
+        <p:txBody>
+          <a:bodyPr wrap="square" rtlCol="0">
+            <a:spAutoFit/>
+          </a:bodyPr>
+          <a:lstStyle/>
+          <a:p>
+            <a:r>
+              <a:rPr lang="en-US" sz="1100" u="sng" dirty="0"/>
+              <a:t>100’s $</a:t>
+            </a:r>
+          </a:p>
+        </p:txBody>
+      </p:sp>
+      <p:sp>
+        <p:nvSpPr>
+          <p:cNvPr id="12" name="TextBox 11">
+            <a:extLst>
+              <a:ext uri="{FF2B5EF4-FFF2-40B4-BE49-F238E27FC236}">
+                <a16:creationId xmlns:a16="http://schemas.microsoft.com/office/drawing/2014/main" id="{97072DA4-4D02-480C-BF22-44BD5895F9C8}"/>
+              </a:ext>
+            </a:extLst>
+          </p:cNvPr>
+          <p:cNvSpPr txBox="1"/>
+          <p:nvPr/>
+        </p:nvSpPr>
+        <p:spPr>
+          <a:xfrm>
+            <a:off x="1070854" y="3475978"/>
+            <a:ext cx="10007241" cy="3139321"/>
+          </a:xfrm>
+          <a:prstGeom prst="rect">
+            <a:avLst/>
+          </a:prstGeom>
+          <a:noFill/>
+        </p:spPr>
+        <p:txBody>
+          <a:bodyPr wrap="square" rtlCol="0">
+            <a:spAutoFit/>
+          </a:bodyPr>
+          <a:lstStyle/>
+          <a:p>
+            <a:r>
+              <a:rPr lang="en-US" dirty="0"/>
+              <a:t>Simplified Model example using just 1 variable/feature.</a:t>
+            </a:r>
+          </a:p>
+          <a:p>
+            <a:r>
+              <a:rPr lang="en-US" dirty="0"/>
+              <a:t>  h(x) = W</a:t>
+            </a:r>
+            <a:r>
+              <a:rPr lang="en-US" baseline="-25000" dirty="0"/>
+              <a:t>0 </a:t>
+            </a:r>
+            <a:r>
+              <a:rPr lang="en-US" dirty="0"/>
+              <a:t>+  W</a:t>
+            </a:r>
+            <a:r>
+              <a:rPr lang="en-US" baseline="-25000" dirty="0"/>
+              <a:t>1</a:t>
+            </a:r>
+            <a:r>
+              <a:rPr lang="en-US" dirty="0"/>
+              <a:t>*</a:t>
+            </a:r>
+            <a:r>
+              <a:rPr lang="en-US" dirty="0" err="1"/>
+              <a:t>SqM</a:t>
+            </a:r>
+            <a:endParaRPr lang="en-US" dirty="0"/>
+          </a:p>
+          <a:p>
+            <a:r>
+              <a:rPr lang="en-US" dirty="0"/>
+              <a:t>  </a:t>
+            </a:r>
+            <a:r>
+              <a:rPr lang="en-US" dirty="0" err="1"/>
+              <a:t>ie</a:t>
+            </a:r>
+            <a:r>
+              <a:rPr lang="en-US" dirty="0"/>
+              <a:t>, y = mx+ b (solve for the regression line)</a:t>
+            </a:r>
+            <a:endParaRPr lang="en-US" baseline="30000" dirty="0"/>
+          </a:p>
+          <a:p>
+            <a:endParaRPr lang="en-US" dirty="0"/>
+          </a:p>
+          <a:p>
+            <a:r>
+              <a:rPr lang="en-US" dirty="0"/>
+              <a:t>Solve for W</a:t>
+            </a:r>
+            <a:r>
+              <a:rPr lang="en-US" baseline="-25000" dirty="0"/>
+              <a:t>0</a:t>
+            </a:r>
+            <a:r>
+              <a:rPr lang="en-US" dirty="0"/>
+              <a:t>,W</a:t>
+            </a:r>
+            <a:r>
+              <a:rPr lang="en-US" baseline="-25000" dirty="0"/>
+              <a:t>1  </a:t>
+            </a:r>
+            <a:r>
+              <a:rPr lang="en-US" dirty="0"/>
+              <a:t>given x samples {5,10,15,20]; y labels=[3,4,3,5]</a:t>
+            </a:r>
+          </a:p>
+          <a:p>
+            <a:endParaRPr lang="en-US" dirty="0"/>
+          </a:p>
+          <a:p>
+            <a:r>
+              <a:rPr lang="en-US" b="1" dirty="0"/>
+              <a:t>Algorithm</a:t>
+            </a:r>
+            <a:r>
+              <a:rPr lang="en-US" dirty="0"/>
+              <a:t>:</a:t>
+            </a:r>
+          </a:p>
+          <a:p>
+            <a:pPr marL="285750" indent="-285750">
+              <a:buFontTx/>
+              <a:buChar char="-"/>
+            </a:pPr>
+            <a:r>
+              <a:rPr lang="en-US" dirty="0"/>
+              <a:t>Choose random W</a:t>
+            </a:r>
+            <a:r>
+              <a:rPr lang="en-US" baseline="-25000" dirty="0"/>
+              <a:t>0</a:t>
+            </a:r>
+            <a:r>
+              <a:rPr lang="en-US" dirty="0"/>
+              <a:t>,W</a:t>
+            </a:r>
+            <a:r>
+              <a:rPr lang="en-US" baseline="-25000" dirty="0"/>
+              <a:t>1 </a:t>
+            </a:r>
+            <a:endParaRPr lang="en-US" dirty="0"/>
+          </a:p>
+          <a:p>
+            <a:pPr marL="285750" indent="-285750">
+              <a:buFontTx/>
+              <a:buChar char="-"/>
+            </a:pPr>
+            <a:r>
+              <a:rPr lang="en-US" dirty="0"/>
+              <a:t>Calculate Error (MSE - Mean Square Error)</a:t>
+            </a:r>
+          </a:p>
+          <a:p>
+            <a:pPr marL="285750" indent="-285750">
+              <a:buFontTx/>
+              <a:buChar char="-"/>
+            </a:pPr>
+            <a:r>
+              <a:rPr lang="en-US" dirty="0"/>
+              <a:t>Adjust W to minimize MSE (Gradient Descent)</a:t>
+            </a:r>
+          </a:p>
+          <a:p>
+            <a:pPr marL="285750" indent="-285750">
+              <a:buFontTx/>
+              <a:buChar char="-"/>
+            </a:pPr>
+            <a:r>
+              <a:rPr lang="en-US" dirty="0"/>
+              <a:t>Iterate until minimum error</a:t>
+            </a:r>
+          </a:p>
+        </p:txBody>
+      </p:sp>
+      <p:sp>
+        <p:nvSpPr>
+          <p:cNvPr id="14" name="TextBox 13">
+            <a:extLst>
+              <a:ext uri="{FF2B5EF4-FFF2-40B4-BE49-F238E27FC236}">
+                <a16:creationId xmlns:a16="http://schemas.microsoft.com/office/drawing/2014/main" id="{A031A613-E9B2-4DB2-A2D5-DC8CB0E4F9C3}"/>
+              </a:ext>
+            </a:extLst>
+          </p:cNvPr>
+          <p:cNvSpPr txBox="1"/>
+          <p:nvPr/>
+        </p:nvSpPr>
+        <p:spPr>
+          <a:xfrm>
+            <a:off x="4928696" y="6504000"/>
+            <a:ext cx="7297075" cy="276999"/>
+          </a:xfrm>
+          <a:prstGeom prst="rect">
+            <a:avLst/>
+          </a:prstGeom>
+          <a:noFill/>
+        </p:spPr>
+        <p:txBody>
+          <a:bodyPr wrap="square" rtlCol="0">
+            <a:spAutoFit/>
+          </a:bodyPr>
+          <a:lstStyle/>
+          <a:p>
+            <a:r>
+              <a:rPr lang="en-US" sz="1200" i="1" dirty="0"/>
+              <a:t>Adapted from Andrew Ng’s Machine Learning course:  </a:t>
+            </a:r>
+            <a:r>
+              <a:rPr lang="en-US" sz="1200" i="1" dirty="0">
+                <a:hlinkClick r:id="rId3"/>
+              </a:rPr>
+              <a:t>https://www.coursera.org/learn/machine-learning</a:t>
+            </a:r>
+            <a:r>
+              <a:rPr lang="en-US" sz="1200" i="1" dirty="0"/>
+              <a:t> )</a:t>
+            </a:r>
+          </a:p>
+        </p:txBody>
+      </p:sp>
+    </p:spTree>
+    <p:extLst>
+      <p:ext uri="{BB962C8B-B14F-4D97-AF65-F5344CB8AC3E}">
+        <p14:creationId xmlns:p14="http://schemas.microsoft.com/office/powerpoint/2010/main" val="3808365858"/>
+      </p:ext>
+    </p:extLst>
+  </p:cSld>
+  <p:clrMapOvr>
+    <a:masterClrMapping/>
+  </p:clrMapOvr>
+</p:sld>
+</file>
+
+<file path=ppt/slides/slide25.xml><?xml version="1.0" encoding="utf-8"?>
+<p:sld xmlns:a="http://schemas.openxmlformats.org/drawingml/2006/main" xmlns:r="http://schemas.openxmlformats.org/officeDocument/2006/relationships" xmlns:p="http://schemas.openxmlformats.org/presentationml/2006/main">
+  <p:cSld>
+    <p:spTree>
+      <p:nvGrpSpPr>
+        <p:cNvPr id="1" name=""/>
+        <p:cNvGrpSpPr/>
+        <p:nvPr/>
+      </p:nvGrpSpPr>
+      <p:grpSpPr>
+        <a:xfrm>
+          <a:off x="0" y="0"/>
+          <a:ext cx="0" cy="0"/>
+          <a:chOff x="0" y="0"/>
+          <a:chExt cx="0" cy="0"/>
+        </a:xfrm>
+      </p:grpSpPr>
+      <p:sp>
+        <p:nvSpPr>
+          <p:cNvPr id="2" name="Title 1">
+            <a:extLst>
+              <a:ext uri="{FF2B5EF4-FFF2-40B4-BE49-F238E27FC236}">
+                <a16:creationId xmlns:a16="http://schemas.microsoft.com/office/drawing/2014/main" id="{D1EBA635-2F7F-4838-A23A-2C3E13E2F1D5}"/>
+              </a:ext>
+            </a:extLst>
+          </p:cNvPr>
+          <p:cNvSpPr>
+            <a:spLocks noGrp="1"/>
+          </p:cNvSpPr>
+          <p:nvPr>
+            <p:ph type="title"/>
+          </p:nvPr>
+        </p:nvSpPr>
+        <p:spPr>
+          <a:xfrm>
+            <a:off x="1141559" y="196965"/>
+            <a:ext cx="10285669" cy="987729"/>
+          </a:xfrm>
+        </p:spPr>
+        <p:txBody>
+          <a:bodyPr>
+            <a:noAutofit/>
+          </a:bodyPr>
+          <a:lstStyle/>
+          <a:p>
+            <a:r>
+              <a:rPr lang="en-US" sz="3600" u="sng" dirty="0"/>
+              <a:t>How it really works - Linear Regression example (2)</a:t>
+            </a:r>
+          </a:p>
+        </p:txBody>
+      </p:sp>
+      <p:graphicFrame>
+        <p:nvGraphicFramePr>
+          <p:cNvPr id="7" name="Content Placeholder 6">
+            <a:extLst>
+              <a:ext uri="{FF2B5EF4-FFF2-40B4-BE49-F238E27FC236}">
+                <a16:creationId xmlns:a16="http://schemas.microsoft.com/office/drawing/2014/main" id="{DCDCED4B-7EA5-4602-B6F0-224D40AC43CE}"/>
+              </a:ext>
+            </a:extLst>
+          </p:cNvPr>
+          <p:cNvGraphicFramePr>
+            <a:graphicFrameLocks noGrp="1"/>
+          </p:cNvGraphicFramePr>
+          <p:nvPr>
+            <p:ph idx="1"/>
+          </p:nvPr>
+        </p:nvGraphicFramePr>
+        <p:xfrm>
+          <a:off x="1220700" y="852677"/>
+          <a:ext cx="4875300" cy="2512341"/>
+        </p:xfrm>
+        <a:graphic>
+          <a:graphicData uri="http://schemas.openxmlformats.org/drawingml/2006/chart">
+            <c:chart xmlns:c="http://schemas.openxmlformats.org/drawingml/2006/chart" xmlns:r="http://schemas.openxmlformats.org/officeDocument/2006/relationships" r:id="rId2"/>
+          </a:graphicData>
+        </a:graphic>
+      </p:graphicFrame>
+      <p:sp>
+        <p:nvSpPr>
+          <p:cNvPr id="4" name="Content Placeholder 2">
+            <a:extLst>
+              <a:ext uri="{FF2B5EF4-FFF2-40B4-BE49-F238E27FC236}">
+                <a16:creationId xmlns:a16="http://schemas.microsoft.com/office/drawing/2014/main" id="{CD97B703-0D68-4C3A-9692-C69CF75ED4AD}"/>
+              </a:ext>
+            </a:extLst>
+          </p:cNvPr>
+          <p:cNvSpPr txBox="1">
+            <a:spLocks/>
+          </p:cNvSpPr>
+          <p:nvPr/>
+        </p:nvSpPr>
+        <p:spPr>
+          <a:xfrm>
+            <a:off x="-215661" y="196965"/>
+            <a:ext cx="10550105" cy="5348378"/>
+          </a:xfrm>
+          <a:prstGeom prst="rect">
+            <a:avLst/>
+          </a:prstGeom>
+        </p:spPr>
+        <p:txBody>
+          <a:bodyPr vert="horz" lIns="91440" tIns="45720" rIns="91440" bIns="45720" rtlCol="0">
+            <a:normAutofit/>
+          </a:bodyPr>
+          <a:lstStyle>
+            <a:lvl1pPr marL="384048" indent="-384048" algn="l" defTabSz="914400" rtl="0" eaLnBrk="1" latinLnBrk="0" hangingPunct="1">
+              <a:lnSpc>
+                <a:spcPct val="94000"/>
+              </a:lnSpc>
+              <a:spcBef>
+                <a:spcPts val="1000"/>
+              </a:spcBef>
+              <a:spcAft>
+                <a:spcPts val="200"/>
+              </a:spcAft>
+              <a:buFont typeface="Franklin Gothic Book" panose="020B0503020102020204" pitchFamily="34" charset="0"/>
+              <a:buChar char="■"/>
+              <a:defRPr sz="2000" kern="1200" baseline="0">
+                <a:solidFill>
+                  <a:schemeClr val="tx2"/>
+                </a:solidFill>
+                <a:latin typeface="+mn-lt"/>
+                <a:ea typeface="+mn-ea"/>
+                <a:cs typeface="+mn-cs"/>
+              </a:defRPr>
+            </a:lvl1pPr>
+            <a:lvl2pPr marL="914400" indent="-384048" algn="l" defTabSz="914400" rtl="0" eaLnBrk="1" latinLnBrk="0" hangingPunct="1">
+              <a:lnSpc>
+                <a:spcPct val="94000"/>
+              </a:lnSpc>
+              <a:spcBef>
+                <a:spcPts val="500"/>
+              </a:spcBef>
+              <a:spcAft>
+                <a:spcPts val="200"/>
+              </a:spcAft>
+              <a:buFont typeface="Franklin Gothic Book" panose="020B0503020102020204" pitchFamily="34" charset="0"/>
+              <a:buChar char="–"/>
+              <a:defRPr sz="2000" i="1" kern="1200" baseline="0">
+                <a:solidFill>
+                  <a:schemeClr val="tx2"/>
+                </a:solidFill>
+                <a:latin typeface="+mn-lt"/>
+                <a:ea typeface="+mn-ea"/>
+                <a:cs typeface="+mn-cs"/>
+              </a:defRPr>
+            </a:lvl2pPr>
+            <a:lvl3pPr marL="1371600" indent="-384048" algn="l" defTabSz="914400" rtl="0" eaLnBrk="1" latinLnBrk="0" hangingPunct="1">
+              <a:lnSpc>
+                <a:spcPct val="94000"/>
+              </a:lnSpc>
+              <a:spcBef>
+                <a:spcPts val="500"/>
+              </a:spcBef>
+              <a:spcAft>
+                <a:spcPts val="200"/>
+              </a:spcAft>
+              <a:buFont typeface="Franklin Gothic Book" panose="020B0503020102020204" pitchFamily="34" charset="0"/>
+              <a:buChar char="■"/>
+              <a:defRPr sz="1800" kern="1200" baseline="0">
+                <a:solidFill>
+                  <a:schemeClr val="tx2"/>
+                </a:solidFill>
+                <a:latin typeface="+mn-lt"/>
+                <a:ea typeface="+mn-ea"/>
+                <a:cs typeface="+mn-cs"/>
+              </a:defRPr>
+            </a:lvl3pPr>
+            <a:lvl4pPr marL="1828800" indent="-384048" algn="l" defTabSz="914400" rtl="0" eaLnBrk="1" latinLnBrk="0" hangingPunct="1">
+              <a:lnSpc>
+                <a:spcPct val="94000"/>
+              </a:lnSpc>
+              <a:spcBef>
+                <a:spcPts val="500"/>
+              </a:spcBef>
+              <a:spcAft>
+                <a:spcPts val="200"/>
+              </a:spcAft>
+              <a:buFont typeface="Franklin Gothic Book" panose="020B0503020102020204" pitchFamily="34" charset="0"/>
+              <a:buChar char="–"/>
+              <a:defRPr sz="1800" i="1" kern="1200" baseline="0">
+                <a:solidFill>
+                  <a:schemeClr val="tx2"/>
+                </a:solidFill>
+                <a:latin typeface="+mn-lt"/>
+                <a:ea typeface="+mn-ea"/>
+                <a:cs typeface="+mn-cs"/>
+              </a:defRPr>
+            </a:lvl4pPr>
+            <a:lvl5pPr marL="2286000" indent="-384048" algn="l" defTabSz="914400" rtl="0" eaLnBrk="1" latinLnBrk="0" hangingPunct="1">
+              <a:lnSpc>
+                <a:spcPct val="94000"/>
+              </a:lnSpc>
+              <a:spcBef>
+                <a:spcPts val="500"/>
+              </a:spcBef>
+              <a:spcAft>
+                <a:spcPts val="200"/>
+              </a:spcAft>
+              <a:buFont typeface="Franklin Gothic Book" panose="020B0503020102020204" pitchFamily="34" charset="0"/>
+              <a:buChar char="■"/>
+              <a:defRPr sz="1600" kern="1200" baseline="0">
+                <a:solidFill>
+                  <a:schemeClr val="tx2"/>
+                </a:solidFill>
+                <a:latin typeface="+mn-lt"/>
+                <a:ea typeface="+mn-ea"/>
+                <a:cs typeface="+mn-cs"/>
+              </a:defRPr>
+            </a:lvl5pPr>
+            <a:lvl6pPr marL="2743200" indent="-384048" algn="l" defTabSz="914400" rtl="0" eaLnBrk="1" latinLnBrk="0" hangingPunct="1">
+              <a:lnSpc>
+                <a:spcPct val="94000"/>
+              </a:lnSpc>
+              <a:spcBef>
+                <a:spcPts val="500"/>
+              </a:spcBef>
+              <a:spcAft>
+                <a:spcPts val="200"/>
+              </a:spcAft>
+              <a:buFont typeface="Franklin Gothic Book" panose="020B0503020102020204" pitchFamily="34" charset="0"/>
+              <a:buChar char="–"/>
+              <a:defRPr sz="1600" i="1" kern="1200" baseline="0">
+                <a:solidFill>
+                  <a:schemeClr val="tx2"/>
+                </a:solidFill>
+                <a:latin typeface="+mn-lt"/>
+                <a:ea typeface="+mn-ea"/>
+                <a:cs typeface="+mn-cs"/>
+              </a:defRPr>
+            </a:lvl6pPr>
+            <a:lvl7pPr marL="3200400" indent="-384048" algn="l" defTabSz="914400" rtl="0" eaLnBrk="1" latinLnBrk="0" hangingPunct="1">
+              <a:lnSpc>
+                <a:spcPct val="94000"/>
+              </a:lnSpc>
+              <a:spcBef>
+                <a:spcPts val="500"/>
+              </a:spcBef>
+              <a:spcAft>
+                <a:spcPts val="200"/>
+              </a:spcAft>
+              <a:buFont typeface="Franklin Gothic Book" panose="020B0503020102020204" pitchFamily="34" charset="0"/>
+              <a:buChar char="■"/>
+              <a:defRPr sz="1400" kern="1200" baseline="0">
+                <a:solidFill>
+                  <a:schemeClr val="tx2"/>
+                </a:solidFill>
+                <a:latin typeface="+mn-lt"/>
+                <a:ea typeface="+mn-ea"/>
+                <a:cs typeface="+mn-cs"/>
+              </a:defRPr>
+            </a:lvl7pPr>
+            <a:lvl8pPr marL="3657600" indent="-384048" algn="l" defTabSz="914400" rtl="0" eaLnBrk="1" latinLnBrk="0" hangingPunct="1">
+              <a:lnSpc>
+                <a:spcPct val="94000"/>
+              </a:lnSpc>
+              <a:spcBef>
+                <a:spcPts val="500"/>
+              </a:spcBef>
+              <a:spcAft>
+                <a:spcPts val="200"/>
+              </a:spcAft>
+              <a:buFont typeface="Franklin Gothic Book" panose="020B0503020102020204" pitchFamily="34" charset="0"/>
+              <a:buChar char="–"/>
+              <a:defRPr sz="1400" i="1" kern="1200" baseline="0">
+                <a:solidFill>
+                  <a:schemeClr val="tx2"/>
+                </a:solidFill>
+                <a:latin typeface="+mn-lt"/>
+                <a:ea typeface="+mn-ea"/>
+                <a:cs typeface="+mn-cs"/>
+              </a:defRPr>
+            </a:lvl8pPr>
+            <a:lvl9pPr marL="4114800" indent="-384048" algn="l" defTabSz="914400" rtl="0" eaLnBrk="1" latinLnBrk="0" hangingPunct="1">
+              <a:lnSpc>
+                <a:spcPct val="94000"/>
+              </a:lnSpc>
+              <a:spcBef>
+                <a:spcPts val="500"/>
+              </a:spcBef>
+              <a:spcAft>
+                <a:spcPts val="200"/>
+              </a:spcAft>
+              <a:buFont typeface="Franklin Gothic Book" panose="020B0503020102020204" pitchFamily="34" charset="0"/>
+              <a:buChar char="■"/>
+              <a:defRPr sz="1400" kern="1200" baseline="0">
+                <a:solidFill>
+                  <a:schemeClr val="tx2"/>
+                </a:solidFill>
+                <a:latin typeface="+mn-lt"/>
+                <a:ea typeface="+mn-ea"/>
+                <a:cs typeface="+mn-cs"/>
+              </a:defRPr>
+            </a:lvl9pPr>
+          </a:lstStyle>
+          <a:p>
+            <a:endParaRPr lang="en-US" dirty="0"/>
+          </a:p>
+        </p:txBody>
+      </p:sp>
+      <p:sp>
+        <p:nvSpPr>
+          <p:cNvPr id="8" name="TextBox 7">
+            <a:extLst>
+              <a:ext uri="{FF2B5EF4-FFF2-40B4-BE49-F238E27FC236}">
+                <a16:creationId xmlns:a16="http://schemas.microsoft.com/office/drawing/2014/main" id="{DA1EC543-1113-4EC4-B98F-317D59E16CCE}"/>
+              </a:ext>
+            </a:extLst>
+          </p:cNvPr>
+          <p:cNvSpPr txBox="1"/>
+          <p:nvPr/>
+        </p:nvSpPr>
+        <p:spPr>
+          <a:xfrm>
+            <a:off x="6425961" y="1068743"/>
+            <a:ext cx="5001267" cy="2308324"/>
+          </a:xfrm>
+          <a:prstGeom prst="rect">
+            <a:avLst/>
+          </a:prstGeom>
+          <a:noFill/>
+        </p:spPr>
+        <p:txBody>
+          <a:bodyPr wrap="square" rtlCol="0">
+            <a:spAutoFit/>
+          </a:bodyPr>
+          <a:lstStyle/>
+          <a:p>
+            <a:r>
+              <a:rPr lang="en-US" i="1" dirty="0"/>
+              <a:t>x samples {5,10,15,20]; y labels=[3,4,3,5]</a:t>
+            </a:r>
+          </a:p>
+          <a:p>
+            <a:endParaRPr lang="en-US" b="1" dirty="0"/>
+          </a:p>
+          <a:p>
+            <a:r>
+              <a:rPr lang="en-US" b="1" dirty="0"/>
+              <a:t>Algorithm</a:t>
+            </a:r>
+            <a:r>
+              <a:rPr lang="en-US" dirty="0"/>
+              <a:t>:</a:t>
+            </a:r>
+          </a:p>
+          <a:p>
+            <a:pPr marL="285750" indent="-285750">
+              <a:buFontTx/>
+              <a:buChar char="-"/>
+            </a:pPr>
+            <a:r>
+              <a:rPr lang="en-US" dirty="0"/>
+              <a:t>Choose random W</a:t>
+            </a:r>
+            <a:r>
+              <a:rPr lang="en-US" baseline="-25000" dirty="0"/>
+              <a:t>0</a:t>
+            </a:r>
+            <a:r>
+              <a:rPr lang="en-US" dirty="0"/>
+              <a:t>,W</a:t>
+            </a:r>
+            <a:r>
+              <a:rPr lang="en-US" baseline="-25000" dirty="0"/>
+              <a:t>1 </a:t>
+            </a:r>
+            <a:endParaRPr lang="en-US" dirty="0"/>
+          </a:p>
+          <a:p>
+            <a:pPr marL="285750" indent="-285750">
+              <a:buFontTx/>
+              <a:buChar char="-"/>
+            </a:pPr>
+            <a:r>
+              <a:rPr lang="en-US" dirty="0"/>
+              <a:t>Calculate Error (MSE - Mean Square Error)</a:t>
+            </a:r>
+          </a:p>
+          <a:p>
+            <a:pPr marL="285750" indent="-285750">
+              <a:buFontTx/>
+              <a:buChar char="-"/>
+            </a:pPr>
+            <a:r>
+              <a:rPr lang="en-US" dirty="0"/>
+              <a:t>Adjust W to minimize MSE (</a:t>
+            </a:r>
+            <a:r>
+              <a:rPr lang="en-US" b="1" dirty="0"/>
+              <a:t>Gradient Descent</a:t>
+            </a:r>
+            <a:r>
+              <a:rPr lang="en-US" dirty="0"/>
+              <a:t>)</a:t>
+            </a:r>
+          </a:p>
+          <a:p>
+            <a:pPr marL="285750" indent="-285750">
+              <a:buFontTx/>
+              <a:buChar char="-"/>
+            </a:pPr>
+            <a:r>
+              <a:rPr lang="en-US" dirty="0"/>
+              <a:t>Iterate until minimum error</a:t>
+            </a:r>
+          </a:p>
+          <a:p>
+            <a:endParaRPr lang="en-US" dirty="0"/>
+          </a:p>
+        </p:txBody>
+      </p:sp>
+      <p:sp>
+        <p:nvSpPr>
+          <p:cNvPr id="9" name="TextBox 8">
+            <a:extLst>
+              <a:ext uri="{FF2B5EF4-FFF2-40B4-BE49-F238E27FC236}">
+                <a16:creationId xmlns:a16="http://schemas.microsoft.com/office/drawing/2014/main" id="{91835F0D-A177-4686-AE9C-D6CC013A80F4}"/>
+              </a:ext>
+            </a:extLst>
+          </p:cNvPr>
+          <p:cNvSpPr txBox="1"/>
+          <p:nvPr/>
+        </p:nvSpPr>
+        <p:spPr>
+          <a:xfrm>
+            <a:off x="5891999" y="3103408"/>
+            <a:ext cx="2132329" cy="261610"/>
+          </a:xfrm>
+          <a:prstGeom prst="rect">
+            <a:avLst/>
+          </a:prstGeom>
+          <a:noFill/>
+        </p:spPr>
+        <p:txBody>
+          <a:bodyPr wrap="square" rtlCol="0">
+            <a:spAutoFit/>
+          </a:bodyPr>
+          <a:lstStyle/>
+          <a:p>
+            <a:r>
+              <a:rPr lang="en-US" sz="1100" u="sng" dirty="0"/>
+              <a:t>10 </a:t>
+            </a:r>
+            <a:r>
+              <a:rPr lang="en-US" sz="1100" u="sng" dirty="0" err="1"/>
+              <a:t>SqM</a:t>
+            </a:r>
+            <a:endParaRPr lang="en-US" sz="1100" u="sng" dirty="0"/>
+          </a:p>
+        </p:txBody>
+      </p:sp>
+      <p:sp>
+        <p:nvSpPr>
+          <p:cNvPr id="11" name="TextBox 10">
+            <a:extLst>
+              <a:ext uri="{FF2B5EF4-FFF2-40B4-BE49-F238E27FC236}">
+                <a16:creationId xmlns:a16="http://schemas.microsoft.com/office/drawing/2014/main" id="{AA3FEAE4-D6C9-460F-A140-EC49558C6721}"/>
+              </a:ext>
+            </a:extLst>
+          </p:cNvPr>
+          <p:cNvSpPr txBox="1"/>
+          <p:nvPr/>
+        </p:nvSpPr>
+        <p:spPr>
+          <a:xfrm rot="16200000">
+            <a:off x="110951" y="1160135"/>
+            <a:ext cx="2132329" cy="261610"/>
+          </a:xfrm>
+          <a:prstGeom prst="rect">
+            <a:avLst/>
+          </a:prstGeom>
+          <a:noFill/>
+        </p:spPr>
+        <p:txBody>
+          <a:bodyPr wrap="square" rtlCol="0">
+            <a:spAutoFit/>
+          </a:bodyPr>
+          <a:lstStyle/>
+          <a:p>
+            <a:r>
+              <a:rPr lang="en-US" sz="1100" u="sng" dirty="0"/>
+              <a:t>100’s $</a:t>
+            </a:r>
+          </a:p>
+        </p:txBody>
+      </p:sp>
+      <mc:AlternateContent xmlns:mc="http://schemas.openxmlformats.org/markup-compatibility/2006" xmlns:a14="http://schemas.microsoft.com/office/drawing/2010/main">
+        <mc:Choice Requires="a14">
+          <p:sp>
+            <p:nvSpPr>
+              <p:cNvPr id="12" name="TextBox 11">
+                <a:extLst>
+                  <a:ext uri="{FF2B5EF4-FFF2-40B4-BE49-F238E27FC236}">
+                    <a16:creationId xmlns:a16="http://schemas.microsoft.com/office/drawing/2014/main" id="{97072DA4-4D02-480C-BF22-44BD5895F9C8}"/>
+                  </a:ext>
+                </a:extLst>
+              </p:cNvPr>
+              <p:cNvSpPr txBox="1"/>
+              <p:nvPr/>
+            </p:nvSpPr>
+            <p:spPr>
+              <a:xfrm>
+                <a:off x="1065313" y="3481520"/>
+                <a:ext cx="4238208" cy="2715552"/>
+              </a:xfrm>
+              <a:prstGeom prst="rect">
+                <a:avLst/>
+              </a:prstGeom>
+              <a:noFill/>
+            </p:spPr>
+            <p:txBody>
+              <a:bodyPr wrap="square" rtlCol="0">
+                <a:spAutoFit/>
+              </a:bodyPr>
+              <a:lstStyle/>
+              <a:p>
+                <a:r>
+                  <a:rPr lang="en-US" b="1" dirty="0"/>
+                  <a:t>Iteration:</a:t>
+                </a:r>
+              </a:p>
+              <a:p>
+                <a:pPr marL="285750" indent="-285750">
+                  <a:buFontTx/>
+                  <a:buChar char="-"/>
+                </a:pPr>
+                <a:r>
+                  <a:rPr lang="en-US" dirty="0"/>
+                  <a:t>Set W</a:t>
+                </a:r>
+                <a:r>
+                  <a:rPr lang="en-US" baseline="-25000" dirty="0"/>
+                  <a:t>0</a:t>
+                </a:r>
+                <a:r>
+                  <a:rPr lang="en-US" dirty="0"/>
+                  <a:t>,W</a:t>
+                </a:r>
+                <a:r>
+                  <a:rPr lang="en-US" baseline="-25000" dirty="0"/>
+                  <a:t>1</a:t>
+                </a:r>
+                <a:r>
+                  <a:rPr lang="en-US" dirty="0"/>
+                  <a:t> = 1,1 </a:t>
+                </a:r>
+                <a:r>
+                  <a:rPr lang="en-US" dirty="0" err="1"/>
+                  <a:t>ie</a:t>
+                </a:r>
+                <a:r>
+                  <a:rPr lang="en-US" dirty="0"/>
+                  <a:t>, y = x + 1</a:t>
+                </a:r>
+              </a:p>
+              <a:p>
+                <a:pPr marL="285750" indent="-285750">
+                  <a:buFontTx/>
+                  <a:buChar char="-"/>
+                </a:pPr>
+                <a:r>
+                  <a:rPr lang="en-US" dirty="0"/>
+                  <a:t>Calculate Error(E) - MSE = </a:t>
+                </a:r>
+                <a14:m>
+                  <m:oMath xmlns:m="http://schemas.openxmlformats.org/officeDocument/2006/math">
+                    <m:r>
+                      <m:rPr>
+                        <m:sty m:val="p"/>
+                      </m:rPr>
+                      <a:rPr lang="el-GR" i="0" dirty="0" smtClean="0">
+                        <a:latin typeface="Cambria Math" panose="02040503050406030204" pitchFamily="18" charset="0"/>
+                      </a:rPr>
+                      <m:t>Σ</m:t>
+                    </m:r>
+                  </m:oMath>
+                </a14:m>
+                <a:r>
+                  <a:rPr lang="en-US" dirty="0"/>
+                  <a:t>(</a:t>
+                </a:r>
+                <a:r>
+                  <a:rPr lang="en-US" dirty="0" err="1"/>
+                  <a:t>y</a:t>
+                </a:r>
+                <a:r>
+                  <a:rPr lang="en-US" baseline="30000" dirty="0" err="1"/>
+                  <a:t>i</a:t>
+                </a:r>
+                <a:r>
+                  <a:rPr lang="en-US" dirty="0"/>
+                  <a:t> – f(x</a:t>
+                </a:r>
+                <a:r>
+                  <a:rPr lang="en-US" baseline="30000" dirty="0"/>
+                  <a:t>i</a:t>
+                </a:r>
+                <a:r>
+                  <a:rPr lang="en-US" dirty="0"/>
+                  <a:t>))</a:t>
+                </a:r>
+              </a:p>
+              <a:p>
+                <a:pPr marL="285750" indent="-285750">
+                  <a:buFontTx/>
+                  <a:buChar char="-"/>
+                </a:pPr>
+                <a:r>
+                  <a:rPr lang="en-US" dirty="0"/>
+                  <a:t>Calculate Gradients - </a:t>
+                </a:r>
+                <a14:m>
+                  <m:oMath xmlns:m="http://schemas.openxmlformats.org/officeDocument/2006/math">
+                    <m:f>
+                      <m:fPr>
+                        <m:ctrlPr>
+                          <a:rPr lang="en-US" i="1">
+                            <a:latin typeface="Cambria Math" panose="02040503050406030204" pitchFamily="18" charset="0"/>
+                          </a:rPr>
+                        </m:ctrlPr>
+                      </m:fPr>
+                      <m:num>
+                        <m:r>
+                          <a:rPr lang="en-US" i="1">
+                            <a:latin typeface="Cambria Math" panose="02040503050406030204" pitchFamily="18" charset="0"/>
+                          </a:rPr>
+                          <m:t>𝜕</m:t>
+                        </m:r>
+                        <m:r>
+                          <a:rPr lang="en-US" i="1">
+                            <a:latin typeface="Cambria Math" panose="02040503050406030204" pitchFamily="18" charset="0"/>
+                          </a:rPr>
+                          <m:t>𝐸</m:t>
+                        </m:r>
+                      </m:num>
+                      <m:den>
+                        <m:r>
+                          <a:rPr lang="en-US" i="1">
+                            <a:latin typeface="Cambria Math" panose="02040503050406030204" pitchFamily="18" charset="0"/>
+                          </a:rPr>
+                          <m:t>𝜕</m:t>
+                        </m:r>
+                        <m:r>
+                          <m:rPr>
+                            <m:nor/>
+                          </m:rPr>
+                          <a:rPr lang="en-US" i="1" dirty="0">
+                            <a:latin typeface="Cambria Math" panose="02040503050406030204" pitchFamily="18" charset="0"/>
+                          </a:rPr>
+                          <m:t>W</m:t>
+                        </m:r>
+                        <m:r>
+                          <m:rPr>
+                            <m:nor/>
+                          </m:rPr>
+                          <a:rPr lang="en-US" i="1" baseline="-25000" dirty="0">
+                            <a:latin typeface="Cambria Math" panose="02040503050406030204" pitchFamily="18" charset="0"/>
+                          </a:rPr>
+                          <m:t>0</m:t>
+                        </m:r>
+                      </m:den>
+                    </m:f>
+                  </m:oMath>
+                </a14:m>
+                <a:r>
+                  <a:rPr lang="en-US" i="1" dirty="0">
+                    <a:latin typeface="Cambria Math" panose="02040503050406030204" pitchFamily="18" charset="0"/>
+                  </a:rPr>
+                  <a:t> </a:t>
+                </a:r>
+                <a:r>
+                  <a:rPr lang="en-US" dirty="0">
+                    <a:latin typeface="Cambria Math" panose="02040503050406030204" pitchFamily="18" charset="0"/>
+                  </a:rPr>
+                  <a:t>and </a:t>
+                </a:r>
+                <a14:m>
+                  <m:oMath xmlns:m="http://schemas.openxmlformats.org/officeDocument/2006/math">
+                    <m:f>
+                      <m:fPr>
+                        <m:ctrlPr>
+                          <a:rPr lang="en-US" i="1">
+                            <a:latin typeface="Cambria Math" panose="02040503050406030204" pitchFamily="18" charset="0"/>
+                          </a:rPr>
+                        </m:ctrlPr>
+                      </m:fPr>
+                      <m:num>
+                        <m:r>
+                          <a:rPr lang="en-US" i="1">
+                            <a:latin typeface="Cambria Math" panose="02040503050406030204" pitchFamily="18" charset="0"/>
+                          </a:rPr>
+                          <m:t>𝜕</m:t>
+                        </m:r>
+                        <m:r>
+                          <a:rPr lang="en-US" i="1">
+                            <a:latin typeface="Cambria Math" panose="02040503050406030204" pitchFamily="18" charset="0"/>
+                          </a:rPr>
+                          <m:t>𝐸</m:t>
+                        </m:r>
+                      </m:num>
+                      <m:den>
+                        <m:r>
+                          <a:rPr lang="en-US" i="1">
+                            <a:latin typeface="Cambria Math" panose="02040503050406030204" pitchFamily="18" charset="0"/>
+                          </a:rPr>
+                          <m:t>𝜕</m:t>
+                        </m:r>
+                        <m:r>
+                          <m:rPr>
+                            <m:nor/>
+                          </m:rPr>
+                          <a:rPr lang="en-US" i="1" dirty="0">
+                            <a:latin typeface="Cambria Math" panose="02040503050406030204" pitchFamily="18" charset="0"/>
+                          </a:rPr>
+                          <m:t>W</m:t>
+                        </m:r>
+                        <m:r>
+                          <m:rPr>
+                            <m:nor/>
+                          </m:rPr>
+                          <a:rPr lang="en-US" b="0" i="1" baseline="-25000" dirty="0" smtClean="0">
+                            <a:latin typeface="Cambria Math" panose="02040503050406030204" pitchFamily="18" charset="0"/>
+                          </a:rPr>
+                          <m:t>1</m:t>
+                        </m:r>
+                      </m:den>
+                    </m:f>
+                  </m:oMath>
+                </a14:m>
+                <a:r>
+                  <a:rPr lang="en-US" i="1" dirty="0">
+                    <a:latin typeface="Cambria Math" panose="02040503050406030204" pitchFamily="18" charset="0"/>
+                  </a:rPr>
+                  <a:t> </a:t>
+                </a:r>
+                <a:endParaRPr lang="en-US" dirty="0">
+                  <a:latin typeface="Cambria Math" panose="02040503050406030204" pitchFamily="18" charset="0"/>
+                </a:endParaRPr>
+              </a:p>
+              <a:p>
+                <a:pPr marL="285750" indent="-285750">
+                  <a:buFontTx/>
+                  <a:buChar char="-"/>
+                </a:pPr>
+                <a:r>
+                  <a:rPr lang="en-US" dirty="0"/>
+                  <a:t>Adjust W</a:t>
+                </a:r>
+                <a:r>
+                  <a:rPr lang="en-US" baseline="-25000" dirty="0"/>
+                  <a:t>0</a:t>
+                </a:r>
+                <a:r>
+                  <a:rPr lang="en-US" dirty="0"/>
+                  <a:t>,W</a:t>
+                </a:r>
+                <a:r>
+                  <a:rPr lang="en-US" baseline="-25000" dirty="0"/>
+                  <a:t>1</a:t>
+                </a:r>
+                <a:r>
+                  <a:rPr lang="en-US" dirty="0"/>
+                  <a:t> by Gradients</a:t>
+                </a:r>
+              </a:p>
+              <a:p>
+                <a:pPr marL="285750" indent="-285750">
+                  <a:buFontTx/>
+                  <a:buChar char="-"/>
+                </a:pPr>
+                <a:r>
+                  <a:rPr lang="en-US" dirty="0"/>
+                  <a:t>Iterate until Error is </a:t>
+                </a:r>
+                <a:r>
+                  <a:rPr lang="en-US" dirty="0" err="1"/>
+                  <a:t>mimimized</a:t>
+                </a:r>
+                <a:endParaRPr lang="en-US" dirty="0"/>
+              </a:p>
+              <a:p>
+                <a:r>
+                  <a:rPr lang="en-US" dirty="0"/>
+                  <a:t> </a:t>
+                </a:r>
+              </a:p>
+              <a:p>
+                <a:endParaRPr lang="en-US" dirty="0"/>
+              </a:p>
+              <a:p>
+                <a:endParaRPr lang="en-US" dirty="0"/>
+              </a:p>
+            </p:txBody>
+          </p:sp>
+        </mc:Choice>
+        <mc:Fallback xmlns="">
+          <p:sp>
+            <p:nvSpPr>
+              <p:cNvPr id="12" name="TextBox 11">
+                <a:extLst>
+                  <a:ext uri="{FF2B5EF4-FFF2-40B4-BE49-F238E27FC236}">
+                    <a16:creationId xmlns:a16="http://schemas.microsoft.com/office/drawing/2014/main" id="{97072DA4-4D02-480C-BF22-44BD5895F9C8}"/>
+                  </a:ext>
+                </a:extLst>
+              </p:cNvPr>
+              <p:cNvSpPr txBox="1">
+                <a:spLocks noRot="1" noChangeAspect="1" noMove="1" noResize="1" noEditPoints="1" noAdjustHandles="1" noChangeArrowheads="1" noChangeShapeType="1" noTextEdit="1"/>
+              </p:cNvSpPr>
+              <p:nvPr/>
+            </p:nvSpPr>
+            <p:spPr>
+              <a:xfrm>
+                <a:off x="1065313" y="3481520"/>
+                <a:ext cx="4238208" cy="2715552"/>
+              </a:xfrm>
+              <a:prstGeom prst="rect">
+                <a:avLst/>
+              </a:prstGeom>
+              <a:blipFill>
+                <a:blip r:embed="rId3"/>
+                <a:stretch>
+                  <a:fillRect l="-1295" t="-1121"/>
+                </a:stretch>
+              </a:blipFill>
+            </p:spPr>
+            <p:txBody>
+              <a:bodyPr/>
+              <a:lstStyle/>
+              <a:p>
+                <a:r>
+                  <a:rPr lang="en-US">
+                    <a:noFill/>
+                  </a:rPr>
+                  <a:t> </a:t>
+                </a:r>
+              </a:p>
+            </p:txBody>
+          </p:sp>
+        </mc:Fallback>
+      </mc:AlternateContent>
+      <p:graphicFrame>
+        <p:nvGraphicFramePr>
+          <p:cNvPr id="10" name="Content Placeholder 6">
+            <a:extLst>
+              <a:ext uri="{FF2B5EF4-FFF2-40B4-BE49-F238E27FC236}">
+                <a16:creationId xmlns:a16="http://schemas.microsoft.com/office/drawing/2014/main" id="{BA4F4E91-13F5-4668-A92D-800B3C02DA3A}"/>
+              </a:ext>
+            </a:extLst>
+          </p:cNvPr>
+          <p:cNvGraphicFramePr>
+            <a:graphicFrameLocks/>
+          </p:cNvGraphicFramePr>
+          <p:nvPr>
+            <p:extLst/>
+          </p:nvPr>
+        </p:nvGraphicFramePr>
+        <p:xfrm>
+          <a:off x="6183168" y="3654066"/>
+          <a:ext cx="5698489" cy="3090327"/>
+        </p:xfrm>
+        <a:graphic>
+          <a:graphicData uri="http://schemas.openxmlformats.org/drawingml/2006/chart">
+            <c:chart xmlns:c="http://schemas.openxmlformats.org/drawingml/2006/chart" xmlns:r="http://schemas.openxmlformats.org/officeDocument/2006/relationships" r:id="rId4"/>
+          </a:graphicData>
+        </a:graphic>
+      </p:graphicFrame>
+    </p:spTree>
+    <p:extLst>
+      <p:ext uri="{BB962C8B-B14F-4D97-AF65-F5344CB8AC3E}">
+        <p14:creationId xmlns:p14="http://schemas.microsoft.com/office/powerpoint/2010/main" val="3091396425"/>
+      </p:ext>
+    </p:extLst>
+  </p:cSld>
+  <p:clrMapOvr>
+    <a:masterClrMapping/>
+  </p:clrMapOvr>
+</p:sld>
+</file>
+
 <file path=ppt/slides/slide3.xml><?xml version="1.0" encoding="utf-8"?>
 <p:sld xmlns:a="http://schemas.openxmlformats.org/drawingml/2006/main" xmlns:r="http://schemas.openxmlformats.org/officeDocument/2006/relationships" xmlns:p="http://schemas.openxmlformats.org/presentationml/2006/main">
   <p:cSld>
@@ -36974,68 +38168,6 @@
       </p:sp>
       <p:sp>
         <p:nvSpPr>
-          <p:cNvPr id="3" name="Content Placeholder 2">
-            <a:extLst>
-              <a:ext uri="{FF2B5EF4-FFF2-40B4-BE49-F238E27FC236}">
-                <a16:creationId xmlns:a16="http://schemas.microsoft.com/office/drawing/2014/main" id="{890E8DCC-CEBE-42F0-BEE6-20CE768757A8}"/>
-              </a:ext>
-            </a:extLst>
-          </p:cNvPr>
-          <p:cNvSpPr>
-            <a:spLocks noGrp="1"/>
-          </p:cNvSpPr>
-          <p:nvPr>
-            <p:ph idx="1"/>
-          </p:nvPr>
-        </p:nvSpPr>
-        <p:spPr>
-          <a:xfrm>
-            <a:off x="8342604" y="72568"/>
-            <a:ext cx="5955835" cy="1634312"/>
-          </a:xfrm>
-        </p:spPr>
-        <p:txBody>
-          <a:bodyPr>
-            <a:noAutofit/>
-          </a:bodyPr>
-          <a:lstStyle/>
-          <a:p>
-            <a:r>
-              <a:rPr lang="en-US" sz="800" dirty="0"/>
-              <a:t>Other key factors:</a:t>
-            </a:r>
-          </a:p>
-          <a:p>
-            <a:pPr lvl="0"/>
-            <a:r>
-              <a:rPr lang="en-US" sz="800" dirty="0"/>
-              <a:t>+ (Perf) - 97 Deep Blue - 10,000,000 x faster than 1950’s</a:t>
-            </a:r>
-          </a:p>
-          <a:p>
-            <a:pPr lvl="0"/>
-            <a:r>
-              <a:rPr lang="en-US" sz="800" dirty="0"/>
-              <a:t>+ (GPU) - 10-100x faster than CPU, TPU/ASIC 5-10x faster than GPU</a:t>
-            </a:r>
-          </a:p>
-          <a:p>
-            <a:pPr lvl="0"/>
-            <a:r>
-              <a:rPr lang="en-US" sz="800" dirty="0"/>
-              <a:t>+ Neural Network and Training (Backprop)</a:t>
-            </a:r>
-          </a:p>
-          <a:p>
-            <a:r>
-              <a:rPr lang="en-US" sz="800" dirty="0"/>
-              <a:t>- Richard Dawkins - natural selection w/ fitness function (similar to ML ?)</a:t>
-            </a:r>
-          </a:p>
-        </p:txBody>
-      </p:sp>
-      <p:sp>
-        <p:nvSpPr>
           <p:cNvPr id="4" name="Content Placeholder 2">
             <a:extLst>
               <a:ext uri="{FF2B5EF4-FFF2-40B4-BE49-F238E27FC236}">
@@ -37340,7 +38472,7 @@
           <p:nvPr>
             <p:extLst>
               <p:ext uri="{D42A27DB-BD31-4B8C-83A1-F6EECF244321}">
-                <p14:modId xmlns:p14="http://schemas.microsoft.com/office/powerpoint/2010/main" val="3456574836"/>
+                <p14:modId xmlns:p14="http://schemas.microsoft.com/office/powerpoint/2010/main" val="2482292203"/>
               </p:ext>
             </p:extLst>
           </p:nvPr>
@@ -37355,54 +38487,6 @@
           </a:graphicData>
         </a:graphic>
       </p:graphicFrame>
-      <p:sp>
-        <p:nvSpPr>
-          <p:cNvPr id="8" name="Rectangle 7">
-            <a:extLst>
-              <a:ext uri="{FF2B5EF4-FFF2-40B4-BE49-F238E27FC236}">
-                <a16:creationId xmlns:a16="http://schemas.microsoft.com/office/drawing/2014/main" id="{C1898BBB-64EB-44B8-907A-021F18BA6AAB}"/>
-              </a:ext>
-            </a:extLst>
-          </p:cNvPr>
-          <p:cNvSpPr/>
-          <p:nvPr/>
-        </p:nvSpPr>
-        <p:spPr>
-          <a:xfrm rot="1956828">
-            <a:off x="3715390" y="2525278"/>
-            <a:ext cx="5849291" cy="1569660"/>
-          </a:xfrm>
-          <a:prstGeom prst="rect">
-            <a:avLst/>
-          </a:prstGeom>
-          <a:noFill/>
-        </p:spPr>
-        <p:txBody>
-          <a:bodyPr wrap="square" lIns="91440" tIns="45720" rIns="91440" bIns="45720">
-            <a:spAutoFit/>
-          </a:bodyPr>
-          <a:lstStyle/>
-          <a:p>
-            <a:pPr algn="ctr"/>
-            <a:r>
-              <a:rPr lang="en-US" sz="9600" b="0" cap="none" spc="0" dirty="0">
-                <a:ln w="0"/>
-                <a:solidFill>
-                  <a:srgbClr val="FF0000"/>
-                </a:solidFill>
-                <a:effectLst>
-                  <a:outerShdw blurRad="38100" dist="25400" dir="5400000" algn="ctr" rotWithShape="0">
-                    <a:srgbClr val="6E747A">
-                      <a:alpha val="43000"/>
-                    </a:srgbClr>
-                  </a:outerShdw>
-                </a:effectLst>
-              </a:rPr>
-              <a:t>Redo</a:t>
-            </a:r>
-          </a:p>
-        </p:txBody>
-      </p:sp>
     </p:spTree>
     <p:extLst>
       <p:ext uri="{BB962C8B-B14F-4D97-AF65-F5344CB8AC3E}">

--- a/talks/MachineLearning101.pptx
+++ b/talks/MachineLearning101.pptx
@@ -10,8 +10,8 @@
   <p:sldIdLst>
     <p:sldId id="256" r:id="rId2"/>
     <p:sldId id="257" r:id="rId3"/>
-    <p:sldId id="258" r:id="rId4"/>
-    <p:sldId id="281" r:id="rId5"/>
+    <p:sldId id="281" r:id="rId4"/>
+    <p:sldId id="258" r:id="rId5"/>
     <p:sldId id="284" r:id="rId6"/>
     <p:sldId id="274" r:id="rId7"/>
     <p:sldId id="261" r:id="rId8"/>
@@ -32649,43 +32649,6 @@
       </p:grpSpPr>
       <p:sp>
         <p:nvSpPr>
-          <p:cNvPr id="2" name="Title 1">
-            <a:extLst>
-              <a:ext uri="{FF2B5EF4-FFF2-40B4-BE49-F238E27FC236}">
-                <a16:creationId xmlns:a16="http://schemas.microsoft.com/office/drawing/2014/main" id="{E3AE6D77-A7F8-4F3F-B32B-E74CD59F0F03}"/>
-              </a:ext>
-            </a:extLst>
-          </p:cNvPr>
-          <p:cNvSpPr>
-            <a:spLocks noGrp="1"/>
-          </p:cNvSpPr>
-          <p:nvPr>
-            <p:ph type="title"/>
-          </p:nvPr>
-        </p:nvSpPr>
-        <p:spPr>
-          <a:xfrm>
-            <a:off x="1371600" y="685800"/>
-            <a:ext cx="9601200" cy="820947"/>
-          </a:xfrm>
-        </p:spPr>
-        <p:txBody>
-          <a:bodyPr/>
-          <a:lstStyle/>
-          <a:p>
-            <a:r>
-              <a:rPr lang="en-US" dirty="0" err="1"/>
-              <a:t>ToC</a:t>
-            </a:r>
-            <a:r>
-              <a:rPr lang="en-US" dirty="0"/>
-              <a:t> </a:t>
-            </a:r>
-          </a:p>
-        </p:txBody>
-      </p:sp>
-      <p:sp>
-        <p:nvSpPr>
           <p:cNvPr id="3" name="Content Placeholder 2">
             <a:extLst>
               <a:ext uri="{FF2B5EF4-FFF2-40B4-BE49-F238E27FC236}">
@@ -32708,97 +32671,111 @@
         </p:spPr>
         <p:txBody>
           <a:bodyPr>
-            <a:normAutofit fontScale="92500" lnSpcReduction="10000"/>
+            <a:normAutofit/>
           </a:bodyPr>
           <a:lstStyle/>
           <a:p>
+            <a:endParaRPr lang="en-US" dirty="0"/>
+          </a:p>
+          <a:p>
             <a:r>
               <a:rPr lang="en-US" dirty="0"/>
-              <a:t>AI 101</a:t>
-            </a:r>
+              <a:t>I’m not an AI/ML expert nor Data Scientist</a:t>
+            </a:r>
+          </a:p>
+          <a:p>
+            <a:endParaRPr lang="en-US" dirty="0"/>
           </a:p>
           <a:p>
             <a:r>
               <a:rPr lang="en-US" dirty="0"/>
-              <a:t>What is Machine Learning</a:t>
-            </a:r>
-          </a:p>
-          <a:p>
+              <a:t>I suspect this is ~70% technically correct due to generalizations to </a:t>
+            </a:r>
+            <a:r>
+              <a:rPr lang="en-US" dirty="0" err="1"/>
+              <a:t>simpifly</a:t>
+            </a:r>
             <a:r>
               <a:rPr lang="en-US" dirty="0"/>
-              <a:t>History of AI / Machine Learning</a:t>
-            </a:r>
+              <a:t> topics</a:t>
+            </a:r>
+          </a:p>
+          <a:p>
+            <a:endParaRPr lang="en-US" dirty="0"/>
           </a:p>
           <a:p>
             <a:r>
               <a:rPr lang="en-US" dirty="0"/>
-              <a:t>Why ML So Hot Today ?</a:t>
-            </a:r>
+              <a:t>References are added wherever possible – do your own research and form your own conclusions!</a:t>
+            </a:r>
+          </a:p>
+          <a:p>
+            <a:endParaRPr lang="en-US" dirty="0"/>
           </a:p>
           <a:p>
             <a:r>
               <a:rPr lang="en-US" dirty="0"/>
-              <a:t>Classes of Machine Learning</a:t>
-            </a:r>
-          </a:p>
-          <a:p>
-            <a:r>
-              <a:rPr lang="en-US" dirty="0"/>
-              <a:t>Machine learning workflow</a:t>
-            </a:r>
-          </a:p>
-          <a:p>
-            <a:r>
-              <a:rPr lang="en-US" dirty="0"/>
-              <a:t>Example of “Machine Learning” – Linear Regression ? (the basics)</a:t>
-            </a:r>
-          </a:p>
-          <a:p>
-            <a:r>
-              <a:rPr lang="en-US" dirty="0"/>
-              <a:t>Example of “Machine Learning” – pt2</a:t>
-            </a:r>
-          </a:p>
-          <a:p>
-            <a:r>
-              <a:rPr lang="en-US" dirty="0"/>
-              <a:t>Example of “Machine Learning” – Logistic Regression</a:t>
-            </a:r>
-          </a:p>
-          <a:p>
-            <a:r>
-              <a:rPr lang="en-US" dirty="0"/>
-              <a:t>Computers and the Brain (von Neuman)</a:t>
-            </a:r>
-          </a:p>
-          <a:p>
-            <a:r>
-              <a:rPr lang="en-US" dirty="0"/>
-              <a:t>Extended example of “Machine Learning” – Neural Network</a:t>
-            </a:r>
-          </a:p>
-          <a:p>
-            <a:r>
-              <a:rPr lang="en-US" dirty="0"/>
-              <a:t>Types of Neural Networks, FF, CNN, RNN, </a:t>
-            </a:r>
-          </a:p>
-          <a:p>
-            <a:r>
-              <a:rPr lang="en-US" dirty="0"/>
-              <a:t>ML Landscape</a:t>
-            </a:r>
-          </a:p>
-          <a:p>
-            <a:r>
-              <a:rPr lang="en-US" dirty="0"/>
-              <a:t>State of AI &amp; Beware The Singularity ?</a:t>
+              <a:t>Topics are evolving very fast..</a:t>
             </a:r>
           </a:p>
           <a:p>
             <a:pPr marL="0" indent="0">
               <a:buNone/>
             </a:pPr>
+            <a:endParaRPr lang="en-US" dirty="0"/>
+          </a:p>
+          <a:p>
+            <a:pPr marL="0" indent="0">
+              <a:buNone/>
+            </a:pPr>
+            <a:endParaRPr lang="en-US" dirty="0"/>
+          </a:p>
+          <a:p>
+            <a:pPr marL="0" indent="0">
+              <a:buNone/>
+            </a:pPr>
+            <a:endParaRPr lang="en-US" dirty="0"/>
+          </a:p>
+        </p:txBody>
+      </p:sp>
+      <p:sp>
+        <p:nvSpPr>
+          <p:cNvPr id="4" name="Title 3">
+            <a:extLst>
+              <a:ext uri="{FF2B5EF4-FFF2-40B4-BE49-F238E27FC236}">
+                <a16:creationId xmlns:a16="http://schemas.microsoft.com/office/drawing/2014/main" id="{42A3613E-632D-4B36-B0D3-806ADBF0ED86}"/>
+              </a:ext>
+            </a:extLst>
+          </p:cNvPr>
+          <p:cNvSpPr>
+            <a:spLocks noGrp="1"/>
+          </p:cNvSpPr>
+          <p:nvPr>
+            <p:ph type="title"/>
+          </p:nvPr>
+        </p:nvSpPr>
+        <p:spPr>
+          <a:xfrm>
+            <a:off x="1371600" y="685800"/>
+            <a:ext cx="9601200" cy="741784"/>
+          </a:xfrm>
+        </p:spPr>
+        <p:txBody>
+          <a:bodyPr>
+            <a:normAutofit fontScale="90000"/>
+          </a:bodyPr>
+          <a:lstStyle/>
+          <a:p>
+            <a:r>
+              <a:rPr lang="en-US" dirty="0"/>
+              <a:t>Warning !</a:t>
+            </a:r>
+            <a:br>
+              <a:rPr lang="en-US" dirty="0"/>
+            </a:br>
+            <a:br>
+              <a:rPr lang="en-US" dirty="0"/>
+            </a:br>
             <a:endParaRPr lang="en-US" dirty="0"/>
           </a:p>
         </p:txBody>
@@ -36009,6 +35986,356 @@
           <a:chExt cx="0" cy="0"/>
         </a:xfrm>
       </p:grpSpPr>
+      <p:sp>
+        <p:nvSpPr>
+          <p:cNvPr id="2" name="Title 1">
+            <a:extLst>
+              <a:ext uri="{FF2B5EF4-FFF2-40B4-BE49-F238E27FC236}">
+                <a16:creationId xmlns:a16="http://schemas.microsoft.com/office/drawing/2014/main" id="{D1EBA635-2F7F-4838-A23A-2C3E13E2F1D5}"/>
+              </a:ext>
+            </a:extLst>
+          </p:cNvPr>
+          <p:cNvSpPr>
+            <a:spLocks noGrp="1"/>
+          </p:cNvSpPr>
+          <p:nvPr>
+            <p:ph type="title"/>
+          </p:nvPr>
+        </p:nvSpPr>
+        <p:spPr>
+          <a:xfrm>
+            <a:off x="1097045" y="281021"/>
+            <a:ext cx="9601200" cy="987729"/>
+          </a:xfrm>
+        </p:spPr>
+        <p:txBody>
+          <a:bodyPr/>
+          <a:lstStyle/>
+          <a:p>
+            <a:r>
+              <a:rPr lang="en-US" dirty="0"/>
+              <a:t>What is Data Science ?</a:t>
+            </a:r>
+          </a:p>
+        </p:txBody>
+      </p:sp>
+      <p:sp>
+        <p:nvSpPr>
+          <p:cNvPr id="4" name="Content Placeholder 2">
+            <a:extLst>
+              <a:ext uri="{FF2B5EF4-FFF2-40B4-BE49-F238E27FC236}">
+                <a16:creationId xmlns:a16="http://schemas.microsoft.com/office/drawing/2014/main" id="{CD97B703-0D68-4C3A-9692-C69CF75ED4AD}"/>
+              </a:ext>
+            </a:extLst>
+          </p:cNvPr>
+          <p:cNvSpPr txBox="1">
+            <a:spLocks/>
+          </p:cNvSpPr>
+          <p:nvPr/>
+        </p:nvSpPr>
+        <p:spPr>
+          <a:xfrm>
+            <a:off x="-215661" y="281021"/>
+            <a:ext cx="10550105" cy="5348378"/>
+          </a:xfrm>
+          <a:prstGeom prst="rect">
+            <a:avLst/>
+          </a:prstGeom>
+        </p:spPr>
+        <p:txBody>
+          <a:bodyPr vert="horz" lIns="91440" tIns="45720" rIns="91440" bIns="45720" rtlCol="0">
+            <a:normAutofit/>
+          </a:bodyPr>
+          <a:lstStyle>
+            <a:lvl1pPr marL="384048" indent="-384048" algn="l" defTabSz="914400" rtl="0" eaLnBrk="1" latinLnBrk="0" hangingPunct="1">
+              <a:lnSpc>
+                <a:spcPct val="94000"/>
+              </a:lnSpc>
+              <a:spcBef>
+                <a:spcPts val="1000"/>
+              </a:spcBef>
+              <a:spcAft>
+                <a:spcPts val="200"/>
+              </a:spcAft>
+              <a:buFont typeface="Franklin Gothic Book" panose="020B0503020102020204" pitchFamily="34" charset="0"/>
+              <a:buChar char="■"/>
+              <a:defRPr sz="2000" kern="1200" baseline="0">
+                <a:solidFill>
+                  <a:schemeClr val="tx2"/>
+                </a:solidFill>
+                <a:latin typeface="+mn-lt"/>
+                <a:ea typeface="+mn-ea"/>
+                <a:cs typeface="+mn-cs"/>
+              </a:defRPr>
+            </a:lvl1pPr>
+            <a:lvl2pPr marL="914400" indent="-384048" algn="l" defTabSz="914400" rtl="0" eaLnBrk="1" latinLnBrk="0" hangingPunct="1">
+              <a:lnSpc>
+                <a:spcPct val="94000"/>
+              </a:lnSpc>
+              <a:spcBef>
+                <a:spcPts val="500"/>
+              </a:spcBef>
+              <a:spcAft>
+                <a:spcPts val="200"/>
+              </a:spcAft>
+              <a:buFont typeface="Franklin Gothic Book" panose="020B0503020102020204" pitchFamily="34" charset="0"/>
+              <a:buChar char="–"/>
+              <a:defRPr sz="2000" i="1" kern="1200" baseline="0">
+                <a:solidFill>
+                  <a:schemeClr val="tx2"/>
+                </a:solidFill>
+                <a:latin typeface="+mn-lt"/>
+                <a:ea typeface="+mn-ea"/>
+                <a:cs typeface="+mn-cs"/>
+              </a:defRPr>
+            </a:lvl2pPr>
+            <a:lvl3pPr marL="1371600" indent="-384048" algn="l" defTabSz="914400" rtl="0" eaLnBrk="1" latinLnBrk="0" hangingPunct="1">
+              <a:lnSpc>
+                <a:spcPct val="94000"/>
+              </a:lnSpc>
+              <a:spcBef>
+                <a:spcPts val="500"/>
+              </a:spcBef>
+              <a:spcAft>
+                <a:spcPts val="200"/>
+              </a:spcAft>
+              <a:buFont typeface="Franklin Gothic Book" panose="020B0503020102020204" pitchFamily="34" charset="0"/>
+              <a:buChar char="■"/>
+              <a:defRPr sz="1800" kern="1200" baseline="0">
+                <a:solidFill>
+                  <a:schemeClr val="tx2"/>
+                </a:solidFill>
+                <a:latin typeface="+mn-lt"/>
+                <a:ea typeface="+mn-ea"/>
+                <a:cs typeface="+mn-cs"/>
+              </a:defRPr>
+            </a:lvl3pPr>
+            <a:lvl4pPr marL="1828800" indent="-384048" algn="l" defTabSz="914400" rtl="0" eaLnBrk="1" latinLnBrk="0" hangingPunct="1">
+              <a:lnSpc>
+                <a:spcPct val="94000"/>
+              </a:lnSpc>
+              <a:spcBef>
+                <a:spcPts val="500"/>
+              </a:spcBef>
+              <a:spcAft>
+                <a:spcPts val="200"/>
+              </a:spcAft>
+              <a:buFont typeface="Franklin Gothic Book" panose="020B0503020102020204" pitchFamily="34" charset="0"/>
+              <a:buChar char="–"/>
+              <a:defRPr sz="1800" i="1" kern="1200" baseline="0">
+                <a:solidFill>
+                  <a:schemeClr val="tx2"/>
+                </a:solidFill>
+                <a:latin typeface="+mn-lt"/>
+                <a:ea typeface="+mn-ea"/>
+                <a:cs typeface="+mn-cs"/>
+              </a:defRPr>
+            </a:lvl4pPr>
+            <a:lvl5pPr marL="2286000" indent="-384048" algn="l" defTabSz="914400" rtl="0" eaLnBrk="1" latinLnBrk="0" hangingPunct="1">
+              <a:lnSpc>
+                <a:spcPct val="94000"/>
+              </a:lnSpc>
+              <a:spcBef>
+                <a:spcPts val="500"/>
+              </a:spcBef>
+              <a:spcAft>
+                <a:spcPts val="200"/>
+              </a:spcAft>
+              <a:buFont typeface="Franklin Gothic Book" panose="020B0503020102020204" pitchFamily="34" charset="0"/>
+              <a:buChar char="■"/>
+              <a:defRPr sz="1600" kern="1200" baseline="0">
+                <a:solidFill>
+                  <a:schemeClr val="tx2"/>
+                </a:solidFill>
+                <a:latin typeface="+mn-lt"/>
+                <a:ea typeface="+mn-ea"/>
+                <a:cs typeface="+mn-cs"/>
+              </a:defRPr>
+            </a:lvl5pPr>
+            <a:lvl6pPr marL="2743200" indent="-384048" algn="l" defTabSz="914400" rtl="0" eaLnBrk="1" latinLnBrk="0" hangingPunct="1">
+              <a:lnSpc>
+                <a:spcPct val="94000"/>
+              </a:lnSpc>
+              <a:spcBef>
+                <a:spcPts val="500"/>
+              </a:spcBef>
+              <a:spcAft>
+                <a:spcPts val="200"/>
+              </a:spcAft>
+              <a:buFont typeface="Franklin Gothic Book" panose="020B0503020102020204" pitchFamily="34" charset="0"/>
+              <a:buChar char="–"/>
+              <a:defRPr sz="1600" i="1" kern="1200" baseline="0">
+                <a:solidFill>
+                  <a:schemeClr val="tx2"/>
+                </a:solidFill>
+                <a:latin typeface="+mn-lt"/>
+                <a:ea typeface="+mn-ea"/>
+                <a:cs typeface="+mn-cs"/>
+              </a:defRPr>
+            </a:lvl6pPr>
+            <a:lvl7pPr marL="3200400" indent="-384048" algn="l" defTabSz="914400" rtl="0" eaLnBrk="1" latinLnBrk="0" hangingPunct="1">
+              <a:lnSpc>
+                <a:spcPct val="94000"/>
+              </a:lnSpc>
+              <a:spcBef>
+                <a:spcPts val="500"/>
+              </a:spcBef>
+              <a:spcAft>
+                <a:spcPts val="200"/>
+              </a:spcAft>
+              <a:buFont typeface="Franklin Gothic Book" panose="020B0503020102020204" pitchFamily="34" charset="0"/>
+              <a:buChar char="■"/>
+              <a:defRPr sz="1400" kern="1200" baseline="0">
+                <a:solidFill>
+                  <a:schemeClr val="tx2"/>
+                </a:solidFill>
+                <a:latin typeface="+mn-lt"/>
+                <a:ea typeface="+mn-ea"/>
+                <a:cs typeface="+mn-cs"/>
+              </a:defRPr>
+            </a:lvl7pPr>
+            <a:lvl8pPr marL="3657600" indent="-384048" algn="l" defTabSz="914400" rtl="0" eaLnBrk="1" latinLnBrk="0" hangingPunct="1">
+              <a:lnSpc>
+                <a:spcPct val="94000"/>
+              </a:lnSpc>
+              <a:spcBef>
+                <a:spcPts val="500"/>
+              </a:spcBef>
+              <a:spcAft>
+                <a:spcPts val="200"/>
+              </a:spcAft>
+              <a:buFont typeface="Franklin Gothic Book" panose="020B0503020102020204" pitchFamily="34" charset="0"/>
+              <a:buChar char="–"/>
+              <a:defRPr sz="1400" i="1" kern="1200" baseline="0">
+                <a:solidFill>
+                  <a:schemeClr val="tx2"/>
+                </a:solidFill>
+                <a:latin typeface="+mn-lt"/>
+                <a:ea typeface="+mn-ea"/>
+                <a:cs typeface="+mn-cs"/>
+              </a:defRPr>
+            </a:lvl8pPr>
+            <a:lvl9pPr marL="4114800" indent="-384048" algn="l" defTabSz="914400" rtl="0" eaLnBrk="1" latinLnBrk="0" hangingPunct="1">
+              <a:lnSpc>
+                <a:spcPct val="94000"/>
+              </a:lnSpc>
+              <a:spcBef>
+                <a:spcPts val="500"/>
+              </a:spcBef>
+              <a:spcAft>
+                <a:spcPts val="200"/>
+              </a:spcAft>
+              <a:buFont typeface="Franklin Gothic Book" panose="020B0503020102020204" pitchFamily="34" charset="0"/>
+              <a:buChar char="■"/>
+              <a:defRPr sz="1400" kern="1200" baseline="0">
+                <a:solidFill>
+                  <a:schemeClr val="tx2"/>
+                </a:solidFill>
+                <a:latin typeface="+mn-lt"/>
+                <a:ea typeface="+mn-ea"/>
+                <a:cs typeface="+mn-cs"/>
+              </a:defRPr>
+            </a:lvl9pPr>
+          </a:lstStyle>
+          <a:p>
+            <a:endParaRPr lang="en-US" dirty="0"/>
+          </a:p>
+        </p:txBody>
+      </p:sp>
+      <p:sp>
+        <p:nvSpPr>
+          <p:cNvPr id="1036" name="Rectangle 1035">
+            <a:extLst>
+              <a:ext uri="{FF2B5EF4-FFF2-40B4-BE49-F238E27FC236}">
+                <a16:creationId xmlns:a16="http://schemas.microsoft.com/office/drawing/2014/main" id="{F0D59B0B-0F4B-400A-8C76-9FEB0C0CECB5}"/>
+              </a:ext>
+            </a:extLst>
+          </p:cNvPr>
+          <p:cNvSpPr/>
+          <p:nvPr/>
+        </p:nvSpPr>
+        <p:spPr>
+          <a:xfrm>
+            <a:off x="833434" y="6486890"/>
+            <a:ext cx="9864811" cy="307777"/>
+          </a:xfrm>
+          <a:prstGeom prst="rect">
+            <a:avLst/>
+          </a:prstGeom>
+        </p:spPr>
+        <p:txBody>
+          <a:bodyPr wrap="square">
+            <a:spAutoFit/>
+          </a:bodyPr>
+          <a:lstStyle/>
+          <a:p>
+            <a:r>
+              <a:rPr lang="en-US" sz="1400" dirty="0"/>
+              <a:t>https://www.kdnuggets.com/2016/10/battle-data-science-venn-diagrams.html</a:t>
+            </a:r>
+          </a:p>
+        </p:txBody>
+      </p:sp>
+      <p:pic>
+        <p:nvPicPr>
+          <p:cNvPr id="1037" name="Picture 1036">
+            <a:extLst>
+              <a:ext uri="{FF2B5EF4-FFF2-40B4-BE49-F238E27FC236}">
+                <a16:creationId xmlns:a16="http://schemas.microsoft.com/office/drawing/2014/main" id="{82F4F8DC-521C-435E-9362-8DE7435EBAB1}"/>
+              </a:ext>
+            </a:extLst>
+          </p:cNvPr>
+          <p:cNvPicPr>
+            <a:picLocks noChangeAspect="1"/>
+          </p:cNvPicPr>
+          <p:nvPr/>
+        </p:nvPicPr>
+        <p:blipFill>
+          <a:blip r:embed="rId2"/>
+          <a:stretch>
+            <a:fillRect/>
+          </a:stretch>
+        </p:blipFill>
+        <p:spPr>
+          <a:xfrm>
+            <a:off x="2717234" y="877330"/>
+            <a:ext cx="7837871" cy="5609560"/>
+          </a:xfrm>
+          <a:prstGeom prst="rect">
+            <a:avLst/>
+          </a:prstGeom>
+        </p:spPr>
+      </p:pic>
+    </p:spTree>
+    <p:extLst>
+      <p:ext uri="{BB962C8B-B14F-4D97-AF65-F5344CB8AC3E}">
+        <p14:creationId xmlns:p14="http://schemas.microsoft.com/office/powerpoint/2010/main" val="3214138073"/>
+      </p:ext>
+    </p:extLst>
+  </p:cSld>
+  <p:clrMapOvr>
+    <a:masterClrMapping/>
+  </p:clrMapOvr>
+</p:sld>
+</file>
+
+<file path=ppt/slides/slide4.xml><?xml version="1.0" encoding="utf-8"?>
+<p:sld xmlns:a="http://schemas.openxmlformats.org/drawingml/2006/main" xmlns:r="http://schemas.openxmlformats.org/officeDocument/2006/relationships" xmlns:p="http://schemas.openxmlformats.org/presentationml/2006/main">
+  <p:cSld>
+    <p:spTree>
+      <p:nvGrpSpPr>
+        <p:cNvPr id="1" name=""/>
+        <p:cNvGrpSpPr/>
+        <p:nvPr/>
+      </p:nvGrpSpPr>
+      <p:grpSpPr>
+        <a:xfrm>
+          <a:off x="0" y="0"/>
+          <a:ext cx="0" cy="0"/>
+          <a:chOff x="0" y="0"/>
+          <a:chExt cx="0" cy="0"/>
+        </a:xfrm>
+      </p:grpSpPr>
       <p:pic>
         <p:nvPicPr>
           <p:cNvPr id="12" name="Picture 11">
@@ -36410,356 +36737,6 @@
     <p:extLst>
       <p:ext uri="{BB962C8B-B14F-4D97-AF65-F5344CB8AC3E}">
         <p14:creationId xmlns:p14="http://schemas.microsoft.com/office/powerpoint/2010/main" val="1813844798"/>
-      </p:ext>
-    </p:extLst>
-  </p:cSld>
-  <p:clrMapOvr>
-    <a:masterClrMapping/>
-  </p:clrMapOvr>
-</p:sld>
-</file>
-
-<file path=ppt/slides/slide4.xml><?xml version="1.0" encoding="utf-8"?>
-<p:sld xmlns:a="http://schemas.openxmlformats.org/drawingml/2006/main" xmlns:r="http://schemas.openxmlformats.org/officeDocument/2006/relationships" xmlns:p="http://schemas.openxmlformats.org/presentationml/2006/main">
-  <p:cSld>
-    <p:spTree>
-      <p:nvGrpSpPr>
-        <p:cNvPr id="1" name=""/>
-        <p:cNvGrpSpPr/>
-        <p:nvPr/>
-      </p:nvGrpSpPr>
-      <p:grpSpPr>
-        <a:xfrm>
-          <a:off x="0" y="0"/>
-          <a:ext cx="0" cy="0"/>
-          <a:chOff x="0" y="0"/>
-          <a:chExt cx="0" cy="0"/>
-        </a:xfrm>
-      </p:grpSpPr>
-      <p:sp>
-        <p:nvSpPr>
-          <p:cNvPr id="2" name="Title 1">
-            <a:extLst>
-              <a:ext uri="{FF2B5EF4-FFF2-40B4-BE49-F238E27FC236}">
-                <a16:creationId xmlns:a16="http://schemas.microsoft.com/office/drawing/2014/main" id="{D1EBA635-2F7F-4838-A23A-2C3E13E2F1D5}"/>
-              </a:ext>
-            </a:extLst>
-          </p:cNvPr>
-          <p:cNvSpPr>
-            <a:spLocks noGrp="1"/>
-          </p:cNvSpPr>
-          <p:nvPr>
-            <p:ph type="title"/>
-          </p:nvPr>
-        </p:nvSpPr>
-        <p:spPr>
-          <a:xfrm>
-            <a:off x="1097045" y="281021"/>
-            <a:ext cx="9601200" cy="987729"/>
-          </a:xfrm>
-        </p:spPr>
-        <p:txBody>
-          <a:bodyPr/>
-          <a:lstStyle/>
-          <a:p>
-            <a:r>
-              <a:rPr lang="en-US" dirty="0"/>
-              <a:t>What is Data Science ?</a:t>
-            </a:r>
-          </a:p>
-        </p:txBody>
-      </p:sp>
-      <p:sp>
-        <p:nvSpPr>
-          <p:cNvPr id="4" name="Content Placeholder 2">
-            <a:extLst>
-              <a:ext uri="{FF2B5EF4-FFF2-40B4-BE49-F238E27FC236}">
-                <a16:creationId xmlns:a16="http://schemas.microsoft.com/office/drawing/2014/main" id="{CD97B703-0D68-4C3A-9692-C69CF75ED4AD}"/>
-              </a:ext>
-            </a:extLst>
-          </p:cNvPr>
-          <p:cNvSpPr txBox="1">
-            <a:spLocks/>
-          </p:cNvSpPr>
-          <p:nvPr/>
-        </p:nvSpPr>
-        <p:spPr>
-          <a:xfrm>
-            <a:off x="-215661" y="281021"/>
-            <a:ext cx="10550105" cy="5348378"/>
-          </a:xfrm>
-          <a:prstGeom prst="rect">
-            <a:avLst/>
-          </a:prstGeom>
-        </p:spPr>
-        <p:txBody>
-          <a:bodyPr vert="horz" lIns="91440" tIns="45720" rIns="91440" bIns="45720" rtlCol="0">
-            <a:normAutofit/>
-          </a:bodyPr>
-          <a:lstStyle>
-            <a:lvl1pPr marL="384048" indent="-384048" algn="l" defTabSz="914400" rtl="0" eaLnBrk="1" latinLnBrk="0" hangingPunct="1">
-              <a:lnSpc>
-                <a:spcPct val="94000"/>
-              </a:lnSpc>
-              <a:spcBef>
-                <a:spcPts val="1000"/>
-              </a:spcBef>
-              <a:spcAft>
-                <a:spcPts val="200"/>
-              </a:spcAft>
-              <a:buFont typeface="Franklin Gothic Book" panose="020B0503020102020204" pitchFamily="34" charset="0"/>
-              <a:buChar char="■"/>
-              <a:defRPr sz="2000" kern="1200" baseline="0">
-                <a:solidFill>
-                  <a:schemeClr val="tx2"/>
-                </a:solidFill>
-                <a:latin typeface="+mn-lt"/>
-                <a:ea typeface="+mn-ea"/>
-                <a:cs typeface="+mn-cs"/>
-              </a:defRPr>
-            </a:lvl1pPr>
-            <a:lvl2pPr marL="914400" indent="-384048" algn="l" defTabSz="914400" rtl="0" eaLnBrk="1" latinLnBrk="0" hangingPunct="1">
-              <a:lnSpc>
-                <a:spcPct val="94000"/>
-              </a:lnSpc>
-              <a:spcBef>
-                <a:spcPts val="500"/>
-              </a:spcBef>
-              <a:spcAft>
-                <a:spcPts val="200"/>
-              </a:spcAft>
-              <a:buFont typeface="Franklin Gothic Book" panose="020B0503020102020204" pitchFamily="34" charset="0"/>
-              <a:buChar char="–"/>
-              <a:defRPr sz="2000" i="1" kern="1200" baseline="0">
-                <a:solidFill>
-                  <a:schemeClr val="tx2"/>
-                </a:solidFill>
-                <a:latin typeface="+mn-lt"/>
-                <a:ea typeface="+mn-ea"/>
-                <a:cs typeface="+mn-cs"/>
-              </a:defRPr>
-            </a:lvl2pPr>
-            <a:lvl3pPr marL="1371600" indent="-384048" algn="l" defTabSz="914400" rtl="0" eaLnBrk="1" latinLnBrk="0" hangingPunct="1">
-              <a:lnSpc>
-                <a:spcPct val="94000"/>
-              </a:lnSpc>
-              <a:spcBef>
-                <a:spcPts val="500"/>
-              </a:spcBef>
-              <a:spcAft>
-                <a:spcPts val="200"/>
-              </a:spcAft>
-              <a:buFont typeface="Franklin Gothic Book" panose="020B0503020102020204" pitchFamily="34" charset="0"/>
-              <a:buChar char="■"/>
-              <a:defRPr sz="1800" kern="1200" baseline="0">
-                <a:solidFill>
-                  <a:schemeClr val="tx2"/>
-                </a:solidFill>
-                <a:latin typeface="+mn-lt"/>
-                <a:ea typeface="+mn-ea"/>
-                <a:cs typeface="+mn-cs"/>
-              </a:defRPr>
-            </a:lvl3pPr>
-            <a:lvl4pPr marL="1828800" indent="-384048" algn="l" defTabSz="914400" rtl="0" eaLnBrk="1" latinLnBrk="0" hangingPunct="1">
-              <a:lnSpc>
-                <a:spcPct val="94000"/>
-              </a:lnSpc>
-              <a:spcBef>
-                <a:spcPts val="500"/>
-              </a:spcBef>
-              <a:spcAft>
-                <a:spcPts val="200"/>
-              </a:spcAft>
-              <a:buFont typeface="Franklin Gothic Book" panose="020B0503020102020204" pitchFamily="34" charset="0"/>
-              <a:buChar char="–"/>
-              <a:defRPr sz="1800" i="1" kern="1200" baseline="0">
-                <a:solidFill>
-                  <a:schemeClr val="tx2"/>
-                </a:solidFill>
-                <a:latin typeface="+mn-lt"/>
-                <a:ea typeface="+mn-ea"/>
-                <a:cs typeface="+mn-cs"/>
-              </a:defRPr>
-            </a:lvl4pPr>
-            <a:lvl5pPr marL="2286000" indent="-384048" algn="l" defTabSz="914400" rtl="0" eaLnBrk="1" latinLnBrk="0" hangingPunct="1">
-              <a:lnSpc>
-                <a:spcPct val="94000"/>
-              </a:lnSpc>
-              <a:spcBef>
-                <a:spcPts val="500"/>
-              </a:spcBef>
-              <a:spcAft>
-                <a:spcPts val="200"/>
-              </a:spcAft>
-              <a:buFont typeface="Franklin Gothic Book" panose="020B0503020102020204" pitchFamily="34" charset="0"/>
-              <a:buChar char="■"/>
-              <a:defRPr sz="1600" kern="1200" baseline="0">
-                <a:solidFill>
-                  <a:schemeClr val="tx2"/>
-                </a:solidFill>
-                <a:latin typeface="+mn-lt"/>
-                <a:ea typeface="+mn-ea"/>
-                <a:cs typeface="+mn-cs"/>
-              </a:defRPr>
-            </a:lvl5pPr>
-            <a:lvl6pPr marL="2743200" indent="-384048" algn="l" defTabSz="914400" rtl="0" eaLnBrk="1" latinLnBrk="0" hangingPunct="1">
-              <a:lnSpc>
-                <a:spcPct val="94000"/>
-              </a:lnSpc>
-              <a:spcBef>
-                <a:spcPts val="500"/>
-              </a:spcBef>
-              <a:spcAft>
-                <a:spcPts val="200"/>
-              </a:spcAft>
-              <a:buFont typeface="Franklin Gothic Book" panose="020B0503020102020204" pitchFamily="34" charset="0"/>
-              <a:buChar char="–"/>
-              <a:defRPr sz="1600" i="1" kern="1200" baseline="0">
-                <a:solidFill>
-                  <a:schemeClr val="tx2"/>
-                </a:solidFill>
-                <a:latin typeface="+mn-lt"/>
-                <a:ea typeface="+mn-ea"/>
-                <a:cs typeface="+mn-cs"/>
-              </a:defRPr>
-            </a:lvl6pPr>
-            <a:lvl7pPr marL="3200400" indent="-384048" algn="l" defTabSz="914400" rtl="0" eaLnBrk="1" latinLnBrk="0" hangingPunct="1">
-              <a:lnSpc>
-                <a:spcPct val="94000"/>
-              </a:lnSpc>
-              <a:spcBef>
-                <a:spcPts val="500"/>
-              </a:spcBef>
-              <a:spcAft>
-                <a:spcPts val="200"/>
-              </a:spcAft>
-              <a:buFont typeface="Franklin Gothic Book" panose="020B0503020102020204" pitchFamily="34" charset="0"/>
-              <a:buChar char="■"/>
-              <a:defRPr sz="1400" kern="1200" baseline="0">
-                <a:solidFill>
-                  <a:schemeClr val="tx2"/>
-                </a:solidFill>
-                <a:latin typeface="+mn-lt"/>
-                <a:ea typeface="+mn-ea"/>
-                <a:cs typeface="+mn-cs"/>
-              </a:defRPr>
-            </a:lvl7pPr>
-            <a:lvl8pPr marL="3657600" indent="-384048" algn="l" defTabSz="914400" rtl="0" eaLnBrk="1" latinLnBrk="0" hangingPunct="1">
-              <a:lnSpc>
-                <a:spcPct val="94000"/>
-              </a:lnSpc>
-              <a:spcBef>
-                <a:spcPts val="500"/>
-              </a:spcBef>
-              <a:spcAft>
-                <a:spcPts val="200"/>
-              </a:spcAft>
-              <a:buFont typeface="Franklin Gothic Book" panose="020B0503020102020204" pitchFamily="34" charset="0"/>
-              <a:buChar char="–"/>
-              <a:defRPr sz="1400" i="1" kern="1200" baseline="0">
-                <a:solidFill>
-                  <a:schemeClr val="tx2"/>
-                </a:solidFill>
-                <a:latin typeface="+mn-lt"/>
-                <a:ea typeface="+mn-ea"/>
-                <a:cs typeface="+mn-cs"/>
-              </a:defRPr>
-            </a:lvl8pPr>
-            <a:lvl9pPr marL="4114800" indent="-384048" algn="l" defTabSz="914400" rtl="0" eaLnBrk="1" latinLnBrk="0" hangingPunct="1">
-              <a:lnSpc>
-                <a:spcPct val="94000"/>
-              </a:lnSpc>
-              <a:spcBef>
-                <a:spcPts val="500"/>
-              </a:spcBef>
-              <a:spcAft>
-                <a:spcPts val="200"/>
-              </a:spcAft>
-              <a:buFont typeface="Franklin Gothic Book" panose="020B0503020102020204" pitchFamily="34" charset="0"/>
-              <a:buChar char="■"/>
-              <a:defRPr sz="1400" kern="1200" baseline="0">
-                <a:solidFill>
-                  <a:schemeClr val="tx2"/>
-                </a:solidFill>
-                <a:latin typeface="+mn-lt"/>
-                <a:ea typeface="+mn-ea"/>
-                <a:cs typeface="+mn-cs"/>
-              </a:defRPr>
-            </a:lvl9pPr>
-          </a:lstStyle>
-          <a:p>
-            <a:endParaRPr lang="en-US" dirty="0"/>
-          </a:p>
-        </p:txBody>
-      </p:sp>
-      <p:sp>
-        <p:nvSpPr>
-          <p:cNvPr id="1036" name="Rectangle 1035">
-            <a:extLst>
-              <a:ext uri="{FF2B5EF4-FFF2-40B4-BE49-F238E27FC236}">
-                <a16:creationId xmlns:a16="http://schemas.microsoft.com/office/drawing/2014/main" id="{F0D59B0B-0F4B-400A-8C76-9FEB0C0CECB5}"/>
-              </a:ext>
-            </a:extLst>
-          </p:cNvPr>
-          <p:cNvSpPr/>
-          <p:nvPr/>
-        </p:nvSpPr>
-        <p:spPr>
-          <a:xfrm>
-            <a:off x="833434" y="6423090"/>
-            <a:ext cx="9864811" cy="307777"/>
-          </a:xfrm>
-          <a:prstGeom prst="rect">
-            <a:avLst/>
-          </a:prstGeom>
-        </p:spPr>
-        <p:txBody>
-          <a:bodyPr wrap="square">
-            <a:spAutoFit/>
-          </a:bodyPr>
-          <a:lstStyle/>
-          <a:p>
-            <a:r>
-              <a:rPr lang="en-US" sz="1400" dirty="0"/>
-              <a:t>https://www.kdnuggets.com/2016/10/battle-data-science-venn-diagrams.html</a:t>
-            </a:r>
-          </a:p>
-        </p:txBody>
-      </p:sp>
-      <p:pic>
-        <p:nvPicPr>
-          <p:cNvPr id="1037" name="Picture 1036">
-            <a:extLst>
-              <a:ext uri="{FF2B5EF4-FFF2-40B4-BE49-F238E27FC236}">
-                <a16:creationId xmlns:a16="http://schemas.microsoft.com/office/drawing/2014/main" id="{82F4F8DC-521C-435E-9362-8DE7435EBAB1}"/>
-              </a:ext>
-            </a:extLst>
-          </p:cNvPr>
-          <p:cNvPicPr>
-            <a:picLocks noChangeAspect="1"/>
-          </p:cNvPicPr>
-          <p:nvPr/>
-        </p:nvPicPr>
-        <p:blipFill>
-          <a:blip r:embed="rId2"/>
-          <a:stretch>
-            <a:fillRect/>
-          </a:stretch>
-        </p:blipFill>
-        <p:spPr>
-          <a:xfrm>
-            <a:off x="2717234" y="877330"/>
-            <a:ext cx="7837871" cy="5609560"/>
-          </a:xfrm>
-          <a:prstGeom prst="rect">
-            <a:avLst/>
-          </a:prstGeom>
-        </p:spPr>
-      </p:pic>
-    </p:spTree>
-    <p:extLst>
-      <p:ext uri="{BB962C8B-B14F-4D97-AF65-F5344CB8AC3E}">
-        <p14:creationId xmlns:p14="http://schemas.microsoft.com/office/powerpoint/2010/main" val="3214138073"/>
       </p:ext>
     </p:extLst>
   </p:cSld>
